--- a/figures/figures.pptx
+++ b/figures/figures.pptx
@@ -8,12 +8,13 @@
     <p:sldId id="258" r:id="rId2"/>
     <p:sldId id="259" r:id="rId3"/>
     <p:sldId id="261" r:id="rId4"/>
-    <p:sldId id="260" r:id="rId5"/>
-    <p:sldId id="262" r:id="rId6"/>
-    <p:sldId id="263" r:id="rId7"/>
-    <p:sldId id="264" r:id="rId8"/>
-    <p:sldId id="265" r:id="rId9"/>
-    <p:sldId id="266" r:id="rId10"/>
+    <p:sldId id="267" r:id="rId5"/>
+    <p:sldId id="260" r:id="rId6"/>
+    <p:sldId id="262" r:id="rId7"/>
+    <p:sldId id="263" r:id="rId8"/>
+    <p:sldId id="264" r:id="rId9"/>
+    <p:sldId id="265" r:id="rId10"/>
+    <p:sldId id="266" r:id="rId11"/>
   </p:sldIdLst>
   <p:sldSz cx="12192000" cy="6858000"/>
   <p:notesSz cx="6858000" cy="9144000"/>
@@ -112,6 +113,11 @@
       </a:defRPr>
     </a:lvl9pPr>
   </p:defaultTextStyle>
+  <p:extLst>
+    <p:ext uri="{EFAFB233-063F-42B5-8137-9DF3F51BA10A}">
+      <p15:sldGuideLst xmlns:p15="http://schemas.microsoft.com/office/powerpoint/2012/main"/>
+    </p:ext>
+  </p:extLst>
 </p:presentation>
 </file>
 
@@ -2248,16 +2254,16 @@
     <dgm:cxn modelId="{94FD9F41-3620-F947-9CBA-F8823E94BAAD}" type="presOf" srcId="{FA861C74-A4AA-6341-A5A4-19F33298102E}" destId="{F4B44CBC-FC47-1543-B4A9-F5AEB5CEB6BF}" srcOrd="0" destOrd="0" presId="urn:microsoft.com/office/officeart/2005/8/layout/process1"/>
     <dgm:cxn modelId="{8426580D-542A-CD4C-B2E1-71E21351046D}" type="presOf" srcId="{DF7BE7E2-BD5F-EF42-98DF-684B0794E6B7}" destId="{2D708B46-B09A-7F44-A9C5-AB1FDCCB92AC}" srcOrd="0" destOrd="4" presId="urn:microsoft.com/office/officeart/2005/8/layout/process1"/>
     <dgm:cxn modelId="{313269EF-8E69-A54A-8950-3578A4BCCFC4}" type="presOf" srcId="{B170FB99-8909-414F-A4FC-4553DD906590}" destId="{1A8802C5-3316-8E4D-AF91-213A1FB07CB7}" srcOrd="0" destOrd="0" presId="urn:microsoft.com/office/officeart/2005/8/layout/process1"/>
+    <dgm:cxn modelId="{EC182979-58B4-A347-90E0-929D046F46B6}" type="presOf" srcId="{DE49E2BA-261B-EC46-BAF7-6B78BDB6F06F}" destId="{4A554E7B-4565-9144-9E8A-ED84F42D6595}" srcOrd="0" destOrd="0" presId="urn:microsoft.com/office/officeart/2005/8/layout/process1"/>
     <dgm:cxn modelId="{65F9519C-8DCA-3242-AB72-34F5454955E7}" srcId="{DE49E2BA-261B-EC46-BAF7-6B78BDB6F06F}" destId="{E87FC9F4-306A-C441-847C-3B779F386673}" srcOrd="3" destOrd="0" parTransId="{59685BE7-ADA0-B24C-9379-A9C402B1D281}" sibTransId="{4CC5DAE6-00C4-BD4A-B969-A1FB5B516F57}"/>
-    <dgm:cxn modelId="{EC182979-58B4-A347-90E0-929D046F46B6}" type="presOf" srcId="{DE49E2BA-261B-EC46-BAF7-6B78BDB6F06F}" destId="{4A554E7B-4565-9144-9E8A-ED84F42D6595}" srcOrd="0" destOrd="0" presId="urn:microsoft.com/office/officeart/2005/8/layout/process1"/>
     <dgm:cxn modelId="{B2CD1287-4C8F-494A-8565-0CD9C02D8648}" type="presOf" srcId="{E87FC9F4-306A-C441-847C-3B779F386673}" destId="{2D708B46-B09A-7F44-A9C5-AB1FDCCB92AC}" srcOrd="0" destOrd="0" presId="urn:microsoft.com/office/officeart/2005/8/layout/process1"/>
     <dgm:cxn modelId="{40AAE761-E83E-734E-8A7B-2D6C500EE497}" type="presOf" srcId="{D29243F3-EA9B-7C4B-B882-B4CED33A4238}" destId="{2D708B46-B09A-7F44-A9C5-AB1FDCCB92AC}" srcOrd="0" destOrd="6" presId="urn:microsoft.com/office/officeart/2005/8/layout/process1"/>
     <dgm:cxn modelId="{AF57251B-36FC-EF4E-A3C3-7F09B58C2A7E}" type="presOf" srcId="{5EDB0D77-09F0-0C4F-B332-E852A176F79A}" destId="{E324EA71-C9AB-2943-812E-646AB1B31125}" srcOrd="0" destOrd="0" presId="urn:microsoft.com/office/officeart/2005/8/layout/process1"/>
     <dgm:cxn modelId="{C844C33E-DA5F-8942-9844-1CBD451345BB}" type="presOf" srcId="{4CC5DAE6-00C4-BD4A-B969-A1FB5B516F57}" destId="{FC94D377-6A7C-C04B-BE77-5081195182EA}" srcOrd="1" destOrd="0" presId="urn:microsoft.com/office/officeart/2005/8/layout/process1"/>
     <dgm:cxn modelId="{855E6D9A-FA1C-9C4C-B9A1-FFBC39FB03B3}" type="presOf" srcId="{FA861C74-A4AA-6341-A5A4-19F33298102E}" destId="{80A3280C-1FE1-F741-8E7B-2B8CCCBB28E5}" srcOrd="1" destOrd="0" presId="urn:microsoft.com/office/officeart/2005/8/layout/process1"/>
     <dgm:cxn modelId="{250E2E38-BF47-8845-883D-86B195F8F9C9}" type="presOf" srcId="{0D3DF110-F666-A04E-8B34-4B0F25524A57}" destId="{2D708B46-B09A-7F44-A9C5-AB1FDCCB92AC}" srcOrd="0" destOrd="3" presId="urn:microsoft.com/office/officeart/2005/8/layout/process1"/>
+    <dgm:cxn modelId="{81FC590E-103A-A542-A7C3-54560D8DE9DC}" type="presOf" srcId="{D8DAD879-37C7-774C-B149-B7250DD6D502}" destId="{435D2948-DD5F-BA48-A4C2-3ADB352C2698}" srcOrd="0" destOrd="0" presId="urn:microsoft.com/office/officeart/2005/8/layout/process1"/>
     <dgm:cxn modelId="{24506CFE-45C4-554F-85DD-6483136E93BA}" type="presOf" srcId="{533BC168-BC76-C14E-8694-1DC3B6CF54C5}" destId="{3029052C-E3B7-CC46-8E23-37ABEDD15F03}" srcOrd="0" destOrd="0" presId="urn:microsoft.com/office/officeart/2005/8/layout/process1"/>
-    <dgm:cxn modelId="{81FC590E-103A-A542-A7C3-54560D8DE9DC}" type="presOf" srcId="{D8DAD879-37C7-774C-B149-B7250DD6D502}" destId="{435D2948-DD5F-BA48-A4C2-3ADB352C2698}" srcOrd="0" destOrd="0" presId="urn:microsoft.com/office/officeart/2005/8/layout/process1"/>
     <dgm:cxn modelId="{CB9A7038-0082-124D-944C-551138D6FD64}" srcId="{DE49E2BA-261B-EC46-BAF7-6B78BDB6F06F}" destId="{9887AAD4-671C-2243-B23F-6F6D102A4012}" srcOrd="0" destOrd="0" parTransId="{D5F7F628-C446-034C-A5DE-9482DE1570B8}" sibTransId="{B170FB99-8909-414F-A4FC-4553DD906590}"/>
     <dgm:cxn modelId="{D562C236-CA90-4D40-84B7-018CDBEBBDB7}" type="presOf" srcId="{9887AAD4-671C-2243-B23F-6F6D102A4012}" destId="{BB567044-1BE6-FA4E-BC0C-29580823B6FB}" srcOrd="0" destOrd="0" presId="urn:microsoft.com/office/officeart/2005/8/layout/process1"/>
     <dgm:cxn modelId="{1A10F469-1A1D-6E44-8760-2C41AC2B313D}" srcId="{E87FC9F4-306A-C441-847C-3B779F386673}" destId="{94769534-4246-8C4F-A5A5-FDCD149EA162}" srcOrd="4" destOrd="0" parTransId="{75F7124E-82E3-C04C-B862-F686848CD179}" sibTransId="{8D2569AF-BC24-D947-8477-93C1747FC4C1}"/>
@@ -2685,9 +2691,9 @@
     </dgm:pt>
   </dgm:ptLst>
   <dgm:cxnLst>
-    <dgm:cxn modelId="{4CF37A09-54D8-3D42-AB99-C23496C0D60C}" type="presOf" srcId="{B170FB99-8909-414F-A4FC-4553DD906590}" destId="{1A8802C5-3316-8E4D-AF91-213A1FB07CB7}" srcOrd="0" destOrd="0" presId="urn:microsoft.com/office/officeart/2005/8/layout/process1"/>
     <dgm:cxn modelId="{426CB8CE-23A7-C54C-9A64-CF9E166BDD50}" type="presOf" srcId="{FA861C74-A4AA-6341-A5A4-19F33298102E}" destId="{F4B44CBC-FC47-1543-B4A9-F5AEB5CEB6BF}" srcOrd="0" destOrd="0" presId="urn:microsoft.com/office/officeart/2005/8/layout/process1"/>
     <dgm:cxn modelId="{DE807855-9CDD-324C-81D4-3B87064B6B29}" srcId="{DE49E2BA-261B-EC46-BAF7-6B78BDB6F06F}" destId="{5251FC95-52A4-DA43-90C4-BEF4D9B3E10E}" srcOrd="4" destOrd="0" parTransId="{B584EBF7-2A7D-E045-BCC4-FE73521BF4F3}" sibTransId="{3C854AC4-90AA-854D-BFF7-6114E9ACB01C}"/>
+    <dgm:cxn modelId="{4CF37A09-54D8-3D42-AB99-C23496C0D60C}" type="presOf" srcId="{B170FB99-8909-414F-A4FC-4553DD906590}" destId="{1A8802C5-3316-8E4D-AF91-213A1FB07CB7}" srcOrd="0" destOrd="0" presId="urn:microsoft.com/office/officeart/2005/8/layout/process1"/>
     <dgm:cxn modelId="{F550F3EB-D554-514D-9172-65DAE540D191}" srcId="{DE49E2BA-261B-EC46-BAF7-6B78BDB6F06F}" destId="{D8DAD879-37C7-774C-B149-B7250DD6D502}" srcOrd="3" destOrd="0" parTransId="{3057D897-29F9-DD49-B58A-81904BB7F42F}" sibTransId="{FA861C74-A4AA-6341-A5A4-19F33298102E}"/>
     <dgm:cxn modelId="{B257B745-A9CD-6147-A01C-9AFE37BAEB28}" type="presOf" srcId="{FA861C74-A4AA-6341-A5A4-19F33298102E}" destId="{80A3280C-1FE1-F741-8E7B-2B8CCCBB28E5}" srcOrd="1" destOrd="0" presId="urn:microsoft.com/office/officeart/2005/8/layout/process1"/>
     <dgm:cxn modelId="{A7327805-9BD8-DD46-800F-2528E617CE1C}" type="presOf" srcId="{D8DAD879-37C7-774C-B149-B7250DD6D502}" destId="{435D2948-DD5F-BA48-A4C2-3ADB352C2698}" srcOrd="0" destOrd="0" presId="urn:microsoft.com/office/officeart/2005/8/layout/process1"/>
@@ -2695,15 +2701,15 @@
     <dgm:cxn modelId="{7655A7DE-AEF1-CB45-8E72-38EE0E407EEC}" type="presOf" srcId="{801AFE1A-416D-E74C-BBFD-557415AE0194}" destId="{C5062774-D3A7-8B40-8FDE-995EBC7DED98}" srcOrd="0" destOrd="0" presId="urn:microsoft.com/office/officeart/2005/8/layout/process1"/>
     <dgm:cxn modelId="{D654CCFC-B33C-9C4D-9DE3-9AA33417F741}" type="presOf" srcId="{5251FC95-52A4-DA43-90C4-BEF4D9B3E10E}" destId="{93C48DAD-00D2-4A4E-AC72-7CB3A0545D4B}" srcOrd="0" destOrd="0" presId="urn:microsoft.com/office/officeart/2005/8/layout/process1"/>
     <dgm:cxn modelId="{864EBDA7-DBC3-3743-B613-9495D6EADC5F}" type="presOf" srcId="{533BC168-BC76-C14E-8694-1DC3B6CF54C5}" destId="{3029052C-E3B7-CC46-8E23-37ABEDD15F03}" srcOrd="0" destOrd="0" presId="urn:microsoft.com/office/officeart/2005/8/layout/process1"/>
+    <dgm:cxn modelId="{69B993C8-5B5B-004A-A7B6-43B70044203E}" type="presOf" srcId="{533BC168-BC76-C14E-8694-1DC3B6CF54C5}" destId="{A8C226CF-C78B-EB4E-86A6-1B0387CFF648}" srcOrd="1" destOrd="0" presId="urn:microsoft.com/office/officeart/2005/8/layout/process1"/>
     <dgm:cxn modelId="{7F1C225A-91D9-C84E-ABEC-B09A4605E406}" type="presOf" srcId="{486F902B-586B-8044-9F9C-0B0AEA8029F9}" destId="{93205773-7419-ED4D-91F8-2A24298BF005}" srcOrd="1" destOrd="0" presId="urn:microsoft.com/office/officeart/2005/8/layout/process1"/>
-    <dgm:cxn modelId="{69B993C8-5B5B-004A-A7B6-43B70044203E}" type="presOf" srcId="{533BC168-BC76-C14E-8694-1DC3B6CF54C5}" destId="{A8C226CF-C78B-EB4E-86A6-1B0387CFF648}" srcOrd="1" destOrd="0" presId="urn:microsoft.com/office/officeart/2005/8/layout/process1"/>
     <dgm:cxn modelId="{CB9A7038-0082-124D-944C-551138D6FD64}" srcId="{DE49E2BA-261B-EC46-BAF7-6B78BDB6F06F}" destId="{9887AAD4-671C-2243-B23F-6F6D102A4012}" srcOrd="1" destOrd="0" parTransId="{D5F7F628-C446-034C-A5DE-9482DE1570B8}" sibTransId="{B170FB99-8909-414F-A4FC-4553DD906590}"/>
     <dgm:cxn modelId="{B100615C-4220-A446-A9F1-54FE4617F2CA}" type="presOf" srcId="{5EDB0D77-09F0-0C4F-B332-E852A176F79A}" destId="{E324EA71-C9AB-2943-812E-646AB1B31125}" srcOrd="0" destOrd="0" presId="urn:microsoft.com/office/officeart/2005/8/layout/process1"/>
     <dgm:cxn modelId="{C819FC94-FBFE-E34A-A327-4A27395151CD}" type="presOf" srcId="{486F902B-586B-8044-9F9C-0B0AEA8029F9}" destId="{FF12BBB7-C98F-004B-97D1-6F33A956F885}" srcOrd="0" destOrd="0" presId="urn:microsoft.com/office/officeart/2005/8/layout/process1"/>
     <dgm:cxn modelId="{6FE90E6E-3041-9640-856C-0F56175D90F8}" type="presOf" srcId="{B170FB99-8909-414F-A4FC-4553DD906590}" destId="{E73AAB45-BA46-5E42-A3FA-3E92D321988C}" srcOrd="1" destOrd="0" presId="urn:microsoft.com/office/officeart/2005/8/layout/process1"/>
     <dgm:cxn modelId="{BB304414-4573-A945-A6B9-D92B37E06E0E}" srcId="{DE49E2BA-261B-EC46-BAF7-6B78BDB6F06F}" destId="{801AFE1A-416D-E74C-BBFD-557415AE0194}" srcOrd="2" destOrd="0" parTransId="{2727C292-B037-A740-B806-A17CA3BCFCD5}" sibTransId="{533BC168-BC76-C14E-8694-1DC3B6CF54C5}"/>
+    <dgm:cxn modelId="{2F6EDDF8-1A52-CA4F-AC56-E7B813883AFC}" srcId="{DE49E2BA-261B-EC46-BAF7-6B78BDB6F06F}" destId="{5EDB0D77-09F0-0C4F-B332-E852A176F79A}" srcOrd="0" destOrd="0" parTransId="{6905B776-7DF3-2743-A7A0-DC627995A528}" sibTransId="{486F902B-586B-8044-9F9C-0B0AEA8029F9}"/>
     <dgm:cxn modelId="{FC07CA1A-5A89-A34B-BC81-B07378114F9A}" type="presOf" srcId="{9887AAD4-671C-2243-B23F-6F6D102A4012}" destId="{BB567044-1BE6-FA4E-BC0C-29580823B6FB}" srcOrd="0" destOrd="0" presId="urn:microsoft.com/office/officeart/2005/8/layout/process1"/>
-    <dgm:cxn modelId="{2F6EDDF8-1A52-CA4F-AC56-E7B813883AFC}" srcId="{DE49E2BA-261B-EC46-BAF7-6B78BDB6F06F}" destId="{5EDB0D77-09F0-0C4F-B332-E852A176F79A}" srcOrd="0" destOrd="0" parTransId="{6905B776-7DF3-2743-A7A0-DC627995A528}" sibTransId="{486F902B-586B-8044-9F9C-0B0AEA8029F9}"/>
     <dgm:cxn modelId="{80CF1ADA-AC03-0246-A9C5-2573A6852BB1}" type="presParOf" srcId="{4A554E7B-4565-9144-9E8A-ED84F42D6595}" destId="{E324EA71-C9AB-2943-812E-646AB1B31125}" srcOrd="0" destOrd="0" presId="urn:microsoft.com/office/officeart/2005/8/layout/process1"/>
     <dgm:cxn modelId="{0B8E1EEA-F683-5E42-8906-DD23252128BF}" type="presParOf" srcId="{4A554E7B-4565-9144-9E8A-ED84F42D6595}" destId="{FF12BBB7-C98F-004B-97D1-6F33A956F885}" srcOrd="1" destOrd="0" presId="urn:microsoft.com/office/officeart/2005/8/layout/process1"/>
     <dgm:cxn modelId="{56C9F803-799C-3147-830A-E0A956C21914}" type="presParOf" srcId="{FF12BBB7-C98F-004B-97D1-6F33A956F885}" destId="{93205773-7419-ED4D-91F8-2A24298BF005}" srcOrd="0" destOrd="0" presId="urn:microsoft.com/office/officeart/2005/8/layout/process1"/>
@@ -7052,7 +7058,7 @@
           <a:p>
             <a:fld id="{0B81B261-3E97-594D-92FE-9F195E76D39F}" type="datetimeFigureOut">
               <a:rPr lang="en-US" smtClean="0"/>
-              <a:t>5/6/17</a:t>
+              <a:t>5/10/17</a:t>
             </a:fld>
             <a:endParaRPr lang="en-US"/>
           </a:p>
@@ -7222,7 +7228,7 @@
           <a:p>
             <a:fld id="{0B81B261-3E97-594D-92FE-9F195E76D39F}" type="datetimeFigureOut">
               <a:rPr lang="en-US" smtClean="0"/>
-              <a:t>5/6/17</a:t>
+              <a:t>5/10/17</a:t>
             </a:fld>
             <a:endParaRPr lang="en-US"/>
           </a:p>
@@ -7402,7 +7408,7 @@
           <a:p>
             <a:fld id="{0B81B261-3E97-594D-92FE-9F195E76D39F}" type="datetimeFigureOut">
               <a:rPr lang="en-US" smtClean="0"/>
-              <a:t>5/6/17</a:t>
+              <a:t>5/10/17</a:t>
             </a:fld>
             <a:endParaRPr lang="en-US"/>
           </a:p>
@@ -7572,7 +7578,7 @@
           <a:p>
             <a:fld id="{0B81B261-3E97-594D-92FE-9F195E76D39F}" type="datetimeFigureOut">
               <a:rPr lang="en-US" smtClean="0"/>
-              <a:t>5/6/17</a:t>
+              <a:t>5/10/17</a:t>
             </a:fld>
             <a:endParaRPr lang="en-US"/>
           </a:p>
@@ -7818,7 +7824,7 @@
           <a:p>
             <a:fld id="{0B81B261-3E97-594D-92FE-9F195E76D39F}" type="datetimeFigureOut">
               <a:rPr lang="en-US" smtClean="0"/>
-              <a:t>5/6/17</a:t>
+              <a:t>5/10/17</a:t>
             </a:fld>
             <a:endParaRPr lang="en-US"/>
           </a:p>
@@ -8050,7 +8056,7 @@
           <a:p>
             <a:fld id="{0B81B261-3E97-594D-92FE-9F195E76D39F}" type="datetimeFigureOut">
               <a:rPr lang="en-US" smtClean="0"/>
-              <a:t>5/6/17</a:t>
+              <a:t>5/10/17</a:t>
             </a:fld>
             <a:endParaRPr lang="en-US"/>
           </a:p>
@@ -8417,7 +8423,7 @@
           <a:p>
             <a:fld id="{0B81B261-3E97-594D-92FE-9F195E76D39F}" type="datetimeFigureOut">
               <a:rPr lang="en-US" smtClean="0"/>
-              <a:t>5/6/17</a:t>
+              <a:t>5/10/17</a:t>
             </a:fld>
             <a:endParaRPr lang="en-US"/>
           </a:p>
@@ -8535,7 +8541,7 @@
           <a:p>
             <a:fld id="{0B81B261-3E97-594D-92FE-9F195E76D39F}" type="datetimeFigureOut">
               <a:rPr lang="en-US" smtClean="0"/>
-              <a:t>5/6/17</a:t>
+              <a:t>5/10/17</a:t>
             </a:fld>
             <a:endParaRPr lang="en-US"/>
           </a:p>
@@ -8630,7 +8636,7 @@
           <a:p>
             <a:fld id="{0B81B261-3E97-594D-92FE-9F195E76D39F}" type="datetimeFigureOut">
               <a:rPr lang="en-US" smtClean="0"/>
-              <a:t>5/6/17</a:t>
+              <a:t>5/10/17</a:t>
             </a:fld>
             <a:endParaRPr lang="en-US"/>
           </a:p>
@@ -8907,7 +8913,7 @@
           <a:p>
             <a:fld id="{0B81B261-3E97-594D-92FE-9F195E76D39F}" type="datetimeFigureOut">
               <a:rPr lang="en-US" smtClean="0"/>
-              <a:t>5/6/17</a:t>
+              <a:t>5/10/17</a:t>
             </a:fld>
             <a:endParaRPr lang="en-US"/>
           </a:p>
@@ -9160,7 +9166,7 @@
           <a:p>
             <a:fld id="{0B81B261-3E97-594D-92FE-9F195E76D39F}" type="datetimeFigureOut">
               <a:rPr lang="en-US" smtClean="0"/>
-              <a:t>5/6/17</a:t>
+              <a:t>5/10/17</a:t>
             </a:fld>
             <a:endParaRPr lang="en-US"/>
           </a:p>
@@ -9373,7 +9379,7 @@
           <a:p>
             <a:fld id="{0B81B261-3E97-594D-92FE-9F195E76D39F}" type="datetimeFigureOut">
               <a:rPr lang="en-US" smtClean="0"/>
-              <a:t>5/6/17</a:t>
+              <a:t>5/10/17</a:t>
             </a:fld>
             <a:endParaRPr lang="en-US"/>
           </a:p>
@@ -9857,6 +9863,490 @@
 </p:sld>
 </file>
 
+<file path=ppt/slides/slide10.xml><?xml version="1.0" encoding="utf-8"?>
+<p:sld xmlns:a="http://schemas.openxmlformats.org/drawingml/2006/main" xmlns:r="http://schemas.openxmlformats.org/officeDocument/2006/relationships" xmlns:p="http://schemas.openxmlformats.org/presentationml/2006/main">
+  <p:cSld>
+    <p:spTree>
+      <p:nvGrpSpPr>
+        <p:cNvPr id="1" name=""/>
+        <p:cNvGrpSpPr/>
+        <p:nvPr/>
+      </p:nvGrpSpPr>
+      <p:grpSpPr>
+        <a:xfrm>
+          <a:off x="0" y="0"/>
+          <a:ext cx="0" cy="0"/>
+          <a:chOff x="0" y="0"/>
+          <a:chExt cx="0" cy="0"/>
+        </a:xfrm>
+      </p:grpSpPr>
+      <p:sp>
+        <p:nvSpPr>
+          <p:cNvPr id="2" name="Title 1"/>
+          <p:cNvSpPr>
+            <a:spLocks noGrp="1"/>
+          </p:cNvSpPr>
+          <p:nvPr>
+            <p:ph type="title"/>
+          </p:nvPr>
+        </p:nvSpPr>
+        <p:spPr/>
+        <p:txBody>
+          <a:bodyPr/>
+          <a:lstStyle/>
+          <a:p>
+            <a:r>
+              <a:rPr lang="en-US" dirty="0" smtClean="0"/>
+              <a:t>SVITR Model</a:t>
+            </a:r>
+            <a:endParaRPr lang="en-US" dirty="0"/>
+          </a:p>
+        </p:txBody>
+      </p:sp>
+      <p:sp>
+        <p:nvSpPr>
+          <p:cNvPr id="5" name="Oval 4"/>
+          <p:cNvSpPr/>
+          <p:nvPr/>
+        </p:nvSpPr>
+        <p:spPr>
+          <a:xfrm>
+            <a:off x="1429407" y="3489434"/>
+            <a:ext cx="1271751" cy="1271751"/>
+          </a:xfrm>
+          <a:prstGeom prst="ellipse">
+            <a:avLst/>
+          </a:prstGeom>
+          <a:noFill/>
+          <a:ln w="38100">
+            <a:solidFill>
+              <a:schemeClr val="tx1"/>
+            </a:solidFill>
+          </a:ln>
+        </p:spPr>
+        <p:style>
+          <a:lnRef idx="2">
+            <a:schemeClr val="accent1">
+              <a:shade val="50000"/>
+            </a:schemeClr>
+          </a:lnRef>
+          <a:fillRef idx="1">
+            <a:schemeClr val="accent1"/>
+          </a:fillRef>
+          <a:effectRef idx="0">
+            <a:schemeClr val="accent1"/>
+          </a:effectRef>
+          <a:fontRef idx="minor">
+            <a:schemeClr val="lt1"/>
+          </a:fontRef>
+        </p:style>
+        <p:txBody>
+          <a:bodyPr rtlCol="0" anchor="ctr"/>
+          <a:lstStyle/>
+          <a:p>
+            <a:pPr algn="ctr"/>
+            <a:r>
+              <a:rPr lang="en-US" sz="6000" dirty="0" smtClean="0">
+                <a:solidFill>
+                  <a:schemeClr val="tx1"/>
+                </a:solidFill>
+              </a:rPr>
+              <a:t>S</a:t>
+            </a:r>
+            <a:endParaRPr lang="en-US" sz="6000" dirty="0">
+              <a:solidFill>
+                <a:schemeClr val="tx1"/>
+              </a:solidFill>
+            </a:endParaRPr>
+          </a:p>
+        </p:txBody>
+      </p:sp>
+      <p:sp>
+        <p:nvSpPr>
+          <p:cNvPr id="6" name="Oval 5"/>
+          <p:cNvSpPr/>
+          <p:nvPr/>
+        </p:nvSpPr>
+        <p:spPr>
+          <a:xfrm>
+            <a:off x="3788980" y="3489434"/>
+            <a:ext cx="1271751" cy="1271751"/>
+          </a:xfrm>
+          <a:prstGeom prst="ellipse">
+            <a:avLst/>
+          </a:prstGeom>
+          <a:noFill/>
+          <a:ln w="38100">
+            <a:solidFill>
+              <a:schemeClr val="tx1"/>
+            </a:solidFill>
+          </a:ln>
+        </p:spPr>
+        <p:style>
+          <a:lnRef idx="2">
+            <a:schemeClr val="accent1">
+              <a:shade val="50000"/>
+            </a:schemeClr>
+          </a:lnRef>
+          <a:fillRef idx="1">
+            <a:schemeClr val="accent1"/>
+          </a:fillRef>
+          <a:effectRef idx="0">
+            <a:schemeClr val="accent1"/>
+          </a:effectRef>
+          <a:fontRef idx="minor">
+            <a:schemeClr val="lt1"/>
+          </a:fontRef>
+        </p:style>
+        <p:txBody>
+          <a:bodyPr rtlCol="0" anchor="ctr"/>
+          <a:lstStyle/>
+          <a:p>
+            <a:pPr algn="ctr"/>
+            <a:r>
+              <a:rPr lang="en-US" sz="6000" dirty="0" smtClean="0">
+                <a:solidFill>
+                  <a:schemeClr val="tx1"/>
+                </a:solidFill>
+              </a:rPr>
+              <a:t>I</a:t>
+            </a:r>
+            <a:endParaRPr lang="en-US" sz="6000" dirty="0">
+              <a:solidFill>
+                <a:schemeClr val="tx1"/>
+              </a:solidFill>
+            </a:endParaRPr>
+          </a:p>
+        </p:txBody>
+      </p:sp>
+      <p:sp>
+        <p:nvSpPr>
+          <p:cNvPr id="7" name="Oval 6"/>
+          <p:cNvSpPr/>
+          <p:nvPr/>
+        </p:nvSpPr>
+        <p:spPr>
+          <a:xfrm>
+            <a:off x="6148553" y="3489434"/>
+            <a:ext cx="1271751" cy="1271751"/>
+          </a:xfrm>
+          <a:prstGeom prst="ellipse">
+            <a:avLst/>
+          </a:prstGeom>
+          <a:noFill/>
+          <a:ln w="38100">
+            <a:solidFill>
+              <a:schemeClr val="tx1"/>
+            </a:solidFill>
+          </a:ln>
+        </p:spPr>
+        <p:style>
+          <a:lnRef idx="2">
+            <a:schemeClr val="accent1">
+              <a:shade val="50000"/>
+            </a:schemeClr>
+          </a:lnRef>
+          <a:fillRef idx="1">
+            <a:schemeClr val="accent1"/>
+          </a:fillRef>
+          <a:effectRef idx="0">
+            <a:schemeClr val="accent1"/>
+          </a:effectRef>
+          <a:fontRef idx="minor">
+            <a:schemeClr val="lt1"/>
+          </a:fontRef>
+        </p:style>
+        <p:txBody>
+          <a:bodyPr rtlCol="0" anchor="ctr"/>
+          <a:lstStyle/>
+          <a:p>
+            <a:pPr algn="ctr"/>
+            <a:r>
+              <a:rPr lang="en-US" sz="6000" dirty="0" smtClean="0">
+                <a:solidFill>
+                  <a:schemeClr val="tx1"/>
+                </a:solidFill>
+              </a:rPr>
+              <a:t>T</a:t>
+            </a:r>
+            <a:endParaRPr lang="en-US" sz="6000" dirty="0">
+              <a:solidFill>
+                <a:schemeClr val="tx1"/>
+              </a:solidFill>
+            </a:endParaRPr>
+          </a:p>
+        </p:txBody>
+      </p:sp>
+      <p:cxnSp>
+        <p:nvCxnSpPr>
+          <p:cNvPr id="9" name="Straight Arrow Connector 8"/>
+          <p:cNvCxnSpPr>
+            <a:stCxn id="5" idx="6"/>
+            <a:endCxn id="6" idx="2"/>
+          </p:cNvCxnSpPr>
+          <p:nvPr/>
+        </p:nvCxnSpPr>
+        <p:spPr>
+          <a:xfrm>
+            <a:off x="2701158" y="4125310"/>
+            <a:ext cx="1087822" cy="0"/>
+          </a:xfrm>
+          <a:prstGeom prst="straightConnector1">
+            <a:avLst/>
+          </a:prstGeom>
+          <a:ln w="38100">
+            <a:solidFill>
+              <a:schemeClr val="tx1"/>
+            </a:solidFill>
+            <a:tailEnd type="triangle"/>
+          </a:ln>
+        </p:spPr>
+        <p:style>
+          <a:lnRef idx="1">
+            <a:schemeClr val="accent1"/>
+          </a:lnRef>
+          <a:fillRef idx="0">
+            <a:schemeClr val="accent1"/>
+          </a:fillRef>
+          <a:effectRef idx="0">
+            <a:schemeClr val="accent1"/>
+          </a:effectRef>
+          <a:fontRef idx="minor">
+            <a:schemeClr val="tx1"/>
+          </a:fontRef>
+        </p:style>
+      </p:cxnSp>
+      <p:cxnSp>
+        <p:nvCxnSpPr>
+          <p:cNvPr id="10" name="Straight Arrow Connector 9"/>
+          <p:cNvCxnSpPr>
+            <a:stCxn id="6" idx="6"/>
+            <a:endCxn id="7" idx="2"/>
+          </p:cNvCxnSpPr>
+          <p:nvPr/>
+        </p:nvCxnSpPr>
+        <p:spPr>
+          <a:xfrm>
+            <a:off x="5060731" y="4125310"/>
+            <a:ext cx="1087822" cy="0"/>
+          </a:xfrm>
+          <a:prstGeom prst="straightConnector1">
+            <a:avLst/>
+          </a:prstGeom>
+          <a:ln w="38100">
+            <a:solidFill>
+              <a:schemeClr val="tx1"/>
+            </a:solidFill>
+            <a:tailEnd type="triangle"/>
+          </a:ln>
+        </p:spPr>
+        <p:style>
+          <a:lnRef idx="1">
+            <a:schemeClr val="accent1"/>
+          </a:lnRef>
+          <a:fillRef idx="0">
+            <a:schemeClr val="accent1"/>
+          </a:fillRef>
+          <a:effectRef idx="0">
+            <a:schemeClr val="accent1"/>
+          </a:effectRef>
+          <a:fontRef idx="minor">
+            <a:schemeClr val="tx1"/>
+          </a:fontRef>
+        </p:style>
+      </p:cxnSp>
+      <p:cxnSp>
+        <p:nvCxnSpPr>
+          <p:cNvPr id="8" name="Curved Connector 7"/>
+          <p:cNvCxnSpPr>
+            <a:stCxn id="5" idx="5"/>
+            <a:endCxn id="11" idx="3"/>
+          </p:cNvCxnSpPr>
+          <p:nvPr/>
+        </p:nvCxnSpPr>
+        <p:spPr>
+          <a:xfrm rot="5400000" flipH="1" flipV="1">
+            <a:off x="5604641" y="1485213"/>
+            <a:ext cx="1" cy="6179456"/>
+          </a:xfrm>
+          <a:prstGeom prst="curvedConnector3">
+            <a:avLst>
+              <a:gd name="adj1" fmla="val -41484400000"/>
+            </a:avLst>
+          </a:prstGeom>
+          <a:ln w="38100">
+            <a:solidFill>
+              <a:schemeClr val="tx1"/>
+            </a:solidFill>
+            <a:tailEnd type="triangle"/>
+          </a:ln>
+        </p:spPr>
+        <p:style>
+          <a:lnRef idx="1">
+            <a:schemeClr val="accent1"/>
+          </a:lnRef>
+          <a:fillRef idx="0">
+            <a:schemeClr val="accent1"/>
+          </a:fillRef>
+          <a:effectRef idx="0">
+            <a:schemeClr val="accent1"/>
+          </a:effectRef>
+          <a:fontRef idx="minor">
+            <a:schemeClr val="tx1"/>
+          </a:fontRef>
+        </p:style>
+      </p:cxnSp>
+      <p:sp>
+        <p:nvSpPr>
+          <p:cNvPr id="11" name="Oval 10"/>
+          <p:cNvSpPr/>
+          <p:nvPr/>
+        </p:nvSpPr>
+        <p:spPr>
+          <a:xfrm>
+            <a:off x="8508126" y="3489433"/>
+            <a:ext cx="1271751" cy="1271751"/>
+          </a:xfrm>
+          <a:prstGeom prst="ellipse">
+            <a:avLst/>
+          </a:prstGeom>
+          <a:noFill/>
+          <a:ln w="38100">
+            <a:solidFill>
+              <a:schemeClr val="tx1"/>
+            </a:solidFill>
+          </a:ln>
+        </p:spPr>
+        <p:style>
+          <a:lnRef idx="2">
+            <a:schemeClr val="accent1">
+              <a:shade val="50000"/>
+            </a:schemeClr>
+          </a:lnRef>
+          <a:fillRef idx="1">
+            <a:schemeClr val="accent1"/>
+          </a:fillRef>
+          <a:effectRef idx="0">
+            <a:schemeClr val="accent1"/>
+          </a:effectRef>
+          <a:fontRef idx="minor">
+            <a:schemeClr val="lt1"/>
+          </a:fontRef>
+        </p:style>
+        <p:txBody>
+          <a:bodyPr rtlCol="0" anchor="ctr"/>
+          <a:lstStyle/>
+          <a:p>
+            <a:pPr algn="ctr"/>
+            <a:r>
+              <a:rPr lang="en-US" sz="6000" dirty="0" smtClean="0">
+                <a:solidFill>
+                  <a:schemeClr val="tx1"/>
+                </a:solidFill>
+              </a:rPr>
+              <a:t>R</a:t>
+            </a:r>
+            <a:endParaRPr lang="en-US" sz="6000" dirty="0">
+              <a:solidFill>
+                <a:schemeClr val="tx1"/>
+              </a:solidFill>
+            </a:endParaRPr>
+          </a:p>
+        </p:txBody>
+      </p:sp>
+      <p:cxnSp>
+        <p:nvCxnSpPr>
+          <p:cNvPr id="13" name="Straight Arrow Connector 12"/>
+          <p:cNvCxnSpPr>
+            <a:stCxn id="7" idx="6"/>
+            <a:endCxn id="11" idx="2"/>
+          </p:cNvCxnSpPr>
+          <p:nvPr/>
+        </p:nvCxnSpPr>
+        <p:spPr>
+          <a:xfrm flipV="1">
+            <a:off x="7420304" y="4125309"/>
+            <a:ext cx="1087822" cy="1"/>
+          </a:xfrm>
+          <a:prstGeom prst="straightConnector1">
+            <a:avLst/>
+          </a:prstGeom>
+          <a:ln w="38100">
+            <a:solidFill>
+              <a:schemeClr val="tx1"/>
+            </a:solidFill>
+            <a:tailEnd type="triangle"/>
+          </a:ln>
+        </p:spPr>
+        <p:style>
+          <a:lnRef idx="1">
+            <a:schemeClr val="accent1"/>
+          </a:lnRef>
+          <a:fillRef idx="0">
+            <a:schemeClr val="accent1"/>
+          </a:fillRef>
+          <a:effectRef idx="0">
+            <a:schemeClr val="accent1"/>
+          </a:effectRef>
+          <a:fontRef idx="minor">
+            <a:schemeClr val="tx1"/>
+          </a:fontRef>
+        </p:style>
+      </p:cxnSp>
+      <p:cxnSp>
+        <p:nvCxnSpPr>
+          <p:cNvPr id="16" name="Curved Connector 15"/>
+          <p:cNvCxnSpPr>
+            <a:stCxn id="6" idx="7"/>
+            <a:endCxn id="11" idx="1"/>
+          </p:cNvCxnSpPr>
+          <p:nvPr/>
+        </p:nvCxnSpPr>
+        <p:spPr>
+          <a:xfrm rot="5400000" flipH="1" flipV="1">
+            <a:off x="6784428" y="1765737"/>
+            <a:ext cx="1" cy="3819883"/>
+          </a:xfrm>
+          <a:prstGeom prst="curvedConnector3">
+            <a:avLst>
+              <a:gd name="adj1" fmla="val 41484500000"/>
+            </a:avLst>
+          </a:prstGeom>
+          <a:ln w="38100">
+            <a:solidFill>
+              <a:schemeClr val="tx1"/>
+            </a:solidFill>
+            <a:tailEnd type="triangle"/>
+          </a:ln>
+        </p:spPr>
+        <p:style>
+          <a:lnRef idx="1">
+            <a:schemeClr val="accent1"/>
+          </a:lnRef>
+          <a:fillRef idx="0">
+            <a:schemeClr val="accent1"/>
+          </a:fillRef>
+          <a:effectRef idx="0">
+            <a:schemeClr val="accent1"/>
+          </a:effectRef>
+          <a:fontRef idx="minor">
+            <a:schemeClr val="tx1"/>
+          </a:fontRef>
+        </p:style>
+      </p:cxnSp>
+    </p:spTree>
+    <p:extLst>
+      <p:ext uri="{BB962C8B-B14F-4D97-AF65-F5344CB8AC3E}">
+        <p14:creationId xmlns:p14="http://schemas.microsoft.com/office/powerpoint/2010/main" val="1609320151"/>
+      </p:ext>
+    </p:extLst>
+  </p:cSld>
+  <p:clrMapOvr>
+    <a:masterClrMapping/>
+  </p:clrMapOvr>
+</p:sld>
+</file>
+
 <file path=ppt/slides/slide2.xml><?xml version="1.0" encoding="utf-8"?>
 <p:sld xmlns:a="http://schemas.openxmlformats.org/drawingml/2006/main" xmlns:r="http://schemas.openxmlformats.org/officeDocument/2006/relationships" xmlns:p="http://schemas.openxmlformats.org/presentationml/2006/main">
   <p:cSld>
@@ -12755,14 +13245,23 @@
             <p:ph type="title"/>
           </p:nvPr>
         </p:nvSpPr>
-        <p:spPr/>
+        <p:spPr>
+          <a:xfrm>
+            <a:off x="838200" y="-178590"/>
+            <a:ext cx="10515600" cy="1325563"/>
+          </a:xfrm>
+        </p:spPr>
         <p:txBody>
           <a:bodyPr/>
           <a:lstStyle/>
           <a:p>
             <a:r>
               <a:rPr lang="en-US" dirty="0" smtClean="0"/>
-              <a:t>SAIS Model</a:t>
+              <a:t>HIV-</a:t>
+            </a:r>
+            <a:r>
+              <a:rPr lang="en-US" dirty="0" err="1" smtClean="0"/>
+              <a:t>PopART</a:t>
             </a:r>
             <a:endParaRPr lang="en-US" dirty="0"/>
           </a:p>
@@ -12776,8 +13275,8 @@
         </p:nvSpPr>
         <p:spPr>
           <a:xfrm>
-            <a:off x="2511973" y="3142593"/>
-            <a:ext cx="1271751" cy="1271751"/>
+            <a:off x="1700048" y="1130470"/>
+            <a:ext cx="630620" cy="399393"/>
           </a:xfrm>
           <a:prstGeom prst="ellipse">
             <a:avLst/>
@@ -12811,130 +13310,14 @@
           <a:p>
             <a:pPr algn="ctr"/>
             <a:r>
-              <a:rPr lang="en-US" sz="6000" dirty="0" smtClean="0">
+              <a:rPr lang="en-US" sz="1050" dirty="0" smtClean="0">
                 <a:solidFill>
                   <a:schemeClr val="tx1"/>
                 </a:solidFill>
               </a:rPr>
-              <a:t>S</a:t>
+              <a:t>MSU</a:t>
             </a:r>
-            <a:endParaRPr lang="en-US" sz="6000" dirty="0">
-              <a:solidFill>
-                <a:schemeClr val="tx1"/>
-              </a:solidFill>
-            </a:endParaRPr>
-          </a:p>
-        </p:txBody>
-      </p:sp>
-      <p:sp>
-        <p:nvSpPr>
-          <p:cNvPr id="6" name="Oval 5"/>
-          <p:cNvSpPr/>
-          <p:nvPr/>
-        </p:nvSpPr>
-        <p:spPr>
-          <a:xfrm>
-            <a:off x="4871546" y="3142593"/>
-            <a:ext cx="1271751" cy="1271751"/>
-          </a:xfrm>
-          <a:prstGeom prst="ellipse">
-            <a:avLst/>
-          </a:prstGeom>
-          <a:noFill/>
-          <a:ln w="38100">
-            <a:solidFill>
-              <a:schemeClr val="tx1"/>
-            </a:solidFill>
-          </a:ln>
-        </p:spPr>
-        <p:style>
-          <a:lnRef idx="2">
-            <a:schemeClr val="accent1">
-              <a:shade val="50000"/>
-            </a:schemeClr>
-          </a:lnRef>
-          <a:fillRef idx="1">
-            <a:schemeClr val="accent1"/>
-          </a:fillRef>
-          <a:effectRef idx="0">
-            <a:schemeClr val="accent1"/>
-          </a:effectRef>
-          <a:fontRef idx="minor">
-            <a:schemeClr val="lt1"/>
-          </a:fontRef>
-        </p:style>
-        <p:txBody>
-          <a:bodyPr rtlCol="0" anchor="ctr"/>
-          <a:lstStyle/>
-          <a:p>
-            <a:pPr algn="ctr"/>
-            <a:r>
-              <a:rPr lang="en-US" sz="6000" dirty="0" smtClean="0">
-                <a:solidFill>
-                  <a:schemeClr val="tx1"/>
-                </a:solidFill>
-              </a:rPr>
-              <a:t>A</a:t>
-            </a:r>
-            <a:endParaRPr lang="en-US" sz="6000" dirty="0">
-              <a:solidFill>
-                <a:schemeClr val="tx1"/>
-              </a:solidFill>
-            </a:endParaRPr>
-          </a:p>
-        </p:txBody>
-      </p:sp>
-      <p:sp>
-        <p:nvSpPr>
-          <p:cNvPr id="7" name="Oval 6"/>
-          <p:cNvSpPr/>
-          <p:nvPr/>
-        </p:nvSpPr>
-        <p:spPr>
-          <a:xfrm>
-            <a:off x="7231119" y="3142593"/>
-            <a:ext cx="1271751" cy="1271751"/>
-          </a:xfrm>
-          <a:prstGeom prst="ellipse">
-            <a:avLst/>
-          </a:prstGeom>
-          <a:noFill/>
-          <a:ln w="38100">
-            <a:solidFill>
-              <a:schemeClr val="tx1"/>
-            </a:solidFill>
-          </a:ln>
-        </p:spPr>
-        <p:style>
-          <a:lnRef idx="2">
-            <a:schemeClr val="accent1">
-              <a:shade val="50000"/>
-            </a:schemeClr>
-          </a:lnRef>
-          <a:fillRef idx="1">
-            <a:schemeClr val="accent1"/>
-          </a:fillRef>
-          <a:effectRef idx="0">
-            <a:schemeClr val="accent1"/>
-          </a:effectRef>
-          <a:fontRef idx="minor">
-            <a:schemeClr val="lt1"/>
-          </a:fontRef>
-        </p:style>
-        <p:txBody>
-          <a:bodyPr rtlCol="0" anchor="ctr"/>
-          <a:lstStyle/>
-          <a:p>
-            <a:pPr algn="ctr"/>
-            <a:r>
-              <a:rPr lang="en-US" sz="6000" dirty="0" smtClean="0">
-                <a:solidFill>
-                  <a:schemeClr val="tx1"/>
-                </a:solidFill>
-              </a:rPr>
-              <a:t>I</a:t>
-            </a:r>
-            <a:endParaRPr lang="en-US" sz="6000" dirty="0">
+            <a:endParaRPr lang="en-US" sz="1050" dirty="0">
               <a:solidFill>
                 <a:schemeClr val="tx1"/>
               </a:solidFill>
@@ -12947,14 +13330,460 @@
           <p:cNvPr id="9" name="Straight Arrow Connector 8"/>
           <p:cNvCxnSpPr>
             <a:stCxn id="5" idx="6"/>
-            <a:endCxn id="6" idx="2"/>
+            <a:endCxn id="42" idx="2"/>
           </p:cNvCxnSpPr>
           <p:nvPr/>
         </p:nvCxnSpPr>
         <p:spPr>
           <a:xfrm>
-            <a:off x="3783724" y="3778469"/>
-            <a:ext cx="1087822" cy="0"/>
+            <a:off x="2330668" y="1330167"/>
+            <a:ext cx="578068" cy="0"/>
+          </a:xfrm>
+          <a:prstGeom prst="straightConnector1">
+            <a:avLst/>
+          </a:prstGeom>
+          <a:ln w="38100">
+            <a:solidFill>
+              <a:schemeClr val="tx1"/>
+            </a:solidFill>
+            <a:tailEnd type="triangle"/>
+          </a:ln>
+        </p:spPr>
+        <p:style>
+          <a:lnRef idx="1">
+            <a:schemeClr val="accent1"/>
+          </a:lnRef>
+          <a:fillRef idx="0">
+            <a:schemeClr val="accent1"/>
+          </a:fillRef>
+          <a:effectRef idx="0">
+            <a:schemeClr val="accent1"/>
+          </a:effectRef>
+          <a:fontRef idx="minor">
+            <a:schemeClr val="tx1"/>
+          </a:fontRef>
+        </p:style>
+      </p:cxnSp>
+      <p:sp>
+        <p:nvSpPr>
+          <p:cNvPr id="42" name="Oval 41"/>
+          <p:cNvSpPr/>
+          <p:nvPr/>
+        </p:nvSpPr>
+        <p:spPr>
+          <a:xfrm>
+            <a:off x="2908736" y="1130470"/>
+            <a:ext cx="630620" cy="399393"/>
+          </a:xfrm>
+          <a:prstGeom prst="ellipse">
+            <a:avLst/>
+          </a:prstGeom>
+          <a:noFill/>
+          <a:ln w="38100">
+            <a:solidFill>
+              <a:schemeClr val="tx1"/>
+            </a:solidFill>
+          </a:ln>
+        </p:spPr>
+        <p:style>
+          <a:lnRef idx="2">
+            <a:schemeClr val="accent1">
+              <a:shade val="50000"/>
+            </a:schemeClr>
+          </a:lnRef>
+          <a:fillRef idx="1">
+            <a:schemeClr val="accent1"/>
+          </a:fillRef>
+          <a:effectRef idx="0">
+            <a:schemeClr val="accent1"/>
+          </a:effectRef>
+          <a:fontRef idx="minor">
+            <a:schemeClr val="lt1"/>
+          </a:fontRef>
+        </p:style>
+        <p:txBody>
+          <a:bodyPr rtlCol="0" anchor="ctr"/>
+          <a:lstStyle/>
+          <a:p>
+            <a:pPr algn="ctr"/>
+            <a:r>
+              <a:rPr lang="en-US" sz="1400" dirty="0" smtClean="0">
+                <a:solidFill>
+                  <a:schemeClr val="tx1"/>
+                </a:solidFill>
+              </a:rPr>
+              <a:t>IA</a:t>
+            </a:r>
+            <a:endParaRPr lang="en-US" sz="1400" dirty="0">
+              <a:solidFill>
+                <a:schemeClr val="tx1"/>
+              </a:solidFill>
+            </a:endParaRPr>
+          </a:p>
+        </p:txBody>
+      </p:sp>
+      <p:cxnSp>
+        <p:nvCxnSpPr>
+          <p:cNvPr id="46" name="Straight Arrow Connector 45"/>
+          <p:cNvCxnSpPr>
+            <a:stCxn id="5" idx="4"/>
+            <a:endCxn id="74" idx="0"/>
+          </p:cNvCxnSpPr>
+          <p:nvPr/>
+        </p:nvCxnSpPr>
+        <p:spPr>
+          <a:xfrm>
+            <a:off x="2015358" y="1529863"/>
+            <a:ext cx="0" cy="306277"/>
+          </a:xfrm>
+          <a:prstGeom prst="straightConnector1">
+            <a:avLst/>
+          </a:prstGeom>
+          <a:ln w="38100">
+            <a:solidFill>
+              <a:schemeClr val="tx1"/>
+            </a:solidFill>
+            <a:tailEnd type="triangle"/>
+          </a:ln>
+        </p:spPr>
+        <p:style>
+          <a:lnRef idx="1">
+            <a:schemeClr val="accent1"/>
+          </a:lnRef>
+          <a:fillRef idx="0">
+            <a:schemeClr val="accent1"/>
+          </a:fillRef>
+          <a:effectRef idx="0">
+            <a:schemeClr val="accent1"/>
+          </a:effectRef>
+          <a:fontRef idx="minor">
+            <a:schemeClr val="tx1"/>
+          </a:fontRef>
+        </p:style>
+      </p:cxnSp>
+      <p:sp>
+        <p:nvSpPr>
+          <p:cNvPr id="74" name="Oval 73"/>
+          <p:cNvSpPr/>
+          <p:nvPr/>
+        </p:nvSpPr>
+        <p:spPr>
+          <a:xfrm>
+            <a:off x="1700048" y="1836140"/>
+            <a:ext cx="630620" cy="399393"/>
+          </a:xfrm>
+          <a:prstGeom prst="ellipse">
+            <a:avLst/>
+          </a:prstGeom>
+          <a:noFill/>
+          <a:ln w="38100">
+            <a:solidFill>
+              <a:schemeClr val="tx1"/>
+            </a:solidFill>
+          </a:ln>
+        </p:spPr>
+        <p:style>
+          <a:lnRef idx="2">
+            <a:schemeClr val="accent1">
+              <a:shade val="50000"/>
+            </a:schemeClr>
+          </a:lnRef>
+          <a:fillRef idx="1">
+            <a:schemeClr val="accent1"/>
+          </a:fillRef>
+          <a:effectRef idx="0">
+            <a:schemeClr val="accent1"/>
+          </a:effectRef>
+          <a:fontRef idx="minor">
+            <a:schemeClr val="lt1"/>
+          </a:fontRef>
+        </p:style>
+        <p:txBody>
+          <a:bodyPr rtlCol="0" anchor="ctr"/>
+          <a:lstStyle/>
+          <a:p>
+            <a:pPr algn="ctr"/>
+            <a:r>
+              <a:rPr lang="en-US" sz="800" dirty="0" smtClean="0">
+                <a:solidFill>
+                  <a:schemeClr val="tx1"/>
+                </a:solidFill>
+              </a:rPr>
+              <a:t>MSPC</a:t>
+            </a:r>
+            <a:endParaRPr lang="en-US" sz="800" dirty="0">
+              <a:solidFill>
+                <a:schemeClr val="tx1"/>
+              </a:solidFill>
+            </a:endParaRPr>
+          </a:p>
+        </p:txBody>
+      </p:sp>
+      <p:sp>
+        <p:nvSpPr>
+          <p:cNvPr id="76" name="Oval 75"/>
+          <p:cNvSpPr/>
+          <p:nvPr/>
+        </p:nvSpPr>
+        <p:spPr>
+          <a:xfrm>
+            <a:off x="1700048" y="2541810"/>
+            <a:ext cx="630620" cy="399393"/>
+          </a:xfrm>
+          <a:prstGeom prst="ellipse">
+            <a:avLst/>
+          </a:prstGeom>
+          <a:noFill/>
+          <a:ln w="38100">
+            <a:solidFill>
+              <a:schemeClr val="tx1"/>
+            </a:solidFill>
+          </a:ln>
+        </p:spPr>
+        <p:style>
+          <a:lnRef idx="2">
+            <a:schemeClr val="accent1">
+              <a:shade val="50000"/>
+            </a:schemeClr>
+          </a:lnRef>
+          <a:fillRef idx="1">
+            <a:schemeClr val="accent1"/>
+          </a:fillRef>
+          <a:effectRef idx="0">
+            <a:schemeClr val="accent1"/>
+          </a:effectRef>
+          <a:fontRef idx="minor">
+            <a:schemeClr val="lt1"/>
+          </a:fontRef>
+        </p:style>
+        <p:txBody>
+          <a:bodyPr rtlCol="0" anchor="ctr"/>
+          <a:lstStyle/>
+          <a:p>
+            <a:pPr algn="ctr"/>
+            <a:r>
+              <a:rPr lang="en-US" sz="800" dirty="0" smtClean="0">
+                <a:solidFill>
+                  <a:schemeClr val="tx1"/>
+                </a:solidFill>
+              </a:rPr>
+              <a:t>MSCH</a:t>
+            </a:r>
+            <a:endParaRPr lang="en-US" sz="800" dirty="0">
+              <a:solidFill>
+                <a:schemeClr val="tx1"/>
+              </a:solidFill>
+            </a:endParaRPr>
+          </a:p>
+        </p:txBody>
+      </p:sp>
+      <p:cxnSp>
+        <p:nvCxnSpPr>
+          <p:cNvPr id="77" name="Straight Arrow Connector 76"/>
+          <p:cNvCxnSpPr>
+            <a:stCxn id="74" idx="4"/>
+            <a:endCxn id="76" idx="0"/>
+          </p:cNvCxnSpPr>
+          <p:nvPr/>
+        </p:nvCxnSpPr>
+        <p:spPr>
+          <a:xfrm>
+            <a:off x="2015358" y="2235533"/>
+            <a:ext cx="0" cy="306277"/>
+          </a:xfrm>
+          <a:prstGeom prst="straightConnector1">
+            <a:avLst/>
+          </a:prstGeom>
+          <a:ln w="38100">
+            <a:solidFill>
+              <a:schemeClr val="tx1"/>
+            </a:solidFill>
+            <a:tailEnd type="triangle"/>
+          </a:ln>
+        </p:spPr>
+        <p:style>
+          <a:lnRef idx="1">
+            <a:schemeClr val="accent1"/>
+          </a:lnRef>
+          <a:fillRef idx="0">
+            <a:schemeClr val="accent1"/>
+          </a:fillRef>
+          <a:effectRef idx="0">
+            <a:schemeClr val="accent1"/>
+          </a:effectRef>
+          <a:fontRef idx="minor">
+            <a:schemeClr val="tx1"/>
+          </a:fontRef>
+        </p:style>
+      </p:cxnSp>
+      <p:sp>
+        <p:nvSpPr>
+          <p:cNvPr id="78" name="Oval 77"/>
+          <p:cNvSpPr/>
+          <p:nvPr/>
+        </p:nvSpPr>
+        <p:spPr>
+          <a:xfrm>
+            <a:off x="1700048" y="3247480"/>
+            <a:ext cx="630620" cy="399393"/>
+          </a:xfrm>
+          <a:prstGeom prst="ellipse">
+            <a:avLst/>
+          </a:prstGeom>
+          <a:noFill/>
+          <a:ln w="38100">
+            <a:solidFill>
+              <a:schemeClr val="tx1"/>
+            </a:solidFill>
+          </a:ln>
+        </p:spPr>
+        <p:style>
+          <a:lnRef idx="2">
+            <a:schemeClr val="accent1">
+              <a:shade val="50000"/>
+            </a:schemeClr>
+          </a:lnRef>
+          <a:fillRef idx="1">
+            <a:schemeClr val="accent1"/>
+          </a:fillRef>
+          <a:effectRef idx="0">
+            <a:schemeClr val="accent1"/>
+          </a:effectRef>
+          <a:fontRef idx="minor">
+            <a:schemeClr val="lt1"/>
+          </a:fontRef>
+        </p:style>
+        <p:txBody>
+          <a:bodyPr rtlCol="0" anchor="ctr"/>
+          <a:lstStyle/>
+          <a:p>
+            <a:pPr algn="ctr"/>
+            <a:r>
+              <a:rPr lang="en-US" sz="1050" dirty="0" smtClean="0">
+                <a:solidFill>
+                  <a:schemeClr val="tx1"/>
+                </a:solidFill>
+              </a:rPr>
+              <a:t>MSC</a:t>
+            </a:r>
+            <a:endParaRPr lang="en-US" sz="1050" dirty="0">
+              <a:solidFill>
+                <a:schemeClr val="tx1"/>
+              </a:solidFill>
+            </a:endParaRPr>
+          </a:p>
+        </p:txBody>
+      </p:sp>
+      <p:cxnSp>
+        <p:nvCxnSpPr>
+          <p:cNvPr id="79" name="Straight Arrow Connector 78"/>
+          <p:cNvCxnSpPr>
+            <a:stCxn id="76" idx="4"/>
+            <a:endCxn id="78" idx="0"/>
+          </p:cNvCxnSpPr>
+          <p:nvPr/>
+        </p:nvCxnSpPr>
+        <p:spPr>
+          <a:xfrm>
+            <a:off x="2015358" y="2941203"/>
+            <a:ext cx="0" cy="306277"/>
+          </a:xfrm>
+          <a:prstGeom prst="straightConnector1">
+            <a:avLst/>
+          </a:prstGeom>
+          <a:ln w="38100">
+            <a:solidFill>
+              <a:schemeClr val="tx1"/>
+            </a:solidFill>
+            <a:tailEnd type="triangle"/>
+          </a:ln>
+        </p:spPr>
+        <p:style>
+          <a:lnRef idx="1">
+            <a:schemeClr val="accent1"/>
+          </a:lnRef>
+          <a:fillRef idx="0">
+            <a:schemeClr val="accent1"/>
+          </a:fillRef>
+          <a:effectRef idx="0">
+            <a:schemeClr val="accent1"/>
+          </a:effectRef>
+          <a:fontRef idx="minor">
+            <a:schemeClr val="tx1"/>
+          </a:fontRef>
+        </p:style>
+      </p:cxnSp>
+      <p:sp>
+        <p:nvSpPr>
+          <p:cNvPr id="80" name="Oval 79"/>
+          <p:cNvSpPr/>
+          <p:nvPr/>
+        </p:nvSpPr>
+        <p:spPr>
+          <a:xfrm>
+            <a:off x="2908736" y="2541809"/>
+            <a:ext cx="630620" cy="399393"/>
+          </a:xfrm>
+          <a:prstGeom prst="ellipse">
+            <a:avLst/>
+          </a:prstGeom>
+          <a:noFill/>
+          <a:ln w="38100">
+            <a:solidFill>
+              <a:schemeClr val="tx1"/>
+            </a:solidFill>
+          </a:ln>
+        </p:spPr>
+        <p:style>
+          <a:lnRef idx="2">
+            <a:schemeClr val="accent1">
+              <a:shade val="50000"/>
+            </a:schemeClr>
+          </a:lnRef>
+          <a:fillRef idx="1">
+            <a:schemeClr val="accent1"/>
+          </a:fillRef>
+          <a:effectRef idx="0">
+            <a:schemeClr val="accent1"/>
+          </a:effectRef>
+          <a:fontRef idx="minor">
+            <a:schemeClr val="lt1"/>
+          </a:fontRef>
+        </p:style>
+        <p:txBody>
+          <a:bodyPr rtlCol="0" anchor="ctr"/>
+          <a:lstStyle/>
+          <a:p>
+            <a:pPr algn="ctr"/>
+            <a:r>
+              <a:rPr lang="en-US" sz="800" dirty="0" smtClean="0">
+                <a:solidFill>
+                  <a:schemeClr val="tx1"/>
+                </a:solidFill>
+              </a:rPr>
+              <a:t>MSCH</a:t>
+            </a:r>
+            <a:endParaRPr lang="en-US" sz="800" dirty="0">
+              <a:solidFill>
+                <a:schemeClr val="tx1"/>
+              </a:solidFill>
+            </a:endParaRPr>
+          </a:p>
+        </p:txBody>
+      </p:sp>
+      <p:cxnSp>
+        <p:nvCxnSpPr>
+          <p:cNvPr id="82" name="Straight Arrow Connector 81"/>
+          <p:cNvCxnSpPr>
+            <a:stCxn id="76" idx="6"/>
+            <a:endCxn id="80" idx="2"/>
+          </p:cNvCxnSpPr>
+          <p:nvPr/>
+        </p:nvCxnSpPr>
+        <p:spPr>
+          <a:xfrm flipV="1">
+            <a:off x="2330668" y="2741506"/>
+            <a:ext cx="578068" cy="1"/>
           </a:xfrm>
           <a:prstGeom prst="straightConnector1">
             <a:avLst/>
@@ -12983,17 +13812,17 @@
       </p:cxnSp>
       <p:cxnSp>
         <p:nvCxnSpPr>
-          <p:cNvPr id="10" name="Straight Arrow Connector 9"/>
+          <p:cNvPr id="83" name="Straight Arrow Connector 82"/>
           <p:cNvCxnSpPr>
-            <a:stCxn id="6" idx="6"/>
-            <a:endCxn id="7" idx="2"/>
+            <a:stCxn id="80" idx="0"/>
+            <a:endCxn id="42" idx="4"/>
           </p:cNvCxnSpPr>
           <p:nvPr/>
         </p:nvCxnSpPr>
         <p:spPr>
-          <a:xfrm>
-            <a:off x="6143297" y="3778469"/>
-            <a:ext cx="1087822" cy="0"/>
+          <a:xfrm flipV="1">
+            <a:off x="3224046" y="1529863"/>
+            <a:ext cx="0" cy="1011946"/>
           </a:xfrm>
           <a:prstGeom prst="straightConnector1">
             <a:avLst/>
@@ -13022,22 +13851,20 @@
       </p:cxnSp>
       <p:cxnSp>
         <p:nvCxnSpPr>
-          <p:cNvPr id="12" name="Curved Connector 11"/>
+          <p:cNvPr id="85" name="Straight Arrow Connector 84"/>
           <p:cNvCxnSpPr>
-            <a:stCxn id="5" idx="7"/>
-            <a:endCxn id="7" idx="1"/>
+            <a:stCxn id="74" idx="7"/>
+            <a:endCxn id="42" idx="3"/>
           </p:cNvCxnSpPr>
           <p:nvPr/>
         </p:nvCxnSpPr>
         <p:spPr>
-          <a:xfrm rot="5400000" flipH="1" flipV="1">
-            <a:off x="5507421" y="1418896"/>
-            <a:ext cx="12700" cy="3819883"/>
-          </a:xfrm>
-          <a:prstGeom prst="curvedConnector3">
-            <a:avLst>
-              <a:gd name="adj1" fmla="val 3266488"/>
-            </a:avLst>
+          <a:xfrm flipV="1">
+            <a:off x="2238316" y="1471373"/>
+            <a:ext cx="762772" cy="423257"/>
+          </a:xfrm>
+          <a:prstGeom prst="straightConnector1">
+            <a:avLst/>
           </a:prstGeom>
           <a:ln w="38100">
             <a:solidFill>
@@ -13063,27 +13890,4867 @@
       </p:cxnSp>
       <p:cxnSp>
         <p:nvCxnSpPr>
-          <p:cNvPr id="15" name="Curved Connector 14"/>
+          <p:cNvPr id="86" name="Straight Arrow Connector 85"/>
           <p:cNvCxnSpPr>
-            <a:stCxn id="7" idx="3"/>
-            <a:endCxn id="5" idx="5"/>
+            <a:stCxn id="78" idx="7"/>
+            <a:endCxn id="42" idx="4"/>
           </p:cNvCxnSpPr>
           <p:nvPr/>
         </p:nvCxnSpPr>
         <p:spPr>
-          <a:xfrm rot="5400000">
-            <a:off x="5507422" y="2318159"/>
-            <a:ext cx="12700" cy="3819883"/>
+          <a:xfrm flipV="1">
+            <a:off x="2238316" y="1529863"/>
+            <a:ext cx="985730" cy="1776107"/>
+          </a:xfrm>
+          <a:prstGeom prst="straightConnector1">
+            <a:avLst/>
+          </a:prstGeom>
+          <a:ln w="38100">
+            <a:solidFill>
+              <a:schemeClr val="tx1"/>
+            </a:solidFill>
+            <a:tailEnd type="triangle"/>
+          </a:ln>
+        </p:spPr>
+        <p:style>
+          <a:lnRef idx="1">
+            <a:schemeClr val="accent1"/>
+          </a:lnRef>
+          <a:fillRef idx="0">
+            <a:schemeClr val="accent1"/>
+          </a:fillRef>
+          <a:effectRef idx="0">
+            <a:schemeClr val="accent1"/>
+          </a:effectRef>
+          <a:fontRef idx="minor">
+            <a:schemeClr val="tx1"/>
+          </a:fontRef>
+        </p:style>
+      </p:cxnSp>
+      <p:sp>
+        <p:nvSpPr>
+          <p:cNvPr id="89" name="Oval 88"/>
+          <p:cNvSpPr/>
+          <p:nvPr/>
+        </p:nvSpPr>
+        <p:spPr>
+          <a:xfrm>
+            <a:off x="4117424" y="1130470"/>
+            <a:ext cx="630620" cy="399393"/>
+          </a:xfrm>
+          <a:prstGeom prst="ellipse">
+            <a:avLst/>
+          </a:prstGeom>
+          <a:noFill/>
+          <a:ln w="38100">
+            <a:solidFill>
+              <a:schemeClr val="tx1"/>
+            </a:solidFill>
+          </a:ln>
+        </p:spPr>
+        <p:style>
+          <a:lnRef idx="2">
+            <a:schemeClr val="accent1">
+              <a:shade val="50000"/>
+            </a:schemeClr>
+          </a:lnRef>
+          <a:fillRef idx="1">
+            <a:schemeClr val="accent1"/>
+          </a:fillRef>
+          <a:effectRef idx="0">
+            <a:schemeClr val="accent1"/>
+          </a:effectRef>
+          <a:fontRef idx="minor">
+            <a:schemeClr val="lt1"/>
+          </a:fontRef>
+        </p:style>
+        <p:txBody>
+          <a:bodyPr rtlCol="0" anchor="ctr"/>
+          <a:lstStyle/>
+          <a:p>
+            <a:pPr algn="ctr"/>
+            <a:r>
+              <a:rPr lang="en-US" sz="1050" dirty="0" smtClean="0">
+                <a:solidFill>
+                  <a:schemeClr val="tx1"/>
+                </a:solidFill>
+              </a:rPr>
+              <a:t>MI1</a:t>
+            </a:r>
+            <a:endParaRPr lang="en-US" sz="1050" dirty="0">
+              <a:solidFill>
+                <a:schemeClr val="tx1"/>
+              </a:solidFill>
+            </a:endParaRPr>
+          </a:p>
+        </p:txBody>
+      </p:sp>
+      <p:cxnSp>
+        <p:nvCxnSpPr>
+          <p:cNvPr id="91" name="Straight Arrow Connector 90"/>
+          <p:cNvCxnSpPr>
+            <a:stCxn id="42" idx="6"/>
+            <a:endCxn id="89" idx="2"/>
+          </p:cNvCxnSpPr>
+          <p:nvPr/>
+        </p:nvCxnSpPr>
+        <p:spPr>
+          <a:xfrm>
+            <a:off x="3539356" y="1330167"/>
+            <a:ext cx="578068" cy="0"/>
+          </a:xfrm>
+          <a:prstGeom prst="straightConnector1">
+            <a:avLst/>
+          </a:prstGeom>
+          <a:ln w="38100">
+            <a:solidFill>
+              <a:schemeClr val="tx1"/>
+            </a:solidFill>
+            <a:tailEnd type="triangle"/>
+          </a:ln>
+        </p:spPr>
+        <p:style>
+          <a:lnRef idx="1">
+            <a:schemeClr val="accent1"/>
+          </a:lnRef>
+          <a:fillRef idx="0">
+            <a:schemeClr val="accent1"/>
+          </a:fillRef>
+          <a:effectRef idx="0">
+            <a:schemeClr val="accent1"/>
+          </a:effectRef>
+          <a:fontRef idx="minor">
+            <a:schemeClr val="tx1"/>
+          </a:fontRef>
+        </p:style>
+      </p:cxnSp>
+      <p:sp>
+        <p:nvSpPr>
+          <p:cNvPr id="92" name="Oval 91"/>
+          <p:cNvSpPr/>
+          <p:nvPr/>
+        </p:nvSpPr>
+        <p:spPr>
+          <a:xfrm>
+            <a:off x="5326112" y="1130470"/>
+            <a:ext cx="630620" cy="399393"/>
+          </a:xfrm>
+          <a:prstGeom prst="ellipse">
+            <a:avLst/>
+          </a:prstGeom>
+          <a:noFill/>
+          <a:ln w="38100">
+            <a:solidFill>
+              <a:schemeClr val="tx1"/>
+            </a:solidFill>
+          </a:ln>
+        </p:spPr>
+        <p:style>
+          <a:lnRef idx="2">
+            <a:schemeClr val="accent1">
+              <a:shade val="50000"/>
+            </a:schemeClr>
+          </a:lnRef>
+          <a:fillRef idx="1">
+            <a:schemeClr val="accent1"/>
+          </a:fillRef>
+          <a:effectRef idx="0">
+            <a:schemeClr val="accent1"/>
+          </a:effectRef>
+          <a:fontRef idx="minor">
+            <a:schemeClr val="lt1"/>
+          </a:fontRef>
+        </p:style>
+        <p:txBody>
+          <a:bodyPr rtlCol="0" anchor="ctr"/>
+          <a:lstStyle/>
+          <a:p>
+            <a:pPr algn="ctr"/>
+            <a:r>
+              <a:rPr lang="en-US" sz="1050" dirty="0" smtClean="0">
+                <a:solidFill>
+                  <a:schemeClr val="tx1"/>
+                </a:solidFill>
+              </a:rPr>
+              <a:t>MI2</a:t>
+            </a:r>
+            <a:endParaRPr lang="en-US" sz="1050" dirty="0">
+              <a:solidFill>
+                <a:schemeClr val="tx1"/>
+              </a:solidFill>
+            </a:endParaRPr>
+          </a:p>
+        </p:txBody>
+      </p:sp>
+      <p:cxnSp>
+        <p:nvCxnSpPr>
+          <p:cNvPr id="94" name="Straight Arrow Connector 93"/>
+          <p:cNvCxnSpPr>
+            <a:stCxn id="89" idx="6"/>
+            <a:endCxn id="92" idx="2"/>
+          </p:cNvCxnSpPr>
+          <p:nvPr/>
+        </p:nvCxnSpPr>
+        <p:spPr>
+          <a:xfrm>
+            <a:off x="4748044" y="1330167"/>
+            <a:ext cx="578068" cy="0"/>
+          </a:xfrm>
+          <a:prstGeom prst="straightConnector1">
+            <a:avLst/>
+          </a:prstGeom>
+          <a:ln w="38100">
+            <a:solidFill>
+              <a:schemeClr val="tx1"/>
+            </a:solidFill>
+            <a:tailEnd type="triangle"/>
+          </a:ln>
+        </p:spPr>
+        <p:style>
+          <a:lnRef idx="1">
+            <a:schemeClr val="accent1"/>
+          </a:lnRef>
+          <a:fillRef idx="0">
+            <a:schemeClr val="accent1"/>
+          </a:fillRef>
+          <a:effectRef idx="0">
+            <a:schemeClr val="accent1"/>
+          </a:effectRef>
+          <a:fontRef idx="minor">
+            <a:schemeClr val="tx1"/>
+          </a:fontRef>
+        </p:style>
+      </p:cxnSp>
+      <p:sp>
+        <p:nvSpPr>
+          <p:cNvPr id="95" name="Oval 94"/>
+          <p:cNvSpPr/>
+          <p:nvPr/>
+        </p:nvSpPr>
+        <p:spPr>
+          <a:xfrm>
+            <a:off x="6534800" y="1130470"/>
+            <a:ext cx="630620" cy="399393"/>
+          </a:xfrm>
+          <a:prstGeom prst="ellipse">
+            <a:avLst/>
+          </a:prstGeom>
+          <a:noFill/>
+          <a:ln w="38100">
+            <a:solidFill>
+              <a:schemeClr val="tx1"/>
+            </a:solidFill>
+          </a:ln>
+        </p:spPr>
+        <p:style>
+          <a:lnRef idx="2">
+            <a:schemeClr val="accent1">
+              <a:shade val="50000"/>
+            </a:schemeClr>
+          </a:lnRef>
+          <a:fillRef idx="1">
+            <a:schemeClr val="accent1"/>
+          </a:fillRef>
+          <a:effectRef idx="0">
+            <a:schemeClr val="accent1"/>
+          </a:effectRef>
+          <a:fontRef idx="minor">
+            <a:schemeClr val="lt1"/>
+          </a:fontRef>
+        </p:style>
+        <p:txBody>
+          <a:bodyPr rtlCol="0" anchor="ctr"/>
+          <a:lstStyle/>
+          <a:p>
+            <a:pPr algn="ctr"/>
+            <a:r>
+              <a:rPr lang="en-US" sz="1050" dirty="0" smtClean="0">
+                <a:solidFill>
+                  <a:schemeClr val="tx1"/>
+                </a:solidFill>
+              </a:rPr>
+              <a:t>MI3</a:t>
+            </a:r>
+            <a:endParaRPr lang="en-US" sz="1050" dirty="0">
+              <a:solidFill>
+                <a:schemeClr val="tx1"/>
+              </a:solidFill>
+            </a:endParaRPr>
+          </a:p>
+        </p:txBody>
+      </p:sp>
+      <p:cxnSp>
+        <p:nvCxnSpPr>
+          <p:cNvPr id="97" name="Straight Arrow Connector 96"/>
+          <p:cNvCxnSpPr>
+            <a:stCxn id="92" idx="6"/>
+            <a:endCxn id="95" idx="2"/>
+          </p:cNvCxnSpPr>
+          <p:nvPr/>
+        </p:nvCxnSpPr>
+        <p:spPr>
+          <a:xfrm>
+            <a:off x="5956732" y="1330167"/>
+            <a:ext cx="578068" cy="0"/>
+          </a:xfrm>
+          <a:prstGeom prst="straightConnector1">
+            <a:avLst/>
+          </a:prstGeom>
+          <a:ln w="38100">
+            <a:solidFill>
+              <a:schemeClr val="tx1"/>
+            </a:solidFill>
+            <a:tailEnd type="triangle"/>
+          </a:ln>
+        </p:spPr>
+        <p:style>
+          <a:lnRef idx="1">
+            <a:schemeClr val="accent1"/>
+          </a:lnRef>
+          <a:fillRef idx="0">
+            <a:schemeClr val="accent1"/>
+          </a:fillRef>
+          <a:effectRef idx="0">
+            <a:schemeClr val="accent1"/>
+          </a:effectRef>
+          <a:fontRef idx="minor">
+            <a:schemeClr val="tx1"/>
+          </a:fontRef>
+        </p:style>
+      </p:cxnSp>
+      <p:sp>
+        <p:nvSpPr>
+          <p:cNvPr id="100" name="Oval 99"/>
+          <p:cNvSpPr/>
+          <p:nvPr/>
+        </p:nvSpPr>
+        <p:spPr>
+          <a:xfrm>
+            <a:off x="7743488" y="1127298"/>
+            <a:ext cx="630620" cy="399393"/>
+          </a:xfrm>
+          <a:prstGeom prst="ellipse">
+            <a:avLst/>
+          </a:prstGeom>
+          <a:noFill/>
+          <a:ln w="38100">
+            <a:solidFill>
+              <a:schemeClr val="tx1"/>
+            </a:solidFill>
+          </a:ln>
+        </p:spPr>
+        <p:style>
+          <a:lnRef idx="2">
+            <a:schemeClr val="accent1">
+              <a:shade val="50000"/>
+            </a:schemeClr>
+          </a:lnRef>
+          <a:fillRef idx="1">
+            <a:schemeClr val="accent1"/>
+          </a:fillRef>
+          <a:effectRef idx="0">
+            <a:schemeClr val="accent1"/>
+          </a:effectRef>
+          <a:fontRef idx="minor">
+            <a:schemeClr val="lt1"/>
+          </a:fontRef>
+        </p:style>
+        <p:txBody>
+          <a:bodyPr rtlCol="0" anchor="ctr"/>
+          <a:lstStyle/>
+          <a:p>
+            <a:pPr algn="ctr"/>
+            <a:r>
+              <a:rPr lang="en-US" sz="1050" dirty="0" smtClean="0">
+                <a:solidFill>
+                  <a:schemeClr val="tx1"/>
+                </a:solidFill>
+              </a:rPr>
+              <a:t>MI4</a:t>
+            </a:r>
+            <a:endParaRPr lang="en-US" sz="1050" dirty="0">
+              <a:solidFill>
+                <a:schemeClr val="tx1"/>
+              </a:solidFill>
+            </a:endParaRPr>
+          </a:p>
+        </p:txBody>
+      </p:sp>
+      <p:cxnSp>
+        <p:nvCxnSpPr>
+          <p:cNvPr id="101" name="Straight Arrow Connector 100"/>
+          <p:cNvCxnSpPr>
+            <a:stCxn id="95" idx="6"/>
+            <a:endCxn id="100" idx="2"/>
+          </p:cNvCxnSpPr>
+          <p:nvPr/>
+        </p:nvCxnSpPr>
+        <p:spPr>
+          <a:xfrm flipV="1">
+            <a:off x="7165420" y="1326995"/>
+            <a:ext cx="578068" cy="3172"/>
+          </a:xfrm>
+          <a:prstGeom prst="straightConnector1">
+            <a:avLst/>
+          </a:prstGeom>
+          <a:ln w="38100">
+            <a:solidFill>
+              <a:schemeClr val="tx1"/>
+            </a:solidFill>
+            <a:tailEnd type="triangle"/>
+          </a:ln>
+        </p:spPr>
+        <p:style>
+          <a:lnRef idx="1">
+            <a:schemeClr val="accent1"/>
+          </a:lnRef>
+          <a:fillRef idx="0">
+            <a:schemeClr val="accent1"/>
+          </a:fillRef>
+          <a:effectRef idx="0">
+            <a:schemeClr val="accent1"/>
+          </a:effectRef>
+          <a:fontRef idx="minor">
+            <a:schemeClr val="tx1"/>
+          </a:fontRef>
+        </p:style>
+      </p:cxnSp>
+      <p:sp>
+        <p:nvSpPr>
+          <p:cNvPr id="104" name="Oval 103"/>
+          <p:cNvSpPr/>
+          <p:nvPr/>
+        </p:nvSpPr>
+        <p:spPr>
+          <a:xfrm>
+            <a:off x="4117424" y="1836140"/>
+            <a:ext cx="630620" cy="399393"/>
+          </a:xfrm>
+          <a:prstGeom prst="ellipse">
+            <a:avLst/>
+          </a:prstGeom>
+          <a:noFill/>
+          <a:ln w="38100">
+            <a:solidFill>
+              <a:schemeClr val="tx1"/>
+            </a:solidFill>
+          </a:ln>
+        </p:spPr>
+        <p:style>
+          <a:lnRef idx="2">
+            <a:schemeClr val="accent1">
+              <a:shade val="50000"/>
+            </a:schemeClr>
+          </a:lnRef>
+          <a:fillRef idx="1">
+            <a:schemeClr val="accent1"/>
+          </a:fillRef>
+          <a:effectRef idx="0">
+            <a:schemeClr val="accent1"/>
+          </a:effectRef>
+          <a:fontRef idx="minor">
+            <a:schemeClr val="lt1"/>
+          </a:fontRef>
+        </p:style>
+        <p:txBody>
+          <a:bodyPr rtlCol="0" anchor="ctr"/>
+          <a:lstStyle/>
+          <a:p>
+            <a:pPr algn="ctr"/>
+            <a:r>
+              <a:rPr lang="en-US" sz="1050" dirty="0" smtClean="0">
+                <a:solidFill>
+                  <a:schemeClr val="tx1"/>
+                </a:solidFill>
+              </a:rPr>
+              <a:t>MJ1</a:t>
+            </a:r>
+            <a:endParaRPr lang="en-US" sz="1050" dirty="0">
+              <a:solidFill>
+                <a:schemeClr val="tx1"/>
+              </a:solidFill>
+            </a:endParaRPr>
+          </a:p>
+        </p:txBody>
+      </p:sp>
+      <p:sp>
+        <p:nvSpPr>
+          <p:cNvPr id="105" name="Oval 104"/>
+          <p:cNvSpPr/>
+          <p:nvPr/>
+        </p:nvSpPr>
+        <p:spPr>
+          <a:xfrm>
+            <a:off x="5326112" y="1836140"/>
+            <a:ext cx="630620" cy="399393"/>
+          </a:xfrm>
+          <a:prstGeom prst="ellipse">
+            <a:avLst/>
+          </a:prstGeom>
+          <a:noFill/>
+          <a:ln w="38100">
+            <a:solidFill>
+              <a:schemeClr val="tx1"/>
+            </a:solidFill>
+          </a:ln>
+        </p:spPr>
+        <p:style>
+          <a:lnRef idx="2">
+            <a:schemeClr val="accent1">
+              <a:shade val="50000"/>
+            </a:schemeClr>
+          </a:lnRef>
+          <a:fillRef idx="1">
+            <a:schemeClr val="accent1"/>
+          </a:fillRef>
+          <a:effectRef idx="0">
+            <a:schemeClr val="accent1"/>
+          </a:effectRef>
+          <a:fontRef idx="minor">
+            <a:schemeClr val="lt1"/>
+          </a:fontRef>
+        </p:style>
+        <p:txBody>
+          <a:bodyPr rtlCol="0" anchor="ctr"/>
+          <a:lstStyle/>
+          <a:p>
+            <a:pPr algn="ctr"/>
+            <a:r>
+              <a:rPr lang="en-US" sz="1050" dirty="0" smtClean="0">
+                <a:solidFill>
+                  <a:schemeClr val="tx1"/>
+                </a:solidFill>
+              </a:rPr>
+              <a:t>MJ2</a:t>
+            </a:r>
+            <a:endParaRPr lang="en-US" sz="1050" dirty="0">
+              <a:solidFill>
+                <a:schemeClr val="tx1"/>
+              </a:solidFill>
+            </a:endParaRPr>
+          </a:p>
+        </p:txBody>
+      </p:sp>
+      <p:cxnSp>
+        <p:nvCxnSpPr>
+          <p:cNvPr id="107" name="Straight Arrow Connector 106"/>
+          <p:cNvCxnSpPr>
+            <a:stCxn id="104" idx="6"/>
+            <a:endCxn id="105" idx="2"/>
+          </p:cNvCxnSpPr>
+          <p:nvPr/>
+        </p:nvCxnSpPr>
+        <p:spPr>
+          <a:xfrm>
+            <a:off x="4748044" y="2035837"/>
+            <a:ext cx="578068" cy="0"/>
+          </a:xfrm>
+          <a:prstGeom prst="straightConnector1">
+            <a:avLst/>
+          </a:prstGeom>
+          <a:ln w="38100">
+            <a:solidFill>
+              <a:schemeClr val="tx1"/>
+            </a:solidFill>
+            <a:tailEnd type="triangle"/>
+          </a:ln>
+        </p:spPr>
+        <p:style>
+          <a:lnRef idx="1">
+            <a:schemeClr val="accent1"/>
+          </a:lnRef>
+          <a:fillRef idx="0">
+            <a:schemeClr val="accent1"/>
+          </a:fillRef>
+          <a:effectRef idx="0">
+            <a:schemeClr val="accent1"/>
+          </a:effectRef>
+          <a:fontRef idx="minor">
+            <a:schemeClr val="tx1"/>
+          </a:fontRef>
+        </p:style>
+      </p:cxnSp>
+      <p:sp>
+        <p:nvSpPr>
+          <p:cNvPr id="108" name="Oval 107"/>
+          <p:cNvSpPr/>
+          <p:nvPr/>
+        </p:nvSpPr>
+        <p:spPr>
+          <a:xfrm>
+            <a:off x="6534800" y="1836140"/>
+            <a:ext cx="630620" cy="399393"/>
+          </a:xfrm>
+          <a:prstGeom prst="ellipse">
+            <a:avLst/>
+          </a:prstGeom>
+          <a:noFill/>
+          <a:ln w="38100">
+            <a:solidFill>
+              <a:schemeClr val="tx1"/>
+            </a:solidFill>
+          </a:ln>
+        </p:spPr>
+        <p:style>
+          <a:lnRef idx="2">
+            <a:schemeClr val="accent1">
+              <a:shade val="50000"/>
+            </a:schemeClr>
+          </a:lnRef>
+          <a:fillRef idx="1">
+            <a:schemeClr val="accent1"/>
+          </a:fillRef>
+          <a:effectRef idx="0">
+            <a:schemeClr val="accent1"/>
+          </a:effectRef>
+          <a:fontRef idx="minor">
+            <a:schemeClr val="lt1"/>
+          </a:fontRef>
+        </p:style>
+        <p:txBody>
+          <a:bodyPr rtlCol="0" anchor="ctr"/>
+          <a:lstStyle/>
+          <a:p>
+            <a:pPr algn="ctr"/>
+            <a:r>
+              <a:rPr lang="en-US" sz="1050" dirty="0" smtClean="0">
+                <a:solidFill>
+                  <a:schemeClr val="tx1"/>
+                </a:solidFill>
+              </a:rPr>
+              <a:t>MJ3</a:t>
+            </a:r>
+            <a:endParaRPr lang="en-US" sz="1050" dirty="0">
+              <a:solidFill>
+                <a:schemeClr val="tx1"/>
+              </a:solidFill>
+            </a:endParaRPr>
+          </a:p>
+        </p:txBody>
+      </p:sp>
+      <p:cxnSp>
+        <p:nvCxnSpPr>
+          <p:cNvPr id="109" name="Straight Arrow Connector 108"/>
+          <p:cNvCxnSpPr>
+            <a:stCxn id="105" idx="6"/>
+            <a:endCxn id="108" idx="2"/>
+          </p:cNvCxnSpPr>
+          <p:nvPr/>
+        </p:nvCxnSpPr>
+        <p:spPr>
+          <a:xfrm>
+            <a:off x="5956732" y="2035837"/>
+            <a:ext cx="578068" cy="0"/>
+          </a:xfrm>
+          <a:prstGeom prst="straightConnector1">
+            <a:avLst/>
+          </a:prstGeom>
+          <a:ln w="38100">
+            <a:solidFill>
+              <a:schemeClr val="tx1"/>
+            </a:solidFill>
+            <a:tailEnd type="triangle"/>
+          </a:ln>
+        </p:spPr>
+        <p:style>
+          <a:lnRef idx="1">
+            <a:schemeClr val="accent1"/>
+          </a:lnRef>
+          <a:fillRef idx="0">
+            <a:schemeClr val="accent1"/>
+          </a:fillRef>
+          <a:effectRef idx="0">
+            <a:schemeClr val="accent1"/>
+          </a:effectRef>
+          <a:fontRef idx="minor">
+            <a:schemeClr val="tx1"/>
+          </a:fontRef>
+        </p:style>
+      </p:cxnSp>
+      <p:sp>
+        <p:nvSpPr>
+          <p:cNvPr id="110" name="Oval 109"/>
+          <p:cNvSpPr/>
+          <p:nvPr/>
+        </p:nvSpPr>
+        <p:spPr>
+          <a:xfrm>
+            <a:off x="7743488" y="1832968"/>
+            <a:ext cx="630620" cy="399393"/>
+          </a:xfrm>
+          <a:prstGeom prst="ellipse">
+            <a:avLst/>
+          </a:prstGeom>
+          <a:noFill/>
+          <a:ln w="38100">
+            <a:solidFill>
+              <a:schemeClr val="tx1"/>
+            </a:solidFill>
+          </a:ln>
+        </p:spPr>
+        <p:style>
+          <a:lnRef idx="2">
+            <a:schemeClr val="accent1">
+              <a:shade val="50000"/>
+            </a:schemeClr>
+          </a:lnRef>
+          <a:fillRef idx="1">
+            <a:schemeClr val="accent1"/>
+          </a:fillRef>
+          <a:effectRef idx="0">
+            <a:schemeClr val="accent1"/>
+          </a:effectRef>
+          <a:fontRef idx="minor">
+            <a:schemeClr val="lt1"/>
+          </a:fontRef>
+        </p:style>
+        <p:txBody>
+          <a:bodyPr rtlCol="0" anchor="ctr"/>
+          <a:lstStyle/>
+          <a:p>
+            <a:pPr algn="ctr"/>
+            <a:r>
+              <a:rPr lang="en-US" sz="1050" dirty="0" smtClean="0">
+                <a:solidFill>
+                  <a:schemeClr val="tx1"/>
+                </a:solidFill>
+              </a:rPr>
+              <a:t>MJ4</a:t>
+            </a:r>
+            <a:endParaRPr lang="en-US" sz="1050" dirty="0">
+              <a:solidFill>
+                <a:schemeClr val="tx1"/>
+              </a:solidFill>
+            </a:endParaRPr>
+          </a:p>
+        </p:txBody>
+      </p:sp>
+      <p:cxnSp>
+        <p:nvCxnSpPr>
+          <p:cNvPr id="111" name="Straight Arrow Connector 110"/>
+          <p:cNvCxnSpPr>
+            <a:stCxn id="108" idx="6"/>
+            <a:endCxn id="110" idx="2"/>
+          </p:cNvCxnSpPr>
+          <p:nvPr/>
+        </p:nvCxnSpPr>
+        <p:spPr>
+          <a:xfrm flipV="1">
+            <a:off x="7165420" y="2032665"/>
+            <a:ext cx="578068" cy="3172"/>
+          </a:xfrm>
+          <a:prstGeom prst="straightConnector1">
+            <a:avLst/>
+          </a:prstGeom>
+          <a:ln w="38100">
+            <a:solidFill>
+              <a:schemeClr val="tx1"/>
+            </a:solidFill>
+            <a:tailEnd type="triangle"/>
+          </a:ln>
+        </p:spPr>
+        <p:style>
+          <a:lnRef idx="1">
+            <a:schemeClr val="accent1"/>
+          </a:lnRef>
+          <a:fillRef idx="0">
+            <a:schemeClr val="accent1"/>
+          </a:fillRef>
+          <a:effectRef idx="0">
+            <a:schemeClr val="accent1"/>
+          </a:effectRef>
+          <a:fontRef idx="minor">
+            <a:schemeClr val="tx1"/>
+          </a:fontRef>
+        </p:style>
+      </p:cxnSp>
+      <p:cxnSp>
+        <p:nvCxnSpPr>
+          <p:cNvPr id="112" name="Straight Arrow Connector 111"/>
+          <p:cNvCxnSpPr>
+            <a:stCxn id="89" idx="4"/>
+            <a:endCxn id="104" idx="0"/>
+          </p:cNvCxnSpPr>
+          <p:nvPr/>
+        </p:nvCxnSpPr>
+        <p:spPr>
+          <a:xfrm>
+            <a:off x="4432734" y="1529863"/>
+            <a:ext cx="0" cy="306277"/>
+          </a:xfrm>
+          <a:prstGeom prst="straightConnector1">
+            <a:avLst/>
+          </a:prstGeom>
+          <a:ln w="38100">
+            <a:solidFill>
+              <a:schemeClr val="tx1"/>
+            </a:solidFill>
+            <a:tailEnd type="triangle"/>
+          </a:ln>
+        </p:spPr>
+        <p:style>
+          <a:lnRef idx="1">
+            <a:schemeClr val="accent1"/>
+          </a:lnRef>
+          <a:fillRef idx="0">
+            <a:schemeClr val="accent1"/>
+          </a:fillRef>
+          <a:effectRef idx="0">
+            <a:schemeClr val="accent1"/>
+          </a:effectRef>
+          <a:fontRef idx="minor">
+            <a:schemeClr val="tx1"/>
+          </a:fontRef>
+        </p:style>
+      </p:cxnSp>
+      <p:cxnSp>
+        <p:nvCxnSpPr>
+          <p:cNvPr id="120" name="Straight Arrow Connector 119"/>
+          <p:cNvCxnSpPr>
+            <a:stCxn id="92" idx="4"/>
+            <a:endCxn id="105" idx="0"/>
+          </p:cNvCxnSpPr>
+          <p:nvPr/>
+        </p:nvCxnSpPr>
+        <p:spPr>
+          <a:xfrm>
+            <a:off x="5641422" y="1529863"/>
+            <a:ext cx="0" cy="306277"/>
+          </a:xfrm>
+          <a:prstGeom prst="straightConnector1">
+            <a:avLst/>
+          </a:prstGeom>
+          <a:ln w="38100">
+            <a:solidFill>
+              <a:schemeClr val="tx1"/>
+            </a:solidFill>
+            <a:tailEnd type="triangle"/>
+          </a:ln>
+        </p:spPr>
+        <p:style>
+          <a:lnRef idx="1">
+            <a:schemeClr val="accent1"/>
+          </a:lnRef>
+          <a:fillRef idx="0">
+            <a:schemeClr val="accent1"/>
+          </a:fillRef>
+          <a:effectRef idx="0">
+            <a:schemeClr val="accent1"/>
+          </a:effectRef>
+          <a:fontRef idx="minor">
+            <a:schemeClr val="tx1"/>
+          </a:fontRef>
+        </p:style>
+      </p:cxnSp>
+      <p:cxnSp>
+        <p:nvCxnSpPr>
+          <p:cNvPr id="123" name="Straight Arrow Connector 122"/>
+          <p:cNvCxnSpPr>
+            <a:stCxn id="95" idx="4"/>
+            <a:endCxn id="108" idx="0"/>
+          </p:cNvCxnSpPr>
+          <p:nvPr/>
+        </p:nvCxnSpPr>
+        <p:spPr>
+          <a:xfrm>
+            <a:off x="6850110" y="1529863"/>
+            <a:ext cx="0" cy="306277"/>
+          </a:xfrm>
+          <a:prstGeom prst="straightConnector1">
+            <a:avLst/>
+          </a:prstGeom>
+          <a:ln w="38100">
+            <a:solidFill>
+              <a:schemeClr val="tx1"/>
+            </a:solidFill>
+            <a:tailEnd type="triangle"/>
+          </a:ln>
+        </p:spPr>
+        <p:style>
+          <a:lnRef idx="1">
+            <a:schemeClr val="accent1"/>
+          </a:lnRef>
+          <a:fillRef idx="0">
+            <a:schemeClr val="accent1"/>
+          </a:fillRef>
+          <a:effectRef idx="0">
+            <a:schemeClr val="accent1"/>
+          </a:effectRef>
+          <a:fontRef idx="minor">
+            <a:schemeClr val="tx1"/>
+          </a:fontRef>
+        </p:style>
+      </p:cxnSp>
+      <p:cxnSp>
+        <p:nvCxnSpPr>
+          <p:cNvPr id="126" name="Straight Arrow Connector 125"/>
+          <p:cNvCxnSpPr>
+            <a:stCxn id="100" idx="4"/>
+            <a:endCxn id="110" idx="0"/>
+          </p:cNvCxnSpPr>
+          <p:nvPr/>
+        </p:nvCxnSpPr>
+        <p:spPr>
+          <a:xfrm>
+            <a:off x="8058798" y="1526691"/>
+            <a:ext cx="0" cy="306277"/>
+          </a:xfrm>
+          <a:prstGeom prst="straightConnector1">
+            <a:avLst/>
+          </a:prstGeom>
+          <a:ln w="38100">
+            <a:solidFill>
+              <a:schemeClr val="tx1"/>
+            </a:solidFill>
+            <a:tailEnd type="triangle"/>
+          </a:ln>
+        </p:spPr>
+        <p:style>
+          <a:lnRef idx="1">
+            <a:schemeClr val="accent1"/>
+          </a:lnRef>
+          <a:fillRef idx="0">
+            <a:schemeClr val="accent1"/>
+          </a:fillRef>
+          <a:effectRef idx="0">
+            <a:schemeClr val="accent1"/>
+          </a:effectRef>
+          <a:fontRef idx="minor">
+            <a:schemeClr val="tx1"/>
+          </a:fontRef>
+        </p:style>
+      </p:cxnSp>
+      <p:sp>
+        <p:nvSpPr>
+          <p:cNvPr id="131" name="Oval 130"/>
+          <p:cNvSpPr/>
+          <p:nvPr/>
+        </p:nvSpPr>
+        <p:spPr>
+          <a:xfrm>
+            <a:off x="4117424" y="2538638"/>
+            <a:ext cx="630620" cy="399393"/>
+          </a:xfrm>
+          <a:prstGeom prst="ellipse">
+            <a:avLst/>
+          </a:prstGeom>
+          <a:noFill/>
+          <a:ln w="38100">
+            <a:solidFill>
+              <a:schemeClr val="tx1"/>
+            </a:solidFill>
+          </a:ln>
+        </p:spPr>
+        <p:style>
+          <a:lnRef idx="2">
+            <a:schemeClr val="accent1">
+              <a:shade val="50000"/>
+            </a:schemeClr>
+          </a:lnRef>
+          <a:fillRef idx="1">
+            <a:schemeClr val="accent1"/>
+          </a:fillRef>
+          <a:effectRef idx="0">
+            <a:schemeClr val="accent1"/>
+          </a:effectRef>
+          <a:fontRef idx="minor">
+            <a:schemeClr val="lt1"/>
+          </a:fontRef>
+        </p:style>
+        <p:txBody>
+          <a:bodyPr rtlCol="0" anchor="ctr"/>
+          <a:lstStyle/>
+          <a:p>
+            <a:pPr algn="ctr"/>
+            <a:r>
+              <a:rPr lang="en-US" sz="1050" dirty="0" smtClean="0">
+                <a:solidFill>
+                  <a:schemeClr val="tx1"/>
+                </a:solidFill>
+              </a:rPr>
+              <a:t>MJ1</a:t>
+            </a:r>
+            <a:endParaRPr lang="en-US" sz="1050" dirty="0">
+              <a:solidFill>
+                <a:schemeClr val="tx1"/>
+              </a:solidFill>
+            </a:endParaRPr>
+          </a:p>
+        </p:txBody>
+      </p:sp>
+      <p:sp>
+        <p:nvSpPr>
+          <p:cNvPr id="132" name="Oval 131"/>
+          <p:cNvSpPr/>
+          <p:nvPr/>
+        </p:nvSpPr>
+        <p:spPr>
+          <a:xfrm>
+            <a:off x="5326112" y="2538638"/>
+            <a:ext cx="630620" cy="399393"/>
+          </a:xfrm>
+          <a:prstGeom prst="ellipse">
+            <a:avLst/>
+          </a:prstGeom>
+          <a:noFill/>
+          <a:ln w="38100">
+            <a:solidFill>
+              <a:schemeClr val="tx1"/>
+            </a:solidFill>
+          </a:ln>
+        </p:spPr>
+        <p:style>
+          <a:lnRef idx="2">
+            <a:schemeClr val="accent1">
+              <a:shade val="50000"/>
+            </a:schemeClr>
+          </a:lnRef>
+          <a:fillRef idx="1">
+            <a:schemeClr val="accent1"/>
+          </a:fillRef>
+          <a:effectRef idx="0">
+            <a:schemeClr val="accent1"/>
+          </a:effectRef>
+          <a:fontRef idx="minor">
+            <a:schemeClr val="lt1"/>
+          </a:fontRef>
+        </p:style>
+        <p:txBody>
+          <a:bodyPr rtlCol="0" anchor="ctr"/>
+          <a:lstStyle/>
+          <a:p>
+            <a:pPr algn="ctr"/>
+            <a:r>
+              <a:rPr lang="en-US" sz="1050" dirty="0" smtClean="0">
+                <a:solidFill>
+                  <a:schemeClr val="tx1"/>
+                </a:solidFill>
+              </a:rPr>
+              <a:t>MJ2</a:t>
+            </a:r>
+            <a:endParaRPr lang="en-US" sz="1050" dirty="0">
+              <a:solidFill>
+                <a:schemeClr val="tx1"/>
+              </a:solidFill>
+            </a:endParaRPr>
+          </a:p>
+        </p:txBody>
+      </p:sp>
+      <p:cxnSp>
+        <p:nvCxnSpPr>
+          <p:cNvPr id="134" name="Straight Arrow Connector 133"/>
+          <p:cNvCxnSpPr>
+            <a:stCxn id="131" idx="6"/>
+            <a:endCxn id="132" idx="2"/>
+          </p:cNvCxnSpPr>
+          <p:nvPr/>
+        </p:nvCxnSpPr>
+        <p:spPr>
+          <a:xfrm>
+            <a:off x="4748044" y="2738335"/>
+            <a:ext cx="578068" cy="0"/>
+          </a:xfrm>
+          <a:prstGeom prst="straightConnector1">
+            <a:avLst/>
+          </a:prstGeom>
+          <a:ln w="38100">
+            <a:solidFill>
+              <a:schemeClr val="tx1"/>
+            </a:solidFill>
+            <a:tailEnd type="triangle"/>
+          </a:ln>
+        </p:spPr>
+        <p:style>
+          <a:lnRef idx="1">
+            <a:schemeClr val="accent1"/>
+          </a:lnRef>
+          <a:fillRef idx="0">
+            <a:schemeClr val="accent1"/>
+          </a:fillRef>
+          <a:effectRef idx="0">
+            <a:schemeClr val="accent1"/>
+          </a:effectRef>
+          <a:fontRef idx="minor">
+            <a:schemeClr val="tx1"/>
+          </a:fontRef>
+        </p:style>
+      </p:cxnSp>
+      <p:sp>
+        <p:nvSpPr>
+          <p:cNvPr id="135" name="Oval 134"/>
+          <p:cNvSpPr/>
+          <p:nvPr/>
+        </p:nvSpPr>
+        <p:spPr>
+          <a:xfrm>
+            <a:off x="6534800" y="2538638"/>
+            <a:ext cx="630620" cy="399393"/>
+          </a:xfrm>
+          <a:prstGeom prst="ellipse">
+            <a:avLst/>
+          </a:prstGeom>
+          <a:noFill/>
+          <a:ln w="38100">
+            <a:solidFill>
+              <a:schemeClr val="tx1"/>
+            </a:solidFill>
+          </a:ln>
+        </p:spPr>
+        <p:style>
+          <a:lnRef idx="2">
+            <a:schemeClr val="accent1">
+              <a:shade val="50000"/>
+            </a:schemeClr>
+          </a:lnRef>
+          <a:fillRef idx="1">
+            <a:schemeClr val="accent1"/>
+          </a:fillRef>
+          <a:effectRef idx="0">
+            <a:schemeClr val="accent1"/>
+          </a:effectRef>
+          <a:fontRef idx="minor">
+            <a:schemeClr val="lt1"/>
+          </a:fontRef>
+        </p:style>
+        <p:txBody>
+          <a:bodyPr rtlCol="0" anchor="ctr"/>
+          <a:lstStyle/>
+          <a:p>
+            <a:pPr algn="ctr"/>
+            <a:r>
+              <a:rPr lang="en-US" sz="1050" dirty="0" smtClean="0">
+                <a:solidFill>
+                  <a:schemeClr val="tx1"/>
+                </a:solidFill>
+              </a:rPr>
+              <a:t>MJ3</a:t>
+            </a:r>
+            <a:endParaRPr lang="en-US" sz="1050" dirty="0">
+              <a:solidFill>
+                <a:schemeClr val="tx1"/>
+              </a:solidFill>
+            </a:endParaRPr>
+          </a:p>
+        </p:txBody>
+      </p:sp>
+      <p:cxnSp>
+        <p:nvCxnSpPr>
+          <p:cNvPr id="136" name="Straight Arrow Connector 135"/>
+          <p:cNvCxnSpPr>
+            <a:stCxn id="132" idx="6"/>
+            <a:endCxn id="135" idx="2"/>
+          </p:cNvCxnSpPr>
+          <p:nvPr/>
+        </p:nvCxnSpPr>
+        <p:spPr>
+          <a:xfrm>
+            <a:off x="5956732" y="2738335"/>
+            <a:ext cx="578068" cy="0"/>
+          </a:xfrm>
+          <a:prstGeom prst="straightConnector1">
+            <a:avLst/>
+          </a:prstGeom>
+          <a:ln w="38100">
+            <a:solidFill>
+              <a:schemeClr val="tx1"/>
+            </a:solidFill>
+            <a:tailEnd type="triangle"/>
+          </a:ln>
+        </p:spPr>
+        <p:style>
+          <a:lnRef idx="1">
+            <a:schemeClr val="accent1"/>
+          </a:lnRef>
+          <a:fillRef idx="0">
+            <a:schemeClr val="accent1"/>
+          </a:fillRef>
+          <a:effectRef idx="0">
+            <a:schemeClr val="accent1"/>
+          </a:effectRef>
+          <a:fontRef idx="minor">
+            <a:schemeClr val="tx1"/>
+          </a:fontRef>
+        </p:style>
+      </p:cxnSp>
+      <p:sp>
+        <p:nvSpPr>
+          <p:cNvPr id="137" name="Oval 136"/>
+          <p:cNvSpPr/>
+          <p:nvPr/>
+        </p:nvSpPr>
+        <p:spPr>
+          <a:xfrm>
+            <a:off x="7743488" y="2535466"/>
+            <a:ext cx="630620" cy="399393"/>
+          </a:xfrm>
+          <a:prstGeom prst="ellipse">
+            <a:avLst/>
+          </a:prstGeom>
+          <a:noFill/>
+          <a:ln w="38100">
+            <a:solidFill>
+              <a:schemeClr val="tx1"/>
+            </a:solidFill>
+          </a:ln>
+        </p:spPr>
+        <p:style>
+          <a:lnRef idx="2">
+            <a:schemeClr val="accent1">
+              <a:shade val="50000"/>
+            </a:schemeClr>
+          </a:lnRef>
+          <a:fillRef idx="1">
+            <a:schemeClr val="accent1"/>
+          </a:fillRef>
+          <a:effectRef idx="0">
+            <a:schemeClr val="accent1"/>
+          </a:effectRef>
+          <a:fontRef idx="minor">
+            <a:schemeClr val="lt1"/>
+          </a:fontRef>
+        </p:style>
+        <p:txBody>
+          <a:bodyPr rtlCol="0" anchor="ctr"/>
+          <a:lstStyle/>
+          <a:p>
+            <a:pPr algn="ctr"/>
+            <a:r>
+              <a:rPr lang="en-US" sz="1050" dirty="0" smtClean="0">
+                <a:solidFill>
+                  <a:schemeClr val="tx1"/>
+                </a:solidFill>
+              </a:rPr>
+              <a:t>MJ4</a:t>
+            </a:r>
+            <a:endParaRPr lang="en-US" sz="1050" dirty="0">
+              <a:solidFill>
+                <a:schemeClr val="tx1"/>
+              </a:solidFill>
+            </a:endParaRPr>
+          </a:p>
+        </p:txBody>
+      </p:sp>
+      <p:cxnSp>
+        <p:nvCxnSpPr>
+          <p:cNvPr id="138" name="Straight Arrow Connector 137"/>
+          <p:cNvCxnSpPr>
+            <a:stCxn id="135" idx="6"/>
+            <a:endCxn id="137" idx="2"/>
+          </p:cNvCxnSpPr>
+          <p:nvPr/>
+        </p:nvCxnSpPr>
+        <p:spPr>
+          <a:xfrm flipV="1">
+            <a:off x="7165420" y="2735163"/>
+            <a:ext cx="578068" cy="3172"/>
+          </a:xfrm>
+          <a:prstGeom prst="straightConnector1">
+            <a:avLst/>
+          </a:prstGeom>
+          <a:ln w="38100">
+            <a:solidFill>
+              <a:schemeClr val="tx1"/>
+            </a:solidFill>
+            <a:tailEnd type="triangle"/>
+          </a:ln>
+        </p:spPr>
+        <p:style>
+          <a:lnRef idx="1">
+            <a:schemeClr val="accent1"/>
+          </a:lnRef>
+          <a:fillRef idx="0">
+            <a:schemeClr val="accent1"/>
+          </a:fillRef>
+          <a:effectRef idx="0">
+            <a:schemeClr val="accent1"/>
+          </a:effectRef>
+          <a:fontRef idx="minor">
+            <a:schemeClr val="tx1"/>
+          </a:fontRef>
+        </p:style>
+      </p:cxnSp>
+      <p:cxnSp>
+        <p:nvCxnSpPr>
+          <p:cNvPr id="139" name="Straight Arrow Connector 138"/>
+          <p:cNvCxnSpPr>
+            <a:stCxn id="104" idx="4"/>
+            <a:endCxn id="131" idx="0"/>
+          </p:cNvCxnSpPr>
+          <p:nvPr/>
+        </p:nvCxnSpPr>
+        <p:spPr>
+          <a:xfrm>
+            <a:off x="4432734" y="2235533"/>
+            <a:ext cx="0" cy="303105"/>
+          </a:xfrm>
+          <a:prstGeom prst="straightConnector1">
+            <a:avLst/>
+          </a:prstGeom>
+          <a:ln w="38100">
+            <a:solidFill>
+              <a:schemeClr val="tx1"/>
+            </a:solidFill>
+            <a:tailEnd type="triangle"/>
+          </a:ln>
+        </p:spPr>
+        <p:style>
+          <a:lnRef idx="1">
+            <a:schemeClr val="accent1"/>
+          </a:lnRef>
+          <a:fillRef idx="0">
+            <a:schemeClr val="accent1"/>
+          </a:fillRef>
+          <a:effectRef idx="0">
+            <a:schemeClr val="accent1"/>
+          </a:effectRef>
+          <a:fontRef idx="minor">
+            <a:schemeClr val="tx1"/>
+          </a:fontRef>
+        </p:style>
+      </p:cxnSp>
+      <p:cxnSp>
+        <p:nvCxnSpPr>
+          <p:cNvPr id="140" name="Straight Arrow Connector 139"/>
+          <p:cNvCxnSpPr>
+            <a:stCxn id="105" idx="4"/>
+            <a:endCxn id="132" idx="0"/>
+          </p:cNvCxnSpPr>
+          <p:nvPr/>
+        </p:nvCxnSpPr>
+        <p:spPr>
+          <a:xfrm>
+            <a:off x="5641422" y="2235533"/>
+            <a:ext cx="0" cy="303105"/>
+          </a:xfrm>
+          <a:prstGeom prst="straightConnector1">
+            <a:avLst/>
+          </a:prstGeom>
+          <a:ln w="38100">
+            <a:solidFill>
+              <a:schemeClr val="tx1"/>
+            </a:solidFill>
+            <a:tailEnd type="triangle"/>
+          </a:ln>
+        </p:spPr>
+        <p:style>
+          <a:lnRef idx="1">
+            <a:schemeClr val="accent1"/>
+          </a:lnRef>
+          <a:fillRef idx="0">
+            <a:schemeClr val="accent1"/>
+          </a:fillRef>
+          <a:effectRef idx="0">
+            <a:schemeClr val="accent1"/>
+          </a:effectRef>
+          <a:fontRef idx="minor">
+            <a:schemeClr val="tx1"/>
+          </a:fontRef>
+        </p:style>
+      </p:cxnSp>
+      <p:cxnSp>
+        <p:nvCxnSpPr>
+          <p:cNvPr id="141" name="Straight Arrow Connector 140"/>
+          <p:cNvCxnSpPr>
+            <a:stCxn id="108" idx="4"/>
+            <a:endCxn id="135" idx="0"/>
+          </p:cNvCxnSpPr>
+          <p:nvPr/>
+        </p:nvCxnSpPr>
+        <p:spPr>
+          <a:xfrm>
+            <a:off x="6850110" y="2235533"/>
+            <a:ext cx="0" cy="303105"/>
+          </a:xfrm>
+          <a:prstGeom prst="straightConnector1">
+            <a:avLst/>
+          </a:prstGeom>
+          <a:ln w="38100">
+            <a:solidFill>
+              <a:schemeClr val="tx1"/>
+            </a:solidFill>
+            <a:tailEnd type="triangle"/>
+          </a:ln>
+        </p:spPr>
+        <p:style>
+          <a:lnRef idx="1">
+            <a:schemeClr val="accent1"/>
+          </a:lnRef>
+          <a:fillRef idx="0">
+            <a:schemeClr val="accent1"/>
+          </a:fillRef>
+          <a:effectRef idx="0">
+            <a:schemeClr val="accent1"/>
+          </a:effectRef>
+          <a:fontRef idx="minor">
+            <a:schemeClr val="tx1"/>
+          </a:fontRef>
+        </p:style>
+      </p:cxnSp>
+      <p:cxnSp>
+        <p:nvCxnSpPr>
+          <p:cNvPr id="142" name="Straight Arrow Connector 141"/>
+          <p:cNvCxnSpPr>
+            <a:stCxn id="110" idx="4"/>
+            <a:endCxn id="137" idx="0"/>
+          </p:cNvCxnSpPr>
+          <p:nvPr/>
+        </p:nvCxnSpPr>
+        <p:spPr>
+          <a:xfrm>
+            <a:off x="8058798" y="2232361"/>
+            <a:ext cx="0" cy="303105"/>
+          </a:xfrm>
+          <a:prstGeom prst="straightConnector1">
+            <a:avLst/>
+          </a:prstGeom>
+          <a:ln w="38100">
+            <a:solidFill>
+              <a:schemeClr val="tx1"/>
+            </a:solidFill>
+            <a:tailEnd type="triangle"/>
+          </a:ln>
+        </p:spPr>
+        <p:style>
+          <a:lnRef idx="1">
+            <a:schemeClr val="accent1"/>
+          </a:lnRef>
+          <a:fillRef idx="0">
+            <a:schemeClr val="accent1"/>
+          </a:fillRef>
+          <a:effectRef idx="0">
+            <a:schemeClr val="accent1"/>
+          </a:effectRef>
+          <a:fontRef idx="minor">
+            <a:schemeClr val="tx1"/>
+          </a:fontRef>
+        </p:style>
+      </p:cxnSp>
+      <p:sp>
+        <p:nvSpPr>
+          <p:cNvPr id="155" name="Oval 154"/>
+          <p:cNvSpPr/>
+          <p:nvPr/>
+        </p:nvSpPr>
+        <p:spPr>
+          <a:xfrm>
+            <a:off x="4117424" y="3250652"/>
+            <a:ext cx="630620" cy="399393"/>
+          </a:xfrm>
+          <a:prstGeom prst="ellipse">
+            <a:avLst/>
+          </a:prstGeom>
+          <a:noFill/>
+          <a:ln w="38100">
+            <a:solidFill>
+              <a:schemeClr val="tx1"/>
+            </a:solidFill>
+          </a:ln>
+        </p:spPr>
+        <p:style>
+          <a:lnRef idx="2">
+            <a:schemeClr val="accent1">
+              <a:shade val="50000"/>
+            </a:schemeClr>
+          </a:lnRef>
+          <a:fillRef idx="1">
+            <a:schemeClr val="accent1"/>
+          </a:fillRef>
+          <a:effectRef idx="0">
+            <a:schemeClr val="accent1"/>
+          </a:effectRef>
+          <a:fontRef idx="minor">
+            <a:schemeClr val="lt1"/>
+          </a:fontRef>
+        </p:style>
+        <p:txBody>
+          <a:bodyPr rtlCol="0" anchor="ctr"/>
+          <a:lstStyle/>
+          <a:p>
+            <a:pPr algn="ctr"/>
+            <a:r>
+              <a:rPr lang="en-US" sz="1050" dirty="0" smtClean="0">
+                <a:solidFill>
+                  <a:schemeClr val="tx1"/>
+                </a:solidFill>
+              </a:rPr>
+              <a:t>MJ1</a:t>
+            </a:r>
+            <a:endParaRPr lang="en-US" sz="1050" dirty="0">
+              <a:solidFill>
+                <a:schemeClr val="tx1"/>
+              </a:solidFill>
+            </a:endParaRPr>
+          </a:p>
+        </p:txBody>
+      </p:sp>
+      <p:sp>
+        <p:nvSpPr>
+          <p:cNvPr id="156" name="Oval 155"/>
+          <p:cNvSpPr/>
+          <p:nvPr/>
+        </p:nvSpPr>
+        <p:spPr>
+          <a:xfrm>
+            <a:off x="5326112" y="3250652"/>
+            <a:ext cx="630620" cy="399393"/>
+          </a:xfrm>
+          <a:prstGeom prst="ellipse">
+            <a:avLst/>
+          </a:prstGeom>
+          <a:noFill/>
+          <a:ln w="38100">
+            <a:solidFill>
+              <a:schemeClr val="tx1"/>
+            </a:solidFill>
+          </a:ln>
+        </p:spPr>
+        <p:style>
+          <a:lnRef idx="2">
+            <a:schemeClr val="accent1">
+              <a:shade val="50000"/>
+            </a:schemeClr>
+          </a:lnRef>
+          <a:fillRef idx="1">
+            <a:schemeClr val="accent1"/>
+          </a:fillRef>
+          <a:effectRef idx="0">
+            <a:schemeClr val="accent1"/>
+          </a:effectRef>
+          <a:fontRef idx="minor">
+            <a:schemeClr val="lt1"/>
+          </a:fontRef>
+        </p:style>
+        <p:txBody>
+          <a:bodyPr rtlCol="0" anchor="ctr"/>
+          <a:lstStyle/>
+          <a:p>
+            <a:pPr algn="ctr"/>
+            <a:r>
+              <a:rPr lang="en-US" sz="1050" dirty="0" smtClean="0">
+                <a:solidFill>
+                  <a:schemeClr val="tx1"/>
+                </a:solidFill>
+              </a:rPr>
+              <a:t>MJ2</a:t>
+            </a:r>
+            <a:endParaRPr lang="en-US" sz="1050" dirty="0">
+              <a:solidFill>
+                <a:schemeClr val="tx1"/>
+              </a:solidFill>
+            </a:endParaRPr>
+          </a:p>
+        </p:txBody>
+      </p:sp>
+      <p:cxnSp>
+        <p:nvCxnSpPr>
+          <p:cNvPr id="157" name="Straight Arrow Connector 156"/>
+          <p:cNvCxnSpPr>
+            <a:stCxn id="155" idx="6"/>
+            <a:endCxn id="156" idx="2"/>
+          </p:cNvCxnSpPr>
+          <p:nvPr/>
+        </p:nvCxnSpPr>
+        <p:spPr>
+          <a:xfrm>
+            <a:off x="4748044" y="3450349"/>
+            <a:ext cx="578068" cy="0"/>
+          </a:xfrm>
+          <a:prstGeom prst="straightConnector1">
+            <a:avLst/>
+          </a:prstGeom>
+          <a:ln w="38100">
+            <a:solidFill>
+              <a:schemeClr val="tx1"/>
+            </a:solidFill>
+            <a:tailEnd type="triangle"/>
+          </a:ln>
+        </p:spPr>
+        <p:style>
+          <a:lnRef idx="1">
+            <a:schemeClr val="accent1"/>
+          </a:lnRef>
+          <a:fillRef idx="0">
+            <a:schemeClr val="accent1"/>
+          </a:fillRef>
+          <a:effectRef idx="0">
+            <a:schemeClr val="accent1"/>
+          </a:effectRef>
+          <a:fontRef idx="minor">
+            <a:schemeClr val="tx1"/>
+          </a:fontRef>
+        </p:style>
+      </p:cxnSp>
+      <p:sp>
+        <p:nvSpPr>
+          <p:cNvPr id="158" name="Oval 157"/>
+          <p:cNvSpPr/>
+          <p:nvPr/>
+        </p:nvSpPr>
+        <p:spPr>
+          <a:xfrm>
+            <a:off x="6534800" y="3250652"/>
+            <a:ext cx="630620" cy="399393"/>
+          </a:xfrm>
+          <a:prstGeom prst="ellipse">
+            <a:avLst/>
+          </a:prstGeom>
+          <a:noFill/>
+          <a:ln w="38100">
+            <a:solidFill>
+              <a:schemeClr val="tx1"/>
+            </a:solidFill>
+          </a:ln>
+        </p:spPr>
+        <p:style>
+          <a:lnRef idx="2">
+            <a:schemeClr val="accent1">
+              <a:shade val="50000"/>
+            </a:schemeClr>
+          </a:lnRef>
+          <a:fillRef idx="1">
+            <a:schemeClr val="accent1"/>
+          </a:fillRef>
+          <a:effectRef idx="0">
+            <a:schemeClr val="accent1"/>
+          </a:effectRef>
+          <a:fontRef idx="minor">
+            <a:schemeClr val="lt1"/>
+          </a:fontRef>
+        </p:style>
+        <p:txBody>
+          <a:bodyPr rtlCol="0" anchor="ctr"/>
+          <a:lstStyle/>
+          <a:p>
+            <a:pPr algn="ctr"/>
+            <a:r>
+              <a:rPr lang="en-US" sz="1050" dirty="0" smtClean="0">
+                <a:solidFill>
+                  <a:schemeClr val="tx1"/>
+                </a:solidFill>
+              </a:rPr>
+              <a:t>MJ3</a:t>
+            </a:r>
+            <a:endParaRPr lang="en-US" sz="1050" dirty="0">
+              <a:solidFill>
+                <a:schemeClr val="tx1"/>
+              </a:solidFill>
+            </a:endParaRPr>
+          </a:p>
+        </p:txBody>
+      </p:sp>
+      <p:cxnSp>
+        <p:nvCxnSpPr>
+          <p:cNvPr id="159" name="Straight Arrow Connector 158"/>
+          <p:cNvCxnSpPr>
+            <a:stCxn id="156" idx="6"/>
+            <a:endCxn id="158" idx="2"/>
+          </p:cNvCxnSpPr>
+          <p:nvPr/>
+        </p:nvCxnSpPr>
+        <p:spPr>
+          <a:xfrm>
+            <a:off x="5956732" y="3450349"/>
+            <a:ext cx="578068" cy="0"/>
+          </a:xfrm>
+          <a:prstGeom prst="straightConnector1">
+            <a:avLst/>
+          </a:prstGeom>
+          <a:ln w="38100">
+            <a:solidFill>
+              <a:schemeClr val="tx1"/>
+            </a:solidFill>
+            <a:tailEnd type="triangle"/>
+          </a:ln>
+        </p:spPr>
+        <p:style>
+          <a:lnRef idx="1">
+            <a:schemeClr val="accent1"/>
+          </a:lnRef>
+          <a:fillRef idx="0">
+            <a:schemeClr val="accent1"/>
+          </a:fillRef>
+          <a:effectRef idx="0">
+            <a:schemeClr val="accent1"/>
+          </a:effectRef>
+          <a:fontRef idx="minor">
+            <a:schemeClr val="tx1"/>
+          </a:fontRef>
+        </p:style>
+      </p:cxnSp>
+      <p:sp>
+        <p:nvSpPr>
+          <p:cNvPr id="160" name="Oval 159"/>
+          <p:cNvSpPr/>
+          <p:nvPr/>
+        </p:nvSpPr>
+        <p:spPr>
+          <a:xfrm>
+            <a:off x="7743488" y="3247480"/>
+            <a:ext cx="630620" cy="399393"/>
+          </a:xfrm>
+          <a:prstGeom prst="ellipse">
+            <a:avLst/>
+          </a:prstGeom>
+          <a:noFill/>
+          <a:ln w="38100">
+            <a:solidFill>
+              <a:schemeClr val="tx1"/>
+            </a:solidFill>
+          </a:ln>
+        </p:spPr>
+        <p:style>
+          <a:lnRef idx="2">
+            <a:schemeClr val="accent1">
+              <a:shade val="50000"/>
+            </a:schemeClr>
+          </a:lnRef>
+          <a:fillRef idx="1">
+            <a:schemeClr val="accent1"/>
+          </a:fillRef>
+          <a:effectRef idx="0">
+            <a:schemeClr val="accent1"/>
+          </a:effectRef>
+          <a:fontRef idx="minor">
+            <a:schemeClr val="lt1"/>
+          </a:fontRef>
+        </p:style>
+        <p:txBody>
+          <a:bodyPr rtlCol="0" anchor="ctr"/>
+          <a:lstStyle/>
+          <a:p>
+            <a:pPr algn="ctr"/>
+            <a:r>
+              <a:rPr lang="en-US" sz="1050" dirty="0" smtClean="0">
+                <a:solidFill>
+                  <a:schemeClr val="tx1"/>
+                </a:solidFill>
+              </a:rPr>
+              <a:t>MJ4</a:t>
+            </a:r>
+            <a:endParaRPr lang="en-US" sz="1050" dirty="0">
+              <a:solidFill>
+                <a:schemeClr val="tx1"/>
+              </a:solidFill>
+            </a:endParaRPr>
+          </a:p>
+        </p:txBody>
+      </p:sp>
+      <p:cxnSp>
+        <p:nvCxnSpPr>
+          <p:cNvPr id="161" name="Straight Arrow Connector 160"/>
+          <p:cNvCxnSpPr>
+            <a:stCxn id="158" idx="6"/>
+            <a:endCxn id="160" idx="2"/>
+          </p:cNvCxnSpPr>
+          <p:nvPr/>
+        </p:nvCxnSpPr>
+        <p:spPr>
+          <a:xfrm flipV="1">
+            <a:off x="7165420" y="3447177"/>
+            <a:ext cx="578068" cy="3172"/>
+          </a:xfrm>
+          <a:prstGeom prst="straightConnector1">
+            <a:avLst/>
+          </a:prstGeom>
+          <a:ln w="38100">
+            <a:solidFill>
+              <a:schemeClr val="tx1"/>
+            </a:solidFill>
+            <a:tailEnd type="triangle"/>
+          </a:ln>
+        </p:spPr>
+        <p:style>
+          <a:lnRef idx="1">
+            <a:schemeClr val="accent1"/>
+          </a:lnRef>
+          <a:fillRef idx="0">
+            <a:schemeClr val="accent1"/>
+          </a:fillRef>
+          <a:effectRef idx="0">
+            <a:schemeClr val="accent1"/>
+          </a:effectRef>
+          <a:fontRef idx="minor">
+            <a:schemeClr val="tx1"/>
+          </a:fontRef>
+        </p:style>
+      </p:cxnSp>
+      <p:cxnSp>
+        <p:nvCxnSpPr>
+          <p:cNvPr id="162" name="Straight Arrow Connector 161"/>
+          <p:cNvCxnSpPr>
+            <a:stCxn id="131" idx="4"/>
+            <a:endCxn id="155" idx="0"/>
+          </p:cNvCxnSpPr>
+          <p:nvPr/>
+        </p:nvCxnSpPr>
+        <p:spPr>
+          <a:xfrm>
+            <a:off x="4432734" y="2938031"/>
+            <a:ext cx="0" cy="312621"/>
+          </a:xfrm>
+          <a:prstGeom prst="straightConnector1">
+            <a:avLst/>
+          </a:prstGeom>
+          <a:ln w="38100">
+            <a:solidFill>
+              <a:schemeClr val="tx1"/>
+            </a:solidFill>
+            <a:tailEnd type="triangle"/>
+          </a:ln>
+        </p:spPr>
+        <p:style>
+          <a:lnRef idx="1">
+            <a:schemeClr val="accent1"/>
+          </a:lnRef>
+          <a:fillRef idx="0">
+            <a:schemeClr val="accent1"/>
+          </a:fillRef>
+          <a:effectRef idx="0">
+            <a:schemeClr val="accent1"/>
+          </a:effectRef>
+          <a:fontRef idx="minor">
+            <a:schemeClr val="tx1"/>
+          </a:fontRef>
+        </p:style>
+      </p:cxnSp>
+      <p:cxnSp>
+        <p:nvCxnSpPr>
+          <p:cNvPr id="163" name="Straight Arrow Connector 162"/>
+          <p:cNvCxnSpPr>
+            <a:stCxn id="132" idx="4"/>
+            <a:endCxn id="156" idx="0"/>
+          </p:cNvCxnSpPr>
+          <p:nvPr/>
+        </p:nvCxnSpPr>
+        <p:spPr>
+          <a:xfrm>
+            <a:off x="5641422" y="2938031"/>
+            <a:ext cx="0" cy="312621"/>
+          </a:xfrm>
+          <a:prstGeom prst="straightConnector1">
+            <a:avLst/>
+          </a:prstGeom>
+          <a:ln w="38100">
+            <a:solidFill>
+              <a:schemeClr val="tx1"/>
+            </a:solidFill>
+            <a:tailEnd type="triangle"/>
+          </a:ln>
+        </p:spPr>
+        <p:style>
+          <a:lnRef idx="1">
+            <a:schemeClr val="accent1"/>
+          </a:lnRef>
+          <a:fillRef idx="0">
+            <a:schemeClr val="accent1"/>
+          </a:fillRef>
+          <a:effectRef idx="0">
+            <a:schemeClr val="accent1"/>
+          </a:effectRef>
+          <a:fontRef idx="minor">
+            <a:schemeClr val="tx1"/>
+          </a:fontRef>
+        </p:style>
+      </p:cxnSp>
+      <p:cxnSp>
+        <p:nvCxnSpPr>
+          <p:cNvPr id="164" name="Straight Arrow Connector 163"/>
+          <p:cNvCxnSpPr>
+            <a:stCxn id="135" idx="4"/>
+            <a:endCxn id="158" idx="0"/>
+          </p:cNvCxnSpPr>
+          <p:nvPr/>
+        </p:nvCxnSpPr>
+        <p:spPr>
+          <a:xfrm>
+            <a:off x="6850110" y="2938031"/>
+            <a:ext cx="0" cy="312621"/>
+          </a:xfrm>
+          <a:prstGeom prst="straightConnector1">
+            <a:avLst/>
+          </a:prstGeom>
+          <a:ln w="38100">
+            <a:solidFill>
+              <a:schemeClr val="tx1"/>
+            </a:solidFill>
+            <a:tailEnd type="triangle"/>
+          </a:ln>
+        </p:spPr>
+        <p:style>
+          <a:lnRef idx="1">
+            <a:schemeClr val="accent1"/>
+          </a:lnRef>
+          <a:fillRef idx="0">
+            <a:schemeClr val="accent1"/>
+          </a:fillRef>
+          <a:effectRef idx="0">
+            <a:schemeClr val="accent1"/>
+          </a:effectRef>
+          <a:fontRef idx="minor">
+            <a:schemeClr val="tx1"/>
+          </a:fontRef>
+        </p:style>
+      </p:cxnSp>
+      <p:cxnSp>
+        <p:nvCxnSpPr>
+          <p:cNvPr id="165" name="Straight Arrow Connector 164"/>
+          <p:cNvCxnSpPr>
+            <a:stCxn id="137" idx="4"/>
+            <a:endCxn id="160" idx="0"/>
+          </p:cNvCxnSpPr>
+          <p:nvPr/>
+        </p:nvCxnSpPr>
+        <p:spPr>
+          <a:xfrm>
+            <a:off x="8058798" y="2934859"/>
+            <a:ext cx="0" cy="312621"/>
+          </a:xfrm>
+          <a:prstGeom prst="straightConnector1">
+            <a:avLst/>
+          </a:prstGeom>
+          <a:ln w="38100">
+            <a:solidFill>
+              <a:schemeClr val="tx1"/>
+            </a:solidFill>
+            <a:tailEnd type="triangle"/>
+          </a:ln>
+        </p:spPr>
+        <p:style>
+          <a:lnRef idx="1">
+            <a:schemeClr val="accent1"/>
+          </a:lnRef>
+          <a:fillRef idx="0">
+            <a:schemeClr val="accent1"/>
+          </a:fillRef>
+          <a:effectRef idx="0">
+            <a:schemeClr val="accent1"/>
+          </a:effectRef>
+          <a:fontRef idx="minor">
+            <a:schemeClr val="tx1"/>
+          </a:fontRef>
+        </p:style>
+      </p:cxnSp>
+      <p:cxnSp>
+        <p:nvCxnSpPr>
+          <p:cNvPr id="191" name="Curved Connector 190"/>
+          <p:cNvCxnSpPr>
+            <a:stCxn id="131" idx="6"/>
+            <a:endCxn id="89" idx="6"/>
+          </p:cNvCxnSpPr>
+          <p:nvPr/>
+        </p:nvCxnSpPr>
+        <p:spPr>
+          <a:xfrm flipV="1">
+            <a:off x="4748044" y="1330167"/>
+            <a:ext cx="12700" cy="1408168"/>
           </a:xfrm>
           <a:prstGeom prst="curvedConnector3">
             <a:avLst>
-              <a:gd name="adj1" fmla="val 3266488"/>
+              <a:gd name="adj1" fmla="val 1800000"/>
             </a:avLst>
           </a:prstGeom>
           <a:ln w="38100">
             <a:solidFill>
               <a:schemeClr val="tx1"/>
             </a:solidFill>
+            <a:tailEnd type="triangle"/>
+          </a:ln>
+        </p:spPr>
+        <p:style>
+          <a:lnRef idx="1">
+            <a:schemeClr val="accent1"/>
+          </a:lnRef>
+          <a:fillRef idx="0">
+            <a:schemeClr val="accent1"/>
+          </a:fillRef>
+          <a:effectRef idx="0">
+            <a:schemeClr val="accent1"/>
+          </a:effectRef>
+          <a:fontRef idx="minor">
+            <a:schemeClr val="tx1"/>
+          </a:fontRef>
+        </p:style>
+      </p:cxnSp>
+      <p:cxnSp>
+        <p:nvCxnSpPr>
+          <p:cNvPr id="194" name="Curved Connector 193"/>
+          <p:cNvCxnSpPr>
+            <a:stCxn id="155" idx="6"/>
+            <a:endCxn id="89" idx="6"/>
+          </p:cNvCxnSpPr>
+          <p:nvPr/>
+        </p:nvCxnSpPr>
+        <p:spPr>
+          <a:xfrm flipV="1">
+            <a:off x="4748044" y="1330167"/>
+            <a:ext cx="12700" cy="2120182"/>
+          </a:xfrm>
+          <a:prstGeom prst="curvedConnector3">
+            <a:avLst>
+              <a:gd name="adj1" fmla="val 1800000"/>
+            </a:avLst>
+          </a:prstGeom>
+          <a:ln w="38100">
+            <a:solidFill>
+              <a:schemeClr val="tx1"/>
+            </a:solidFill>
+            <a:tailEnd type="triangle"/>
+          </a:ln>
+        </p:spPr>
+        <p:style>
+          <a:lnRef idx="1">
+            <a:schemeClr val="accent1"/>
+          </a:lnRef>
+          <a:fillRef idx="0">
+            <a:schemeClr val="accent1"/>
+          </a:fillRef>
+          <a:effectRef idx="0">
+            <a:schemeClr val="accent1"/>
+          </a:effectRef>
+          <a:fontRef idx="minor">
+            <a:schemeClr val="tx1"/>
+          </a:fontRef>
+        </p:style>
+      </p:cxnSp>
+      <p:cxnSp>
+        <p:nvCxnSpPr>
+          <p:cNvPr id="203" name="Curved Connector 202"/>
+          <p:cNvCxnSpPr>
+            <a:stCxn id="132" idx="6"/>
+            <a:endCxn id="92" idx="6"/>
+          </p:cNvCxnSpPr>
+          <p:nvPr/>
+        </p:nvCxnSpPr>
+        <p:spPr>
+          <a:xfrm flipV="1">
+            <a:off x="5956732" y="1330167"/>
+            <a:ext cx="12700" cy="1408168"/>
+          </a:xfrm>
+          <a:prstGeom prst="curvedConnector3">
+            <a:avLst>
+              <a:gd name="adj1" fmla="val 1800000"/>
+            </a:avLst>
+          </a:prstGeom>
+          <a:ln w="38100">
+            <a:solidFill>
+              <a:schemeClr val="tx1"/>
+            </a:solidFill>
+            <a:tailEnd type="triangle"/>
+          </a:ln>
+        </p:spPr>
+        <p:style>
+          <a:lnRef idx="1">
+            <a:schemeClr val="accent1"/>
+          </a:lnRef>
+          <a:fillRef idx="0">
+            <a:schemeClr val="accent1"/>
+          </a:fillRef>
+          <a:effectRef idx="0">
+            <a:schemeClr val="accent1"/>
+          </a:effectRef>
+          <a:fontRef idx="minor">
+            <a:schemeClr val="tx1"/>
+          </a:fontRef>
+        </p:style>
+      </p:cxnSp>
+      <p:cxnSp>
+        <p:nvCxnSpPr>
+          <p:cNvPr id="207" name="Curved Connector 206"/>
+          <p:cNvCxnSpPr>
+            <a:stCxn id="156" idx="6"/>
+            <a:endCxn id="92" idx="6"/>
+          </p:cNvCxnSpPr>
+          <p:nvPr/>
+        </p:nvCxnSpPr>
+        <p:spPr>
+          <a:xfrm flipV="1">
+            <a:off x="5956732" y="1330167"/>
+            <a:ext cx="12700" cy="2120182"/>
+          </a:xfrm>
+          <a:prstGeom prst="curvedConnector3">
+            <a:avLst>
+              <a:gd name="adj1" fmla="val 1800000"/>
+            </a:avLst>
+          </a:prstGeom>
+          <a:ln w="38100">
+            <a:solidFill>
+              <a:schemeClr val="tx1"/>
+            </a:solidFill>
+            <a:tailEnd type="triangle"/>
+          </a:ln>
+        </p:spPr>
+        <p:style>
+          <a:lnRef idx="1">
+            <a:schemeClr val="accent1"/>
+          </a:lnRef>
+          <a:fillRef idx="0">
+            <a:schemeClr val="accent1"/>
+          </a:fillRef>
+          <a:effectRef idx="0">
+            <a:schemeClr val="accent1"/>
+          </a:effectRef>
+          <a:fontRef idx="minor">
+            <a:schemeClr val="tx1"/>
+          </a:fontRef>
+        </p:style>
+      </p:cxnSp>
+      <p:cxnSp>
+        <p:nvCxnSpPr>
+          <p:cNvPr id="210" name="Curved Connector 209"/>
+          <p:cNvCxnSpPr>
+            <a:stCxn id="135" idx="6"/>
+            <a:endCxn id="95" idx="6"/>
+          </p:cNvCxnSpPr>
+          <p:nvPr/>
+        </p:nvCxnSpPr>
+        <p:spPr>
+          <a:xfrm flipV="1">
+            <a:off x="7165420" y="1330167"/>
+            <a:ext cx="12700" cy="1408168"/>
+          </a:xfrm>
+          <a:prstGeom prst="curvedConnector3">
+            <a:avLst>
+              <a:gd name="adj1" fmla="val 1800000"/>
+            </a:avLst>
+          </a:prstGeom>
+          <a:ln w="38100">
+            <a:solidFill>
+              <a:schemeClr val="tx1"/>
+            </a:solidFill>
+            <a:tailEnd type="triangle"/>
+          </a:ln>
+        </p:spPr>
+        <p:style>
+          <a:lnRef idx="1">
+            <a:schemeClr val="accent1"/>
+          </a:lnRef>
+          <a:fillRef idx="0">
+            <a:schemeClr val="accent1"/>
+          </a:fillRef>
+          <a:effectRef idx="0">
+            <a:schemeClr val="accent1"/>
+          </a:effectRef>
+          <a:fontRef idx="minor">
+            <a:schemeClr val="tx1"/>
+          </a:fontRef>
+        </p:style>
+      </p:cxnSp>
+      <p:cxnSp>
+        <p:nvCxnSpPr>
+          <p:cNvPr id="213" name="Curved Connector 212"/>
+          <p:cNvCxnSpPr>
+            <a:stCxn id="158" idx="6"/>
+            <a:endCxn id="95" idx="6"/>
+          </p:cNvCxnSpPr>
+          <p:nvPr/>
+        </p:nvCxnSpPr>
+        <p:spPr>
+          <a:xfrm flipV="1">
+            <a:off x="7165420" y="1330167"/>
+            <a:ext cx="12700" cy="2120182"/>
+          </a:xfrm>
+          <a:prstGeom prst="curvedConnector3">
+            <a:avLst>
+              <a:gd name="adj1" fmla="val 1800000"/>
+            </a:avLst>
+          </a:prstGeom>
+          <a:ln w="38100">
+            <a:solidFill>
+              <a:schemeClr val="tx1"/>
+            </a:solidFill>
+            <a:tailEnd type="triangle"/>
+          </a:ln>
+        </p:spPr>
+        <p:style>
+          <a:lnRef idx="1">
+            <a:schemeClr val="accent1"/>
+          </a:lnRef>
+          <a:fillRef idx="0">
+            <a:schemeClr val="accent1"/>
+          </a:fillRef>
+          <a:effectRef idx="0">
+            <a:schemeClr val="accent1"/>
+          </a:effectRef>
+          <a:fontRef idx="minor">
+            <a:schemeClr val="tx1"/>
+          </a:fontRef>
+        </p:style>
+      </p:cxnSp>
+      <p:cxnSp>
+        <p:nvCxnSpPr>
+          <p:cNvPr id="216" name="Curved Connector 215"/>
+          <p:cNvCxnSpPr>
+            <a:stCxn id="137" idx="6"/>
+            <a:endCxn id="100" idx="6"/>
+          </p:cNvCxnSpPr>
+          <p:nvPr/>
+        </p:nvCxnSpPr>
+        <p:spPr>
+          <a:xfrm flipV="1">
+            <a:off x="8374108" y="1326995"/>
+            <a:ext cx="12700" cy="1408168"/>
+          </a:xfrm>
+          <a:prstGeom prst="curvedConnector3">
+            <a:avLst>
+              <a:gd name="adj1" fmla="val 1800000"/>
+            </a:avLst>
+          </a:prstGeom>
+          <a:ln w="38100">
+            <a:solidFill>
+              <a:schemeClr val="tx1"/>
+            </a:solidFill>
+            <a:tailEnd type="triangle"/>
+          </a:ln>
+        </p:spPr>
+        <p:style>
+          <a:lnRef idx="1">
+            <a:schemeClr val="accent1"/>
+          </a:lnRef>
+          <a:fillRef idx="0">
+            <a:schemeClr val="accent1"/>
+          </a:fillRef>
+          <a:effectRef idx="0">
+            <a:schemeClr val="accent1"/>
+          </a:effectRef>
+          <a:fontRef idx="minor">
+            <a:schemeClr val="tx1"/>
+          </a:fontRef>
+        </p:style>
+      </p:cxnSp>
+      <p:cxnSp>
+        <p:nvCxnSpPr>
+          <p:cNvPr id="219" name="Curved Connector 218"/>
+          <p:cNvCxnSpPr>
+            <a:stCxn id="160" idx="6"/>
+            <a:endCxn id="100" idx="6"/>
+          </p:cNvCxnSpPr>
+          <p:nvPr/>
+        </p:nvCxnSpPr>
+        <p:spPr>
+          <a:xfrm flipV="1">
+            <a:off x="8374108" y="1326995"/>
+            <a:ext cx="12700" cy="2120182"/>
+          </a:xfrm>
+          <a:prstGeom prst="curvedConnector3">
+            <a:avLst>
+              <a:gd name="adj1" fmla="val 1800000"/>
+            </a:avLst>
+          </a:prstGeom>
+          <a:ln w="38100">
+            <a:solidFill>
+              <a:schemeClr val="tx1"/>
+            </a:solidFill>
+            <a:tailEnd type="triangle"/>
+          </a:ln>
+        </p:spPr>
+        <p:style>
+          <a:lnRef idx="1">
+            <a:schemeClr val="accent1"/>
+          </a:lnRef>
+          <a:fillRef idx="0">
+            <a:schemeClr val="accent1"/>
+          </a:fillRef>
+          <a:effectRef idx="0">
+            <a:schemeClr val="accent1"/>
+          </a:effectRef>
+          <a:fontRef idx="minor">
+            <a:schemeClr val="tx1"/>
+          </a:fontRef>
+        </p:style>
+      </p:cxnSp>
+      <p:sp>
+        <p:nvSpPr>
+          <p:cNvPr id="222" name="Oval 221"/>
+          <p:cNvSpPr/>
+          <p:nvPr/>
+        </p:nvSpPr>
+        <p:spPr>
+          <a:xfrm>
+            <a:off x="1700048" y="3949977"/>
+            <a:ext cx="630620" cy="399393"/>
+          </a:xfrm>
+          <a:prstGeom prst="ellipse">
+            <a:avLst/>
+          </a:prstGeom>
+          <a:noFill/>
+          <a:ln w="38100">
+            <a:solidFill>
+              <a:schemeClr val="tx1"/>
+            </a:solidFill>
+          </a:ln>
+        </p:spPr>
+        <p:style>
+          <a:lnRef idx="2">
+            <a:schemeClr val="accent1">
+              <a:shade val="50000"/>
+            </a:schemeClr>
+          </a:lnRef>
+          <a:fillRef idx="1">
+            <a:schemeClr val="accent1"/>
+          </a:fillRef>
+          <a:effectRef idx="0">
+            <a:schemeClr val="accent1"/>
+          </a:effectRef>
+          <a:fontRef idx="minor">
+            <a:schemeClr val="lt1"/>
+          </a:fontRef>
+        </p:style>
+        <p:txBody>
+          <a:bodyPr rtlCol="0" anchor="ctr"/>
+          <a:lstStyle/>
+          <a:p>
+            <a:pPr algn="ctr"/>
+            <a:r>
+              <a:rPr lang="en-US" sz="1400" dirty="0" smtClean="0">
+                <a:solidFill>
+                  <a:schemeClr val="tx1"/>
+                </a:solidFill>
+              </a:rPr>
+              <a:t>FS</a:t>
+            </a:r>
+            <a:endParaRPr lang="en-US" sz="1050" dirty="0">
+              <a:solidFill>
+                <a:schemeClr val="tx1"/>
+              </a:solidFill>
+            </a:endParaRPr>
+          </a:p>
+        </p:txBody>
+      </p:sp>
+      <p:sp>
+        <p:nvSpPr>
+          <p:cNvPr id="224" name="Oval 223"/>
+          <p:cNvSpPr/>
+          <p:nvPr/>
+        </p:nvSpPr>
+        <p:spPr>
+          <a:xfrm>
+            <a:off x="2908736" y="3949977"/>
+            <a:ext cx="630620" cy="399393"/>
+          </a:xfrm>
+          <a:prstGeom prst="ellipse">
+            <a:avLst/>
+          </a:prstGeom>
+          <a:noFill/>
+          <a:ln w="38100">
+            <a:solidFill>
+              <a:schemeClr val="tx1"/>
+            </a:solidFill>
+          </a:ln>
+        </p:spPr>
+        <p:style>
+          <a:lnRef idx="2">
+            <a:schemeClr val="accent1">
+              <a:shade val="50000"/>
+            </a:schemeClr>
+          </a:lnRef>
+          <a:fillRef idx="1">
+            <a:schemeClr val="accent1"/>
+          </a:fillRef>
+          <a:effectRef idx="0">
+            <a:schemeClr val="accent1"/>
+          </a:effectRef>
+          <a:fontRef idx="minor">
+            <a:schemeClr val="lt1"/>
+          </a:fontRef>
+        </p:style>
+        <p:txBody>
+          <a:bodyPr rtlCol="0" anchor="ctr"/>
+          <a:lstStyle/>
+          <a:p>
+            <a:pPr algn="ctr"/>
+            <a:r>
+              <a:rPr lang="en-US" sz="1400" dirty="0" smtClean="0">
+                <a:solidFill>
+                  <a:schemeClr val="tx1"/>
+                </a:solidFill>
+              </a:rPr>
+              <a:t>FIA</a:t>
+            </a:r>
+            <a:endParaRPr lang="en-US" sz="1400" dirty="0">
+              <a:solidFill>
+                <a:schemeClr val="tx1"/>
+              </a:solidFill>
+            </a:endParaRPr>
+          </a:p>
+        </p:txBody>
+      </p:sp>
+      <p:sp>
+        <p:nvSpPr>
+          <p:cNvPr id="236" name="Oval 235"/>
+          <p:cNvSpPr/>
+          <p:nvPr/>
+        </p:nvSpPr>
+        <p:spPr>
+          <a:xfrm>
+            <a:off x="4117424" y="3949977"/>
+            <a:ext cx="630620" cy="399393"/>
+          </a:xfrm>
+          <a:prstGeom prst="ellipse">
+            <a:avLst/>
+          </a:prstGeom>
+          <a:noFill/>
+          <a:ln w="38100">
+            <a:solidFill>
+              <a:schemeClr val="tx1"/>
+            </a:solidFill>
+          </a:ln>
+        </p:spPr>
+        <p:style>
+          <a:lnRef idx="2">
+            <a:schemeClr val="accent1">
+              <a:shade val="50000"/>
+            </a:schemeClr>
+          </a:lnRef>
+          <a:fillRef idx="1">
+            <a:schemeClr val="accent1"/>
+          </a:fillRef>
+          <a:effectRef idx="0">
+            <a:schemeClr val="accent1"/>
+          </a:effectRef>
+          <a:fontRef idx="minor">
+            <a:schemeClr val="lt1"/>
+          </a:fontRef>
+        </p:style>
+        <p:txBody>
+          <a:bodyPr rtlCol="0" anchor="ctr"/>
+          <a:lstStyle/>
+          <a:p>
+            <a:pPr algn="ctr"/>
+            <a:r>
+              <a:rPr lang="en-US" sz="1050" dirty="0">
+                <a:solidFill>
+                  <a:schemeClr val="tx1"/>
+                </a:solidFill>
+              </a:rPr>
+              <a:t>F</a:t>
+            </a:r>
+            <a:r>
+              <a:rPr lang="en-US" sz="1050" dirty="0" smtClean="0">
+                <a:solidFill>
+                  <a:schemeClr val="tx1"/>
+                </a:solidFill>
+              </a:rPr>
+              <a:t>I1</a:t>
+            </a:r>
+            <a:endParaRPr lang="en-US" sz="1050" dirty="0">
+              <a:solidFill>
+                <a:schemeClr val="tx1"/>
+              </a:solidFill>
+            </a:endParaRPr>
+          </a:p>
+        </p:txBody>
+      </p:sp>
+      <p:sp>
+        <p:nvSpPr>
+          <p:cNvPr id="238" name="Oval 237"/>
+          <p:cNvSpPr/>
+          <p:nvPr/>
+        </p:nvSpPr>
+        <p:spPr>
+          <a:xfrm>
+            <a:off x="5326112" y="3949977"/>
+            <a:ext cx="630620" cy="399393"/>
+          </a:xfrm>
+          <a:prstGeom prst="ellipse">
+            <a:avLst/>
+          </a:prstGeom>
+          <a:noFill/>
+          <a:ln w="38100">
+            <a:solidFill>
+              <a:schemeClr val="tx1"/>
+            </a:solidFill>
+          </a:ln>
+        </p:spPr>
+        <p:style>
+          <a:lnRef idx="2">
+            <a:schemeClr val="accent1">
+              <a:shade val="50000"/>
+            </a:schemeClr>
+          </a:lnRef>
+          <a:fillRef idx="1">
+            <a:schemeClr val="accent1"/>
+          </a:fillRef>
+          <a:effectRef idx="0">
+            <a:schemeClr val="accent1"/>
+          </a:effectRef>
+          <a:fontRef idx="minor">
+            <a:schemeClr val="lt1"/>
+          </a:fontRef>
+        </p:style>
+        <p:txBody>
+          <a:bodyPr rtlCol="0" anchor="ctr"/>
+          <a:lstStyle/>
+          <a:p>
+            <a:pPr algn="ctr"/>
+            <a:r>
+              <a:rPr lang="en-US" sz="1050" dirty="0">
+                <a:solidFill>
+                  <a:schemeClr val="tx1"/>
+                </a:solidFill>
+              </a:rPr>
+              <a:t>F</a:t>
+            </a:r>
+            <a:r>
+              <a:rPr lang="en-US" sz="1050" dirty="0" smtClean="0">
+                <a:solidFill>
+                  <a:schemeClr val="tx1"/>
+                </a:solidFill>
+              </a:rPr>
+              <a:t>I2</a:t>
+            </a:r>
+            <a:endParaRPr lang="en-US" sz="1050" dirty="0">
+              <a:solidFill>
+                <a:schemeClr val="tx1"/>
+              </a:solidFill>
+            </a:endParaRPr>
+          </a:p>
+        </p:txBody>
+      </p:sp>
+      <p:cxnSp>
+        <p:nvCxnSpPr>
+          <p:cNvPr id="239" name="Straight Arrow Connector 238"/>
+          <p:cNvCxnSpPr>
+            <a:stCxn id="236" idx="6"/>
+            <a:endCxn id="238" idx="2"/>
+          </p:cNvCxnSpPr>
+          <p:nvPr/>
+        </p:nvCxnSpPr>
+        <p:spPr>
+          <a:xfrm>
+            <a:off x="4748044" y="4149674"/>
+            <a:ext cx="578068" cy="0"/>
+          </a:xfrm>
+          <a:prstGeom prst="straightConnector1">
+            <a:avLst/>
+          </a:prstGeom>
+          <a:ln w="38100">
+            <a:solidFill>
+              <a:schemeClr val="tx1"/>
+            </a:solidFill>
+            <a:tailEnd type="triangle"/>
+          </a:ln>
+        </p:spPr>
+        <p:style>
+          <a:lnRef idx="1">
+            <a:schemeClr val="accent1"/>
+          </a:lnRef>
+          <a:fillRef idx="0">
+            <a:schemeClr val="accent1"/>
+          </a:fillRef>
+          <a:effectRef idx="0">
+            <a:schemeClr val="accent1"/>
+          </a:effectRef>
+          <a:fontRef idx="minor">
+            <a:schemeClr val="tx1"/>
+          </a:fontRef>
+        </p:style>
+      </p:cxnSp>
+      <p:sp>
+        <p:nvSpPr>
+          <p:cNvPr id="240" name="Oval 239"/>
+          <p:cNvSpPr/>
+          <p:nvPr/>
+        </p:nvSpPr>
+        <p:spPr>
+          <a:xfrm>
+            <a:off x="6534800" y="3949977"/>
+            <a:ext cx="630620" cy="399393"/>
+          </a:xfrm>
+          <a:prstGeom prst="ellipse">
+            <a:avLst/>
+          </a:prstGeom>
+          <a:noFill/>
+          <a:ln w="38100">
+            <a:solidFill>
+              <a:schemeClr val="tx1"/>
+            </a:solidFill>
+          </a:ln>
+        </p:spPr>
+        <p:style>
+          <a:lnRef idx="2">
+            <a:schemeClr val="accent1">
+              <a:shade val="50000"/>
+            </a:schemeClr>
+          </a:lnRef>
+          <a:fillRef idx="1">
+            <a:schemeClr val="accent1"/>
+          </a:fillRef>
+          <a:effectRef idx="0">
+            <a:schemeClr val="accent1"/>
+          </a:effectRef>
+          <a:fontRef idx="minor">
+            <a:schemeClr val="lt1"/>
+          </a:fontRef>
+        </p:style>
+        <p:txBody>
+          <a:bodyPr rtlCol="0" anchor="ctr"/>
+          <a:lstStyle/>
+          <a:p>
+            <a:pPr algn="ctr"/>
+            <a:r>
+              <a:rPr lang="en-US" sz="1050" dirty="0">
+                <a:solidFill>
+                  <a:schemeClr val="tx1"/>
+                </a:solidFill>
+              </a:rPr>
+              <a:t>F</a:t>
+            </a:r>
+            <a:r>
+              <a:rPr lang="en-US" sz="1050" dirty="0" smtClean="0">
+                <a:solidFill>
+                  <a:schemeClr val="tx1"/>
+                </a:solidFill>
+              </a:rPr>
+              <a:t>I3</a:t>
+            </a:r>
+            <a:endParaRPr lang="en-US" sz="1050" dirty="0">
+              <a:solidFill>
+                <a:schemeClr val="tx1"/>
+              </a:solidFill>
+            </a:endParaRPr>
+          </a:p>
+        </p:txBody>
+      </p:sp>
+      <p:cxnSp>
+        <p:nvCxnSpPr>
+          <p:cNvPr id="241" name="Straight Arrow Connector 240"/>
+          <p:cNvCxnSpPr>
+            <a:stCxn id="238" idx="6"/>
+            <a:endCxn id="240" idx="2"/>
+          </p:cNvCxnSpPr>
+          <p:nvPr/>
+        </p:nvCxnSpPr>
+        <p:spPr>
+          <a:xfrm>
+            <a:off x="5956732" y="4149674"/>
+            <a:ext cx="578068" cy="0"/>
+          </a:xfrm>
+          <a:prstGeom prst="straightConnector1">
+            <a:avLst/>
+          </a:prstGeom>
+          <a:ln w="38100">
+            <a:solidFill>
+              <a:schemeClr val="tx1"/>
+            </a:solidFill>
+            <a:tailEnd type="triangle"/>
+          </a:ln>
+        </p:spPr>
+        <p:style>
+          <a:lnRef idx="1">
+            <a:schemeClr val="accent1"/>
+          </a:lnRef>
+          <a:fillRef idx="0">
+            <a:schemeClr val="accent1"/>
+          </a:fillRef>
+          <a:effectRef idx="0">
+            <a:schemeClr val="accent1"/>
+          </a:effectRef>
+          <a:fontRef idx="minor">
+            <a:schemeClr val="tx1"/>
+          </a:fontRef>
+        </p:style>
+      </p:cxnSp>
+      <p:sp>
+        <p:nvSpPr>
+          <p:cNvPr id="242" name="Oval 241"/>
+          <p:cNvSpPr/>
+          <p:nvPr/>
+        </p:nvSpPr>
+        <p:spPr>
+          <a:xfrm>
+            <a:off x="7743488" y="3946805"/>
+            <a:ext cx="630620" cy="399393"/>
+          </a:xfrm>
+          <a:prstGeom prst="ellipse">
+            <a:avLst/>
+          </a:prstGeom>
+          <a:noFill/>
+          <a:ln w="38100">
+            <a:solidFill>
+              <a:schemeClr val="tx1"/>
+            </a:solidFill>
+          </a:ln>
+        </p:spPr>
+        <p:style>
+          <a:lnRef idx="2">
+            <a:schemeClr val="accent1">
+              <a:shade val="50000"/>
+            </a:schemeClr>
+          </a:lnRef>
+          <a:fillRef idx="1">
+            <a:schemeClr val="accent1"/>
+          </a:fillRef>
+          <a:effectRef idx="0">
+            <a:schemeClr val="accent1"/>
+          </a:effectRef>
+          <a:fontRef idx="minor">
+            <a:schemeClr val="lt1"/>
+          </a:fontRef>
+        </p:style>
+        <p:txBody>
+          <a:bodyPr rtlCol="0" anchor="ctr"/>
+          <a:lstStyle/>
+          <a:p>
+            <a:pPr algn="ctr"/>
+            <a:r>
+              <a:rPr lang="en-US" sz="1050" dirty="0">
+                <a:solidFill>
+                  <a:schemeClr val="tx1"/>
+                </a:solidFill>
+              </a:rPr>
+              <a:t>F</a:t>
+            </a:r>
+            <a:r>
+              <a:rPr lang="en-US" sz="1050" dirty="0" smtClean="0">
+                <a:solidFill>
+                  <a:schemeClr val="tx1"/>
+                </a:solidFill>
+              </a:rPr>
+              <a:t>I4</a:t>
+            </a:r>
+            <a:endParaRPr lang="en-US" sz="1050" dirty="0">
+              <a:solidFill>
+                <a:schemeClr val="tx1"/>
+              </a:solidFill>
+            </a:endParaRPr>
+          </a:p>
+        </p:txBody>
+      </p:sp>
+      <p:cxnSp>
+        <p:nvCxnSpPr>
+          <p:cNvPr id="243" name="Straight Arrow Connector 242"/>
+          <p:cNvCxnSpPr>
+            <a:stCxn id="240" idx="6"/>
+            <a:endCxn id="242" idx="2"/>
+          </p:cNvCxnSpPr>
+          <p:nvPr/>
+        </p:nvCxnSpPr>
+        <p:spPr>
+          <a:xfrm flipV="1">
+            <a:off x="7165420" y="4146502"/>
+            <a:ext cx="578068" cy="3172"/>
+          </a:xfrm>
+          <a:prstGeom prst="straightConnector1">
+            <a:avLst/>
+          </a:prstGeom>
+          <a:ln w="38100">
+            <a:solidFill>
+              <a:schemeClr val="tx1"/>
+            </a:solidFill>
+            <a:tailEnd type="triangle"/>
+          </a:ln>
+        </p:spPr>
+        <p:style>
+          <a:lnRef idx="1">
+            <a:schemeClr val="accent1"/>
+          </a:lnRef>
+          <a:fillRef idx="0">
+            <a:schemeClr val="accent1"/>
+          </a:fillRef>
+          <a:effectRef idx="0">
+            <a:schemeClr val="accent1"/>
+          </a:effectRef>
+          <a:fontRef idx="minor">
+            <a:schemeClr val="tx1"/>
+          </a:fontRef>
+        </p:style>
+      </p:cxnSp>
+      <p:sp>
+        <p:nvSpPr>
+          <p:cNvPr id="244" name="Oval 243"/>
+          <p:cNvSpPr/>
+          <p:nvPr/>
+        </p:nvSpPr>
+        <p:spPr>
+          <a:xfrm>
+            <a:off x="4117424" y="4655647"/>
+            <a:ext cx="630620" cy="399393"/>
+          </a:xfrm>
+          <a:prstGeom prst="ellipse">
+            <a:avLst/>
+          </a:prstGeom>
+          <a:noFill/>
+          <a:ln w="38100">
+            <a:solidFill>
+              <a:schemeClr val="tx1"/>
+            </a:solidFill>
+          </a:ln>
+        </p:spPr>
+        <p:style>
+          <a:lnRef idx="2">
+            <a:schemeClr val="accent1">
+              <a:shade val="50000"/>
+            </a:schemeClr>
+          </a:lnRef>
+          <a:fillRef idx="1">
+            <a:schemeClr val="accent1"/>
+          </a:fillRef>
+          <a:effectRef idx="0">
+            <a:schemeClr val="accent1"/>
+          </a:effectRef>
+          <a:fontRef idx="minor">
+            <a:schemeClr val="lt1"/>
+          </a:fontRef>
+        </p:style>
+        <p:txBody>
+          <a:bodyPr rtlCol="0" anchor="ctr"/>
+          <a:lstStyle/>
+          <a:p>
+            <a:pPr algn="ctr"/>
+            <a:r>
+              <a:rPr lang="en-US" sz="1050" dirty="0">
+                <a:solidFill>
+                  <a:schemeClr val="tx1"/>
+                </a:solidFill>
+              </a:rPr>
+              <a:t>F</a:t>
+            </a:r>
+            <a:r>
+              <a:rPr lang="en-US" sz="1050" dirty="0" smtClean="0">
+                <a:solidFill>
+                  <a:schemeClr val="tx1"/>
+                </a:solidFill>
+              </a:rPr>
+              <a:t>J1</a:t>
+            </a:r>
+            <a:endParaRPr lang="en-US" sz="1050" dirty="0">
+              <a:solidFill>
+                <a:schemeClr val="tx1"/>
+              </a:solidFill>
+            </a:endParaRPr>
+          </a:p>
+        </p:txBody>
+      </p:sp>
+      <p:sp>
+        <p:nvSpPr>
+          <p:cNvPr id="245" name="Oval 244"/>
+          <p:cNvSpPr/>
+          <p:nvPr/>
+        </p:nvSpPr>
+        <p:spPr>
+          <a:xfrm>
+            <a:off x="5326112" y="4655647"/>
+            <a:ext cx="630620" cy="399393"/>
+          </a:xfrm>
+          <a:prstGeom prst="ellipse">
+            <a:avLst/>
+          </a:prstGeom>
+          <a:noFill/>
+          <a:ln w="38100">
+            <a:solidFill>
+              <a:schemeClr val="tx1"/>
+            </a:solidFill>
+          </a:ln>
+        </p:spPr>
+        <p:style>
+          <a:lnRef idx="2">
+            <a:schemeClr val="accent1">
+              <a:shade val="50000"/>
+            </a:schemeClr>
+          </a:lnRef>
+          <a:fillRef idx="1">
+            <a:schemeClr val="accent1"/>
+          </a:fillRef>
+          <a:effectRef idx="0">
+            <a:schemeClr val="accent1"/>
+          </a:effectRef>
+          <a:fontRef idx="minor">
+            <a:schemeClr val="lt1"/>
+          </a:fontRef>
+        </p:style>
+        <p:txBody>
+          <a:bodyPr rtlCol="0" anchor="ctr"/>
+          <a:lstStyle/>
+          <a:p>
+            <a:pPr algn="ctr"/>
+            <a:r>
+              <a:rPr lang="en-US" sz="1050" dirty="0">
+                <a:solidFill>
+                  <a:schemeClr val="tx1"/>
+                </a:solidFill>
+              </a:rPr>
+              <a:t>F</a:t>
+            </a:r>
+            <a:r>
+              <a:rPr lang="en-US" sz="1050" dirty="0" smtClean="0">
+                <a:solidFill>
+                  <a:schemeClr val="tx1"/>
+                </a:solidFill>
+              </a:rPr>
+              <a:t>J2</a:t>
+            </a:r>
+            <a:endParaRPr lang="en-US" sz="1050" dirty="0">
+              <a:solidFill>
+                <a:schemeClr val="tx1"/>
+              </a:solidFill>
+            </a:endParaRPr>
+          </a:p>
+        </p:txBody>
+      </p:sp>
+      <p:cxnSp>
+        <p:nvCxnSpPr>
+          <p:cNvPr id="246" name="Straight Arrow Connector 245"/>
+          <p:cNvCxnSpPr>
+            <a:stCxn id="244" idx="6"/>
+            <a:endCxn id="245" idx="2"/>
+          </p:cNvCxnSpPr>
+          <p:nvPr/>
+        </p:nvCxnSpPr>
+        <p:spPr>
+          <a:xfrm>
+            <a:off x="4748044" y="4855344"/>
+            <a:ext cx="578068" cy="0"/>
+          </a:xfrm>
+          <a:prstGeom prst="straightConnector1">
+            <a:avLst/>
+          </a:prstGeom>
+          <a:ln w="38100">
+            <a:solidFill>
+              <a:schemeClr val="tx1"/>
+            </a:solidFill>
+            <a:tailEnd type="triangle"/>
+          </a:ln>
+        </p:spPr>
+        <p:style>
+          <a:lnRef idx="1">
+            <a:schemeClr val="accent1"/>
+          </a:lnRef>
+          <a:fillRef idx="0">
+            <a:schemeClr val="accent1"/>
+          </a:fillRef>
+          <a:effectRef idx="0">
+            <a:schemeClr val="accent1"/>
+          </a:effectRef>
+          <a:fontRef idx="minor">
+            <a:schemeClr val="tx1"/>
+          </a:fontRef>
+        </p:style>
+      </p:cxnSp>
+      <p:sp>
+        <p:nvSpPr>
+          <p:cNvPr id="247" name="Oval 246"/>
+          <p:cNvSpPr/>
+          <p:nvPr/>
+        </p:nvSpPr>
+        <p:spPr>
+          <a:xfrm>
+            <a:off x="6534800" y="4655647"/>
+            <a:ext cx="630620" cy="399393"/>
+          </a:xfrm>
+          <a:prstGeom prst="ellipse">
+            <a:avLst/>
+          </a:prstGeom>
+          <a:noFill/>
+          <a:ln w="38100">
+            <a:solidFill>
+              <a:schemeClr val="tx1"/>
+            </a:solidFill>
+          </a:ln>
+        </p:spPr>
+        <p:style>
+          <a:lnRef idx="2">
+            <a:schemeClr val="accent1">
+              <a:shade val="50000"/>
+            </a:schemeClr>
+          </a:lnRef>
+          <a:fillRef idx="1">
+            <a:schemeClr val="accent1"/>
+          </a:fillRef>
+          <a:effectRef idx="0">
+            <a:schemeClr val="accent1"/>
+          </a:effectRef>
+          <a:fontRef idx="minor">
+            <a:schemeClr val="lt1"/>
+          </a:fontRef>
+        </p:style>
+        <p:txBody>
+          <a:bodyPr rtlCol="0" anchor="ctr"/>
+          <a:lstStyle/>
+          <a:p>
+            <a:pPr algn="ctr"/>
+            <a:r>
+              <a:rPr lang="en-US" sz="1050" dirty="0">
+                <a:solidFill>
+                  <a:schemeClr val="tx1"/>
+                </a:solidFill>
+              </a:rPr>
+              <a:t>F</a:t>
+            </a:r>
+            <a:r>
+              <a:rPr lang="en-US" sz="1050" dirty="0" smtClean="0">
+                <a:solidFill>
+                  <a:schemeClr val="tx1"/>
+                </a:solidFill>
+              </a:rPr>
+              <a:t>J3</a:t>
+            </a:r>
+            <a:endParaRPr lang="en-US" sz="1050" dirty="0">
+              <a:solidFill>
+                <a:schemeClr val="tx1"/>
+              </a:solidFill>
+            </a:endParaRPr>
+          </a:p>
+        </p:txBody>
+      </p:sp>
+      <p:cxnSp>
+        <p:nvCxnSpPr>
+          <p:cNvPr id="248" name="Straight Arrow Connector 247"/>
+          <p:cNvCxnSpPr>
+            <a:stCxn id="245" idx="6"/>
+            <a:endCxn id="247" idx="2"/>
+          </p:cNvCxnSpPr>
+          <p:nvPr/>
+        </p:nvCxnSpPr>
+        <p:spPr>
+          <a:xfrm>
+            <a:off x="5956732" y="4855344"/>
+            <a:ext cx="578068" cy="0"/>
+          </a:xfrm>
+          <a:prstGeom prst="straightConnector1">
+            <a:avLst/>
+          </a:prstGeom>
+          <a:ln w="38100">
+            <a:solidFill>
+              <a:schemeClr val="tx1"/>
+            </a:solidFill>
+            <a:tailEnd type="triangle"/>
+          </a:ln>
+        </p:spPr>
+        <p:style>
+          <a:lnRef idx="1">
+            <a:schemeClr val="accent1"/>
+          </a:lnRef>
+          <a:fillRef idx="0">
+            <a:schemeClr val="accent1"/>
+          </a:fillRef>
+          <a:effectRef idx="0">
+            <a:schemeClr val="accent1"/>
+          </a:effectRef>
+          <a:fontRef idx="minor">
+            <a:schemeClr val="tx1"/>
+          </a:fontRef>
+        </p:style>
+      </p:cxnSp>
+      <p:sp>
+        <p:nvSpPr>
+          <p:cNvPr id="249" name="Oval 248"/>
+          <p:cNvSpPr/>
+          <p:nvPr/>
+        </p:nvSpPr>
+        <p:spPr>
+          <a:xfrm>
+            <a:off x="7743488" y="4652475"/>
+            <a:ext cx="630620" cy="399393"/>
+          </a:xfrm>
+          <a:prstGeom prst="ellipse">
+            <a:avLst/>
+          </a:prstGeom>
+          <a:noFill/>
+          <a:ln w="38100">
+            <a:solidFill>
+              <a:schemeClr val="tx1"/>
+            </a:solidFill>
+          </a:ln>
+        </p:spPr>
+        <p:style>
+          <a:lnRef idx="2">
+            <a:schemeClr val="accent1">
+              <a:shade val="50000"/>
+            </a:schemeClr>
+          </a:lnRef>
+          <a:fillRef idx="1">
+            <a:schemeClr val="accent1"/>
+          </a:fillRef>
+          <a:effectRef idx="0">
+            <a:schemeClr val="accent1"/>
+          </a:effectRef>
+          <a:fontRef idx="minor">
+            <a:schemeClr val="lt1"/>
+          </a:fontRef>
+        </p:style>
+        <p:txBody>
+          <a:bodyPr rtlCol="0" anchor="ctr"/>
+          <a:lstStyle/>
+          <a:p>
+            <a:pPr algn="ctr"/>
+            <a:r>
+              <a:rPr lang="en-US" sz="1050" dirty="0">
+                <a:solidFill>
+                  <a:schemeClr val="tx1"/>
+                </a:solidFill>
+              </a:rPr>
+              <a:t>F</a:t>
+            </a:r>
+            <a:r>
+              <a:rPr lang="en-US" sz="1050" dirty="0" smtClean="0">
+                <a:solidFill>
+                  <a:schemeClr val="tx1"/>
+                </a:solidFill>
+              </a:rPr>
+              <a:t>J4</a:t>
+            </a:r>
+            <a:endParaRPr lang="en-US" sz="1050" dirty="0">
+              <a:solidFill>
+                <a:schemeClr val="tx1"/>
+              </a:solidFill>
+            </a:endParaRPr>
+          </a:p>
+        </p:txBody>
+      </p:sp>
+      <p:cxnSp>
+        <p:nvCxnSpPr>
+          <p:cNvPr id="250" name="Straight Arrow Connector 249"/>
+          <p:cNvCxnSpPr>
+            <a:stCxn id="247" idx="6"/>
+            <a:endCxn id="249" idx="2"/>
+          </p:cNvCxnSpPr>
+          <p:nvPr/>
+        </p:nvCxnSpPr>
+        <p:spPr>
+          <a:xfrm flipV="1">
+            <a:off x="7165420" y="4852172"/>
+            <a:ext cx="578068" cy="3172"/>
+          </a:xfrm>
+          <a:prstGeom prst="straightConnector1">
+            <a:avLst/>
+          </a:prstGeom>
+          <a:ln w="38100">
+            <a:solidFill>
+              <a:schemeClr val="tx1"/>
+            </a:solidFill>
+            <a:tailEnd type="triangle"/>
+          </a:ln>
+        </p:spPr>
+        <p:style>
+          <a:lnRef idx="1">
+            <a:schemeClr val="accent1"/>
+          </a:lnRef>
+          <a:fillRef idx="0">
+            <a:schemeClr val="accent1"/>
+          </a:fillRef>
+          <a:effectRef idx="0">
+            <a:schemeClr val="accent1"/>
+          </a:effectRef>
+          <a:fontRef idx="minor">
+            <a:schemeClr val="tx1"/>
+          </a:fontRef>
+        </p:style>
+      </p:cxnSp>
+      <p:cxnSp>
+        <p:nvCxnSpPr>
+          <p:cNvPr id="251" name="Straight Arrow Connector 250"/>
+          <p:cNvCxnSpPr>
+            <a:stCxn id="236" idx="4"/>
+            <a:endCxn id="244" idx="0"/>
+          </p:cNvCxnSpPr>
+          <p:nvPr/>
+        </p:nvCxnSpPr>
+        <p:spPr>
+          <a:xfrm>
+            <a:off x="4432734" y="4349370"/>
+            <a:ext cx="0" cy="306277"/>
+          </a:xfrm>
+          <a:prstGeom prst="straightConnector1">
+            <a:avLst/>
+          </a:prstGeom>
+          <a:ln w="38100">
+            <a:solidFill>
+              <a:schemeClr val="tx1"/>
+            </a:solidFill>
+            <a:tailEnd type="triangle"/>
+          </a:ln>
+        </p:spPr>
+        <p:style>
+          <a:lnRef idx="1">
+            <a:schemeClr val="accent1"/>
+          </a:lnRef>
+          <a:fillRef idx="0">
+            <a:schemeClr val="accent1"/>
+          </a:fillRef>
+          <a:effectRef idx="0">
+            <a:schemeClr val="accent1"/>
+          </a:effectRef>
+          <a:fontRef idx="minor">
+            <a:schemeClr val="tx1"/>
+          </a:fontRef>
+        </p:style>
+      </p:cxnSp>
+      <p:cxnSp>
+        <p:nvCxnSpPr>
+          <p:cNvPr id="252" name="Straight Arrow Connector 251"/>
+          <p:cNvCxnSpPr>
+            <a:stCxn id="238" idx="4"/>
+            <a:endCxn id="245" idx="0"/>
+          </p:cNvCxnSpPr>
+          <p:nvPr/>
+        </p:nvCxnSpPr>
+        <p:spPr>
+          <a:xfrm>
+            <a:off x="5641422" y="4349370"/>
+            <a:ext cx="0" cy="306277"/>
+          </a:xfrm>
+          <a:prstGeom prst="straightConnector1">
+            <a:avLst/>
+          </a:prstGeom>
+          <a:ln w="38100">
+            <a:solidFill>
+              <a:schemeClr val="tx1"/>
+            </a:solidFill>
+            <a:tailEnd type="triangle"/>
+          </a:ln>
+        </p:spPr>
+        <p:style>
+          <a:lnRef idx="1">
+            <a:schemeClr val="accent1"/>
+          </a:lnRef>
+          <a:fillRef idx="0">
+            <a:schemeClr val="accent1"/>
+          </a:fillRef>
+          <a:effectRef idx="0">
+            <a:schemeClr val="accent1"/>
+          </a:effectRef>
+          <a:fontRef idx="minor">
+            <a:schemeClr val="tx1"/>
+          </a:fontRef>
+        </p:style>
+      </p:cxnSp>
+      <p:cxnSp>
+        <p:nvCxnSpPr>
+          <p:cNvPr id="253" name="Straight Arrow Connector 252"/>
+          <p:cNvCxnSpPr>
+            <a:stCxn id="240" idx="4"/>
+            <a:endCxn id="247" idx="0"/>
+          </p:cNvCxnSpPr>
+          <p:nvPr/>
+        </p:nvCxnSpPr>
+        <p:spPr>
+          <a:xfrm>
+            <a:off x="6850110" y="4349370"/>
+            <a:ext cx="0" cy="306277"/>
+          </a:xfrm>
+          <a:prstGeom prst="straightConnector1">
+            <a:avLst/>
+          </a:prstGeom>
+          <a:ln w="38100">
+            <a:solidFill>
+              <a:schemeClr val="tx1"/>
+            </a:solidFill>
+            <a:tailEnd type="triangle"/>
+          </a:ln>
+        </p:spPr>
+        <p:style>
+          <a:lnRef idx="1">
+            <a:schemeClr val="accent1"/>
+          </a:lnRef>
+          <a:fillRef idx="0">
+            <a:schemeClr val="accent1"/>
+          </a:fillRef>
+          <a:effectRef idx="0">
+            <a:schemeClr val="accent1"/>
+          </a:effectRef>
+          <a:fontRef idx="minor">
+            <a:schemeClr val="tx1"/>
+          </a:fontRef>
+        </p:style>
+      </p:cxnSp>
+      <p:cxnSp>
+        <p:nvCxnSpPr>
+          <p:cNvPr id="254" name="Straight Arrow Connector 253"/>
+          <p:cNvCxnSpPr>
+            <a:stCxn id="242" idx="4"/>
+            <a:endCxn id="249" idx="0"/>
+          </p:cNvCxnSpPr>
+          <p:nvPr/>
+        </p:nvCxnSpPr>
+        <p:spPr>
+          <a:xfrm>
+            <a:off x="8058798" y="4346198"/>
+            <a:ext cx="0" cy="306277"/>
+          </a:xfrm>
+          <a:prstGeom prst="straightConnector1">
+            <a:avLst/>
+          </a:prstGeom>
+          <a:ln w="38100">
+            <a:solidFill>
+              <a:schemeClr val="tx1"/>
+            </a:solidFill>
+            <a:tailEnd type="triangle"/>
+          </a:ln>
+        </p:spPr>
+        <p:style>
+          <a:lnRef idx="1">
+            <a:schemeClr val="accent1"/>
+          </a:lnRef>
+          <a:fillRef idx="0">
+            <a:schemeClr val="accent1"/>
+          </a:fillRef>
+          <a:effectRef idx="0">
+            <a:schemeClr val="accent1"/>
+          </a:effectRef>
+          <a:fontRef idx="minor">
+            <a:schemeClr val="tx1"/>
+          </a:fontRef>
+        </p:style>
+      </p:cxnSp>
+      <p:sp>
+        <p:nvSpPr>
+          <p:cNvPr id="255" name="Oval 254"/>
+          <p:cNvSpPr/>
+          <p:nvPr/>
+        </p:nvSpPr>
+        <p:spPr>
+          <a:xfrm>
+            <a:off x="4117424" y="5358145"/>
+            <a:ext cx="630620" cy="399393"/>
+          </a:xfrm>
+          <a:prstGeom prst="ellipse">
+            <a:avLst/>
+          </a:prstGeom>
+          <a:noFill/>
+          <a:ln w="38100">
+            <a:solidFill>
+              <a:schemeClr val="tx1"/>
+            </a:solidFill>
+          </a:ln>
+        </p:spPr>
+        <p:style>
+          <a:lnRef idx="2">
+            <a:schemeClr val="accent1">
+              <a:shade val="50000"/>
+            </a:schemeClr>
+          </a:lnRef>
+          <a:fillRef idx="1">
+            <a:schemeClr val="accent1"/>
+          </a:fillRef>
+          <a:effectRef idx="0">
+            <a:schemeClr val="accent1"/>
+          </a:effectRef>
+          <a:fontRef idx="minor">
+            <a:schemeClr val="lt1"/>
+          </a:fontRef>
+        </p:style>
+        <p:txBody>
+          <a:bodyPr rtlCol="0" anchor="ctr"/>
+          <a:lstStyle/>
+          <a:p>
+            <a:pPr algn="ctr"/>
+            <a:r>
+              <a:rPr lang="en-US" sz="1050" dirty="0">
+                <a:solidFill>
+                  <a:schemeClr val="tx1"/>
+                </a:solidFill>
+              </a:rPr>
+              <a:t>F</a:t>
+            </a:r>
+            <a:r>
+              <a:rPr lang="en-US" sz="1050" dirty="0" smtClean="0">
+                <a:solidFill>
+                  <a:schemeClr val="tx1"/>
+                </a:solidFill>
+              </a:rPr>
+              <a:t>J1</a:t>
+            </a:r>
+            <a:endParaRPr lang="en-US" sz="1050" dirty="0">
+              <a:solidFill>
+                <a:schemeClr val="tx1"/>
+              </a:solidFill>
+            </a:endParaRPr>
+          </a:p>
+        </p:txBody>
+      </p:sp>
+      <p:sp>
+        <p:nvSpPr>
+          <p:cNvPr id="256" name="Oval 255"/>
+          <p:cNvSpPr/>
+          <p:nvPr/>
+        </p:nvSpPr>
+        <p:spPr>
+          <a:xfrm>
+            <a:off x="5326112" y="5358145"/>
+            <a:ext cx="630620" cy="399393"/>
+          </a:xfrm>
+          <a:prstGeom prst="ellipse">
+            <a:avLst/>
+          </a:prstGeom>
+          <a:noFill/>
+          <a:ln w="38100">
+            <a:solidFill>
+              <a:schemeClr val="tx1"/>
+            </a:solidFill>
+          </a:ln>
+        </p:spPr>
+        <p:style>
+          <a:lnRef idx="2">
+            <a:schemeClr val="accent1">
+              <a:shade val="50000"/>
+            </a:schemeClr>
+          </a:lnRef>
+          <a:fillRef idx="1">
+            <a:schemeClr val="accent1"/>
+          </a:fillRef>
+          <a:effectRef idx="0">
+            <a:schemeClr val="accent1"/>
+          </a:effectRef>
+          <a:fontRef idx="minor">
+            <a:schemeClr val="lt1"/>
+          </a:fontRef>
+        </p:style>
+        <p:txBody>
+          <a:bodyPr rtlCol="0" anchor="ctr"/>
+          <a:lstStyle/>
+          <a:p>
+            <a:pPr algn="ctr"/>
+            <a:r>
+              <a:rPr lang="en-US" sz="1050" dirty="0">
+                <a:solidFill>
+                  <a:schemeClr val="tx1"/>
+                </a:solidFill>
+              </a:rPr>
+              <a:t>F</a:t>
+            </a:r>
+            <a:r>
+              <a:rPr lang="en-US" sz="1050" dirty="0" smtClean="0">
+                <a:solidFill>
+                  <a:schemeClr val="tx1"/>
+                </a:solidFill>
+              </a:rPr>
+              <a:t>J2</a:t>
+            </a:r>
+            <a:endParaRPr lang="en-US" sz="1050" dirty="0">
+              <a:solidFill>
+                <a:schemeClr val="tx1"/>
+              </a:solidFill>
+            </a:endParaRPr>
+          </a:p>
+        </p:txBody>
+      </p:sp>
+      <p:cxnSp>
+        <p:nvCxnSpPr>
+          <p:cNvPr id="257" name="Straight Arrow Connector 256"/>
+          <p:cNvCxnSpPr>
+            <a:stCxn id="255" idx="6"/>
+            <a:endCxn id="256" idx="2"/>
+          </p:cNvCxnSpPr>
+          <p:nvPr/>
+        </p:nvCxnSpPr>
+        <p:spPr>
+          <a:xfrm>
+            <a:off x="4748044" y="5557842"/>
+            <a:ext cx="578068" cy="0"/>
+          </a:xfrm>
+          <a:prstGeom prst="straightConnector1">
+            <a:avLst/>
+          </a:prstGeom>
+          <a:ln w="38100">
+            <a:solidFill>
+              <a:schemeClr val="tx1"/>
+            </a:solidFill>
+            <a:tailEnd type="triangle"/>
+          </a:ln>
+        </p:spPr>
+        <p:style>
+          <a:lnRef idx="1">
+            <a:schemeClr val="accent1"/>
+          </a:lnRef>
+          <a:fillRef idx="0">
+            <a:schemeClr val="accent1"/>
+          </a:fillRef>
+          <a:effectRef idx="0">
+            <a:schemeClr val="accent1"/>
+          </a:effectRef>
+          <a:fontRef idx="minor">
+            <a:schemeClr val="tx1"/>
+          </a:fontRef>
+        </p:style>
+      </p:cxnSp>
+      <p:sp>
+        <p:nvSpPr>
+          <p:cNvPr id="258" name="Oval 257"/>
+          <p:cNvSpPr/>
+          <p:nvPr/>
+        </p:nvSpPr>
+        <p:spPr>
+          <a:xfrm>
+            <a:off x="6534800" y="5358145"/>
+            <a:ext cx="630620" cy="399393"/>
+          </a:xfrm>
+          <a:prstGeom prst="ellipse">
+            <a:avLst/>
+          </a:prstGeom>
+          <a:noFill/>
+          <a:ln w="38100">
+            <a:solidFill>
+              <a:schemeClr val="tx1"/>
+            </a:solidFill>
+          </a:ln>
+        </p:spPr>
+        <p:style>
+          <a:lnRef idx="2">
+            <a:schemeClr val="accent1">
+              <a:shade val="50000"/>
+            </a:schemeClr>
+          </a:lnRef>
+          <a:fillRef idx="1">
+            <a:schemeClr val="accent1"/>
+          </a:fillRef>
+          <a:effectRef idx="0">
+            <a:schemeClr val="accent1"/>
+          </a:effectRef>
+          <a:fontRef idx="minor">
+            <a:schemeClr val="lt1"/>
+          </a:fontRef>
+        </p:style>
+        <p:txBody>
+          <a:bodyPr rtlCol="0" anchor="ctr"/>
+          <a:lstStyle/>
+          <a:p>
+            <a:pPr algn="ctr"/>
+            <a:r>
+              <a:rPr lang="en-US" sz="1050" dirty="0">
+                <a:solidFill>
+                  <a:schemeClr val="tx1"/>
+                </a:solidFill>
+              </a:rPr>
+              <a:t>F</a:t>
+            </a:r>
+            <a:r>
+              <a:rPr lang="en-US" sz="1050" dirty="0" smtClean="0">
+                <a:solidFill>
+                  <a:schemeClr val="tx1"/>
+                </a:solidFill>
+              </a:rPr>
+              <a:t>J3</a:t>
+            </a:r>
+            <a:endParaRPr lang="en-US" sz="1050" dirty="0">
+              <a:solidFill>
+                <a:schemeClr val="tx1"/>
+              </a:solidFill>
+            </a:endParaRPr>
+          </a:p>
+        </p:txBody>
+      </p:sp>
+      <p:cxnSp>
+        <p:nvCxnSpPr>
+          <p:cNvPr id="259" name="Straight Arrow Connector 258"/>
+          <p:cNvCxnSpPr>
+            <a:stCxn id="256" idx="6"/>
+            <a:endCxn id="258" idx="2"/>
+          </p:cNvCxnSpPr>
+          <p:nvPr/>
+        </p:nvCxnSpPr>
+        <p:spPr>
+          <a:xfrm>
+            <a:off x="5956732" y="5557842"/>
+            <a:ext cx="578068" cy="0"/>
+          </a:xfrm>
+          <a:prstGeom prst="straightConnector1">
+            <a:avLst/>
+          </a:prstGeom>
+          <a:ln w="38100">
+            <a:solidFill>
+              <a:schemeClr val="tx1"/>
+            </a:solidFill>
+            <a:tailEnd type="triangle"/>
+          </a:ln>
+        </p:spPr>
+        <p:style>
+          <a:lnRef idx="1">
+            <a:schemeClr val="accent1"/>
+          </a:lnRef>
+          <a:fillRef idx="0">
+            <a:schemeClr val="accent1"/>
+          </a:fillRef>
+          <a:effectRef idx="0">
+            <a:schemeClr val="accent1"/>
+          </a:effectRef>
+          <a:fontRef idx="minor">
+            <a:schemeClr val="tx1"/>
+          </a:fontRef>
+        </p:style>
+      </p:cxnSp>
+      <p:sp>
+        <p:nvSpPr>
+          <p:cNvPr id="260" name="Oval 259"/>
+          <p:cNvSpPr/>
+          <p:nvPr/>
+        </p:nvSpPr>
+        <p:spPr>
+          <a:xfrm>
+            <a:off x="7743488" y="5354973"/>
+            <a:ext cx="630620" cy="399393"/>
+          </a:xfrm>
+          <a:prstGeom prst="ellipse">
+            <a:avLst/>
+          </a:prstGeom>
+          <a:noFill/>
+          <a:ln w="38100">
+            <a:solidFill>
+              <a:schemeClr val="tx1"/>
+            </a:solidFill>
+          </a:ln>
+        </p:spPr>
+        <p:style>
+          <a:lnRef idx="2">
+            <a:schemeClr val="accent1">
+              <a:shade val="50000"/>
+            </a:schemeClr>
+          </a:lnRef>
+          <a:fillRef idx="1">
+            <a:schemeClr val="accent1"/>
+          </a:fillRef>
+          <a:effectRef idx="0">
+            <a:schemeClr val="accent1"/>
+          </a:effectRef>
+          <a:fontRef idx="minor">
+            <a:schemeClr val="lt1"/>
+          </a:fontRef>
+        </p:style>
+        <p:txBody>
+          <a:bodyPr rtlCol="0" anchor="ctr"/>
+          <a:lstStyle/>
+          <a:p>
+            <a:pPr algn="ctr"/>
+            <a:r>
+              <a:rPr lang="en-US" sz="1050" dirty="0">
+                <a:solidFill>
+                  <a:schemeClr val="tx1"/>
+                </a:solidFill>
+              </a:rPr>
+              <a:t>F</a:t>
+            </a:r>
+            <a:r>
+              <a:rPr lang="en-US" sz="1050" dirty="0" smtClean="0">
+                <a:solidFill>
+                  <a:schemeClr val="tx1"/>
+                </a:solidFill>
+              </a:rPr>
+              <a:t>J4</a:t>
+            </a:r>
+            <a:endParaRPr lang="en-US" sz="1050" dirty="0">
+              <a:solidFill>
+                <a:schemeClr val="tx1"/>
+              </a:solidFill>
+            </a:endParaRPr>
+          </a:p>
+        </p:txBody>
+      </p:sp>
+      <p:cxnSp>
+        <p:nvCxnSpPr>
+          <p:cNvPr id="261" name="Straight Arrow Connector 260"/>
+          <p:cNvCxnSpPr>
+            <a:stCxn id="258" idx="6"/>
+            <a:endCxn id="260" idx="2"/>
+          </p:cNvCxnSpPr>
+          <p:nvPr/>
+        </p:nvCxnSpPr>
+        <p:spPr>
+          <a:xfrm flipV="1">
+            <a:off x="7165420" y="5554670"/>
+            <a:ext cx="578068" cy="3172"/>
+          </a:xfrm>
+          <a:prstGeom prst="straightConnector1">
+            <a:avLst/>
+          </a:prstGeom>
+          <a:ln w="38100">
+            <a:solidFill>
+              <a:schemeClr val="tx1"/>
+            </a:solidFill>
+            <a:tailEnd type="triangle"/>
+          </a:ln>
+        </p:spPr>
+        <p:style>
+          <a:lnRef idx="1">
+            <a:schemeClr val="accent1"/>
+          </a:lnRef>
+          <a:fillRef idx="0">
+            <a:schemeClr val="accent1"/>
+          </a:fillRef>
+          <a:effectRef idx="0">
+            <a:schemeClr val="accent1"/>
+          </a:effectRef>
+          <a:fontRef idx="minor">
+            <a:schemeClr val="tx1"/>
+          </a:fontRef>
+        </p:style>
+      </p:cxnSp>
+      <p:cxnSp>
+        <p:nvCxnSpPr>
+          <p:cNvPr id="262" name="Straight Arrow Connector 261"/>
+          <p:cNvCxnSpPr>
+            <a:stCxn id="244" idx="4"/>
+            <a:endCxn id="255" idx="0"/>
+          </p:cNvCxnSpPr>
+          <p:nvPr/>
+        </p:nvCxnSpPr>
+        <p:spPr>
+          <a:xfrm>
+            <a:off x="4432734" y="5055040"/>
+            <a:ext cx="0" cy="303105"/>
+          </a:xfrm>
+          <a:prstGeom prst="straightConnector1">
+            <a:avLst/>
+          </a:prstGeom>
+          <a:ln w="38100">
+            <a:solidFill>
+              <a:schemeClr val="tx1"/>
+            </a:solidFill>
+            <a:tailEnd type="triangle"/>
+          </a:ln>
+        </p:spPr>
+        <p:style>
+          <a:lnRef idx="1">
+            <a:schemeClr val="accent1"/>
+          </a:lnRef>
+          <a:fillRef idx="0">
+            <a:schemeClr val="accent1"/>
+          </a:fillRef>
+          <a:effectRef idx="0">
+            <a:schemeClr val="accent1"/>
+          </a:effectRef>
+          <a:fontRef idx="minor">
+            <a:schemeClr val="tx1"/>
+          </a:fontRef>
+        </p:style>
+      </p:cxnSp>
+      <p:cxnSp>
+        <p:nvCxnSpPr>
+          <p:cNvPr id="263" name="Straight Arrow Connector 262"/>
+          <p:cNvCxnSpPr>
+            <a:stCxn id="245" idx="4"/>
+            <a:endCxn id="256" idx="0"/>
+          </p:cNvCxnSpPr>
+          <p:nvPr/>
+        </p:nvCxnSpPr>
+        <p:spPr>
+          <a:xfrm>
+            <a:off x="5641422" y="5055040"/>
+            <a:ext cx="0" cy="303105"/>
+          </a:xfrm>
+          <a:prstGeom prst="straightConnector1">
+            <a:avLst/>
+          </a:prstGeom>
+          <a:ln w="38100">
+            <a:solidFill>
+              <a:schemeClr val="tx1"/>
+            </a:solidFill>
+            <a:tailEnd type="triangle"/>
+          </a:ln>
+        </p:spPr>
+        <p:style>
+          <a:lnRef idx="1">
+            <a:schemeClr val="accent1"/>
+          </a:lnRef>
+          <a:fillRef idx="0">
+            <a:schemeClr val="accent1"/>
+          </a:fillRef>
+          <a:effectRef idx="0">
+            <a:schemeClr val="accent1"/>
+          </a:effectRef>
+          <a:fontRef idx="minor">
+            <a:schemeClr val="tx1"/>
+          </a:fontRef>
+        </p:style>
+      </p:cxnSp>
+      <p:cxnSp>
+        <p:nvCxnSpPr>
+          <p:cNvPr id="264" name="Straight Arrow Connector 263"/>
+          <p:cNvCxnSpPr>
+            <a:stCxn id="247" idx="4"/>
+            <a:endCxn id="258" idx="0"/>
+          </p:cNvCxnSpPr>
+          <p:nvPr/>
+        </p:nvCxnSpPr>
+        <p:spPr>
+          <a:xfrm>
+            <a:off x="6850110" y="5055040"/>
+            <a:ext cx="0" cy="303105"/>
+          </a:xfrm>
+          <a:prstGeom prst="straightConnector1">
+            <a:avLst/>
+          </a:prstGeom>
+          <a:ln w="38100">
+            <a:solidFill>
+              <a:schemeClr val="tx1"/>
+            </a:solidFill>
+            <a:tailEnd type="triangle"/>
+          </a:ln>
+        </p:spPr>
+        <p:style>
+          <a:lnRef idx="1">
+            <a:schemeClr val="accent1"/>
+          </a:lnRef>
+          <a:fillRef idx="0">
+            <a:schemeClr val="accent1"/>
+          </a:fillRef>
+          <a:effectRef idx="0">
+            <a:schemeClr val="accent1"/>
+          </a:effectRef>
+          <a:fontRef idx="minor">
+            <a:schemeClr val="tx1"/>
+          </a:fontRef>
+        </p:style>
+      </p:cxnSp>
+      <p:cxnSp>
+        <p:nvCxnSpPr>
+          <p:cNvPr id="265" name="Straight Arrow Connector 264"/>
+          <p:cNvCxnSpPr>
+            <a:stCxn id="249" idx="4"/>
+            <a:endCxn id="260" idx="0"/>
+          </p:cNvCxnSpPr>
+          <p:nvPr/>
+        </p:nvCxnSpPr>
+        <p:spPr>
+          <a:xfrm>
+            <a:off x="8058798" y="5051868"/>
+            <a:ext cx="0" cy="303105"/>
+          </a:xfrm>
+          <a:prstGeom prst="straightConnector1">
+            <a:avLst/>
+          </a:prstGeom>
+          <a:ln w="38100">
+            <a:solidFill>
+              <a:schemeClr val="tx1"/>
+            </a:solidFill>
+            <a:tailEnd type="triangle"/>
+          </a:ln>
+        </p:spPr>
+        <p:style>
+          <a:lnRef idx="1">
+            <a:schemeClr val="accent1"/>
+          </a:lnRef>
+          <a:fillRef idx="0">
+            <a:schemeClr val="accent1"/>
+          </a:fillRef>
+          <a:effectRef idx="0">
+            <a:schemeClr val="accent1"/>
+          </a:effectRef>
+          <a:fontRef idx="minor">
+            <a:schemeClr val="tx1"/>
+          </a:fontRef>
+        </p:style>
+      </p:cxnSp>
+      <p:sp>
+        <p:nvSpPr>
+          <p:cNvPr id="266" name="Oval 265"/>
+          <p:cNvSpPr/>
+          <p:nvPr/>
+        </p:nvSpPr>
+        <p:spPr>
+          <a:xfrm>
+            <a:off x="4117424" y="6070159"/>
+            <a:ext cx="630620" cy="399393"/>
+          </a:xfrm>
+          <a:prstGeom prst="ellipse">
+            <a:avLst/>
+          </a:prstGeom>
+          <a:noFill/>
+          <a:ln w="38100">
+            <a:solidFill>
+              <a:schemeClr val="tx1"/>
+            </a:solidFill>
+          </a:ln>
+        </p:spPr>
+        <p:style>
+          <a:lnRef idx="2">
+            <a:schemeClr val="accent1">
+              <a:shade val="50000"/>
+            </a:schemeClr>
+          </a:lnRef>
+          <a:fillRef idx="1">
+            <a:schemeClr val="accent1"/>
+          </a:fillRef>
+          <a:effectRef idx="0">
+            <a:schemeClr val="accent1"/>
+          </a:effectRef>
+          <a:fontRef idx="minor">
+            <a:schemeClr val="lt1"/>
+          </a:fontRef>
+        </p:style>
+        <p:txBody>
+          <a:bodyPr rtlCol="0" anchor="ctr"/>
+          <a:lstStyle/>
+          <a:p>
+            <a:pPr algn="ctr"/>
+            <a:r>
+              <a:rPr lang="en-US" sz="1050" dirty="0">
+                <a:solidFill>
+                  <a:schemeClr val="tx1"/>
+                </a:solidFill>
+              </a:rPr>
+              <a:t>F</a:t>
+            </a:r>
+            <a:r>
+              <a:rPr lang="en-US" sz="1050" dirty="0" smtClean="0">
+                <a:solidFill>
+                  <a:schemeClr val="tx1"/>
+                </a:solidFill>
+              </a:rPr>
+              <a:t>J1</a:t>
+            </a:r>
+            <a:endParaRPr lang="en-US" sz="1050" dirty="0">
+              <a:solidFill>
+                <a:schemeClr val="tx1"/>
+              </a:solidFill>
+            </a:endParaRPr>
+          </a:p>
+        </p:txBody>
+      </p:sp>
+      <p:sp>
+        <p:nvSpPr>
+          <p:cNvPr id="267" name="Oval 266"/>
+          <p:cNvSpPr/>
+          <p:nvPr/>
+        </p:nvSpPr>
+        <p:spPr>
+          <a:xfrm>
+            <a:off x="5326112" y="6070159"/>
+            <a:ext cx="630620" cy="399393"/>
+          </a:xfrm>
+          <a:prstGeom prst="ellipse">
+            <a:avLst/>
+          </a:prstGeom>
+          <a:noFill/>
+          <a:ln w="38100">
+            <a:solidFill>
+              <a:schemeClr val="tx1"/>
+            </a:solidFill>
+          </a:ln>
+        </p:spPr>
+        <p:style>
+          <a:lnRef idx="2">
+            <a:schemeClr val="accent1">
+              <a:shade val="50000"/>
+            </a:schemeClr>
+          </a:lnRef>
+          <a:fillRef idx="1">
+            <a:schemeClr val="accent1"/>
+          </a:fillRef>
+          <a:effectRef idx="0">
+            <a:schemeClr val="accent1"/>
+          </a:effectRef>
+          <a:fontRef idx="minor">
+            <a:schemeClr val="lt1"/>
+          </a:fontRef>
+        </p:style>
+        <p:txBody>
+          <a:bodyPr rtlCol="0" anchor="ctr"/>
+          <a:lstStyle/>
+          <a:p>
+            <a:pPr algn="ctr"/>
+            <a:r>
+              <a:rPr lang="en-US" sz="1050" dirty="0">
+                <a:solidFill>
+                  <a:schemeClr val="tx1"/>
+                </a:solidFill>
+              </a:rPr>
+              <a:t>F</a:t>
+            </a:r>
+            <a:r>
+              <a:rPr lang="en-US" sz="1050" dirty="0" smtClean="0">
+                <a:solidFill>
+                  <a:schemeClr val="tx1"/>
+                </a:solidFill>
+              </a:rPr>
+              <a:t>J2</a:t>
+            </a:r>
+            <a:endParaRPr lang="en-US" sz="1050" dirty="0">
+              <a:solidFill>
+                <a:schemeClr val="tx1"/>
+              </a:solidFill>
+            </a:endParaRPr>
+          </a:p>
+        </p:txBody>
+      </p:sp>
+      <p:cxnSp>
+        <p:nvCxnSpPr>
+          <p:cNvPr id="268" name="Straight Arrow Connector 267"/>
+          <p:cNvCxnSpPr>
+            <a:stCxn id="266" idx="6"/>
+            <a:endCxn id="267" idx="2"/>
+          </p:cNvCxnSpPr>
+          <p:nvPr/>
+        </p:nvCxnSpPr>
+        <p:spPr>
+          <a:xfrm>
+            <a:off x="4748044" y="6269856"/>
+            <a:ext cx="578068" cy="0"/>
+          </a:xfrm>
+          <a:prstGeom prst="straightConnector1">
+            <a:avLst/>
+          </a:prstGeom>
+          <a:ln w="38100">
+            <a:solidFill>
+              <a:schemeClr val="tx1"/>
+            </a:solidFill>
+            <a:tailEnd type="triangle"/>
+          </a:ln>
+        </p:spPr>
+        <p:style>
+          <a:lnRef idx="1">
+            <a:schemeClr val="accent1"/>
+          </a:lnRef>
+          <a:fillRef idx="0">
+            <a:schemeClr val="accent1"/>
+          </a:fillRef>
+          <a:effectRef idx="0">
+            <a:schemeClr val="accent1"/>
+          </a:effectRef>
+          <a:fontRef idx="minor">
+            <a:schemeClr val="tx1"/>
+          </a:fontRef>
+        </p:style>
+      </p:cxnSp>
+      <p:sp>
+        <p:nvSpPr>
+          <p:cNvPr id="269" name="Oval 268"/>
+          <p:cNvSpPr/>
+          <p:nvPr/>
+        </p:nvSpPr>
+        <p:spPr>
+          <a:xfrm>
+            <a:off x="6534800" y="6070159"/>
+            <a:ext cx="630620" cy="399393"/>
+          </a:xfrm>
+          <a:prstGeom prst="ellipse">
+            <a:avLst/>
+          </a:prstGeom>
+          <a:noFill/>
+          <a:ln w="38100">
+            <a:solidFill>
+              <a:schemeClr val="tx1"/>
+            </a:solidFill>
+          </a:ln>
+        </p:spPr>
+        <p:style>
+          <a:lnRef idx="2">
+            <a:schemeClr val="accent1">
+              <a:shade val="50000"/>
+            </a:schemeClr>
+          </a:lnRef>
+          <a:fillRef idx="1">
+            <a:schemeClr val="accent1"/>
+          </a:fillRef>
+          <a:effectRef idx="0">
+            <a:schemeClr val="accent1"/>
+          </a:effectRef>
+          <a:fontRef idx="minor">
+            <a:schemeClr val="lt1"/>
+          </a:fontRef>
+        </p:style>
+        <p:txBody>
+          <a:bodyPr rtlCol="0" anchor="ctr"/>
+          <a:lstStyle/>
+          <a:p>
+            <a:pPr algn="ctr"/>
+            <a:r>
+              <a:rPr lang="en-US" sz="1050" dirty="0">
+                <a:solidFill>
+                  <a:schemeClr val="tx1"/>
+                </a:solidFill>
+              </a:rPr>
+              <a:t>F</a:t>
+            </a:r>
+            <a:r>
+              <a:rPr lang="en-US" sz="1050" dirty="0" smtClean="0">
+                <a:solidFill>
+                  <a:schemeClr val="tx1"/>
+                </a:solidFill>
+              </a:rPr>
+              <a:t>J3</a:t>
+            </a:r>
+            <a:endParaRPr lang="en-US" sz="1050" dirty="0">
+              <a:solidFill>
+                <a:schemeClr val="tx1"/>
+              </a:solidFill>
+            </a:endParaRPr>
+          </a:p>
+        </p:txBody>
+      </p:sp>
+      <p:cxnSp>
+        <p:nvCxnSpPr>
+          <p:cNvPr id="270" name="Straight Arrow Connector 269"/>
+          <p:cNvCxnSpPr>
+            <a:stCxn id="267" idx="6"/>
+            <a:endCxn id="269" idx="2"/>
+          </p:cNvCxnSpPr>
+          <p:nvPr/>
+        </p:nvCxnSpPr>
+        <p:spPr>
+          <a:xfrm>
+            <a:off x="5956732" y="6269856"/>
+            <a:ext cx="578068" cy="0"/>
+          </a:xfrm>
+          <a:prstGeom prst="straightConnector1">
+            <a:avLst/>
+          </a:prstGeom>
+          <a:ln w="38100">
+            <a:solidFill>
+              <a:schemeClr val="tx1"/>
+            </a:solidFill>
+            <a:tailEnd type="triangle"/>
+          </a:ln>
+        </p:spPr>
+        <p:style>
+          <a:lnRef idx="1">
+            <a:schemeClr val="accent1"/>
+          </a:lnRef>
+          <a:fillRef idx="0">
+            <a:schemeClr val="accent1"/>
+          </a:fillRef>
+          <a:effectRef idx="0">
+            <a:schemeClr val="accent1"/>
+          </a:effectRef>
+          <a:fontRef idx="minor">
+            <a:schemeClr val="tx1"/>
+          </a:fontRef>
+        </p:style>
+      </p:cxnSp>
+      <p:sp>
+        <p:nvSpPr>
+          <p:cNvPr id="271" name="Oval 270"/>
+          <p:cNvSpPr/>
+          <p:nvPr/>
+        </p:nvSpPr>
+        <p:spPr>
+          <a:xfrm>
+            <a:off x="7743488" y="6066987"/>
+            <a:ext cx="630620" cy="399393"/>
+          </a:xfrm>
+          <a:prstGeom prst="ellipse">
+            <a:avLst/>
+          </a:prstGeom>
+          <a:noFill/>
+          <a:ln w="38100">
+            <a:solidFill>
+              <a:schemeClr val="tx1"/>
+            </a:solidFill>
+          </a:ln>
+        </p:spPr>
+        <p:style>
+          <a:lnRef idx="2">
+            <a:schemeClr val="accent1">
+              <a:shade val="50000"/>
+            </a:schemeClr>
+          </a:lnRef>
+          <a:fillRef idx="1">
+            <a:schemeClr val="accent1"/>
+          </a:fillRef>
+          <a:effectRef idx="0">
+            <a:schemeClr val="accent1"/>
+          </a:effectRef>
+          <a:fontRef idx="minor">
+            <a:schemeClr val="lt1"/>
+          </a:fontRef>
+        </p:style>
+        <p:txBody>
+          <a:bodyPr rtlCol="0" anchor="ctr"/>
+          <a:lstStyle/>
+          <a:p>
+            <a:pPr algn="ctr"/>
+            <a:r>
+              <a:rPr lang="en-US" sz="1050" dirty="0">
+                <a:solidFill>
+                  <a:schemeClr val="tx1"/>
+                </a:solidFill>
+              </a:rPr>
+              <a:t>F</a:t>
+            </a:r>
+            <a:r>
+              <a:rPr lang="en-US" sz="1050" dirty="0" smtClean="0">
+                <a:solidFill>
+                  <a:schemeClr val="tx1"/>
+                </a:solidFill>
+              </a:rPr>
+              <a:t>J4</a:t>
+            </a:r>
+            <a:endParaRPr lang="en-US" sz="1050" dirty="0">
+              <a:solidFill>
+                <a:schemeClr val="tx1"/>
+              </a:solidFill>
+            </a:endParaRPr>
+          </a:p>
+        </p:txBody>
+      </p:sp>
+      <p:cxnSp>
+        <p:nvCxnSpPr>
+          <p:cNvPr id="272" name="Straight Arrow Connector 271"/>
+          <p:cNvCxnSpPr>
+            <a:stCxn id="269" idx="6"/>
+            <a:endCxn id="271" idx="2"/>
+          </p:cNvCxnSpPr>
+          <p:nvPr/>
+        </p:nvCxnSpPr>
+        <p:spPr>
+          <a:xfrm flipV="1">
+            <a:off x="7165420" y="6266684"/>
+            <a:ext cx="578068" cy="3172"/>
+          </a:xfrm>
+          <a:prstGeom prst="straightConnector1">
+            <a:avLst/>
+          </a:prstGeom>
+          <a:ln w="38100">
+            <a:solidFill>
+              <a:schemeClr val="tx1"/>
+            </a:solidFill>
+            <a:tailEnd type="triangle"/>
+          </a:ln>
+        </p:spPr>
+        <p:style>
+          <a:lnRef idx="1">
+            <a:schemeClr val="accent1"/>
+          </a:lnRef>
+          <a:fillRef idx="0">
+            <a:schemeClr val="accent1"/>
+          </a:fillRef>
+          <a:effectRef idx="0">
+            <a:schemeClr val="accent1"/>
+          </a:effectRef>
+          <a:fontRef idx="minor">
+            <a:schemeClr val="tx1"/>
+          </a:fontRef>
+        </p:style>
+      </p:cxnSp>
+      <p:cxnSp>
+        <p:nvCxnSpPr>
+          <p:cNvPr id="273" name="Straight Arrow Connector 272"/>
+          <p:cNvCxnSpPr>
+            <a:stCxn id="255" idx="4"/>
+            <a:endCxn id="266" idx="0"/>
+          </p:cNvCxnSpPr>
+          <p:nvPr/>
+        </p:nvCxnSpPr>
+        <p:spPr>
+          <a:xfrm>
+            <a:off x="4432734" y="5757538"/>
+            <a:ext cx="0" cy="312621"/>
+          </a:xfrm>
+          <a:prstGeom prst="straightConnector1">
+            <a:avLst/>
+          </a:prstGeom>
+          <a:ln w="38100">
+            <a:solidFill>
+              <a:schemeClr val="tx1"/>
+            </a:solidFill>
+            <a:tailEnd type="triangle"/>
+          </a:ln>
+        </p:spPr>
+        <p:style>
+          <a:lnRef idx="1">
+            <a:schemeClr val="accent1"/>
+          </a:lnRef>
+          <a:fillRef idx="0">
+            <a:schemeClr val="accent1"/>
+          </a:fillRef>
+          <a:effectRef idx="0">
+            <a:schemeClr val="accent1"/>
+          </a:effectRef>
+          <a:fontRef idx="minor">
+            <a:schemeClr val="tx1"/>
+          </a:fontRef>
+        </p:style>
+      </p:cxnSp>
+      <p:cxnSp>
+        <p:nvCxnSpPr>
+          <p:cNvPr id="274" name="Straight Arrow Connector 273"/>
+          <p:cNvCxnSpPr>
+            <a:stCxn id="256" idx="4"/>
+            <a:endCxn id="267" idx="0"/>
+          </p:cNvCxnSpPr>
+          <p:nvPr/>
+        </p:nvCxnSpPr>
+        <p:spPr>
+          <a:xfrm>
+            <a:off x="5641422" y="5757538"/>
+            <a:ext cx="0" cy="312621"/>
+          </a:xfrm>
+          <a:prstGeom prst="straightConnector1">
+            <a:avLst/>
+          </a:prstGeom>
+          <a:ln w="38100">
+            <a:solidFill>
+              <a:schemeClr val="tx1"/>
+            </a:solidFill>
+            <a:tailEnd type="triangle"/>
+          </a:ln>
+        </p:spPr>
+        <p:style>
+          <a:lnRef idx="1">
+            <a:schemeClr val="accent1"/>
+          </a:lnRef>
+          <a:fillRef idx="0">
+            <a:schemeClr val="accent1"/>
+          </a:fillRef>
+          <a:effectRef idx="0">
+            <a:schemeClr val="accent1"/>
+          </a:effectRef>
+          <a:fontRef idx="minor">
+            <a:schemeClr val="tx1"/>
+          </a:fontRef>
+        </p:style>
+      </p:cxnSp>
+      <p:cxnSp>
+        <p:nvCxnSpPr>
+          <p:cNvPr id="275" name="Straight Arrow Connector 274"/>
+          <p:cNvCxnSpPr>
+            <a:stCxn id="258" idx="4"/>
+            <a:endCxn id="269" idx="0"/>
+          </p:cNvCxnSpPr>
+          <p:nvPr/>
+        </p:nvCxnSpPr>
+        <p:spPr>
+          <a:xfrm>
+            <a:off x="6850110" y="5757538"/>
+            <a:ext cx="0" cy="312621"/>
+          </a:xfrm>
+          <a:prstGeom prst="straightConnector1">
+            <a:avLst/>
+          </a:prstGeom>
+          <a:ln w="38100">
+            <a:solidFill>
+              <a:schemeClr val="tx1"/>
+            </a:solidFill>
+            <a:tailEnd type="triangle"/>
+          </a:ln>
+        </p:spPr>
+        <p:style>
+          <a:lnRef idx="1">
+            <a:schemeClr val="accent1"/>
+          </a:lnRef>
+          <a:fillRef idx="0">
+            <a:schemeClr val="accent1"/>
+          </a:fillRef>
+          <a:effectRef idx="0">
+            <a:schemeClr val="accent1"/>
+          </a:effectRef>
+          <a:fontRef idx="minor">
+            <a:schemeClr val="tx1"/>
+          </a:fontRef>
+        </p:style>
+      </p:cxnSp>
+      <p:cxnSp>
+        <p:nvCxnSpPr>
+          <p:cNvPr id="276" name="Straight Arrow Connector 275"/>
+          <p:cNvCxnSpPr>
+            <a:stCxn id="260" idx="4"/>
+            <a:endCxn id="271" idx="0"/>
+          </p:cNvCxnSpPr>
+          <p:nvPr/>
+        </p:nvCxnSpPr>
+        <p:spPr>
+          <a:xfrm>
+            <a:off x="8058798" y="5754366"/>
+            <a:ext cx="0" cy="312621"/>
+          </a:xfrm>
+          <a:prstGeom prst="straightConnector1">
+            <a:avLst/>
+          </a:prstGeom>
+          <a:ln w="38100">
+            <a:solidFill>
+              <a:schemeClr val="tx1"/>
+            </a:solidFill>
+            <a:tailEnd type="triangle"/>
+          </a:ln>
+        </p:spPr>
+        <p:style>
+          <a:lnRef idx="1">
+            <a:schemeClr val="accent1"/>
+          </a:lnRef>
+          <a:fillRef idx="0">
+            <a:schemeClr val="accent1"/>
+          </a:fillRef>
+          <a:effectRef idx="0">
+            <a:schemeClr val="accent1"/>
+          </a:effectRef>
+          <a:fontRef idx="minor">
+            <a:schemeClr val="tx1"/>
+          </a:fontRef>
+        </p:style>
+      </p:cxnSp>
+      <p:cxnSp>
+        <p:nvCxnSpPr>
+          <p:cNvPr id="277" name="Curved Connector 276"/>
+          <p:cNvCxnSpPr>
+            <a:stCxn id="255" idx="6"/>
+            <a:endCxn id="236" idx="6"/>
+          </p:cNvCxnSpPr>
+          <p:nvPr/>
+        </p:nvCxnSpPr>
+        <p:spPr>
+          <a:xfrm flipV="1">
+            <a:off x="4748044" y="4149674"/>
+            <a:ext cx="12700" cy="1408168"/>
+          </a:xfrm>
+          <a:prstGeom prst="curvedConnector3">
+            <a:avLst>
+              <a:gd name="adj1" fmla="val 1800000"/>
+            </a:avLst>
+          </a:prstGeom>
+          <a:ln w="38100">
+            <a:solidFill>
+              <a:schemeClr val="tx1"/>
+            </a:solidFill>
+            <a:tailEnd type="triangle"/>
+          </a:ln>
+        </p:spPr>
+        <p:style>
+          <a:lnRef idx="1">
+            <a:schemeClr val="accent1"/>
+          </a:lnRef>
+          <a:fillRef idx="0">
+            <a:schemeClr val="accent1"/>
+          </a:fillRef>
+          <a:effectRef idx="0">
+            <a:schemeClr val="accent1"/>
+          </a:effectRef>
+          <a:fontRef idx="minor">
+            <a:schemeClr val="tx1"/>
+          </a:fontRef>
+        </p:style>
+      </p:cxnSp>
+      <p:cxnSp>
+        <p:nvCxnSpPr>
+          <p:cNvPr id="278" name="Curved Connector 277"/>
+          <p:cNvCxnSpPr>
+            <a:stCxn id="266" idx="6"/>
+            <a:endCxn id="236" idx="6"/>
+          </p:cNvCxnSpPr>
+          <p:nvPr/>
+        </p:nvCxnSpPr>
+        <p:spPr>
+          <a:xfrm flipV="1">
+            <a:off x="4748044" y="4149674"/>
+            <a:ext cx="12700" cy="2120182"/>
+          </a:xfrm>
+          <a:prstGeom prst="curvedConnector3">
+            <a:avLst>
+              <a:gd name="adj1" fmla="val 1800000"/>
+            </a:avLst>
+          </a:prstGeom>
+          <a:ln w="38100">
+            <a:solidFill>
+              <a:schemeClr val="tx1"/>
+            </a:solidFill>
+            <a:tailEnd type="triangle"/>
+          </a:ln>
+        </p:spPr>
+        <p:style>
+          <a:lnRef idx="1">
+            <a:schemeClr val="accent1"/>
+          </a:lnRef>
+          <a:fillRef idx="0">
+            <a:schemeClr val="accent1"/>
+          </a:fillRef>
+          <a:effectRef idx="0">
+            <a:schemeClr val="accent1"/>
+          </a:effectRef>
+          <a:fontRef idx="minor">
+            <a:schemeClr val="tx1"/>
+          </a:fontRef>
+        </p:style>
+      </p:cxnSp>
+      <p:cxnSp>
+        <p:nvCxnSpPr>
+          <p:cNvPr id="279" name="Curved Connector 278"/>
+          <p:cNvCxnSpPr>
+            <a:stCxn id="256" idx="6"/>
+            <a:endCxn id="238" idx="6"/>
+          </p:cNvCxnSpPr>
+          <p:nvPr/>
+        </p:nvCxnSpPr>
+        <p:spPr>
+          <a:xfrm flipV="1">
+            <a:off x="5956732" y="4149674"/>
+            <a:ext cx="12700" cy="1408168"/>
+          </a:xfrm>
+          <a:prstGeom prst="curvedConnector3">
+            <a:avLst>
+              <a:gd name="adj1" fmla="val 1800000"/>
+            </a:avLst>
+          </a:prstGeom>
+          <a:ln w="38100">
+            <a:solidFill>
+              <a:schemeClr val="tx1"/>
+            </a:solidFill>
+            <a:tailEnd type="triangle"/>
+          </a:ln>
+        </p:spPr>
+        <p:style>
+          <a:lnRef idx="1">
+            <a:schemeClr val="accent1"/>
+          </a:lnRef>
+          <a:fillRef idx="0">
+            <a:schemeClr val="accent1"/>
+          </a:fillRef>
+          <a:effectRef idx="0">
+            <a:schemeClr val="accent1"/>
+          </a:effectRef>
+          <a:fontRef idx="minor">
+            <a:schemeClr val="tx1"/>
+          </a:fontRef>
+        </p:style>
+      </p:cxnSp>
+      <p:cxnSp>
+        <p:nvCxnSpPr>
+          <p:cNvPr id="280" name="Curved Connector 279"/>
+          <p:cNvCxnSpPr>
+            <a:stCxn id="267" idx="6"/>
+            <a:endCxn id="238" idx="6"/>
+          </p:cNvCxnSpPr>
+          <p:nvPr/>
+        </p:nvCxnSpPr>
+        <p:spPr>
+          <a:xfrm flipV="1">
+            <a:off x="5956732" y="4149674"/>
+            <a:ext cx="12700" cy="2120182"/>
+          </a:xfrm>
+          <a:prstGeom prst="curvedConnector3">
+            <a:avLst>
+              <a:gd name="adj1" fmla="val 1800000"/>
+            </a:avLst>
+          </a:prstGeom>
+          <a:ln w="38100">
+            <a:solidFill>
+              <a:schemeClr val="tx1"/>
+            </a:solidFill>
+            <a:tailEnd type="triangle"/>
+          </a:ln>
+        </p:spPr>
+        <p:style>
+          <a:lnRef idx="1">
+            <a:schemeClr val="accent1"/>
+          </a:lnRef>
+          <a:fillRef idx="0">
+            <a:schemeClr val="accent1"/>
+          </a:fillRef>
+          <a:effectRef idx="0">
+            <a:schemeClr val="accent1"/>
+          </a:effectRef>
+          <a:fontRef idx="minor">
+            <a:schemeClr val="tx1"/>
+          </a:fontRef>
+        </p:style>
+      </p:cxnSp>
+      <p:cxnSp>
+        <p:nvCxnSpPr>
+          <p:cNvPr id="281" name="Curved Connector 280"/>
+          <p:cNvCxnSpPr>
+            <a:stCxn id="258" idx="6"/>
+            <a:endCxn id="240" idx="6"/>
+          </p:cNvCxnSpPr>
+          <p:nvPr/>
+        </p:nvCxnSpPr>
+        <p:spPr>
+          <a:xfrm flipV="1">
+            <a:off x="7165420" y="4149674"/>
+            <a:ext cx="12700" cy="1408168"/>
+          </a:xfrm>
+          <a:prstGeom prst="curvedConnector3">
+            <a:avLst>
+              <a:gd name="adj1" fmla="val 1800000"/>
+            </a:avLst>
+          </a:prstGeom>
+          <a:ln w="38100">
+            <a:solidFill>
+              <a:schemeClr val="tx1"/>
+            </a:solidFill>
+            <a:tailEnd type="triangle"/>
+          </a:ln>
+        </p:spPr>
+        <p:style>
+          <a:lnRef idx="1">
+            <a:schemeClr val="accent1"/>
+          </a:lnRef>
+          <a:fillRef idx="0">
+            <a:schemeClr val="accent1"/>
+          </a:fillRef>
+          <a:effectRef idx="0">
+            <a:schemeClr val="accent1"/>
+          </a:effectRef>
+          <a:fontRef idx="minor">
+            <a:schemeClr val="tx1"/>
+          </a:fontRef>
+        </p:style>
+      </p:cxnSp>
+      <p:cxnSp>
+        <p:nvCxnSpPr>
+          <p:cNvPr id="282" name="Curved Connector 281"/>
+          <p:cNvCxnSpPr>
+            <a:stCxn id="269" idx="6"/>
+            <a:endCxn id="240" idx="6"/>
+          </p:cNvCxnSpPr>
+          <p:nvPr/>
+        </p:nvCxnSpPr>
+        <p:spPr>
+          <a:xfrm flipV="1">
+            <a:off x="7165420" y="4149674"/>
+            <a:ext cx="12700" cy="2120182"/>
+          </a:xfrm>
+          <a:prstGeom prst="curvedConnector3">
+            <a:avLst>
+              <a:gd name="adj1" fmla="val 1800000"/>
+            </a:avLst>
+          </a:prstGeom>
+          <a:ln w="38100">
+            <a:solidFill>
+              <a:schemeClr val="tx1"/>
+            </a:solidFill>
+            <a:tailEnd type="triangle"/>
+          </a:ln>
+        </p:spPr>
+        <p:style>
+          <a:lnRef idx="1">
+            <a:schemeClr val="accent1"/>
+          </a:lnRef>
+          <a:fillRef idx="0">
+            <a:schemeClr val="accent1"/>
+          </a:fillRef>
+          <a:effectRef idx="0">
+            <a:schemeClr val="accent1"/>
+          </a:effectRef>
+          <a:fontRef idx="minor">
+            <a:schemeClr val="tx1"/>
+          </a:fontRef>
+        </p:style>
+      </p:cxnSp>
+      <p:cxnSp>
+        <p:nvCxnSpPr>
+          <p:cNvPr id="283" name="Curved Connector 282"/>
+          <p:cNvCxnSpPr>
+            <a:stCxn id="260" idx="6"/>
+            <a:endCxn id="242" idx="6"/>
+          </p:cNvCxnSpPr>
+          <p:nvPr/>
+        </p:nvCxnSpPr>
+        <p:spPr>
+          <a:xfrm flipV="1">
+            <a:off x="8374108" y="4146502"/>
+            <a:ext cx="12700" cy="1408168"/>
+          </a:xfrm>
+          <a:prstGeom prst="curvedConnector3">
+            <a:avLst>
+              <a:gd name="adj1" fmla="val 1800000"/>
+            </a:avLst>
+          </a:prstGeom>
+          <a:ln w="38100">
+            <a:solidFill>
+              <a:schemeClr val="tx1"/>
+            </a:solidFill>
+            <a:tailEnd type="triangle"/>
+          </a:ln>
+        </p:spPr>
+        <p:style>
+          <a:lnRef idx="1">
+            <a:schemeClr val="accent1"/>
+          </a:lnRef>
+          <a:fillRef idx="0">
+            <a:schemeClr val="accent1"/>
+          </a:fillRef>
+          <a:effectRef idx="0">
+            <a:schemeClr val="accent1"/>
+          </a:effectRef>
+          <a:fontRef idx="minor">
+            <a:schemeClr val="tx1"/>
+          </a:fontRef>
+        </p:style>
+      </p:cxnSp>
+      <p:cxnSp>
+        <p:nvCxnSpPr>
+          <p:cNvPr id="284" name="Curved Connector 283"/>
+          <p:cNvCxnSpPr>
+            <a:stCxn id="271" idx="6"/>
+            <a:endCxn id="242" idx="6"/>
+          </p:cNvCxnSpPr>
+          <p:nvPr/>
+        </p:nvCxnSpPr>
+        <p:spPr>
+          <a:xfrm flipV="1">
+            <a:off x="8374108" y="4146502"/>
+            <a:ext cx="12700" cy="2120182"/>
+          </a:xfrm>
+          <a:prstGeom prst="curvedConnector3">
+            <a:avLst>
+              <a:gd name="adj1" fmla="val 1800000"/>
+            </a:avLst>
+          </a:prstGeom>
+          <a:ln w="38100">
+            <a:solidFill>
+              <a:schemeClr val="tx1"/>
+            </a:solidFill>
+            <a:tailEnd type="triangle"/>
+          </a:ln>
+        </p:spPr>
+        <p:style>
+          <a:lnRef idx="1">
+            <a:schemeClr val="accent1"/>
+          </a:lnRef>
+          <a:fillRef idx="0">
+            <a:schemeClr val="accent1"/>
+          </a:fillRef>
+          <a:effectRef idx="0">
+            <a:schemeClr val="accent1"/>
+          </a:effectRef>
+          <a:fontRef idx="minor">
+            <a:schemeClr val="tx1"/>
+          </a:fontRef>
+        </p:style>
+      </p:cxnSp>
+      <p:cxnSp>
+        <p:nvCxnSpPr>
+          <p:cNvPr id="287" name="Straight Arrow Connector 286"/>
+          <p:cNvCxnSpPr>
+            <a:stCxn id="222" idx="6"/>
+            <a:endCxn id="224" idx="2"/>
+          </p:cNvCxnSpPr>
+          <p:nvPr/>
+        </p:nvCxnSpPr>
+        <p:spPr>
+          <a:xfrm>
+            <a:off x="2330668" y="4149674"/>
+            <a:ext cx="578068" cy="0"/>
+          </a:xfrm>
+          <a:prstGeom prst="straightConnector1">
+            <a:avLst/>
+          </a:prstGeom>
+          <a:ln w="38100">
+            <a:solidFill>
+              <a:schemeClr val="tx1"/>
+            </a:solidFill>
+            <a:tailEnd type="triangle"/>
+          </a:ln>
+        </p:spPr>
+        <p:style>
+          <a:lnRef idx="1">
+            <a:schemeClr val="accent1"/>
+          </a:lnRef>
+          <a:fillRef idx="0">
+            <a:schemeClr val="accent1"/>
+          </a:fillRef>
+          <a:effectRef idx="0">
+            <a:schemeClr val="accent1"/>
+          </a:effectRef>
+          <a:fontRef idx="minor">
+            <a:schemeClr val="tx1"/>
+          </a:fontRef>
+        </p:style>
+      </p:cxnSp>
+      <p:cxnSp>
+        <p:nvCxnSpPr>
+          <p:cNvPr id="291" name="Straight Arrow Connector 290"/>
+          <p:cNvCxnSpPr>
+            <a:stCxn id="224" idx="6"/>
+            <a:endCxn id="236" idx="2"/>
+          </p:cNvCxnSpPr>
+          <p:nvPr/>
+        </p:nvCxnSpPr>
+        <p:spPr>
+          <a:xfrm>
+            <a:off x="3539356" y="4149674"/>
+            <a:ext cx="578068" cy="0"/>
+          </a:xfrm>
+          <a:prstGeom prst="straightConnector1">
+            <a:avLst/>
+          </a:prstGeom>
+          <a:ln w="38100">
+            <a:solidFill>
+              <a:schemeClr val="tx1"/>
+            </a:solidFill>
+            <a:tailEnd type="triangle"/>
+          </a:ln>
+        </p:spPr>
+        <p:style>
+          <a:lnRef idx="1">
+            <a:schemeClr val="accent1"/>
+          </a:lnRef>
+          <a:fillRef idx="0">
+            <a:schemeClr val="accent1"/>
+          </a:fillRef>
+          <a:effectRef idx="0">
+            <a:schemeClr val="accent1"/>
+          </a:effectRef>
+          <a:fontRef idx="minor">
+            <a:schemeClr val="tx1"/>
+          </a:fontRef>
+        </p:style>
+      </p:cxnSp>
+      <p:sp>
+        <p:nvSpPr>
+          <p:cNvPr id="360" name="Oval 359"/>
+          <p:cNvSpPr/>
+          <p:nvPr/>
+        </p:nvSpPr>
+        <p:spPr>
+          <a:xfrm>
+            <a:off x="9299017" y="3646873"/>
+            <a:ext cx="630620" cy="399393"/>
+          </a:xfrm>
+          <a:prstGeom prst="ellipse">
+            <a:avLst/>
+          </a:prstGeom>
+          <a:noFill/>
+          <a:ln w="38100">
+            <a:solidFill>
+              <a:schemeClr val="tx1"/>
+            </a:solidFill>
+          </a:ln>
+        </p:spPr>
+        <p:style>
+          <a:lnRef idx="2">
+            <a:schemeClr val="accent1">
+              <a:shade val="50000"/>
+            </a:schemeClr>
+          </a:lnRef>
+          <a:fillRef idx="1">
+            <a:schemeClr val="accent1"/>
+          </a:fillRef>
+          <a:effectRef idx="0">
+            <a:schemeClr val="accent1"/>
+          </a:effectRef>
+          <a:fontRef idx="minor">
+            <a:schemeClr val="lt1"/>
+          </a:fontRef>
+        </p:style>
+        <p:txBody>
+          <a:bodyPr rtlCol="0" anchor="ctr"/>
+          <a:lstStyle/>
+          <a:p>
+            <a:pPr algn="ctr"/>
+            <a:r>
+              <a:rPr lang="en-US" sz="2400" dirty="0" smtClean="0">
+                <a:solidFill>
+                  <a:schemeClr val="tx1"/>
+                </a:solidFill>
+              </a:rPr>
+              <a:t>D</a:t>
+            </a:r>
+            <a:endParaRPr lang="en-US" sz="2400" dirty="0">
+              <a:solidFill>
+                <a:schemeClr val="tx1"/>
+              </a:solidFill>
+            </a:endParaRPr>
+          </a:p>
+        </p:txBody>
+      </p:sp>
+      <p:cxnSp>
+        <p:nvCxnSpPr>
+          <p:cNvPr id="386" name="Straight Arrow Connector 385"/>
+          <p:cNvCxnSpPr>
+            <a:endCxn id="360" idx="2"/>
+          </p:cNvCxnSpPr>
+          <p:nvPr/>
+        </p:nvCxnSpPr>
+        <p:spPr>
+          <a:xfrm>
+            <a:off x="8597462" y="3846569"/>
+            <a:ext cx="701555" cy="1"/>
+          </a:xfrm>
+          <a:prstGeom prst="straightConnector1">
+            <a:avLst/>
+          </a:prstGeom>
+          <a:ln w="38100">
+            <a:solidFill>
+              <a:schemeClr val="tx1"/>
+            </a:solidFill>
+            <a:prstDash val="dash"/>
             <a:tailEnd type="triangle"/>
           </a:ln>
         </p:spPr>
@@ -13105,7 +18772,7 @@
     </p:spTree>
     <p:extLst>
       <p:ext uri="{BB962C8B-B14F-4D97-AF65-F5344CB8AC3E}">
-        <p14:creationId xmlns:p14="http://schemas.microsoft.com/office/powerpoint/2010/main" val="596091192"/>
+        <p14:creationId xmlns:p14="http://schemas.microsoft.com/office/powerpoint/2010/main" val="1233805520"/>
       </p:ext>
     </p:extLst>
   </p:cSld>
@@ -13149,7 +18816,7 @@
           <a:p>
             <a:r>
               <a:rPr lang="en-US" dirty="0" smtClean="0"/>
-              <a:t>SEIR Model</a:t>
+              <a:t>SAIS Model</a:t>
             </a:r>
             <a:endParaRPr lang="en-US" dirty="0"/>
           </a:p>
@@ -13163,7 +18830,7 @@
         </p:nvSpPr>
         <p:spPr>
           <a:xfrm>
-            <a:off x="1702676" y="3216165"/>
+            <a:off x="2511973" y="3142593"/>
             <a:ext cx="1271751" cy="1271751"/>
           </a:xfrm>
           <a:prstGeom prst="ellipse">
@@ -13221,7 +18888,7 @@
         </p:nvSpPr>
         <p:spPr>
           <a:xfrm>
-            <a:off x="4062249" y="3216165"/>
+            <a:off x="4871546" y="3142593"/>
             <a:ext cx="1271751" cy="1271751"/>
           </a:xfrm>
           <a:prstGeom prst="ellipse">
@@ -13261,7 +18928,7 @@
                   <a:schemeClr val="tx1"/>
                 </a:solidFill>
               </a:rPr>
-              <a:t>E</a:t>
+              <a:t>A</a:t>
             </a:r>
             <a:endParaRPr lang="en-US" sz="6000" dirty="0">
               <a:solidFill>
@@ -13279,7 +18946,7 @@
         </p:nvSpPr>
         <p:spPr>
           <a:xfrm>
-            <a:off x="6421822" y="3216165"/>
+            <a:off x="7231119" y="3142593"/>
             <a:ext cx="1271751" cy="1271751"/>
           </a:xfrm>
           <a:prstGeom prst="ellipse">
@@ -13340,7 +19007,7 @@
         </p:nvCxnSpPr>
         <p:spPr>
           <a:xfrm>
-            <a:off x="2974427" y="3852041"/>
+            <a:off x="3783724" y="3778469"/>
             <a:ext cx="1087822" cy="0"/>
           </a:xfrm>
           <a:prstGeom prst="straightConnector1">
@@ -13379,7 +19046,7 @@
         </p:nvCxnSpPr>
         <p:spPr>
           <a:xfrm>
-            <a:off x="5334000" y="3852041"/>
+            <a:off x="6143297" y="3778469"/>
             <a:ext cx="1087822" cy="0"/>
           </a:xfrm>
           <a:prstGeom prst="straightConnector1">
@@ -13407,80 +19074,65 @@
           </a:fontRef>
         </p:style>
       </p:cxnSp>
-      <p:sp>
-        <p:nvSpPr>
-          <p:cNvPr id="8" name="Oval 7"/>
-          <p:cNvSpPr/>
-          <p:nvPr/>
-        </p:nvSpPr>
-        <p:spPr>
-          <a:xfrm>
-            <a:off x="8781395" y="3216165"/>
-            <a:ext cx="1271751" cy="1271751"/>
-          </a:xfrm>
-          <a:prstGeom prst="ellipse">
-            <a:avLst/>
-          </a:prstGeom>
-          <a:noFill/>
-          <a:ln w="38100">
-            <a:solidFill>
-              <a:schemeClr val="tx1"/>
-            </a:solidFill>
-          </a:ln>
-        </p:spPr>
-        <p:style>
-          <a:lnRef idx="2">
-            <a:schemeClr val="accent1">
-              <a:shade val="50000"/>
-            </a:schemeClr>
-          </a:lnRef>
-          <a:fillRef idx="1">
-            <a:schemeClr val="accent1"/>
-          </a:fillRef>
-          <a:effectRef idx="0">
-            <a:schemeClr val="accent1"/>
-          </a:effectRef>
-          <a:fontRef idx="minor">
-            <a:schemeClr val="lt1"/>
-          </a:fontRef>
-        </p:style>
-        <p:txBody>
-          <a:bodyPr rtlCol="0" anchor="ctr"/>
-          <a:lstStyle/>
-          <a:p>
-            <a:pPr algn="ctr"/>
-            <a:r>
-              <a:rPr lang="en-US" sz="6000" dirty="0" smtClean="0">
-                <a:solidFill>
-                  <a:schemeClr val="tx1"/>
-                </a:solidFill>
-              </a:rPr>
-              <a:t>R</a:t>
-            </a:r>
-            <a:endParaRPr lang="en-US" sz="6000" dirty="0">
-              <a:solidFill>
-                <a:schemeClr val="tx1"/>
-              </a:solidFill>
-            </a:endParaRPr>
-          </a:p>
-        </p:txBody>
-      </p:sp>
       <p:cxnSp>
         <p:nvCxnSpPr>
-          <p:cNvPr id="11" name="Straight Arrow Connector 10"/>
+          <p:cNvPr id="12" name="Curved Connector 11"/>
           <p:cNvCxnSpPr>
-            <a:stCxn id="7" idx="6"/>
-            <a:endCxn id="8" idx="2"/>
+            <a:stCxn id="5" idx="7"/>
+            <a:endCxn id="7" idx="1"/>
           </p:cNvCxnSpPr>
           <p:nvPr/>
         </p:nvCxnSpPr>
         <p:spPr>
-          <a:xfrm>
-            <a:off x="7693573" y="3852041"/>
-            <a:ext cx="1087822" cy="0"/>
-          </a:xfrm>
-          <a:prstGeom prst="straightConnector1">
-            <a:avLst/>
+          <a:xfrm rot="5400000" flipH="1" flipV="1">
+            <a:off x="5507421" y="1418896"/>
+            <a:ext cx="12700" cy="3819883"/>
+          </a:xfrm>
+          <a:prstGeom prst="curvedConnector3">
+            <a:avLst>
+              <a:gd name="adj1" fmla="val 3266488"/>
+            </a:avLst>
+          </a:prstGeom>
+          <a:ln w="38100">
+            <a:solidFill>
+              <a:schemeClr val="tx1"/>
+            </a:solidFill>
+            <a:tailEnd type="triangle"/>
+          </a:ln>
+        </p:spPr>
+        <p:style>
+          <a:lnRef idx="1">
+            <a:schemeClr val="accent1"/>
+          </a:lnRef>
+          <a:fillRef idx="0">
+            <a:schemeClr val="accent1"/>
+          </a:fillRef>
+          <a:effectRef idx="0">
+            <a:schemeClr val="accent1"/>
+          </a:effectRef>
+          <a:fontRef idx="minor">
+            <a:schemeClr val="tx1"/>
+          </a:fontRef>
+        </p:style>
+      </p:cxnSp>
+      <p:cxnSp>
+        <p:nvCxnSpPr>
+          <p:cNvPr id="15" name="Curved Connector 14"/>
+          <p:cNvCxnSpPr>
+            <a:stCxn id="7" idx="3"/>
+            <a:endCxn id="5" idx="5"/>
+          </p:cNvCxnSpPr>
+          <p:nvPr/>
+        </p:nvCxnSpPr>
+        <p:spPr>
+          <a:xfrm rot="5400000">
+            <a:off x="5507422" y="2318159"/>
+            <a:ext cx="12700" cy="3819883"/>
+          </a:xfrm>
+          <a:prstGeom prst="curvedConnector3">
+            <a:avLst>
+              <a:gd name="adj1" fmla="val 3266488"/>
+            </a:avLst>
           </a:prstGeom>
           <a:ln w="38100">
             <a:solidFill>
@@ -13507,7 +19159,7 @@
     </p:spTree>
     <p:extLst>
       <p:ext uri="{BB962C8B-B14F-4D97-AF65-F5344CB8AC3E}">
-        <p14:creationId xmlns:p14="http://schemas.microsoft.com/office/powerpoint/2010/main" val="1904772757"/>
+        <p14:creationId xmlns:p14="http://schemas.microsoft.com/office/powerpoint/2010/main" val="596091192"/>
       </p:ext>
     </p:extLst>
   </p:cSld>
@@ -13551,7 +19203,7 @@
           <a:p>
             <a:r>
               <a:rPr lang="en-US" dirty="0" smtClean="0"/>
-              <a:t>SI Model</a:t>
+              <a:t>SEIR Model</a:t>
             </a:r>
             <a:endParaRPr lang="en-US" dirty="0"/>
           </a:p>
@@ -13565,7 +19217,7 @@
         </p:nvSpPr>
         <p:spPr>
           <a:xfrm>
-            <a:off x="2123090" y="2963917"/>
+            <a:off x="1702676" y="3216165"/>
             <a:ext cx="1271751" cy="1271751"/>
           </a:xfrm>
           <a:prstGeom prst="ellipse">
@@ -13623,7 +19275,65 @@
         </p:nvSpPr>
         <p:spPr>
           <a:xfrm>
-            <a:off x="4482663" y="2963917"/>
+            <a:off x="4062249" y="3216165"/>
+            <a:ext cx="1271751" cy="1271751"/>
+          </a:xfrm>
+          <a:prstGeom prst="ellipse">
+            <a:avLst/>
+          </a:prstGeom>
+          <a:noFill/>
+          <a:ln w="38100">
+            <a:solidFill>
+              <a:schemeClr val="tx1"/>
+            </a:solidFill>
+          </a:ln>
+        </p:spPr>
+        <p:style>
+          <a:lnRef idx="2">
+            <a:schemeClr val="accent1">
+              <a:shade val="50000"/>
+            </a:schemeClr>
+          </a:lnRef>
+          <a:fillRef idx="1">
+            <a:schemeClr val="accent1"/>
+          </a:fillRef>
+          <a:effectRef idx="0">
+            <a:schemeClr val="accent1"/>
+          </a:effectRef>
+          <a:fontRef idx="minor">
+            <a:schemeClr val="lt1"/>
+          </a:fontRef>
+        </p:style>
+        <p:txBody>
+          <a:bodyPr rtlCol="0" anchor="ctr"/>
+          <a:lstStyle/>
+          <a:p>
+            <a:pPr algn="ctr"/>
+            <a:r>
+              <a:rPr lang="en-US" sz="6000" dirty="0" smtClean="0">
+                <a:solidFill>
+                  <a:schemeClr val="tx1"/>
+                </a:solidFill>
+              </a:rPr>
+              <a:t>E</a:t>
+            </a:r>
+            <a:endParaRPr lang="en-US" sz="6000" dirty="0">
+              <a:solidFill>
+                <a:schemeClr val="tx1"/>
+              </a:solidFill>
+            </a:endParaRPr>
+          </a:p>
+        </p:txBody>
+      </p:sp>
+      <p:sp>
+        <p:nvSpPr>
+          <p:cNvPr id="7" name="Oval 6"/>
+          <p:cNvSpPr/>
+          <p:nvPr/>
+        </p:nvSpPr>
+        <p:spPr>
+          <a:xfrm>
+            <a:off x="6421822" y="3216165"/>
             <a:ext cx="1271751" cy="1271751"/>
           </a:xfrm>
           <a:prstGeom prst="ellipse">
@@ -13684,7 +19394,143 @@
         </p:nvCxnSpPr>
         <p:spPr>
           <a:xfrm>
-            <a:off x="3394841" y="3599793"/>
+            <a:off x="2974427" y="3852041"/>
+            <a:ext cx="1087822" cy="0"/>
+          </a:xfrm>
+          <a:prstGeom prst="straightConnector1">
+            <a:avLst/>
+          </a:prstGeom>
+          <a:ln w="38100">
+            <a:solidFill>
+              <a:schemeClr val="tx1"/>
+            </a:solidFill>
+            <a:tailEnd type="triangle"/>
+          </a:ln>
+        </p:spPr>
+        <p:style>
+          <a:lnRef idx="1">
+            <a:schemeClr val="accent1"/>
+          </a:lnRef>
+          <a:fillRef idx="0">
+            <a:schemeClr val="accent1"/>
+          </a:fillRef>
+          <a:effectRef idx="0">
+            <a:schemeClr val="accent1"/>
+          </a:effectRef>
+          <a:fontRef idx="minor">
+            <a:schemeClr val="tx1"/>
+          </a:fontRef>
+        </p:style>
+      </p:cxnSp>
+      <p:cxnSp>
+        <p:nvCxnSpPr>
+          <p:cNvPr id="10" name="Straight Arrow Connector 9"/>
+          <p:cNvCxnSpPr>
+            <a:stCxn id="6" idx="6"/>
+            <a:endCxn id="7" idx="2"/>
+          </p:cNvCxnSpPr>
+          <p:nvPr/>
+        </p:nvCxnSpPr>
+        <p:spPr>
+          <a:xfrm>
+            <a:off x="5334000" y="3852041"/>
+            <a:ext cx="1087822" cy="0"/>
+          </a:xfrm>
+          <a:prstGeom prst="straightConnector1">
+            <a:avLst/>
+          </a:prstGeom>
+          <a:ln w="38100">
+            <a:solidFill>
+              <a:schemeClr val="tx1"/>
+            </a:solidFill>
+            <a:tailEnd type="triangle"/>
+          </a:ln>
+        </p:spPr>
+        <p:style>
+          <a:lnRef idx="1">
+            <a:schemeClr val="accent1"/>
+          </a:lnRef>
+          <a:fillRef idx="0">
+            <a:schemeClr val="accent1"/>
+          </a:fillRef>
+          <a:effectRef idx="0">
+            <a:schemeClr val="accent1"/>
+          </a:effectRef>
+          <a:fontRef idx="minor">
+            <a:schemeClr val="tx1"/>
+          </a:fontRef>
+        </p:style>
+      </p:cxnSp>
+      <p:sp>
+        <p:nvSpPr>
+          <p:cNvPr id="8" name="Oval 7"/>
+          <p:cNvSpPr/>
+          <p:nvPr/>
+        </p:nvSpPr>
+        <p:spPr>
+          <a:xfrm>
+            <a:off x="8781395" y="3216165"/>
+            <a:ext cx="1271751" cy="1271751"/>
+          </a:xfrm>
+          <a:prstGeom prst="ellipse">
+            <a:avLst/>
+          </a:prstGeom>
+          <a:noFill/>
+          <a:ln w="38100">
+            <a:solidFill>
+              <a:schemeClr val="tx1"/>
+            </a:solidFill>
+          </a:ln>
+        </p:spPr>
+        <p:style>
+          <a:lnRef idx="2">
+            <a:schemeClr val="accent1">
+              <a:shade val="50000"/>
+            </a:schemeClr>
+          </a:lnRef>
+          <a:fillRef idx="1">
+            <a:schemeClr val="accent1"/>
+          </a:fillRef>
+          <a:effectRef idx="0">
+            <a:schemeClr val="accent1"/>
+          </a:effectRef>
+          <a:fontRef idx="minor">
+            <a:schemeClr val="lt1"/>
+          </a:fontRef>
+        </p:style>
+        <p:txBody>
+          <a:bodyPr rtlCol="0" anchor="ctr"/>
+          <a:lstStyle/>
+          <a:p>
+            <a:pPr algn="ctr"/>
+            <a:r>
+              <a:rPr lang="en-US" sz="6000" dirty="0" smtClean="0">
+                <a:solidFill>
+                  <a:schemeClr val="tx1"/>
+                </a:solidFill>
+              </a:rPr>
+              <a:t>R</a:t>
+            </a:r>
+            <a:endParaRPr lang="en-US" sz="6000" dirty="0">
+              <a:solidFill>
+                <a:schemeClr val="tx1"/>
+              </a:solidFill>
+            </a:endParaRPr>
+          </a:p>
+        </p:txBody>
+      </p:sp>
+      <p:cxnSp>
+        <p:nvCxnSpPr>
+          <p:cNvPr id="11" name="Straight Arrow Connector 10"/>
+          <p:cNvCxnSpPr>
+            <a:stCxn id="7" idx="6"/>
+            <a:endCxn id="8" idx="2"/>
+          </p:cNvCxnSpPr>
+          <p:nvPr/>
+        </p:nvCxnSpPr>
+        <p:spPr>
+          <a:xfrm>
+            <a:off x="7693573" y="3852041"/>
             <a:ext cx="1087822" cy="0"/>
           </a:xfrm>
           <a:prstGeom prst="straightConnector1">
@@ -13715,7 +19561,7 @@
     </p:spTree>
     <p:extLst>
       <p:ext uri="{BB962C8B-B14F-4D97-AF65-F5344CB8AC3E}">
-        <p14:creationId xmlns:p14="http://schemas.microsoft.com/office/powerpoint/2010/main" val="355087038"/>
+        <p14:creationId xmlns:p14="http://schemas.microsoft.com/office/powerpoint/2010/main" val="1904772757"/>
       </p:ext>
     </p:extLst>
   </p:cSld>
@@ -13759,7 +19605,7 @@
           <a:p>
             <a:r>
               <a:rPr lang="en-US" dirty="0" smtClean="0"/>
-              <a:t>SIR Model</a:t>
+              <a:t>SI Model</a:t>
             </a:r>
             <a:endParaRPr lang="en-US" dirty="0"/>
           </a:p>
@@ -13881,64 +19727,6 @@
           </a:p>
         </p:txBody>
       </p:sp>
-      <p:sp>
-        <p:nvSpPr>
-          <p:cNvPr id="7" name="Oval 6"/>
-          <p:cNvSpPr/>
-          <p:nvPr/>
-        </p:nvSpPr>
-        <p:spPr>
-          <a:xfrm>
-            <a:off x="6842236" y="2963917"/>
-            <a:ext cx="1271751" cy="1271751"/>
-          </a:xfrm>
-          <a:prstGeom prst="ellipse">
-            <a:avLst/>
-          </a:prstGeom>
-          <a:noFill/>
-          <a:ln w="38100">
-            <a:solidFill>
-              <a:schemeClr val="tx1"/>
-            </a:solidFill>
-          </a:ln>
-        </p:spPr>
-        <p:style>
-          <a:lnRef idx="2">
-            <a:schemeClr val="accent1">
-              <a:shade val="50000"/>
-            </a:schemeClr>
-          </a:lnRef>
-          <a:fillRef idx="1">
-            <a:schemeClr val="accent1"/>
-          </a:fillRef>
-          <a:effectRef idx="0">
-            <a:schemeClr val="accent1"/>
-          </a:effectRef>
-          <a:fontRef idx="minor">
-            <a:schemeClr val="lt1"/>
-          </a:fontRef>
-        </p:style>
-        <p:txBody>
-          <a:bodyPr rtlCol="0" anchor="ctr"/>
-          <a:lstStyle/>
-          <a:p>
-            <a:pPr algn="ctr"/>
-            <a:r>
-              <a:rPr lang="en-US" sz="6000" dirty="0" smtClean="0">
-                <a:solidFill>
-                  <a:schemeClr val="tx1"/>
-                </a:solidFill>
-              </a:rPr>
-              <a:t>R</a:t>
-            </a:r>
-            <a:endParaRPr lang="en-US" sz="6000" dirty="0">
-              <a:solidFill>
-                <a:schemeClr val="tx1"/>
-              </a:solidFill>
-            </a:endParaRPr>
-          </a:p>
-        </p:txBody>
-      </p:sp>
       <p:cxnSp>
         <p:nvCxnSpPr>
           <p:cNvPr id="9" name="Straight Arrow Connector 8"/>
@@ -13978,49 +19766,10 @@
           </a:fontRef>
         </p:style>
       </p:cxnSp>
-      <p:cxnSp>
-        <p:nvCxnSpPr>
-          <p:cNvPr id="10" name="Straight Arrow Connector 9"/>
-          <p:cNvCxnSpPr>
-            <a:stCxn id="6" idx="6"/>
-            <a:endCxn id="7" idx="2"/>
-          </p:cNvCxnSpPr>
-          <p:nvPr/>
-        </p:nvCxnSpPr>
-        <p:spPr>
-          <a:xfrm>
-            <a:off x="5754414" y="3599793"/>
-            <a:ext cx="1087822" cy="0"/>
-          </a:xfrm>
-          <a:prstGeom prst="straightConnector1">
-            <a:avLst/>
-          </a:prstGeom>
-          <a:ln w="38100">
-            <a:solidFill>
-              <a:schemeClr val="tx1"/>
-            </a:solidFill>
-            <a:tailEnd type="triangle"/>
-          </a:ln>
-        </p:spPr>
-        <p:style>
-          <a:lnRef idx="1">
-            <a:schemeClr val="accent1"/>
-          </a:lnRef>
-          <a:fillRef idx="0">
-            <a:schemeClr val="accent1"/>
-          </a:fillRef>
-          <a:effectRef idx="0">
-            <a:schemeClr val="accent1"/>
-          </a:effectRef>
-          <a:fontRef idx="minor">
-            <a:schemeClr val="tx1"/>
-          </a:fontRef>
-        </p:style>
-      </p:cxnSp>
     </p:spTree>
     <p:extLst>
       <p:ext uri="{BB962C8B-B14F-4D97-AF65-F5344CB8AC3E}">
-        <p14:creationId xmlns:p14="http://schemas.microsoft.com/office/powerpoint/2010/main" val="1106984897"/>
+        <p14:creationId xmlns:p14="http://schemas.microsoft.com/office/powerpoint/2010/main" val="355087038"/>
       </p:ext>
     </p:extLst>
   </p:cSld>
@@ -14064,7 +19813,7 @@
           <a:p>
             <a:r>
               <a:rPr lang="en-US" dirty="0" smtClean="0"/>
-              <a:t>SIS Model</a:t>
+              <a:t>SIR Model</a:t>
             </a:r>
             <a:endParaRPr lang="en-US" dirty="0"/>
           </a:p>
@@ -14186,19 +19935,77 @@
           </a:p>
         </p:txBody>
       </p:sp>
+      <p:sp>
+        <p:nvSpPr>
+          <p:cNvPr id="7" name="Oval 6"/>
+          <p:cNvSpPr/>
+          <p:nvPr/>
+        </p:nvSpPr>
+        <p:spPr>
+          <a:xfrm>
+            <a:off x="6842236" y="2963917"/>
+            <a:ext cx="1271751" cy="1271751"/>
+          </a:xfrm>
+          <a:prstGeom prst="ellipse">
+            <a:avLst/>
+          </a:prstGeom>
+          <a:noFill/>
+          <a:ln w="38100">
+            <a:solidFill>
+              <a:schemeClr val="tx1"/>
+            </a:solidFill>
+          </a:ln>
+        </p:spPr>
+        <p:style>
+          <a:lnRef idx="2">
+            <a:schemeClr val="accent1">
+              <a:shade val="50000"/>
+            </a:schemeClr>
+          </a:lnRef>
+          <a:fillRef idx="1">
+            <a:schemeClr val="accent1"/>
+          </a:fillRef>
+          <a:effectRef idx="0">
+            <a:schemeClr val="accent1"/>
+          </a:effectRef>
+          <a:fontRef idx="minor">
+            <a:schemeClr val="lt1"/>
+          </a:fontRef>
+        </p:style>
+        <p:txBody>
+          <a:bodyPr rtlCol="0" anchor="ctr"/>
+          <a:lstStyle/>
+          <a:p>
+            <a:pPr algn="ctr"/>
+            <a:r>
+              <a:rPr lang="en-US" sz="6000" dirty="0" smtClean="0">
+                <a:solidFill>
+                  <a:schemeClr val="tx1"/>
+                </a:solidFill>
+              </a:rPr>
+              <a:t>R</a:t>
+            </a:r>
+            <a:endParaRPr lang="en-US" sz="6000" dirty="0">
+              <a:solidFill>
+                <a:schemeClr val="tx1"/>
+              </a:solidFill>
+            </a:endParaRPr>
+          </a:p>
+        </p:txBody>
+      </p:sp>
       <p:cxnSp>
         <p:nvCxnSpPr>
           <p:cNvPr id="9" name="Straight Arrow Connector 8"/>
           <p:cNvCxnSpPr>
-            <a:stCxn id="5" idx="7"/>
-            <a:endCxn id="6" idx="1"/>
+            <a:stCxn id="5" idx="6"/>
+            <a:endCxn id="6" idx="2"/>
           </p:cNvCxnSpPr>
           <p:nvPr/>
         </p:nvCxnSpPr>
         <p:spPr>
           <a:xfrm>
-            <a:off x="3208597" y="3150161"/>
-            <a:ext cx="1460310" cy="0"/>
+            <a:off x="3394841" y="3599793"/>
+            <a:ext cx="1087822" cy="0"/>
           </a:xfrm>
           <a:prstGeom prst="straightConnector1">
             <a:avLst/>
@@ -14227,17 +20034,17 @@
       </p:cxnSp>
       <p:cxnSp>
         <p:nvCxnSpPr>
-          <p:cNvPr id="8" name="Straight Arrow Connector 7"/>
+          <p:cNvPr id="10" name="Straight Arrow Connector 9"/>
           <p:cNvCxnSpPr>
-            <a:stCxn id="6" idx="3"/>
-            <a:endCxn id="5" idx="5"/>
+            <a:stCxn id="6" idx="6"/>
+            <a:endCxn id="7" idx="2"/>
           </p:cNvCxnSpPr>
           <p:nvPr/>
         </p:nvCxnSpPr>
         <p:spPr>
-          <a:xfrm flipH="1">
-            <a:off x="3208597" y="4049424"/>
-            <a:ext cx="1460310" cy="0"/>
+          <a:xfrm>
+            <a:off x="5754414" y="3599793"/>
+            <a:ext cx="1087822" cy="0"/>
           </a:xfrm>
           <a:prstGeom prst="straightConnector1">
             <a:avLst/>
@@ -14267,7 +20074,7 @@
     </p:spTree>
     <p:extLst>
       <p:ext uri="{BB962C8B-B14F-4D97-AF65-F5344CB8AC3E}">
-        <p14:creationId xmlns:p14="http://schemas.microsoft.com/office/powerpoint/2010/main" val="927035815"/>
+        <p14:creationId xmlns:p14="http://schemas.microsoft.com/office/powerpoint/2010/main" val="1106984897"/>
       </p:ext>
     </p:extLst>
   </p:cSld>
@@ -14311,7 +20118,7 @@
           <a:p>
             <a:r>
               <a:rPr lang="en-US" dirty="0" smtClean="0"/>
-              <a:t>SVITR Model</a:t>
+              <a:t>SIS Model</a:t>
             </a:r>
             <a:endParaRPr lang="en-US" dirty="0"/>
           </a:p>
@@ -14325,7 +20132,7 @@
         </p:nvSpPr>
         <p:spPr>
           <a:xfrm>
-            <a:off x="1429407" y="3489434"/>
+            <a:off x="2123090" y="2963917"/>
             <a:ext cx="1271751" cy="1271751"/>
           </a:xfrm>
           <a:prstGeom prst="ellipse">
@@ -14383,7 +20190,7 @@
         </p:nvSpPr>
         <p:spPr>
           <a:xfrm>
-            <a:off x="3788980" y="3489434"/>
+            <a:off x="4482663" y="2963917"/>
             <a:ext cx="1271751" cy="1271751"/>
           </a:xfrm>
           <a:prstGeom prst="ellipse">
@@ -14433,77 +20240,19 @@
           </a:p>
         </p:txBody>
       </p:sp>
-      <p:sp>
-        <p:nvSpPr>
-          <p:cNvPr id="7" name="Oval 6"/>
-          <p:cNvSpPr/>
-          <p:nvPr/>
-        </p:nvSpPr>
-        <p:spPr>
-          <a:xfrm>
-            <a:off x="6148553" y="3489434"/>
-            <a:ext cx="1271751" cy="1271751"/>
-          </a:xfrm>
-          <a:prstGeom prst="ellipse">
-            <a:avLst/>
-          </a:prstGeom>
-          <a:noFill/>
-          <a:ln w="38100">
-            <a:solidFill>
-              <a:schemeClr val="tx1"/>
-            </a:solidFill>
-          </a:ln>
-        </p:spPr>
-        <p:style>
-          <a:lnRef idx="2">
-            <a:schemeClr val="accent1">
-              <a:shade val="50000"/>
-            </a:schemeClr>
-          </a:lnRef>
-          <a:fillRef idx="1">
-            <a:schemeClr val="accent1"/>
-          </a:fillRef>
-          <a:effectRef idx="0">
-            <a:schemeClr val="accent1"/>
-          </a:effectRef>
-          <a:fontRef idx="minor">
-            <a:schemeClr val="lt1"/>
-          </a:fontRef>
-        </p:style>
-        <p:txBody>
-          <a:bodyPr rtlCol="0" anchor="ctr"/>
-          <a:lstStyle/>
-          <a:p>
-            <a:pPr algn="ctr"/>
-            <a:r>
-              <a:rPr lang="en-US" sz="6000" dirty="0" smtClean="0">
-                <a:solidFill>
-                  <a:schemeClr val="tx1"/>
-                </a:solidFill>
-              </a:rPr>
-              <a:t>T</a:t>
-            </a:r>
-            <a:endParaRPr lang="en-US" sz="6000" dirty="0">
-              <a:solidFill>
-                <a:schemeClr val="tx1"/>
-              </a:solidFill>
-            </a:endParaRPr>
-          </a:p>
-        </p:txBody>
-      </p:sp>
       <p:cxnSp>
         <p:nvCxnSpPr>
           <p:cNvPr id="9" name="Straight Arrow Connector 8"/>
           <p:cNvCxnSpPr>
-            <a:stCxn id="5" idx="6"/>
-            <a:endCxn id="6" idx="2"/>
+            <a:stCxn id="5" idx="7"/>
+            <a:endCxn id="6" idx="1"/>
           </p:cNvCxnSpPr>
           <p:nvPr/>
         </p:nvCxnSpPr>
         <p:spPr>
           <a:xfrm>
-            <a:off x="2701158" y="4125310"/>
-            <a:ext cx="1087822" cy="0"/>
+            <a:off x="3208597" y="3150161"/>
+            <a:ext cx="1460310" cy="0"/>
           </a:xfrm>
           <a:prstGeom prst="straightConnector1">
             <a:avLst/>
@@ -14532,199 +20281,20 @@
       </p:cxnSp>
       <p:cxnSp>
         <p:nvCxnSpPr>
-          <p:cNvPr id="10" name="Straight Arrow Connector 9"/>
+          <p:cNvPr id="8" name="Straight Arrow Connector 7"/>
           <p:cNvCxnSpPr>
-            <a:stCxn id="6" idx="6"/>
-            <a:endCxn id="7" idx="2"/>
+            <a:stCxn id="6" idx="3"/>
+            <a:endCxn id="5" idx="5"/>
           </p:cNvCxnSpPr>
           <p:nvPr/>
         </p:nvCxnSpPr>
         <p:spPr>
-          <a:xfrm>
-            <a:off x="5060731" y="4125310"/>
-            <a:ext cx="1087822" cy="0"/>
+          <a:xfrm flipH="1">
+            <a:off x="3208597" y="4049424"/>
+            <a:ext cx="1460310" cy="0"/>
           </a:xfrm>
           <a:prstGeom prst="straightConnector1">
             <a:avLst/>
-          </a:prstGeom>
-          <a:ln w="38100">
-            <a:solidFill>
-              <a:schemeClr val="tx1"/>
-            </a:solidFill>
-            <a:tailEnd type="triangle"/>
-          </a:ln>
-        </p:spPr>
-        <p:style>
-          <a:lnRef idx="1">
-            <a:schemeClr val="accent1"/>
-          </a:lnRef>
-          <a:fillRef idx="0">
-            <a:schemeClr val="accent1"/>
-          </a:fillRef>
-          <a:effectRef idx="0">
-            <a:schemeClr val="accent1"/>
-          </a:effectRef>
-          <a:fontRef idx="minor">
-            <a:schemeClr val="tx1"/>
-          </a:fontRef>
-        </p:style>
-      </p:cxnSp>
-      <p:cxnSp>
-        <p:nvCxnSpPr>
-          <p:cNvPr id="8" name="Curved Connector 7"/>
-          <p:cNvCxnSpPr>
-            <a:stCxn id="5" idx="5"/>
-            <a:endCxn id="11" idx="3"/>
-          </p:cNvCxnSpPr>
-          <p:nvPr/>
-        </p:nvCxnSpPr>
-        <p:spPr>
-          <a:xfrm rot="5400000" flipH="1" flipV="1">
-            <a:off x="5604641" y="1485213"/>
-            <a:ext cx="1" cy="6179456"/>
-          </a:xfrm>
-          <a:prstGeom prst="curvedConnector3">
-            <a:avLst>
-              <a:gd name="adj1" fmla="val -41484400000"/>
-            </a:avLst>
-          </a:prstGeom>
-          <a:ln w="38100">
-            <a:solidFill>
-              <a:schemeClr val="tx1"/>
-            </a:solidFill>
-            <a:tailEnd type="triangle"/>
-          </a:ln>
-        </p:spPr>
-        <p:style>
-          <a:lnRef idx="1">
-            <a:schemeClr val="accent1"/>
-          </a:lnRef>
-          <a:fillRef idx="0">
-            <a:schemeClr val="accent1"/>
-          </a:fillRef>
-          <a:effectRef idx="0">
-            <a:schemeClr val="accent1"/>
-          </a:effectRef>
-          <a:fontRef idx="minor">
-            <a:schemeClr val="tx1"/>
-          </a:fontRef>
-        </p:style>
-      </p:cxnSp>
-      <p:sp>
-        <p:nvSpPr>
-          <p:cNvPr id="11" name="Oval 10"/>
-          <p:cNvSpPr/>
-          <p:nvPr/>
-        </p:nvSpPr>
-        <p:spPr>
-          <a:xfrm>
-            <a:off x="8508126" y="3489433"/>
-            <a:ext cx="1271751" cy="1271751"/>
-          </a:xfrm>
-          <a:prstGeom prst="ellipse">
-            <a:avLst/>
-          </a:prstGeom>
-          <a:noFill/>
-          <a:ln w="38100">
-            <a:solidFill>
-              <a:schemeClr val="tx1"/>
-            </a:solidFill>
-          </a:ln>
-        </p:spPr>
-        <p:style>
-          <a:lnRef idx="2">
-            <a:schemeClr val="accent1">
-              <a:shade val="50000"/>
-            </a:schemeClr>
-          </a:lnRef>
-          <a:fillRef idx="1">
-            <a:schemeClr val="accent1"/>
-          </a:fillRef>
-          <a:effectRef idx="0">
-            <a:schemeClr val="accent1"/>
-          </a:effectRef>
-          <a:fontRef idx="minor">
-            <a:schemeClr val="lt1"/>
-          </a:fontRef>
-        </p:style>
-        <p:txBody>
-          <a:bodyPr rtlCol="0" anchor="ctr"/>
-          <a:lstStyle/>
-          <a:p>
-            <a:pPr algn="ctr"/>
-            <a:r>
-              <a:rPr lang="en-US" sz="6000" dirty="0" smtClean="0">
-                <a:solidFill>
-                  <a:schemeClr val="tx1"/>
-                </a:solidFill>
-              </a:rPr>
-              <a:t>R</a:t>
-            </a:r>
-            <a:endParaRPr lang="en-US" sz="6000" dirty="0">
-              <a:solidFill>
-                <a:schemeClr val="tx1"/>
-              </a:solidFill>
-            </a:endParaRPr>
-          </a:p>
-        </p:txBody>
-      </p:sp>
-      <p:cxnSp>
-        <p:nvCxnSpPr>
-          <p:cNvPr id="13" name="Straight Arrow Connector 12"/>
-          <p:cNvCxnSpPr>
-            <a:stCxn id="7" idx="6"/>
-            <a:endCxn id="11" idx="2"/>
-          </p:cNvCxnSpPr>
-          <p:nvPr/>
-        </p:nvCxnSpPr>
-        <p:spPr>
-          <a:xfrm flipV="1">
-            <a:off x="7420304" y="4125309"/>
-            <a:ext cx="1087822" cy="1"/>
-          </a:xfrm>
-          <a:prstGeom prst="straightConnector1">
-            <a:avLst/>
-          </a:prstGeom>
-          <a:ln w="38100">
-            <a:solidFill>
-              <a:schemeClr val="tx1"/>
-            </a:solidFill>
-            <a:tailEnd type="triangle"/>
-          </a:ln>
-        </p:spPr>
-        <p:style>
-          <a:lnRef idx="1">
-            <a:schemeClr val="accent1"/>
-          </a:lnRef>
-          <a:fillRef idx="0">
-            <a:schemeClr val="accent1"/>
-          </a:fillRef>
-          <a:effectRef idx="0">
-            <a:schemeClr val="accent1"/>
-          </a:effectRef>
-          <a:fontRef idx="minor">
-            <a:schemeClr val="tx1"/>
-          </a:fontRef>
-        </p:style>
-      </p:cxnSp>
-      <p:cxnSp>
-        <p:nvCxnSpPr>
-          <p:cNvPr id="16" name="Curved Connector 15"/>
-          <p:cNvCxnSpPr>
-            <a:stCxn id="6" idx="7"/>
-            <a:endCxn id="11" idx="1"/>
-          </p:cNvCxnSpPr>
-          <p:nvPr/>
-        </p:nvCxnSpPr>
-        <p:spPr>
-          <a:xfrm rot="5400000" flipH="1" flipV="1">
-            <a:off x="6784428" y="1765737"/>
-            <a:ext cx="1" cy="3819883"/>
-          </a:xfrm>
-          <a:prstGeom prst="curvedConnector3">
-            <a:avLst>
-              <a:gd name="adj1" fmla="val 41484500000"/>
-            </a:avLst>
           </a:prstGeom>
           <a:ln w="38100">
             <a:solidFill>
@@ -14751,7 +20321,7 @@
     </p:spTree>
     <p:extLst>
       <p:ext uri="{BB962C8B-B14F-4D97-AF65-F5344CB8AC3E}">
-        <p14:creationId xmlns:p14="http://schemas.microsoft.com/office/powerpoint/2010/main" val="1609320151"/>
+        <p14:creationId xmlns:p14="http://schemas.microsoft.com/office/powerpoint/2010/main" val="927035815"/>
       </p:ext>
     </p:extLst>
   </p:cSld>

--- a/figures/figures.pptx
+++ b/figures/figures.pptx
@@ -2708,8 +2708,8 @@
     <dgm:cxn modelId="{C819FC94-FBFE-E34A-A327-4A27395151CD}" type="presOf" srcId="{486F902B-586B-8044-9F9C-0B0AEA8029F9}" destId="{FF12BBB7-C98F-004B-97D1-6F33A956F885}" srcOrd="0" destOrd="0" presId="urn:microsoft.com/office/officeart/2005/8/layout/process1"/>
     <dgm:cxn modelId="{6FE90E6E-3041-9640-856C-0F56175D90F8}" type="presOf" srcId="{B170FB99-8909-414F-A4FC-4553DD906590}" destId="{E73AAB45-BA46-5E42-A3FA-3E92D321988C}" srcOrd="1" destOrd="0" presId="urn:microsoft.com/office/officeart/2005/8/layout/process1"/>
     <dgm:cxn modelId="{BB304414-4573-A945-A6B9-D92B37E06E0E}" srcId="{DE49E2BA-261B-EC46-BAF7-6B78BDB6F06F}" destId="{801AFE1A-416D-E74C-BBFD-557415AE0194}" srcOrd="2" destOrd="0" parTransId="{2727C292-B037-A740-B806-A17CA3BCFCD5}" sibTransId="{533BC168-BC76-C14E-8694-1DC3B6CF54C5}"/>
+    <dgm:cxn modelId="{FC07CA1A-5A89-A34B-BC81-B07378114F9A}" type="presOf" srcId="{9887AAD4-671C-2243-B23F-6F6D102A4012}" destId="{BB567044-1BE6-FA4E-BC0C-29580823B6FB}" srcOrd="0" destOrd="0" presId="urn:microsoft.com/office/officeart/2005/8/layout/process1"/>
     <dgm:cxn modelId="{2F6EDDF8-1A52-CA4F-AC56-E7B813883AFC}" srcId="{DE49E2BA-261B-EC46-BAF7-6B78BDB6F06F}" destId="{5EDB0D77-09F0-0C4F-B332-E852A176F79A}" srcOrd="0" destOrd="0" parTransId="{6905B776-7DF3-2743-A7A0-DC627995A528}" sibTransId="{486F902B-586B-8044-9F9C-0B0AEA8029F9}"/>
-    <dgm:cxn modelId="{FC07CA1A-5A89-A34B-BC81-B07378114F9A}" type="presOf" srcId="{9887AAD4-671C-2243-B23F-6F6D102A4012}" destId="{BB567044-1BE6-FA4E-BC0C-29580823B6FB}" srcOrd="0" destOrd="0" presId="urn:microsoft.com/office/officeart/2005/8/layout/process1"/>
     <dgm:cxn modelId="{80CF1ADA-AC03-0246-A9C5-2573A6852BB1}" type="presParOf" srcId="{4A554E7B-4565-9144-9E8A-ED84F42D6595}" destId="{E324EA71-C9AB-2943-812E-646AB1B31125}" srcOrd="0" destOrd="0" presId="urn:microsoft.com/office/officeart/2005/8/layout/process1"/>
     <dgm:cxn modelId="{0B8E1EEA-F683-5E42-8906-DD23252128BF}" type="presParOf" srcId="{4A554E7B-4565-9144-9E8A-ED84F42D6595}" destId="{FF12BBB7-C98F-004B-97D1-6F33A956F885}" srcOrd="1" destOrd="0" presId="urn:microsoft.com/office/officeart/2005/8/layout/process1"/>
     <dgm:cxn modelId="{56C9F803-799C-3147-830A-E0A956C21914}" type="presParOf" srcId="{FF12BBB7-C98F-004B-97D1-6F33A956F885}" destId="{93205773-7419-ED4D-91F8-2A24298BF005}" srcOrd="0" destOrd="0" presId="urn:microsoft.com/office/officeart/2005/8/layout/process1"/>
@@ -7058,7 +7058,7 @@
           <a:p>
             <a:fld id="{0B81B261-3E97-594D-92FE-9F195E76D39F}" type="datetimeFigureOut">
               <a:rPr lang="en-US" smtClean="0"/>
-              <a:t>5/10/17</a:t>
+              <a:t>5/12/17</a:t>
             </a:fld>
             <a:endParaRPr lang="en-US"/>
           </a:p>
@@ -7228,7 +7228,7 @@
           <a:p>
             <a:fld id="{0B81B261-3E97-594D-92FE-9F195E76D39F}" type="datetimeFigureOut">
               <a:rPr lang="en-US" smtClean="0"/>
-              <a:t>5/10/17</a:t>
+              <a:t>5/12/17</a:t>
             </a:fld>
             <a:endParaRPr lang="en-US"/>
           </a:p>
@@ -7408,7 +7408,7 @@
           <a:p>
             <a:fld id="{0B81B261-3E97-594D-92FE-9F195E76D39F}" type="datetimeFigureOut">
               <a:rPr lang="en-US" smtClean="0"/>
-              <a:t>5/10/17</a:t>
+              <a:t>5/12/17</a:t>
             </a:fld>
             <a:endParaRPr lang="en-US"/>
           </a:p>
@@ -7578,7 +7578,7 @@
           <a:p>
             <a:fld id="{0B81B261-3E97-594D-92FE-9F195E76D39F}" type="datetimeFigureOut">
               <a:rPr lang="en-US" smtClean="0"/>
-              <a:t>5/10/17</a:t>
+              <a:t>5/12/17</a:t>
             </a:fld>
             <a:endParaRPr lang="en-US"/>
           </a:p>
@@ -7824,7 +7824,7 @@
           <a:p>
             <a:fld id="{0B81B261-3E97-594D-92FE-9F195E76D39F}" type="datetimeFigureOut">
               <a:rPr lang="en-US" smtClean="0"/>
-              <a:t>5/10/17</a:t>
+              <a:t>5/12/17</a:t>
             </a:fld>
             <a:endParaRPr lang="en-US"/>
           </a:p>
@@ -8056,7 +8056,7 @@
           <a:p>
             <a:fld id="{0B81B261-3E97-594D-92FE-9F195E76D39F}" type="datetimeFigureOut">
               <a:rPr lang="en-US" smtClean="0"/>
-              <a:t>5/10/17</a:t>
+              <a:t>5/12/17</a:t>
             </a:fld>
             <a:endParaRPr lang="en-US"/>
           </a:p>
@@ -8423,7 +8423,7 @@
           <a:p>
             <a:fld id="{0B81B261-3E97-594D-92FE-9F195E76D39F}" type="datetimeFigureOut">
               <a:rPr lang="en-US" smtClean="0"/>
-              <a:t>5/10/17</a:t>
+              <a:t>5/12/17</a:t>
             </a:fld>
             <a:endParaRPr lang="en-US"/>
           </a:p>
@@ -8541,7 +8541,7 @@
           <a:p>
             <a:fld id="{0B81B261-3E97-594D-92FE-9F195E76D39F}" type="datetimeFigureOut">
               <a:rPr lang="en-US" smtClean="0"/>
-              <a:t>5/10/17</a:t>
+              <a:t>5/12/17</a:t>
             </a:fld>
             <a:endParaRPr lang="en-US"/>
           </a:p>
@@ -8636,7 +8636,7 @@
           <a:p>
             <a:fld id="{0B81B261-3E97-594D-92FE-9F195E76D39F}" type="datetimeFigureOut">
               <a:rPr lang="en-US" smtClean="0"/>
-              <a:t>5/10/17</a:t>
+              <a:t>5/12/17</a:t>
             </a:fld>
             <a:endParaRPr lang="en-US"/>
           </a:p>
@@ -8913,7 +8913,7 @@
           <a:p>
             <a:fld id="{0B81B261-3E97-594D-92FE-9F195E76D39F}" type="datetimeFigureOut">
               <a:rPr lang="en-US" smtClean="0"/>
-              <a:t>5/10/17</a:t>
+              <a:t>5/12/17</a:t>
             </a:fld>
             <a:endParaRPr lang="en-US"/>
           </a:p>
@@ -9166,7 +9166,7 @@
           <a:p>
             <a:fld id="{0B81B261-3E97-594D-92FE-9F195E76D39F}" type="datetimeFigureOut">
               <a:rPr lang="en-US" smtClean="0"/>
-              <a:t>5/10/17</a:t>
+              <a:t>5/12/17</a:t>
             </a:fld>
             <a:endParaRPr lang="en-US"/>
           </a:p>
@@ -9379,7 +9379,7 @@
           <a:p>
             <a:fld id="{0B81B261-3E97-594D-92FE-9F195E76D39F}" type="datetimeFigureOut">
               <a:rPr lang="en-US" smtClean="0"/>
-              <a:t>5/10/17</a:t>
+              <a:t>5/12/17</a:t>
             </a:fld>
             <a:endParaRPr lang="en-US"/>
           </a:p>
@@ -13407,14 +13407,14 @@
           <a:p>
             <a:pPr algn="ctr"/>
             <a:r>
-              <a:rPr lang="en-US" sz="1400" dirty="0" smtClean="0">
+              <a:rPr lang="en-US" sz="1200" dirty="0" smtClean="0">
                 <a:solidFill>
                   <a:schemeClr val="tx1"/>
                 </a:solidFill>
               </a:rPr>
-              <a:t>IA</a:t>
+              <a:t>MIA</a:t>
             </a:r>
-            <a:endParaRPr lang="en-US" sz="1400" dirty="0">
+            <a:endParaRPr lang="en-US" sz="1200" dirty="0">
               <a:solidFill>
                 <a:schemeClr val="tx1"/>
               </a:solidFill>
@@ -13761,7 +13761,7 @@
                   <a:schemeClr val="tx1"/>
                 </a:solidFill>
               </a:rPr>
-              <a:t>MSCH</a:t>
+              <a:t>MIAH</a:t>
             </a:r>
             <a:endParaRPr lang="en-US" sz="800" dirty="0">
               <a:solidFill>

--- a/figures/figures.pptx
+++ b/figures/figures.pptx
@@ -4,17 +4,21 @@
   <p:sldMasterIdLst>
     <p:sldMasterId id="2147483648" r:id="rId1"/>
   </p:sldMasterIdLst>
+  <p:notesMasterIdLst>
+    <p:notesMasterId r:id="rId13"/>
+  </p:notesMasterIdLst>
   <p:sldIdLst>
-    <p:sldId id="258" r:id="rId2"/>
-    <p:sldId id="259" r:id="rId3"/>
-    <p:sldId id="261" r:id="rId4"/>
-    <p:sldId id="267" r:id="rId5"/>
-    <p:sldId id="260" r:id="rId6"/>
-    <p:sldId id="262" r:id="rId7"/>
-    <p:sldId id="263" r:id="rId8"/>
-    <p:sldId id="264" r:id="rId9"/>
-    <p:sldId id="265" r:id="rId10"/>
-    <p:sldId id="266" r:id="rId11"/>
+    <p:sldId id="268" r:id="rId2"/>
+    <p:sldId id="258" r:id="rId3"/>
+    <p:sldId id="259" r:id="rId4"/>
+    <p:sldId id="261" r:id="rId5"/>
+    <p:sldId id="267" r:id="rId6"/>
+    <p:sldId id="260" r:id="rId7"/>
+    <p:sldId id="262" r:id="rId8"/>
+    <p:sldId id="263" r:id="rId9"/>
+    <p:sldId id="264" r:id="rId10"/>
+    <p:sldId id="265" r:id="rId11"/>
+    <p:sldId id="266" r:id="rId12"/>
   </p:sldIdLst>
   <p:sldSz cx="12192000" cy="6858000"/>
   <p:notesSz cx="6858000" cy="9144000"/>
@@ -2708,8 +2712,8 @@
     <dgm:cxn modelId="{C819FC94-FBFE-E34A-A327-4A27395151CD}" type="presOf" srcId="{486F902B-586B-8044-9F9C-0B0AEA8029F9}" destId="{FF12BBB7-C98F-004B-97D1-6F33A956F885}" srcOrd="0" destOrd="0" presId="urn:microsoft.com/office/officeart/2005/8/layout/process1"/>
     <dgm:cxn modelId="{6FE90E6E-3041-9640-856C-0F56175D90F8}" type="presOf" srcId="{B170FB99-8909-414F-A4FC-4553DD906590}" destId="{E73AAB45-BA46-5E42-A3FA-3E92D321988C}" srcOrd="1" destOrd="0" presId="urn:microsoft.com/office/officeart/2005/8/layout/process1"/>
     <dgm:cxn modelId="{BB304414-4573-A945-A6B9-D92B37E06E0E}" srcId="{DE49E2BA-261B-EC46-BAF7-6B78BDB6F06F}" destId="{801AFE1A-416D-E74C-BBFD-557415AE0194}" srcOrd="2" destOrd="0" parTransId="{2727C292-B037-A740-B806-A17CA3BCFCD5}" sibTransId="{533BC168-BC76-C14E-8694-1DC3B6CF54C5}"/>
+    <dgm:cxn modelId="{2F6EDDF8-1A52-CA4F-AC56-E7B813883AFC}" srcId="{DE49E2BA-261B-EC46-BAF7-6B78BDB6F06F}" destId="{5EDB0D77-09F0-0C4F-B332-E852A176F79A}" srcOrd="0" destOrd="0" parTransId="{6905B776-7DF3-2743-A7A0-DC627995A528}" sibTransId="{486F902B-586B-8044-9F9C-0B0AEA8029F9}"/>
     <dgm:cxn modelId="{FC07CA1A-5A89-A34B-BC81-B07378114F9A}" type="presOf" srcId="{9887AAD4-671C-2243-B23F-6F6D102A4012}" destId="{BB567044-1BE6-FA4E-BC0C-29580823B6FB}" srcOrd="0" destOrd="0" presId="urn:microsoft.com/office/officeart/2005/8/layout/process1"/>
-    <dgm:cxn modelId="{2F6EDDF8-1A52-CA4F-AC56-E7B813883AFC}" srcId="{DE49E2BA-261B-EC46-BAF7-6B78BDB6F06F}" destId="{5EDB0D77-09F0-0C4F-B332-E852A176F79A}" srcOrd="0" destOrd="0" parTransId="{6905B776-7DF3-2743-A7A0-DC627995A528}" sibTransId="{486F902B-586B-8044-9F9C-0B0AEA8029F9}"/>
     <dgm:cxn modelId="{80CF1ADA-AC03-0246-A9C5-2573A6852BB1}" type="presParOf" srcId="{4A554E7B-4565-9144-9E8A-ED84F42D6595}" destId="{E324EA71-C9AB-2943-812E-646AB1B31125}" srcOrd="0" destOrd="0" presId="urn:microsoft.com/office/officeart/2005/8/layout/process1"/>
     <dgm:cxn modelId="{0B8E1EEA-F683-5E42-8906-DD23252128BF}" type="presParOf" srcId="{4A554E7B-4565-9144-9E8A-ED84F42D6595}" destId="{FF12BBB7-C98F-004B-97D1-6F33A956F885}" srcOrd="1" destOrd="0" presId="urn:microsoft.com/office/officeart/2005/8/layout/process1"/>
     <dgm:cxn modelId="{56C9F803-799C-3147-830A-E0A956C21914}" type="presParOf" srcId="{FF12BBB7-C98F-004B-97D1-6F33A956F885}" destId="{93205773-7419-ED4D-91F8-2A24298BF005}" srcOrd="0" destOrd="0" presId="urn:microsoft.com/office/officeart/2005/8/layout/process1"/>
@@ -6927,6 +6931,440 @@
 </dgm:styleDef>
 </file>
 
+<file path=ppt/notesMasters/notesMaster1.xml><?xml version="1.0" encoding="utf-8"?>
+<p:notesMaster xmlns:a="http://schemas.openxmlformats.org/drawingml/2006/main" xmlns:r="http://schemas.openxmlformats.org/officeDocument/2006/relationships" xmlns:p="http://schemas.openxmlformats.org/presentationml/2006/main">
+  <p:cSld>
+    <p:bg>
+      <p:bgRef idx="1001">
+        <a:schemeClr val="bg1"/>
+      </p:bgRef>
+    </p:bg>
+    <p:spTree>
+      <p:nvGrpSpPr>
+        <p:cNvPr id="1" name=""/>
+        <p:cNvGrpSpPr/>
+        <p:nvPr/>
+      </p:nvGrpSpPr>
+      <p:grpSpPr>
+        <a:xfrm>
+          <a:off x="0" y="0"/>
+          <a:ext cx="0" cy="0"/>
+          <a:chOff x="0" y="0"/>
+          <a:chExt cx="0" cy="0"/>
+        </a:xfrm>
+      </p:grpSpPr>
+      <p:sp>
+        <p:nvSpPr>
+          <p:cNvPr id="2" name="Header Placeholder 1"/>
+          <p:cNvSpPr>
+            <a:spLocks noGrp="1"/>
+          </p:cNvSpPr>
+          <p:nvPr>
+            <p:ph type="hdr" sz="quarter"/>
+          </p:nvPr>
+        </p:nvSpPr>
+        <p:spPr>
+          <a:xfrm>
+            <a:off x="0" y="0"/>
+            <a:ext cx="2971800" cy="458788"/>
+          </a:xfrm>
+          <a:prstGeom prst="rect">
+            <a:avLst/>
+          </a:prstGeom>
+        </p:spPr>
+        <p:txBody>
+          <a:bodyPr vert="horz" lIns="91440" tIns="45720" rIns="91440" bIns="45720" rtlCol="0"/>
+          <a:lstStyle>
+            <a:lvl1pPr algn="l">
+              <a:defRPr sz="1200"/>
+            </a:lvl1pPr>
+          </a:lstStyle>
+          <a:p>
+            <a:endParaRPr lang="en-US"/>
+          </a:p>
+        </p:txBody>
+      </p:sp>
+      <p:sp>
+        <p:nvSpPr>
+          <p:cNvPr id="3" name="Date Placeholder 2"/>
+          <p:cNvSpPr>
+            <a:spLocks noGrp="1"/>
+          </p:cNvSpPr>
+          <p:nvPr>
+            <p:ph type="dt" idx="1"/>
+          </p:nvPr>
+        </p:nvSpPr>
+        <p:spPr>
+          <a:xfrm>
+            <a:off x="3884613" y="0"/>
+            <a:ext cx="2971800" cy="458788"/>
+          </a:xfrm>
+          <a:prstGeom prst="rect">
+            <a:avLst/>
+          </a:prstGeom>
+        </p:spPr>
+        <p:txBody>
+          <a:bodyPr vert="horz" lIns="91440" tIns="45720" rIns="91440" bIns="45720" rtlCol="0"/>
+          <a:lstStyle>
+            <a:lvl1pPr algn="r">
+              <a:defRPr sz="1200"/>
+            </a:lvl1pPr>
+          </a:lstStyle>
+          <a:p>
+            <a:fld id="{435F5122-36F6-8A43-9FB8-2C7E079D8491}" type="datetimeFigureOut">
+              <a:rPr lang="en-US" smtClean="0"/>
+              <a:t>5/17/17</a:t>
+            </a:fld>
+            <a:endParaRPr lang="en-US"/>
+          </a:p>
+        </p:txBody>
+      </p:sp>
+      <p:sp>
+        <p:nvSpPr>
+          <p:cNvPr id="4" name="Slide Image Placeholder 3"/>
+          <p:cNvSpPr>
+            <a:spLocks noGrp="1" noRot="1" noChangeAspect="1"/>
+          </p:cNvSpPr>
+          <p:nvPr>
+            <p:ph type="sldImg" idx="2"/>
+          </p:nvPr>
+        </p:nvSpPr>
+        <p:spPr>
+          <a:xfrm>
+            <a:off x="685800" y="1143000"/>
+            <a:ext cx="5486400" cy="3086100"/>
+          </a:xfrm>
+          <a:prstGeom prst="rect">
+            <a:avLst/>
+          </a:prstGeom>
+          <a:noFill/>
+          <a:ln w="12700">
+            <a:solidFill>
+              <a:prstClr val="black"/>
+            </a:solidFill>
+          </a:ln>
+        </p:spPr>
+        <p:txBody>
+          <a:bodyPr vert="horz" lIns="91440" tIns="45720" rIns="91440" bIns="45720" rtlCol="0" anchor="ctr"/>
+          <a:lstStyle/>
+          <a:p>
+            <a:endParaRPr lang="en-US"/>
+          </a:p>
+        </p:txBody>
+      </p:sp>
+      <p:sp>
+        <p:nvSpPr>
+          <p:cNvPr id="5" name="Notes Placeholder 4"/>
+          <p:cNvSpPr>
+            <a:spLocks noGrp="1"/>
+          </p:cNvSpPr>
+          <p:nvPr>
+            <p:ph type="body" sz="quarter" idx="3"/>
+          </p:nvPr>
+        </p:nvSpPr>
+        <p:spPr>
+          <a:xfrm>
+            <a:off x="685800" y="4400550"/>
+            <a:ext cx="5486400" cy="3600450"/>
+          </a:xfrm>
+          <a:prstGeom prst="rect">
+            <a:avLst/>
+          </a:prstGeom>
+        </p:spPr>
+        <p:txBody>
+          <a:bodyPr vert="horz" lIns="91440" tIns="45720" rIns="91440" bIns="45720" rtlCol="0"/>
+          <a:lstStyle/>
+          <a:p>
+            <a:pPr lvl="0"/>
+            <a:r>
+              <a:rPr lang="en-US" smtClean="0"/>
+              <a:t>Click to edit Master text styles</a:t>
+            </a:r>
+          </a:p>
+          <a:p>
+            <a:pPr lvl="1"/>
+            <a:r>
+              <a:rPr lang="en-US" smtClean="0"/>
+              <a:t>Second level</a:t>
+            </a:r>
+          </a:p>
+          <a:p>
+            <a:pPr lvl="2"/>
+            <a:r>
+              <a:rPr lang="en-US" smtClean="0"/>
+              <a:t>Third level</a:t>
+            </a:r>
+          </a:p>
+          <a:p>
+            <a:pPr lvl="3"/>
+            <a:r>
+              <a:rPr lang="en-US" smtClean="0"/>
+              <a:t>Fourth level</a:t>
+            </a:r>
+          </a:p>
+          <a:p>
+            <a:pPr lvl="4"/>
+            <a:r>
+              <a:rPr lang="en-US" smtClean="0"/>
+              <a:t>Fifth level</a:t>
+            </a:r>
+            <a:endParaRPr lang="en-US"/>
+          </a:p>
+        </p:txBody>
+      </p:sp>
+      <p:sp>
+        <p:nvSpPr>
+          <p:cNvPr id="6" name="Footer Placeholder 5"/>
+          <p:cNvSpPr>
+            <a:spLocks noGrp="1"/>
+          </p:cNvSpPr>
+          <p:nvPr>
+            <p:ph type="ftr" sz="quarter" idx="4"/>
+          </p:nvPr>
+        </p:nvSpPr>
+        <p:spPr>
+          <a:xfrm>
+            <a:off x="0" y="8685213"/>
+            <a:ext cx="2971800" cy="458787"/>
+          </a:xfrm>
+          <a:prstGeom prst="rect">
+            <a:avLst/>
+          </a:prstGeom>
+        </p:spPr>
+        <p:txBody>
+          <a:bodyPr vert="horz" lIns="91440" tIns="45720" rIns="91440" bIns="45720" rtlCol="0" anchor="b"/>
+          <a:lstStyle>
+            <a:lvl1pPr algn="l">
+              <a:defRPr sz="1200"/>
+            </a:lvl1pPr>
+          </a:lstStyle>
+          <a:p>
+            <a:endParaRPr lang="en-US"/>
+          </a:p>
+        </p:txBody>
+      </p:sp>
+      <p:sp>
+        <p:nvSpPr>
+          <p:cNvPr id="7" name="Slide Number Placeholder 6"/>
+          <p:cNvSpPr>
+            <a:spLocks noGrp="1"/>
+          </p:cNvSpPr>
+          <p:nvPr>
+            <p:ph type="sldNum" sz="quarter" idx="5"/>
+          </p:nvPr>
+        </p:nvSpPr>
+        <p:spPr>
+          <a:xfrm>
+            <a:off x="3884613" y="8685213"/>
+            <a:ext cx="2971800" cy="458787"/>
+          </a:xfrm>
+          <a:prstGeom prst="rect">
+            <a:avLst/>
+          </a:prstGeom>
+        </p:spPr>
+        <p:txBody>
+          <a:bodyPr vert="horz" lIns="91440" tIns="45720" rIns="91440" bIns="45720" rtlCol="0" anchor="b"/>
+          <a:lstStyle>
+            <a:lvl1pPr algn="r">
+              <a:defRPr sz="1200"/>
+            </a:lvl1pPr>
+          </a:lstStyle>
+          <a:p>
+            <a:fld id="{8BF7F935-FD4C-CB45-A86D-61231B852FF5}" type="slidenum">
+              <a:rPr lang="en-US" smtClean="0"/>
+              <a:t>‹#›</a:t>
+            </a:fld>
+            <a:endParaRPr lang="en-US"/>
+          </a:p>
+        </p:txBody>
+      </p:sp>
+    </p:spTree>
+    <p:extLst>
+      <p:ext uri="{BB962C8B-B14F-4D97-AF65-F5344CB8AC3E}">
+        <p14:creationId xmlns:p14="http://schemas.microsoft.com/office/powerpoint/2010/main" val="556463899"/>
+      </p:ext>
+    </p:extLst>
+  </p:cSld>
+  <p:clrMap bg1="lt1" tx1="dk1" bg2="lt2" tx2="dk2" accent1="accent1" accent2="accent2" accent3="accent3" accent4="accent4" accent5="accent5" accent6="accent6" hlink="hlink" folHlink="folHlink"/>
+  <p:notesStyle>
+    <a:lvl1pPr marL="0" algn="l" defTabSz="914400" rtl="0" eaLnBrk="1" latinLnBrk="0" hangingPunct="1">
+      <a:defRPr sz="1200" kern="1200">
+        <a:solidFill>
+          <a:schemeClr val="tx1"/>
+        </a:solidFill>
+        <a:latin typeface="+mn-lt"/>
+        <a:ea typeface="+mn-ea"/>
+        <a:cs typeface="+mn-cs"/>
+      </a:defRPr>
+    </a:lvl1pPr>
+    <a:lvl2pPr marL="457200" algn="l" defTabSz="914400" rtl="0" eaLnBrk="1" latinLnBrk="0" hangingPunct="1">
+      <a:defRPr sz="1200" kern="1200">
+        <a:solidFill>
+          <a:schemeClr val="tx1"/>
+        </a:solidFill>
+        <a:latin typeface="+mn-lt"/>
+        <a:ea typeface="+mn-ea"/>
+        <a:cs typeface="+mn-cs"/>
+      </a:defRPr>
+    </a:lvl2pPr>
+    <a:lvl3pPr marL="914400" algn="l" defTabSz="914400" rtl="0" eaLnBrk="1" latinLnBrk="0" hangingPunct="1">
+      <a:defRPr sz="1200" kern="1200">
+        <a:solidFill>
+          <a:schemeClr val="tx1"/>
+        </a:solidFill>
+        <a:latin typeface="+mn-lt"/>
+        <a:ea typeface="+mn-ea"/>
+        <a:cs typeface="+mn-cs"/>
+      </a:defRPr>
+    </a:lvl3pPr>
+    <a:lvl4pPr marL="1371600" algn="l" defTabSz="914400" rtl="0" eaLnBrk="1" latinLnBrk="0" hangingPunct="1">
+      <a:defRPr sz="1200" kern="1200">
+        <a:solidFill>
+          <a:schemeClr val="tx1"/>
+        </a:solidFill>
+        <a:latin typeface="+mn-lt"/>
+        <a:ea typeface="+mn-ea"/>
+        <a:cs typeface="+mn-cs"/>
+      </a:defRPr>
+    </a:lvl4pPr>
+    <a:lvl5pPr marL="1828800" algn="l" defTabSz="914400" rtl="0" eaLnBrk="1" latinLnBrk="0" hangingPunct="1">
+      <a:defRPr sz="1200" kern="1200">
+        <a:solidFill>
+          <a:schemeClr val="tx1"/>
+        </a:solidFill>
+        <a:latin typeface="+mn-lt"/>
+        <a:ea typeface="+mn-ea"/>
+        <a:cs typeface="+mn-cs"/>
+      </a:defRPr>
+    </a:lvl5pPr>
+    <a:lvl6pPr marL="2286000" algn="l" defTabSz="914400" rtl="0" eaLnBrk="1" latinLnBrk="0" hangingPunct="1">
+      <a:defRPr sz="1200" kern="1200">
+        <a:solidFill>
+          <a:schemeClr val="tx1"/>
+        </a:solidFill>
+        <a:latin typeface="+mn-lt"/>
+        <a:ea typeface="+mn-ea"/>
+        <a:cs typeface="+mn-cs"/>
+      </a:defRPr>
+    </a:lvl6pPr>
+    <a:lvl7pPr marL="2743200" algn="l" defTabSz="914400" rtl="0" eaLnBrk="1" latinLnBrk="0" hangingPunct="1">
+      <a:defRPr sz="1200" kern="1200">
+        <a:solidFill>
+          <a:schemeClr val="tx1"/>
+        </a:solidFill>
+        <a:latin typeface="+mn-lt"/>
+        <a:ea typeface="+mn-ea"/>
+        <a:cs typeface="+mn-cs"/>
+      </a:defRPr>
+    </a:lvl7pPr>
+    <a:lvl8pPr marL="3200400" algn="l" defTabSz="914400" rtl="0" eaLnBrk="1" latinLnBrk="0" hangingPunct="1">
+      <a:defRPr sz="1200" kern="1200">
+        <a:solidFill>
+          <a:schemeClr val="tx1"/>
+        </a:solidFill>
+        <a:latin typeface="+mn-lt"/>
+        <a:ea typeface="+mn-ea"/>
+        <a:cs typeface="+mn-cs"/>
+      </a:defRPr>
+    </a:lvl8pPr>
+    <a:lvl9pPr marL="3657600" algn="l" defTabSz="914400" rtl="0" eaLnBrk="1" latinLnBrk="0" hangingPunct="1">
+      <a:defRPr sz="1200" kern="1200">
+        <a:solidFill>
+          <a:schemeClr val="tx1"/>
+        </a:solidFill>
+        <a:latin typeface="+mn-lt"/>
+        <a:ea typeface="+mn-ea"/>
+        <a:cs typeface="+mn-cs"/>
+      </a:defRPr>
+    </a:lvl9pPr>
+  </p:notesStyle>
+</p:notesMaster>
+</file>
+
+<file path=ppt/notesSlides/notesSlide1.xml><?xml version="1.0" encoding="utf-8"?>
+<p:notes xmlns:a="http://schemas.openxmlformats.org/drawingml/2006/main" xmlns:r="http://schemas.openxmlformats.org/officeDocument/2006/relationships" xmlns:p="http://schemas.openxmlformats.org/presentationml/2006/main">
+  <p:cSld>
+    <p:spTree>
+      <p:nvGrpSpPr>
+        <p:cNvPr id="1" name=""/>
+        <p:cNvGrpSpPr/>
+        <p:nvPr/>
+      </p:nvGrpSpPr>
+      <p:grpSpPr>
+        <a:xfrm>
+          <a:off x="0" y="0"/>
+          <a:ext cx="0" cy="0"/>
+          <a:chOff x="0" y="0"/>
+          <a:chExt cx="0" cy="0"/>
+        </a:xfrm>
+      </p:grpSpPr>
+      <p:sp>
+        <p:nvSpPr>
+          <p:cNvPr id="2" name="Slide Image Placeholder 1"/>
+          <p:cNvSpPr>
+            <a:spLocks noGrp="1" noRot="1" noChangeAspect="1"/>
+          </p:cNvSpPr>
+          <p:nvPr>
+            <p:ph type="sldImg"/>
+          </p:nvPr>
+        </p:nvSpPr>
+        <p:spPr/>
+      </p:sp>
+      <p:sp>
+        <p:nvSpPr>
+          <p:cNvPr id="3" name="Notes Placeholder 2"/>
+          <p:cNvSpPr>
+            <a:spLocks noGrp="1"/>
+          </p:cNvSpPr>
+          <p:nvPr>
+            <p:ph type="body" idx="1"/>
+          </p:nvPr>
+        </p:nvSpPr>
+        <p:spPr/>
+        <p:txBody>
+          <a:bodyPr/>
+          <a:lstStyle/>
+          <a:p>
+            <a:endParaRPr lang="en-US" dirty="0"/>
+          </a:p>
+        </p:txBody>
+      </p:sp>
+      <p:sp>
+        <p:nvSpPr>
+          <p:cNvPr id="4" name="Slide Number Placeholder 3"/>
+          <p:cNvSpPr>
+            <a:spLocks noGrp="1"/>
+          </p:cNvSpPr>
+          <p:nvPr>
+            <p:ph type="sldNum" sz="quarter" idx="10"/>
+          </p:nvPr>
+        </p:nvSpPr>
+        <p:spPr/>
+        <p:txBody>
+          <a:bodyPr/>
+          <a:lstStyle/>
+          <a:p>
+            <a:fld id="{8BF7F935-FD4C-CB45-A86D-61231B852FF5}" type="slidenum">
+              <a:rPr lang="en-US" smtClean="0"/>
+              <a:t>1</a:t>
+            </a:fld>
+            <a:endParaRPr lang="en-US"/>
+          </a:p>
+        </p:txBody>
+      </p:sp>
+    </p:spTree>
+    <p:extLst>
+      <p:ext uri="{BB962C8B-B14F-4D97-AF65-F5344CB8AC3E}">
+        <p14:creationId xmlns:p14="http://schemas.microsoft.com/office/powerpoint/2010/main" val="197467808"/>
+      </p:ext>
+    </p:extLst>
+  </p:cSld>
+  <p:clrMapOvr>
+    <a:masterClrMapping/>
+  </p:clrMapOvr>
+</p:notes>
+</file>
+
 <file path=ppt/slideLayouts/slideLayout1.xml><?xml version="1.0" encoding="utf-8"?>
 <p:sldLayout xmlns:a="http://schemas.openxmlformats.org/drawingml/2006/main" xmlns:r="http://schemas.openxmlformats.org/officeDocument/2006/relationships" xmlns:p="http://schemas.openxmlformats.org/presentationml/2006/main" type="title" preserve="1">
   <p:cSld name="Title Slide">
@@ -7058,7 +7496,7 @@
           <a:p>
             <a:fld id="{0B81B261-3E97-594D-92FE-9F195E76D39F}" type="datetimeFigureOut">
               <a:rPr lang="en-US" smtClean="0"/>
-              <a:t>5/12/17</a:t>
+              <a:t>5/17/17</a:t>
             </a:fld>
             <a:endParaRPr lang="en-US"/>
           </a:p>
@@ -7228,7 +7666,7 @@
           <a:p>
             <a:fld id="{0B81B261-3E97-594D-92FE-9F195E76D39F}" type="datetimeFigureOut">
               <a:rPr lang="en-US" smtClean="0"/>
-              <a:t>5/12/17</a:t>
+              <a:t>5/17/17</a:t>
             </a:fld>
             <a:endParaRPr lang="en-US"/>
           </a:p>
@@ -7408,7 +7846,7 @@
           <a:p>
             <a:fld id="{0B81B261-3E97-594D-92FE-9F195E76D39F}" type="datetimeFigureOut">
               <a:rPr lang="en-US" smtClean="0"/>
-              <a:t>5/12/17</a:t>
+              <a:t>5/17/17</a:t>
             </a:fld>
             <a:endParaRPr lang="en-US"/>
           </a:p>
@@ -7578,7 +8016,7 @@
           <a:p>
             <a:fld id="{0B81B261-3E97-594D-92FE-9F195E76D39F}" type="datetimeFigureOut">
               <a:rPr lang="en-US" smtClean="0"/>
-              <a:t>5/12/17</a:t>
+              <a:t>5/17/17</a:t>
             </a:fld>
             <a:endParaRPr lang="en-US"/>
           </a:p>
@@ -7824,7 +8262,7 @@
           <a:p>
             <a:fld id="{0B81B261-3E97-594D-92FE-9F195E76D39F}" type="datetimeFigureOut">
               <a:rPr lang="en-US" smtClean="0"/>
-              <a:t>5/12/17</a:t>
+              <a:t>5/17/17</a:t>
             </a:fld>
             <a:endParaRPr lang="en-US"/>
           </a:p>
@@ -8056,7 +8494,7 @@
           <a:p>
             <a:fld id="{0B81B261-3E97-594D-92FE-9F195E76D39F}" type="datetimeFigureOut">
               <a:rPr lang="en-US" smtClean="0"/>
-              <a:t>5/12/17</a:t>
+              <a:t>5/17/17</a:t>
             </a:fld>
             <a:endParaRPr lang="en-US"/>
           </a:p>
@@ -8423,7 +8861,7 @@
           <a:p>
             <a:fld id="{0B81B261-3E97-594D-92FE-9F195E76D39F}" type="datetimeFigureOut">
               <a:rPr lang="en-US" smtClean="0"/>
-              <a:t>5/12/17</a:t>
+              <a:t>5/17/17</a:t>
             </a:fld>
             <a:endParaRPr lang="en-US"/>
           </a:p>
@@ -8541,7 +8979,7 @@
           <a:p>
             <a:fld id="{0B81B261-3E97-594D-92FE-9F195E76D39F}" type="datetimeFigureOut">
               <a:rPr lang="en-US" smtClean="0"/>
-              <a:t>5/12/17</a:t>
+              <a:t>5/17/17</a:t>
             </a:fld>
             <a:endParaRPr lang="en-US"/>
           </a:p>
@@ -8636,7 +9074,7 @@
           <a:p>
             <a:fld id="{0B81B261-3E97-594D-92FE-9F195E76D39F}" type="datetimeFigureOut">
               <a:rPr lang="en-US" smtClean="0"/>
-              <a:t>5/12/17</a:t>
+              <a:t>5/17/17</a:t>
             </a:fld>
             <a:endParaRPr lang="en-US"/>
           </a:p>
@@ -8913,7 +9351,7 @@
           <a:p>
             <a:fld id="{0B81B261-3E97-594D-92FE-9F195E76D39F}" type="datetimeFigureOut">
               <a:rPr lang="en-US" smtClean="0"/>
-              <a:t>5/12/17</a:t>
+              <a:t>5/17/17</a:t>
             </a:fld>
             <a:endParaRPr lang="en-US"/>
           </a:p>
@@ -9166,7 +9604,7 @@
           <a:p>
             <a:fld id="{0B81B261-3E97-594D-92FE-9F195E76D39F}" type="datetimeFigureOut">
               <a:rPr lang="en-US" smtClean="0"/>
-              <a:t>5/12/17</a:t>
+              <a:t>5/17/17</a:t>
             </a:fld>
             <a:endParaRPr lang="en-US"/>
           </a:p>
@@ -9379,7 +9817,7 @@
           <a:p>
             <a:fld id="{0B81B261-3E97-594D-92FE-9F195E76D39F}" type="datetimeFigureOut">
               <a:rPr lang="en-US" smtClean="0"/>
-              <a:t>5/12/17</a:t>
+              <a:t>5/17/17</a:t>
             </a:fld>
             <a:endParaRPr lang="en-US"/>
           </a:p>
@@ -9786,6 +10224,2884 @@
       </p:grpSpPr>
       <p:sp>
         <p:nvSpPr>
+          <p:cNvPr id="4" name="Oval 3"/>
+          <p:cNvSpPr/>
+          <p:nvPr/>
+        </p:nvSpPr>
+        <p:spPr>
+          <a:xfrm>
+            <a:off x="1596594" y="1475344"/>
+            <a:ext cx="641131" cy="641131"/>
+          </a:xfrm>
+          <a:prstGeom prst="ellipse">
+            <a:avLst/>
+          </a:prstGeom>
+        </p:spPr>
+        <p:style>
+          <a:lnRef idx="2">
+            <a:schemeClr val="accent1">
+              <a:shade val="50000"/>
+            </a:schemeClr>
+          </a:lnRef>
+          <a:fillRef idx="1">
+            <a:schemeClr val="accent1"/>
+          </a:fillRef>
+          <a:effectRef idx="0">
+            <a:schemeClr val="accent1"/>
+          </a:effectRef>
+          <a:fontRef idx="minor">
+            <a:schemeClr val="lt1"/>
+          </a:fontRef>
+        </p:style>
+        <p:txBody>
+          <a:bodyPr rtlCol="0" anchor="ctr"/>
+          <a:lstStyle/>
+          <a:p>
+            <a:pPr algn="ctr"/>
+            <a:endParaRPr lang="en-US" sz="3200" dirty="0"/>
+          </a:p>
+        </p:txBody>
+      </p:sp>
+      <p:sp>
+        <p:nvSpPr>
+          <p:cNvPr id="5" name="Oval 4"/>
+          <p:cNvSpPr/>
+          <p:nvPr/>
+        </p:nvSpPr>
+        <p:spPr>
+          <a:xfrm>
+            <a:off x="291930" y="4413342"/>
+            <a:ext cx="641131" cy="641131"/>
+          </a:xfrm>
+          <a:prstGeom prst="ellipse">
+            <a:avLst/>
+          </a:prstGeom>
+          <a:solidFill>
+            <a:srgbClr val="FF0000"/>
+          </a:solidFill>
+        </p:spPr>
+        <p:style>
+          <a:lnRef idx="2">
+            <a:schemeClr val="accent1">
+              <a:shade val="50000"/>
+            </a:schemeClr>
+          </a:lnRef>
+          <a:fillRef idx="1">
+            <a:schemeClr val="accent1"/>
+          </a:fillRef>
+          <a:effectRef idx="0">
+            <a:schemeClr val="accent1"/>
+          </a:effectRef>
+          <a:fontRef idx="minor">
+            <a:schemeClr val="lt1"/>
+          </a:fontRef>
+        </p:style>
+        <p:txBody>
+          <a:bodyPr rtlCol="0" anchor="ctr"/>
+          <a:lstStyle/>
+          <a:p>
+            <a:pPr algn="ctr"/>
+            <a:endParaRPr lang="en-US" sz="3200" dirty="0"/>
+          </a:p>
+        </p:txBody>
+      </p:sp>
+      <p:sp>
+        <p:nvSpPr>
+          <p:cNvPr id="6" name="Oval 5"/>
+          <p:cNvSpPr/>
+          <p:nvPr/>
+        </p:nvSpPr>
+        <p:spPr>
+          <a:xfrm>
+            <a:off x="1596255" y="2373452"/>
+            <a:ext cx="641131" cy="641131"/>
+          </a:xfrm>
+          <a:prstGeom prst="ellipse">
+            <a:avLst/>
+          </a:prstGeom>
+          <a:solidFill>
+            <a:srgbClr val="00B050"/>
+          </a:solidFill>
+        </p:spPr>
+        <p:style>
+          <a:lnRef idx="2">
+            <a:schemeClr val="accent1">
+              <a:shade val="50000"/>
+            </a:schemeClr>
+          </a:lnRef>
+          <a:fillRef idx="1">
+            <a:schemeClr val="accent1"/>
+          </a:fillRef>
+          <a:effectRef idx="0">
+            <a:schemeClr val="accent1"/>
+          </a:effectRef>
+          <a:fontRef idx="minor">
+            <a:schemeClr val="lt1"/>
+          </a:fontRef>
+        </p:style>
+        <p:txBody>
+          <a:bodyPr rtlCol="0" anchor="ctr"/>
+          <a:lstStyle/>
+          <a:p>
+            <a:pPr algn="ctr"/>
+            <a:endParaRPr lang="en-US" sz="3200" dirty="0"/>
+          </a:p>
+        </p:txBody>
+      </p:sp>
+      <p:sp>
+        <p:nvSpPr>
+          <p:cNvPr id="7" name="Oval 6"/>
+          <p:cNvSpPr/>
+          <p:nvPr/>
+        </p:nvSpPr>
+        <p:spPr>
+          <a:xfrm>
+            <a:off x="2324137" y="3742361"/>
+            <a:ext cx="641131" cy="641131"/>
+          </a:xfrm>
+          <a:prstGeom prst="ellipse">
+            <a:avLst/>
+          </a:prstGeom>
+          <a:solidFill>
+            <a:schemeClr val="accent2"/>
+          </a:solidFill>
+        </p:spPr>
+        <p:style>
+          <a:lnRef idx="2">
+            <a:schemeClr val="accent1">
+              <a:shade val="50000"/>
+            </a:schemeClr>
+          </a:lnRef>
+          <a:fillRef idx="1">
+            <a:schemeClr val="accent1"/>
+          </a:fillRef>
+          <a:effectRef idx="0">
+            <a:schemeClr val="accent1"/>
+          </a:effectRef>
+          <a:fontRef idx="minor">
+            <a:schemeClr val="lt1"/>
+          </a:fontRef>
+        </p:style>
+        <p:txBody>
+          <a:bodyPr rtlCol="0" anchor="ctr"/>
+          <a:lstStyle/>
+          <a:p>
+            <a:pPr algn="ctr"/>
+            <a:endParaRPr lang="en-US" sz="3200" dirty="0"/>
+          </a:p>
+        </p:txBody>
+      </p:sp>
+      <p:cxnSp>
+        <p:nvCxnSpPr>
+          <p:cNvPr id="9" name="Straight Arrow Connector 8"/>
+          <p:cNvCxnSpPr>
+            <a:stCxn id="4" idx="4"/>
+            <a:endCxn id="6" idx="0"/>
+          </p:cNvCxnSpPr>
+          <p:nvPr/>
+        </p:nvCxnSpPr>
+        <p:spPr>
+          <a:xfrm flipH="1">
+            <a:off x="1916821" y="2116475"/>
+            <a:ext cx="339" cy="256977"/>
+          </a:xfrm>
+          <a:prstGeom prst="straightConnector1">
+            <a:avLst/>
+          </a:prstGeom>
+          <a:ln w="38100">
+            <a:solidFill>
+              <a:srgbClr val="FF0000"/>
+            </a:solidFill>
+            <a:tailEnd type="triangle"/>
+          </a:ln>
+        </p:spPr>
+        <p:style>
+          <a:lnRef idx="1">
+            <a:schemeClr val="accent1"/>
+          </a:lnRef>
+          <a:fillRef idx="0">
+            <a:schemeClr val="accent1"/>
+          </a:fillRef>
+          <a:effectRef idx="0">
+            <a:schemeClr val="accent1"/>
+          </a:effectRef>
+          <a:fontRef idx="minor">
+            <a:schemeClr val="tx1"/>
+          </a:fontRef>
+        </p:style>
+      </p:cxnSp>
+      <p:cxnSp>
+        <p:nvCxnSpPr>
+          <p:cNvPr id="10" name="Straight Arrow Connector 9"/>
+          <p:cNvCxnSpPr>
+            <a:stCxn id="4" idx="3"/>
+            <a:endCxn id="5" idx="0"/>
+          </p:cNvCxnSpPr>
+          <p:nvPr/>
+        </p:nvCxnSpPr>
+        <p:spPr>
+          <a:xfrm flipH="1">
+            <a:off x="612496" y="2022584"/>
+            <a:ext cx="1077989" cy="2390758"/>
+          </a:xfrm>
+          <a:prstGeom prst="straightConnector1">
+            <a:avLst/>
+          </a:prstGeom>
+          <a:ln w="38100">
+            <a:solidFill>
+              <a:srgbClr val="FF0000"/>
+            </a:solidFill>
+            <a:tailEnd type="triangle"/>
+          </a:ln>
+        </p:spPr>
+        <p:style>
+          <a:lnRef idx="1">
+            <a:schemeClr val="accent1"/>
+          </a:lnRef>
+          <a:fillRef idx="0">
+            <a:schemeClr val="accent1"/>
+          </a:fillRef>
+          <a:effectRef idx="0">
+            <a:schemeClr val="accent1"/>
+          </a:effectRef>
+          <a:fontRef idx="minor">
+            <a:schemeClr val="tx1"/>
+          </a:fontRef>
+        </p:style>
+      </p:cxnSp>
+      <p:cxnSp>
+        <p:nvCxnSpPr>
+          <p:cNvPr id="13" name="Straight Arrow Connector 12"/>
+          <p:cNvCxnSpPr>
+            <a:stCxn id="4" idx="5"/>
+            <a:endCxn id="7" idx="0"/>
+          </p:cNvCxnSpPr>
+          <p:nvPr/>
+        </p:nvCxnSpPr>
+        <p:spPr>
+          <a:xfrm>
+            <a:off x="2143834" y="2022584"/>
+            <a:ext cx="500869" cy="1719777"/>
+          </a:xfrm>
+          <a:prstGeom prst="straightConnector1">
+            <a:avLst/>
+          </a:prstGeom>
+          <a:ln w="38100">
+            <a:solidFill>
+              <a:srgbClr val="FF0000"/>
+            </a:solidFill>
+            <a:tailEnd type="triangle"/>
+          </a:ln>
+        </p:spPr>
+        <p:style>
+          <a:lnRef idx="1">
+            <a:schemeClr val="accent1"/>
+          </a:lnRef>
+          <a:fillRef idx="0">
+            <a:schemeClr val="accent1"/>
+          </a:fillRef>
+          <a:effectRef idx="0">
+            <a:schemeClr val="accent1"/>
+          </a:effectRef>
+          <a:fontRef idx="minor">
+            <a:schemeClr val="tx1"/>
+          </a:fontRef>
+        </p:style>
+      </p:cxnSp>
+      <p:sp>
+        <p:nvSpPr>
+          <p:cNvPr id="17" name="Oval 16"/>
+          <p:cNvSpPr/>
+          <p:nvPr/>
+        </p:nvSpPr>
+        <p:spPr>
+          <a:xfrm>
+            <a:off x="1100418" y="4176497"/>
+            <a:ext cx="641131" cy="641131"/>
+          </a:xfrm>
+          <a:prstGeom prst="ellipse">
+            <a:avLst/>
+          </a:prstGeom>
+          <a:solidFill>
+            <a:srgbClr val="7030A0"/>
+          </a:solidFill>
+        </p:spPr>
+        <p:style>
+          <a:lnRef idx="2">
+            <a:schemeClr val="accent1">
+              <a:shade val="50000"/>
+            </a:schemeClr>
+          </a:lnRef>
+          <a:fillRef idx="1">
+            <a:schemeClr val="accent1"/>
+          </a:fillRef>
+          <a:effectRef idx="0">
+            <a:schemeClr val="accent1"/>
+          </a:effectRef>
+          <a:fontRef idx="minor">
+            <a:schemeClr val="lt1"/>
+          </a:fontRef>
+        </p:style>
+        <p:txBody>
+          <a:bodyPr rtlCol="0" anchor="ctr"/>
+          <a:lstStyle/>
+          <a:p>
+            <a:pPr algn="ctr"/>
+            <a:endParaRPr lang="en-US" sz="3200" dirty="0"/>
+          </a:p>
+        </p:txBody>
+      </p:sp>
+      <p:sp>
+        <p:nvSpPr>
+          <p:cNvPr id="18" name="Oval 17"/>
+          <p:cNvSpPr/>
+          <p:nvPr/>
+        </p:nvSpPr>
+        <p:spPr>
+          <a:xfrm>
+            <a:off x="1595414" y="3278389"/>
+            <a:ext cx="641131" cy="641131"/>
+          </a:xfrm>
+          <a:prstGeom prst="ellipse">
+            <a:avLst/>
+          </a:prstGeom>
+          <a:solidFill>
+            <a:schemeClr val="tx1"/>
+          </a:solidFill>
+        </p:spPr>
+        <p:style>
+          <a:lnRef idx="2">
+            <a:schemeClr val="accent1">
+              <a:shade val="50000"/>
+            </a:schemeClr>
+          </a:lnRef>
+          <a:fillRef idx="1">
+            <a:schemeClr val="accent1"/>
+          </a:fillRef>
+          <a:effectRef idx="0">
+            <a:schemeClr val="accent1"/>
+          </a:effectRef>
+          <a:fontRef idx="minor">
+            <a:schemeClr val="lt1"/>
+          </a:fontRef>
+        </p:style>
+        <p:txBody>
+          <a:bodyPr rtlCol="0" anchor="ctr"/>
+          <a:lstStyle/>
+          <a:p>
+            <a:pPr algn="ctr"/>
+            <a:endParaRPr lang="en-US" sz="3200" dirty="0"/>
+          </a:p>
+        </p:txBody>
+      </p:sp>
+      <p:cxnSp>
+        <p:nvCxnSpPr>
+          <p:cNvPr id="20" name="Straight Arrow Connector 19"/>
+          <p:cNvCxnSpPr>
+            <a:stCxn id="18" idx="3"/>
+            <a:endCxn id="17" idx="0"/>
+          </p:cNvCxnSpPr>
+          <p:nvPr/>
+        </p:nvCxnSpPr>
+        <p:spPr>
+          <a:xfrm flipH="1">
+            <a:off x="1420984" y="3825629"/>
+            <a:ext cx="268321" cy="350868"/>
+          </a:xfrm>
+          <a:prstGeom prst="straightConnector1">
+            <a:avLst/>
+          </a:prstGeom>
+          <a:ln w="38100">
+            <a:solidFill>
+              <a:srgbClr val="FF0000"/>
+            </a:solidFill>
+            <a:tailEnd type="triangle"/>
+          </a:ln>
+        </p:spPr>
+        <p:style>
+          <a:lnRef idx="1">
+            <a:schemeClr val="accent1"/>
+          </a:lnRef>
+          <a:fillRef idx="0">
+            <a:schemeClr val="accent1"/>
+          </a:fillRef>
+          <a:effectRef idx="0">
+            <a:schemeClr val="accent1"/>
+          </a:effectRef>
+          <a:fontRef idx="minor">
+            <a:schemeClr val="tx1"/>
+          </a:fontRef>
+        </p:style>
+      </p:cxnSp>
+      <p:cxnSp>
+        <p:nvCxnSpPr>
+          <p:cNvPr id="24" name="Straight Arrow Connector 23"/>
+          <p:cNvCxnSpPr>
+            <a:stCxn id="6" idx="4"/>
+            <a:endCxn id="18" idx="0"/>
+          </p:cNvCxnSpPr>
+          <p:nvPr/>
+        </p:nvCxnSpPr>
+        <p:spPr>
+          <a:xfrm flipH="1">
+            <a:off x="1915980" y="3014583"/>
+            <a:ext cx="841" cy="263806"/>
+          </a:xfrm>
+          <a:prstGeom prst="straightConnector1">
+            <a:avLst/>
+          </a:prstGeom>
+          <a:ln w="38100">
+            <a:solidFill>
+              <a:srgbClr val="FF0000"/>
+            </a:solidFill>
+            <a:tailEnd type="triangle"/>
+          </a:ln>
+        </p:spPr>
+        <p:style>
+          <a:lnRef idx="1">
+            <a:schemeClr val="accent1"/>
+          </a:lnRef>
+          <a:fillRef idx="0">
+            <a:schemeClr val="accent1"/>
+          </a:fillRef>
+          <a:effectRef idx="0">
+            <a:schemeClr val="accent1"/>
+          </a:effectRef>
+          <a:fontRef idx="minor">
+            <a:schemeClr val="tx1"/>
+          </a:fontRef>
+        </p:style>
+      </p:cxnSp>
+      <p:sp>
+        <p:nvSpPr>
+          <p:cNvPr id="30" name="Right Arrow 29"/>
+          <p:cNvSpPr/>
+          <p:nvPr/>
+        </p:nvSpPr>
+        <p:spPr>
+          <a:xfrm>
+            <a:off x="3175025" y="2564401"/>
+            <a:ext cx="1408386" cy="924559"/>
+          </a:xfrm>
+          <a:prstGeom prst="rightArrow">
+            <a:avLst/>
+          </a:prstGeom>
+        </p:spPr>
+        <p:style>
+          <a:lnRef idx="2">
+            <a:schemeClr val="accent1">
+              <a:shade val="50000"/>
+            </a:schemeClr>
+          </a:lnRef>
+          <a:fillRef idx="1">
+            <a:schemeClr val="accent1"/>
+          </a:fillRef>
+          <a:effectRef idx="0">
+            <a:schemeClr val="accent1"/>
+          </a:effectRef>
+          <a:fontRef idx="minor">
+            <a:schemeClr val="lt1"/>
+          </a:fontRef>
+        </p:style>
+        <p:txBody>
+          <a:bodyPr rtlCol="0" anchor="ctr"/>
+          <a:lstStyle/>
+          <a:p>
+            <a:pPr algn="ctr"/>
+            <a:endParaRPr lang="en-US"/>
+          </a:p>
+        </p:txBody>
+      </p:sp>
+      <p:cxnSp>
+        <p:nvCxnSpPr>
+          <p:cNvPr id="32" name="Straight Connector 31"/>
+          <p:cNvCxnSpPr/>
+          <p:nvPr/>
+        </p:nvCxnSpPr>
+        <p:spPr>
+          <a:xfrm flipH="1">
+            <a:off x="4624949" y="1518621"/>
+            <a:ext cx="1681840" cy="3583147"/>
+          </a:xfrm>
+          <a:prstGeom prst="line">
+            <a:avLst/>
+          </a:prstGeom>
+          <a:ln w="38100"/>
+        </p:spPr>
+        <p:style>
+          <a:lnRef idx="1">
+            <a:schemeClr val="accent1"/>
+          </a:lnRef>
+          <a:fillRef idx="0">
+            <a:schemeClr val="accent1"/>
+          </a:fillRef>
+          <a:effectRef idx="0">
+            <a:schemeClr val="accent1"/>
+          </a:effectRef>
+          <a:fontRef idx="minor">
+            <a:schemeClr val="tx1"/>
+          </a:fontRef>
+        </p:style>
+      </p:cxnSp>
+      <p:cxnSp>
+        <p:nvCxnSpPr>
+          <p:cNvPr id="33" name="Straight Connector 32"/>
+          <p:cNvCxnSpPr/>
+          <p:nvPr/>
+        </p:nvCxnSpPr>
+        <p:spPr>
+          <a:xfrm>
+            <a:off x="5996232" y="2196169"/>
+            <a:ext cx="5065" cy="1004107"/>
+          </a:xfrm>
+          <a:prstGeom prst="line">
+            <a:avLst/>
+          </a:prstGeom>
+          <a:ln w="38100"/>
+        </p:spPr>
+        <p:style>
+          <a:lnRef idx="1">
+            <a:schemeClr val="accent1"/>
+          </a:lnRef>
+          <a:fillRef idx="0">
+            <a:schemeClr val="accent1"/>
+          </a:fillRef>
+          <a:effectRef idx="0">
+            <a:schemeClr val="accent1"/>
+          </a:effectRef>
+          <a:fontRef idx="minor">
+            <a:schemeClr val="tx1"/>
+          </a:fontRef>
+        </p:style>
+      </p:cxnSp>
+      <p:cxnSp>
+        <p:nvCxnSpPr>
+          <p:cNvPr id="36" name="Straight Connector 35"/>
+          <p:cNvCxnSpPr/>
+          <p:nvPr/>
+        </p:nvCxnSpPr>
+        <p:spPr>
+          <a:xfrm flipH="1">
+            <a:off x="5582829" y="3200277"/>
+            <a:ext cx="418467" cy="1901492"/>
+          </a:xfrm>
+          <a:prstGeom prst="line">
+            <a:avLst/>
+          </a:prstGeom>
+          <a:ln w="38100">
+            <a:solidFill>
+              <a:schemeClr val="accent2"/>
+            </a:solidFill>
+          </a:ln>
+        </p:spPr>
+        <p:style>
+          <a:lnRef idx="1">
+            <a:schemeClr val="accent1"/>
+          </a:lnRef>
+          <a:fillRef idx="0">
+            <a:schemeClr val="accent1"/>
+          </a:fillRef>
+          <a:effectRef idx="0">
+            <a:schemeClr val="accent1"/>
+          </a:effectRef>
+          <a:fontRef idx="minor">
+            <a:schemeClr val="tx1"/>
+          </a:fontRef>
+        </p:style>
+      </p:cxnSp>
+      <p:cxnSp>
+        <p:nvCxnSpPr>
+          <p:cNvPr id="39" name="Straight Connector 38"/>
+          <p:cNvCxnSpPr/>
+          <p:nvPr/>
+        </p:nvCxnSpPr>
+        <p:spPr>
+          <a:xfrm>
+            <a:off x="5814689" y="4058969"/>
+            <a:ext cx="48981" cy="1042800"/>
+          </a:xfrm>
+          <a:prstGeom prst="line">
+            <a:avLst/>
+          </a:prstGeom>
+          <a:ln w="38100">
+            <a:solidFill>
+              <a:schemeClr val="accent2"/>
+            </a:solidFill>
+          </a:ln>
+        </p:spPr>
+        <p:style>
+          <a:lnRef idx="1">
+            <a:schemeClr val="accent1"/>
+          </a:lnRef>
+          <a:fillRef idx="0">
+            <a:schemeClr val="accent1"/>
+          </a:fillRef>
+          <a:effectRef idx="0">
+            <a:schemeClr val="accent1"/>
+          </a:effectRef>
+          <a:fontRef idx="minor">
+            <a:schemeClr val="tx1"/>
+          </a:fontRef>
+        </p:style>
+      </p:cxnSp>
+      <p:cxnSp>
+        <p:nvCxnSpPr>
+          <p:cNvPr id="43" name="Straight Connector 42"/>
+          <p:cNvCxnSpPr/>
+          <p:nvPr/>
+        </p:nvCxnSpPr>
+        <p:spPr>
+          <a:xfrm flipH="1">
+            <a:off x="4970949" y="3488960"/>
+            <a:ext cx="416881" cy="1612809"/>
+          </a:xfrm>
+          <a:prstGeom prst="line">
+            <a:avLst/>
+          </a:prstGeom>
+          <a:ln w="38100"/>
+        </p:spPr>
+        <p:style>
+          <a:lnRef idx="1">
+            <a:schemeClr val="accent1"/>
+          </a:lnRef>
+          <a:fillRef idx="0">
+            <a:schemeClr val="accent1"/>
+          </a:fillRef>
+          <a:effectRef idx="0">
+            <a:schemeClr val="accent1"/>
+          </a:effectRef>
+          <a:fontRef idx="minor">
+            <a:schemeClr val="tx1"/>
+          </a:fontRef>
+        </p:style>
+      </p:cxnSp>
+      <p:cxnSp>
+        <p:nvCxnSpPr>
+          <p:cNvPr id="46" name="Straight Connector 45"/>
+          <p:cNvCxnSpPr/>
+          <p:nvPr/>
+        </p:nvCxnSpPr>
+        <p:spPr>
+          <a:xfrm>
+            <a:off x="6306790" y="1492346"/>
+            <a:ext cx="227012" cy="415160"/>
+          </a:xfrm>
+          <a:prstGeom prst="line">
+            <a:avLst/>
+          </a:prstGeom>
+          <a:ln w="38100"/>
+        </p:spPr>
+        <p:style>
+          <a:lnRef idx="1">
+            <a:schemeClr val="accent1"/>
+          </a:lnRef>
+          <a:fillRef idx="0">
+            <a:schemeClr val="accent1"/>
+          </a:fillRef>
+          <a:effectRef idx="0">
+            <a:schemeClr val="accent1"/>
+          </a:effectRef>
+          <a:fontRef idx="minor">
+            <a:schemeClr val="tx1"/>
+          </a:fontRef>
+        </p:style>
+      </p:cxnSp>
+      <p:cxnSp>
+        <p:nvCxnSpPr>
+          <p:cNvPr id="54" name="Straight Connector 53"/>
+          <p:cNvCxnSpPr/>
+          <p:nvPr/>
+        </p:nvCxnSpPr>
+        <p:spPr>
+          <a:xfrm flipH="1">
+            <a:off x="6130751" y="1907506"/>
+            <a:ext cx="403052" cy="3194263"/>
+          </a:xfrm>
+          <a:prstGeom prst="line">
+            <a:avLst/>
+          </a:prstGeom>
+          <a:ln w="38100">
+            <a:solidFill>
+              <a:srgbClr val="00B050"/>
+            </a:solidFill>
+          </a:ln>
+        </p:spPr>
+        <p:style>
+          <a:lnRef idx="1">
+            <a:schemeClr val="accent1"/>
+          </a:lnRef>
+          <a:fillRef idx="0">
+            <a:schemeClr val="accent1"/>
+          </a:fillRef>
+          <a:effectRef idx="0">
+            <a:schemeClr val="accent1"/>
+          </a:effectRef>
+          <a:fontRef idx="minor">
+            <a:schemeClr val="tx1"/>
+          </a:fontRef>
+        </p:style>
+      </p:cxnSp>
+      <p:cxnSp>
+        <p:nvCxnSpPr>
+          <p:cNvPr id="57" name="Straight Connector 56"/>
+          <p:cNvCxnSpPr/>
+          <p:nvPr/>
+        </p:nvCxnSpPr>
+        <p:spPr>
+          <a:xfrm>
+            <a:off x="6433105" y="2711020"/>
+            <a:ext cx="25982" cy="2380238"/>
+          </a:xfrm>
+          <a:prstGeom prst="line">
+            <a:avLst/>
+          </a:prstGeom>
+          <a:ln w="38100">
+            <a:solidFill>
+              <a:srgbClr val="00B050"/>
+            </a:solidFill>
+          </a:ln>
+        </p:spPr>
+        <p:style>
+          <a:lnRef idx="1">
+            <a:schemeClr val="accent1"/>
+          </a:lnRef>
+          <a:fillRef idx="0">
+            <a:schemeClr val="accent1"/>
+          </a:fillRef>
+          <a:effectRef idx="0">
+            <a:schemeClr val="accent1"/>
+          </a:effectRef>
+          <a:fontRef idx="minor">
+            <a:schemeClr val="tx1"/>
+          </a:fontRef>
+        </p:style>
+      </p:cxnSp>
+      <p:cxnSp>
+        <p:nvCxnSpPr>
+          <p:cNvPr id="60" name="Straight Connector 59"/>
+          <p:cNvCxnSpPr/>
+          <p:nvPr/>
+        </p:nvCxnSpPr>
+        <p:spPr>
+          <a:xfrm flipH="1">
+            <a:off x="6261420" y="3741032"/>
+            <a:ext cx="179888" cy="1350226"/>
+          </a:xfrm>
+          <a:prstGeom prst="line">
+            <a:avLst/>
+          </a:prstGeom>
+          <a:ln w="38100">
+            <a:solidFill>
+              <a:srgbClr val="00B050"/>
+            </a:solidFill>
+          </a:ln>
+        </p:spPr>
+        <p:style>
+          <a:lnRef idx="1">
+            <a:schemeClr val="accent1"/>
+          </a:lnRef>
+          <a:fillRef idx="0">
+            <a:schemeClr val="accent1"/>
+          </a:fillRef>
+          <a:effectRef idx="0">
+            <a:schemeClr val="accent1"/>
+          </a:effectRef>
+          <a:fontRef idx="minor">
+            <a:schemeClr val="tx1"/>
+          </a:fontRef>
+        </p:style>
+      </p:cxnSp>
+      <p:cxnSp>
+        <p:nvCxnSpPr>
+          <p:cNvPr id="63" name="Straight Connector 62"/>
+          <p:cNvCxnSpPr/>
+          <p:nvPr/>
+        </p:nvCxnSpPr>
+        <p:spPr>
+          <a:xfrm>
+            <a:off x="6533802" y="1933781"/>
+            <a:ext cx="280981" cy="630620"/>
+          </a:xfrm>
+          <a:prstGeom prst="line">
+            <a:avLst/>
+          </a:prstGeom>
+          <a:ln w="38100">
+            <a:solidFill>
+              <a:srgbClr val="00B050"/>
+            </a:solidFill>
+          </a:ln>
+        </p:spPr>
+        <p:style>
+          <a:lnRef idx="1">
+            <a:schemeClr val="accent1"/>
+          </a:lnRef>
+          <a:fillRef idx="0">
+            <a:schemeClr val="accent1"/>
+          </a:fillRef>
+          <a:effectRef idx="0">
+            <a:schemeClr val="accent1"/>
+          </a:effectRef>
+          <a:fontRef idx="minor">
+            <a:schemeClr val="tx1"/>
+          </a:fontRef>
+        </p:style>
+      </p:cxnSp>
+      <p:cxnSp>
+        <p:nvCxnSpPr>
+          <p:cNvPr id="67" name="Straight Connector 66"/>
+          <p:cNvCxnSpPr/>
+          <p:nvPr/>
+        </p:nvCxnSpPr>
+        <p:spPr>
+          <a:xfrm flipH="1">
+            <a:off x="5417870" y="2884967"/>
+            <a:ext cx="250939" cy="2216802"/>
+          </a:xfrm>
+          <a:prstGeom prst="line">
+            <a:avLst/>
+          </a:prstGeom>
+          <a:ln w="38100"/>
+        </p:spPr>
+        <p:style>
+          <a:lnRef idx="1">
+            <a:schemeClr val="accent1"/>
+          </a:lnRef>
+          <a:fillRef idx="0">
+            <a:schemeClr val="accent1"/>
+          </a:fillRef>
+          <a:effectRef idx="0">
+            <a:schemeClr val="accent1"/>
+          </a:effectRef>
+          <a:fontRef idx="minor">
+            <a:schemeClr val="tx1"/>
+          </a:fontRef>
+        </p:style>
+      </p:cxnSp>
+      <p:cxnSp>
+        <p:nvCxnSpPr>
+          <p:cNvPr id="70" name="Straight Connector 69"/>
+          <p:cNvCxnSpPr/>
+          <p:nvPr/>
+        </p:nvCxnSpPr>
+        <p:spPr>
+          <a:xfrm>
+            <a:off x="5244167" y="4058969"/>
+            <a:ext cx="36077" cy="1032288"/>
+          </a:xfrm>
+          <a:prstGeom prst="line">
+            <a:avLst/>
+          </a:prstGeom>
+          <a:ln w="38100">
+            <a:solidFill>
+              <a:srgbClr val="FF0000"/>
+            </a:solidFill>
+          </a:ln>
+        </p:spPr>
+        <p:style>
+          <a:lnRef idx="1">
+            <a:schemeClr val="accent1"/>
+          </a:lnRef>
+          <a:fillRef idx="0">
+            <a:schemeClr val="accent1"/>
+          </a:fillRef>
+          <a:effectRef idx="0">
+            <a:schemeClr val="accent1"/>
+          </a:effectRef>
+          <a:fontRef idx="minor">
+            <a:schemeClr val="tx1"/>
+          </a:fontRef>
+        </p:style>
+      </p:cxnSp>
+      <p:cxnSp>
+        <p:nvCxnSpPr>
+          <p:cNvPr id="75" name="Straight Connector 74"/>
+          <p:cNvCxnSpPr/>
+          <p:nvPr/>
+        </p:nvCxnSpPr>
+        <p:spPr>
+          <a:xfrm flipH="1">
+            <a:off x="6010407" y="3200277"/>
+            <a:ext cx="2440" cy="1890981"/>
+          </a:xfrm>
+          <a:prstGeom prst="line">
+            <a:avLst/>
+          </a:prstGeom>
+          <a:ln w="38100">
+            <a:solidFill>
+              <a:schemeClr val="accent2"/>
+            </a:solidFill>
+          </a:ln>
+        </p:spPr>
+        <p:style>
+          <a:lnRef idx="1">
+            <a:schemeClr val="accent1"/>
+          </a:lnRef>
+          <a:fillRef idx="0">
+            <a:schemeClr val="accent1"/>
+          </a:fillRef>
+          <a:effectRef idx="0">
+            <a:schemeClr val="accent1"/>
+          </a:effectRef>
+          <a:fontRef idx="minor">
+            <a:schemeClr val="tx1"/>
+          </a:fontRef>
+        </p:style>
+      </p:cxnSp>
+      <p:cxnSp>
+        <p:nvCxnSpPr>
+          <p:cNvPr id="80" name="Straight Connector 79"/>
+          <p:cNvCxnSpPr/>
+          <p:nvPr/>
+        </p:nvCxnSpPr>
+        <p:spPr>
+          <a:xfrm flipH="1">
+            <a:off x="6575341" y="2564401"/>
+            <a:ext cx="239442" cy="2537368"/>
+          </a:xfrm>
+          <a:prstGeom prst="line">
+            <a:avLst/>
+          </a:prstGeom>
+          <a:ln w="38100">
+            <a:solidFill>
+              <a:schemeClr val="tx1"/>
+            </a:solidFill>
+          </a:ln>
+        </p:spPr>
+        <p:style>
+          <a:lnRef idx="1">
+            <a:schemeClr val="accent1"/>
+          </a:lnRef>
+          <a:fillRef idx="0">
+            <a:schemeClr val="accent1"/>
+          </a:fillRef>
+          <a:effectRef idx="0">
+            <a:schemeClr val="accent1"/>
+          </a:effectRef>
+          <a:fontRef idx="minor">
+            <a:schemeClr val="tx1"/>
+          </a:fontRef>
+        </p:style>
+      </p:cxnSp>
+      <p:cxnSp>
+        <p:nvCxnSpPr>
+          <p:cNvPr id="83" name="Straight Connector 82"/>
+          <p:cNvCxnSpPr/>
+          <p:nvPr/>
+        </p:nvCxnSpPr>
+        <p:spPr>
+          <a:xfrm>
+            <a:off x="6740238" y="3342158"/>
+            <a:ext cx="160577" cy="1759611"/>
+          </a:xfrm>
+          <a:prstGeom prst="line">
+            <a:avLst/>
+          </a:prstGeom>
+          <a:ln w="38100">
+            <a:solidFill>
+              <a:schemeClr val="tx1"/>
+            </a:solidFill>
+          </a:ln>
+        </p:spPr>
+        <p:style>
+          <a:lnRef idx="1">
+            <a:schemeClr val="accent1"/>
+          </a:lnRef>
+          <a:fillRef idx="0">
+            <a:schemeClr val="accent1"/>
+          </a:fillRef>
+          <a:effectRef idx="0">
+            <a:schemeClr val="accent1"/>
+          </a:effectRef>
+          <a:fontRef idx="minor">
+            <a:schemeClr val="tx1"/>
+          </a:fontRef>
+        </p:style>
+      </p:cxnSp>
+      <p:cxnSp>
+        <p:nvCxnSpPr>
+          <p:cNvPr id="88" name="Straight Connector 87"/>
+          <p:cNvCxnSpPr/>
+          <p:nvPr/>
+        </p:nvCxnSpPr>
+        <p:spPr>
+          <a:xfrm>
+            <a:off x="6660119" y="4221963"/>
+            <a:ext cx="120140" cy="879806"/>
+          </a:xfrm>
+          <a:prstGeom prst="line">
+            <a:avLst/>
+          </a:prstGeom>
+          <a:ln w="38100">
+            <a:solidFill>
+              <a:schemeClr val="tx1"/>
+            </a:solidFill>
+          </a:ln>
+        </p:spPr>
+        <p:style>
+          <a:lnRef idx="1">
+            <a:schemeClr val="accent1"/>
+          </a:lnRef>
+          <a:fillRef idx="0">
+            <a:schemeClr val="accent1"/>
+          </a:fillRef>
+          <a:effectRef idx="0">
+            <a:schemeClr val="accent1"/>
+          </a:effectRef>
+          <a:fontRef idx="minor">
+            <a:schemeClr val="tx1"/>
+          </a:fontRef>
+        </p:style>
+      </p:cxnSp>
+      <p:cxnSp>
+        <p:nvCxnSpPr>
+          <p:cNvPr id="91" name="Straight Connector 90"/>
+          <p:cNvCxnSpPr/>
+          <p:nvPr/>
+        </p:nvCxnSpPr>
+        <p:spPr>
+          <a:xfrm>
+            <a:off x="6814783" y="2564401"/>
+            <a:ext cx="344040" cy="1024056"/>
+          </a:xfrm>
+          <a:prstGeom prst="line">
+            <a:avLst/>
+          </a:prstGeom>
+          <a:ln w="38100">
+            <a:solidFill>
+              <a:schemeClr val="tx1"/>
+            </a:solidFill>
+          </a:ln>
+        </p:spPr>
+        <p:style>
+          <a:lnRef idx="1">
+            <a:schemeClr val="accent1"/>
+          </a:lnRef>
+          <a:fillRef idx="0">
+            <a:schemeClr val="accent1"/>
+          </a:fillRef>
+          <a:effectRef idx="0">
+            <a:schemeClr val="accent1"/>
+          </a:effectRef>
+          <a:fontRef idx="minor">
+            <a:schemeClr val="tx1"/>
+          </a:fontRef>
+        </p:style>
+      </p:cxnSp>
+      <p:cxnSp>
+        <p:nvCxnSpPr>
+          <p:cNvPr id="94" name="Straight Connector 93"/>
+          <p:cNvCxnSpPr/>
+          <p:nvPr/>
+        </p:nvCxnSpPr>
+        <p:spPr>
+          <a:xfrm flipH="1">
+            <a:off x="6997415" y="3580749"/>
+            <a:ext cx="149857" cy="1521020"/>
+          </a:xfrm>
+          <a:prstGeom prst="line">
+            <a:avLst/>
+          </a:prstGeom>
+          <a:ln w="38100">
+            <a:solidFill>
+              <a:srgbClr val="7030A0"/>
+            </a:solidFill>
+          </a:ln>
+        </p:spPr>
+        <p:style>
+          <a:lnRef idx="1">
+            <a:schemeClr val="accent1"/>
+          </a:lnRef>
+          <a:fillRef idx="0">
+            <a:schemeClr val="accent1"/>
+          </a:fillRef>
+          <a:effectRef idx="0">
+            <a:schemeClr val="accent1"/>
+          </a:effectRef>
+          <a:fontRef idx="minor">
+            <a:schemeClr val="tx1"/>
+          </a:fontRef>
+        </p:style>
+      </p:cxnSp>
+      <p:cxnSp>
+        <p:nvCxnSpPr>
+          <p:cNvPr id="97" name="Straight Connector 96"/>
+          <p:cNvCxnSpPr/>
+          <p:nvPr/>
+        </p:nvCxnSpPr>
+        <p:spPr>
+          <a:xfrm>
+            <a:off x="7147271" y="3520842"/>
+            <a:ext cx="316062" cy="1580927"/>
+          </a:xfrm>
+          <a:prstGeom prst="line">
+            <a:avLst/>
+          </a:prstGeom>
+          <a:ln w="38100">
+            <a:solidFill>
+              <a:srgbClr val="7030A0"/>
+            </a:solidFill>
+          </a:ln>
+        </p:spPr>
+        <p:style>
+          <a:lnRef idx="1">
+            <a:schemeClr val="accent1"/>
+          </a:lnRef>
+          <a:fillRef idx="0">
+            <a:schemeClr val="accent1"/>
+          </a:fillRef>
+          <a:effectRef idx="0">
+            <a:schemeClr val="accent1"/>
+          </a:effectRef>
+          <a:fontRef idx="minor">
+            <a:schemeClr val="tx1"/>
+          </a:fontRef>
+        </p:style>
+      </p:cxnSp>
+      <p:cxnSp>
+        <p:nvCxnSpPr>
+          <p:cNvPr id="100" name="Straight Connector 99"/>
+          <p:cNvCxnSpPr/>
+          <p:nvPr/>
+        </p:nvCxnSpPr>
+        <p:spPr>
+          <a:xfrm>
+            <a:off x="7072343" y="4284854"/>
+            <a:ext cx="195272" cy="816915"/>
+          </a:xfrm>
+          <a:prstGeom prst="line">
+            <a:avLst/>
+          </a:prstGeom>
+          <a:ln w="38100">
+            <a:solidFill>
+              <a:srgbClr val="7030A0"/>
+            </a:solidFill>
+          </a:ln>
+        </p:spPr>
+        <p:style>
+          <a:lnRef idx="1">
+            <a:schemeClr val="accent1"/>
+          </a:lnRef>
+          <a:fillRef idx="0">
+            <a:schemeClr val="accent1"/>
+          </a:fillRef>
+          <a:effectRef idx="0">
+            <a:schemeClr val="accent1"/>
+          </a:effectRef>
+          <a:fontRef idx="minor">
+            <a:schemeClr val="tx1"/>
+          </a:fontRef>
+        </p:style>
+      </p:cxnSp>
+      <p:cxnSp>
+        <p:nvCxnSpPr>
+          <p:cNvPr id="175" name="Straight Connector 174"/>
+          <p:cNvCxnSpPr/>
+          <p:nvPr/>
+        </p:nvCxnSpPr>
+        <p:spPr>
+          <a:xfrm flipH="1">
+            <a:off x="5097430" y="4514065"/>
+            <a:ext cx="158396" cy="577192"/>
+          </a:xfrm>
+          <a:prstGeom prst="line">
+            <a:avLst/>
+          </a:prstGeom>
+          <a:ln w="38100">
+            <a:solidFill>
+              <a:srgbClr val="FF0000"/>
+            </a:solidFill>
+          </a:ln>
+        </p:spPr>
+        <p:style>
+          <a:lnRef idx="1">
+            <a:schemeClr val="accent1"/>
+          </a:lnRef>
+          <a:fillRef idx="0">
+            <a:schemeClr val="accent1"/>
+          </a:fillRef>
+          <a:effectRef idx="0">
+            <a:schemeClr val="accent1"/>
+          </a:effectRef>
+          <a:fontRef idx="minor">
+            <a:schemeClr val="tx1"/>
+          </a:fontRef>
+        </p:style>
+      </p:cxnSp>
+      <p:sp>
+        <p:nvSpPr>
+          <p:cNvPr id="211" name="Right Arrow 210"/>
+          <p:cNvSpPr/>
+          <p:nvPr/>
+        </p:nvSpPr>
+        <p:spPr>
+          <a:xfrm>
+            <a:off x="7630104" y="2564401"/>
+            <a:ext cx="1408386" cy="924559"/>
+          </a:xfrm>
+          <a:prstGeom prst="rightArrow">
+            <a:avLst/>
+          </a:prstGeom>
+        </p:spPr>
+        <p:style>
+          <a:lnRef idx="2">
+            <a:schemeClr val="accent1">
+              <a:shade val="50000"/>
+            </a:schemeClr>
+          </a:lnRef>
+          <a:fillRef idx="1">
+            <a:schemeClr val="accent1"/>
+          </a:fillRef>
+          <a:effectRef idx="0">
+            <a:schemeClr val="accent1"/>
+          </a:effectRef>
+          <a:fontRef idx="minor">
+            <a:schemeClr val="lt1"/>
+          </a:fontRef>
+        </p:style>
+        <p:txBody>
+          <a:bodyPr rtlCol="0" anchor="ctr"/>
+          <a:lstStyle/>
+          <a:p>
+            <a:pPr algn="ctr"/>
+            <a:endParaRPr lang="en-US"/>
+          </a:p>
+        </p:txBody>
+      </p:sp>
+      <p:sp>
+        <p:nvSpPr>
+          <p:cNvPr id="212" name="Rectangle 211"/>
+          <p:cNvSpPr/>
+          <p:nvPr/>
+        </p:nvSpPr>
+        <p:spPr>
+          <a:xfrm>
+            <a:off x="9473608" y="1492346"/>
+            <a:ext cx="2030819" cy="3609422"/>
+          </a:xfrm>
+          <a:prstGeom prst="rect">
+            <a:avLst/>
+          </a:prstGeom>
+          <a:solidFill>
+            <a:schemeClr val="bg1"/>
+          </a:solidFill>
+          <a:ln w="38100">
+            <a:solidFill>
+              <a:schemeClr val="tx1"/>
+            </a:solidFill>
+          </a:ln>
+        </p:spPr>
+        <p:style>
+          <a:lnRef idx="2">
+            <a:schemeClr val="accent1">
+              <a:shade val="50000"/>
+            </a:schemeClr>
+          </a:lnRef>
+          <a:fillRef idx="1">
+            <a:schemeClr val="accent1"/>
+          </a:fillRef>
+          <a:effectRef idx="0">
+            <a:schemeClr val="accent1"/>
+          </a:effectRef>
+          <a:fontRef idx="minor">
+            <a:schemeClr val="lt1"/>
+          </a:fontRef>
+        </p:style>
+        <p:txBody>
+          <a:bodyPr rtlCol="0" anchor="ctr"/>
+          <a:lstStyle/>
+          <a:p>
+            <a:pPr algn="ctr"/>
+            <a:endParaRPr lang="en-US"/>
+          </a:p>
+        </p:txBody>
+      </p:sp>
+      <p:cxnSp>
+        <p:nvCxnSpPr>
+          <p:cNvPr id="214" name="Straight Connector 213"/>
+          <p:cNvCxnSpPr/>
+          <p:nvPr/>
+        </p:nvCxnSpPr>
+        <p:spPr>
+          <a:xfrm>
+            <a:off x="9724508" y="1719021"/>
+            <a:ext cx="1509824" cy="0"/>
+          </a:xfrm>
+          <a:prstGeom prst="line">
+            <a:avLst/>
+          </a:prstGeom>
+          <a:ln w="25400"/>
+        </p:spPr>
+        <p:style>
+          <a:lnRef idx="1">
+            <a:schemeClr val="accent1"/>
+          </a:lnRef>
+          <a:fillRef idx="0">
+            <a:schemeClr val="accent1"/>
+          </a:fillRef>
+          <a:effectRef idx="0">
+            <a:schemeClr val="accent1"/>
+          </a:effectRef>
+          <a:fontRef idx="minor">
+            <a:schemeClr val="tx1"/>
+          </a:fontRef>
+        </p:style>
+      </p:cxnSp>
+      <p:cxnSp>
+        <p:nvCxnSpPr>
+          <p:cNvPr id="225" name="Straight Connector 224"/>
+          <p:cNvCxnSpPr/>
+          <p:nvPr/>
+        </p:nvCxnSpPr>
+        <p:spPr>
+          <a:xfrm>
+            <a:off x="9724508" y="1859332"/>
+            <a:ext cx="1509824" cy="0"/>
+          </a:xfrm>
+          <a:prstGeom prst="line">
+            <a:avLst/>
+          </a:prstGeom>
+          <a:ln w="25400"/>
+        </p:spPr>
+        <p:style>
+          <a:lnRef idx="1">
+            <a:schemeClr val="accent1"/>
+          </a:lnRef>
+          <a:fillRef idx="0">
+            <a:schemeClr val="accent1"/>
+          </a:fillRef>
+          <a:effectRef idx="0">
+            <a:schemeClr val="accent1"/>
+          </a:effectRef>
+          <a:fontRef idx="minor">
+            <a:schemeClr val="tx1"/>
+          </a:fontRef>
+        </p:style>
+      </p:cxnSp>
+      <p:cxnSp>
+        <p:nvCxnSpPr>
+          <p:cNvPr id="226" name="Straight Connector 225"/>
+          <p:cNvCxnSpPr/>
+          <p:nvPr/>
+        </p:nvCxnSpPr>
+        <p:spPr>
+          <a:xfrm>
+            <a:off x="9724508" y="1992969"/>
+            <a:ext cx="1509824" cy="0"/>
+          </a:xfrm>
+          <a:prstGeom prst="line">
+            <a:avLst/>
+          </a:prstGeom>
+          <a:ln w="25400"/>
+        </p:spPr>
+        <p:style>
+          <a:lnRef idx="1">
+            <a:schemeClr val="accent1"/>
+          </a:lnRef>
+          <a:fillRef idx="0">
+            <a:schemeClr val="accent1"/>
+          </a:fillRef>
+          <a:effectRef idx="0">
+            <a:schemeClr val="accent1"/>
+          </a:effectRef>
+          <a:fontRef idx="minor">
+            <a:schemeClr val="tx1"/>
+          </a:fontRef>
+        </p:style>
+      </p:cxnSp>
+      <p:cxnSp>
+        <p:nvCxnSpPr>
+          <p:cNvPr id="227" name="Straight Connector 226"/>
+          <p:cNvCxnSpPr/>
+          <p:nvPr/>
+        </p:nvCxnSpPr>
+        <p:spPr>
+          <a:xfrm>
+            <a:off x="9724508" y="2139019"/>
+            <a:ext cx="1509824" cy="0"/>
+          </a:xfrm>
+          <a:prstGeom prst="line">
+            <a:avLst/>
+          </a:prstGeom>
+          <a:ln w="25400"/>
+        </p:spPr>
+        <p:style>
+          <a:lnRef idx="1">
+            <a:schemeClr val="accent1"/>
+          </a:lnRef>
+          <a:fillRef idx="0">
+            <a:schemeClr val="accent1"/>
+          </a:fillRef>
+          <a:effectRef idx="0">
+            <a:schemeClr val="accent1"/>
+          </a:effectRef>
+          <a:fontRef idx="minor">
+            <a:schemeClr val="tx1"/>
+          </a:fontRef>
+        </p:style>
+      </p:cxnSp>
+      <p:cxnSp>
+        <p:nvCxnSpPr>
+          <p:cNvPr id="228" name="Straight Connector 227"/>
+          <p:cNvCxnSpPr/>
+          <p:nvPr/>
+        </p:nvCxnSpPr>
+        <p:spPr>
+          <a:xfrm>
+            <a:off x="9724508" y="2291022"/>
+            <a:ext cx="1509824" cy="0"/>
+          </a:xfrm>
+          <a:prstGeom prst="line">
+            <a:avLst/>
+          </a:prstGeom>
+          <a:ln w="25400">
+            <a:solidFill>
+              <a:srgbClr val="FF0000"/>
+            </a:solidFill>
+          </a:ln>
+        </p:spPr>
+        <p:style>
+          <a:lnRef idx="1">
+            <a:schemeClr val="accent1"/>
+          </a:lnRef>
+          <a:fillRef idx="0">
+            <a:schemeClr val="accent1"/>
+          </a:fillRef>
+          <a:effectRef idx="0">
+            <a:schemeClr val="accent1"/>
+          </a:effectRef>
+          <a:fontRef idx="minor">
+            <a:schemeClr val="tx1"/>
+          </a:fontRef>
+        </p:style>
+      </p:cxnSp>
+      <p:cxnSp>
+        <p:nvCxnSpPr>
+          <p:cNvPr id="229" name="Straight Connector 228"/>
+          <p:cNvCxnSpPr/>
+          <p:nvPr/>
+        </p:nvCxnSpPr>
+        <p:spPr>
+          <a:xfrm>
+            <a:off x="9724508" y="2431333"/>
+            <a:ext cx="1509824" cy="0"/>
+          </a:xfrm>
+          <a:prstGeom prst="line">
+            <a:avLst/>
+          </a:prstGeom>
+          <a:ln w="25400">
+            <a:solidFill>
+              <a:srgbClr val="FF0000"/>
+            </a:solidFill>
+          </a:ln>
+        </p:spPr>
+        <p:style>
+          <a:lnRef idx="1">
+            <a:schemeClr val="accent1"/>
+          </a:lnRef>
+          <a:fillRef idx="0">
+            <a:schemeClr val="accent1"/>
+          </a:fillRef>
+          <a:effectRef idx="0">
+            <a:schemeClr val="accent1"/>
+          </a:effectRef>
+          <a:fontRef idx="minor">
+            <a:schemeClr val="tx1"/>
+          </a:fontRef>
+        </p:style>
+      </p:cxnSp>
+      <p:cxnSp>
+        <p:nvCxnSpPr>
+          <p:cNvPr id="230" name="Straight Connector 229"/>
+          <p:cNvCxnSpPr/>
+          <p:nvPr/>
+        </p:nvCxnSpPr>
+        <p:spPr>
+          <a:xfrm>
+            <a:off x="9724508" y="2564970"/>
+            <a:ext cx="1509824" cy="0"/>
+          </a:xfrm>
+          <a:prstGeom prst="line">
+            <a:avLst/>
+          </a:prstGeom>
+          <a:ln w="25400">
+            <a:solidFill>
+              <a:srgbClr val="FF0000"/>
+            </a:solidFill>
+          </a:ln>
+        </p:spPr>
+        <p:style>
+          <a:lnRef idx="1">
+            <a:schemeClr val="accent1"/>
+          </a:lnRef>
+          <a:fillRef idx="0">
+            <a:schemeClr val="accent1"/>
+          </a:fillRef>
+          <a:effectRef idx="0">
+            <a:schemeClr val="accent1"/>
+          </a:effectRef>
+          <a:fontRef idx="minor">
+            <a:schemeClr val="tx1"/>
+          </a:fontRef>
+        </p:style>
+      </p:cxnSp>
+      <p:cxnSp>
+        <p:nvCxnSpPr>
+          <p:cNvPr id="231" name="Straight Connector 230"/>
+          <p:cNvCxnSpPr/>
+          <p:nvPr/>
+        </p:nvCxnSpPr>
+        <p:spPr>
+          <a:xfrm>
+            <a:off x="9724508" y="2711020"/>
+            <a:ext cx="1509824" cy="0"/>
+          </a:xfrm>
+          <a:prstGeom prst="line">
+            <a:avLst/>
+          </a:prstGeom>
+          <a:ln w="25400">
+            <a:solidFill>
+              <a:srgbClr val="FF0000"/>
+            </a:solidFill>
+          </a:ln>
+        </p:spPr>
+        <p:style>
+          <a:lnRef idx="1">
+            <a:schemeClr val="accent1"/>
+          </a:lnRef>
+          <a:fillRef idx="0">
+            <a:schemeClr val="accent1"/>
+          </a:fillRef>
+          <a:effectRef idx="0">
+            <a:schemeClr val="accent1"/>
+          </a:effectRef>
+          <a:fontRef idx="minor">
+            <a:schemeClr val="tx1"/>
+          </a:fontRef>
+        </p:style>
+      </p:cxnSp>
+      <p:cxnSp>
+        <p:nvCxnSpPr>
+          <p:cNvPr id="232" name="Straight Connector 231"/>
+          <p:cNvCxnSpPr/>
+          <p:nvPr/>
+        </p:nvCxnSpPr>
+        <p:spPr>
+          <a:xfrm>
+            <a:off x="9724508" y="2842971"/>
+            <a:ext cx="1509824" cy="0"/>
+          </a:xfrm>
+          <a:prstGeom prst="line">
+            <a:avLst/>
+          </a:prstGeom>
+          <a:ln w="25400">
+            <a:solidFill>
+              <a:schemeClr val="accent2"/>
+            </a:solidFill>
+          </a:ln>
+        </p:spPr>
+        <p:style>
+          <a:lnRef idx="1">
+            <a:schemeClr val="accent1"/>
+          </a:lnRef>
+          <a:fillRef idx="0">
+            <a:schemeClr val="accent1"/>
+          </a:fillRef>
+          <a:effectRef idx="0">
+            <a:schemeClr val="accent1"/>
+          </a:effectRef>
+          <a:fontRef idx="minor">
+            <a:schemeClr val="tx1"/>
+          </a:fontRef>
+        </p:style>
+      </p:cxnSp>
+      <p:cxnSp>
+        <p:nvCxnSpPr>
+          <p:cNvPr id="233" name="Straight Connector 232"/>
+          <p:cNvCxnSpPr/>
+          <p:nvPr/>
+        </p:nvCxnSpPr>
+        <p:spPr>
+          <a:xfrm>
+            <a:off x="9724508" y="2983282"/>
+            <a:ext cx="1509824" cy="0"/>
+          </a:xfrm>
+          <a:prstGeom prst="line">
+            <a:avLst/>
+          </a:prstGeom>
+          <a:ln w="25400">
+            <a:solidFill>
+              <a:schemeClr val="accent2"/>
+            </a:solidFill>
+          </a:ln>
+        </p:spPr>
+        <p:style>
+          <a:lnRef idx="1">
+            <a:schemeClr val="accent1"/>
+          </a:lnRef>
+          <a:fillRef idx="0">
+            <a:schemeClr val="accent1"/>
+          </a:fillRef>
+          <a:effectRef idx="0">
+            <a:schemeClr val="accent1"/>
+          </a:effectRef>
+          <a:fontRef idx="minor">
+            <a:schemeClr val="tx1"/>
+          </a:fontRef>
+        </p:style>
+      </p:cxnSp>
+      <p:cxnSp>
+        <p:nvCxnSpPr>
+          <p:cNvPr id="234" name="Straight Connector 233"/>
+          <p:cNvCxnSpPr/>
+          <p:nvPr/>
+        </p:nvCxnSpPr>
+        <p:spPr>
+          <a:xfrm>
+            <a:off x="9724508" y="3116919"/>
+            <a:ext cx="1509824" cy="0"/>
+          </a:xfrm>
+          <a:prstGeom prst="line">
+            <a:avLst/>
+          </a:prstGeom>
+          <a:ln w="25400">
+            <a:solidFill>
+              <a:schemeClr val="accent2"/>
+            </a:solidFill>
+          </a:ln>
+        </p:spPr>
+        <p:style>
+          <a:lnRef idx="1">
+            <a:schemeClr val="accent1"/>
+          </a:lnRef>
+          <a:fillRef idx="0">
+            <a:schemeClr val="accent1"/>
+          </a:fillRef>
+          <a:effectRef idx="0">
+            <a:schemeClr val="accent1"/>
+          </a:effectRef>
+          <a:fontRef idx="minor">
+            <a:schemeClr val="tx1"/>
+          </a:fontRef>
+        </p:style>
+      </p:cxnSp>
+      <p:cxnSp>
+        <p:nvCxnSpPr>
+          <p:cNvPr id="235" name="Straight Connector 234"/>
+          <p:cNvCxnSpPr/>
+          <p:nvPr/>
+        </p:nvCxnSpPr>
+        <p:spPr>
+          <a:xfrm>
+            <a:off x="9724508" y="3262969"/>
+            <a:ext cx="1509824" cy="0"/>
+          </a:xfrm>
+          <a:prstGeom prst="line">
+            <a:avLst/>
+          </a:prstGeom>
+          <a:ln w="25400">
+            <a:solidFill>
+              <a:schemeClr val="accent2"/>
+            </a:solidFill>
+          </a:ln>
+        </p:spPr>
+        <p:style>
+          <a:lnRef idx="1">
+            <a:schemeClr val="accent1"/>
+          </a:lnRef>
+          <a:fillRef idx="0">
+            <a:schemeClr val="accent1"/>
+          </a:fillRef>
+          <a:effectRef idx="0">
+            <a:schemeClr val="accent1"/>
+          </a:effectRef>
+          <a:fontRef idx="minor">
+            <a:schemeClr val="tx1"/>
+          </a:fontRef>
+        </p:style>
+      </p:cxnSp>
+      <p:cxnSp>
+        <p:nvCxnSpPr>
+          <p:cNvPr id="236" name="Straight Connector 235"/>
+          <p:cNvCxnSpPr/>
+          <p:nvPr/>
+        </p:nvCxnSpPr>
+        <p:spPr>
+          <a:xfrm>
+            <a:off x="9724508" y="3376371"/>
+            <a:ext cx="1509824" cy="0"/>
+          </a:xfrm>
+          <a:prstGeom prst="line">
+            <a:avLst/>
+          </a:prstGeom>
+          <a:ln w="25400">
+            <a:solidFill>
+              <a:srgbClr val="00B050"/>
+            </a:solidFill>
+          </a:ln>
+        </p:spPr>
+        <p:style>
+          <a:lnRef idx="1">
+            <a:schemeClr val="accent1"/>
+          </a:lnRef>
+          <a:fillRef idx="0">
+            <a:schemeClr val="accent1"/>
+          </a:fillRef>
+          <a:effectRef idx="0">
+            <a:schemeClr val="accent1"/>
+          </a:effectRef>
+          <a:fontRef idx="minor">
+            <a:schemeClr val="tx1"/>
+          </a:fontRef>
+        </p:style>
+      </p:cxnSp>
+      <p:cxnSp>
+        <p:nvCxnSpPr>
+          <p:cNvPr id="237" name="Straight Connector 236"/>
+          <p:cNvCxnSpPr/>
+          <p:nvPr/>
+        </p:nvCxnSpPr>
+        <p:spPr>
+          <a:xfrm>
+            <a:off x="9724508" y="3516682"/>
+            <a:ext cx="1509824" cy="0"/>
+          </a:xfrm>
+          <a:prstGeom prst="line">
+            <a:avLst/>
+          </a:prstGeom>
+          <a:ln w="25400">
+            <a:solidFill>
+              <a:srgbClr val="00B050"/>
+            </a:solidFill>
+          </a:ln>
+        </p:spPr>
+        <p:style>
+          <a:lnRef idx="1">
+            <a:schemeClr val="accent1"/>
+          </a:lnRef>
+          <a:fillRef idx="0">
+            <a:schemeClr val="accent1"/>
+          </a:fillRef>
+          <a:effectRef idx="0">
+            <a:schemeClr val="accent1"/>
+          </a:effectRef>
+          <a:fontRef idx="minor">
+            <a:schemeClr val="tx1"/>
+          </a:fontRef>
+        </p:style>
+      </p:cxnSp>
+      <p:cxnSp>
+        <p:nvCxnSpPr>
+          <p:cNvPr id="238" name="Straight Connector 237"/>
+          <p:cNvCxnSpPr/>
+          <p:nvPr/>
+        </p:nvCxnSpPr>
+        <p:spPr>
+          <a:xfrm>
+            <a:off x="9724508" y="3650319"/>
+            <a:ext cx="1509824" cy="0"/>
+          </a:xfrm>
+          <a:prstGeom prst="line">
+            <a:avLst/>
+          </a:prstGeom>
+          <a:ln w="25400">
+            <a:solidFill>
+              <a:srgbClr val="00B050"/>
+            </a:solidFill>
+          </a:ln>
+        </p:spPr>
+        <p:style>
+          <a:lnRef idx="1">
+            <a:schemeClr val="accent1"/>
+          </a:lnRef>
+          <a:fillRef idx="0">
+            <a:schemeClr val="accent1"/>
+          </a:fillRef>
+          <a:effectRef idx="0">
+            <a:schemeClr val="accent1"/>
+          </a:effectRef>
+          <a:fontRef idx="minor">
+            <a:schemeClr val="tx1"/>
+          </a:fontRef>
+        </p:style>
+      </p:cxnSp>
+      <p:cxnSp>
+        <p:nvCxnSpPr>
+          <p:cNvPr id="239" name="Straight Connector 238"/>
+          <p:cNvCxnSpPr/>
+          <p:nvPr/>
+        </p:nvCxnSpPr>
+        <p:spPr>
+          <a:xfrm>
+            <a:off x="9724508" y="3796369"/>
+            <a:ext cx="1509824" cy="0"/>
+          </a:xfrm>
+          <a:prstGeom prst="line">
+            <a:avLst/>
+          </a:prstGeom>
+          <a:ln w="25400">
+            <a:solidFill>
+              <a:srgbClr val="00B050"/>
+            </a:solidFill>
+          </a:ln>
+        </p:spPr>
+        <p:style>
+          <a:lnRef idx="1">
+            <a:schemeClr val="accent1"/>
+          </a:lnRef>
+          <a:fillRef idx="0">
+            <a:schemeClr val="accent1"/>
+          </a:fillRef>
+          <a:effectRef idx="0">
+            <a:schemeClr val="accent1"/>
+          </a:effectRef>
+          <a:fontRef idx="minor">
+            <a:schemeClr val="tx1"/>
+          </a:fontRef>
+        </p:style>
+      </p:cxnSp>
+      <p:cxnSp>
+        <p:nvCxnSpPr>
+          <p:cNvPr id="240" name="Straight Connector 239"/>
+          <p:cNvCxnSpPr/>
+          <p:nvPr/>
+        </p:nvCxnSpPr>
+        <p:spPr>
+          <a:xfrm>
+            <a:off x="9724508" y="3941521"/>
+            <a:ext cx="1509824" cy="0"/>
+          </a:xfrm>
+          <a:prstGeom prst="line">
+            <a:avLst/>
+          </a:prstGeom>
+          <a:ln w="25400">
+            <a:solidFill>
+              <a:schemeClr val="tx1"/>
+            </a:solidFill>
+          </a:ln>
+        </p:spPr>
+        <p:style>
+          <a:lnRef idx="1">
+            <a:schemeClr val="accent1"/>
+          </a:lnRef>
+          <a:fillRef idx="0">
+            <a:schemeClr val="accent1"/>
+          </a:fillRef>
+          <a:effectRef idx="0">
+            <a:schemeClr val="accent1"/>
+          </a:effectRef>
+          <a:fontRef idx="minor">
+            <a:schemeClr val="tx1"/>
+          </a:fontRef>
+        </p:style>
+      </p:cxnSp>
+      <p:cxnSp>
+        <p:nvCxnSpPr>
+          <p:cNvPr id="241" name="Straight Connector 240"/>
+          <p:cNvCxnSpPr/>
+          <p:nvPr/>
+        </p:nvCxnSpPr>
+        <p:spPr>
+          <a:xfrm>
+            <a:off x="9724508" y="4081832"/>
+            <a:ext cx="1509824" cy="0"/>
+          </a:xfrm>
+          <a:prstGeom prst="line">
+            <a:avLst/>
+          </a:prstGeom>
+          <a:ln w="25400">
+            <a:solidFill>
+              <a:schemeClr val="tx1"/>
+            </a:solidFill>
+          </a:ln>
+        </p:spPr>
+        <p:style>
+          <a:lnRef idx="1">
+            <a:schemeClr val="accent1"/>
+          </a:lnRef>
+          <a:fillRef idx="0">
+            <a:schemeClr val="accent1"/>
+          </a:fillRef>
+          <a:effectRef idx="0">
+            <a:schemeClr val="accent1"/>
+          </a:effectRef>
+          <a:fontRef idx="minor">
+            <a:schemeClr val="tx1"/>
+          </a:fontRef>
+        </p:style>
+      </p:cxnSp>
+      <p:cxnSp>
+        <p:nvCxnSpPr>
+          <p:cNvPr id="242" name="Straight Connector 241"/>
+          <p:cNvCxnSpPr/>
+          <p:nvPr/>
+        </p:nvCxnSpPr>
+        <p:spPr>
+          <a:xfrm>
+            <a:off x="9724508" y="4215469"/>
+            <a:ext cx="1509824" cy="0"/>
+          </a:xfrm>
+          <a:prstGeom prst="line">
+            <a:avLst/>
+          </a:prstGeom>
+          <a:ln w="25400">
+            <a:solidFill>
+              <a:schemeClr val="tx1"/>
+            </a:solidFill>
+          </a:ln>
+        </p:spPr>
+        <p:style>
+          <a:lnRef idx="1">
+            <a:schemeClr val="accent1"/>
+          </a:lnRef>
+          <a:fillRef idx="0">
+            <a:schemeClr val="accent1"/>
+          </a:fillRef>
+          <a:effectRef idx="0">
+            <a:schemeClr val="accent1"/>
+          </a:effectRef>
+          <a:fontRef idx="minor">
+            <a:schemeClr val="tx1"/>
+          </a:fontRef>
+        </p:style>
+      </p:cxnSp>
+      <p:cxnSp>
+        <p:nvCxnSpPr>
+          <p:cNvPr id="243" name="Straight Connector 242"/>
+          <p:cNvCxnSpPr/>
+          <p:nvPr/>
+        </p:nvCxnSpPr>
+        <p:spPr>
+          <a:xfrm>
+            <a:off x="9724508" y="4361519"/>
+            <a:ext cx="1509824" cy="0"/>
+          </a:xfrm>
+          <a:prstGeom prst="line">
+            <a:avLst/>
+          </a:prstGeom>
+          <a:ln w="25400">
+            <a:solidFill>
+              <a:schemeClr val="tx1"/>
+            </a:solidFill>
+          </a:ln>
+        </p:spPr>
+        <p:style>
+          <a:lnRef idx="1">
+            <a:schemeClr val="accent1"/>
+          </a:lnRef>
+          <a:fillRef idx="0">
+            <a:schemeClr val="accent1"/>
+          </a:fillRef>
+          <a:effectRef idx="0">
+            <a:schemeClr val="accent1"/>
+          </a:effectRef>
+          <a:fontRef idx="minor">
+            <a:schemeClr val="tx1"/>
+          </a:fontRef>
+        </p:style>
+      </p:cxnSp>
+      <p:cxnSp>
+        <p:nvCxnSpPr>
+          <p:cNvPr id="244" name="Straight Connector 243"/>
+          <p:cNvCxnSpPr/>
+          <p:nvPr/>
+        </p:nvCxnSpPr>
+        <p:spPr>
+          <a:xfrm>
+            <a:off x="9724508" y="4493971"/>
+            <a:ext cx="1509824" cy="0"/>
+          </a:xfrm>
+          <a:prstGeom prst="line">
+            <a:avLst/>
+          </a:prstGeom>
+          <a:ln w="25400">
+            <a:solidFill>
+              <a:srgbClr val="7030A0"/>
+            </a:solidFill>
+          </a:ln>
+        </p:spPr>
+        <p:style>
+          <a:lnRef idx="1">
+            <a:schemeClr val="accent1"/>
+          </a:lnRef>
+          <a:fillRef idx="0">
+            <a:schemeClr val="accent1"/>
+          </a:fillRef>
+          <a:effectRef idx="0">
+            <a:schemeClr val="accent1"/>
+          </a:effectRef>
+          <a:fontRef idx="minor">
+            <a:schemeClr val="tx1"/>
+          </a:fontRef>
+        </p:style>
+      </p:cxnSp>
+      <p:cxnSp>
+        <p:nvCxnSpPr>
+          <p:cNvPr id="245" name="Straight Connector 244"/>
+          <p:cNvCxnSpPr/>
+          <p:nvPr/>
+        </p:nvCxnSpPr>
+        <p:spPr>
+          <a:xfrm>
+            <a:off x="9724508" y="4634282"/>
+            <a:ext cx="1509824" cy="0"/>
+          </a:xfrm>
+          <a:prstGeom prst="line">
+            <a:avLst/>
+          </a:prstGeom>
+          <a:ln w="25400">
+            <a:solidFill>
+              <a:srgbClr val="7030A0"/>
+            </a:solidFill>
+          </a:ln>
+        </p:spPr>
+        <p:style>
+          <a:lnRef idx="1">
+            <a:schemeClr val="accent1"/>
+          </a:lnRef>
+          <a:fillRef idx="0">
+            <a:schemeClr val="accent1"/>
+          </a:fillRef>
+          <a:effectRef idx="0">
+            <a:schemeClr val="accent1"/>
+          </a:effectRef>
+          <a:fontRef idx="minor">
+            <a:schemeClr val="tx1"/>
+          </a:fontRef>
+        </p:style>
+      </p:cxnSp>
+      <p:cxnSp>
+        <p:nvCxnSpPr>
+          <p:cNvPr id="246" name="Straight Connector 245"/>
+          <p:cNvCxnSpPr/>
+          <p:nvPr/>
+        </p:nvCxnSpPr>
+        <p:spPr>
+          <a:xfrm>
+            <a:off x="9724508" y="4767919"/>
+            <a:ext cx="1509824" cy="0"/>
+          </a:xfrm>
+          <a:prstGeom prst="line">
+            <a:avLst/>
+          </a:prstGeom>
+          <a:ln w="25400">
+            <a:solidFill>
+              <a:srgbClr val="7030A0"/>
+            </a:solidFill>
+          </a:ln>
+        </p:spPr>
+        <p:style>
+          <a:lnRef idx="1">
+            <a:schemeClr val="accent1"/>
+          </a:lnRef>
+          <a:fillRef idx="0">
+            <a:schemeClr val="accent1"/>
+          </a:fillRef>
+          <a:effectRef idx="0">
+            <a:schemeClr val="accent1"/>
+          </a:effectRef>
+          <a:fontRef idx="minor">
+            <a:schemeClr val="tx1"/>
+          </a:fontRef>
+        </p:style>
+      </p:cxnSp>
+      <p:cxnSp>
+        <p:nvCxnSpPr>
+          <p:cNvPr id="247" name="Straight Connector 246"/>
+          <p:cNvCxnSpPr/>
+          <p:nvPr/>
+        </p:nvCxnSpPr>
+        <p:spPr>
+          <a:xfrm>
+            <a:off x="9724508" y="4913969"/>
+            <a:ext cx="1509824" cy="0"/>
+          </a:xfrm>
+          <a:prstGeom prst="line">
+            <a:avLst/>
+          </a:prstGeom>
+          <a:ln w="25400">
+            <a:solidFill>
+              <a:srgbClr val="7030A0"/>
+            </a:solidFill>
+          </a:ln>
+        </p:spPr>
+        <p:style>
+          <a:lnRef idx="1">
+            <a:schemeClr val="accent1"/>
+          </a:lnRef>
+          <a:fillRef idx="0">
+            <a:schemeClr val="accent1"/>
+          </a:fillRef>
+          <a:effectRef idx="0">
+            <a:schemeClr val="accent1"/>
+          </a:effectRef>
+          <a:fontRef idx="minor">
+            <a:schemeClr val="tx1"/>
+          </a:fontRef>
+        </p:style>
+      </p:cxnSp>
+    </p:spTree>
+    <p:extLst>
+      <p:ext uri="{BB962C8B-B14F-4D97-AF65-F5344CB8AC3E}">
+        <p14:creationId xmlns:p14="http://schemas.microsoft.com/office/powerpoint/2010/main" val="1233805520"/>
+      </p:ext>
+    </p:extLst>
+  </p:cSld>
+  <p:clrMapOvr>
+    <a:masterClrMapping/>
+  </p:clrMapOvr>
+</p:sld>
+</file>
+
+<file path=ppt/slides/slide10.xml><?xml version="1.0" encoding="utf-8"?>
+<p:sld xmlns:a="http://schemas.openxmlformats.org/drawingml/2006/main" xmlns:r="http://schemas.openxmlformats.org/officeDocument/2006/relationships" xmlns:p="http://schemas.openxmlformats.org/presentationml/2006/main">
+  <p:cSld>
+    <p:spTree>
+      <p:nvGrpSpPr>
+        <p:cNvPr id="1" name=""/>
+        <p:cNvGrpSpPr/>
+        <p:nvPr/>
+      </p:nvGrpSpPr>
+      <p:grpSpPr>
+        <a:xfrm>
+          <a:off x="0" y="0"/>
+          <a:ext cx="0" cy="0"/>
+          <a:chOff x="0" y="0"/>
+          <a:chExt cx="0" cy="0"/>
+        </a:xfrm>
+      </p:grpSpPr>
+      <p:sp>
+        <p:nvSpPr>
+          <p:cNvPr id="2" name="Title 1"/>
+          <p:cNvSpPr>
+            <a:spLocks noGrp="1"/>
+          </p:cNvSpPr>
+          <p:nvPr>
+            <p:ph type="title"/>
+          </p:nvPr>
+        </p:nvSpPr>
+        <p:spPr/>
+        <p:txBody>
+          <a:bodyPr/>
+          <a:lstStyle/>
+          <a:p>
+            <a:r>
+              <a:rPr lang="en-US" dirty="0" smtClean="0"/>
+              <a:t>SIS Model</a:t>
+            </a:r>
+            <a:endParaRPr lang="en-US" dirty="0"/>
+          </a:p>
+        </p:txBody>
+      </p:sp>
+      <p:sp>
+        <p:nvSpPr>
+          <p:cNvPr id="5" name="Oval 4"/>
+          <p:cNvSpPr/>
+          <p:nvPr/>
+        </p:nvSpPr>
+        <p:spPr>
+          <a:xfrm>
+            <a:off x="2123090" y="2963917"/>
+            <a:ext cx="1271751" cy="1271751"/>
+          </a:xfrm>
+          <a:prstGeom prst="ellipse">
+            <a:avLst/>
+          </a:prstGeom>
+          <a:noFill/>
+          <a:ln w="38100">
+            <a:solidFill>
+              <a:schemeClr val="tx1"/>
+            </a:solidFill>
+          </a:ln>
+        </p:spPr>
+        <p:style>
+          <a:lnRef idx="2">
+            <a:schemeClr val="accent1">
+              <a:shade val="50000"/>
+            </a:schemeClr>
+          </a:lnRef>
+          <a:fillRef idx="1">
+            <a:schemeClr val="accent1"/>
+          </a:fillRef>
+          <a:effectRef idx="0">
+            <a:schemeClr val="accent1"/>
+          </a:effectRef>
+          <a:fontRef idx="minor">
+            <a:schemeClr val="lt1"/>
+          </a:fontRef>
+        </p:style>
+        <p:txBody>
+          <a:bodyPr rtlCol="0" anchor="ctr"/>
+          <a:lstStyle/>
+          <a:p>
+            <a:pPr algn="ctr"/>
+            <a:r>
+              <a:rPr lang="en-US" sz="6000" dirty="0" smtClean="0">
+                <a:solidFill>
+                  <a:schemeClr val="tx1"/>
+                </a:solidFill>
+              </a:rPr>
+              <a:t>S</a:t>
+            </a:r>
+            <a:endParaRPr lang="en-US" sz="6000" dirty="0">
+              <a:solidFill>
+                <a:schemeClr val="tx1"/>
+              </a:solidFill>
+            </a:endParaRPr>
+          </a:p>
+        </p:txBody>
+      </p:sp>
+      <p:sp>
+        <p:nvSpPr>
+          <p:cNvPr id="6" name="Oval 5"/>
+          <p:cNvSpPr/>
+          <p:nvPr/>
+        </p:nvSpPr>
+        <p:spPr>
+          <a:xfrm>
+            <a:off x="4482663" y="2963917"/>
+            <a:ext cx="1271751" cy="1271751"/>
+          </a:xfrm>
+          <a:prstGeom prst="ellipse">
+            <a:avLst/>
+          </a:prstGeom>
+          <a:noFill/>
+          <a:ln w="38100">
+            <a:solidFill>
+              <a:schemeClr val="tx1"/>
+            </a:solidFill>
+          </a:ln>
+        </p:spPr>
+        <p:style>
+          <a:lnRef idx="2">
+            <a:schemeClr val="accent1">
+              <a:shade val="50000"/>
+            </a:schemeClr>
+          </a:lnRef>
+          <a:fillRef idx="1">
+            <a:schemeClr val="accent1"/>
+          </a:fillRef>
+          <a:effectRef idx="0">
+            <a:schemeClr val="accent1"/>
+          </a:effectRef>
+          <a:fontRef idx="minor">
+            <a:schemeClr val="lt1"/>
+          </a:fontRef>
+        </p:style>
+        <p:txBody>
+          <a:bodyPr rtlCol="0" anchor="ctr"/>
+          <a:lstStyle/>
+          <a:p>
+            <a:pPr algn="ctr"/>
+            <a:r>
+              <a:rPr lang="en-US" sz="6000" dirty="0" smtClean="0">
+                <a:solidFill>
+                  <a:schemeClr val="tx1"/>
+                </a:solidFill>
+              </a:rPr>
+              <a:t>I</a:t>
+            </a:r>
+            <a:endParaRPr lang="en-US" sz="6000" dirty="0">
+              <a:solidFill>
+                <a:schemeClr val="tx1"/>
+              </a:solidFill>
+            </a:endParaRPr>
+          </a:p>
+        </p:txBody>
+      </p:sp>
+      <p:cxnSp>
+        <p:nvCxnSpPr>
+          <p:cNvPr id="9" name="Straight Arrow Connector 8"/>
+          <p:cNvCxnSpPr>
+            <a:stCxn id="5" idx="7"/>
+            <a:endCxn id="6" idx="1"/>
+          </p:cNvCxnSpPr>
+          <p:nvPr/>
+        </p:nvCxnSpPr>
+        <p:spPr>
+          <a:xfrm>
+            <a:off x="3208597" y="3150161"/>
+            <a:ext cx="1460310" cy="0"/>
+          </a:xfrm>
+          <a:prstGeom prst="straightConnector1">
+            <a:avLst/>
+          </a:prstGeom>
+          <a:ln w="38100">
+            <a:solidFill>
+              <a:schemeClr val="tx1"/>
+            </a:solidFill>
+            <a:tailEnd type="triangle"/>
+          </a:ln>
+        </p:spPr>
+        <p:style>
+          <a:lnRef idx="1">
+            <a:schemeClr val="accent1"/>
+          </a:lnRef>
+          <a:fillRef idx="0">
+            <a:schemeClr val="accent1"/>
+          </a:fillRef>
+          <a:effectRef idx="0">
+            <a:schemeClr val="accent1"/>
+          </a:effectRef>
+          <a:fontRef idx="minor">
+            <a:schemeClr val="tx1"/>
+          </a:fontRef>
+        </p:style>
+      </p:cxnSp>
+      <p:cxnSp>
+        <p:nvCxnSpPr>
+          <p:cNvPr id="8" name="Straight Arrow Connector 7"/>
+          <p:cNvCxnSpPr>
+            <a:stCxn id="6" idx="3"/>
+            <a:endCxn id="5" idx="5"/>
+          </p:cNvCxnSpPr>
+          <p:nvPr/>
+        </p:nvCxnSpPr>
+        <p:spPr>
+          <a:xfrm flipH="1">
+            <a:off x="3208597" y="4049424"/>
+            <a:ext cx="1460310" cy="0"/>
+          </a:xfrm>
+          <a:prstGeom prst="straightConnector1">
+            <a:avLst/>
+          </a:prstGeom>
+          <a:ln w="38100">
+            <a:solidFill>
+              <a:schemeClr val="tx1"/>
+            </a:solidFill>
+            <a:tailEnd type="triangle"/>
+          </a:ln>
+        </p:spPr>
+        <p:style>
+          <a:lnRef idx="1">
+            <a:schemeClr val="accent1"/>
+          </a:lnRef>
+          <a:fillRef idx="0">
+            <a:schemeClr val="accent1"/>
+          </a:fillRef>
+          <a:effectRef idx="0">
+            <a:schemeClr val="accent1"/>
+          </a:effectRef>
+          <a:fontRef idx="minor">
+            <a:schemeClr val="tx1"/>
+          </a:fontRef>
+        </p:style>
+      </p:cxnSp>
+    </p:spTree>
+    <p:extLst>
+      <p:ext uri="{BB962C8B-B14F-4D97-AF65-F5344CB8AC3E}">
+        <p14:creationId xmlns:p14="http://schemas.microsoft.com/office/powerpoint/2010/main" val="927035815"/>
+      </p:ext>
+    </p:extLst>
+  </p:cSld>
+  <p:clrMapOvr>
+    <a:masterClrMapping/>
+  </p:clrMapOvr>
+</p:sld>
+</file>
+
+<file path=ppt/slides/slide11.xml><?xml version="1.0" encoding="utf-8"?>
+<p:sld xmlns:a="http://schemas.openxmlformats.org/drawingml/2006/main" xmlns:r="http://schemas.openxmlformats.org/officeDocument/2006/relationships" xmlns:p="http://schemas.openxmlformats.org/presentationml/2006/main">
+  <p:cSld>
+    <p:spTree>
+      <p:nvGrpSpPr>
+        <p:cNvPr id="1" name=""/>
+        <p:cNvGrpSpPr/>
+        <p:nvPr/>
+      </p:nvGrpSpPr>
+      <p:grpSpPr>
+        <a:xfrm>
+          <a:off x="0" y="0"/>
+          <a:ext cx="0" cy="0"/>
+          <a:chOff x="0" y="0"/>
+          <a:chExt cx="0" cy="0"/>
+        </a:xfrm>
+      </p:grpSpPr>
+      <p:sp>
+        <p:nvSpPr>
+          <p:cNvPr id="2" name="Title 1"/>
+          <p:cNvSpPr>
+            <a:spLocks noGrp="1"/>
+          </p:cNvSpPr>
+          <p:nvPr>
+            <p:ph type="title"/>
+          </p:nvPr>
+        </p:nvSpPr>
+        <p:spPr/>
+        <p:txBody>
+          <a:bodyPr/>
+          <a:lstStyle/>
+          <a:p>
+            <a:r>
+              <a:rPr lang="en-US" dirty="0" smtClean="0"/>
+              <a:t>SVITR Model</a:t>
+            </a:r>
+            <a:endParaRPr lang="en-US" dirty="0"/>
+          </a:p>
+        </p:txBody>
+      </p:sp>
+      <p:sp>
+        <p:nvSpPr>
+          <p:cNvPr id="5" name="Oval 4"/>
+          <p:cNvSpPr/>
+          <p:nvPr/>
+        </p:nvSpPr>
+        <p:spPr>
+          <a:xfrm>
+            <a:off x="1429407" y="3489434"/>
+            <a:ext cx="1271751" cy="1271751"/>
+          </a:xfrm>
+          <a:prstGeom prst="ellipse">
+            <a:avLst/>
+          </a:prstGeom>
+          <a:noFill/>
+          <a:ln w="38100">
+            <a:solidFill>
+              <a:schemeClr val="tx1"/>
+            </a:solidFill>
+          </a:ln>
+        </p:spPr>
+        <p:style>
+          <a:lnRef idx="2">
+            <a:schemeClr val="accent1">
+              <a:shade val="50000"/>
+            </a:schemeClr>
+          </a:lnRef>
+          <a:fillRef idx="1">
+            <a:schemeClr val="accent1"/>
+          </a:fillRef>
+          <a:effectRef idx="0">
+            <a:schemeClr val="accent1"/>
+          </a:effectRef>
+          <a:fontRef idx="minor">
+            <a:schemeClr val="lt1"/>
+          </a:fontRef>
+        </p:style>
+        <p:txBody>
+          <a:bodyPr rtlCol="0" anchor="ctr"/>
+          <a:lstStyle/>
+          <a:p>
+            <a:pPr algn="ctr"/>
+            <a:r>
+              <a:rPr lang="en-US" sz="6000" dirty="0" smtClean="0">
+                <a:solidFill>
+                  <a:schemeClr val="tx1"/>
+                </a:solidFill>
+              </a:rPr>
+              <a:t>S</a:t>
+            </a:r>
+            <a:endParaRPr lang="en-US" sz="6000" dirty="0">
+              <a:solidFill>
+                <a:schemeClr val="tx1"/>
+              </a:solidFill>
+            </a:endParaRPr>
+          </a:p>
+        </p:txBody>
+      </p:sp>
+      <p:sp>
+        <p:nvSpPr>
+          <p:cNvPr id="6" name="Oval 5"/>
+          <p:cNvSpPr/>
+          <p:nvPr/>
+        </p:nvSpPr>
+        <p:spPr>
+          <a:xfrm>
+            <a:off x="3788980" y="3489434"/>
+            <a:ext cx="1271751" cy="1271751"/>
+          </a:xfrm>
+          <a:prstGeom prst="ellipse">
+            <a:avLst/>
+          </a:prstGeom>
+          <a:noFill/>
+          <a:ln w="38100">
+            <a:solidFill>
+              <a:schemeClr val="tx1"/>
+            </a:solidFill>
+          </a:ln>
+        </p:spPr>
+        <p:style>
+          <a:lnRef idx="2">
+            <a:schemeClr val="accent1">
+              <a:shade val="50000"/>
+            </a:schemeClr>
+          </a:lnRef>
+          <a:fillRef idx="1">
+            <a:schemeClr val="accent1"/>
+          </a:fillRef>
+          <a:effectRef idx="0">
+            <a:schemeClr val="accent1"/>
+          </a:effectRef>
+          <a:fontRef idx="minor">
+            <a:schemeClr val="lt1"/>
+          </a:fontRef>
+        </p:style>
+        <p:txBody>
+          <a:bodyPr rtlCol="0" anchor="ctr"/>
+          <a:lstStyle/>
+          <a:p>
+            <a:pPr algn="ctr"/>
+            <a:r>
+              <a:rPr lang="en-US" sz="6000" dirty="0" smtClean="0">
+                <a:solidFill>
+                  <a:schemeClr val="tx1"/>
+                </a:solidFill>
+              </a:rPr>
+              <a:t>I</a:t>
+            </a:r>
+            <a:endParaRPr lang="en-US" sz="6000" dirty="0">
+              <a:solidFill>
+                <a:schemeClr val="tx1"/>
+              </a:solidFill>
+            </a:endParaRPr>
+          </a:p>
+        </p:txBody>
+      </p:sp>
+      <p:sp>
+        <p:nvSpPr>
+          <p:cNvPr id="7" name="Oval 6"/>
+          <p:cNvSpPr/>
+          <p:nvPr/>
+        </p:nvSpPr>
+        <p:spPr>
+          <a:xfrm>
+            <a:off x="6148553" y="3489434"/>
+            <a:ext cx="1271751" cy="1271751"/>
+          </a:xfrm>
+          <a:prstGeom prst="ellipse">
+            <a:avLst/>
+          </a:prstGeom>
+          <a:noFill/>
+          <a:ln w="38100">
+            <a:solidFill>
+              <a:schemeClr val="tx1"/>
+            </a:solidFill>
+          </a:ln>
+        </p:spPr>
+        <p:style>
+          <a:lnRef idx="2">
+            <a:schemeClr val="accent1">
+              <a:shade val="50000"/>
+            </a:schemeClr>
+          </a:lnRef>
+          <a:fillRef idx="1">
+            <a:schemeClr val="accent1"/>
+          </a:fillRef>
+          <a:effectRef idx="0">
+            <a:schemeClr val="accent1"/>
+          </a:effectRef>
+          <a:fontRef idx="minor">
+            <a:schemeClr val="lt1"/>
+          </a:fontRef>
+        </p:style>
+        <p:txBody>
+          <a:bodyPr rtlCol="0" anchor="ctr"/>
+          <a:lstStyle/>
+          <a:p>
+            <a:pPr algn="ctr"/>
+            <a:r>
+              <a:rPr lang="en-US" sz="6000" dirty="0" smtClean="0">
+                <a:solidFill>
+                  <a:schemeClr val="tx1"/>
+                </a:solidFill>
+              </a:rPr>
+              <a:t>T</a:t>
+            </a:r>
+            <a:endParaRPr lang="en-US" sz="6000" dirty="0">
+              <a:solidFill>
+                <a:schemeClr val="tx1"/>
+              </a:solidFill>
+            </a:endParaRPr>
+          </a:p>
+        </p:txBody>
+      </p:sp>
+      <p:cxnSp>
+        <p:nvCxnSpPr>
+          <p:cNvPr id="9" name="Straight Arrow Connector 8"/>
+          <p:cNvCxnSpPr>
+            <a:stCxn id="5" idx="6"/>
+            <a:endCxn id="6" idx="2"/>
+          </p:cNvCxnSpPr>
+          <p:nvPr/>
+        </p:nvCxnSpPr>
+        <p:spPr>
+          <a:xfrm>
+            <a:off x="2701158" y="4125310"/>
+            <a:ext cx="1087822" cy="0"/>
+          </a:xfrm>
+          <a:prstGeom prst="straightConnector1">
+            <a:avLst/>
+          </a:prstGeom>
+          <a:ln w="38100">
+            <a:solidFill>
+              <a:schemeClr val="tx1"/>
+            </a:solidFill>
+            <a:tailEnd type="triangle"/>
+          </a:ln>
+        </p:spPr>
+        <p:style>
+          <a:lnRef idx="1">
+            <a:schemeClr val="accent1"/>
+          </a:lnRef>
+          <a:fillRef idx="0">
+            <a:schemeClr val="accent1"/>
+          </a:fillRef>
+          <a:effectRef idx="0">
+            <a:schemeClr val="accent1"/>
+          </a:effectRef>
+          <a:fontRef idx="minor">
+            <a:schemeClr val="tx1"/>
+          </a:fontRef>
+        </p:style>
+      </p:cxnSp>
+      <p:cxnSp>
+        <p:nvCxnSpPr>
+          <p:cNvPr id="10" name="Straight Arrow Connector 9"/>
+          <p:cNvCxnSpPr>
+            <a:stCxn id="6" idx="6"/>
+            <a:endCxn id="7" idx="2"/>
+          </p:cNvCxnSpPr>
+          <p:nvPr/>
+        </p:nvCxnSpPr>
+        <p:spPr>
+          <a:xfrm>
+            <a:off x="5060731" y="4125310"/>
+            <a:ext cx="1087822" cy="0"/>
+          </a:xfrm>
+          <a:prstGeom prst="straightConnector1">
+            <a:avLst/>
+          </a:prstGeom>
+          <a:ln w="38100">
+            <a:solidFill>
+              <a:schemeClr val="tx1"/>
+            </a:solidFill>
+            <a:tailEnd type="triangle"/>
+          </a:ln>
+        </p:spPr>
+        <p:style>
+          <a:lnRef idx="1">
+            <a:schemeClr val="accent1"/>
+          </a:lnRef>
+          <a:fillRef idx="0">
+            <a:schemeClr val="accent1"/>
+          </a:fillRef>
+          <a:effectRef idx="0">
+            <a:schemeClr val="accent1"/>
+          </a:effectRef>
+          <a:fontRef idx="minor">
+            <a:schemeClr val="tx1"/>
+          </a:fontRef>
+        </p:style>
+      </p:cxnSp>
+      <p:cxnSp>
+        <p:nvCxnSpPr>
+          <p:cNvPr id="8" name="Curved Connector 7"/>
+          <p:cNvCxnSpPr>
+            <a:stCxn id="5" idx="5"/>
+            <a:endCxn id="11" idx="3"/>
+          </p:cNvCxnSpPr>
+          <p:nvPr/>
+        </p:nvCxnSpPr>
+        <p:spPr>
+          <a:xfrm rot="5400000" flipH="1" flipV="1">
+            <a:off x="5604641" y="1485213"/>
+            <a:ext cx="1" cy="6179456"/>
+          </a:xfrm>
+          <a:prstGeom prst="curvedConnector3">
+            <a:avLst>
+              <a:gd name="adj1" fmla="val -41484400000"/>
+            </a:avLst>
+          </a:prstGeom>
+          <a:ln w="38100">
+            <a:solidFill>
+              <a:schemeClr val="tx1"/>
+            </a:solidFill>
+            <a:tailEnd type="triangle"/>
+          </a:ln>
+        </p:spPr>
+        <p:style>
+          <a:lnRef idx="1">
+            <a:schemeClr val="accent1"/>
+          </a:lnRef>
+          <a:fillRef idx="0">
+            <a:schemeClr val="accent1"/>
+          </a:fillRef>
+          <a:effectRef idx="0">
+            <a:schemeClr val="accent1"/>
+          </a:effectRef>
+          <a:fontRef idx="minor">
+            <a:schemeClr val="tx1"/>
+          </a:fontRef>
+        </p:style>
+      </p:cxnSp>
+      <p:sp>
+        <p:nvSpPr>
+          <p:cNvPr id="11" name="Oval 10"/>
+          <p:cNvSpPr/>
+          <p:nvPr/>
+        </p:nvSpPr>
+        <p:spPr>
+          <a:xfrm>
+            <a:off x="8508126" y="3489433"/>
+            <a:ext cx="1271751" cy="1271751"/>
+          </a:xfrm>
+          <a:prstGeom prst="ellipse">
+            <a:avLst/>
+          </a:prstGeom>
+          <a:noFill/>
+          <a:ln w="38100">
+            <a:solidFill>
+              <a:schemeClr val="tx1"/>
+            </a:solidFill>
+          </a:ln>
+        </p:spPr>
+        <p:style>
+          <a:lnRef idx="2">
+            <a:schemeClr val="accent1">
+              <a:shade val="50000"/>
+            </a:schemeClr>
+          </a:lnRef>
+          <a:fillRef idx="1">
+            <a:schemeClr val="accent1"/>
+          </a:fillRef>
+          <a:effectRef idx="0">
+            <a:schemeClr val="accent1"/>
+          </a:effectRef>
+          <a:fontRef idx="minor">
+            <a:schemeClr val="lt1"/>
+          </a:fontRef>
+        </p:style>
+        <p:txBody>
+          <a:bodyPr rtlCol="0" anchor="ctr"/>
+          <a:lstStyle/>
+          <a:p>
+            <a:pPr algn="ctr"/>
+            <a:r>
+              <a:rPr lang="en-US" sz="6000" dirty="0" smtClean="0">
+                <a:solidFill>
+                  <a:schemeClr val="tx1"/>
+                </a:solidFill>
+              </a:rPr>
+              <a:t>R</a:t>
+            </a:r>
+            <a:endParaRPr lang="en-US" sz="6000" dirty="0">
+              <a:solidFill>
+                <a:schemeClr val="tx1"/>
+              </a:solidFill>
+            </a:endParaRPr>
+          </a:p>
+        </p:txBody>
+      </p:sp>
+      <p:cxnSp>
+        <p:nvCxnSpPr>
+          <p:cNvPr id="13" name="Straight Arrow Connector 12"/>
+          <p:cNvCxnSpPr>
+            <a:stCxn id="7" idx="6"/>
+            <a:endCxn id="11" idx="2"/>
+          </p:cNvCxnSpPr>
+          <p:nvPr/>
+        </p:nvCxnSpPr>
+        <p:spPr>
+          <a:xfrm flipV="1">
+            <a:off x="7420304" y="4125309"/>
+            <a:ext cx="1087822" cy="1"/>
+          </a:xfrm>
+          <a:prstGeom prst="straightConnector1">
+            <a:avLst/>
+          </a:prstGeom>
+          <a:ln w="38100">
+            <a:solidFill>
+              <a:schemeClr val="tx1"/>
+            </a:solidFill>
+            <a:tailEnd type="triangle"/>
+          </a:ln>
+        </p:spPr>
+        <p:style>
+          <a:lnRef idx="1">
+            <a:schemeClr val="accent1"/>
+          </a:lnRef>
+          <a:fillRef idx="0">
+            <a:schemeClr val="accent1"/>
+          </a:fillRef>
+          <a:effectRef idx="0">
+            <a:schemeClr val="accent1"/>
+          </a:effectRef>
+          <a:fontRef idx="minor">
+            <a:schemeClr val="tx1"/>
+          </a:fontRef>
+        </p:style>
+      </p:cxnSp>
+      <p:cxnSp>
+        <p:nvCxnSpPr>
+          <p:cNvPr id="16" name="Curved Connector 15"/>
+          <p:cNvCxnSpPr>
+            <a:stCxn id="6" idx="7"/>
+            <a:endCxn id="11" idx="1"/>
+          </p:cNvCxnSpPr>
+          <p:nvPr/>
+        </p:nvCxnSpPr>
+        <p:spPr>
+          <a:xfrm rot="5400000" flipH="1" flipV="1">
+            <a:off x="6784428" y="1765737"/>
+            <a:ext cx="1" cy="3819883"/>
+          </a:xfrm>
+          <a:prstGeom prst="curvedConnector3">
+            <a:avLst>
+              <a:gd name="adj1" fmla="val 41484500000"/>
+            </a:avLst>
+          </a:prstGeom>
+          <a:ln w="38100">
+            <a:solidFill>
+              <a:schemeClr val="tx1"/>
+            </a:solidFill>
+            <a:tailEnd type="triangle"/>
+          </a:ln>
+        </p:spPr>
+        <p:style>
+          <a:lnRef idx="1">
+            <a:schemeClr val="accent1"/>
+          </a:lnRef>
+          <a:fillRef idx="0">
+            <a:schemeClr val="accent1"/>
+          </a:fillRef>
+          <a:effectRef idx="0">
+            <a:schemeClr val="accent1"/>
+          </a:effectRef>
+          <a:fontRef idx="minor">
+            <a:schemeClr val="tx1"/>
+          </a:fontRef>
+        </p:style>
+      </p:cxnSp>
+    </p:spTree>
+    <p:extLst>
+      <p:ext uri="{BB962C8B-B14F-4D97-AF65-F5344CB8AC3E}">
+        <p14:creationId xmlns:p14="http://schemas.microsoft.com/office/powerpoint/2010/main" val="1609320151"/>
+      </p:ext>
+    </p:extLst>
+  </p:cSld>
+  <p:clrMapOvr>
+    <a:masterClrMapping/>
+  </p:clrMapOvr>
+</p:sld>
+</file>
+
+<file path=ppt/slides/slide2.xml><?xml version="1.0" encoding="utf-8"?>
+<p:sld xmlns:a="http://schemas.openxmlformats.org/drawingml/2006/main" xmlns:r="http://schemas.openxmlformats.org/officeDocument/2006/relationships" xmlns:p="http://schemas.openxmlformats.org/presentationml/2006/main">
+  <p:cSld>
+    <p:spTree>
+      <p:nvGrpSpPr>
+        <p:cNvPr id="1" name=""/>
+        <p:cNvGrpSpPr/>
+        <p:nvPr/>
+      </p:nvGrpSpPr>
+      <p:grpSpPr>
+        <a:xfrm>
+          <a:off x="0" y="0"/>
+          <a:ext cx="0" cy="0"/>
+          <a:chOff x="0" y="0"/>
+          <a:chExt cx="0" cy="0"/>
+        </a:xfrm>
+      </p:grpSpPr>
+      <p:sp>
+        <p:nvSpPr>
           <p:cNvPr id="2" name="Title 1"/>
           <p:cNvSpPr>
             <a:spLocks noGrp="1"/>
@@ -9863,491 +13179,7 @@
 </p:sld>
 </file>
 
-<file path=ppt/slides/slide10.xml><?xml version="1.0" encoding="utf-8"?>
-<p:sld xmlns:a="http://schemas.openxmlformats.org/drawingml/2006/main" xmlns:r="http://schemas.openxmlformats.org/officeDocument/2006/relationships" xmlns:p="http://schemas.openxmlformats.org/presentationml/2006/main">
-  <p:cSld>
-    <p:spTree>
-      <p:nvGrpSpPr>
-        <p:cNvPr id="1" name=""/>
-        <p:cNvGrpSpPr/>
-        <p:nvPr/>
-      </p:nvGrpSpPr>
-      <p:grpSpPr>
-        <a:xfrm>
-          <a:off x="0" y="0"/>
-          <a:ext cx="0" cy="0"/>
-          <a:chOff x="0" y="0"/>
-          <a:chExt cx="0" cy="0"/>
-        </a:xfrm>
-      </p:grpSpPr>
-      <p:sp>
-        <p:nvSpPr>
-          <p:cNvPr id="2" name="Title 1"/>
-          <p:cNvSpPr>
-            <a:spLocks noGrp="1"/>
-          </p:cNvSpPr>
-          <p:nvPr>
-            <p:ph type="title"/>
-          </p:nvPr>
-        </p:nvSpPr>
-        <p:spPr/>
-        <p:txBody>
-          <a:bodyPr/>
-          <a:lstStyle/>
-          <a:p>
-            <a:r>
-              <a:rPr lang="en-US" dirty="0" smtClean="0"/>
-              <a:t>SVITR Model</a:t>
-            </a:r>
-            <a:endParaRPr lang="en-US" dirty="0"/>
-          </a:p>
-        </p:txBody>
-      </p:sp>
-      <p:sp>
-        <p:nvSpPr>
-          <p:cNvPr id="5" name="Oval 4"/>
-          <p:cNvSpPr/>
-          <p:nvPr/>
-        </p:nvSpPr>
-        <p:spPr>
-          <a:xfrm>
-            <a:off x="1429407" y="3489434"/>
-            <a:ext cx="1271751" cy="1271751"/>
-          </a:xfrm>
-          <a:prstGeom prst="ellipse">
-            <a:avLst/>
-          </a:prstGeom>
-          <a:noFill/>
-          <a:ln w="38100">
-            <a:solidFill>
-              <a:schemeClr val="tx1"/>
-            </a:solidFill>
-          </a:ln>
-        </p:spPr>
-        <p:style>
-          <a:lnRef idx="2">
-            <a:schemeClr val="accent1">
-              <a:shade val="50000"/>
-            </a:schemeClr>
-          </a:lnRef>
-          <a:fillRef idx="1">
-            <a:schemeClr val="accent1"/>
-          </a:fillRef>
-          <a:effectRef idx="0">
-            <a:schemeClr val="accent1"/>
-          </a:effectRef>
-          <a:fontRef idx="minor">
-            <a:schemeClr val="lt1"/>
-          </a:fontRef>
-        </p:style>
-        <p:txBody>
-          <a:bodyPr rtlCol="0" anchor="ctr"/>
-          <a:lstStyle/>
-          <a:p>
-            <a:pPr algn="ctr"/>
-            <a:r>
-              <a:rPr lang="en-US" sz="6000" dirty="0" smtClean="0">
-                <a:solidFill>
-                  <a:schemeClr val="tx1"/>
-                </a:solidFill>
-              </a:rPr>
-              <a:t>S</a:t>
-            </a:r>
-            <a:endParaRPr lang="en-US" sz="6000" dirty="0">
-              <a:solidFill>
-                <a:schemeClr val="tx1"/>
-              </a:solidFill>
-            </a:endParaRPr>
-          </a:p>
-        </p:txBody>
-      </p:sp>
-      <p:sp>
-        <p:nvSpPr>
-          <p:cNvPr id="6" name="Oval 5"/>
-          <p:cNvSpPr/>
-          <p:nvPr/>
-        </p:nvSpPr>
-        <p:spPr>
-          <a:xfrm>
-            <a:off x="3788980" y="3489434"/>
-            <a:ext cx="1271751" cy="1271751"/>
-          </a:xfrm>
-          <a:prstGeom prst="ellipse">
-            <a:avLst/>
-          </a:prstGeom>
-          <a:noFill/>
-          <a:ln w="38100">
-            <a:solidFill>
-              <a:schemeClr val="tx1"/>
-            </a:solidFill>
-          </a:ln>
-        </p:spPr>
-        <p:style>
-          <a:lnRef idx="2">
-            <a:schemeClr val="accent1">
-              <a:shade val="50000"/>
-            </a:schemeClr>
-          </a:lnRef>
-          <a:fillRef idx="1">
-            <a:schemeClr val="accent1"/>
-          </a:fillRef>
-          <a:effectRef idx="0">
-            <a:schemeClr val="accent1"/>
-          </a:effectRef>
-          <a:fontRef idx="minor">
-            <a:schemeClr val="lt1"/>
-          </a:fontRef>
-        </p:style>
-        <p:txBody>
-          <a:bodyPr rtlCol="0" anchor="ctr"/>
-          <a:lstStyle/>
-          <a:p>
-            <a:pPr algn="ctr"/>
-            <a:r>
-              <a:rPr lang="en-US" sz="6000" dirty="0" smtClean="0">
-                <a:solidFill>
-                  <a:schemeClr val="tx1"/>
-                </a:solidFill>
-              </a:rPr>
-              <a:t>I</a:t>
-            </a:r>
-            <a:endParaRPr lang="en-US" sz="6000" dirty="0">
-              <a:solidFill>
-                <a:schemeClr val="tx1"/>
-              </a:solidFill>
-            </a:endParaRPr>
-          </a:p>
-        </p:txBody>
-      </p:sp>
-      <p:sp>
-        <p:nvSpPr>
-          <p:cNvPr id="7" name="Oval 6"/>
-          <p:cNvSpPr/>
-          <p:nvPr/>
-        </p:nvSpPr>
-        <p:spPr>
-          <a:xfrm>
-            <a:off x="6148553" y="3489434"/>
-            <a:ext cx="1271751" cy="1271751"/>
-          </a:xfrm>
-          <a:prstGeom prst="ellipse">
-            <a:avLst/>
-          </a:prstGeom>
-          <a:noFill/>
-          <a:ln w="38100">
-            <a:solidFill>
-              <a:schemeClr val="tx1"/>
-            </a:solidFill>
-          </a:ln>
-        </p:spPr>
-        <p:style>
-          <a:lnRef idx="2">
-            <a:schemeClr val="accent1">
-              <a:shade val="50000"/>
-            </a:schemeClr>
-          </a:lnRef>
-          <a:fillRef idx="1">
-            <a:schemeClr val="accent1"/>
-          </a:fillRef>
-          <a:effectRef idx="0">
-            <a:schemeClr val="accent1"/>
-          </a:effectRef>
-          <a:fontRef idx="minor">
-            <a:schemeClr val="lt1"/>
-          </a:fontRef>
-        </p:style>
-        <p:txBody>
-          <a:bodyPr rtlCol="0" anchor="ctr"/>
-          <a:lstStyle/>
-          <a:p>
-            <a:pPr algn="ctr"/>
-            <a:r>
-              <a:rPr lang="en-US" sz="6000" dirty="0" smtClean="0">
-                <a:solidFill>
-                  <a:schemeClr val="tx1"/>
-                </a:solidFill>
-              </a:rPr>
-              <a:t>T</a:t>
-            </a:r>
-            <a:endParaRPr lang="en-US" sz="6000" dirty="0">
-              <a:solidFill>
-                <a:schemeClr val="tx1"/>
-              </a:solidFill>
-            </a:endParaRPr>
-          </a:p>
-        </p:txBody>
-      </p:sp>
-      <p:cxnSp>
-        <p:nvCxnSpPr>
-          <p:cNvPr id="9" name="Straight Arrow Connector 8"/>
-          <p:cNvCxnSpPr>
-            <a:stCxn id="5" idx="6"/>
-            <a:endCxn id="6" idx="2"/>
-          </p:cNvCxnSpPr>
-          <p:nvPr/>
-        </p:nvCxnSpPr>
-        <p:spPr>
-          <a:xfrm>
-            <a:off x="2701158" y="4125310"/>
-            <a:ext cx="1087822" cy="0"/>
-          </a:xfrm>
-          <a:prstGeom prst="straightConnector1">
-            <a:avLst/>
-          </a:prstGeom>
-          <a:ln w="38100">
-            <a:solidFill>
-              <a:schemeClr val="tx1"/>
-            </a:solidFill>
-            <a:tailEnd type="triangle"/>
-          </a:ln>
-        </p:spPr>
-        <p:style>
-          <a:lnRef idx="1">
-            <a:schemeClr val="accent1"/>
-          </a:lnRef>
-          <a:fillRef idx="0">
-            <a:schemeClr val="accent1"/>
-          </a:fillRef>
-          <a:effectRef idx="0">
-            <a:schemeClr val="accent1"/>
-          </a:effectRef>
-          <a:fontRef idx="minor">
-            <a:schemeClr val="tx1"/>
-          </a:fontRef>
-        </p:style>
-      </p:cxnSp>
-      <p:cxnSp>
-        <p:nvCxnSpPr>
-          <p:cNvPr id="10" name="Straight Arrow Connector 9"/>
-          <p:cNvCxnSpPr>
-            <a:stCxn id="6" idx="6"/>
-            <a:endCxn id="7" idx="2"/>
-          </p:cNvCxnSpPr>
-          <p:nvPr/>
-        </p:nvCxnSpPr>
-        <p:spPr>
-          <a:xfrm>
-            <a:off x="5060731" y="4125310"/>
-            <a:ext cx="1087822" cy="0"/>
-          </a:xfrm>
-          <a:prstGeom prst="straightConnector1">
-            <a:avLst/>
-          </a:prstGeom>
-          <a:ln w="38100">
-            <a:solidFill>
-              <a:schemeClr val="tx1"/>
-            </a:solidFill>
-            <a:tailEnd type="triangle"/>
-          </a:ln>
-        </p:spPr>
-        <p:style>
-          <a:lnRef idx="1">
-            <a:schemeClr val="accent1"/>
-          </a:lnRef>
-          <a:fillRef idx="0">
-            <a:schemeClr val="accent1"/>
-          </a:fillRef>
-          <a:effectRef idx="0">
-            <a:schemeClr val="accent1"/>
-          </a:effectRef>
-          <a:fontRef idx="minor">
-            <a:schemeClr val="tx1"/>
-          </a:fontRef>
-        </p:style>
-      </p:cxnSp>
-      <p:cxnSp>
-        <p:nvCxnSpPr>
-          <p:cNvPr id="8" name="Curved Connector 7"/>
-          <p:cNvCxnSpPr>
-            <a:stCxn id="5" idx="5"/>
-            <a:endCxn id="11" idx="3"/>
-          </p:cNvCxnSpPr>
-          <p:nvPr/>
-        </p:nvCxnSpPr>
-        <p:spPr>
-          <a:xfrm rot="5400000" flipH="1" flipV="1">
-            <a:off x="5604641" y="1485213"/>
-            <a:ext cx="1" cy="6179456"/>
-          </a:xfrm>
-          <a:prstGeom prst="curvedConnector3">
-            <a:avLst>
-              <a:gd name="adj1" fmla="val -41484400000"/>
-            </a:avLst>
-          </a:prstGeom>
-          <a:ln w="38100">
-            <a:solidFill>
-              <a:schemeClr val="tx1"/>
-            </a:solidFill>
-            <a:tailEnd type="triangle"/>
-          </a:ln>
-        </p:spPr>
-        <p:style>
-          <a:lnRef idx="1">
-            <a:schemeClr val="accent1"/>
-          </a:lnRef>
-          <a:fillRef idx="0">
-            <a:schemeClr val="accent1"/>
-          </a:fillRef>
-          <a:effectRef idx="0">
-            <a:schemeClr val="accent1"/>
-          </a:effectRef>
-          <a:fontRef idx="minor">
-            <a:schemeClr val="tx1"/>
-          </a:fontRef>
-        </p:style>
-      </p:cxnSp>
-      <p:sp>
-        <p:nvSpPr>
-          <p:cNvPr id="11" name="Oval 10"/>
-          <p:cNvSpPr/>
-          <p:nvPr/>
-        </p:nvSpPr>
-        <p:spPr>
-          <a:xfrm>
-            <a:off x="8508126" y="3489433"/>
-            <a:ext cx="1271751" cy="1271751"/>
-          </a:xfrm>
-          <a:prstGeom prst="ellipse">
-            <a:avLst/>
-          </a:prstGeom>
-          <a:noFill/>
-          <a:ln w="38100">
-            <a:solidFill>
-              <a:schemeClr val="tx1"/>
-            </a:solidFill>
-          </a:ln>
-        </p:spPr>
-        <p:style>
-          <a:lnRef idx="2">
-            <a:schemeClr val="accent1">
-              <a:shade val="50000"/>
-            </a:schemeClr>
-          </a:lnRef>
-          <a:fillRef idx="1">
-            <a:schemeClr val="accent1"/>
-          </a:fillRef>
-          <a:effectRef idx="0">
-            <a:schemeClr val="accent1"/>
-          </a:effectRef>
-          <a:fontRef idx="minor">
-            <a:schemeClr val="lt1"/>
-          </a:fontRef>
-        </p:style>
-        <p:txBody>
-          <a:bodyPr rtlCol="0" anchor="ctr"/>
-          <a:lstStyle/>
-          <a:p>
-            <a:pPr algn="ctr"/>
-            <a:r>
-              <a:rPr lang="en-US" sz="6000" dirty="0" smtClean="0">
-                <a:solidFill>
-                  <a:schemeClr val="tx1"/>
-                </a:solidFill>
-              </a:rPr>
-              <a:t>R</a:t>
-            </a:r>
-            <a:endParaRPr lang="en-US" sz="6000" dirty="0">
-              <a:solidFill>
-                <a:schemeClr val="tx1"/>
-              </a:solidFill>
-            </a:endParaRPr>
-          </a:p>
-        </p:txBody>
-      </p:sp>
-      <p:cxnSp>
-        <p:nvCxnSpPr>
-          <p:cNvPr id="13" name="Straight Arrow Connector 12"/>
-          <p:cNvCxnSpPr>
-            <a:stCxn id="7" idx="6"/>
-            <a:endCxn id="11" idx="2"/>
-          </p:cNvCxnSpPr>
-          <p:nvPr/>
-        </p:nvCxnSpPr>
-        <p:spPr>
-          <a:xfrm flipV="1">
-            <a:off x="7420304" y="4125309"/>
-            <a:ext cx="1087822" cy="1"/>
-          </a:xfrm>
-          <a:prstGeom prst="straightConnector1">
-            <a:avLst/>
-          </a:prstGeom>
-          <a:ln w="38100">
-            <a:solidFill>
-              <a:schemeClr val="tx1"/>
-            </a:solidFill>
-            <a:tailEnd type="triangle"/>
-          </a:ln>
-        </p:spPr>
-        <p:style>
-          <a:lnRef idx="1">
-            <a:schemeClr val="accent1"/>
-          </a:lnRef>
-          <a:fillRef idx="0">
-            <a:schemeClr val="accent1"/>
-          </a:fillRef>
-          <a:effectRef idx="0">
-            <a:schemeClr val="accent1"/>
-          </a:effectRef>
-          <a:fontRef idx="minor">
-            <a:schemeClr val="tx1"/>
-          </a:fontRef>
-        </p:style>
-      </p:cxnSp>
-      <p:cxnSp>
-        <p:nvCxnSpPr>
-          <p:cNvPr id="16" name="Curved Connector 15"/>
-          <p:cNvCxnSpPr>
-            <a:stCxn id="6" idx="7"/>
-            <a:endCxn id="11" idx="1"/>
-          </p:cNvCxnSpPr>
-          <p:nvPr/>
-        </p:nvCxnSpPr>
-        <p:spPr>
-          <a:xfrm rot="5400000" flipH="1" flipV="1">
-            <a:off x="6784428" y="1765737"/>
-            <a:ext cx="1" cy="3819883"/>
-          </a:xfrm>
-          <a:prstGeom prst="curvedConnector3">
-            <a:avLst>
-              <a:gd name="adj1" fmla="val 41484500000"/>
-            </a:avLst>
-          </a:prstGeom>
-          <a:ln w="38100">
-            <a:solidFill>
-              <a:schemeClr val="tx1"/>
-            </a:solidFill>
-            <a:tailEnd type="triangle"/>
-          </a:ln>
-        </p:spPr>
-        <p:style>
-          <a:lnRef idx="1">
-            <a:schemeClr val="accent1"/>
-          </a:lnRef>
-          <a:fillRef idx="0">
-            <a:schemeClr val="accent1"/>
-          </a:fillRef>
-          <a:effectRef idx="0">
-            <a:schemeClr val="accent1"/>
-          </a:effectRef>
-          <a:fontRef idx="minor">
-            <a:schemeClr val="tx1"/>
-          </a:fontRef>
-        </p:style>
-      </p:cxnSp>
-    </p:spTree>
-    <p:extLst>
-      <p:ext uri="{BB962C8B-B14F-4D97-AF65-F5344CB8AC3E}">
-        <p14:creationId xmlns:p14="http://schemas.microsoft.com/office/powerpoint/2010/main" val="1609320151"/>
-      </p:ext>
-    </p:extLst>
-  </p:cSld>
-  <p:clrMapOvr>
-    <a:masterClrMapping/>
-  </p:clrMapOvr>
-</p:sld>
-</file>
-
-<file path=ppt/slides/slide2.xml><?xml version="1.0" encoding="utf-8"?>
+<file path=ppt/slides/slide3.xml><?xml version="1.0" encoding="utf-8"?>
 <p:sld xmlns:a="http://schemas.openxmlformats.org/drawingml/2006/main" xmlns:r="http://schemas.openxmlformats.org/officeDocument/2006/relationships" xmlns:p="http://schemas.openxmlformats.org/presentationml/2006/main">
   <p:cSld>
     <p:spTree>
@@ -11498,7 +14330,7 @@
 </p:sld>
 </file>
 
-<file path=ppt/slides/slide3.xml><?xml version="1.0" encoding="utf-8"?>
+<file path=ppt/slides/slide4.xml><?xml version="1.0" encoding="utf-8"?>
 <p:sld xmlns:a="http://schemas.openxmlformats.org/drawingml/2006/main" xmlns:r="http://schemas.openxmlformats.org/officeDocument/2006/relationships" xmlns:p="http://schemas.openxmlformats.org/presentationml/2006/main">
   <p:cSld>
     <p:spTree>
@@ -13218,7 +16050,7 @@
 </p:sld>
 </file>
 
-<file path=ppt/slides/slide4.xml><?xml version="1.0" encoding="utf-8"?>
+<file path=ppt/slides/slide5.xml><?xml version="1.0" encoding="utf-8"?>
 <p:sld xmlns:a="http://schemas.openxmlformats.org/drawingml/2006/main" xmlns:r="http://schemas.openxmlformats.org/officeDocument/2006/relationships" xmlns:p="http://schemas.openxmlformats.org/presentationml/2006/main">
   <p:cSld>
     <p:spTree>
@@ -18782,7 +21614,7 @@
 </p:sld>
 </file>
 
-<file path=ppt/slides/slide5.xml><?xml version="1.0" encoding="utf-8"?>
+<file path=ppt/slides/slide6.xml><?xml version="1.0" encoding="utf-8"?>
 <p:sld xmlns:a="http://schemas.openxmlformats.org/drawingml/2006/main" xmlns:r="http://schemas.openxmlformats.org/officeDocument/2006/relationships" xmlns:p="http://schemas.openxmlformats.org/presentationml/2006/main">
   <p:cSld>
     <p:spTree>
@@ -19169,7 +22001,7 @@
 </p:sld>
 </file>
 
-<file path=ppt/slides/slide6.xml><?xml version="1.0" encoding="utf-8"?>
+<file path=ppt/slides/slide7.xml><?xml version="1.0" encoding="utf-8"?>
 <p:sld xmlns:a="http://schemas.openxmlformats.org/drawingml/2006/main" xmlns:r="http://schemas.openxmlformats.org/officeDocument/2006/relationships" xmlns:p="http://schemas.openxmlformats.org/presentationml/2006/main">
   <p:cSld>
     <p:spTree>
@@ -19571,7 +22403,7 @@
 </p:sld>
 </file>
 
-<file path=ppt/slides/slide7.xml><?xml version="1.0" encoding="utf-8"?>
+<file path=ppt/slides/slide8.xml><?xml version="1.0" encoding="utf-8"?>
 <p:sld xmlns:a="http://schemas.openxmlformats.org/drawingml/2006/main" xmlns:r="http://schemas.openxmlformats.org/officeDocument/2006/relationships" xmlns:p="http://schemas.openxmlformats.org/presentationml/2006/main">
   <p:cSld>
     <p:spTree>
@@ -19779,7 +22611,7 @@
 </p:sld>
 </file>
 
-<file path=ppt/slides/slide8.xml><?xml version="1.0" encoding="utf-8"?>
+<file path=ppt/slides/slide9.xml><?xml version="1.0" encoding="utf-8"?>
 <p:sld xmlns:a="http://schemas.openxmlformats.org/drawingml/2006/main" xmlns:r="http://schemas.openxmlformats.org/officeDocument/2006/relationships" xmlns:p="http://schemas.openxmlformats.org/presentationml/2006/main">
   <p:cSld>
     <p:spTree>
@@ -20075,253 +22907,6 @@
     <p:extLst>
       <p:ext uri="{BB962C8B-B14F-4D97-AF65-F5344CB8AC3E}">
         <p14:creationId xmlns:p14="http://schemas.microsoft.com/office/powerpoint/2010/main" val="1106984897"/>
-      </p:ext>
-    </p:extLst>
-  </p:cSld>
-  <p:clrMapOvr>
-    <a:masterClrMapping/>
-  </p:clrMapOvr>
-</p:sld>
-</file>
-
-<file path=ppt/slides/slide9.xml><?xml version="1.0" encoding="utf-8"?>
-<p:sld xmlns:a="http://schemas.openxmlformats.org/drawingml/2006/main" xmlns:r="http://schemas.openxmlformats.org/officeDocument/2006/relationships" xmlns:p="http://schemas.openxmlformats.org/presentationml/2006/main">
-  <p:cSld>
-    <p:spTree>
-      <p:nvGrpSpPr>
-        <p:cNvPr id="1" name=""/>
-        <p:cNvGrpSpPr/>
-        <p:nvPr/>
-      </p:nvGrpSpPr>
-      <p:grpSpPr>
-        <a:xfrm>
-          <a:off x="0" y="0"/>
-          <a:ext cx="0" cy="0"/>
-          <a:chOff x="0" y="0"/>
-          <a:chExt cx="0" cy="0"/>
-        </a:xfrm>
-      </p:grpSpPr>
-      <p:sp>
-        <p:nvSpPr>
-          <p:cNvPr id="2" name="Title 1"/>
-          <p:cNvSpPr>
-            <a:spLocks noGrp="1"/>
-          </p:cNvSpPr>
-          <p:nvPr>
-            <p:ph type="title"/>
-          </p:nvPr>
-        </p:nvSpPr>
-        <p:spPr/>
-        <p:txBody>
-          <a:bodyPr/>
-          <a:lstStyle/>
-          <a:p>
-            <a:r>
-              <a:rPr lang="en-US" dirty="0" smtClean="0"/>
-              <a:t>SIS Model</a:t>
-            </a:r>
-            <a:endParaRPr lang="en-US" dirty="0"/>
-          </a:p>
-        </p:txBody>
-      </p:sp>
-      <p:sp>
-        <p:nvSpPr>
-          <p:cNvPr id="5" name="Oval 4"/>
-          <p:cNvSpPr/>
-          <p:nvPr/>
-        </p:nvSpPr>
-        <p:spPr>
-          <a:xfrm>
-            <a:off x="2123090" y="2963917"/>
-            <a:ext cx="1271751" cy="1271751"/>
-          </a:xfrm>
-          <a:prstGeom prst="ellipse">
-            <a:avLst/>
-          </a:prstGeom>
-          <a:noFill/>
-          <a:ln w="38100">
-            <a:solidFill>
-              <a:schemeClr val="tx1"/>
-            </a:solidFill>
-          </a:ln>
-        </p:spPr>
-        <p:style>
-          <a:lnRef idx="2">
-            <a:schemeClr val="accent1">
-              <a:shade val="50000"/>
-            </a:schemeClr>
-          </a:lnRef>
-          <a:fillRef idx="1">
-            <a:schemeClr val="accent1"/>
-          </a:fillRef>
-          <a:effectRef idx="0">
-            <a:schemeClr val="accent1"/>
-          </a:effectRef>
-          <a:fontRef idx="minor">
-            <a:schemeClr val="lt1"/>
-          </a:fontRef>
-        </p:style>
-        <p:txBody>
-          <a:bodyPr rtlCol="0" anchor="ctr"/>
-          <a:lstStyle/>
-          <a:p>
-            <a:pPr algn="ctr"/>
-            <a:r>
-              <a:rPr lang="en-US" sz="6000" dirty="0" smtClean="0">
-                <a:solidFill>
-                  <a:schemeClr val="tx1"/>
-                </a:solidFill>
-              </a:rPr>
-              <a:t>S</a:t>
-            </a:r>
-            <a:endParaRPr lang="en-US" sz="6000" dirty="0">
-              <a:solidFill>
-                <a:schemeClr val="tx1"/>
-              </a:solidFill>
-            </a:endParaRPr>
-          </a:p>
-        </p:txBody>
-      </p:sp>
-      <p:sp>
-        <p:nvSpPr>
-          <p:cNvPr id="6" name="Oval 5"/>
-          <p:cNvSpPr/>
-          <p:nvPr/>
-        </p:nvSpPr>
-        <p:spPr>
-          <a:xfrm>
-            <a:off x="4482663" y="2963917"/>
-            <a:ext cx="1271751" cy="1271751"/>
-          </a:xfrm>
-          <a:prstGeom prst="ellipse">
-            <a:avLst/>
-          </a:prstGeom>
-          <a:noFill/>
-          <a:ln w="38100">
-            <a:solidFill>
-              <a:schemeClr val="tx1"/>
-            </a:solidFill>
-          </a:ln>
-        </p:spPr>
-        <p:style>
-          <a:lnRef idx="2">
-            <a:schemeClr val="accent1">
-              <a:shade val="50000"/>
-            </a:schemeClr>
-          </a:lnRef>
-          <a:fillRef idx="1">
-            <a:schemeClr val="accent1"/>
-          </a:fillRef>
-          <a:effectRef idx="0">
-            <a:schemeClr val="accent1"/>
-          </a:effectRef>
-          <a:fontRef idx="minor">
-            <a:schemeClr val="lt1"/>
-          </a:fontRef>
-        </p:style>
-        <p:txBody>
-          <a:bodyPr rtlCol="0" anchor="ctr"/>
-          <a:lstStyle/>
-          <a:p>
-            <a:pPr algn="ctr"/>
-            <a:r>
-              <a:rPr lang="en-US" sz="6000" dirty="0" smtClean="0">
-                <a:solidFill>
-                  <a:schemeClr val="tx1"/>
-                </a:solidFill>
-              </a:rPr>
-              <a:t>I</a:t>
-            </a:r>
-            <a:endParaRPr lang="en-US" sz="6000" dirty="0">
-              <a:solidFill>
-                <a:schemeClr val="tx1"/>
-              </a:solidFill>
-            </a:endParaRPr>
-          </a:p>
-        </p:txBody>
-      </p:sp>
-      <p:cxnSp>
-        <p:nvCxnSpPr>
-          <p:cNvPr id="9" name="Straight Arrow Connector 8"/>
-          <p:cNvCxnSpPr>
-            <a:stCxn id="5" idx="7"/>
-            <a:endCxn id="6" idx="1"/>
-          </p:cNvCxnSpPr>
-          <p:nvPr/>
-        </p:nvCxnSpPr>
-        <p:spPr>
-          <a:xfrm>
-            <a:off x="3208597" y="3150161"/>
-            <a:ext cx="1460310" cy="0"/>
-          </a:xfrm>
-          <a:prstGeom prst="straightConnector1">
-            <a:avLst/>
-          </a:prstGeom>
-          <a:ln w="38100">
-            <a:solidFill>
-              <a:schemeClr val="tx1"/>
-            </a:solidFill>
-            <a:tailEnd type="triangle"/>
-          </a:ln>
-        </p:spPr>
-        <p:style>
-          <a:lnRef idx="1">
-            <a:schemeClr val="accent1"/>
-          </a:lnRef>
-          <a:fillRef idx="0">
-            <a:schemeClr val="accent1"/>
-          </a:fillRef>
-          <a:effectRef idx="0">
-            <a:schemeClr val="accent1"/>
-          </a:effectRef>
-          <a:fontRef idx="minor">
-            <a:schemeClr val="tx1"/>
-          </a:fontRef>
-        </p:style>
-      </p:cxnSp>
-      <p:cxnSp>
-        <p:nvCxnSpPr>
-          <p:cNvPr id="8" name="Straight Arrow Connector 7"/>
-          <p:cNvCxnSpPr>
-            <a:stCxn id="6" idx="3"/>
-            <a:endCxn id="5" idx="5"/>
-          </p:cNvCxnSpPr>
-          <p:nvPr/>
-        </p:nvCxnSpPr>
-        <p:spPr>
-          <a:xfrm flipH="1">
-            <a:off x="3208597" y="4049424"/>
-            <a:ext cx="1460310" cy="0"/>
-          </a:xfrm>
-          <a:prstGeom prst="straightConnector1">
-            <a:avLst/>
-          </a:prstGeom>
-          <a:ln w="38100">
-            <a:solidFill>
-              <a:schemeClr val="tx1"/>
-            </a:solidFill>
-            <a:tailEnd type="triangle"/>
-          </a:ln>
-        </p:spPr>
-        <p:style>
-          <a:lnRef idx="1">
-            <a:schemeClr val="accent1"/>
-          </a:lnRef>
-          <a:fillRef idx="0">
-            <a:schemeClr val="accent1"/>
-          </a:fillRef>
-          <a:effectRef idx="0">
-            <a:schemeClr val="accent1"/>
-          </a:effectRef>
-          <a:fontRef idx="minor">
-            <a:schemeClr val="tx1"/>
-          </a:fontRef>
-        </p:style>
-      </p:cxnSp>
-    </p:spTree>
-    <p:extLst>
-      <p:ext uri="{BB962C8B-B14F-4D97-AF65-F5344CB8AC3E}">
-        <p14:creationId xmlns:p14="http://schemas.microsoft.com/office/powerpoint/2010/main" val="927035815"/>
       </p:ext>
     </p:extLst>
   </p:cSld>
@@ -20590,4 +23175,265 @@
     </a:ext>
   </a:extLst>
 </a:theme>
+</file>
+
+<file path=ppt/theme/theme2.xml><?xml version="1.0" encoding="utf-8"?>
+<a:theme xmlns:a="http://schemas.openxmlformats.org/drawingml/2006/main" name="Office Theme">
+  <a:themeElements>
+    <a:clrScheme name="Office">
+      <a:dk1>
+        <a:sysClr val="windowText" lastClr="000000"/>
+      </a:dk1>
+      <a:lt1>
+        <a:sysClr val="window" lastClr="FFFFFF"/>
+      </a:lt1>
+      <a:dk2>
+        <a:srgbClr val="44546A"/>
+      </a:dk2>
+      <a:lt2>
+        <a:srgbClr val="E7E6E6"/>
+      </a:lt2>
+      <a:accent1>
+        <a:srgbClr val="4472C4"/>
+      </a:accent1>
+      <a:accent2>
+        <a:srgbClr val="ED7D31"/>
+      </a:accent2>
+      <a:accent3>
+        <a:srgbClr val="A5A5A5"/>
+      </a:accent3>
+      <a:accent4>
+        <a:srgbClr val="FFC000"/>
+      </a:accent4>
+      <a:accent5>
+        <a:srgbClr val="5B9BD5"/>
+      </a:accent5>
+      <a:accent6>
+        <a:srgbClr val="70AD47"/>
+      </a:accent6>
+      <a:hlink>
+        <a:srgbClr val="0563C1"/>
+      </a:hlink>
+      <a:folHlink>
+        <a:srgbClr val="954F72"/>
+      </a:folHlink>
+    </a:clrScheme>
+    <a:fontScheme name="Office">
+      <a:majorFont>
+        <a:latin typeface="Calibri Light" panose="020F0302020204030204"/>
+        <a:ea typeface=""/>
+        <a:cs typeface=""/>
+        <a:font script="Jpan" typeface="Yu Gothic Light"/>
+        <a:font script="Hang" typeface="맑은 고딕"/>
+        <a:font script="Hans" typeface="DengXian Light"/>
+        <a:font script="Hant" typeface="新細明體"/>
+        <a:font script="Arab" typeface="Times New Roman"/>
+        <a:font script="Hebr" typeface="Times New Roman"/>
+        <a:font script="Thai" typeface="Angsana New"/>
+        <a:font script="Ethi" typeface="Nyala"/>
+        <a:font script="Beng" typeface="Vrinda"/>
+        <a:font script="Gujr" typeface="Shruti"/>
+        <a:font script="Khmr" typeface="MoolBoran"/>
+        <a:font script="Knda" typeface="Tunga"/>
+        <a:font script="Guru" typeface="Raavi"/>
+        <a:font script="Cans" typeface="Euphemia"/>
+        <a:font script="Cher" typeface="Plantagenet Cherokee"/>
+        <a:font script="Yiii" typeface="Microsoft Yi Baiti"/>
+        <a:font script="Tibt" typeface="Microsoft Himalaya"/>
+        <a:font script="Thaa" typeface="MV Boli"/>
+        <a:font script="Deva" typeface="Mangal"/>
+        <a:font script="Telu" typeface="Gautami"/>
+        <a:font script="Taml" typeface="Latha"/>
+        <a:font script="Syrc" typeface="Estrangelo Edessa"/>
+        <a:font script="Orya" typeface="Kalinga"/>
+        <a:font script="Mlym" typeface="Kartika"/>
+        <a:font script="Laoo" typeface="DokChampa"/>
+        <a:font script="Sinh" typeface="Iskoola Pota"/>
+        <a:font script="Mong" typeface="Mongolian Baiti"/>
+        <a:font script="Viet" typeface="Times New Roman"/>
+        <a:font script="Uigh" typeface="Microsoft Uighur"/>
+        <a:font script="Geor" typeface="Sylfaen"/>
+      </a:majorFont>
+      <a:minorFont>
+        <a:latin typeface="Calibri" panose="020F0502020204030204"/>
+        <a:ea typeface=""/>
+        <a:cs typeface=""/>
+        <a:font script="Jpan" typeface="Yu Gothic"/>
+        <a:font script="Hang" typeface="맑은 고딕"/>
+        <a:font script="Hans" typeface="DengXian"/>
+        <a:font script="Hant" typeface="新細明體"/>
+        <a:font script="Arab" typeface="Arial"/>
+        <a:font script="Hebr" typeface="Arial"/>
+        <a:font script="Thai" typeface="Cordia New"/>
+        <a:font script="Ethi" typeface="Nyala"/>
+        <a:font script="Beng" typeface="Vrinda"/>
+        <a:font script="Gujr" typeface="Shruti"/>
+        <a:font script="Khmr" typeface="DaunPenh"/>
+        <a:font script="Knda" typeface="Tunga"/>
+        <a:font script="Guru" typeface="Raavi"/>
+        <a:font script="Cans" typeface="Euphemia"/>
+        <a:font script="Cher" typeface="Plantagenet Cherokee"/>
+        <a:font script="Yiii" typeface="Microsoft Yi Baiti"/>
+        <a:font script="Tibt" typeface="Microsoft Himalaya"/>
+        <a:font script="Thaa" typeface="MV Boli"/>
+        <a:font script="Deva" typeface="Mangal"/>
+        <a:font script="Telu" typeface="Gautami"/>
+        <a:font script="Taml" typeface="Latha"/>
+        <a:font script="Syrc" typeface="Estrangelo Edessa"/>
+        <a:font script="Orya" typeface="Kalinga"/>
+        <a:font script="Mlym" typeface="Kartika"/>
+        <a:font script="Laoo" typeface="DokChampa"/>
+        <a:font script="Sinh" typeface="Iskoola Pota"/>
+        <a:font script="Mong" typeface="Mongolian Baiti"/>
+        <a:font script="Viet" typeface="Arial"/>
+        <a:font script="Uigh" typeface="Microsoft Uighur"/>
+        <a:font script="Geor" typeface="Sylfaen"/>
+      </a:minorFont>
+    </a:fontScheme>
+    <a:fmtScheme name="Office">
+      <a:fillStyleLst>
+        <a:solidFill>
+          <a:schemeClr val="phClr"/>
+        </a:solidFill>
+        <a:gradFill rotWithShape="1">
+          <a:gsLst>
+            <a:gs pos="0">
+              <a:schemeClr val="phClr">
+                <a:lumMod val="110000"/>
+                <a:satMod val="105000"/>
+                <a:tint val="67000"/>
+              </a:schemeClr>
+            </a:gs>
+            <a:gs pos="50000">
+              <a:schemeClr val="phClr">
+                <a:lumMod val="105000"/>
+                <a:satMod val="103000"/>
+                <a:tint val="73000"/>
+              </a:schemeClr>
+            </a:gs>
+            <a:gs pos="100000">
+              <a:schemeClr val="phClr">
+                <a:lumMod val="105000"/>
+                <a:satMod val="109000"/>
+                <a:tint val="81000"/>
+              </a:schemeClr>
+            </a:gs>
+          </a:gsLst>
+          <a:lin ang="5400000" scaled="0"/>
+        </a:gradFill>
+        <a:gradFill rotWithShape="1">
+          <a:gsLst>
+            <a:gs pos="0">
+              <a:schemeClr val="phClr">
+                <a:satMod val="103000"/>
+                <a:lumMod val="102000"/>
+                <a:tint val="94000"/>
+              </a:schemeClr>
+            </a:gs>
+            <a:gs pos="50000">
+              <a:schemeClr val="phClr">
+                <a:satMod val="110000"/>
+                <a:lumMod val="100000"/>
+                <a:shade val="100000"/>
+              </a:schemeClr>
+            </a:gs>
+            <a:gs pos="100000">
+              <a:schemeClr val="phClr">
+                <a:lumMod val="99000"/>
+                <a:satMod val="120000"/>
+                <a:shade val="78000"/>
+              </a:schemeClr>
+            </a:gs>
+          </a:gsLst>
+          <a:lin ang="5400000" scaled="0"/>
+        </a:gradFill>
+      </a:fillStyleLst>
+      <a:lnStyleLst>
+        <a:ln w="6350" cap="flat" cmpd="sng" algn="ctr">
+          <a:solidFill>
+            <a:schemeClr val="phClr"/>
+          </a:solidFill>
+          <a:prstDash val="solid"/>
+          <a:miter lim="800000"/>
+        </a:ln>
+        <a:ln w="12700" cap="flat" cmpd="sng" algn="ctr">
+          <a:solidFill>
+            <a:schemeClr val="phClr"/>
+          </a:solidFill>
+          <a:prstDash val="solid"/>
+          <a:miter lim="800000"/>
+        </a:ln>
+        <a:ln w="19050" cap="flat" cmpd="sng" algn="ctr">
+          <a:solidFill>
+            <a:schemeClr val="phClr"/>
+          </a:solidFill>
+          <a:prstDash val="solid"/>
+          <a:miter lim="800000"/>
+        </a:ln>
+      </a:lnStyleLst>
+      <a:effectStyleLst>
+        <a:effectStyle>
+          <a:effectLst/>
+        </a:effectStyle>
+        <a:effectStyle>
+          <a:effectLst/>
+        </a:effectStyle>
+        <a:effectStyle>
+          <a:effectLst>
+            <a:outerShdw blurRad="57150" dist="19050" dir="5400000" algn="ctr" rotWithShape="0">
+              <a:srgbClr val="000000">
+                <a:alpha val="63000"/>
+              </a:srgbClr>
+            </a:outerShdw>
+          </a:effectLst>
+        </a:effectStyle>
+      </a:effectStyleLst>
+      <a:bgFillStyleLst>
+        <a:solidFill>
+          <a:schemeClr val="phClr"/>
+        </a:solidFill>
+        <a:solidFill>
+          <a:schemeClr val="phClr">
+            <a:tint val="95000"/>
+            <a:satMod val="170000"/>
+          </a:schemeClr>
+        </a:solidFill>
+        <a:gradFill rotWithShape="1">
+          <a:gsLst>
+            <a:gs pos="0">
+              <a:schemeClr val="phClr">
+                <a:tint val="93000"/>
+                <a:satMod val="150000"/>
+                <a:shade val="98000"/>
+                <a:lumMod val="102000"/>
+              </a:schemeClr>
+            </a:gs>
+            <a:gs pos="50000">
+              <a:schemeClr val="phClr">
+                <a:tint val="98000"/>
+                <a:satMod val="130000"/>
+                <a:shade val="90000"/>
+                <a:lumMod val="103000"/>
+              </a:schemeClr>
+            </a:gs>
+            <a:gs pos="100000">
+              <a:schemeClr val="phClr">
+                <a:shade val="63000"/>
+                <a:satMod val="120000"/>
+              </a:schemeClr>
+            </a:gs>
+          </a:gsLst>
+          <a:lin ang="5400000" scaled="0"/>
+        </a:gradFill>
+      </a:bgFillStyleLst>
+    </a:fmtScheme>
+  </a:themeElements>
+  <a:objectDefaults/>
+  <a:extraClrSchemeLst/>
+  <a:extLst>
+    <a:ext uri="{05A4C25C-085E-4340-85A3-A5531E510DB2}">
+      <thm15:themeFamily xmlns:thm15="http://schemas.microsoft.com/office/thememl/2012/main" name="Office Theme" id="{62F939B6-93AF-4DB8-9C6B-D6C7DFDC589F}" vid="{4A3C46E8-61CC-4603-A589-7422A47A8E4A}"/>
+    </a:ext>
+  </a:extLst>
+</a:theme>
 </file>
--- a/figures/figures.pptx
+++ b/figures/figures.pptx
@@ -2078,6 +2078,43 @@
         </a:p>
       </dgm:t>
     </dgm:pt>
+    <dgm:pt modelId="{CA1E943E-3AB1-4942-9397-CA0E4F86BC17}">
+      <dgm:prSet phldrT="[Text]"/>
+      <dgm:spPr/>
+      <dgm:t>
+        <a:bodyPr/>
+        <a:lstStyle/>
+        <a:p>
+          <a:r>
+            <a:rPr lang="en-US" dirty="0" smtClean="0"/>
+            <a:t>Time Sample</a:t>
+          </a:r>
+          <a:endParaRPr lang="en-US" dirty="0"/>
+        </a:p>
+      </dgm:t>
+    </dgm:pt>
+    <dgm:pt modelId="{1CE7C90D-6879-E34B-A8E5-532D4972417F}" type="parTrans" cxnId="{851AB8B6-F1D6-C64F-AE4B-E0F5252E4653}">
+      <dgm:prSet/>
+      <dgm:spPr/>
+      <dgm:t>
+        <a:bodyPr/>
+        <a:lstStyle/>
+        <a:p>
+          <a:endParaRPr lang="en-US"/>
+        </a:p>
+      </dgm:t>
+    </dgm:pt>
+    <dgm:pt modelId="{2C7164CC-6546-F34E-AC17-6A4FE01B6034}" type="sibTrans" cxnId="{851AB8B6-F1D6-C64F-AE4B-E0F5252E4653}">
+      <dgm:prSet/>
+      <dgm:spPr/>
+      <dgm:t>
+        <a:bodyPr/>
+        <a:lstStyle/>
+        <a:p>
+          <a:endParaRPr lang="en-US"/>
+        </a:p>
+      </dgm:t>
+    </dgm:pt>
     <dgm:pt modelId="{4A554E7B-4565-9144-9E8A-ED84F42D6595}" type="pres">
       <dgm:prSet presAssocID="{DE49E2BA-261B-EC46-BAF7-6B78BDB6F06F}" presName="Name0" presStyleCnt="0">
         <dgm:presLayoutVars>
@@ -2088,7 +2125,7 @@
       <dgm:spPr/>
     </dgm:pt>
     <dgm:pt modelId="{BB567044-1BE6-FA4E-BC0C-29580823B6FB}" type="pres">
-      <dgm:prSet presAssocID="{9887AAD4-671C-2243-B23F-6F6D102A4012}" presName="node" presStyleLbl="node1" presStyleIdx="0" presStyleCnt="5" custScaleX="77833" custScaleY="82184">
+      <dgm:prSet presAssocID="{9887AAD4-671C-2243-B23F-6F6D102A4012}" presName="node" presStyleLbl="node1" presStyleIdx="0" presStyleCnt="6" custScaleX="77833" custScaleY="82184">
         <dgm:presLayoutVars>
           <dgm:bulletEnabled val="1"/>
         </dgm:presLayoutVars>
@@ -2103,7 +2140,7 @@
       </dgm:t>
     </dgm:pt>
     <dgm:pt modelId="{1A8802C5-3316-8E4D-AF91-213A1FB07CB7}" type="pres">
-      <dgm:prSet presAssocID="{B170FB99-8909-414F-A4FC-4553DD906590}" presName="sibTrans" presStyleLbl="sibTrans2D1" presStyleIdx="0" presStyleCnt="4"/>
+      <dgm:prSet presAssocID="{B170FB99-8909-414F-A4FC-4553DD906590}" presName="sibTrans" presStyleLbl="sibTrans2D1" presStyleIdx="0" presStyleCnt="5"/>
       <dgm:spPr/>
       <dgm:t>
         <a:bodyPr/>
@@ -2114,7 +2151,7 @@
       </dgm:t>
     </dgm:pt>
     <dgm:pt modelId="{E73AAB45-BA46-5E42-A3FA-3E92D321988C}" type="pres">
-      <dgm:prSet presAssocID="{B170FB99-8909-414F-A4FC-4553DD906590}" presName="connectorText" presStyleLbl="sibTrans2D1" presStyleIdx="0" presStyleCnt="4"/>
+      <dgm:prSet presAssocID="{B170FB99-8909-414F-A4FC-4553DD906590}" presName="connectorText" presStyleLbl="sibTrans2D1" presStyleIdx="0" presStyleCnt="5"/>
       <dgm:spPr/>
       <dgm:t>
         <a:bodyPr/>
@@ -2125,7 +2162,7 @@
       </dgm:t>
     </dgm:pt>
     <dgm:pt modelId="{C5062774-D3A7-8B40-8FDE-995EBC7DED98}" type="pres">
-      <dgm:prSet presAssocID="{801AFE1A-416D-E74C-BBFD-557415AE0194}" presName="node" presStyleLbl="node1" presStyleIdx="1" presStyleCnt="5" custScaleX="67810" custScaleY="82184">
+      <dgm:prSet presAssocID="{801AFE1A-416D-E74C-BBFD-557415AE0194}" presName="node" presStyleLbl="node1" presStyleIdx="1" presStyleCnt="6" custScaleX="67810" custScaleY="82184">
         <dgm:presLayoutVars>
           <dgm:bulletEnabled val="1"/>
         </dgm:presLayoutVars>
@@ -2140,7 +2177,7 @@
       </dgm:t>
     </dgm:pt>
     <dgm:pt modelId="{3029052C-E3B7-CC46-8E23-37ABEDD15F03}" type="pres">
-      <dgm:prSet presAssocID="{533BC168-BC76-C14E-8694-1DC3B6CF54C5}" presName="sibTrans" presStyleLbl="sibTrans2D1" presStyleIdx="1" presStyleCnt="4"/>
+      <dgm:prSet presAssocID="{533BC168-BC76-C14E-8694-1DC3B6CF54C5}" presName="sibTrans" presStyleLbl="sibTrans2D1" presStyleIdx="1" presStyleCnt="5"/>
       <dgm:spPr/>
       <dgm:t>
         <a:bodyPr/>
@@ -2151,7 +2188,7 @@
       </dgm:t>
     </dgm:pt>
     <dgm:pt modelId="{A8C226CF-C78B-EB4E-86A6-1B0387CFF648}" type="pres">
-      <dgm:prSet presAssocID="{533BC168-BC76-C14E-8694-1DC3B6CF54C5}" presName="connectorText" presStyleLbl="sibTrans2D1" presStyleIdx="1" presStyleCnt="4"/>
+      <dgm:prSet presAssocID="{533BC168-BC76-C14E-8694-1DC3B6CF54C5}" presName="connectorText" presStyleLbl="sibTrans2D1" presStyleIdx="1" presStyleCnt="5"/>
       <dgm:spPr/>
       <dgm:t>
         <a:bodyPr/>
@@ -2162,7 +2199,7 @@
       </dgm:t>
     </dgm:pt>
     <dgm:pt modelId="{435D2948-DD5F-BA48-A4C2-3ADB352C2698}" type="pres">
-      <dgm:prSet presAssocID="{D8DAD879-37C7-774C-B149-B7250DD6D502}" presName="node" presStyleLbl="node1" presStyleIdx="2" presStyleCnt="5" custScaleX="72805" custScaleY="82184">
+      <dgm:prSet presAssocID="{D8DAD879-37C7-774C-B149-B7250DD6D502}" presName="node" presStyleLbl="node1" presStyleIdx="2" presStyleCnt="6" custScaleX="72805" custScaleY="82184">
         <dgm:presLayoutVars>
           <dgm:bulletEnabled val="1"/>
         </dgm:presLayoutVars>
@@ -2177,7 +2214,7 @@
       </dgm:t>
     </dgm:pt>
     <dgm:pt modelId="{F4B44CBC-FC47-1543-B4A9-F5AEB5CEB6BF}" type="pres">
-      <dgm:prSet presAssocID="{FA861C74-A4AA-6341-A5A4-19F33298102E}" presName="sibTrans" presStyleLbl="sibTrans2D1" presStyleIdx="2" presStyleCnt="4"/>
+      <dgm:prSet presAssocID="{FA861C74-A4AA-6341-A5A4-19F33298102E}" presName="sibTrans" presStyleLbl="sibTrans2D1" presStyleIdx="2" presStyleCnt="5"/>
       <dgm:spPr/>
       <dgm:t>
         <a:bodyPr/>
@@ -2188,7 +2225,7 @@
       </dgm:t>
     </dgm:pt>
     <dgm:pt modelId="{80A3280C-1FE1-F741-8E7B-2B8CCCBB28E5}" type="pres">
-      <dgm:prSet presAssocID="{FA861C74-A4AA-6341-A5A4-19F33298102E}" presName="connectorText" presStyleLbl="sibTrans2D1" presStyleIdx="2" presStyleCnt="4"/>
+      <dgm:prSet presAssocID="{FA861C74-A4AA-6341-A5A4-19F33298102E}" presName="connectorText" presStyleLbl="sibTrans2D1" presStyleIdx="2" presStyleCnt="5"/>
       <dgm:spPr/>
       <dgm:t>
         <a:bodyPr/>
@@ -2199,7 +2236,7 @@
       </dgm:t>
     </dgm:pt>
     <dgm:pt modelId="{2D708B46-B09A-7F44-A9C5-AB1FDCCB92AC}" type="pres">
-      <dgm:prSet presAssocID="{E87FC9F4-306A-C441-847C-3B779F386673}" presName="node" presStyleLbl="node1" presStyleIdx="3" presStyleCnt="5" custScaleX="116805" custScaleY="82184">
+      <dgm:prSet presAssocID="{E87FC9F4-306A-C441-847C-3B779F386673}" presName="node" presStyleLbl="node1" presStyleIdx="3" presStyleCnt="6" custScaleX="116805" custScaleY="82184">
         <dgm:presLayoutVars>
           <dgm:bulletEnabled val="1"/>
         </dgm:presLayoutVars>
@@ -2214,7 +2251,7 @@
       </dgm:t>
     </dgm:pt>
     <dgm:pt modelId="{D04E9C78-DFB5-504F-BAA1-0C684C1DAD88}" type="pres">
-      <dgm:prSet presAssocID="{4CC5DAE6-00C4-BD4A-B969-A1FB5B516F57}" presName="sibTrans" presStyleLbl="sibTrans2D1" presStyleIdx="3" presStyleCnt="4"/>
+      <dgm:prSet presAssocID="{4CC5DAE6-00C4-BD4A-B969-A1FB5B516F57}" presName="sibTrans" presStyleLbl="sibTrans2D1" presStyleIdx="3" presStyleCnt="5"/>
       <dgm:spPr/>
       <dgm:t>
         <a:bodyPr/>
@@ -2225,7 +2262,7 @@
       </dgm:t>
     </dgm:pt>
     <dgm:pt modelId="{FC94D377-6A7C-C04B-BE77-5081195182EA}" type="pres">
-      <dgm:prSet presAssocID="{4CC5DAE6-00C4-BD4A-B969-A1FB5B516F57}" presName="connectorText" presStyleLbl="sibTrans2D1" presStyleIdx="3" presStyleCnt="4"/>
+      <dgm:prSet presAssocID="{4CC5DAE6-00C4-BD4A-B969-A1FB5B516F57}" presName="connectorText" presStyleLbl="sibTrans2D1" presStyleIdx="3" presStyleCnt="5"/>
       <dgm:spPr/>
       <dgm:t>
         <a:bodyPr/>
@@ -2235,8 +2272,31 @@
         </a:p>
       </dgm:t>
     </dgm:pt>
+    <dgm:pt modelId="{D7F28953-1000-784A-9205-01222F540C40}" type="pres">
+      <dgm:prSet presAssocID="{CA1E943E-3AB1-4942-9397-CA0E4F86BC17}" presName="node" presStyleLbl="node1" presStyleIdx="4" presStyleCnt="6" custScaleX="72805" custScaleY="82184">
+        <dgm:presLayoutVars>
+          <dgm:bulletEnabled val="1"/>
+        </dgm:presLayoutVars>
+      </dgm:prSet>
+      <dgm:spPr/>
+      <dgm:t>
+        <a:bodyPr/>
+        <a:lstStyle/>
+        <a:p>
+          <a:endParaRPr lang="en-US"/>
+        </a:p>
+      </dgm:t>
+    </dgm:pt>
+    <dgm:pt modelId="{5DB7B50D-A8FC-E149-B3F8-E7D42AF4712C}" type="pres">
+      <dgm:prSet presAssocID="{2C7164CC-6546-F34E-AC17-6A4FE01B6034}" presName="sibTrans" presStyleLbl="sibTrans2D1" presStyleIdx="4" presStyleCnt="5"/>
+      <dgm:spPr/>
+    </dgm:pt>
+    <dgm:pt modelId="{54741BDB-6792-7846-82DD-67DF36F14B98}" type="pres">
+      <dgm:prSet presAssocID="{2C7164CC-6546-F34E-AC17-6A4FE01B6034}" presName="connectorText" presStyleLbl="sibTrans2D1" presStyleIdx="4" presStyleCnt="5"/>
+      <dgm:spPr/>
+    </dgm:pt>
     <dgm:pt modelId="{E324EA71-C9AB-2943-812E-646AB1B31125}" type="pres">
-      <dgm:prSet presAssocID="{5EDB0D77-09F0-0C4F-B332-E852A176F79A}" presName="node" presStyleLbl="node1" presStyleIdx="4" presStyleCnt="5" custScaleX="91845" custScaleY="82184">
+      <dgm:prSet presAssocID="{5EDB0D77-09F0-0C4F-B332-E852A176F79A}" presName="node" presStyleLbl="node1" presStyleIdx="5" presStyleCnt="6" custScaleX="91845" custScaleY="82184">
         <dgm:presLayoutVars>
           <dgm:bulletEnabled val="1"/>
         </dgm:presLayoutVars>
@@ -2253,49 +2313,56 @@
   </dgm:ptLst>
   <dgm:cxnLst>
     <dgm:cxn modelId="{F550F3EB-D554-514D-9172-65DAE540D191}" srcId="{DE49E2BA-261B-EC46-BAF7-6B78BDB6F06F}" destId="{D8DAD879-37C7-774C-B149-B7250DD6D502}" srcOrd="2" destOrd="0" parTransId="{3057D897-29F9-DD49-B58A-81904BB7F42F}" sibTransId="{FA861C74-A4AA-6341-A5A4-19F33298102E}"/>
-    <dgm:cxn modelId="{3826FCF3-160B-5A40-8ECE-B4C6ACC46CDF}" type="presOf" srcId="{801AFE1A-416D-E74C-BBFD-557415AE0194}" destId="{C5062774-D3A7-8B40-8FDE-995EBC7DED98}" srcOrd="0" destOrd="0" presId="urn:microsoft.com/office/officeart/2005/8/layout/process1"/>
-    <dgm:cxn modelId="{2CBCAED0-187F-5A49-89C9-D058518B22DF}" type="presOf" srcId="{94769534-4246-8C4F-A5A5-FDCD149EA162}" destId="{2D708B46-B09A-7F44-A9C5-AB1FDCCB92AC}" srcOrd="0" destOrd="5" presId="urn:microsoft.com/office/officeart/2005/8/layout/process1"/>
-    <dgm:cxn modelId="{94FD9F41-3620-F947-9CBA-F8823E94BAAD}" type="presOf" srcId="{FA861C74-A4AA-6341-A5A4-19F33298102E}" destId="{F4B44CBC-FC47-1543-B4A9-F5AEB5CEB6BF}" srcOrd="0" destOrd="0" presId="urn:microsoft.com/office/officeart/2005/8/layout/process1"/>
-    <dgm:cxn modelId="{8426580D-542A-CD4C-B2E1-71E21351046D}" type="presOf" srcId="{DF7BE7E2-BD5F-EF42-98DF-684B0794E6B7}" destId="{2D708B46-B09A-7F44-A9C5-AB1FDCCB92AC}" srcOrd="0" destOrd="4" presId="urn:microsoft.com/office/officeart/2005/8/layout/process1"/>
-    <dgm:cxn modelId="{313269EF-8E69-A54A-8950-3578A4BCCFC4}" type="presOf" srcId="{B170FB99-8909-414F-A4FC-4553DD906590}" destId="{1A8802C5-3316-8E4D-AF91-213A1FB07CB7}" srcOrd="0" destOrd="0" presId="urn:microsoft.com/office/officeart/2005/8/layout/process1"/>
+    <dgm:cxn modelId="{CE45F710-21F1-F14A-98F5-4C58D27B9234}" type="presOf" srcId="{9887AAD4-671C-2243-B23F-6F6D102A4012}" destId="{BB567044-1BE6-FA4E-BC0C-29580823B6FB}" srcOrd="0" destOrd="0" presId="urn:microsoft.com/office/officeart/2005/8/layout/process1"/>
+    <dgm:cxn modelId="{1B728384-1116-C546-B0C6-D5E427214E25}" type="presOf" srcId="{2C7164CC-6546-F34E-AC17-6A4FE01B6034}" destId="{54741BDB-6792-7846-82DD-67DF36F14B98}" srcOrd="1" destOrd="0" presId="urn:microsoft.com/office/officeart/2005/8/layout/process1"/>
+    <dgm:cxn modelId="{56A57666-21B0-FD4B-896E-A7D1E506B664}" type="presOf" srcId="{533BC168-BC76-C14E-8694-1DC3B6CF54C5}" destId="{3029052C-E3B7-CC46-8E23-37ABEDD15F03}" srcOrd="0" destOrd="0" presId="urn:microsoft.com/office/officeart/2005/8/layout/process1"/>
+    <dgm:cxn modelId="{AF756E2C-665B-3747-A537-29B949AA3C83}" type="presOf" srcId="{B170FB99-8909-414F-A4FC-4553DD906590}" destId="{E73AAB45-BA46-5E42-A3FA-3E92D321988C}" srcOrd="1" destOrd="0" presId="urn:microsoft.com/office/officeart/2005/8/layout/process1"/>
+    <dgm:cxn modelId="{1A10F469-1A1D-6E44-8760-2C41AC2B313D}" srcId="{E87FC9F4-306A-C441-847C-3B779F386673}" destId="{94769534-4246-8C4F-A5A5-FDCD149EA162}" srcOrd="4" destOrd="0" parTransId="{75F7124E-82E3-C04C-B862-F686848CD179}" sibTransId="{8D2569AF-BC24-D947-8477-93C1747FC4C1}"/>
+    <dgm:cxn modelId="{019D44FD-53D1-8A40-8E2D-01D6C7A8B6FC}" type="presOf" srcId="{234F4A0B-8092-0C47-A9C3-FFE7AA8C6D2A}" destId="{2D708B46-B09A-7F44-A9C5-AB1FDCCB92AC}" srcOrd="0" destOrd="1" presId="urn:microsoft.com/office/officeart/2005/8/layout/process1"/>
+    <dgm:cxn modelId="{BB304414-4573-A945-A6B9-D92B37E06E0E}" srcId="{DE49E2BA-261B-EC46-BAF7-6B78BDB6F06F}" destId="{801AFE1A-416D-E74C-BBFD-557415AE0194}" srcOrd="1" destOrd="0" parTransId="{2727C292-B037-A740-B806-A17CA3BCFCD5}" sibTransId="{533BC168-BC76-C14E-8694-1DC3B6CF54C5}"/>
+    <dgm:cxn modelId="{65F9519C-8DCA-3242-AB72-34F5454955E7}" srcId="{DE49E2BA-261B-EC46-BAF7-6B78BDB6F06F}" destId="{E87FC9F4-306A-C441-847C-3B779F386673}" srcOrd="3" destOrd="0" parTransId="{59685BE7-ADA0-B24C-9379-A9C402B1D281}" sibTransId="{4CC5DAE6-00C4-BD4A-B969-A1FB5B516F57}"/>
+    <dgm:cxn modelId="{60E8D620-22F1-DB4F-BA25-9055FF9F849F}" type="presOf" srcId="{5EDB0D77-09F0-0C4F-B332-E852A176F79A}" destId="{E324EA71-C9AB-2943-812E-646AB1B31125}" srcOrd="0" destOrd="0" presId="urn:microsoft.com/office/officeart/2005/8/layout/process1"/>
     <dgm:cxn modelId="{EC182979-58B4-A347-90E0-929D046F46B6}" type="presOf" srcId="{DE49E2BA-261B-EC46-BAF7-6B78BDB6F06F}" destId="{4A554E7B-4565-9144-9E8A-ED84F42D6595}" srcOrd="0" destOrd="0" presId="urn:microsoft.com/office/officeart/2005/8/layout/process1"/>
-    <dgm:cxn modelId="{65F9519C-8DCA-3242-AB72-34F5454955E7}" srcId="{DE49E2BA-261B-EC46-BAF7-6B78BDB6F06F}" destId="{E87FC9F4-306A-C441-847C-3B779F386673}" srcOrd="3" destOrd="0" parTransId="{59685BE7-ADA0-B24C-9379-A9C402B1D281}" sibTransId="{4CC5DAE6-00C4-BD4A-B969-A1FB5B516F57}"/>
-    <dgm:cxn modelId="{B2CD1287-4C8F-494A-8565-0CD9C02D8648}" type="presOf" srcId="{E87FC9F4-306A-C441-847C-3B779F386673}" destId="{2D708B46-B09A-7F44-A9C5-AB1FDCCB92AC}" srcOrd="0" destOrd="0" presId="urn:microsoft.com/office/officeart/2005/8/layout/process1"/>
-    <dgm:cxn modelId="{40AAE761-E83E-734E-8A7B-2D6C500EE497}" type="presOf" srcId="{D29243F3-EA9B-7C4B-B882-B4CED33A4238}" destId="{2D708B46-B09A-7F44-A9C5-AB1FDCCB92AC}" srcOrd="0" destOrd="6" presId="urn:microsoft.com/office/officeart/2005/8/layout/process1"/>
-    <dgm:cxn modelId="{AF57251B-36FC-EF4E-A3C3-7F09B58C2A7E}" type="presOf" srcId="{5EDB0D77-09F0-0C4F-B332-E852A176F79A}" destId="{E324EA71-C9AB-2943-812E-646AB1B31125}" srcOrd="0" destOrd="0" presId="urn:microsoft.com/office/officeart/2005/8/layout/process1"/>
-    <dgm:cxn modelId="{C844C33E-DA5F-8942-9844-1CBD451345BB}" type="presOf" srcId="{4CC5DAE6-00C4-BD4A-B969-A1FB5B516F57}" destId="{FC94D377-6A7C-C04B-BE77-5081195182EA}" srcOrd="1" destOrd="0" presId="urn:microsoft.com/office/officeart/2005/8/layout/process1"/>
-    <dgm:cxn modelId="{855E6D9A-FA1C-9C4C-B9A1-FFBC39FB03B3}" type="presOf" srcId="{FA861C74-A4AA-6341-A5A4-19F33298102E}" destId="{80A3280C-1FE1-F741-8E7B-2B8CCCBB28E5}" srcOrd="1" destOrd="0" presId="urn:microsoft.com/office/officeart/2005/8/layout/process1"/>
-    <dgm:cxn modelId="{250E2E38-BF47-8845-883D-86B195F8F9C9}" type="presOf" srcId="{0D3DF110-F666-A04E-8B34-4B0F25524A57}" destId="{2D708B46-B09A-7F44-A9C5-AB1FDCCB92AC}" srcOrd="0" destOrd="3" presId="urn:microsoft.com/office/officeart/2005/8/layout/process1"/>
-    <dgm:cxn modelId="{81FC590E-103A-A542-A7C3-54560D8DE9DC}" type="presOf" srcId="{D8DAD879-37C7-774C-B149-B7250DD6D502}" destId="{435D2948-DD5F-BA48-A4C2-3ADB352C2698}" srcOrd="0" destOrd="0" presId="urn:microsoft.com/office/officeart/2005/8/layout/process1"/>
-    <dgm:cxn modelId="{24506CFE-45C4-554F-85DD-6483136E93BA}" type="presOf" srcId="{533BC168-BC76-C14E-8694-1DC3B6CF54C5}" destId="{3029052C-E3B7-CC46-8E23-37ABEDD15F03}" srcOrd="0" destOrd="0" presId="urn:microsoft.com/office/officeart/2005/8/layout/process1"/>
+    <dgm:cxn modelId="{3B28DED5-E5F5-664C-8229-84A427D45F58}" type="presOf" srcId="{CA1E943E-3AB1-4942-9397-CA0E4F86BC17}" destId="{D7F28953-1000-784A-9205-01222F540C40}" srcOrd="0" destOrd="0" presId="urn:microsoft.com/office/officeart/2005/8/layout/process1"/>
+    <dgm:cxn modelId="{DF165844-AB17-C84A-B297-EE84B0C8E7C0}" type="presOf" srcId="{94769534-4246-8C4F-A5A5-FDCD149EA162}" destId="{2D708B46-B09A-7F44-A9C5-AB1FDCCB92AC}" srcOrd="0" destOrd="5" presId="urn:microsoft.com/office/officeart/2005/8/layout/process1"/>
+    <dgm:cxn modelId="{2F6EDDF8-1A52-CA4F-AC56-E7B813883AFC}" srcId="{DE49E2BA-261B-EC46-BAF7-6B78BDB6F06F}" destId="{5EDB0D77-09F0-0C4F-B332-E852A176F79A}" srcOrd="5" destOrd="0" parTransId="{6905B776-7DF3-2743-A7A0-DC627995A528}" sibTransId="{486F902B-586B-8044-9F9C-0B0AEA8029F9}"/>
+    <dgm:cxn modelId="{C1ECC757-B52F-E049-B17D-3E36E34C2740}" srcId="{E87FC9F4-306A-C441-847C-3B779F386673}" destId="{DF7BE7E2-BD5F-EF42-98DF-684B0794E6B7}" srcOrd="3" destOrd="0" parTransId="{D893A9EE-6767-2541-8054-D505D80F0546}" sibTransId="{8747CB30-4722-E843-9A33-B85AFCEE5E44}"/>
+    <dgm:cxn modelId="{8EE0F5FC-50D2-884D-9E41-8EEF6B2626EC}" type="presOf" srcId="{FA861C74-A4AA-6341-A5A4-19F33298102E}" destId="{F4B44CBC-FC47-1543-B4A9-F5AEB5CEB6BF}" srcOrd="0" destOrd="0" presId="urn:microsoft.com/office/officeart/2005/8/layout/process1"/>
+    <dgm:cxn modelId="{C5785044-B4AB-DB48-A0FD-889453177FE0}" type="presOf" srcId="{FA861C74-A4AA-6341-A5A4-19F33298102E}" destId="{80A3280C-1FE1-F741-8E7B-2B8CCCBB28E5}" srcOrd="1" destOrd="0" presId="urn:microsoft.com/office/officeart/2005/8/layout/process1"/>
+    <dgm:cxn modelId="{34FA0A1B-B56E-B04F-B8EC-AB21D2A30C24}" srcId="{E87FC9F4-306A-C441-847C-3B779F386673}" destId="{0D3DF110-F666-A04E-8B34-4B0F25524A57}" srcOrd="2" destOrd="0" parTransId="{7B7C4DCE-5341-4545-9538-6665DF174D30}" sibTransId="{A9EB110C-64CB-8545-A39B-8EE8C8FD35F9}"/>
+    <dgm:cxn modelId="{01EB0B4D-66C8-6144-AF8A-DEA78ACBA925}" type="presOf" srcId="{533BC168-BC76-C14E-8694-1DC3B6CF54C5}" destId="{A8C226CF-C78B-EB4E-86A6-1B0387CFF648}" srcOrd="1" destOrd="0" presId="urn:microsoft.com/office/officeart/2005/8/layout/process1"/>
+    <dgm:cxn modelId="{561E42D6-F7C4-7A46-A7A7-071A001C882D}" type="presOf" srcId="{D8DAD879-37C7-774C-B149-B7250DD6D502}" destId="{435D2948-DD5F-BA48-A4C2-3ADB352C2698}" srcOrd="0" destOrd="0" presId="urn:microsoft.com/office/officeart/2005/8/layout/process1"/>
+    <dgm:cxn modelId="{8FC97DFB-744C-2549-8B39-8ADD373EDB2A}" type="presOf" srcId="{E87FC9F4-306A-C441-847C-3B779F386673}" destId="{2D708B46-B09A-7F44-A9C5-AB1FDCCB92AC}" srcOrd="0" destOrd="0" presId="urn:microsoft.com/office/officeart/2005/8/layout/process1"/>
+    <dgm:cxn modelId="{0318627D-A7C8-0C45-852A-429DFB2D7511}" type="presOf" srcId="{2C7164CC-6546-F34E-AC17-6A4FE01B6034}" destId="{5DB7B50D-A8FC-E149-B3F8-E7D42AF4712C}" srcOrd="0" destOrd="0" presId="urn:microsoft.com/office/officeart/2005/8/layout/process1"/>
+    <dgm:cxn modelId="{127634F4-83D2-7C49-BCF8-038493B7E4B2}" srcId="{E87FC9F4-306A-C441-847C-3B779F386673}" destId="{A7240CC4-9D82-DA47-B691-1F13DBBD256B}" srcOrd="1" destOrd="0" parTransId="{F23044CA-9FAA-BF4D-ADA7-20B36854C0E0}" sibTransId="{83D2CA4B-211C-0B41-9362-5B4347E27686}"/>
+    <dgm:cxn modelId="{66D7AC05-1554-F046-B77C-FB927ACCFB3F}" type="presOf" srcId="{801AFE1A-416D-E74C-BBFD-557415AE0194}" destId="{C5062774-D3A7-8B40-8FDE-995EBC7DED98}" srcOrd="0" destOrd="0" presId="urn:microsoft.com/office/officeart/2005/8/layout/process1"/>
+    <dgm:cxn modelId="{B9B8408D-1F50-5047-8DEB-93858CECAB43}" type="presOf" srcId="{A7240CC4-9D82-DA47-B691-1F13DBBD256B}" destId="{2D708B46-B09A-7F44-A9C5-AB1FDCCB92AC}" srcOrd="0" destOrd="2" presId="urn:microsoft.com/office/officeart/2005/8/layout/process1"/>
+    <dgm:cxn modelId="{73AB3B37-F225-5B40-9E6B-877839CF72A4}" type="presOf" srcId="{D29243F3-EA9B-7C4B-B882-B4CED33A4238}" destId="{2D708B46-B09A-7F44-A9C5-AB1FDCCB92AC}" srcOrd="0" destOrd="6" presId="urn:microsoft.com/office/officeart/2005/8/layout/process1"/>
+    <dgm:cxn modelId="{67D3A150-B5FD-F647-AB4D-7A5661D94EAD}" type="presOf" srcId="{B170FB99-8909-414F-A4FC-4553DD906590}" destId="{1A8802C5-3316-8E4D-AF91-213A1FB07CB7}" srcOrd="0" destOrd="0" presId="urn:microsoft.com/office/officeart/2005/8/layout/process1"/>
+    <dgm:cxn modelId="{483A407A-1E6B-3047-BA2B-2FCA024D6346}" srcId="{E87FC9F4-306A-C441-847C-3B779F386673}" destId="{234F4A0B-8092-0C47-A9C3-FFE7AA8C6D2A}" srcOrd="0" destOrd="0" parTransId="{6740B56E-ADD8-9C42-BE21-0918BAB5D356}" sibTransId="{AF677554-A810-F245-83DF-78E242EE2752}"/>
+    <dgm:cxn modelId="{851AB8B6-F1D6-C64F-AE4B-E0F5252E4653}" srcId="{DE49E2BA-261B-EC46-BAF7-6B78BDB6F06F}" destId="{CA1E943E-3AB1-4942-9397-CA0E4F86BC17}" srcOrd="4" destOrd="0" parTransId="{1CE7C90D-6879-E34B-A8E5-532D4972417F}" sibTransId="{2C7164CC-6546-F34E-AC17-6A4FE01B6034}"/>
+    <dgm:cxn modelId="{4C6BB7ED-4ED9-4D4A-8C84-498A26A09A91}" type="presOf" srcId="{4CC5DAE6-00C4-BD4A-B969-A1FB5B516F57}" destId="{FC94D377-6A7C-C04B-BE77-5081195182EA}" srcOrd="1" destOrd="0" presId="urn:microsoft.com/office/officeart/2005/8/layout/process1"/>
+    <dgm:cxn modelId="{265FACB6-F3D8-AF45-A239-558B067406E2}" type="presOf" srcId="{4CC5DAE6-00C4-BD4A-B969-A1FB5B516F57}" destId="{D04E9C78-DFB5-504F-BAA1-0C684C1DAD88}" srcOrd="0" destOrd="0" presId="urn:microsoft.com/office/officeart/2005/8/layout/process1"/>
+    <dgm:cxn modelId="{904A6D4C-DB60-E84E-86DF-50C04D0445DC}" srcId="{E87FC9F4-306A-C441-847C-3B779F386673}" destId="{D29243F3-EA9B-7C4B-B882-B4CED33A4238}" srcOrd="5" destOrd="0" parTransId="{F0EA8FDB-2A25-104C-897B-35E612ED7A49}" sibTransId="{92F19B71-048A-BF4E-8243-D90AED72DA3D}"/>
+    <dgm:cxn modelId="{5B062118-8800-D74C-A0E3-AD14FCEA8BB5}" type="presOf" srcId="{DF7BE7E2-BD5F-EF42-98DF-684B0794E6B7}" destId="{2D708B46-B09A-7F44-A9C5-AB1FDCCB92AC}" srcOrd="0" destOrd="4" presId="urn:microsoft.com/office/officeart/2005/8/layout/process1"/>
     <dgm:cxn modelId="{CB9A7038-0082-124D-944C-551138D6FD64}" srcId="{DE49E2BA-261B-EC46-BAF7-6B78BDB6F06F}" destId="{9887AAD4-671C-2243-B23F-6F6D102A4012}" srcOrd="0" destOrd="0" parTransId="{D5F7F628-C446-034C-A5DE-9482DE1570B8}" sibTransId="{B170FB99-8909-414F-A4FC-4553DD906590}"/>
-    <dgm:cxn modelId="{D562C236-CA90-4D40-84B7-018CDBEBBDB7}" type="presOf" srcId="{9887AAD4-671C-2243-B23F-6F6D102A4012}" destId="{BB567044-1BE6-FA4E-BC0C-29580823B6FB}" srcOrd="0" destOrd="0" presId="urn:microsoft.com/office/officeart/2005/8/layout/process1"/>
-    <dgm:cxn modelId="{1A10F469-1A1D-6E44-8760-2C41AC2B313D}" srcId="{E87FC9F4-306A-C441-847C-3B779F386673}" destId="{94769534-4246-8C4F-A5A5-FDCD149EA162}" srcOrd="4" destOrd="0" parTransId="{75F7124E-82E3-C04C-B862-F686848CD179}" sibTransId="{8D2569AF-BC24-D947-8477-93C1747FC4C1}"/>
-    <dgm:cxn modelId="{34FA0A1B-B56E-B04F-B8EC-AB21D2A30C24}" srcId="{E87FC9F4-306A-C441-847C-3B779F386673}" destId="{0D3DF110-F666-A04E-8B34-4B0F25524A57}" srcOrd="2" destOrd="0" parTransId="{7B7C4DCE-5341-4545-9538-6665DF174D30}" sibTransId="{A9EB110C-64CB-8545-A39B-8EE8C8FD35F9}"/>
-    <dgm:cxn modelId="{904A6D4C-DB60-E84E-86DF-50C04D0445DC}" srcId="{E87FC9F4-306A-C441-847C-3B779F386673}" destId="{D29243F3-EA9B-7C4B-B882-B4CED33A4238}" srcOrd="5" destOrd="0" parTransId="{F0EA8FDB-2A25-104C-897B-35E612ED7A49}" sibTransId="{92F19B71-048A-BF4E-8243-D90AED72DA3D}"/>
-    <dgm:cxn modelId="{C1ECC757-B52F-E049-B17D-3E36E34C2740}" srcId="{E87FC9F4-306A-C441-847C-3B779F386673}" destId="{DF7BE7E2-BD5F-EF42-98DF-684B0794E6B7}" srcOrd="3" destOrd="0" parTransId="{D893A9EE-6767-2541-8054-D505D80F0546}" sibTransId="{8747CB30-4722-E843-9A33-B85AFCEE5E44}"/>
-    <dgm:cxn modelId="{483A407A-1E6B-3047-BA2B-2FCA024D6346}" srcId="{E87FC9F4-306A-C441-847C-3B779F386673}" destId="{234F4A0B-8092-0C47-A9C3-FFE7AA8C6D2A}" srcOrd="0" destOrd="0" parTransId="{6740B56E-ADD8-9C42-BE21-0918BAB5D356}" sibTransId="{AF677554-A810-F245-83DF-78E242EE2752}"/>
-    <dgm:cxn modelId="{79612834-69FC-5443-B8FC-B1B04EAB6DD2}" type="presOf" srcId="{234F4A0B-8092-0C47-A9C3-FFE7AA8C6D2A}" destId="{2D708B46-B09A-7F44-A9C5-AB1FDCCB92AC}" srcOrd="0" destOrd="1" presId="urn:microsoft.com/office/officeart/2005/8/layout/process1"/>
-    <dgm:cxn modelId="{127634F4-83D2-7C49-BCF8-038493B7E4B2}" srcId="{E87FC9F4-306A-C441-847C-3B779F386673}" destId="{A7240CC4-9D82-DA47-B691-1F13DBBD256B}" srcOrd="1" destOrd="0" parTransId="{F23044CA-9FAA-BF4D-ADA7-20B36854C0E0}" sibTransId="{83D2CA4B-211C-0B41-9362-5B4347E27686}"/>
-    <dgm:cxn modelId="{85DCECB3-0F18-BF4F-8B88-AB83D4EFB1B4}" type="presOf" srcId="{4CC5DAE6-00C4-BD4A-B969-A1FB5B516F57}" destId="{D04E9C78-DFB5-504F-BAA1-0C684C1DAD88}" srcOrd="0" destOrd="0" presId="urn:microsoft.com/office/officeart/2005/8/layout/process1"/>
-    <dgm:cxn modelId="{78FF71F9-0D0D-0949-968F-C8C7E3B1610F}" type="presOf" srcId="{533BC168-BC76-C14E-8694-1DC3B6CF54C5}" destId="{A8C226CF-C78B-EB4E-86A6-1B0387CFF648}" srcOrd="1" destOrd="0" presId="urn:microsoft.com/office/officeart/2005/8/layout/process1"/>
-    <dgm:cxn modelId="{DDA42644-1BE3-4D47-BD18-B9B8A4196F93}" type="presOf" srcId="{B170FB99-8909-414F-A4FC-4553DD906590}" destId="{E73AAB45-BA46-5E42-A3FA-3E92D321988C}" srcOrd="1" destOrd="0" presId="urn:microsoft.com/office/officeart/2005/8/layout/process1"/>
-    <dgm:cxn modelId="{7FCAEED1-A916-5C42-B8E0-DB89F5973121}" type="presOf" srcId="{A7240CC4-9D82-DA47-B691-1F13DBBD256B}" destId="{2D708B46-B09A-7F44-A9C5-AB1FDCCB92AC}" srcOrd="0" destOrd="2" presId="urn:microsoft.com/office/officeart/2005/8/layout/process1"/>
-    <dgm:cxn modelId="{BB304414-4573-A945-A6B9-D92B37E06E0E}" srcId="{DE49E2BA-261B-EC46-BAF7-6B78BDB6F06F}" destId="{801AFE1A-416D-E74C-BBFD-557415AE0194}" srcOrd="1" destOrd="0" parTransId="{2727C292-B037-A740-B806-A17CA3BCFCD5}" sibTransId="{533BC168-BC76-C14E-8694-1DC3B6CF54C5}"/>
-    <dgm:cxn modelId="{2F6EDDF8-1A52-CA4F-AC56-E7B813883AFC}" srcId="{DE49E2BA-261B-EC46-BAF7-6B78BDB6F06F}" destId="{5EDB0D77-09F0-0C4F-B332-E852A176F79A}" srcOrd="4" destOrd="0" parTransId="{6905B776-7DF3-2743-A7A0-DC627995A528}" sibTransId="{486F902B-586B-8044-9F9C-0B0AEA8029F9}"/>
-    <dgm:cxn modelId="{D1A46CA5-48E8-BB45-AD54-B525300D56F0}" type="presParOf" srcId="{4A554E7B-4565-9144-9E8A-ED84F42D6595}" destId="{BB567044-1BE6-FA4E-BC0C-29580823B6FB}" srcOrd="0" destOrd="0" presId="urn:microsoft.com/office/officeart/2005/8/layout/process1"/>
-    <dgm:cxn modelId="{07CFD0AD-5E8B-5C48-83C6-B1B1DF16FAB4}" type="presParOf" srcId="{4A554E7B-4565-9144-9E8A-ED84F42D6595}" destId="{1A8802C5-3316-8E4D-AF91-213A1FB07CB7}" srcOrd="1" destOrd="0" presId="urn:microsoft.com/office/officeart/2005/8/layout/process1"/>
-    <dgm:cxn modelId="{19E84F93-E3B8-5C4A-AACB-BD5542F588EB}" type="presParOf" srcId="{1A8802C5-3316-8E4D-AF91-213A1FB07CB7}" destId="{E73AAB45-BA46-5E42-A3FA-3E92D321988C}" srcOrd="0" destOrd="0" presId="urn:microsoft.com/office/officeart/2005/8/layout/process1"/>
-    <dgm:cxn modelId="{FB76C0AC-F814-9D49-802D-46F1230D61B1}" type="presParOf" srcId="{4A554E7B-4565-9144-9E8A-ED84F42D6595}" destId="{C5062774-D3A7-8B40-8FDE-995EBC7DED98}" srcOrd="2" destOrd="0" presId="urn:microsoft.com/office/officeart/2005/8/layout/process1"/>
-    <dgm:cxn modelId="{AB78A1AE-DC0D-6E44-B23D-715BE1C4E7F3}" type="presParOf" srcId="{4A554E7B-4565-9144-9E8A-ED84F42D6595}" destId="{3029052C-E3B7-CC46-8E23-37ABEDD15F03}" srcOrd="3" destOrd="0" presId="urn:microsoft.com/office/officeart/2005/8/layout/process1"/>
-    <dgm:cxn modelId="{46AE6D96-6ECF-C140-A243-3381E4DA4D6B}" type="presParOf" srcId="{3029052C-E3B7-CC46-8E23-37ABEDD15F03}" destId="{A8C226CF-C78B-EB4E-86A6-1B0387CFF648}" srcOrd="0" destOrd="0" presId="urn:microsoft.com/office/officeart/2005/8/layout/process1"/>
-    <dgm:cxn modelId="{3C3FC329-9CFD-E046-83F1-8CE9E1304874}" type="presParOf" srcId="{4A554E7B-4565-9144-9E8A-ED84F42D6595}" destId="{435D2948-DD5F-BA48-A4C2-3ADB352C2698}" srcOrd="4" destOrd="0" presId="urn:microsoft.com/office/officeart/2005/8/layout/process1"/>
-    <dgm:cxn modelId="{146C6368-FACE-EA4F-BC84-A957A6997AD9}" type="presParOf" srcId="{4A554E7B-4565-9144-9E8A-ED84F42D6595}" destId="{F4B44CBC-FC47-1543-B4A9-F5AEB5CEB6BF}" srcOrd="5" destOrd="0" presId="urn:microsoft.com/office/officeart/2005/8/layout/process1"/>
-    <dgm:cxn modelId="{2679A4C2-1767-9641-B107-1738005611DE}" type="presParOf" srcId="{F4B44CBC-FC47-1543-B4A9-F5AEB5CEB6BF}" destId="{80A3280C-1FE1-F741-8E7B-2B8CCCBB28E5}" srcOrd="0" destOrd="0" presId="urn:microsoft.com/office/officeart/2005/8/layout/process1"/>
-    <dgm:cxn modelId="{C273AE8E-F2E2-C049-8DB6-4270DEE2DF0A}" type="presParOf" srcId="{4A554E7B-4565-9144-9E8A-ED84F42D6595}" destId="{2D708B46-B09A-7F44-A9C5-AB1FDCCB92AC}" srcOrd="6" destOrd="0" presId="urn:microsoft.com/office/officeart/2005/8/layout/process1"/>
-    <dgm:cxn modelId="{B996BA42-9F1F-FE42-9B0C-6A9C5474341D}" type="presParOf" srcId="{4A554E7B-4565-9144-9E8A-ED84F42D6595}" destId="{D04E9C78-DFB5-504F-BAA1-0C684C1DAD88}" srcOrd="7" destOrd="0" presId="urn:microsoft.com/office/officeart/2005/8/layout/process1"/>
-    <dgm:cxn modelId="{C4E3D12E-F40E-5149-8A5B-842B4B1DC26B}" type="presParOf" srcId="{D04E9C78-DFB5-504F-BAA1-0C684C1DAD88}" destId="{FC94D377-6A7C-C04B-BE77-5081195182EA}" srcOrd="0" destOrd="0" presId="urn:microsoft.com/office/officeart/2005/8/layout/process1"/>
-    <dgm:cxn modelId="{B2DF2B38-C97E-C841-9D2E-2A14E4EB5CF2}" type="presParOf" srcId="{4A554E7B-4565-9144-9E8A-ED84F42D6595}" destId="{E324EA71-C9AB-2943-812E-646AB1B31125}" srcOrd="8" destOrd="0" presId="urn:microsoft.com/office/officeart/2005/8/layout/process1"/>
+    <dgm:cxn modelId="{64663612-F903-5442-A008-EFE6447451C0}" type="presOf" srcId="{0D3DF110-F666-A04E-8B34-4B0F25524A57}" destId="{2D708B46-B09A-7F44-A9C5-AB1FDCCB92AC}" srcOrd="0" destOrd="3" presId="urn:microsoft.com/office/officeart/2005/8/layout/process1"/>
+    <dgm:cxn modelId="{4C3442F4-6A9F-1A4C-9E48-6E5A337BD6EF}" type="presParOf" srcId="{4A554E7B-4565-9144-9E8A-ED84F42D6595}" destId="{BB567044-1BE6-FA4E-BC0C-29580823B6FB}" srcOrd="0" destOrd="0" presId="urn:microsoft.com/office/officeart/2005/8/layout/process1"/>
+    <dgm:cxn modelId="{7FB52553-08AF-7A43-85AE-16B111C516A4}" type="presParOf" srcId="{4A554E7B-4565-9144-9E8A-ED84F42D6595}" destId="{1A8802C5-3316-8E4D-AF91-213A1FB07CB7}" srcOrd="1" destOrd="0" presId="urn:microsoft.com/office/officeart/2005/8/layout/process1"/>
+    <dgm:cxn modelId="{C68D5B9D-1BAB-0C49-ACC6-74A3A71A4518}" type="presParOf" srcId="{1A8802C5-3316-8E4D-AF91-213A1FB07CB7}" destId="{E73AAB45-BA46-5E42-A3FA-3E92D321988C}" srcOrd="0" destOrd="0" presId="urn:microsoft.com/office/officeart/2005/8/layout/process1"/>
+    <dgm:cxn modelId="{B604571A-CB3D-5C4C-94A3-E4EC5CD9CAE8}" type="presParOf" srcId="{4A554E7B-4565-9144-9E8A-ED84F42D6595}" destId="{C5062774-D3A7-8B40-8FDE-995EBC7DED98}" srcOrd="2" destOrd="0" presId="urn:microsoft.com/office/officeart/2005/8/layout/process1"/>
+    <dgm:cxn modelId="{1F9076A1-8EC0-BC40-975C-ECB647DBD0D7}" type="presParOf" srcId="{4A554E7B-4565-9144-9E8A-ED84F42D6595}" destId="{3029052C-E3B7-CC46-8E23-37ABEDD15F03}" srcOrd="3" destOrd="0" presId="urn:microsoft.com/office/officeart/2005/8/layout/process1"/>
+    <dgm:cxn modelId="{6167F778-C9A2-A04E-894D-84A62F37810F}" type="presParOf" srcId="{3029052C-E3B7-CC46-8E23-37ABEDD15F03}" destId="{A8C226CF-C78B-EB4E-86A6-1B0387CFF648}" srcOrd="0" destOrd="0" presId="urn:microsoft.com/office/officeart/2005/8/layout/process1"/>
+    <dgm:cxn modelId="{CA2933C7-69AE-3F46-B4BF-F1FD53ABF2FA}" type="presParOf" srcId="{4A554E7B-4565-9144-9E8A-ED84F42D6595}" destId="{435D2948-DD5F-BA48-A4C2-3ADB352C2698}" srcOrd="4" destOrd="0" presId="urn:microsoft.com/office/officeart/2005/8/layout/process1"/>
+    <dgm:cxn modelId="{1B977811-822E-E74A-AB00-645BD016E61D}" type="presParOf" srcId="{4A554E7B-4565-9144-9E8A-ED84F42D6595}" destId="{F4B44CBC-FC47-1543-B4A9-F5AEB5CEB6BF}" srcOrd="5" destOrd="0" presId="urn:microsoft.com/office/officeart/2005/8/layout/process1"/>
+    <dgm:cxn modelId="{34E30A32-D794-E84A-9F2D-15BC6FF74AB6}" type="presParOf" srcId="{F4B44CBC-FC47-1543-B4A9-F5AEB5CEB6BF}" destId="{80A3280C-1FE1-F741-8E7B-2B8CCCBB28E5}" srcOrd="0" destOrd="0" presId="urn:microsoft.com/office/officeart/2005/8/layout/process1"/>
+    <dgm:cxn modelId="{5457BBDF-8096-8741-87F6-27CB0C5C9B56}" type="presParOf" srcId="{4A554E7B-4565-9144-9E8A-ED84F42D6595}" destId="{2D708B46-B09A-7F44-A9C5-AB1FDCCB92AC}" srcOrd="6" destOrd="0" presId="urn:microsoft.com/office/officeart/2005/8/layout/process1"/>
+    <dgm:cxn modelId="{85597107-9EEF-1341-BD1E-5A9E3C01594A}" type="presParOf" srcId="{4A554E7B-4565-9144-9E8A-ED84F42D6595}" destId="{D04E9C78-DFB5-504F-BAA1-0C684C1DAD88}" srcOrd="7" destOrd="0" presId="urn:microsoft.com/office/officeart/2005/8/layout/process1"/>
+    <dgm:cxn modelId="{096C089B-E560-804C-8461-AA9D8A0A7F40}" type="presParOf" srcId="{D04E9C78-DFB5-504F-BAA1-0C684C1DAD88}" destId="{FC94D377-6A7C-C04B-BE77-5081195182EA}" srcOrd="0" destOrd="0" presId="urn:microsoft.com/office/officeart/2005/8/layout/process1"/>
+    <dgm:cxn modelId="{E580D6B1-072F-294B-A5C0-704B3E24AC66}" type="presParOf" srcId="{4A554E7B-4565-9144-9E8A-ED84F42D6595}" destId="{D7F28953-1000-784A-9205-01222F540C40}" srcOrd="8" destOrd="0" presId="urn:microsoft.com/office/officeart/2005/8/layout/process1"/>
+    <dgm:cxn modelId="{19674E53-A745-BB41-9DAD-CD90DBA2DD4F}" type="presParOf" srcId="{4A554E7B-4565-9144-9E8A-ED84F42D6595}" destId="{5DB7B50D-A8FC-E149-B3F8-E7D42AF4712C}" srcOrd="9" destOrd="0" presId="urn:microsoft.com/office/officeart/2005/8/layout/process1"/>
+    <dgm:cxn modelId="{AAE47499-049A-0840-B863-100033892508}" type="presParOf" srcId="{5DB7B50D-A8FC-E149-B3F8-E7D42AF4712C}" destId="{54741BDB-6792-7846-82DD-67DF36F14B98}" srcOrd="0" destOrd="0" presId="urn:microsoft.com/office/officeart/2005/8/layout/process1"/>
+    <dgm:cxn modelId="{3FDA93CF-63AD-0742-B881-C82D0733A31D}" type="presParOf" srcId="{4A554E7B-4565-9144-9E8A-ED84F42D6595}" destId="{E324EA71-C9AB-2943-812E-646AB1B31125}" srcOrd="10" destOrd="0" presId="urn:microsoft.com/office/officeart/2005/8/layout/process1"/>
   </dgm:cxnLst>
   <dgm:bg/>
   <dgm:whole/>
@@ -2712,8 +2779,8 @@
     <dgm:cxn modelId="{C819FC94-FBFE-E34A-A327-4A27395151CD}" type="presOf" srcId="{486F902B-586B-8044-9F9C-0B0AEA8029F9}" destId="{FF12BBB7-C98F-004B-97D1-6F33A956F885}" srcOrd="0" destOrd="0" presId="urn:microsoft.com/office/officeart/2005/8/layout/process1"/>
     <dgm:cxn modelId="{6FE90E6E-3041-9640-856C-0F56175D90F8}" type="presOf" srcId="{B170FB99-8909-414F-A4FC-4553DD906590}" destId="{E73AAB45-BA46-5E42-A3FA-3E92D321988C}" srcOrd="1" destOrd="0" presId="urn:microsoft.com/office/officeart/2005/8/layout/process1"/>
     <dgm:cxn modelId="{BB304414-4573-A945-A6B9-D92B37E06E0E}" srcId="{DE49E2BA-261B-EC46-BAF7-6B78BDB6F06F}" destId="{801AFE1A-416D-E74C-BBFD-557415AE0194}" srcOrd="2" destOrd="0" parTransId="{2727C292-B037-A740-B806-A17CA3BCFCD5}" sibTransId="{533BC168-BC76-C14E-8694-1DC3B6CF54C5}"/>
+    <dgm:cxn modelId="{FC07CA1A-5A89-A34B-BC81-B07378114F9A}" type="presOf" srcId="{9887AAD4-671C-2243-B23F-6F6D102A4012}" destId="{BB567044-1BE6-FA4E-BC0C-29580823B6FB}" srcOrd="0" destOrd="0" presId="urn:microsoft.com/office/officeart/2005/8/layout/process1"/>
     <dgm:cxn modelId="{2F6EDDF8-1A52-CA4F-AC56-E7B813883AFC}" srcId="{DE49E2BA-261B-EC46-BAF7-6B78BDB6F06F}" destId="{5EDB0D77-09F0-0C4F-B332-E852A176F79A}" srcOrd="0" destOrd="0" parTransId="{6905B776-7DF3-2743-A7A0-DC627995A528}" sibTransId="{486F902B-586B-8044-9F9C-0B0AEA8029F9}"/>
-    <dgm:cxn modelId="{FC07CA1A-5A89-A34B-BC81-B07378114F9A}" type="presOf" srcId="{9887AAD4-671C-2243-B23F-6F6D102A4012}" destId="{BB567044-1BE6-FA4E-BC0C-29580823B6FB}" srcOrd="0" destOrd="0" presId="urn:microsoft.com/office/officeart/2005/8/layout/process1"/>
     <dgm:cxn modelId="{80CF1ADA-AC03-0246-A9C5-2573A6852BB1}" type="presParOf" srcId="{4A554E7B-4565-9144-9E8A-ED84F42D6595}" destId="{E324EA71-C9AB-2943-812E-646AB1B31125}" srcOrd="0" destOrd="0" presId="urn:microsoft.com/office/officeart/2005/8/layout/process1"/>
     <dgm:cxn modelId="{0B8E1EEA-F683-5E42-8906-DD23252128BF}" type="presParOf" srcId="{4A554E7B-4565-9144-9E8A-ED84F42D6595}" destId="{FF12BBB7-C98F-004B-97D1-6F33A956F885}" srcOrd="1" destOrd="0" presId="urn:microsoft.com/office/officeart/2005/8/layout/process1"/>
     <dgm:cxn modelId="{56C9F803-799C-3147-830A-E0A956C21914}" type="presParOf" srcId="{FF12BBB7-C98F-004B-97D1-6F33A956F885}" destId="{93205773-7419-ED4D-91F8-2A24298BF005}" srcOrd="0" destOrd="0" presId="urn:microsoft.com/office/officeart/2005/8/layout/process1"/>
@@ -2753,8 +2820,8 @@
       </dsp:nvSpPr>
       <dsp:spPr>
         <a:xfrm>
-          <a:off x="5304" y="170602"/>
-          <a:ext cx="1465559" cy="1798954"/>
+          <a:off x="2117" y="315138"/>
+          <a:ext cx="1230061" cy="1509882"/>
         </a:xfrm>
         <a:prstGeom prst="roundRect">
           <a:avLst>
@@ -2819,12 +2886,12 @@
         </a:fontRef>
       </dsp:style>
       <dsp:txBody>
-        <a:bodyPr spcFirstLastPara="0" vert="horz" wrap="square" lIns="60960" tIns="60960" rIns="60960" bIns="60960" numCol="1" spcCol="1270" anchor="ctr" anchorCtr="0">
+        <a:bodyPr spcFirstLastPara="0" vert="horz" wrap="square" lIns="49530" tIns="49530" rIns="49530" bIns="49530" numCol="1" spcCol="1270" anchor="ctr" anchorCtr="0">
           <a:noAutofit/>
         </a:bodyPr>
         <a:lstStyle/>
         <a:p>
-          <a:pPr lvl="0" algn="ctr" defTabSz="711200">
+          <a:pPr lvl="0" algn="ctr" defTabSz="577850">
             <a:lnSpc>
               <a:spcPct val="90000"/>
             </a:lnSpc>
@@ -2836,15 +2903,15 @@
             </a:spcAft>
           </a:pPr>
           <a:r>
-            <a:rPr lang="en-US" sz="1600" kern="1200" dirty="0" smtClean="0"/>
+            <a:rPr lang="en-US" sz="1300" kern="1200" dirty="0" smtClean="0"/>
             <a:t>Contact Network Generator</a:t>
           </a:r>
-          <a:endParaRPr lang="en-US" sz="1600" kern="1200" dirty="0"/>
+          <a:endParaRPr lang="en-US" sz="1300" kern="1200" dirty="0"/>
         </a:p>
       </dsp:txBody>
       <dsp:txXfrm>
-        <a:off x="48229" y="213527"/>
-        <a:ext cx="1379709" cy="1713104"/>
+        <a:off x="38144" y="351165"/>
+        <a:ext cx="1158007" cy="1437828"/>
       </dsp:txXfrm>
     </dsp:sp>
     <dsp:sp modelId="{1A8802C5-3316-8E4D-AF91-213A1FB07CB7}">
@@ -2854,8 +2921,8 @@
       </dsp:nvSpPr>
       <dsp:spPr>
         <a:xfrm>
-          <a:off x="1659159" y="836593"/>
-          <a:ext cx="399186" cy="466972"/>
+          <a:off x="1390216" y="874111"/>
+          <a:ext cx="335041" cy="391935"/>
         </a:xfrm>
         <a:prstGeom prst="rightArrow">
           <a:avLst>
@@ -2929,7 +2996,7 @@
         </a:bodyPr>
         <a:lstStyle/>
         <a:p>
-          <a:pPr lvl="0" algn="ctr" defTabSz="577850">
+          <a:pPr lvl="0" algn="ctr" defTabSz="488950">
             <a:lnSpc>
               <a:spcPct val="90000"/>
             </a:lnSpc>
@@ -2940,12 +3007,12 @@
               <a:spcPct val="35000"/>
             </a:spcAft>
           </a:pPr>
-          <a:endParaRPr lang="en-US" sz="1300" kern="1200"/>
+          <a:endParaRPr lang="en-US" sz="1100" kern="1200"/>
         </a:p>
       </dsp:txBody>
       <dsp:txXfrm>
-        <a:off x="1659159" y="929987"/>
-        <a:ext cx="279430" cy="280184"/>
+        <a:off x="1390216" y="952498"/>
+        <a:ext cx="234529" cy="235161"/>
       </dsp:txXfrm>
     </dsp:sp>
     <dsp:sp modelId="{C5062774-D3A7-8B40-8FDE-995EBC7DED98}">
@@ -2955,8 +3022,8 @@
       </dsp:nvSpPr>
       <dsp:spPr>
         <a:xfrm>
-          <a:off x="2224046" y="170602"/>
-          <a:ext cx="1276831" cy="1798954"/>
+          <a:off x="1864332" y="315138"/>
+          <a:ext cx="1071659" cy="1509882"/>
         </a:xfrm>
         <a:prstGeom prst="roundRect">
           <a:avLst>
@@ -3021,12 +3088,12 @@
         </a:fontRef>
       </dsp:style>
       <dsp:txBody>
-        <a:bodyPr spcFirstLastPara="0" vert="horz" wrap="square" lIns="60960" tIns="60960" rIns="60960" bIns="60960" numCol="1" spcCol="1270" anchor="ctr" anchorCtr="0">
+        <a:bodyPr spcFirstLastPara="0" vert="horz" wrap="square" lIns="49530" tIns="49530" rIns="49530" bIns="49530" numCol="1" spcCol="1270" anchor="ctr" anchorCtr="0">
           <a:noAutofit/>
         </a:bodyPr>
         <a:lstStyle/>
         <a:p>
-          <a:pPr lvl="0" algn="ctr" defTabSz="711200">
+          <a:pPr lvl="0" algn="ctr" defTabSz="577850">
             <a:lnSpc>
               <a:spcPct val="90000"/>
             </a:lnSpc>
@@ -3038,15 +3105,15 @@
             </a:spcAft>
           </a:pPr>
           <a:r>
-            <a:rPr lang="en-US" sz="1600" kern="1200" dirty="0" smtClean="0"/>
+            <a:rPr lang="en-US" sz="1300" kern="1200" dirty="0" smtClean="0"/>
             <a:t>Seed Selection</a:t>
           </a:r>
-          <a:endParaRPr lang="en-US" sz="1600" kern="1200" dirty="0"/>
+          <a:endParaRPr lang="en-US" sz="1300" kern="1200" dirty="0"/>
         </a:p>
       </dsp:txBody>
       <dsp:txXfrm>
-        <a:off x="2261443" y="207999"/>
-        <a:ext cx="1202037" cy="1724160"/>
+        <a:off x="1895720" y="346526"/>
+        <a:ext cx="1008883" cy="1447106"/>
       </dsp:txXfrm>
     </dsp:sp>
     <dsp:sp modelId="{3029052C-E3B7-CC46-8E23-37ABEDD15F03}">
@@ -3056,8 +3123,8 @@
       </dsp:nvSpPr>
       <dsp:spPr>
         <a:xfrm>
-          <a:off x="3689173" y="836593"/>
-          <a:ext cx="399186" cy="466972"/>
+          <a:off x="3094030" y="874111"/>
+          <a:ext cx="335041" cy="391935"/>
         </a:xfrm>
         <a:prstGeom prst="rightArrow">
           <a:avLst>
@@ -3131,7 +3198,7 @@
         </a:bodyPr>
         <a:lstStyle/>
         <a:p>
-          <a:pPr lvl="0" algn="ctr" defTabSz="577850">
+          <a:pPr lvl="0" algn="ctr" defTabSz="488950">
             <a:lnSpc>
               <a:spcPct val="90000"/>
             </a:lnSpc>
@@ -3142,12 +3209,12 @@
               <a:spcPct val="35000"/>
             </a:spcAft>
           </a:pPr>
-          <a:endParaRPr lang="en-US" sz="1300" kern="1200"/>
+          <a:endParaRPr lang="en-US" sz="1100" kern="1200"/>
         </a:p>
       </dsp:txBody>
       <dsp:txXfrm>
-        <a:off x="3689173" y="929987"/>
-        <a:ext cx="279430" cy="280184"/>
+        <a:off x="3094030" y="952498"/>
+        <a:ext cx="234529" cy="235161"/>
       </dsp:txXfrm>
     </dsp:sp>
     <dsp:sp modelId="{435D2948-DD5F-BA48-A4C2-3ADB352C2698}">
@@ -3157,8 +3224,8 @@
       </dsp:nvSpPr>
       <dsp:spPr>
         <a:xfrm>
-          <a:off x="4254059" y="170602"/>
-          <a:ext cx="1370885" cy="1798954"/>
+          <a:off x="3568145" y="315138"/>
+          <a:ext cx="1150599" cy="1509882"/>
         </a:xfrm>
         <a:prstGeom prst="roundRect">
           <a:avLst>
@@ -3223,12 +3290,12 @@
         </a:fontRef>
       </dsp:style>
       <dsp:txBody>
-        <a:bodyPr spcFirstLastPara="0" vert="horz" wrap="square" lIns="60960" tIns="60960" rIns="60960" bIns="60960" numCol="1" spcCol="1270" anchor="ctr" anchorCtr="0">
+        <a:bodyPr spcFirstLastPara="0" vert="horz" wrap="square" lIns="49530" tIns="49530" rIns="49530" bIns="49530" numCol="1" spcCol="1270" anchor="ctr" anchorCtr="0">
           <a:noAutofit/>
         </a:bodyPr>
         <a:lstStyle/>
         <a:p>
-          <a:pPr lvl="0" algn="ctr" defTabSz="711200">
+          <a:pPr lvl="0" algn="ctr" defTabSz="577850">
             <a:lnSpc>
               <a:spcPct val="90000"/>
             </a:lnSpc>
@@ -3240,15 +3307,15 @@
             </a:spcAft>
           </a:pPr>
           <a:r>
-            <a:rPr lang="en-US" sz="1600" kern="1200" dirty="0" smtClean="0"/>
+            <a:rPr lang="en-US" sz="1300" kern="1200" dirty="0" smtClean="0"/>
             <a:t>Seed Sequence</a:t>
           </a:r>
-          <a:endParaRPr lang="en-US" sz="1600" kern="1200" dirty="0"/>
+          <a:endParaRPr lang="en-US" sz="1300" kern="1200" dirty="0"/>
         </a:p>
       </dsp:txBody>
       <dsp:txXfrm>
-        <a:off x="4294211" y="210754"/>
-        <a:ext cx="1290581" cy="1718650"/>
+        <a:off x="3601845" y="348838"/>
+        <a:ext cx="1083199" cy="1442482"/>
       </dsp:txXfrm>
     </dsp:sp>
     <dsp:sp modelId="{F4B44CBC-FC47-1543-B4A9-F5AEB5CEB6BF}">
@@ -3258,8 +3325,8 @@
       </dsp:nvSpPr>
       <dsp:spPr>
         <a:xfrm>
-          <a:off x="5813239" y="836593"/>
-          <a:ext cx="399186" cy="466972"/>
+          <a:off x="4876783" y="874111"/>
+          <a:ext cx="335041" cy="391935"/>
         </a:xfrm>
         <a:prstGeom prst="rightArrow">
           <a:avLst>
@@ -3333,7 +3400,7 @@
         </a:bodyPr>
         <a:lstStyle/>
         <a:p>
-          <a:pPr lvl="0" algn="ctr" defTabSz="577850">
+          <a:pPr lvl="0" algn="ctr" defTabSz="488950">
             <a:lnSpc>
               <a:spcPct val="90000"/>
             </a:lnSpc>
@@ -3344,12 +3411,12 @@
               <a:spcPct val="35000"/>
             </a:spcAft>
           </a:pPr>
-          <a:endParaRPr lang="en-US" sz="1300" kern="1200"/>
+          <a:endParaRPr lang="en-US" sz="1100" kern="1200"/>
         </a:p>
       </dsp:txBody>
       <dsp:txXfrm>
-        <a:off x="5813239" y="929987"/>
-        <a:ext cx="279430" cy="280184"/>
+        <a:off x="4876783" y="952498"/>
+        <a:ext cx="234529" cy="235161"/>
       </dsp:txXfrm>
     </dsp:sp>
     <dsp:sp modelId="{2D708B46-B09A-7F44-A9C5-AB1FDCCB92AC}">
@@ -3359,8 +3426,8 @@
       </dsp:nvSpPr>
       <dsp:spPr>
         <a:xfrm>
-          <a:off x="6378126" y="170602"/>
-          <a:ext cx="2199385" cy="1798954"/>
+          <a:off x="5350898" y="315138"/>
+          <a:ext cx="1845968" cy="1509882"/>
         </a:xfrm>
         <a:prstGeom prst="roundRect">
           <a:avLst>
@@ -3390,12 +3457,12 @@
         </a:fontRef>
       </dsp:style>
       <dsp:txBody>
-        <a:bodyPr spcFirstLastPara="0" vert="horz" wrap="square" lIns="60960" tIns="60960" rIns="60960" bIns="60960" numCol="1" spcCol="1270" anchor="t" anchorCtr="0">
+        <a:bodyPr spcFirstLastPara="0" vert="horz" wrap="square" lIns="49530" tIns="49530" rIns="49530" bIns="49530" numCol="1" spcCol="1270" anchor="t" anchorCtr="0">
           <a:noAutofit/>
         </a:bodyPr>
         <a:lstStyle/>
         <a:p>
-          <a:pPr lvl="0" algn="ctr" defTabSz="711200">
+          <a:pPr lvl="0" algn="ctr" defTabSz="577850">
             <a:lnSpc>
               <a:spcPct val="90000"/>
             </a:lnSpc>
@@ -3407,13 +3474,13 @@
             </a:spcAft>
           </a:pPr>
           <a:r>
-            <a:rPr lang="en-US" sz="1600" kern="1200" dirty="0" smtClean="0"/>
+            <a:rPr lang="en-US" sz="1300" kern="1200" dirty="0" smtClean="0"/>
             <a:t>TRANSMISSIONS</a:t>
           </a:r>
-          <a:endParaRPr lang="en-US" sz="1600" kern="1200" dirty="0"/>
+          <a:endParaRPr lang="en-US" sz="1300" kern="1200" dirty="0"/>
         </a:p>
         <a:p>
-          <a:pPr marL="114300" lvl="1" indent="-114300" algn="l" defTabSz="533400">
+          <a:pPr marL="57150" lvl="1" indent="-57150" algn="l" defTabSz="444500">
             <a:lnSpc>
               <a:spcPct val="90000"/>
             </a:lnSpc>
@@ -3426,13 +3493,13 @@
             <a:buChar char="•"/>
           </a:pPr>
           <a:r>
-            <a:rPr lang="en-US" sz="1200" kern="1200" dirty="0" smtClean="0"/>
+            <a:rPr lang="en-US" sz="1000" kern="1200" dirty="0" smtClean="0"/>
             <a:t>Transmission Node Sample</a:t>
           </a:r>
-          <a:endParaRPr lang="en-US" sz="1200" kern="1200" dirty="0"/>
+          <a:endParaRPr lang="en-US" sz="1000" kern="1200" dirty="0"/>
         </a:p>
         <a:p>
-          <a:pPr marL="114300" lvl="1" indent="-114300" algn="l" defTabSz="533400">
+          <a:pPr marL="57150" lvl="1" indent="-57150" algn="l" defTabSz="444500">
             <a:lnSpc>
               <a:spcPct val="90000"/>
             </a:lnSpc>
@@ -3445,13 +3512,13 @@
             <a:buChar char="•"/>
           </a:pPr>
           <a:r>
-            <a:rPr lang="en-US" sz="1200" kern="1200" dirty="0" smtClean="0"/>
+            <a:rPr lang="en-US" sz="1000" kern="1200" dirty="0" smtClean="0"/>
             <a:t>Transmission Time Sample</a:t>
           </a:r>
-          <a:endParaRPr lang="en-US" sz="1200" kern="1200" dirty="0"/>
+          <a:endParaRPr lang="en-US" sz="1000" kern="1200" dirty="0"/>
         </a:p>
         <a:p>
-          <a:pPr marL="114300" lvl="1" indent="-114300" algn="l" defTabSz="533400">
+          <a:pPr marL="57150" lvl="1" indent="-57150" algn="l" defTabSz="444500">
             <a:lnSpc>
               <a:spcPct val="90000"/>
             </a:lnSpc>
@@ -3464,13 +3531,13 @@
             <a:buChar char="•"/>
           </a:pPr>
           <a:r>
-            <a:rPr lang="en-US" sz="1200" kern="1200" dirty="0" smtClean="0"/>
+            <a:rPr lang="en-US" sz="1000" kern="1200" dirty="0" smtClean="0"/>
             <a:t>Node Evolution</a:t>
           </a:r>
-          <a:endParaRPr lang="en-US" sz="1200" kern="1200" dirty="0"/>
+          <a:endParaRPr lang="en-US" sz="1000" kern="1200" dirty="0"/>
         </a:p>
         <a:p>
-          <a:pPr marL="114300" lvl="1" indent="-114300" algn="l" defTabSz="533400">
+          <a:pPr marL="57150" lvl="1" indent="-57150" algn="l" defTabSz="444500">
             <a:lnSpc>
               <a:spcPct val="90000"/>
             </a:lnSpc>
@@ -3483,13 +3550,13 @@
             <a:buChar char="•"/>
           </a:pPr>
           <a:r>
-            <a:rPr lang="en-US" sz="1200" kern="1200" dirty="0" smtClean="0"/>
+            <a:rPr lang="en-US" sz="1000" kern="1200" dirty="0" smtClean="0"/>
             <a:t>Sequence Evolution</a:t>
           </a:r>
-          <a:endParaRPr lang="en-US" sz="1200" kern="1200" dirty="0"/>
+          <a:endParaRPr lang="en-US" sz="1000" kern="1200" dirty="0"/>
         </a:p>
         <a:p>
-          <a:pPr marL="114300" lvl="1" indent="-114300" algn="l" defTabSz="533400">
+          <a:pPr marL="57150" lvl="1" indent="-57150" algn="l" defTabSz="444500">
             <a:lnSpc>
               <a:spcPct val="90000"/>
             </a:lnSpc>
@@ -3502,13 +3569,13 @@
             <a:buChar char="•"/>
           </a:pPr>
           <a:r>
-            <a:rPr lang="en-US" sz="1200" kern="1200" dirty="0" smtClean="0"/>
+            <a:rPr lang="en-US" sz="1000" kern="1200" dirty="0" smtClean="0"/>
             <a:t>Source Sample</a:t>
           </a:r>
-          <a:endParaRPr lang="en-US" sz="1200" kern="1200" dirty="0"/>
+          <a:endParaRPr lang="en-US" sz="1000" kern="1200" dirty="0"/>
         </a:p>
         <a:p>
-          <a:pPr marL="114300" lvl="1" indent="-114300" algn="l" defTabSz="533400">
+          <a:pPr marL="57150" lvl="1" indent="-57150" algn="l" defTabSz="444500">
             <a:lnSpc>
               <a:spcPct val="90000"/>
             </a:lnSpc>
@@ -3521,15 +3588,15 @@
             <a:buChar char="•"/>
           </a:pPr>
           <a:r>
-            <a:rPr lang="en-US" sz="1200" kern="1200" dirty="0" err="1" smtClean="0"/>
+            <a:rPr lang="en-US" sz="1000" kern="1200" dirty="0" err="1" smtClean="0"/>
             <a:t>EndCriteria</a:t>
           </a:r>
-          <a:endParaRPr lang="en-US" sz="1200" kern="1200" dirty="0"/>
+          <a:endParaRPr lang="en-US" sz="1000" kern="1200" dirty="0"/>
         </a:p>
       </dsp:txBody>
       <dsp:txXfrm>
-        <a:off x="6430816" y="223292"/>
-        <a:ext cx="2094005" cy="1693574"/>
+        <a:off x="5395121" y="359361"/>
+        <a:ext cx="1757522" cy="1421436"/>
       </dsp:txXfrm>
     </dsp:sp>
     <dsp:sp modelId="{D04E9C78-DFB5-504F-BAA1-0C684C1DAD88}">
@@ -3539,8 +3606,8 @@
       </dsp:nvSpPr>
       <dsp:spPr>
         <a:xfrm>
-          <a:off x="8765806" y="836593"/>
-          <a:ext cx="399186" cy="466972"/>
+          <a:off x="7354906" y="874111"/>
+          <a:ext cx="335041" cy="391935"/>
         </a:xfrm>
         <a:prstGeom prst="rightArrow">
           <a:avLst>
@@ -3614,6 +3681,103 @@
         </a:bodyPr>
         <a:lstStyle/>
         <a:p>
+          <a:pPr lvl="0" algn="ctr" defTabSz="488950">
+            <a:lnSpc>
+              <a:spcPct val="90000"/>
+            </a:lnSpc>
+            <a:spcBef>
+              <a:spcPct val="0"/>
+            </a:spcBef>
+            <a:spcAft>
+              <a:spcPct val="35000"/>
+            </a:spcAft>
+          </a:pPr>
+          <a:endParaRPr lang="en-US" sz="1100" kern="1200"/>
+        </a:p>
+      </dsp:txBody>
+      <dsp:txXfrm>
+        <a:off x="7354906" y="952498"/>
+        <a:ext cx="234529" cy="235161"/>
+      </dsp:txXfrm>
+    </dsp:sp>
+    <dsp:sp modelId="{D7F28953-1000-784A-9205-01222F540C40}">
+      <dsp:nvSpPr>
+        <dsp:cNvPr id="0" name=""/>
+        <dsp:cNvSpPr/>
+      </dsp:nvSpPr>
+      <dsp:spPr>
+        <a:xfrm>
+          <a:off x="7829021" y="315138"/>
+          <a:ext cx="1150599" cy="1509882"/>
+        </a:xfrm>
+        <a:prstGeom prst="roundRect">
+          <a:avLst>
+            <a:gd name="adj" fmla="val 10000"/>
+          </a:avLst>
+        </a:prstGeom>
+        <a:gradFill rotWithShape="0">
+          <a:gsLst>
+            <a:gs pos="0">
+              <a:schemeClr val="accent1">
+                <a:hueOff val="0"/>
+                <a:satOff val="0"/>
+                <a:lumOff val="0"/>
+                <a:alphaOff val="0"/>
+                <a:satMod val="103000"/>
+                <a:lumMod val="102000"/>
+                <a:tint val="94000"/>
+              </a:schemeClr>
+            </a:gs>
+            <a:gs pos="50000">
+              <a:schemeClr val="accent1">
+                <a:hueOff val="0"/>
+                <a:satOff val="0"/>
+                <a:lumOff val="0"/>
+                <a:alphaOff val="0"/>
+                <a:satMod val="110000"/>
+                <a:lumMod val="100000"/>
+                <a:shade val="100000"/>
+              </a:schemeClr>
+            </a:gs>
+            <a:gs pos="100000">
+              <a:schemeClr val="accent1">
+                <a:hueOff val="0"/>
+                <a:satOff val="0"/>
+                <a:lumOff val="0"/>
+                <a:alphaOff val="0"/>
+                <a:lumMod val="99000"/>
+                <a:satMod val="120000"/>
+                <a:shade val="78000"/>
+              </a:schemeClr>
+            </a:gs>
+          </a:gsLst>
+          <a:lin ang="5400000" scaled="0"/>
+        </a:gradFill>
+        <a:ln>
+          <a:noFill/>
+        </a:ln>
+        <a:effectLst/>
+      </dsp:spPr>
+      <dsp:style>
+        <a:lnRef idx="0">
+          <a:scrgbClr r="0" g="0" b="0"/>
+        </a:lnRef>
+        <a:fillRef idx="3">
+          <a:scrgbClr r="0" g="0" b="0"/>
+        </a:fillRef>
+        <a:effectRef idx="2">
+          <a:scrgbClr r="0" g="0" b="0"/>
+        </a:effectRef>
+        <a:fontRef idx="minor">
+          <a:schemeClr val="lt1"/>
+        </a:fontRef>
+      </dsp:style>
+      <dsp:txBody>
+        <a:bodyPr spcFirstLastPara="0" vert="horz" wrap="square" lIns="49530" tIns="49530" rIns="49530" bIns="49530" numCol="1" spcCol="1270" anchor="ctr" anchorCtr="0">
+          <a:noAutofit/>
+        </a:bodyPr>
+        <a:lstStyle/>
+        <a:p>
           <a:pPr lvl="0" algn="ctr" defTabSz="577850">
             <a:lnSpc>
               <a:spcPct val="90000"/>
@@ -3625,12 +3789,117 @@
               <a:spcPct val="35000"/>
             </a:spcAft>
           </a:pPr>
-          <a:endParaRPr lang="en-US" sz="1300" kern="1200"/>
+          <a:r>
+            <a:rPr lang="en-US" sz="1300" kern="1200" dirty="0" smtClean="0"/>
+            <a:t>Time Sample</a:t>
+          </a:r>
+          <a:endParaRPr lang="en-US" sz="1300" kern="1200" dirty="0"/>
         </a:p>
       </dsp:txBody>
       <dsp:txXfrm>
-        <a:off x="8765806" y="929987"/>
-        <a:ext cx="279430" cy="280184"/>
+        <a:off x="7862721" y="348838"/>
+        <a:ext cx="1083199" cy="1442482"/>
+      </dsp:txXfrm>
+    </dsp:sp>
+    <dsp:sp modelId="{5DB7B50D-A8FC-E149-B3F8-E7D42AF4712C}">
+      <dsp:nvSpPr>
+        <dsp:cNvPr id="0" name=""/>
+        <dsp:cNvSpPr/>
+      </dsp:nvSpPr>
+      <dsp:spPr>
+        <a:xfrm>
+          <a:off x="9137659" y="874111"/>
+          <a:ext cx="335041" cy="391935"/>
+        </a:xfrm>
+        <a:prstGeom prst="rightArrow">
+          <a:avLst>
+            <a:gd name="adj1" fmla="val 60000"/>
+            <a:gd name="adj2" fmla="val 50000"/>
+          </a:avLst>
+        </a:prstGeom>
+        <a:gradFill rotWithShape="0">
+          <a:gsLst>
+            <a:gs pos="0">
+              <a:schemeClr val="accent1">
+                <a:tint val="60000"/>
+                <a:hueOff val="0"/>
+                <a:satOff val="0"/>
+                <a:lumOff val="0"/>
+                <a:alphaOff val="0"/>
+                <a:satMod val="103000"/>
+                <a:lumMod val="102000"/>
+                <a:tint val="94000"/>
+              </a:schemeClr>
+            </a:gs>
+            <a:gs pos="50000">
+              <a:schemeClr val="accent1">
+                <a:tint val="60000"/>
+                <a:hueOff val="0"/>
+                <a:satOff val="0"/>
+                <a:lumOff val="0"/>
+                <a:alphaOff val="0"/>
+                <a:satMod val="110000"/>
+                <a:lumMod val="100000"/>
+                <a:shade val="100000"/>
+              </a:schemeClr>
+            </a:gs>
+            <a:gs pos="100000">
+              <a:schemeClr val="accent1">
+                <a:tint val="60000"/>
+                <a:hueOff val="0"/>
+                <a:satOff val="0"/>
+                <a:lumOff val="0"/>
+                <a:alphaOff val="0"/>
+                <a:lumMod val="99000"/>
+                <a:satMod val="120000"/>
+                <a:shade val="78000"/>
+              </a:schemeClr>
+            </a:gs>
+          </a:gsLst>
+          <a:lin ang="5400000" scaled="0"/>
+        </a:gradFill>
+        <a:ln>
+          <a:noFill/>
+        </a:ln>
+        <a:effectLst/>
+      </dsp:spPr>
+      <dsp:style>
+        <a:lnRef idx="0">
+          <a:scrgbClr r="0" g="0" b="0"/>
+        </a:lnRef>
+        <a:fillRef idx="3">
+          <a:scrgbClr r="0" g="0" b="0"/>
+        </a:fillRef>
+        <a:effectRef idx="2">
+          <a:scrgbClr r="0" g="0" b="0"/>
+        </a:effectRef>
+        <a:fontRef idx="minor">
+          <a:schemeClr val="lt1"/>
+        </a:fontRef>
+      </dsp:style>
+      <dsp:txBody>
+        <a:bodyPr spcFirstLastPara="0" vert="horz" wrap="square" lIns="0" tIns="0" rIns="0" bIns="0" numCol="1" spcCol="1270" anchor="ctr" anchorCtr="0">
+          <a:noAutofit/>
+        </a:bodyPr>
+        <a:lstStyle/>
+        <a:p>
+          <a:pPr lvl="0" algn="ctr" defTabSz="488950">
+            <a:lnSpc>
+              <a:spcPct val="90000"/>
+            </a:lnSpc>
+            <a:spcBef>
+              <a:spcPct val="0"/>
+            </a:spcBef>
+            <a:spcAft>
+              <a:spcPct val="35000"/>
+            </a:spcAft>
+          </a:pPr>
+          <a:endParaRPr lang="en-US" sz="1100" kern="1200"/>
+        </a:p>
+      </dsp:txBody>
+      <dsp:txXfrm>
+        <a:off x="9137659" y="952498"/>
+        <a:ext cx="234529" cy="235161"/>
       </dsp:txXfrm>
     </dsp:sp>
     <dsp:sp modelId="{E324EA71-C9AB-2943-812E-646AB1B31125}">
@@ -3640,8 +3909,8 @@
       </dsp:nvSpPr>
       <dsp:spPr>
         <a:xfrm>
-          <a:off x="9330693" y="170602"/>
-          <a:ext cx="1729399" cy="1798954"/>
+          <a:off x="9611775" y="315138"/>
+          <a:ext cx="1451504" cy="1509882"/>
         </a:xfrm>
         <a:prstGeom prst="roundRect">
           <a:avLst>
@@ -3671,12 +3940,12 @@
         </a:fontRef>
       </dsp:style>
       <dsp:txBody>
-        <a:bodyPr spcFirstLastPara="0" vert="horz" wrap="square" lIns="60960" tIns="60960" rIns="60960" bIns="60960" numCol="1" spcCol="1270" anchor="ctr" anchorCtr="0">
+        <a:bodyPr spcFirstLastPara="0" vert="horz" wrap="square" lIns="49530" tIns="49530" rIns="49530" bIns="49530" numCol="1" spcCol="1270" anchor="ctr" anchorCtr="0">
           <a:noAutofit/>
         </a:bodyPr>
         <a:lstStyle/>
         <a:p>
-          <a:pPr lvl="0" algn="ctr" defTabSz="711200">
+          <a:pPr lvl="0" algn="ctr" defTabSz="577850">
             <a:lnSpc>
               <a:spcPct val="90000"/>
             </a:lnSpc>
@@ -3688,12 +3957,12 @@
             </a:spcAft>
           </a:pPr>
           <a:r>
-            <a:rPr lang="en-US" sz="1600" kern="1200" dirty="0" smtClean="0"/>
+            <a:rPr lang="en-US" sz="1300" kern="1200" dirty="0" smtClean="0"/>
             <a:t>ERROR FREE</a:t>
           </a:r>
         </a:p>
         <a:p>
-          <a:pPr lvl="0" algn="ctr" defTabSz="711200">
+          <a:pPr lvl="0" algn="ctr" defTabSz="577850">
             <a:lnSpc>
               <a:spcPct val="90000"/>
             </a:lnSpc>
@@ -3705,15 +3974,15 @@
             </a:spcAft>
           </a:pPr>
           <a:r>
-            <a:rPr lang="en-US" sz="1600" kern="1200" dirty="0" smtClean="0"/>
+            <a:rPr lang="en-US" sz="1300" kern="1200" dirty="0" smtClean="0"/>
             <a:t>DATA</a:t>
           </a:r>
-          <a:endParaRPr lang="en-US" sz="1600" kern="1200" dirty="0"/>
+          <a:endParaRPr lang="en-US" sz="1300" kern="1200" dirty="0"/>
         </a:p>
       </dsp:txBody>
       <dsp:txXfrm>
-        <a:off x="9381345" y="221254"/>
-        <a:ext cx="1628095" cy="1697650"/>
+        <a:off x="9654288" y="357651"/>
+        <a:ext cx="1366478" cy="1424856"/>
       </dsp:txXfrm>
     </dsp:sp>
   </dsp:spTree>
@@ -7013,7 +7282,7 @@
           <a:p>
             <a:fld id="{435F5122-36F6-8A43-9FB8-2C7E079D8491}" type="datetimeFigureOut">
               <a:rPr lang="en-US" smtClean="0"/>
-              <a:t>5/17/17</a:t>
+              <a:t>5/21/17</a:t>
             </a:fld>
             <a:endParaRPr lang="en-US"/>
           </a:p>
@@ -7496,7 +7765,7 @@
           <a:p>
             <a:fld id="{0B81B261-3E97-594D-92FE-9F195E76D39F}" type="datetimeFigureOut">
               <a:rPr lang="en-US" smtClean="0"/>
-              <a:t>5/17/17</a:t>
+              <a:t>5/21/17</a:t>
             </a:fld>
             <a:endParaRPr lang="en-US"/>
           </a:p>
@@ -7666,7 +7935,7 @@
           <a:p>
             <a:fld id="{0B81B261-3E97-594D-92FE-9F195E76D39F}" type="datetimeFigureOut">
               <a:rPr lang="en-US" smtClean="0"/>
-              <a:t>5/17/17</a:t>
+              <a:t>5/21/17</a:t>
             </a:fld>
             <a:endParaRPr lang="en-US"/>
           </a:p>
@@ -7846,7 +8115,7 @@
           <a:p>
             <a:fld id="{0B81B261-3E97-594D-92FE-9F195E76D39F}" type="datetimeFigureOut">
               <a:rPr lang="en-US" smtClean="0"/>
-              <a:t>5/17/17</a:t>
+              <a:t>5/21/17</a:t>
             </a:fld>
             <a:endParaRPr lang="en-US"/>
           </a:p>
@@ -8016,7 +8285,7 @@
           <a:p>
             <a:fld id="{0B81B261-3E97-594D-92FE-9F195E76D39F}" type="datetimeFigureOut">
               <a:rPr lang="en-US" smtClean="0"/>
-              <a:t>5/17/17</a:t>
+              <a:t>5/21/17</a:t>
             </a:fld>
             <a:endParaRPr lang="en-US"/>
           </a:p>
@@ -8262,7 +8531,7 @@
           <a:p>
             <a:fld id="{0B81B261-3E97-594D-92FE-9F195E76D39F}" type="datetimeFigureOut">
               <a:rPr lang="en-US" smtClean="0"/>
-              <a:t>5/17/17</a:t>
+              <a:t>5/21/17</a:t>
             </a:fld>
             <a:endParaRPr lang="en-US"/>
           </a:p>
@@ -8494,7 +8763,7 @@
           <a:p>
             <a:fld id="{0B81B261-3E97-594D-92FE-9F195E76D39F}" type="datetimeFigureOut">
               <a:rPr lang="en-US" smtClean="0"/>
-              <a:t>5/17/17</a:t>
+              <a:t>5/21/17</a:t>
             </a:fld>
             <a:endParaRPr lang="en-US"/>
           </a:p>
@@ -8861,7 +9130,7 @@
           <a:p>
             <a:fld id="{0B81B261-3E97-594D-92FE-9F195E76D39F}" type="datetimeFigureOut">
               <a:rPr lang="en-US" smtClean="0"/>
-              <a:t>5/17/17</a:t>
+              <a:t>5/21/17</a:t>
             </a:fld>
             <a:endParaRPr lang="en-US"/>
           </a:p>
@@ -8979,7 +9248,7 @@
           <a:p>
             <a:fld id="{0B81B261-3E97-594D-92FE-9F195E76D39F}" type="datetimeFigureOut">
               <a:rPr lang="en-US" smtClean="0"/>
-              <a:t>5/17/17</a:t>
+              <a:t>5/21/17</a:t>
             </a:fld>
             <a:endParaRPr lang="en-US"/>
           </a:p>
@@ -9074,7 +9343,7 @@
           <a:p>
             <a:fld id="{0B81B261-3E97-594D-92FE-9F195E76D39F}" type="datetimeFigureOut">
               <a:rPr lang="en-US" smtClean="0"/>
-              <a:t>5/17/17</a:t>
+              <a:t>5/21/17</a:t>
             </a:fld>
             <a:endParaRPr lang="en-US"/>
           </a:p>
@@ -9351,7 +9620,7 @@
           <a:p>
             <a:fld id="{0B81B261-3E97-594D-92FE-9F195E76D39F}" type="datetimeFigureOut">
               <a:rPr lang="en-US" smtClean="0"/>
-              <a:t>5/17/17</a:t>
+              <a:t>5/21/17</a:t>
             </a:fld>
             <a:endParaRPr lang="en-US"/>
           </a:p>
@@ -9604,7 +9873,7 @@
           <a:p>
             <a:fld id="{0B81B261-3E97-594D-92FE-9F195E76D39F}" type="datetimeFigureOut">
               <a:rPr lang="en-US" smtClean="0"/>
-              <a:t>5/17/17</a:t>
+              <a:t>5/21/17</a:t>
             </a:fld>
             <a:endParaRPr lang="en-US"/>
           </a:p>
@@ -9817,7 +10086,7 @@
           <a:p>
             <a:fld id="{0B81B261-3E97-594D-92FE-9F195E76D39F}" type="datetimeFigureOut">
               <a:rPr lang="en-US" smtClean="0"/>
-              <a:t>5/17/17</a:t>
+              <a:t>5/21/17</a:t>
             </a:fld>
             <a:endParaRPr lang="en-US"/>
           </a:p>
@@ -13128,7 +13397,11 @@
           <p:cNvPr id="5" name="Diagram 4"/>
           <p:cNvGraphicFramePr/>
           <p:nvPr>
-            <p:extLst/>
+            <p:extLst>
+              <p:ext uri="{D42A27DB-BD31-4B8C-83A1-F6EECF244321}">
+                <p14:modId xmlns:p14="http://schemas.microsoft.com/office/powerpoint/2010/main" val="1497031764"/>
+              </p:ext>
+            </p:extLst>
           </p:nvPr>
         </p:nvGraphicFramePr>
         <p:xfrm>
@@ -13146,7 +13419,11 @@
           <p:cNvPr id="6" name="Diagram 5"/>
           <p:cNvGraphicFramePr/>
           <p:nvPr>
-            <p:extLst/>
+            <p:extLst>
+              <p:ext uri="{D42A27DB-BD31-4B8C-83A1-F6EECF244321}">
+                <p14:modId xmlns:p14="http://schemas.microsoft.com/office/powerpoint/2010/main" val="694449296"/>
+              </p:ext>
+            </p:extLst>
           </p:nvPr>
         </p:nvGraphicFramePr>
         <p:xfrm>

--- a/figures/figures.pptx
+++ b/figures/figures.pptx
@@ -2085,6 +2085,7 @@
         <a:bodyPr/>
         <a:lstStyle/>
         <a:p>
+          <a:pPr algn="l"/>
           <a:r>
             <a:rPr lang="en-US" dirty="0" smtClean="0"/>
             <a:t>Time Sample</a:t>
@@ -2105,6 +2106,85 @@
       </dgm:t>
     </dgm:pt>
     <dgm:pt modelId="{2C7164CC-6546-F34E-AC17-6A4FE01B6034}" type="sibTrans" cxnId="{851AB8B6-F1D6-C64F-AE4B-E0F5252E4653}">
+      <dgm:prSet/>
+      <dgm:spPr/>
+      <dgm:t>
+        <a:bodyPr/>
+        <a:lstStyle/>
+        <a:p>
+          <a:endParaRPr lang="en-US"/>
+        </a:p>
+      </dgm:t>
+    </dgm:pt>
+    <dgm:pt modelId="{18E99926-284D-AC48-B133-B6741135C7D5}">
+      <dgm:prSet/>
+      <dgm:spPr/>
+      <dgm:t>
+        <a:bodyPr/>
+        <a:lstStyle/>
+        <a:p>
+          <a:pPr algn="ctr"/>
+          <a:r>
+            <a:rPr lang="en-US" dirty="0" smtClean="0"/>
+            <a:t>VIRAL SAMPLING</a:t>
+          </a:r>
+          <a:endParaRPr lang="en-US" dirty="0"/>
+        </a:p>
+      </dgm:t>
+    </dgm:pt>
+    <dgm:pt modelId="{502B8BCD-5A28-B04B-BF6A-9A282CE74463}" type="parTrans" cxnId="{9FC0AE21-94E2-304F-8839-51B9DCF58FAE}">
+      <dgm:prSet/>
+      <dgm:spPr/>
+      <dgm:t>
+        <a:bodyPr/>
+        <a:lstStyle/>
+        <a:p>
+          <a:endParaRPr lang="en-US"/>
+        </a:p>
+      </dgm:t>
+    </dgm:pt>
+    <dgm:pt modelId="{2AF9CE26-6AA6-384D-9EA7-6F9D0A8D9E20}" type="sibTrans" cxnId="{9FC0AE21-94E2-304F-8839-51B9DCF58FAE}">
+      <dgm:prSet/>
+      <dgm:spPr/>
+      <dgm:t>
+        <a:bodyPr/>
+        <a:lstStyle/>
+        <a:p>
+          <a:endParaRPr lang="en-US"/>
+        </a:p>
+      </dgm:t>
+    </dgm:pt>
+    <dgm:pt modelId="{88049AEE-4468-7944-9BC4-14997D6BF2C6}">
+      <dgm:prSet/>
+      <dgm:spPr/>
+      <dgm:t>
+        <a:bodyPr/>
+        <a:lstStyle/>
+        <a:p>
+          <a:r>
+            <a:rPr lang="en-US" dirty="0" err="1" smtClean="0"/>
+            <a:t>Num</a:t>
+          </a:r>
+          <a:r>
+            <a:rPr lang="en-US" dirty="0" smtClean="0"/>
+            <a:t> Branch Sample</a:t>
+          </a:r>
+          <a:endParaRPr lang="en-US" dirty="0"/>
+        </a:p>
+      </dgm:t>
+    </dgm:pt>
+    <dgm:pt modelId="{0610C57B-14B5-1847-BB28-6D239E823079}" type="parTrans" cxnId="{D173F307-14ED-7140-9F70-FFA2C97805ED}">
+      <dgm:prSet/>
+      <dgm:spPr/>
+      <dgm:t>
+        <a:bodyPr/>
+        <a:lstStyle/>
+        <a:p>
+          <a:endParaRPr lang="en-US"/>
+        </a:p>
+      </dgm:t>
+    </dgm:pt>
+    <dgm:pt modelId="{04A104A5-C4E3-9B4B-A8BD-AD63E82C498A}" type="sibTrans" cxnId="{D173F307-14ED-7140-9F70-FFA2C97805ED}">
       <dgm:prSet/>
       <dgm:spPr/>
       <dgm:t>
@@ -2272,27 +2352,20 @@
         </a:p>
       </dgm:t>
     </dgm:pt>
-    <dgm:pt modelId="{D7F28953-1000-784A-9205-01222F540C40}" type="pres">
-      <dgm:prSet presAssocID="{CA1E943E-3AB1-4942-9397-CA0E4F86BC17}" presName="node" presStyleLbl="node1" presStyleIdx="4" presStyleCnt="6" custScaleX="72805" custScaleY="82184">
+    <dgm:pt modelId="{35E813D0-5190-CE48-A1DC-87CBC0399B9A}" type="pres">
+      <dgm:prSet presAssocID="{18E99926-284D-AC48-B133-B6741135C7D5}" presName="node" presStyleLbl="node1" presStyleIdx="4" presStyleCnt="6">
         <dgm:presLayoutVars>
           <dgm:bulletEnabled val="1"/>
         </dgm:presLayoutVars>
       </dgm:prSet>
       <dgm:spPr/>
-      <dgm:t>
-        <a:bodyPr/>
-        <a:lstStyle/>
-        <a:p>
-          <a:endParaRPr lang="en-US"/>
-        </a:p>
-      </dgm:t>
     </dgm:pt>
-    <dgm:pt modelId="{5DB7B50D-A8FC-E149-B3F8-E7D42AF4712C}" type="pres">
-      <dgm:prSet presAssocID="{2C7164CC-6546-F34E-AC17-6A4FE01B6034}" presName="sibTrans" presStyleLbl="sibTrans2D1" presStyleIdx="4" presStyleCnt="5"/>
+    <dgm:pt modelId="{B21487EB-FC70-6949-B938-5125DF3A9387}" type="pres">
+      <dgm:prSet presAssocID="{2AF9CE26-6AA6-384D-9EA7-6F9D0A8D9E20}" presName="sibTrans" presStyleLbl="sibTrans2D1" presStyleIdx="4" presStyleCnt="5"/>
       <dgm:spPr/>
     </dgm:pt>
-    <dgm:pt modelId="{54741BDB-6792-7846-82DD-67DF36F14B98}" type="pres">
-      <dgm:prSet presAssocID="{2C7164CC-6546-F34E-AC17-6A4FE01B6034}" presName="connectorText" presStyleLbl="sibTrans2D1" presStyleIdx="4" presStyleCnt="5"/>
+    <dgm:pt modelId="{E9E8E010-8E32-764D-ACA5-DE0C52FE9BDF}" type="pres">
+      <dgm:prSet presAssocID="{2AF9CE26-6AA6-384D-9EA7-6F9D0A8D9E20}" presName="connectorText" presStyleLbl="sibTrans2D1" presStyleIdx="4" presStyleCnt="5"/>
       <dgm:spPr/>
     </dgm:pt>
     <dgm:pt modelId="{E324EA71-C9AB-2943-812E-646AB1B31125}" type="pres">
@@ -2313,56 +2386,60 @@
   </dgm:ptLst>
   <dgm:cxnLst>
     <dgm:cxn modelId="{F550F3EB-D554-514D-9172-65DAE540D191}" srcId="{DE49E2BA-261B-EC46-BAF7-6B78BDB6F06F}" destId="{D8DAD879-37C7-774C-B149-B7250DD6D502}" srcOrd="2" destOrd="0" parTransId="{3057D897-29F9-DD49-B58A-81904BB7F42F}" sibTransId="{FA861C74-A4AA-6341-A5A4-19F33298102E}"/>
-    <dgm:cxn modelId="{CE45F710-21F1-F14A-98F5-4C58D27B9234}" type="presOf" srcId="{9887AAD4-671C-2243-B23F-6F6D102A4012}" destId="{BB567044-1BE6-FA4E-BC0C-29580823B6FB}" srcOrd="0" destOrd="0" presId="urn:microsoft.com/office/officeart/2005/8/layout/process1"/>
-    <dgm:cxn modelId="{1B728384-1116-C546-B0C6-D5E427214E25}" type="presOf" srcId="{2C7164CC-6546-F34E-AC17-6A4FE01B6034}" destId="{54741BDB-6792-7846-82DD-67DF36F14B98}" srcOrd="1" destOrd="0" presId="urn:microsoft.com/office/officeart/2005/8/layout/process1"/>
-    <dgm:cxn modelId="{56A57666-21B0-FD4B-896E-A7D1E506B664}" type="presOf" srcId="{533BC168-BC76-C14E-8694-1DC3B6CF54C5}" destId="{3029052C-E3B7-CC46-8E23-37ABEDD15F03}" srcOrd="0" destOrd="0" presId="urn:microsoft.com/office/officeart/2005/8/layout/process1"/>
-    <dgm:cxn modelId="{AF756E2C-665B-3747-A537-29B949AA3C83}" type="presOf" srcId="{B170FB99-8909-414F-A4FC-4553DD906590}" destId="{E73AAB45-BA46-5E42-A3FA-3E92D321988C}" srcOrd="1" destOrd="0" presId="urn:microsoft.com/office/officeart/2005/8/layout/process1"/>
+    <dgm:cxn modelId="{80855751-E542-F849-819A-353267323FA4}" type="presOf" srcId="{533BC168-BC76-C14E-8694-1DC3B6CF54C5}" destId="{A8C226CF-C78B-EB4E-86A6-1B0387CFF648}" srcOrd="1" destOrd="0" presId="urn:microsoft.com/office/officeart/2005/8/layout/process1"/>
+    <dgm:cxn modelId="{22EFD2D7-209B-EE4E-9847-AC5F0F0DC3E2}" type="presOf" srcId="{B170FB99-8909-414F-A4FC-4553DD906590}" destId="{1A8802C5-3316-8E4D-AF91-213A1FB07CB7}" srcOrd="0" destOrd="0" presId="urn:microsoft.com/office/officeart/2005/8/layout/process1"/>
+    <dgm:cxn modelId="{94B3DEE1-393A-C941-B585-E0C4BC43F1D8}" type="presOf" srcId="{801AFE1A-416D-E74C-BBFD-557415AE0194}" destId="{C5062774-D3A7-8B40-8FDE-995EBC7DED98}" srcOrd="0" destOrd="0" presId="urn:microsoft.com/office/officeart/2005/8/layout/process1"/>
     <dgm:cxn modelId="{1A10F469-1A1D-6E44-8760-2C41AC2B313D}" srcId="{E87FC9F4-306A-C441-847C-3B779F386673}" destId="{94769534-4246-8C4F-A5A5-FDCD149EA162}" srcOrd="4" destOrd="0" parTransId="{75F7124E-82E3-C04C-B862-F686848CD179}" sibTransId="{8D2569AF-BC24-D947-8477-93C1747FC4C1}"/>
-    <dgm:cxn modelId="{019D44FD-53D1-8A40-8E2D-01D6C7A8B6FC}" type="presOf" srcId="{234F4A0B-8092-0C47-A9C3-FFE7AA8C6D2A}" destId="{2D708B46-B09A-7F44-A9C5-AB1FDCCB92AC}" srcOrd="0" destOrd="1" presId="urn:microsoft.com/office/officeart/2005/8/layout/process1"/>
+    <dgm:cxn modelId="{6CD110AE-FE0A-844B-ABED-1AEC1B4043C5}" type="presOf" srcId="{CA1E943E-3AB1-4942-9397-CA0E4F86BC17}" destId="{35E813D0-5190-CE48-A1DC-87CBC0399B9A}" srcOrd="0" destOrd="1" presId="urn:microsoft.com/office/officeart/2005/8/layout/process1"/>
+    <dgm:cxn modelId="{5E9248BD-7FA2-D444-B67C-7782DA499A83}" type="presOf" srcId="{94769534-4246-8C4F-A5A5-FDCD149EA162}" destId="{2D708B46-B09A-7F44-A9C5-AB1FDCCB92AC}" srcOrd="0" destOrd="5" presId="urn:microsoft.com/office/officeart/2005/8/layout/process1"/>
     <dgm:cxn modelId="{BB304414-4573-A945-A6B9-D92B37E06E0E}" srcId="{DE49E2BA-261B-EC46-BAF7-6B78BDB6F06F}" destId="{801AFE1A-416D-E74C-BBFD-557415AE0194}" srcOrd="1" destOrd="0" parTransId="{2727C292-B037-A740-B806-A17CA3BCFCD5}" sibTransId="{533BC168-BC76-C14E-8694-1DC3B6CF54C5}"/>
+    <dgm:cxn modelId="{2774BCBB-D5E1-634D-8EEF-BFF8F364A6B8}" type="presOf" srcId="{5EDB0D77-09F0-0C4F-B332-E852A176F79A}" destId="{E324EA71-C9AB-2943-812E-646AB1B31125}" srcOrd="0" destOrd="0" presId="urn:microsoft.com/office/officeart/2005/8/layout/process1"/>
     <dgm:cxn modelId="{65F9519C-8DCA-3242-AB72-34F5454955E7}" srcId="{DE49E2BA-261B-EC46-BAF7-6B78BDB6F06F}" destId="{E87FC9F4-306A-C441-847C-3B779F386673}" srcOrd="3" destOrd="0" parTransId="{59685BE7-ADA0-B24C-9379-A9C402B1D281}" sibTransId="{4CC5DAE6-00C4-BD4A-B969-A1FB5B516F57}"/>
-    <dgm:cxn modelId="{60E8D620-22F1-DB4F-BA25-9055FF9F849F}" type="presOf" srcId="{5EDB0D77-09F0-0C4F-B332-E852A176F79A}" destId="{E324EA71-C9AB-2943-812E-646AB1B31125}" srcOrd="0" destOrd="0" presId="urn:microsoft.com/office/officeart/2005/8/layout/process1"/>
     <dgm:cxn modelId="{EC182979-58B4-A347-90E0-929D046F46B6}" type="presOf" srcId="{DE49E2BA-261B-EC46-BAF7-6B78BDB6F06F}" destId="{4A554E7B-4565-9144-9E8A-ED84F42D6595}" srcOrd="0" destOrd="0" presId="urn:microsoft.com/office/officeart/2005/8/layout/process1"/>
-    <dgm:cxn modelId="{3B28DED5-E5F5-664C-8229-84A427D45F58}" type="presOf" srcId="{CA1E943E-3AB1-4942-9397-CA0E4F86BC17}" destId="{D7F28953-1000-784A-9205-01222F540C40}" srcOrd="0" destOrd="0" presId="urn:microsoft.com/office/officeart/2005/8/layout/process1"/>
-    <dgm:cxn modelId="{DF165844-AB17-C84A-B297-EE84B0C8E7C0}" type="presOf" srcId="{94769534-4246-8C4F-A5A5-FDCD149EA162}" destId="{2D708B46-B09A-7F44-A9C5-AB1FDCCB92AC}" srcOrd="0" destOrd="5" presId="urn:microsoft.com/office/officeart/2005/8/layout/process1"/>
+    <dgm:cxn modelId="{9B45ADD8-7611-F84A-A3ED-0E4F78265B4B}" type="presOf" srcId="{D29243F3-EA9B-7C4B-B882-B4CED33A4238}" destId="{2D708B46-B09A-7F44-A9C5-AB1FDCCB92AC}" srcOrd="0" destOrd="6" presId="urn:microsoft.com/office/officeart/2005/8/layout/process1"/>
+    <dgm:cxn modelId="{C1ECC757-B52F-E049-B17D-3E36E34C2740}" srcId="{E87FC9F4-306A-C441-847C-3B779F386673}" destId="{DF7BE7E2-BD5F-EF42-98DF-684B0794E6B7}" srcOrd="3" destOrd="0" parTransId="{D893A9EE-6767-2541-8054-D505D80F0546}" sibTransId="{8747CB30-4722-E843-9A33-B85AFCEE5E44}"/>
     <dgm:cxn modelId="{2F6EDDF8-1A52-CA4F-AC56-E7B813883AFC}" srcId="{DE49E2BA-261B-EC46-BAF7-6B78BDB6F06F}" destId="{5EDB0D77-09F0-0C4F-B332-E852A176F79A}" srcOrd="5" destOrd="0" parTransId="{6905B776-7DF3-2743-A7A0-DC627995A528}" sibTransId="{486F902B-586B-8044-9F9C-0B0AEA8029F9}"/>
-    <dgm:cxn modelId="{C1ECC757-B52F-E049-B17D-3E36E34C2740}" srcId="{E87FC9F4-306A-C441-847C-3B779F386673}" destId="{DF7BE7E2-BD5F-EF42-98DF-684B0794E6B7}" srcOrd="3" destOrd="0" parTransId="{D893A9EE-6767-2541-8054-D505D80F0546}" sibTransId="{8747CB30-4722-E843-9A33-B85AFCEE5E44}"/>
-    <dgm:cxn modelId="{8EE0F5FC-50D2-884D-9E41-8EEF6B2626EC}" type="presOf" srcId="{FA861C74-A4AA-6341-A5A4-19F33298102E}" destId="{F4B44CBC-FC47-1543-B4A9-F5AEB5CEB6BF}" srcOrd="0" destOrd="0" presId="urn:microsoft.com/office/officeart/2005/8/layout/process1"/>
-    <dgm:cxn modelId="{C5785044-B4AB-DB48-A0FD-889453177FE0}" type="presOf" srcId="{FA861C74-A4AA-6341-A5A4-19F33298102E}" destId="{80A3280C-1FE1-F741-8E7B-2B8CCCBB28E5}" srcOrd="1" destOrd="0" presId="urn:microsoft.com/office/officeart/2005/8/layout/process1"/>
     <dgm:cxn modelId="{34FA0A1B-B56E-B04F-B8EC-AB21D2A30C24}" srcId="{E87FC9F4-306A-C441-847C-3B779F386673}" destId="{0D3DF110-F666-A04E-8B34-4B0F25524A57}" srcOrd="2" destOrd="0" parTransId="{7B7C4DCE-5341-4545-9538-6665DF174D30}" sibTransId="{A9EB110C-64CB-8545-A39B-8EE8C8FD35F9}"/>
-    <dgm:cxn modelId="{01EB0B4D-66C8-6144-AF8A-DEA78ACBA925}" type="presOf" srcId="{533BC168-BC76-C14E-8694-1DC3B6CF54C5}" destId="{A8C226CF-C78B-EB4E-86A6-1B0387CFF648}" srcOrd="1" destOrd="0" presId="urn:microsoft.com/office/officeart/2005/8/layout/process1"/>
-    <dgm:cxn modelId="{561E42D6-F7C4-7A46-A7A7-071A001C882D}" type="presOf" srcId="{D8DAD879-37C7-774C-B149-B7250DD6D502}" destId="{435D2948-DD5F-BA48-A4C2-3ADB352C2698}" srcOrd="0" destOrd="0" presId="urn:microsoft.com/office/officeart/2005/8/layout/process1"/>
-    <dgm:cxn modelId="{8FC97DFB-744C-2549-8B39-8ADD373EDB2A}" type="presOf" srcId="{E87FC9F4-306A-C441-847C-3B779F386673}" destId="{2D708B46-B09A-7F44-A9C5-AB1FDCCB92AC}" srcOrd="0" destOrd="0" presId="urn:microsoft.com/office/officeart/2005/8/layout/process1"/>
-    <dgm:cxn modelId="{0318627D-A7C8-0C45-852A-429DFB2D7511}" type="presOf" srcId="{2C7164CC-6546-F34E-AC17-6A4FE01B6034}" destId="{5DB7B50D-A8FC-E149-B3F8-E7D42AF4712C}" srcOrd="0" destOrd="0" presId="urn:microsoft.com/office/officeart/2005/8/layout/process1"/>
+    <dgm:cxn modelId="{C5BDF057-D300-D140-82D6-321C2EA4146C}" type="presOf" srcId="{0D3DF110-F666-A04E-8B34-4B0F25524A57}" destId="{2D708B46-B09A-7F44-A9C5-AB1FDCCB92AC}" srcOrd="0" destOrd="3" presId="urn:microsoft.com/office/officeart/2005/8/layout/process1"/>
+    <dgm:cxn modelId="{B174105E-0E8D-4C47-9546-5C64827D2AD6}" type="presOf" srcId="{FA861C74-A4AA-6341-A5A4-19F33298102E}" destId="{80A3280C-1FE1-F741-8E7B-2B8CCCBB28E5}" srcOrd="1" destOrd="0" presId="urn:microsoft.com/office/officeart/2005/8/layout/process1"/>
+    <dgm:cxn modelId="{7DC0BE5D-0A7E-3A4A-A810-886B53000704}" type="presOf" srcId="{E87FC9F4-306A-C441-847C-3B779F386673}" destId="{2D708B46-B09A-7F44-A9C5-AB1FDCCB92AC}" srcOrd="0" destOrd="0" presId="urn:microsoft.com/office/officeart/2005/8/layout/process1"/>
     <dgm:cxn modelId="{127634F4-83D2-7C49-BCF8-038493B7E4B2}" srcId="{E87FC9F4-306A-C441-847C-3B779F386673}" destId="{A7240CC4-9D82-DA47-B691-1F13DBBD256B}" srcOrd="1" destOrd="0" parTransId="{F23044CA-9FAA-BF4D-ADA7-20B36854C0E0}" sibTransId="{83D2CA4B-211C-0B41-9362-5B4347E27686}"/>
-    <dgm:cxn modelId="{66D7AC05-1554-F046-B77C-FB927ACCFB3F}" type="presOf" srcId="{801AFE1A-416D-E74C-BBFD-557415AE0194}" destId="{C5062774-D3A7-8B40-8FDE-995EBC7DED98}" srcOrd="0" destOrd="0" presId="urn:microsoft.com/office/officeart/2005/8/layout/process1"/>
-    <dgm:cxn modelId="{B9B8408D-1F50-5047-8DEB-93858CECAB43}" type="presOf" srcId="{A7240CC4-9D82-DA47-B691-1F13DBBD256B}" destId="{2D708B46-B09A-7F44-A9C5-AB1FDCCB92AC}" srcOrd="0" destOrd="2" presId="urn:microsoft.com/office/officeart/2005/8/layout/process1"/>
-    <dgm:cxn modelId="{73AB3B37-F225-5B40-9E6B-877839CF72A4}" type="presOf" srcId="{D29243F3-EA9B-7C4B-B882-B4CED33A4238}" destId="{2D708B46-B09A-7F44-A9C5-AB1FDCCB92AC}" srcOrd="0" destOrd="6" presId="urn:microsoft.com/office/officeart/2005/8/layout/process1"/>
-    <dgm:cxn modelId="{67D3A150-B5FD-F647-AB4D-7A5661D94EAD}" type="presOf" srcId="{B170FB99-8909-414F-A4FC-4553DD906590}" destId="{1A8802C5-3316-8E4D-AF91-213A1FB07CB7}" srcOrd="0" destOrd="0" presId="urn:microsoft.com/office/officeart/2005/8/layout/process1"/>
+    <dgm:cxn modelId="{D1DB1BA2-0145-A744-8DD9-97F1B5831B8A}" type="presOf" srcId="{4CC5DAE6-00C4-BD4A-B969-A1FB5B516F57}" destId="{FC94D377-6A7C-C04B-BE77-5081195182EA}" srcOrd="1" destOrd="0" presId="urn:microsoft.com/office/officeart/2005/8/layout/process1"/>
+    <dgm:cxn modelId="{D417FEBC-87C7-554A-A0BB-29AABF1D15F7}" type="presOf" srcId="{234F4A0B-8092-0C47-A9C3-FFE7AA8C6D2A}" destId="{2D708B46-B09A-7F44-A9C5-AB1FDCCB92AC}" srcOrd="0" destOrd="1" presId="urn:microsoft.com/office/officeart/2005/8/layout/process1"/>
+    <dgm:cxn modelId="{AFDA51F3-0210-5643-B334-ECB4525ED394}" type="presOf" srcId="{A7240CC4-9D82-DA47-B691-1F13DBBD256B}" destId="{2D708B46-B09A-7F44-A9C5-AB1FDCCB92AC}" srcOrd="0" destOrd="2" presId="urn:microsoft.com/office/officeart/2005/8/layout/process1"/>
+    <dgm:cxn modelId="{B014011E-543C-1C44-9695-07F6C9DEA0C4}" type="presOf" srcId="{4CC5DAE6-00C4-BD4A-B969-A1FB5B516F57}" destId="{D04E9C78-DFB5-504F-BAA1-0C684C1DAD88}" srcOrd="0" destOrd="0" presId="urn:microsoft.com/office/officeart/2005/8/layout/process1"/>
+    <dgm:cxn modelId="{8F0D6BB2-DEF6-8448-A0AC-2A1DDCCB2E85}" type="presOf" srcId="{18E99926-284D-AC48-B133-B6741135C7D5}" destId="{35E813D0-5190-CE48-A1DC-87CBC0399B9A}" srcOrd="0" destOrd="0" presId="urn:microsoft.com/office/officeart/2005/8/layout/process1"/>
+    <dgm:cxn modelId="{7EA5C140-09E5-544C-BFA4-6CBA5476B62D}" type="presOf" srcId="{B170FB99-8909-414F-A4FC-4553DD906590}" destId="{E73AAB45-BA46-5E42-A3FA-3E92D321988C}" srcOrd="1" destOrd="0" presId="urn:microsoft.com/office/officeart/2005/8/layout/process1"/>
+    <dgm:cxn modelId="{F009B577-7123-EC49-86FD-9DF0ACA384CF}" type="presOf" srcId="{9887AAD4-671C-2243-B23F-6F6D102A4012}" destId="{BB567044-1BE6-FA4E-BC0C-29580823B6FB}" srcOrd="0" destOrd="0" presId="urn:microsoft.com/office/officeart/2005/8/layout/process1"/>
+    <dgm:cxn modelId="{851AB8B6-F1D6-C64F-AE4B-E0F5252E4653}" srcId="{18E99926-284D-AC48-B133-B6741135C7D5}" destId="{CA1E943E-3AB1-4942-9397-CA0E4F86BC17}" srcOrd="0" destOrd="0" parTransId="{1CE7C90D-6879-E34B-A8E5-532D4972417F}" sibTransId="{2C7164CC-6546-F34E-AC17-6A4FE01B6034}"/>
     <dgm:cxn modelId="{483A407A-1E6B-3047-BA2B-2FCA024D6346}" srcId="{E87FC9F4-306A-C441-847C-3B779F386673}" destId="{234F4A0B-8092-0C47-A9C3-FFE7AA8C6D2A}" srcOrd="0" destOrd="0" parTransId="{6740B56E-ADD8-9C42-BE21-0918BAB5D356}" sibTransId="{AF677554-A810-F245-83DF-78E242EE2752}"/>
-    <dgm:cxn modelId="{851AB8B6-F1D6-C64F-AE4B-E0F5252E4653}" srcId="{DE49E2BA-261B-EC46-BAF7-6B78BDB6F06F}" destId="{CA1E943E-3AB1-4942-9397-CA0E4F86BC17}" srcOrd="4" destOrd="0" parTransId="{1CE7C90D-6879-E34B-A8E5-532D4972417F}" sibTransId="{2C7164CC-6546-F34E-AC17-6A4FE01B6034}"/>
-    <dgm:cxn modelId="{4C6BB7ED-4ED9-4D4A-8C84-498A26A09A91}" type="presOf" srcId="{4CC5DAE6-00C4-BD4A-B969-A1FB5B516F57}" destId="{FC94D377-6A7C-C04B-BE77-5081195182EA}" srcOrd="1" destOrd="0" presId="urn:microsoft.com/office/officeart/2005/8/layout/process1"/>
-    <dgm:cxn modelId="{265FACB6-F3D8-AF45-A239-558B067406E2}" type="presOf" srcId="{4CC5DAE6-00C4-BD4A-B969-A1FB5B516F57}" destId="{D04E9C78-DFB5-504F-BAA1-0C684C1DAD88}" srcOrd="0" destOrd="0" presId="urn:microsoft.com/office/officeart/2005/8/layout/process1"/>
+    <dgm:cxn modelId="{F448A991-3FBB-2741-A193-BAEF1941F36F}" type="presOf" srcId="{88049AEE-4468-7944-9BC4-14997D6BF2C6}" destId="{35E813D0-5190-CE48-A1DC-87CBC0399B9A}" srcOrd="0" destOrd="2" presId="urn:microsoft.com/office/officeart/2005/8/layout/process1"/>
+    <dgm:cxn modelId="{77EDC821-2272-484E-89FF-6C83D6170F38}" type="presOf" srcId="{533BC168-BC76-C14E-8694-1DC3B6CF54C5}" destId="{3029052C-E3B7-CC46-8E23-37ABEDD15F03}" srcOrd="0" destOrd="0" presId="urn:microsoft.com/office/officeart/2005/8/layout/process1"/>
+    <dgm:cxn modelId="{5C851F5A-680D-144B-811D-3D1E309EFEE9}" type="presOf" srcId="{D8DAD879-37C7-774C-B149-B7250DD6D502}" destId="{435D2948-DD5F-BA48-A4C2-3ADB352C2698}" srcOrd="0" destOrd="0" presId="urn:microsoft.com/office/officeart/2005/8/layout/process1"/>
     <dgm:cxn modelId="{904A6D4C-DB60-E84E-86DF-50C04D0445DC}" srcId="{E87FC9F4-306A-C441-847C-3B779F386673}" destId="{D29243F3-EA9B-7C4B-B882-B4CED33A4238}" srcOrd="5" destOrd="0" parTransId="{F0EA8FDB-2A25-104C-897B-35E612ED7A49}" sibTransId="{92F19B71-048A-BF4E-8243-D90AED72DA3D}"/>
-    <dgm:cxn modelId="{5B062118-8800-D74C-A0E3-AD14FCEA8BB5}" type="presOf" srcId="{DF7BE7E2-BD5F-EF42-98DF-684B0794E6B7}" destId="{2D708B46-B09A-7F44-A9C5-AB1FDCCB92AC}" srcOrd="0" destOrd="4" presId="urn:microsoft.com/office/officeart/2005/8/layout/process1"/>
+    <dgm:cxn modelId="{9FC0AE21-94E2-304F-8839-51B9DCF58FAE}" srcId="{DE49E2BA-261B-EC46-BAF7-6B78BDB6F06F}" destId="{18E99926-284D-AC48-B133-B6741135C7D5}" srcOrd="4" destOrd="0" parTransId="{502B8BCD-5A28-B04B-BF6A-9A282CE74463}" sibTransId="{2AF9CE26-6AA6-384D-9EA7-6F9D0A8D9E20}"/>
+    <dgm:cxn modelId="{8C20B716-35EB-DD46-80A9-283528A4D32B}" type="presOf" srcId="{DF7BE7E2-BD5F-EF42-98DF-684B0794E6B7}" destId="{2D708B46-B09A-7F44-A9C5-AB1FDCCB92AC}" srcOrd="0" destOrd="4" presId="urn:microsoft.com/office/officeart/2005/8/layout/process1"/>
+    <dgm:cxn modelId="{D173F307-14ED-7140-9F70-FFA2C97805ED}" srcId="{18E99926-284D-AC48-B133-B6741135C7D5}" destId="{88049AEE-4468-7944-9BC4-14997D6BF2C6}" srcOrd="1" destOrd="0" parTransId="{0610C57B-14B5-1847-BB28-6D239E823079}" sibTransId="{04A104A5-C4E3-9B4B-A8BD-AD63E82C498A}"/>
+    <dgm:cxn modelId="{8D983F07-C7FA-424C-B141-23E89AA1844C}" type="presOf" srcId="{2AF9CE26-6AA6-384D-9EA7-6F9D0A8D9E20}" destId="{E9E8E010-8E32-764D-ACA5-DE0C52FE9BDF}" srcOrd="1" destOrd="0" presId="urn:microsoft.com/office/officeart/2005/8/layout/process1"/>
+    <dgm:cxn modelId="{E95676F7-0D56-064D-A14B-C5B991082B22}" type="presOf" srcId="{FA861C74-A4AA-6341-A5A4-19F33298102E}" destId="{F4B44CBC-FC47-1543-B4A9-F5AEB5CEB6BF}" srcOrd="0" destOrd="0" presId="urn:microsoft.com/office/officeart/2005/8/layout/process1"/>
+    <dgm:cxn modelId="{04BFFDEF-A8EF-0D42-B1E7-61E1FCA4C0BB}" type="presOf" srcId="{2AF9CE26-6AA6-384D-9EA7-6F9D0A8D9E20}" destId="{B21487EB-FC70-6949-B938-5125DF3A9387}" srcOrd="0" destOrd="0" presId="urn:microsoft.com/office/officeart/2005/8/layout/process1"/>
     <dgm:cxn modelId="{CB9A7038-0082-124D-944C-551138D6FD64}" srcId="{DE49E2BA-261B-EC46-BAF7-6B78BDB6F06F}" destId="{9887AAD4-671C-2243-B23F-6F6D102A4012}" srcOrd="0" destOrd="0" parTransId="{D5F7F628-C446-034C-A5DE-9482DE1570B8}" sibTransId="{B170FB99-8909-414F-A4FC-4553DD906590}"/>
-    <dgm:cxn modelId="{64663612-F903-5442-A008-EFE6447451C0}" type="presOf" srcId="{0D3DF110-F666-A04E-8B34-4B0F25524A57}" destId="{2D708B46-B09A-7F44-A9C5-AB1FDCCB92AC}" srcOrd="0" destOrd="3" presId="urn:microsoft.com/office/officeart/2005/8/layout/process1"/>
-    <dgm:cxn modelId="{4C3442F4-6A9F-1A4C-9E48-6E5A337BD6EF}" type="presParOf" srcId="{4A554E7B-4565-9144-9E8A-ED84F42D6595}" destId="{BB567044-1BE6-FA4E-BC0C-29580823B6FB}" srcOrd="0" destOrd="0" presId="urn:microsoft.com/office/officeart/2005/8/layout/process1"/>
-    <dgm:cxn modelId="{7FB52553-08AF-7A43-85AE-16B111C516A4}" type="presParOf" srcId="{4A554E7B-4565-9144-9E8A-ED84F42D6595}" destId="{1A8802C5-3316-8E4D-AF91-213A1FB07CB7}" srcOrd="1" destOrd="0" presId="urn:microsoft.com/office/officeart/2005/8/layout/process1"/>
-    <dgm:cxn modelId="{C68D5B9D-1BAB-0C49-ACC6-74A3A71A4518}" type="presParOf" srcId="{1A8802C5-3316-8E4D-AF91-213A1FB07CB7}" destId="{E73AAB45-BA46-5E42-A3FA-3E92D321988C}" srcOrd="0" destOrd="0" presId="urn:microsoft.com/office/officeart/2005/8/layout/process1"/>
-    <dgm:cxn modelId="{B604571A-CB3D-5C4C-94A3-E4EC5CD9CAE8}" type="presParOf" srcId="{4A554E7B-4565-9144-9E8A-ED84F42D6595}" destId="{C5062774-D3A7-8B40-8FDE-995EBC7DED98}" srcOrd="2" destOrd="0" presId="urn:microsoft.com/office/officeart/2005/8/layout/process1"/>
-    <dgm:cxn modelId="{1F9076A1-8EC0-BC40-975C-ECB647DBD0D7}" type="presParOf" srcId="{4A554E7B-4565-9144-9E8A-ED84F42D6595}" destId="{3029052C-E3B7-CC46-8E23-37ABEDD15F03}" srcOrd="3" destOrd="0" presId="urn:microsoft.com/office/officeart/2005/8/layout/process1"/>
-    <dgm:cxn modelId="{6167F778-C9A2-A04E-894D-84A62F37810F}" type="presParOf" srcId="{3029052C-E3B7-CC46-8E23-37ABEDD15F03}" destId="{A8C226CF-C78B-EB4E-86A6-1B0387CFF648}" srcOrd="0" destOrd="0" presId="urn:microsoft.com/office/officeart/2005/8/layout/process1"/>
-    <dgm:cxn modelId="{CA2933C7-69AE-3F46-B4BF-F1FD53ABF2FA}" type="presParOf" srcId="{4A554E7B-4565-9144-9E8A-ED84F42D6595}" destId="{435D2948-DD5F-BA48-A4C2-3ADB352C2698}" srcOrd="4" destOrd="0" presId="urn:microsoft.com/office/officeart/2005/8/layout/process1"/>
-    <dgm:cxn modelId="{1B977811-822E-E74A-AB00-645BD016E61D}" type="presParOf" srcId="{4A554E7B-4565-9144-9E8A-ED84F42D6595}" destId="{F4B44CBC-FC47-1543-B4A9-F5AEB5CEB6BF}" srcOrd="5" destOrd="0" presId="urn:microsoft.com/office/officeart/2005/8/layout/process1"/>
-    <dgm:cxn modelId="{34E30A32-D794-E84A-9F2D-15BC6FF74AB6}" type="presParOf" srcId="{F4B44CBC-FC47-1543-B4A9-F5AEB5CEB6BF}" destId="{80A3280C-1FE1-F741-8E7B-2B8CCCBB28E5}" srcOrd="0" destOrd="0" presId="urn:microsoft.com/office/officeart/2005/8/layout/process1"/>
-    <dgm:cxn modelId="{5457BBDF-8096-8741-87F6-27CB0C5C9B56}" type="presParOf" srcId="{4A554E7B-4565-9144-9E8A-ED84F42D6595}" destId="{2D708B46-B09A-7F44-A9C5-AB1FDCCB92AC}" srcOrd="6" destOrd="0" presId="urn:microsoft.com/office/officeart/2005/8/layout/process1"/>
-    <dgm:cxn modelId="{85597107-9EEF-1341-BD1E-5A9E3C01594A}" type="presParOf" srcId="{4A554E7B-4565-9144-9E8A-ED84F42D6595}" destId="{D04E9C78-DFB5-504F-BAA1-0C684C1DAD88}" srcOrd="7" destOrd="0" presId="urn:microsoft.com/office/officeart/2005/8/layout/process1"/>
-    <dgm:cxn modelId="{096C089B-E560-804C-8461-AA9D8A0A7F40}" type="presParOf" srcId="{D04E9C78-DFB5-504F-BAA1-0C684C1DAD88}" destId="{FC94D377-6A7C-C04B-BE77-5081195182EA}" srcOrd="0" destOrd="0" presId="urn:microsoft.com/office/officeart/2005/8/layout/process1"/>
-    <dgm:cxn modelId="{E580D6B1-072F-294B-A5C0-704B3E24AC66}" type="presParOf" srcId="{4A554E7B-4565-9144-9E8A-ED84F42D6595}" destId="{D7F28953-1000-784A-9205-01222F540C40}" srcOrd="8" destOrd="0" presId="urn:microsoft.com/office/officeart/2005/8/layout/process1"/>
-    <dgm:cxn modelId="{19674E53-A745-BB41-9DAD-CD90DBA2DD4F}" type="presParOf" srcId="{4A554E7B-4565-9144-9E8A-ED84F42D6595}" destId="{5DB7B50D-A8FC-E149-B3F8-E7D42AF4712C}" srcOrd="9" destOrd="0" presId="urn:microsoft.com/office/officeart/2005/8/layout/process1"/>
-    <dgm:cxn modelId="{AAE47499-049A-0840-B863-100033892508}" type="presParOf" srcId="{5DB7B50D-A8FC-E149-B3F8-E7D42AF4712C}" destId="{54741BDB-6792-7846-82DD-67DF36F14B98}" srcOrd="0" destOrd="0" presId="urn:microsoft.com/office/officeart/2005/8/layout/process1"/>
-    <dgm:cxn modelId="{3FDA93CF-63AD-0742-B881-C82D0733A31D}" type="presParOf" srcId="{4A554E7B-4565-9144-9E8A-ED84F42D6595}" destId="{E324EA71-C9AB-2943-812E-646AB1B31125}" srcOrd="10" destOrd="0" presId="urn:microsoft.com/office/officeart/2005/8/layout/process1"/>
+    <dgm:cxn modelId="{12A2D0CE-1F39-DD47-A7D3-1F47E8D5806A}" type="presParOf" srcId="{4A554E7B-4565-9144-9E8A-ED84F42D6595}" destId="{BB567044-1BE6-FA4E-BC0C-29580823B6FB}" srcOrd="0" destOrd="0" presId="urn:microsoft.com/office/officeart/2005/8/layout/process1"/>
+    <dgm:cxn modelId="{E235A19D-7D5F-5740-ABE9-E43C4410A380}" type="presParOf" srcId="{4A554E7B-4565-9144-9E8A-ED84F42D6595}" destId="{1A8802C5-3316-8E4D-AF91-213A1FB07CB7}" srcOrd="1" destOrd="0" presId="urn:microsoft.com/office/officeart/2005/8/layout/process1"/>
+    <dgm:cxn modelId="{475F1D90-8EB1-9C4B-B27A-1411E60A6BD2}" type="presParOf" srcId="{1A8802C5-3316-8E4D-AF91-213A1FB07CB7}" destId="{E73AAB45-BA46-5E42-A3FA-3E92D321988C}" srcOrd="0" destOrd="0" presId="urn:microsoft.com/office/officeart/2005/8/layout/process1"/>
+    <dgm:cxn modelId="{B3BEDDC7-F242-FF47-8EAC-8A93C7FD05C5}" type="presParOf" srcId="{4A554E7B-4565-9144-9E8A-ED84F42D6595}" destId="{C5062774-D3A7-8B40-8FDE-995EBC7DED98}" srcOrd="2" destOrd="0" presId="urn:microsoft.com/office/officeart/2005/8/layout/process1"/>
+    <dgm:cxn modelId="{9D8615D0-6042-3540-A20E-AE7EAF5B2E80}" type="presParOf" srcId="{4A554E7B-4565-9144-9E8A-ED84F42D6595}" destId="{3029052C-E3B7-CC46-8E23-37ABEDD15F03}" srcOrd="3" destOrd="0" presId="urn:microsoft.com/office/officeart/2005/8/layout/process1"/>
+    <dgm:cxn modelId="{23C87EEE-F2E3-3040-81A7-F673F389606D}" type="presParOf" srcId="{3029052C-E3B7-CC46-8E23-37ABEDD15F03}" destId="{A8C226CF-C78B-EB4E-86A6-1B0387CFF648}" srcOrd="0" destOrd="0" presId="urn:microsoft.com/office/officeart/2005/8/layout/process1"/>
+    <dgm:cxn modelId="{F8C8627C-CAD7-A14A-9EBC-779E9B0F5E85}" type="presParOf" srcId="{4A554E7B-4565-9144-9E8A-ED84F42D6595}" destId="{435D2948-DD5F-BA48-A4C2-3ADB352C2698}" srcOrd="4" destOrd="0" presId="urn:microsoft.com/office/officeart/2005/8/layout/process1"/>
+    <dgm:cxn modelId="{E670CB9A-5CF9-4F49-B86D-7374ECC3E4E9}" type="presParOf" srcId="{4A554E7B-4565-9144-9E8A-ED84F42D6595}" destId="{F4B44CBC-FC47-1543-B4A9-F5AEB5CEB6BF}" srcOrd="5" destOrd="0" presId="urn:microsoft.com/office/officeart/2005/8/layout/process1"/>
+    <dgm:cxn modelId="{2F3D437D-3391-2B46-8838-8893753D07E0}" type="presParOf" srcId="{F4B44CBC-FC47-1543-B4A9-F5AEB5CEB6BF}" destId="{80A3280C-1FE1-F741-8E7B-2B8CCCBB28E5}" srcOrd="0" destOrd="0" presId="urn:microsoft.com/office/officeart/2005/8/layout/process1"/>
+    <dgm:cxn modelId="{B8DC972B-33BC-764D-A052-0787EEF9E223}" type="presParOf" srcId="{4A554E7B-4565-9144-9E8A-ED84F42D6595}" destId="{2D708B46-B09A-7F44-A9C5-AB1FDCCB92AC}" srcOrd="6" destOrd="0" presId="urn:microsoft.com/office/officeart/2005/8/layout/process1"/>
+    <dgm:cxn modelId="{E44E686C-3D09-C34D-9F7E-4E162F89A96E}" type="presParOf" srcId="{4A554E7B-4565-9144-9E8A-ED84F42D6595}" destId="{D04E9C78-DFB5-504F-BAA1-0C684C1DAD88}" srcOrd="7" destOrd="0" presId="urn:microsoft.com/office/officeart/2005/8/layout/process1"/>
+    <dgm:cxn modelId="{FF4B5919-C00C-9545-A748-A0E10B591175}" type="presParOf" srcId="{D04E9C78-DFB5-504F-BAA1-0C684C1DAD88}" destId="{FC94D377-6A7C-C04B-BE77-5081195182EA}" srcOrd="0" destOrd="0" presId="urn:microsoft.com/office/officeart/2005/8/layout/process1"/>
+    <dgm:cxn modelId="{2BDC5073-59B1-094C-B64B-08B84B35359E}" type="presParOf" srcId="{4A554E7B-4565-9144-9E8A-ED84F42D6595}" destId="{35E813D0-5190-CE48-A1DC-87CBC0399B9A}" srcOrd="8" destOrd="0" presId="urn:microsoft.com/office/officeart/2005/8/layout/process1"/>
+    <dgm:cxn modelId="{AD3C00F5-33C3-F94E-A5E1-A23CBB6490C7}" type="presParOf" srcId="{4A554E7B-4565-9144-9E8A-ED84F42D6595}" destId="{B21487EB-FC70-6949-B938-5125DF3A9387}" srcOrd="9" destOrd="0" presId="urn:microsoft.com/office/officeart/2005/8/layout/process1"/>
+    <dgm:cxn modelId="{D976844F-A33D-A943-8EC9-F1ED89434808}" type="presParOf" srcId="{B21487EB-FC70-6949-B938-5125DF3A9387}" destId="{E9E8E010-8E32-764D-ACA5-DE0C52FE9BDF}" srcOrd="0" destOrd="0" presId="urn:microsoft.com/office/officeart/2005/8/layout/process1"/>
+    <dgm:cxn modelId="{282C5376-289F-7B40-9981-0623B7D3A9C1}" type="presParOf" srcId="{4A554E7B-4565-9144-9E8A-ED84F42D6595}" destId="{E324EA71-C9AB-2943-812E-646AB1B31125}" srcOrd="10" destOrd="0" presId="urn:microsoft.com/office/officeart/2005/8/layout/process1"/>
   </dgm:cxnLst>
   <dgm:bg/>
   <dgm:whole/>
@@ -2779,8 +2856,8 @@
     <dgm:cxn modelId="{C819FC94-FBFE-E34A-A327-4A27395151CD}" type="presOf" srcId="{486F902B-586B-8044-9F9C-0B0AEA8029F9}" destId="{FF12BBB7-C98F-004B-97D1-6F33A956F885}" srcOrd="0" destOrd="0" presId="urn:microsoft.com/office/officeart/2005/8/layout/process1"/>
     <dgm:cxn modelId="{6FE90E6E-3041-9640-856C-0F56175D90F8}" type="presOf" srcId="{B170FB99-8909-414F-A4FC-4553DD906590}" destId="{E73AAB45-BA46-5E42-A3FA-3E92D321988C}" srcOrd="1" destOrd="0" presId="urn:microsoft.com/office/officeart/2005/8/layout/process1"/>
     <dgm:cxn modelId="{BB304414-4573-A945-A6B9-D92B37E06E0E}" srcId="{DE49E2BA-261B-EC46-BAF7-6B78BDB6F06F}" destId="{801AFE1A-416D-E74C-BBFD-557415AE0194}" srcOrd="2" destOrd="0" parTransId="{2727C292-B037-A740-B806-A17CA3BCFCD5}" sibTransId="{533BC168-BC76-C14E-8694-1DC3B6CF54C5}"/>
+    <dgm:cxn modelId="{2F6EDDF8-1A52-CA4F-AC56-E7B813883AFC}" srcId="{DE49E2BA-261B-EC46-BAF7-6B78BDB6F06F}" destId="{5EDB0D77-09F0-0C4F-B332-E852A176F79A}" srcOrd="0" destOrd="0" parTransId="{6905B776-7DF3-2743-A7A0-DC627995A528}" sibTransId="{486F902B-586B-8044-9F9C-0B0AEA8029F9}"/>
     <dgm:cxn modelId="{FC07CA1A-5A89-A34B-BC81-B07378114F9A}" type="presOf" srcId="{9887AAD4-671C-2243-B23F-6F6D102A4012}" destId="{BB567044-1BE6-FA4E-BC0C-29580823B6FB}" srcOrd="0" destOrd="0" presId="urn:microsoft.com/office/officeart/2005/8/layout/process1"/>
-    <dgm:cxn modelId="{2F6EDDF8-1A52-CA4F-AC56-E7B813883AFC}" srcId="{DE49E2BA-261B-EC46-BAF7-6B78BDB6F06F}" destId="{5EDB0D77-09F0-0C4F-B332-E852A176F79A}" srcOrd="0" destOrd="0" parTransId="{6905B776-7DF3-2743-A7A0-DC627995A528}" sibTransId="{486F902B-586B-8044-9F9C-0B0AEA8029F9}"/>
     <dgm:cxn modelId="{80CF1ADA-AC03-0246-A9C5-2573A6852BB1}" type="presParOf" srcId="{4A554E7B-4565-9144-9E8A-ED84F42D6595}" destId="{E324EA71-C9AB-2943-812E-646AB1B31125}" srcOrd="0" destOrd="0" presId="urn:microsoft.com/office/officeart/2005/8/layout/process1"/>
     <dgm:cxn modelId="{0B8E1EEA-F683-5E42-8906-DD23252128BF}" type="presParOf" srcId="{4A554E7B-4565-9144-9E8A-ED84F42D6595}" destId="{FF12BBB7-C98F-004B-97D1-6F33A956F885}" srcOrd="1" destOrd="0" presId="urn:microsoft.com/office/officeart/2005/8/layout/process1"/>
     <dgm:cxn modelId="{56C9F803-799C-3147-830A-E0A956C21914}" type="presParOf" srcId="{FF12BBB7-C98F-004B-97D1-6F33A956F885}" destId="{93205773-7419-ED4D-91F8-2A24298BF005}" srcOrd="0" destOrd="0" presId="urn:microsoft.com/office/officeart/2005/8/layout/process1"/>
@@ -2820,8 +2897,8 @@
       </dsp:nvSpPr>
       <dsp:spPr>
         <a:xfrm>
-          <a:off x="2117" y="315138"/>
-          <a:ext cx="1230061" cy="1509882"/>
+          <a:off x="3293" y="308373"/>
+          <a:ext cx="1183802" cy="1523411"/>
         </a:xfrm>
         <a:prstGeom prst="roundRect">
           <a:avLst>
@@ -2910,8 +2987,8 @@
         </a:p>
       </dsp:txBody>
       <dsp:txXfrm>
-        <a:off x="38144" y="351165"/>
-        <a:ext cx="1158007" cy="1437828"/>
+        <a:off x="37965" y="343045"/>
+        <a:ext cx="1114458" cy="1454067"/>
       </dsp:txXfrm>
     </dsp:sp>
     <dsp:sp modelId="{1A8802C5-3316-8E4D-AF91-213A1FB07CB7}">
@@ -2921,8 +2998,8 @@
       </dsp:nvSpPr>
       <dsp:spPr>
         <a:xfrm>
-          <a:off x="1390216" y="874111"/>
-          <a:ext cx="335041" cy="391935"/>
+          <a:off x="1339191" y="881481"/>
+          <a:ext cx="322441" cy="377196"/>
         </a:xfrm>
         <a:prstGeom prst="rightArrow">
           <a:avLst>
@@ -3011,8 +3088,8 @@
         </a:p>
       </dsp:txBody>
       <dsp:txXfrm>
-        <a:off x="1390216" y="952498"/>
-        <a:ext cx="234529" cy="235161"/>
+        <a:off x="1339191" y="956920"/>
+        <a:ext cx="225709" cy="226318"/>
       </dsp:txXfrm>
     </dsp:sp>
     <dsp:sp modelId="{C5062774-D3A7-8B40-8FDE-995EBC7DED98}">
@@ -3022,8 +3099,8 @@
       </dsp:nvSpPr>
       <dsp:spPr>
         <a:xfrm>
-          <a:off x="1864332" y="315138"/>
-          <a:ext cx="1071659" cy="1509882"/>
+          <a:off x="1795476" y="308373"/>
+          <a:ext cx="1031357" cy="1523411"/>
         </a:xfrm>
         <a:prstGeom prst="roundRect">
           <a:avLst>
@@ -3112,8 +3189,8 @@
         </a:p>
       </dsp:txBody>
       <dsp:txXfrm>
-        <a:off x="1895720" y="346526"/>
-        <a:ext cx="1008883" cy="1447106"/>
+        <a:off x="1825683" y="338580"/>
+        <a:ext cx="970943" cy="1462997"/>
       </dsp:txXfrm>
     </dsp:sp>
     <dsp:sp modelId="{3029052C-E3B7-CC46-8E23-37ABEDD15F03}">
@@ -3123,8 +3200,8 @@
       </dsp:nvSpPr>
       <dsp:spPr>
         <a:xfrm>
-          <a:off x="3094030" y="874111"/>
-          <a:ext cx="335041" cy="391935"/>
+          <a:off x="2978929" y="881481"/>
+          <a:ext cx="322441" cy="377196"/>
         </a:xfrm>
         <a:prstGeom prst="rightArrow">
           <a:avLst>
@@ -3213,8 +3290,8 @@
         </a:p>
       </dsp:txBody>
       <dsp:txXfrm>
-        <a:off x="3094030" y="952498"/>
-        <a:ext cx="234529" cy="235161"/>
+        <a:off x="2978929" y="956920"/>
+        <a:ext cx="225709" cy="226318"/>
       </dsp:txXfrm>
     </dsp:sp>
     <dsp:sp modelId="{435D2948-DD5F-BA48-A4C2-3ADB352C2698}">
@@ -3224,8 +3301,8 @@
       </dsp:nvSpPr>
       <dsp:spPr>
         <a:xfrm>
-          <a:off x="3568145" y="315138"/>
-          <a:ext cx="1150599" cy="1509882"/>
+          <a:off x="3435214" y="308373"/>
+          <a:ext cx="1107328" cy="1523411"/>
         </a:xfrm>
         <a:prstGeom prst="roundRect">
           <a:avLst>
@@ -3314,8 +3391,8 @@
         </a:p>
       </dsp:txBody>
       <dsp:txXfrm>
-        <a:off x="3601845" y="348838"/>
-        <a:ext cx="1083199" cy="1442482"/>
+        <a:off x="3467647" y="340806"/>
+        <a:ext cx="1042462" cy="1458545"/>
       </dsp:txXfrm>
     </dsp:sp>
     <dsp:sp modelId="{F4B44CBC-FC47-1543-B4A9-F5AEB5CEB6BF}">
@@ -3325,8 +3402,8 @@
       </dsp:nvSpPr>
       <dsp:spPr>
         <a:xfrm>
-          <a:off x="4876783" y="874111"/>
-          <a:ext cx="335041" cy="391935"/>
+          <a:off x="4694638" y="881481"/>
+          <a:ext cx="322441" cy="377196"/>
         </a:xfrm>
         <a:prstGeom prst="rightArrow">
           <a:avLst>
@@ -3415,8 +3492,8 @@
         </a:p>
       </dsp:txBody>
       <dsp:txXfrm>
-        <a:off x="4876783" y="952498"/>
-        <a:ext cx="234529" cy="235161"/>
+        <a:off x="4694638" y="956920"/>
+        <a:ext cx="225709" cy="226318"/>
       </dsp:txXfrm>
     </dsp:sp>
     <dsp:sp modelId="{2D708B46-B09A-7F44-A9C5-AB1FDCCB92AC}">
@@ -3426,8 +3503,8 @@
       </dsp:nvSpPr>
       <dsp:spPr>
         <a:xfrm>
-          <a:off x="5350898" y="315138"/>
-          <a:ext cx="1845968" cy="1509882"/>
+          <a:off x="5150924" y="308373"/>
+          <a:ext cx="1776547" cy="1523411"/>
         </a:xfrm>
         <a:prstGeom prst="roundRect">
           <a:avLst>
@@ -3595,8 +3672,8 @@
         </a:p>
       </dsp:txBody>
       <dsp:txXfrm>
-        <a:off x="5395121" y="359361"/>
-        <a:ext cx="1757522" cy="1421436"/>
+        <a:off x="5195543" y="352992"/>
+        <a:ext cx="1687309" cy="1434173"/>
       </dsp:txXfrm>
     </dsp:sp>
     <dsp:sp modelId="{D04E9C78-DFB5-504F-BAA1-0C684C1DAD88}">
@@ -3606,8 +3683,8 @@
       </dsp:nvSpPr>
       <dsp:spPr>
         <a:xfrm>
-          <a:off x="7354906" y="874111"/>
-          <a:ext cx="335041" cy="391935"/>
+          <a:off x="7079567" y="881481"/>
+          <a:ext cx="322441" cy="377196"/>
         </a:xfrm>
         <a:prstGeom prst="rightArrow">
           <a:avLst>
@@ -3696,19 +3773,19 @@
         </a:p>
       </dsp:txBody>
       <dsp:txXfrm>
-        <a:off x="7354906" y="952498"/>
-        <a:ext cx="234529" cy="235161"/>
+        <a:off x="7079567" y="956920"/>
+        <a:ext cx="225709" cy="226318"/>
       </dsp:txXfrm>
     </dsp:sp>
-    <dsp:sp modelId="{D7F28953-1000-784A-9205-01222F540C40}">
+    <dsp:sp modelId="{35E813D0-5190-CE48-A1DC-87CBC0399B9A}">
       <dsp:nvSpPr>
         <dsp:cNvPr id="0" name=""/>
         <dsp:cNvSpPr/>
       </dsp:nvSpPr>
       <dsp:spPr>
         <a:xfrm>
-          <a:off x="7829021" y="315138"/>
-          <a:ext cx="1150599" cy="1509882"/>
+          <a:off x="7535852" y="143249"/>
+          <a:ext cx="1520951" cy="1853659"/>
         </a:xfrm>
         <a:prstGeom prst="roundRect">
           <a:avLst>
@@ -3773,7 +3850,7 @@
         </a:fontRef>
       </dsp:style>
       <dsp:txBody>
-        <a:bodyPr spcFirstLastPara="0" vert="horz" wrap="square" lIns="49530" tIns="49530" rIns="49530" bIns="49530" numCol="1" spcCol="1270" anchor="ctr" anchorCtr="0">
+        <a:bodyPr spcFirstLastPara="0" vert="horz" wrap="square" lIns="49530" tIns="49530" rIns="49530" bIns="49530" numCol="1" spcCol="1270" anchor="t" anchorCtr="0">
           <a:noAutofit/>
         </a:bodyPr>
         <a:lstStyle/>
@@ -3791,25 +3868,67 @@
           </a:pPr>
           <a:r>
             <a:rPr lang="en-US" sz="1300" kern="1200" dirty="0" smtClean="0"/>
-            <a:t>Time Sample</a:t>
+            <a:t>VIRAL SAMPLING</a:t>
           </a:r>
           <a:endParaRPr lang="en-US" sz="1300" kern="1200" dirty="0"/>
         </a:p>
+        <a:p>
+          <a:pPr marL="57150" lvl="1" indent="-57150" algn="l" defTabSz="444500">
+            <a:lnSpc>
+              <a:spcPct val="90000"/>
+            </a:lnSpc>
+            <a:spcBef>
+              <a:spcPct val="0"/>
+            </a:spcBef>
+            <a:spcAft>
+              <a:spcPct val="15000"/>
+            </a:spcAft>
+            <a:buChar char="•"/>
+          </a:pPr>
+          <a:r>
+            <a:rPr lang="en-US" sz="1000" kern="1200" dirty="0" smtClean="0"/>
+            <a:t>Time Sample</a:t>
+          </a:r>
+          <a:endParaRPr lang="en-US" sz="1000" kern="1200" dirty="0"/>
+        </a:p>
+        <a:p>
+          <a:pPr marL="57150" lvl="1" indent="-57150" algn="l" defTabSz="444500">
+            <a:lnSpc>
+              <a:spcPct val="90000"/>
+            </a:lnSpc>
+            <a:spcBef>
+              <a:spcPct val="0"/>
+            </a:spcBef>
+            <a:spcAft>
+              <a:spcPct val="15000"/>
+            </a:spcAft>
+            <a:buChar char="•"/>
+          </a:pPr>
+          <a:r>
+            <a:rPr lang="en-US" sz="1000" kern="1200" dirty="0" err="1" smtClean="0"/>
+            <a:t>Num</a:t>
+          </a:r>
+          <a:r>
+            <a:rPr lang="en-US" sz="1000" kern="1200" dirty="0" smtClean="0"/>
+            <a:t> Branch Sample</a:t>
+          </a:r>
+          <a:endParaRPr lang="en-US" sz="1000" kern="1200" dirty="0"/>
+        </a:p>
       </dsp:txBody>
       <dsp:txXfrm>
-        <a:off x="7862721" y="348838"/>
-        <a:ext cx="1083199" cy="1442482"/>
+        <a:off x="7580399" y="187796"/>
+        <a:ext cx="1431857" cy="1764565"/>
       </dsp:txXfrm>
     </dsp:sp>
-    <dsp:sp modelId="{5DB7B50D-A8FC-E149-B3F8-E7D42AF4712C}">
+    <dsp:sp modelId="{B21487EB-FC70-6949-B938-5125DF3A9387}">
       <dsp:nvSpPr>
         <dsp:cNvPr id="0" name=""/>
         <dsp:cNvSpPr/>
       </dsp:nvSpPr>
       <dsp:spPr>
         <a:xfrm>
-          <a:off x="9137659" y="874111"/>
-          <a:ext cx="335041" cy="391935"/>
+          <a:off x="9208899" y="881481"/>
+          <a:ext cx="322441" cy="377196"/>
         </a:xfrm>
         <a:prstGeom prst="rightArrow">
           <a:avLst>
@@ -3898,8 +4017,8 @@
         </a:p>
       </dsp:txBody>
       <dsp:txXfrm>
-        <a:off x="9137659" y="952498"/>
-        <a:ext cx="234529" cy="235161"/>
+        <a:off x="9208899" y="956920"/>
+        <a:ext cx="225709" cy="226318"/>
       </dsp:txXfrm>
     </dsp:sp>
     <dsp:sp modelId="{E324EA71-C9AB-2943-812E-646AB1B31125}">
@@ -3909,8 +4028,8 @@
       </dsp:nvSpPr>
       <dsp:spPr>
         <a:xfrm>
-          <a:off x="9611775" y="315138"/>
-          <a:ext cx="1451504" cy="1509882"/>
+          <a:off x="9665185" y="308373"/>
+          <a:ext cx="1396918" cy="1523411"/>
         </a:xfrm>
         <a:prstGeom prst="roundRect">
           <a:avLst>
@@ -3981,8 +4100,8 @@
         </a:p>
       </dsp:txBody>
       <dsp:txXfrm>
-        <a:off x="9654288" y="357651"/>
-        <a:ext cx="1366478" cy="1424856"/>
+        <a:off x="9706099" y="349287"/>
+        <a:ext cx="1315090" cy="1441583"/>
       </dsp:txXfrm>
     </dsp:sp>
   </dsp:spTree>
@@ -7282,7 +7401,7 @@
           <a:p>
             <a:fld id="{435F5122-36F6-8A43-9FB8-2C7E079D8491}" type="datetimeFigureOut">
               <a:rPr lang="en-US" smtClean="0"/>
-              <a:t>5/21/17</a:t>
+              <a:t>5/22/17</a:t>
             </a:fld>
             <a:endParaRPr lang="en-US"/>
           </a:p>
@@ -7765,7 +7884,7 @@
           <a:p>
             <a:fld id="{0B81B261-3E97-594D-92FE-9F195E76D39F}" type="datetimeFigureOut">
               <a:rPr lang="en-US" smtClean="0"/>
-              <a:t>5/21/17</a:t>
+              <a:t>5/22/17</a:t>
             </a:fld>
             <a:endParaRPr lang="en-US"/>
           </a:p>
@@ -7935,7 +8054,7 @@
           <a:p>
             <a:fld id="{0B81B261-3E97-594D-92FE-9F195E76D39F}" type="datetimeFigureOut">
               <a:rPr lang="en-US" smtClean="0"/>
-              <a:t>5/21/17</a:t>
+              <a:t>5/22/17</a:t>
             </a:fld>
             <a:endParaRPr lang="en-US"/>
           </a:p>
@@ -8115,7 +8234,7 @@
           <a:p>
             <a:fld id="{0B81B261-3E97-594D-92FE-9F195E76D39F}" type="datetimeFigureOut">
               <a:rPr lang="en-US" smtClean="0"/>
-              <a:t>5/21/17</a:t>
+              <a:t>5/22/17</a:t>
             </a:fld>
             <a:endParaRPr lang="en-US"/>
           </a:p>
@@ -8285,7 +8404,7 @@
           <a:p>
             <a:fld id="{0B81B261-3E97-594D-92FE-9F195E76D39F}" type="datetimeFigureOut">
               <a:rPr lang="en-US" smtClean="0"/>
-              <a:t>5/21/17</a:t>
+              <a:t>5/22/17</a:t>
             </a:fld>
             <a:endParaRPr lang="en-US"/>
           </a:p>
@@ -8531,7 +8650,7 @@
           <a:p>
             <a:fld id="{0B81B261-3E97-594D-92FE-9F195E76D39F}" type="datetimeFigureOut">
               <a:rPr lang="en-US" smtClean="0"/>
-              <a:t>5/21/17</a:t>
+              <a:t>5/22/17</a:t>
             </a:fld>
             <a:endParaRPr lang="en-US"/>
           </a:p>
@@ -8763,7 +8882,7 @@
           <a:p>
             <a:fld id="{0B81B261-3E97-594D-92FE-9F195E76D39F}" type="datetimeFigureOut">
               <a:rPr lang="en-US" smtClean="0"/>
-              <a:t>5/21/17</a:t>
+              <a:t>5/22/17</a:t>
             </a:fld>
             <a:endParaRPr lang="en-US"/>
           </a:p>
@@ -9130,7 +9249,7 @@
           <a:p>
             <a:fld id="{0B81B261-3E97-594D-92FE-9F195E76D39F}" type="datetimeFigureOut">
               <a:rPr lang="en-US" smtClean="0"/>
-              <a:t>5/21/17</a:t>
+              <a:t>5/22/17</a:t>
             </a:fld>
             <a:endParaRPr lang="en-US"/>
           </a:p>
@@ -9248,7 +9367,7 @@
           <a:p>
             <a:fld id="{0B81B261-3E97-594D-92FE-9F195E76D39F}" type="datetimeFigureOut">
               <a:rPr lang="en-US" smtClean="0"/>
-              <a:t>5/21/17</a:t>
+              <a:t>5/22/17</a:t>
             </a:fld>
             <a:endParaRPr lang="en-US"/>
           </a:p>
@@ -9343,7 +9462,7 @@
           <a:p>
             <a:fld id="{0B81B261-3E97-594D-92FE-9F195E76D39F}" type="datetimeFigureOut">
               <a:rPr lang="en-US" smtClean="0"/>
-              <a:t>5/21/17</a:t>
+              <a:t>5/22/17</a:t>
             </a:fld>
             <a:endParaRPr lang="en-US"/>
           </a:p>
@@ -9620,7 +9739,7 @@
           <a:p>
             <a:fld id="{0B81B261-3E97-594D-92FE-9F195E76D39F}" type="datetimeFigureOut">
               <a:rPr lang="en-US" smtClean="0"/>
-              <a:t>5/21/17</a:t>
+              <a:t>5/22/17</a:t>
             </a:fld>
             <a:endParaRPr lang="en-US"/>
           </a:p>
@@ -9873,7 +9992,7 @@
           <a:p>
             <a:fld id="{0B81B261-3E97-594D-92FE-9F195E76D39F}" type="datetimeFigureOut">
               <a:rPr lang="en-US" smtClean="0"/>
-              <a:t>5/21/17</a:t>
+              <a:t>5/22/17</a:t>
             </a:fld>
             <a:endParaRPr lang="en-US"/>
           </a:p>
@@ -10086,7 +10205,7 @@
           <a:p>
             <a:fld id="{0B81B261-3E97-594D-92FE-9F195E76D39F}" type="datetimeFigureOut">
               <a:rPr lang="en-US" smtClean="0"/>
-              <a:t>5/21/17</a:t>
+              <a:t>5/22/17</a:t>
             </a:fld>
             <a:endParaRPr lang="en-US"/>
           </a:p>
@@ -13399,7 +13518,7 @@
           <p:nvPr>
             <p:extLst>
               <p:ext uri="{D42A27DB-BD31-4B8C-83A1-F6EECF244321}">
-                <p14:modId xmlns:p14="http://schemas.microsoft.com/office/powerpoint/2010/main" val="1497031764"/>
+                <p14:modId xmlns:p14="http://schemas.microsoft.com/office/powerpoint/2010/main" val="862770009"/>
               </p:ext>
             </p:extLst>
           </p:nvPr>
@@ -13421,7 +13540,7 @@
           <p:nvPr>
             <p:extLst>
               <p:ext uri="{D42A27DB-BD31-4B8C-83A1-F6EECF244321}">
-                <p14:modId xmlns:p14="http://schemas.microsoft.com/office/powerpoint/2010/main" val="694449296"/>
+                <p14:modId xmlns:p14="http://schemas.microsoft.com/office/powerpoint/2010/main" val="765956719"/>
               </p:ext>
             </p:extLst>
           </p:nvPr>

--- a/figures/figures.pptx
+++ b/figures/figures.pptx
@@ -2116,44 +2116,6 @@
         </a:p>
       </dgm:t>
     </dgm:pt>
-    <dgm:pt modelId="{18E99926-284D-AC48-B133-B6741135C7D5}">
-      <dgm:prSet/>
-      <dgm:spPr/>
-      <dgm:t>
-        <a:bodyPr/>
-        <a:lstStyle/>
-        <a:p>
-          <a:pPr algn="ctr"/>
-          <a:r>
-            <a:rPr lang="en-US" dirty="0" smtClean="0"/>
-            <a:t>VIRAL SAMPLING</a:t>
-          </a:r>
-          <a:endParaRPr lang="en-US" dirty="0"/>
-        </a:p>
-      </dgm:t>
-    </dgm:pt>
-    <dgm:pt modelId="{502B8BCD-5A28-B04B-BF6A-9A282CE74463}" type="parTrans" cxnId="{9FC0AE21-94E2-304F-8839-51B9DCF58FAE}">
-      <dgm:prSet/>
-      <dgm:spPr/>
-      <dgm:t>
-        <a:bodyPr/>
-        <a:lstStyle/>
-        <a:p>
-          <a:endParaRPr lang="en-US"/>
-        </a:p>
-      </dgm:t>
-    </dgm:pt>
-    <dgm:pt modelId="{2AF9CE26-6AA6-384D-9EA7-6F9D0A8D9E20}" type="sibTrans" cxnId="{9FC0AE21-94E2-304F-8839-51B9DCF58FAE}">
-      <dgm:prSet/>
-      <dgm:spPr/>
-      <dgm:t>
-        <a:bodyPr/>
-        <a:lstStyle/>
-        <a:p>
-          <a:endParaRPr lang="en-US"/>
-        </a:p>
-      </dgm:t>
-    </dgm:pt>
     <dgm:pt modelId="{88049AEE-4468-7944-9BC4-14997D6BF2C6}">
       <dgm:prSet/>
       <dgm:spPr/>
@@ -2161,6 +2123,7 @@
         <a:bodyPr/>
         <a:lstStyle/>
         <a:p>
+          <a:pPr algn="l"/>
           <a:r>
             <a:rPr lang="en-US" dirty="0" err="1" smtClean="0"/>
             <a:t>Num</a:t>
@@ -2185,6 +2148,44 @@
       </dgm:t>
     </dgm:pt>
     <dgm:pt modelId="{04A104A5-C4E3-9B4B-A8BD-AD63E82C498A}" type="sibTrans" cxnId="{D173F307-14ED-7140-9F70-FFA2C97805ED}">
+      <dgm:prSet/>
+      <dgm:spPr/>
+      <dgm:t>
+        <a:bodyPr/>
+        <a:lstStyle/>
+        <a:p>
+          <a:endParaRPr lang="en-US"/>
+        </a:p>
+      </dgm:t>
+    </dgm:pt>
+    <dgm:pt modelId="{B3862515-EEE4-D345-B4E4-D176ED5D829D}">
+      <dgm:prSet phldrT="[Text]"/>
+      <dgm:spPr/>
+      <dgm:t>
+        <a:bodyPr/>
+        <a:lstStyle/>
+        <a:p>
+          <a:pPr algn="ctr"/>
+          <a:r>
+            <a:rPr lang="en-US" smtClean="0"/>
+            <a:t>VIRAL SAMPLE</a:t>
+          </a:r>
+          <a:endParaRPr lang="en-US" dirty="0"/>
+        </a:p>
+      </dgm:t>
+    </dgm:pt>
+    <dgm:pt modelId="{A35A8C1C-578A-A946-9D1F-5DC7E105BF40}" type="parTrans" cxnId="{6E7BE60C-E32C-B049-B3FB-B11962DD0006}">
+      <dgm:prSet/>
+      <dgm:spPr/>
+      <dgm:t>
+        <a:bodyPr/>
+        <a:lstStyle/>
+        <a:p>
+          <a:endParaRPr lang="en-US"/>
+        </a:p>
+      </dgm:t>
+    </dgm:pt>
+    <dgm:pt modelId="{C939A25E-CA77-444F-8E65-4DA5CA6053DA}" type="sibTrans" cxnId="{6E7BE60C-E32C-B049-B3FB-B11962DD0006}">
       <dgm:prSet/>
       <dgm:spPr/>
       <dgm:t>
@@ -2352,20 +2353,27 @@
         </a:p>
       </dgm:t>
     </dgm:pt>
-    <dgm:pt modelId="{35E813D0-5190-CE48-A1DC-87CBC0399B9A}" type="pres">
-      <dgm:prSet presAssocID="{18E99926-284D-AC48-B133-B6741135C7D5}" presName="node" presStyleLbl="node1" presStyleIdx="4" presStyleCnt="6">
+    <dgm:pt modelId="{C32824EC-7FEF-D447-AAC6-9346B117354E}" type="pres">
+      <dgm:prSet presAssocID="{B3862515-EEE4-D345-B4E4-D176ED5D829D}" presName="node" presStyleLbl="node1" presStyleIdx="4" presStyleCnt="6" custScaleX="87244" custScaleY="82184">
         <dgm:presLayoutVars>
           <dgm:bulletEnabled val="1"/>
         </dgm:presLayoutVars>
       </dgm:prSet>
       <dgm:spPr/>
+      <dgm:t>
+        <a:bodyPr/>
+        <a:lstStyle/>
+        <a:p>
+          <a:endParaRPr lang="en-US"/>
+        </a:p>
+      </dgm:t>
     </dgm:pt>
-    <dgm:pt modelId="{B21487EB-FC70-6949-B938-5125DF3A9387}" type="pres">
-      <dgm:prSet presAssocID="{2AF9CE26-6AA6-384D-9EA7-6F9D0A8D9E20}" presName="sibTrans" presStyleLbl="sibTrans2D1" presStyleIdx="4" presStyleCnt="5"/>
+    <dgm:pt modelId="{5863E911-18E3-324A-A96A-07671B0F8D24}" type="pres">
+      <dgm:prSet presAssocID="{C939A25E-CA77-444F-8E65-4DA5CA6053DA}" presName="sibTrans" presStyleLbl="sibTrans2D1" presStyleIdx="4" presStyleCnt="5"/>
       <dgm:spPr/>
     </dgm:pt>
-    <dgm:pt modelId="{E9E8E010-8E32-764D-ACA5-DE0C52FE9BDF}" type="pres">
-      <dgm:prSet presAssocID="{2AF9CE26-6AA6-384D-9EA7-6F9D0A8D9E20}" presName="connectorText" presStyleLbl="sibTrans2D1" presStyleIdx="4" presStyleCnt="5"/>
+    <dgm:pt modelId="{C144839B-A0B2-3640-8A63-BF0412473803}" type="pres">
+      <dgm:prSet presAssocID="{C939A25E-CA77-444F-8E65-4DA5CA6053DA}" presName="connectorText" presStyleLbl="sibTrans2D1" presStyleIdx="4" presStyleCnt="5"/>
       <dgm:spPr/>
     </dgm:pt>
     <dgm:pt modelId="{E324EA71-C9AB-2943-812E-646AB1B31125}" type="pres">
@@ -2385,61 +2393,61 @@
     </dgm:pt>
   </dgm:ptLst>
   <dgm:cxnLst>
+    <dgm:cxn modelId="{16ED440C-7D7A-7740-A80F-07C3BDC66F37}" type="presOf" srcId="{FA861C74-A4AA-6341-A5A4-19F33298102E}" destId="{F4B44CBC-FC47-1543-B4A9-F5AEB5CEB6BF}" srcOrd="0" destOrd="0" presId="urn:microsoft.com/office/officeart/2005/8/layout/process1"/>
+    <dgm:cxn modelId="{3F22C80C-9924-B64E-9F6D-5F766DDDC6EA}" type="presOf" srcId="{B170FB99-8909-414F-A4FC-4553DD906590}" destId="{E73AAB45-BA46-5E42-A3FA-3E92D321988C}" srcOrd="1" destOrd="0" presId="urn:microsoft.com/office/officeart/2005/8/layout/process1"/>
+    <dgm:cxn modelId="{34FA0A1B-B56E-B04F-B8EC-AB21D2A30C24}" srcId="{E87FC9F4-306A-C441-847C-3B779F386673}" destId="{0D3DF110-F666-A04E-8B34-4B0F25524A57}" srcOrd="2" destOrd="0" parTransId="{7B7C4DCE-5341-4545-9538-6665DF174D30}" sibTransId="{A9EB110C-64CB-8545-A39B-8EE8C8FD35F9}"/>
+    <dgm:cxn modelId="{483A407A-1E6B-3047-BA2B-2FCA024D6346}" srcId="{E87FC9F4-306A-C441-847C-3B779F386673}" destId="{234F4A0B-8092-0C47-A9C3-FFE7AA8C6D2A}" srcOrd="0" destOrd="0" parTransId="{6740B56E-ADD8-9C42-BE21-0918BAB5D356}" sibTransId="{AF677554-A810-F245-83DF-78E242EE2752}"/>
+    <dgm:cxn modelId="{CED47A32-B1B3-C541-B5D4-B7A713AF5C77}" type="presOf" srcId="{FA861C74-A4AA-6341-A5A4-19F33298102E}" destId="{80A3280C-1FE1-F741-8E7B-2B8CCCBB28E5}" srcOrd="1" destOrd="0" presId="urn:microsoft.com/office/officeart/2005/8/layout/process1"/>
+    <dgm:cxn modelId="{BB304414-4573-A945-A6B9-D92B37E06E0E}" srcId="{DE49E2BA-261B-EC46-BAF7-6B78BDB6F06F}" destId="{801AFE1A-416D-E74C-BBFD-557415AE0194}" srcOrd="1" destOrd="0" parTransId="{2727C292-B037-A740-B806-A17CA3BCFCD5}" sibTransId="{533BC168-BC76-C14E-8694-1DC3B6CF54C5}"/>
+    <dgm:cxn modelId="{E73CC0AF-DC2D-5A4E-A4B4-E9CD8A4479B3}" type="presOf" srcId="{C939A25E-CA77-444F-8E65-4DA5CA6053DA}" destId="{C144839B-A0B2-3640-8A63-BF0412473803}" srcOrd="1" destOrd="0" presId="urn:microsoft.com/office/officeart/2005/8/layout/process1"/>
+    <dgm:cxn modelId="{4D942DCF-C48D-A74B-8251-8BEFFCF03799}" type="presOf" srcId="{533BC168-BC76-C14E-8694-1DC3B6CF54C5}" destId="{A8C226CF-C78B-EB4E-86A6-1B0387CFF648}" srcOrd="1" destOrd="0" presId="urn:microsoft.com/office/officeart/2005/8/layout/process1"/>
     <dgm:cxn modelId="{F550F3EB-D554-514D-9172-65DAE540D191}" srcId="{DE49E2BA-261B-EC46-BAF7-6B78BDB6F06F}" destId="{D8DAD879-37C7-774C-B149-B7250DD6D502}" srcOrd="2" destOrd="0" parTransId="{3057D897-29F9-DD49-B58A-81904BB7F42F}" sibTransId="{FA861C74-A4AA-6341-A5A4-19F33298102E}"/>
-    <dgm:cxn modelId="{80855751-E542-F849-819A-353267323FA4}" type="presOf" srcId="{533BC168-BC76-C14E-8694-1DC3B6CF54C5}" destId="{A8C226CF-C78B-EB4E-86A6-1B0387CFF648}" srcOrd="1" destOrd="0" presId="urn:microsoft.com/office/officeart/2005/8/layout/process1"/>
-    <dgm:cxn modelId="{22EFD2D7-209B-EE4E-9847-AC5F0F0DC3E2}" type="presOf" srcId="{B170FB99-8909-414F-A4FC-4553DD906590}" destId="{1A8802C5-3316-8E4D-AF91-213A1FB07CB7}" srcOrd="0" destOrd="0" presId="urn:microsoft.com/office/officeart/2005/8/layout/process1"/>
-    <dgm:cxn modelId="{94B3DEE1-393A-C941-B585-E0C4BC43F1D8}" type="presOf" srcId="{801AFE1A-416D-E74C-BBFD-557415AE0194}" destId="{C5062774-D3A7-8B40-8FDE-995EBC7DED98}" srcOrd="0" destOrd="0" presId="urn:microsoft.com/office/officeart/2005/8/layout/process1"/>
+    <dgm:cxn modelId="{34098D76-EF50-8049-A522-0D7E2E3278C7}" type="presOf" srcId="{D29243F3-EA9B-7C4B-B882-B4CED33A4238}" destId="{2D708B46-B09A-7F44-A9C5-AB1FDCCB92AC}" srcOrd="0" destOrd="6" presId="urn:microsoft.com/office/officeart/2005/8/layout/process1"/>
+    <dgm:cxn modelId="{8484A5D7-4806-234A-88DA-5B53C7CCB895}" type="presOf" srcId="{0D3DF110-F666-A04E-8B34-4B0F25524A57}" destId="{2D708B46-B09A-7F44-A9C5-AB1FDCCB92AC}" srcOrd="0" destOrd="3" presId="urn:microsoft.com/office/officeart/2005/8/layout/process1"/>
     <dgm:cxn modelId="{1A10F469-1A1D-6E44-8760-2C41AC2B313D}" srcId="{E87FC9F4-306A-C441-847C-3B779F386673}" destId="{94769534-4246-8C4F-A5A5-FDCD149EA162}" srcOrd="4" destOrd="0" parTransId="{75F7124E-82E3-C04C-B862-F686848CD179}" sibTransId="{8D2569AF-BC24-D947-8477-93C1747FC4C1}"/>
-    <dgm:cxn modelId="{6CD110AE-FE0A-844B-ABED-1AEC1B4043C5}" type="presOf" srcId="{CA1E943E-3AB1-4942-9397-CA0E4F86BC17}" destId="{35E813D0-5190-CE48-A1DC-87CBC0399B9A}" srcOrd="0" destOrd="1" presId="urn:microsoft.com/office/officeart/2005/8/layout/process1"/>
-    <dgm:cxn modelId="{5E9248BD-7FA2-D444-B67C-7782DA499A83}" type="presOf" srcId="{94769534-4246-8C4F-A5A5-FDCD149EA162}" destId="{2D708B46-B09A-7F44-A9C5-AB1FDCCB92AC}" srcOrd="0" destOrd="5" presId="urn:microsoft.com/office/officeart/2005/8/layout/process1"/>
-    <dgm:cxn modelId="{BB304414-4573-A945-A6B9-D92B37E06E0E}" srcId="{DE49E2BA-261B-EC46-BAF7-6B78BDB6F06F}" destId="{801AFE1A-416D-E74C-BBFD-557415AE0194}" srcOrd="1" destOrd="0" parTransId="{2727C292-B037-A740-B806-A17CA3BCFCD5}" sibTransId="{533BC168-BC76-C14E-8694-1DC3B6CF54C5}"/>
-    <dgm:cxn modelId="{2774BCBB-D5E1-634D-8EEF-BFF8F364A6B8}" type="presOf" srcId="{5EDB0D77-09F0-0C4F-B332-E852A176F79A}" destId="{E324EA71-C9AB-2943-812E-646AB1B31125}" srcOrd="0" destOrd="0" presId="urn:microsoft.com/office/officeart/2005/8/layout/process1"/>
+    <dgm:cxn modelId="{851AB8B6-F1D6-C64F-AE4B-E0F5252E4653}" srcId="{B3862515-EEE4-D345-B4E4-D176ED5D829D}" destId="{CA1E943E-3AB1-4942-9397-CA0E4F86BC17}" srcOrd="0" destOrd="0" parTransId="{1CE7C90D-6879-E34B-A8E5-532D4972417F}" sibTransId="{2C7164CC-6546-F34E-AC17-6A4FE01B6034}"/>
+    <dgm:cxn modelId="{57A1E379-3D45-594F-B156-D20E14A0F3C2}" type="presOf" srcId="{533BC168-BC76-C14E-8694-1DC3B6CF54C5}" destId="{3029052C-E3B7-CC46-8E23-37ABEDD15F03}" srcOrd="0" destOrd="0" presId="urn:microsoft.com/office/officeart/2005/8/layout/process1"/>
+    <dgm:cxn modelId="{2782A307-3D20-794F-9C6D-B93E9C030CBD}" type="presOf" srcId="{94769534-4246-8C4F-A5A5-FDCD149EA162}" destId="{2D708B46-B09A-7F44-A9C5-AB1FDCCB92AC}" srcOrd="0" destOrd="5" presId="urn:microsoft.com/office/officeart/2005/8/layout/process1"/>
+    <dgm:cxn modelId="{D173F307-14ED-7140-9F70-FFA2C97805ED}" srcId="{B3862515-EEE4-D345-B4E4-D176ED5D829D}" destId="{88049AEE-4468-7944-9BC4-14997D6BF2C6}" srcOrd="1" destOrd="0" parTransId="{0610C57B-14B5-1847-BB28-6D239E823079}" sibTransId="{04A104A5-C4E3-9B4B-A8BD-AD63E82C498A}"/>
+    <dgm:cxn modelId="{178D4A1B-7A8C-104A-970E-26B52698270A}" type="presOf" srcId="{B170FB99-8909-414F-A4FC-4553DD906590}" destId="{1A8802C5-3316-8E4D-AF91-213A1FB07CB7}" srcOrd="0" destOrd="0" presId="urn:microsoft.com/office/officeart/2005/8/layout/process1"/>
+    <dgm:cxn modelId="{1F2B2C9A-D254-4C41-B209-0780292EA919}" type="presOf" srcId="{88049AEE-4468-7944-9BC4-14997D6BF2C6}" destId="{C32824EC-7FEF-D447-AAC6-9346B117354E}" srcOrd="0" destOrd="2" presId="urn:microsoft.com/office/officeart/2005/8/layout/process1"/>
+    <dgm:cxn modelId="{7F1EF744-50A0-1C47-B311-C56E4213F18A}" type="presOf" srcId="{DF7BE7E2-BD5F-EF42-98DF-684B0794E6B7}" destId="{2D708B46-B09A-7F44-A9C5-AB1FDCCB92AC}" srcOrd="0" destOrd="4" presId="urn:microsoft.com/office/officeart/2005/8/layout/process1"/>
+    <dgm:cxn modelId="{6E7BE60C-E32C-B049-B3FB-B11962DD0006}" srcId="{DE49E2BA-261B-EC46-BAF7-6B78BDB6F06F}" destId="{B3862515-EEE4-D345-B4E4-D176ED5D829D}" srcOrd="4" destOrd="0" parTransId="{A35A8C1C-578A-A946-9D1F-5DC7E105BF40}" sibTransId="{C939A25E-CA77-444F-8E65-4DA5CA6053DA}"/>
+    <dgm:cxn modelId="{272D72BC-51E6-5E47-A3BC-7F6619FDCEBB}" type="presOf" srcId="{D8DAD879-37C7-774C-B149-B7250DD6D502}" destId="{435D2948-DD5F-BA48-A4C2-3ADB352C2698}" srcOrd="0" destOrd="0" presId="urn:microsoft.com/office/officeart/2005/8/layout/process1"/>
+    <dgm:cxn modelId="{F0FA86B0-0A1A-2E45-8ABE-9ECB9BA3E65F}" type="presOf" srcId="{B3862515-EEE4-D345-B4E4-D176ED5D829D}" destId="{C32824EC-7FEF-D447-AAC6-9346B117354E}" srcOrd="0" destOrd="0" presId="urn:microsoft.com/office/officeart/2005/8/layout/process1"/>
+    <dgm:cxn modelId="{127634F4-83D2-7C49-BCF8-038493B7E4B2}" srcId="{E87FC9F4-306A-C441-847C-3B779F386673}" destId="{A7240CC4-9D82-DA47-B691-1F13DBBD256B}" srcOrd="1" destOrd="0" parTransId="{F23044CA-9FAA-BF4D-ADA7-20B36854C0E0}" sibTransId="{83D2CA4B-211C-0B41-9362-5B4347E27686}"/>
+    <dgm:cxn modelId="{C8A2EBF5-6602-F64E-A7CE-30FF41E8CB86}" type="presOf" srcId="{9887AAD4-671C-2243-B23F-6F6D102A4012}" destId="{BB567044-1BE6-FA4E-BC0C-29580823B6FB}" srcOrd="0" destOrd="0" presId="urn:microsoft.com/office/officeart/2005/8/layout/process1"/>
+    <dgm:cxn modelId="{AE14CE2B-B2B2-A540-BFCB-8B367A933195}" type="presOf" srcId="{A7240CC4-9D82-DA47-B691-1F13DBBD256B}" destId="{2D708B46-B09A-7F44-A9C5-AB1FDCCB92AC}" srcOrd="0" destOrd="2" presId="urn:microsoft.com/office/officeart/2005/8/layout/process1"/>
+    <dgm:cxn modelId="{0481DD9B-D77C-E645-B15F-D1E6550E04BB}" type="presOf" srcId="{4CC5DAE6-00C4-BD4A-B969-A1FB5B516F57}" destId="{FC94D377-6A7C-C04B-BE77-5081195182EA}" srcOrd="1" destOrd="0" presId="urn:microsoft.com/office/officeart/2005/8/layout/process1"/>
+    <dgm:cxn modelId="{FA33202C-FDE9-1249-9AFC-27080B1CFADC}" type="presOf" srcId="{CA1E943E-3AB1-4942-9397-CA0E4F86BC17}" destId="{C32824EC-7FEF-D447-AAC6-9346B117354E}" srcOrd="0" destOrd="1" presId="urn:microsoft.com/office/officeart/2005/8/layout/process1"/>
+    <dgm:cxn modelId="{74C9C8BC-B3A8-ED41-A084-81191D60207E}" type="presOf" srcId="{4CC5DAE6-00C4-BD4A-B969-A1FB5B516F57}" destId="{D04E9C78-DFB5-504F-BAA1-0C684C1DAD88}" srcOrd="0" destOrd="0" presId="urn:microsoft.com/office/officeart/2005/8/layout/process1"/>
+    <dgm:cxn modelId="{904A6D4C-DB60-E84E-86DF-50C04D0445DC}" srcId="{E87FC9F4-306A-C441-847C-3B779F386673}" destId="{D29243F3-EA9B-7C4B-B882-B4CED33A4238}" srcOrd="5" destOrd="0" parTransId="{F0EA8FDB-2A25-104C-897B-35E612ED7A49}" sibTransId="{92F19B71-048A-BF4E-8243-D90AED72DA3D}"/>
+    <dgm:cxn modelId="{E2B7D07F-C0C4-2245-A48E-24747FA4C988}" type="presOf" srcId="{234F4A0B-8092-0C47-A9C3-FFE7AA8C6D2A}" destId="{2D708B46-B09A-7F44-A9C5-AB1FDCCB92AC}" srcOrd="0" destOrd="1" presId="urn:microsoft.com/office/officeart/2005/8/layout/process1"/>
+    <dgm:cxn modelId="{EE349AE3-AF3B-E747-916D-BADB2E3048BC}" type="presOf" srcId="{E87FC9F4-306A-C441-847C-3B779F386673}" destId="{2D708B46-B09A-7F44-A9C5-AB1FDCCB92AC}" srcOrd="0" destOrd="0" presId="urn:microsoft.com/office/officeart/2005/8/layout/process1"/>
     <dgm:cxn modelId="{65F9519C-8DCA-3242-AB72-34F5454955E7}" srcId="{DE49E2BA-261B-EC46-BAF7-6B78BDB6F06F}" destId="{E87FC9F4-306A-C441-847C-3B779F386673}" srcOrd="3" destOrd="0" parTransId="{59685BE7-ADA0-B24C-9379-A9C402B1D281}" sibTransId="{4CC5DAE6-00C4-BD4A-B969-A1FB5B516F57}"/>
+    <dgm:cxn modelId="{CB9A7038-0082-124D-944C-551138D6FD64}" srcId="{DE49E2BA-261B-EC46-BAF7-6B78BDB6F06F}" destId="{9887AAD4-671C-2243-B23F-6F6D102A4012}" srcOrd="0" destOrd="0" parTransId="{D5F7F628-C446-034C-A5DE-9482DE1570B8}" sibTransId="{B170FB99-8909-414F-A4FC-4553DD906590}"/>
+    <dgm:cxn modelId="{2F6EDDF8-1A52-CA4F-AC56-E7B813883AFC}" srcId="{DE49E2BA-261B-EC46-BAF7-6B78BDB6F06F}" destId="{5EDB0D77-09F0-0C4F-B332-E852A176F79A}" srcOrd="5" destOrd="0" parTransId="{6905B776-7DF3-2743-A7A0-DC627995A528}" sibTransId="{486F902B-586B-8044-9F9C-0B0AEA8029F9}"/>
+    <dgm:cxn modelId="{D7B97AB2-2C7A-CA4F-99B2-BBBCDC9FD4FE}" type="presOf" srcId="{5EDB0D77-09F0-0C4F-B332-E852A176F79A}" destId="{E324EA71-C9AB-2943-812E-646AB1B31125}" srcOrd="0" destOrd="0" presId="urn:microsoft.com/office/officeart/2005/8/layout/process1"/>
+    <dgm:cxn modelId="{08DEAF6C-F26E-8449-8C39-7670395434F1}" type="presOf" srcId="{C939A25E-CA77-444F-8E65-4DA5CA6053DA}" destId="{5863E911-18E3-324A-A96A-07671B0F8D24}" srcOrd="0" destOrd="0" presId="urn:microsoft.com/office/officeart/2005/8/layout/process1"/>
     <dgm:cxn modelId="{EC182979-58B4-A347-90E0-929D046F46B6}" type="presOf" srcId="{DE49E2BA-261B-EC46-BAF7-6B78BDB6F06F}" destId="{4A554E7B-4565-9144-9E8A-ED84F42D6595}" srcOrd="0" destOrd="0" presId="urn:microsoft.com/office/officeart/2005/8/layout/process1"/>
-    <dgm:cxn modelId="{9B45ADD8-7611-F84A-A3ED-0E4F78265B4B}" type="presOf" srcId="{D29243F3-EA9B-7C4B-B882-B4CED33A4238}" destId="{2D708B46-B09A-7F44-A9C5-AB1FDCCB92AC}" srcOrd="0" destOrd="6" presId="urn:microsoft.com/office/officeart/2005/8/layout/process1"/>
+    <dgm:cxn modelId="{36062FFF-A6D8-9846-AED0-177515679C3C}" type="presOf" srcId="{801AFE1A-416D-E74C-BBFD-557415AE0194}" destId="{C5062774-D3A7-8B40-8FDE-995EBC7DED98}" srcOrd="0" destOrd="0" presId="urn:microsoft.com/office/officeart/2005/8/layout/process1"/>
     <dgm:cxn modelId="{C1ECC757-B52F-E049-B17D-3E36E34C2740}" srcId="{E87FC9F4-306A-C441-847C-3B779F386673}" destId="{DF7BE7E2-BD5F-EF42-98DF-684B0794E6B7}" srcOrd="3" destOrd="0" parTransId="{D893A9EE-6767-2541-8054-D505D80F0546}" sibTransId="{8747CB30-4722-E843-9A33-B85AFCEE5E44}"/>
-    <dgm:cxn modelId="{2F6EDDF8-1A52-CA4F-AC56-E7B813883AFC}" srcId="{DE49E2BA-261B-EC46-BAF7-6B78BDB6F06F}" destId="{5EDB0D77-09F0-0C4F-B332-E852A176F79A}" srcOrd="5" destOrd="0" parTransId="{6905B776-7DF3-2743-A7A0-DC627995A528}" sibTransId="{486F902B-586B-8044-9F9C-0B0AEA8029F9}"/>
-    <dgm:cxn modelId="{34FA0A1B-B56E-B04F-B8EC-AB21D2A30C24}" srcId="{E87FC9F4-306A-C441-847C-3B779F386673}" destId="{0D3DF110-F666-A04E-8B34-4B0F25524A57}" srcOrd="2" destOrd="0" parTransId="{7B7C4DCE-5341-4545-9538-6665DF174D30}" sibTransId="{A9EB110C-64CB-8545-A39B-8EE8C8FD35F9}"/>
-    <dgm:cxn modelId="{C5BDF057-D300-D140-82D6-321C2EA4146C}" type="presOf" srcId="{0D3DF110-F666-A04E-8B34-4B0F25524A57}" destId="{2D708B46-B09A-7F44-A9C5-AB1FDCCB92AC}" srcOrd="0" destOrd="3" presId="urn:microsoft.com/office/officeart/2005/8/layout/process1"/>
-    <dgm:cxn modelId="{B174105E-0E8D-4C47-9546-5C64827D2AD6}" type="presOf" srcId="{FA861C74-A4AA-6341-A5A4-19F33298102E}" destId="{80A3280C-1FE1-F741-8E7B-2B8CCCBB28E5}" srcOrd="1" destOrd="0" presId="urn:microsoft.com/office/officeart/2005/8/layout/process1"/>
-    <dgm:cxn modelId="{7DC0BE5D-0A7E-3A4A-A810-886B53000704}" type="presOf" srcId="{E87FC9F4-306A-C441-847C-3B779F386673}" destId="{2D708B46-B09A-7F44-A9C5-AB1FDCCB92AC}" srcOrd="0" destOrd="0" presId="urn:microsoft.com/office/officeart/2005/8/layout/process1"/>
-    <dgm:cxn modelId="{127634F4-83D2-7C49-BCF8-038493B7E4B2}" srcId="{E87FC9F4-306A-C441-847C-3B779F386673}" destId="{A7240CC4-9D82-DA47-B691-1F13DBBD256B}" srcOrd="1" destOrd="0" parTransId="{F23044CA-9FAA-BF4D-ADA7-20B36854C0E0}" sibTransId="{83D2CA4B-211C-0B41-9362-5B4347E27686}"/>
-    <dgm:cxn modelId="{D1DB1BA2-0145-A744-8DD9-97F1B5831B8A}" type="presOf" srcId="{4CC5DAE6-00C4-BD4A-B969-A1FB5B516F57}" destId="{FC94D377-6A7C-C04B-BE77-5081195182EA}" srcOrd="1" destOrd="0" presId="urn:microsoft.com/office/officeart/2005/8/layout/process1"/>
-    <dgm:cxn modelId="{D417FEBC-87C7-554A-A0BB-29AABF1D15F7}" type="presOf" srcId="{234F4A0B-8092-0C47-A9C3-FFE7AA8C6D2A}" destId="{2D708B46-B09A-7F44-A9C5-AB1FDCCB92AC}" srcOrd="0" destOrd="1" presId="urn:microsoft.com/office/officeart/2005/8/layout/process1"/>
-    <dgm:cxn modelId="{AFDA51F3-0210-5643-B334-ECB4525ED394}" type="presOf" srcId="{A7240CC4-9D82-DA47-B691-1F13DBBD256B}" destId="{2D708B46-B09A-7F44-A9C5-AB1FDCCB92AC}" srcOrd="0" destOrd="2" presId="urn:microsoft.com/office/officeart/2005/8/layout/process1"/>
-    <dgm:cxn modelId="{B014011E-543C-1C44-9695-07F6C9DEA0C4}" type="presOf" srcId="{4CC5DAE6-00C4-BD4A-B969-A1FB5B516F57}" destId="{D04E9C78-DFB5-504F-BAA1-0C684C1DAD88}" srcOrd="0" destOrd="0" presId="urn:microsoft.com/office/officeart/2005/8/layout/process1"/>
-    <dgm:cxn modelId="{8F0D6BB2-DEF6-8448-A0AC-2A1DDCCB2E85}" type="presOf" srcId="{18E99926-284D-AC48-B133-B6741135C7D5}" destId="{35E813D0-5190-CE48-A1DC-87CBC0399B9A}" srcOrd="0" destOrd="0" presId="urn:microsoft.com/office/officeart/2005/8/layout/process1"/>
-    <dgm:cxn modelId="{7EA5C140-09E5-544C-BFA4-6CBA5476B62D}" type="presOf" srcId="{B170FB99-8909-414F-A4FC-4553DD906590}" destId="{E73AAB45-BA46-5E42-A3FA-3E92D321988C}" srcOrd="1" destOrd="0" presId="urn:microsoft.com/office/officeart/2005/8/layout/process1"/>
-    <dgm:cxn modelId="{F009B577-7123-EC49-86FD-9DF0ACA384CF}" type="presOf" srcId="{9887AAD4-671C-2243-B23F-6F6D102A4012}" destId="{BB567044-1BE6-FA4E-BC0C-29580823B6FB}" srcOrd="0" destOrd="0" presId="urn:microsoft.com/office/officeart/2005/8/layout/process1"/>
-    <dgm:cxn modelId="{851AB8B6-F1D6-C64F-AE4B-E0F5252E4653}" srcId="{18E99926-284D-AC48-B133-B6741135C7D5}" destId="{CA1E943E-3AB1-4942-9397-CA0E4F86BC17}" srcOrd="0" destOrd="0" parTransId="{1CE7C90D-6879-E34B-A8E5-532D4972417F}" sibTransId="{2C7164CC-6546-F34E-AC17-6A4FE01B6034}"/>
-    <dgm:cxn modelId="{483A407A-1E6B-3047-BA2B-2FCA024D6346}" srcId="{E87FC9F4-306A-C441-847C-3B779F386673}" destId="{234F4A0B-8092-0C47-A9C3-FFE7AA8C6D2A}" srcOrd="0" destOrd="0" parTransId="{6740B56E-ADD8-9C42-BE21-0918BAB5D356}" sibTransId="{AF677554-A810-F245-83DF-78E242EE2752}"/>
-    <dgm:cxn modelId="{F448A991-3FBB-2741-A193-BAEF1941F36F}" type="presOf" srcId="{88049AEE-4468-7944-9BC4-14997D6BF2C6}" destId="{35E813D0-5190-CE48-A1DC-87CBC0399B9A}" srcOrd="0" destOrd="2" presId="urn:microsoft.com/office/officeart/2005/8/layout/process1"/>
-    <dgm:cxn modelId="{77EDC821-2272-484E-89FF-6C83D6170F38}" type="presOf" srcId="{533BC168-BC76-C14E-8694-1DC3B6CF54C5}" destId="{3029052C-E3B7-CC46-8E23-37ABEDD15F03}" srcOrd="0" destOrd="0" presId="urn:microsoft.com/office/officeart/2005/8/layout/process1"/>
-    <dgm:cxn modelId="{5C851F5A-680D-144B-811D-3D1E309EFEE9}" type="presOf" srcId="{D8DAD879-37C7-774C-B149-B7250DD6D502}" destId="{435D2948-DD5F-BA48-A4C2-3ADB352C2698}" srcOrd="0" destOrd="0" presId="urn:microsoft.com/office/officeart/2005/8/layout/process1"/>
-    <dgm:cxn modelId="{904A6D4C-DB60-E84E-86DF-50C04D0445DC}" srcId="{E87FC9F4-306A-C441-847C-3B779F386673}" destId="{D29243F3-EA9B-7C4B-B882-B4CED33A4238}" srcOrd="5" destOrd="0" parTransId="{F0EA8FDB-2A25-104C-897B-35E612ED7A49}" sibTransId="{92F19B71-048A-BF4E-8243-D90AED72DA3D}"/>
-    <dgm:cxn modelId="{9FC0AE21-94E2-304F-8839-51B9DCF58FAE}" srcId="{DE49E2BA-261B-EC46-BAF7-6B78BDB6F06F}" destId="{18E99926-284D-AC48-B133-B6741135C7D5}" srcOrd="4" destOrd="0" parTransId="{502B8BCD-5A28-B04B-BF6A-9A282CE74463}" sibTransId="{2AF9CE26-6AA6-384D-9EA7-6F9D0A8D9E20}"/>
-    <dgm:cxn modelId="{8C20B716-35EB-DD46-80A9-283528A4D32B}" type="presOf" srcId="{DF7BE7E2-BD5F-EF42-98DF-684B0794E6B7}" destId="{2D708B46-B09A-7F44-A9C5-AB1FDCCB92AC}" srcOrd="0" destOrd="4" presId="urn:microsoft.com/office/officeart/2005/8/layout/process1"/>
-    <dgm:cxn modelId="{D173F307-14ED-7140-9F70-FFA2C97805ED}" srcId="{18E99926-284D-AC48-B133-B6741135C7D5}" destId="{88049AEE-4468-7944-9BC4-14997D6BF2C6}" srcOrd="1" destOrd="0" parTransId="{0610C57B-14B5-1847-BB28-6D239E823079}" sibTransId="{04A104A5-C4E3-9B4B-A8BD-AD63E82C498A}"/>
-    <dgm:cxn modelId="{8D983F07-C7FA-424C-B141-23E89AA1844C}" type="presOf" srcId="{2AF9CE26-6AA6-384D-9EA7-6F9D0A8D9E20}" destId="{E9E8E010-8E32-764D-ACA5-DE0C52FE9BDF}" srcOrd="1" destOrd="0" presId="urn:microsoft.com/office/officeart/2005/8/layout/process1"/>
-    <dgm:cxn modelId="{E95676F7-0D56-064D-A14B-C5B991082B22}" type="presOf" srcId="{FA861C74-A4AA-6341-A5A4-19F33298102E}" destId="{F4B44CBC-FC47-1543-B4A9-F5AEB5CEB6BF}" srcOrd="0" destOrd="0" presId="urn:microsoft.com/office/officeart/2005/8/layout/process1"/>
-    <dgm:cxn modelId="{04BFFDEF-A8EF-0D42-B1E7-61E1FCA4C0BB}" type="presOf" srcId="{2AF9CE26-6AA6-384D-9EA7-6F9D0A8D9E20}" destId="{B21487EB-FC70-6949-B938-5125DF3A9387}" srcOrd="0" destOrd="0" presId="urn:microsoft.com/office/officeart/2005/8/layout/process1"/>
-    <dgm:cxn modelId="{CB9A7038-0082-124D-944C-551138D6FD64}" srcId="{DE49E2BA-261B-EC46-BAF7-6B78BDB6F06F}" destId="{9887AAD4-671C-2243-B23F-6F6D102A4012}" srcOrd="0" destOrd="0" parTransId="{D5F7F628-C446-034C-A5DE-9482DE1570B8}" sibTransId="{B170FB99-8909-414F-A4FC-4553DD906590}"/>
-    <dgm:cxn modelId="{12A2D0CE-1F39-DD47-A7D3-1F47E8D5806A}" type="presParOf" srcId="{4A554E7B-4565-9144-9E8A-ED84F42D6595}" destId="{BB567044-1BE6-FA4E-BC0C-29580823B6FB}" srcOrd="0" destOrd="0" presId="urn:microsoft.com/office/officeart/2005/8/layout/process1"/>
-    <dgm:cxn modelId="{E235A19D-7D5F-5740-ABE9-E43C4410A380}" type="presParOf" srcId="{4A554E7B-4565-9144-9E8A-ED84F42D6595}" destId="{1A8802C5-3316-8E4D-AF91-213A1FB07CB7}" srcOrd="1" destOrd="0" presId="urn:microsoft.com/office/officeart/2005/8/layout/process1"/>
-    <dgm:cxn modelId="{475F1D90-8EB1-9C4B-B27A-1411E60A6BD2}" type="presParOf" srcId="{1A8802C5-3316-8E4D-AF91-213A1FB07CB7}" destId="{E73AAB45-BA46-5E42-A3FA-3E92D321988C}" srcOrd="0" destOrd="0" presId="urn:microsoft.com/office/officeart/2005/8/layout/process1"/>
-    <dgm:cxn modelId="{B3BEDDC7-F242-FF47-8EAC-8A93C7FD05C5}" type="presParOf" srcId="{4A554E7B-4565-9144-9E8A-ED84F42D6595}" destId="{C5062774-D3A7-8B40-8FDE-995EBC7DED98}" srcOrd="2" destOrd="0" presId="urn:microsoft.com/office/officeart/2005/8/layout/process1"/>
-    <dgm:cxn modelId="{9D8615D0-6042-3540-A20E-AE7EAF5B2E80}" type="presParOf" srcId="{4A554E7B-4565-9144-9E8A-ED84F42D6595}" destId="{3029052C-E3B7-CC46-8E23-37ABEDD15F03}" srcOrd="3" destOrd="0" presId="urn:microsoft.com/office/officeart/2005/8/layout/process1"/>
-    <dgm:cxn modelId="{23C87EEE-F2E3-3040-81A7-F673F389606D}" type="presParOf" srcId="{3029052C-E3B7-CC46-8E23-37ABEDD15F03}" destId="{A8C226CF-C78B-EB4E-86A6-1B0387CFF648}" srcOrd="0" destOrd="0" presId="urn:microsoft.com/office/officeart/2005/8/layout/process1"/>
-    <dgm:cxn modelId="{F8C8627C-CAD7-A14A-9EBC-779E9B0F5E85}" type="presParOf" srcId="{4A554E7B-4565-9144-9E8A-ED84F42D6595}" destId="{435D2948-DD5F-BA48-A4C2-3ADB352C2698}" srcOrd="4" destOrd="0" presId="urn:microsoft.com/office/officeart/2005/8/layout/process1"/>
-    <dgm:cxn modelId="{E670CB9A-5CF9-4F49-B86D-7374ECC3E4E9}" type="presParOf" srcId="{4A554E7B-4565-9144-9E8A-ED84F42D6595}" destId="{F4B44CBC-FC47-1543-B4A9-F5AEB5CEB6BF}" srcOrd="5" destOrd="0" presId="urn:microsoft.com/office/officeart/2005/8/layout/process1"/>
-    <dgm:cxn modelId="{2F3D437D-3391-2B46-8838-8893753D07E0}" type="presParOf" srcId="{F4B44CBC-FC47-1543-B4A9-F5AEB5CEB6BF}" destId="{80A3280C-1FE1-F741-8E7B-2B8CCCBB28E5}" srcOrd="0" destOrd="0" presId="urn:microsoft.com/office/officeart/2005/8/layout/process1"/>
-    <dgm:cxn modelId="{B8DC972B-33BC-764D-A052-0787EEF9E223}" type="presParOf" srcId="{4A554E7B-4565-9144-9E8A-ED84F42D6595}" destId="{2D708B46-B09A-7F44-A9C5-AB1FDCCB92AC}" srcOrd="6" destOrd="0" presId="urn:microsoft.com/office/officeart/2005/8/layout/process1"/>
-    <dgm:cxn modelId="{E44E686C-3D09-C34D-9F7E-4E162F89A96E}" type="presParOf" srcId="{4A554E7B-4565-9144-9E8A-ED84F42D6595}" destId="{D04E9C78-DFB5-504F-BAA1-0C684C1DAD88}" srcOrd="7" destOrd="0" presId="urn:microsoft.com/office/officeart/2005/8/layout/process1"/>
-    <dgm:cxn modelId="{FF4B5919-C00C-9545-A748-A0E10B591175}" type="presParOf" srcId="{D04E9C78-DFB5-504F-BAA1-0C684C1DAD88}" destId="{FC94D377-6A7C-C04B-BE77-5081195182EA}" srcOrd="0" destOrd="0" presId="urn:microsoft.com/office/officeart/2005/8/layout/process1"/>
-    <dgm:cxn modelId="{2BDC5073-59B1-094C-B64B-08B84B35359E}" type="presParOf" srcId="{4A554E7B-4565-9144-9E8A-ED84F42D6595}" destId="{35E813D0-5190-CE48-A1DC-87CBC0399B9A}" srcOrd="8" destOrd="0" presId="urn:microsoft.com/office/officeart/2005/8/layout/process1"/>
-    <dgm:cxn modelId="{AD3C00F5-33C3-F94E-A5E1-A23CBB6490C7}" type="presParOf" srcId="{4A554E7B-4565-9144-9E8A-ED84F42D6595}" destId="{B21487EB-FC70-6949-B938-5125DF3A9387}" srcOrd="9" destOrd="0" presId="urn:microsoft.com/office/officeart/2005/8/layout/process1"/>
-    <dgm:cxn modelId="{D976844F-A33D-A943-8EC9-F1ED89434808}" type="presParOf" srcId="{B21487EB-FC70-6949-B938-5125DF3A9387}" destId="{E9E8E010-8E32-764D-ACA5-DE0C52FE9BDF}" srcOrd="0" destOrd="0" presId="urn:microsoft.com/office/officeart/2005/8/layout/process1"/>
-    <dgm:cxn modelId="{282C5376-289F-7B40-9981-0623B7D3A9C1}" type="presParOf" srcId="{4A554E7B-4565-9144-9E8A-ED84F42D6595}" destId="{E324EA71-C9AB-2943-812E-646AB1B31125}" srcOrd="10" destOrd="0" presId="urn:microsoft.com/office/officeart/2005/8/layout/process1"/>
+    <dgm:cxn modelId="{0E2320E1-E5F5-D444-B7B8-B2733A2A5322}" type="presParOf" srcId="{4A554E7B-4565-9144-9E8A-ED84F42D6595}" destId="{BB567044-1BE6-FA4E-BC0C-29580823B6FB}" srcOrd="0" destOrd="0" presId="urn:microsoft.com/office/officeart/2005/8/layout/process1"/>
+    <dgm:cxn modelId="{640491C6-7836-404B-B6F2-50AB0DF07E7A}" type="presParOf" srcId="{4A554E7B-4565-9144-9E8A-ED84F42D6595}" destId="{1A8802C5-3316-8E4D-AF91-213A1FB07CB7}" srcOrd="1" destOrd="0" presId="urn:microsoft.com/office/officeart/2005/8/layout/process1"/>
+    <dgm:cxn modelId="{91816DF6-826C-B149-BE4D-3292BD19D75E}" type="presParOf" srcId="{1A8802C5-3316-8E4D-AF91-213A1FB07CB7}" destId="{E73AAB45-BA46-5E42-A3FA-3E92D321988C}" srcOrd="0" destOrd="0" presId="urn:microsoft.com/office/officeart/2005/8/layout/process1"/>
+    <dgm:cxn modelId="{C2729D95-3455-4B4F-AA18-8AF920F748A3}" type="presParOf" srcId="{4A554E7B-4565-9144-9E8A-ED84F42D6595}" destId="{C5062774-D3A7-8B40-8FDE-995EBC7DED98}" srcOrd="2" destOrd="0" presId="urn:microsoft.com/office/officeart/2005/8/layout/process1"/>
+    <dgm:cxn modelId="{1E55DDF2-107E-B245-A5F5-6DB49142E1A3}" type="presParOf" srcId="{4A554E7B-4565-9144-9E8A-ED84F42D6595}" destId="{3029052C-E3B7-CC46-8E23-37ABEDD15F03}" srcOrd="3" destOrd="0" presId="urn:microsoft.com/office/officeart/2005/8/layout/process1"/>
+    <dgm:cxn modelId="{C4689C2B-DA16-E64B-A8C9-8EBED7A90001}" type="presParOf" srcId="{3029052C-E3B7-CC46-8E23-37ABEDD15F03}" destId="{A8C226CF-C78B-EB4E-86A6-1B0387CFF648}" srcOrd="0" destOrd="0" presId="urn:microsoft.com/office/officeart/2005/8/layout/process1"/>
+    <dgm:cxn modelId="{3C6D1A44-F3D4-E542-9112-C0BA30CF3934}" type="presParOf" srcId="{4A554E7B-4565-9144-9E8A-ED84F42D6595}" destId="{435D2948-DD5F-BA48-A4C2-3ADB352C2698}" srcOrd="4" destOrd="0" presId="urn:microsoft.com/office/officeart/2005/8/layout/process1"/>
+    <dgm:cxn modelId="{732EE899-2180-384B-8B6A-0CBE9EFCAED7}" type="presParOf" srcId="{4A554E7B-4565-9144-9E8A-ED84F42D6595}" destId="{F4B44CBC-FC47-1543-B4A9-F5AEB5CEB6BF}" srcOrd="5" destOrd="0" presId="urn:microsoft.com/office/officeart/2005/8/layout/process1"/>
+    <dgm:cxn modelId="{9B264624-8466-B24E-9FA9-77D04DE633B7}" type="presParOf" srcId="{F4B44CBC-FC47-1543-B4A9-F5AEB5CEB6BF}" destId="{80A3280C-1FE1-F741-8E7B-2B8CCCBB28E5}" srcOrd="0" destOrd="0" presId="urn:microsoft.com/office/officeart/2005/8/layout/process1"/>
+    <dgm:cxn modelId="{FF510BC3-F1CD-0C46-A53A-159A34BE1917}" type="presParOf" srcId="{4A554E7B-4565-9144-9E8A-ED84F42D6595}" destId="{2D708B46-B09A-7F44-A9C5-AB1FDCCB92AC}" srcOrd="6" destOrd="0" presId="urn:microsoft.com/office/officeart/2005/8/layout/process1"/>
+    <dgm:cxn modelId="{4F87F0F9-C546-124B-8545-CE9F3A1A7722}" type="presParOf" srcId="{4A554E7B-4565-9144-9E8A-ED84F42D6595}" destId="{D04E9C78-DFB5-504F-BAA1-0C684C1DAD88}" srcOrd="7" destOrd="0" presId="urn:microsoft.com/office/officeart/2005/8/layout/process1"/>
+    <dgm:cxn modelId="{8DE67CE5-DE62-9640-A7B8-4F9D02A79E7D}" type="presParOf" srcId="{D04E9C78-DFB5-504F-BAA1-0C684C1DAD88}" destId="{FC94D377-6A7C-C04B-BE77-5081195182EA}" srcOrd="0" destOrd="0" presId="urn:microsoft.com/office/officeart/2005/8/layout/process1"/>
+    <dgm:cxn modelId="{F4457816-9B54-5540-BAE1-6D6AFDE55279}" type="presParOf" srcId="{4A554E7B-4565-9144-9E8A-ED84F42D6595}" destId="{C32824EC-7FEF-D447-AAC6-9346B117354E}" srcOrd="8" destOrd="0" presId="urn:microsoft.com/office/officeart/2005/8/layout/process1"/>
+    <dgm:cxn modelId="{60B7B8DC-AD46-8F41-9354-18AD7814831B}" type="presParOf" srcId="{4A554E7B-4565-9144-9E8A-ED84F42D6595}" destId="{5863E911-18E3-324A-A96A-07671B0F8D24}" srcOrd="9" destOrd="0" presId="urn:microsoft.com/office/officeart/2005/8/layout/process1"/>
+    <dgm:cxn modelId="{9DECEBCF-4682-484E-AAC3-A533E818D8D8}" type="presParOf" srcId="{5863E911-18E3-324A-A96A-07671B0F8D24}" destId="{C144839B-A0B2-3640-8A63-BF0412473803}" srcOrd="0" destOrd="0" presId="urn:microsoft.com/office/officeart/2005/8/layout/process1"/>
+    <dgm:cxn modelId="{7611E145-73F1-CA46-81EC-5FDE36011195}" type="presParOf" srcId="{4A554E7B-4565-9144-9E8A-ED84F42D6595}" destId="{E324EA71-C9AB-2943-812E-646AB1B31125}" srcOrd="10" destOrd="0" presId="urn:microsoft.com/office/officeart/2005/8/layout/process1"/>
   </dgm:cxnLst>
   <dgm:bg/>
   <dgm:whole/>
@@ -2856,8 +2864,8 @@
     <dgm:cxn modelId="{C819FC94-FBFE-E34A-A327-4A27395151CD}" type="presOf" srcId="{486F902B-586B-8044-9F9C-0B0AEA8029F9}" destId="{FF12BBB7-C98F-004B-97D1-6F33A956F885}" srcOrd="0" destOrd="0" presId="urn:microsoft.com/office/officeart/2005/8/layout/process1"/>
     <dgm:cxn modelId="{6FE90E6E-3041-9640-856C-0F56175D90F8}" type="presOf" srcId="{B170FB99-8909-414F-A4FC-4553DD906590}" destId="{E73AAB45-BA46-5E42-A3FA-3E92D321988C}" srcOrd="1" destOrd="0" presId="urn:microsoft.com/office/officeart/2005/8/layout/process1"/>
     <dgm:cxn modelId="{BB304414-4573-A945-A6B9-D92B37E06E0E}" srcId="{DE49E2BA-261B-EC46-BAF7-6B78BDB6F06F}" destId="{801AFE1A-416D-E74C-BBFD-557415AE0194}" srcOrd="2" destOrd="0" parTransId="{2727C292-B037-A740-B806-A17CA3BCFCD5}" sibTransId="{533BC168-BC76-C14E-8694-1DC3B6CF54C5}"/>
+    <dgm:cxn modelId="{FC07CA1A-5A89-A34B-BC81-B07378114F9A}" type="presOf" srcId="{9887AAD4-671C-2243-B23F-6F6D102A4012}" destId="{BB567044-1BE6-FA4E-BC0C-29580823B6FB}" srcOrd="0" destOrd="0" presId="urn:microsoft.com/office/officeart/2005/8/layout/process1"/>
     <dgm:cxn modelId="{2F6EDDF8-1A52-CA4F-AC56-E7B813883AFC}" srcId="{DE49E2BA-261B-EC46-BAF7-6B78BDB6F06F}" destId="{5EDB0D77-09F0-0C4F-B332-E852A176F79A}" srcOrd="0" destOrd="0" parTransId="{6905B776-7DF3-2743-A7A0-DC627995A528}" sibTransId="{486F902B-586B-8044-9F9C-0B0AEA8029F9}"/>
-    <dgm:cxn modelId="{FC07CA1A-5A89-A34B-BC81-B07378114F9A}" type="presOf" srcId="{9887AAD4-671C-2243-B23F-6F6D102A4012}" destId="{BB567044-1BE6-FA4E-BC0C-29580823B6FB}" srcOrd="0" destOrd="0" presId="urn:microsoft.com/office/officeart/2005/8/layout/process1"/>
     <dgm:cxn modelId="{80CF1ADA-AC03-0246-A9C5-2573A6852BB1}" type="presParOf" srcId="{4A554E7B-4565-9144-9E8A-ED84F42D6595}" destId="{E324EA71-C9AB-2943-812E-646AB1B31125}" srcOrd="0" destOrd="0" presId="urn:microsoft.com/office/officeart/2005/8/layout/process1"/>
     <dgm:cxn modelId="{0B8E1EEA-F683-5E42-8906-DD23252128BF}" type="presParOf" srcId="{4A554E7B-4565-9144-9E8A-ED84F42D6595}" destId="{FF12BBB7-C98F-004B-97D1-6F33A956F885}" srcOrd="1" destOrd="0" presId="urn:microsoft.com/office/officeart/2005/8/layout/process1"/>
     <dgm:cxn modelId="{56C9F803-799C-3147-830A-E0A956C21914}" type="presParOf" srcId="{FF12BBB7-C98F-004B-97D1-6F33A956F885}" destId="{93205773-7419-ED4D-91F8-2A24298BF005}" srcOrd="0" destOrd="0" presId="urn:microsoft.com/office/officeart/2005/8/layout/process1"/>
@@ -2897,8 +2905,8 @@
       </dsp:nvSpPr>
       <dsp:spPr>
         <a:xfrm>
-          <a:off x="3293" y="308373"/>
-          <a:ext cx="1183802" cy="1523411"/>
+          <a:off x="3809" y="312734"/>
+          <a:ext cx="1204829" cy="1514690"/>
         </a:xfrm>
         <a:prstGeom prst="roundRect">
           <a:avLst>
@@ -2987,8 +2995,8 @@
         </a:p>
       </dsp:txBody>
       <dsp:txXfrm>
-        <a:off x="37965" y="343045"/>
-        <a:ext cx="1114458" cy="1454067"/>
+        <a:off x="39097" y="348022"/>
+        <a:ext cx="1134253" cy="1444114"/>
       </dsp:txXfrm>
     </dsp:sp>
     <dsp:sp modelId="{1A8802C5-3316-8E4D-AF91-213A1FB07CB7}">
@@ -2998,8 +3006,8 @@
       </dsp:nvSpPr>
       <dsp:spPr>
         <a:xfrm>
-          <a:off x="1339191" y="881481"/>
-          <a:ext cx="322441" cy="377196"/>
+          <a:off x="1363435" y="878131"/>
+          <a:ext cx="328168" cy="383895"/>
         </a:xfrm>
         <a:prstGeom prst="rightArrow">
           <a:avLst>
@@ -3088,8 +3096,8 @@
         </a:p>
       </dsp:txBody>
       <dsp:txXfrm>
-        <a:off x="1339191" y="956920"/>
-        <a:ext cx="225709" cy="226318"/>
+        <a:off x="1363435" y="954910"/>
+        <a:ext cx="229718" cy="230337"/>
       </dsp:txXfrm>
     </dsp:sp>
     <dsp:sp modelId="{C5062774-D3A7-8B40-8FDE-995EBC7DED98}">
@@ -3099,8 +3107,8 @@
       </dsp:nvSpPr>
       <dsp:spPr>
         <a:xfrm>
-          <a:off x="1795476" y="308373"/>
-          <a:ext cx="1031357" cy="1523411"/>
+          <a:off x="1827825" y="312734"/>
+          <a:ext cx="1049676" cy="1514690"/>
         </a:xfrm>
         <a:prstGeom prst="roundRect">
           <a:avLst>
@@ -3189,8 +3197,8 @@
         </a:p>
       </dsp:txBody>
       <dsp:txXfrm>
-        <a:off x="1825683" y="338580"/>
-        <a:ext cx="970943" cy="1462997"/>
+        <a:off x="1858569" y="343478"/>
+        <a:ext cx="988188" cy="1453202"/>
       </dsp:txXfrm>
     </dsp:sp>
     <dsp:sp modelId="{3029052C-E3B7-CC46-8E23-37ABEDD15F03}">
@@ -3200,8 +3208,8 @@
       </dsp:nvSpPr>
       <dsp:spPr>
         <a:xfrm>
-          <a:off x="2978929" y="881481"/>
-          <a:ext cx="322441" cy="377196"/>
+          <a:off x="3032298" y="878131"/>
+          <a:ext cx="328168" cy="383895"/>
         </a:xfrm>
         <a:prstGeom prst="rightArrow">
           <a:avLst>
@@ -3290,8 +3298,8 @@
         </a:p>
       </dsp:txBody>
       <dsp:txXfrm>
-        <a:off x="2978929" y="956920"/>
-        <a:ext cx="225709" cy="226318"/>
+        <a:off x="3032298" y="954910"/>
+        <a:ext cx="229718" cy="230337"/>
       </dsp:txXfrm>
     </dsp:sp>
     <dsp:sp modelId="{435D2948-DD5F-BA48-A4C2-3ADB352C2698}">
@@ -3301,8 +3309,8 @@
       </dsp:nvSpPr>
       <dsp:spPr>
         <a:xfrm>
-          <a:off x="3435214" y="308373"/>
-          <a:ext cx="1107328" cy="1523411"/>
+          <a:off x="3496688" y="312734"/>
+          <a:ext cx="1126997" cy="1514690"/>
         </a:xfrm>
         <a:prstGeom prst="roundRect">
           <a:avLst>
@@ -3391,8 +3399,8 @@
         </a:p>
       </dsp:txBody>
       <dsp:txXfrm>
-        <a:off x="3467647" y="340806"/>
-        <a:ext cx="1042462" cy="1458545"/>
+        <a:off x="3529697" y="345743"/>
+        <a:ext cx="1060979" cy="1448672"/>
       </dsp:txXfrm>
     </dsp:sp>
     <dsp:sp modelId="{F4B44CBC-FC47-1543-B4A9-F5AEB5CEB6BF}">
@@ -3402,8 +3410,8 @@
       </dsp:nvSpPr>
       <dsp:spPr>
         <a:xfrm>
-          <a:off x="4694638" y="881481"/>
-          <a:ext cx="322441" cy="377196"/>
+          <a:off x="4778482" y="878131"/>
+          <a:ext cx="328168" cy="383895"/>
         </a:xfrm>
         <a:prstGeom prst="rightArrow">
           <a:avLst>
@@ -3492,8 +3500,8 @@
         </a:p>
       </dsp:txBody>
       <dsp:txXfrm>
-        <a:off x="4694638" y="956920"/>
-        <a:ext cx="225709" cy="226318"/>
+        <a:off x="4778482" y="954910"/>
+        <a:ext cx="229718" cy="230337"/>
       </dsp:txXfrm>
     </dsp:sp>
     <dsp:sp modelId="{2D708B46-B09A-7F44-A9C5-AB1FDCCB92AC}">
@@ -3503,8 +3511,8 @@
       </dsp:nvSpPr>
       <dsp:spPr>
         <a:xfrm>
-          <a:off x="5150924" y="308373"/>
-          <a:ext cx="1776547" cy="1523411"/>
+          <a:off x="5242872" y="312734"/>
+          <a:ext cx="1808102" cy="1514690"/>
         </a:xfrm>
         <a:prstGeom prst="roundRect">
           <a:avLst>
@@ -3672,8 +3680,8 @@
         </a:p>
       </dsp:txBody>
       <dsp:txXfrm>
-        <a:off x="5195543" y="352992"/>
-        <a:ext cx="1687309" cy="1434173"/>
+        <a:off x="5287236" y="357098"/>
+        <a:ext cx="1719374" cy="1425962"/>
       </dsp:txXfrm>
     </dsp:sp>
     <dsp:sp modelId="{D04E9C78-DFB5-504F-BAA1-0C684C1DAD88}">
@@ -3683,8 +3691,8 @@
       </dsp:nvSpPr>
       <dsp:spPr>
         <a:xfrm>
-          <a:off x="7079567" y="881481"/>
-          <a:ext cx="322441" cy="377196"/>
+          <a:off x="7205772" y="878131"/>
+          <a:ext cx="328168" cy="383895"/>
         </a:xfrm>
         <a:prstGeom prst="rightArrow">
           <a:avLst>
@@ -3773,19 +3781,19 @@
         </a:p>
       </dsp:txBody>
       <dsp:txXfrm>
-        <a:off x="7079567" y="956920"/>
-        <a:ext cx="225709" cy="226318"/>
+        <a:off x="7205772" y="954910"/>
+        <a:ext cx="229718" cy="230337"/>
       </dsp:txXfrm>
     </dsp:sp>
-    <dsp:sp modelId="{35E813D0-5190-CE48-A1DC-87CBC0399B9A}">
+    <dsp:sp modelId="{C32824EC-7FEF-D447-AAC6-9346B117354E}">
       <dsp:nvSpPr>
         <dsp:cNvPr id="0" name=""/>
         <dsp:cNvSpPr/>
       </dsp:nvSpPr>
       <dsp:spPr>
         <a:xfrm>
-          <a:off x="7535852" y="143249"/>
-          <a:ext cx="1520951" cy="1853659"/>
+          <a:off x="7670162" y="312734"/>
+          <a:ext cx="1350508" cy="1514690"/>
         </a:xfrm>
         <a:prstGeom prst="roundRect">
           <a:avLst>
@@ -3867,8 +3875,8 @@
             </a:spcAft>
           </a:pPr>
           <a:r>
-            <a:rPr lang="en-US" sz="1300" kern="1200" dirty="0" smtClean="0"/>
-            <a:t>VIRAL SAMPLING</a:t>
+            <a:rPr lang="en-US" sz="1300" kern="1200" smtClean="0"/>
+            <a:t>VIRAL SAMPLE</a:t>
           </a:r>
           <a:endParaRPr lang="en-US" sz="1300" kern="1200" dirty="0"/>
         </a:p>
@@ -3916,19 +3924,19 @@
         </a:p>
       </dsp:txBody>
       <dsp:txXfrm>
-        <a:off x="7580399" y="187796"/>
-        <a:ext cx="1431857" cy="1764565"/>
+        <a:off x="7709717" y="352289"/>
+        <a:ext cx="1271398" cy="1435580"/>
       </dsp:txXfrm>
     </dsp:sp>
-    <dsp:sp modelId="{B21487EB-FC70-6949-B938-5125DF3A9387}">
+    <dsp:sp modelId="{5863E911-18E3-324A-A96A-07671B0F8D24}">
       <dsp:nvSpPr>
         <dsp:cNvPr id="0" name=""/>
         <dsp:cNvSpPr/>
       </dsp:nvSpPr>
       <dsp:spPr>
         <a:xfrm>
-          <a:off x="9208899" y="881481"/>
-          <a:ext cx="322441" cy="377196"/>
+          <a:off x="9175467" y="878131"/>
+          <a:ext cx="328168" cy="383895"/>
         </a:xfrm>
         <a:prstGeom prst="rightArrow">
           <a:avLst>
@@ -4017,8 +4025,8 @@
         </a:p>
       </dsp:txBody>
       <dsp:txXfrm>
-        <a:off x="9208899" y="956920"/>
-        <a:ext cx="225709" cy="226318"/>
+        <a:off x="9175467" y="954910"/>
+        <a:ext cx="229718" cy="230337"/>
       </dsp:txXfrm>
     </dsp:sp>
     <dsp:sp modelId="{E324EA71-C9AB-2943-812E-646AB1B31125}">
@@ -4028,8 +4036,8 @@
       </dsp:nvSpPr>
       <dsp:spPr>
         <a:xfrm>
-          <a:off x="9665185" y="308373"/>
-          <a:ext cx="1396918" cy="1523411"/>
+          <a:off x="9639857" y="312734"/>
+          <a:ext cx="1421730" cy="1514690"/>
         </a:xfrm>
         <a:prstGeom prst="roundRect">
           <a:avLst>
@@ -4100,8 +4108,8 @@
         </a:p>
       </dsp:txBody>
       <dsp:txXfrm>
-        <a:off x="9706099" y="349287"/>
-        <a:ext cx="1315090" cy="1441583"/>
+        <a:off x="9681498" y="354375"/>
+        <a:ext cx="1338448" cy="1431408"/>
       </dsp:txXfrm>
     </dsp:sp>
   </dsp:spTree>
@@ -13518,7 +13526,7 @@
           <p:nvPr>
             <p:extLst>
               <p:ext uri="{D42A27DB-BD31-4B8C-83A1-F6EECF244321}">
-                <p14:modId xmlns:p14="http://schemas.microsoft.com/office/powerpoint/2010/main" val="862770009"/>
+                <p14:modId xmlns:p14="http://schemas.microsoft.com/office/powerpoint/2010/main" val="2142836425"/>
               </p:ext>
             </p:extLst>
           </p:nvPr>
@@ -13540,7 +13548,7 @@
           <p:nvPr>
             <p:extLst>
               <p:ext uri="{D42A27DB-BD31-4B8C-83A1-F6EECF244321}">
-                <p14:modId xmlns:p14="http://schemas.microsoft.com/office/powerpoint/2010/main" val="765956719"/>
+                <p14:modId xmlns:p14="http://schemas.microsoft.com/office/powerpoint/2010/main" val="1351034785"/>
               </p:ext>
             </p:extLst>
           </p:nvPr>

--- a/figures/figures.pptx
+++ b/figures/figures.pptx
@@ -2167,7 +2167,7 @@
         <a:p>
           <a:pPr algn="ctr"/>
           <a:r>
-            <a:rPr lang="en-US" smtClean="0"/>
+            <a:rPr lang="en-US" dirty="0" smtClean="0"/>
             <a:t>VIRAL SAMPLE</a:t>
           </a:r>
           <a:endParaRPr lang="en-US" dirty="0"/>
@@ -2186,6 +2186,47 @@
       </dgm:t>
     </dgm:pt>
     <dgm:pt modelId="{C939A25E-CA77-444F-8E65-4DA5CA6053DA}" type="sibTrans" cxnId="{6E7BE60C-E32C-B049-B3FB-B11962DD0006}">
+      <dgm:prSet/>
+      <dgm:spPr/>
+      <dgm:t>
+        <a:bodyPr/>
+        <a:lstStyle/>
+        <a:p>
+          <a:endParaRPr lang="en-US"/>
+        </a:p>
+      </dgm:t>
+    </dgm:pt>
+    <dgm:pt modelId="{2F0E8B9D-8F27-574E-87E8-4FC29695048C}">
+      <dgm:prSet/>
+      <dgm:spPr/>
+      <dgm:t>
+        <a:bodyPr/>
+        <a:lstStyle/>
+        <a:p>
+          <a:r>
+            <a:rPr lang="en-US" dirty="0" err="1" smtClean="0"/>
+            <a:t>Num</a:t>
+          </a:r>
+          <a:r>
+            <a:rPr lang="en-US" smtClean="0"/>
+            <a:t> Time Sample</a:t>
+          </a:r>
+          <a:endParaRPr lang="en-US"/>
+        </a:p>
+      </dgm:t>
+    </dgm:pt>
+    <dgm:pt modelId="{A7B308C5-C4D2-2F4E-AAE2-176A32BEE386}" type="parTrans" cxnId="{A0486452-5384-2A49-99D7-A16250A40933}">
+      <dgm:prSet/>
+      <dgm:spPr/>
+      <dgm:t>
+        <a:bodyPr/>
+        <a:lstStyle/>
+        <a:p>
+          <a:endParaRPr lang="en-US"/>
+        </a:p>
+      </dgm:t>
+    </dgm:pt>
+    <dgm:pt modelId="{E2095DC1-2950-6C48-B2F3-64B971E06666}" type="sibTrans" cxnId="{A0486452-5384-2A49-99D7-A16250A40933}">
       <dgm:prSet/>
       <dgm:spPr/>
       <dgm:t>
@@ -2371,10 +2412,24 @@
     <dgm:pt modelId="{5863E911-18E3-324A-A96A-07671B0F8D24}" type="pres">
       <dgm:prSet presAssocID="{C939A25E-CA77-444F-8E65-4DA5CA6053DA}" presName="sibTrans" presStyleLbl="sibTrans2D1" presStyleIdx="4" presStyleCnt="5"/>
       <dgm:spPr/>
+      <dgm:t>
+        <a:bodyPr/>
+        <a:lstStyle/>
+        <a:p>
+          <a:endParaRPr lang="en-US"/>
+        </a:p>
+      </dgm:t>
     </dgm:pt>
     <dgm:pt modelId="{C144839B-A0B2-3640-8A63-BF0412473803}" type="pres">
       <dgm:prSet presAssocID="{C939A25E-CA77-444F-8E65-4DA5CA6053DA}" presName="connectorText" presStyleLbl="sibTrans2D1" presStyleIdx="4" presStyleCnt="5"/>
       <dgm:spPr/>
+      <dgm:t>
+        <a:bodyPr/>
+        <a:lstStyle/>
+        <a:p>
+          <a:endParaRPr lang="en-US"/>
+        </a:p>
+      </dgm:t>
     </dgm:pt>
     <dgm:pt modelId="{E324EA71-C9AB-2943-812E-646AB1B31125}" type="pres">
       <dgm:prSet presAssocID="{5EDB0D77-09F0-0C4F-B332-E852A176F79A}" presName="node" presStyleLbl="node1" presStyleIdx="5" presStyleCnt="6" custScaleX="91845" custScaleY="82184">
@@ -2393,61 +2448,63 @@
     </dgm:pt>
   </dgm:ptLst>
   <dgm:cxnLst>
-    <dgm:cxn modelId="{16ED440C-7D7A-7740-A80F-07C3BDC66F37}" type="presOf" srcId="{FA861C74-A4AA-6341-A5A4-19F33298102E}" destId="{F4B44CBC-FC47-1543-B4A9-F5AEB5CEB6BF}" srcOrd="0" destOrd="0" presId="urn:microsoft.com/office/officeart/2005/8/layout/process1"/>
-    <dgm:cxn modelId="{3F22C80C-9924-B64E-9F6D-5F766DDDC6EA}" type="presOf" srcId="{B170FB99-8909-414F-A4FC-4553DD906590}" destId="{E73AAB45-BA46-5E42-A3FA-3E92D321988C}" srcOrd="1" destOrd="0" presId="urn:microsoft.com/office/officeart/2005/8/layout/process1"/>
+    <dgm:cxn modelId="{F550F3EB-D554-514D-9172-65DAE540D191}" srcId="{DE49E2BA-261B-EC46-BAF7-6B78BDB6F06F}" destId="{D8DAD879-37C7-774C-B149-B7250DD6D502}" srcOrd="2" destOrd="0" parTransId="{3057D897-29F9-DD49-B58A-81904BB7F42F}" sibTransId="{FA861C74-A4AA-6341-A5A4-19F33298102E}"/>
+    <dgm:cxn modelId="{110499A5-A60C-6D46-8BB6-ADCEEBA047B6}" type="presOf" srcId="{88049AEE-4468-7944-9BC4-14997D6BF2C6}" destId="{C32824EC-7FEF-D447-AAC6-9346B117354E}" srcOrd="0" destOrd="3" presId="urn:microsoft.com/office/officeart/2005/8/layout/process1"/>
+    <dgm:cxn modelId="{1BE7A9D3-7051-6047-86C6-CCF1BF69AB55}" type="presOf" srcId="{D8DAD879-37C7-774C-B149-B7250DD6D502}" destId="{435D2948-DD5F-BA48-A4C2-3ADB352C2698}" srcOrd="0" destOrd="0" presId="urn:microsoft.com/office/officeart/2005/8/layout/process1"/>
+    <dgm:cxn modelId="{93AEA845-A616-3842-8F5C-31284FCF24F7}" type="presOf" srcId="{DF7BE7E2-BD5F-EF42-98DF-684B0794E6B7}" destId="{2D708B46-B09A-7F44-A9C5-AB1FDCCB92AC}" srcOrd="0" destOrd="4" presId="urn:microsoft.com/office/officeart/2005/8/layout/process1"/>
+    <dgm:cxn modelId="{1A10F469-1A1D-6E44-8760-2C41AC2B313D}" srcId="{E87FC9F4-306A-C441-847C-3B779F386673}" destId="{94769534-4246-8C4F-A5A5-FDCD149EA162}" srcOrd="4" destOrd="0" parTransId="{75F7124E-82E3-C04C-B862-F686848CD179}" sibTransId="{8D2569AF-BC24-D947-8477-93C1747FC4C1}"/>
+    <dgm:cxn modelId="{3A9F2415-251A-DF45-B278-30BD9E4B5778}" type="presOf" srcId="{B170FB99-8909-414F-A4FC-4553DD906590}" destId="{E73AAB45-BA46-5E42-A3FA-3E92D321988C}" srcOrd="1" destOrd="0" presId="urn:microsoft.com/office/officeart/2005/8/layout/process1"/>
+    <dgm:cxn modelId="{975229B5-085A-6541-8360-9DCB6BEA2436}" type="presOf" srcId="{0D3DF110-F666-A04E-8B34-4B0F25524A57}" destId="{2D708B46-B09A-7F44-A9C5-AB1FDCCB92AC}" srcOrd="0" destOrd="3" presId="urn:microsoft.com/office/officeart/2005/8/layout/process1"/>
+    <dgm:cxn modelId="{682D5B11-D8C9-044F-B660-3585E87B54B0}" type="presOf" srcId="{C939A25E-CA77-444F-8E65-4DA5CA6053DA}" destId="{C144839B-A0B2-3640-8A63-BF0412473803}" srcOrd="1" destOrd="0" presId="urn:microsoft.com/office/officeart/2005/8/layout/process1"/>
+    <dgm:cxn modelId="{17CC50F0-F0A1-064F-B8BF-D71066A100EC}" type="presOf" srcId="{533BC168-BC76-C14E-8694-1DC3B6CF54C5}" destId="{A8C226CF-C78B-EB4E-86A6-1B0387CFF648}" srcOrd="1" destOrd="0" presId="urn:microsoft.com/office/officeart/2005/8/layout/process1"/>
+    <dgm:cxn modelId="{BB304414-4573-A945-A6B9-D92B37E06E0E}" srcId="{DE49E2BA-261B-EC46-BAF7-6B78BDB6F06F}" destId="{801AFE1A-416D-E74C-BBFD-557415AE0194}" srcOrd="1" destOrd="0" parTransId="{2727C292-B037-A740-B806-A17CA3BCFCD5}" sibTransId="{533BC168-BC76-C14E-8694-1DC3B6CF54C5}"/>
+    <dgm:cxn modelId="{F787D081-99C5-0E4B-B09C-F2E872777CDF}" type="presOf" srcId="{5EDB0D77-09F0-0C4F-B332-E852A176F79A}" destId="{E324EA71-C9AB-2943-812E-646AB1B31125}" srcOrd="0" destOrd="0" presId="urn:microsoft.com/office/officeart/2005/8/layout/process1"/>
+    <dgm:cxn modelId="{65F9519C-8DCA-3242-AB72-34F5454955E7}" srcId="{DE49E2BA-261B-EC46-BAF7-6B78BDB6F06F}" destId="{E87FC9F4-306A-C441-847C-3B779F386673}" srcOrd="3" destOrd="0" parTransId="{59685BE7-ADA0-B24C-9379-A9C402B1D281}" sibTransId="{4CC5DAE6-00C4-BD4A-B969-A1FB5B516F57}"/>
+    <dgm:cxn modelId="{923D94C7-F5C1-A144-9BBD-043CCC98EF5E}" type="presOf" srcId="{801AFE1A-416D-E74C-BBFD-557415AE0194}" destId="{C5062774-D3A7-8B40-8FDE-995EBC7DED98}" srcOrd="0" destOrd="0" presId="urn:microsoft.com/office/officeart/2005/8/layout/process1"/>
+    <dgm:cxn modelId="{EC182979-58B4-A347-90E0-929D046F46B6}" type="presOf" srcId="{DE49E2BA-261B-EC46-BAF7-6B78BDB6F06F}" destId="{4A554E7B-4565-9144-9E8A-ED84F42D6595}" srcOrd="0" destOrd="0" presId="urn:microsoft.com/office/officeart/2005/8/layout/process1"/>
+    <dgm:cxn modelId="{36CA0605-EC8C-BB41-A4BD-EDC38709C58B}" type="presOf" srcId="{B3862515-EEE4-D345-B4E4-D176ED5D829D}" destId="{C32824EC-7FEF-D447-AAC6-9346B117354E}" srcOrd="0" destOrd="0" presId="urn:microsoft.com/office/officeart/2005/8/layout/process1"/>
+    <dgm:cxn modelId="{C42F2CB9-53AB-CF43-BFD1-BB0C760BE7E0}" type="presOf" srcId="{94769534-4246-8C4F-A5A5-FDCD149EA162}" destId="{2D708B46-B09A-7F44-A9C5-AB1FDCCB92AC}" srcOrd="0" destOrd="5" presId="urn:microsoft.com/office/officeart/2005/8/layout/process1"/>
+    <dgm:cxn modelId="{03A8E979-5BDF-0448-BECE-0A2E1357F7A9}" type="presOf" srcId="{D29243F3-EA9B-7C4B-B882-B4CED33A4238}" destId="{2D708B46-B09A-7F44-A9C5-AB1FDCCB92AC}" srcOrd="0" destOrd="6" presId="urn:microsoft.com/office/officeart/2005/8/layout/process1"/>
+    <dgm:cxn modelId="{34A4FFB3-DFE2-4840-BE3C-13E6A028C905}" type="presOf" srcId="{2F0E8B9D-8F27-574E-87E8-4FC29695048C}" destId="{C32824EC-7FEF-D447-AAC6-9346B117354E}" srcOrd="0" destOrd="1" presId="urn:microsoft.com/office/officeart/2005/8/layout/process1"/>
+    <dgm:cxn modelId="{2F6EDDF8-1A52-CA4F-AC56-E7B813883AFC}" srcId="{DE49E2BA-261B-EC46-BAF7-6B78BDB6F06F}" destId="{5EDB0D77-09F0-0C4F-B332-E852A176F79A}" srcOrd="5" destOrd="0" parTransId="{6905B776-7DF3-2743-A7A0-DC627995A528}" sibTransId="{486F902B-586B-8044-9F9C-0B0AEA8029F9}"/>
+    <dgm:cxn modelId="{C1ECC757-B52F-E049-B17D-3E36E34C2740}" srcId="{E87FC9F4-306A-C441-847C-3B779F386673}" destId="{DF7BE7E2-BD5F-EF42-98DF-684B0794E6B7}" srcOrd="3" destOrd="0" parTransId="{D893A9EE-6767-2541-8054-D505D80F0546}" sibTransId="{8747CB30-4722-E843-9A33-B85AFCEE5E44}"/>
+    <dgm:cxn modelId="{721E9081-6DE5-044A-BFFC-1888E25FB0F6}" type="presOf" srcId="{B170FB99-8909-414F-A4FC-4553DD906590}" destId="{1A8802C5-3316-8E4D-AF91-213A1FB07CB7}" srcOrd="0" destOrd="0" presId="urn:microsoft.com/office/officeart/2005/8/layout/process1"/>
+    <dgm:cxn modelId="{A0486452-5384-2A49-99D7-A16250A40933}" srcId="{B3862515-EEE4-D345-B4E4-D176ED5D829D}" destId="{2F0E8B9D-8F27-574E-87E8-4FC29695048C}" srcOrd="0" destOrd="0" parTransId="{A7B308C5-C4D2-2F4E-AAE2-176A32BEE386}" sibTransId="{E2095DC1-2950-6C48-B2F3-64B971E06666}"/>
+    <dgm:cxn modelId="{E96E6A5B-1AED-4C44-AE37-14C0056130FB}" type="presOf" srcId="{C939A25E-CA77-444F-8E65-4DA5CA6053DA}" destId="{5863E911-18E3-324A-A96A-07671B0F8D24}" srcOrd="0" destOrd="0" presId="urn:microsoft.com/office/officeart/2005/8/layout/process1"/>
+    <dgm:cxn modelId="{D500A717-F9A3-B74F-BDB0-13C797A36414}" type="presOf" srcId="{E87FC9F4-306A-C441-847C-3B779F386673}" destId="{2D708B46-B09A-7F44-A9C5-AB1FDCCB92AC}" srcOrd="0" destOrd="0" presId="urn:microsoft.com/office/officeart/2005/8/layout/process1"/>
     <dgm:cxn modelId="{34FA0A1B-B56E-B04F-B8EC-AB21D2A30C24}" srcId="{E87FC9F4-306A-C441-847C-3B779F386673}" destId="{0D3DF110-F666-A04E-8B34-4B0F25524A57}" srcOrd="2" destOrd="0" parTransId="{7B7C4DCE-5341-4545-9538-6665DF174D30}" sibTransId="{A9EB110C-64CB-8545-A39B-8EE8C8FD35F9}"/>
+    <dgm:cxn modelId="{6E7BE60C-E32C-B049-B3FB-B11962DD0006}" srcId="{DE49E2BA-261B-EC46-BAF7-6B78BDB6F06F}" destId="{B3862515-EEE4-D345-B4E4-D176ED5D829D}" srcOrd="4" destOrd="0" parTransId="{A35A8C1C-578A-A946-9D1F-5DC7E105BF40}" sibTransId="{C939A25E-CA77-444F-8E65-4DA5CA6053DA}"/>
+    <dgm:cxn modelId="{BBA1E820-FCF4-4746-A039-03C2C0799978}" type="presOf" srcId="{4CC5DAE6-00C4-BD4A-B969-A1FB5B516F57}" destId="{D04E9C78-DFB5-504F-BAA1-0C684C1DAD88}" srcOrd="0" destOrd="0" presId="urn:microsoft.com/office/officeart/2005/8/layout/process1"/>
+    <dgm:cxn modelId="{2EA954D6-5CA0-634F-A561-B4C4306E02E8}" type="presOf" srcId="{4CC5DAE6-00C4-BD4A-B969-A1FB5B516F57}" destId="{FC94D377-6A7C-C04B-BE77-5081195182EA}" srcOrd="1" destOrd="0" presId="urn:microsoft.com/office/officeart/2005/8/layout/process1"/>
+    <dgm:cxn modelId="{127634F4-83D2-7C49-BCF8-038493B7E4B2}" srcId="{E87FC9F4-306A-C441-847C-3B779F386673}" destId="{A7240CC4-9D82-DA47-B691-1F13DBBD256B}" srcOrd="1" destOrd="0" parTransId="{F23044CA-9FAA-BF4D-ADA7-20B36854C0E0}" sibTransId="{83D2CA4B-211C-0B41-9362-5B4347E27686}"/>
+    <dgm:cxn modelId="{AB55F4FE-9296-9344-895E-111097B25D90}" type="presOf" srcId="{533BC168-BC76-C14E-8694-1DC3B6CF54C5}" destId="{3029052C-E3B7-CC46-8E23-37ABEDD15F03}" srcOrd="0" destOrd="0" presId="urn:microsoft.com/office/officeart/2005/8/layout/process1"/>
+    <dgm:cxn modelId="{07C2C9D7-9FF5-3C46-AA1C-06BE96100160}" type="presOf" srcId="{FA861C74-A4AA-6341-A5A4-19F33298102E}" destId="{80A3280C-1FE1-F741-8E7B-2B8CCCBB28E5}" srcOrd="1" destOrd="0" presId="urn:microsoft.com/office/officeart/2005/8/layout/process1"/>
+    <dgm:cxn modelId="{9F55C8DD-5ABA-0647-8E6E-C80E86165806}" type="presOf" srcId="{234F4A0B-8092-0C47-A9C3-FFE7AA8C6D2A}" destId="{2D708B46-B09A-7F44-A9C5-AB1FDCCB92AC}" srcOrd="0" destOrd="1" presId="urn:microsoft.com/office/officeart/2005/8/layout/process1"/>
+    <dgm:cxn modelId="{851AB8B6-F1D6-C64F-AE4B-E0F5252E4653}" srcId="{B3862515-EEE4-D345-B4E4-D176ED5D829D}" destId="{CA1E943E-3AB1-4942-9397-CA0E4F86BC17}" srcOrd="1" destOrd="0" parTransId="{1CE7C90D-6879-E34B-A8E5-532D4972417F}" sibTransId="{2C7164CC-6546-F34E-AC17-6A4FE01B6034}"/>
     <dgm:cxn modelId="{483A407A-1E6B-3047-BA2B-2FCA024D6346}" srcId="{E87FC9F4-306A-C441-847C-3B779F386673}" destId="{234F4A0B-8092-0C47-A9C3-FFE7AA8C6D2A}" srcOrd="0" destOrd="0" parTransId="{6740B56E-ADD8-9C42-BE21-0918BAB5D356}" sibTransId="{AF677554-A810-F245-83DF-78E242EE2752}"/>
-    <dgm:cxn modelId="{CED47A32-B1B3-C541-B5D4-B7A713AF5C77}" type="presOf" srcId="{FA861C74-A4AA-6341-A5A4-19F33298102E}" destId="{80A3280C-1FE1-F741-8E7B-2B8CCCBB28E5}" srcOrd="1" destOrd="0" presId="urn:microsoft.com/office/officeart/2005/8/layout/process1"/>
-    <dgm:cxn modelId="{BB304414-4573-A945-A6B9-D92B37E06E0E}" srcId="{DE49E2BA-261B-EC46-BAF7-6B78BDB6F06F}" destId="{801AFE1A-416D-E74C-BBFD-557415AE0194}" srcOrd="1" destOrd="0" parTransId="{2727C292-B037-A740-B806-A17CA3BCFCD5}" sibTransId="{533BC168-BC76-C14E-8694-1DC3B6CF54C5}"/>
-    <dgm:cxn modelId="{E73CC0AF-DC2D-5A4E-A4B4-E9CD8A4479B3}" type="presOf" srcId="{C939A25E-CA77-444F-8E65-4DA5CA6053DA}" destId="{C144839B-A0B2-3640-8A63-BF0412473803}" srcOrd="1" destOrd="0" presId="urn:microsoft.com/office/officeart/2005/8/layout/process1"/>
-    <dgm:cxn modelId="{4D942DCF-C48D-A74B-8251-8BEFFCF03799}" type="presOf" srcId="{533BC168-BC76-C14E-8694-1DC3B6CF54C5}" destId="{A8C226CF-C78B-EB4E-86A6-1B0387CFF648}" srcOrd="1" destOrd="0" presId="urn:microsoft.com/office/officeart/2005/8/layout/process1"/>
-    <dgm:cxn modelId="{F550F3EB-D554-514D-9172-65DAE540D191}" srcId="{DE49E2BA-261B-EC46-BAF7-6B78BDB6F06F}" destId="{D8DAD879-37C7-774C-B149-B7250DD6D502}" srcOrd="2" destOrd="0" parTransId="{3057D897-29F9-DD49-B58A-81904BB7F42F}" sibTransId="{FA861C74-A4AA-6341-A5A4-19F33298102E}"/>
-    <dgm:cxn modelId="{34098D76-EF50-8049-A522-0D7E2E3278C7}" type="presOf" srcId="{D29243F3-EA9B-7C4B-B882-B4CED33A4238}" destId="{2D708B46-B09A-7F44-A9C5-AB1FDCCB92AC}" srcOrd="0" destOrd="6" presId="urn:microsoft.com/office/officeart/2005/8/layout/process1"/>
-    <dgm:cxn modelId="{8484A5D7-4806-234A-88DA-5B53C7CCB895}" type="presOf" srcId="{0D3DF110-F666-A04E-8B34-4B0F25524A57}" destId="{2D708B46-B09A-7F44-A9C5-AB1FDCCB92AC}" srcOrd="0" destOrd="3" presId="urn:microsoft.com/office/officeart/2005/8/layout/process1"/>
-    <dgm:cxn modelId="{1A10F469-1A1D-6E44-8760-2C41AC2B313D}" srcId="{E87FC9F4-306A-C441-847C-3B779F386673}" destId="{94769534-4246-8C4F-A5A5-FDCD149EA162}" srcOrd="4" destOrd="0" parTransId="{75F7124E-82E3-C04C-B862-F686848CD179}" sibTransId="{8D2569AF-BC24-D947-8477-93C1747FC4C1}"/>
-    <dgm:cxn modelId="{851AB8B6-F1D6-C64F-AE4B-E0F5252E4653}" srcId="{B3862515-EEE4-D345-B4E4-D176ED5D829D}" destId="{CA1E943E-3AB1-4942-9397-CA0E4F86BC17}" srcOrd="0" destOrd="0" parTransId="{1CE7C90D-6879-E34B-A8E5-532D4972417F}" sibTransId="{2C7164CC-6546-F34E-AC17-6A4FE01B6034}"/>
-    <dgm:cxn modelId="{57A1E379-3D45-594F-B156-D20E14A0F3C2}" type="presOf" srcId="{533BC168-BC76-C14E-8694-1DC3B6CF54C5}" destId="{3029052C-E3B7-CC46-8E23-37ABEDD15F03}" srcOrd="0" destOrd="0" presId="urn:microsoft.com/office/officeart/2005/8/layout/process1"/>
-    <dgm:cxn modelId="{2782A307-3D20-794F-9C6D-B93E9C030CBD}" type="presOf" srcId="{94769534-4246-8C4F-A5A5-FDCD149EA162}" destId="{2D708B46-B09A-7F44-A9C5-AB1FDCCB92AC}" srcOrd="0" destOrd="5" presId="urn:microsoft.com/office/officeart/2005/8/layout/process1"/>
-    <dgm:cxn modelId="{D173F307-14ED-7140-9F70-FFA2C97805ED}" srcId="{B3862515-EEE4-D345-B4E4-D176ED5D829D}" destId="{88049AEE-4468-7944-9BC4-14997D6BF2C6}" srcOrd="1" destOrd="0" parTransId="{0610C57B-14B5-1847-BB28-6D239E823079}" sibTransId="{04A104A5-C4E3-9B4B-A8BD-AD63E82C498A}"/>
-    <dgm:cxn modelId="{178D4A1B-7A8C-104A-970E-26B52698270A}" type="presOf" srcId="{B170FB99-8909-414F-A4FC-4553DD906590}" destId="{1A8802C5-3316-8E4D-AF91-213A1FB07CB7}" srcOrd="0" destOrd="0" presId="urn:microsoft.com/office/officeart/2005/8/layout/process1"/>
-    <dgm:cxn modelId="{1F2B2C9A-D254-4C41-B209-0780292EA919}" type="presOf" srcId="{88049AEE-4468-7944-9BC4-14997D6BF2C6}" destId="{C32824EC-7FEF-D447-AAC6-9346B117354E}" srcOrd="0" destOrd="2" presId="urn:microsoft.com/office/officeart/2005/8/layout/process1"/>
-    <dgm:cxn modelId="{7F1EF744-50A0-1C47-B311-C56E4213F18A}" type="presOf" srcId="{DF7BE7E2-BD5F-EF42-98DF-684B0794E6B7}" destId="{2D708B46-B09A-7F44-A9C5-AB1FDCCB92AC}" srcOrd="0" destOrd="4" presId="urn:microsoft.com/office/officeart/2005/8/layout/process1"/>
-    <dgm:cxn modelId="{6E7BE60C-E32C-B049-B3FB-B11962DD0006}" srcId="{DE49E2BA-261B-EC46-BAF7-6B78BDB6F06F}" destId="{B3862515-EEE4-D345-B4E4-D176ED5D829D}" srcOrd="4" destOrd="0" parTransId="{A35A8C1C-578A-A946-9D1F-5DC7E105BF40}" sibTransId="{C939A25E-CA77-444F-8E65-4DA5CA6053DA}"/>
-    <dgm:cxn modelId="{272D72BC-51E6-5E47-A3BC-7F6619FDCEBB}" type="presOf" srcId="{D8DAD879-37C7-774C-B149-B7250DD6D502}" destId="{435D2948-DD5F-BA48-A4C2-3ADB352C2698}" srcOrd="0" destOrd="0" presId="urn:microsoft.com/office/officeart/2005/8/layout/process1"/>
-    <dgm:cxn modelId="{F0FA86B0-0A1A-2E45-8ABE-9ECB9BA3E65F}" type="presOf" srcId="{B3862515-EEE4-D345-B4E4-D176ED5D829D}" destId="{C32824EC-7FEF-D447-AAC6-9346B117354E}" srcOrd="0" destOrd="0" presId="urn:microsoft.com/office/officeart/2005/8/layout/process1"/>
-    <dgm:cxn modelId="{127634F4-83D2-7C49-BCF8-038493B7E4B2}" srcId="{E87FC9F4-306A-C441-847C-3B779F386673}" destId="{A7240CC4-9D82-DA47-B691-1F13DBBD256B}" srcOrd="1" destOrd="0" parTransId="{F23044CA-9FAA-BF4D-ADA7-20B36854C0E0}" sibTransId="{83D2CA4B-211C-0B41-9362-5B4347E27686}"/>
-    <dgm:cxn modelId="{C8A2EBF5-6602-F64E-A7CE-30FF41E8CB86}" type="presOf" srcId="{9887AAD4-671C-2243-B23F-6F6D102A4012}" destId="{BB567044-1BE6-FA4E-BC0C-29580823B6FB}" srcOrd="0" destOrd="0" presId="urn:microsoft.com/office/officeart/2005/8/layout/process1"/>
-    <dgm:cxn modelId="{AE14CE2B-B2B2-A540-BFCB-8B367A933195}" type="presOf" srcId="{A7240CC4-9D82-DA47-B691-1F13DBBD256B}" destId="{2D708B46-B09A-7F44-A9C5-AB1FDCCB92AC}" srcOrd="0" destOrd="2" presId="urn:microsoft.com/office/officeart/2005/8/layout/process1"/>
-    <dgm:cxn modelId="{0481DD9B-D77C-E645-B15F-D1E6550E04BB}" type="presOf" srcId="{4CC5DAE6-00C4-BD4A-B969-A1FB5B516F57}" destId="{FC94D377-6A7C-C04B-BE77-5081195182EA}" srcOrd="1" destOrd="0" presId="urn:microsoft.com/office/officeart/2005/8/layout/process1"/>
-    <dgm:cxn modelId="{FA33202C-FDE9-1249-9AFC-27080B1CFADC}" type="presOf" srcId="{CA1E943E-3AB1-4942-9397-CA0E4F86BC17}" destId="{C32824EC-7FEF-D447-AAC6-9346B117354E}" srcOrd="0" destOrd="1" presId="urn:microsoft.com/office/officeart/2005/8/layout/process1"/>
-    <dgm:cxn modelId="{74C9C8BC-B3A8-ED41-A084-81191D60207E}" type="presOf" srcId="{4CC5DAE6-00C4-BD4A-B969-A1FB5B516F57}" destId="{D04E9C78-DFB5-504F-BAA1-0C684C1DAD88}" srcOrd="0" destOrd="0" presId="urn:microsoft.com/office/officeart/2005/8/layout/process1"/>
+    <dgm:cxn modelId="{9214C709-7AF0-A043-8952-4F97C28447E0}" type="presOf" srcId="{FA861C74-A4AA-6341-A5A4-19F33298102E}" destId="{F4B44CBC-FC47-1543-B4A9-F5AEB5CEB6BF}" srcOrd="0" destOrd="0" presId="urn:microsoft.com/office/officeart/2005/8/layout/process1"/>
     <dgm:cxn modelId="{904A6D4C-DB60-E84E-86DF-50C04D0445DC}" srcId="{E87FC9F4-306A-C441-847C-3B779F386673}" destId="{D29243F3-EA9B-7C4B-B882-B4CED33A4238}" srcOrd="5" destOrd="0" parTransId="{F0EA8FDB-2A25-104C-897B-35E612ED7A49}" sibTransId="{92F19B71-048A-BF4E-8243-D90AED72DA3D}"/>
-    <dgm:cxn modelId="{E2B7D07F-C0C4-2245-A48E-24747FA4C988}" type="presOf" srcId="{234F4A0B-8092-0C47-A9C3-FFE7AA8C6D2A}" destId="{2D708B46-B09A-7F44-A9C5-AB1FDCCB92AC}" srcOrd="0" destOrd="1" presId="urn:microsoft.com/office/officeart/2005/8/layout/process1"/>
-    <dgm:cxn modelId="{EE349AE3-AF3B-E747-916D-BADB2E3048BC}" type="presOf" srcId="{E87FC9F4-306A-C441-847C-3B779F386673}" destId="{2D708B46-B09A-7F44-A9C5-AB1FDCCB92AC}" srcOrd="0" destOrd="0" presId="urn:microsoft.com/office/officeart/2005/8/layout/process1"/>
-    <dgm:cxn modelId="{65F9519C-8DCA-3242-AB72-34F5454955E7}" srcId="{DE49E2BA-261B-EC46-BAF7-6B78BDB6F06F}" destId="{E87FC9F4-306A-C441-847C-3B779F386673}" srcOrd="3" destOrd="0" parTransId="{59685BE7-ADA0-B24C-9379-A9C402B1D281}" sibTransId="{4CC5DAE6-00C4-BD4A-B969-A1FB5B516F57}"/>
+    <dgm:cxn modelId="{D173F307-14ED-7140-9F70-FFA2C97805ED}" srcId="{B3862515-EEE4-D345-B4E4-D176ED5D829D}" destId="{88049AEE-4468-7944-9BC4-14997D6BF2C6}" srcOrd="2" destOrd="0" parTransId="{0610C57B-14B5-1847-BB28-6D239E823079}" sibTransId="{04A104A5-C4E3-9B4B-A8BD-AD63E82C498A}"/>
+    <dgm:cxn modelId="{24493C90-2BBF-0049-B00F-E8B3A1BC895E}" type="presOf" srcId="{CA1E943E-3AB1-4942-9397-CA0E4F86BC17}" destId="{C32824EC-7FEF-D447-AAC6-9346B117354E}" srcOrd="0" destOrd="2" presId="urn:microsoft.com/office/officeart/2005/8/layout/process1"/>
     <dgm:cxn modelId="{CB9A7038-0082-124D-944C-551138D6FD64}" srcId="{DE49E2BA-261B-EC46-BAF7-6B78BDB6F06F}" destId="{9887AAD4-671C-2243-B23F-6F6D102A4012}" srcOrd="0" destOrd="0" parTransId="{D5F7F628-C446-034C-A5DE-9482DE1570B8}" sibTransId="{B170FB99-8909-414F-A4FC-4553DD906590}"/>
-    <dgm:cxn modelId="{2F6EDDF8-1A52-CA4F-AC56-E7B813883AFC}" srcId="{DE49E2BA-261B-EC46-BAF7-6B78BDB6F06F}" destId="{5EDB0D77-09F0-0C4F-B332-E852A176F79A}" srcOrd="5" destOrd="0" parTransId="{6905B776-7DF3-2743-A7A0-DC627995A528}" sibTransId="{486F902B-586B-8044-9F9C-0B0AEA8029F9}"/>
-    <dgm:cxn modelId="{D7B97AB2-2C7A-CA4F-99B2-BBBCDC9FD4FE}" type="presOf" srcId="{5EDB0D77-09F0-0C4F-B332-E852A176F79A}" destId="{E324EA71-C9AB-2943-812E-646AB1B31125}" srcOrd="0" destOrd="0" presId="urn:microsoft.com/office/officeart/2005/8/layout/process1"/>
-    <dgm:cxn modelId="{08DEAF6C-F26E-8449-8C39-7670395434F1}" type="presOf" srcId="{C939A25E-CA77-444F-8E65-4DA5CA6053DA}" destId="{5863E911-18E3-324A-A96A-07671B0F8D24}" srcOrd="0" destOrd="0" presId="urn:microsoft.com/office/officeart/2005/8/layout/process1"/>
-    <dgm:cxn modelId="{EC182979-58B4-A347-90E0-929D046F46B6}" type="presOf" srcId="{DE49E2BA-261B-EC46-BAF7-6B78BDB6F06F}" destId="{4A554E7B-4565-9144-9E8A-ED84F42D6595}" srcOrd="0" destOrd="0" presId="urn:microsoft.com/office/officeart/2005/8/layout/process1"/>
-    <dgm:cxn modelId="{36062FFF-A6D8-9846-AED0-177515679C3C}" type="presOf" srcId="{801AFE1A-416D-E74C-BBFD-557415AE0194}" destId="{C5062774-D3A7-8B40-8FDE-995EBC7DED98}" srcOrd="0" destOrd="0" presId="urn:microsoft.com/office/officeart/2005/8/layout/process1"/>
-    <dgm:cxn modelId="{C1ECC757-B52F-E049-B17D-3E36E34C2740}" srcId="{E87FC9F4-306A-C441-847C-3B779F386673}" destId="{DF7BE7E2-BD5F-EF42-98DF-684B0794E6B7}" srcOrd="3" destOrd="0" parTransId="{D893A9EE-6767-2541-8054-D505D80F0546}" sibTransId="{8747CB30-4722-E843-9A33-B85AFCEE5E44}"/>
-    <dgm:cxn modelId="{0E2320E1-E5F5-D444-B7B8-B2733A2A5322}" type="presParOf" srcId="{4A554E7B-4565-9144-9E8A-ED84F42D6595}" destId="{BB567044-1BE6-FA4E-BC0C-29580823B6FB}" srcOrd="0" destOrd="0" presId="urn:microsoft.com/office/officeart/2005/8/layout/process1"/>
-    <dgm:cxn modelId="{640491C6-7836-404B-B6F2-50AB0DF07E7A}" type="presParOf" srcId="{4A554E7B-4565-9144-9E8A-ED84F42D6595}" destId="{1A8802C5-3316-8E4D-AF91-213A1FB07CB7}" srcOrd="1" destOrd="0" presId="urn:microsoft.com/office/officeart/2005/8/layout/process1"/>
-    <dgm:cxn modelId="{91816DF6-826C-B149-BE4D-3292BD19D75E}" type="presParOf" srcId="{1A8802C5-3316-8E4D-AF91-213A1FB07CB7}" destId="{E73AAB45-BA46-5E42-A3FA-3E92D321988C}" srcOrd="0" destOrd="0" presId="urn:microsoft.com/office/officeart/2005/8/layout/process1"/>
-    <dgm:cxn modelId="{C2729D95-3455-4B4F-AA18-8AF920F748A3}" type="presParOf" srcId="{4A554E7B-4565-9144-9E8A-ED84F42D6595}" destId="{C5062774-D3A7-8B40-8FDE-995EBC7DED98}" srcOrd="2" destOrd="0" presId="urn:microsoft.com/office/officeart/2005/8/layout/process1"/>
-    <dgm:cxn modelId="{1E55DDF2-107E-B245-A5F5-6DB49142E1A3}" type="presParOf" srcId="{4A554E7B-4565-9144-9E8A-ED84F42D6595}" destId="{3029052C-E3B7-CC46-8E23-37ABEDD15F03}" srcOrd="3" destOrd="0" presId="urn:microsoft.com/office/officeart/2005/8/layout/process1"/>
-    <dgm:cxn modelId="{C4689C2B-DA16-E64B-A8C9-8EBED7A90001}" type="presParOf" srcId="{3029052C-E3B7-CC46-8E23-37ABEDD15F03}" destId="{A8C226CF-C78B-EB4E-86A6-1B0387CFF648}" srcOrd="0" destOrd="0" presId="urn:microsoft.com/office/officeart/2005/8/layout/process1"/>
-    <dgm:cxn modelId="{3C6D1A44-F3D4-E542-9112-C0BA30CF3934}" type="presParOf" srcId="{4A554E7B-4565-9144-9E8A-ED84F42D6595}" destId="{435D2948-DD5F-BA48-A4C2-3ADB352C2698}" srcOrd="4" destOrd="0" presId="urn:microsoft.com/office/officeart/2005/8/layout/process1"/>
-    <dgm:cxn modelId="{732EE899-2180-384B-8B6A-0CBE9EFCAED7}" type="presParOf" srcId="{4A554E7B-4565-9144-9E8A-ED84F42D6595}" destId="{F4B44CBC-FC47-1543-B4A9-F5AEB5CEB6BF}" srcOrd="5" destOrd="0" presId="urn:microsoft.com/office/officeart/2005/8/layout/process1"/>
-    <dgm:cxn modelId="{9B264624-8466-B24E-9FA9-77D04DE633B7}" type="presParOf" srcId="{F4B44CBC-FC47-1543-B4A9-F5AEB5CEB6BF}" destId="{80A3280C-1FE1-F741-8E7B-2B8CCCBB28E5}" srcOrd="0" destOrd="0" presId="urn:microsoft.com/office/officeart/2005/8/layout/process1"/>
-    <dgm:cxn modelId="{FF510BC3-F1CD-0C46-A53A-159A34BE1917}" type="presParOf" srcId="{4A554E7B-4565-9144-9E8A-ED84F42D6595}" destId="{2D708B46-B09A-7F44-A9C5-AB1FDCCB92AC}" srcOrd="6" destOrd="0" presId="urn:microsoft.com/office/officeart/2005/8/layout/process1"/>
-    <dgm:cxn modelId="{4F87F0F9-C546-124B-8545-CE9F3A1A7722}" type="presParOf" srcId="{4A554E7B-4565-9144-9E8A-ED84F42D6595}" destId="{D04E9C78-DFB5-504F-BAA1-0C684C1DAD88}" srcOrd="7" destOrd="0" presId="urn:microsoft.com/office/officeart/2005/8/layout/process1"/>
-    <dgm:cxn modelId="{8DE67CE5-DE62-9640-A7B8-4F9D02A79E7D}" type="presParOf" srcId="{D04E9C78-DFB5-504F-BAA1-0C684C1DAD88}" destId="{FC94D377-6A7C-C04B-BE77-5081195182EA}" srcOrd="0" destOrd="0" presId="urn:microsoft.com/office/officeart/2005/8/layout/process1"/>
-    <dgm:cxn modelId="{F4457816-9B54-5540-BAE1-6D6AFDE55279}" type="presParOf" srcId="{4A554E7B-4565-9144-9E8A-ED84F42D6595}" destId="{C32824EC-7FEF-D447-AAC6-9346B117354E}" srcOrd="8" destOrd="0" presId="urn:microsoft.com/office/officeart/2005/8/layout/process1"/>
-    <dgm:cxn modelId="{60B7B8DC-AD46-8F41-9354-18AD7814831B}" type="presParOf" srcId="{4A554E7B-4565-9144-9E8A-ED84F42D6595}" destId="{5863E911-18E3-324A-A96A-07671B0F8D24}" srcOrd="9" destOrd="0" presId="urn:microsoft.com/office/officeart/2005/8/layout/process1"/>
-    <dgm:cxn modelId="{9DECEBCF-4682-484E-AAC3-A533E818D8D8}" type="presParOf" srcId="{5863E911-18E3-324A-A96A-07671B0F8D24}" destId="{C144839B-A0B2-3640-8A63-BF0412473803}" srcOrd="0" destOrd="0" presId="urn:microsoft.com/office/officeart/2005/8/layout/process1"/>
-    <dgm:cxn modelId="{7611E145-73F1-CA46-81EC-5FDE36011195}" type="presParOf" srcId="{4A554E7B-4565-9144-9E8A-ED84F42D6595}" destId="{E324EA71-C9AB-2943-812E-646AB1B31125}" srcOrd="10" destOrd="0" presId="urn:microsoft.com/office/officeart/2005/8/layout/process1"/>
+    <dgm:cxn modelId="{B6FBF631-54FD-6A46-8BAE-5BA3E9F3FC07}" type="presOf" srcId="{9887AAD4-671C-2243-B23F-6F6D102A4012}" destId="{BB567044-1BE6-FA4E-BC0C-29580823B6FB}" srcOrd="0" destOrd="0" presId="urn:microsoft.com/office/officeart/2005/8/layout/process1"/>
+    <dgm:cxn modelId="{A04519E5-7CC2-6443-9F0C-6BD5A658EB22}" type="presOf" srcId="{A7240CC4-9D82-DA47-B691-1F13DBBD256B}" destId="{2D708B46-B09A-7F44-A9C5-AB1FDCCB92AC}" srcOrd="0" destOrd="2" presId="urn:microsoft.com/office/officeart/2005/8/layout/process1"/>
+    <dgm:cxn modelId="{7D558CBC-029F-1A48-8C93-CE2E296F0C99}" type="presParOf" srcId="{4A554E7B-4565-9144-9E8A-ED84F42D6595}" destId="{BB567044-1BE6-FA4E-BC0C-29580823B6FB}" srcOrd="0" destOrd="0" presId="urn:microsoft.com/office/officeart/2005/8/layout/process1"/>
+    <dgm:cxn modelId="{A252B068-74C3-A048-AE5E-895AE034F190}" type="presParOf" srcId="{4A554E7B-4565-9144-9E8A-ED84F42D6595}" destId="{1A8802C5-3316-8E4D-AF91-213A1FB07CB7}" srcOrd="1" destOrd="0" presId="urn:microsoft.com/office/officeart/2005/8/layout/process1"/>
+    <dgm:cxn modelId="{63BBFBE1-2FD6-1042-9EE1-4A17B0772E6F}" type="presParOf" srcId="{1A8802C5-3316-8E4D-AF91-213A1FB07CB7}" destId="{E73AAB45-BA46-5E42-A3FA-3E92D321988C}" srcOrd="0" destOrd="0" presId="urn:microsoft.com/office/officeart/2005/8/layout/process1"/>
+    <dgm:cxn modelId="{0328A663-6990-F84A-A6CD-3378EE031407}" type="presParOf" srcId="{4A554E7B-4565-9144-9E8A-ED84F42D6595}" destId="{C5062774-D3A7-8B40-8FDE-995EBC7DED98}" srcOrd="2" destOrd="0" presId="urn:microsoft.com/office/officeart/2005/8/layout/process1"/>
+    <dgm:cxn modelId="{CDB22B12-040E-4E43-9F1F-817B680CFC76}" type="presParOf" srcId="{4A554E7B-4565-9144-9E8A-ED84F42D6595}" destId="{3029052C-E3B7-CC46-8E23-37ABEDD15F03}" srcOrd="3" destOrd="0" presId="urn:microsoft.com/office/officeart/2005/8/layout/process1"/>
+    <dgm:cxn modelId="{FE6BF53F-DFEE-3940-8286-72853621E8EC}" type="presParOf" srcId="{3029052C-E3B7-CC46-8E23-37ABEDD15F03}" destId="{A8C226CF-C78B-EB4E-86A6-1B0387CFF648}" srcOrd="0" destOrd="0" presId="urn:microsoft.com/office/officeart/2005/8/layout/process1"/>
+    <dgm:cxn modelId="{535DE4EC-0A0C-8546-925B-26BD3528EE87}" type="presParOf" srcId="{4A554E7B-4565-9144-9E8A-ED84F42D6595}" destId="{435D2948-DD5F-BA48-A4C2-3ADB352C2698}" srcOrd="4" destOrd="0" presId="urn:microsoft.com/office/officeart/2005/8/layout/process1"/>
+    <dgm:cxn modelId="{83641986-D20B-7540-9A34-F17A65BDED4D}" type="presParOf" srcId="{4A554E7B-4565-9144-9E8A-ED84F42D6595}" destId="{F4B44CBC-FC47-1543-B4A9-F5AEB5CEB6BF}" srcOrd="5" destOrd="0" presId="urn:microsoft.com/office/officeart/2005/8/layout/process1"/>
+    <dgm:cxn modelId="{DB26530E-95C8-4042-A092-C4592A2A46C3}" type="presParOf" srcId="{F4B44CBC-FC47-1543-B4A9-F5AEB5CEB6BF}" destId="{80A3280C-1FE1-F741-8E7B-2B8CCCBB28E5}" srcOrd="0" destOrd="0" presId="urn:microsoft.com/office/officeart/2005/8/layout/process1"/>
+    <dgm:cxn modelId="{CB2B9ACD-54B4-CA4A-9DE9-955F9DED2227}" type="presParOf" srcId="{4A554E7B-4565-9144-9E8A-ED84F42D6595}" destId="{2D708B46-B09A-7F44-A9C5-AB1FDCCB92AC}" srcOrd="6" destOrd="0" presId="urn:microsoft.com/office/officeart/2005/8/layout/process1"/>
+    <dgm:cxn modelId="{16DF7A10-E7A2-0C46-96BB-1D8C0280C094}" type="presParOf" srcId="{4A554E7B-4565-9144-9E8A-ED84F42D6595}" destId="{D04E9C78-DFB5-504F-BAA1-0C684C1DAD88}" srcOrd="7" destOrd="0" presId="urn:microsoft.com/office/officeart/2005/8/layout/process1"/>
+    <dgm:cxn modelId="{EAC43346-57F7-6948-B1EA-B04A7ECF33E1}" type="presParOf" srcId="{D04E9C78-DFB5-504F-BAA1-0C684C1DAD88}" destId="{FC94D377-6A7C-C04B-BE77-5081195182EA}" srcOrd="0" destOrd="0" presId="urn:microsoft.com/office/officeart/2005/8/layout/process1"/>
+    <dgm:cxn modelId="{2D3F3855-F7A6-994A-8742-CCEA68C7B0E1}" type="presParOf" srcId="{4A554E7B-4565-9144-9E8A-ED84F42D6595}" destId="{C32824EC-7FEF-D447-AAC6-9346B117354E}" srcOrd="8" destOrd="0" presId="urn:microsoft.com/office/officeart/2005/8/layout/process1"/>
+    <dgm:cxn modelId="{FDA3089C-E0D4-B64D-AF24-3186956E8C9A}" type="presParOf" srcId="{4A554E7B-4565-9144-9E8A-ED84F42D6595}" destId="{5863E911-18E3-324A-A96A-07671B0F8D24}" srcOrd="9" destOrd="0" presId="urn:microsoft.com/office/officeart/2005/8/layout/process1"/>
+    <dgm:cxn modelId="{4EBC2230-7DDF-ED47-97C4-15BB81E49C18}" type="presParOf" srcId="{5863E911-18E3-324A-A96A-07671B0F8D24}" destId="{C144839B-A0B2-3640-8A63-BF0412473803}" srcOrd="0" destOrd="0" presId="urn:microsoft.com/office/officeart/2005/8/layout/process1"/>
+    <dgm:cxn modelId="{DB8F1250-D459-9C46-A6B8-35A02122F9B3}" type="presParOf" srcId="{4A554E7B-4565-9144-9E8A-ED84F42D6595}" destId="{E324EA71-C9AB-2943-812E-646AB1B31125}" srcOrd="10" destOrd="0" presId="urn:microsoft.com/office/officeart/2005/8/layout/process1"/>
   </dgm:cxnLst>
   <dgm:bg/>
   <dgm:whole/>
@@ -2864,8 +2921,8 @@
     <dgm:cxn modelId="{C819FC94-FBFE-E34A-A327-4A27395151CD}" type="presOf" srcId="{486F902B-586B-8044-9F9C-0B0AEA8029F9}" destId="{FF12BBB7-C98F-004B-97D1-6F33A956F885}" srcOrd="0" destOrd="0" presId="urn:microsoft.com/office/officeart/2005/8/layout/process1"/>
     <dgm:cxn modelId="{6FE90E6E-3041-9640-856C-0F56175D90F8}" type="presOf" srcId="{B170FB99-8909-414F-A4FC-4553DD906590}" destId="{E73AAB45-BA46-5E42-A3FA-3E92D321988C}" srcOrd="1" destOrd="0" presId="urn:microsoft.com/office/officeart/2005/8/layout/process1"/>
     <dgm:cxn modelId="{BB304414-4573-A945-A6B9-D92B37E06E0E}" srcId="{DE49E2BA-261B-EC46-BAF7-6B78BDB6F06F}" destId="{801AFE1A-416D-E74C-BBFD-557415AE0194}" srcOrd="2" destOrd="0" parTransId="{2727C292-B037-A740-B806-A17CA3BCFCD5}" sibTransId="{533BC168-BC76-C14E-8694-1DC3B6CF54C5}"/>
+    <dgm:cxn modelId="{2F6EDDF8-1A52-CA4F-AC56-E7B813883AFC}" srcId="{DE49E2BA-261B-EC46-BAF7-6B78BDB6F06F}" destId="{5EDB0D77-09F0-0C4F-B332-E852A176F79A}" srcOrd="0" destOrd="0" parTransId="{6905B776-7DF3-2743-A7A0-DC627995A528}" sibTransId="{486F902B-586B-8044-9F9C-0B0AEA8029F9}"/>
     <dgm:cxn modelId="{FC07CA1A-5A89-A34B-BC81-B07378114F9A}" type="presOf" srcId="{9887AAD4-671C-2243-B23F-6F6D102A4012}" destId="{BB567044-1BE6-FA4E-BC0C-29580823B6FB}" srcOrd="0" destOrd="0" presId="urn:microsoft.com/office/officeart/2005/8/layout/process1"/>
-    <dgm:cxn modelId="{2F6EDDF8-1A52-CA4F-AC56-E7B813883AFC}" srcId="{DE49E2BA-261B-EC46-BAF7-6B78BDB6F06F}" destId="{5EDB0D77-09F0-0C4F-B332-E852A176F79A}" srcOrd="0" destOrd="0" parTransId="{6905B776-7DF3-2743-A7A0-DC627995A528}" sibTransId="{486F902B-586B-8044-9F9C-0B0AEA8029F9}"/>
     <dgm:cxn modelId="{80CF1ADA-AC03-0246-A9C5-2573A6852BB1}" type="presParOf" srcId="{4A554E7B-4565-9144-9E8A-ED84F42D6595}" destId="{E324EA71-C9AB-2943-812E-646AB1B31125}" srcOrd="0" destOrd="0" presId="urn:microsoft.com/office/officeart/2005/8/layout/process1"/>
     <dgm:cxn modelId="{0B8E1EEA-F683-5E42-8906-DD23252128BF}" type="presParOf" srcId="{4A554E7B-4565-9144-9E8A-ED84F42D6595}" destId="{FF12BBB7-C98F-004B-97D1-6F33A956F885}" srcOrd="1" destOrd="0" presId="urn:microsoft.com/office/officeart/2005/8/layout/process1"/>
     <dgm:cxn modelId="{56C9F803-799C-3147-830A-E0A956C21914}" type="presParOf" srcId="{FF12BBB7-C98F-004B-97D1-6F33A956F885}" destId="{93205773-7419-ED4D-91F8-2A24298BF005}" srcOrd="0" destOrd="0" presId="urn:microsoft.com/office/officeart/2005/8/layout/process1"/>
@@ -3875,10 +3932,33 @@
             </a:spcAft>
           </a:pPr>
           <a:r>
-            <a:rPr lang="en-US" sz="1300" kern="1200" smtClean="0"/>
+            <a:rPr lang="en-US" sz="1300" kern="1200" dirty="0" smtClean="0"/>
             <a:t>VIRAL SAMPLE</a:t>
           </a:r>
           <a:endParaRPr lang="en-US" sz="1300" kern="1200" dirty="0"/>
+        </a:p>
+        <a:p>
+          <a:pPr marL="57150" lvl="1" indent="-57150" algn="l" defTabSz="444500">
+            <a:lnSpc>
+              <a:spcPct val="90000"/>
+            </a:lnSpc>
+            <a:spcBef>
+              <a:spcPct val="0"/>
+            </a:spcBef>
+            <a:spcAft>
+              <a:spcPct val="15000"/>
+            </a:spcAft>
+            <a:buChar char="•"/>
+          </a:pPr>
+          <a:r>
+            <a:rPr lang="en-US" sz="1000" kern="1200" dirty="0" err="1" smtClean="0"/>
+            <a:t>Num</a:t>
+          </a:r>
+          <a:r>
+            <a:rPr lang="en-US" sz="1000" kern="1200" smtClean="0"/>
+            <a:t> Time Sample</a:t>
+          </a:r>
+          <a:endParaRPr lang="en-US" sz="1000" kern="1200"/>
         </a:p>
         <a:p>
           <a:pPr marL="57150" lvl="1" indent="-57150" algn="l" defTabSz="444500">
@@ -13526,7 +13606,7 @@
           <p:nvPr>
             <p:extLst>
               <p:ext uri="{D42A27DB-BD31-4B8C-83A1-F6EECF244321}">
-                <p14:modId xmlns:p14="http://schemas.microsoft.com/office/powerpoint/2010/main" val="2142836425"/>
+                <p14:modId xmlns:p14="http://schemas.microsoft.com/office/powerpoint/2010/main" val="1497031764"/>
               </p:ext>
             </p:extLst>
           </p:nvPr>
@@ -13548,7 +13628,7 @@
           <p:nvPr>
             <p:extLst>
               <p:ext uri="{D42A27DB-BD31-4B8C-83A1-F6EECF244321}">
-                <p14:modId xmlns:p14="http://schemas.microsoft.com/office/powerpoint/2010/main" val="1351034785"/>
+                <p14:modId xmlns:p14="http://schemas.microsoft.com/office/powerpoint/2010/main" val="694449296"/>
               </p:ext>
             </p:extLst>
           </p:nvPr>

--- a/figures/figures.pptx
+++ b/figures/figures.pptx
@@ -1670,9 +1670,10 @@
         <a:bodyPr/>
         <a:lstStyle/>
         <a:p>
+          <a:pPr algn="ctr"/>
           <a:r>
-            <a:rPr lang="en-US" dirty="0" smtClean="0"/>
-            <a:t>Seed Selection</a:t>
+            <a:rPr lang="en-US" smtClean="0"/>
+            <a:t>Seeds</a:t>
           </a:r>
           <a:endParaRPr lang="en-US" dirty="0"/>
         </a:p>
@@ -1707,6 +1708,7 @@
         <a:bodyPr/>
         <a:lstStyle/>
         <a:p>
+          <a:pPr algn="l"/>
           <a:r>
             <a:rPr lang="en-US" dirty="0" smtClean="0"/>
             <a:t>Seed Sequence</a:t>
@@ -2237,6 +2239,44 @@
         </a:p>
       </dgm:t>
     </dgm:pt>
+    <dgm:pt modelId="{EB59FCF7-79EE-164C-BA56-C894BBA787D5}">
+      <dgm:prSet phldrT="[Text]"/>
+      <dgm:spPr/>
+      <dgm:t>
+        <a:bodyPr/>
+        <a:lstStyle/>
+        <a:p>
+          <a:pPr algn="l"/>
+          <a:r>
+            <a:rPr lang="en-US" dirty="0" smtClean="0"/>
+            <a:t>Seed Selection</a:t>
+          </a:r>
+          <a:endParaRPr lang="en-US" dirty="0"/>
+        </a:p>
+      </dgm:t>
+    </dgm:pt>
+    <dgm:pt modelId="{EB5B572A-39CC-A24D-9FD3-7E0D5EE2748F}" type="parTrans" cxnId="{3C05CC0E-E31D-8147-AD16-56BA010946E7}">
+      <dgm:prSet/>
+      <dgm:spPr/>
+      <dgm:t>
+        <a:bodyPr/>
+        <a:lstStyle/>
+        <a:p>
+          <a:endParaRPr lang="en-US"/>
+        </a:p>
+      </dgm:t>
+    </dgm:pt>
+    <dgm:pt modelId="{44AB6DBE-73A2-3645-A37C-00E23131B684}" type="sibTrans" cxnId="{3C05CC0E-E31D-8147-AD16-56BA010946E7}">
+      <dgm:prSet/>
+      <dgm:spPr/>
+      <dgm:t>
+        <a:bodyPr/>
+        <a:lstStyle/>
+        <a:p>
+          <a:endParaRPr lang="en-US"/>
+        </a:p>
+      </dgm:t>
+    </dgm:pt>
     <dgm:pt modelId="{4A554E7B-4565-9144-9E8A-ED84F42D6595}" type="pres">
       <dgm:prSet presAssocID="{DE49E2BA-261B-EC46-BAF7-6B78BDB6F06F}" presName="Name0" presStyleCnt="0">
         <dgm:presLayoutVars>
@@ -2247,7 +2287,7 @@
       <dgm:spPr/>
     </dgm:pt>
     <dgm:pt modelId="{BB567044-1BE6-FA4E-BC0C-29580823B6FB}" type="pres">
-      <dgm:prSet presAssocID="{9887AAD4-671C-2243-B23F-6F6D102A4012}" presName="node" presStyleLbl="node1" presStyleIdx="0" presStyleCnt="6" custScaleX="77833" custScaleY="82184">
+      <dgm:prSet presAssocID="{9887AAD4-671C-2243-B23F-6F6D102A4012}" presName="node" presStyleLbl="node1" presStyleIdx="0" presStyleCnt="5" custScaleX="77833" custScaleY="82184">
         <dgm:presLayoutVars>
           <dgm:bulletEnabled val="1"/>
         </dgm:presLayoutVars>
@@ -2262,7 +2302,7 @@
       </dgm:t>
     </dgm:pt>
     <dgm:pt modelId="{1A8802C5-3316-8E4D-AF91-213A1FB07CB7}" type="pres">
-      <dgm:prSet presAssocID="{B170FB99-8909-414F-A4FC-4553DD906590}" presName="sibTrans" presStyleLbl="sibTrans2D1" presStyleIdx="0" presStyleCnt="5"/>
+      <dgm:prSet presAssocID="{B170FB99-8909-414F-A4FC-4553DD906590}" presName="sibTrans" presStyleLbl="sibTrans2D1" presStyleIdx="0" presStyleCnt="4"/>
       <dgm:spPr/>
       <dgm:t>
         <a:bodyPr/>
@@ -2273,7 +2313,7 @@
       </dgm:t>
     </dgm:pt>
     <dgm:pt modelId="{E73AAB45-BA46-5E42-A3FA-3E92D321988C}" type="pres">
-      <dgm:prSet presAssocID="{B170FB99-8909-414F-A4FC-4553DD906590}" presName="connectorText" presStyleLbl="sibTrans2D1" presStyleIdx="0" presStyleCnt="5"/>
+      <dgm:prSet presAssocID="{B170FB99-8909-414F-A4FC-4553DD906590}" presName="connectorText" presStyleLbl="sibTrans2D1" presStyleIdx="0" presStyleCnt="4"/>
       <dgm:spPr/>
       <dgm:t>
         <a:bodyPr/>
@@ -2284,7 +2324,7 @@
       </dgm:t>
     </dgm:pt>
     <dgm:pt modelId="{C5062774-D3A7-8B40-8FDE-995EBC7DED98}" type="pres">
-      <dgm:prSet presAssocID="{801AFE1A-416D-E74C-BBFD-557415AE0194}" presName="node" presStyleLbl="node1" presStyleIdx="1" presStyleCnt="6" custScaleX="67810" custScaleY="82184">
+      <dgm:prSet presAssocID="{801AFE1A-416D-E74C-BBFD-557415AE0194}" presName="node" presStyleLbl="node1" presStyleIdx="1" presStyleCnt="5" custScaleX="87130" custScaleY="82184">
         <dgm:presLayoutVars>
           <dgm:bulletEnabled val="1"/>
         </dgm:presLayoutVars>
@@ -2299,7 +2339,7 @@
       </dgm:t>
     </dgm:pt>
     <dgm:pt modelId="{3029052C-E3B7-CC46-8E23-37ABEDD15F03}" type="pres">
-      <dgm:prSet presAssocID="{533BC168-BC76-C14E-8694-1DC3B6CF54C5}" presName="sibTrans" presStyleLbl="sibTrans2D1" presStyleIdx="1" presStyleCnt="5"/>
+      <dgm:prSet presAssocID="{533BC168-BC76-C14E-8694-1DC3B6CF54C5}" presName="sibTrans" presStyleLbl="sibTrans2D1" presStyleIdx="1" presStyleCnt="4"/>
       <dgm:spPr/>
       <dgm:t>
         <a:bodyPr/>
@@ -2310,44 +2350,7 @@
       </dgm:t>
     </dgm:pt>
     <dgm:pt modelId="{A8C226CF-C78B-EB4E-86A6-1B0387CFF648}" type="pres">
-      <dgm:prSet presAssocID="{533BC168-BC76-C14E-8694-1DC3B6CF54C5}" presName="connectorText" presStyleLbl="sibTrans2D1" presStyleIdx="1" presStyleCnt="5"/>
-      <dgm:spPr/>
-      <dgm:t>
-        <a:bodyPr/>
-        <a:lstStyle/>
-        <a:p>
-          <a:endParaRPr lang="en-US"/>
-        </a:p>
-      </dgm:t>
-    </dgm:pt>
-    <dgm:pt modelId="{435D2948-DD5F-BA48-A4C2-3ADB352C2698}" type="pres">
-      <dgm:prSet presAssocID="{D8DAD879-37C7-774C-B149-B7250DD6D502}" presName="node" presStyleLbl="node1" presStyleIdx="2" presStyleCnt="6" custScaleX="72805" custScaleY="82184">
-        <dgm:presLayoutVars>
-          <dgm:bulletEnabled val="1"/>
-        </dgm:presLayoutVars>
-      </dgm:prSet>
-      <dgm:spPr/>
-      <dgm:t>
-        <a:bodyPr/>
-        <a:lstStyle/>
-        <a:p>
-          <a:endParaRPr lang="en-US"/>
-        </a:p>
-      </dgm:t>
-    </dgm:pt>
-    <dgm:pt modelId="{F4B44CBC-FC47-1543-B4A9-F5AEB5CEB6BF}" type="pres">
-      <dgm:prSet presAssocID="{FA861C74-A4AA-6341-A5A4-19F33298102E}" presName="sibTrans" presStyleLbl="sibTrans2D1" presStyleIdx="2" presStyleCnt="5"/>
-      <dgm:spPr/>
-      <dgm:t>
-        <a:bodyPr/>
-        <a:lstStyle/>
-        <a:p>
-          <a:endParaRPr lang="en-US"/>
-        </a:p>
-      </dgm:t>
-    </dgm:pt>
-    <dgm:pt modelId="{80A3280C-1FE1-F741-8E7B-2B8CCCBB28E5}" type="pres">
-      <dgm:prSet presAssocID="{FA861C74-A4AA-6341-A5A4-19F33298102E}" presName="connectorText" presStyleLbl="sibTrans2D1" presStyleIdx="2" presStyleCnt="5"/>
+      <dgm:prSet presAssocID="{533BC168-BC76-C14E-8694-1DC3B6CF54C5}" presName="connectorText" presStyleLbl="sibTrans2D1" presStyleIdx="1" presStyleCnt="4"/>
       <dgm:spPr/>
       <dgm:t>
         <a:bodyPr/>
@@ -2358,7 +2361,7 @@
       </dgm:t>
     </dgm:pt>
     <dgm:pt modelId="{2D708B46-B09A-7F44-A9C5-AB1FDCCB92AC}" type="pres">
-      <dgm:prSet presAssocID="{E87FC9F4-306A-C441-847C-3B779F386673}" presName="node" presStyleLbl="node1" presStyleIdx="3" presStyleCnt="6" custScaleX="116805" custScaleY="82184">
+      <dgm:prSet presAssocID="{E87FC9F4-306A-C441-847C-3B779F386673}" presName="node" presStyleLbl="node1" presStyleIdx="2" presStyleCnt="5" custScaleX="116805" custScaleY="82184">
         <dgm:presLayoutVars>
           <dgm:bulletEnabled val="1"/>
         </dgm:presLayoutVars>
@@ -2373,7 +2376,7 @@
       </dgm:t>
     </dgm:pt>
     <dgm:pt modelId="{D04E9C78-DFB5-504F-BAA1-0C684C1DAD88}" type="pres">
-      <dgm:prSet presAssocID="{4CC5DAE6-00C4-BD4A-B969-A1FB5B516F57}" presName="sibTrans" presStyleLbl="sibTrans2D1" presStyleIdx="3" presStyleCnt="5"/>
+      <dgm:prSet presAssocID="{4CC5DAE6-00C4-BD4A-B969-A1FB5B516F57}" presName="sibTrans" presStyleLbl="sibTrans2D1" presStyleIdx="2" presStyleCnt="4"/>
       <dgm:spPr/>
       <dgm:t>
         <a:bodyPr/>
@@ -2384,7 +2387,7 @@
       </dgm:t>
     </dgm:pt>
     <dgm:pt modelId="{FC94D377-6A7C-C04B-BE77-5081195182EA}" type="pres">
-      <dgm:prSet presAssocID="{4CC5DAE6-00C4-BD4A-B969-A1FB5B516F57}" presName="connectorText" presStyleLbl="sibTrans2D1" presStyleIdx="3" presStyleCnt="5"/>
+      <dgm:prSet presAssocID="{4CC5DAE6-00C4-BD4A-B969-A1FB5B516F57}" presName="connectorText" presStyleLbl="sibTrans2D1" presStyleIdx="2" presStyleCnt="4"/>
       <dgm:spPr/>
       <dgm:t>
         <a:bodyPr/>
@@ -2395,7 +2398,7 @@
       </dgm:t>
     </dgm:pt>
     <dgm:pt modelId="{C32824EC-7FEF-D447-AAC6-9346B117354E}" type="pres">
-      <dgm:prSet presAssocID="{B3862515-EEE4-D345-B4E4-D176ED5D829D}" presName="node" presStyleLbl="node1" presStyleIdx="4" presStyleCnt="6" custScaleX="87244" custScaleY="82184">
+      <dgm:prSet presAssocID="{B3862515-EEE4-D345-B4E4-D176ED5D829D}" presName="node" presStyleLbl="node1" presStyleIdx="3" presStyleCnt="5" custScaleX="87244" custScaleY="82184">
         <dgm:presLayoutVars>
           <dgm:bulletEnabled val="1"/>
         </dgm:presLayoutVars>
@@ -2410,7 +2413,7 @@
       </dgm:t>
     </dgm:pt>
     <dgm:pt modelId="{5863E911-18E3-324A-A96A-07671B0F8D24}" type="pres">
-      <dgm:prSet presAssocID="{C939A25E-CA77-444F-8E65-4DA5CA6053DA}" presName="sibTrans" presStyleLbl="sibTrans2D1" presStyleIdx="4" presStyleCnt="5"/>
+      <dgm:prSet presAssocID="{C939A25E-CA77-444F-8E65-4DA5CA6053DA}" presName="sibTrans" presStyleLbl="sibTrans2D1" presStyleIdx="3" presStyleCnt="4"/>
       <dgm:spPr/>
       <dgm:t>
         <a:bodyPr/>
@@ -2421,7 +2424,7 @@
       </dgm:t>
     </dgm:pt>
     <dgm:pt modelId="{C144839B-A0B2-3640-8A63-BF0412473803}" type="pres">
-      <dgm:prSet presAssocID="{C939A25E-CA77-444F-8E65-4DA5CA6053DA}" presName="connectorText" presStyleLbl="sibTrans2D1" presStyleIdx="4" presStyleCnt="5"/>
+      <dgm:prSet presAssocID="{C939A25E-CA77-444F-8E65-4DA5CA6053DA}" presName="connectorText" presStyleLbl="sibTrans2D1" presStyleIdx="3" presStyleCnt="4"/>
       <dgm:spPr/>
       <dgm:t>
         <a:bodyPr/>
@@ -2432,7 +2435,7 @@
       </dgm:t>
     </dgm:pt>
     <dgm:pt modelId="{E324EA71-C9AB-2943-812E-646AB1B31125}" type="pres">
-      <dgm:prSet presAssocID="{5EDB0D77-09F0-0C4F-B332-E852A176F79A}" presName="node" presStyleLbl="node1" presStyleIdx="5" presStyleCnt="6" custScaleX="91845" custScaleY="82184">
+      <dgm:prSet presAssocID="{5EDB0D77-09F0-0C4F-B332-E852A176F79A}" presName="node" presStyleLbl="node1" presStyleIdx="4" presStyleCnt="5" custScaleX="91845" custScaleY="82184">
         <dgm:presLayoutVars>
           <dgm:bulletEnabled val="1"/>
         </dgm:presLayoutVars>
@@ -2448,63 +2451,60 @@
     </dgm:pt>
   </dgm:ptLst>
   <dgm:cxnLst>
-    <dgm:cxn modelId="{F550F3EB-D554-514D-9172-65DAE540D191}" srcId="{DE49E2BA-261B-EC46-BAF7-6B78BDB6F06F}" destId="{D8DAD879-37C7-774C-B149-B7250DD6D502}" srcOrd="2" destOrd="0" parTransId="{3057D897-29F9-DD49-B58A-81904BB7F42F}" sibTransId="{FA861C74-A4AA-6341-A5A4-19F33298102E}"/>
+    <dgm:cxn modelId="{2EA954D6-5CA0-634F-A561-B4C4306E02E8}" type="presOf" srcId="{4CC5DAE6-00C4-BD4A-B969-A1FB5B516F57}" destId="{FC94D377-6A7C-C04B-BE77-5081195182EA}" srcOrd="1" destOrd="0" presId="urn:microsoft.com/office/officeart/2005/8/layout/process1"/>
+    <dgm:cxn modelId="{F787D081-99C5-0E4B-B09C-F2E872777CDF}" type="presOf" srcId="{5EDB0D77-09F0-0C4F-B332-E852A176F79A}" destId="{E324EA71-C9AB-2943-812E-646AB1B31125}" srcOrd="0" destOrd="0" presId="urn:microsoft.com/office/officeart/2005/8/layout/process1"/>
+    <dgm:cxn modelId="{34FA0A1B-B56E-B04F-B8EC-AB21D2A30C24}" srcId="{E87FC9F4-306A-C441-847C-3B779F386673}" destId="{0D3DF110-F666-A04E-8B34-4B0F25524A57}" srcOrd="2" destOrd="0" parTransId="{7B7C4DCE-5341-4545-9538-6665DF174D30}" sibTransId="{A9EB110C-64CB-8545-A39B-8EE8C8FD35F9}"/>
+    <dgm:cxn modelId="{483A407A-1E6B-3047-BA2B-2FCA024D6346}" srcId="{E87FC9F4-306A-C441-847C-3B779F386673}" destId="{234F4A0B-8092-0C47-A9C3-FFE7AA8C6D2A}" srcOrd="0" destOrd="0" parTransId="{6740B56E-ADD8-9C42-BE21-0918BAB5D356}" sibTransId="{AF677554-A810-F245-83DF-78E242EE2752}"/>
+    <dgm:cxn modelId="{BB304414-4573-A945-A6B9-D92B37E06E0E}" srcId="{DE49E2BA-261B-EC46-BAF7-6B78BDB6F06F}" destId="{801AFE1A-416D-E74C-BBFD-557415AE0194}" srcOrd="1" destOrd="0" parTransId="{2727C292-B037-A740-B806-A17CA3BCFCD5}" sibTransId="{533BC168-BC76-C14E-8694-1DC3B6CF54C5}"/>
+    <dgm:cxn modelId="{24493C90-2BBF-0049-B00F-E8B3A1BC895E}" type="presOf" srcId="{CA1E943E-3AB1-4942-9397-CA0E4F86BC17}" destId="{C32824EC-7FEF-D447-AAC6-9346B117354E}" srcOrd="0" destOrd="2" presId="urn:microsoft.com/office/officeart/2005/8/layout/process1"/>
+    <dgm:cxn modelId="{721E9081-6DE5-044A-BFFC-1888E25FB0F6}" type="presOf" srcId="{B170FB99-8909-414F-A4FC-4553DD906590}" destId="{1A8802C5-3316-8E4D-AF91-213A1FB07CB7}" srcOrd="0" destOrd="0" presId="urn:microsoft.com/office/officeart/2005/8/layout/process1"/>
+    <dgm:cxn modelId="{7DD280A0-F51F-F84F-B3E8-E63A8CE40189}" type="presOf" srcId="{D8DAD879-37C7-774C-B149-B7250DD6D502}" destId="{C5062774-D3A7-8B40-8FDE-995EBC7DED98}" srcOrd="0" destOrd="2" presId="urn:microsoft.com/office/officeart/2005/8/layout/process1"/>
+    <dgm:cxn modelId="{F550F3EB-D554-514D-9172-65DAE540D191}" srcId="{801AFE1A-416D-E74C-BBFD-557415AE0194}" destId="{D8DAD879-37C7-774C-B149-B7250DD6D502}" srcOrd="1" destOrd="0" parTransId="{3057D897-29F9-DD49-B58A-81904BB7F42F}" sibTransId="{FA861C74-A4AA-6341-A5A4-19F33298102E}"/>
+    <dgm:cxn modelId="{1A10F469-1A1D-6E44-8760-2C41AC2B313D}" srcId="{E87FC9F4-306A-C441-847C-3B779F386673}" destId="{94769534-4246-8C4F-A5A5-FDCD149EA162}" srcOrd="4" destOrd="0" parTransId="{75F7124E-82E3-C04C-B862-F686848CD179}" sibTransId="{8D2569AF-BC24-D947-8477-93C1747FC4C1}"/>
+    <dgm:cxn modelId="{17CC50F0-F0A1-064F-B8BF-D71066A100EC}" type="presOf" srcId="{533BC168-BC76-C14E-8694-1DC3B6CF54C5}" destId="{A8C226CF-C78B-EB4E-86A6-1B0387CFF648}" srcOrd="1" destOrd="0" presId="urn:microsoft.com/office/officeart/2005/8/layout/process1"/>
+    <dgm:cxn modelId="{851AB8B6-F1D6-C64F-AE4B-E0F5252E4653}" srcId="{B3862515-EEE4-D345-B4E4-D176ED5D829D}" destId="{CA1E943E-3AB1-4942-9397-CA0E4F86BC17}" srcOrd="1" destOrd="0" parTransId="{1CE7C90D-6879-E34B-A8E5-532D4972417F}" sibTransId="{2C7164CC-6546-F34E-AC17-6A4FE01B6034}"/>
+    <dgm:cxn modelId="{9F55C8DD-5ABA-0647-8E6E-C80E86165806}" type="presOf" srcId="{234F4A0B-8092-0C47-A9C3-FFE7AA8C6D2A}" destId="{2D708B46-B09A-7F44-A9C5-AB1FDCCB92AC}" srcOrd="0" destOrd="1" presId="urn:microsoft.com/office/officeart/2005/8/layout/process1"/>
+    <dgm:cxn modelId="{D173F307-14ED-7140-9F70-FFA2C97805ED}" srcId="{B3862515-EEE4-D345-B4E4-D176ED5D829D}" destId="{88049AEE-4468-7944-9BC4-14997D6BF2C6}" srcOrd="2" destOrd="0" parTransId="{0610C57B-14B5-1847-BB28-6D239E823079}" sibTransId="{04A104A5-C4E3-9B4B-A8BD-AD63E82C498A}"/>
+    <dgm:cxn modelId="{A04519E5-7CC2-6443-9F0C-6BD5A658EB22}" type="presOf" srcId="{A7240CC4-9D82-DA47-B691-1F13DBBD256B}" destId="{2D708B46-B09A-7F44-A9C5-AB1FDCCB92AC}" srcOrd="0" destOrd="2" presId="urn:microsoft.com/office/officeart/2005/8/layout/process1"/>
+    <dgm:cxn modelId="{3C05CC0E-E31D-8147-AD16-56BA010946E7}" srcId="{801AFE1A-416D-E74C-BBFD-557415AE0194}" destId="{EB59FCF7-79EE-164C-BA56-C894BBA787D5}" srcOrd="0" destOrd="0" parTransId="{EB5B572A-39CC-A24D-9FD3-7E0D5EE2748F}" sibTransId="{44AB6DBE-73A2-3645-A37C-00E23131B684}"/>
+    <dgm:cxn modelId="{D500A717-F9A3-B74F-BDB0-13C797A36414}" type="presOf" srcId="{E87FC9F4-306A-C441-847C-3B779F386673}" destId="{2D708B46-B09A-7F44-A9C5-AB1FDCCB92AC}" srcOrd="0" destOrd="0" presId="urn:microsoft.com/office/officeart/2005/8/layout/process1"/>
+    <dgm:cxn modelId="{6E7BE60C-E32C-B049-B3FB-B11962DD0006}" srcId="{DE49E2BA-261B-EC46-BAF7-6B78BDB6F06F}" destId="{B3862515-EEE4-D345-B4E4-D176ED5D829D}" srcOrd="3" destOrd="0" parTransId="{A35A8C1C-578A-A946-9D1F-5DC7E105BF40}" sibTransId="{C939A25E-CA77-444F-8E65-4DA5CA6053DA}"/>
+    <dgm:cxn modelId="{127634F4-83D2-7C49-BCF8-038493B7E4B2}" srcId="{E87FC9F4-306A-C441-847C-3B779F386673}" destId="{A7240CC4-9D82-DA47-B691-1F13DBBD256B}" srcOrd="1" destOrd="0" parTransId="{F23044CA-9FAA-BF4D-ADA7-20B36854C0E0}" sibTransId="{83D2CA4B-211C-0B41-9362-5B4347E27686}"/>
+    <dgm:cxn modelId="{C42F2CB9-53AB-CF43-BFD1-BB0C760BE7E0}" type="presOf" srcId="{94769534-4246-8C4F-A5A5-FDCD149EA162}" destId="{2D708B46-B09A-7F44-A9C5-AB1FDCCB92AC}" srcOrd="0" destOrd="5" presId="urn:microsoft.com/office/officeart/2005/8/layout/process1"/>
+    <dgm:cxn modelId="{3A9F2415-251A-DF45-B278-30BD9E4B5778}" type="presOf" srcId="{B170FB99-8909-414F-A4FC-4553DD906590}" destId="{E73AAB45-BA46-5E42-A3FA-3E92D321988C}" srcOrd="1" destOrd="0" presId="urn:microsoft.com/office/officeart/2005/8/layout/process1"/>
+    <dgm:cxn modelId="{03A8E979-5BDF-0448-BECE-0A2E1357F7A9}" type="presOf" srcId="{D29243F3-EA9B-7C4B-B882-B4CED33A4238}" destId="{2D708B46-B09A-7F44-A9C5-AB1FDCCB92AC}" srcOrd="0" destOrd="6" presId="urn:microsoft.com/office/officeart/2005/8/layout/process1"/>
+    <dgm:cxn modelId="{BBA1E820-FCF4-4746-A039-03C2C0799978}" type="presOf" srcId="{4CC5DAE6-00C4-BD4A-B969-A1FB5B516F57}" destId="{D04E9C78-DFB5-504F-BAA1-0C684C1DAD88}" srcOrd="0" destOrd="0" presId="urn:microsoft.com/office/officeart/2005/8/layout/process1"/>
+    <dgm:cxn modelId="{682D5B11-D8C9-044F-B660-3585E87B54B0}" type="presOf" srcId="{C939A25E-CA77-444F-8E65-4DA5CA6053DA}" destId="{C144839B-A0B2-3640-8A63-BF0412473803}" srcOrd="1" destOrd="0" presId="urn:microsoft.com/office/officeart/2005/8/layout/process1"/>
     <dgm:cxn modelId="{110499A5-A60C-6D46-8BB6-ADCEEBA047B6}" type="presOf" srcId="{88049AEE-4468-7944-9BC4-14997D6BF2C6}" destId="{C32824EC-7FEF-D447-AAC6-9346B117354E}" srcOrd="0" destOrd="3" presId="urn:microsoft.com/office/officeart/2005/8/layout/process1"/>
-    <dgm:cxn modelId="{1BE7A9D3-7051-6047-86C6-CCF1BF69AB55}" type="presOf" srcId="{D8DAD879-37C7-774C-B149-B7250DD6D502}" destId="{435D2948-DD5F-BA48-A4C2-3ADB352C2698}" srcOrd="0" destOrd="0" presId="urn:microsoft.com/office/officeart/2005/8/layout/process1"/>
+    <dgm:cxn modelId="{8208AA31-3D46-1B47-A4D3-10F7DA609BE4}" type="presOf" srcId="{EB59FCF7-79EE-164C-BA56-C894BBA787D5}" destId="{C5062774-D3A7-8B40-8FDE-995EBC7DED98}" srcOrd="0" destOrd="1" presId="urn:microsoft.com/office/officeart/2005/8/layout/process1"/>
     <dgm:cxn modelId="{93AEA845-A616-3842-8F5C-31284FCF24F7}" type="presOf" srcId="{DF7BE7E2-BD5F-EF42-98DF-684B0794E6B7}" destId="{2D708B46-B09A-7F44-A9C5-AB1FDCCB92AC}" srcOrd="0" destOrd="4" presId="urn:microsoft.com/office/officeart/2005/8/layout/process1"/>
-    <dgm:cxn modelId="{1A10F469-1A1D-6E44-8760-2C41AC2B313D}" srcId="{E87FC9F4-306A-C441-847C-3B779F386673}" destId="{94769534-4246-8C4F-A5A5-FDCD149EA162}" srcOrd="4" destOrd="0" parTransId="{75F7124E-82E3-C04C-B862-F686848CD179}" sibTransId="{8D2569AF-BC24-D947-8477-93C1747FC4C1}"/>
-    <dgm:cxn modelId="{3A9F2415-251A-DF45-B278-30BD9E4B5778}" type="presOf" srcId="{B170FB99-8909-414F-A4FC-4553DD906590}" destId="{E73AAB45-BA46-5E42-A3FA-3E92D321988C}" srcOrd="1" destOrd="0" presId="urn:microsoft.com/office/officeart/2005/8/layout/process1"/>
+    <dgm:cxn modelId="{923D94C7-F5C1-A144-9BBD-043CCC98EF5E}" type="presOf" srcId="{801AFE1A-416D-E74C-BBFD-557415AE0194}" destId="{C5062774-D3A7-8B40-8FDE-995EBC7DED98}" srcOrd="0" destOrd="0" presId="urn:microsoft.com/office/officeart/2005/8/layout/process1"/>
+    <dgm:cxn modelId="{904A6D4C-DB60-E84E-86DF-50C04D0445DC}" srcId="{E87FC9F4-306A-C441-847C-3B779F386673}" destId="{D29243F3-EA9B-7C4B-B882-B4CED33A4238}" srcOrd="5" destOrd="0" parTransId="{F0EA8FDB-2A25-104C-897B-35E612ED7A49}" sibTransId="{92F19B71-048A-BF4E-8243-D90AED72DA3D}"/>
+    <dgm:cxn modelId="{E96E6A5B-1AED-4C44-AE37-14C0056130FB}" type="presOf" srcId="{C939A25E-CA77-444F-8E65-4DA5CA6053DA}" destId="{5863E911-18E3-324A-A96A-07671B0F8D24}" srcOrd="0" destOrd="0" presId="urn:microsoft.com/office/officeart/2005/8/layout/process1"/>
     <dgm:cxn modelId="{975229B5-085A-6541-8360-9DCB6BEA2436}" type="presOf" srcId="{0D3DF110-F666-A04E-8B34-4B0F25524A57}" destId="{2D708B46-B09A-7F44-A9C5-AB1FDCCB92AC}" srcOrd="0" destOrd="3" presId="urn:microsoft.com/office/officeart/2005/8/layout/process1"/>
-    <dgm:cxn modelId="{682D5B11-D8C9-044F-B660-3585E87B54B0}" type="presOf" srcId="{C939A25E-CA77-444F-8E65-4DA5CA6053DA}" destId="{C144839B-A0B2-3640-8A63-BF0412473803}" srcOrd="1" destOrd="0" presId="urn:microsoft.com/office/officeart/2005/8/layout/process1"/>
-    <dgm:cxn modelId="{17CC50F0-F0A1-064F-B8BF-D71066A100EC}" type="presOf" srcId="{533BC168-BC76-C14E-8694-1DC3B6CF54C5}" destId="{A8C226CF-C78B-EB4E-86A6-1B0387CFF648}" srcOrd="1" destOrd="0" presId="urn:microsoft.com/office/officeart/2005/8/layout/process1"/>
-    <dgm:cxn modelId="{BB304414-4573-A945-A6B9-D92B37E06E0E}" srcId="{DE49E2BA-261B-EC46-BAF7-6B78BDB6F06F}" destId="{801AFE1A-416D-E74C-BBFD-557415AE0194}" srcOrd="1" destOrd="0" parTransId="{2727C292-B037-A740-B806-A17CA3BCFCD5}" sibTransId="{533BC168-BC76-C14E-8694-1DC3B6CF54C5}"/>
-    <dgm:cxn modelId="{F787D081-99C5-0E4B-B09C-F2E872777CDF}" type="presOf" srcId="{5EDB0D77-09F0-0C4F-B332-E852A176F79A}" destId="{E324EA71-C9AB-2943-812E-646AB1B31125}" srcOrd="0" destOrd="0" presId="urn:microsoft.com/office/officeart/2005/8/layout/process1"/>
-    <dgm:cxn modelId="{65F9519C-8DCA-3242-AB72-34F5454955E7}" srcId="{DE49E2BA-261B-EC46-BAF7-6B78BDB6F06F}" destId="{E87FC9F4-306A-C441-847C-3B779F386673}" srcOrd="3" destOrd="0" parTransId="{59685BE7-ADA0-B24C-9379-A9C402B1D281}" sibTransId="{4CC5DAE6-00C4-BD4A-B969-A1FB5B516F57}"/>
-    <dgm:cxn modelId="{923D94C7-F5C1-A144-9BBD-043CCC98EF5E}" type="presOf" srcId="{801AFE1A-416D-E74C-BBFD-557415AE0194}" destId="{C5062774-D3A7-8B40-8FDE-995EBC7DED98}" srcOrd="0" destOrd="0" presId="urn:microsoft.com/office/officeart/2005/8/layout/process1"/>
-    <dgm:cxn modelId="{EC182979-58B4-A347-90E0-929D046F46B6}" type="presOf" srcId="{DE49E2BA-261B-EC46-BAF7-6B78BDB6F06F}" destId="{4A554E7B-4565-9144-9E8A-ED84F42D6595}" srcOrd="0" destOrd="0" presId="urn:microsoft.com/office/officeart/2005/8/layout/process1"/>
     <dgm:cxn modelId="{36CA0605-EC8C-BB41-A4BD-EDC38709C58B}" type="presOf" srcId="{B3862515-EEE4-D345-B4E4-D176ED5D829D}" destId="{C32824EC-7FEF-D447-AAC6-9346B117354E}" srcOrd="0" destOrd="0" presId="urn:microsoft.com/office/officeart/2005/8/layout/process1"/>
-    <dgm:cxn modelId="{C42F2CB9-53AB-CF43-BFD1-BB0C760BE7E0}" type="presOf" srcId="{94769534-4246-8C4F-A5A5-FDCD149EA162}" destId="{2D708B46-B09A-7F44-A9C5-AB1FDCCB92AC}" srcOrd="0" destOrd="5" presId="urn:microsoft.com/office/officeart/2005/8/layout/process1"/>
-    <dgm:cxn modelId="{03A8E979-5BDF-0448-BECE-0A2E1357F7A9}" type="presOf" srcId="{D29243F3-EA9B-7C4B-B882-B4CED33A4238}" destId="{2D708B46-B09A-7F44-A9C5-AB1FDCCB92AC}" srcOrd="0" destOrd="6" presId="urn:microsoft.com/office/officeart/2005/8/layout/process1"/>
-    <dgm:cxn modelId="{34A4FFB3-DFE2-4840-BE3C-13E6A028C905}" type="presOf" srcId="{2F0E8B9D-8F27-574E-87E8-4FC29695048C}" destId="{C32824EC-7FEF-D447-AAC6-9346B117354E}" srcOrd="0" destOrd="1" presId="urn:microsoft.com/office/officeart/2005/8/layout/process1"/>
-    <dgm:cxn modelId="{2F6EDDF8-1A52-CA4F-AC56-E7B813883AFC}" srcId="{DE49E2BA-261B-EC46-BAF7-6B78BDB6F06F}" destId="{5EDB0D77-09F0-0C4F-B332-E852A176F79A}" srcOrd="5" destOrd="0" parTransId="{6905B776-7DF3-2743-A7A0-DC627995A528}" sibTransId="{486F902B-586B-8044-9F9C-0B0AEA8029F9}"/>
-    <dgm:cxn modelId="{C1ECC757-B52F-E049-B17D-3E36E34C2740}" srcId="{E87FC9F4-306A-C441-847C-3B779F386673}" destId="{DF7BE7E2-BD5F-EF42-98DF-684B0794E6B7}" srcOrd="3" destOrd="0" parTransId="{D893A9EE-6767-2541-8054-D505D80F0546}" sibTransId="{8747CB30-4722-E843-9A33-B85AFCEE5E44}"/>
-    <dgm:cxn modelId="{721E9081-6DE5-044A-BFFC-1888E25FB0F6}" type="presOf" srcId="{B170FB99-8909-414F-A4FC-4553DD906590}" destId="{1A8802C5-3316-8E4D-AF91-213A1FB07CB7}" srcOrd="0" destOrd="0" presId="urn:microsoft.com/office/officeart/2005/8/layout/process1"/>
+    <dgm:cxn modelId="{AB55F4FE-9296-9344-895E-111097B25D90}" type="presOf" srcId="{533BC168-BC76-C14E-8694-1DC3B6CF54C5}" destId="{3029052C-E3B7-CC46-8E23-37ABEDD15F03}" srcOrd="0" destOrd="0" presId="urn:microsoft.com/office/officeart/2005/8/layout/process1"/>
+    <dgm:cxn modelId="{65F9519C-8DCA-3242-AB72-34F5454955E7}" srcId="{DE49E2BA-261B-EC46-BAF7-6B78BDB6F06F}" destId="{E87FC9F4-306A-C441-847C-3B779F386673}" srcOrd="2" destOrd="0" parTransId="{59685BE7-ADA0-B24C-9379-A9C402B1D281}" sibTransId="{4CC5DAE6-00C4-BD4A-B969-A1FB5B516F57}"/>
     <dgm:cxn modelId="{A0486452-5384-2A49-99D7-A16250A40933}" srcId="{B3862515-EEE4-D345-B4E4-D176ED5D829D}" destId="{2F0E8B9D-8F27-574E-87E8-4FC29695048C}" srcOrd="0" destOrd="0" parTransId="{A7B308C5-C4D2-2F4E-AAE2-176A32BEE386}" sibTransId="{E2095DC1-2950-6C48-B2F3-64B971E06666}"/>
-    <dgm:cxn modelId="{E96E6A5B-1AED-4C44-AE37-14C0056130FB}" type="presOf" srcId="{C939A25E-CA77-444F-8E65-4DA5CA6053DA}" destId="{5863E911-18E3-324A-A96A-07671B0F8D24}" srcOrd="0" destOrd="0" presId="urn:microsoft.com/office/officeart/2005/8/layout/process1"/>
-    <dgm:cxn modelId="{D500A717-F9A3-B74F-BDB0-13C797A36414}" type="presOf" srcId="{E87FC9F4-306A-C441-847C-3B779F386673}" destId="{2D708B46-B09A-7F44-A9C5-AB1FDCCB92AC}" srcOrd="0" destOrd="0" presId="urn:microsoft.com/office/officeart/2005/8/layout/process1"/>
-    <dgm:cxn modelId="{34FA0A1B-B56E-B04F-B8EC-AB21D2A30C24}" srcId="{E87FC9F4-306A-C441-847C-3B779F386673}" destId="{0D3DF110-F666-A04E-8B34-4B0F25524A57}" srcOrd="2" destOrd="0" parTransId="{7B7C4DCE-5341-4545-9538-6665DF174D30}" sibTransId="{A9EB110C-64CB-8545-A39B-8EE8C8FD35F9}"/>
-    <dgm:cxn modelId="{6E7BE60C-E32C-B049-B3FB-B11962DD0006}" srcId="{DE49E2BA-261B-EC46-BAF7-6B78BDB6F06F}" destId="{B3862515-EEE4-D345-B4E4-D176ED5D829D}" srcOrd="4" destOrd="0" parTransId="{A35A8C1C-578A-A946-9D1F-5DC7E105BF40}" sibTransId="{C939A25E-CA77-444F-8E65-4DA5CA6053DA}"/>
-    <dgm:cxn modelId="{BBA1E820-FCF4-4746-A039-03C2C0799978}" type="presOf" srcId="{4CC5DAE6-00C4-BD4A-B969-A1FB5B516F57}" destId="{D04E9C78-DFB5-504F-BAA1-0C684C1DAD88}" srcOrd="0" destOrd="0" presId="urn:microsoft.com/office/officeart/2005/8/layout/process1"/>
-    <dgm:cxn modelId="{2EA954D6-5CA0-634F-A561-B4C4306E02E8}" type="presOf" srcId="{4CC5DAE6-00C4-BD4A-B969-A1FB5B516F57}" destId="{FC94D377-6A7C-C04B-BE77-5081195182EA}" srcOrd="1" destOrd="0" presId="urn:microsoft.com/office/officeart/2005/8/layout/process1"/>
-    <dgm:cxn modelId="{127634F4-83D2-7C49-BCF8-038493B7E4B2}" srcId="{E87FC9F4-306A-C441-847C-3B779F386673}" destId="{A7240CC4-9D82-DA47-B691-1F13DBBD256B}" srcOrd="1" destOrd="0" parTransId="{F23044CA-9FAA-BF4D-ADA7-20B36854C0E0}" sibTransId="{83D2CA4B-211C-0B41-9362-5B4347E27686}"/>
-    <dgm:cxn modelId="{AB55F4FE-9296-9344-895E-111097B25D90}" type="presOf" srcId="{533BC168-BC76-C14E-8694-1DC3B6CF54C5}" destId="{3029052C-E3B7-CC46-8E23-37ABEDD15F03}" srcOrd="0" destOrd="0" presId="urn:microsoft.com/office/officeart/2005/8/layout/process1"/>
-    <dgm:cxn modelId="{07C2C9D7-9FF5-3C46-AA1C-06BE96100160}" type="presOf" srcId="{FA861C74-A4AA-6341-A5A4-19F33298102E}" destId="{80A3280C-1FE1-F741-8E7B-2B8CCCBB28E5}" srcOrd="1" destOrd="0" presId="urn:microsoft.com/office/officeart/2005/8/layout/process1"/>
-    <dgm:cxn modelId="{9F55C8DD-5ABA-0647-8E6E-C80E86165806}" type="presOf" srcId="{234F4A0B-8092-0C47-A9C3-FFE7AA8C6D2A}" destId="{2D708B46-B09A-7F44-A9C5-AB1FDCCB92AC}" srcOrd="0" destOrd="1" presId="urn:microsoft.com/office/officeart/2005/8/layout/process1"/>
-    <dgm:cxn modelId="{851AB8B6-F1D6-C64F-AE4B-E0F5252E4653}" srcId="{B3862515-EEE4-D345-B4E4-D176ED5D829D}" destId="{CA1E943E-3AB1-4942-9397-CA0E4F86BC17}" srcOrd="1" destOrd="0" parTransId="{1CE7C90D-6879-E34B-A8E5-532D4972417F}" sibTransId="{2C7164CC-6546-F34E-AC17-6A4FE01B6034}"/>
-    <dgm:cxn modelId="{483A407A-1E6B-3047-BA2B-2FCA024D6346}" srcId="{E87FC9F4-306A-C441-847C-3B779F386673}" destId="{234F4A0B-8092-0C47-A9C3-FFE7AA8C6D2A}" srcOrd="0" destOrd="0" parTransId="{6740B56E-ADD8-9C42-BE21-0918BAB5D356}" sibTransId="{AF677554-A810-F245-83DF-78E242EE2752}"/>
-    <dgm:cxn modelId="{9214C709-7AF0-A043-8952-4F97C28447E0}" type="presOf" srcId="{FA861C74-A4AA-6341-A5A4-19F33298102E}" destId="{F4B44CBC-FC47-1543-B4A9-F5AEB5CEB6BF}" srcOrd="0" destOrd="0" presId="urn:microsoft.com/office/officeart/2005/8/layout/process1"/>
-    <dgm:cxn modelId="{904A6D4C-DB60-E84E-86DF-50C04D0445DC}" srcId="{E87FC9F4-306A-C441-847C-3B779F386673}" destId="{D29243F3-EA9B-7C4B-B882-B4CED33A4238}" srcOrd="5" destOrd="0" parTransId="{F0EA8FDB-2A25-104C-897B-35E612ED7A49}" sibTransId="{92F19B71-048A-BF4E-8243-D90AED72DA3D}"/>
-    <dgm:cxn modelId="{D173F307-14ED-7140-9F70-FFA2C97805ED}" srcId="{B3862515-EEE4-D345-B4E4-D176ED5D829D}" destId="{88049AEE-4468-7944-9BC4-14997D6BF2C6}" srcOrd="2" destOrd="0" parTransId="{0610C57B-14B5-1847-BB28-6D239E823079}" sibTransId="{04A104A5-C4E3-9B4B-A8BD-AD63E82C498A}"/>
-    <dgm:cxn modelId="{24493C90-2BBF-0049-B00F-E8B3A1BC895E}" type="presOf" srcId="{CA1E943E-3AB1-4942-9397-CA0E4F86BC17}" destId="{C32824EC-7FEF-D447-AAC6-9346B117354E}" srcOrd="0" destOrd="2" presId="urn:microsoft.com/office/officeart/2005/8/layout/process1"/>
     <dgm:cxn modelId="{CB9A7038-0082-124D-944C-551138D6FD64}" srcId="{DE49E2BA-261B-EC46-BAF7-6B78BDB6F06F}" destId="{9887AAD4-671C-2243-B23F-6F6D102A4012}" srcOrd="0" destOrd="0" parTransId="{D5F7F628-C446-034C-A5DE-9482DE1570B8}" sibTransId="{B170FB99-8909-414F-A4FC-4553DD906590}"/>
     <dgm:cxn modelId="{B6FBF631-54FD-6A46-8BAE-5BA3E9F3FC07}" type="presOf" srcId="{9887AAD4-671C-2243-B23F-6F6D102A4012}" destId="{BB567044-1BE6-FA4E-BC0C-29580823B6FB}" srcOrd="0" destOrd="0" presId="urn:microsoft.com/office/officeart/2005/8/layout/process1"/>
-    <dgm:cxn modelId="{A04519E5-7CC2-6443-9F0C-6BD5A658EB22}" type="presOf" srcId="{A7240CC4-9D82-DA47-B691-1F13DBBD256B}" destId="{2D708B46-B09A-7F44-A9C5-AB1FDCCB92AC}" srcOrd="0" destOrd="2" presId="urn:microsoft.com/office/officeart/2005/8/layout/process1"/>
+    <dgm:cxn modelId="{34A4FFB3-DFE2-4840-BE3C-13E6A028C905}" type="presOf" srcId="{2F0E8B9D-8F27-574E-87E8-4FC29695048C}" destId="{C32824EC-7FEF-D447-AAC6-9346B117354E}" srcOrd="0" destOrd="1" presId="urn:microsoft.com/office/officeart/2005/8/layout/process1"/>
+    <dgm:cxn modelId="{2F6EDDF8-1A52-CA4F-AC56-E7B813883AFC}" srcId="{DE49E2BA-261B-EC46-BAF7-6B78BDB6F06F}" destId="{5EDB0D77-09F0-0C4F-B332-E852A176F79A}" srcOrd="4" destOrd="0" parTransId="{6905B776-7DF3-2743-A7A0-DC627995A528}" sibTransId="{486F902B-586B-8044-9F9C-0B0AEA8029F9}"/>
+    <dgm:cxn modelId="{EC182979-58B4-A347-90E0-929D046F46B6}" type="presOf" srcId="{DE49E2BA-261B-EC46-BAF7-6B78BDB6F06F}" destId="{4A554E7B-4565-9144-9E8A-ED84F42D6595}" srcOrd="0" destOrd="0" presId="urn:microsoft.com/office/officeart/2005/8/layout/process1"/>
+    <dgm:cxn modelId="{C1ECC757-B52F-E049-B17D-3E36E34C2740}" srcId="{E87FC9F4-306A-C441-847C-3B779F386673}" destId="{DF7BE7E2-BD5F-EF42-98DF-684B0794E6B7}" srcOrd="3" destOrd="0" parTransId="{D893A9EE-6767-2541-8054-D505D80F0546}" sibTransId="{8747CB30-4722-E843-9A33-B85AFCEE5E44}"/>
     <dgm:cxn modelId="{7D558CBC-029F-1A48-8C93-CE2E296F0C99}" type="presParOf" srcId="{4A554E7B-4565-9144-9E8A-ED84F42D6595}" destId="{BB567044-1BE6-FA4E-BC0C-29580823B6FB}" srcOrd="0" destOrd="0" presId="urn:microsoft.com/office/officeart/2005/8/layout/process1"/>
     <dgm:cxn modelId="{A252B068-74C3-A048-AE5E-895AE034F190}" type="presParOf" srcId="{4A554E7B-4565-9144-9E8A-ED84F42D6595}" destId="{1A8802C5-3316-8E4D-AF91-213A1FB07CB7}" srcOrd="1" destOrd="0" presId="urn:microsoft.com/office/officeart/2005/8/layout/process1"/>
     <dgm:cxn modelId="{63BBFBE1-2FD6-1042-9EE1-4A17B0772E6F}" type="presParOf" srcId="{1A8802C5-3316-8E4D-AF91-213A1FB07CB7}" destId="{E73AAB45-BA46-5E42-A3FA-3E92D321988C}" srcOrd="0" destOrd="0" presId="urn:microsoft.com/office/officeart/2005/8/layout/process1"/>
     <dgm:cxn modelId="{0328A663-6990-F84A-A6CD-3378EE031407}" type="presParOf" srcId="{4A554E7B-4565-9144-9E8A-ED84F42D6595}" destId="{C5062774-D3A7-8B40-8FDE-995EBC7DED98}" srcOrd="2" destOrd="0" presId="urn:microsoft.com/office/officeart/2005/8/layout/process1"/>
     <dgm:cxn modelId="{CDB22B12-040E-4E43-9F1F-817B680CFC76}" type="presParOf" srcId="{4A554E7B-4565-9144-9E8A-ED84F42D6595}" destId="{3029052C-E3B7-CC46-8E23-37ABEDD15F03}" srcOrd="3" destOrd="0" presId="urn:microsoft.com/office/officeart/2005/8/layout/process1"/>
     <dgm:cxn modelId="{FE6BF53F-DFEE-3940-8286-72853621E8EC}" type="presParOf" srcId="{3029052C-E3B7-CC46-8E23-37ABEDD15F03}" destId="{A8C226CF-C78B-EB4E-86A6-1B0387CFF648}" srcOrd="0" destOrd="0" presId="urn:microsoft.com/office/officeart/2005/8/layout/process1"/>
-    <dgm:cxn modelId="{535DE4EC-0A0C-8546-925B-26BD3528EE87}" type="presParOf" srcId="{4A554E7B-4565-9144-9E8A-ED84F42D6595}" destId="{435D2948-DD5F-BA48-A4C2-3ADB352C2698}" srcOrd="4" destOrd="0" presId="urn:microsoft.com/office/officeart/2005/8/layout/process1"/>
-    <dgm:cxn modelId="{83641986-D20B-7540-9A34-F17A65BDED4D}" type="presParOf" srcId="{4A554E7B-4565-9144-9E8A-ED84F42D6595}" destId="{F4B44CBC-FC47-1543-B4A9-F5AEB5CEB6BF}" srcOrd="5" destOrd="0" presId="urn:microsoft.com/office/officeart/2005/8/layout/process1"/>
-    <dgm:cxn modelId="{DB26530E-95C8-4042-A092-C4592A2A46C3}" type="presParOf" srcId="{F4B44CBC-FC47-1543-B4A9-F5AEB5CEB6BF}" destId="{80A3280C-1FE1-F741-8E7B-2B8CCCBB28E5}" srcOrd="0" destOrd="0" presId="urn:microsoft.com/office/officeart/2005/8/layout/process1"/>
-    <dgm:cxn modelId="{CB2B9ACD-54B4-CA4A-9DE9-955F9DED2227}" type="presParOf" srcId="{4A554E7B-4565-9144-9E8A-ED84F42D6595}" destId="{2D708B46-B09A-7F44-A9C5-AB1FDCCB92AC}" srcOrd="6" destOrd="0" presId="urn:microsoft.com/office/officeart/2005/8/layout/process1"/>
-    <dgm:cxn modelId="{16DF7A10-E7A2-0C46-96BB-1D8C0280C094}" type="presParOf" srcId="{4A554E7B-4565-9144-9E8A-ED84F42D6595}" destId="{D04E9C78-DFB5-504F-BAA1-0C684C1DAD88}" srcOrd="7" destOrd="0" presId="urn:microsoft.com/office/officeart/2005/8/layout/process1"/>
+    <dgm:cxn modelId="{CB2B9ACD-54B4-CA4A-9DE9-955F9DED2227}" type="presParOf" srcId="{4A554E7B-4565-9144-9E8A-ED84F42D6595}" destId="{2D708B46-B09A-7F44-A9C5-AB1FDCCB92AC}" srcOrd="4" destOrd="0" presId="urn:microsoft.com/office/officeart/2005/8/layout/process1"/>
+    <dgm:cxn modelId="{16DF7A10-E7A2-0C46-96BB-1D8C0280C094}" type="presParOf" srcId="{4A554E7B-4565-9144-9E8A-ED84F42D6595}" destId="{D04E9C78-DFB5-504F-BAA1-0C684C1DAD88}" srcOrd="5" destOrd="0" presId="urn:microsoft.com/office/officeart/2005/8/layout/process1"/>
     <dgm:cxn modelId="{EAC43346-57F7-6948-B1EA-B04A7ECF33E1}" type="presParOf" srcId="{D04E9C78-DFB5-504F-BAA1-0C684C1DAD88}" destId="{FC94D377-6A7C-C04B-BE77-5081195182EA}" srcOrd="0" destOrd="0" presId="urn:microsoft.com/office/officeart/2005/8/layout/process1"/>
-    <dgm:cxn modelId="{2D3F3855-F7A6-994A-8742-CCEA68C7B0E1}" type="presParOf" srcId="{4A554E7B-4565-9144-9E8A-ED84F42D6595}" destId="{C32824EC-7FEF-D447-AAC6-9346B117354E}" srcOrd="8" destOrd="0" presId="urn:microsoft.com/office/officeart/2005/8/layout/process1"/>
-    <dgm:cxn modelId="{FDA3089C-E0D4-B64D-AF24-3186956E8C9A}" type="presParOf" srcId="{4A554E7B-4565-9144-9E8A-ED84F42D6595}" destId="{5863E911-18E3-324A-A96A-07671B0F8D24}" srcOrd="9" destOrd="0" presId="urn:microsoft.com/office/officeart/2005/8/layout/process1"/>
+    <dgm:cxn modelId="{2D3F3855-F7A6-994A-8742-CCEA68C7B0E1}" type="presParOf" srcId="{4A554E7B-4565-9144-9E8A-ED84F42D6595}" destId="{C32824EC-7FEF-D447-AAC6-9346B117354E}" srcOrd="6" destOrd="0" presId="urn:microsoft.com/office/officeart/2005/8/layout/process1"/>
+    <dgm:cxn modelId="{FDA3089C-E0D4-B64D-AF24-3186956E8C9A}" type="presParOf" srcId="{4A554E7B-4565-9144-9E8A-ED84F42D6595}" destId="{5863E911-18E3-324A-A96A-07671B0F8D24}" srcOrd="7" destOrd="0" presId="urn:microsoft.com/office/officeart/2005/8/layout/process1"/>
     <dgm:cxn modelId="{4EBC2230-7DDF-ED47-97C4-15BB81E49C18}" type="presParOf" srcId="{5863E911-18E3-324A-A96A-07671B0F8D24}" destId="{C144839B-A0B2-3640-8A63-BF0412473803}" srcOrd="0" destOrd="0" presId="urn:microsoft.com/office/officeart/2005/8/layout/process1"/>
-    <dgm:cxn modelId="{DB8F1250-D459-9C46-A6B8-35A02122F9B3}" type="presParOf" srcId="{4A554E7B-4565-9144-9E8A-ED84F42D6595}" destId="{E324EA71-C9AB-2943-812E-646AB1B31125}" srcOrd="10" destOrd="0" presId="urn:microsoft.com/office/officeart/2005/8/layout/process1"/>
+    <dgm:cxn modelId="{DB8F1250-D459-9C46-A6B8-35A02122F9B3}" type="presParOf" srcId="{4A554E7B-4565-9144-9E8A-ED84F42D6595}" destId="{E324EA71-C9AB-2943-812E-646AB1B31125}" srcOrd="8" destOrd="0" presId="urn:microsoft.com/office/officeart/2005/8/layout/process1"/>
   </dgm:cxnLst>
   <dgm:bg/>
   <dgm:whole/>
@@ -2921,8 +2921,8 @@
     <dgm:cxn modelId="{C819FC94-FBFE-E34A-A327-4A27395151CD}" type="presOf" srcId="{486F902B-586B-8044-9F9C-0B0AEA8029F9}" destId="{FF12BBB7-C98F-004B-97D1-6F33A956F885}" srcOrd="0" destOrd="0" presId="urn:microsoft.com/office/officeart/2005/8/layout/process1"/>
     <dgm:cxn modelId="{6FE90E6E-3041-9640-856C-0F56175D90F8}" type="presOf" srcId="{B170FB99-8909-414F-A4FC-4553DD906590}" destId="{E73AAB45-BA46-5E42-A3FA-3E92D321988C}" srcOrd="1" destOrd="0" presId="urn:microsoft.com/office/officeart/2005/8/layout/process1"/>
     <dgm:cxn modelId="{BB304414-4573-A945-A6B9-D92B37E06E0E}" srcId="{DE49E2BA-261B-EC46-BAF7-6B78BDB6F06F}" destId="{801AFE1A-416D-E74C-BBFD-557415AE0194}" srcOrd="2" destOrd="0" parTransId="{2727C292-B037-A740-B806-A17CA3BCFCD5}" sibTransId="{533BC168-BC76-C14E-8694-1DC3B6CF54C5}"/>
+    <dgm:cxn modelId="{FC07CA1A-5A89-A34B-BC81-B07378114F9A}" type="presOf" srcId="{9887AAD4-671C-2243-B23F-6F6D102A4012}" destId="{BB567044-1BE6-FA4E-BC0C-29580823B6FB}" srcOrd="0" destOrd="0" presId="urn:microsoft.com/office/officeart/2005/8/layout/process1"/>
     <dgm:cxn modelId="{2F6EDDF8-1A52-CA4F-AC56-E7B813883AFC}" srcId="{DE49E2BA-261B-EC46-BAF7-6B78BDB6F06F}" destId="{5EDB0D77-09F0-0C4F-B332-E852A176F79A}" srcOrd="0" destOrd="0" parTransId="{6905B776-7DF3-2743-A7A0-DC627995A528}" sibTransId="{486F902B-586B-8044-9F9C-0B0AEA8029F9}"/>
-    <dgm:cxn modelId="{FC07CA1A-5A89-A34B-BC81-B07378114F9A}" type="presOf" srcId="{9887AAD4-671C-2243-B23F-6F6D102A4012}" destId="{BB567044-1BE6-FA4E-BC0C-29580823B6FB}" srcOrd="0" destOrd="0" presId="urn:microsoft.com/office/officeart/2005/8/layout/process1"/>
     <dgm:cxn modelId="{80CF1ADA-AC03-0246-A9C5-2573A6852BB1}" type="presParOf" srcId="{4A554E7B-4565-9144-9E8A-ED84F42D6595}" destId="{E324EA71-C9AB-2943-812E-646AB1B31125}" srcOrd="0" destOrd="0" presId="urn:microsoft.com/office/officeart/2005/8/layout/process1"/>
     <dgm:cxn modelId="{0B8E1EEA-F683-5E42-8906-DD23252128BF}" type="presParOf" srcId="{4A554E7B-4565-9144-9E8A-ED84F42D6595}" destId="{FF12BBB7-C98F-004B-97D1-6F33A956F885}" srcOrd="1" destOrd="0" presId="urn:microsoft.com/office/officeart/2005/8/layout/process1"/>
     <dgm:cxn modelId="{56C9F803-799C-3147-830A-E0A956C21914}" type="presParOf" srcId="{FF12BBB7-C98F-004B-97D1-6F33A956F885}" destId="{93205773-7419-ED4D-91F8-2A24298BF005}" srcOrd="0" destOrd="0" presId="urn:microsoft.com/office/officeart/2005/8/layout/process1"/>
@@ -2962,8 +2962,8 @@
       </dsp:nvSpPr>
       <dsp:spPr>
         <a:xfrm>
-          <a:off x="3809" y="312734"/>
-          <a:ext cx="1204829" cy="1514690"/>
+          <a:off x="6149" y="240216"/>
+          <a:ext cx="1385658" cy="1659725"/>
         </a:xfrm>
         <a:prstGeom prst="roundRect">
           <a:avLst>
@@ -3028,12 +3028,12 @@
         </a:fontRef>
       </dsp:style>
       <dsp:txBody>
-        <a:bodyPr spcFirstLastPara="0" vert="horz" wrap="square" lIns="49530" tIns="49530" rIns="49530" bIns="49530" numCol="1" spcCol="1270" anchor="ctr" anchorCtr="0">
+        <a:bodyPr spcFirstLastPara="0" vert="horz" wrap="square" lIns="57150" tIns="57150" rIns="57150" bIns="57150" numCol="1" spcCol="1270" anchor="ctr" anchorCtr="0">
           <a:noAutofit/>
         </a:bodyPr>
         <a:lstStyle/>
         <a:p>
-          <a:pPr lvl="0" algn="ctr" defTabSz="577850">
+          <a:pPr lvl="0" algn="ctr" defTabSz="666750">
             <a:lnSpc>
               <a:spcPct val="90000"/>
             </a:lnSpc>
@@ -3045,15 +3045,15 @@
             </a:spcAft>
           </a:pPr>
           <a:r>
-            <a:rPr lang="en-US" sz="1300" kern="1200" dirty="0" smtClean="0"/>
+            <a:rPr lang="en-US" sz="1500" kern="1200" dirty="0" smtClean="0"/>
             <a:t>Contact Network Generator</a:t>
           </a:r>
-          <a:endParaRPr lang="en-US" sz="1300" kern="1200" dirty="0"/>
+          <a:endParaRPr lang="en-US" sz="1500" kern="1200" dirty="0"/>
         </a:p>
       </dsp:txBody>
       <dsp:txXfrm>
-        <a:off x="39097" y="348022"/>
-        <a:ext cx="1134253" cy="1444114"/>
+        <a:off x="46734" y="280801"/>
+        <a:ext cx="1304488" cy="1578555"/>
       </dsp:txXfrm>
     </dsp:sp>
     <dsp:sp modelId="{1A8802C5-3316-8E4D-AF91-213A1FB07CB7}">
@@ -3063,8 +3063,8 @@
       </dsp:nvSpPr>
       <dsp:spPr>
         <a:xfrm>
-          <a:off x="1363435" y="878131"/>
-          <a:ext cx="328168" cy="383895"/>
+          <a:off x="1569837" y="849322"/>
+          <a:ext cx="377422" cy="441513"/>
         </a:xfrm>
         <a:prstGeom prst="rightArrow">
           <a:avLst>
@@ -3138,7 +3138,7 @@
         </a:bodyPr>
         <a:lstStyle/>
         <a:p>
-          <a:pPr lvl="0" algn="ctr" defTabSz="488950">
+          <a:pPr lvl="0" algn="ctr" defTabSz="533400">
             <a:lnSpc>
               <a:spcPct val="90000"/>
             </a:lnSpc>
@@ -3149,12 +3149,12 @@
               <a:spcPct val="35000"/>
             </a:spcAft>
           </a:pPr>
-          <a:endParaRPr lang="en-US" sz="1100" kern="1200"/>
+          <a:endParaRPr lang="en-US" sz="1200" kern="1200"/>
         </a:p>
       </dsp:txBody>
       <dsp:txXfrm>
-        <a:off x="1363435" y="954910"/>
-        <a:ext cx="229718" cy="230337"/>
+        <a:off x="1569837" y="937625"/>
+        <a:ext cx="264195" cy="264907"/>
       </dsp:txXfrm>
     </dsp:sp>
     <dsp:sp modelId="{C5062774-D3A7-8B40-8FDE-995EBC7DED98}">
@@ -3164,8 +3164,8 @@
       </dsp:nvSpPr>
       <dsp:spPr>
         <a:xfrm>
-          <a:off x="1827825" y="312734"/>
-          <a:ext cx="1049676" cy="1514690"/>
+          <a:off x="2103926" y="240216"/>
+          <a:ext cx="1551172" cy="1659725"/>
         </a:xfrm>
         <a:prstGeom prst="roundRect">
           <a:avLst>
@@ -3230,12 +3230,12 @@
         </a:fontRef>
       </dsp:style>
       <dsp:txBody>
-        <a:bodyPr spcFirstLastPara="0" vert="horz" wrap="square" lIns="49530" tIns="49530" rIns="49530" bIns="49530" numCol="1" spcCol="1270" anchor="ctr" anchorCtr="0">
+        <a:bodyPr spcFirstLastPara="0" vert="horz" wrap="square" lIns="57150" tIns="57150" rIns="57150" bIns="57150" numCol="1" spcCol="1270" anchor="t" anchorCtr="0">
           <a:noAutofit/>
         </a:bodyPr>
         <a:lstStyle/>
         <a:p>
-          <a:pPr lvl="0" algn="ctr" defTabSz="577850">
+          <a:pPr lvl="0" algn="ctr" defTabSz="666750">
             <a:lnSpc>
               <a:spcPct val="90000"/>
             </a:lnSpc>
@@ -3247,15 +3247,53 @@
             </a:spcAft>
           </a:pPr>
           <a:r>
-            <a:rPr lang="en-US" sz="1300" kern="1200" dirty="0" smtClean="0"/>
+            <a:rPr lang="en-US" sz="1500" kern="1200" smtClean="0"/>
+            <a:t>Seeds</a:t>
+          </a:r>
+          <a:endParaRPr lang="en-US" sz="1500" kern="1200" dirty="0"/>
+        </a:p>
+        <a:p>
+          <a:pPr marL="114300" lvl="1" indent="-114300" algn="l" defTabSz="533400">
+            <a:lnSpc>
+              <a:spcPct val="90000"/>
+            </a:lnSpc>
+            <a:spcBef>
+              <a:spcPct val="0"/>
+            </a:spcBef>
+            <a:spcAft>
+              <a:spcPct val="15000"/>
+            </a:spcAft>
+            <a:buChar char="•"/>
+          </a:pPr>
+          <a:r>
+            <a:rPr lang="en-US" sz="1200" kern="1200" dirty="0" smtClean="0"/>
             <a:t>Seed Selection</a:t>
           </a:r>
-          <a:endParaRPr lang="en-US" sz="1300" kern="1200" dirty="0"/>
+          <a:endParaRPr lang="en-US" sz="1200" kern="1200" dirty="0"/>
+        </a:p>
+        <a:p>
+          <a:pPr marL="114300" lvl="1" indent="-114300" algn="l" defTabSz="533400">
+            <a:lnSpc>
+              <a:spcPct val="90000"/>
+            </a:lnSpc>
+            <a:spcBef>
+              <a:spcPct val="0"/>
+            </a:spcBef>
+            <a:spcAft>
+              <a:spcPct val="15000"/>
+            </a:spcAft>
+            <a:buChar char="•"/>
+          </a:pPr>
+          <a:r>
+            <a:rPr lang="en-US" sz="1200" kern="1200" dirty="0" smtClean="0"/>
+            <a:t>Seed Sequence</a:t>
+          </a:r>
+          <a:endParaRPr lang="en-US" sz="1200" kern="1200" dirty="0"/>
         </a:p>
       </dsp:txBody>
       <dsp:txXfrm>
-        <a:off x="1858569" y="343478"/>
-        <a:ext cx="988188" cy="1453202"/>
+        <a:off x="2149358" y="285648"/>
+        <a:ext cx="1460308" cy="1568861"/>
       </dsp:txXfrm>
     </dsp:sp>
     <dsp:sp modelId="{3029052C-E3B7-CC46-8E23-37ABEDD15F03}">
@@ -3265,8 +3303,8 @@
       </dsp:nvSpPr>
       <dsp:spPr>
         <a:xfrm>
-          <a:off x="3032298" y="878131"/>
-          <a:ext cx="328168" cy="383895"/>
+          <a:off x="3833129" y="849322"/>
+          <a:ext cx="377422" cy="441513"/>
         </a:xfrm>
         <a:prstGeom prst="rightArrow">
           <a:avLst>
@@ -3340,7 +3378,7 @@
         </a:bodyPr>
         <a:lstStyle/>
         <a:p>
-          <a:pPr lvl="0" algn="ctr" defTabSz="488950">
+          <a:pPr lvl="0" algn="ctr" defTabSz="533400">
             <a:lnSpc>
               <a:spcPct val="90000"/>
             </a:lnSpc>
@@ -3351,67 +3389,32 @@
               <a:spcPct val="35000"/>
             </a:spcAft>
           </a:pPr>
-          <a:endParaRPr lang="en-US" sz="1100" kern="1200"/>
+          <a:endParaRPr lang="en-US" sz="1200" kern="1200"/>
         </a:p>
       </dsp:txBody>
       <dsp:txXfrm>
-        <a:off x="3032298" y="954910"/>
-        <a:ext cx="229718" cy="230337"/>
+        <a:off x="3833129" y="937625"/>
+        <a:ext cx="264195" cy="264907"/>
       </dsp:txXfrm>
     </dsp:sp>
-    <dsp:sp modelId="{435D2948-DD5F-BA48-A4C2-3ADB352C2698}">
+    <dsp:sp modelId="{2D708B46-B09A-7F44-A9C5-AB1FDCCB92AC}">
       <dsp:nvSpPr>
         <dsp:cNvPr id="0" name=""/>
         <dsp:cNvSpPr/>
       </dsp:nvSpPr>
       <dsp:spPr>
         <a:xfrm>
-          <a:off x="3496688" y="312734"/>
-          <a:ext cx="1126997" cy="1514690"/>
+          <a:off x="4367218" y="240216"/>
+          <a:ext cx="2079475" cy="1659725"/>
         </a:xfrm>
         <a:prstGeom prst="roundRect">
           <a:avLst>
             <a:gd name="adj" fmla="val 10000"/>
           </a:avLst>
         </a:prstGeom>
-        <a:gradFill rotWithShape="0">
-          <a:gsLst>
-            <a:gs pos="0">
-              <a:schemeClr val="accent1">
-                <a:hueOff val="0"/>
-                <a:satOff val="0"/>
-                <a:lumOff val="0"/>
-                <a:alphaOff val="0"/>
-                <a:satMod val="103000"/>
-                <a:lumMod val="102000"/>
-                <a:tint val="94000"/>
-              </a:schemeClr>
-            </a:gs>
-            <a:gs pos="50000">
-              <a:schemeClr val="accent1">
-                <a:hueOff val="0"/>
-                <a:satOff val="0"/>
-                <a:lumOff val="0"/>
-                <a:alphaOff val="0"/>
-                <a:satMod val="110000"/>
-                <a:lumMod val="100000"/>
-                <a:shade val="100000"/>
-              </a:schemeClr>
-            </a:gs>
-            <a:gs pos="100000">
-              <a:schemeClr val="accent1">
-                <a:hueOff val="0"/>
-                <a:satOff val="0"/>
-                <a:lumOff val="0"/>
-                <a:alphaOff val="0"/>
-                <a:lumMod val="99000"/>
-                <a:satMod val="120000"/>
-                <a:shade val="78000"/>
-              </a:schemeClr>
-            </a:gs>
-          </a:gsLst>
-          <a:lin ang="5400000" scaled="0"/>
-        </a:gradFill>
+        <a:solidFill>
+          <a:srgbClr val="7030A0"/>
+        </a:solidFill>
         <a:ln>
           <a:noFill/>
         </a:ln>
@@ -3432,12 +3435,12 @@
         </a:fontRef>
       </dsp:style>
       <dsp:txBody>
-        <a:bodyPr spcFirstLastPara="0" vert="horz" wrap="square" lIns="49530" tIns="49530" rIns="49530" bIns="49530" numCol="1" spcCol="1270" anchor="ctr" anchorCtr="0">
+        <a:bodyPr spcFirstLastPara="0" vert="horz" wrap="square" lIns="57150" tIns="57150" rIns="57150" bIns="57150" numCol="1" spcCol="1270" anchor="t" anchorCtr="0">
           <a:noAutofit/>
         </a:bodyPr>
         <a:lstStyle/>
         <a:p>
-          <a:pPr lvl="0" algn="ctr" defTabSz="577850">
+          <a:pPr lvl="0" algn="ctr" defTabSz="666750">
             <a:lnSpc>
               <a:spcPct val="90000"/>
             </a:lnSpc>
@@ -3449,26 +3452,140 @@
             </a:spcAft>
           </a:pPr>
           <a:r>
-            <a:rPr lang="en-US" sz="1300" kern="1200" dirty="0" smtClean="0"/>
-            <a:t>Seed Sequence</a:t>
+            <a:rPr lang="en-US" sz="1500" kern="1200" dirty="0" smtClean="0"/>
+            <a:t>TRANSMISSIONS</a:t>
           </a:r>
-          <a:endParaRPr lang="en-US" sz="1300" kern="1200" dirty="0"/>
+          <a:endParaRPr lang="en-US" sz="1500" kern="1200" dirty="0"/>
+        </a:p>
+        <a:p>
+          <a:pPr marL="114300" lvl="1" indent="-114300" algn="l" defTabSz="533400">
+            <a:lnSpc>
+              <a:spcPct val="90000"/>
+            </a:lnSpc>
+            <a:spcBef>
+              <a:spcPct val="0"/>
+            </a:spcBef>
+            <a:spcAft>
+              <a:spcPct val="15000"/>
+            </a:spcAft>
+            <a:buChar char="•"/>
+          </a:pPr>
+          <a:r>
+            <a:rPr lang="en-US" sz="1200" kern="1200" dirty="0" smtClean="0"/>
+            <a:t>Transmission Node Sample</a:t>
+          </a:r>
+          <a:endParaRPr lang="en-US" sz="1200" kern="1200" dirty="0"/>
+        </a:p>
+        <a:p>
+          <a:pPr marL="114300" lvl="1" indent="-114300" algn="l" defTabSz="533400">
+            <a:lnSpc>
+              <a:spcPct val="90000"/>
+            </a:lnSpc>
+            <a:spcBef>
+              <a:spcPct val="0"/>
+            </a:spcBef>
+            <a:spcAft>
+              <a:spcPct val="15000"/>
+            </a:spcAft>
+            <a:buChar char="•"/>
+          </a:pPr>
+          <a:r>
+            <a:rPr lang="en-US" sz="1200" kern="1200" dirty="0" smtClean="0"/>
+            <a:t>Transmission Time Sample</a:t>
+          </a:r>
+          <a:endParaRPr lang="en-US" sz="1200" kern="1200" dirty="0"/>
+        </a:p>
+        <a:p>
+          <a:pPr marL="114300" lvl="1" indent="-114300" algn="l" defTabSz="533400">
+            <a:lnSpc>
+              <a:spcPct val="90000"/>
+            </a:lnSpc>
+            <a:spcBef>
+              <a:spcPct val="0"/>
+            </a:spcBef>
+            <a:spcAft>
+              <a:spcPct val="15000"/>
+            </a:spcAft>
+            <a:buChar char="•"/>
+          </a:pPr>
+          <a:r>
+            <a:rPr lang="en-US" sz="1200" kern="1200" dirty="0" smtClean="0"/>
+            <a:t>Node Evolution</a:t>
+          </a:r>
+          <a:endParaRPr lang="en-US" sz="1200" kern="1200" dirty="0"/>
+        </a:p>
+        <a:p>
+          <a:pPr marL="114300" lvl="1" indent="-114300" algn="l" defTabSz="533400">
+            <a:lnSpc>
+              <a:spcPct val="90000"/>
+            </a:lnSpc>
+            <a:spcBef>
+              <a:spcPct val="0"/>
+            </a:spcBef>
+            <a:spcAft>
+              <a:spcPct val="15000"/>
+            </a:spcAft>
+            <a:buChar char="•"/>
+          </a:pPr>
+          <a:r>
+            <a:rPr lang="en-US" sz="1200" kern="1200" dirty="0" smtClean="0"/>
+            <a:t>Sequence Evolution</a:t>
+          </a:r>
+          <a:endParaRPr lang="en-US" sz="1200" kern="1200" dirty="0"/>
+        </a:p>
+        <a:p>
+          <a:pPr marL="114300" lvl="1" indent="-114300" algn="l" defTabSz="533400">
+            <a:lnSpc>
+              <a:spcPct val="90000"/>
+            </a:lnSpc>
+            <a:spcBef>
+              <a:spcPct val="0"/>
+            </a:spcBef>
+            <a:spcAft>
+              <a:spcPct val="15000"/>
+            </a:spcAft>
+            <a:buChar char="•"/>
+          </a:pPr>
+          <a:r>
+            <a:rPr lang="en-US" sz="1200" kern="1200" dirty="0" smtClean="0"/>
+            <a:t>Source Sample</a:t>
+          </a:r>
+          <a:endParaRPr lang="en-US" sz="1200" kern="1200" dirty="0"/>
+        </a:p>
+        <a:p>
+          <a:pPr marL="114300" lvl="1" indent="-114300" algn="l" defTabSz="533400">
+            <a:lnSpc>
+              <a:spcPct val="90000"/>
+            </a:lnSpc>
+            <a:spcBef>
+              <a:spcPct val="0"/>
+            </a:spcBef>
+            <a:spcAft>
+              <a:spcPct val="15000"/>
+            </a:spcAft>
+            <a:buChar char="•"/>
+          </a:pPr>
+          <a:r>
+            <a:rPr lang="en-US" sz="1200" kern="1200" dirty="0" err="1" smtClean="0"/>
+            <a:t>EndCriteria</a:t>
+          </a:r>
+          <a:endParaRPr lang="en-US" sz="1200" kern="1200" dirty="0"/>
         </a:p>
       </dsp:txBody>
       <dsp:txXfrm>
-        <a:off x="3529697" y="345743"/>
-        <a:ext cx="1060979" cy="1448672"/>
+        <a:off x="4415830" y="288828"/>
+        <a:ext cx="1982251" cy="1562501"/>
       </dsp:txXfrm>
     </dsp:sp>
-    <dsp:sp modelId="{F4B44CBC-FC47-1543-B4A9-F5AEB5CEB6BF}">
+    <dsp:sp modelId="{D04E9C78-DFB5-504F-BAA1-0C684C1DAD88}">
       <dsp:nvSpPr>
         <dsp:cNvPr id="0" name=""/>
         <dsp:cNvSpPr/>
       </dsp:nvSpPr>
       <dsp:spPr>
         <a:xfrm>
-          <a:off x="4778482" y="878131"/>
-          <a:ext cx="328168" cy="383895"/>
+          <a:off x="6624723" y="849322"/>
+          <a:ext cx="377422" cy="441513"/>
         </a:xfrm>
         <a:prstGeom prst="rightArrow">
           <a:avLst>
@@ -3542,7 +3659,7 @@
         </a:bodyPr>
         <a:lstStyle/>
         <a:p>
-          <a:pPr lvl="0" algn="ctr" defTabSz="488950">
+          <a:pPr lvl="0" algn="ctr" defTabSz="533400">
             <a:lnSpc>
               <a:spcPct val="90000"/>
             </a:lnSpc>
@@ -3553,32 +3670,67 @@
               <a:spcPct val="35000"/>
             </a:spcAft>
           </a:pPr>
-          <a:endParaRPr lang="en-US" sz="1100" kern="1200"/>
+          <a:endParaRPr lang="en-US" sz="1200" kern="1200"/>
         </a:p>
       </dsp:txBody>
       <dsp:txXfrm>
-        <a:off x="4778482" y="954910"/>
-        <a:ext cx="229718" cy="230337"/>
+        <a:off x="6624723" y="937625"/>
+        <a:ext cx="264195" cy="264907"/>
       </dsp:txXfrm>
     </dsp:sp>
-    <dsp:sp modelId="{2D708B46-B09A-7F44-A9C5-AB1FDCCB92AC}">
+    <dsp:sp modelId="{C32824EC-7FEF-D447-AAC6-9346B117354E}">
       <dsp:nvSpPr>
         <dsp:cNvPr id="0" name=""/>
         <dsp:cNvSpPr/>
       </dsp:nvSpPr>
       <dsp:spPr>
         <a:xfrm>
-          <a:off x="5242872" y="312734"/>
-          <a:ext cx="1808102" cy="1514690"/>
+          <a:off x="7158812" y="240216"/>
+          <a:ext cx="1553202" cy="1659725"/>
         </a:xfrm>
         <a:prstGeom prst="roundRect">
           <a:avLst>
             <a:gd name="adj" fmla="val 10000"/>
           </a:avLst>
         </a:prstGeom>
-        <a:solidFill>
-          <a:srgbClr val="7030A0"/>
-        </a:solidFill>
+        <a:gradFill rotWithShape="0">
+          <a:gsLst>
+            <a:gs pos="0">
+              <a:schemeClr val="accent1">
+                <a:hueOff val="0"/>
+                <a:satOff val="0"/>
+                <a:lumOff val="0"/>
+                <a:alphaOff val="0"/>
+                <a:satMod val="103000"/>
+                <a:lumMod val="102000"/>
+                <a:tint val="94000"/>
+              </a:schemeClr>
+            </a:gs>
+            <a:gs pos="50000">
+              <a:schemeClr val="accent1">
+                <a:hueOff val="0"/>
+                <a:satOff val="0"/>
+                <a:lumOff val="0"/>
+                <a:alphaOff val="0"/>
+                <a:satMod val="110000"/>
+                <a:lumMod val="100000"/>
+                <a:shade val="100000"/>
+              </a:schemeClr>
+            </a:gs>
+            <a:gs pos="100000">
+              <a:schemeClr val="accent1">
+                <a:hueOff val="0"/>
+                <a:satOff val="0"/>
+                <a:lumOff val="0"/>
+                <a:alphaOff val="0"/>
+                <a:lumMod val="99000"/>
+                <a:satMod val="120000"/>
+                <a:shade val="78000"/>
+              </a:schemeClr>
+            </a:gs>
+          </a:gsLst>
+          <a:lin ang="5400000" scaled="0"/>
+        </a:gradFill>
         <a:ln>
           <a:noFill/>
         </a:ln>
@@ -3599,12 +3751,12 @@
         </a:fontRef>
       </dsp:style>
       <dsp:txBody>
-        <a:bodyPr spcFirstLastPara="0" vert="horz" wrap="square" lIns="49530" tIns="49530" rIns="49530" bIns="49530" numCol="1" spcCol="1270" anchor="t" anchorCtr="0">
+        <a:bodyPr spcFirstLastPara="0" vert="horz" wrap="square" lIns="57150" tIns="57150" rIns="57150" bIns="57150" numCol="1" spcCol="1270" anchor="t" anchorCtr="0">
           <a:noAutofit/>
         </a:bodyPr>
         <a:lstStyle/>
         <a:p>
-          <a:pPr lvl="0" algn="ctr" defTabSz="577850">
+          <a:pPr lvl="0" algn="ctr" defTabSz="666750">
             <a:lnSpc>
               <a:spcPct val="90000"/>
             </a:lnSpc>
@@ -3616,13 +3768,13 @@
             </a:spcAft>
           </a:pPr>
           <a:r>
-            <a:rPr lang="en-US" sz="1300" kern="1200" dirty="0" smtClean="0"/>
-            <a:t>TRANSMISSIONS</a:t>
+            <a:rPr lang="en-US" sz="1500" kern="1200" dirty="0" smtClean="0"/>
+            <a:t>VIRAL SAMPLE</a:t>
           </a:r>
-          <a:endParaRPr lang="en-US" sz="1300" kern="1200" dirty="0"/>
+          <a:endParaRPr lang="en-US" sz="1500" kern="1200" dirty="0"/>
         </a:p>
         <a:p>
-          <a:pPr marL="57150" lvl="1" indent="-57150" algn="l" defTabSz="444500">
+          <a:pPr marL="114300" lvl="1" indent="-114300" algn="l" defTabSz="533400">
             <a:lnSpc>
               <a:spcPct val="90000"/>
             </a:lnSpc>
@@ -3635,13 +3787,17 @@
             <a:buChar char="•"/>
           </a:pPr>
           <a:r>
-            <a:rPr lang="en-US" sz="1000" kern="1200" dirty="0" smtClean="0"/>
-            <a:t>Transmission Node Sample</a:t>
+            <a:rPr lang="en-US" sz="1200" kern="1200" dirty="0" err="1" smtClean="0"/>
+            <a:t>Num</a:t>
           </a:r>
-          <a:endParaRPr lang="en-US" sz="1000" kern="1200" dirty="0"/>
+          <a:r>
+            <a:rPr lang="en-US" sz="1200" kern="1200" smtClean="0"/>
+            <a:t> Time Sample</a:t>
+          </a:r>
+          <a:endParaRPr lang="en-US" sz="1200" kern="1200"/>
         </a:p>
         <a:p>
-          <a:pPr marL="57150" lvl="1" indent="-57150" algn="l" defTabSz="444500">
+          <a:pPr marL="114300" lvl="1" indent="-114300" algn="l" defTabSz="533400">
             <a:lnSpc>
               <a:spcPct val="90000"/>
             </a:lnSpc>
@@ -3654,13 +3810,13 @@
             <a:buChar char="•"/>
           </a:pPr>
           <a:r>
-            <a:rPr lang="en-US" sz="1000" kern="1200" dirty="0" smtClean="0"/>
-            <a:t>Transmission Time Sample</a:t>
+            <a:rPr lang="en-US" sz="1200" kern="1200" dirty="0" smtClean="0"/>
+            <a:t>Time Sample</a:t>
           </a:r>
-          <a:endParaRPr lang="en-US" sz="1000" kern="1200" dirty="0"/>
+          <a:endParaRPr lang="en-US" sz="1200" kern="1200" dirty="0"/>
         </a:p>
         <a:p>
-          <a:pPr marL="57150" lvl="1" indent="-57150" algn="l" defTabSz="444500">
+          <a:pPr marL="114300" lvl="1" indent="-114300" algn="l" defTabSz="533400">
             <a:lnSpc>
               <a:spcPct val="90000"/>
             </a:lnSpc>
@@ -3673,83 +3829,30 @@
             <a:buChar char="•"/>
           </a:pPr>
           <a:r>
-            <a:rPr lang="en-US" sz="1000" kern="1200" dirty="0" smtClean="0"/>
-            <a:t>Node Evolution</a:t>
+            <a:rPr lang="en-US" sz="1200" kern="1200" dirty="0" err="1" smtClean="0"/>
+            <a:t>Num</a:t>
           </a:r>
-          <a:endParaRPr lang="en-US" sz="1000" kern="1200" dirty="0"/>
-        </a:p>
-        <a:p>
-          <a:pPr marL="57150" lvl="1" indent="-57150" algn="l" defTabSz="444500">
-            <a:lnSpc>
-              <a:spcPct val="90000"/>
-            </a:lnSpc>
-            <a:spcBef>
-              <a:spcPct val="0"/>
-            </a:spcBef>
-            <a:spcAft>
-              <a:spcPct val="15000"/>
-            </a:spcAft>
-            <a:buChar char="•"/>
-          </a:pPr>
           <a:r>
-            <a:rPr lang="en-US" sz="1000" kern="1200" dirty="0" smtClean="0"/>
-            <a:t>Sequence Evolution</a:t>
+            <a:rPr lang="en-US" sz="1200" kern="1200" dirty="0" smtClean="0"/>
+            <a:t> Branch Sample</a:t>
           </a:r>
-          <a:endParaRPr lang="en-US" sz="1000" kern="1200" dirty="0"/>
-        </a:p>
-        <a:p>
-          <a:pPr marL="57150" lvl="1" indent="-57150" algn="l" defTabSz="444500">
-            <a:lnSpc>
-              <a:spcPct val="90000"/>
-            </a:lnSpc>
-            <a:spcBef>
-              <a:spcPct val="0"/>
-            </a:spcBef>
-            <a:spcAft>
-              <a:spcPct val="15000"/>
-            </a:spcAft>
-            <a:buChar char="•"/>
-          </a:pPr>
-          <a:r>
-            <a:rPr lang="en-US" sz="1000" kern="1200" dirty="0" smtClean="0"/>
-            <a:t>Source Sample</a:t>
-          </a:r>
-          <a:endParaRPr lang="en-US" sz="1000" kern="1200" dirty="0"/>
-        </a:p>
-        <a:p>
-          <a:pPr marL="57150" lvl="1" indent="-57150" algn="l" defTabSz="444500">
-            <a:lnSpc>
-              <a:spcPct val="90000"/>
-            </a:lnSpc>
-            <a:spcBef>
-              <a:spcPct val="0"/>
-            </a:spcBef>
-            <a:spcAft>
-              <a:spcPct val="15000"/>
-            </a:spcAft>
-            <a:buChar char="•"/>
-          </a:pPr>
-          <a:r>
-            <a:rPr lang="en-US" sz="1000" kern="1200" dirty="0" err="1" smtClean="0"/>
-            <a:t>EndCriteria</a:t>
-          </a:r>
-          <a:endParaRPr lang="en-US" sz="1000" kern="1200" dirty="0"/>
+          <a:endParaRPr lang="en-US" sz="1200" kern="1200" dirty="0"/>
         </a:p>
       </dsp:txBody>
       <dsp:txXfrm>
-        <a:off x="5287236" y="357098"/>
-        <a:ext cx="1719374" cy="1425962"/>
+        <a:off x="7204304" y="285708"/>
+        <a:ext cx="1462218" cy="1568741"/>
       </dsp:txXfrm>
     </dsp:sp>
-    <dsp:sp modelId="{D04E9C78-DFB5-504F-BAA1-0C684C1DAD88}">
+    <dsp:sp modelId="{5863E911-18E3-324A-A96A-07671B0F8D24}">
       <dsp:nvSpPr>
         <dsp:cNvPr id="0" name=""/>
         <dsp:cNvSpPr/>
       </dsp:nvSpPr>
       <dsp:spPr>
         <a:xfrm>
-          <a:off x="7205772" y="878131"/>
-          <a:ext cx="328168" cy="383895"/>
+          <a:off x="8890044" y="849322"/>
+          <a:ext cx="377422" cy="441513"/>
         </a:xfrm>
         <a:prstGeom prst="rightArrow">
           <a:avLst>
@@ -3823,7 +3926,7 @@
         </a:bodyPr>
         <a:lstStyle/>
         <a:p>
-          <a:pPr lvl="0" algn="ctr" defTabSz="488950">
+          <a:pPr lvl="0" algn="ctr" defTabSz="533400">
             <a:lnSpc>
               <a:spcPct val="90000"/>
             </a:lnSpc>
@@ -3834,279 +3937,12 @@
               <a:spcPct val="35000"/>
             </a:spcAft>
           </a:pPr>
-          <a:endParaRPr lang="en-US" sz="1100" kern="1200"/>
+          <a:endParaRPr lang="en-US" sz="1200" kern="1200"/>
         </a:p>
       </dsp:txBody>
       <dsp:txXfrm>
-        <a:off x="7205772" y="954910"/>
-        <a:ext cx="229718" cy="230337"/>
-      </dsp:txXfrm>
-    </dsp:sp>
-    <dsp:sp modelId="{C32824EC-7FEF-D447-AAC6-9346B117354E}">
-      <dsp:nvSpPr>
-        <dsp:cNvPr id="0" name=""/>
-        <dsp:cNvSpPr/>
-      </dsp:nvSpPr>
-      <dsp:spPr>
-        <a:xfrm>
-          <a:off x="7670162" y="312734"/>
-          <a:ext cx="1350508" cy="1514690"/>
-        </a:xfrm>
-        <a:prstGeom prst="roundRect">
-          <a:avLst>
-            <a:gd name="adj" fmla="val 10000"/>
-          </a:avLst>
-        </a:prstGeom>
-        <a:gradFill rotWithShape="0">
-          <a:gsLst>
-            <a:gs pos="0">
-              <a:schemeClr val="accent1">
-                <a:hueOff val="0"/>
-                <a:satOff val="0"/>
-                <a:lumOff val="0"/>
-                <a:alphaOff val="0"/>
-                <a:satMod val="103000"/>
-                <a:lumMod val="102000"/>
-                <a:tint val="94000"/>
-              </a:schemeClr>
-            </a:gs>
-            <a:gs pos="50000">
-              <a:schemeClr val="accent1">
-                <a:hueOff val="0"/>
-                <a:satOff val="0"/>
-                <a:lumOff val="0"/>
-                <a:alphaOff val="0"/>
-                <a:satMod val="110000"/>
-                <a:lumMod val="100000"/>
-                <a:shade val="100000"/>
-              </a:schemeClr>
-            </a:gs>
-            <a:gs pos="100000">
-              <a:schemeClr val="accent1">
-                <a:hueOff val="0"/>
-                <a:satOff val="0"/>
-                <a:lumOff val="0"/>
-                <a:alphaOff val="0"/>
-                <a:lumMod val="99000"/>
-                <a:satMod val="120000"/>
-                <a:shade val="78000"/>
-              </a:schemeClr>
-            </a:gs>
-          </a:gsLst>
-          <a:lin ang="5400000" scaled="0"/>
-        </a:gradFill>
-        <a:ln>
-          <a:noFill/>
-        </a:ln>
-        <a:effectLst/>
-      </dsp:spPr>
-      <dsp:style>
-        <a:lnRef idx="0">
-          <a:scrgbClr r="0" g="0" b="0"/>
-        </a:lnRef>
-        <a:fillRef idx="3">
-          <a:scrgbClr r="0" g="0" b="0"/>
-        </a:fillRef>
-        <a:effectRef idx="2">
-          <a:scrgbClr r="0" g="0" b="0"/>
-        </a:effectRef>
-        <a:fontRef idx="minor">
-          <a:schemeClr val="lt1"/>
-        </a:fontRef>
-      </dsp:style>
-      <dsp:txBody>
-        <a:bodyPr spcFirstLastPara="0" vert="horz" wrap="square" lIns="49530" tIns="49530" rIns="49530" bIns="49530" numCol="1" spcCol="1270" anchor="t" anchorCtr="0">
-          <a:noAutofit/>
-        </a:bodyPr>
-        <a:lstStyle/>
-        <a:p>
-          <a:pPr lvl="0" algn="ctr" defTabSz="577850">
-            <a:lnSpc>
-              <a:spcPct val="90000"/>
-            </a:lnSpc>
-            <a:spcBef>
-              <a:spcPct val="0"/>
-            </a:spcBef>
-            <a:spcAft>
-              <a:spcPct val="35000"/>
-            </a:spcAft>
-          </a:pPr>
-          <a:r>
-            <a:rPr lang="en-US" sz="1300" kern="1200" dirty="0" smtClean="0"/>
-            <a:t>VIRAL SAMPLE</a:t>
-          </a:r>
-          <a:endParaRPr lang="en-US" sz="1300" kern="1200" dirty="0"/>
-        </a:p>
-        <a:p>
-          <a:pPr marL="57150" lvl="1" indent="-57150" algn="l" defTabSz="444500">
-            <a:lnSpc>
-              <a:spcPct val="90000"/>
-            </a:lnSpc>
-            <a:spcBef>
-              <a:spcPct val="0"/>
-            </a:spcBef>
-            <a:spcAft>
-              <a:spcPct val="15000"/>
-            </a:spcAft>
-            <a:buChar char="•"/>
-          </a:pPr>
-          <a:r>
-            <a:rPr lang="en-US" sz="1000" kern="1200" dirty="0" err="1" smtClean="0"/>
-            <a:t>Num</a:t>
-          </a:r>
-          <a:r>
-            <a:rPr lang="en-US" sz="1000" kern="1200" smtClean="0"/>
-            <a:t> Time Sample</a:t>
-          </a:r>
-          <a:endParaRPr lang="en-US" sz="1000" kern="1200"/>
-        </a:p>
-        <a:p>
-          <a:pPr marL="57150" lvl="1" indent="-57150" algn="l" defTabSz="444500">
-            <a:lnSpc>
-              <a:spcPct val="90000"/>
-            </a:lnSpc>
-            <a:spcBef>
-              <a:spcPct val="0"/>
-            </a:spcBef>
-            <a:spcAft>
-              <a:spcPct val="15000"/>
-            </a:spcAft>
-            <a:buChar char="•"/>
-          </a:pPr>
-          <a:r>
-            <a:rPr lang="en-US" sz="1000" kern="1200" dirty="0" smtClean="0"/>
-            <a:t>Time Sample</a:t>
-          </a:r>
-          <a:endParaRPr lang="en-US" sz="1000" kern="1200" dirty="0"/>
-        </a:p>
-        <a:p>
-          <a:pPr marL="57150" lvl="1" indent="-57150" algn="l" defTabSz="444500">
-            <a:lnSpc>
-              <a:spcPct val="90000"/>
-            </a:lnSpc>
-            <a:spcBef>
-              <a:spcPct val="0"/>
-            </a:spcBef>
-            <a:spcAft>
-              <a:spcPct val="15000"/>
-            </a:spcAft>
-            <a:buChar char="•"/>
-          </a:pPr>
-          <a:r>
-            <a:rPr lang="en-US" sz="1000" kern="1200" dirty="0" err="1" smtClean="0"/>
-            <a:t>Num</a:t>
-          </a:r>
-          <a:r>
-            <a:rPr lang="en-US" sz="1000" kern="1200" dirty="0" smtClean="0"/>
-            <a:t> Branch Sample</a:t>
-          </a:r>
-          <a:endParaRPr lang="en-US" sz="1000" kern="1200" dirty="0"/>
-        </a:p>
-      </dsp:txBody>
-      <dsp:txXfrm>
-        <a:off x="7709717" y="352289"/>
-        <a:ext cx="1271398" cy="1435580"/>
-      </dsp:txXfrm>
-    </dsp:sp>
-    <dsp:sp modelId="{5863E911-18E3-324A-A96A-07671B0F8D24}">
-      <dsp:nvSpPr>
-        <dsp:cNvPr id="0" name=""/>
-        <dsp:cNvSpPr/>
-      </dsp:nvSpPr>
-      <dsp:spPr>
-        <a:xfrm>
-          <a:off x="9175467" y="878131"/>
-          <a:ext cx="328168" cy="383895"/>
-        </a:xfrm>
-        <a:prstGeom prst="rightArrow">
-          <a:avLst>
-            <a:gd name="adj1" fmla="val 60000"/>
-            <a:gd name="adj2" fmla="val 50000"/>
-          </a:avLst>
-        </a:prstGeom>
-        <a:gradFill rotWithShape="0">
-          <a:gsLst>
-            <a:gs pos="0">
-              <a:schemeClr val="accent1">
-                <a:tint val="60000"/>
-                <a:hueOff val="0"/>
-                <a:satOff val="0"/>
-                <a:lumOff val="0"/>
-                <a:alphaOff val="0"/>
-                <a:satMod val="103000"/>
-                <a:lumMod val="102000"/>
-                <a:tint val="94000"/>
-              </a:schemeClr>
-            </a:gs>
-            <a:gs pos="50000">
-              <a:schemeClr val="accent1">
-                <a:tint val="60000"/>
-                <a:hueOff val="0"/>
-                <a:satOff val="0"/>
-                <a:lumOff val="0"/>
-                <a:alphaOff val="0"/>
-                <a:satMod val="110000"/>
-                <a:lumMod val="100000"/>
-                <a:shade val="100000"/>
-              </a:schemeClr>
-            </a:gs>
-            <a:gs pos="100000">
-              <a:schemeClr val="accent1">
-                <a:tint val="60000"/>
-                <a:hueOff val="0"/>
-                <a:satOff val="0"/>
-                <a:lumOff val="0"/>
-                <a:alphaOff val="0"/>
-                <a:lumMod val="99000"/>
-                <a:satMod val="120000"/>
-                <a:shade val="78000"/>
-              </a:schemeClr>
-            </a:gs>
-          </a:gsLst>
-          <a:lin ang="5400000" scaled="0"/>
-        </a:gradFill>
-        <a:ln>
-          <a:noFill/>
-        </a:ln>
-        <a:effectLst/>
-      </dsp:spPr>
-      <dsp:style>
-        <a:lnRef idx="0">
-          <a:scrgbClr r="0" g="0" b="0"/>
-        </a:lnRef>
-        <a:fillRef idx="3">
-          <a:scrgbClr r="0" g="0" b="0"/>
-        </a:fillRef>
-        <a:effectRef idx="2">
-          <a:scrgbClr r="0" g="0" b="0"/>
-        </a:effectRef>
-        <a:fontRef idx="minor">
-          <a:schemeClr val="lt1"/>
-        </a:fontRef>
-      </dsp:style>
-      <dsp:txBody>
-        <a:bodyPr spcFirstLastPara="0" vert="horz" wrap="square" lIns="0" tIns="0" rIns="0" bIns="0" numCol="1" spcCol="1270" anchor="ctr" anchorCtr="0">
-          <a:noAutofit/>
-        </a:bodyPr>
-        <a:lstStyle/>
-        <a:p>
-          <a:pPr lvl="0" algn="ctr" defTabSz="488950">
-            <a:lnSpc>
-              <a:spcPct val="90000"/>
-            </a:lnSpc>
-            <a:spcBef>
-              <a:spcPct val="0"/>
-            </a:spcBef>
-            <a:spcAft>
-              <a:spcPct val="35000"/>
-            </a:spcAft>
-          </a:pPr>
-          <a:endParaRPr lang="en-US" sz="1100" kern="1200"/>
-        </a:p>
-      </dsp:txBody>
-      <dsp:txXfrm>
-        <a:off x="9175467" y="954910"/>
-        <a:ext cx="229718" cy="230337"/>
+        <a:off x="8890044" y="937625"/>
+        <a:ext cx="264195" cy="264907"/>
       </dsp:txXfrm>
     </dsp:sp>
     <dsp:sp modelId="{E324EA71-C9AB-2943-812E-646AB1B31125}">
@@ -4116,8 +3952,8 @@
       </dsp:nvSpPr>
       <dsp:spPr>
         <a:xfrm>
-          <a:off x="9639857" y="312734"/>
-          <a:ext cx="1421730" cy="1514690"/>
+          <a:off x="9424134" y="240216"/>
+          <a:ext cx="1635113" cy="1659725"/>
         </a:xfrm>
         <a:prstGeom prst="roundRect">
           <a:avLst>
@@ -4147,12 +3983,12 @@
         </a:fontRef>
       </dsp:style>
       <dsp:txBody>
-        <a:bodyPr spcFirstLastPara="0" vert="horz" wrap="square" lIns="49530" tIns="49530" rIns="49530" bIns="49530" numCol="1" spcCol="1270" anchor="ctr" anchorCtr="0">
+        <a:bodyPr spcFirstLastPara="0" vert="horz" wrap="square" lIns="57150" tIns="57150" rIns="57150" bIns="57150" numCol="1" spcCol="1270" anchor="ctr" anchorCtr="0">
           <a:noAutofit/>
         </a:bodyPr>
         <a:lstStyle/>
         <a:p>
-          <a:pPr lvl="0" algn="ctr" defTabSz="577850">
+          <a:pPr lvl="0" algn="ctr" defTabSz="666750">
             <a:lnSpc>
               <a:spcPct val="90000"/>
             </a:lnSpc>
@@ -4164,12 +4000,12 @@
             </a:spcAft>
           </a:pPr>
           <a:r>
-            <a:rPr lang="en-US" sz="1300" kern="1200" dirty="0" smtClean="0"/>
+            <a:rPr lang="en-US" sz="1500" kern="1200" dirty="0" smtClean="0"/>
             <a:t>ERROR FREE</a:t>
           </a:r>
         </a:p>
         <a:p>
-          <a:pPr lvl="0" algn="ctr" defTabSz="577850">
+          <a:pPr lvl="0" algn="ctr" defTabSz="666750">
             <a:lnSpc>
               <a:spcPct val="90000"/>
             </a:lnSpc>
@@ -4181,15 +4017,15 @@
             </a:spcAft>
           </a:pPr>
           <a:r>
-            <a:rPr lang="en-US" sz="1300" kern="1200" dirty="0" smtClean="0"/>
+            <a:rPr lang="en-US" sz="1500" kern="1200" dirty="0" smtClean="0"/>
             <a:t>DATA</a:t>
           </a:r>
-          <a:endParaRPr lang="en-US" sz="1300" kern="1200" dirty="0"/>
+          <a:endParaRPr lang="en-US" sz="1500" kern="1200" dirty="0"/>
         </a:p>
       </dsp:txBody>
       <dsp:txXfrm>
-        <a:off x="9681498" y="354375"/>
-        <a:ext cx="1338448" cy="1431408"/>
+        <a:off x="9472025" y="288107"/>
+        <a:ext cx="1539331" cy="1563943"/>
       </dsp:txXfrm>
     </dsp:sp>
   </dsp:spTree>
@@ -13606,7 +13442,7 @@
           <p:nvPr>
             <p:extLst>
               <p:ext uri="{D42A27DB-BD31-4B8C-83A1-F6EECF244321}">
-                <p14:modId xmlns:p14="http://schemas.microsoft.com/office/powerpoint/2010/main" val="1497031764"/>
+                <p14:modId xmlns:p14="http://schemas.microsoft.com/office/powerpoint/2010/main" val="1172518874"/>
               </p:ext>
             </p:extLst>
           </p:nvPr>
@@ -13628,7 +13464,7 @@
           <p:nvPr>
             <p:extLst>
               <p:ext uri="{D42A27DB-BD31-4B8C-83A1-F6EECF244321}">
-                <p14:modId xmlns:p14="http://schemas.microsoft.com/office/powerpoint/2010/main" val="694449296"/>
+                <p14:modId xmlns:p14="http://schemas.microsoft.com/office/powerpoint/2010/main" val="1214770446"/>
               </p:ext>
             </p:extLst>
           </p:nvPr>

--- a/figures/figures.pptx
+++ b/figures/figures.pptx
@@ -2451,47 +2451,47 @@
     </dgm:pt>
   </dgm:ptLst>
   <dgm:cxnLst>
-    <dgm:cxn modelId="{2EA954D6-5CA0-634F-A561-B4C4306E02E8}" type="presOf" srcId="{4CC5DAE6-00C4-BD4A-B969-A1FB5B516F57}" destId="{FC94D377-6A7C-C04B-BE77-5081195182EA}" srcOrd="1" destOrd="0" presId="urn:microsoft.com/office/officeart/2005/8/layout/process1"/>
+    <dgm:cxn modelId="{F550F3EB-D554-514D-9172-65DAE540D191}" srcId="{801AFE1A-416D-E74C-BBFD-557415AE0194}" destId="{D8DAD879-37C7-774C-B149-B7250DD6D502}" srcOrd="1" destOrd="0" parTransId="{3057D897-29F9-DD49-B58A-81904BB7F42F}" sibTransId="{FA861C74-A4AA-6341-A5A4-19F33298102E}"/>
+    <dgm:cxn modelId="{110499A5-A60C-6D46-8BB6-ADCEEBA047B6}" type="presOf" srcId="{88049AEE-4468-7944-9BC4-14997D6BF2C6}" destId="{C32824EC-7FEF-D447-AAC6-9346B117354E}" srcOrd="0" destOrd="3" presId="urn:microsoft.com/office/officeart/2005/8/layout/process1"/>
+    <dgm:cxn modelId="{93AEA845-A616-3842-8F5C-31284FCF24F7}" type="presOf" srcId="{DF7BE7E2-BD5F-EF42-98DF-684B0794E6B7}" destId="{2D708B46-B09A-7F44-A9C5-AB1FDCCB92AC}" srcOrd="0" destOrd="4" presId="urn:microsoft.com/office/officeart/2005/8/layout/process1"/>
+    <dgm:cxn modelId="{1A10F469-1A1D-6E44-8760-2C41AC2B313D}" srcId="{E87FC9F4-306A-C441-847C-3B779F386673}" destId="{94769534-4246-8C4F-A5A5-FDCD149EA162}" srcOrd="4" destOrd="0" parTransId="{75F7124E-82E3-C04C-B862-F686848CD179}" sibTransId="{8D2569AF-BC24-D947-8477-93C1747FC4C1}"/>
+    <dgm:cxn modelId="{8208AA31-3D46-1B47-A4D3-10F7DA609BE4}" type="presOf" srcId="{EB59FCF7-79EE-164C-BA56-C894BBA787D5}" destId="{C5062774-D3A7-8B40-8FDE-995EBC7DED98}" srcOrd="0" destOrd="1" presId="urn:microsoft.com/office/officeart/2005/8/layout/process1"/>
+    <dgm:cxn modelId="{3A9F2415-251A-DF45-B278-30BD9E4B5778}" type="presOf" srcId="{B170FB99-8909-414F-A4FC-4553DD906590}" destId="{E73AAB45-BA46-5E42-A3FA-3E92D321988C}" srcOrd="1" destOrd="0" presId="urn:microsoft.com/office/officeart/2005/8/layout/process1"/>
+    <dgm:cxn modelId="{975229B5-085A-6541-8360-9DCB6BEA2436}" type="presOf" srcId="{0D3DF110-F666-A04E-8B34-4B0F25524A57}" destId="{2D708B46-B09A-7F44-A9C5-AB1FDCCB92AC}" srcOrd="0" destOrd="3" presId="urn:microsoft.com/office/officeart/2005/8/layout/process1"/>
+    <dgm:cxn modelId="{682D5B11-D8C9-044F-B660-3585E87B54B0}" type="presOf" srcId="{C939A25E-CA77-444F-8E65-4DA5CA6053DA}" destId="{C144839B-A0B2-3640-8A63-BF0412473803}" srcOrd="1" destOrd="0" presId="urn:microsoft.com/office/officeart/2005/8/layout/process1"/>
+    <dgm:cxn modelId="{17CC50F0-F0A1-064F-B8BF-D71066A100EC}" type="presOf" srcId="{533BC168-BC76-C14E-8694-1DC3B6CF54C5}" destId="{A8C226CF-C78B-EB4E-86A6-1B0387CFF648}" srcOrd="1" destOrd="0" presId="urn:microsoft.com/office/officeart/2005/8/layout/process1"/>
+    <dgm:cxn modelId="{BB304414-4573-A945-A6B9-D92B37E06E0E}" srcId="{DE49E2BA-261B-EC46-BAF7-6B78BDB6F06F}" destId="{801AFE1A-416D-E74C-BBFD-557415AE0194}" srcOrd="1" destOrd="0" parTransId="{2727C292-B037-A740-B806-A17CA3BCFCD5}" sibTransId="{533BC168-BC76-C14E-8694-1DC3B6CF54C5}"/>
     <dgm:cxn modelId="{F787D081-99C5-0E4B-B09C-F2E872777CDF}" type="presOf" srcId="{5EDB0D77-09F0-0C4F-B332-E852A176F79A}" destId="{E324EA71-C9AB-2943-812E-646AB1B31125}" srcOrd="0" destOrd="0" presId="urn:microsoft.com/office/officeart/2005/8/layout/process1"/>
-    <dgm:cxn modelId="{34FA0A1B-B56E-B04F-B8EC-AB21D2A30C24}" srcId="{E87FC9F4-306A-C441-847C-3B779F386673}" destId="{0D3DF110-F666-A04E-8B34-4B0F25524A57}" srcOrd="2" destOrd="0" parTransId="{7B7C4DCE-5341-4545-9538-6665DF174D30}" sibTransId="{A9EB110C-64CB-8545-A39B-8EE8C8FD35F9}"/>
-    <dgm:cxn modelId="{483A407A-1E6B-3047-BA2B-2FCA024D6346}" srcId="{E87FC9F4-306A-C441-847C-3B779F386673}" destId="{234F4A0B-8092-0C47-A9C3-FFE7AA8C6D2A}" srcOrd="0" destOrd="0" parTransId="{6740B56E-ADD8-9C42-BE21-0918BAB5D356}" sibTransId="{AF677554-A810-F245-83DF-78E242EE2752}"/>
-    <dgm:cxn modelId="{BB304414-4573-A945-A6B9-D92B37E06E0E}" srcId="{DE49E2BA-261B-EC46-BAF7-6B78BDB6F06F}" destId="{801AFE1A-416D-E74C-BBFD-557415AE0194}" srcOrd="1" destOrd="0" parTransId="{2727C292-B037-A740-B806-A17CA3BCFCD5}" sibTransId="{533BC168-BC76-C14E-8694-1DC3B6CF54C5}"/>
-    <dgm:cxn modelId="{24493C90-2BBF-0049-B00F-E8B3A1BC895E}" type="presOf" srcId="{CA1E943E-3AB1-4942-9397-CA0E4F86BC17}" destId="{C32824EC-7FEF-D447-AAC6-9346B117354E}" srcOrd="0" destOrd="2" presId="urn:microsoft.com/office/officeart/2005/8/layout/process1"/>
-    <dgm:cxn modelId="{721E9081-6DE5-044A-BFFC-1888E25FB0F6}" type="presOf" srcId="{B170FB99-8909-414F-A4FC-4553DD906590}" destId="{1A8802C5-3316-8E4D-AF91-213A1FB07CB7}" srcOrd="0" destOrd="0" presId="urn:microsoft.com/office/officeart/2005/8/layout/process1"/>
-    <dgm:cxn modelId="{7DD280A0-F51F-F84F-B3E8-E63A8CE40189}" type="presOf" srcId="{D8DAD879-37C7-774C-B149-B7250DD6D502}" destId="{C5062774-D3A7-8B40-8FDE-995EBC7DED98}" srcOrd="0" destOrd="2" presId="urn:microsoft.com/office/officeart/2005/8/layout/process1"/>
-    <dgm:cxn modelId="{F550F3EB-D554-514D-9172-65DAE540D191}" srcId="{801AFE1A-416D-E74C-BBFD-557415AE0194}" destId="{D8DAD879-37C7-774C-B149-B7250DD6D502}" srcOrd="1" destOrd="0" parTransId="{3057D897-29F9-DD49-B58A-81904BB7F42F}" sibTransId="{FA861C74-A4AA-6341-A5A4-19F33298102E}"/>
-    <dgm:cxn modelId="{1A10F469-1A1D-6E44-8760-2C41AC2B313D}" srcId="{E87FC9F4-306A-C441-847C-3B779F386673}" destId="{94769534-4246-8C4F-A5A5-FDCD149EA162}" srcOrd="4" destOrd="0" parTransId="{75F7124E-82E3-C04C-B862-F686848CD179}" sibTransId="{8D2569AF-BC24-D947-8477-93C1747FC4C1}"/>
-    <dgm:cxn modelId="{17CC50F0-F0A1-064F-B8BF-D71066A100EC}" type="presOf" srcId="{533BC168-BC76-C14E-8694-1DC3B6CF54C5}" destId="{A8C226CF-C78B-EB4E-86A6-1B0387CFF648}" srcOrd="1" destOrd="0" presId="urn:microsoft.com/office/officeart/2005/8/layout/process1"/>
-    <dgm:cxn modelId="{851AB8B6-F1D6-C64F-AE4B-E0F5252E4653}" srcId="{B3862515-EEE4-D345-B4E4-D176ED5D829D}" destId="{CA1E943E-3AB1-4942-9397-CA0E4F86BC17}" srcOrd="1" destOrd="0" parTransId="{1CE7C90D-6879-E34B-A8E5-532D4972417F}" sibTransId="{2C7164CC-6546-F34E-AC17-6A4FE01B6034}"/>
-    <dgm:cxn modelId="{9F55C8DD-5ABA-0647-8E6E-C80E86165806}" type="presOf" srcId="{234F4A0B-8092-0C47-A9C3-FFE7AA8C6D2A}" destId="{2D708B46-B09A-7F44-A9C5-AB1FDCCB92AC}" srcOrd="0" destOrd="1" presId="urn:microsoft.com/office/officeart/2005/8/layout/process1"/>
-    <dgm:cxn modelId="{D173F307-14ED-7140-9F70-FFA2C97805ED}" srcId="{B3862515-EEE4-D345-B4E4-D176ED5D829D}" destId="{88049AEE-4468-7944-9BC4-14997D6BF2C6}" srcOrd="2" destOrd="0" parTransId="{0610C57B-14B5-1847-BB28-6D239E823079}" sibTransId="{04A104A5-C4E3-9B4B-A8BD-AD63E82C498A}"/>
-    <dgm:cxn modelId="{A04519E5-7CC2-6443-9F0C-6BD5A658EB22}" type="presOf" srcId="{A7240CC4-9D82-DA47-B691-1F13DBBD256B}" destId="{2D708B46-B09A-7F44-A9C5-AB1FDCCB92AC}" srcOrd="0" destOrd="2" presId="urn:microsoft.com/office/officeart/2005/8/layout/process1"/>
-    <dgm:cxn modelId="{3C05CC0E-E31D-8147-AD16-56BA010946E7}" srcId="{801AFE1A-416D-E74C-BBFD-557415AE0194}" destId="{EB59FCF7-79EE-164C-BA56-C894BBA787D5}" srcOrd="0" destOrd="0" parTransId="{EB5B572A-39CC-A24D-9FD3-7E0D5EE2748F}" sibTransId="{44AB6DBE-73A2-3645-A37C-00E23131B684}"/>
-    <dgm:cxn modelId="{D500A717-F9A3-B74F-BDB0-13C797A36414}" type="presOf" srcId="{E87FC9F4-306A-C441-847C-3B779F386673}" destId="{2D708B46-B09A-7F44-A9C5-AB1FDCCB92AC}" srcOrd="0" destOrd="0" presId="urn:microsoft.com/office/officeart/2005/8/layout/process1"/>
-    <dgm:cxn modelId="{6E7BE60C-E32C-B049-B3FB-B11962DD0006}" srcId="{DE49E2BA-261B-EC46-BAF7-6B78BDB6F06F}" destId="{B3862515-EEE4-D345-B4E4-D176ED5D829D}" srcOrd="3" destOrd="0" parTransId="{A35A8C1C-578A-A946-9D1F-5DC7E105BF40}" sibTransId="{C939A25E-CA77-444F-8E65-4DA5CA6053DA}"/>
-    <dgm:cxn modelId="{127634F4-83D2-7C49-BCF8-038493B7E4B2}" srcId="{E87FC9F4-306A-C441-847C-3B779F386673}" destId="{A7240CC4-9D82-DA47-B691-1F13DBBD256B}" srcOrd="1" destOrd="0" parTransId="{F23044CA-9FAA-BF4D-ADA7-20B36854C0E0}" sibTransId="{83D2CA4B-211C-0B41-9362-5B4347E27686}"/>
+    <dgm:cxn modelId="{65F9519C-8DCA-3242-AB72-34F5454955E7}" srcId="{DE49E2BA-261B-EC46-BAF7-6B78BDB6F06F}" destId="{E87FC9F4-306A-C441-847C-3B779F386673}" srcOrd="2" destOrd="0" parTransId="{59685BE7-ADA0-B24C-9379-A9C402B1D281}" sibTransId="{4CC5DAE6-00C4-BD4A-B969-A1FB5B516F57}"/>
+    <dgm:cxn modelId="{923D94C7-F5C1-A144-9BBD-043CCC98EF5E}" type="presOf" srcId="{801AFE1A-416D-E74C-BBFD-557415AE0194}" destId="{C5062774-D3A7-8B40-8FDE-995EBC7DED98}" srcOrd="0" destOrd="0" presId="urn:microsoft.com/office/officeart/2005/8/layout/process1"/>
+    <dgm:cxn modelId="{EC182979-58B4-A347-90E0-929D046F46B6}" type="presOf" srcId="{DE49E2BA-261B-EC46-BAF7-6B78BDB6F06F}" destId="{4A554E7B-4565-9144-9E8A-ED84F42D6595}" srcOrd="0" destOrd="0" presId="urn:microsoft.com/office/officeart/2005/8/layout/process1"/>
     <dgm:cxn modelId="{C42F2CB9-53AB-CF43-BFD1-BB0C760BE7E0}" type="presOf" srcId="{94769534-4246-8C4F-A5A5-FDCD149EA162}" destId="{2D708B46-B09A-7F44-A9C5-AB1FDCCB92AC}" srcOrd="0" destOrd="5" presId="urn:microsoft.com/office/officeart/2005/8/layout/process1"/>
-    <dgm:cxn modelId="{3A9F2415-251A-DF45-B278-30BD9E4B5778}" type="presOf" srcId="{B170FB99-8909-414F-A4FC-4553DD906590}" destId="{E73AAB45-BA46-5E42-A3FA-3E92D321988C}" srcOrd="1" destOrd="0" presId="urn:microsoft.com/office/officeart/2005/8/layout/process1"/>
+    <dgm:cxn modelId="{36CA0605-EC8C-BB41-A4BD-EDC38709C58B}" type="presOf" srcId="{B3862515-EEE4-D345-B4E4-D176ED5D829D}" destId="{C32824EC-7FEF-D447-AAC6-9346B117354E}" srcOrd="0" destOrd="0" presId="urn:microsoft.com/office/officeart/2005/8/layout/process1"/>
     <dgm:cxn modelId="{03A8E979-5BDF-0448-BECE-0A2E1357F7A9}" type="presOf" srcId="{D29243F3-EA9B-7C4B-B882-B4CED33A4238}" destId="{2D708B46-B09A-7F44-A9C5-AB1FDCCB92AC}" srcOrd="0" destOrd="6" presId="urn:microsoft.com/office/officeart/2005/8/layout/process1"/>
-    <dgm:cxn modelId="{BBA1E820-FCF4-4746-A039-03C2C0799978}" type="presOf" srcId="{4CC5DAE6-00C4-BD4A-B969-A1FB5B516F57}" destId="{D04E9C78-DFB5-504F-BAA1-0C684C1DAD88}" srcOrd="0" destOrd="0" presId="urn:microsoft.com/office/officeart/2005/8/layout/process1"/>
-    <dgm:cxn modelId="{682D5B11-D8C9-044F-B660-3585E87B54B0}" type="presOf" srcId="{C939A25E-CA77-444F-8E65-4DA5CA6053DA}" destId="{C144839B-A0B2-3640-8A63-BF0412473803}" srcOrd="1" destOrd="0" presId="urn:microsoft.com/office/officeart/2005/8/layout/process1"/>
-    <dgm:cxn modelId="{110499A5-A60C-6D46-8BB6-ADCEEBA047B6}" type="presOf" srcId="{88049AEE-4468-7944-9BC4-14997D6BF2C6}" destId="{C32824EC-7FEF-D447-AAC6-9346B117354E}" srcOrd="0" destOrd="3" presId="urn:microsoft.com/office/officeart/2005/8/layout/process1"/>
-    <dgm:cxn modelId="{8208AA31-3D46-1B47-A4D3-10F7DA609BE4}" type="presOf" srcId="{EB59FCF7-79EE-164C-BA56-C894BBA787D5}" destId="{C5062774-D3A7-8B40-8FDE-995EBC7DED98}" srcOrd="0" destOrd="1" presId="urn:microsoft.com/office/officeart/2005/8/layout/process1"/>
-    <dgm:cxn modelId="{93AEA845-A616-3842-8F5C-31284FCF24F7}" type="presOf" srcId="{DF7BE7E2-BD5F-EF42-98DF-684B0794E6B7}" destId="{2D708B46-B09A-7F44-A9C5-AB1FDCCB92AC}" srcOrd="0" destOrd="4" presId="urn:microsoft.com/office/officeart/2005/8/layout/process1"/>
-    <dgm:cxn modelId="{923D94C7-F5C1-A144-9BBD-043CCC98EF5E}" type="presOf" srcId="{801AFE1A-416D-E74C-BBFD-557415AE0194}" destId="{C5062774-D3A7-8B40-8FDE-995EBC7DED98}" srcOrd="0" destOrd="0" presId="urn:microsoft.com/office/officeart/2005/8/layout/process1"/>
-    <dgm:cxn modelId="{904A6D4C-DB60-E84E-86DF-50C04D0445DC}" srcId="{E87FC9F4-306A-C441-847C-3B779F386673}" destId="{D29243F3-EA9B-7C4B-B882-B4CED33A4238}" srcOrd="5" destOrd="0" parTransId="{F0EA8FDB-2A25-104C-897B-35E612ED7A49}" sibTransId="{92F19B71-048A-BF4E-8243-D90AED72DA3D}"/>
-    <dgm:cxn modelId="{E96E6A5B-1AED-4C44-AE37-14C0056130FB}" type="presOf" srcId="{C939A25E-CA77-444F-8E65-4DA5CA6053DA}" destId="{5863E911-18E3-324A-A96A-07671B0F8D24}" srcOrd="0" destOrd="0" presId="urn:microsoft.com/office/officeart/2005/8/layout/process1"/>
-    <dgm:cxn modelId="{975229B5-085A-6541-8360-9DCB6BEA2436}" type="presOf" srcId="{0D3DF110-F666-A04E-8B34-4B0F25524A57}" destId="{2D708B46-B09A-7F44-A9C5-AB1FDCCB92AC}" srcOrd="0" destOrd="3" presId="urn:microsoft.com/office/officeart/2005/8/layout/process1"/>
-    <dgm:cxn modelId="{36CA0605-EC8C-BB41-A4BD-EDC38709C58B}" type="presOf" srcId="{B3862515-EEE4-D345-B4E4-D176ED5D829D}" destId="{C32824EC-7FEF-D447-AAC6-9346B117354E}" srcOrd="0" destOrd="0" presId="urn:microsoft.com/office/officeart/2005/8/layout/process1"/>
-    <dgm:cxn modelId="{AB55F4FE-9296-9344-895E-111097B25D90}" type="presOf" srcId="{533BC168-BC76-C14E-8694-1DC3B6CF54C5}" destId="{3029052C-E3B7-CC46-8E23-37ABEDD15F03}" srcOrd="0" destOrd="0" presId="urn:microsoft.com/office/officeart/2005/8/layout/process1"/>
-    <dgm:cxn modelId="{65F9519C-8DCA-3242-AB72-34F5454955E7}" srcId="{DE49E2BA-261B-EC46-BAF7-6B78BDB6F06F}" destId="{E87FC9F4-306A-C441-847C-3B779F386673}" srcOrd="2" destOrd="0" parTransId="{59685BE7-ADA0-B24C-9379-A9C402B1D281}" sibTransId="{4CC5DAE6-00C4-BD4A-B969-A1FB5B516F57}"/>
-    <dgm:cxn modelId="{A0486452-5384-2A49-99D7-A16250A40933}" srcId="{B3862515-EEE4-D345-B4E4-D176ED5D829D}" destId="{2F0E8B9D-8F27-574E-87E8-4FC29695048C}" srcOrd="0" destOrd="0" parTransId="{A7B308C5-C4D2-2F4E-AAE2-176A32BEE386}" sibTransId="{E2095DC1-2950-6C48-B2F3-64B971E06666}"/>
-    <dgm:cxn modelId="{CB9A7038-0082-124D-944C-551138D6FD64}" srcId="{DE49E2BA-261B-EC46-BAF7-6B78BDB6F06F}" destId="{9887AAD4-671C-2243-B23F-6F6D102A4012}" srcOrd="0" destOrd="0" parTransId="{D5F7F628-C446-034C-A5DE-9482DE1570B8}" sibTransId="{B170FB99-8909-414F-A4FC-4553DD906590}"/>
-    <dgm:cxn modelId="{B6FBF631-54FD-6A46-8BAE-5BA3E9F3FC07}" type="presOf" srcId="{9887AAD4-671C-2243-B23F-6F6D102A4012}" destId="{BB567044-1BE6-FA4E-BC0C-29580823B6FB}" srcOrd="0" destOrd="0" presId="urn:microsoft.com/office/officeart/2005/8/layout/process1"/>
     <dgm:cxn modelId="{34A4FFB3-DFE2-4840-BE3C-13E6A028C905}" type="presOf" srcId="{2F0E8B9D-8F27-574E-87E8-4FC29695048C}" destId="{C32824EC-7FEF-D447-AAC6-9346B117354E}" srcOrd="0" destOrd="1" presId="urn:microsoft.com/office/officeart/2005/8/layout/process1"/>
     <dgm:cxn modelId="{2F6EDDF8-1A52-CA4F-AC56-E7B813883AFC}" srcId="{DE49E2BA-261B-EC46-BAF7-6B78BDB6F06F}" destId="{5EDB0D77-09F0-0C4F-B332-E852A176F79A}" srcOrd="4" destOrd="0" parTransId="{6905B776-7DF3-2743-A7A0-DC627995A528}" sibTransId="{486F902B-586B-8044-9F9C-0B0AEA8029F9}"/>
-    <dgm:cxn modelId="{EC182979-58B4-A347-90E0-929D046F46B6}" type="presOf" srcId="{DE49E2BA-261B-EC46-BAF7-6B78BDB6F06F}" destId="{4A554E7B-4565-9144-9E8A-ED84F42D6595}" srcOrd="0" destOrd="0" presId="urn:microsoft.com/office/officeart/2005/8/layout/process1"/>
     <dgm:cxn modelId="{C1ECC757-B52F-E049-B17D-3E36E34C2740}" srcId="{E87FC9F4-306A-C441-847C-3B779F386673}" destId="{DF7BE7E2-BD5F-EF42-98DF-684B0794E6B7}" srcOrd="3" destOrd="0" parTransId="{D893A9EE-6767-2541-8054-D505D80F0546}" sibTransId="{8747CB30-4722-E843-9A33-B85AFCEE5E44}"/>
+    <dgm:cxn modelId="{721E9081-6DE5-044A-BFFC-1888E25FB0F6}" type="presOf" srcId="{B170FB99-8909-414F-A4FC-4553DD906590}" destId="{1A8802C5-3316-8E4D-AF91-213A1FB07CB7}" srcOrd="0" destOrd="0" presId="urn:microsoft.com/office/officeart/2005/8/layout/process1"/>
+    <dgm:cxn modelId="{E96E6A5B-1AED-4C44-AE37-14C0056130FB}" type="presOf" srcId="{C939A25E-CA77-444F-8E65-4DA5CA6053DA}" destId="{5863E911-18E3-324A-A96A-07671B0F8D24}" srcOrd="0" destOrd="0" presId="urn:microsoft.com/office/officeart/2005/8/layout/process1"/>
+    <dgm:cxn modelId="{A0486452-5384-2A49-99D7-A16250A40933}" srcId="{B3862515-EEE4-D345-B4E4-D176ED5D829D}" destId="{2F0E8B9D-8F27-574E-87E8-4FC29695048C}" srcOrd="0" destOrd="0" parTransId="{A7B308C5-C4D2-2F4E-AAE2-176A32BEE386}" sibTransId="{E2095DC1-2950-6C48-B2F3-64B971E06666}"/>
+    <dgm:cxn modelId="{D500A717-F9A3-B74F-BDB0-13C797A36414}" type="presOf" srcId="{E87FC9F4-306A-C441-847C-3B779F386673}" destId="{2D708B46-B09A-7F44-A9C5-AB1FDCCB92AC}" srcOrd="0" destOrd="0" presId="urn:microsoft.com/office/officeart/2005/8/layout/process1"/>
+    <dgm:cxn modelId="{34FA0A1B-B56E-B04F-B8EC-AB21D2A30C24}" srcId="{E87FC9F4-306A-C441-847C-3B779F386673}" destId="{0D3DF110-F666-A04E-8B34-4B0F25524A57}" srcOrd="2" destOrd="0" parTransId="{7B7C4DCE-5341-4545-9538-6665DF174D30}" sibTransId="{A9EB110C-64CB-8545-A39B-8EE8C8FD35F9}"/>
+    <dgm:cxn modelId="{BBA1E820-FCF4-4746-A039-03C2C0799978}" type="presOf" srcId="{4CC5DAE6-00C4-BD4A-B969-A1FB5B516F57}" destId="{D04E9C78-DFB5-504F-BAA1-0C684C1DAD88}" srcOrd="0" destOrd="0" presId="urn:microsoft.com/office/officeart/2005/8/layout/process1"/>
+    <dgm:cxn modelId="{6E7BE60C-E32C-B049-B3FB-B11962DD0006}" srcId="{DE49E2BA-261B-EC46-BAF7-6B78BDB6F06F}" destId="{B3862515-EEE4-D345-B4E4-D176ED5D829D}" srcOrd="3" destOrd="0" parTransId="{A35A8C1C-578A-A946-9D1F-5DC7E105BF40}" sibTransId="{C939A25E-CA77-444F-8E65-4DA5CA6053DA}"/>
+    <dgm:cxn modelId="{2EA954D6-5CA0-634F-A561-B4C4306E02E8}" type="presOf" srcId="{4CC5DAE6-00C4-BD4A-B969-A1FB5B516F57}" destId="{FC94D377-6A7C-C04B-BE77-5081195182EA}" srcOrd="1" destOrd="0" presId="urn:microsoft.com/office/officeart/2005/8/layout/process1"/>
+    <dgm:cxn modelId="{127634F4-83D2-7C49-BCF8-038493B7E4B2}" srcId="{E87FC9F4-306A-C441-847C-3B779F386673}" destId="{A7240CC4-9D82-DA47-B691-1F13DBBD256B}" srcOrd="1" destOrd="0" parTransId="{F23044CA-9FAA-BF4D-ADA7-20B36854C0E0}" sibTransId="{83D2CA4B-211C-0B41-9362-5B4347E27686}"/>
+    <dgm:cxn modelId="{AB55F4FE-9296-9344-895E-111097B25D90}" type="presOf" srcId="{533BC168-BC76-C14E-8694-1DC3B6CF54C5}" destId="{3029052C-E3B7-CC46-8E23-37ABEDD15F03}" srcOrd="0" destOrd="0" presId="urn:microsoft.com/office/officeart/2005/8/layout/process1"/>
+    <dgm:cxn modelId="{9F55C8DD-5ABA-0647-8E6E-C80E86165806}" type="presOf" srcId="{234F4A0B-8092-0C47-A9C3-FFE7AA8C6D2A}" destId="{2D708B46-B09A-7F44-A9C5-AB1FDCCB92AC}" srcOrd="0" destOrd="1" presId="urn:microsoft.com/office/officeart/2005/8/layout/process1"/>
+    <dgm:cxn modelId="{851AB8B6-F1D6-C64F-AE4B-E0F5252E4653}" srcId="{B3862515-EEE4-D345-B4E4-D176ED5D829D}" destId="{CA1E943E-3AB1-4942-9397-CA0E4F86BC17}" srcOrd="1" destOrd="0" parTransId="{1CE7C90D-6879-E34B-A8E5-532D4972417F}" sibTransId="{2C7164CC-6546-F34E-AC17-6A4FE01B6034}"/>
+    <dgm:cxn modelId="{483A407A-1E6B-3047-BA2B-2FCA024D6346}" srcId="{E87FC9F4-306A-C441-847C-3B779F386673}" destId="{234F4A0B-8092-0C47-A9C3-FFE7AA8C6D2A}" srcOrd="0" destOrd="0" parTransId="{6740B56E-ADD8-9C42-BE21-0918BAB5D356}" sibTransId="{AF677554-A810-F245-83DF-78E242EE2752}"/>
+    <dgm:cxn modelId="{7DD280A0-F51F-F84F-B3E8-E63A8CE40189}" type="presOf" srcId="{D8DAD879-37C7-774C-B149-B7250DD6D502}" destId="{C5062774-D3A7-8B40-8FDE-995EBC7DED98}" srcOrd="0" destOrd="2" presId="urn:microsoft.com/office/officeart/2005/8/layout/process1"/>
+    <dgm:cxn modelId="{904A6D4C-DB60-E84E-86DF-50C04D0445DC}" srcId="{E87FC9F4-306A-C441-847C-3B779F386673}" destId="{D29243F3-EA9B-7C4B-B882-B4CED33A4238}" srcOrd="5" destOrd="0" parTransId="{F0EA8FDB-2A25-104C-897B-35E612ED7A49}" sibTransId="{92F19B71-048A-BF4E-8243-D90AED72DA3D}"/>
+    <dgm:cxn modelId="{24493C90-2BBF-0049-B00F-E8B3A1BC895E}" type="presOf" srcId="{CA1E943E-3AB1-4942-9397-CA0E4F86BC17}" destId="{C32824EC-7FEF-D447-AAC6-9346B117354E}" srcOrd="0" destOrd="2" presId="urn:microsoft.com/office/officeart/2005/8/layout/process1"/>
+    <dgm:cxn modelId="{D173F307-14ED-7140-9F70-FFA2C97805ED}" srcId="{B3862515-EEE4-D345-B4E4-D176ED5D829D}" destId="{88049AEE-4468-7944-9BC4-14997D6BF2C6}" srcOrd="2" destOrd="0" parTransId="{0610C57B-14B5-1847-BB28-6D239E823079}" sibTransId="{04A104A5-C4E3-9B4B-A8BD-AD63E82C498A}"/>
+    <dgm:cxn modelId="{B6FBF631-54FD-6A46-8BAE-5BA3E9F3FC07}" type="presOf" srcId="{9887AAD4-671C-2243-B23F-6F6D102A4012}" destId="{BB567044-1BE6-FA4E-BC0C-29580823B6FB}" srcOrd="0" destOrd="0" presId="urn:microsoft.com/office/officeart/2005/8/layout/process1"/>
+    <dgm:cxn modelId="{CB9A7038-0082-124D-944C-551138D6FD64}" srcId="{DE49E2BA-261B-EC46-BAF7-6B78BDB6F06F}" destId="{9887AAD4-671C-2243-B23F-6F6D102A4012}" srcOrd="0" destOrd="0" parTransId="{D5F7F628-C446-034C-A5DE-9482DE1570B8}" sibTransId="{B170FB99-8909-414F-A4FC-4553DD906590}"/>
+    <dgm:cxn modelId="{3C05CC0E-E31D-8147-AD16-56BA010946E7}" srcId="{801AFE1A-416D-E74C-BBFD-557415AE0194}" destId="{EB59FCF7-79EE-164C-BA56-C894BBA787D5}" srcOrd="0" destOrd="0" parTransId="{EB5B572A-39CC-A24D-9FD3-7E0D5EE2748F}" sibTransId="{44AB6DBE-73A2-3645-A37C-00E23131B684}"/>
+    <dgm:cxn modelId="{A04519E5-7CC2-6443-9F0C-6BD5A658EB22}" type="presOf" srcId="{A7240CC4-9D82-DA47-B691-1F13DBBD256B}" destId="{2D708B46-B09A-7F44-A9C5-AB1FDCCB92AC}" srcOrd="0" destOrd="2" presId="urn:microsoft.com/office/officeart/2005/8/layout/process1"/>
     <dgm:cxn modelId="{7D558CBC-029F-1A48-8C93-CE2E296F0C99}" type="presParOf" srcId="{4A554E7B-4565-9144-9E8A-ED84F42D6595}" destId="{BB567044-1BE6-FA4E-BC0C-29580823B6FB}" srcOrd="0" destOrd="0" presId="urn:microsoft.com/office/officeart/2005/8/layout/process1"/>
     <dgm:cxn modelId="{A252B068-74C3-A048-AE5E-895AE034F190}" type="presParOf" srcId="{4A554E7B-4565-9144-9E8A-ED84F42D6595}" destId="{1A8802C5-3316-8E4D-AF91-213A1FB07CB7}" srcOrd="1" destOrd="0" presId="urn:microsoft.com/office/officeart/2005/8/layout/process1"/>
     <dgm:cxn modelId="{63BBFBE1-2FD6-1042-9EE1-4A17B0772E6F}" type="presParOf" srcId="{1A8802C5-3316-8E4D-AF91-213A1FB07CB7}" destId="{E73AAB45-BA46-5E42-A3FA-3E92D321988C}" srcOrd="0" destOrd="0" presId="urn:microsoft.com/office/officeart/2005/8/layout/process1"/>
@@ -2921,8 +2921,8 @@
     <dgm:cxn modelId="{C819FC94-FBFE-E34A-A327-4A27395151CD}" type="presOf" srcId="{486F902B-586B-8044-9F9C-0B0AEA8029F9}" destId="{FF12BBB7-C98F-004B-97D1-6F33A956F885}" srcOrd="0" destOrd="0" presId="urn:microsoft.com/office/officeart/2005/8/layout/process1"/>
     <dgm:cxn modelId="{6FE90E6E-3041-9640-856C-0F56175D90F8}" type="presOf" srcId="{B170FB99-8909-414F-A4FC-4553DD906590}" destId="{E73AAB45-BA46-5E42-A3FA-3E92D321988C}" srcOrd="1" destOrd="0" presId="urn:microsoft.com/office/officeart/2005/8/layout/process1"/>
     <dgm:cxn modelId="{BB304414-4573-A945-A6B9-D92B37E06E0E}" srcId="{DE49E2BA-261B-EC46-BAF7-6B78BDB6F06F}" destId="{801AFE1A-416D-E74C-BBFD-557415AE0194}" srcOrd="2" destOrd="0" parTransId="{2727C292-B037-A740-B806-A17CA3BCFCD5}" sibTransId="{533BC168-BC76-C14E-8694-1DC3B6CF54C5}"/>
+    <dgm:cxn modelId="{2F6EDDF8-1A52-CA4F-AC56-E7B813883AFC}" srcId="{DE49E2BA-261B-EC46-BAF7-6B78BDB6F06F}" destId="{5EDB0D77-09F0-0C4F-B332-E852A176F79A}" srcOrd="0" destOrd="0" parTransId="{6905B776-7DF3-2743-A7A0-DC627995A528}" sibTransId="{486F902B-586B-8044-9F9C-0B0AEA8029F9}"/>
     <dgm:cxn modelId="{FC07CA1A-5A89-A34B-BC81-B07378114F9A}" type="presOf" srcId="{9887AAD4-671C-2243-B23F-6F6D102A4012}" destId="{BB567044-1BE6-FA4E-BC0C-29580823B6FB}" srcOrd="0" destOrd="0" presId="urn:microsoft.com/office/officeart/2005/8/layout/process1"/>
-    <dgm:cxn modelId="{2F6EDDF8-1A52-CA4F-AC56-E7B813883AFC}" srcId="{DE49E2BA-261B-EC46-BAF7-6B78BDB6F06F}" destId="{5EDB0D77-09F0-0C4F-B332-E852A176F79A}" srcOrd="0" destOrd="0" parTransId="{6905B776-7DF3-2743-A7A0-DC627995A528}" sibTransId="{486F902B-586B-8044-9F9C-0B0AEA8029F9}"/>
     <dgm:cxn modelId="{80CF1ADA-AC03-0246-A9C5-2573A6852BB1}" type="presParOf" srcId="{4A554E7B-4565-9144-9E8A-ED84F42D6595}" destId="{E324EA71-C9AB-2943-812E-646AB1B31125}" srcOrd="0" destOrd="0" presId="urn:microsoft.com/office/officeart/2005/8/layout/process1"/>
     <dgm:cxn modelId="{0B8E1EEA-F683-5E42-8906-DD23252128BF}" type="presParOf" srcId="{4A554E7B-4565-9144-9E8A-ED84F42D6595}" destId="{FF12BBB7-C98F-004B-97D1-6F33A956F885}" srcOrd="1" destOrd="0" presId="urn:microsoft.com/office/officeart/2005/8/layout/process1"/>
     <dgm:cxn modelId="{56C9F803-799C-3147-830A-E0A956C21914}" type="presParOf" srcId="{FF12BBB7-C98F-004B-97D1-6F33A956F885}" destId="{93205773-7419-ED4D-91F8-2A24298BF005}" srcOrd="0" destOrd="0" presId="urn:microsoft.com/office/officeart/2005/8/layout/process1"/>
@@ -7325,7 +7325,7 @@
           <a:p>
             <a:fld id="{435F5122-36F6-8A43-9FB8-2C7E079D8491}" type="datetimeFigureOut">
               <a:rPr lang="en-US" smtClean="0"/>
-              <a:t>5/22/17</a:t>
+              <a:t>5/31/17</a:t>
             </a:fld>
             <a:endParaRPr lang="en-US"/>
           </a:p>
@@ -7808,7 +7808,7 @@
           <a:p>
             <a:fld id="{0B81B261-3E97-594D-92FE-9F195E76D39F}" type="datetimeFigureOut">
               <a:rPr lang="en-US" smtClean="0"/>
-              <a:t>5/22/17</a:t>
+              <a:t>5/31/17</a:t>
             </a:fld>
             <a:endParaRPr lang="en-US"/>
           </a:p>
@@ -7978,7 +7978,7 @@
           <a:p>
             <a:fld id="{0B81B261-3E97-594D-92FE-9F195E76D39F}" type="datetimeFigureOut">
               <a:rPr lang="en-US" smtClean="0"/>
-              <a:t>5/22/17</a:t>
+              <a:t>5/31/17</a:t>
             </a:fld>
             <a:endParaRPr lang="en-US"/>
           </a:p>
@@ -8158,7 +8158,7 @@
           <a:p>
             <a:fld id="{0B81B261-3E97-594D-92FE-9F195E76D39F}" type="datetimeFigureOut">
               <a:rPr lang="en-US" smtClean="0"/>
-              <a:t>5/22/17</a:t>
+              <a:t>5/31/17</a:t>
             </a:fld>
             <a:endParaRPr lang="en-US"/>
           </a:p>
@@ -8328,7 +8328,7 @@
           <a:p>
             <a:fld id="{0B81B261-3E97-594D-92FE-9F195E76D39F}" type="datetimeFigureOut">
               <a:rPr lang="en-US" smtClean="0"/>
-              <a:t>5/22/17</a:t>
+              <a:t>5/31/17</a:t>
             </a:fld>
             <a:endParaRPr lang="en-US"/>
           </a:p>
@@ -8574,7 +8574,7 @@
           <a:p>
             <a:fld id="{0B81B261-3E97-594D-92FE-9F195E76D39F}" type="datetimeFigureOut">
               <a:rPr lang="en-US" smtClean="0"/>
-              <a:t>5/22/17</a:t>
+              <a:t>5/31/17</a:t>
             </a:fld>
             <a:endParaRPr lang="en-US"/>
           </a:p>
@@ -8806,7 +8806,7 @@
           <a:p>
             <a:fld id="{0B81B261-3E97-594D-92FE-9F195E76D39F}" type="datetimeFigureOut">
               <a:rPr lang="en-US" smtClean="0"/>
-              <a:t>5/22/17</a:t>
+              <a:t>5/31/17</a:t>
             </a:fld>
             <a:endParaRPr lang="en-US"/>
           </a:p>
@@ -9173,7 +9173,7 @@
           <a:p>
             <a:fld id="{0B81B261-3E97-594D-92FE-9F195E76D39F}" type="datetimeFigureOut">
               <a:rPr lang="en-US" smtClean="0"/>
-              <a:t>5/22/17</a:t>
+              <a:t>5/31/17</a:t>
             </a:fld>
             <a:endParaRPr lang="en-US"/>
           </a:p>
@@ -9291,7 +9291,7 @@
           <a:p>
             <a:fld id="{0B81B261-3E97-594D-92FE-9F195E76D39F}" type="datetimeFigureOut">
               <a:rPr lang="en-US" smtClean="0"/>
-              <a:t>5/22/17</a:t>
+              <a:t>5/31/17</a:t>
             </a:fld>
             <a:endParaRPr lang="en-US"/>
           </a:p>
@@ -9386,7 +9386,7 @@
           <a:p>
             <a:fld id="{0B81B261-3E97-594D-92FE-9F195E76D39F}" type="datetimeFigureOut">
               <a:rPr lang="en-US" smtClean="0"/>
-              <a:t>5/22/17</a:t>
+              <a:t>5/31/17</a:t>
             </a:fld>
             <a:endParaRPr lang="en-US"/>
           </a:p>
@@ -9663,7 +9663,7 @@
           <a:p>
             <a:fld id="{0B81B261-3E97-594D-92FE-9F195E76D39F}" type="datetimeFigureOut">
               <a:rPr lang="en-US" smtClean="0"/>
-              <a:t>5/22/17</a:t>
+              <a:t>5/31/17</a:t>
             </a:fld>
             <a:endParaRPr lang="en-US"/>
           </a:p>
@@ -9916,7 +9916,7 @@
           <a:p>
             <a:fld id="{0B81B261-3E97-594D-92FE-9F195E76D39F}" type="datetimeFigureOut">
               <a:rPr lang="en-US" smtClean="0"/>
-              <a:t>5/22/17</a:t>
+              <a:t>5/31/17</a:t>
             </a:fld>
             <a:endParaRPr lang="en-US"/>
           </a:p>
@@ -10129,7 +10129,7 @@
           <a:p>
             <a:fld id="{0B81B261-3E97-594D-92FE-9F195E76D39F}" type="datetimeFigureOut">
               <a:rPr lang="en-US" smtClean="0"/>
-              <a:t>5/22/17</a:t>
+              <a:t>5/31/17</a:t>
             </a:fld>
             <a:endParaRPr lang="en-US"/>
           </a:p>
@@ -15381,12 +15381,12 @@
           <a:p>
             <a:pPr algn="ctr"/>
             <a:r>
-              <a:rPr lang="en-US" sz="4800" smtClean="0">
+              <a:rPr lang="en-US" sz="4800" dirty="0" smtClean="0">
                 <a:solidFill>
                   <a:schemeClr val="tx1"/>
                 </a:solidFill>
               </a:rPr>
-              <a:t>I1</a:t>
+              <a:t>A1</a:t>
             </a:r>
             <a:endParaRPr lang="en-US" sz="4800" dirty="0">
               <a:solidFill>
@@ -15439,12 +15439,20 @@
           <a:p>
             <a:pPr algn="ctr"/>
             <a:r>
+              <a:rPr lang="en-US" sz="4800" dirty="0">
+                <a:solidFill>
+                  <a:schemeClr val="tx1"/>
+                </a:solidFill>
+              </a:rPr>
+              <a:t>A</a:t>
+            </a:r>
+            <a:r>
               <a:rPr lang="en-US" sz="4800" dirty="0" smtClean="0">
                 <a:solidFill>
                   <a:schemeClr val="tx1"/>
                 </a:solidFill>
               </a:rPr>
-              <a:t>I2</a:t>
+              <a:t>2</a:t>
             </a:r>
             <a:endParaRPr lang="en-US" sz="4800" dirty="0">
               <a:solidFill>
@@ -15533,12 +15541,20 @@
           <a:p>
             <a:pPr algn="ctr"/>
             <a:r>
+              <a:rPr lang="en-US" sz="4800" dirty="0">
+                <a:solidFill>
+                  <a:schemeClr val="tx1"/>
+                </a:solidFill>
+              </a:rPr>
+              <a:t>A</a:t>
+            </a:r>
+            <a:r>
               <a:rPr lang="en-US" sz="4800" dirty="0" smtClean="0">
                 <a:solidFill>
                   <a:schemeClr val="tx1"/>
                 </a:solidFill>
               </a:rPr>
-              <a:t>I3</a:t>
+              <a:t>3</a:t>
             </a:r>
             <a:endParaRPr lang="en-US" sz="4800" dirty="0">
               <a:solidFill>
@@ -15627,12 +15643,20 @@
           <a:p>
             <a:pPr algn="ctr"/>
             <a:r>
+              <a:rPr lang="en-US" sz="4800" dirty="0">
+                <a:solidFill>
+                  <a:schemeClr val="tx1"/>
+                </a:solidFill>
+              </a:rPr>
+              <a:t>A</a:t>
+            </a:r>
+            <a:r>
               <a:rPr lang="en-US" sz="4800" dirty="0" smtClean="0">
                 <a:solidFill>
                   <a:schemeClr val="tx1"/>
                 </a:solidFill>
               </a:rPr>
-              <a:t>I4</a:t>
+              <a:t>4</a:t>
             </a:r>
             <a:endParaRPr lang="en-US" sz="4800" dirty="0">
               <a:solidFill>

--- a/figures/figures.pptx
+++ b/figures/figures.pptx
@@ -1627,17 +1627,17 @@
       <dgm:spPr/>
     </dgm:pt>
     <dgm:pt modelId="{9887AAD4-671C-2243-B23F-6F6D102A4012}">
-      <dgm:prSet phldrT="[Text]"/>
+      <dgm:prSet phldrT="[Text]" custT="1"/>
       <dgm:spPr/>
       <dgm:t>
         <a:bodyPr/>
         <a:lstStyle/>
         <a:p>
           <a:r>
-            <a:rPr lang="en-US" dirty="0" smtClean="0"/>
+            <a:rPr lang="en-US" sz="1400" dirty="0" smtClean="0"/>
             <a:t>Contact Network Generator</a:t>
           </a:r>
-          <a:endParaRPr lang="en-US" dirty="0"/>
+          <a:endParaRPr lang="en-US" sz="1400" dirty="0"/>
         </a:p>
       </dgm:t>
     </dgm:pt>
@@ -1664,7 +1664,7 @@
       </dgm:t>
     </dgm:pt>
     <dgm:pt modelId="{801AFE1A-416D-E74C-BBFD-557415AE0194}">
-      <dgm:prSet phldrT="[Text]"/>
+      <dgm:prSet phldrT="[Text]" custT="1"/>
       <dgm:spPr/>
       <dgm:t>
         <a:bodyPr/>
@@ -1672,10 +1672,10 @@
         <a:p>
           <a:pPr algn="ctr"/>
           <a:r>
-            <a:rPr lang="en-US" smtClean="0"/>
+            <a:rPr lang="en-US" sz="1400" smtClean="0"/>
             <a:t>Seeds</a:t>
           </a:r>
-          <a:endParaRPr lang="en-US" dirty="0"/>
+          <a:endParaRPr lang="en-US" sz="1400" dirty="0"/>
         </a:p>
       </dgm:t>
     </dgm:pt>
@@ -1702,7 +1702,7 @@
       </dgm:t>
     </dgm:pt>
     <dgm:pt modelId="{D8DAD879-37C7-774C-B149-B7250DD6D502}">
-      <dgm:prSet phldrT="[Text]"/>
+      <dgm:prSet phldrT="[Text]" custT="1"/>
       <dgm:spPr/>
       <dgm:t>
         <a:bodyPr/>
@@ -1710,10 +1710,10 @@
         <a:p>
           <a:pPr algn="l"/>
           <a:r>
-            <a:rPr lang="en-US" dirty="0" smtClean="0"/>
+            <a:rPr lang="en-US" sz="1050" dirty="0" smtClean="0"/>
             <a:t>Seed Sequence</a:t>
           </a:r>
-          <a:endParaRPr lang="en-US" dirty="0"/>
+          <a:endParaRPr lang="en-US" sz="1050" dirty="0"/>
         </a:p>
       </dgm:t>
     </dgm:pt>
@@ -1992,7 +1992,7 @@
       </dgm:t>
     </dgm:pt>
     <dgm:pt modelId="{5EDB0D77-09F0-0C4F-B332-E852A176F79A}">
-      <dgm:prSet/>
+      <dgm:prSet custT="1"/>
       <dgm:spPr>
         <a:solidFill>
           <a:srgbClr val="00B050"/>
@@ -2003,16 +2003,16 @@
         <a:lstStyle/>
         <a:p>
           <a:r>
-            <a:rPr lang="en-US" dirty="0" smtClean="0"/>
+            <a:rPr lang="en-US" sz="1600" dirty="0" smtClean="0"/>
             <a:t>ERROR FREE</a:t>
           </a:r>
         </a:p>
         <a:p>
           <a:r>
-            <a:rPr lang="en-US" dirty="0" smtClean="0"/>
+            <a:rPr lang="en-US" sz="1600" dirty="0" smtClean="0"/>
             <a:t>DATA</a:t>
           </a:r>
-          <a:endParaRPr lang="en-US" dirty="0"/>
+          <a:endParaRPr lang="en-US" sz="1600" dirty="0"/>
         </a:p>
       </dgm:t>
     </dgm:pt>
@@ -2210,10 +2210,10 @@
             <a:t>Num</a:t>
           </a:r>
           <a:r>
-            <a:rPr lang="en-US" smtClean="0"/>
+            <a:rPr lang="en-US" dirty="0" smtClean="0"/>
             <a:t> Time Sample</a:t>
           </a:r>
-          <a:endParaRPr lang="en-US"/>
+          <a:endParaRPr lang="en-US" dirty="0"/>
         </a:p>
       </dgm:t>
     </dgm:pt>
@@ -2240,7 +2240,7 @@
       </dgm:t>
     </dgm:pt>
     <dgm:pt modelId="{EB59FCF7-79EE-164C-BA56-C894BBA787D5}">
-      <dgm:prSet phldrT="[Text]"/>
+      <dgm:prSet phldrT="[Text]" custT="1"/>
       <dgm:spPr/>
       <dgm:t>
         <a:bodyPr/>
@@ -2248,10 +2248,10 @@
         <a:p>
           <a:pPr algn="l"/>
           <a:r>
-            <a:rPr lang="en-US" dirty="0" smtClean="0"/>
+            <a:rPr lang="en-US" sz="1050" dirty="0" smtClean="0"/>
             <a:t>Seed Selection</a:t>
           </a:r>
-          <a:endParaRPr lang="en-US" dirty="0"/>
+          <a:endParaRPr lang="en-US" sz="1050" dirty="0"/>
         </a:p>
       </dgm:t>
     </dgm:pt>
@@ -2277,6 +2277,43 @@
         </a:p>
       </dgm:t>
     </dgm:pt>
+    <dgm:pt modelId="{81B97A9D-FD27-694B-AC76-0244B4DA86DE}">
+      <dgm:prSet phldrT="[Text]" custT="1"/>
+      <dgm:spPr/>
+      <dgm:t>
+        <a:bodyPr/>
+        <a:lstStyle/>
+        <a:p>
+          <a:r>
+            <a:rPr lang="en-US" sz="1800" dirty="0" smtClean="0"/>
+            <a:t>Tree Unit</a:t>
+          </a:r>
+          <a:endParaRPr lang="en-US" sz="1800" dirty="0"/>
+        </a:p>
+      </dgm:t>
+    </dgm:pt>
+    <dgm:pt modelId="{4966035C-07F7-534D-B0D2-4747F982BA5E}" type="parTrans" cxnId="{D891D4B2-B61D-704F-9A3C-D58AD5E88D6D}">
+      <dgm:prSet/>
+      <dgm:spPr/>
+      <dgm:t>
+        <a:bodyPr/>
+        <a:lstStyle/>
+        <a:p>
+          <a:endParaRPr lang="en-US"/>
+        </a:p>
+      </dgm:t>
+    </dgm:pt>
+    <dgm:pt modelId="{58A3FA75-169B-4043-8B16-DA75FF430FAE}" type="sibTrans" cxnId="{D891D4B2-B61D-704F-9A3C-D58AD5E88D6D}">
+      <dgm:prSet/>
+      <dgm:spPr/>
+      <dgm:t>
+        <a:bodyPr/>
+        <a:lstStyle/>
+        <a:p>
+          <a:endParaRPr lang="en-US"/>
+        </a:p>
+      </dgm:t>
+    </dgm:pt>
     <dgm:pt modelId="{4A554E7B-4565-9144-9E8A-ED84F42D6595}" type="pres">
       <dgm:prSet presAssocID="{DE49E2BA-261B-EC46-BAF7-6B78BDB6F06F}" presName="Name0" presStyleCnt="0">
         <dgm:presLayoutVars>
@@ -2287,7 +2324,7 @@
       <dgm:spPr/>
     </dgm:pt>
     <dgm:pt modelId="{BB567044-1BE6-FA4E-BC0C-29580823B6FB}" type="pres">
-      <dgm:prSet presAssocID="{9887AAD4-671C-2243-B23F-6F6D102A4012}" presName="node" presStyleLbl="node1" presStyleIdx="0" presStyleCnt="5" custScaleX="77833" custScaleY="82184">
+      <dgm:prSet presAssocID="{9887AAD4-671C-2243-B23F-6F6D102A4012}" presName="node" presStyleLbl="node1" presStyleIdx="0" presStyleCnt="6" custScaleX="77833" custScaleY="82184">
         <dgm:presLayoutVars>
           <dgm:bulletEnabled val="1"/>
         </dgm:presLayoutVars>
@@ -2302,7 +2339,7 @@
       </dgm:t>
     </dgm:pt>
     <dgm:pt modelId="{1A8802C5-3316-8E4D-AF91-213A1FB07CB7}" type="pres">
-      <dgm:prSet presAssocID="{B170FB99-8909-414F-A4FC-4553DD906590}" presName="sibTrans" presStyleLbl="sibTrans2D1" presStyleIdx="0" presStyleCnt="4"/>
+      <dgm:prSet presAssocID="{B170FB99-8909-414F-A4FC-4553DD906590}" presName="sibTrans" presStyleLbl="sibTrans2D1" presStyleIdx="0" presStyleCnt="5"/>
       <dgm:spPr/>
       <dgm:t>
         <a:bodyPr/>
@@ -2313,7 +2350,7 @@
       </dgm:t>
     </dgm:pt>
     <dgm:pt modelId="{E73AAB45-BA46-5E42-A3FA-3E92D321988C}" type="pres">
-      <dgm:prSet presAssocID="{B170FB99-8909-414F-A4FC-4553DD906590}" presName="connectorText" presStyleLbl="sibTrans2D1" presStyleIdx="0" presStyleCnt="4"/>
+      <dgm:prSet presAssocID="{B170FB99-8909-414F-A4FC-4553DD906590}" presName="connectorText" presStyleLbl="sibTrans2D1" presStyleIdx="0" presStyleCnt="5"/>
       <dgm:spPr/>
       <dgm:t>
         <a:bodyPr/>
@@ -2324,7 +2361,7 @@
       </dgm:t>
     </dgm:pt>
     <dgm:pt modelId="{C5062774-D3A7-8B40-8FDE-995EBC7DED98}" type="pres">
-      <dgm:prSet presAssocID="{801AFE1A-416D-E74C-BBFD-557415AE0194}" presName="node" presStyleLbl="node1" presStyleIdx="1" presStyleCnt="5" custScaleX="87130" custScaleY="82184">
+      <dgm:prSet presAssocID="{801AFE1A-416D-E74C-BBFD-557415AE0194}" presName="node" presStyleLbl="node1" presStyleIdx="1" presStyleCnt="6" custScaleX="87130" custScaleY="82184">
         <dgm:presLayoutVars>
           <dgm:bulletEnabled val="1"/>
         </dgm:presLayoutVars>
@@ -2339,7 +2376,7 @@
       </dgm:t>
     </dgm:pt>
     <dgm:pt modelId="{3029052C-E3B7-CC46-8E23-37ABEDD15F03}" type="pres">
-      <dgm:prSet presAssocID="{533BC168-BC76-C14E-8694-1DC3B6CF54C5}" presName="sibTrans" presStyleLbl="sibTrans2D1" presStyleIdx="1" presStyleCnt="4"/>
+      <dgm:prSet presAssocID="{533BC168-BC76-C14E-8694-1DC3B6CF54C5}" presName="sibTrans" presStyleLbl="sibTrans2D1" presStyleIdx="1" presStyleCnt="5"/>
       <dgm:spPr/>
       <dgm:t>
         <a:bodyPr/>
@@ -2350,7 +2387,7 @@
       </dgm:t>
     </dgm:pt>
     <dgm:pt modelId="{A8C226CF-C78B-EB4E-86A6-1B0387CFF648}" type="pres">
-      <dgm:prSet presAssocID="{533BC168-BC76-C14E-8694-1DC3B6CF54C5}" presName="connectorText" presStyleLbl="sibTrans2D1" presStyleIdx="1" presStyleCnt="4"/>
+      <dgm:prSet presAssocID="{533BC168-BC76-C14E-8694-1DC3B6CF54C5}" presName="connectorText" presStyleLbl="sibTrans2D1" presStyleIdx="1" presStyleCnt="5"/>
       <dgm:spPr/>
       <dgm:t>
         <a:bodyPr/>
@@ -2361,7 +2398,7 @@
       </dgm:t>
     </dgm:pt>
     <dgm:pt modelId="{2D708B46-B09A-7F44-A9C5-AB1FDCCB92AC}" type="pres">
-      <dgm:prSet presAssocID="{E87FC9F4-306A-C441-847C-3B779F386673}" presName="node" presStyleLbl="node1" presStyleIdx="2" presStyleCnt="5" custScaleX="116805" custScaleY="82184">
+      <dgm:prSet presAssocID="{E87FC9F4-306A-C441-847C-3B779F386673}" presName="node" presStyleLbl="node1" presStyleIdx="2" presStyleCnt="6" custScaleX="116805" custScaleY="82184">
         <dgm:presLayoutVars>
           <dgm:bulletEnabled val="1"/>
         </dgm:presLayoutVars>
@@ -2376,7 +2413,7 @@
       </dgm:t>
     </dgm:pt>
     <dgm:pt modelId="{D04E9C78-DFB5-504F-BAA1-0C684C1DAD88}" type="pres">
-      <dgm:prSet presAssocID="{4CC5DAE6-00C4-BD4A-B969-A1FB5B516F57}" presName="sibTrans" presStyleLbl="sibTrans2D1" presStyleIdx="2" presStyleCnt="4"/>
+      <dgm:prSet presAssocID="{4CC5DAE6-00C4-BD4A-B969-A1FB5B516F57}" presName="sibTrans" presStyleLbl="sibTrans2D1" presStyleIdx="2" presStyleCnt="5"/>
       <dgm:spPr/>
       <dgm:t>
         <a:bodyPr/>
@@ -2387,7 +2424,7 @@
       </dgm:t>
     </dgm:pt>
     <dgm:pt modelId="{FC94D377-6A7C-C04B-BE77-5081195182EA}" type="pres">
-      <dgm:prSet presAssocID="{4CC5DAE6-00C4-BD4A-B969-A1FB5B516F57}" presName="connectorText" presStyleLbl="sibTrans2D1" presStyleIdx="2" presStyleCnt="4"/>
+      <dgm:prSet presAssocID="{4CC5DAE6-00C4-BD4A-B969-A1FB5B516F57}" presName="connectorText" presStyleLbl="sibTrans2D1" presStyleIdx="2" presStyleCnt="5"/>
       <dgm:spPr/>
       <dgm:t>
         <a:bodyPr/>
@@ -2398,7 +2435,7 @@
       </dgm:t>
     </dgm:pt>
     <dgm:pt modelId="{C32824EC-7FEF-D447-AAC6-9346B117354E}" type="pres">
-      <dgm:prSet presAssocID="{B3862515-EEE4-D345-B4E4-D176ED5D829D}" presName="node" presStyleLbl="node1" presStyleIdx="3" presStyleCnt="5" custScaleX="87244" custScaleY="82184">
+      <dgm:prSet presAssocID="{B3862515-EEE4-D345-B4E4-D176ED5D829D}" presName="node" presStyleLbl="node1" presStyleIdx="3" presStyleCnt="6" custScaleX="87244" custScaleY="82184">
         <dgm:presLayoutVars>
           <dgm:bulletEnabled val="1"/>
         </dgm:presLayoutVars>
@@ -2413,7 +2450,7 @@
       </dgm:t>
     </dgm:pt>
     <dgm:pt modelId="{5863E911-18E3-324A-A96A-07671B0F8D24}" type="pres">
-      <dgm:prSet presAssocID="{C939A25E-CA77-444F-8E65-4DA5CA6053DA}" presName="sibTrans" presStyleLbl="sibTrans2D1" presStyleIdx="3" presStyleCnt="4"/>
+      <dgm:prSet presAssocID="{C939A25E-CA77-444F-8E65-4DA5CA6053DA}" presName="sibTrans" presStyleLbl="sibTrans2D1" presStyleIdx="3" presStyleCnt="5"/>
       <dgm:spPr/>
       <dgm:t>
         <a:bodyPr/>
@@ -2424,7 +2461,7 @@
       </dgm:t>
     </dgm:pt>
     <dgm:pt modelId="{C144839B-A0B2-3640-8A63-BF0412473803}" type="pres">
-      <dgm:prSet presAssocID="{C939A25E-CA77-444F-8E65-4DA5CA6053DA}" presName="connectorText" presStyleLbl="sibTrans2D1" presStyleIdx="3" presStyleCnt="4"/>
+      <dgm:prSet presAssocID="{C939A25E-CA77-444F-8E65-4DA5CA6053DA}" presName="connectorText" presStyleLbl="sibTrans2D1" presStyleIdx="3" presStyleCnt="5"/>
       <dgm:spPr/>
       <dgm:t>
         <a:bodyPr/>
@@ -2434,8 +2471,31 @@
         </a:p>
       </dgm:t>
     </dgm:pt>
+    <dgm:pt modelId="{5DE5E078-35B4-3D43-9551-2453C95F0872}" type="pres">
+      <dgm:prSet presAssocID="{81B97A9D-FD27-694B-AC76-0244B4DA86DE}" presName="node" presStyleLbl="node1" presStyleIdx="4" presStyleCnt="6" custScaleX="87244" custScaleY="82184">
+        <dgm:presLayoutVars>
+          <dgm:bulletEnabled val="1"/>
+        </dgm:presLayoutVars>
+      </dgm:prSet>
+      <dgm:spPr/>
+      <dgm:t>
+        <a:bodyPr/>
+        <a:lstStyle/>
+        <a:p>
+          <a:endParaRPr lang="en-US"/>
+        </a:p>
+      </dgm:t>
+    </dgm:pt>
+    <dgm:pt modelId="{EB155C6C-1B8A-B446-94F3-79BA3039FA02}" type="pres">
+      <dgm:prSet presAssocID="{58A3FA75-169B-4043-8B16-DA75FF430FAE}" presName="sibTrans" presStyleLbl="sibTrans2D1" presStyleIdx="4" presStyleCnt="5"/>
+      <dgm:spPr/>
+    </dgm:pt>
+    <dgm:pt modelId="{136F8697-2561-0548-BD8F-BDC162F1C534}" type="pres">
+      <dgm:prSet presAssocID="{58A3FA75-169B-4043-8B16-DA75FF430FAE}" presName="connectorText" presStyleLbl="sibTrans2D1" presStyleIdx="4" presStyleCnt="5"/>
+      <dgm:spPr/>
+    </dgm:pt>
     <dgm:pt modelId="{E324EA71-C9AB-2943-812E-646AB1B31125}" type="pres">
-      <dgm:prSet presAssocID="{5EDB0D77-09F0-0C4F-B332-E852A176F79A}" presName="node" presStyleLbl="node1" presStyleIdx="4" presStyleCnt="5" custScaleX="91845" custScaleY="82184">
+      <dgm:prSet presAssocID="{5EDB0D77-09F0-0C4F-B332-E852A176F79A}" presName="node" presStyleLbl="node1" presStyleIdx="5" presStyleCnt="6" custScaleX="91845" custScaleY="82184">
         <dgm:presLayoutVars>
           <dgm:bulletEnabled val="1"/>
         </dgm:presLayoutVars>
@@ -2451,47 +2511,51 @@
     </dgm:pt>
   </dgm:ptLst>
   <dgm:cxnLst>
+    <dgm:cxn modelId="{2EA954D6-5CA0-634F-A561-B4C4306E02E8}" type="presOf" srcId="{4CC5DAE6-00C4-BD4A-B969-A1FB5B516F57}" destId="{FC94D377-6A7C-C04B-BE77-5081195182EA}" srcOrd="1" destOrd="0" presId="urn:microsoft.com/office/officeart/2005/8/layout/process1"/>
+    <dgm:cxn modelId="{F787D081-99C5-0E4B-B09C-F2E872777CDF}" type="presOf" srcId="{5EDB0D77-09F0-0C4F-B332-E852A176F79A}" destId="{E324EA71-C9AB-2943-812E-646AB1B31125}" srcOrd="0" destOrd="0" presId="urn:microsoft.com/office/officeart/2005/8/layout/process1"/>
+    <dgm:cxn modelId="{6B611D36-09FC-8E45-BA51-7D1931548ACD}" type="presOf" srcId="{58A3FA75-169B-4043-8B16-DA75FF430FAE}" destId="{136F8697-2561-0548-BD8F-BDC162F1C534}" srcOrd="1" destOrd="0" presId="urn:microsoft.com/office/officeart/2005/8/layout/process1"/>
+    <dgm:cxn modelId="{34FA0A1B-B56E-B04F-B8EC-AB21D2A30C24}" srcId="{E87FC9F4-306A-C441-847C-3B779F386673}" destId="{0D3DF110-F666-A04E-8B34-4B0F25524A57}" srcOrd="2" destOrd="0" parTransId="{7B7C4DCE-5341-4545-9538-6665DF174D30}" sibTransId="{A9EB110C-64CB-8545-A39B-8EE8C8FD35F9}"/>
+    <dgm:cxn modelId="{483A407A-1E6B-3047-BA2B-2FCA024D6346}" srcId="{E87FC9F4-306A-C441-847C-3B779F386673}" destId="{234F4A0B-8092-0C47-A9C3-FFE7AA8C6D2A}" srcOrd="0" destOrd="0" parTransId="{6740B56E-ADD8-9C42-BE21-0918BAB5D356}" sibTransId="{AF677554-A810-F245-83DF-78E242EE2752}"/>
+    <dgm:cxn modelId="{BB304414-4573-A945-A6B9-D92B37E06E0E}" srcId="{DE49E2BA-261B-EC46-BAF7-6B78BDB6F06F}" destId="{801AFE1A-416D-E74C-BBFD-557415AE0194}" srcOrd="1" destOrd="0" parTransId="{2727C292-B037-A740-B806-A17CA3BCFCD5}" sibTransId="{533BC168-BC76-C14E-8694-1DC3B6CF54C5}"/>
+    <dgm:cxn modelId="{D891D4B2-B61D-704F-9A3C-D58AD5E88D6D}" srcId="{DE49E2BA-261B-EC46-BAF7-6B78BDB6F06F}" destId="{81B97A9D-FD27-694B-AC76-0244B4DA86DE}" srcOrd="4" destOrd="0" parTransId="{4966035C-07F7-534D-B0D2-4747F982BA5E}" sibTransId="{58A3FA75-169B-4043-8B16-DA75FF430FAE}"/>
+    <dgm:cxn modelId="{24493C90-2BBF-0049-B00F-E8B3A1BC895E}" type="presOf" srcId="{CA1E943E-3AB1-4942-9397-CA0E4F86BC17}" destId="{C32824EC-7FEF-D447-AAC6-9346B117354E}" srcOrd="0" destOrd="2" presId="urn:microsoft.com/office/officeart/2005/8/layout/process1"/>
+    <dgm:cxn modelId="{721E9081-6DE5-044A-BFFC-1888E25FB0F6}" type="presOf" srcId="{B170FB99-8909-414F-A4FC-4553DD906590}" destId="{1A8802C5-3316-8E4D-AF91-213A1FB07CB7}" srcOrd="0" destOrd="0" presId="urn:microsoft.com/office/officeart/2005/8/layout/process1"/>
+    <dgm:cxn modelId="{7DD280A0-F51F-F84F-B3E8-E63A8CE40189}" type="presOf" srcId="{D8DAD879-37C7-774C-B149-B7250DD6D502}" destId="{C5062774-D3A7-8B40-8FDE-995EBC7DED98}" srcOrd="0" destOrd="2" presId="urn:microsoft.com/office/officeart/2005/8/layout/process1"/>
     <dgm:cxn modelId="{F550F3EB-D554-514D-9172-65DAE540D191}" srcId="{801AFE1A-416D-E74C-BBFD-557415AE0194}" destId="{D8DAD879-37C7-774C-B149-B7250DD6D502}" srcOrd="1" destOrd="0" parTransId="{3057D897-29F9-DD49-B58A-81904BB7F42F}" sibTransId="{FA861C74-A4AA-6341-A5A4-19F33298102E}"/>
+    <dgm:cxn modelId="{1A10F469-1A1D-6E44-8760-2C41AC2B313D}" srcId="{E87FC9F4-306A-C441-847C-3B779F386673}" destId="{94769534-4246-8C4F-A5A5-FDCD149EA162}" srcOrd="4" destOrd="0" parTransId="{75F7124E-82E3-C04C-B862-F686848CD179}" sibTransId="{8D2569AF-BC24-D947-8477-93C1747FC4C1}"/>
+    <dgm:cxn modelId="{17CC50F0-F0A1-064F-B8BF-D71066A100EC}" type="presOf" srcId="{533BC168-BC76-C14E-8694-1DC3B6CF54C5}" destId="{A8C226CF-C78B-EB4E-86A6-1B0387CFF648}" srcOrd="1" destOrd="0" presId="urn:microsoft.com/office/officeart/2005/8/layout/process1"/>
+    <dgm:cxn modelId="{851AB8B6-F1D6-C64F-AE4B-E0F5252E4653}" srcId="{B3862515-EEE4-D345-B4E4-D176ED5D829D}" destId="{CA1E943E-3AB1-4942-9397-CA0E4F86BC17}" srcOrd="1" destOrd="0" parTransId="{1CE7C90D-6879-E34B-A8E5-532D4972417F}" sibTransId="{2C7164CC-6546-F34E-AC17-6A4FE01B6034}"/>
+    <dgm:cxn modelId="{9F55C8DD-5ABA-0647-8E6E-C80E86165806}" type="presOf" srcId="{234F4A0B-8092-0C47-A9C3-FFE7AA8C6D2A}" destId="{2D708B46-B09A-7F44-A9C5-AB1FDCCB92AC}" srcOrd="0" destOrd="1" presId="urn:microsoft.com/office/officeart/2005/8/layout/process1"/>
+    <dgm:cxn modelId="{D173F307-14ED-7140-9F70-FFA2C97805ED}" srcId="{B3862515-EEE4-D345-B4E4-D176ED5D829D}" destId="{88049AEE-4468-7944-9BC4-14997D6BF2C6}" srcOrd="2" destOrd="0" parTransId="{0610C57B-14B5-1847-BB28-6D239E823079}" sibTransId="{04A104A5-C4E3-9B4B-A8BD-AD63E82C498A}"/>
+    <dgm:cxn modelId="{A04519E5-7CC2-6443-9F0C-6BD5A658EB22}" type="presOf" srcId="{A7240CC4-9D82-DA47-B691-1F13DBBD256B}" destId="{2D708B46-B09A-7F44-A9C5-AB1FDCCB92AC}" srcOrd="0" destOrd="2" presId="urn:microsoft.com/office/officeart/2005/8/layout/process1"/>
+    <dgm:cxn modelId="{3C05CC0E-E31D-8147-AD16-56BA010946E7}" srcId="{801AFE1A-416D-E74C-BBFD-557415AE0194}" destId="{EB59FCF7-79EE-164C-BA56-C894BBA787D5}" srcOrd="0" destOrd="0" parTransId="{EB5B572A-39CC-A24D-9FD3-7E0D5EE2748F}" sibTransId="{44AB6DBE-73A2-3645-A37C-00E23131B684}"/>
+    <dgm:cxn modelId="{D500A717-F9A3-B74F-BDB0-13C797A36414}" type="presOf" srcId="{E87FC9F4-306A-C441-847C-3B779F386673}" destId="{2D708B46-B09A-7F44-A9C5-AB1FDCCB92AC}" srcOrd="0" destOrd="0" presId="urn:microsoft.com/office/officeart/2005/8/layout/process1"/>
+    <dgm:cxn modelId="{6E7BE60C-E32C-B049-B3FB-B11962DD0006}" srcId="{DE49E2BA-261B-EC46-BAF7-6B78BDB6F06F}" destId="{B3862515-EEE4-D345-B4E4-D176ED5D829D}" srcOrd="3" destOrd="0" parTransId="{A35A8C1C-578A-A946-9D1F-5DC7E105BF40}" sibTransId="{C939A25E-CA77-444F-8E65-4DA5CA6053DA}"/>
+    <dgm:cxn modelId="{127634F4-83D2-7C49-BCF8-038493B7E4B2}" srcId="{E87FC9F4-306A-C441-847C-3B779F386673}" destId="{A7240CC4-9D82-DA47-B691-1F13DBBD256B}" srcOrd="1" destOrd="0" parTransId="{F23044CA-9FAA-BF4D-ADA7-20B36854C0E0}" sibTransId="{83D2CA4B-211C-0B41-9362-5B4347E27686}"/>
+    <dgm:cxn modelId="{C42F2CB9-53AB-CF43-BFD1-BB0C760BE7E0}" type="presOf" srcId="{94769534-4246-8C4F-A5A5-FDCD149EA162}" destId="{2D708B46-B09A-7F44-A9C5-AB1FDCCB92AC}" srcOrd="0" destOrd="5" presId="urn:microsoft.com/office/officeart/2005/8/layout/process1"/>
+    <dgm:cxn modelId="{3A9F2415-251A-DF45-B278-30BD9E4B5778}" type="presOf" srcId="{B170FB99-8909-414F-A4FC-4553DD906590}" destId="{E73AAB45-BA46-5E42-A3FA-3E92D321988C}" srcOrd="1" destOrd="0" presId="urn:microsoft.com/office/officeart/2005/8/layout/process1"/>
+    <dgm:cxn modelId="{03A8E979-5BDF-0448-BECE-0A2E1357F7A9}" type="presOf" srcId="{D29243F3-EA9B-7C4B-B882-B4CED33A4238}" destId="{2D708B46-B09A-7F44-A9C5-AB1FDCCB92AC}" srcOrd="0" destOrd="6" presId="urn:microsoft.com/office/officeart/2005/8/layout/process1"/>
+    <dgm:cxn modelId="{BBA1E820-FCF4-4746-A039-03C2C0799978}" type="presOf" srcId="{4CC5DAE6-00C4-BD4A-B969-A1FB5B516F57}" destId="{D04E9C78-DFB5-504F-BAA1-0C684C1DAD88}" srcOrd="0" destOrd="0" presId="urn:microsoft.com/office/officeart/2005/8/layout/process1"/>
+    <dgm:cxn modelId="{682D5B11-D8C9-044F-B660-3585E87B54B0}" type="presOf" srcId="{C939A25E-CA77-444F-8E65-4DA5CA6053DA}" destId="{C144839B-A0B2-3640-8A63-BF0412473803}" srcOrd="1" destOrd="0" presId="urn:microsoft.com/office/officeart/2005/8/layout/process1"/>
     <dgm:cxn modelId="{110499A5-A60C-6D46-8BB6-ADCEEBA047B6}" type="presOf" srcId="{88049AEE-4468-7944-9BC4-14997D6BF2C6}" destId="{C32824EC-7FEF-D447-AAC6-9346B117354E}" srcOrd="0" destOrd="3" presId="urn:microsoft.com/office/officeart/2005/8/layout/process1"/>
+    <dgm:cxn modelId="{8208AA31-3D46-1B47-A4D3-10F7DA609BE4}" type="presOf" srcId="{EB59FCF7-79EE-164C-BA56-C894BBA787D5}" destId="{C5062774-D3A7-8B40-8FDE-995EBC7DED98}" srcOrd="0" destOrd="1" presId="urn:microsoft.com/office/officeart/2005/8/layout/process1"/>
     <dgm:cxn modelId="{93AEA845-A616-3842-8F5C-31284FCF24F7}" type="presOf" srcId="{DF7BE7E2-BD5F-EF42-98DF-684B0794E6B7}" destId="{2D708B46-B09A-7F44-A9C5-AB1FDCCB92AC}" srcOrd="0" destOrd="4" presId="urn:microsoft.com/office/officeart/2005/8/layout/process1"/>
-    <dgm:cxn modelId="{1A10F469-1A1D-6E44-8760-2C41AC2B313D}" srcId="{E87FC9F4-306A-C441-847C-3B779F386673}" destId="{94769534-4246-8C4F-A5A5-FDCD149EA162}" srcOrd="4" destOrd="0" parTransId="{75F7124E-82E3-C04C-B862-F686848CD179}" sibTransId="{8D2569AF-BC24-D947-8477-93C1747FC4C1}"/>
-    <dgm:cxn modelId="{8208AA31-3D46-1B47-A4D3-10F7DA609BE4}" type="presOf" srcId="{EB59FCF7-79EE-164C-BA56-C894BBA787D5}" destId="{C5062774-D3A7-8B40-8FDE-995EBC7DED98}" srcOrd="0" destOrd="1" presId="urn:microsoft.com/office/officeart/2005/8/layout/process1"/>
-    <dgm:cxn modelId="{3A9F2415-251A-DF45-B278-30BD9E4B5778}" type="presOf" srcId="{B170FB99-8909-414F-A4FC-4553DD906590}" destId="{E73AAB45-BA46-5E42-A3FA-3E92D321988C}" srcOrd="1" destOrd="0" presId="urn:microsoft.com/office/officeart/2005/8/layout/process1"/>
+    <dgm:cxn modelId="{867BC094-7706-8C49-ADCD-A9E414476BD6}" type="presOf" srcId="{58A3FA75-169B-4043-8B16-DA75FF430FAE}" destId="{EB155C6C-1B8A-B446-94F3-79BA3039FA02}" srcOrd="0" destOrd="0" presId="urn:microsoft.com/office/officeart/2005/8/layout/process1"/>
+    <dgm:cxn modelId="{923D94C7-F5C1-A144-9BBD-043CCC98EF5E}" type="presOf" srcId="{801AFE1A-416D-E74C-BBFD-557415AE0194}" destId="{C5062774-D3A7-8B40-8FDE-995EBC7DED98}" srcOrd="0" destOrd="0" presId="urn:microsoft.com/office/officeart/2005/8/layout/process1"/>
+    <dgm:cxn modelId="{904A6D4C-DB60-E84E-86DF-50C04D0445DC}" srcId="{E87FC9F4-306A-C441-847C-3B779F386673}" destId="{D29243F3-EA9B-7C4B-B882-B4CED33A4238}" srcOrd="5" destOrd="0" parTransId="{F0EA8FDB-2A25-104C-897B-35E612ED7A49}" sibTransId="{92F19B71-048A-BF4E-8243-D90AED72DA3D}"/>
+    <dgm:cxn modelId="{E96E6A5B-1AED-4C44-AE37-14C0056130FB}" type="presOf" srcId="{C939A25E-CA77-444F-8E65-4DA5CA6053DA}" destId="{5863E911-18E3-324A-A96A-07671B0F8D24}" srcOrd="0" destOrd="0" presId="urn:microsoft.com/office/officeart/2005/8/layout/process1"/>
     <dgm:cxn modelId="{975229B5-085A-6541-8360-9DCB6BEA2436}" type="presOf" srcId="{0D3DF110-F666-A04E-8B34-4B0F25524A57}" destId="{2D708B46-B09A-7F44-A9C5-AB1FDCCB92AC}" srcOrd="0" destOrd="3" presId="urn:microsoft.com/office/officeart/2005/8/layout/process1"/>
-    <dgm:cxn modelId="{682D5B11-D8C9-044F-B660-3585E87B54B0}" type="presOf" srcId="{C939A25E-CA77-444F-8E65-4DA5CA6053DA}" destId="{C144839B-A0B2-3640-8A63-BF0412473803}" srcOrd="1" destOrd="0" presId="urn:microsoft.com/office/officeart/2005/8/layout/process1"/>
-    <dgm:cxn modelId="{17CC50F0-F0A1-064F-B8BF-D71066A100EC}" type="presOf" srcId="{533BC168-BC76-C14E-8694-1DC3B6CF54C5}" destId="{A8C226CF-C78B-EB4E-86A6-1B0387CFF648}" srcOrd="1" destOrd="0" presId="urn:microsoft.com/office/officeart/2005/8/layout/process1"/>
-    <dgm:cxn modelId="{BB304414-4573-A945-A6B9-D92B37E06E0E}" srcId="{DE49E2BA-261B-EC46-BAF7-6B78BDB6F06F}" destId="{801AFE1A-416D-E74C-BBFD-557415AE0194}" srcOrd="1" destOrd="0" parTransId="{2727C292-B037-A740-B806-A17CA3BCFCD5}" sibTransId="{533BC168-BC76-C14E-8694-1DC3B6CF54C5}"/>
-    <dgm:cxn modelId="{F787D081-99C5-0E4B-B09C-F2E872777CDF}" type="presOf" srcId="{5EDB0D77-09F0-0C4F-B332-E852A176F79A}" destId="{E324EA71-C9AB-2943-812E-646AB1B31125}" srcOrd="0" destOrd="0" presId="urn:microsoft.com/office/officeart/2005/8/layout/process1"/>
+    <dgm:cxn modelId="{0815C48C-A1E3-F44B-9AF8-5FC30094437E}" type="presOf" srcId="{81B97A9D-FD27-694B-AC76-0244B4DA86DE}" destId="{5DE5E078-35B4-3D43-9551-2453C95F0872}" srcOrd="0" destOrd="0" presId="urn:microsoft.com/office/officeart/2005/8/layout/process1"/>
+    <dgm:cxn modelId="{36CA0605-EC8C-BB41-A4BD-EDC38709C58B}" type="presOf" srcId="{B3862515-EEE4-D345-B4E4-D176ED5D829D}" destId="{C32824EC-7FEF-D447-AAC6-9346B117354E}" srcOrd="0" destOrd="0" presId="urn:microsoft.com/office/officeart/2005/8/layout/process1"/>
+    <dgm:cxn modelId="{AB55F4FE-9296-9344-895E-111097B25D90}" type="presOf" srcId="{533BC168-BC76-C14E-8694-1DC3B6CF54C5}" destId="{3029052C-E3B7-CC46-8E23-37ABEDD15F03}" srcOrd="0" destOrd="0" presId="urn:microsoft.com/office/officeart/2005/8/layout/process1"/>
     <dgm:cxn modelId="{65F9519C-8DCA-3242-AB72-34F5454955E7}" srcId="{DE49E2BA-261B-EC46-BAF7-6B78BDB6F06F}" destId="{E87FC9F4-306A-C441-847C-3B779F386673}" srcOrd="2" destOrd="0" parTransId="{59685BE7-ADA0-B24C-9379-A9C402B1D281}" sibTransId="{4CC5DAE6-00C4-BD4A-B969-A1FB5B516F57}"/>
-    <dgm:cxn modelId="{923D94C7-F5C1-A144-9BBD-043CCC98EF5E}" type="presOf" srcId="{801AFE1A-416D-E74C-BBFD-557415AE0194}" destId="{C5062774-D3A7-8B40-8FDE-995EBC7DED98}" srcOrd="0" destOrd="0" presId="urn:microsoft.com/office/officeart/2005/8/layout/process1"/>
+    <dgm:cxn modelId="{A0486452-5384-2A49-99D7-A16250A40933}" srcId="{B3862515-EEE4-D345-B4E4-D176ED5D829D}" destId="{2F0E8B9D-8F27-574E-87E8-4FC29695048C}" srcOrd="0" destOrd="0" parTransId="{A7B308C5-C4D2-2F4E-AAE2-176A32BEE386}" sibTransId="{E2095DC1-2950-6C48-B2F3-64B971E06666}"/>
+    <dgm:cxn modelId="{CB9A7038-0082-124D-944C-551138D6FD64}" srcId="{DE49E2BA-261B-EC46-BAF7-6B78BDB6F06F}" destId="{9887AAD4-671C-2243-B23F-6F6D102A4012}" srcOrd="0" destOrd="0" parTransId="{D5F7F628-C446-034C-A5DE-9482DE1570B8}" sibTransId="{B170FB99-8909-414F-A4FC-4553DD906590}"/>
+    <dgm:cxn modelId="{B6FBF631-54FD-6A46-8BAE-5BA3E9F3FC07}" type="presOf" srcId="{9887AAD4-671C-2243-B23F-6F6D102A4012}" destId="{BB567044-1BE6-FA4E-BC0C-29580823B6FB}" srcOrd="0" destOrd="0" presId="urn:microsoft.com/office/officeart/2005/8/layout/process1"/>
+    <dgm:cxn modelId="{2F6EDDF8-1A52-CA4F-AC56-E7B813883AFC}" srcId="{DE49E2BA-261B-EC46-BAF7-6B78BDB6F06F}" destId="{5EDB0D77-09F0-0C4F-B332-E852A176F79A}" srcOrd="5" destOrd="0" parTransId="{6905B776-7DF3-2743-A7A0-DC627995A528}" sibTransId="{486F902B-586B-8044-9F9C-0B0AEA8029F9}"/>
+    <dgm:cxn modelId="{34A4FFB3-DFE2-4840-BE3C-13E6A028C905}" type="presOf" srcId="{2F0E8B9D-8F27-574E-87E8-4FC29695048C}" destId="{C32824EC-7FEF-D447-AAC6-9346B117354E}" srcOrd="0" destOrd="1" presId="urn:microsoft.com/office/officeart/2005/8/layout/process1"/>
     <dgm:cxn modelId="{EC182979-58B4-A347-90E0-929D046F46B6}" type="presOf" srcId="{DE49E2BA-261B-EC46-BAF7-6B78BDB6F06F}" destId="{4A554E7B-4565-9144-9E8A-ED84F42D6595}" srcOrd="0" destOrd="0" presId="urn:microsoft.com/office/officeart/2005/8/layout/process1"/>
-    <dgm:cxn modelId="{C42F2CB9-53AB-CF43-BFD1-BB0C760BE7E0}" type="presOf" srcId="{94769534-4246-8C4F-A5A5-FDCD149EA162}" destId="{2D708B46-B09A-7F44-A9C5-AB1FDCCB92AC}" srcOrd="0" destOrd="5" presId="urn:microsoft.com/office/officeart/2005/8/layout/process1"/>
-    <dgm:cxn modelId="{36CA0605-EC8C-BB41-A4BD-EDC38709C58B}" type="presOf" srcId="{B3862515-EEE4-D345-B4E4-D176ED5D829D}" destId="{C32824EC-7FEF-D447-AAC6-9346B117354E}" srcOrd="0" destOrd="0" presId="urn:microsoft.com/office/officeart/2005/8/layout/process1"/>
-    <dgm:cxn modelId="{03A8E979-5BDF-0448-BECE-0A2E1357F7A9}" type="presOf" srcId="{D29243F3-EA9B-7C4B-B882-B4CED33A4238}" destId="{2D708B46-B09A-7F44-A9C5-AB1FDCCB92AC}" srcOrd="0" destOrd="6" presId="urn:microsoft.com/office/officeart/2005/8/layout/process1"/>
-    <dgm:cxn modelId="{34A4FFB3-DFE2-4840-BE3C-13E6A028C905}" type="presOf" srcId="{2F0E8B9D-8F27-574E-87E8-4FC29695048C}" destId="{C32824EC-7FEF-D447-AAC6-9346B117354E}" srcOrd="0" destOrd="1" presId="urn:microsoft.com/office/officeart/2005/8/layout/process1"/>
-    <dgm:cxn modelId="{2F6EDDF8-1A52-CA4F-AC56-E7B813883AFC}" srcId="{DE49E2BA-261B-EC46-BAF7-6B78BDB6F06F}" destId="{5EDB0D77-09F0-0C4F-B332-E852A176F79A}" srcOrd="4" destOrd="0" parTransId="{6905B776-7DF3-2743-A7A0-DC627995A528}" sibTransId="{486F902B-586B-8044-9F9C-0B0AEA8029F9}"/>
     <dgm:cxn modelId="{C1ECC757-B52F-E049-B17D-3E36E34C2740}" srcId="{E87FC9F4-306A-C441-847C-3B779F386673}" destId="{DF7BE7E2-BD5F-EF42-98DF-684B0794E6B7}" srcOrd="3" destOrd="0" parTransId="{D893A9EE-6767-2541-8054-D505D80F0546}" sibTransId="{8747CB30-4722-E843-9A33-B85AFCEE5E44}"/>
-    <dgm:cxn modelId="{721E9081-6DE5-044A-BFFC-1888E25FB0F6}" type="presOf" srcId="{B170FB99-8909-414F-A4FC-4553DD906590}" destId="{1A8802C5-3316-8E4D-AF91-213A1FB07CB7}" srcOrd="0" destOrd="0" presId="urn:microsoft.com/office/officeart/2005/8/layout/process1"/>
-    <dgm:cxn modelId="{E96E6A5B-1AED-4C44-AE37-14C0056130FB}" type="presOf" srcId="{C939A25E-CA77-444F-8E65-4DA5CA6053DA}" destId="{5863E911-18E3-324A-A96A-07671B0F8D24}" srcOrd="0" destOrd="0" presId="urn:microsoft.com/office/officeart/2005/8/layout/process1"/>
-    <dgm:cxn modelId="{A0486452-5384-2A49-99D7-A16250A40933}" srcId="{B3862515-EEE4-D345-B4E4-D176ED5D829D}" destId="{2F0E8B9D-8F27-574E-87E8-4FC29695048C}" srcOrd="0" destOrd="0" parTransId="{A7B308C5-C4D2-2F4E-AAE2-176A32BEE386}" sibTransId="{E2095DC1-2950-6C48-B2F3-64B971E06666}"/>
-    <dgm:cxn modelId="{D500A717-F9A3-B74F-BDB0-13C797A36414}" type="presOf" srcId="{E87FC9F4-306A-C441-847C-3B779F386673}" destId="{2D708B46-B09A-7F44-A9C5-AB1FDCCB92AC}" srcOrd="0" destOrd="0" presId="urn:microsoft.com/office/officeart/2005/8/layout/process1"/>
-    <dgm:cxn modelId="{34FA0A1B-B56E-B04F-B8EC-AB21D2A30C24}" srcId="{E87FC9F4-306A-C441-847C-3B779F386673}" destId="{0D3DF110-F666-A04E-8B34-4B0F25524A57}" srcOrd="2" destOrd="0" parTransId="{7B7C4DCE-5341-4545-9538-6665DF174D30}" sibTransId="{A9EB110C-64CB-8545-A39B-8EE8C8FD35F9}"/>
-    <dgm:cxn modelId="{BBA1E820-FCF4-4746-A039-03C2C0799978}" type="presOf" srcId="{4CC5DAE6-00C4-BD4A-B969-A1FB5B516F57}" destId="{D04E9C78-DFB5-504F-BAA1-0C684C1DAD88}" srcOrd="0" destOrd="0" presId="urn:microsoft.com/office/officeart/2005/8/layout/process1"/>
-    <dgm:cxn modelId="{6E7BE60C-E32C-B049-B3FB-B11962DD0006}" srcId="{DE49E2BA-261B-EC46-BAF7-6B78BDB6F06F}" destId="{B3862515-EEE4-D345-B4E4-D176ED5D829D}" srcOrd="3" destOrd="0" parTransId="{A35A8C1C-578A-A946-9D1F-5DC7E105BF40}" sibTransId="{C939A25E-CA77-444F-8E65-4DA5CA6053DA}"/>
-    <dgm:cxn modelId="{2EA954D6-5CA0-634F-A561-B4C4306E02E8}" type="presOf" srcId="{4CC5DAE6-00C4-BD4A-B969-A1FB5B516F57}" destId="{FC94D377-6A7C-C04B-BE77-5081195182EA}" srcOrd="1" destOrd="0" presId="urn:microsoft.com/office/officeart/2005/8/layout/process1"/>
-    <dgm:cxn modelId="{127634F4-83D2-7C49-BCF8-038493B7E4B2}" srcId="{E87FC9F4-306A-C441-847C-3B779F386673}" destId="{A7240CC4-9D82-DA47-B691-1F13DBBD256B}" srcOrd="1" destOrd="0" parTransId="{F23044CA-9FAA-BF4D-ADA7-20B36854C0E0}" sibTransId="{83D2CA4B-211C-0B41-9362-5B4347E27686}"/>
-    <dgm:cxn modelId="{AB55F4FE-9296-9344-895E-111097B25D90}" type="presOf" srcId="{533BC168-BC76-C14E-8694-1DC3B6CF54C5}" destId="{3029052C-E3B7-CC46-8E23-37ABEDD15F03}" srcOrd="0" destOrd="0" presId="urn:microsoft.com/office/officeart/2005/8/layout/process1"/>
-    <dgm:cxn modelId="{9F55C8DD-5ABA-0647-8E6E-C80E86165806}" type="presOf" srcId="{234F4A0B-8092-0C47-A9C3-FFE7AA8C6D2A}" destId="{2D708B46-B09A-7F44-A9C5-AB1FDCCB92AC}" srcOrd="0" destOrd="1" presId="urn:microsoft.com/office/officeart/2005/8/layout/process1"/>
-    <dgm:cxn modelId="{851AB8B6-F1D6-C64F-AE4B-E0F5252E4653}" srcId="{B3862515-EEE4-D345-B4E4-D176ED5D829D}" destId="{CA1E943E-3AB1-4942-9397-CA0E4F86BC17}" srcOrd="1" destOrd="0" parTransId="{1CE7C90D-6879-E34B-A8E5-532D4972417F}" sibTransId="{2C7164CC-6546-F34E-AC17-6A4FE01B6034}"/>
-    <dgm:cxn modelId="{483A407A-1E6B-3047-BA2B-2FCA024D6346}" srcId="{E87FC9F4-306A-C441-847C-3B779F386673}" destId="{234F4A0B-8092-0C47-A9C3-FFE7AA8C6D2A}" srcOrd="0" destOrd="0" parTransId="{6740B56E-ADD8-9C42-BE21-0918BAB5D356}" sibTransId="{AF677554-A810-F245-83DF-78E242EE2752}"/>
-    <dgm:cxn modelId="{7DD280A0-F51F-F84F-B3E8-E63A8CE40189}" type="presOf" srcId="{D8DAD879-37C7-774C-B149-B7250DD6D502}" destId="{C5062774-D3A7-8B40-8FDE-995EBC7DED98}" srcOrd="0" destOrd="2" presId="urn:microsoft.com/office/officeart/2005/8/layout/process1"/>
-    <dgm:cxn modelId="{904A6D4C-DB60-E84E-86DF-50C04D0445DC}" srcId="{E87FC9F4-306A-C441-847C-3B779F386673}" destId="{D29243F3-EA9B-7C4B-B882-B4CED33A4238}" srcOrd="5" destOrd="0" parTransId="{F0EA8FDB-2A25-104C-897B-35E612ED7A49}" sibTransId="{92F19B71-048A-BF4E-8243-D90AED72DA3D}"/>
-    <dgm:cxn modelId="{24493C90-2BBF-0049-B00F-E8B3A1BC895E}" type="presOf" srcId="{CA1E943E-3AB1-4942-9397-CA0E4F86BC17}" destId="{C32824EC-7FEF-D447-AAC6-9346B117354E}" srcOrd="0" destOrd="2" presId="urn:microsoft.com/office/officeart/2005/8/layout/process1"/>
-    <dgm:cxn modelId="{D173F307-14ED-7140-9F70-FFA2C97805ED}" srcId="{B3862515-EEE4-D345-B4E4-D176ED5D829D}" destId="{88049AEE-4468-7944-9BC4-14997D6BF2C6}" srcOrd="2" destOrd="0" parTransId="{0610C57B-14B5-1847-BB28-6D239E823079}" sibTransId="{04A104A5-C4E3-9B4B-A8BD-AD63E82C498A}"/>
-    <dgm:cxn modelId="{B6FBF631-54FD-6A46-8BAE-5BA3E9F3FC07}" type="presOf" srcId="{9887AAD4-671C-2243-B23F-6F6D102A4012}" destId="{BB567044-1BE6-FA4E-BC0C-29580823B6FB}" srcOrd="0" destOrd="0" presId="urn:microsoft.com/office/officeart/2005/8/layout/process1"/>
-    <dgm:cxn modelId="{CB9A7038-0082-124D-944C-551138D6FD64}" srcId="{DE49E2BA-261B-EC46-BAF7-6B78BDB6F06F}" destId="{9887AAD4-671C-2243-B23F-6F6D102A4012}" srcOrd="0" destOrd="0" parTransId="{D5F7F628-C446-034C-A5DE-9482DE1570B8}" sibTransId="{B170FB99-8909-414F-A4FC-4553DD906590}"/>
-    <dgm:cxn modelId="{3C05CC0E-E31D-8147-AD16-56BA010946E7}" srcId="{801AFE1A-416D-E74C-BBFD-557415AE0194}" destId="{EB59FCF7-79EE-164C-BA56-C894BBA787D5}" srcOrd="0" destOrd="0" parTransId="{EB5B572A-39CC-A24D-9FD3-7E0D5EE2748F}" sibTransId="{44AB6DBE-73A2-3645-A37C-00E23131B684}"/>
-    <dgm:cxn modelId="{A04519E5-7CC2-6443-9F0C-6BD5A658EB22}" type="presOf" srcId="{A7240CC4-9D82-DA47-B691-1F13DBBD256B}" destId="{2D708B46-B09A-7F44-A9C5-AB1FDCCB92AC}" srcOrd="0" destOrd="2" presId="urn:microsoft.com/office/officeart/2005/8/layout/process1"/>
     <dgm:cxn modelId="{7D558CBC-029F-1A48-8C93-CE2E296F0C99}" type="presParOf" srcId="{4A554E7B-4565-9144-9E8A-ED84F42D6595}" destId="{BB567044-1BE6-FA4E-BC0C-29580823B6FB}" srcOrd="0" destOrd="0" presId="urn:microsoft.com/office/officeart/2005/8/layout/process1"/>
     <dgm:cxn modelId="{A252B068-74C3-A048-AE5E-895AE034F190}" type="presParOf" srcId="{4A554E7B-4565-9144-9E8A-ED84F42D6595}" destId="{1A8802C5-3316-8E4D-AF91-213A1FB07CB7}" srcOrd="1" destOrd="0" presId="urn:microsoft.com/office/officeart/2005/8/layout/process1"/>
     <dgm:cxn modelId="{63BBFBE1-2FD6-1042-9EE1-4A17B0772E6F}" type="presParOf" srcId="{1A8802C5-3316-8E4D-AF91-213A1FB07CB7}" destId="{E73AAB45-BA46-5E42-A3FA-3E92D321988C}" srcOrd="0" destOrd="0" presId="urn:microsoft.com/office/officeart/2005/8/layout/process1"/>
@@ -2504,7 +2568,10 @@
     <dgm:cxn modelId="{2D3F3855-F7A6-994A-8742-CCEA68C7B0E1}" type="presParOf" srcId="{4A554E7B-4565-9144-9E8A-ED84F42D6595}" destId="{C32824EC-7FEF-D447-AAC6-9346B117354E}" srcOrd="6" destOrd="0" presId="urn:microsoft.com/office/officeart/2005/8/layout/process1"/>
     <dgm:cxn modelId="{FDA3089C-E0D4-B64D-AF24-3186956E8C9A}" type="presParOf" srcId="{4A554E7B-4565-9144-9E8A-ED84F42D6595}" destId="{5863E911-18E3-324A-A96A-07671B0F8D24}" srcOrd="7" destOrd="0" presId="urn:microsoft.com/office/officeart/2005/8/layout/process1"/>
     <dgm:cxn modelId="{4EBC2230-7DDF-ED47-97C4-15BB81E49C18}" type="presParOf" srcId="{5863E911-18E3-324A-A96A-07671B0F8D24}" destId="{C144839B-A0B2-3640-8A63-BF0412473803}" srcOrd="0" destOrd="0" presId="urn:microsoft.com/office/officeart/2005/8/layout/process1"/>
-    <dgm:cxn modelId="{DB8F1250-D459-9C46-A6B8-35A02122F9B3}" type="presParOf" srcId="{4A554E7B-4565-9144-9E8A-ED84F42D6595}" destId="{E324EA71-C9AB-2943-812E-646AB1B31125}" srcOrd="8" destOrd="0" presId="urn:microsoft.com/office/officeart/2005/8/layout/process1"/>
+    <dgm:cxn modelId="{DD83A946-E876-BF44-A535-59E81918C0E5}" type="presParOf" srcId="{4A554E7B-4565-9144-9E8A-ED84F42D6595}" destId="{5DE5E078-35B4-3D43-9551-2453C95F0872}" srcOrd="8" destOrd="0" presId="urn:microsoft.com/office/officeart/2005/8/layout/process1"/>
+    <dgm:cxn modelId="{C4B9F138-3CEC-BE4D-B986-06D73A0E7FF5}" type="presParOf" srcId="{4A554E7B-4565-9144-9E8A-ED84F42D6595}" destId="{EB155C6C-1B8A-B446-94F3-79BA3039FA02}" srcOrd="9" destOrd="0" presId="urn:microsoft.com/office/officeart/2005/8/layout/process1"/>
+    <dgm:cxn modelId="{885E1CE7-4A9A-0547-ACE9-5A354B23EF30}" type="presParOf" srcId="{EB155C6C-1B8A-B446-94F3-79BA3039FA02}" destId="{136F8697-2561-0548-BD8F-BDC162F1C534}" srcOrd="0" destOrd="0" presId="urn:microsoft.com/office/officeart/2005/8/layout/process1"/>
+    <dgm:cxn modelId="{DB8F1250-D459-9C46-A6B8-35A02122F9B3}" type="presParOf" srcId="{4A554E7B-4565-9144-9E8A-ED84F42D6595}" destId="{E324EA71-C9AB-2943-812E-646AB1B31125}" srcOrd="10" destOrd="0" presId="urn:microsoft.com/office/officeart/2005/8/layout/process1"/>
   </dgm:cxnLst>
   <dgm:bg/>
   <dgm:whole/>
@@ -2921,8 +2988,8 @@
     <dgm:cxn modelId="{C819FC94-FBFE-E34A-A327-4A27395151CD}" type="presOf" srcId="{486F902B-586B-8044-9F9C-0B0AEA8029F9}" destId="{FF12BBB7-C98F-004B-97D1-6F33A956F885}" srcOrd="0" destOrd="0" presId="urn:microsoft.com/office/officeart/2005/8/layout/process1"/>
     <dgm:cxn modelId="{6FE90E6E-3041-9640-856C-0F56175D90F8}" type="presOf" srcId="{B170FB99-8909-414F-A4FC-4553DD906590}" destId="{E73AAB45-BA46-5E42-A3FA-3E92D321988C}" srcOrd="1" destOrd="0" presId="urn:microsoft.com/office/officeart/2005/8/layout/process1"/>
     <dgm:cxn modelId="{BB304414-4573-A945-A6B9-D92B37E06E0E}" srcId="{DE49E2BA-261B-EC46-BAF7-6B78BDB6F06F}" destId="{801AFE1A-416D-E74C-BBFD-557415AE0194}" srcOrd="2" destOrd="0" parTransId="{2727C292-B037-A740-B806-A17CA3BCFCD5}" sibTransId="{533BC168-BC76-C14E-8694-1DC3B6CF54C5}"/>
+    <dgm:cxn modelId="{FC07CA1A-5A89-A34B-BC81-B07378114F9A}" type="presOf" srcId="{9887AAD4-671C-2243-B23F-6F6D102A4012}" destId="{BB567044-1BE6-FA4E-BC0C-29580823B6FB}" srcOrd="0" destOrd="0" presId="urn:microsoft.com/office/officeart/2005/8/layout/process1"/>
     <dgm:cxn modelId="{2F6EDDF8-1A52-CA4F-AC56-E7B813883AFC}" srcId="{DE49E2BA-261B-EC46-BAF7-6B78BDB6F06F}" destId="{5EDB0D77-09F0-0C4F-B332-E852A176F79A}" srcOrd="0" destOrd="0" parTransId="{6905B776-7DF3-2743-A7A0-DC627995A528}" sibTransId="{486F902B-586B-8044-9F9C-0B0AEA8029F9}"/>
-    <dgm:cxn modelId="{FC07CA1A-5A89-A34B-BC81-B07378114F9A}" type="presOf" srcId="{9887AAD4-671C-2243-B23F-6F6D102A4012}" destId="{BB567044-1BE6-FA4E-BC0C-29580823B6FB}" srcOrd="0" destOrd="0" presId="urn:microsoft.com/office/officeart/2005/8/layout/process1"/>
     <dgm:cxn modelId="{80CF1ADA-AC03-0246-A9C5-2573A6852BB1}" type="presParOf" srcId="{4A554E7B-4565-9144-9E8A-ED84F42D6595}" destId="{E324EA71-C9AB-2943-812E-646AB1B31125}" srcOrd="0" destOrd="0" presId="urn:microsoft.com/office/officeart/2005/8/layout/process1"/>
     <dgm:cxn modelId="{0B8E1EEA-F683-5E42-8906-DD23252128BF}" type="presParOf" srcId="{4A554E7B-4565-9144-9E8A-ED84F42D6595}" destId="{FF12BBB7-C98F-004B-97D1-6F33A956F885}" srcOrd="1" destOrd="0" presId="urn:microsoft.com/office/officeart/2005/8/layout/process1"/>
     <dgm:cxn modelId="{56C9F803-799C-3147-830A-E0A956C21914}" type="presParOf" srcId="{FF12BBB7-C98F-004B-97D1-6F33A956F885}" destId="{93205773-7419-ED4D-91F8-2A24298BF005}" srcOrd="0" destOrd="0" presId="urn:microsoft.com/office/officeart/2005/8/layout/process1"/>
@@ -2962,8 +3029,8 @@
       </dsp:nvSpPr>
       <dsp:spPr>
         <a:xfrm>
-          <a:off x="6149" y="240216"/>
-          <a:ext cx="1385658" cy="1659725"/>
+          <a:off x="5251" y="374317"/>
+          <a:ext cx="1150159" cy="1391524"/>
         </a:xfrm>
         <a:prstGeom prst="roundRect">
           <a:avLst>
@@ -3028,12 +3095,12 @@
         </a:fontRef>
       </dsp:style>
       <dsp:txBody>
-        <a:bodyPr spcFirstLastPara="0" vert="horz" wrap="square" lIns="57150" tIns="57150" rIns="57150" bIns="57150" numCol="1" spcCol="1270" anchor="ctr" anchorCtr="0">
+        <a:bodyPr spcFirstLastPara="0" vert="horz" wrap="square" lIns="53340" tIns="53340" rIns="53340" bIns="53340" numCol="1" spcCol="1270" anchor="ctr" anchorCtr="0">
           <a:noAutofit/>
         </a:bodyPr>
         <a:lstStyle/>
         <a:p>
-          <a:pPr lvl="0" algn="ctr" defTabSz="666750">
+          <a:pPr lvl="0" algn="ctr" defTabSz="622300">
             <a:lnSpc>
               <a:spcPct val="90000"/>
             </a:lnSpc>
@@ -3045,15 +3112,15 @@
             </a:spcAft>
           </a:pPr>
           <a:r>
-            <a:rPr lang="en-US" sz="1500" kern="1200" dirty="0" smtClean="0"/>
+            <a:rPr lang="en-US" sz="1400" kern="1200" dirty="0" smtClean="0"/>
             <a:t>Contact Network Generator</a:t>
           </a:r>
-          <a:endParaRPr lang="en-US" sz="1500" kern="1200" dirty="0"/>
+          <a:endParaRPr lang="en-US" sz="1400" kern="1200" dirty="0"/>
         </a:p>
       </dsp:txBody>
       <dsp:txXfrm>
-        <a:off x="46734" y="280801"/>
-        <a:ext cx="1304488" cy="1578555"/>
+        <a:off x="38938" y="408004"/>
+        <a:ext cx="1082785" cy="1324150"/>
       </dsp:txXfrm>
     </dsp:sp>
     <dsp:sp modelId="{1A8802C5-3316-8E4D-AF91-213A1FB07CB7}">
@@ -3063,8 +3130,8 @@
       </dsp:nvSpPr>
       <dsp:spPr>
         <a:xfrm>
-          <a:off x="1569837" y="849322"/>
-          <a:ext cx="377422" cy="441513"/>
+          <a:off x="1303183" y="886841"/>
+          <a:ext cx="313278" cy="366476"/>
         </a:xfrm>
         <a:prstGeom prst="rightArrow">
           <a:avLst>
@@ -3138,7 +3205,7 @@
         </a:bodyPr>
         <a:lstStyle/>
         <a:p>
-          <a:pPr lvl="0" algn="ctr" defTabSz="533400">
+          <a:pPr lvl="0" algn="ctr" defTabSz="488950">
             <a:lnSpc>
               <a:spcPct val="90000"/>
             </a:lnSpc>
@@ -3149,12 +3216,12 @@
               <a:spcPct val="35000"/>
             </a:spcAft>
           </a:pPr>
-          <a:endParaRPr lang="en-US" sz="1200" kern="1200"/>
+          <a:endParaRPr lang="en-US" sz="1100" kern="1200"/>
         </a:p>
       </dsp:txBody>
       <dsp:txXfrm>
-        <a:off x="1569837" y="937625"/>
-        <a:ext cx="264195" cy="264907"/>
+        <a:off x="1303183" y="960136"/>
+        <a:ext cx="219295" cy="219886"/>
       </dsp:txXfrm>
     </dsp:sp>
     <dsp:sp modelId="{C5062774-D3A7-8B40-8FDE-995EBC7DED98}">
@@ -3164,8 +3231,8 @@
       </dsp:nvSpPr>
       <dsp:spPr>
         <a:xfrm>
-          <a:off x="2103926" y="240216"/>
-          <a:ext cx="1551172" cy="1659725"/>
+          <a:off x="1746501" y="374317"/>
+          <a:ext cx="1287544" cy="1391524"/>
         </a:xfrm>
         <a:prstGeom prst="roundRect">
           <a:avLst>
@@ -3230,12 +3297,12 @@
         </a:fontRef>
       </dsp:style>
       <dsp:txBody>
-        <a:bodyPr spcFirstLastPara="0" vert="horz" wrap="square" lIns="57150" tIns="57150" rIns="57150" bIns="57150" numCol="1" spcCol="1270" anchor="t" anchorCtr="0">
+        <a:bodyPr spcFirstLastPara="0" vert="horz" wrap="square" lIns="53340" tIns="53340" rIns="53340" bIns="53340" numCol="1" spcCol="1270" anchor="t" anchorCtr="0">
           <a:noAutofit/>
         </a:bodyPr>
         <a:lstStyle/>
         <a:p>
-          <a:pPr lvl="0" algn="ctr" defTabSz="666750">
+          <a:pPr lvl="0" algn="ctr" defTabSz="622300">
             <a:lnSpc>
               <a:spcPct val="90000"/>
             </a:lnSpc>
@@ -3247,13 +3314,13 @@
             </a:spcAft>
           </a:pPr>
           <a:r>
-            <a:rPr lang="en-US" sz="1500" kern="1200" smtClean="0"/>
+            <a:rPr lang="en-US" sz="1400" kern="1200" smtClean="0"/>
             <a:t>Seeds</a:t>
           </a:r>
-          <a:endParaRPr lang="en-US" sz="1500" kern="1200" dirty="0"/>
+          <a:endParaRPr lang="en-US" sz="1400" kern="1200" dirty="0"/>
         </a:p>
         <a:p>
-          <a:pPr marL="114300" lvl="1" indent="-114300" algn="l" defTabSz="533400">
+          <a:pPr marL="57150" lvl="1" indent="-57150" algn="l" defTabSz="466725">
             <a:lnSpc>
               <a:spcPct val="90000"/>
             </a:lnSpc>
@@ -3266,13 +3333,13 @@
             <a:buChar char="•"/>
           </a:pPr>
           <a:r>
-            <a:rPr lang="en-US" sz="1200" kern="1200" dirty="0" smtClean="0"/>
+            <a:rPr lang="en-US" sz="1050" kern="1200" dirty="0" smtClean="0"/>
             <a:t>Seed Selection</a:t>
           </a:r>
-          <a:endParaRPr lang="en-US" sz="1200" kern="1200" dirty="0"/>
+          <a:endParaRPr lang="en-US" sz="1050" kern="1200" dirty="0"/>
         </a:p>
         <a:p>
-          <a:pPr marL="114300" lvl="1" indent="-114300" algn="l" defTabSz="533400">
+          <a:pPr marL="57150" lvl="1" indent="-57150" algn="l" defTabSz="466725">
             <a:lnSpc>
               <a:spcPct val="90000"/>
             </a:lnSpc>
@@ -3285,15 +3352,15 @@
             <a:buChar char="•"/>
           </a:pPr>
           <a:r>
-            <a:rPr lang="en-US" sz="1200" kern="1200" dirty="0" smtClean="0"/>
+            <a:rPr lang="en-US" sz="1050" kern="1200" dirty="0" smtClean="0"/>
             <a:t>Seed Sequence</a:t>
           </a:r>
-          <a:endParaRPr lang="en-US" sz="1200" kern="1200" dirty="0"/>
+          <a:endParaRPr lang="en-US" sz="1050" kern="1200" dirty="0"/>
         </a:p>
       </dsp:txBody>
       <dsp:txXfrm>
-        <a:off x="2149358" y="285648"/>
-        <a:ext cx="1460308" cy="1568861"/>
+        <a:off x="1784212" y="412028"/>
+        <a:ext cx="1212122" cy="1316102"/>
       </dsp:txXfrm>
     </dsp:sp>
     <dsp:sp modelId="{3029052C-E3B7-CC46-8E23-37ABEDD15F03}">
@@ -3303,8 +3370,8 @@
       </dsp:nvSpPr>
       <dsp:spPr>
         <a:xfrm>
-          <a:off x="3833129" y="849322"/>
-          <a:ext cx="377422" cy="441513"/>
+          <a:off x="3181818" y="886841"/>
+          <a:ext cx="313278" cy="366476"/>
         </a:xfrm>
         <a:prstGeom prst="rightArrow">
           <a:avLst>
@@ -3378,7 +3445,7 @@
         </a:bodyPr>
         <a:lstStyle/>
         <a:p>
-          <a:pPr lvl="0" algn="ctr" defTabSz="533400">
+          <a:pPr lvl="0" algn="ctr" defTabSz="488950">
             <a:lnSpc>
               <a:spcPct val="90000"/>
             </a:lnSpc>
@@ -3389,12 +3456,12 @@
               <a:spcPct val="35000"/>
             </a:spcAft>
           </a:pPr>
-          <a:endParaRPr lang="en-US" sz="1200" kern="1200"/>
+          <a:endParaRPr lang="en-US" sz="1100" kern="1200"/>
         </a:p>
       </dsp:txBody>
       <dsp:txXfrm>
-        <a:off x="3833129" y="937625"/>
-        <a:ext cx="264195" cy="264907"/>
+        <a:off x="3181818" y="960136"/>
+        <a:ext cx="219295" cy="219886"/>
       </dsp:txXfrm>
     </dsp:sp>
     <dsp:sp modelId="{2D708B46-B09A-7F44-A9C5-AB1FDCCB92AC}">
@@ -3404,8 +3471,8 @@
       </dsp:nvSpPr>
       <dsp:spPr>
         <a:xfrm>
-          <a:off x="4367218" y="240216"/>
-          <a:ext cx="2079475" cy="1659725"/>
+          <a:off x="3625136" y="374317"/>
+          <a:ext cx="1726059" cy="1391524"/>
         </a:xfrm>
         <a:prstGeom prst="roundRect">
           <a:avLst>
@@ -3435,12 +3502,12 @@
         </a:fontRef>
       </dsp:style>
       <dsp:txBody>
-        <a:bodyPr spcFirstLastPara="0" vert="horz" wrap="square" lIns="57150" tIns="57150" rIns="57150" bIns="57150" numCol="1" spcCol="1270" anchor="t" anchorCtr="0">
+        <a:bodyPr spcFirstLastPara="0" vert="horz" wrap="square" lIns="49530" tIns="49530" rIns="49530" bIns="49530" numCol="1" spcCol="1270" anchor="t" anchorCtr="0">
           <a:noAutofit/>
         </a:bodyPr>
         <a:lstStyle/>
         <a:p>
-          <a:pPr lvl="0" algn="ctr" defTabSz="666750">
+          <a:pPr lvl="0" algn="ctr" defTabSz="577850">
             <a:lnSpc>
               <a:spcPct val="90000"/>
             </a:lnSpc>
@@ -3452,13 +3519,13 @@
             </a:spcAft>
           </a:pPr>
           <a:r>
-            <a:rPr lang="en-US" sz="1500" kern="1200" dirty="0" smtClean="0"/>
+            <a:rPr lang="en-US" sz="1300" kern="1200" dirty="0" smtClean="0"/>
             <a:t>TRANSMISSIONS</a:t>
           </a:r>
-          <a:endParaRPr lang="en-US" sz="1500" kern="1200" dirty="0"/>
+          <a:endParaRPr lang="en-US" sz="1300" kern="1200" dirty="0"/>
         </a:p>
         <a:p>
-          <a:pPr marL="114300" lvl="1" indent="-114300" algn="l" defTabSz="533400">
+          <a:pPr marL="57150" lvl="1" indent="-57150" algn="l" defTabSz="444500">
             <a:lnSpc>
               <a:spcPct val="90000"/>
             </a:lnSpc>
@@ -3471,13 +3538,13 @@
             <a:buChar char="•"/>
           </a:pPr>
           <a:r>
-            <a:rPr lang="en-US" sz="1200" kern="1200" dirty="0" smtClean="0"/>
+            <a:rPr lang="en-US" sz="1000" kern="1200" dirty="0" smtClean="0"/>
             <a:t>Transmission Node Sample</a:t>
           </a:r>
-          <a:endParaRPr lang="en-US" sz="1200" kern="1200" dirty="0"/>
+          <a:endParaRPr lang="en-US" sz="1000" kern="1200" dirty="0"/>
         </a:p>
         <a:p>
-          <a:pPr marL="114300" lvl="1" indent="-114300" algn="l" defTabSz="533400">
+          <a:pPr marL="57150" lvl="1" indent="-57150" algn="l" defTabSz="444500">
             <a:lnSpc>
               <a:spcPct val="90000"/>
             </a:lnSpc>
@@ -3490,13 +3557,13 @@
             <a:buChar char="•"/>
           </a:pPr>
           <a:r>
-            <a:rPr lang="en-US" sz="1200" kern="1200" dirty="0" smtClean="0"/>
+            <a:rPr lang="en-US" sz="1000" kern="1200" dirty="0" smtClean="0"/>
             <a:t>Transmission Time Sample</a:t>
           </a:r>
-          <a:endParaRPr lang="en-US" sz="1200" kern="1200" dirty="0"/>
+          <a:endParaRPr lang="en-US" sz="1000" kern="1200" dirty="0"/>
         </a:p>
         <a:p>
-          <a:pPr marL="114300" lvl="1" indent="-114300" algn="l" defTabSz="533400">
+          <a:pPr marL="57150" lvl="1" indent="-57150" algn="l" defTabSz="444500">
             <a:lnSpc>
               <a:spcPct val="90000"/>
             </a:lnSpc>
@@ -3509,13 +3576,13 @@
             <a:buChar char="•"/>
           </a:pPr>
           <a:r>
-            <a:rPr lang="en-US" sz="1200" kern="1200" dirty="0" smtClean="0"/>
+            <a:rPr lang="en-US" sz="1000" kern="1200" dirty="0" smtClean="0"/>
             <a:t>Node Evolution</a:t>
           </a:r>
-          <a:endParaRPr lang="en-US" sz="1200" kern="1200" dirty="0"/>
+          <a:endParaRPr lang="en-US" sz="1000" kern="1200" dirty="0"/>
         </a:p>
         <a:p>
-          <a:pPr marL="114300" lvl="1" indent="-114300" algn="l" defTabSz="533400">
+          <a:pPr marL="57150" lvl="1" indent="-57150" algn="l" defTabSz="444500">
             <a:lnSpc>
               <a:spcPct val="90000"/>
             </a:lnSpc>
@@ -3528,13 +3595,13 @@
             <a:buChar char="•"/>
           </a:pPr>
           <a:r>
-            <a:rPr lang="en-US" sz="1200" kern="1200" dirty="0" smtClean="0"/>
+            <a:rPr lang="en-US" sz="1000" kern="1200" dirty="0" smtClean="0"/>
             <a:t>Sequence Evolution</a:t>
           </a:r>
-          <a:endParaRPr lang="en-US" sz="1200" kern="1200" dirty="0"/>
+          <a:endParaRPr lang="en-US" sz="1000" kern="1200" dirty="0"/>
         </a:p>
         <a:p>
-          <a:pPr marL="114300" lvl="1" indent="-114300" algn="l" defTabSz="533400">
+          <a:pPr marL="57150" lvl="1" indent="-57150" algn="l" defTabSz="444500">
             <a:lnSpc>
               <a:spcPct val="90000"/>
             </a:lnSpc>
@@ -3547,13 +3614,13 @@
             <a:buChar char="•"/>
           </a:pPr>
           <a:r>
-            <a:rPr lang="en-US" sz="1200" kern="1200" dirty="0" smtClean="0"/>
+            <a:rPr lang="en-US" sz="1000" kern="1200" dirty="0" smtClean="0"/>
             <a:t>Source Sample</a:t>
           </a:r>
-          <a:endParaRPr lang="en-US" sz="1200" kern="1200" dirty="0"/>
+          <a:endParaRPr lang="en-US" sz="1000" kern="1200" dirty="0"/>
         </a:p>
         <a:p>
-          <a:pPr marL="114300" lvl="1" indent="-114300" algn="l" defTabSz="533400">
+          <a:pPr marL="57150" lvl="1" indent="-57150" algn="l" defTabSz="444500">
             <a:lnSpc>
               <a:spcPct val="90000"/>
             </a:lnSpc>
@@ -3566,15 +3633,15 @@
             <a:buChar char="•"/>
           </a:pPr>
           <a:r>
-            <a:rPr lang="en-US" sz="1200" kern="1200" dirty="0" err="1" smtClean="0"/>
+            <a:rPr lang="en-US" sz="1000" kern="1200" dirty="0" err="1" smtClean="0"/>
             <a:t>EndCriteria</a:t>
           </a:r>
-          <a:endParaRPr lang="en-US" sz="1200" kern="1200" dirty="0"/>
+          <a:endParaRPr lang="en-US" sz="1000" kern="1200" dirty="0"/>
         </a:p>
       </dsp:txBody>
       <dsp:txXfrm>
-        <a:off x="4415830" y="288828"/>
-        <a:ext cx="1982251" cy="1562501"/>
+        <a:off x="3665892" y="415073"/>
+        <a:ext cx="1644547" cy="1310012"/>
       </dsp:txXfrm>
     </dsp:sp>
     <dsp:sp modelId="{D04E9C78-DFB5-504F-BAA1-0C684C1DAD88}">
@@ -3584,8 +3651,8 @@
       </dsp:nvSpPr>
       <dsp:spPr>
         <a:xfrm>
-          <a:off x="6624723" y="849322"/>
-          <a:ext cx="377422" cy="441513"/>
+          <a:off x="5498969" y="886841"/>
+          <a:ext cx="313278" cy="366476"/>
         </a:xfrm>
         <a:prstGeom prst="rightArrow">
           <a:avLst>
@@ -3659,7 +3726,7 @@
         </a:bodyPr>
         <a:lstStyle/>
         <a:p>
-          <a:pPr lvl="0" algn="ctr" defTabSz="533400">
+          <a:pPr lvl="0" algn="ctr" defTabSz="488950">
             <a:lnSpc>
               <a:spcPct val="90000"/>
             </a:lnSpc>
@@ -3670,12 +3737,12 @@
               <a:spcPct val="35000"/>
             </a:spcAft>
           </a:pPr>
-          <a:endParaRPr lang="en-US" sz="1200" kern="1200"/>
+          <a:endParaRPr lang="en-US" sz="1100" kern="1200"/>
         </a:p>
       </dsp:txBody>
       <dsp:txXfrm>
-        <a:off x="6624723" y="937625"/>
-        <a:ext cx="264195" cy="264907"/>
+        <a:off x="5498969" y="960136"/>
+        <a:ext cx="219295" cy="219886"/>
       </dsp:txXfrm>
     </dsp:sp>
     <dsp:sp modelId="{C32824EC-7FEF-D447-AAC6-9346B117354E}">
@@ -3685,8 +3752,8 @@
       </dsp:nvSpPr>
       <dsp:spPr>
         <a:xfrm>
-          <a:off x="7158812" y="240216"/>
-          <a:ext cx="1553202" cy="1659725"/>
+          <a:off x="5942287" y="374317"/>
+          <a:ext cx="1289228" cy="1391524"/>
         </a:xfrm>
         <a:prstGeom prst="roundRect">
           <a:avLst>
@@ -3751,12 +3818,12 @@
         </a:fontRef>
       </dsp:style>
       <dsp:txBody>
-        <a:bodyPr spcFirstLastPara="0" vert="horz" wrap="square" lIns="57150" tIns="57150" rIns="57150" bIns="57150" numCol="1" spcCol="1270" anchor="t" anchorCtr="0">
+        <a:bodyPr spcFirstLastPara="0" vert="horz" wrap="square" lIns="49530" tIns="49530" rIns="49530" bIns="49530" numCol="1" spcCol="1270" anchor="t" anchorCtr="0">
           <a:noAutofit/>
         </a:bodyPr>
         <a:lstStyle/>
         <a:p>
-          <a:pPr lvl="0" algn="ctr" defTabSz="666750">
+          <a:pPr lvl="0" algn="ctr" defTabSz="577850">
             <a:lnSpc>
               <a:spcPct val="90000"/>
             </a:lnSpc>
@@ -3768,13 +3835,13 @@
             </a:spcAft>
           </a:pPr>
           <a:r>
-            <a:rPr lang="en-US" sz="1500" kern="1200" dirty="0" smtClean="0"/>
+            <a:rPr lang="en-US" sz="1300" kern="1200" dirty="0" smtClean="0"/>
             <a:t>VIRAL SAMPLE</a:t>
           </a:r>
-          <a:endParaRPr lang="en-US" sz="1500" kern="1200" dirty="0"/>
+          <a:endParaRPr lang="en-US" sz="1300" kern="1200" dirty="0"/>
         </a:p>
         <a:p>
-          <a:pPr marL="114300" lvl="1" indent="-114300" algn="l" defTabSz="533400">
+          <a:pPr marL="57150" lvl="1" indent="-57150" algn="l" defTabSz="444500">
             <a:lnSpc>
               <a:spcPct val="90000"/>
             </a:lnSpc>
@@ -3787,17 +3854,17 @@
             <a:buChar char="•"/>
           </a:pPr>
           <a:r>
-            <a:rPr lang="en-US" sz="1200" kern="1200" dirty="0" err="1" smtClean="0"/>
+            <a:rPr lang="en-US" sz="1000" kern="1200" dirty="0" err="1" smtClean="0"/>
             <a:t>Num</a:t>
           </a:r>
           <a:r>
-            <a:rPr lang="en-US" sz="1200" kern="1200" smtClean="0"/>
+            <a:rPr lang="en-US" sz="1000" kern="1200" dirty="0" smtClean="0"/>
             <a:t> Time Sample</a:t>
           </a:r>
-          <a:endParaRPr lang="en-US" sz="1200" kern="1200"/>
+          <a:endParaRPr lang="en-US" sz="1000" kern="1200" dirty="0"/>
         </a:p>
         <a:p>
-          <a:pPr marL="114300" lvl="1" indent="-114300" algn="l" defTabSz="533400">
+          <a:pPr marL="57150" lvl="1" indent="-57150" algn="l" defTabSz="444500">
             <a:lnSpc>
               <a:spcPct val="90000"/>
             </a:lnSpc>
@@ -3810,13 +3877,13 @@
             <a:buChar char="•"/>
           </a:pPr>
           <a:r>
-            <a:rPr lang="en-US" sz="1200" kern="1200" dirty="0" smtClean="0"/>
+            <a:rPr lang="en-US" sz="1000" kern="1200" dirty="0" smtClean="0"/>
             <a:t>Time Sample</a:t>
           </a:r>
-          <a:endParaRPr lang="en-US" sz="1200" kern="1200" dirty="0"/>
+          <a:endParaRPr lang="en-US" sz="1000" kern="1200" dirty="0"/>
         </a:p>
         <a:p>
-          <a:pPr marL="114300" lvl="1" indent="-114300" algn="l" defTabSz="533400">
+          <a:pPr marL="57150" lvl="1" indent="-57150" algn="l" defTabSz="444500">
             <a:lnSpc>
               <a:spcPct val="90000"/>
             </a:lnSpc>
@@ -3829,19 +3896,19 @@
             <a:buChar char="•"/>
           </a:pPr>
           <a:r>
-            <a:rPr lang="en-US" sz="1200" kern="1200" dirty="0" err="1" smtClean="0"/>
+            <a:rPr lang="en-US" sz="1000" kern="1200" dirty="0" err="1" smtClean="0"/>
             <a:t>Num</a:t>
           </a:r>
           <a:r>
-            <a:rPr lang="en-US" sz="1200" kern="1200" dirty="0" smtClean="0"/>
+            <a:rPr lang="en-US" sz="1000" kern="1200" dirty="0" smtClean="0"/>
             <a:t> Branch Sample</a:t>
           </a:r>
-          <a:endParaRPr lang="en-US" sz="1200" kern="1200" dirty="0"/>
+          <a:endParaRPr lang="en-US" sz="1000" kern="1200" dirty="0"/>
         </a:p>
       </dsp:txBody>
       <dsp:txXfrm>
-        <a:off x="7204304" y="285708"/>
-        <a:ext cx="1462218" cy="1568741"/>
+        <a:off x="5980047" y="412077"/>
+        <a:ext cx="1213708" cy="1316004"/>
       </dsp:txXfrm>
     </dsp:sp>
     <dsp:sp modelId="{5863E911-18E3-324A-A96A-07671B0F8D24}">
@@ -3851,8 +3918,8 @@
       </dsp:nvSpPr>
       <dsp:spPr>
         <a:xfrm>
-          <a:off x="8890044" y="849322"/>
-          <a:ext cx="377422" cy="441513"/>
+          <a:off x="7379289" y="886841"/>
+          <a:ext cx="313278" cy="366476"/>
         </a:xfrm>
         <a:prstGeom prst="rightArrow">
           <a:avLst>
@@ -3926,7 +3993,7 @@
         </a:bodyPr>
         <a:lstStyle/>
         <a:p>
-          <a:pPr lvl="0" algn="ctr" defTabSz="533400">
+          <a:pPr lvl="0" algn="ctr" defTabSz="488950">
             <a:lnSpc>
               <a:spcPct val="90000"/>
             </a:lnSpc>
@@ -3937,12 +4004,214 @@
               <a:spcPct val="35000"/>
             </a:spcAft>
           </a:pPr>
-          <a:endParaRPr lang="en-US" sz="1200" kern="1200"/>
+          <a:endParaRPr lang="en-US" sz="1100" kern="1200"/>
         </a:p>
       </dsp:txBody>
       <dsp:txXfrm>
-        <a:off x="8890044" y="937625"/>
-        <a:ext cx="264195" cy="264907"/>
+        <a:off x="7379289" y="960136"/>
+        <a:ext cx="219295" cy="219886"/>
+      </dsp:txXfrm>
+    </dsp:sp>
+    <dsp:sp modelId="{5DE5E078-35B4-3D43-9551-2453C95F0872}">
+      <dsp:nvSpPr>
+        <dsp:cNvPr id="0" name=""/>
+        <dsp:cNvSpPr/>
+      </dsp:nvSpPr>
+      <dsp:spPr>
+        <a:xfrm>
+          <a:off x="7822607" y="374317"/>
+          <a:ext cx="1289228" cy="1391524"/>
+        </a:xfrm>
+        <a:prstGeom prst="roundRect">
+          <a:avLst>
+            <a:gd name="adj" fmla="val 10000"/>
+          </a:avLst>
+        </a:prstGeom>
+        <a:gradFill rotWithShape="0">
+          <a:gsLst>
+            <a:gs pos="0">
+              <a:schemeClr val="accent1">
+                <a:hueOff val="0"/>
+                <a:satOff val="0"/>
+                <a:lumOff val="0"/>
+                <a:alphaOff val="0"/>
+                <a:satMod val="103000"/>
+                <a:lumMod val="102000"/>
+                <a:tint val="94000"/>
+              </a:schemeClr>
+            </a:gs>
+            <a:gs pos="50000">
+              <a:schemeClr val="accent1">
+                <a:hueOff val="0"/>
+                <a:satOff val="0"/>
+                <a:lumOff val="0"/>
+                <a:alphaOff val="0"/>
+                <a:satMod val="110000"/>
+                <a:lumMod val="100000"/>
+                <a:shade val="100000"/>
+              </a:schemeClr>
+            </a:gs>
+            <a:gs pos="100000">
+              <a:schemeClr val="accent1">
+                <a:hueOff val="0"/>
+                <a:satOff val="0"/>
+                <a:lumOff val="0"/>
+                <a:alphaOff val="0"/>
+                <a:lumMod val="99000"/>
+                <a:satMod val="120000"/>
+                <a:shade val="78000"/>
+              </a:schemeClr>
+            </a:gs>
+          </a:gsLst>
+          <a:lin ang="5400000" scaled="0"/>
+        </a:gradFill>
+        <a:ln>
+          <a:noFill/>
+        </a:ln>
+        <a:effectLst/>
+      </dsp:spPr>
+      <dsp:style>
+        <a:lnRef idx="0">
+          <a:scrgbClr r="0" g="0" b="0"/>
+        </a:lnRef>
+        <a:fillRef idx="3">
+          <a:scrgbClr r="0" g="0" b="0"/>
+        </a:fillRef>
+        <a:effectRef idx="2">
+          <a:scrgbClr r="0" g="0" b="0"/>
+        </a:effectRef>
+        <a:fontRef idx="minor">
+          <a:schemeClr val="lt1"/>
+        </a:fontRef>
+      </dsp:style>
+      <dsp:txBody>
+        <a:bodyPr spcFirstLastPara="0" vert="horz" wrap="square" lIns="68580" tIns="68580" rIns="68580" bIns="68580" numCol="1" spcCol="1270" anchor="ctr" anchorCtr="0">
+          <a:noAutofit/>
+        </a:bodyPr>
+        <a:lstStyle/>
+        <a:p>
+          <a:pPr lvl="0" algn="ctr" defTabSz="800100">
+            <a:lnSpc>
+              <a:spcPct val="90000"/>
+            </a:lnSpc>
+            <a:spcBef>
+              <a:spcPct val="0"/>
+            </a:spcBef>
+            <a:spcAft>
+              <a:spcPct val="35000"/>
+            </a:spcAft>
+          </a:pPr>
+          <a:r>
+            <a:rPr lang="en-US" sz="1800" kern="1200" dirty="0" smtClean="0"/>
+            <a:t>Tree Unit</a:t>
+          </a:r>
+          <a:endParaRPr lang="en-US" sz="1800" kern="1200" dirty="0"/>
+        </a:p>
+      </dsp:txBody>
+      <dsp:txXfrm>
+        <a:off x="7860367" y="412077"/>
+        <a:ext cx="1213708" cy="1316004"/>
+      </dsp:txXfrm>
+    </dsp:sp>
+    <dsp:sp modelId="{EB155C6C-1B8A-B446-94F3-79BA3039FA02}">
+      <dsp:nvSpPr>
+        <dsp:cNvPr id="0" name=""/>
+        <dsp:cNvSpPr/>
+      </dsp:nvSpPr>
+      <dsp:spPr>
+        <a:xfrm>
+          <a:off x="9259608" y="886841"/>
+          <a:ext cx="313278" cy="366476"/>
+        </a:xfrm>
+        <a:prstGeom prst="rightArrow">
+          <a:avLst>
+            <a:gd name="adj1" fmla="val 60000"/>
+            <a:gd name="adj2" fmla="val 50000"/>
+          </a:avLst>
+        </a:prstGeom>
+        <a:gradFill rotWithShape="0">
+          <a:gsLst>
+            <a:gs pos="0">
+              <a:schemeClr val="accent1">
+                <a:tint val="60000"/>
+                <a:hueOff val="0"/>
+                <a:satOff val="0"/>
+                <a:lumOff val="0"/>
+                <a:alphaOff val="0"/>
+                <a:satMod val="103000"/>
+                <a:lumMod val="102000"/>
+                <a:tint val="94000"/>
+              </a:schemeClr>
+            </a:gs>
+            <a:gs pos="50000">
+              <a:schemeClr val="accent1">
+                <a:tint val="60000"/>
+                <a:hueOff val="0"/>
+                <a:satOff val="0"/>
+                <a:lumOff val="0"/>
+                <a:alphaOff val="0"/>
+                <a:satMod val="110000"/>
+                <a:lumMod val="100000"/>
+                <a:shade val="100000"/>
+              </a:schemeClr>
+            </a:gs>
+            <a:gs pos="100000">
+              <a:schemeClr val="accent1">
+                <a:tint val="60000"/>
+                <a:hueOff val="0"/>
+                <a:satOff val="0"/>
+                <a:lumOff val="0"/>
+                <a:alphaOff val="0"/>
+                <a:lumMod val="99000"/>
+                <a:satMod val="120000"/>
+                <a:shade val="78000"/>
+              </a:schemeClr>
+            </a:gs>
+          </a:gsLst>
+          <a:lin ang="5400000" scaled="0"/>
+        </a:gradFill>
+        <a:ln>
+          <a:noFill/>
+        </a:ln>
+        <a:effectLst/>
+      </dsp:spPr>
+      <dsp:style>
+        <a:lnRef idx="0">
+          <a:scrgbClr r="0" g="0" b="0"/>
+        </a:lnRef>
+        <a:fillRef idx="3">
+          <a:scrgbClr r="0" g="0" b="0"/>
+        </a:fillRef>
+        <a:effectRef idx="2">
+          <a:scrgbClr r="0" g="0" b="0"/>
+        </a:effectRef>
+        <a:fontRef idx="minor">
+          <a:schemeClr val="lt1"/>
+        </a:fontRef>
+      </dsp:style>
+      <dsp:txBody>
+        <a:bodyPr spcFirstLastPara="0" vert="horz" wrap="square" lIns="0" tIns="0" rIns="0" bIns="0" numCol="1" spcCol="1270" anchor="ctr" anchorCtr="0">
+          <a:noAutofit/>
+        </a:bodyPr>
+        <a:lstStyle/>
+        <a:p>
+          <a:pPr lvl="0" algn="ctr" defTabSz="488950">
+            <a:lnSpc>
+              <a:spcPct val="90000"/>
+            </a:lnSpc>
+            <a:spcBef>
+              <a:spcPct val="0"/>
+            </a:spcBef>
+            <a:spcAft>
+              <a:spcPct val="35000"/>
+            </a:spcAft>
+          </a:pPr>
+          <a:endParaRPr lang="en-US" sz="1100" kern="1200"/>
+        </a:p>
+      </dsp:txBody>
+      <dsp:txXfrm>
+        <a:off x="9259608" y="960136"/>
+        <a:ext cx="219295" cy="219886"/>
       </dsp:txXfrm>
     </dsp:sp>
     <dsp:sp modelId="{E324EA71-C9AB-2943-812E-646AB1B31125}">
@@ -3952,8 +4221,8 @@
       </dsp:nvSpPr>
       <dsp:spPr>
         <a:xfrm>
-          <a:off x="9424134" y="240216"/>
-          <a:ext cx="1635113" cy="1659725"/>
+          <a:off x="9702926" y="374317"/>
+          <a:ext cx="1357218" cy="1391524"/>
         </a:xfrm>
         <a:prstGeom prst="roundRect">
           <a:avLst>
@@ -3983,12 +4252,12 @@
         </a:fontRef>
       </dsp:style>
       <dsp:txBody>
-        <a:bodyPr spcFirstLastPara="0" vert="horz" wrap="square" lIns="57150" tIns="57150" rIns="57150" bIns="57150" numCol="1" spcCol="1270" anchor="ctr" anchorCtr="0">
+        <a:bodyPr spcFirstLastPara="0" vert="horz" wrap="square" lIns="60960" tIns="60960" rIns="60960" bIns="60960" numCol="1" spcCol="1270" anchor="ctr" anchorCtr="0">
           <a:noAutofit/>
         </a:bodyPr>
         <a:lstStyle/>
         <a:p>
-          <a:pPr lvl="0" algn="ctr" defTabSz="666750">
+          <a:pPr lvl="0" algn="ctr" defTabSz="711200">
             <a:lnSpc>
               <a:spcPct val="90000"/>
             </a:lnSpc>
@@ -4000,12 +4269,12 @@
             </a:spcAft>
           </a:pPr>
           <a:r>
-            <a:rPr lang="en-US" sz="1500" kern="1200" dirty="0" smtClean="0"/>
+            <a:rPr lang="en-US" sz="1600" kern="1200" dirty="0" smtClean="0"/>
             <a:t>ERROR FREE</a:t>
           </a:r>
         </a:p>
         <a:p>
-          <a:pPr lvl="0" algn="ctr" defTabSz="666750">
+          <a:pPr lvl="0" algn="ctr" defTabSz="711200">
             <a:lnSpc>
               <a:spcPct val="90000"/>
             </a:lnSpc>
@@ -4017,15 +4286,15 @@
             </a:spcAft>
           </a:pPr>
           <a:r>
-            <a:rPr lang="en-US" sz="1500" kern="1200" dirty="0" smtClean="0"/>
+            <a:rPr lang="en-US" sz="1600" kern="1200" dirty="0" smtClean="0"/>
             <a:t>DATA</a:t>
           </a:r>
-          <a:endParaRPr lang="en-US" sz="1500" kern="1200" dirty="0"/>
+          <a:endParaRPr lang="en-US" sz="1600" kern="1200" dirty="0"/>
         </a:p>
       </dsp:txBody>
       <dsp:txXfrm>
-        <a:off x="9472025" y="288107"/>
-        <a:ext cx="1539331" cy="1563943"/>
+        <a:off x="9742678" y="414069"/>
+        <a:ext cx="1277714" cy="1312020"/>
       </dsp:txXfrm>
     </dsp:sp>
   </dsp:spTree>
@@ -7325,7 +7594,7 @@
           <a:p>
             <a:fld id="{435F5122-36F6-8A43-9FB8-2C7E079D8491}" type="datetimeFigureOut">
               <a:rPr lang="en-US" smtClean="0"/>
-              <a:t>5/31/17</a:t>
+              <a:t>7/3/17</a:t>
             </a:fld>
             <a:endParaRPr lang="en-US"/>
           </a:p>
@@ -7808,7 +8077,7 @@
           <a:p>
             <a:fld id="{0B81B261-3E97-594D-92FE-9F195E76D39F}" type="datetimeFigureOut">
               <a:rPr lang="en-US" smtClean="0"/>
-              <a:t>5/31/17</a:t>
+              <a:t>7/3/17</a:t>
             </a:fld>
             <a:endParaRPr lang="en-US"/>
           </a:p>
@@ -7978,7 +8247,7 @@
           <a:p>
             <a:fld id="{0B81B261-3E97-594D-92FE-9F195E76D39F}" type="datetimeFigureOut">
               <a:rPr lang="en-US" smtClean="0"/>
-              <a:t>5/31/17</a:t>
+              <a:t>7/3/17</a:t>
             </a:fld>
             <a:endParaRPr lang="en-US"/>
           </a:p>
@@ -8158,7 +8427,7 @@
           <a:p>
             <a:fld id="{0B81B261-3E97-594D-92FE-9F195E76D39F}" type="datetimeFigureOut">
               <a:rPr lang="en-US" smtClean="0"/>
-              <a:t>5/31/17</a:t>
+              <a:t>7/3/17</a:t>
             </a:fld>
             <a:endParaRPr lang="en-US"/>
           </a:p>
@@ -8328,7 +8597,7 @@
           <a:p>
             <a:fld id="{0B81B261-3E97-594D-92FE-9F195E76D39F}" type="datetimeFigureOut">
               <a:rPr lang="en-US" smtClean="0"/>
-              <a:t>5/31/17</a:t>
+              <a:t>7/3/17</a:t>
             </a:fld>
             <a:endParaRPr lang="en-US"/>
           </a:p>
@@ -8574,7 +8843,7 @@
           <a:p>
             <a:fld id="{0B81B261-3E97-594D-92FE-9F195E76D39F}" type="datetimeFigureOut">
               <a:rPr lang="en-US" smtClean="0"/>
-              <a:t>5/31/17</a:t>
+              <a:t>7/3/17</a:t>
             </a:fld>
             <a:endParaRPr lang="en-US"/>
           </a:p>
@@ -8806,7 +9075,7 @@
           <a:p>
             <a:fld id="{0B81B261-3E97-594D-92FE-9F195E76D39F}" type="datetimeFigureOut">
               <a:rPr lang="en-US" smtClean="0"/>
-              <a:t>5/31/17</a:t>
+              <a:t>7/3/17</a:t>
             </a:fld>
             <a:endParaRPr lang="en-US"/>
           </a:p>
@@ -9173,7 +9442,7 @@
           <a:p>
             <a:fld id="{0B81B261-3E97-594D-92FE-9F195E76D39F}" type="datetimeFigureOut">
               <a:rPr lang="en-US" smtClean="0"/>
-              <a:t>5/31/17</a:t>
+              <a:t>7/3/17</a:t>
             </a:fld>
             <a:endParaRPr lang="en-US"/>
           </a:p>
@@ -9291,7 +9560,7 @@
           <a:p>
             <a:fld id="{0B81B261-3E97-594D-92FE-9F195E76D39F}" type="datetimeFigureOut">
               <a:rPr lang="en-US" smtClean="0"/>
-              <a:t>5/31/17</a:t>
+              <a:t>7/3/17</a:t>
             </a:fld>
             <a:endParaRPr lang="en-US"/>
           </a:p>
@@ -9386,7 +9655,7 @@
           <a:p>
             <a:fld id="{0B81B261-3E97-594D-92FE-9F195E76D39F}" type="datetimeFigureOut">
               <a:rPr lang="en-US" smtClean="0"/>
-              <a:t>5/31/17</a:t>
+              <a:t>7/3/17</a:t>
             </a:fld>
             <a:endParaRPr lang="en-US"/>
           </a:p>
@@ -9663,7 +9932,7 @@
           <a:p>
             <a:fld id="{0B81B261-3E97-594D-92FE-9F195E76D39F}" type="datetimeFigureOut">
               <a:rPr lang="en-US" smtClean="0"/>
-              <a:t>5/31/17</a:t>
+              <a:t>7/3/17</a:t>
             </a:fld>
             <a:endParaRPr lang="en-US"/>
           </a:p>
@@ -9916,7 +10185,7 @@
           <a:p>
             <a:fld id="{0B81B261-3E97-594D-92FE-9F195E76D39F}" type="datetimeFigureOut">
               <a:rPr lang="en-US" smtClean="0"/>
-              <a:t>5/31/17</a:t>
+              <a:t>7/3/17</a:t>
             </a:fld>
             <a:endParaRPr lang="en-US"/>
           </a:p>
@@ -10129,7 +10398,7 @@
           <a:p>
             <a:fld id="{0B81B261-3E97-594D-92FE-9F195E76D39F}" type="datetimeFigureOut">
               <a:rPr lang="en-US" smtClean="0"/>
-              <a:t>5/31/17</a:t>
+              <a:t>7/3/17</a:t>
             </a:fld>
             <a:endParaRPr lang="en-US"/>
           </a:p>
@@ -13442,7 +13711,7 @@
           <p:nvPr>
             <p:extLst>
               <p:ext uri="{D42A27DB-BD31-4B8C-83A1-F6EECF244321}">
-                <p14:modId xmlns:p14="http://schemas.microsoft.com/office/powerpoint/2010/main" val="1172518874"/>
+                <p14:modId xmlns:p14="http://schemas.microsoft.com/office/powerpoint/2010/main" val="35696427"/>
               </p:ext>
             </p:extLst>
           </p:nvPr>
@@ -13464,7 +13733,7 @@
           <p:nvPr>
             <p:extLst>
               <p:ext uri="{D42A27DB-BD31-4B8C-83A1-F6EECF244321}">
-                <p14:modId xmlns:p14="http://schemas.microsoft.com/office/powerpoint/2010/main" val="1214770446"/>
+                <p14:modId xmlns:p14="http://schemas.microsoft.com/office/powerpoint/2010/main" val="801911076"/>
               </p:ext>
             </p:extLst>
           </p:nvPr>

--- a/figures/figures.pptx
+++ b/figures/figures.pptx
@@ -2489,10 +2489,24 @@
     <dgm:pt modelId="{EB155C6C-1B8A-B446-94F3-79BA3039FA02}" type="pres">
       <dgm:prSet presAssocID="{58A3FA75-169B-4043-8B16-DA75FF430FAE}" presName="sibTrans" presStyleLbl="sibTrans2D1" presStyleIdx="4" presStyleCnt="5"/>
       <dgm:spPr/>
+      <dgm:t>
+        <a:bodyPr/>
+        <a:lstStyle/>
+        <a:p>
+          <a:endParaRPr lang="en-US"/>
+        </a:p>
+      </dgm:t>
     </dgm:pt>
     <dgm:pt modelId="{136F8697-2561-0548-BD8F-BDC162F1C534}" type="pres">
       <dgm:prSet presAssocID="{58A3FA75-169B-4043-8B16-DA75FF430FAE}" presName="connectorText" presStyleLbl="sibTrans2D1" presStyleIdx="4" presStyleCnt="5"/>
       <dgm:spPr/>
+      <dgm:t>
+        <a:bodyPr/>
+        <a:lstStyle/>
+        <a:p>
+          <a:endParaRPr lang="en-US"/>
+        </a:p>
+      </dgm:t>
     </dgm:pt>
     <dgm:pt modelId="{E324EA71-C9AB-2943-812E-646AB1B31125}" type="pres">
       <dgm:prSet presAssocID="{5EDB0D77-09F0-0C4F-B332-E852A176F79A}" presName="node" presStyleLbl="node1" presStyleIdx="5" presStyleCnt="6" custScaleX="91845" custScaleY="82184">
@@ -2511,51 +2525,51 @@
     </dgm:pt>
   </dgm:ptLst>
   <dgm:cxnLst>
+    <dgm:cxn modelId="{F550F3EB-D554-514D-9172-65DAE540D191}" srcId="{801AFE1A-416D-E74C-BBFD-557415AE0194}" destId="{D8DAD879-37C7-774C-B149-B7250DD6D502}" srcOrd="1" destOrd="0" parTransId="{3057D897-29F9-DD49-B58A-81904BB7F42F}" sibTransId="{FA861C74-A4AA-6341-A5A4-19F33298102E}"/>
+    <dgm:cxn modelId="{867BC094-7706-8C49-ADCD-A9E414476BD6}" type="presOf" srcId="{58A3FA75-169B-4043-8B16-DA75FF430FAE}" destId="{EB155C6C-1B8A-B446-94F3-79BA3039FA02}" srcOrd="0" destOrd="0" presId="urn:microsoft.com/office/officeart/2005/8/layout/process1"/>
+    <dgm:cxn modelId="{110499A5-A60C-6D46-8BB6-ADCEEBA047B6}" type="presOf" srcId="{88049AEE-4468-7944-9BC4-14997D6BF2C6}" destId="{C32824EC-7FEF-D447-AAC6-9346B117354E}" srcOrd="0" destOrd="3" presId="urn:microsoft.com/office/officeart/2005/8/layout/process1"/>
+    <dgm:cxn modelId="{0815C48C-A1E3-F44B-9AF8-5FC30094437E}" type="presOf" srcId="{81B97A9D-FD27-694B-AC76-0244B4DA86DE}" destId="{5DE5E078-35B4-3D43-9551-2453C95F0872}" srcOrd="0" destOrd="0" presId="urn:microsoft.com/office/officeart/2005/8/layout/process1"/>
+    <dgm:cxn modelId="{93AEA845-A616-3842-8F5C-31284FCF24F7}" type="presOf" srcId="{DF7BE7E2-BD5F-EF42-98DF-684B0794E6B7}" destId="{2D708B46-B09A-7F44-A9C5-AB1FDCCB92AC}" srcOrd="0" destOrd="4" presId="urn:microsoft.com/office/officeart/2005/8/layout/process1"/>
+    <dgm:cxn modelId="{1A10F469-1A1D-6E44-8760-2C41AC2B313D}" srcId="{E87FC9F4-306A-C441-847C-3B779F386673}" destId="{94769534-4246-8C4F-A5A5-FDCD149EA162}" srcOrd="4" destOrd="0" parTransId="{75F7124E-82E3-C04C-B862-F686848CD179}" sibTransId="{8D2569AF-BC24-D947-8477-93C1747FC4C1}"/>
+    <dgm:cxn modelId="{8208AA31-3D46-1B47-A4D3-10F7DA609BE4}" type="presOf" srcId="{EB59FCF7-79EE-164C-BA56-C894BBA787D5}" destId="{C5062774-D3A7-8B40-8FDE-995EBC7DED98}" srcOrd="0" destOrd="1" presId="urn:microsoft.com/office/officeart/2005/8/layout/process1"/>
+    <dgm:cxn modelId="{3A9F2415-251A-DF45-B278-30BD9E4B5778}" type="presOf" srcId="{B170FB99-8909-414F-A4FC-4553DD906590}" destId="{E73AAB45-BA46-5E42-A3FA-3E92D321988C}" srcOrd="1" destOrd="0" presId="urn:microsoft.com/office/officeart/2005/8/layout/process1"/>
+    <dgm:cxn modelId="{975229B5-085A-6541-8360-9DCB6BEA2436}" type="presOf" srcId="{0D3DF110-F666-A04E-8B34-4B0F25524A57}" destId="{2D708B46-B09A-7F44-A9C5-AB1FDCCB92AC}" srcOrd="0" destOrd="3" presId="urn:microsoft.com/office/officeart/2005/8/layout/process1"/>
+    <dgm:cxn modelId="{682D5B11-D8C9-044F-B660-3585E87B54B0}" type="presOf" srcId="{C939A25E-CA77-444F-8E65-4DA5CA6053DA}" destId="{C144839B-A0B2-3640-8A63-BF0412473803}" srcOrd="1" destOrd="0" presId="urn:microsoft.com/office/officeart/2005/8/layout/process1"/>
+    <dgm:cxn modelId="{17CC50F0-F0A1-064F-B8BF-D71066A100EC}" type="presOf" srcId="{533BC168-BC76-C14E-8694-1DC3B6CF54C5}" destId="{A8C226CF-C78B-EB4E-86A6-1B0387CFF648}" srcOrd="1" destOrd="0" presId="urn:microsoft.com/office/officeart/2005/8/layout/process1"/>
+    <dgm:cxn modelId="{BB304414-4573-A945-A6B9-D92B37E06E0E}" srcId="{DE49E2BA-261B-EC46-BAF7-6B78BDB6F06F}" destId="{801AFE1A-416D-E74C-BBFD-557415AE0194}" srcOrd="1" destOrd="0" parTransId="{2727C292-B037-A740-B806-A17CA3BCFCD5}" sibTransId="{533BC168-BC76-C14E-8694-1DC3B6CF54C5}"/>
+    <dgm:cxn modelId="{F787D081-99C5-0E4B-B09C-F2E872777CDF}" type="presOf" srcId="{5EDB0D77-09F0-0C4F-B332-E852A176F79A}" destId="{E324EA71-C9AB-2943-812E-646AB1B31125}" srcOrd="0" destOrd="0" presId="urn:microsoft.com/office/officeart/2005/8/layout/process1"/>
+    <dgm:cxn modelId="{65F9519C-8DCA-3242-AB72-34F5454955E7}" srcId="{DE49E2BA-261B-EC46-BAF7-6B78BDB6F06F}" destId="{E87FC9F4-306A-C441-847C-3B779F386673}" srcOrd="2" destOrd="0" parTransId="{59685BE7-ADA0-B24C-9379-A9C402B1D281}" sibTransId="{4CC5DAE6-00C4-BD4A-B969-A1FB5B516F57}"/>
+    <dgm:cxn modelId="{923D94C7-F5C1-A144-9BBD-043CCC98EF5E}" type="presOf" srcId="{801AFE1A-416D-E74C-BBFD-557415AE0194}" destId="{C5062774-D3A7-8B40-8FDE-995EBC7DED98}" srcOrd="0" destOrd="0" presId="urn:microsoft.com/office/officeart/2005/8/layout/process1"/>
+    <dgm:cxn modelId="{EC182979-58B4-A347-90E0-929D046F46B6}" type="presOf" srcId="{DE49E2BA-261B-EC46-BAF7-6B78BDB6F06F}" destId="{4A554E7B-4565-9144-9E8A-ED84F42D6595}" srcOrd="0" destOrd="0" presId="urn:microsoft.com/office/officeart/2005/8/layout/process1"/>
+    <dgm:cxn modelId="{C42F2CB9-53AB-CF43-BFD1-BB0C760BE7E0}" type="presOf" srcId="{94769534-4246-8C4F-A5A5-FDCD149EA162}" destId="{2D708B46-B09A-7F44-A9C5-AB1FDCCB92AC}" srcOrd="0" destOrd="5" presId="urn:microsoft.com/office/officeart/2005/8/layout/process1"/>
+    <dgm:cxn modelId="{36CA0605-EC8C-BB41-A4BD-EDC38709C58B}" type="presOf" srcId="{B3862515-EEE4-D345-B4E4-D176ED5D829D}" destId="{C32824EC-7FEF-D447-AAC6-9346B117354E}" srcOrd="0" destOrd="0" presId="urn:microsoft.com/office/officeart/2005/8/layout/process1"/>
+    <dgm:cxn modelId="{03A8E979-5BDF-0448-BECE-0A2E1357F7A9}" type="presOf" srcId="{D29243F3-EA9B-7C4B-B882-B4CED33A4238}" destId="{2D708B46-B09A-7F44-A9C5-AB1FDCCB92AC}" srcOrd="0" destOrd="6" presId="urn:microsoft.com/office/officeart/2005/8/layout/process1"/>
+    <dgm:cxn modelId="{34A4FFB3-DFE2-4840-BE3C-13E6A028C905}" type="presOf" srcId="{2F0E8B9D-8F27-574E-87E8-4FC29695048C}" destId="{C32824EC-7FEF-D447-AAC6-9346B117354E}" srcOrd="0" destOrd="1" presId="urn:microsoft.com/office/officeart/2005/8/layout/process1"/>
+    <dgm:cxn modelId="{2F6EDDF8-1A52-CA4F-AC56-E7B813883AFC}" srcId="{DE49E2BA-261B-EC46-BAF7-6B78BDB6F06F}" destId="{5EDB0D77-09F0-0C4F-B332-E852A176F79A}" srcOrd="5" destOrd="0" parTransId="{6905B776-7DF3-2743-A7A0-DC627995A528}" sibTransId="{486F902B-586B-8044-9F9C-0B0AEA8029F9}"/>
+    <dgm:cxn modelId="{C1ECC757-B52F-E049-B17D-3E36E34C2740}" srcId="{E87FC9F4-306A-C441-847C-3B779F386673}" destId="{DF7BE7E2-BD5F-EF42-98DF-684B0794E6B7}" srcOrd="3" destOrd="0" parTransId="{D893A9EE-6767-2541-8054-D505D80F0546}" sibTransId="{8747CB30-4722-E843-9A33-B85AFCEE5E44}"/>
+    <dgm:cxn modelId="{721E9081-6DE5-044A-BFFC-1888E25FB0F6}" type="presOf" srcId="{B170FB99-8909-414F-A4FC-4553DD906590}" destId="{1A8802C5-3316-8E4D-AF91-213A1FB07CB7}" srcOrd="0" destOrd="0" presId="urn:microsoft.com/office/officeart/2005/8/layout/process1"/>
+    <dgm:cxn modelId="{E96E6A5B-1AED-4C44-AE37-14C0056130FB}" type="presOf" srcId="{C939A25E-CA77-444F-8E65-4DA5CA6053DA}" destId="{5863E911-18E3-324A-A96A-07671B0F8D24}" srcOrd="0" destOrd="0" presId="urn:microsoft.com/office/officeart/2005/8/layout/process1"/>
+    <dgm:cxn modelId="{A0486452-5384-2A49-99D7-A16250A40933}" srcId="{B3862515-EEE4-D345-B4E4-D176ED5D829D}" destId="{2F0E8B9D-8F27-574E-87E8-4FC29695048C}" srcOrd="0" destOrd="0" parTransId="{A7B308C5-C4D2-2F4E-AAE2-176A32BEE386}" sibTransId="{E2095DC1-2950-6C48-B2F3-64B971E06666}"/>
+    <dgm:cxn modelId="{D500A717-F9A3-B74F-BDB0-13C797A36414}" type="presOf" srcId="{E87FC9F4-306A-C441-847C-3B779F386673}" destId="{2D708B46-B09A-7F44-A9C5-AB1FDCCB92AC}" srcOrd="0" destOrd="0" presId="urn:microsoft.com/office/officeart/2005/8/layout/process1"/>
+    <dgm:cxn modelId="{D891D4B2-B61D-704F-9A3C-D58AD5E88D6D}" srcId="{DE49E2BA-261B-EC46-BAF7-6B78BDB6F06F}" destId="{81B97A9D-FD27-694B-AC76-0244B4DA86DE}" srcOrd="4" destOrd="0" parTransId="{4966035C-07F7-534D-B0D2-4747F982BA5E}" sibTransId="{58A3FA75-169B-4043-8B16-DA75FF430FAE}"/>
+    <dgm:cxn modelId="{34FA0A1B-B56E-B04F-B8EC-AB21D2A30C24}" srcId="{E87FC9F4-306A-C441-847C-3B779F386673}" destId="{0D3DF110-F666-A04E-8B34-4B0F25524A57}" srcOrd="2" destOrd="0" parTransId="{7B7C4DCE-5341-4545-9538-6665DF174D30}" sibTransId="{A9EB110C-64CB-8545-A39B-8EE8C8FD35F9}"/>
+    <dgm:cxn modelId="{BBA1E820-FCF4-4746-A039-03C2C0799978}" type="presOf" srcId="{4CC5DAE6-00C4-BD4A-B969-A1FB5B516F57}" destId="{D04E9C78-DFB5-504F-BAA1-0C684C1DAD88}" srcOrd="0" destOrd="0" presId="urn:microsoft.com/office/officeart/2005/8/layout/process1"/>
+    <dgm:cxn modelId="{6E7BE60C-E32C-B049-B3FB-B11962DD0006}" srcId="{DE49E2BA-261B-EC46-BAF7-6B78BDB6F06F}" destId="{B3862515-EEE4-D345-B4E4-D176ED5D829D}" srcOrd="3" destOrd="0" parTransId="{A35A8C1C-578A-A946-9D1F-5DC7E105BF40}" sibTransId="{C939A25E-CA77-444F-8E65-4DA5CA6053DA}"/>
     <dgm:cxn modelId="{2EA954D6-5CA0-634F-A561-B4C4306E02E8}" type="presOf" srcId="{4CC5DAE6-00C4-BD4A-B969-A1FB5B516F57}" destId="{FC94D377-6A7C-C04B-BE77-5081195182EA}" srcOrd="1" destOrd="0" presId="urn:microsoft.com/office/officeart/2005/8/layout/process1"/>
-    <dgm:cxn modelId="{F787D081-99C5-0E4B-B09C-F2E872777CDF}" type="presOf" srcId="{5EDB0D77-09F0-0C4F-B332-E852A176F79A}" destId="{E324EA71-C9AB-2943-812E-646AB1B31125}" srcOrd="0" destOrd="0" presId="urn:microsoft.com/office/officeart/2005/8/layout/process1"/>
+    <dgm:cxn modelId="{127634F4-83D2-7C49-BCF8-038493B7E4B2}" srcId="{E87FC9F4-306A-C441-847C-3B779F386673}" destId="{A7240CC4-9D82-DA47-B691-1F13DBBD256B}" srcOrd="1" destOrd="0" parTransId="{F23044CA-9FAA-BF4D-ADA7-20B36854C0E0}" sibTransId="{83D2CA4B-211C-0B41-9362-5B4347E27686}"/>
+    <dgm:cxn modelId="{AB55F4FE-9296-9344-895E-111097B25D90}" type="presOf" srcId="{533BC168-BC76-C14E-8694-1DC3B6CF54C5}" destId="{3029052C-E3B7-CC46-8E23-37ABEDD15F03}" srcOrd="0" destOrd="0" presId="urn:microsoft.com/office/officeart/2005/8/layout/process1"/>
+    <dgm:cxn modelId="{9F55C8DD-5ABA-0647-8E6E-C80E86165806}" type="presOf" srcId="{234F4A0B-8092-0C47-A9C3-FFE7AA8C6D2A}" destId="{2D708B46-B09A-7F44-A9C5-AB1FDCCB92AC}" srcOrd="0" destOrd="1" presId="urn:microsoft.com/office/officeart/2005/8/layout/process1"/>
+    <dgm:cxn modelId="{851AB8B6-F1D6-C64F-AE4B-E0F5252E4653}" srcId="{B3862515-EEE4-D345-B4E4-D176ED5D829D}" destId="{CA1E943E-3AB1-4942-9397-CA0E4F86BC17}" srcOrd="1" destOrd="0" parTransId="{1CE7C90D-6879-E34B-A8E5-532D4972417F}" sibTransId="{2C7164CC-6546-F34E-AC17-6A4FE01B6034}"/>
+    <dgm:cxn modelId="{483A407A-1E6B-3047-BA2B-2FCA024D6346}" srcId="{E87FC9F4-306A-C441-847C-3B779F386673}" destId="{234F4A0B-8092-0C47-A9C3-FFE7AA8C6D2A}" srcOrd="0" destOrd="0" parTransId="{6740B56E-ADD8-9C42-BE21-0918BAB5D356}" sibTransId="{AF677554-A810-F245-83DF-78E242EE2752}"/>
+    <dgm:cxn modelId="{7DD280A0-F51F-F84F-B3E8-E63A8CE40189}" type="presOf" srcId="{D8DAD879-37C7-774C-B149-B7250DD6D502}" destId="{C5062774-D3A7-8B40-8FDE-995EBC7DED98}" srcOrd="0" destOrd="2" presId="urn:microsoft.com/office/officeart/2005/8/layout/process1"/>
     <dgm:cxn modelId="{6B611D36-09FC-8E45-BA51-7D1931548ACD}" type="presOf" srcId="{58A3FA75-169B-4043-8B16-DA75FF430FAE}" destId="{136F8697-2561-0548-BD8F-BDC162F1C534}" srcOrd="1" destOrd="0" presId="urn:microsoft.com/office/officeart/2005/8/layout/process1"/>
-    <dgm:cxn modelId="{34FA0A1B-B56E-B04F-B8EC-AB21D2A30C24}" srcId="{E87FC9F4-306A-C441-847C-3B779F386673}" destId="{0D3DF110-F666-A04E-8B34-4B0F25524A57}" srcOrd="2" destOrd="0" parTransId="{7B7C4DCE-5341-4545-9538-6665DF174D30}" sibTransId="{A9EB110C-64CB-8545-A39B-8EE8C8FD35F9}"/>
-    <dgm:cxn modelId="{483A407A-1E6B-3047-BA2B-2FCA024D6346}" srcId="{E87FC9F4-306A-C441-847C-3B779F386673}" destId="{234F4A0B-8092-0C47-A9C3-FFE7AA8C6D2A}" srcOrd="0" destOrd="0" parTransId="{6740B56E-ADD8-9C42-BE21-0918BAB5D356}" sibTransId="{AF677554-A810-F245-83DF-78E242EE2752}"/>
-    <dgm:cxn modelId="{BB304414-4573-A945-A6B9-D92B37E06E0E}" srcId="{DE49E2BA-261B-EC46-BAF7-6B78BDB6F06F}" destId="{801AFE1A-416D-E74C-BBFD-557415AE0194}" srcOrd="1" destOrd="0" parTransId="{2727C292-B037-A740-B806-A17CA3BCFCD5}" sibTransId="{533BC168-BC76-C14E-8694-1DC3B6CF54C5}"/>
-    <dgm:cxn modelId="{D891D4B2-B61D-704F-9A3C-D58AD5E88D6D}" srcId="{DE49E2BA-261B-EC46-BAF7-6B78BDB6F06F}" destId="{81B97A9D-FD27-694B-AC76-0244B4DA86DE}" srcOrd="4" destOrd="0" parTransId="{4966035C-07F7-534D-B0D2-4747F982BA5E}" sibTransId="{58A3FA75-169B-4043-8B16-DA75FF430FAE}"/>
+    <dgm:cxn modelId="{904A6D4C-DB60-E84E-86DF-50C04D0445DC}" srcId="{E87FC9F4-306A-C441-847C-3B779F386673}" destId="{D29243F3-EA9B-7C4B-B882-B4CED33A4238}" srcOrd="5" destOrd="0" parTransId="{F0EA8FDB-2A25-104C-897B-35E612ED7A49}" sibTransId="{92F19B71-048A-BF4E-8243-D90AED72DA3D}"/>
     <dgm:cxn modelId="{24493C90-2BBF-0049-B00F-E8B3A1BC895E}" type="presOf" srcId="{CA1E943E-3AB1-4942-9397-CA0E4F86BC17}" destId="{C32824EC-7FEF-D447-AAC6-9346B117354E}" srcOrd="0" destOrd="2" presId="urn:microsoft.com/office/officeart/2005/8/layout/process1"/>
-    <dgm:cxn modelId="{721E9081-6DE5-044A-BFFC-1888E25FB0F6}" type="presOf" srcId="{B170FB99-8909-414F-A4FC-4553DD906590}" destId="{1A8802C5-3316-8E4D-AF91-213A1FB07CB7}" srcOrd="0" destOrd="0" presId="urn:microsoft.com/office/officeart/2005/8/layout/process1"/>
-    <dgm:cxn modelId="{7DD280A0-F51F-F84F-B3E8-E63A8CE40189}" type="presOf" srcId="{D8DAD879-37C7-774C-B149-B7250DD6D502}" destId="{C5062774-D3A7-8B40-8FDE-995EBC7DED98}" srcOrd="0" destOrd="2" presId="urn:microsoft.com/office/officeart/2005/8/layout/process1"/>
-    <dgm:cxn modelId="{F550F3EB-D554-514D-9172-65DAE540D191}" srcId="{801AFE1A-416D-E74C-BBFD-557415AE0194}" destId="{D8DAD879-37C7-774C-B149-B7250DD6D502}" srcOrd="1" destOrd="0" parTransId="{3057D897-29F9-DD49-B58A-81904BB7F42F}" sibTransId="{FA861C74-A4AA-6341-A5A4-19F33298102E}"/>
-    <dgm:cxn modelId="{1A10F469-1A1D-6E44-8760-2C41AC2B313D}" srcId="{E87FC9F4-306A-C441-847C-3B779F386673}" destId="{94769534-4246-8C4F-A5A5-FDCD149EA162}" srcOrd="4" destOrd="0" parTransId="{75F7124E-82E3-C04C-B862-F686848CD179}" sibTransId="{8D2569AF-BC24-D947-8477-93C1747FC4C1}"/>
-    <dgm:cxn modelId="{17CC50F0-F0A1-064F-B8BF-D71066A100EC}" type="presOf" srcId="{533BC168-BC76-C14E-8694-1DC3B6CF54C5}" destId="{A8C226CF-C78B-EB4E-86A6-1B0387CFF648}" srcOrd="1" destOrd="0" presId="urn:microsoft.com/office/officeart/2005/8/layout/process1"/>
-    <dgm:cxn modelId="{851AB8B6-F1D6-C64F-AE4B-E0F5252E4653}" srcId="{B3862515-EEE4-D345-B4E4-D176ED5D829D}" destId="{CA1E943E-3AB1-4942-9397-CA0E4F86BC17}" srcOrd="1" destOrd="0" parTransId="{1CE7C90D-6879-E34B-A8E5-532D4972417F}" sibTransId="{2C7164CC-6546-F34E-AC17-6A4FE01B6034}"/>
-    <dgm:cxn modelId="{9F55C8DD-5ABA-0647-8E6E-C80E86165806}" type="presOf" srcId="{234F4A0B-8092-0C47-A9C3-FFE7AA8C6D2A}" destId="{2D708B46-B09A-7F44-A9C5-AB1FDCCB92AC}" srcOrd="0" destOrd="1" presId="urn:microsoft.com/office/officeart/2005/8/layout/process1"/>
     <dgm:cxn modelId="{D173F307-14ED-7140-9F70-FFA2C97805ED}" srcId="{B3862515-EEE4-D345-B4E4-D176ED5D829D}" destId="{88049AEE-4468-7944-9BC4-14997D6BF2C6}" srcOrd="2" destOrd="0" parTransId="{0610C57B-14B5-1847-BB28-6D239E823079}" sibTransId="{04A104A5-C4E3-9B4B-A8BD-AD63E82C498A}"/>
-    <dgm:cxn modelId="{A04519E5-7CC2-6443-9F0C-6BD5A658EB22}" type="presOf" srcId="{A7240CC4-9D82-DA47-B691-1F13DBBD256B}" destId="{2D708B46-B09A-7F44-A9C5-AB1FDCCB92AC}" srcOrd="0" destOrd="2" presId="urn:microsoft.com/office/officeart/2005/8/layout/process1"/>
-    <dgm:cxn modelId="{3C05CC0E-E31D-8147-AD16-56BA010946E7}" srcId="{801AFE1A-416D-E74C-BBFD-557415AE0194}" destId="{EB59FCF7-79EE-164C-BA56-C894BBA787D5}" srcOrd="0" destOrd="0" parTransId="{EB5B572A-39CC-A24D-9FD3-7E0D5EE2748F}" sibTransId="{44AB6DBE-73A2-3645-A37C-00E23131B684}"/>
-    <dgm:cxn modelId="{D500A717-F9A3-B74F-BDB0-13C797A36414}" type="presOf" srcId="{E87FC9F4-306A-C441-847C-3B779F386673}" destId="{2D708B46-B09A-7F44-A9C5-AB1FDCCB92AC}" srcOrd="0" destOrd="0" presId="urn:microsoft.com/office/officeart/2005/8/layout/process1"/>
-    <dgm:cxn modelId="{6E7BE60C-E32C-B049-B3FB-B11962DD0006}" srcId="{DE49E2BA-261B-EC46-BAF7-6B78BDB6F06F}" destId="{B3862515-EEE4-D345-B4E4-D176ED5D829D}" srcOrd="3" destOrd="0" parTransId="{A35A8C1C-578A-A946-9D1F-5DC7E105BF40}" sibTransId="{C939A25E-CA77-444F-8E65-4DA5CA6053DA}"/>
-    <dgm:cxn modelId="{127634F4-83D2-7C49-BCF8-038493B7E4B2}" srcId="{E87FC9F4-306A-C441-847C-3B779F386673}" destId="{A7240CC4-9D82-DA47-B691-1F13DBBD256B}" srcOrd="1" destOrd="0" parTransId="{F23044CA-9FAA-BF4D-ADA7-20B36854C0E0}" sibTransId="{83D2CA4B-211C-0B41-9362-5B4347E27686}"/>
-    <dgm:cxn modelId="{C42F2CB9-53AB-CF43-BFD1-BB0C760BE7E0}" type="presOf" srcId="{94769534-4246-8C4F-A5A5-FDCD149EA162}" destId="{2D708B46-B09A-7F44-A9C5-AB1FDCCB92AC}" srcOrd="0" destOrd="5" presId="urn:microsoft.com/office/officeart/2005/8/layout/process1"/>
-    <dgm:cxn modelId="{3A9F2415-251A-DF45-B278-30BD9E4B5778}" type="presOf" srcId="{B170FB99-8909-414F-A4FC-4553DD906590}" destId="{E73AAB45-BA46-5E42-A3FA-3E92D321988C}" srcOrd="1" destOrd="0" presId="urn:microsoft.com/office/officeart/2005/8/layout/process1"/>
-    <dgm:cxn modelId="{03A8E979-5BDF-0448-BECE-0A2E1357F7A9}" type="presOf" srcId="{D29243F3-EA9B-7C4B-B882-B4CED33A4238}" destId="{2D708B46-B09A-7F44-A9C5-AB1FDCCB92AC}" srcOrd="0" destOrd="6" presId="urn:microsoft.com/office/officeart/2005/8/layout/process1"/>
-    <dgm:cxn modelId="{BBA1E820-FCF4-4746-A039-03C2C0799978}" type="presOf" srcId="{4CC5DAE6-00C4-BD4A-B969-A1FB5B516F57}" destId="{D04E9C78-DFB5-504F-BAA1-0C684C1DAD88}" srcOrd="0" destOrd="0" presId="urn:microsoft.com/office/officeart/2005/8/layout/process1"/>
-    <dgm:cxn modelId="{682D5B11-D8C9-044F-B660-3585E87B54B0}" type="presOf" srcId="{C939A25E-CA77-444F-8E65-4DA5CA6053DA}" destId="{C144839B-A0B2-3640-8A63-BF0412473803}" srcOrd="1" destOrd="0" presId="urn:microsoft.com/office/officeart/2005/8/layout/process1"/>
-    <dgm:cxn modelId="{110499A5-A60C-6D46-8BB6-ADCEEBA047B6}" type="presOf" srcId="{88049AEE-4468-7944-9BC4-14997D6BF2C6}" destId="{C32824EC-7FEF-D447-AAC6-9346B117354E}" srcOrd="0" destOrd="3" presId="urn:microsoft.com/office/officeart/2005/8/layout/process1"/>
-    <dgm:cxn modelId="{8208AA31-3D46-1B47-A4D3-10F7DA609BE4}" type="presOf" srcId="{EB59FCF7-79EE-164C-BA56-C894BBA787D5}" destId="{C5062774-D3A7-8B40-8FDE-995EBC7DED98}" srcOrd="0" destOrd="1" presId="urn:microsoft.com/office/officeart/2005/8/layout/process1"/>
-    <dgm:cxn modelId="{93AEA845-A616-3842-8F5C-31284FCF24F7}" type="presOf" srcId="{DF7BE7E2-BD5F-EF42-98DF-684B0794E6B7}" destId="{2D708B46-B09A-7F44-A9C5-AB1FDCCB92AC}" srcOrd="0" destOrd="4" presId="urn:microsoft.com/office/officeart/2005/8/layout/process1"/>
-    <dgm:cxn modelId="{867BC094-7706-8C49-ADCD-A9E414476BD6}" type="presOf" srcId="{58A3FA75-169B-4043-8B16-DA75FF430FAE}" destId="{EB155C6C-1B8A-B446-94F3-79BA3039FA02}" srcOrd="0" destOrd="0" presId="urn:microsoft.com/office/officeart/2005/8/layout/process1"/>
-    <dgm:cxn modelId="{923D94C7-F5C1-A144-9BBD-043CCC98EF5E}" type="presOf" srcId="{801AFE1A-416D-E74C-BBFD-557415AE0194}" destId="{C5062774-D3A7-8B40-8FDE-995EBC7DED98}" srcOrd="0" destOrd="0" presId="urn:microsoft.com/office/officeart/2005/8/layout/process1"/>
-    <dgm:cxn modelId="{904A6D4C-DB60-E84E-86DF-50C04D0445DC}" srcId="{E87FC9F4-306A-C441-847C-3B779F386673}" destId="{D29243F3-EA9B-7C4B-B882-B4CED33A4238}" srcOrd="5" destOrd="0" parTransId="{F0EA8FDB-2A25-104C-897B-35E612ED7A49}" sibTransId="{92F19B71-048A-BF4E-8243-D90AED72DA3D}"/>
-    <dgm:cxn modelId="{E96E6A5B-1AED-4C44-AE37-14C0056130FB}" type="presOf" srcId="{C939A25E-CA77-444F-8E65-4DA5CA6053DA}" destId="{5863E911-18E3-324A-A96A-07671B0F8D24}" srcOrd="0" destOrd="0" presId="urn:microsoft.com/office/officeart/2005/8/layout/process1"/>
-    <dgm:cxn modelId="{975229B5-085A-6541-8360-9DCB6BEA2436}" type="presOf" srcId="{0D3DF110-F666-A04E-8B34-4B0F25524A57}" destId="{2D708B46-B09A-7F44-A9C5-AB1FDCCB92AC}" srcOrd="0" destOrd="3" presId="urn:microsoft.com/office/officeart/2005/8/layout/process1"/>
-    <dgm:cxn modelId="{0815C48C-A1E3-F44B-9AF8-5FC30094437E}" type="presOf" srcId="{81B97A9D-FD27-694B-AC76-0244B4DA86DE}" destId="{5DE5E078-35B4-3D43-9551-2453C95F0872}" srcOrd="0" destOrd="0" presId="urn:microsoft.com/office/officeart/2005/8/layout/process1"/>
-    <dgm:cxn modelId="{36CA0605-EC8C-BB41-A4BD-EDC38709C58B}" type="presOf" srcId="{B3862515-EEE4-D345-B4E4-D176ED5D829D}" destId="{C32824EC-7FEF-D447-AAC6-9346B117354E}" srcOrd="0" destOrd="0" presId="urn:microsoft.com/office/officeart/2005/8/layout/process1"/>
-    <dgm:cxn modelId="{AB55F4FE-9296-9344-895E-111097B25D90}" type="presOf" srcId="{533BC168-BC76-C14E-8694-1DC3B6CF54C5}" destId="{3029052C-E3B7-CC46-8E23-37ABEDD15F03}" srcOrd="0" destOrd="0" presId="urn:microsoft.com/office/officeart/2005/8/layout/process1"/>
-    <dgm:cxn modelId="{65F9519C-8DCA-3242-AB72-34F5454955E7}" srcId="{DE49E2BA-261B-EC46-BAF7-6B78BDB6F06F}" destId="{E87FC9F4-306A-C441-847C-3B779F386673}" srcOrd="2" destOrd="0" parTransId="{59685BE7-ADA0-B24C-9379-A9C402B1D281}" sibTransId="{4CC5DAE6-00C4-BD4A-B969-A1FB5B516F57}"/>
-    <dgm:cxn modelId="{A0486452-5384-2A49-99D7-A16250A40933}" srcId="{B3862515-EEE4-D345-B4E4-D176ED5D829D}" destId="{2F0E8B9D-8F27-574E-87E8-4FC29695048C}" srcOrd="0" destOrd="0" parTransId="{A7B308C5-C4D2-2F4E-AAE2-176A32BEE386}" sibTransId="{E2095DC1-2950-6C48-B2F3-64B971E06666}"/>
     <dgm:cxn modelId="{CB9A7038-0082-124D-944C-551138D6FD64}" srcId="{DE49E2BA-261B-EC46-BAF7-6B78BDB6F06F}" destId="{9887AAD4-671C-2243-B23F-6F6D102A4012}" srcOrd="0" destOrd="0" parTransId="{D5F7F628-C446-034C-A5DE-9482DE1570B8}" sibTransId="{B170FB99-8909-414F-A4FC-4553DD906590}"/>
     <dgm:cxn modelId="{B6FBF631-54FD-6A46-8BAE-5BA3E9F3FC07}" type="presOf" srcId="{9887AAD4-671C-2243-B23F-6F6D102A4012}" destId="{BB567044-1BE6-FA4E-BC0C-29580823B6FB}" srcOrd="0" destOrd="0" presId="urn:microsoft.com/office/officeart/2005/8/layout/process1"/>
-    <dgm:cxn modelId="{2F6EDDF8-1A52-CA4F-AC56-E7B813883AFC}" srcId="{DE49E2BA-261B-EC46-BAF7-6B78BDB6F06F}" destId="{5EDB0D77-09F0-0C4F-B332-E852A176F79A}" srcOrd="5" destOrd="0" parTransId="{6905B776-7DF3-2743-A7A0-DC627995A528}" sibTransId="{486F902B-586B-8044-9F9C-0B0AEA8029F9}"/>
-    <dgm:cxn modelId="{34A4FFB3-DFE2-4840-BE3C-13E6A028C905}" type="presOf" srcId="{2F0E8B9D-8F27-574E-87E8-4FC29695048C}" destId="{C32824EC-7FEF-D447-AAC6-9346B117354E}" srcOrd="0" destOrd="1" presId="urn:microsoft.com/office/officeart/2005/8/layout/process1"/>
-    <dgm:cxn modelId="{EC182979-58B4-A347-90E0-929D046F46B6}" type="presOf" srcId="{DE49E2BA-261B-EC46-BAF7-6B78BDB6F06F}" destId="{4A554E7B-4565-9144-9E8A-ED84F42D6595}" srcOrd="0" destOrd="0" presId="urn:microsoft.com/office/officeart/2005/8/layout/process1"/>
-    <dgm:cxn modelId="{C1ECC757-B52F-E049-B17D-3E36E34C2740}" srcId="{E87FC9F4-306A-C441-847C-3B779F386673}" destId="{DF7BE7E2-BD5F-EF42-98DF-684B0794E6B7}" srcOrd="3" destOrd="0" parTransId="{D893A9EE-6767-2541-8054-D505D80F0546}" sibTransId="{8747CB30-4722-E843-9A33-B85AFCEE5E44}"/>
+    <dgm:cxn modelId="{3C05CC0E-E31D-8147-AD16-56BA010946E7}" srcId="{801AFE1A-416D-E74C-BBFD-557415AE0194}" destId="{EB59FCF7-79EE-164C-BA56-C894BBA787D5}" srcOrd="0" destOrd="0" parTransId="{EB5B572A-39CC-A24D-9FD3-7E0D5EE2748F}" sibTransId="{44AB6DBE-73A2-3645-A37C-00E23131B684}"/>
+    <dgm:cxn modelId="{A04519E5-7CC2-6443-9F0C-6BD5A658EB22}" type="presOf" srcId="{A7240CC4-9D82-DA47-B691-1F13DBBD256B}" destId="{2D708B46-B09A-7F44-A9C5-AB1FDCCB92AC}" srcOrd="0" destOrd="2" presId="urn:microsoft.com/office/officeart/2005/8/layout/process1"/>
     <dgm:cxn modelId="{7D558CBC-029F-1A48-8C93-CE2E296F0C99}" type="presParOf" srcId="{4A554E7B-4565-9144-9E8A-ED84F42D6595}" destId="{BB567044-1BE6-FA4E-BC0C-29580823B6FB}" srcOrd="0" destOrd="0" presId="urn:microsoft.com/office/officeart/2005/8/layout/process1"/>
     <dgm:cxn modelId="{A252B068-74C3-A048-AE5E-895AE034F190}" type="presParOf" srcId="{4A554E7B-4565-9144-9E8A-ED84F42D6595}" destId="{1A8802C5-3316-8E4D-AF91-213A1FB07CB7}" srcOrd="1" destOrd="0" presId="urn:microsoft.com/office/officeart/2005/8/layout/process1"/>
     <dgm:cxn modelId="{63BBFBE1-2FD6-1042-9EE1-4A17B0772E6F}" type="presParOf" srcId="{1A8802C5-3316-8E4D-AF91-213A1FB07CB7}" destId="{E73AAB45-BA46-5E42-A3FA-3E92D321988C}" srcOrd="0" destOrd="0" presId="urn:microsoft.com/office/officeart/2005/8/layout/process1"/>
@@ -2588,43 +2602,6 @@
   <dgm:ptLst>
     <dgm:pt modelId="{DE49E2BA-261B-EC46-BAF7-6B78BDB6F06F}" type="doc">
       <dgm:prSet loTypeId="urn:microsoft.com/office/officeart/2005/8/layout/process1" loCatId="" qsTypeId="urn:microsoft.com/office/officeart/2005/8/quickstyle/simple4" qsCatId="simple" csTypeId="urn:microsoft.com/office/officeart/2005/8/colors/accent1_2" csCatId="accent1" phldr="1"/>
-      <dgm:spPr/>
-      <dgm:t>
-        <a:bodyPr/>
-        <a:lstStyle/>
-        <a:p>
-          <a:endParaRPr lang="en-US"/>
-        </a:p>
-      </dgm:t>
-    </dgm:pt>
-    <dgm:pt modelId="{9887AAD4-671C-2243-B23F-6F6D102A4012}">
-      <dgm:prSet phldrT="[Text]"/>
-      <dgm:spPr/>
-      <dgm:t>
-        <a:bodyPr/>
-        <a:lstStyle/>
-        <a:p>
-          <a:r>
-            <a:rPr lang="en-US" dirty="0" smtClean="0"/>
-            <a:t>Post Validation</a:t>
-          </a:r>
-          <a:endParaRPr lang="en-US" dirty="0"/>
-        </a:p>
-      </dgm:t>
-    </dgm:pt>
-    <dgm:pt modelId="{D5F7F628-C446-034C-A5DE-9482DE1570B8}" type="parTrans" cxnId="{CB9A7038-0082-124D-944C-551138D6FD64}">
-      <dgm:prSet/>
-      <dgm:spPr/>
-      <dgm:t>
-        <a:bodyPr/>
-        <a:lstStyle/>
-        <a:p>
-          <a:endParaRPr lang="en-US"/>
-        </a:p>
-      </dgm:t>
-    </dgm:pt>
-    <dgm:pt modelId="{B170FB99-8909-414F-A4FC-4553DD906590}" type="sibTrans" cxnId="{CB9A7038-0082-124D-944C-551138D6FD64}">
-      <dgm:prSet/>
       <dgm:spPr/>
       <dgm:t>
         <a:bodyPr/>
@@ -2807,7 +2784,7 @@
       </dgm:t>
     </dgm:pt>
     <dgm:pt modelId="{E324EA71-C9AB-2943-812E-646AB1B31125}" type="pres">
-      <dgm:prSet presAssocID="{5EDB0D77-09F0-0C4F-B332-E852A176F79A}" presName="node" presStyleLbl="node1" presStyleIdx="0" presStyleCnt="5" custScaleX="74614">
+      <dgm:prSet presAssocID="{5EDB0D77-09F0-0C4F-B332-E852A176F79A}" presName="node" presStyleLbl="node1" presStyleIdx="0" presStyleCnt="4" custScaleX="74614">
         <dgm:presLayoutVars>
           <dgm:bulletEnabled val="1"/>
         </dgm:presLayoutVars>
@@ -2822,7 +2799,7 @@
       </dgm:t>
     </dgm:pt>
     <dgm:pt modelId="{FF12BBB7-C98F-004B-97D1-6F33A956F885}" type="pres">
-      <dgm:prSet presAssocID="{486F902B-586B-8044-9F9C-0B0AEA8029F9}" presName="sibTrans" presStyleLbl="sibTrans2D1" presStyleIdx="0" presStyleCnt="4"/>
+      <dgm:prSet presAssocID="{486F902B-586B-8044-9F9C-0B0AEA8029F9}" presName="sibTrans" presStyleLbl="sibTrans2D1" presStyleIdx="0" presStyleCnt="3"/>
       <dgm:spPr/>
       <dgm:t>
         <a:bodyPr/>
@@ -2833,44 +2810,7 @@
       </dgm:t>
     </dgm:pt>
     <dgm:pt modelId="{93205773-7419-ED4D-91F8-2A24298BF005}" type="pres">
-      <dgm:prSet presAssocID="{486F902B-586B-8044-9F9C-0B0AEA8029F9}" presName="connectorText" presStyleLbl="sibTrans2D1" presStyleIdx="0" presStyleCnt="4"/>
-      <dgm:spPr/>
-      <dgm:t>
-        <a:bodyPr/>
-        <a:lstStyle/>
-        <a:p>
-          <a:endParaRPr lang="en-US"/>
-        </a:p>
-      </dgm:t>
-    </dgm:pt>
-    <dgm:pt modelId="{BB567044-1BE6-FA4E-BC0C-29580823B6FB}" type="pres">
-      <dgm:prSet presAssocID="{9887AAD4-671C-2243-B23F-6F6D102A4012}" presName="node" presStyleLbl="node1" presStyleIdx="1" presStyleCnt="5" custScaleX="77833">
-        <dgm:presLayoutVars>
-          <dgm:bulletEnabled val="1"/>
-        </dgm:presLayoutVars>
-      </dgm:prSet>
-      <dgm:spPr/>
-      <dgm:t>
-        <a:bodyPr/>
-        <a:lstStyle/>
-        <a:p>
-          <a:endParaRPr lang="en-US"/>
-        </a:p>
-      </dgm:t>
-    </dgm:pt>
-    <dgm:pt modelId="{1A8802C5-3316-8E4D-AF91-213A1FB07CB7}" type="pres">
-      <dgm:prSet presAssocID="{B170FB99-8909-414F-A4FC-4553DD906590}" presName="sibTrans" presStyleLbl="sibTrans2D1" presStyleIdx="1" presStyleCnt="4"/>
-      <dgm:spPr/>
-      <dgm:t>
-        <a:bodyPr/>
-        <a:lstStyle/>
-        <a:p>
-          <a:endParaRPr lang="en-US"/>
-        </a:p>
-      </dgm:t>
-    </dgm:pt>
-    <dgm:pt modelId="{E73AAB45-BA46-5E42-A3FA-3E92D321988C}" type="pres">
-      <dgm:prSet presAssocID="{B170FB99-8909-414F-A4FC-4553DD906590}" presName="connectorText" presStyleLbl="sibTrans2D1" presStyleIdx="1" presStyleCnt="4"/>
+      <dgm:prSet presAssocID="{486F902B-586B-8044-9F9C-0B0AEA8029F9}" presName="connectorText" presStyleLbl="sibTrans2D1" presStyleIdx="0" presStyleCnt="3"/>
       <dgm:spPr/>
       <dgm:t>
         <a:bodyPr/>
@@ -2881,7 +2821,7 @@
       </dgm:t>
     </dgm:pt>
     <dgm:pt modelId="{C5062774-D3A7-8B40-8FDE-995EBC7DED98}" type="pres">
-      <dgm:prSet presAssocID="{801AFE1A-416D-E74C-BBFD-557415AE0194}" presName="node" presStyleLbl="node1" presStyleIdx="2" presStyleCnt="5" custScaleX="67810">
+      <dgm:prSet presAssocID="{801AFE1A-416D-E74C-BBFD-557415AE0194}" presName="node" presStyleLbl="node1" presStyleIdx="1" presStyleCnt="4" custScaleX="67810">
         <dgm:presLayoutVars>
           <dgm:bulletEnabled val="1"/>
         </dgm:presLayoutVars>
@@ -2896,7 +2836,7 @@
       </dgm:t>
     </dgm:pt>
     <dgm:pt modelId="{3029052C-E3B7-CC46-8E23-37ABEDD15F03}" type="pres">
-      <dgm:prSet presAssocID="{533BC168-BC76-C14E-8694-1DC3B6CF54C5}" presName="sibTrans" presStyleLbl="sibTrans2D1" presStyleIdx="2" presStyleCnt="4"/>
+      <dgm:prSet presAssocID="{533BC168-BC76-C14E-8694-1DC3B6CF54C5}" presName="sibTrans" presStyleLbl="sibTrans2D1" presStyleIdx="1" presStyleCnt="3"/>
       <dgm:spPr/>
       <dgm:t>
         <a:bodyPr/>
@@ -2907,7 +2847,7 @@
       </dgm:t>
     </dgm:pt>
     <dgm:pt modelId="{A8C226CF-C78B-EB4E-86A6-1B0387CFF648}" type="pres">
-      <dgm:prSet presAssocID="{533BC168-BC76-C14E-8694-1DC3B6CF54C5}" presName="connectorText" presStyleLbl="sibTrans2D1" presStyleIdx="2" presStyleCnt="4"/>
+      <dgm:prSet presAssocID="{533BC168-BC76-C14E-8694-1DC3B6CF54C5}" presName="connectorText" presStyleLbl="sibTrans2D1" presStyleIdx="1" presStyleCnt="3"/>
       <dgm:spPr/>
       <dgm:t>
         <a:bodyPr/>
@@ -2918,7 +2858,7 @@
       </dgm:t>
     </dgm:pt>
     <dgm:pt modelId="{435D2948-DD5F-BA48-A4C2-3ADB352C2698}" type="pres">
-      <dgm:prSet presAssocID="{D8DAD879-37C7-774C-B149-B7250DD6D502}" presName="node" presStyleLbl="node1" presStyleIdx="3" presStyleCnt="5" custScaleX="72805">
+      <dgm:prSet presAssocID="{D8DAD879-37C7-774C-B149-B7250DD6D502}" presName="node" presStyleLbl="node1" presStyleIdx="2" presStyleCnt="4" custScaleX="72805">
         <dgm:presLayoutVars>
           <dgm:bulletEnabled val="1"/>
         </dgm:presLayoutVars>
@@ -2933,7 +2873,7 @@
       </dgm:t>
     </dgm:pt>
     <dgm:pt modelId="{F4B44CBC-FC47-1543-B4A9-F5AEB5CEB6BF}" type="pres">
-      <dgm:prSet presAssocID="{FA861C74-A4AA-6341-A5A4-19F33298102E}" presName="sibTrans" presStyleLbl="sibTrans2D1" presStyleIdx="3" presStyleCnt="4"/>
+      <dgm:prSet presAssocID="{FA861C74-A4AA-6341-A5A4-19F33298102E}" presName="sibTrans" presStyleLbl="sibTrans2D1" presStyleIdx="2" presStyleCnt="3"/>
       <dgm:spPr/>
       <dgm:t>
         <a:bodyPr/>
@@ -2944,7 +2884,7 @@
       </dgm:t>
     </dgm:pt>
     <dgm:pt modelId="{80A3280C-1FE1-F741-8E7B-2B8CCCBB28E5}" type="pres">
-      <dgm:prSet presAssocID="{FA861C74-A4AA-6341-A5A4-19F33298102E}" presName="connectorText" presStyleLbl="sibTrans2D1" presStyleIdx="3" presStyleCnt="4"/>
+      <dgm:prSet presAssocID="{FA861C74-A4AA-6341-A5A4-19F33298102E}" presName="connectorText" presStyleLbl="sibTrans2D1" presStyleIdx="2" presStyleCnt="3"/>
       <dgm:spPr/>
       <dgm:t>
         <a:bodyPr/>
@@ -2955,7 +2895,7 @@
       </dgm:t>
     </dgm:pt>
     <dgm:pt modelId="{93C48DAD-00D2-4A4E-AC72-7CB3A0545D4B}" type="pres">
-      <dgm:prSet presAssocID="{5251FC95-52A4-DA43-90C4-BEF4D9B3E10E}" presName="node" presStyleLbl="node1" presStyleIdx="4" presStyleCnt="5" custScaleX="92053">
+      <dgm:prSet presAssocID="{5251FC95-52A4-DA43-90C4-BEF4D9B3E10E}" presName="node" presStyleLbl="node1" presStyleIdx="3" presStyleCnt="4" custScaleX="92053">
         <dgm:presLayoutVars>
           <dgm:bulletEnabled val="1"/>
         </dgm:presLayoutVars>
@@ -2972,9 +2912,8 @@
   </dgm:ptLst>
   <dgm:cxnLst>
     <dgm:cxn modelId="{426CB8CE-23A7-C54C-9A64-CF9E166BDD50}" type="presOf" srcId="{FA861C74-A4AA-6341-A5A4-19F33298102E}" destId="{F4B44CBC-FC47-1543-B4A9-F5AEB5CEB6BF}" srcOrd="0" destOrd="0" presId="urn:microsoft.com/office/officeart/2005/8/layout/process1"/>
-    <dgm:cxn modelId="{DE807855-9CDD-324C-81D4-3B87064B6B29}" srcId="{DE49E2BA-261B-EC46-BAF7-6B78BDB6F06F}" destId="{5251FC95-52A4-DA43-90C4-BEF4D9B3E10E}" srcOrd="4" destOrd="0" parTransId="{B584EBF7-2A7D-E045-BCC4-FE73521BF4F3}" sibTransId="{3C854AC4-90AA-854D-BFF7-6114E9ACB01C}"/>
-    <dgm:cxn modelId="{4CF37A09-54D8-3D42-AB99-C23496C0D60C}" type="presOf" srcId="{B170FB99-8909-414F-A4FC-4553DD906590}" destId="{1A8802C5-3316-8E4D-AF91-213A1FB07CB7}" srcOrd="0" destOrd="0" presId="urn:microsoft.com/office/officeart/2005/8/layout/process1"/>
-    <dgm:cxn modelId="{F550F3EB-D554-514D-9172-65DAE540D191}" srcId="{DE49E2BA-261B-EC46-BAF7-6B78BDB6F06F}" destId="{D8DAD879-37C7-774C-B149-B7250DD6D502}" srcOrd="3" destOrd="0" parTransId="{3057D897-29F9-DD49-B58A-81904BB7F42F}" sibTransId="{FA861C74-A4AA-6341-A5A4-19F33298102E}"/>
+    <dgm:cxn modelId="{DE807855-9CDD-324C-81D4-3B87064B6B29}" srcId="{DE49E2BA-261B-EC46-BAF7-6B78BDB6F06F}" destId="{5251FC95-52A4-DA43-90C4-BEF4D9B3E10E}" srcOrd="3" destOrd="0" parTransId="{B584EBF7-2A7D-E045-BCC4-FE73521BF4F3}" sibTransId="{3C854AC4-90AA-854D-BFF7-6114E9ACB01C}"/>
+    <dgm:cxn modelId="{F550F3EB-D554-514D-9172-65DAE540D191}" srcId="{DE49E2BA-261B-EC46-BAF7-6B78BDB6F06F}" destId="{D8DAD879-37C7-774C-B149-B7250DD6D502}" srcOrd="2" destOrd="0" parTransId="{3057D897-29F9-DD49-B58A-81904BB7F42F}" sibTransId="{FA861C74-A4AA-6341-A5A4-19F33298102E}"/>
     <dgm:cxn modelId="{B257B745-A9CD-6147-A01C-9AFE37BAEB28}" type="presOf" srcId="{FA861C74-A4AA-6341-A5A4-19F33298102E}" destId="{80A3280C-1FE1-F741-8E7B-2B8CCCBB28E5}" srcOrd="1" destOrd="0" presId="urn:microsoft.com/office/officeart/2005/8/layout/process1"/>
     <dgm:cxn modelId="{A7327805-9BD8-DD46-800F-2528E617CE1C}" type="presOf" srcId="{D8DAD879-37C7-774C-B149-B7250DD6D502}" destId="{435D2948-DD5F-BA48-A4C2-3ADB352C2698}" srcOrd="0" destOrd="0" presId="urn:microsoft.com/office/officeart/2005/8/layout/process1"/>
     <dgm:cxn modelId="{A29A8CC0-22B1-9947-B511-F42D66FB65AB}" type="presOf" srcId="{DE49E2BA-261B-EC46-BAF7-6B78BDB6F06F}" destId="{4A554E7B-4565-9144-9E8A-ED84F42D6595}" srcOrd="0" destOrd="0" presId="urn:microsoft.com/office/officeart/2005/8/layout/process1"/>
@@ -2983,26 +2922,20 @@
     <dgm:cxn modelId="{864EBDA7-DBC3-3743-B613-9495D6EADC5F}" type="presOf" srcId="{533BC168-BC76-C14E-8694-1DC3B6CF54C5}" destId="{3029052C-E3B7-CC46-8E23-37ABEDD15F03}" srcOrd="0" destOrd="0" presId="urn:microsoft.com/office/officeart/2005/8/layout/process1"/>
     <dgm:cxn modelId="{69B993C8-5B5B-004A-A7B6-43B70044203E}" type="presOf" srcId="{533BC168-BC76-C14E-8694-1DC3B6CF54C5}" destId="{A8C226CF-C78B-EB4E-86A6-1B0387CFF648}" srcOrd="1" destOrd="0" presId="urn:microsoft.com/office/officeart/2005/8/layout/process1"/>
     <dgm:cxn modelId="{7F1C225A-91D9-C84E-ABEC-B09A4605E406}" type="presOf" srcId="{486F902B-586B-8044-9F9C-0B0AEA8029F9}" destId="{93205773-7419-ED4D-91F8-2A24298BF005}" srcOrd="1" destOrd="0" presId="urn:microsoft.com/office/officeart/2005/8/layout/process1"/>
-    <dgm:cxn modelId="{CB9A7038-0082-124D-944C-551138D6FD64}" srcId="{DE49E2BA-261B-EC46-BAF7-6B78BDB6F06F}" destId="{9887AAD4-671C-2243-B23F-6F6D102A4012}" srcOrd="1" destOrd="0" parTransId="{D5F7F628-C446-034C-A5DE-9482DE1570B8}" sibTransId="{B170FB99-8909-414F-A4FC-4553DD906590}"/>
     <dgm:cxn modelId="{B100615C-4220-A446-A9F1-54FE4617F2CA}" type="presOf" srcId="{5EDB0D77-09F0-0C4F-B332-E852A176F79A}" destId="{E324EA71-C9AB-2943-812E-646AB1B31125}" srcOrd="0" destOrd="0" presId="urn:microsoft.com/office/officeart/2005/8/layout/process1"/>
     <dgm:cxn modelId="{C819FC94-FBFE-E34A-A327-4A27395151CD}" type="presOf" srcId="{486F902B-586B-8044-9F9C-0B0AEA8029F9}" destId="{FF12BBB7-C98F-004B-97D1-6F33A956F885}" srcOrd="0" destOrd="0" presId="urn:microsoft.com/office/officeart/2005/8/layout/process1"/>
-    <dgm:cxn modelId="{6FE90E6E-3041-9640-856C-0F56175D90F8}" type="presOf" srcId="{B170FB99-8909-414F-A4FC-4553DD906590}" destId="{E73AAB45-BA46-5E42-A3FA-3E92D321988C}" srcOrd="1" destOrd="0" presId="urn:microsoft.com/office/officeart/2005/8/layout/process1"/>
-    <dgm:cxn modelId="{BB304414-4573-A945-A6B9-D92B37E06E0E}" srcId="{DE49E2BA-261B-EC46-BAF7-6B78BDB6F06F}" destId="{801AFE1A-416D-E74C-BBFD-557415AE0194}" srcOrd="2" destOrd="0" parTransId="{2727C292-B037-A740-B806-A17CA3BCFCD5}" sibTransId="{533BC168-BC76-C14E-8694-1DC3B6CF54C5}"/>
-    <dgm:cxn modelId="{FC07CA1A-5A89-A34B-BC81-B07378114F9A}" type="presOf" srcId="{9887AAD4-671C-2243-B23F-6F6D102A4012}" destId="{BB567044-1BE6-FA4E-BC0C-29580823B6FB}" srcOrd="0" destOrd="0" presId="urn:microsoft.com/office/officeart/2005/8/layout/process1"/>
+    <dgm:cxn modelId="{BB304414-4573-A945-A6B9-D92B37E06E0E}" srcId="{DE49E2BA-261B-EC46-BAF7-6B78BDB6F06F}" destId="{801AFE1A-416D-E74C-BBFD-557415AE0194}" srcOrd="1" destOrd="0" parTransId="{2727C292-B037-A740-B806-A17CA3BCFCD5}" sibTransId="{533BC168-BC76-C14E-8694-1DC3B6CF54C5}"/>
     <dgm:cxn modelId="{2F6EDDF8-1A52-CA4F-AC56-E7B813883AFC}" srcId="{DE49E2BA-261B-EC46-BAF7-6B78BDB6F06F}" destId="{5EDB0D77-09F0-0C4F-B332-E852A176F79A}" srcOrd="0" destOrd="0" parTransId="{6905B776-7DF3-2743-A7A0-DC627995A528}" sibTransId="{486F902B-586B-8044-9F9C-0B0AEA8029F9}"/>
     <dgm:cxn modelId="{80CF1ADA-AC03-0246-A9C5-2573A6852BB1}" type="presParOf" srcId="{4A554E7B-4565-9144-9E8A-ED84F42D6595}" destId="{E324EA71-C9AB-2943-812E-646AB1B31125}" srcOrd="0" destOrd="0" presId="urn:microsoft.com/office/officeart/2005/8/layout/process1"/>
     <dgm:cxn modelId="{0B8E1EEA-F683-5E42-8906-DD23252128BF}" type="presParOf" srcId="{4A554E7B-4565-9144-9E8A-ED84F42D6595}" destId="{FF12BBB7-C98F-004B-97D1-6F33A956F885}" srcOrd="1" destOrd="0" presId="urn:microsoft.com/office/officeart/2005/8/layout/process1"/>
     <dgm:cxn modelId="{56C9F803-799C-3147-830A-E0A956C21914}" type="presParOf" srcId="{FF12BBB7-C98F-004B-97D1-6F33A956F885}" destId="{93205773-7419-ED4D-91F8-2A24298BF005}" srcOrd="0" destOrd="0" presId="urn:microsoft.com/office/officeart/2005/8/layout/process1"/>
-    <dgm:cxn modelId="{9AB38FB9-EB03-E148-9B96-F9A0DDDE0CC4}" type="presParOf" srcId="{4A554E7B-4565-9144-9E8A-ED84F42D6595}" destId="{BB567044-1BE6-FA4E-BC0C-29580823B6FB}" srcOrd="2" destOrd="0" presId="urn:microsoft.com/office/officeart/2005/8/layout/process1"/>
-    <dgm:cxn modelId="{59EBD95F-7D39-3543-855D-C101B448D001}" type="presParOf" srcId="{4A554E7B-4565-9144-9E8A-ED84F42D6595}" destId="{1A8802C5-3316-8E4D-AF91-213A1FB07CB7}" srcOrd="3" destOrd="0" presId="urn:microsoft.com/office/officeart/2005/8/layout/process1"/>
-    <dgm:cxn modelId="{B7FC0E03-7F92-434A-81A9-112F42733C52}" type="presParOf" srcId="{1A8802C5-3316-8E4D-AF91-213A1FB07CB7}" destId="{E73AAB45-BA46-5E42-A3FA-3E92D321988C}" srcOrd="0" destOrd="0" presId="urn:microsoft.com/office/officeart/2005/8/layout/process1"/>
-    <dgm:cxn modelId="{D0EC52D1-3E66-8D4A-A2BE-5BB700773E35}" type="presParOf" srcId="{4A554E7B-4565-9144-9E8A-ED84F42D6595}" destId="{C5062774-D3A7-8B40-8FDE-995EBC7DED98}" srcOrd="4" destOrd="0" presId="urn:microsoft.com/office/officeart/2005/8/layout/process1"/>
-    <dgm:cxn modelId="{114C4D98-6F06-5A45-82B0-C4314450143E}" type="presParOf" srcId="{4A554E7B-4565-9144-9E8A-ED84F42D6595}" destId="{3029052C-E3B7-CC46-8E23-37ABEDD15F03}" srcOrd="5" destOrd="0" presId="urn:microsoft.com/office/officeart/2005/8/layout/process1"/>
+    <dgm:cxn modelId="{D0EC52D1-3E66-8D4A-A2BE-5BB700773E35}" type="presParOf" srcId="{4A554E7B-4565-9144-9E8A-ED84F42D6595}" destId="{C5062774-D3A7-8B40-8FDE-995EBC7DED98}" srcOrd="2" destOrd="0" presId="urn:microsoft.com/office/officeart/2005/8/layout/process1"/>
+    <dgm:cxn modelId="{114C4D98-6F06-5A45-82B0-C4314450143E}" type="presParOf" srcId="{4A554E7B-4565-9144-9E8A-ED84F42D6595}" destId="{3029052C-E3B7-CC46-8E23-37ABEDD15F03}" srcOrd="3" destOrd="0" presId="urn:microsoft.com/office/officeart/2005/8/layout/process1"/>
     <dgm:cxn modelId="{9C2FCBBC-BA3D-104F-9BBD-72BBBA929F5C}" type="presParOf" srcId="{3029052C-E3B7-CC46-8E23-37ABEDD15F03}" destId="{A8C226CF-C78B-EB4E-86A6-1B0387CFF648}" srcOrd="0" destOrd="0" presId="urn:microsoft.com/office/officeart/2005/8/layout/process1"/>
-    <dgm:cxn modelId="{C37E41C6-66E2-1D49-B80B-2455EE4F3E5A}" type="presParOf" srcId="{4A554E7B-4565-9144-9E8A-ED84F42D6595}" destId="{435D2948-DD5F-BA48-A4C2-3ADB352C2698}" srcOrd="6" destOrd="0" presId="urn:microsoft.com/office/officeart/2005/8/layout/process1"/>
-    <dgm:cxn modelId="{6D8E31EE-6C8D-C643-A699-16124BF53999}" type="presParOf" srcId="{4A554E7B-4565-9144-9E8A-ED84F42D6595}" destId="{F4B44CBC-FC47-1543-B4A9-F5AEB5CEB6BF}" srcOrd="7" destOrd="0" presId="urn:microsoft.com/office/officeart/2005/8/layout/process1"/>
+    <dgm:cxn modelId="{C37E41C6-66E2-1D49-B80B-2455EE4F3E5A}" type="presParOf" srcId="{4A554E7B-4565-9144-9E8A-ED84F42D6595}" destId="{435D2948-DD5F-BA48-A4C2-3ADB352C2698}" srcOrd="4" destOrd="0" presId="urn:microsoft.com/office/officeart/2005/8/layout/process1"/>
+    <dgm:cxn modelId="{6D8E31EE-6C8D-C643-A699-16124BF53999}" type="presParOf" srcId="{4A554E7B-4565-9144-9E8A-ED84F42D6595}" destId="{F4B44CBC-FC47-1543-B4A9-F5AEB5CEB6BF}" srcOrd="5" destOrd="0" presId="urn:microsoft.com/office/officeart/2005/8/layout/process1"/>
     <dgm:cxn modelId="{6C1E793E-21B3-A94F-8839-CF8F68040486}" type="presParOf" srcId="{F4B44CBC-FC47-1543-B4A9-F5AEB5CEB6BF}" destId="{80A3280C-1FE1-F741-8E7B-2B8CCCBB28E5}" srcOrd="0" destOrd="0" presId="urn:microsoft.com/office/officeart/2005/8/layout/process1"/>
-    <dgm:cxn modelId="{EE2C0187-6456-2647-B87E-E5C674F8DB21}" type="presParOf" srcId="{4A554E7B-4565-9144-9E8A-ED84F42D6595}" destId="{93C48DAD-00D2-4A4E-AC72-7CB3A0545D4B}" srcOrd="8" destOrd="0" presId="urn:microsoft.com/office/officeart/2005/8/layout/process1"/>
+    <dgm:cxn modelId="{EE2C0187-6456-2647-B87E-E5C674F8DB21}" type="presParOf" srcId="{4A554E7B-4565-9144-9E8A-ED84F42D6595}" destId="{93C48DAD-00D2-4A4E-AC72-7CB3A0545D4B}" srcOrd="6" destOrd="0" presId="urn:microsoft.com/office/officeart/2005/8/layout/process1"/>
   </dgm:cxnLst>
   <dgm:bg/>
   <dgm:whole/>
@@ -4316,8 +4249,8 @@
       </dsp:nvSpPr>
       <dsp:spPr>
         <a:xfrm>
-          <a:off x="2953" y="461428"/>
-          <a:ext cx="1513795" cy="1217301"/>
+          <a:off x="3563" y="293664"/>
+          <a:ext cx="1931047" cy="1552829"/>
         </a:xfrm>
         <a:prstGeom prst="roundRect">
           <a:avLst>
@@ -4347,12 +4280,12 @@
         </a:fontRef>
       </dsp:style>
       <dsp:txBody>
-        <a:bodyPr spcFirstLastPara="0" vert="horz" wrap="square" lIns="76200" tIns="76200" rIns="76200" bIns="76200" numCol="1" spcCol="1270" anchor="ctr" anchorCtr="0">
+        <a:bodyPr spcFirstLastPara="0" vert="horz" wrap="square" lIns="99060" tIns="99060" rIns="99060" bIns="99060" numCol="1" spcCol="1270" anchor="ctr" anchorCtr="0">
           <a:noAutofit/>
         </a:bodyPr>
         <a:lstStyle/>
         <a:p>
-          <a:pPr lvl="0" algn="ctr" defTabSz="889000">
+          <a:pPr lvl="0" algn="ctr" defTabSz="1155700">
             <a:lnSpc>
               <a:spcPct val="90000"/>
             </a:lnSpc>
@@ -4364,15 +4297,15 @@
             </a:spcAft>
           </a:pPr>
           <a:r>
-            <a:rPr lang="en-US" sz="2000" kern="1200" smtClean="0"/>
+            <a:rPr lang="en-US" sz="2600" kern="1200" smtClean="0"/>
             <a:t>ERROR FREE DATA</a:t>
           </a:r>
-          <a:endParaRPr lang="en-US" sz="2000" kern="1200" dirty="0"/>
+          <a:endParaRPr lang="en-US" sz="2600" kern="1200" dirty="0"/>
         </a:p>
       </dsp:txBody>
       <dsp:txXfrm>
-        <a:off x="38607" y="497082"/>
-        <a:ext cx="1442487" cy="1145993"/>
+        <a:off x="49044" y="339145"/>
+        <a:ext cx="1840085" cy="1461867"/>
       </dsp:txXfrm>
     </dsp:sp>
     <dsp:sp modelId="{FF12BBB7-C98F-004B-97D1-6F33A956F885}">
@@ -4382,8 +4315,8 @@
       </dsp:nvSpPr>
       <dsp:spPr>
         <a:xfrm>
-          <a:off x="1719632" y="818503"/>
-          <a:ext cx="430113" cy="503151"/>
+          <a:off x="2193416" y="749161"/>
+          <a:ext cx="548666" cy="641836"/>
         </a:xfrm>
         <a:prstGeom prst="rightArrow">
           <a:avLst>
@@ -4457,7 +4390,7 @@
         </a:bodyPr>
         <a:lstStyle/>
         <a:p>
-          <a:pPr lvl="0" algn="ctr" defTabSz="711200">
+          <a:pPr lvl="0" algn="ctr" defTabSz="933450">
             <a:lnSpc>
               <a:spcPct val="90000"/>
             </a:lnSpc>
@@ -4468,23 +4401,23 @@
               <a:spcPct val="35000"/>
             </a:spcAft>
           </a:pPr>
-          <a:endParaRPr lang="en-US" sz="1600" kern="1200"/>
+          <a:endParaRPr lang="en-US" sz="2100" kern="1200"/>
         </a:p>
       </dsp:txBody>
       <dsp:txXfrm>
-        <a:off x="1719632" y="919133"/>
-        <a:ext cx="301079" cy="301891"/>
+        <a:off x="2193416" y="877528"/>
+        <a:ext cx="384066" cy="385102"/>
       </dsp:txXfrm>
     </dsp:sp>
-    <dsp:sp modelId="{BB567044-1BE6-FA4E-BC0C-29580823B6FB}">
+    <dsp:sp modelId="{C5062774-D3A7-8B40-8FDE-995EBC7DED98}">
       <dsp:nvSpPr>
         <dsp:cNvPr id="0" name=""/>
         <dsp:cNvSpPr/>
       </dsp:nvSpPr>
       <dsp:spPr>
         <a:xfrm>
-          <a:off x="2328283" y="461428"/>
-          <a:ext cx="1579104" cy="1217301"/>
+          <a:off x="2969830" y="293664"/>
+          <a:ext cx="1754956" cy="1552829"/>
         </a:xfrm>
         <a:prstGeom prst="roundRect">
           <a:avLst>
@@ -4549,12 +4482,12 @@
         </a:fontRef>
       </dsp:style>
       <dsp:txBody>
-        <a:bodyPr spcFirstLastPara="0" vert="horz" wrap="square" lIns="76200" tIns="76200" rIns="76200" bIns="76200" numCol="1" spcCol="1270" anchor="ctr" anchorCtr="0">
+        <a:bodyPr spcFirstLastPara="0" vert="horz" wrap="square" lIns="99060" tIns="99060" rIns="99060" bIns="99060" numCol="1" spcCol="1270" anchor="ctr" anchorCtr="0">
           <a:noAutofit/>
         </a:bodyPr>
         <a:lstStyle/>
         <a:p>
-          <a:pPr lvl="0" algn="ctr" defTabSz="889000">
+          <a:pPr lvl="0" algn="ctr" defTabSz="1155700">
             <a:lnSpc>
               <a:spcPct val="90000"/>
             </a:lnSpc>
@@ -4566,26 +4499,26 @@
             </a:spcAft>
           </a:pPr>
           <a:r>
-            <a:rPr lang="en-US" sz="2000" kern="1200" dirty="0" smtClean="0"/>
-            <a:t>Post Validation</a:t>
+            <a:rPr lang="en-US" sz="2600" kern="1200" dirty="0" smtClean="0"/>
+            <a:t>Node Sample</a:t>
           </a:r>
-          <a:endParaRPr lang="en-US" sz="2000" kern="1200" dirty="0"/>
+          <a:endParaRPr lang="en-US" sz="2600" kern="1200" dirty="0"/>
         </a:p>
       </dsp:txBody>
       <dsp:txXfrm>
-        <a:off x="2363937" y="497082"/>
-        <a:ext cx="1507796" cy="1145993"/>
+        <a:off x="3015311" y="339145"/>
+        <a:ext cx="1663994" cy="1461867"/>
       </dsp:txXfrm>
     </dsp:sp>
-    <dsp:sp modelId="{1A8802C5-3316-8E4D-AF91-213A1FB07CB7}">
+    <dsp:sp modelId="{3029052C-E3B7-CC46-8E23-37ABEDD15F03}">
       <dsp:nvSpPr>
         <dsp:cNvPr id="0" name=""/>
         <dsp:cNvSpPr/>
       </dsp:nvSpPr>
       <dsp:spPr>
         <a:xfrm>
-          <a:off x="4110271" y="818503"/>
-          <a:ext cx="430113" cy="503151"/>
+          <a:off x="4983592" y="749161"/>
+          <a:ext cx="548666" cy="641836"/>
         </a:xfrm>
         <a:prstGeom prst="rightArrow">
           <a:avLst>
@@ -4659,7 +4592,7 @@
         </a:bodyPr>
         <a:lstStyle/>
         <a:p>
-          <a:pPr lvl="0" algn="ctr" defTabSz="711200">
+          <a:pPr lvl="0" algn="ctr" defTabSz="933450">
             <a:lnSpc>
               <a:spcPct val="90000"/>
             </a:lnSpc>
@@ -4670,23 +4603,23 @@
               <a:spcPct val="35000"/>
             </a:spcAft>
           </a:pPr>
-          <a:endParaRPr lang="en-US" sz="1600" kern="1200"/>
+          <a:endParaRPr lang="en-US" sz="2100" kern="1200"/>
         </a:p>
       </dsp:txBody>
       <dsp:txXfrm>
-        <a:off x="4110271" y="919133"/>
-        <a:ext cx="301079" cy="301891"/>
+        <a:off x="4983592" y="877528"/>
+        <a:ext cx="384066" cy="385102"/>
       </dsp:txXfrm>
     </dsp:sp>
-    <dsp:sp modelId="{C5062774-D3A7-8B40-8FDE-995EBC7DED98}">
+    <dsp:sp modelId="{435D2948-DD5F-BA48-A4C2-3ADB352C2698}">
       <dsp:nvSpPr>
         <dsp:cNvPr id="0" name=""/>
         <dsp:cNvSpPr/>
       </dsp:nvSpPr>
       <dsp:spPr>
         <a:xfrm>
-          <a:off x="4718922" y="461428"/>
-          <a:ext cx="1375753" cy="1217301"/>
+          <a:off x="5760006" y="293664"/>
+          <a:ext cx="1884229" cy="1552829"/>
         </a:xfrm>
         <a:prstGeom prst="roundRect">
           <a:avLst>
@@ -4751,12 +4684,12 @@
         </a:fontRef>
       </dsp:style>
       <dsp:txBody>
-        <a:bodyPr spcFirstLastPara="0" vert="horz" wrap="square" lIns="76200" tIns="76200" rIns="76200" bIns="76200" numCol="1" spcCol="1270" anchor="ctr" anchorCtr="0">
+        <a:bodyPr spcFirstLastPara="0" vert="horz" wrap="square" lIns="99060" tIns="99060" rIns="99060" bIns="99060" numCol="1" spcCol="1270" anchor="ctr" anchorCtr="0">
           <a:noAutofit/>
         </a:bodyPr>
         <a:lstStyle/>
         <a:p>
-          <a:pPr lvl="0" algn="ctr" defTabSz="889000">
+          <a:pPr lvl="0" algn="ctr" defTabSz="1155700">
             <a:lnSpc>
               <a:spcPct val="90000"/>
             </a:lnSpc>
@@ -4768,26 +4701,26 @@
             </a:spcAft>
           </a:pPr>
           <a:r>
-            <a:rPr lang="en-US" sz="2000" kern="1200" dirty="0" smtClean="0"/>
-            <a:t>Node Sample</a:t>
+            <a:rPr lang="en-US" sz="2600" kern="1200" dirty="0" smtClean="0"/>
+            <a:t>Sequencing</a:t>
           </a:r>
-          <a:endParaRPr lang="en-US" sz="2000" kern="1200" dirty="0"/>
+          <a:endParaRPr lang="en-US" sz="2600" kern="1200" dirty="0"/>
         </a:p>
       </dsp:txBody>
       <dsp:txXfrm>
-        <a:off x="4754576" y="497082"/>
-        <a:ext cx="1304445" cy="1145993"/>
+        <a:off x="5805487" y="339145"/>
+        <a:ext cx="1793267" cy="1461867"/>
       </dsp:txXfrm>
     </dsp:sp>
-    <dsp:sp modelId="{3029052C-E3B7-CC46-8E23-37ABEDD15F03}">
+    <dsp:sp modelId="{F4B44CBC-FC47-1543-B4A9-F5AEB5CEB6BF}">
       <dsp:nvSpPr>
         <dsp:cNvPr id="0" name=""/>
         <dsp:cNvSpPr/>
       </dsp:nvSpPr>
       <dsp:spPr>
         <a:xfrm>
-          <a:off x="6297559" y="818503"/>
-          <a:ext cx="430113" cy="503151"/>
+          <a:off x="7903041" y="749161"/>
+          <a:ext cx="548666" cy="641836"/>
         </a:xfrm>
         <a:prstGeom prst="rightArrow">
           <a:avLst>
@@ -4861,7 +4794,7 @@
         </a:bodyPr>
         <a:lstStyle/>
         <a:p>
-          <a:pPr lvl="0" algn="ctr" defTabSz="711200">
+          <a:pPr lvl="0" algn="ctr" defTabSz="933450">
             <a:lnSpc>
               <a:spcPct val="90000"/>
             </a:lnSpc>
@@ -4872,214 +4805,12 @@
               <a:spcPct val="35000"/>
             </a:spcAft>
           </a:pPr>
-          <a:endParaRPr lang="en-US" sz="1600" kern="1200"/>
+          <a:endParaRPr lang="en-US" sz="2100" kern="1200"/>
         </a:p>
       </dsp:txBody>
       <dsp:txXfrm>
-        <a:off x="6297559" y="919133"/>
-        <a:ext cx="301079" cy="301891"/>
-      </dsp:txXfrm>
-    </dsp:sp>
-    <dsp:sp modelId="{435D2948-DD5F-BA48-A4C2-3ADB352C2698}">
-      <dsp:nvSpPr>
-        <dsp:cNvPr id="0" name=""/>
-        <dsp:cNvSpPr/>
-      </dsp:nvSpPr>
-      <dsp:spPr>
-        <a:xfrm>
-          <a:off x="6906210" y="461428"/>
-          <a:ext cx="1477094" cy="1217301"/>
-        </a:xfrm>
-        <a:prstGeom prst="roundRect">
-          <a:avLst>
-            <a:gd name="adj" fmla="val 10000"/>
-          </a:avLst>
-        </a:prstGeom>
-        <a:gradFill rotWithShape="0">
-          <a:gsLst>
-            <a:gs pos="0">
-              <a:schemeClr val="accent1">
-                <a:hueOff val="0"/>
-                <a:satOff val="0"/>
-                <a:lumOff val="0"/>
-                <a:alphaOff val="0"/>
-                <a:satMod val="103000"/>
-                <a:lumMod val="102000"/>
-                <a:tint val="94000"/>
-              </a:schemeClr>
-            </a:gs>
-            <a:gs pos="50000">
-              <a:schemeClr val="accent1">
-                <a:hueOff val="0"/>
-                <a:satOff val="0"/>
-                <a:lumOff val="0"/>
-                <a:alphaOff val="0"/>
-                <a:satMod val="110000"/>
-                <a:lumMod val="100000"/>
-                <a:shade val="100000"/>
-              </a:schemeClr>
-            </a:gs>
-            <a:gs pos="100000">
-              <a:schemeClr val="accent1">
-                <a:hueOff val="0"/>
-                <a:satOff val="0"/>
-                <a:lumOff val="0"/>
-                <a:alphaOff val="0"/>
-                <a:lumMod val="99000"/>
-                <a:satMod val="120000"/>
-                <a:shade val="78000"/>
-              </a:schemeClr>
-            </a:gs>
-          </a:gsLst>
-          <a:lin ang="5400000" scaled="0"/>
-        </a:gradFill>
-        <a:ln>
-          <a:noFill/>
-        </a:ln>
-        <a:effectLst/>
-      </dsp:spPr>
-      <dsp:style>
-        <a:lnRef idx="0">
-          <a:scrgbClr r="0" g="0" b="0"/>
-        </a:lnRef>
-        <a:fillRef idx="3">
-          <a:scrgbClr r="0" g="0" b="0"/>
-        </a:fillRef>
-        <a:effectRef idx="2">
-          <a:scrgbClr r="0" g="0" b="0"/>
-        </a:effectRef>
-        <a:fontRef idx="minor">
-          <a:schemeClr val="lt1"/>
-        </a:fontRef>
-      </dsp:style>
-      <dsp:txBody>
-        <a:bodyPr spcFirstLastPara="0" vert="horz" wrap="square" lIns="76200" tIns="76200" rIns="76200" bIns="76200" numCol="1" spcCol="1270" anchor="ctr" anchorCtr="0">
-          <a:noAutofit/>
-        </a:bodyPr>
-        <a:lstStyle/>
-        <a:p>
-          <a:pPr lvl="0" algn="ctr" defTabSz="889000">
-            <a:lnSpc>
-              <a:spcPct val="90000"/>
-            </a:lnSpc>
-            <a:spcBef>
-              <a:spcPct val="0"/>
-            </a:spcBef>
-            <a:spcAft>
-              <a:spcPct val="35000"/>
-            </a:spcAft>
-          </a:pPr>
-          <a:r>
-            <a:rPr lang="en-US" sz="2000" kern="1200" dirty="0" smtClean="0"/>
-            <a:t>Sequencing</a:t>
-          </a:r>
-          <a:endParaRPr lang="en-US" sz="2000" kern="1200" dirty="0"/>
-        </a:p>
-      </dsp:txBody>
-      <dsp:txXfrm>
-        <a:off x="6941864" y="497082"/>
-        <a:ext cx="1405786" cy="1145993"/>
-      </dsp:txXfrm>
-    </dsp:sp>
-    <dsp:sp modelId="{F4B44CBC-FC47-1543-B4A9-F5AEB5CEB6BF}">
-      <dsp:nvSpPr>
-        <dsp:cNvPr id="0" name=""/>
-        <dsp:cNvSpPr/>
-      </dsp:nvSpPr>
-      <dsp:spPr>
-        <a:xfrm>
-          <a:off x="8586188" y="818503"/>
-          <a:ext cx="430113" cy="503151"/>
-        </a:xfrm>
-        <a:prstGeom prst="rightArrow">
-          <a:avLst>
-            <a:gd name="adj1" fmla="val 60000"/>
-            <a:gd name="adj2" fmla="val 50000"/>
-          </a:avLst>
-        </a:prstGeom>
-        <a:gradFill rotWithShape="0">
-          <a:gsLst>
-            <a:gs pos="0">
-              <a:schemeClr val="accent1">
-                <a:tint val="60000"/>
-                <a:hueOff val="0"/>
-                <a:satOff val="0"/>
-                <a:lumOff val="0"/>
-                <a:alphaOff val="0"/>
-                <a:satMod val="103000"/>
-                <a:lumMod val="102000"/>
-                <a:tint val="94000"/>
-              </a:schemeClr>
-            </a:gs>
-            <a:gs pos="50000">
-              <a:schemeClr val="accent1">
-                <a:tint val="60000"/>
-                <a:hueOff val="0"/>
-                <a:satOff val="0"/>
-                <a:lumOff val="0"/>
-                <a:alphaOff val="0"/>
-                <a:satMod val="110000"/>
-                <a:lumMod val="100000"/>
-                <a:shade val="100000"/>
-              </a:schemeClr>
-            </a:gs>
-            <a:gs pos="100000">
-              <a:schemeClr val="accent1">
-                <a:tint val="60000"/>
-                <a:hueOff val="0"/>
-                <a:satOff val="0"/>
-                <a:lumOff val="0"/>
-                <a:alphaOff val="0"/>
-                <a:lumMod val="99000"/>
-                <a:satMod val="120000"/>
-                <a:shade val="78000"/>
-              </a:schemeClr>
-            </a:gs>
-          </a:gsLst>
-          <a:lin ang="5400000" scaled="0"/>
-        </a:gradFill>
-        <a:ln>
-          <a:noFill/>
-        </a:ln>
-        <a:effectLst/>
-      </dsp:spPr>
-      <dsp:style>
-        <a:lnRef idx="0">
-          <a:scrgbClr r="0" g="0" b="0"/>
-        </a:lnRef>
-        <a:fillRef idx="3">
-          <a:scrgbClr r="0" g="0" b="0"/>
-        </a:fillRef>
-        <a:effectRef idx="2">
-          <a:scrgbClr r="0" g="0" b="0"/>
-        </a:effectRef>
-        <a:fontRef idx="minor">
-          <a:schemeClr val="lt1"/>
-        </a:fontRef>
-      </dsp:style>
-      <dsp:txBody>
-        <a:bodyPr spcFirstLastPara="0" vert="horz" wrap="square" lIns="0" tIns="0" rIns="0" bIns="0" numCol="1" spcCol="1270" anchor="ctr" anchorCtr="0">
-          <a:noAutofit/>
-        </a:bodyPr>
-        <a:lstStyle/>
-        <a:p>
-          <a:pPr lvl="0" algn="ctr" defTabSz="711200">
-            <a:lnSpc>
-              <a:spcPct val="90000"/>
-            </a:lnSpc>
-            <a:spcBef>
-              <a:spcPct val="0"/>
-            </a:spcBef>
-            <a:spcAft>
-              <a:spcPct val="35000"/>
-            </a:spcAft>
-          </a:pPr>
-          <a:endParaRPr lang="en-US" sz="1600" kern="1200"/>
-        </a:p>
-      </dsp:txBody>
-      <dsp:txXfrm>
-        <a:off x="8586188" y="919133"/>
-        <a:ext cx="301079" cy="301891"/>
+        <a:off x="7903041" y="877528"/>
+        <a:ext cx="384066" cy="385102"/>
       </dsp:txXfrm>
     </dsp:sp>
     <dsp:sp modelId="{93C48DAD-00D2-4A4E-AC72-7CB3A0545D4B}">
@@ -5089,8 +4820,8 @@
       </dsp:nvSpPr>
       <dsp:spPr>
         <a:xfrm>
-          <a:off x="9194839" y="461428"/>
-          <a:ext cx="1867604" cy="1217301"/>
+          <a:off x="8679455" y="293664"/>
+          <a:ext cx="2382377" cy="1552829"/>
         </a:xfrm>
         <a:prstGeom prst="roundRect">
           <a:avLst>
@@ -5120,12 +4851,12 @@
         </a:fontRef>
       </dsp:style>
       <dsp:txBody>
-        <a:bodyPr spcFirstLastPara="0" vert="horz" wrap="square" lIns="76200" tIns="76200" rIns="76200" bIns="76200" numCol="1" spcCol="1270" anchor="ctr" anchorCtr="0">
+        <a:bodyPr spcFirstLastPara="0" vert="horz" wrap="square" lIns="99060" tIns="99060" rIns="99060" bIns="99060" numCol="1" spcCol="1270" anchor="ctr" anchorCtr="0">
           <a:noAutofit/>
         </a:bodyPr>
         <a:lstStyle/>
         <a:p>
-          <a:pPr lvl="0" algn="ctr" defTabSz="889000">
+          <a:pPr lvl="0" algn="ctr" defTabSz="1155700">
             <a:lnSpc>
               <a:spcPct val="90000"/>
             </a:lnSpc>
@@ -5137,15 +4868,15 @@
             </a:spcAft>
           </a:pPr>
           <a:r>
-            <a:rPr lang="en-US" sz="2000" kern="1200" dirty="0" smtClean="0"/>
+            <a:rPr lang="en-US" sz="2600" kern="1200" dirty="0" smtClean="0"/>
             <a:t>ERROR PRONE DATA</a:t>
           </a:r>
-          <a:endParaRPr lang="en-US" sz="2000" kern="1200" dirty="0"/>
+          <a:endParaRPr lang="en-US" sz="2600" kern="1200" dirty="0"/>
         </a:p>
       </dsp:txBody>
       <dsp:txXfrm>
-        <a:off x="9230493" y="497082"/>
-        <a:ext cx="1796296" cy="1145993"/>
+        <a:off x="8724936" y="339145"/>
+        <a:ext cx="2291415" cy="1461867"/>
       </dsp:txXfrm>
     </dsp:sp>
   </dsp:spTree>
@@ -7594,7 +7325,7 @@
           <a:p>
             <a:fld id="{435F5122-36F6-8A43-9FB8-2C7E079D8491}" type="datetimeFigureOut">
               <a:rPr lang="en-US" smtClean="0"/>
-              <a:t>7/3/17</a:t>
+              <a:t>10/3/17</a:t>
             </a:fld>
             <a:endParaRPr lang="en-US"/>
           </a:p>
@@ -8077,7 +7808,7 @@
           <a:p>
             <a:fld id="{0B81B261-3E97-594D-92FE-9F195E76D39F}" type="datetimeFigureOut">
               <a:rPr lang="en-US" smtClean="0"/>
-              <a:t>7/3/17</a:t>
+              <a:t>10/3/17</a:t>
             </a:fld>
             <a:endParaRPr lang="en-US"/>
           </a:p>
@@ -8247,7 +7978,7 @@
           <a:p>
             <a:fld id="{0B81B261-3E97-594D-92FE-9F195E76D39F}" type="datetimeFigureOut">
               <a:rPr lang="en-US" smtClean="0"/>
-              <a:t>7/3/17</a:t>
+              <a:t>10/3/17</a:t>
             </a:fld>
             <a:endParaRPr lang="en-US"/>
           </a:p>
@@ -8427,7 +8158,7 @@
           <a:p>
             <a:fld id="{0B81B261-3E97-594D-92FE-9F195E76D39F}" type="datetimeFigureOut">
               <a:rPr lang="en-US" smtClean="0"/>
-              <a:t>7/3/17</a:t>
+              <a:t>10/3/17</a:t>
             </a:fld>
             <a:endParaRPr lang="en-US"/>
           </a:p>
@@ -8597,7 +8328,7 @@
           <a:p>
             <a:fld id="{0B81B261-3E97-594D-92FE-9F195E76D39F}" type="datetimeFigureOut">
               <a:rPr lang="en-US" smtClean="0"/>
-              <a:t>7/3/17</a:t>
+              <a:t>10/3/17</a:t>
             </a:fld>
             <a:endParaRPr lang="en-US"/>
           </a:p>
@@ -8843,7 +8574,7 @@
           <a:p>
             <a:fld id="{0B81B261-3E97-594D-92FE-9F195E76D39F}" type="datetimeFigureOut">
               <a:rPr lang="en-US" smtClean="0"/>
-              <a:t>7/3/17</a:t>
+              <a:t>10/3/17</a:t>
             </a:fld>
             <a:endParaRPr lang="en-US"/>
           </a:p>
@@ -9075,7 +8806,7 @@
           <a:p>
             <a:fld id="{0B81B261-3E97-594D-92FE-9F195E76D39F}" type="datetimeFigureOut">
               <a:rPr lang="en-US" smtClean="0"/>
-              <a:t>7/3/17</a:t>
+              <a:t>10/3/17</a:t>
             </a:fld>
             <a:endParaRPr lang="en-US"/>
           </a:p>
@@ -9442,7 +9173,7 @@
           <a:p>
             <a:fld id="{0B81B261-3E97-594D-92FE-9F195E76D39F}" type="datetimeFigureOut">
               <a:rPr lang="en-US" smtClean="0"/>
-              <a:t>7/3/17</a:t>
+              <a:t>10/3/17</a:t>
             </a:fld>
             <a:endParaRPr lang="en-US"/>
           </a:p>
@@ -9560,7 +9291,7 @@
           <a:p>
             <a:fld id="{0B81B261-3E97-594D-92FE-9F195E76D39F}" type="datetimeFigureOut">
               <a:rPr lang="en-US" smtClean="0"/>
-              <a:t>7/3/17</a:t>
+              <a:t>10/3/17</a:t>
             </a:fld>
             <a:endParaRPr lang="en-US"/>
           </a:p>
@@ -9655,7 +9386,7 @@
           <a:p>
             <a:fld id="{0B81B261-3E97-594D-92FE-9F195E76D39F}" type="datetimeFigureOut">
               <a:rPr lang="en-US" smtClean="0"/>
-              <a:t>7/3/17</a:t>
+              <a:t>10/3/17</a:t>
             </a:fld>
             <a:endParaRPr lang="en-US"/>
           </a:p>
@@ -9932,7 +9663,7 @@
           <a:p>
             <a:fld id="{0B81B261-3E97-594D-92FE-9F195E76D39F}" type="datetimeFigureOut">
               <a:rPr lang="en-US" smtClean="0"/>
-              <a:t>7/3/17</a:t>
+              <a:t>10/3/17</a:t>
             </a:fld>
             <a:endParaRPr lang="en-US"/>
           </a:p>
@@ -10185,7 +9916,7 @@
           <a:p>
             <a:fld id="{0B81B261-3E97-594D-92FE-9F195E76D39F}" type="datetimeFigureOut">
               <a:rPr lang="en-US" smtClean="0"/>
-              <a:t>7/3/17</a:t>
+              <a:t>10/3/17</a:t>
             </a:fld>
             <a:endParaRPr lang="en-US"/>
           </a:p>
@@ -10398,7 +10129,7 @@
           <a:p>
             <a:fld id="{0B81B261-3E97-594D-92FE-9F195E76D39F}" type="datetimeFigureOut">
               <a:rPr lang="en-US" smtClean="0"/>
-              <a:t>7/3/17</a:t>
+              <a:t>10/3/17</a:t>
             </a:fld>
             <a:endParaRPr lang="en-US"/>
           </a:p>
@@ -13711,7 +13442,7 @@
           <p:nvPr>
             <p:extLst>
               <p:ext uri="{D42A27DB-BD31-4B8C-83A1-F6EECF244321}">
-                <p14:modId xmlns:p14="http://schemas.microsoft.com/office/powerpoint/2010/main" val="35696427"/>
+                <p14:modId xmlns:p14="http://schemas.microsoft.com/office/powerpoint/2010/main" val="467279208"/>
               </p:ext>
             </p:extLst>
           </p:nvPr>
@@ -13733,7 +13464,7 @@
           <p:nvPr>
             <p:extLst>
               <p:ext uri="{D42A27DB-BD31-4B8C-83A1-F6EECF244321}">
-                <p14:modId xmlns:p14="http://schemas.microsoft.com/office/powerpoint/2010/main" val="801911076"/>
+                <p14:modId xmlns:p14="http://schemas.microsoft.com/office/powerpoint/2010/main" val="213951777"/>
               </p:ext>
             </p:extLst>
           </p:nvPr>

--- a/figures/figures.pptx
+++ b/figures/figures.pptx
@@ -5,20 +5,21 @@
     <p:sldMasterId id="2147483648" r:id="rId1"/>
   </p:sldMasterIdLst>
   <p:notesMasterIdLst>
-    <p:notesMasterId r:id="rId13"/>
+    <p:notesMasterId r:id="rId14"/>
   </p:notesMasterIdLst>
   <p:sldIdLst>
     <p:sldId id="268" r:id="rId2"/>
     <p:sldId id="258" r:id="rId3"/>
     <p:sldId id="259" r:id="rId4"/>
     <p:sldId id="261" r:id="rId5"/>
-    <p:sldId id="267" r:id="rId6"/>
-    <p:sldId id="260" r:id="rId7"/>
-    <p:sldId id="262" r:id="rId8"/>
-    <p:sldId id="263" r:id="rId9"/>
-    <p:sldId id="264" r:id="rId10"/>
-    <p:sldId id="265" r:id="rId11"/>
-    <p:sldId id="266" r:id="rId12"/>
+    <p:sldId id="269" r:id="rId6"/>
+    <p:sldId id="267" r:id="rId7"/>
+    <p:sldId id="260" r:id="rId8"/>
+    <p:sldId id="262" r:id="rId9"/>
+    <p:sldId id="263" r:id="rId10"/>
+    <p:sldId id="264" r:id="rId11"/>
+    <p:sldId id="265" r:id="rId12"/>
+    <p:sldId id="266" r:id="rId13"/>
   </p:sldIdLst>
   <p:sldSz cx="12192000" cy="6858000"/>
   <p:notesSz cx="6858000" cy="9144000"/>
@@ -2545,8 +2546,8 @@
     <dgm:cxn modelId="{36CA0605-EC8C-BB41-A4BD-EDC38709C58B}" type="presOf" srcId="{B3862515-EEE4-D345-B4E4-D176ED5D829D}" destId="{C32824EC-7FEF-D447-AAC6-9346B117354E}" srcOrd="0" destOrd="0" presId="urn:microsoft.com/office/officeart/2005/8/layout/process1"/>
     <dgm:cxn modelId="{03A8E979-5BDF-0448-BECE-0A2E1357F7A9}" type="presOf" srcId="{D29243F3-EA9B-7C4B-B882-B4CED33A4238}" destId="{2D708B46-B09A-7F44-A9C5-AB1FDCCB92AC}" srcOrd="0" destOrd="6" presId="urn:microsoft.com/office/officeart/2005/8/layout/process1"/>
     <dgm:cxn modelId="{34A4FFB3-DFE2-4840-BE3C-13E6A028C905}" type="presOf" srcId="{2F0E8B9D-8F27-574E-87E8-4FC29695048C}" destId="{C32824EC-7FEF-D447-AAC6-9346B117354E}" srcOrd="0" destOrd="1" presId="urn:microsoft.com/office/officeart/2005/8/layout/process1"/>
+    <dgm:cxn modelId="{C1ECC757-B52F-E049-B17D-3E36E34C2740}" srcId="{E87FC9F4-306A-C441-847C-3B779F386673}" destId="{DF7BE7E2-BD5F-EF42-98DF-684B0794E6B7}" srcOrd="3" destOrd="0" parTransId="{D893A9EE-6767-2541-8054-D505D80F0546}" sibTransId="{8747CB30-4722-E843-9A33-B85AFCEE5E44}"/>
     <dgm:cxn modelId="{2F6EDDF8-1A52-CA4F-AC56-E7B813883AFC}" srcId="{DE49E2BA-261B-EC46-BAF7-6B78BDB6F06F}" destId="{5EDB0D77-09F0-0C4F-B332-E852A176F79A}" srcOrd="5" destOrd="0" parTransId="{6905B776-7DF3-2743-A7A0-DC627995A528}" sibTransId="{486F902B-586B-8044-9F9C-0B0AEA8029F9}"/>
-    <dgm:cxn modelId="{C1ECC757-B52F-E049-B17D-3E36E34C2740}" srcId="{E87FC9F4-306A-C441-847C-3B779F386673}" destId="{DF7BE7E2-BD5F-EF42-98DF-684B0794E6B7}" srcOrd="3" destOrd="0" parTransId="{D893A9EE-6767-2541-8054-D505D80F0546}" sibTransId="{8747CB30-4722-E843-9A33-B85AFCEE5E44}"/>
     <dgm:cxn modelId="{721E9081-6DE5-044A-BFFC-1888E25FB0F6}" type="presOf" srcId="{B170FB99-8909-414F-A4FC-4553DD906590}" destId="{1A8802C5-3316-8E4D-AF91-213A1FB07CB7}" srcOrd="0" destOrd="0" presId="urn:microsoft.com/office/officeart/2005/8/layout/process1"/>
     <dgm:cxn modelId="{E96E6A5B-1AED-4C44-AE37-14C0056130FB}" type="presOf" srcId="{C939A25E-CA77-444F-8E65-4DA5CA6053DA}" destId="{5863E911-18E3-324A-A96A-07671B0F8D24}" srcOrd="0" destOrd="0" presId="urn:microsoft.com/office/officeart/2005/8/layout/process1"/>
     <dgm:cxn modelId="{A0486452-5384-2A49-99D7-A16250A40933}" srcId="{B3862515-EEE4-D345-B4E4-D176ED5D829D}" destId="{2F0E8B9D-8F27-574E-87E8-4FC29695048C}" srcOrd="0" destOrd="0" parTransId="{A7B308C5-C4D2-2F4E-AAE2-176A32BEE386}" sibTransId="{E2095DC1-2950-6C48-B2F3-64B971E06666}"/>
@@ -2911,21 +2912,21 @@
     </dgm:pt>
   </dgm:ptLst>
   <dgm:cxnLst>
-    <dgm:cxn modelId="{426CB8CE-23A7-C54C-9A64-CF9E166BDD50}" type="presOf" srcId="{FA861C74-A4AA-6341-A5A4-19F33298102E}" destId="{F4B44CBC-FC47-1543-B4A9-F5AEB5CEB6BF}" srcOrd="0" destOrd="0" presId="urn:microsoft.com/office/officeart/2005/8/layout/process1"/>
+    <dgm:cxn modelId="{BB304414-4573-A945-A6B9-D92B37E06E0E}" srcId="{DE49E2BA-261B-EC46-BAF7-6B78BDB6F06F}" destId="{801AFE1A-416D-E74C-BBFD-557415AE0194}" srcOrd="1" destOrd="0" parTransId="{2727C292-B037-A740-B806-A17CA3BCFCD5}" sibTransId="{533BC168-BC76-C14E-8694-1DC3B6CF54C5}"/>
+    <dgm:cxn modelId="{A7327805-9BD8-DD46-800F-2528E617CE1C}" type="presOf" srcId="{D8DAD879-37C7-774C-B149-B7250DD6D502}" destId="{435D2948-DD5F-BA48-A4C2-3ADB352C2698}" srcOrd="0" destOrd="0" presId="urn:microsoft.com/office/officeart/2005/8/layout/process1"/>
+    <dgm:cxn modelId="{864EBDA7-DBC3-3743-B613-9495D6EADC5F}" type="presOf" srcId="{533BC168-BC76-C14E-8694-1DC3B6CF54C5}" destId="{3029052C-E3B7-CC46-8E23-37ABEDD15F03}" srcOrd="0" destOrd="0" presId="urn:microsoft.com/office/officeart/2005/8/layout/process1"/>
+    <dgm:cxn modelId="{C819FC94-FBFE-E34A-A327-4A27395151CD}" type="presOf" srcId="{486F902B-586B-8044-9F9C-0B0AEA8029F9}" destId="{FF12BBB7-C98F-004B-97D1-6F33A956F885}" srcOrd="0" destOrd="0" presId="urn:microsoft.com/office/officeart/2005/8/layout/process1"/>
+    <dgm:cxn modelId="{69B993C8-5B5B-004A-A7B6-43B70044203E}" type="presOf" srcId="{533BC168-BC76-C14E-8694-1DC3B6CF54C5}" destId="{A8C226CF-C78B-EB4E-86A6-1B0387CFF648}" srcOrd="1" destOrd="0" presId="urn:microsoft.com/office/officeart/2005/8/layout/process1"/>
     <dgm:cxn modelId="{DE807855-9CDD-324C-81D4-3B87064B6B29}" srcId="{DE49E2BA-261B-EC46-BAF7-6B78BDB6F06F}" destId="{5251FC95-52A4-DA43-90C4-BEF4D9B3E10E}" srcOrd="3" destOrd="0" parTransId="{B584EBF7-2A7D-E045-BCC4-FE73521BF4F3}" sibTransId="{3C854AC4-90AA-854D-BFF7-6114E9ACB01C}"/>
     <dgm:cxn modelId="{F550F3EB-D554-514D-9172-65DAE540D191}" srcId="{DE49E2BA-261B-EC46-BAF7-6B78BDB6F06F}" destId="{D8DAD879-37C7-774C-B149-B7250DD6D502}" srcOrd="2" destOrd="0" parTransId="{3057D897-29F9-DD49-B58A-81904BB7F42F}" sibTransId="{FA861C74-A4AA-6341-A5A4-19F33298102E}"/>
+    <dgm:cxn modelId="{B100615C-4220-A446-A9F1-54FE4617F2CA}" type="presOf" srcId="{5EDB0D77-09F0-0C4F-B332-E852A176F79A}" destId="{E324EA71-C9AB-2943-812E-646AB1B31125}" srcOrd="0" destOrd="0" presId="urn:microsoft.com/office/officeart/2005/8/layout/process1"/>
+    <dgm:cxn modelId="{7655A7DE-AEF1-CB45-8E72-38EE0E407EEC}" type="presOf" srcId="{801AFE1A-416D-E74C-BBFD-557415AE0194}" destId="{C5062774-D3A7-8B40-8FDE-995EBC7DED98}" srcOrd="0" destOrd="0" presId="urn:microsoft.com/office/officeart/2005/8/layout/process1"/>
+    <dgm:cxn modelId="{2F6EDDF8-1A52-CA4F-AC56-E7B813883AFC}" srcId="{DE49E2BA-261B-EC46-BAF7-6B78BDB6F06F}" destId="{5EDB0D77-09F0-0C4F-B332-E852A176F79A}" srcOrd="0" destOrd="0" parTransId="{6905B776-7DF3-2743-A7A0-DC627995A528}" sibTransId="{486F902B-586B-8044-9F9C-0B0AEA8029F9}"/>
     <dgm:cxn modelId="{B257B745-A9CD-6147-A01C-9AFE37BAEB28}" type="presOf" srcId="{FA861C74-A4AA-6341-A5A4-19F33298102E}" destId="{80A3280C-1FE1-F741-8E7B-2B8CCCBB28E5}" srcOrd="1" destOrd="0" presId="urn:microsoft.com/office/officeart/2005/8/layout/process1"/>
-    <dgm:cxn modelId="{A7327805-9BD8-DD46-800F-2528E617CE1C}" type="presOf" srcId="{D8DAD879-37C7-774C-B149-B7250DD6D502}" destId="{435D2948-DD5F-BA48-A4C2-3ADB352C2698}" srcOrd="0" destOrd="0" presId="urn:microsoft.com/office/officeart/2005/8/layout/process1"/>
+    <dgm:cxn modelId="{7F1C225A-91D9-C84E-ABEC-B09A4605E406}" type="presOf" srcId="{486F902B-586B-8044-9F9C-0B0AEA8029F9}" destId="{93205773-7419-ED4D-91F8-2A24298BF005}" srcOrd="1" destOrd="0" presId="urn:microsoft.com/office/officeart/2005/8/layout/process1"/>
+    <dgm:cxn modelId="{426CB8CE-23A7-C54C-9A64-CF9E166BDD50}" type="presOf" srcId="{FA861C74-A4AA-6341-A5A4-19F33298102E}" destId="{F4B44CBC-FC47-1543-B4A9-F5AEB5CEB6BF}" srcOrd="0" destOrd="0" presId="urn:microsoft.com/office/officeart/2005/8/layout/process1"/>
     <dgm:cxn modelId="{A29A8CC0-22B1-9947-B511-F42D66FB65AB}" type="presOf" srcId="{DE49E2BA-261B-EC46-BAF7-6B78BDB6F06F}" destId="{4A554E7B-4565-9144-9E8A-ED84F42D6595}" srcOrd="0" destOrd="0" presId="urn:microsoft.com/office/officeart/2005/8/layout/process1"/>
-    <dgm:cxn modelId="{7655A7DE-AEF1-CB45-8E72-38EE0E407EEC}" type="presOf" srcId="{801AFE1A-416D-E74C-BBFD-557415AE0194}" destId="{C5062774-D3A7-8B40-8FDE-995EBC7DED98}" srcOrd="0" destOrd="0" presId="urn:microsoft.com/office/officeart/2005/8/layout/process1"/>
     <dgm:cxn modelId="{D654CCFC-B33C-9C4D-9DE3-9AA33417F741}" type="presOf" srcId="{5251FC95-52A4-DA43-90C4-BEF4D9B3E10E}" destId="{93C48DAD-00D2-4A4E-AC72-7CB3A0545D4B}" srcOrd="0" destOrd="0" presId="urn:microsoft.com/office/officeart/2005/8/layout/process1"/>
-    <dgm:cxn modelId="{864EBDA7-DBC3-3743-B613-9495D6EADC5F}" type="presOf" srcId="{533BC168-BC76-C14E-8694-1DC3B6CF54C5}" destId="{3029052C-E3B7-CC46-8E23-37ABEDD15F03}" srcOrd="0" destOrd="0" presId="urn:microsoft.com/office/officeart/2005/8/layout/process1"/>
-    <dgm:cxn modelId="{69B993C8-5B5B-004A-A7B6-43B70044203E}" type="presOf" srcId="{533BC168-BC76-C14E-8694-1DC3B6CF54C5}" destId="{A8C226CF-C78B-EB4E-86A6-1B0387CFF648}" srcOrd="1" destOrd="0" presId="urn:microsoft.com/office/officeart/2005/8/layout/process1"/>
-    <dgm:cxn modelId="{7F1C225A-91D9-C84E-ABEC-B09A4605E406}" type="presOf" srcId="{486F902B-586B-8044-9F9C-0B0AEA8029F9}" destId="{93205773-7419-ED4D-91F8-2A24298BF005}" srcOrd="1" destOrd="0" presId="urn:microsoft.com/office/officeart/2005/8/layout/process1"/>
-    <dgm:cxn modelId="{B100615C-4220-A446-A9F1-54FE4617F2CA}" type="presOf" srcId="{5EDB0D77-09F0-0C4F-B332-E852A176F79A}" destId="{E324EA71-C9AB-2943-812E-646AB1B31125}" srcOrd="0" destOrd="0" presId="urn:microsoft.com/office/officeart/2005/8/layout/process1"/>
-    <dgm:cxn modelId="{C819FC94-FBFE-E34A-A327-4A27395151CD}" type="presOf" srcId="{486F902B-586B-8044-9F9C-0B0AEA8029F9}" destId="{FF12BBB7-C98F-004B-97D1-6F33A956F885}" srcOrd="0" destOrd="0" presId="urn:microsoft.com/office/officeart/2005/8/layout/process1"/>
-    <dgm:cxn modelId="{BB304414-4573-A945-A6B9-D92B37E06E0E}" srcId="{DE49E2BA-261B-EC46-BAF7-6B78BDB6F06F}" destId="{801AFE1A-416D-E74C-BBFD-557415AE0194}" srcOrd="1" destOrd="0" parTransId="{2727C292-B037-A740-B806-A17CA3BCFCD5}" sibTransId="{533BC168-BC76-C14E-8694-1DC3B6CF54C5}"/>
-    <dgm:cxn modelId="{2F6EDDF8-1A52-CA4F-AC56-E7B813883AFC}" srcId="{DE49E2BA-261B-EC46-BAF7-6B78BDB6F06F}" destId="{5EDB0D77-09F0-0C4F-B332-E852A176F79A}" srcOrd="0" destOrd="0" parTransId="{6905B776-7DF3-2743-A7A0-DC627995A528}" sibTransId="{486F902B-586B-8044-9F9C-0B0AEA8029F9}"/>
     <dgm:cxn modelId="{80CF1ADA-AC03-0246-A9C5-2573A6852BB1}" type="presParOf" srcId="{4A554E7B-4565-9144-9E8A-ED84F42D6595}" destId="{E324EA71-C9AB-2943-812E-646AB1B31125}" srcOrd="0" destOrd="0" presId="urn:microsoft.com/office/officeart/2005/8/layout/process1"/>
     <dgm:cxn modelId="{0B8E1EEA-F683-5E42-8906-DD23252128BF}" type="presParOf" srcId="{4A554E7B-4565-9144-9E8A-ED84F42D6595}" destId="{FF12BBB7-C98F-004B-97D1-6F33A956F885}" srcOrd="1" destOrd="0" presId="urn:microsoft.com/office/officeart/2005/8/layout/process1"/>
     <dgm:cxn modelId="{56C9F803-799C-3147-830A-E0A956C21914}" type="presParOf" srcId="{FF12BBB7-C98F-004B-97D1-6F33A956F885}" destId="{93205773-7419-ED4D-91F8-2A24298BF005}" srcOrd="0" destOrd="0" presId="urn:microsoft.com/office/officeart/2005/8/layout/process1"/>
@@ -7325,7 +7326,7 @@
           <a:p>
             <a:fld id="{435F5122-36F6-8A43-9FB8-2C7E079D8491}" type="datetimeFigureOut">
               <a:rPr lang="en-US" smtClean="0"/>
-              <a:t>10/3/17</a:t>
+              <a:t>12/1/17</a:t>
             </a:fld>
             <a:endParaRPr lang="en-US"/>
           </a:p>
@@ -7808,7 +7809,7 @@
           <a:p>
             <a:fld id="{0B81B261-3E97-594D-92FE-9F195E76D39F}" type="datetimeFigureOut">
               <a:rPr lang="en-US" smtClean="0"/>
-              <a:t>10/3/17</a:t>
+              <a:t>12/1/17</a:t>
             </a:fld>
             <a:endParaRPr lang="en-US"/>
           </a:p>
@@ -7978,7 +7979,7 @@
           <a:p>
             <a:fld id="{0B81B261-3E97-594D-92FE-9F195E76D39F}" type="datetimeFigureOut">
               <a:rPr lang="en-US" smtClean="0"/>
-              <a:t>10/3/17</a:t>
+              <a:t>12/1/17</a:t>
             </a:fld>
             <a:endParaRPr lang="en-US"/>
           </a:p>
@@ -8158,7 +8159,7 @@
           <a:p>
             <a:fld id="{0B81B261-3E97-594D-92FE-9F195E76D39F}" type="datetimeFigureOut">
               <a:rPr lang="en-US" smtClean="0"/>
-              <a:t>10/3/17</a:t>
+              <a:t>12/1/17</a:t>
             </a:fld>
             <a:endParaRPr lang="en-US"/>
           </a:p>
@@ -8328,7 +8329,7 @@
           <a:p>
             <a:fld id="{0B81B261-3E97-594D-92FE-9F195E76D39F}" type="datetimeFigureOut">
               <a:rPr lang="en-US" smtClean="0"/>
-              <a:t>10/3/17</a:t>
+              <a:t>12/1/17</a:t>
             </a:fld>
             <a:endParaRPr lang="en-US"/>
           </a:p>
@@ -8574,7 +8575,7 @@
           <a:p>
             <a:fld id="{0B81B261-3E97-594D-92FE-9F195E76D39F}" type="datetimeFigureOut">
               <a:rPr lang="en-US" smtClean="0"/>
-              <a:t>10/3/17</a:t>
+              <a:t>12/1/17</a:t>
             </a:fld>
             <a:endParaRPr lang="en-US"/>
           </a:p>
@@ -8806,7 +8807,7 @@
           <a:p>
             <a:fld id="{0B81B261-3E97-594D-92FE-9F195E76D39F}" type="datetimeFigureOut">
               <a:rPr lang="en-US" smtClean="0"/>
-              <a:t>10/3/17</a:t>
+              <a:t>12/1/17</a:t>
             </a:fld>
             <a:endParaRPr lang="en-US"/>
           </a:p>
@@ -9173,7 +9174,7 @@
           <a:p>
             <a:fld id="{0B81B261-3E97-594D-92FE-9F195E76D39F}" type="datetimeFigureOut">
               <a:rPr lang="en-US" smtClean="0"/>
-              <a:t>10/3/17</a:t>
+              <a:t>12/1/17</a:t>
             </a:fld>
             <a:endParaRPr lang="en-US"/>
           </a:p>
@@ -9291,7 +9292,7 @@
           <a:p>
             <a:fld id="{0B81B261-3E97-594D-92FE-9F195E76D39F}" type="datetimeFigureOut">
               <a:rPr lang="en-US" smtClean="0"/>
-              <a:t>10/3/17</a:t>
+              <a:t>12/1/17</a:t>
             </a:fld>
             <a:endParaRPr lang="en-US"/>
           </a:p>
@@ -9386,7 +9387,7 @@
           <a:p>
             <a:fld id="{0B81B261-3E97-594D-92FE-9F195E76D39F}" type="datetimeFigureOut">
               <a:rPr lang="en-US" smtClean="0"/>
-              <a:t>10/3/17</a:t>
+              <a:t>12/1/17</a:t>
             </a:fld>
             <a:endParaRPr lang="en-US"/>
           </a:p>
@@ -9663,7 +9664,7 @@
           <a:p>
             <a:fld id="{0B81B261-3E97-594D-92FE-9F195E76D39F}" type="datetimeFigureOut">
               <a:rPr lang="en-US" smtClean="0"/>
-              <a:t>10/3/17</a:t>
+              <a:t>12/1/17</a:t>
             </a:fld>
             <a:endParaRPr lang="en-US"/>
           </a:p>
@@ -9916,7 +9917,7 @@
           <a:p>
             <a:fld id="{0B81B261-3E97-594D-92FE-9F195E76D39F}" type="datetimeFigureOut">
               <a:rPr lang="en-US" smtClean="0"/>
-              <a:t>10/3/17</a:t>
+              <a:t>12/1/17</a:t>
             </a:fld>
             <a:endParaRPr lang="en-US"/>
           </a:p>
@@ -10129,7 +10130,7 @@
           <a:p>
             <a:fld id="{0B81B261-3E97-594D-92FE-9F195E76D39F}" type="datetimeFigureOut">
               <a:rPr lang="en-US" smtClean="0"/>
-              <a:t>10/3/17</a:t>
+              <a:t>12/1/17</a:t>
             </a:fld>
             <a:endParaRPr lang="en-US"/>
           </a:p>
@@ -12698,6 +12699,311 @@
           <a:p>
             <a:r>
               <a:rPr lang="en-US" dirty="0" smtClean="0"/>
+              <a:t>SIR Model</a:t>
+            </a:r>
+            <a:endParaRPr lang="en-US" dirty="0"/>
+          </a:p>
+        </p:txBody>
+      </p:sp>
+      <p:sp>
+        <p:nvSpPr>
+          <p:cNvPr id="5" name="Oval 4"/>
+          <p:cNvSpPr/>
+          <p:nvPr/>
+        </p:nvSpPr>
+        <p:spPr>
+          <a:xfrm>
+            <a:off x="2123090" y="2963917"/>
+            <a:ext cx="1271751" cy="1271751"/>
+          </a:xfrm>
+          <a:prstGeom prst="ellipse">
+            <a:avLst/>
+          </a:prstGeom>
+          <a:noFill/>
+          <a:ln w="38100">
+            <a:solidFill>
+              <a:schemeClr val="tx1"/>
+            </a:solidFill>
+          </a:ln>
+        </p:spPr>
+        <p:style>
+          <a:lnRef idx="2">
+            <a:schemeClr val="accent1">
+              <a:shade val="50000"/>
+            </a:schemeClr>
+          </a:lnRef>
+          <a:fillRef idx="1">
+            <a:schemeClr val="accent1"/>
+          </a:fillRef>
+          <a:effectRef idx="0">
+            <a:schemeClr val="accent1"/>
+          </a:effectRef>
+          <a:fontRef idx="minor">
+            <a:schemeClr val="lt1"/>
+          </a:fontRef>
+        </p:style>
+        <p:txBody>
+          <a:bodyPr rtlCol="0" anchor="ctr"/>
+          <a:lstStyle/>
+          <a:p>
+            <a:pPr algn="ctr"/>
+            <a:r>
+              <a:rPr lang="en-US" sz="6000" dirty="0" smtClean="0">
+                <a:solidFill>
+                  <a:schemeClr val="tx1"/>
+                </a:solidFill>
+              </a:rPr>
+              <a:t>S</a:t>
+            </a:r>
+            <a:endParaRPr lang="en-US" sz="6000" dirty="0">
+              <a:solidFill>
+                <a:schemeClr val="tx1"/>
+              </a:solidFill>
+            </a:endParaRPr>
+          </a:p>
+        </p:txBody>
+      </p:sp>
+      <p:sp>
+        <p:nvSpPr>
+          <p:cNvPr id="6" name="Oval 5"/>
+          <p:cNvSpPr/>
+          <p:nvPr/>
+        </p:nvSpPr>
+        <p:spPr>
+          <a:xfrm>
+            <a:off x="4482663" y="2963917"/>
+            <a:ext cx="1271751" cy="1271751"/>
+          </a:xfrm>
+          <a:prstGeom prst="ellipse">
+            <a:avLst/>
+          </a:prstGeom>
+          <a:noFill/>
+          <a:ln w="38100">
+            <a:solidFill>
+              <a:schemeClr val="tx1"/>
+            </a:solidFill>
+          </a:ln>
+        </p:spPr>
+        <p:style>
+          <a:lnRef idx="2">
+            <a:schemeClr val="accent1">
+              <a:shade val="50000"/>
+            </a:schemeClr>
+          </a:lnRef>
+          <a:fillRef idx="1">
+            <a:schemeClr val="accent1"/>
+          </a:fillRef>
+          <a:effectRef idx="0">
+            <a:schemeClr val="accent1"/>
+          </a:effectRef>
+          <a:fontRef idx="minor">
+            <a:schemeClr val="lt1"/>
+          </a:fontRef>
+        </p:style>
+        <p:txBody>
+          <a:bodyPr rtlCol="0" anchor="ctr"/>
+          <a:lstStyle/>
+          <a:p>
+            <a:pPr algn="ctr"/>
+            <a:r>
+              <a:rPr lang="en-US" sz="6000" dirty="0" smtClean="0">
+                <a:solidFill>
+                  <a:schemeClr val="tx1"/>
+                </a:solidFill>
+              </a:rPr>
+              <a:t>I</a:t>
+            </a:r>
+            <a:endParaRPr lang="en-US" sz="6000" dirty="0">
+              <a:solidFill>
+                <a:schemeClr val="tx1"/>
+              </a:solidFill>
+            </a:endParaRPr>
+          </a:p>
+        </p:txBody>
+      </p:sp>
+      <p:sp>
+        <p:nvSpPr>
+          <p:cNvPr id="7" name="Oval 6"/>
+          <p:cNvSpPr/>
+          <p:nvPr/>
+        </p:nvSpPr>
+        <p:spPr>
+          <a:xfrm>
+            <a:off x="6842236" y="2963917"/>
+            <a:ext cx="1271751" cy="1271751"/>
+          </a:xfrm>
+          <a:prstGeom prst="ellipse">
+            <a:avLst/>
+          </a:prstGeom>
+          <a:noFill/>
+          <a:ln w="38100">
+            <a:solidFill>
+              <a:schemeClr val="tx1"/>
+            </a:solidFill>
+          </a:ln>
+        </p:spPr>
+        <p:style>
+          <a:lnRef idx="2">
+            <a:schemeClr val="accent1">
+              <a:shade val="50000"/>
+            </a:schemeClr>
+          </a:lnRef>
+          <a:fillRef idx="1">
+            <a:schemeClr val="accent1"/>
+          </a:fillRef>
+          <a:effectRef idx="0">
+            <a:schemeClr val="accent1"/>
+          </a:effectRef>
+          <a:fontRef idx="minor">
+            <a:schemeClr val="lt1"/>
+          </a:fontRef>
+        </p:style>
+        <p:txBody>
+          <a:bodyPr rtlCol="0" anchor="ctr"/>
+          <a:lstStyle/>
+          <a:p>
+            <a:pPr algn="ctr"/>
+            <a:r>
+              <a:rPr lang="en-US" sz="6000" dirty="0" smtClean="0">
+                <a:solidFill>
+                  <a:schemeClr val="tx1"/>
+                </a:solidFill>
+              </a:rPr>
+              <a:t>R</a:t>
+            </a:r>
+            <a:endParaRPr lang="en-US" sz="6000" dirty="0">
+              <a:solidFill>
+                <a:schemeClr val="tx1"/>
+              </a:solidFill>
+            </a:endParaRPr>
+          </a:p>
+        </p:txBody>
+      </p:sp>
+      <p:cxnSp>
+        <p:nvCxnSpPr>
+          <p:cNvPr id="9" name="Straight Arrow Connector 8"/>
+          <p:cNvCxnSpPr>
+            <a:stCxn id="5" idx="6"/>
+            <a:endCxn id="6" idx="2"/>
+          </p:cNvCxnSpPr>
+          <p:nvPr/>
+        </p:nvCxnSpPr>
+        <p:spPr>
+          <a:xfrm>
+            <a:off x="3394841" y="3599793"/>
+            <a:ext cx="1087822" cy="0"/>
+          </a:xfrm>
+          <a:prstGeom prst="straightConnector1">
+            <a:avLst/>
+          </a:prstGeom>
+          <a:ln w="38100">
+            <a:solidFill>
+              <a:schemeClr val="tx1"/>
+            </a:solidFill>
+            <a:tailEnd type="triangle"/>
+          </a:ln>
+        </p:spPr>
+        <p:style>
+          <a:lnRef idx="1">
+            <a:schemeClr val="accent1"/>
+          </a:lnRef>
+          <a:fillRef idx="0">
+            <a:schemeClr val="accent1"/>
+          </a:fillRef>
+          <a:effectRef idx="0">
+            <a:schemeClr val="accent1"/>
+          </a:effectRef>
+          <a:fontRef idx="minor">
+            <a:schemeClr val="tx1"/>
+          </a:fontRef>
+        </p:style>
+      </p:cxnSp>
+      <p:cxnSp>
+        <p:nvCxnSpPr>
+          <p:cNvPr id="10" name="Straight Arrow Connector 9"/>
+          <p:cNvCxnSpPr>
+            <a:stCxn id="6" idx="6"/>
+            <a:endCxn id="7" idx="2"/>
+          </p:cNvCxnSpPr>
+          <p:nvPr/>
+        </p:nvCxnSpPr>
+        <p:spPr>
+          <a:xfrm>
+            <a:off x="5754414" y="3599793"/>
+            <a:ext cx="1087822" cy="0"/>
+          </a:xfrm>
+          <a:prstGeom prst="straightConnector1">
+            <a:avLst/>
+          </a:prstGeom>
+          <a:ln w="38100">
+            <a:solidFill>
+              <a:schemeClr val="tx1"/>
+            </a:solidFill>
+            <a:tailEnd type="triangle"/>
+          </a:ln>
+        </p:spPr>
+        <p:style>
+          <a:lnRef idx="1">
+            <a:schemeClr val="accent1"/>
+          </a:lnRef>
+          <a:fillRef idx="0">
+            <a:schemeClr val="accent1"/>
+          </a:fillRef>
+          <a:effectRef idx="0">
+            <a:schemeClr val="accent1"/>
+          </a:effectRef>
+          <a:fontRef idx="minor">
+            <a:schemeClr val="tx1"/>
+          </a:fontRef>
+        </p:style>
+      </p:cxnSp>
+    </p:spTree>
+    <p:extLst>
+      <p:ext uri="{BB962C8B-B14F-4D97-AF65-F5344CB8AC3E}">
+        <p14:creationId xmlns:p14="http://schemas.microsoft.com/office/powerpoint/2010/main" val="1106984897"/>
+      </p:ext>
+    </p:extLst>
+  </p:cSld>
+  <p:clrMapOvr>
+    <a:masterClrMapping/>
+  </p:clrMapOvr>
+</p:sld>
+</file>
+
+<file path=ppt/slides/slide11.xml><?xml version="1.0" encoding="utf-8"?>
+<p:sld xmlns:a="http://schemas.openxmlformats.org/drawingml/2006/main" xmlns:r="http://schemas.openxmlformats.org/officeDocument/2006/relationships" xmlns:p="http://schemas.openxmlformats.org/presentationml/2006/main">
+  <p:cSld>
+    <p:spTree>
+      <p:nvGrpSpPr>
+        <p:cNvPr id="1" name=""/>
+        <p:cNvGrpSpPr/>
+        <p:nvPr/>
+      </p:nvGrpSpPr>
+      <p:grpSpPr>
+        <a:xfrm>
+          <a:off x="0" y="0"/>
+          <a:ext cx="0" cy="0"/>
+          <a:chOff x="0" y="0"/>
+          <a:chExt cx="0" cy="0"/>
+        </a:xfrm>
+      </p:grpSpPr>
+      <p:sp>
+        <p:nvSpPr>
+          <p:cNvPr id="2" name="Title 1"/>
+          <p:cNvSpPr>
+            <a:spLocks noGrp="1"/>
+          </p:cNvSpPr>
+          <p:nvPr>
+            <p:ph type="title"/>
+          </p:nvPr>
+        </p:nvSpPr>
+        <p:spPr/>
+        <p:txBody>
+          <a:bodyPr/>
+          <a:lstStyle/>
+          <a:p>
+            <a:r>
+              <a:rPr lang="en-US" dirty="0" smtClean="0"/>
               <a:t>SIS Model</a:t>
             </a:r>
             <a:endParaRPr lang="en-US" dirty="0"/>
@@ -12911,7 +13217,7 @@
 </p:sld>
 </file>
 
-<file path=ppt/slides/slide11.xml><?xml version="1.0" encoding="utf-8"?>
+<file path=ppt/slides/slide12.xml><?xml version="1.0" encoding="utf-8"?>
 <p:sld xmlns:a="http://schemas.openxmlformats.org/drawingml/2006/main" xmlns:r="http://schemas.openxmlformats.org/officeDocument/2006/relationships" xmlns:p="http://schemas.openxmlformats.org/presentationml/2006/main">
   <p:cSld>
     <p:spTree>
@@ -16421,6 +16727,1695 @@
             <p:ph type="title"/>
           </p:nvPr>
         </p:nvSpPr>
+        <p:spPr/>
+        <p:txBody>
+          <a:bodyPr/>
+          <a:lstStyle/>
+          <a:p>
+            <a:r>
+              <a:rPr lang="en-US" dirty="0" smtClean="0"/>
+              <a:t>HIV-ART (</a:t>
+            </a:r>
+            <a:r>
+              <a:rPr lang="en-US" dirty="0" err="1" smtClean="0"/>
+              <a:t>Granich</a:t>
+            </a:r>
+            <a:r>
+              <a:rPr lang="en-US" dirty="0" smtClean="0"/>
+              <a:t>) (Simplified)</a:t>
+            </a:r>
+            <a:endParaRPr lang="en-US" dirty="0"/>
+          </a:p>
+        </p:txBody>
+      </p:sp>
+      <p:sp>
+        <p:nvSpPr>
+          <p:cNvPr id="28" name="Oval 27"/>
+          <p:cNvSpPr/>
+          <p:nvPr/>
+        </p:nvSpPr>
+        <p:spPr>
+          <a:xfrm>
+            <a:off x="2283844" y="2860656"/>
+            <a:ext cx="1271751" cy="1271751"/>
+          </a:xfrm>
+          <a:prstGeom prst="ellipse">
+            <a:avLst/>
+          </a:prstGeom>
+          <a:noFill/>
+          <a:ln w="38100">
+            <a:solidFill>
+              <a:schemeClr val="tx1"/>
+            </a:solidFill>
+          </a:ln>
+        </p:spPr>
+        <p:style>
+          <a:lnRef idx="2">
+            <a:schemeClr val="accent1">
+              <a:shade val="50000"/>
+            </a:schemeClr>
+          </a:lnRef>
+          <a:fillRef idx="1">
+            <a:schemeClr val="accent1"/>
+          </a:fillRef>
+          <a:effectRef idx="0">
+            <a:schemeClr val="accent1"/>
+          </a:effectRef>
+          <a:fontRef idx="minor">
+            <a:schemeClr val="lt1"/>
+          </a:fontRef>
+        </p:style>
+        <p:txBody>
+          <a:bodyPr rtlCol="0" anchor="ctr"/>
+          <a:lstStyle/>
+          <a:p>
+            <a:pPr algn="ctr"/>
+            <a:r>
+              <a:rPr lang="en-US" sz="4800" dirty="0" smtClean="0">
+                <a:solidFill>
+                  <a:schemeClr val="tx1"/>
+                </a:solidFill>
+              </a:rPr>
+              <a:t>S</a:t>
+            </a:r>
+            <a:endParaRPr lang="en-US" sz="4800" dirty="0">
+              <a:solidFill>
+                <a:schemeClr val="tx1"/>
+              </a:solidFill>
+            </a:endParaRPr>
+          </a:p>
+        </p:txBody>
+      </p:sp>
+      <p:cxnSp>
+        <p:nvCxnSpPr>
+          <p:cNvPr id="37" name="Straight Arrow Connector 36"/>
+          <p:cNvCxnSpPr>
+            <a:stCxn id="28" idx="6"/>
+            <a:endCxn id="57" idx="2"/>
+          </p:cNvCxnSpPr>
+          <p:nvPr/>
+        </p:nvCxnSpPr>
+        <p:spPr>
+          <a:xfrm>
+            <a:off x="3555595" y="3496532"/>
+            <a:ext cx="985034" cy="0"/>
+          </a:xfrm>
+          <a:prstGeom prst="straightConnector1">
+            <a:avLst/>
+          </a:prstGeom>
+          <a:ln w="38100">
+            <a:solidFill>
+              <a:schemeClr val="tx1"/>
+            </a:solidFill>
+            <a:tailEnd type="triangle"/>
+          </a:ln>
+        </p:spPr>
+        <p:style>
+          <a:lnRef idx="1">
+            <a:schemeClr val="accent1"/>
+          </a:lnRef>
+          <a:fillRef idx="0">
+            <a:schemeClr val="accent1"/>
+          </a:fillRef>
+          <a:effectRef idx="0">
+            <a:schemeClr val="accent1"/>
+          </a:effectRef>
+          <a:fontRef idx="minor">
+            <a:schemeClr val="tx1"/>
+          </a:fontRef>
+        </p:style>
+      </p:cxnSp>
+      <p:sp>
+        <p:nvSpPr>
+          <p:cNvPr id="57" name="Oval 56"/>
+          <p:cNvSpPr/>
+          <p:nvPr/>
+        </p:nvSpPr>
+        <p:spPr>
+          <a:xfrm>
+            <a:off x="4540629" y="2860656"/>
+            <a:ext cx="1271751" cy="1271751"/>
+          </a:xfrm>
+          <a:prstGeom prst="ellipse">
+            <a:avLst/>
+          </a:prstGeom>
+          <a:noFill/>
+          <a:ln w="38100">
+            <a:solidFill>
+              <a:schemeClr val="tx1"/>
+            </a:solidFill>
+          </a:ln>
+        </p:spPr>
+        <p:style>
+          <a:lnRef idx="2">
+            <a:schemeClr val="accent1">
+              <a:shade val="50000"/>
+            </a:schemeClr>
+          </a:lnRef>
+          <a:fillRef idx="1">
+            <a:schemeClr val="accent1"/>
+          </a:fillRef>
+          <a:effectRef idx="0">
+            <a:schemeClr val="accent1"/>
+          </a:effectRef>
+          <a:fontRef idx="minor">
+            <a:schemeClr val="lt1"/>
+          </a:fontRef>
+        </p:style>
+        <p:txBody>
+          <a:bodyPr rtlCol="0" anchor="ctr"/>
+          <a:lstStyle/>
+          <a:p>
+            <a:pPr algn="ctr"/>
+            <a:r>
+              <a:rPr lang="en-US" sz="4600" dirty="0" smtClean="0">
+                <a:solidFill>
+                  <a:schemeClr val="tx1"/>
+                </a:solidFill>
+              </a:rPr>
+              <a:t>AU</a:t>
+            </a:r>
+            <a:endParaRPr lang="en-US" sz="4600" dirty="0">
+              <a:solidFill>
+                <a:schemeClr val="tx1"/>
+              </a:solidFill>
+            </a:endParaRPr>
+          </a:p>
+        </p:txBody>
+      </p:sp>
+      <p:sp>
+        <p:nvSpPr>
+          <p:cNvPr id="58" name="Oval 57"/>
+          <p:cNvSpPr/>
+          <p:nvPr/>
+        </p:nvSpPr>
+        <p:spPr>
+          <a:xfrm>
+            <a:off x="6983658" y="2860655"/>
+            <a:ext cx="1271751" cy="1271751"/>
+          </a:xfrm>
+          <a:prstGeom prst="ellipse">
+            <a:avLst/>
+          </a:prstGeom>
+          <a:noFill/>
+          <a:ln w="38100">
+            <a:solidFill>
+              <a:schemeClr val="tx1"/>
+            </a:solidFill>
+          </a:ln>
+        </p:spPr>
+        <p:style>
+          <a:lnRef idx="2">
+            <a:schemeClr val="accent1">
+              <a:shade val="50000"/>
+            </a:schemeClr>
+          </a:lnRef>
+          <a:fillRef idx="1">
+            <a:schemeClr val="accent1"/>
+          </a:fillRef>
+          <a:effectRef idx="0">
+            <a:schemeClr val="accent1"/>
+          </a:effectRef>
+          <a:fontRef idx="minor">
+            <a:schemeClr val="lt1"/>
+          </a:fontRef>
+        </p:style>
+        <p:txBody>
+          <a:bodyPr rtlCol="0" anchor="ctr"/>
+          <a:lstStyle/>
+          <a:p>
+            <a:pPr algn="ctr"/>
+            <a:r>
+              <a:rPr lang="en-US" sz="4800" dirty="0" smtClean="0">
+                <a:solidFill>
+                  <a:schemeClr val="tx1"/>
+                </a:solidFill>
+              </a:rPr>
+              <a:t>CU</a:t>
+            </a:r>
+            <a:endParaRPr lang="en-US" sz="4800" dirty="0">
+              <a:solidFill>
+                <a:schemeClr val="tx1"/>
+              </a:solidFill>
+            </a:endParaRPr>
+          </a:p>
+        </p:txBody>
+      </p:sp>
+      <p:cxnSp>
+        <p:nvCxnSpPr>
+          <p:cNvPr id="59" name="Straight Arrow Connector 58"/>
+          <p:cNvCxnSpPr>
+            <a:stCxn id="57" idx="6"/>
+            <a:endCxn id="58" idx="2"/>
+          </p:cNvCxnSpPr>
+          <p:nvPr/>
+        </p:nvCxnSpPr>
+        <p:spPr>
+          <a:xfrm flipV="1">
+            <a:off x="5812380" y="3496531"/>
+            <a:ext cx="1171278" cy="1"/>
+          </a:xfrm>
+          <a:prstGeom prst="straightConnector1">
+            <a:avLst/>
+          </a:prstGeom>
+          <a:ln w="38100">
+            <a:solidFill>
+              <a:schemeClr val="tx1"/>
+            </a:solidFill>
+            <a:tailEnd type="triangle"/>
+          </a:ln>
+        </p:spPr>
+        <p:style>
+          <a:lnRef idx="1">
+            <a:schemeClr val="accent1"/>
+          </a:lnRef>
+          <a:fillRef idx="0">
+            <a:schemeClr val="accent1"/>
+          </a:fillRef>
+          <a:effectRef idx="0">
+            <a:schemeClr val="accent1"/>
+          </a:effectRef>
+          <a:fontRef idx="minor">
+            <a:schemeClr val="tx1"/>
+          </a:fontRef>
+        </p:style>
+      </p:cxnSp>
+      <p:sp>
+        <p:nvSpPr>
+          <p:cNvPr id="66" name="Oval 65"/>
+          <p:cNvSpPr/>
+          <p:nvPr/>
+        </p:nvSpPr>
+        <p:spPr>
+          <a:xfrm>
+            <a:off x="4540629" y="5193962"/>
+            <a:ext cx="1271751" cy="1271751"/>
+          </a:xfrm>
+          <a:prstGeom prst="ellipse">
+            <a:avLst/>
+          </a:prstGeom>
+          <a:noFill/>
+          <a:ln w="38100">
+            <a:solidFill>
+              <a:schemeClr val="tx1"/>
+            </a:solidFill>
+          </a:ln>
+        </p:spPr>
+        <p:style>
+          <a:lnRef idx="2">
+            <a:schemeClr val="accent1">
+              <a:shade val="50000"/>
+            </a:schemeClr>
+          </a:lnRef>
+          <a:fillRef idx="1">
+            <a:schemeClr val="accent1"/>
+          </a:fillRef>
+          <a:effectRef idx="0">
+            <a:schemeClr val="accent1"/>
+          </a:effectRef>
+          <a:fontRef idx="minor">
+            <a:schemeClr val="lt1"/>
+          </a:fontRef>
+        </p:style>
+        <p:txBody>
+          <a:bodyPr rtlCol="0" anchor="ctr"/>
+          <a:lstStyle/>
+          <a:p>
+            <a:pPr algn="ctr"/>
+            <a:r>
+              <a:rPr lang="en-US" sz="4800" dirty="0" smtClean="0">
+                <a:solidFill>
+                  <a:schemeClr val="tx1"/>
+                </a:solidFill>
+              </a:rPr>
+              <a:t>AT</a:t>
+            </a:r>
+            <a:endParaRPr lang="en-US" sz="4800" dirty="0">
+              <a:solidFill>
+                <a:schemeClr val="tx1"/>
+              </a:solidFill>
+            </a:endParaRPr>
+          </a:p>
+        </p:txBody>
+      </p:sp>
+      <p:sp>
+        <p:nvSpPr>
+          <p:cNvPr id="67" name="Oval 66"/>
+          <p:cNvSpPr/>
+          <p:nvPr/>
+        </p:nvSpPr>
+        <p:spPr>
+          <a:xfrm>
+            <a:off x="6983658" y="5193961"/>
+            <a:ext cx="1271751" cy="1271751"/>
+          </a:xfrm>
+          <a:prstGeom prst="ellipse">
+            <a:avLst/>
+          </a:prstGeom>
+          <a:noFill/>
+          <a:ln w="38100">
+            <a:solidFill>
+              <a:schemeClr val="tx1"/>
+            </a:solidFill>
+          </a:ln>
+        </p:spPr>
+        <p:style>
+          <a:lnRef idx="2">
+            <a:schemeClr val="accent1">
+              <a:shade val="50000"/>
+            </a:schemeClr>
+          </a:lnRef>
+          <a:fillRef idx="1">
+            <a:schemeClr val="accent1"/>
+          </a:fillRef>
+          <a:effectRef idx="0">
+            <a:schemeClr val="accent1"/>
+          </a:effectRef>
+          <a:fontRef idx="minor">
+            <a:schemeClr val="lt1"/>
+          </a:fontRef>
+        </p:style>
+        <p:txBody>
+          <a:bodyPr rtlCol="0" anchor="ctr"/>
+          <a:lstStyle/>
+          <a:p>
+            <a:pPr algn="ctr"/>
+            <a:r>
+              <a:rPr lang="en-US" sz="4800" dirty="0" smtClean="0">
+                <a:solidFill>
+                  <a:schemeClr val="tx1"/>
+                </a:solidFill>
+              </a:rPr>
+              <a:t>CT</a:t>
+            </a:r>
+            <a:endParaRPr lang="en-US" sz="4800" dirty="0">
+              <a:solidFill>
+                <a:schemeClr val="tx1"/>
+              </a:solidFill>
+            </a:endParaRPr>
+          </a:p>
+        </p:txBody>
+      </p:sp>
+      <p:cxnSp>
+        <p:nvCxnSpPr>
+          <p:cNvPr id="68" name="Straight Arrow Connector 67"/>
+          <p:cNvCxnSpPr>
+            <a:stCxn id="66" idx="6"/>
+            <a:endCxn id="67" idx="2"/>
+          </p:cNvCxnSpPr>
+          <p:nvPr/>
+        </p:nvCxnSpPr>
+        <p:spPr>
+          <a:xfrm flipV="1">
+            <a:off x="5812380" y="5829837"/>
+            <a:ext cx="1171278" cy="1"/>
+          </a:xfrm>
+          <a:prstGeom prst="straightConnector1">
+            <a:avLst/>
+          </a:prstGeom>
+          <a:ln w="38100">
+            <a:solidFill>
+              <a:schemeClr val="tx1"/>
+            </a:solidFill>
+            <a:tailEnd type="triangle"/>
+          </a:ln>
+        </p:spPr>
+        <p:style>
+          <a:lnRef idx="1">
+            <a:schemeClr val="accent1"/>
+          </a:lnRef>
+          <a:fillRef idx="0">
+            <a:schemeClr val="accent1"/>
+          </a:fillRef>
+          <a:effectRef idx="0">
+            <a:schemeClr val="accent1"/>
+          </a:effectRef>
+          <a:fontRef idx="minor">
+            <a:schemeClr val="tx1"/>
+          </a:fontRef>
+        </p:style>
+      </p:cxnSp>
+      <p:cxnSp>
+        <p:nvCxnSpPr>
+          <p:cNvPr id="73" name="Straight Arrow Connector 72"/>
+          <p:cNvCxnSpPr>
+            <a:stCxn id="57" idx="3"/>
+            <a:endCxn id="66" idx="1"/>
+          </p:cNvCxnSpPr>
+          <p:nvPr/>
+        </p:nvCxnSpPr>
+        <p:spPr>
+          <a:xfrm>
+            <a:off x="4726873" y="3946163"/>
+            <a:ext cx="0" cy="1434043"/>
+          </a:xfrm>
+          <a:prstGeom prst="straightConnector1">
+            <a:avLst/>
+          </a:prstGeom>
+          <a:ln w="38100">
+            <a:solidFill>
+              <a:schemeClr val="tx1"/>
+            </a:solidFill>
+            <a:tailEnd type="triangle"/>
+          </a:ln>
+        </p:spPr>
+        <p:style>
+          <a:lnRef idx="1">
+            <a:schemeClr val="accent1"/>
+          </a:lnRef>
+          <a:fillRef idx="0">
+            <a:schemeClr val="accent1"/>
+          </a:fillRef>
+          <a:effectRef idx="0">
+            <a:schemeClr val="accent1"/>
+          </a:effectRef>
+          <a:fontRef idx="minor">
+            <a:schemeClr val="tx1"/>
+          </a:fontRef>
+        </p:style>
+      </p:cxnSp>
+      <p:cxnSp>
+        <p:nvCxnSpPr>
+          <p:cNvPr id="75" name="Straight Arrow Connector 74"/>
+          <p:cNvCxnSpPr>
+            <a:stCxn id="58" idx="3"/>
+            <a:endCxn id="67" idx="1"/>
+          </p:cNvCxnSpPr>
+          <p:nvPr/>
+        </p:nvCxnSpPr>
+        <p:spPr>
+          <a:xfrm>
+            <a:off x="7169902" y="3946162"/>
+            <a:ext cx="0" cy="1434043"/>
+          </a:xfrm>
+          <a:prstGeom prst="straightConnector1">
+            <a:avLst/>
+          </a:prstGeom>
+          <a:ln w="38100">
+            <a:solidFill>
+              <a:schemeClr val="tx1"/>
+            </a:solidFill>
+            <a:tailEnd type="triangle"/>
+          </a:ln>
+        </p:spPr>
+        <p:style>
+          <a:lnRef idx="1">
+            <a:schemeClr val="accent1"/>
+          </a:lnRef>
+          <a:fillRef idx="0">
+            <a:schemeClr val="accent1"/>
+          </a:fillRef>
+          <a:effectRef idx="0">
+            <a:schemeClr val="accent1"/>
+          </a:effectRef>
+          <a:fontRef idx="minor">
+            <a:schemeClr val="tx1"/>
+          </a:fontRef>
+        </p:style>
+      </p:cxnSp>
+      <p:cxnSp>
+        <p:nvCxnSpPr>
+          <p:cNvPr id="81" name="Straight Arrow Connector 80"/>
+          <p:cNvCxnSpPr>
+            <a:stCxn id="66" idx="7"/>
+            <a:endCxn id="57" idx="5"/>
+          </p:cNvCxnSpPr>
+          <p:nvPr/>
+        </p:nvCxnSpPr>
+        <p:spPr>
+          <a:xfrm flipV="1">
+            <a:off x="5626136" y="3946163"/>
+            <a:ext cx="0" cy="1434043"/>
+          </a:xfrm>
+          <a:prstGeom prst="straightConnector1">
+            <a:avLst/>
+          </a:prstGeom>
+          <a:ln w="38100">
+            <a:solidFill>
+              <a:schemeClr val="tx1"/>
+            </a:solidFill>
+            <a:tailEnd type="triangle"/>
+          </a:ln>
+        </p:spPr>
+        <p:style>
+          <a:lnRef idx="1">
+            <a:schemeClr val="accent1"/>
+          </a:lnRef>
+          <a:fillRef idx="0">
+            <a:schemeClr val="accent1"/>
+          </a:fillRef>
+          <a:effectRef idx="0">
+            <a:schemeClr val="accent1"/>
+          </a:effectRef>
+          <a:fontRef idx="minor">
+            <a:schemeClr val="tx1"/>
+          </a:fontRef>
+        </p:style>
+      </p:cxnSp>
+      <p:cxnSp>
+        <p:nvCxnSpPr>
+          <p:cNvPr id="84" name="Straight Arrow Connector 83"/>
+          <p:cNvCxnSpPr>
+            <a:stCxn id="67" idx="7"/>
+            <a:endCxn id="58" idx="5"/>
+          </p:cNvCxnSpPr>
+          <p:nvPr/>
+        </p:nvCxnSpPr>
+        <p:spPr>
+          <a:xfrm flipV="1">
+            <a:off x="8069165" y="3946162"/>
+            <a:ext cx="0" cy="1434043"/>
+          </a:xfrm>
+          <a:prstGeom prst="straightConnector1">
+            <a:avLst/>
+          </a:prstGeom>
+          <a:ln w="38100">
+            <a:solidFill>
+              <a:schemeClr val="tx1"/>
+            </a:solidFill>
+            <a:tailEnd type="triangle"/>
+          </a:ln>
+        </p:spPr>
+        <p:style>
+          <a:lnRef idx="1">
+            <a:schemeClr val="accent1"/>
+          </a:lnRef>
+          <a:fillRef idx="0">
+            <a:schemeClr val="accent1"/>
+          </a:fillRef>
+          <a:effectRef idx="0">
+            <a:schemeClr val="accent1"/>
+          </a:effectRef>
+          <a:fontRef idx="minor">
+            <a:schemeClr val="tx1"/>
+          </a:fontRef>
+        </p:style>
+      </p:cxnSp>
+      <mc:AlternateContent xmlns:mc="http://schemas.openxmlformats.org/markup-compatibility/2006">
+        <mc:Choice xmlns:a14="http://schemas.microsoft.com/office/drawing/2010/main" Requires="a14">
+          <p:sp>
+            <p:nvSpPr>
+              <p:cNvPr id="13" name="TextBox 12"/>
+              <p:cNvSpPr txBox="1"/>
+              <p:nvPr/>
+            </p:nvSpPr>
+            <p:spPr>
+              <a:xfrm>
+                <a:off x="2283844" y="2291796"/>
+                <a:ext cx="4699814" cy="321178"/>
+              </a:xfrm>
+              <a:prstGeom prst="rect">
+                <a:avLst/>
+              </a:prstGeom>
+              <a:noFill/>
+            </p:spPr>
+            <p:txBody>
+              <a:bodyPr wrap="square" lIns="0" tIns="0" rIns="0" bIns="0" rtlCol="0">
+                <a:spAutoFit/>
+              </a:bodyPr>
+              <a:lstStyle/>
+              <a:p>
+                <a14:m>
+                  <m:oMathPara xmlns:m="http://schemas.openxmlformats.org/officeDocument/2006/math">
+                    <m:oMathParaPr>
+                      <m:jc m:val="centerGroup"/>
+                    </m:oMathParaPr>
+                    <m:oMath xmlns:m="http://schemas.openxmlformats.org/officeDocument/2006/math">
+                      <m:sSub>
+                        <m:sSubPr>
+                          <m:ctrlPr>
+                            <a:rPr lang="en-US" sz="2000" b="0" i="1" smtClean="0">
+                              <a:latin typeface="Cambria Math" charset="0"/>
+                            </a:rPr>
+                          </m:ctrlPr>
+                        </m:sSubPr>
+                        <m:e>
+                          <m:sSub>
+                            <m:sSubPr>
+                              <m:ctrlPr>
+                                <a:rPr lang="en-US" sz="2000" b="0" i="1" smtClean="0">
+                                  <a:latin typeface="Cambria Math" charset="0"/>
+                                </a:rPr>
+                              </m:ctrlPr>
+                            </m:sSubPr>
+                            <m:e>
+                              <m:r>
+                                <a:rPr lang="en-US" sz="2000" b="0" i="1" smtClean="0">
+                                  <a:latin typeface="Cambria Math" charset="0"/>
+                                </a:rPr>
+                                <m:t>𝑛</m:t>
+                              </m:r>
+                            </m:e>
+                            <m:sub>
+                              <m:r>
+                                <a:rPr lang="en-US" sz="2000" b="0" i="1" smtClean="0">
+                                  <a:latin typeface="Cambria Math" charset="0"/>
+                                </a:rPr>
+                                <m:t>𝐴𝑈</m:t>
+                              </m:r>
+                            </m:sub>
+                          </m:sSub>
+                          <m:r>
+                            <a:rPr lang="en-US" sz="2000" b="0" i="1" smtClean="0">
+                              <a:latin typeface="Cambria Math" charset="0"/>
+                            </a:rPr>
+                            <m:t>𝜆</m:t>
+                          </m:r>
+                        </m:e>
+                        <m:sub>
+                          <m:r>
+                            <a:rPr lang="en-US" sz="2000" b="0" i="1" smtClean="0">
+                              <a:latin typeface="Cambria Math" charset="0"/>
+                            </a:rPr>
+                            <m:t>𝑆</m:t>
+                          </m:r>
+                          <m:r>
+                            <a:rPr lang="en-US" sz="2000" b="0" i="1" smtClean="0">
+                              <a:latin typeface="Cambria Math" charset="0"/>
+                            </a:rPr>
+                            <m:t>,</m:t>
+                          </m:r>
+                          <m:r>
+                            <a:rPr lang="en-US" sz="2000" b="0" i="1" smtClean="0">
+                              <a:latin typeface="Cambria Math" charset="0"/>
+                            </a:rPr>
+                            <m:t>𝐴𝑈</m:t>
+                          </m:r>
+                        </m:sub>
+                      </m:sSub>
+                      <m:r>
+                        <a:rPr lang="en-US" sz="2000" b="0" i="1" smtClean="0">
+                          <a:latin typeface="Cambria Math" charset="0"/>
+                        </a:rPr>
+                        <m:t>+</m:t>
+                      </m:r>
+                      <m:sSub>
+                        <m:sSubPr>
+                          <m:ctrlPr>
+                            <a:rPr lang="en-US" sz="2000" b="0" i="1" smtClean="0">
+                              <a:latin typeface="Cambria Math" charset="0"/>
+                            </a:rPr>
+                          </m:ctrlPr>
+                        </m:sSubPr>
+                        <m:e>
+                          <m:r>
+                            <a:rPr lang="en-US" sz="2000" b="0" i="1" smtClean="0">
+                              <a:latin typeface="Cambria Math" charset="0"/>
+                            </a:rPr>
+                            <m:t>𝑛</m:t>
+                          </m:r>
+                        </m:e>
+                        <m:sub>
+                          <m:r>
+                            <a:rPr lang="en-US" sz="2000" b="0" i="1" smtClean="0">
+                              <a:latin typeface="Cambria Math" charset="0"/>
+                            </a:rPr>
+                            <m:t>𝐴𝑇</m:t>
+                          </m:r>
+                        </m:sub>
+                      </m:sSub>
+                      <m:sSub>
+                        <m:sSubPr>
+                          <m:ctrlPr>
+                            <a:rPr lang="en-US" sz="2000" b="0" i="1" smtClean="0">
+                              <a:latin typeface="Cambria Math" charset="0"/>
+                            </a:rPr>
+                          </m:ctrlPr>
+                        </m:sSubPr>
+                        <m:e>
+                          <m:r>
+                            <a:rPr lang="en-US" sz="2000" b="0" i="1" smtClean="0">
+                              <a:latin typeface="Cambria Math" charset="0"/>
+                            </a:rPr>
+                            <m:t>𝜆</m:t>
+                          </m:r>
+                        </m:e>
+                        <m:sub>
+                          <m:r>
+                            <a:rPr lang="en-US" sz="2000" b="0" i="1" smtClean="0">
+                              <a:latin typeface="Cambria Math" charset="0"/>
+                            </a:rPr>
+                            <m:t>𝑆</m:t>
+                          </m:r>
+                          <m:r>
+                            <a:rPr lang="en-US" sz="2000" b="0" i="1" smtClean="0">
+                              <a:latin typeface="Cambria Math" charset="0"/>
+                            </a:rPr>
+                            <m:t>,</m:t>
+                          </m:r>
+                          <m:r>
+                            <a:rPr lang="en-US" sz="2000" b="0" i="1" smtClean="0">
+                              <a:latin typeface="Cambria Math" charset="0"/>
+                            </a:rPr>
+                            <m:t>𝐴𝑇</m:t>
+                          </m:r>
+                        </m:sub>
+                      </m:sSub>
+                      <m:r>
+                        <a:rPr lang="en-US" sz="2000" b="0" i="1" smtClean="0">
+                          <a:latin typeface="Cambria Math" charset="0"/>
+                        </a:rPr>
+                        <m:t>+</m:t>
+                      </m:r>
+                      <m:sSub>
+                        <m:sSubPr>
+                          <m:ctrlPr>
+                            <a:rPr lang="en-US" sz="2000" b="0" i="1" smtClean="0">
+                              <a:latin typeface="Cambria Math" charset="0"/>
+                            </a:rPr>
+                          </m:ctrlPr>
+                        </m:sSubPr>
+                        <m:e>
+                          <m:r>
+                            <a:rPr lang="en-US" sz="2000" b="0" i="1" smtClean="0">
+                              <a:latin typeface="Cambria Math" charset="0"/>
+                            </a:rPr>
+                            <m:t>𝑛</m:t>
+                          </m:r>
+                        </m:e>
+                        <m:sub>
+                          <m:r>
+                            <a:rPr lang="en-US" sz="2000" b="0" i="1" smtClean="0">
+                              <a:latin typeface="Cambria Math" charset="0"/>
+                            </a:rPr>
+                            <m:t>𝐶𝑈</m:t>
+                          </m:r>
+                        </m:sub>
+                      </m:sSub>
+                      <m:sSub>
+                        <m:sSubPr>
+                          <m:ctrlPr>
+                            <a:rPr lang="en-US" sz="2000" b="0" i="1" smtClean="0">
+                              <a:latin typeface="Cambria Math" charset="0"/>
+                            </a:rPr>
+                          </m:ctrlPr>
+                        </m:sSubPr>
+                        <m:e>
+                          <m:r>
+                            <a:rPr lang="en-US" sz="2000" b="0" i="1" smtClean="0">
+                              <a:latin typeface="Cambria Math" charset="0"/>
+                            </a:rPr>
+                            <m:t>𝜆</m:t>
+                          </m:r>
+                        </m:e>
+                        <m:sub>
+                          <m:r>
+                            <a:rPr lang="en-US" sz="2000" b="0" i="1" smtClean="0">
+                              <a:latin typeface="Cambria Math" charset="0"/>
+                            </a:rPr>
+                            <m:t>𝑆</m:t>
+                          </m:r>
+                          <m:r>
+                            <a:rPr lang="en-US" sz="2000" b="0" i="1" smtClean="0">
+                              <a:latin typeface="Cambria Math" charset="0"/>
+                            </a:rPr>
+                            <m:t>,</m:t>
+                          </m:r>
+                          <m:r>
+                            <a:rPr lang="en-US" sz="2000" b="0" i="1" smtClean="0">
+                              <a:latin typeface="Cambria Math" charset="0"/>
+                            </a:rPr>
+                            <m:t>𝐶𝑈</m:t>
+                          </m:r>
+                        </m:sub>
+                      </m:sSub>
+                      <m:r>
+                        <a:rPr lang="en-US" sz="2000" b="0" i="1" smtClean="0">
+                          <a:latin typeface="Cambria Math" charset="0"/>
+                        </a:rPr>
+                        <m:t>+</m:t>
+                      </m:r>
+                      <m:sSub>
+                        <m:sSubPr>
+                          <m:ctrlPr>
+                            <a:rPr lang="en-US" sz="2000" b="0" i="1" smtClean="0">
+                              <a:latin typeface="Cambria Math" charset="0"/>
+                            </a:rPr>
+                          </m:ctrlPr>
+                        </m:sSubPr>
+                        <m:e>
+                          <m:r>
+                            <a:rPr lang="en-US" sz="2000" b="0" i="1" smtClean="0">
+                              <a:latin typeface="Cambria Math" charset="0"/>
+                            </a:rPr>
+                            <m:t>𝑛</m:t>
+                          </m:r>
+                        </m:e>
+                        <m:sub>
+                          <m:r>
+                            <a:rPr lang="en-US" sz="2000" b="0" i="1" smtClean="0">
+                              <a:latin typeface="Cambria Math" charset="0"/>
+                            </a:rPr>
+                            <m:t>𝐶𝑇</m:t>
+                          </m:r>
+                        </m:sub>
+                      </m:sSub>
+                      <m:sSub>
+                        <m:sSubPr>
+                          <m:ctrlPr>
+                            <a:rPr lang="en-US" sz="2000" b="0" i="1" smtClean="0">
+                              <a:latin typeface="Cambria Math" charset="0"/>
+                            </a:rPr>
+                          </m:ctrlPr>
+                        </m:sSubPr>
+                        <m:e>
+                          <m:r>
+                            <a:rPr lang="en-US" sz="2000" b="0" i="1" smtClean="0">
+                              <a:latin typeface="Cambria Math" charset="0"/>
+                            </a:rPr>
+                            <m:t>𝜆</m:t>
+                          </m:r>
+                        </m:e>
+                        <m:sub>
+                          <m:r>
+                            <a:rPr lang="en-US" sz="2000" b="0" i="1" smtClean="0">
+                              <a:latin typeface="Cambria Math" charset="0"/>
+                            </a:rPr>
+                            <m:t>𝑆</m:t>
+                          </m:r>
+                          <m:r>
+                            <a:rPr lang="en-US" sz="2000" b="0" i="1" smtClean="0">
+                              <a:latin typeface="Cambria Math" charset="0"/>
+                            </a:rPr>
+                            <m:t>,</m:t>
+                          </m:r>
+                          <m:r>
+                            <a:rPr lang="en-US" sz="2000" b="0" i="1" smtClean="0">
+                              <a:latin typeface="Cambria Math" charset="0"/>
+                            </a:rPr>
+                            <m:t>𝐶𝑇</m:t>
+                          </m:r>
+                        </m:sub>
+                      </m:sSub>
+                    </m:oMath>
+                  </m:oMathPara>
+                </a14:m>
+                <a:endParaRPr lang="en-US" sz="2000" dirty="0"/>
+              </a:p>
+            </p:txBody>
+          </p:sp>
+        </mc:Choice>
+        <mc:Fallback>
+          <p:sp>
+            <p:nvSpPr>
+              <p:cNvPr id="13" name="TextBox 12"/>
+              <p:cNvSpPr txBox="1">
+                <a:spLocks noRot="1" noChangeAspect="1" noMove="1" noResize="1" noEditPoints="1" noAdjustHandles="1" noChangeArrowheads="1" noChangeShapeType="1" noTextEdit="1"/>
+              </p:cNvSpPr>
+              <p:nvPr/>
+            </p:nvSpPr>
+            <p:spPr>
+              <a:xfrm>
+                <a:off x="2283844" y="2291796"/>
+                <a:ext cx="4699814" cy="321178"/>
+              </a:xfrm>
+              <a:prstGeom prst="rect">
+                <a:avLst/>
+              </a:prstGeom>
+              <a:blipFill rotWithShape="0">
+                <a:blip r:embed="rId2"/>
+                <a:stretch>
+                  <a:fillRect l="-519" r="-130" b="-11321"/>
+                </a:stretch>
+              </a:blipFill>
+            </p:spPr>
+            <p:txBody>
+              <a:bodyPr/>
+              <a:lstStyle/>
+              <a:p>
+                <a:r>
+                  <a:rPr lang="en-US">
+                    <a:noFill/>
+                  </a:rPr>
+                  <a:t> </a:t>
+                </a:r>
+              </a:p>
+            </p:txBody>
+          </p:sp>
+        </mc:Fallback>
+      </mc:AlternateContent>
+      <p:cxnSp>
+        <p:nvCxnSpPr>
+          <p:cNvPr id="15" name="Straight Arrow Connector 14"/>
+          <p:cNvCxnSpPr>
+            <a:stCxn id="13" idx="2"/>
+          </p:cNvCxnSpPr>
+          <p:nvPr/>
+        </p:nvCxnSpPr>
+        <p:spPr>
+          <a:xfrm flipH="1">
+            <a:off x="3967373" y="2612974"/>
+            <a:ext cx="666378" cy="883557"/>
+          </a:xfrm>
+          <a:prstGeom prst="straightConnector1">
+            <a:avLst/>
+          </a:prstGeom>
+          <a:ln w="19050">
+            <a:solidFill>
+              <a:schemeClr val="tx1"/>
+            </a:solidFill>
+            <a:tailEnd type="triangle"/>
+          </a:ln>
+        </p:spPr>
+        <p:style>
+          <a:lnRef idx="1">
+            <a:schemeClr val="accent1"/>
+          </a:lnRef>
+          <a:fillRef idx="0">
+            <a:schemeClr val="accent1"/>
+          </a:fillRef>
+          <a:effectRef idx="0">
+            <a:schemeClr val="accent1"/>
+          </a:effectRef>
+          <a:fontRef idx="minor">
+            <a:schemeClr val="tx1"/>
+          </a:fontRef>
+        </p:style>
+      </p:cxnSp>
+      <mc:AlternateContent xmlns:mc="http://schemas.openxmlformats.org/markup-compatibility/2006">
+        <mc:Choice xmlns:a14="http://schemas.microsoft.com/office/drawing/2010/main" Requires="a14">
+          <p:sp>
+            <p:nvSpPr>
+              <p:cNvPr id="51" name="TextBox 50"/>
+              <p:cNvSpPr txBox="1"/>
+              <p:nvPr/>
+            </p:nvSpPr>
+            <p:spPr>
+              <a:xfrm>
+                <a:off x="4082371" y="4451485"/>
+                <a:ext cx="612222" cy="307777"/>
+              </a:xfrm>
+              <a:prstGeom prst="rect">
+                <a:avLst/>
+              </a:prstGeom>
+              <a:noFill/>
+            </p:spPr>
+            <p:txBody>
+              <a:bodyPr wrap="square" lIns="0" tIns="0" rIns="0" bIns="0" rtlCol="0">
+                <a:spAutoFit/>
+              </a:bodyPr>
+              <a:lstStyle/>
+              <a:p>
+                <a14:m>
+                  <m:oMathPara xmlns:m="http://schemas.openxmlformats.org/officeDocument/2006/math">
+                    <m:oMathParaPr>
+                      <m:jc m:val="centerGroup"/>
+                    </m:oMathParaPr>
+                    <m:oMath xmlns:m="http://schemas.openxmlformats.org/officeDocument/2006/math">
+                      <m:sSub>
+                        <m:sSubPr>
+                          <m:ctrlPr>
+                            <a:rPr lang="en-US" sz="2000" b="0" i="1" smtClean="0">
+                              <a:latin typeface="Cambria Math" charset="0"/>
+                            </a:rPr>
+                          </m:ctrlPr>
+                        </m:sSubPr>
+                        <m:e>
+                          <m:r>
+                            <a:rPr lang="en-US" sz="2000" b="0" i="1" smtClean="0">
+                              <a:latin typeface="Cambria Math" charset="0"/>
+                            </a:rPr>
+                            <m:t>𝜆</m:t>
+                          </m:r>
+                        </m:e>
+                        <m:sub>
+                          <m:r>
+                            <a:rPr lang="en-US" sz="2000" b="0" i="1" smtClean="0">
+                              <a:latin typeface="Cambria Math" charset="0"/>
+                            </a:rPr>
+                            <m:t>𝑈</m:t>
+                          </m:r>
+                          <m:r>
+                            <a:rPr lang="en-US" sz="2000" b="0" i="1" smtClean="0">
+                              <a:latin typeface="Cambria Math" charset="0"/>
+                            </a:rPr>
+                            <m:t>→</m:t>
+                          </m:r>
+                          <m:r>
+                            <a:rPr lang="en-US" sz="2000" b="0" i="1" smtClean="0">
+                              <a:latin typeface="Cambria Math" charset="0"/>
+                            </a:rPr>
+                            <m:t>𝑇</m:t>
+                          </m:r>
+                        </m:sub>
+                      </m:sSub>
+                    </m:oMath>
+                  </m:oMathPara>
+                </a14:m>
+                <a:endParaRPr lang="en-US" sz="2000" dirty="0"/>
+              </a:p>
+            </p:txBody>
+          </p:sp>
+        </mc:Choice>
+        <mc:Fallback>
+          <p:sp>
+            <p:nvSpPr>
+              <p:cNvPr id="51" name="TextBox 50"/>
+              <p:cNvSpPr txBox="1">
+                <a:spLocks noRot="1" noChangeAspect="1" noMove="1" noResize="1" noEditPoints="1" noAdjustHandles="1" noChangeArrowheads="1" noChangeShapeType="1" noTextEdit="1"/>
+              </p:cNvSpPr>
+              <p:nvPr/>
+            </p:nvSpPr>
+            <p:spPr>
+              <a:xfrm>
+                <a:off x="4082371" y="4451485"/>
+                <a:ext cx="612222" cy="307777"/>
+              </a:xfrm>
+              <a:prstGeom prst="rect">
+                <a:avLst/>
+              </a:prstGeom>
+              <a:blipFill rotWithShape="0">
+                <a:blip r:embed="rId3"/>
+                <a:stretch>
+                  <a:fillRect l="-11000" r="-4000" b="-15686"/>
+                </a:stretch>
+              </a:blipFill>
+            </p:spPr>
+            <p:txBody>
+              <a:bodyPr/>
+              <a:lstStyle/>
+              <a:p>
+                <a:r>
+                  <a:rPr lang="en-US">
+                    <a:noFill/>
+                  </a:rPr>
+                  <a:t> </a:t>
+                </a:r>
+              </a:p>
+            </p:txBody>
+          </p:sp>
+        </mc:Fallback>
+      </mc:AlternateContent>
+      <mc:AlternateContent xmlns:mc="http://schemas.openxmlformats.org/markup-compatibility/2006">
+        <mc:Choice xmlns:a14="http://schemas.microsoft.com/office/drawing/2010/main" Requires="a14">
+          <p:sp>
+            <p:nvSpPr>
+              <p:cNvPr id="74" name="TextBox 73"/>
+              <p:cNvSpPr txBox="1"/>
+              <p:nvPr/>
+            </p:nvSpPr>
+            <p:spPr>
+              <a:xfrm>
+                <a:off x="6522869" y="4451485"/>
+                <a:ext cx="612222" cy="307777"/>
+              </a:xfrm>
+              <a:prstGeom prst="rect">
+                <a:avLst/>
+              </a:prstGeom>
+              <a:noFill/>
+            </p:spPr>
+            <p:txBody>
+              <a:bodyPr wrap="square" lIns="0" tIns="0" rIns="0" bIns="0" rtlCol="0">
+                <a:spAutoFit/>
+              </a:bodyPr>
+              <a:lstStyle/>
+              <a:p>
+                <a14:m>
+                  <m:oMathPara xmlns:m="http://schemas.openxmlformats.org/officeDocument/2006/math">
+                    <m:oMathParaPr>
+                      <m:jc m:val="centerGroup"/>
+                    </m:oMathParaPr>
+                    <m:oMath xmlns:m="http://schemas.openxmlformats.org/officeDocument/2006/math">
+                      <m:sSub>
+                        <m:sSubPr>
+                          <m:ctrlPr>
+                            <a:rPr lang="en-US" sz="2000" b="0" i="1" smtClean="0">
+                              <a:latin typeface="Cambria Math" charset="0"/>
+                            </a:rPr>
+                          </m:ctrlPr>
+                        </m:sSubPr>
+                        <m:e>
+                          <m:r>
+                            <a:rPr lang="en-US" sz="2000" b="0" i="1" smtClean="0">
+                              <a:latin typeface="Cambria Math" charset="0"/>
+                            </a:rPr>
+                            <m:t>𝜆</m:t>
+                          </m:r>
+                        </m:e>
+                        <m:sub>
+                          <m:r>
+                            <a:rPr lang="en-US" sz="2000" b="0" i="1" smtClean="0">
+                              <a:latin typeface="Cambria Math" charset="0"/>
+                            </a:rPr>
+                            <m:t>𝑈</m:t>
+                          </m:r>
+                          <m:r>
+                            <a:rPr lang="en-US" sz="2000" b="0" i="1" smtClean="0">
+                              <a:latin typeface="Cambria Math" charset="0"/>
+                            </a:rPr>
+                            <m:t>→</m:t>
+                          </m:r>
+                          <m:r>
+                            <a:rPr lang="en-US" sz="2000" b="0" i="1" smtClean="0">
+                              <a:latin typeface="Cambria Math" charset="0"/>
+                            </a:rPr>
+                            <m:t>𝑇</m:t>
+                          </m:r>
+                        </m:sub>
+                      </m:sSub>
+                    </m:oMath>
+                  </m:oMathPara>
+                </a14:m>
+                <a:endParaRPr lang="en-US" sz="2000" dirty="0"/>
+              </a:p>
+            </p:txBody>
+          </p:sp>
+        </mc:Choice>
+        <mc:Fallback>
+          <p:sp>
+            <p:nvSpPr>
+              <p:cNvPr id="74" name="TextBox 73"/>
+              <p:cNvSpPr txBox="1">
+                <a:spLocks noRot="1" noChangeAspect="1" noMove="1" noResize="1" noEditPoints="1" noAdjustHandles="1" noChangeArrowheads="1" noChangeShapeType="1" noTextEdit="1"/>
+              </p:cNvSpPr>
+              <p:nvPr/>
+            </p:nvSpPr>
+            <p:spPr>
+              <a:xfrm>
+                <a:off x="6522869" y="4451485"/>
+                <a:ext cx="612222" cy="307777"/>
+              </a:xfrm>
+              <a:prstGeom prst="rect">
+                <a:avLst/>
+              </a:prstGeom>
+              <a:blipFill rotWithShape="0">
+                <a:blip r:embed="rId4"/>
+                <a:stretch>
+                  <a:fillRect l="-10000" r="-5000" b="-15686"/>
+                </a:stretch>
+              </a:blipFill>
+            </p:spPr>
+            <p:txBody>
+              <a:bodyPr/>
+              <a:lstStyle/>
+              <a:p>
+                <a:r>
+                  <a:rPr lang="en-US">
+                    <a:noFill/>
+                  </a:rPr>
+                  <a:t> </a:t>
+                </a:r>
+              </a:p>
+            </p:txBody>
+          </p:sp>
+        </mc:Fallback>
+      </mc:AlternateContent>
+      <mc:AlternateContent xmlns:mc="http://schemas.openxmlformats.org/markup-compatibility/2006">
+        <mc:Choice xmlns:a14="http://schemas.microsoft.com/office/drawing/2010/main" Requires="a14">
+          <p:sp>
+            <p:nvSpPr>
+              <p:cNvPr id="76" name="TextBox 75"/>
+              <p:cNvSpPr txBox="1"/>
+              <p:nvPr/>
+            </p:nvSpPr>
+            <p:spPr>
+              <a:xfrm>
+                <a:off x="5660948" y="4451485"/>
+                <a:ext cx="612222" cy="307777"/>
+              </a:xfrm>
+              <a:prstGeom prst="rect">
+                <a:avLst/>
+              </a:prstGeom>
+              <a:noFill/>
+            </p:spPr>
+            <p:txBody>
+              <a:bodyPr wrap="square" lIns="0" tIns="0" rIns="0" bIns="0" rtlCol="0">
+                <a:spAutoFit/>
+              </a:bodyPr>
+              <a:lstStyle/>
+              <a:p>
+                <a14:m>
+                  <m:oMathPara xmlns:m="http://schemas.openxmlformats.org/officeDocument/2006/math">
+                    <m:oMathParaPr>
+                      <m:jc m:val="centerGroup"/>
+                    </m:oMathParaPr>
+                    <m:oMath xmlns:m="http://schemas.openxmlformats.org/officeDocument/2006/math">
+                      <m:sSub>
+                        <m:sSubPr>
+                          <m:ctrlPr>
+                            <a:rPr lang="en-US" sz="2000" b="0" i="1" smtClean="0">
+                              <a:latin typeface="Cambria Math" charset="0"/>
+                            </a:rPr>
+                          </m:ctrlPr>
+                        </m:sSubPr>
+                        <m:e>
+                          <m:r>
+                            <a:rPr lang="en-US" sz="2000" b="0" i="1" smtClean="0">
+                              <a:latin typeface="Cambria Math" charset="0"/>
+                            </a:rPr>
+                            <m:t>𝜆</m:t>
+                          </m:r>
+                        </m:e>
+                        <m:sub>
+                          <m:r>
+                            <a:rPr lang="en-US" sz="2000" b="0" i="1" smtClean="0">
+                              <a:latin typeface="Cambria Math" charset="0"/>
+                            </a:rPr>
+                            <m:t>𝑇</m:t>
+                          </m:r>
+                          <m:r>
+                            <a:rPr lang="en-US" sz="2000" b="0" i="1" smtClean="0">
+                              <a:latin typeface="Cambria Math" charset="0"/>
+                            </a:rPr>
+                            <m:t>→</m:t>
+                          </m:r>
+                          <m:r>
+                            <a:rPr lang="en-US" sz="2000" b="0" i="1" smtClean="0">
+                              <a:latin typeface="Cambria Math" charset="0"/>
+                            </a:rPr>
+                            <m:t>𝑈</m:t>
+                          </m:r>
+                        </m:sub>
+                      </m:sSub>
+                    </m:oMath>
+                  </m:oMathPara>
+                </a14:m>
+                <a:endParaRPr lang="en-US" sz="2000" dirty="0"/>
+              </a:p>
+            </p:txBody>
+          </p:sp>
+        </mc:Choice>
+        <mc:Fallback>
+          <p:sp>
+            <p:nvSpPr>
+              <p:cNvPr id="76" name="TextBox 75"/>
+              <p:cNvSpPr txBox="1">
+                <a:spLocks noRot="1" noChangeAspect="1" noMove="1" noResize="1" noEditPoints="1" noAdjustHandles="1" noChangeArrowheads="1" noChangeShapeType="1" noTextEdit="1"/>
+              </p:cNvSpPr>
+              <p:nvPr/>
+            </p:nvSpPr>
+            <p:spPr>
+              <a:xfrm>
+                <a:off x="5660948" y="4451485"/>
+                <a:ext cx="612222" cy="307777"/>
+              </a:xfrm>
+              <a:prstGeom prst="rect">
+                <a:avLst/>
+              </a:prstGeom>
+              <a:blipFill rotWithShape="0">
+                <a:blip r:embed="rId5"/>
+                <a:stretch>
+                  <a:fillRect l="-12000" r="-5000" b="-15686"/>
+                </a:stretch>
+              </a:blipFill>
+            </p:spPr>
+            <p:txBody>
+              <a:bodyPr/>
+              <a:lstStyle/>
+              <a:p>
+                <a:r>
+                  <a:rPr lang="en-US">
+                    <a:noFill/>
+                  </a:rPr>
+                  <a:t> </a:t>
+                </a:r>
+              </a:p>
+            </p:txBody>
+          </p:sp>
+        </mc:Fallback>
+      </mc:AlternateContent>
+      <mc:AlternateContent xmlns:mc="http://schemas.openxmlformats.org/markup-compatibility/2006">
+        <mc:Choice xmlns:a14="http://schemas.microsoft.com/office/drawing/2010/main" Requires="a14">
+          <p:sp>
+            <p:nvSpPr>
+              <p:cNvPr id="77" name="TextBox 76"/>
+              <p:cNvSpPr txBox="1"/>
+              <p:nvPr/>
+            </p:nvSpPr>
+            <p:spPr>
+              <a:xfrm>
+                <a:off x="8097880" y="4451484"/>
+                <a:ext cx="612222" cy="307777"/>
+              </a:xfrm>
+              <a:prstGeom prst="rect">
+                <a:avLst/>
+              </a:prstGeom>
+              <a:noFill/>
+            </p:spPr>
+            <p:txBody>
+              <a:bodyPr wrap="square" lIns="0" tIns="0" rIns="0" bIns="0" rtlCol="0">
+                <a:spAutoFit/>
+              </a:bodyPr>
+              <a:lstStyle/>
+              <a:p>
+                <a14:m>
+                  <m:oMathPara xmlns:m="http://schemas.openxmlformats.org/officeDocument/2006/math">
+                    <m:oMathParaPr>
+                      <m:jc m:val="centerGroup"/>
+                    </m:oMathParaPr>
+                    <m:oMath xmlns:m="http://schemas.openxmlformats.org/officeDocument/2006/math">
+                      <m:sSub>
+                        <m:sSubPr>
+                          <m:ctrlPr>
+                            <a:rPr lang="en-US" sz="2000" b="0" i="1" smtClean="0">
+                              <a:latin typeface="Cambria Math" charset="0"/>
+                            </a:rPr>
+                          </m:ctrlPr>
+                        </m:sSubPr>
+                        <m:e>
+                          <m:r>
+                            <a:rPr lang="en-US" sz="2000" b="0" i="1" smtClean="0">
+                              <a:latin typeface="Cambria Math" charset="0"/>
+                            </a:rPr>
+                            <m:t>𝜆</m:t>
+                          </m:r>
+                        </m:e>
+                        <m:sub>
+                          <m:r>
+                            <a:rPr lang="en-US" sz="2000" b="0" i="1" smtClean="0">
+                              <a:latin typeface="Cambria Math" charset="0"/>
+                            </a:rPr>
+                            <m:t>𝑇</m:t>
+                          </m:r>
+                          <m:r>
+                            <a:rPr lang="en-US" sz="2000" b="0" i="1" smtClean="0">
+                              <a:latin typeface="Cambria Math" charset="0"/>
+                            </a:rPr>
+                            <m:t>→</m:t>
+                          </m:r>
+                          <m:r>
+                            <a:rPr lang="en-US" sz="2000" b="0" i="1" smtClean="0">
+                              <a:latin typeface="Cambria Math" charset="0"/>
+                            </a:rPr>
+                            <m:t>𝑈</m:t>
+                          </m:r>
+                        </m:sub>
+                      </m:sSub>
+                    </m:oMath>
+                  </m:oMathPara>
+                </a14:m>
+                <a:endParaRPr lang="en-US" sz="2000" dirty="0"/>
+              </a:p>
+            </p:txBody>
+          </p:sp>
+        </mc:Choice>
+        <mc:Fallback>
+          <p:sp>
+            <p:nvSpPr>
+              <p:cNvPr id="77" name="TextBox 76"/>
+              <p:cNvSpPr txBox="1">
+                <a:spLocks noRot="1" noChangeAspect="1" noMove="1" noResize="1" noEditPoints="1" noAdjustHandles="1" noChangeArrowheads="1" noChangeShapeType="1" noTextEdit="1"/>
+              </p:cNvSpPr>
+              <p:nvPr/>
+            </p:nvSpPr>
+            <p:spPr>
+              <a:xfrm>
+                <a:off x="8097880" y="4451484"/>
+                <a:ext cx="612222" cy="307777"/>
+              </a:xfrm>
+              <a:prstGeom prst="rect">
+                <a:avLst/>
+              </a:prstGeom>
+              <a:blipFill rotWithShape="0">
+                <a:blip r:embed="rId6"/>
+                <a:stretch>
+                  <a:fillRect l="-10891" r="-4950" b="-15686"/>
+                </a:stretch>
+              </a:blipFill>
+            </p:spPr>
+            <p:txBody>
+              <a:bodyPr/>
+              <a:lstStyle/>
+              <a:p>
+                <a:r>
+                  <a:rPr lang="en-US">
+                    <a:noFill/>
+                  </a:rPr>
+                  <a:t> </a:t>
+                </a:r>
+              </a:p>
+            </p:txBody>
+          </p:sp>
+        </mc:Fallback>
+      </mc:AlternateContent>
+      <mc:AlternateContent xmlns:mc="http://schemas.openxmlformats.org/markup-compatibility/2006">
+        <mc:Choice xmlns:a14="http://schemas.microsoft.com/office/drawing/2010/main" Requires="a14">
+          <p:sp>
+            <p:nvSpPr>
+              <p:cNvPr id="78" name="TextBox 77"/>
+              <p:cNvSpPr txBox="1"/>
+              <p:nvPr/>
+            </p:nvSpPr>
+            <p:spPr>
+              <a:xfrm>
+                <a:off x="6102113" y="3146333"/>
+                <a:ext cx="612222" cy="307777"/>
+              </a:xfrm>
+              <a:prstGeom prst="rect">
+                <a:avLst/>
+              </a:prstGeom>
+              <a:noFill/>
+            </p:spPr>
+            <p:txBody>
+              <a:bodyPr wrap="square" lIns="0" tIns="0" rIns="0" bIns="0" rtlCol="0">
+                <a:spAutoFit/>
+              </a:bodyPr>
+              <a:lstStyle/>
+              <a:p>
+                <a14:m>
+                  <m:oMathPara xmlns:m="http://schemas.openxmlformats.org/officeDocument/2006/math">
+                    <m:oMathParaPr>
+                      <m:jc m:val="centerGroup"/>
+                    </m:oMathParaPr>
+                    <m:oMath xmlns:m="http://schemas.openxmlformats.org/officeDocument/2006/math">
+                      <m:sSub>
+                        <m:sSubPr>
+                          <m:ctrlPr>
+                            <a:rPr lang="en-US" sz="2000" b="0" i="1" smtClean="0">
+                              <a:latin typeface="Cambria Math" charset="0"/>
+                            </a:rPr>
+                          </m:ctrlPr>
+                        </m:sSubPr>
+                        <m:e>
+                          <m:r>
+                            <a:rPr lang="en-US" sz="2000" b="0" i="1" smtClean="0">
+                              <a:latin typeface="Cambria Math" charset="0"/>
+                            </a:rPr>
+                            <m:t>𝜆</m:t>
+                          </m:r>
+                        </m:e>
+                        <m:sub>
+                          <m:r>
+                            <a:rPr lang="en-US" sz="2000" b="0" i="1" smtClean="0">
+                              <a:latin typeface="Cambria Math" charset="0"/>
+                            </a:rPr>
+                            <m:t>𝐴</m:t>
+                          </m:r>
+                          <m:r>
+                            <a:rPr lang="en-US" sz="2000" b="0" i="1" smtClean="0">
+                              <a:latin typeface="Cambria Math" charset="0"/>
+                            </a:rPr>
+                            <m:t>→</m:t>
+                          </m:r>
+                          <m:r>
+                            <a:rPr lang="en-US" sz="2000" b="0" i="1" smtClean="0">
+                              <a:latin typeface="Cambria Math" charset="0"/>
+                            </a:rPr>
+                            <m:t>𝐶</m:t>
+                          </m:r>
+                        </m:sub>
+                      </m:sSub>
+                    </m:oMath>
+                  </m:oMathPara>
+                </a14:m>
+                <a:endParaRPr lang="en-US" sz="2000" dirty="0"/>
+              </a:p>
+            </p:txBody>
+          </p:sp>
+        </mc:Choice>
+        <mc:Fallback>
+          <p:sp>
+            <p:nvSpPr>
+              <p:cNvPr id="78" name="TextBox 77"/>
+              <p:cNvSpPr txBox="1">
+                <a:spLocks noRot="1" noChangeAspect="1" noMove="1" noResize="1" noEditPoints="1" noAdjustHandles="1" noChangeArrowheads="1" noChangeShapeType="1" noTextEdit="1"/>
+              </p:cNvSpPr>
+              <p:nvPr/>
+            </p:nvSpPr>
+            <p:spPr>
+              <a:xfrm>
+                <a:off x="6102113" y="3146333"/>
+                <a:ext cx="612222" cy="307777"/>
+              </a:xfrm>
+              <a:prstGeom prst="rect">
+                <a:avLst/>
+              </a:prstGeom>
+              <a:blipFill rotWithShape="0">
+                <a:blip r:embed="rId7"/>
+                <a:stretch>
+                  <a:fillRect l="-8000" r="-3000" b="-15686"/>
+                </a:stretch>
+              </a:blipFill>
+            </p:spPr>
+            <p:txBody>
+              <a:bodyPr/>
+              <a:lstStyle/>
+              <a:p>
+                <a:r>
+                  <a:rPr lang="en-US">
+                    <a:noFill/>
+                  </a:rPr>
+                  <a:t> </a:t>
+                </a:r>
+              </a:p>
+            </p:txBody>
+          </p:sp>
+        </mc:Fallback>
+      </mc:AlternateContent>
+      <mc:AlternateContent xmlns:mc="http://schemas.openxmlformats.org/markup-compatibility/2006">
+        <mc:Choice xmlns:a14="http://schemas.microsoft.com/office/drawing/2010/main" Requires="a14">
+          <p:sp>
+            <p:nvSpPr>
+              <p:cNvPr id="79" name="TextBox 78"/>
+              <p:cNvSpPr txBox="1"/>
+              <p:nvPr/>
+            </p:nvSpPr>
+            <p:spPr>
+              <a:xfrm>
+                <a:off x="6102113" y="5829836"/>
+                <a:ext cx="612222" cy="307777"/>
+              </a:xfrm>
+              <a:prstGeom prst="rect">
+                <a:avLst/>
+              </a:prstGeom>
+              <a:noFill/>
+            </p:spPr>
+            <p:txBody>
+              <a:bodyPr wrap="square" lIns="0" tIns="0" rIns="0" bIns="0" rtlCol="0">
+                <a:spAutoFit/>
+              </a:bodyPr>
+              <a:lstStyle/>
+              <a:p>
+                <a14:m>
+                  <m:oMathPara xmlns:m="http://schemas.openxmlformats.org/officeDocument/2006/math">
+                    <m:oMathParaPr>
+                      <m:jc m:val="centerGroup"/>
+                    </m:oMathParaPr>
+                    <m:oMath xmlns:m="http://schemas.openxmlformats.org/officeDocument/2006/math">
+                      <m:sSub>
+                        <m:sSubPr>
+                          <m:ctrlPr>
+                            <a:rPr lang="en-US" sz="2000" b="0" i="1" smtClean="0">
+                              <a:latin typeface="Cambria Math" charset="0"/>
+                            </a:rPr>
+                          </m:ctrlPr>
+                        </m:sSubPr>
+                        <m:e>
+                          <m:r>
+                            <a:rPr lang="en-US" sz="2000" b="0" i="1" smtClean="0">
+                              <a:latin typeface="Cambria Math" charset="0"/>
+                            </a:rPr>
+                            <m:t>𝜆</m:t>
+                          </m:r>
+                        </m:e>
+                        <m:sub>
+                          <m:r>
+                            <a:rPr lang="en-US" sz="2000" b="0" i="1" smtClean="0">
+                              <a:latin typeface="Cambria Math" charset="0"/>
+                            </a:rPr>
+                            <m:t>𝐴</m:t>
+                          </m:r>
+                          <m:r>
+                            <a:rPr lang="en-US" sz="2000" b="0" i="1" smtClean="0">
+                              <a:latin typeface="Cambria Math" charset="0"/>
+                            </a:rPr>
+                            <m:t>→</m:t>
+                          </m:r>
+                          <m:r>
+                            <a:rPr lang="en-US" sz="2000" b="0" i="1" smtClean="0">
+                              <a:latin typeface="Cambria Math" charset="0"/>
+                            </a:rPr>
+                            <m:t>𝐶</m:t>
+                          </m:r>
+                        </m:sub>
+                      </m:sSub>
+                    </m:oMath>
+                  </m:oMathPara>
+                </a14:m>
+                <a:endParaRPr lang="en-US" sz="2000" dirty="0"/>
+              </a:p>
+            </p:txBody>
+          </p:sp>
+        </mc:Choice>
+        <mc:Fallback>
+          <p:sp>
+            <p:nvSpPr>
+              <p:cNvPr id="79" name="TextBox 78"/>
+              <p:cNvSpPr txBox="1">
+                <a:spLocks noRot="1" noChangeAspect="1" noMove="1" noResize="1" noEditPoints="1" noAdjustHandles="1" noChangeArrowheads="1" noChangeShapeType="1" noTextEdit="1"/>
+              </p:cNvSpPr>
+              <p:nvPr/>
+            </p:nvSpPr>
+            <p:spPr>
+              <a:xfrm>
+                <a:off x="6102113" y="5829836"/>
+                <a:ext cx="612222" cy="307777"/>
+              </a:xfrm>
+              <a:prstGeom prst="rect">
+                <a:avLst/>
+              </a:prstGeom>
+              <a:blipFill rotWithShape="0">
+                <a:blip r:embed="rId7"/>
+                <a:stretch>
+                  <a:fillRect l="-8000" r="-3000" b="-15686"/>
+                </a:stretch>
+              </a:blipFill>
+            </p:spPr>
+            <p:txBody>
+              <a:bodyPr/>
+              <a:lstStyle/>
+              <a:p>
+                <a:r>
+                  <a:rPr lang="en-US">
+                    <a:noFill/>
+                  </a:rPr>
+                  <a:t> </a:t>
+                </a:r>
+              </a:p>
+            </p:txBody>
+          </p:sp>
+        </mc:Fallback>
+      </mc:AlternateContent>
+    </p:spTree>
+    <p:extLst>
+      <p:ext uri="{BB962C8B-B14F-4D97-AF65-F5344CB8AC3E}">
+        <p14:creationId xmlns:p14="http://schemas.microsoft.com/office/powerpoint/2010/main" val="1233805520"/>
+      </p:ext>
+    </p:extLst>
+  </p:cSld>
+  <p:clrMapOvr>
+    <a:masterClrMapping/>
+  </p:clrMapOvr>
+</p:sld>
+</file>
+
+<file path=ppt/slides/slide6.xml><?xml version="1.0" encoding="utf-8"?>
+<p:sld xmlns:a="http://schemas.openxmlformats.org/drawingml/2006/main" xmlns:r="http://schemas.openxmlformats.org/officeDocument/2006/relationships" xmlns:p="http://schemas.openxmlformats.org/presentationml/2006/main">
+  <p:cSld>
+    <p:spTree>
+      <p:nvGrpSpPr>
+        <p:cNvPr id="1" name=""/>
+        <p:cNvGrpSpPr/>
+        <p:nvPr/>
+      </p:nvGrpSpPr>
+      <p:grpSpPr>
+        <a:xfrm>
+          <a:off x="0" y="0"/>
+          <a:ext cx="0" cy="0"/>
+          <a:chOff x="0" y="0"/>
+          <a:chExt cx="0" cy="0"/>
+        </a:xfrm>
+      </p:grpSpPr>
+      <p:sp>
+        <p:nvSpPr>
+          <p:cNvPr id="2" name="Title 1"/>
+          <p:cNvSpPr>
+            <a:spLocks noGrp="1"/>
+          </p:cNvSpPr>
+          <p:nvPr>
+            <p:ph type="title"/>
+          </p:nvPr>
+        </p:nvSpPr>
         <p:spPr>
           <a:xfrm>
             <a:off x="838200" y="-178590"/>
@@ -21958,7 +23953,7 @@
 </p:sld>
 </file>
 
-<file path=ppt/slides/slide6.xml><?xml version="1.0" encoding="utf-8"?>
+<file path=ppt/slides/slide7.xml><?xml version="1.0" encoding="utf-8"?>
 <p:sld xmlns:a="http://schemas.openxmlformats.org/drawingml/2006/main" xmlns:r="http://schemas.openxmlformats.org/officeDocument/2006/relationships" xmlns:p="http://schemas.openxmlformats.org/presentationml/2006/main">
   <p:cSld>
     <p:spTree>
@@ -22345,7 +24340,7 @@
 </p:sld>
 </file>
 
-<file path=ppt/slides/slide7.xml><?xml version="1.0" encoding="utf-8"?>
+<file path=ppt/slides/slide8.xml><?xml version="1.0" encoding="utf-8"?>
 <p:sld xmlns:a="http://schemas.openxmlformats.org/drawingml/2006/main" xmlns:r="http://schemas.openxmlformats.org/officeDocument/2006/relationships" xmlns:p="http://schemas.openxmlformats.org/presentationml/2006/main">
   <p:cSld>
     <p:spTree>
@@ -22747,7 +24742,7 @@
 </p:sld>
 </file>
 
-<file path=ppt/slides/slide8.xml><?xml version="1.0" encoding="utf-8"?>
+<file path=ppt/slides/slide9.xml><?xml version="1.0" encoding="utf-8"?>
 <p:sld xmlns:a="http://schemas.openxmlformats.org/drawingml/2006/main" xmlns:r="http://schemas.openxmlformats.org/officeDocument/2006/relationships" xmlns:p="http://schemas.openxmlformats.org/presentationml/2006/main">
   <p:cSld>
     <p:spTree>
@@ -22946,311 +24941,6 @@
     <p:extLst>
       <p:ext uri="{BB962C8B-B14F-4D97-AF65-F5344CB8AC3E}">
         <p14:creationId xmlns:p14="http://schemas.microsoft.com/office/powerpoint/2010/main" val="355087038"/>
-      </p:ext>
-    </p:extLst>
-  </p:cSld>
-  <p:clrMapOvr>
-    <a:masterClrMapping/>
-  </p:clrMapOvr>
-</p:sld>
-</file>
-
-<file path=ppt/slides/slide9.xml><?xml version="1.0" encoding="utf-8"?>
-<p:sld xmlns:a="http://schemas.openxmlformats.org/drawingml/2006/main" xmlns:r="http://schemas.openxmlformats.org/officeDocument/2006/relationships" xmlns:p="http://schemas.openxmlformats.org/presentationml/2006/main">
-  <p:cSld>
-    <p:spTree>
-      <p:nvGrpSpPr>
-        <p:cNvPr id="1" name=""/>
-        <p:cNvGrpSpPr/>
-        <p:nvPr/>
-      </p:nvGrpSpPr>
-      <p:grpSpPr>
-        <a:xfrm>
-          <a:off x="0" y="0"/>
-          <a:ext cx="0" cy="0"/>
-          <a:chOff x="0" y="0"/>
-          <a:chExt cx="0" cy="0"/>
-        </a:xfrm>
-      </p:grpSpPr>
-      <p:sp>
-        <p:nvSpPr>
-          <p:cNvPr id="2" name="Title 1"/>
-          <p:cNvSpPr>
-            <a:spLocks noGrp="1"/>
-          </p:cNvSpPr>
-          <p:nvPr>
-            <p:ph type="title"/>
-          </p:nvPr>
-        </p:nvSpPr>
-        <p:spPr/>
-        <p:txBody>
-          <a:bodyPr/>
-          <a:lstStyle/>
-          <a:p>
-            <a:r>
-              <a:rPr lang="en-US" dirty="0" smtClean="0"/>
-              <a:t>SIR Model</a:t>
-            </a:r>
-            <a:endParaRPr lang="en-US" dirty="0"/>
-          </a:p>
-        </p:txBody>
-      </p:sp>
-      <p:sp>
-        <p:nvSpPr>
-          <p:cNvPr id="5" name="Oval 4"/>
-          <p:cNvSpPr/>
-          <p:nvPr/>
-        </p:nvSpPr>
-        <p:spPr>
-          <a:xfrm>
-            <a:off x="2123090" y="2963917"/>
-            <a:ext cx="1271751" cy="1271751"/>
-          </a:xfrm>
-          <a:prstGeom prst="ellipse">
-            <a:avLst/>
-          </a:prstGeom>
-          <a:noFill/>
-          <a:ln w="38100">
-            <a:solidFill>
-              <a:schemeClr val="tx1"/>
-            </a:solidFill>
-          </a:ln>
-        </p:spPr>
-        <p:style>
-          <a:lnRef idx="2">
-            <a:schemeClr val="accent1">
-              <a:shade val="50000"/>
-            </a:schemeClr>
-          </a:lnRef>
-          <a:fillRef idx="1">
-            <a:schemeClr val="accent1"/>
-          </a:fillRef>
-          <a:effectRef idx="0">
-            <a:schemeClr val="accent1"/>
-          </a:effectRef>
-          <a:fontRef idx="minor">
-            <a:schemeClr val="lt1"/>
-          </a:fontRef>
-        </p:style>
-        <p:txBody>
-          <a:bodyPr rtlCol="0" anchor="ctr"/>
-          <a:lstStyle/>
-          <a:p>
-            <a:pPr algn="ctr"/>
-            <a:r>
-              <a:rPr lang="en-US" sz="6000" dirty="0" smtClean="0">
-                <a:solidFill>
-                  <a:schemeClr val="tx1"/>
-                </a:solidFill>
-              </a:rPr>
-              <a:t>S</a:t>
-            </a:r>
-            <a:endParaRPr lang="en-US" sz="6000" dirty="0">
-              <a:solidFill>
-                <a:schemeClr val="tx1"/>
-              </a:solidFill>
-            </a:endParaRPr>
-          </a:p>
-        </p:txBody>
-      </p:sp>
-      <p:sp>
-        <p:nvSpPr>
-          <p:cNvPr id="6" name="Oval 5"/>
-          <p:cNvSpPr/>
-          <p:nvPr/>
-        </p:nvSpPr>
-        <p:spPr>
-          <a:xfrm>
-            <a:off x="4482663" y="2963917"/>
-            <a:ext cx="1271751" cy="1271751"/>
-          </a:xfrm>
-          <a:prstGeom prst="ellipse">
-            <a:avLst/>
-          </a:prstGeom>
-          <a:noFill/>
-          <a:ln w="38100">
-            <a:solidFill>
-              <a:schemeClr val="tx1"/>
-            </a:solidFill>
-          </a:ln>
-        </p:spPr>
-        <p:style>
-          <a:lnRef idx="2">
-            <a:schemeClr val="accent1">
-              <a:shade val="50000"/>
-            </a:schemeClr>
-          </a:lnRef>
-          <a:fillRef idx="1">
-            <a:schemeClr val="accent1"/>
-          </a:fillRef>
-          <a:effectRef idx="0">
-            <a:schemeClr val="accent1"/>
-          </a:effectRef>
-          <a:fontRef idx="minor">
-            <a:schemeClr val="lt1"/>
-          </a:fontRef>
-        </p:style>
-        <p:txBody>
-          <a:bodyPr rtlCol="0" anchor="ctr"/>
-          <a:lstStyle/>
-          <a:p>
-            <a:pPr algn="ctr"/>
-            <a:r>
-              <a:rPr lang="en-US" sz="6000" dirty="0" smtClean="0">
-                <a:solidFill>
-                  <a:schemeClr val="tx1"/>
-                </a:solidFill>
-              </a:rPr>
-              <a:t>I</a:t>
-            </a:r>
-            <a:endParaRPr lang="en-US" sz="6000" dirty="0">
-              <a:solidFill>
-                <a:schemeClr val="tx1"/>
-              </a:solidFill>
-            </a:endParaRPr>
-          </a:p>
-        </p:txBody>
-      </p:sp>
-      <p:sp>
-        <p:nvSpPr>
-          <p:cNvPr id="7" name="Oval 6"/>
-          <p:cNvSpPr/>
-          <p:nvPr/>
-        </p:nvSpPr>
-        <p:spPr>
-          <a:xfrm>
-            <a:off x="6842236" y="2963917"/>
-            <a:ext cx="1271751" cy="1271751"/>
-          </a:xfrm>
-          <a:prstGeom prst="ellipse">
-            <a:avLst/>
-          </a:prstGeom>
-          <a:noFill/>
-          <a:ln w="38100">
-            <a:solidFill>
-              <a:schemeClr val="tx1"/>
-            </a:solidFill>
-          </a:ln>
-        </p:spPr>
-        <p:style>
-          <a:lnRef idx="2">
-            <a:schemeClr val="accent1">
-              <a:shade val="50000"/>
-            </a:schemeClr>
-          </a:lnRef>
-          <a:fillRef idx="1">
-            <a:schemeClr val="accent1"/>
-          </a:fillRef>
-          <a:effectRef idx="0">
-            <a:schemeClr val="accent1"/>
-          </a:effectRef>
-          <a:fontRef idx="minor">
-            <a:schemeClr val="lt1"/>
-          </a:fontRef>
-        </p:style>
-        <p:txBody>
-          <a:bodyPr rtlCol="0" anchor="ctr"/>
-          <a:lstStyle/>
-          <a:p>
-            <a:pPr algn="ctr"/>
-            <a:r>
-              <a:rPr lang="en-US" sz="6000" dirty="0" smtClean="0">
-                <a:solidFill>
-                  <a:schemeClr val="tx1"/>
-                </a:solidFill>
-              </a:rPr>
-              <a:t>R</a:t>
-            </a:r>
-            <a:endParaRPr lang="en-US" sz="6000" dirty="0">
-              <a:solidFill>
-                <a:schemeClr val="tx1"/>
-              </a:solidFill>
-            </a:endParaRPr>
-          </a:p>
-        </p:txBody>
-      </p:sp>
-      <p:cxnSp>
-        <p:nvCxnSpPr>
-          <p:cNvPr id="9" name="Straight Arrow Connector 8"/>
-          <p:cNvCxnSpPr>
-            <a:stCxn id="5" idx="6"/>
-            <a:endCxn id="6" idx="2"/>
-          </p:cNvCxnSpPr>
-          <p:nvPr/>
-        </p:nvCxnSpPr>
-        <p:spPr>
-          <a:xfrm>
-            <a:off x="3394841" y="3599793"/>
-            <a:ext cx="1087822" cy="0"/>
-          </a:xfrm>
-          <a:prstGeom prst="straightConnector1">
-            <a:avLst/>
-          </a:prstGeom>
-          <a:ln w="38100">
-            <a:solidFill>
-              <a:schemeClr val="tx1"/>
-            </a:solidFill>
-            <a:tailEnd type="triangle"/>
-          </a:ln>
-        </p:spPr>
-        <p:style>
-          <a:lnRef idx="1">
-            <a:schemeClr val="accent1"/>
-          </a:lnRef>
-          <a:fillRef idx="0">
-            <a:schemeClr val="accent1"/>
-          </a:fillRef>
-          <a:effectRef idx="0">
-            <a:schemeClr val="accent1"/>
-          </a:effectRef>
-          <a:fontRef idx="minor">
-            <a:schemeClr val="tx1"/>
-          </a:fontRef>
-        </p:style>
-      </p:cxnSp>
-      <p:cxnSp>
-        <p:nvCxnSpPr>
-          <p:cNvPr id="10" name="Straight Arrow Connector 9"/>
-          <p:cNvCxnSpPr>
-            <a:stCxn id="6" idx="6"/>
-            <a:endCxn id="7" idx="2"/>
-          </p:cNvCxnSpPr>
-          <p:nvPr/>
-        </p:nvCxnSpPr>
-        <p:spPr>
-          <a:xfrm>
-            <a:off x="5754414" y="3599793"/>
-            <a:ext cx="1087822" cy="0"/>
-          </a:xfrm>
-          <a:prstGeom prst="straightConnector1">
-            <a:avLst/>
-          </a:prstGeom>
-          <a:ln w="38100">
-            <a:solidFill>
-              <a:schemeClr val="tx1"/>
-            </a:solidFill>
-            <a:tailEnd type="triangle"/>
-          </a:ln>
-        </p:spPr>
-        <p:style>
-          <a:lnRef idx="1">
-            <a:schemeClr val="accent1"/>
-          </a:lnRef>
-          <a:fillRef idx="0">
-            <a:schemeClr val="accent1"/>
-          </a:fillRef>
-          <a:effectRef idx="0">
-            <a:schemeClr val="accent1"/>
-          </a:effectRef>
-          <a:fontRef idx="minor">
-            <a:schemeClr val="tx1"/>
-          </a:fontRef>
-        </p:style>
-      </p:cxnSp>
-    </p:spTree>
-    <p:extLst>
-      <p:ext uri="{BB962C8B-B14F-4D97-AF65-F5344CB8AC3E}">
-        <p14:creationId xmlns:p14="http://schemas.microsoft.com/office/powerpoint/2010/main" val="1106984897"/>
       </p:ext>
     </p:extLst>
   </p:cSld>

--- a/figures/figures.pptx
+++ b/figures/figures.pptx
@@ -2919,8 +2919,8 @@
     <dgm:cxn modelId="{69B993C8-5B5B-004A-A7B6-43B70044203E}" type="presOf" srcId="{533BC168-BC76-C14E-8694-1DC3B6CF54C5}" destId="{A8C226CF-C78B-EB4E-86A6-1B0387CFF648}" srcOrd="1" destOrd="0" presId="urn:microsoft.com/office/officeart/2005/8/layout/process1"/>
     <dgm:cxn modelId="{DE807855-9CDD-324C-81D4-3B87064B6B29}" srcId="{DE49E2BA-261B-EC46-BAF7-6B78BDB6F06F}" destId="{5251FC95-52A4-DA43-90C4-BEF4D9B3E10E}" srcOrd="3" destOrd="0" parTransId="{B584EBF7-2A7D-E045-BCC4-FE73521BF4F3}" sibTransId="{3C854AC4-90AA-854D-BFF7-6114E9ACB01C}"/>
     <dgm:cxn modelId="{F550F3EB-D554-514D-9172-65DAE540D191}" srcId="{DE49E2BA-261B-EC46-BAF7-6B78BDB6F06F}" destId="{D8DAD879-37C7-774C-B149-B7250DD6D502}" srcOrd="2" destOrd="0" parTransId="{3057D897-29F9-DD49-B58A-81904BB7F42F}" sibTransId="{FA861C74-A4AA-6341-A5A4-19F33298102E}"/>
+    <dgm:cxn modelId="{7655A7DE-AEF1-CB45-8E72-38EE0E407EEC}" type="presOf" srcId="{801AFE1A-416D-E74C-BBFD-557415AE0194}" destId="{C5062774-D3A7-8B40-8FDE-995EBC7DED98}" srcOrd="0" destOrd="0" presId="urn:microsoft.com/office/officeart/2005/8/layout/process1"/>
     <dgm:cxn modelId="{B100615C-4220-A446-A9F1-54FE4617F2CA}" type="presOf" srcId="{5EDB0D77-09F0-0C4F-B332-E852A176F79A}" destId="{E324EA71-C9AB-2943-812E-646AB1B31125}" srcOrd="0" destOrd="0" presId="urn:microsoft.com/office/officeart/2005/8/layout/process1"/>
-    <dgm:cxn modelId="{7655A7DE-AEF1-CB45-8E72-38EE0E407EEC}" type="presOf" srcId="{801AFE1A-416D-E74C-BBFD-557415AE0194}" destId="{C5062774-D3A7-8B40-8FDE-995EBC7DED98}" srcOrd="0" destOrd="0" presId="urn:microsoft.com/office/officeart/2005/8/layout/process1"/>
     <dgm:cxn modelId="{2F6EDDF8-1A52-CA4F-AC56-E7B813883AFC}" srcId="{DE49E2BA-261B-EC46-BAF7-6B78BDB6F06F}" destId="{5EDB0D77-09F0-0C4F-B332-E852A176F79A}" srcOrd="0" destOrd="0" parTransId="{6905B776-7DF3-2743-A7A0-DC627995A528}" sibTransId="{486F902B-586B-8044-9F9C-0B0AEA8029F9}"/>
     <dgm:cxn modelId="{B257B745-A9CD-6147-A01C-9AFE37BAEB28}" type="presOf" srcId="{FA861C74-A4AA-6341-A5A4-19F33298102E}" destId="{80A3280C-1FE1-F741-8E7B-2B8CCCBB28E5}" srcOrd="1" destOrd="0" presId="urn:microsoft.com/office/officeart/2005/8/layout/process1"/>
     <dgm:cxn modelId="{7F1C225A-91D9-C84E-ABEC-B09A4605E406}" type="presOf" srcId="{486F902B-586B-8044-9F9C-0B0AEA8029F9}" destId="{93205773-7419-ED4D-91F8-2A24298BF005}" srcOrd="1" destOrd="0" presId="urn:microsoft.com/office/officeart/2005/8/layout/process1"/>
@@ -17008,7 +17008,7 @@
         </p:nvSpPr>
         <p:spPr>
           <a:xfrm>
-            <a:off x="4540629" y="5193962"/>
+            <a:off x="4540629" y="4662324"/>
             <a:ext cx="1271751" cy="1271751"/>
           </a:xfrm>
           <a:prstGeom prst="ellipse">
@@ -17066,7 +17066,7 @@
         </p:nvSpPr>
         <p:spPr>
           <a:xfrm>
-            <a:off x="6983658" y="5193961"/>
+            <a:off x="6983658" y="4662323"/>
             <a:ext cx="1271751" cy="1271751"/>
           </a:xfrm>
           <a:prstGeom prst="ellipse">
@@ -17127,7 +17127,7 @@
         </p:nvCxnSpPr>
         <p:spPr>
           <a:xfrm flipV="1">
-            <a:off x="5812380" y="5829837"/>
+            <a:off x="5812380" y="5298199"/>
             <a:ext cx="1171278" cy="1"/>
           </a:xfrm>
           <a:prstGeom prst="straightConnector1">
@@ -17167,7 +17167,7 @@
         <p:spPr>
           <a:xfrm>
             <a:off x="4726873" y="3946163"/>
-            <a:ext cx="0" cy="1434043"/>
+            <a:ext cx="0" cy="902405"/>
           </a:xfrm>
           <a:prstGeom prst="straightConnector1">
             <a:avLst/>
@@ -17206,7 +17206,7 @@
         <p:spPr>
           <a:xfrm>
             <a:off x="7169902" y="3946162"/>
-            <a:ext cx="0" cy="1434043"/>
+            <a:ext cx="0" cy="902405"/>
           </a:xfrm>
           <a:prstGeom prst="straightConnector1">
             <a:avLst/>
@@ -17245,7 +17245,7 @@
         <p:spPr>
           <a:xfrm flipV="1">
             <a:off x="5626136" y="3946163"/>
-            <a:ext cx="0" cy="1434043"/>
+            <a:ext cx="0" cy="902405"/>
           </a:xfrm>
           <a:prstGeom prst="straightConnector1">
             <a:avLst/>
@@ -17284,7 +17284,7 @@
         <p:spPr>
           <a:xfrm flipV="1">
             <a:off x="8069165" y="3946162"/>
-            <a:ext cx="0" cy="1434043"/>
+            <a:ext cx="0" cy="902405"/>
           </a:xfrm>
           <a:prstGeom prst="straightConnector1">
             <a:avLst/>
@@ -17335,6 +17335,7 @@
               </a:bodyPr>
               <a:lstStyle/>
               <a:p>
+                <a:pPr/>
                 <a14:m>
                   <m:oMathPara xmlns:m="http://schemas.openxmlformats.org/officeDocument/2006/math">
                     <m:oMathParaPr>
@@ -17702,7 +17703,7 @@
             </p:nvSpPr>
             <p:spPr>
               <a:xfrm>
-                <a:off x="4082371" y="4451485"/>
+                <a:off x="4082371" y="4217563"/>
                 <a:ext cx="612222" cy="307777"/>
               </a:xfrm>
               <a:prstGeom prst="rect">
@@ -17716,6 +17717,7 @@
               </a:bodyPr>
               <a:lstStyle/>
               <a:p>
+                <a:pPr/>
                 <a14:m>
                   <m:oMathPara xmlns:m="http://schemas.openxmlformats.org/officeDocument/2006/math">
                     <m:oMathParaPr>
@@ -17778,7 +17780,7 @@
             </p:nvSpPr>
             <p:spPr>
               <a:xfrm>
-                <a:off x="4082371" y="4451485"/>
+                <a:off x="4082371" y="4217563"/>
                 <a:ext cx="612222" cy="307777"/>
               </a:xfrm>
               <a:prstGeom prst="rect">
@@ -17787,7 +17789,7 @@
               <a:blipFill rotWithShape="0">
                 <a:blip r:embed="rId3"/>
                 <a:stretch>
-                  <a:fillRect l="-11000" r="-4000" b="-15686"/>
+                  <a:fillRect l="-11000" r="-4000" b="-16000"/>
                 </a:stretch>
               </a:blipFill>
             </p:spPr>
@@ -17816,7 +17818,7 @@
             </p:nvSpPr>
             <p:spPr>
               <a:xfrm>
-                <a:off x="6522869" y="4451485"/>
+                <a:off x="6522869" y="4217563"/>
                 <a:ext cx="612222" cy="307777"/>
               </a:xfrm>
               <a:prstGeom prst="rect">
@@ -17830,6 +17832,7 @@
               </a:bodyPr>
               <a:lstStyle/>
               <a:p>
+                <a:pPr/>
                 <a14:m>
                   <m:oMathPara xmlns:m="http://schemas.openxmlformats.org/officeDocument/2006/math">
                     <m:oMathParaPr>
@@ -17892,7 +17895,7 @@
             </p:nvSpPr>
             <p:spPr>
               <a:xfrm>
-                <a:off x="6522869" y="4451485"/>
+                <a:off x="6522869" y="4217563"/>
                 <a:ext cx="612222" cy="307777"/>
               </a:xfrm>
               <a:prstGeom prst="rect">
@@ -17901,7 +17904,7 @@
               <a:blipFill rotWithShape="0">
                 <a:blip r:embed="rId4"/>
                 <a:stretch>
-                  <a:fillRect l="-10000" r="-5000" b="-15686"/>
+                  <a:fillRect l="-10000" r="-5000" b="-16000"/>
                 </a:stretch>
               </a:blipFill>
             </p:spPr>
@@ -17930,7 +17933,7 @@
             </p:nvSpPr>
             <p:spPr>
               <a:xfrm>
-                <a:off x="5660948" y="4451485"/>
+                <a:off x="5660948" y="4217563"/>
                 <a:ext cx="612222" cy="307777"/>
               </a:xfrm>
               <a:prstGeom prst="rect">
@@ -17944,6 +17947,7 @@
               </a:bodyPr>
               <a:lstStyle/>
               <a:p>
+                <a:pPr/>
                 <a14:m>
                   <m:oMathPara xmlns:m="http://schemas.openxmlformats.org/officeDocument/2006/math">
                     <m:oMathParaPr>
@@ -18006,7 +18010,7 @@
             </p:nvSpPr>
             <p:spPr>
               <a:xfrm>
-                <a:off x="5660948" y="4451485"/>
+                <a:off x="5660948" y="4217563"/>
                 <a:ext cx="612222" cy="307777"/>
               </a:xfrm>
               <a:prstGeom prst="rect">
@@ -18015,7 +18019,7 @@
               <a:blipFill rotWithShape="0">
                 <a:blip r:embed="rId5"/>
                 <a:stretch>
-                  <a:fillRect l="-12000" r="-5000" b="-15686"/>
+                  <a:fillRect l="-12000" r="-5000" b="-16000"/>
                 </a:stretch>
               </a:blipFill>
             </p:spPr>
@@ -18044,7 +18048,7 @@
             </p:nvSpPr>
             <p:spPr>
               <a:xfrm>
-                <a:off x="8097880" y="4451484"/>
+                <a:off x="8097880" y="4217562"/>
                 <a:ext cx="612222" cy="307777"/>
               </a:xfrm>
               <a:prstGeom prst="rect">
@@ -18058,6 +18062,7 @@
               </a:bodyPr>
               <a:lstStyle/>
               <a:p>
+                <a:pPr/>
                 <a14:m>
                   <m:oMathPara xmlns:m="http://schemas.openxmlformats.org/officeDocument/2006/math">
                     <m:oMathParaPr>
@@ -18120,7 +18125,7 @@
             </p:nvSpPr>
             <p:spPr>
               <a:xfrm>
-                <a:off x="8097880" y="4451484"/>
+                <a:off x="8097880" y="4217562"/>
                 <a:ext cx="612222" cy="307777"/>
               </a:xfrm>
               <a:prstGeom prst="rect">
@@ -18129,7 +18134,7 @@
               <a:blipFill rotWithShape="0">
                 <a:blip r:embed="rId6"/>
                 <a:stretch>
-                  <a:fillRect l="-10891" r="-4950" b="-15686"/>
+                  <a:fillRect l="-10891" r="-4950" b="-16000"/>
                 </a:stretch>
               </a:blipFill>
             </p:spPr>
@@ -18172,6 +18177,7 @@
               </a:bodyPr>
               <a:lstStyle/>
               <a:p>
+                <a:pPr/>
                 <a14:m>
                   <m:oMathPara xmlns:m="http://schemas.openxmlformats.org/officeDocument/2006/math">
                     <m:oMathParaPr>
@@ -18272,7 +18278,7 @@
             </p:nvSpPr>
             <p:spPr>
               <a:xfrm>
-                <a:off x="6102113" y="5829836"/>
+                <a:off x="6102113" y="5298198"/>
                 <a:ext cx="612222" cy="307777"/>
               </a:xfrm>
               <a:prstGeom prst="rect">
@@ -18286,6 +18292,7 @@
               </a:bodyPr>
               <a:lstStyle/>
               <a:p>
+                <a:pPr/>
                 <a14:m>
                   <m:oMathPara xmlns:m="http://schemas.openxmlformats.org/officeDocument/2006/math">
                     <m:oMathParaPr>
@@ -18348,7 +18355,7 @@
             </p:nvSpPr>
             <p:spPr>
               <a:xfrm>
-                <a:off x="6102113" y="5829836"/>
+                <a:off x="6102113" y="5298198"/>
                 <a:ext cx="612222" cy="307777"/>
               </a:xfrm>
               <a:prstGeom prst="rect">

--- a/figures/figures.pptx
+++ b/figures/figures.pptx
@@ -7327,7 +7327,7 @@
           <a:p>
             <a:fld id="{435F5122-36F6-8A43-9FB8-2C7E079D8491}" type="datetimeFigureOut">
               <a:rPr lang="en-US" smtClean="0"/>
-              <a:t>12/5/17</a:t>
+              <a:t>12/8/17</a:t>
             </a:fld>
             <a:endParaRPr lang="en-US"/>
           </a:p>
@@ -7810,7 +7810,7 @@
           <a:p>
             <a:fld id="{0B81B261-3E97-594D-92FE-9F195E76D39F}" type="datetimeFigureOut">
               <a:rPr lang="en-US" smtClean="0"/>
-              <a:t>12/5/17</a:t>
+              <a:t>12/8/17</a:t>
             </a:fld>
             <a:endParaRPr lang="en-US"/>
           </a:p>
@@ -7980,7 +7980,7 @@
           <a:p>
             <a:fld id="{0B81B261-3E97-594D-92FE-9F195E76D39F}" type="datetimeFigureOut">
               <a:rPr lang="en-US" smtClean="0"/>
-              <a:t>12/5/17</a:t>
+              <a:t>12/8/17</a:t>
             </a:fld>
             <a:endParaRPr lang="en-US"/>
           </a:p>
@@ -8160,7 +8160,7 @@
           <a:p>
             <a:fld id="{0B81B261-3E97-594D-92FE-9F195E76D39F}" type="datetimeFigureOut">
               <a:rPr lang="en-US" smtClean="0"/>
-              <a:t>12/5/17</a:t>
+              <a:t>12/8/17</a:t>
             </a:fld>
             <a:endParaRPr lang="en-US"/>
           </a:p>
@@ -8330,7 +8330,7 @@
           <a:p>
             <a:fld id="{0B81B261-3E97-594D-92FE-9F195E76D39F}" type="datetimeFigureOut">
               <a:rPr lang="en-US" smtClean="0"/>
-              <a:t>12/5/17</a:t>
+              <a:t>12/8/17</a:t>
             </a:fld>
             <a:endParaRPr lang="en-US"/>
           </a:p>
@@ -8576,7 +8576,7 @@
           <a:p>
             <a:fld id="{0B81B261-3E97-594D-92FE-9F195E76D39F}" type="datetimeFigureOut">
               <a:rPr lang="en-US" smtClean="0"/>
-              <a:t>12/5/17</a:t>
+              <a:t>12/8/17</a:t>
             </a:fld>
             <a:endParaRPr lang="en-US"/>
           </a:p>
@@ -8808,7 +8808,7 @@
           <a:p>
             <a:fld id="{0B81B261-3E97-594D-92FE-9F195E76D39F}" type="datetimeFigureOut">
               <a:rPr lang="en-US" smtClean="0"/>
-              <a:t>12/5/17</a:t>
+              <a:t>12/8/17</a:t>
             </a:fld>
             <a:endParaRPr lang="en-US"/>
           </a:p>
@@ -9175,7 +9175,7 @@
           <a:p>
             <a:fld id="{0B81B261-3E97-594D-92FE-9F195E76D39F}" type="datetimeFigureOut">
               <a:rPr lang="en-US" smtClean="0"/>
-              <a:t>12/5/17</a:t>
+              <a:t>12/8/17</a:t>
             </a:fld>
             <a:endParaRPr lang="en-US"/>
           </a:p>
@@ -9293,7 +9293,7 @@
           <a:p>
             <a:fld id="{0B81B261-3E97-594D-92FE-9F195E76D39F}" type="datetimeFigureOut">
               <a:rPr lang="en-US" smtClean="0"/>
-              <a:t>12/5/17</a:t>
+              <a:t>12/8/17</a:t>
             </a:fld>
             <a:endParaRPr lang="en-US"/>
           </a:p>
@@ -9388,7 +9388,7 @@
           <a:p>
             <a:fld id="{0B81B261-3E97-594D-92FE-9F195E76D39F}" type="datetimeFigureOut">
               <a:rPr lang="en-US" smtClean="0"/>
-              <a:t>12/5/17</a:t>
+              <a:t>12/8/17</a:t>
             </a:fld>
             <a:endParaRPr lang="en-US"/>
           </a:p>
@@ -9665,7 +9665,7 @@
           <a:p>
             <a:fld id="{0B81B261-3E97-594D-92FE-9F195E76D39F}" type="datetimeFigureOut">
               <a:rPr lang="en-US" smtClean="0"/>
-              <a:t>12/5/17</a:t>
+              <a:t>12/8/17</a:t>
             </a:fld>
             <a:endParaRPr lang="en-US"/>
           </a:p>
@@ -9918,7 +9918,7 @@
           <a:p>
             <a:fld id="{0B81B261-3E97-594D-92FE-9F195E76D39F}" type="datetimeFigureOut">
               <a:rPr lang="en-US" smtClean="0"/>
-              <a:t>12/5/17</a:t>
+              <a:t>12/8/17</a:t>
             </a:fld>
             <a:endParaRPr lang="en-US"/>
           </a:p>
@@ -10131,7 +10131,7 @@
           <a:p>
             <a:fld id="{0B81B261-3E97-594D-92FE-9F195E76D39F}" type="datetimeFigureOut">
               <a:rPr lang="en-US" smtClean="0"/>
-              <a:t>12/5/17</a:t>
+              <a:t>12/8/17</a:t>
             </a:fld>
             <a:endParaRPr lang="en-US"/>
           </a:p>
@@ -11165,10 +11165,11 @@
             <a:prstGeom prst="straightConnector1">
               <a:avLst/>
             </a:prstGeom>
-            <a:ln w="38100">
+            <a:ln w="19050">
               <a:solidFill>
                 <a:schemeClr val="tx1"/>
               </a:solidFill>
+              <a:prstDash val="sysDot"/>
               <a:tailEnd type="none"/>
             </a:ln>
           </p:spPr>
@@ -11204,10 +11205,11 @@
             <a:prstGeom prst="straightConnector1">
               <a:avLst/>
             </a:prstGeom>
-            <a:ln w="38100">
+            <a:ln w="19050">
               <a:solidFill>
                 <a:schemeClr val="tx1"/>
               </a:solidFill>
+              <a:prstDash val="sysDot"/>
               <a:tailEnd type="none"/>
             </a:ln>
           </p:spPr>
@@ -11243,10 +11245,11 @@
             <a:prstGeom prst="straightConnector1">
               <a:avLst/>
             </a:prstGeom>
-            <a:ln w="38100">
+            <a:ln w="19050">
               <a:solidFill>
                 <a:schemeClr val="tx1"/>
               </a:solidFill>
+              <a:prstDash val="sysDot"/>
               <a:tailEnd type="none"/>
             </a:ln>
           </p:spPr>
@@ -11282,10 +11285,11 @@
             <a:prstGeom prst="straightConnector1">
               <a:avLst/>
             </a:prstGeom>
-            <a:ln w="38100">
+            <a:ln w="19050">
               <a:solidFill>
                 <a:schemeClr val="tx1"/>
               </a:solidFill>
+              <a:prstDash val="sysDot"/>
               <a:tailEnd type="none"/>
             </a:ln>
           </p:spPr>
@@ -11321,10 +11325,11 @@
             <a:prstGeom prst="straightConnector1">
               <a:avLst/>
             </a:prstGeom>
-            <a:ln w="38100">
+            <a:ln w="19050">
               <a:solidFill>
                 <a:schemeClr val="tx1"/>
               </a:solidFill>
+              <a:prstDash val="sysDot"/>
               <a:tailEnd type="none"/>
             </a:ln>
           </p:spPr>
@@ -11360,10 +11365,11 @@
             <a:prstGeom prst="straightConnector1">
               <a:avLst/>
             </a:prstGeom>
-            <a:ln w="38100">
+            <a:ln w="19050">
               <a:solidFill>
                 <a:schemeClr val="tx1"/>
               </a:solidFill>
+              <a:prstDash val="sysDot"/>
               <a:tailEnd type="none"/>
             </a:ln>
           </p:spPr>
@@ -11399,10 +11405,11 @@
             <a:prstGeom prst="straightConnector1">
               <a:avLst/>
             </a:prstGeom>
-            <a:ln w="38100">
+            <a:ln w="19050">
               <a:solidFill>
                 <a:schemeClr val="tx1"/>
               </a:solidFill>
+              <a:prstDash val="sysDot"/>
               <a:tailEnd type="none"/>
             </a:ln>
           </p:spPr>
@@ -11438,10 +11445,11 @@
             <a:prstGeom prst="straightConnector1">
               <a:avLst/>
             </a:prstGeom>
-            <a:ln w="38100">
+            <a:ln w="19050">
               <a:solidFill>
                 <a:schemeClr val="tx1"/>
               </a:solidFill>
+              <a:prstDash val="sysDot"/>
               <a:tailEnd type="none"/>
             </a:ln>
           </p:spPr>
@@ -11477,10 +11485,11 @@
             <a:prstGeom prst="straightConnector1">
               <a:avLst/>
             </a:prstGeom>
-            <a:ln w="38100">
+            <a:ln w="19050">
               <a:solidFill>
                 <a:schemeClr val="tx1"/>
               </a:solidFill>
+              <a:prstDash val="sysDot"/>
               <a:tailEnd type="none"/>
             </a:ln>
           </p:spPr>
@@ -11516,10 +11525,11 @@
             <a:prstGeom prst="straightConnector1">
               <a:avLst/>
             </a:prstGeom>
-            <a:ln w="38100">
+            <a:ln w="19050">
               <a:solidFill>
                 <a:schemeClr val="tx1"/>
               </a:solidFill>
+              <a:prstDash val="sysDot"/>
               <a:tailEnd type="none"/>
             </a:ln>
           </p:spPr>
@@ -11555,10 +11565,11 @@
             <a:prstGeom prst="straightConnector1">
               <a:avLst/>
             </a:prstGeom>
-            <a:ln w="38100">
+            <a:ln w="19050">
               <a:solidFill>
                 <a:schemeClr val="tx1"/>
               </a:solidFill>
+              <a:prstDash val="sysDot"/>
               <a:tailEnd type="none"/>
             </a:ln>
           </p:spPr>
@@ -11594,10 +11605,11 @@
             <a:prstGeom prst="straightConnector1">
               <a:avLst/>
             </a:prstGeom>
-            <a:ln w="38100">
+            <a:ln w="19050">
               <a:solidFill>
                 <a:schemeClr val="tx1"/>
               </a:solidFill>
+              <a:prstDash val="sysDot"/>
               <a:tailEnd type="none"/>
             </a:ln>
           </p:spPr>
@@ -11633,10 +11645,11 @@
             <a:prstGeom prst="straightConnector1">
               <a:avLst/>
             </a:prstGeom>
-            <a:ln w="38100">
+            <a:ln w="19050">
               <a:solidFill>
                 <a:schemeClr val="tx1"/>
               </a:solidFill>
+              <a:prstDash val="sysDot"/>
               <a:tailEnd type="none"/>
             </a:ln>
           </p:spPr>
@@ -11672,10 +11685,11 @@
             <a:prstGeom prst="straightConnector1">
               <a:avLst/>
             </a:prstGeom>
-            <a:ln w="38100">
+            <a:ln w="19050">
               <a:solidFill>
                 <a:schemeClr val="tx1"/>
               </a:solidFill>
+              <a:prstDash val="sysDot"/>
               <a:tailEnd type="none"/>
             </a:ln>
           </p:spPr>
@@ -12415,10 +12429,11 @@
             <a:prstGeom prst="straightConnector1">
               <a:avLst/>
             </a:prstGeom>
-            <a:ln w="38100">
+            <a:ln w="19050">
               <a:solidFill>
                 <a:schemeClr val="tx1"/>
               </a:solidFill>
+              <a:prstDash val="sysDot"/>
               <a:tailEnd type="none"/>
             </a:ln>
           </p:spPr>
@@ -12454,10 +12469,11 @@
             <a:prstGeom prst="straightConnector1">
               <a:avLst/>
             </a:prstGeom>
-            <a:ln w="38100">
+            <a:ln w="19050">
               <a:solidFill>
                 <a:schemeClr val="tx1"/>
               </a:solidFill>
+              <a:prstDash val="sysDot"/>
               <a:tailEnd type="none"/>
             </a:ln>
           </p:spPr>
@@ -12493,10 +12509,11 @@
             <a:prstGeom prst="straightConnector1">
               <a:avLst/>
             </a:prstGeom>
-            <a:ln w="38100">
+            <a:ln w="19050">
               <a:solidFill>
                 <a:schemeClr val="tx1"/>
               </a:solidFill>
+              <a:prstDash val="sysDot"/>
               <a:tailEnd type="none"/>
             </a:ln>
           </p:spPr>
@@ -12532,10 +12549,11 @@
             <a:prstGeom prst="straightConnector1">
               <a:avLst/>
             </a:prstGeom>
-            <a:ln w="38100">
+            <a:ln w="19050">
               <a:solidFill>
                 <a:schemeClr val="tx1"/>
               </a:solidFill>
+              <a:prstDash val="sysDot"/>
               <a:tailEnd type="none"/>
             </a:ln>
           </p:spPr>
@@ -12571,10 +12589,11 @@
             <a:prstGeom prst="straightConnector1">
               <a:avLst/>
             </a:prstGeom>
-            <a:ln w="38100">
+            <a:ln w="19050">
               <a:solidFill>
                 <a:schemeClr val="tx1"/>
               </a:solidFill>
+              <a:prstDash val="sysDot"/>
               <a:tailEnd type="none"/>
             </a:ln>
           </p:spPr>
@@ -12610,10 +12629,11 @@
             <a:prstGeom prst="straightConnector1">
               <a:avLst/>
             </a:prstGeom>
-            <a:ln w="38100">
+            <a:ln w="19050">
               <a:solidFill>
                 <a:schemeClr val="tx1"/>
               </a:solidFill>
+              <a:prstDash val="sysDot"/>
               <a:tailEnd type="none"/>
             </a:ln>
           </p:spPr>
@@ -12649,10 +12669,11 @@
             <a:prstGeom prst="straightConnector1">
               <a:avLst/>
             </a:prstGeom>
-            <a:ln w="38100">
+            <a:ln w="19050">
               <a:solidFill>
                 <a:schemeClr val="tx1"/>
               </a:solidFill>
+              <a:prstDash val="sysDot"/>
               <a:tailEnd type="none"/>
             </a:ln>
           </p:spPr>
@@ -12688,10 +12709,11 @@
             <a:prstGeom prst="straightConnector1">
               <a:avLst/>
             </a:prstGeom>
-            <a:ln w="38100">
+            <a:ln w="19050">
               <a:solidFill>
                 <a:schemeClr val="tx1"/>
               </a:solidFill>
+              <a:prstDash val="sysDot"/>
               <a:tailEnd type="none"/>
             </a:ln>
           </p:spPr>
@@ -12727,10 +12749,11 @@
             <a:prstGeom prst="straightConnector1">
               <a:avLst/>
             </a:prstGeom>
-            <a:ln w="38100">
+            <a:ln w="19050">
               <a:solidFill>
                 <a:schemeClr val="tx1"/>
               </a:solidFill>
+              <a:prstDash val="sysDot"/>
               <a:tailEnd type="none"/>
             </a:ln>
           </p:spPr>
@@ -12766,10 +12789,11 @@
             <a:prstGeom prst="straightConnector1">
               <a:avLst/>
             </a:prstGeom>
-            <a:ln w="38100">
+            <a:ln w="19050">
               <a:solidFill>
                 <a:schemeClr val="tx1"/>
               </a:solidFill>
+              <a:prstDash val="sysDot"/>
               <a:tailEnd type="none"/>
             </a:ln>
           </p:spPr>
@@ -12805,10 +12829,11 @@
             <a:prstGeom prst="straightConnector1">
               <a:avLst/>
             </a:prstGeom>
-            <a:ln w="38100">
+            <a:ln w="19050">
               <a:solidFill>
                 <a:schemeClr val="tx1"/>
               </a:solidFill>
+              <a:prstDash val="sysDot"/>
               <a:tailEnd type="none"/>
             </a:ln>
           </p:spPr>
@@ -12844,10 +12869,11 @@
             <a:prstGeom prst="straightConnector1">
               <a:avLst/>
             </a:prstGeom>
-            <a:ln w="38100">
+            <a:ln w="19050">
               <a:solidFill>
                 <a:schemeClr val="tx1"/>
               </a:solidFill>
+              <a:prstDash val="sysDot"/>
               <a:tailEnd type="none"/>
             </a:ln>
           </p:spPr>
@@ -12883,10 +12909,11 @@
             <a:prstGeom prst="straightConnector1">
               <a:avLst/>
             </a:prstGeom>
-            <a:ln w="38100">
+            <a:ln w="19050">
               <a:solidFill>
                 <a:schemeClr val="tx1"/>
               </a:solidFill>
+              <a:prstDash val="sysDot"/>
               <a:tailEnd type="none"/>
             </a:ln>
           </p:spPr>
@@ -12922,10 +12949,11 @@
             <a:prstGeom prst="straightConnector1">
               <a:avLst/>
             </a:prstGeom>
-            <a:ln w="38100">
+            <a:ln w="19050">
               <a:solidFill>
                 <a:schemeClr val="tx1"/>
               </a:solidFill>
+              <a:prstDash val="sysDot"/>
               <a:tailEnd type="none"/>
             </a:ln>
           </p:spPr>
@@ -13662,10 +13690,11 @@
             <a:prstGeom prst="straightConnector1">
               <a:avLst/>
             </a:prstGeom>
-            <a:ln w="38100">
+            <a:ln w="19050">
               <a:solidFill>
                 <a:schemeClr val="tx1"/>
               </a:solidFill>
+              <a:prstDash val="sysDot"/>
               <a:tailEnd type="none"/>
             </a:ln>
           </p:spPr>
@@ -13698,10 +13727,11 @@
             <a:prstGeom prst="straightConnector1">
               <a:avLst/>
             </a:prstGeom>
-            <a:ln w="38100">
+            <a:ln w="19050">
               <a:solidFill>
                 <a:schemeClr val="tx1"/>
               </a:solidFill>
+              <a:prstDash val="sysDot"/>
               <a:tailEnd type="none"/>
             </a:ln>
           </p:spPr>
@@ -13771,10 +13801,11 @@
             <a:prstGeom prst="straightConnector1">
               <a:avLst/>
             </a:prstGeom>
-            <a:ln w="38100">
+            <a:ln w="19050">
               <a:solidFill>
                 <a:schemeClr val="tx1"/>
               </a:solidFill>
+              <a:prstDash val="sysDot"/>
               <a:tailEnd type="none"/>
             </a:ln>
           </p:spPr>
@@ -13807,10 +13838,11 @@
             <a:prstGeom prst="straightConnector1">
               <a:avLst/>
             </a:prstGeom>
-            <a:ln w="38100">
+            <a:ln w="19050">
               <a:solidFill>
                 <a:schemeClr val="tx1"/>
               </a:solidFill>
+              <a:prstDash val="sysDot"/>
               <a:tailEnd type="none"/>
             </a:ln>
           </p:spPr>
@@ -13843,10 +13875,11 @@
             <a:prstGeom prst="straightConnector1">
               <a:avLst/>
             </a:prstGeom>
-            <a:ln w="38100">
+            <a:ln w="19050">
               <a:solidFill>
                 <a:schemeClr val="tx1"/>
               </a:solidFill>
+              <a:prstDash val="sysDot"/>
               <a:tailEnd type="none"/>
             </a:ln>
           </p:spPr>
@@ -13879,10 +13912,11 @@
             <a:prstGeom prst="straightConnector1">
               <a:avLst/>
             </a:prstGeom>
-            <a:ln w="38100">
+            <a:ln w="19050">
               <a:solidFill>
                 <a:schemeClr val="tx1"/>
               </a:solidFill>
+              <a:prstDash val="sysDot"/>
               <a:tailEnd type="none"/>
             </a:ln>
           </p:spPr>
@@ -13915,10 +13949,11 @@
             <a:prstGeom prst="straightConnector1">
               <a:avLst/>
             </a:prstGeom>
-            <a:ln w="38100">
+            <a:ln w="19050">
               <a:solidFill>
                 <a:schemeClr val="tx1"/>
               </a:solidFill>
+              <a:prstDash val="sysDot"/>
               <a:tailEnd type="none"/>
             </a:ln>
           </p:spPr>
@@ -13951,10 +13986,11 @@
             <a:prstGeom prst="straightConnector1">
               <a:avLst/>
             </a:prstGeom>
-            <a:ln w="38100">
+            <a:ln w="19050">
               <a:solidFill>
                 <a:schemeClr val="tx1"/>
               </a:solidFill>
+              <a:prstDash val="sysDot"/>
               <a:tailEnd type="none"/>
             </a:ln>
           </p:spPr>
@@ -13987,10 +14023,11 @@
             <a:prstGeom prst="straightConnector1">
               <a:avLst/>
             </a:prstGeom>
-            <a:ln w="38100">
+            <a:ln w="19050">
               <a:solidFill>
                 <a:schemeClr val="tx1"/>
               </a:solidFill>
+              <a:prstDash val="sysDot"/>
               <a:tailEnd type="none"/>
             </a:ln>
           </p:spPr>
@@ -14023,10 +14060,11 @@
             <a:prstGeom prst="straightConnector1">
               <a:avLst/>
             </a:prstGeom>
-            <a:ln w="38100">
+            <a:ln w="19050">
               <a:solidFill>
                 <a:schemeClr val="tx1"/>
               </a:solidFill>
+              <a:prstDash val="sysDot"/>
               <a:tailEnd type="none"/>
             </a:ln>
           </p:spPr>
@@ -15445,6 +15483,14 @@
                 </a:rPr>
                 <a:t>ACGTACGTACGTACGTACGTACGT...</a:t>
               </a:r>
+              <a:endParaRPr lang="en-US" sz="1050" b="1" dirty="0" smtClean="0">
+                <a:solidFill>
+                  <a:srgbClr val="002060"/>
+                </a:solidFill>
+                <a:latin typeface="Courier" charset="0"/>
+                <a:ea typeface="Courier" charset="0"/>
+                <a:cs typeface="Courier" charset="0"/>
+              </a:endParaRPr>
             </a:p>
             <a:p>
               <a:r>

--- a/figures/figures.pptx
+++ b/figures/figures.pptx
@@ -7327,7 +7327,7 @@
           <a:p>
             <a:fld id="{435F5122-36F6-8A43-9FB8-2C7E079D8491}" type="datetimeFigureOut">
               <a:rPr lang="en-US" smtClean="0"/>
-              <a:t>12/8/17</a:t>
+              <a:t>12/19/17</a:t>
             </a:fld>
             <a:endParaRPr lang="en-US"/>
           </a:p>
@@ -7810,7 +7810,7 @@
           <a:p>
             <a:fld id="{0B81B261-3E97-594D-92FE-9F195E76D39F}" type="datetimeFigureOut">
               <a:rPr lang="en-US" smtClean="0"/>
-              <a:t>12/8/17</a:t>
+              <a:t>12/19/17</a:t>
             </a:fld>
             <a:endParaRPr lang="en-US"/>
           </a:p>
@@ -7980,7 +7980,7 @@
           <a:p>
             <a:fld id="{0B81B261-3E97-594D-92FE-9F195E76D39F}" type="datetimeFigureOut">
               <a:rPr lang="en-US" smtClean="0"/>
-              <a:t>12/8/17</a:t>
+              <a:t>12/19/17</a:t>
             </a:fld>
             <a:endParaRPr lang="en-US"/>
           </a:p>
@@ -8160,7 +8160,7 @@
           <a:p>
             <a:fld id="{0B81B261-3E97-594D-92FE-9F195E76D39F}" type="datetimeFigureOut">
               <a:rPr lang="en-US" smtClean="0"/>
-              <a:t>12/8/17</a:t>
+              <a:t>12/19/17</a:t>
             </a:fld>
             <a:endParaRPr lang="en-US"/>
           </a:p>
@@ -8330,7 +8330,7 @@
           <a:p>
             <a:fld id="{0B81B261-3E97-594D-92FE-9F195E76D39F}" type="datetimeFigureOut">
               <a:rPr lang="en-US" smtClean="0"/>
-              <a:t>12/8/17</a:t>
+              <a:t>12/19/17</a:t>
             </a:fld>
             <a:endParaRPr lang="en-US"/>
           </a:p>
@@ -8576,7 +8576,7 @@
           <a:p>
             <a:fld id="{0B81B261-3E97-594D-92FE-9F195E76D39F}" type="datetimeFigureOut">
               <a:rPr lang="en-US" smtClean="0"/>
-              <a:t>12/8/17</a:t>
+              <a:t>12/19/17</a:t>
             </a:fld>
             <a:endParaRPr lang="en-US"/>
           </a:p>
@@ -8808,7 +8808,7 @@
           <a:p>
             <a:fld id="{0B81B261-3E97-594D-92FE-9F195E76D39F}" type="datetimeFigureOut">
               <a:rPr lang="en-US" smtClean="0"/>
-              <a:t>12/8/17</a:t>
+              <a:t>12/19/17</a:t>
             </a:fld>
             <a:endParaRPr lang="en-US"/>
           </a:p>
@@ -9175,7 +9175,7 @@
           <a:p>
             <a:fld id="{0B81B261-3E97-594D-92FE-9F195E76D39F}" type="datetimeFigureOut">
               <a:rPr lang="en-US" smtClean="0"/>
-              <a:t>12/8/17</a:t>
+              <a:t>12/19/17</a:t>
             </a:fld>
             <a:endParaRPr lang="en-US"/>
           </a:p>
@@ -9293,7 +9293,7 @@
           <a:p>
             <a:fld id="{0B81B261-3E97-594D-92FE-9F195E76D39F}" type="datetimeFigureOut">
               <a:rPr lang="en-US" smtClean="0"/>
-              <a:t>12/8/17</a:t>
+              <a:t>12/19/17</a:t>
             </a:fld>
             <a:endParaRPr lang="en-US"/>
           </a:p>
@@ -9388,7 +9388,7 @@
           <a:p>
             <a:fld id="{0B81B261-3E97-594D-92FE-9F195E76D39F}" type="datetimeFigureOut">
               <a:rPr lang="en-US" smtClean="0"/>
-              <a:t>12/8/17</a:t>
+              <a:t>12/19/17</a:t>
             </a:fld>
             <a:endParaRPr lang="en-US"/>
           </a:p>
@@ -9665,7 +9665,7 @@
           <a:p>
             <a:fld id="{0B81B261-3E97-594D-92FE-9F195E76D39F}" type="datetimeFigureOut">
               <a:rPr lang="en-US" smtClean="0"/>
-              <a:t>12/8/17</a:t>
+              <a:t>12/19/17</a:t>
             </a:fld>
             <a:endParaRPr lang="en-US"/>
           </a:p>
@@ -9918,7 +9918,7 @@
           <a:p>
             <a:fld id="{0B81B261-3E97-594D-92FE-9F195E76D39F}" type="datetimeFigureOut">
               <a:rPr lang="en-US" smtClean="0"/>
-              <a:t>12/8/17</a:t>
+              <a:t>12/19/17</a:t>
             </a:fld>
             <a:endParaRPr lang="en-US"/>
           </a:p>
@@ -10131,7 +10131,7 @@
           <a:p>
             <a:fld id="{0B81B261-3E97-594D-92FE-9F195E76D39F}" type="datetimeFigureOut">
               <a:rPr lang="en-US" smtClean="0"/>
-              <a:t>12/8/17</a:t>
+              <a:t>12/19/17</a:t>
             </a:fld>
             <a:endParaRPr lang="en-US"/>
           </a:p>
@@ -14234,414 +14234,6 @@
           </p:style>
         </p:cxnSp>
       </p:grpSp>
-      <p:grpSp>
-        <p:nvGrpSpPr>
-          <p:cNvPr id="375" name="Group 374"/>
-          <p:cNvGrpSpPr/>
-          <p:nvPr/>
-        </p:nvGrpSpPr>
-        <p:grpSpPr>
-          <a:xfrm>
-            <a:off x="8759118" y="1924200"/>
-            <a:ext cx="2092129" cy="2179324"/>
-            <a:chOff x="8759118" y="1746400"/>
-            <a:chExt cx="2092129" cy="2179324"/>
-          </a:xfrm>
-        </p:grpSpPr>
-        <p:cxnSp>
-          <p:nvCxnSpPr>
-            <p:cNvPr id="262" name="Straight Connector 261"/>
-            <p:cNvCxnSpPr/>
-            <p:nvPr/>
-          </p:nvCxnSpPr>
-          <p:spPr>
-            <a:xfrm>
-              <a:off x="9948246" y="1746400"/>
-              <a:ext cx="0" cy="443911"/>
-            </a:xfrm>
-            <a:prstGeom prst="line">
-              <a:avLst/>
-            </a:prstGeom>
-            <a:ln w="76200">
-              <a:solidFill>
-                <a:srgbClr val="FF0000"/>
-              </a:solidFill>
-            </a:ln>
-          </p:spPr>
-          <p:style>
-            <a:lnRef idx="1">
-              <a:schemeClr val="accent1"/>
-            </a:lnRef>
-            <a:fillRef idx="0">
-              <a:schemeClr val="accent1"/>
-            </a:fillRef>
-            <a:effectRef idx="0">
-              <a:schemeClr val="accent1"/>
-            </a:effectRef>
-            <a:fontRef idx="minor">
-              <a:schemeClr val="tx1"/>
-            </a:fontRef>
-          </p:style>
-        </p:cxnSp>
-        <p:cxnSp>
-          <p:nvCxnSpPr>
-            <p:cNvPr id="263" name="Straight Connector 262"/>
-            <p:cNvCxnSpPr/>
-            <p:nvPr/>
-          </p:nvCxnSpPr>
-          <p:spPr>
-            <a:xfrm flipH="1">
-              <a:off x="9559573" y="2190311"/>
-              <a:ext cx="388675" cy="579150"/>
-            </a:xfrm>
-            <a:prstGeom prst="line">
-              <a:avLst/>
-            </a:prstGeom>
-            <a:ln w="76200">
-              <a:solidFill>
-                <a:srgbClr val="FF0000"/>
-              </a:solidFill>
-            </a:ln>
-          </p:spPr>
-          <p:style>
-            <a:lnRef idx="1">
-              <a:schemeClr val="accent1"/>
-            </a:lnRef>
-            <a:fillRef idx="0">
-              <a:schemeClr val="accent1"/>
-            </a:fillRef>
-            <a:effectRef idx="0">
-              <a:schemeClr val="accent1"/>
-            </a:effectRef>
-            <a:fontRef idx="minor">
-              <a:schemeClr val="tx1"/>
-            </a:fontRef>
-          </p:style>
-        </p:cxnSp>
-        <p:cxnSp>
-          <p:nvCxnSpPr>
-            <p:cNvPr id="265" name="Straight Connector 264"/>
-            <p:cNvCxnSpPr/>
-            <p:nvPr/>
-          </p:nvCxnSpPr>
-          <p:spPr>
-            <a:xfrm>
-              <a:off x="9948246" y="2190311"/>
-              <a:ext cx="303736" cy="579150"/>
-            </a:xfrm>
-            <a:prstGeom prst="line">
-              <a:avLst/>
-            </a:prstGeom>
-            <a:ln w="76200">
-              <a:solidFill>
-                <a:srgbClr val="FF0000"/>
-              </a:solidFill>
-            </a:ln>
-          </p:spPr>
-          <p:style>
-            <a:lnRef idx="1">
-              <a:schemeClr val="accent1"/>
-            </a:lnRef>
-            <a:fillRef idx="0">
-              <a:schemeClr val="accent1"/>
-            </a:fillRef>
-            <a:effectRef idx="0">
-              <a:schemeClr val="accent1"/>
-            </a:effectRef>
-            <a:fontRef idx="minor">
-              <a:schemeClr val="tx1"/>
-            </a:fontRef>
-          </p:style>
-        </p:cxnSp>
-        <p:cxnSp>
-          <p:nvCxnSpPr>
-            <p:cNvPr id="268" name="Straight Connector 267"/>
-            <p:cNvCxnSpPr/>
-            <p:nvPr/>
-          </p:nvCxnSpPr>
-          <p:spPr>
-            <a:xfrm>
-              <a:off x="9793258" y="2422525"/>
-              <a:ext cx="93979" cy="354911"/>
-            </a:xfrm>
-            <a:prstGeom prst="line">
-              <a:avLst/>
-            </a:prstGeom>
-            <a:ln w="76200">
-              <a:solidFill>
-                <a:srgbClr val="FF0000"/>
-              </a:solidFill>
-            </a:ln>
-          </p:spPr>
-          <p:style>
-            <a:lnRef idx="1">
-              <a:schemeClr val="accent1"/>
-            </a:lnRef>
-            <a:fillRef idx="0">
-              <a:schemeClr val="accent1"/>
-            </a:fillRef>
-            <a:effectRef idx="0">
-              <a:schemeClr val="accent1"/>
-            </a:effectRef>
-            <a:fontRef idx="minor">
-              <a:schemeClr val="tx1"/>
-            </a:fontRef>
-          </p:style>
-        </p:cxnSp>
-        <p:cxnSp>
-          <p:nvCxnSpPr>
-            <p:cNvPr id="284" name="Straight Connector 283"/>
-            <p:cNvCxnSpPr/>
-            <p:nvPr/>
-          </p:nvCxnSpPr>
-          <p:spPr>
-            <a:xfrm flipH="1">
-              <a:off x="8759118" y="2769461"/>
-              <a:ext cx="800455" cy="1148288"/>
-            </a:xfrm>
-            <a:prstGeom prst="line">
-              <a:avLst/>
-            </a:prstGeom>
-            <a:ln w="76200">
-              <a:solidFill>
-                <a:srgbClr val="002060"/>
-              </a:solidFill>
-            </a:ln>
-          </p:spPr>
-          <p:style>
-            <a:lnRef idx="1">
-              <a:schemeClr val="accent1"/>
-            </a:lnRef>
-            <a:fillRef idx="0">
-              <a:schemeClr val="accent1"/>
-            </a:fillRef>
-            <a:effectRef idx="0">
-              <a:schemeClr val="accent1"/>
-            </a:effectRef>
-            <a:fontRef idx="minor">
-              <a:schemeClr val="tx1"/>
-            </a:fontRef>
-          </p:style>
-        </p:cxnSp>
-        <p:cxnSp>
-          <p:nvCxnSpPr>
-            <p:cNvPr id="285" name="Straight Connector 284"/>
-            <p:cNvCxnSpPr/>
-            <p:nvPr/>
-          </p:nvCxnSpPr>
-          <p:spPr>
-            <a:xfrm>
-              <a:off x="9887237" y="2777436"/>
-              <a:ext cx="266691" cy="1140313"/>
-            </a:xfrm>
-            <a:prstGeom prst="line">
-              <a:avLst/>
-            </a:prstGeom>
-            <a:ln w="76200">
-              <a:solidFill>
-                <a:srgbClr val="7030A0"/>
-              </a:solidFill>
-            </a:ln>
-          </p:spPr>
-          <p:style>
-            <a:lnRef idx="1">
-              <a:schemeClr val="accent1"/>
-            </a:lnRef>
-            <a:fillRef idx="0">
-              <a:schemeClr val="accent1"/>
-            </a:fillRef>
-            <a:effectRef idx="0">
-              <a:schemeClr val="accent1"/>
-            </a:effectRef>
-            <a:fontRef idx="minor">
-              <a:schemeClr val="tx1"/>
-            </a:fontRef>
-          </p:style>
-        </p:cxnSp>
-        <p:cxnSp>
-          <p:nvCxnSpPr>
-            <p:cNvPr id="287" name="Straight Connector 286"/>
-            <p:cNvCxnSpPr/>
-            <p:nvPr/>
-          </p:nvCxnSpPr>
-          <p:spPr>
-            <a:xfrm>
-              <a:off x="10247907" y="2769461"/>
-              <a:ext cx="603340" cy="1148288"/>
-            </a:xfrm>
-            <a:prstGeom prst="line">
-              <a:avLst/>
-            </a:prstGeom>
-            <a:ln w="76200">
-              <a:solidFill>
-                <a:schemeClr val="accent5">
-                  <a:lumMod val="60000"/>
-                  <a:lumOff val="40000"/>
-                </a:schemeClr>
-              </a:solidFill>
-            </a:ln>
-          </p:spPr>
-          <p:style>
-            <a:lnRef idx="1">
-              <a:schemeClr val="accent1"/>
-            </a:lnRef>
-            <a:fillRef idx="0">
-              <a:schemeClr val="accent1"/>
-            </a:fillRef>
-            <a:effectRef idx="0">
-              <a:schemeClr val="accent1"/>
-            </a:effectRef>
-            <a:fontRef idx="minor">
-              <a:schemeClr val="tx1"/>
-            </a:fontRef>
-          </p:style>
-        </p:cxnSp>
-        <p:cxnSp>
-          <p:nvCxnSpPr>
-            <p:cNvPr id="288" name="Straight Connector 287"/>
-            <p:cNvCxnSpPr/>
-            <p:nvPr/>
-          </p:nvCxnSpPr>
-          <p:spPr>
-            <a:xfrm>
-              <a:off x="9156721" y="3375455"/>
-              <a:ext cx="202490" cy="542294"/>
-            </a:xfrm>
-            <a:prstGeom prst="line">
-              <a:avLst/>
-            </a:prstGeom>
-            <a:ln w="76200">
-              <a:solidFill>
-                <a:schemeClr val="accent4"/>
-              </a:solidFill>
-            </a:ln>
-          </p:spPr>
-          <p:style>
-            <a:lnRef idx="1">
-              <a:schemeClr val="accent1"/>
-            </a:lnRef>
-            <a:fillRef idx="0">
-              <a:schemeClr val="accent1"/>
-            </a:fillRef>
-            <a:effectRef idx="0">
-              <a:schemeClr val="accent1"/>
-            </a:effectRef>
-            <a:fontRef idx="minor">
-              <a:schemeClr val="tx1"/>
-            </a:fontRef>
-          </p:style>
-        </p:cxnSp>
-        <p:cxnSp>
-          <p:nvCxnSpPr>
-            <p:cNvPr id="292" name="Straight Connector 291"/>
-            <p:cNvCxnSpPr/>
-            <p:nvPr/>
-          </p:nvCxnSpPr>
-          <p:spPr>
-            <a:xfrm flipH="1">
-              <a:off x="10330555" y="3251200"/>
-              <a:ext cx="151038" cy="660746"/>
-            </a:xfrm>
-            <a:prstGeom prst="line">
-              <a:avLst/>
-            </a:prstGeom>
-            <a:ln w="76200">
-              <a:solidFill>
-                <a:schemeClr val="accent2">
-                  <a:lumMod val="60000"/>
-                  <a:lumOff val="40000"/>
-                </a:schemeClr>
-              </a:solidFill>
-            </a:ln>
-          </p:spPr>
-          <p:style>
-            <a:lnRef idx="1">
-              <a:schemeClr val="accent1"/>
-            </a:lnRef>
-            <a:fillRef idx="0">
-              <a:schemeClr val="accent1"/>
-            </a:fillRef>
-            <a:effectRef idx="0">
-              <a:schemeClr val="accent1"/>
-            </a:effectRef>
-            <a:fontRef idx="minor">
-              <a:schemeClr val="tx1"/>
-            </a:fontRef>
-          </p:style>
-        </p:cxnSp>
-        <p:cxnSp>
-          <p:nvCxnSpPr>
-            <p:cNvPr id="300" name="Straight Connector 299"/>
-            <p:cNvCxnSpPr/>
-            <p:nvPr/>
-          </p:nvCxnSpPr>
-          <p:spPr>
-            <a:xfrm flipH="1">
-              <a:off x="9594307" y="3149808"/>
-              <a:ext cx="353940" cy="767941"/>
-            </a:xfrm>
-            <a:prstGeom prst="line">
-              <a:avLst/>
-            </a:prstGeom>
-            <a:ln w="76200">
-              <a:solidFill>
-                <a:schemeClr val="accent6">
-                  <a:lumMod val="75000"/>
-                </a:schemeClr>
-              </a:solidFill>
-            </a:ln>
-          </p:spPr>
-          <p:style>
-            <a:lnRef idx="1">
-              <a:schemeClr val="accent1"/>
-            </a:lnRef>
-            <a:fillRef idx="0">
-              <a:schemeClr val="accent1"/>
-            </a:fillRef>
-            <a:effectRef idx="0">
-              <a:schemeClr val="accent1"/>
-            </a:effectRef>
-            <a:fontRef idx="minor">
-              <a:schemeClr val="tx1"/>
-            </a:fontRef>
-          </p:style>
-        </p:cxnSp>
-        <p:cxnSp>
-          <p:nvCxnSpPr>
-            <p:cNvPr id="302" name="Straight Connector 301"/>
-            <p:cNvCxnSpPr/>
-            <p:nvPr/>
-          </p:nvCxnSpPr>
-          <p:spPr>
-            <a:xfrm>
-              <a:off x="9789183" y="3559175"/>
-              <a:ext cx="180702" cy="366549"/>
-            </a:xfrm>
-            <a:prstGeom prst="line">
-              <a:avLst/>
-            </a:prstGeom>
-            <a:ln w="76200">
-              <a:solidFill>
-                <a:schemeClr val="accent3"/>
-              </a:solidFill>
-            </a:ln>
-          </p:spPr>
-          <p:style>
-            <a:lnRef idx="1">
-              <a:schemeClr val="accent1"/>
-            </a:lnRef>
-            <a:fillRef idx="0">
-              <a:schemeClr val="accent1"/>
-            </a:fillRef>
-            <a:effectRef idx="0">
-              <a:schemeClr val="accent1"/>
-            </a:effectRef>
-            <a:fontRef idx="minor">
-              <a:schemeClr val="tx1"/>
-            </a:fontRef>
-          </p:style>
-        </p:cxnSp>
-      </p:grpSp>
       <p:sp>
         <p:nvSpPr>
           <p:cNvPr id="320" name="Rectangle 319"/>
@@ -15483,14 +15075,6 @@
                 </a:rPr>
                 <a:t>ACGTACGTACGTACGTACGTACGT...</a:t>
               </a:r>
-              <a:endParaRPr lang="en-US" sz="1050" b="1" dirty="0" smtClean="0">
-                <a:solidFill>
-                  <a:srgbClr val="002060"/>
-                </a:solidFill>
-                <a:latin typeface="Courier" charset="0"/>
-                <a:ea typeface="Courier" charset="0"/>
-                <a:cs typeface="Courier" charset="0"/>
-              </a:endParaRPr>
             </a:p>
             <a:p>
               <a:r>
@@ -15805,6 +15389,487 @@
             </a:p>
           </p:txBody>
         </p:sp>
+      </p:grpSp>
+      <p:grpSp>
+        <p:nvGrpSpPr>
+          <p:cNvPr id="7" name="Group 6"/>
+          <p:cNvGrpSpPr/>
+          <p:nvPr/>
+        </p:nvGrpSpPr>
+        <p:grpSpPr>
+          <a:xfrm>
+            <a:off x="8759118" y="1924200"/>
+            <a:ext cx="2092129" cy="2179324"/>
+            <a:chOff x="8759118" y="1924200"/>
+            <a:chExt cx="2092129" cy="2179324"/>
+          </a:xfrm>
+        </p:grpSpPr>
+        <p:cxnSp>
+          <p:nvCxnSpPr>
+            <p:cNvPr id="262" name="Straight Connector 261"/>
+            <p:cNvCxnSpPr/>
+            <p:nvPr/>
+          </p:nvCxnSpPr>
+          <p:spPr>
+            <a:xfrm>
+              <a:off x="9948246" y="1924200"/>
+              <a:ext cx="0" cy="443911"/>
+            </a:xfrm>
+            <a:prstGeom prst="line">
+              <a:avLst/>
+            </a:prstGeom>
+            <a:ln w="76200">
+              <a:solidFill>
+                <a:srgbClr val="FF0000"/>
+              </a:solidFill>
+            </a:ln>
+          </p:spPr>
+          <p:style>
+            <a:lnRef idx="1">
+              <a:schemeClr val="accent1"/>
+            </a:lnRef>
+            <a:fillRef idx="0">
+              <a:schemeClr val="accent1"/>
+            </a:fillRef>
+            <a:effectRef idx="0">
+              <a:schemeClr val="accent1"/>
+            </a:effectRef>
+            <a:fontRef idx="minor">
+              <a:schemeClr val="tx1"/>
+            </a:fontRef>
+          </p:style>
+        </p:cxnSp>
+        <p:cxnSp>
+          <p:nvCxnSpPr>
+            <p:cNvPr id="263" name="Straight Connector 262"/>
+            <p:cNvCxnSpPr/>
+            <p:nvPr/>
+          </p:nvCxnSpPr>
+          <p:spPr>
+            <a:xfrm flipH="1">
+              <a:off x="9559573" y="2368111"/>
+              <a:ext cx="388675" cy="579150"/>
+            </a:xfrm>
+            <a:prstGeom prst="line">
+              <a:avLst/>
+            </a:prstGeom>
+            <a:ln w="76200">
+              <a:solidFill>
+                <a:srgbClr val="FF0000"/>
+              </a:solidFill>
+            </a:ln>
+          </p:spPr>
+          <p:style>
+            <a:lnRef idx="1">
+              <a:schemeClr val="accent1"/>
+            </a:lnRef>
+            <a:fillRef idx="0">
+              <a:schemeClr val="accent1"/>
+            </a:fillRef>
+            <a:effectRef idx="0">
+              <a:schemeClr val="accent1"/>
+            </a:effectRef>
+            <a:fontRef idx="minor">
+              <a:schemeClr val="tx1"/>
+            </a:fontRef>
+          </p:style>
+        </p:cxnSp>
+        <p:cxnSp>
+          <p:nvCxnSpPr>
+            <p:cNvPr id="265" name="Straight Connector 264"/>
+            <p:cNvCxnSpPr/>
+            <p:nvPr/>
+          </p:nvCxnSpPr>
+          <p:spPr>
+            <a:xfrm>
+              <a:off x="9948246" y="2368111"/>
+              <a:ext cx="303736" cy="579150"/>
+            </a:xfrm>
+            <a:prstGeom prst="line">
+              <a:avLst/>
+            </a:prstGeom>
+            <a:ln w="76200">
+              <a:solidFill>
+                <a:srgbClr val="FF0000"/>
+              </a:solidFill>
+            </a:ln>
+          </p:spPr>
+          <p:style>
+            <a:lnRef idx="1">
+              <a:schemeClr val="accent1"/>
+            </a:lnRef>
+            <a:fillRef idx="0">
+              <a:schemeClr val="accent1"/>
+            </a:fillRef>
+            <a:effectRef idx="0">
+              <a:schemeClr val="accent1"/>
+            </a:effectRef>
+            <a:fontRef idx="minor">
+              <a:schemeClr val="tx1"/>
+            </a:fontRef>
+          </p:style>
+        </p:cxnSp>
+        <p:cxnSp>
+          <p:nvCxnSpPr>
+            <p:cNvPr id="268" name="Straight Connector 267"/>
+            <p:cNvCxnSpPr/>
+            <p:nvPr/>
+          </p:nvCxnSpPr>
+          <p:spPr>
+            <a:xfrm>
+              <a:off x="9793258" y="2600325"/>
+              <a:ext cx="93979" cy="354911"/>
+            </a:xfrm>
+            <a:prstGeom prst="line">
+              <a:avLst/>
+            </a:prstGeom>
+            <a:ln w="76200">
+              <a:solidFill>
+                <a:srgbClr val="FF0000"/>
+              </a:solidFill>
+            </a:ln>
+          </p:spPr>
+          <p:style>
+            <a:lnRef idx="1">
+              <a:schemeClr val="accent1"/>
+            </a:lnRef>
+            <a:fillRef idx="0">
+              <a:schemeClr val="accent1"/>
+            </a:fillRef>
+            <a:effectRef idx="0">
+              <a:schemeClr val="accent1"/>
+            </a:effectRef>
+            <a:fontRef idx="minor">
+              <a:schemeClr val="tx1"/>
+            </a:fontRef>
+          </p:style>
+        </p:cxnSp>
+        <p:cxnSp>
+          <p:nvCxnSpPr>
+            <p:cNvPr id="284" name="Straight Connector 283"/>
+            <p:cNvCxnSpPr/>
+            <p:nvPr/>
+          </p:nvCxnSpPr>
+          <p:spPr>
+            <a:xfrm flipH="1">
+              <a:off x="8759118" y="2947261"/>
+              <a:ext cx="800455" cy="1148288"/>
+            </a:xfrm>
+            <a:prstGeom prst="line">
+              <a:avLst/>
+            </a:prstGeom>
+            <a:ln w="76200">
+              <a:solidFill>
+                <a:srgbClr val="002060"/>
+              </a:solidFill>
+            </a:ln>
+          </p:spPr>
+          <p:style>
+            <a:lnRef idx="1">
+              <a:schemeClr val="accent1"/>
+            </a:lnRef>
+            <a:fillRef idx="0">
+              <a:schemeClr val="accent1"/>
+            </a:fillRef>
+            <a:effectRef idx="0">
+              <a:schemeClr val="accent1"/>
+            </a:effectRef>
+            <a:fontRef idx="minor">
+              <a:schemeClr val="tx1"/>
+            </a:fontRef>
+          </p:style>
+        </p:cxnSp>
+        <p:cxnSp>
+          <p:nvCxnSpPr>
+            <p:cNvPr id="285" name="Straight Connector 284"/>
+            <p:cNvCxnSpPr/>
+            <p:nvPr/>
+          </p:nvCxnSpPr>
+          <p:spPr>
+            <a:xfrm>
+              <a:off x="9887237" y="2955236"/>
+              <a:ext cx="266691" cy="1140313"/>
+            </a:xfrm>
+            <a:prstGeom prst="line">
+              <a:avLst/>
+            </a:prstGeom>
+            <a:ln w="76200">
+              <a:solidFill>
+                <a:srgbClr val="7030A0"/>
+              </a:solidFill>
+            </a:ln>
+          </p:spPr>
+          <p:style>
+            <a:lnRef idx="1">
+              <a:schemeClr val="accent1"/>
+            </a:lnRef>
+            <a:fillRef idx="0">
+              <a:schemeClr val="accent1"/>
+            </a:fillRef>
+            <a:effectRef idx="0">
+              <a:schemeClr val="accent1"/>
+            </a:effectRef>
+            <a:fontRef idx="minor">
+              <a:schemeClr val="tx1"/>
+            </a:fontRef>
+          </p:style>
+        </p:cxnSp>
+        <p:cxnSp>
+          <p:nvCxnSpPr>
+            <p:cNvPr id="287" name="Straight Connector 286"/>
+            <p:cNvCxnSpPr/>
+            <p:nvPr/>
+          </p:nvCxnSpPr>
+          <p:spPr>
+            <a:xfrm>
+              <a:off x="10247907" y="2947261"/>
+              <a:ext cx="603340" cy="1148288"/>
+            </a:xfrm>
+            <a:prstGeom prst="line">
+              <a:avLst/>
+            </a:prstGeom>
+            <a:ln w="76200">
+              <a:solidFill>
+                <a:schemeClr val="accent5">
+                  <a:lumMod val="60000"/>
+                  <a:lumOff val="40000"/>
+                </a:schemeClr>
+              </a:solidFill>
+            </a:ln>
+          </p:spPr>
+          <p:style>
+            <a:lnRef idx="1">
+              <a:schemeClr val="accent1"/>
+            </a:lnRef>
+            <a:fillRef idx="0">
+              <a:schemeClr val="accent1"/>
+            </a:fillRef>
+            <a:effectRef idx="0">
+              <a:schemeClr val="accent1"/>
+            </a:effectRef>
+            <a:fontRef idx="minor">
+              <a:schemeClr val="tx1"/>
+            </a:fontRef>
+          </p:style>
+        </p:cxnSp>
+        <p:cxnSp>
+          <p:nvCxnSpPr>
+            <p:cNvPr id="288" name="Straight Connector 287"/>
+            <p:cNvCxnSpPr/>
+            <p:nvPr/>
+          </p:nvCxnSpPr>
+          <p:spPr>
+            <a:xfrm>
+              <a:off x="9156721" y="3553255"/>
+              <a:ext cx="202490" cy="542294"/>
+            </a:xfrm>
+            <a:prstGeom prst="line">
+              <a:avLst/>
+            </a:prstGeom>
+            <a:ln w="76200">
+              <a:solidFill>
+                <a:schemeClr val="accent4"/>
+              </a:solidFill>
+            </a:ln>
+          </p:spPr>
+          <p:style>
+            <a:lnRef idx="1">
+              <a:schemeClr val="accent1"/>
+            </a:lnRef>
+            <a:fillRef idx="0">
+              <a:schemeClr val="accent1"/>
+            </a:fillRef>
+            <a:effectRef idx="0">
+              <a:schemeClr val="accent1"/>
+            </a:effectRef>
+            <a:fontRef idx="minor">
+              <a:schemeClr val="tx1"/>
+            </a:fontRef>
+          </p:style>
+        </p:cxnSp>
+        <p:cxnSp>
+          <p:nvCxnSpPr>
+            <p:cNvPr id="292" name="Straight Connector 291"/>
+            <p:cNvCxnSpPr/>
+            <p:nvPr/>
+          </p:nvCxnSpPr>
+          <p:spPr>
+            <a:xfrm flipH="1">
+              <a:off x="10330555" y="3429000"/>
+              <a:ext cx="151038" cy="660746"/>
+            </a:xfrm>
+            <a:prstGeom prst="line">
+              <a:avLst/>
+            </a:prstGeom>
+            <a:ln w="76200">
+              <a:solidFill>
+                <a:schemeClr val="accent2">
+                  <a:lumMod val="60000"/>
+                  <a:lumOff val="40000"/>
+                </a:schemeClr>
+              </a:solidFill>
+            </a:ln>
+          </p:spPr>
+          <p:style>
+            <a:lnRef idx="1">
+              <a:schemeClr val="accent1"/>
+            </a:lnRef>
+            <a:fillRef idx="0">
+              <a:schemeClr val="accent1"/>
+            </a:fillRef>
+            <a:effectRef idx="0">
+              <a:schemeClr val="accent1"/>
+            </a:effectRef>
+            <a:fontRef idx="minor">
+              <a:schemeClr val="tx1"/>
+            </a:fontRef>
+          </p:style>
+        </p:cxnSp>
+        <p:cxnSp>
+          <p:nvCxnSpPr>
+            <p:cNvPr id="300" name="Straight Connector 299"/>
+            <p:cNvCxnSpPr/>
+            <p:nvPr/>
+          </p:nvCxnSpPr>
+          <p:spPr>
+            <a:xfrm flipH="1">
+              <a:off x="9594307" y="3327608"/>
+              <a:ext cx="353940" cy="767941"/>
+            </a:xfrm>
+            <a:prstGeom prst="line">
+              <a:avLst/>
+            </a:prstGeom>
+            <a:ln w="76200">
+              <a:solidFill>
+                <a:schemeClr val="accent6">
+                  <a:lumMod val="75000"/>
+                </a:schemeClr>
+              </a:solidFill>
+            </a:ln>
+          </p:spPr>
+          <p:style>
+            <a:lnRef idx="1">
+              <a:schemeClr val="accent1"/>
+            </a:lnRef>
+            <a:fillRef idx="0">
+              <a:schemeClr val="accent1"/>
+            </a:fillRef>
+            <a:effectRef idx="0">
+              <a:schemeClr val="accent1"/>
+            </a:effectRef>
+            <a:fontRef idx="minor">
+              <a:schemeClr val="tx1"/>
+            </a:fontRef>
+          </p:style>
+        </p:cxnSp>
+        <p:cxnSp>
+          <p:nvCxnSpPr>
+            <p:cNvPr id="302" name="Straight Connector 301"/>
+            <p:cNvCxnSpPr/>
+            <p:nvPr/>
+          </p:nvCxnSpPr>
+          <p:spPr>
+            <a:xfrm>
+              <a:off x="9789183" y="3736975"/>
+              <a:ext cx="180702" cy="366549"/>
+            </a:xfrm>
+            <a:prstGeom prst="line">
+              <a:avLst/>
+            </a:prstGeom>
+            <a:ln w="76200">
+              <a:solidFill>
+                <a:schemeClr val="accent3"/>
+              </a:solidFill>
+            </a:ln>
+          </p:spPr>
+          <p:style>
+            <a:lnRef idx="1">
+              <a:schemeClr val="accent1"/>
+            </a:lnRef>
+            <a:fillRef idx="0">
+              <a:schemeClr val="accent1"/>
+            </a:fillRef>
+            <a:effectRef idx="0">
+              <a:schemeClr val="accent1"/>
+            </a:effectRef>
+            <a:fontRef idx="minor">
+              <a:schemeClr val="tx1"/>
+            </a:fontRef>
+          </p:style>
+        </p:cxnSp>
+        <p:cxnSp>
+          <p:nvCxnSpPr>
+            <p:cNvPr id="109" name="Straight Connector 108"/>
+            <p:cNvCxnSpPr/>
+            <p:nvPr/>
+          </p:nvCxnSpPr>
+          <p:spPr>
+            <a:xfrm flipH="1">
+              <a:off x="9132325" y="3848986"/>
+              <a:ext cx="128634" cy="240760"/>
+            </a:xfrm>
+            <a:prstGeom prst="line">
+              <a:avLst/>
+            </a:prstGeom>
+            <a:ln w="76200">
+              <a:solidFill>
+                <a:schemeClr val="accent4"/>
+              </a:solidFill>
+            </a:ln>
+          </p:spPr>
+          <p:style>
+            <a:lnRef idx="1">
+              <a:schemeClr val="accent1"/>
+            </a:lnRef>
+            <a:fillRef idx="0">
+              <a:schemeClr val="accent1"/>
+            </a:fillRef>
+            <a:effectRef idx="0">
+              <a:schemeClr val="accent1"/>
+            </a:effectRef>
+            <a:fontRef idx="minor">
+              <a:schemeClr val="tx1"/>
+            </a:fontRef>
+          </p:style>
+        </p:cxnSp>
+        <p:cxnSp>
+          <p:nvCxnSpPr>
+            <p:cNvPr id="113" name="Straight Connector 112"/>
+            <p:cNvCxnSpPr/>
+            <p:nvPr/>
+          </p:nvCxnSpPr>
+          <p:spPr>
+            <a:xfrm flipH="1">
+              <a:off x="10625747" y="3848986"/>
+              <a:ext cx="93979" cy="254538"/>
+            </a:xfrm>
+            <a:prstGeom prst="line">
+              <a:avLst/>
+            </a:prstGeom>
+            <a:ln w="76200">
+              <a:solidFill>
+                <a:schemeClr val="accent5">
+                  <a:lumMod val="60000"/>
+                  <a:lumOff val="40000"/>
+                </a:schemeClr>
+              </a:solidFill>
+            </a:ln>
+          </p:spPr>
+          <p:style>
+            <a:lnRef idx="1">
+              <a:schemeClr val="accent1"/>
+            </a:lnRef>
+            <a:fillRef idx="0">
+              <a:schemeClr val="accent1"/>
+            </a:fillRef>
+            <a:effectRef idx="0">
+              <a:schemeClr val="accent1"/>
+            </a:effectRef>
+            <a:fontRef idx="minor">
+              <a:schemeClr val="tx1"/>
+            </a:fontRef>
+          </p:style>
+        </p:cxnSp>
       </p:grpSp>
     </p:spTree>
     <p:extLst>

--- a/figures/figures.pptx
+++ b/figures/figures.pptx
@@ -12212,8 +12212,8 @@
             </a:fontRef>
           </p:style>
         </p:cxnSp>
-        <mc:AlternateContent xmlns:mc="http://schemas.openxmlformats.org/markup-compatibility/2006">
-          <mc:Choice xmlns:a14="http://schemas.microsoft.com/office/drawing/2010/main" Requires="a14">
+        <mc:AlternateContent xmlns:mc="http://schemas.openxmlformats.org/markup-compatibility/2006" xmlns:a14="http://schemas.microsoft.com/office/drawing/2010/main">
+          <mc:Choice Requires="a14">
             <p:sp>
               <p:nvSpPr>
                 <p:cNvPr id="81" name="TextBox 80">
@@ -12242,6 +12242,7 @@
                 </a:bodyPr>
                 <a:lstStyle/>
                 <a:p>
+                  <a:pPr/>
                   <a14:m>
                     <m:oMathPara xmlns:m="http://schemas.openxmlformats.org/officeDocument/2006/math">
                       <m:oMathParaPr>
@@ -12281,7 +12282,7 @@
               </p:txBody>
             </p:sp>
           </mc:Choice>
-          <mc:Fallback>
+          <mc:Fallback xmlns="">
             <p:sp>
               <p:nvSpPr>
                 <p:cNvPr id="81" name="TextBox 80">
@@ -12341,10 +12342,10 @@
         </p:nvGrpSpPr>
         <p:grpSpPr>
           <a:xfrm>
-            <a:off x="4761493" y="701397"/>
-            <a:ext cx="1199207" cy="2060420"/>
-            <a:chOff x="3485380" y="189184"/>
-            <a:chExt cx="1199207" cy="2060420"/>
+            <a:off x="4701977" y="666675"/>
+            <a:ext cx="1258723" cy="2095142"/>
+            <a:chOff x="3425864" y="154462"/>
+            <a:chExt cx="1258723" cy="2095142"/>
           </a:xfrm>
         </p:grpSpPr>
         <p:grpSp>
@@ -13051,8 +13052,8 @@
           </p:nvSpPr>
           <p:spPr>
             <a:xfrm>
-              <a:off x="3506349" y="189184"/>
-              <a:ext cx="431118" cy="338554"/>
+              <a:off x="3456263" y="154462"/>
+              <a:ext cx="431118" cy="584775"/>
             </a:xfrm>
             <a:prstGeom prst="rect">
               <a:avLst/>
@@ -13065,13 +13066,32 @@
             </a:bodyPr>
             <a:lstStyle/>
             <a:p>
+              <a:pPr algn="ctr"/>
               <a:r>
                 <a:rPr lang="en-US" sz="1600" dirty="0">
                   <a:latin typeface="CMU Serif Roman" panose="02000603000000000000" pitchFamily="2" charset="0"/>
                   <a:ea typeface="CMU Serif Roman" panose="02000603000000000000" pitchFamily="2" charset="0"/>
                   <a:cs typeface="CMU Serif Roman" panose="02000603000000000000" pitchFamily="2" charset="0"/>
                 </a:rPr>
-                <a:t>3ii</a:t>
+                <a:t>3</a:t>
+              </a:r>
+            </a:p>
+            <a:p>
+              <a:r>
+                <a:rPr lang="en-US" sz="1600" dirty="0" err="1">
+                  <a:latin typeface="CMU Serif Roman" panose="02000603000000000000" pitchFamily="2" charset="0"/>
+                  <a:ea typeface="CMU Serif Roman" panose="02000603000000000000" pitchFamily="2" charset="0"/>
+                  <a:cs typeface="CMU Serif Roman" panose="02000603000000000000" pitchFamily="2" charset="0"/>
+                </a:rPr>
+                <a:t>i</a:t>
+              </a:r>
+              <a:r>
+                <a:rPr lang="en-US" sz="1600" dirty="0">
+                  <a:latin typeface="CMU Serif Roman" panose="02000603000000000000" pitchFamily="2" charset="0"/>
+                  <a:ea typeface="CMU Serif Roman" panose="02000603000000000000" pitchFamily="2" charset="0"/>
+                  <a:cs typeface="CMU Serif Roman" panose="02000603000000000000" pitchFamily="2" charset="0"/>
+                </a:rPr>
+                <a:t>-ii</a:t>
               </a:r>
             </a:p>
           </p:txBody>
@@ -13090,8 +13110,8 @@
           </p:nvSpPr>
           <p:spPr>
             <a:xfrm>
-              <a:off x="3501806" y="1413636"/>
-              <a:ext cx="431118" cy="338554"/>
+              <a:off x="3425864" y="1343270"/>
+              <a:ext cx="527825" cy="584775"/>
             </a:xfrm>
             <a:prstGeom prst="rect">
               <a:avLst/>
@@ -13104,6 +13124,7 @@
             </a:bodyPr>
             <a:lstStyle/>
             <a:p>
+              <a:pPr algn="ctr"/>
               <a:r>
                 <a:rPr lang="en-US" sz="1600" dirty="0">
                   <a:latin typeface="CMU Serif Roman" panose="02000603000000000000" pitchFamily="2" charset="0"/>
@@ -13111,6 +13132,17 @@
                   <a:cs typeface="CMU Serif Roman" panose="02000603000000000000" pitchFamily="2" charset="0"/>
                 </a:rPr>
                 <a:t>3</a:t>
+              </a:r>
+            </a:p>
+            <a:p>
+              <a:pPr algn="ctr"/>
+              <a:r>
+                <a:rPr lang="en-US" sz="1600" dirty="0">
+                  <a:latin typeface="CMU Serif Roman" panose="02000603000000000000" pitchFamily="2" charset="0"/>
+                  <a:ea typeface="CMU Serif Roman" panose="02000603000000000000" pitchFamily="2" charset="0"/>
+                  <a:cs typeface="CMU Serif Roman" panose="02000603000000000000" pitchFamily="2" charset="0"/>
+                </a:rPr>
+                <a:t>iii-v</a:t>
               </a:r>
             </a:p>
           </p:txBody>
@@ -13201,8 +13233,8 @@
             </a:fontRef>
           </p:style>
         </p:cxnSp>
-        <mc:AlternateContent xmlns:mc="http://schemas.openxmlformats.org/markup-compatibility/2006">
-          <mc:Choice xmlns:a14="http://schemas.microsoft.com/office/drawing/2010/main" Requires="a14">
+        <mc:AlternateContent xmlns:mc="http://schemas.openxmlformats.org/markup-compatibility/2006" xmlns:a14="http://schemas.microsoft.com/office/drawing/2010/main">
+          <mc:Choice Requires="a14">
             <p:sp>
               <p:nvSpPr>
                 <p:cNvPr id="86" name="TextBox 85">
@@ -13231,6 +13263,7 @@
                 </a:bodyPr>
                 <a:lstStyle/>
                 <a:p>
+                  <a:pPr/>
                   <a14:m>
                     <m:oMathPara xmlns:m="http://schemas.openxmlformats.org/officeDocument/2006/math">
                       <m:oMathParaPr>
@@ -13270,7 +13303,7 @@
               </p:txBody>
             </p:sp>
           </mc:Choice>
-          <mc:Fallback>
+          <mc:Fallback xmlns="">
             <p:sp>
               <p:nvSpPr>
                 <p:cNvPr id="86" name="TextBox 85">
@@ -13447,8 +13480,8 @@
             </a:fontRef>
           </p:style>
         </p:cxnSp>
-        <mc:AlternateContent xmlns:mc="http://schemas.openxmlformats.org/markup-compatibility/2006">
-          <mc:Choice xmlns:a14="http://schemas.microsoft.com/office/drawing/2010/main" Requires="a14">
+        <mc:AlternateContent xmlns:mc="http://schemas.openxmlformats.org/markup-compatibility/2006" xmlns:a14="http://schemas.microsoft.com/office/drawing/2010/main">
+          <mc:Choice Requires="a14">
             <p:sp>
               <p:nvSpPr>
                 <p:cNvPr id="115" name="TextBox 114">
@@ -13477,6 +13510,7 @@
                 </a:bodyPr>
                 <a:lstStyle/>
                 <a:p>
+                  <a:pPr/>
                   <a14:m>
                     <m:oMathPara xmlns:m="http://schemas.openxmlformats.org/officeDocument/2006/math">
                       <m:oMathParaPr>
@@ -13516,7 +13550,7 @@
               </p:txBody>
             </p:sp>
           </mc:Choice>
-          <mc:Fallback>
+          <mc:Fallback xmlns="">
             <p:sp>
               <p:nvSpPr>
                 <p:cNvPr id="115" name="TextBox 114">
@@ -14266,8 +14300,8 @@
             </a:fontRef>
           </p:style>
         </p:cxnSp>
-        <mc:AlternateContent xmlns:mc="http://schemas.openxmlformats.org/markup-compatibility/2006">
-          <mc:Choice xmlns:a14="http://schemas.microsoft.com/office/drawing/2010/main" Requires="a14">
+        <mc:AlternateContent xmlns:mc="http://schemas.openxmlformats.org/markup-compatibility/2006" xmlns:a14="http://schemas.microsoft.com/office/drawing/2010/main">
+          <mc:Choice Requires="a14">
             <p:sp>
               <p:nvSpPr>
                 <p:cNvPr id="169" name="TextBox 168">
@@ -14296,6 +14330,7 @@
                 </a:bodyPr>
                 <a:lstStyle/>
                 <a:p>
+                  <a:pPr/>
                   <a14:m>
                     <m:oMathPara xmlns:m="http://schemas.openxmlformats.org/officeDocument/2006/math">
                       <m:oMathParaPr>
@@ -14335,7 +14370,7 @@
               </p:txBody>
             </p:sp>
           </mc:Choice>
-          <mc:Fallback>
+          <mc:Fallback xmlns="">
             <p:sp>
               <p:nvSpPr>
                 <p:cNvPr id="169" name="TextBox 168">
@@ -14380,8 +14415,8 @@
             </p:sp>
           </mc:Fallback>
         </mc:AlternateContent>
-        <mc:AlternateContent xmlns:mc="http://schemas.openxmlformats.org/markup-compatibility/2006">
-          <mc:Choice xmlns:a14="http://schemas.microsoft.com/office/drawing/2010/main" Requires="a14">
+        <mc:AlternateContent xmlns:mc="http://schemas.openxmlformats.org/markup-compatibility/2006" xmlns:a14="http://schemas.microsoft.com/office/drawing/2010/main">
+          <mc:Choice Requires="a14">
             <p:sp>
               <p:nvSpPr>
                 <p:cNvPr id="170" name="TextBox 169">
@@ -14410,6 +14445,7 @@
                 </a:bodyPr>
                 <a:lstStyle/>
                 <a:p>
+                  <a:pPr/>
                   <a14:m>
                     <m:oMathPara xmlns:m="http://schemas.openxmlformats.org/officeDocument/2006/math">
                       <m:oMathParaPr>
@@ -14449,7 +14485,7 @@
               </p:txBody>
             </p:sp>
           </mc:Choice>
-          <mc:Fallback>
+          <mc:Fallback xmlns="">
             <p:sp>
               <p:nvSpPr>
                 <p:cNvPr id="170" name="TextBox 169">
@@ -14942,8 +14978,8 @@
             </a:p>
           </p:txBody>
         </p:sp>
-        <mc:AlternateContent xmlns:mc="http://schemas.openxmlformats.org/markup-compatibility/2006">
-          <mc:Choice xmlns:a14="http://schemas.microsoft.com/office/drawing/2010/main" Requires="a14">
+        <mc:AlternateContent xmlns:mc="http://schemas.openxmlformats.org/markup-compatibility/2006" xmlns:a14="http://schemas.microsoft.com/office/drawing/2010/main">
+          <mc:Choice Requires="a14">
             <p:sp>
               <p:nvSpPr>
                 <p:cNvPr id="184" name="TextBox 183">
@@ -14972,6 +15008,7 @@
                 </a:bodyPr>
                 <a:lstStyle/>
                 <a:p>
+                  <a:pPr/>
                   <a14:m>
                     <m:oMathPara xmlns:m="http://schemas.openxmlformats.org/officeDocument/2006/math">
                       <m:oMathParaPr>
@@ -15011,7 +15048,7 @@
               </p:txBody>
             </p:sp>
           </mc:Choice>
-          <mc:Fallback>
+          <mc:Fallback xmlns="">
             <p:sp>
               <p:nvSpPr>
                 <p:cNvPr id="184" name="TextBox 183">
@@ -15246,8 +15283,8 @@
             </a:fontRef>
           </p:style>
         </p:cxnSp>
-        <mc:AlternateContent xmlns:mc="http://schemas.openxmlformats.org/markup-compatibility/2006">
-          <mc:Choice xmlns:a14="http://schemas.microsoft.com/office/drawing/2010/main" Requires="a14">
+        <mc:AlternateContent xmlns:mc="http://schemas.openxmlformats.org/markup-compatibility/2006" xmlns:a14="http://schemas.microsoft.com/office/drawing/2010/main">
+          <mc:Choice Requires="a14">
             <p:sp>
               <p:nvSpPr>
                 <p:cNvPr id="234" name="TextBox 233">
@@ -15276,6 +15313,7 @@
                 </a:bodyPr>
                 <a:lstStyle/>
                 <a:p>
+                  <a:pPr/>
                   <a14:m>
                     <m:oMathPara xmlns:m="http://schemas.openxmlformats.org/officeDocument/2006/math">
                       <m:oMathParaPr>
@@ -15315,7 +15353,7 @@
               </p:txBody>
             </p:sp>
           </mc:Choice>
-          <mc:Fallback>
+          <mc:Fallback xmlns="">
             <p:sp>
               <p:nvSpPr>
                 <p:cNvPr id="234" name="TextBox 233">
@@ -15448,8 +15486,8 @@
             </a:fontRef>
           </p:style>
         </p:cxnSp>
-        <mc:AlternateContent xmlns:mc="http://schemas.openxmlformats.org/markup-compatibility/2006">
-          <mc:Choice xmlns:a14="http://schemas.microsoft.com/office/drawing/2010/main" Requires="a14">
+        <mc:AlternateContent xmlns:mc="http://schemas.openxmlformats.org/markup-compatibility/2006" xmlns:a14="http://schemas.microsoft.com/office/drawing/2010/main">
+          <mc:Choice Requires="a14">
             <p:sp>
               <p:nvSpPr>
                 <p:cNvPr id="237" name="TextBox 236">
@@ -15478,6 +15516,7 @@
                 </a:bodyPr>
                 <a:lstStyle/>
                 <a:p>
+                  <a:pPr/>
                   <a14:m>
                     <m:oMathPara xmlns:m="http://schemas.openxmlformats.org/officeDocument/2006/math">
                       <m:oMathParaPr>
@@ -15517,7 +15556,7 @@
               </p:txBody>
             </p:sp>
           </mc:Choice>
-          <mc:Fallback>
+          <mc:Fallback xmlns="">
             <p:sp>
               <p:nvSpPr>
                 <p:cNvPr id="237" name="TextBox 236">
@@ -15823,8 +15862,8 @@
             </a:fontRef>
           </p:style>
         </p:cxnSp>
-        <mc:AlternateContent xmlns:mc="http://schemas.openxmlformats.org/markup-compatibility/2006">
-          <mc:Choice xmlns:a14="http://schemas.microsoft.com/office/drawing/2010/main" Requires="a14">
+        <mc:AlternateContent xmlns:mc="http://schemas.openxmlformats.org/markup-compatibility/2006" xmlns:a14="http://schemas.microsoft.com/office/drawing/2010/main">
+          <mc:Choice Requires="a14">
             <p:sp>
               <p:nvSpPr>
                 <p:cNvPr id="248" name="TextBox 247">
@@ -15853,6 +15892,7 @@
                 </a:bodyPr>
                 <a:lstStyle/>
                 <a:p>
+                  <a:pPr/>
                   <a14:m>
                     <m:oMathPara xmlns:m="http://schemas.openxmlformats.org/officeDocument/2006/math">
                       <m:oMathParaPr>
@@ -15892,7 +15932,7 @@
               </p:txBody>
             </p:sp>
           </mc:Choice>
-          <mc:Fallback>
+          <mc:Fallback xmlns="">
             <p:sp>
               <p:nvSpPr>
                 <p:cNvPr id="248" name="TextBox 247">
@@ -16465,8 +16505,8 @@
             </a:fontRef>
           </p:style>
         </p:cxnSp>
-        <mc:AlternateContent xmlns:mc="http://schemas.openxmlformats.org/markup-compatibility/2006">
-          <mc:Choice xmlns:a14="http://schemas.microsoft.com/office/drawing/2010/main" Requires="a14">
+        <mc:AlternateContent xmlns:mc="http://schemas.openxmlformats.org/markup-compatibility/2006" xmlns:a14="http://schemas.microsoft.com/office/drawing/2010/main">
+          <mc:Choice Requires="a14">
             <p:sp>
               <p:nvSpPr>
                 <p:cNvPr id="305" name="TextBox 304">
@@ -16495,6 +16535,7 @@
                 </a:bodyPr>
                 <a:lstStyle/>
                 <a:p>
+                  <a:pPr/>
                   <a14:m>
                     <m:oMathPara xmlns:m="http://schemas.openxmlformats.org/officeDocument/2006/math">
                       <m:oMathParaPr>
@@ -16534,7 +16575,7 @@
               </p:txBody>
             </p:sp>
           </mc:Choice>
-          <mc:Fallback>
+          <mc:Fallback xmlns="">
             <p:sp>
               <p:nvSpPr>
                 <p:cNvPr id="305" name="TextBox 304">
@@ -16667,8 +16708,8 @@
             </a:fontRef>
           </p:style>
         </p:cxnSp>
-        <mc:AlternateContent xmlns:mc="http://schemas.openxmlformats.org/markup-compatibility/2006">
-          <mc:Choice xmlns:a14="http://schemas.microsoft.com/office/drawing/2010/main" Requires="a14">
+        <mc:AlternateContent xmlns:mc="http://schemas.openxmlformats.org/markup-compatibility/2006" xmlns:a14="http://schemas.microsoft.com/office/drawing/2010/main">
+          <mc:Choice Requires="a14">
             <p:sp>
               <p:nvSpPr>
                 <p:cNvPr id="308" name="TextBox 307">
@@ -16697,6 +16738,7 @@
                 </a:bodyPr>
                 <a:lstStyle/>
                 <a:p>
+                  <a:pPr/>
                   <a14:m>
                     <m:oMathPara xmlns:m="http://schemas.openxmlformats.org/officeDocument/2006/math">
                       <m:oMathParaPr>
@@ -16736,7 +16778,7 @@
               </p:txBody>
             </p:sp>
           </mc:Choice>
-          <mc:Fallback>
+          <mc:Fallback xmlns="">
             <p:sp>
               <p:nvSpPr>
                 <p:cNvPr id="308" name="TextBox 307">
@@ -17001,8 +17043,8 @@
             </a:fontRef>
           </p:style>
         </p:cxnSp>
-        <mc:AlternateContent xmlns:mc="http://schemas.openxmlformats.org/markup-compatibility/2006">
-          <mc:Choice xmlns:a14="http://schemas.microsoft.com/office/drawing/2010/main" Requires="a14">
+        <mc:AlternateContent xmlns:mc="http://schemas.openxmlformats.org/markup-compatibility/2006" xmlns:a14="http://schemas.microsoft.com/office/drawing/2010/main">
+          <mc:Choice Requires="a14">
             <p:sp>
               <p:nvSpPr>
                 <p:cNvPr id="315" name="TextBox 314">
@@ -17031,6 +17073,7 @@
                 </a:bodyPr>
                 <a:lstStyle/>
                 <a:p>
+                  <a:pPr/>
                   <a14:m>
                     <m:oMathPara xmlns:m="http://schemas.openxmlformats.org/officeDocument/2006/math">
                       <m:oMathParaPr>
@@ -17070,7 +17113,7 @@
               </p:txBody>
             </p:sp>
           </mc:Choice>
-          <mc:Fallback>
+          <mc:Fallback xmlns="">
             <p:sp>
               <p:nvSpPr>
                 <p:cNvPr id="315" name="TextBox 314">
@@ -17429,7 +17472,7 @@
             </p:nvCxnSpPr>
             <p:spPr>
               <a:xfrm>
-                <a:off x="6340439" y="265207"/>
+                <a:off x="6340439" y="268382"/>
                 <a:ext cx="0" cy="178678"/>
               </a:xfrm>
               <a:prstGeom prst="line">
@@ -17472,7 +17515,7 @@
             </p:nvCxnSpPr>
             <p:spPr>
               <a:xfrm>
-                <a:off x="6666872" y="265207"/>
+                <a:off x="6666872" y="268382"/>
                 <a:ext cx="0" cy="178678"/>
               </a:xfrm>
               <a:prstGeom prst="line">
@@ -17603,8 +17646,8 @@
             </p:nvCxnSpPr>
             <p:spPr>
               <a:xfrm flipH="1">
-                <a:off x="6061589" y="448045"/>
-                <a:ext cx="277736" cy="625893"/>
+                <a:off x="5916196" y="448045"/>
+                <a:ext cx="423129" cy="953544"/>
               </a:xfrm>
               <a:prstGeom prst="line">
                 <a:avLst/>
@@ -17646,8 +17689,8 @@
             </p:nvCxnSpPr>
             <p:spPr>
               <a:xfrm flipH="1">
-                <a:off x="6178914" y="678462"/>
-                <a:ext cx="63549" cy="686675"/>
+                <a:off x="6204699" y="678462"/>
+                <a:ext cx="37765" cy="408052"/>
               </a:xfrm>
               <a:prstGeom prst="line">
                 <a:avLst/>
@@ -17847,8 +17890,8 @@
             </p:style>
           </p:cxnSp>
         </p:grpSp>
-        <mc:AlternateContent xmlns:mc="http://schemas.openxmlformats.org/markup-compatibility/2006">
-          <mc:Choice xmlns:a14="http://schemas.microsoft.com/office/drawing/2010/main" Requires="a14">
+        <mc:AlternateContent xmlns:mc="http://schemas.openxmlformats.org/markup-compatibility/2006" xmlns:a14="http://schemas.microsoft.com/office/drawing/2010/main">
+          <mc:Choice Requires="a14">
             <p:sp>
               <p:nvSpPr>
                 <p:cNvPr id="356" name="TextBox 355">
@@ -17863,8 +17906,8 @@
               </p:nvSpPr>
               <p:spPr>
                 <a:xfrm>
-                  <a:off x="8915558" y="447807"/>
-                  <a:ext cx="102849" cy="153888"/>
+                  <a:off x="8860215" y="447807"/>
+                  <a:ext cx="159210" cy="153888"/>
                 </a:xfrm>
                 <a:prstGeom prst="rect">
                   <a:avLst/>
@@ -17877,18 +17920,38 @@
                 </a:bodyPr>
                 <a:lstStyle/>
                 <a:p>
+                  <a:pPr/>
                   <a14:m>
                     <m:oMathPara xmlns:m="http://schemas.openxmlformats.org/officeDocument/2006/math">
                       <m:oMathParaPr>
                         <m:jc m:val="centerGroup"/>
                       </m:oMathParaPr>
                       <m:oMath xmlns:m="http://schemas.openxmlformats.org/officeDocument/2006/math">
-                        <m:r>
-                          <a:rPr lang="en-US" sz="1000" b="0" i="1" smtClean="0">
-                            <a:latin typeface="Cambria Math" panose="02040503050406030204" pitchFamily="18" charset="0"/>
-                          </a:rPr>
-                          <m:t>𝜇</m:t>
-                        </m:r>
+                        <m:sSub>
+                          <m:sSubPr>
+                            <m:ctrlPr>
+                              <a:rPr lang="en-US" sz="1000" b="0" i="1" smtClean="0">
+                                <a:latin typeface="Cambria Math" panose="02040503050406030204" pitchFamily="18" charset="0"/>
+                              </a:rPr>
+                            </m:ctrlPr>
+                          </m:sSubPr>
+                          <m:e>
+                            <m:r>
+                              <a:rPr lang="en-US" sz="1000" b="0" i="1" smtClean="0">
+                                <a:latin typeface="Cambria Math" panose="02040503050406030204" pitchFamily="18" charset="0"/>
+                              </a:rPr>
+                              <m:t>𝜇</m:t>
+                            </m:r>
+                          </m:e>
+                          <m:sub>
+                            <m:r>
+                              <a:rPr lang="en-US" sz="1000" b="0" i="1" smtClean="0">
+                                <a:latin typeface="Cambria Math" panose="02040503050406030204" pitchFamily="18" charset="0"/>
+                              </a:rPr>
+                              <m:t>2</m:t>
+                            </m:r>
+                          </m:sub>
+                        </m:sSub>
                       </m:oMath>
                     </m:oMathPara>
                   </a14:m>
@@ -17897,7 +17960,7 @@
               </p:txBody>
             </p:sp>
           </mc:Choice>
-          <mc:Fallback>
+          <mc:Fallback xmlns="">
             <p:sp>
               <p:nvSpPr>
                 <p:cNvPr id="356" name="TextBox 355">
@@ -17914,8 +17977,8 @@
               </p:nvSpPr>
               <p:spPr>
                 <a:xfrm>
-                  <a:off x="8915558" y="447807"/>
-                  <a:ext cx="102849" cy="153888"/>
+                  <a:off x="8860215" y="447807"/>
+                  <a:ext cx="159210" cy="153888"/>
                 </a:xfrm>
                 <a:prstGeom prst="rect">
                   <a:avLst/>
@@ -17923,7 +17986,7 @@
                 <a:blipFill>
                   <a:blip r:embed="rId14"/>
                   <a:stretch>
-                    <a:fillRect l="-20000" r="-10000" b="-23077"/>
+                    <a:fillRect l="-14286" b="-23077"/>
                   </a:stretch>
                 </a:blipFill>
               </p:spPr>
@@ -17942,8 +18005,8 @@
             </p:sp>
           </mc:Fallback>
         </mc:AlternateContent>
-        <mc:AlternateContent xmlns:mc="http://schemas.openxmlformats.org/markup-compatibility/2006">
-          <mc:Choice xmlns:a14="http://schemas.microsoft.com/office/drawing/2010/main" Requires="a14">
+        <mc:AlternateContent xmlns:mc="http://schemas.openxmlformats.org/markup-compatibility/2006" xmlns:a14="http://schemas.microsoft.com/office/drawing/2010/main">
+          <mc:Choice Requires="a14">
             <p:sp>
               <p:nvSpPr>
                 <p:cNvPr id="357" name="TextBox 356">
@@ -17958,8 +18021,8 @@
               </p:nvSpPr>
               <p:spPr>
                 <a:xfrm>
-                  <a:off x="9085494" y="555280"/>
-                  <a:ext cx="102849" cy="153888"/>
+                  <a:off x="9076751" y="502909"/>
+                  <a:ext cx="159210" cy="153888"/>
                 </a:xfrm>
                 <a:prstGeom prst="rect">
                   <a:avLst/>
@@ -17972,18 +18035,38 @@
                 </a:bodyPr>
                 <a:lstStyle/>
                 <a:p>
+                  <a:pPr/>
                   <a14:m>
                     <m:oMathPara xmlns:m="http://schemas.openxmlformats.org/officeDocument/2006/math">
                       <m:oMathParaPr>
                         <m:jc m:val="centerGroup"/>
                       </m:oMathParaPr>
                       <m:oMath xmlns:m="http://schemas.openxmlformats.org/officeDocument/2006/math">
-                        <m:r>
-                          <a:rPr lang="en-US" sz="1000" b="0" i="1" smtClean="0">
-                            <a:latin typeface="Cambria Math" panose="02040503050406030204" pitchFamily="18" charset="0"/>
-                          </a:rPr>
-                          <m:t>𝜇</m:t>
-                        </m:r>
+                        <m:sSub>
+                          <m:sSubPr>
+                            <m:ctrlPr>
+                              <a:rPr lang="en-US" sz="1000" b="0" i="1" smtClean="0">
+                                <a:latin typeface="Cambria Math" panose="02040503050406030204" pitchFamily="18" charset="0"/>
+                              </a:rPr>
+                            </m:ctrlPr>
+                          </m:sSubPr>
+                          <m:e>
+                            <m:r>
+                              <a:rPr lang="en-US" sz="1000" b="0" i="1" smtClean="0">
+                                <a:latin typeface="Cambria Math" panose="02040503050406030204" pitchFamily="18" charset="0"/>
+                              </a:rPr>
+                              <m:t>𝜇</m:t>
+                            </m:r>
+                          </m:e>
+                          <m:sub>
+                            <m:r>
+                              <a:rPr lang="en-US" sz="1000" b="0" i="1" smtClean="0">
+                                <a:latin typeface="Cambria Math" panose="02040503050406030204" pitchFamily="18" charset="0"/>
+                              </a:rPr>
+                              <m:t>3</m:t>
+                            </m:r>
+                          </m:sub>
+                        </m:sSub>
                       </m:oMath>
                     </m:oMathPara>
                   </a14:m>
@@ -17992,7 +18075,7 @@
               </p:txBody>
             </p:sp>
           </mc:Choice>
-          <mc:Fallback>
+          <mc:Fallback xmlns="">
             <p:sp>
               <p:nvSpPr>
                 <p:cNvPr id="357" name="TextBox 356">
@@ -18009,8 +18092,8 @@
               </p:nvSpPr>
               <p:spPr>
                 <a:xfrm>
-                  <a:off x="9085494" y="555280"/>
-                  <a:ext cx="102849" cy="153888"/>
+                  <a:off x="9076751" y="502909"/>
+                  <a:ext cx="159210" cy="153888"/>
                 </a:xfrm>
                 <a:prstGeom prst="rect">
                   <a:avLst/>
@@ -18018,7 +18101,7 @@
                 <a:blipFill>
                   <a:blip r:embed="rId15"/>
                   <a:stretch>
-                    <a:fillRect l="-22222" r="-22222" b="-16667"/>
+                    <a:fillRect l="-23077" b="-15385"/>
                   </a:stretch>
                 </a:blipFill>
               </p:spPr>
@@ -18037,8 +18120,8 @@
             </p:sp>
           </mc:Fallback>
         </mc:AlternateContent>
-        <mc:AlternateContent xmlns:mc="http://schemas.openxmlformats.org/markup-compatibility/2006">
-          <mc:Choice xmlns:a14="http://schemas.microsoft.com/office/drawing/2010/main" Requires="a14">
+        <mc:AlternateContent xmlns:mc="http://schemas.openxmlformats.org/markup-compatibility/2006" xmlns:a14="http://schemas.microsoft.com/office/drawing/2010/main">
+          <mc:Choice Requires="a14">
             <p:sp>
               <p:nvSpPr>
                 <p:cNvPr id="358" name="TextBox 357">
@@ -18053,8 +18136,8 @@
               </p:nvSpPr>
               <p:spPr>
                 <a:xfrm>
-                  <a:off x="8767987" y="776846"/>
-                  <a:ext cx="102849" cy="153888"/>
+                  <a:off x="8712994" y="776846"/>
+                  <a:ext cx="159210" cy="153888"/>
                 </a:xfrm>
                 <a:prstGeom prst="rect">
                   <a:avLst/>
@@ -18067,18 +18150,38 @@
                 </a:bodyPr>
                 <a:lstStyle/>
                 <a:p>
+                  <a:pPr/>
                   <a14:m>
                     <m:oMathPara xmlns:m="http://schemas.openxmlformats.org/officeDocument/2006/math">
                       <m:oMathParaPr>
                         <m:jc m:val="centerGroup"/>
                       </m:oMathParaPr>
                       <m:oMath xmlns:m="http://schemas.openxmlformats.org/officeDocument/2006/math">
-                        <m:r>
-                          <a:rPr lang="en-US" sz="1000" b="0" i="1" smtClean="0">
-                            <a:latin typeface="Cambria Math" panose="02040503050406030204" pitchFamily="18" charset="0"/>
-                          </a:rPr>
-                          <m:t>𝜇</m:t>
-                        </m:r>
+                        <m:sSub>
+                          <m:sSubPr>
+                            <m:ctrlPr>
+                              <a:rPr lang="en-US" sz="1000" b="0" i="1" smtClean="0">
+                                <a:latin typeface="Cambria Math" panose="02040503050406030204" pitchFamily="18" charset="0"/>
+                              </a:rPr>
+                            </m:ctrlPr>
+                          </m:sSubPr>
+                          <m:e>
+                            <m:r>
+                              <a:rPr lang="en-US" sz="1000" b="0" i="1" smtClean="0">
+                                <a:latin typeface="Cambria Math" panose="02040503050406030204" pitchFamily="18" charset="0"/>
+                              </a:rPr>
+                              <m:t>𝜇</m:t>
+                            </m:r>
+                          </m:e>
+                          <m:sub>
+                            <m:r>
+                              <a:rPr lang="en-US" sz="1000" b="0" i="1" smtClean="0">
+                                <a:latin typeface="Cambria Math" panose="02040503050406030204" pitchFamily="18" charset="0"/>
+                              </a:rPr>
+                              <m:t>4</m:t>
+                            </m:r>
+                          </m:sub>
+                        </m:sSub>
                       </m:oMath>
                     </m:oMathPara>
                   </a14:m>
@@ -18087,7 +18190,7 @@
               </p:txBody>
             </p:sp>
           </mc:Choice>
-          <mc:Fallback>
+          <mc:Fallback xmlns="">
             <p:sp>
               <p:nvSpPr>
                 <p:cNvPr id="358" name="TextBox 357">
@@ -18104,8 +18207,8 @@
               </p:nvSpPr>
               <p:spPr>
                 <a:xfrm>
-                  <a:off x="8767987" y="776846"/>
-                  <a:ext cx="102849" cy="153888"/>
+                  <a:off x="8712994" y="776846"/>
+                  <a:ext cx="159210" cy="153888"/>
                 </a:xfrm>
                 <a:prstGeom prst="rect">
                   <a:avLst/>
@@ -18113,7 +18216,7 @@
                 <a:blipFill>
                   <a:blip r:embed="rId16"/>
                   <a:stretch>
-                    <a:fillRect l="-37500" r="-25000" b="-23077"/>
+                    <a:fillRect l="-14286" r="-7143" b="-23077"/>
                   </a:stretch>
                 </a:blipFill>
               </p:spPr>
@@ -18148,8 +18251,8 @@
               </p:nvSpPr>
               <p:spPr>
                 <a:xfrm>
-                  <a:off x="8934615" y="1010712"/>
-                  <a:ext cx="102849" cy="153888"/>
+                  <a:off x="8978283" y="917923"/>
+                  <a:ext cx="159211" cy="153888"/>
                 </a:xfrm>
                 <a:prstGeom prst="rect">
                   <a:avLst/>
@@ -18163,21 +18266,38 @@
                 <a:lstStyle/>
                 <a:p>
                   <a14:m>
-                    <m:oMathPara xmlns:m="http://schemas.openxmlformats.org/officeDocument/2006/math">
-                      <m:oMathParaPr>
-                        <m:jc m:val="centerGroup"/>
-                      </m:oMathParaPr>
-                      <m:oMath xmlns:m="http://schemas.openxmlformats.org/officeDocument/2006/math">
-                        <m:r>
-                          <a:rPr lang="en-US" sz="1000" b="0" i="1" smtClean="0">
-                            <a:latin typeface="Cambria Math" panose="02040503050406030204" pitchFamily="18" charset="0"/>
-                          </a:rPr>
-                          <m:t>𝜇</m:t>
-                        </m:r>
-                      </m:oMath>
-                    </m:oMathPara>
+                    <m:oMath xmlns:m="http://schemas.openxmlformats.org/officeDocument/2006/math">
+                      <m:sSub>
+                        <m:sSubPr>
+                          <m:ctrlPr>
+                            <a:rPr lang="en-US" sz="1000" b="0" i="1" smtClean="0">
+                              <a:latin typeface="Cambria Math" panose="02040503050406030204" pitchFamily="18" charset="0"/>
+                            </a:rPr>
+                          </m:ctrlPr>
+                        </m:sSubPr>
+                        <m:e>
+                          <m:r>
+                            <a:rPr lang="en-US" sz="1000" b="0" i="1" smtClean="0">
+                              <a:latin typeface="Cambria Math" panose="02040503050406030204" pitchFamily="18" charset="0"/>
+                            </a:rPr>
+                            <m:t>𝜇</m:t>
+                          </m:r>
+                        </m:e>
+                        <m:sub>
+                          <m:r>
+                            <a:rPr lang="en-US" sz="1000" b="0" i="0" smtClean="0">
+                              <a:latin typeface="Cambria Math" panose="02040503050406030204" pitchFamily="18" charset="0"/>
+                            </a:rPr>
+                            <m:t>5</m:t>
+                          </m:r>
+                        </m:sub>
+                      </m:sSub>
+                    </m:oMath>
                   </a14:m>
-                  <a:endParaRPr lang="en-US" sz="1000" b="0" dirty="0"/>
+                  <a:r>
+                    <a:rPr lang="en-US" sz="1000" b="0" dirty="0"/>
+                    <a:t> </a:t>
+                  </a:r>
                 </a:p>
               </p:txBody>
             </p:sp>
@@ -18199,16 +18319,16 @@
               </p:nvSpPr>
               <p:spPr>
                 <a:xfrm>
-                  <a:off x="8934615" y="1010712"/>
-                  <a:ext cx="102849" cy="153888"/>
+                  <a:off x="8978283" y="917923"/>
+                  <a:ext cx="159211" cy="153888"/>
                 </a:xfrm>
                 <a:prstGeom prst="rect">
                   <a:avLst/>
                 </a:prstGeom>
                 <a:blipFill>
-                  <a:blip r:embed="rId15"/>
+                  <a:blip r:embed="rId17"/>
                   <a:stretch>
-                    <a:fillRect l="-22222" r="-22222" b="-16667"/>
+                    <a:fillRect l="-21429" b="-23077"/>
                   </a:stretch>
                 </a:blipFill>
               </p:spPr>
@@ -18227,8 +18347,8 @@
             </p:sp>
           </mc:Fallback>
         </mc:AlternateContent>
-        <mc:AlternateContent xmlns:mc="http://schemas.openxmlformats.org/markup-compatibility/2006">
-          <mc:Choice xmlns:a14="http://schemas.microsoft.com/office/drawing/2010/main" Requires="a14">
+        <mc:AlternateContent xmlns:mc="http://schemas.openxmlformats.org/markup-compatibility/2006" xmlns:a14="http://schemas.microsoft.com/office/drawing/2010/main">
+          <mc:Choice Requires="a14">
             <p:sp>
               <p:nvSpPr>
                 <p:cNvPr id="360" name="TextBox 359">
@@ -18243,8 +18363,8 @@
               </p:nvSpPr>
               <p:spPr>
                 <a:xfrm>
-                  <a:off x="9276338" y="390825"/>
-                  <a:ext cx="102849" cy="153888"/>
+                  <a:off x="9407475" y="390825"/>
+                  <a:ext cx="159210" cy="153888"/>
                 </a:xfrm>
                 <a:prstGeom prst="rect">
                   <a:avLst/>
@@ -18257,18 +18377,38 @@
                 </a:bodyPr>
                 <a:lstStyle/>
                 <a:p>
+                  <a:pPr/>
                   <a14:m>
                     <m:oMathPara xmlns:m="http://schemas.openxmlformats.org/officeDocument/2006/math">
                       <m:oMathParaPr>
                         <m:jc m:val="centerGroup"/>
                       </m:oMathParaPr>
                       <m:oMath xmlns:m="http://schemas.openxmlformats.org/officeDocument/2006/math">
-                        <m:r>
-                          <a:rPr lang="en-US" sz="1000" b="0" i="1" smtClean="0">
-                            <a:latin typeface="Cambria Math" panose="02040503050406030204" pitchFamily="18" charset="0"/>
-                          </a:rPr>
-                          <m:t>𝜇</m:t>
-                        </m:r>
+                        <m:sSub>
+                          <m:sSubPr>
+                            <m:ctrlPr>
+                              <a:rPr lang="en-US" sz="1000" b="0" i="1" smtClean="0">
+                                <a:latin typeface="Cambria Math" panose="02040503050406030204" pitchFamily="18" charset="0"/>
+                              </a:rPr>
+                            </m:ctrlPr>
+                          </m:sSubPr>
+                          <m:e>
+                            <m:r>
+                              <a:rPr lang="en-US" sz="1000" b="0" i="1" smtClean="0">
+                                <a:latin typeface="Cambria Math" panose="02040503050406030204" pitchFamily="18" charset="0"/>
+                              </a:rPr>
+                              <m:t>𝜇</m:t>
+                            </m:r>
+                          </m:e>
+                          <m:sub>
+                            <m:r>
+                              <a:rPr lang="en-US" sz="1000" b="0" i="1" smtClean="0">
+                                <a:latin typeface="Cambria Math" panose="02040503050406030204" pitchFamily="18" charset="0"/>
+                              </a:rPr>
+                              <m:t>6</m:t>
+                            </m:r>
+                          </m:sub>
+                        </m:sSub>
                       </m:oMath>
                     </m:oMathPara>
                   </a14:m>
@@ -18277,7 +18417,7 @@
               </p:txBody>
             </p:sp>
           </mc:Choice>
-          <mc:Fallback>
+          <mc:Fallback xmlns="">
             <p:sp>
               <p:nvSpPr>
                 <p:cNvPr id="360" name="TextBox 359">
@@ -18294,16 +18434,16 @@
               </p:nvSpPr>
               <p:spPr>
                 <a:xfrm>
-                  <a:off x="9276338" y="390825"/>
-                  <a:ext cx="102849" cy="153888"/>
+                  <a:off x="9407475" y="390825"/>
+                  <a:ext cx="159210" cy="153888"/>
                 </a:xfrm>
                 <a:prstGeom prst="rect">
                   <a:avLst/>
                 </a:prstGeom>
                 <a:blipFill>
-                  <a:blip r:embed="rId17"/>
+                  <a:blip r:embed="rId18"/>
                   <a:stretch>
-                    <a:fillRect l="-33333" r="-22222" b="-15385"/>
+                    <a:fillRect l="-14286" b="-15385"/>
                   </a:stretch>
                 </a:blipFill>
               </p:spPr>
@@ -18322,8 +18462,8 @@
             </p:sp>
           </mc:Fallback>
         </mc:AlternateContent>
-        <mc:AlternateContent xmlns:mc="http://schemas.openxmlformats.org/markup-compatibility/2006">
-          <mc:Choice xmlns:a14="http://schemas.microsoft.com/office/drawing/2010/main" Requires="a14">
+        <mc:AlternateContent xmlns:mc="http://schemas.openxmlformats.org/markup-compatibility/2006" xmlns:a14="http://schemas.microsoft.com/office/drawing/2010/main">
+          <mc:Choice Requires="a14">
             <p:sp>
               <p:nvSpPr>
                 <p:cNvPr id="361" name="TextBox 360">
@@ -18338,8 +18478,8 @@
               </p:nvSpPr>
               <p:spPr>
                 <a:xfrm>
-                  <a:off x="9244267" y="639168"/>
-                  <a:ext cx="102849" cy="153888"/>
+                  <a:off x="9192677" y="656797"/>
+                  <a:ext cx="159210" cy="153888"/>
                 </a:xfrm>
                 <a:prstGeom prst="rect">
                   <a:avLst/>
@@ -18352,18 +18492,38 @@
                 </a:bodyPr>
                 <a:lstStyle/>
                 <a:p>
+                  <a:pPr/>
                   <a14:m>
                     <m:oMathPara xmlns:m="http://schemas.openxmlformats.org/officeDocument/2006/math">
                       <m:oMathParaPr>
                         <m:jc m:val="centerGroup"/>
                       </m:oMathParaPr>
                       <m:oMath xmlns:m="http://schemas.openxmlformats.org/officeDocument/2006/math">
-                        <m:r>
-                          <a:rPr lang="en-US" sz="1000" b="0" i="1" smtClean="0">
-                            <a:latin typeface="Cambria Math" panose="02040503050406030204" pitchFamily="18" charset="0"/>
-                          </a:rPr>
-                          <m:t>𝜇</m:t>
-                        </m:r>
+                        <m:sSub>
+                          <m:sSubPr>
+                            <m:ctrlPr>
+                              <a:rPr lang="en-US" sz="1000" b="0" i="1" smtClean="0">
+                                <a:latin typeface="Cambria Math" panose="02040503050406030204" pitchFamily="18" charset="0"/>
+                              </a:rPr>
+                            </m:ctrlPr>
+                          </m:sSubPr>
+                          <m:e>
+                            <m:r>
+                              <a:rPr lang="en-US" sz="1000" b="0" i="1" smtClean="0">
+                                <a:latin typeface="Cambria Math" panose="02040503050406030204" pitchFamily="18" charset="0"/>
+                              </a:rPr>
+                              <m:t>𝜇</m:t>
+                            </m:r>
+                          </m:e>
+                          <m:sub>
+                            <m:r>
+                              <a:rPr lang="en-US" sz="1000" b="0" i="1" smtClean="0">
+                                <a:latin typeface="Cambria Math" panose="02040503050406030204" pitchFamily="18" charset="0"/>
+                              </a:rPr>
+                              <m:t>7</m:t>
+                            </m:r>
+                          </m:sub>
+                        </m:sSub>
                       </m:oMath>
                     </m:oMathPara>
                   </a14:m>
@@ -18372,7 +18532,7 @@
               </p:txBody>
             </p:sp>
           </mc:Choice>
-          <mc:Fallback>
+          <mc:Fallback xmlns="">
             <p:sp>
               <p:nvSpPr>
                 <p:cNvPr id="361" name="TextBox 360">
@@ -18389,16 +18549,16 @@
               </p:nvSpPr>
               <p:spPr>
                 <a:xfrm>
-                  <a:off x="9244267" y="639168"/>
-                  <a:ext cx="102849" cy="153888"/>
+                  <a:off x="9192677" y="656797"/>
+                  <a:ext cx="159210" cy="153888"/>
                 </a:xfrm>
                 <a:prstGeom prst="rect">
                   <a:avLst/>
                 </a:prstGeom>
                 <a:blipFill>
-                  <a:blip r:embed="rId18"/>
+                  <a:blip r:embed="rId19"/>
                   <a:stretch>
-                    <a:fillRect l="-22222" r="-22222" b="-23077"/>
+                    <a:fillRect l="-14286" r="-7143" b="-15385"/>
                   </a:stretch>
                 </a:blipFill>
               </p:spPr>
@@ -18417,8 +18577,8 @@
             </p:sp>
           </mc:Fallback>
         </mc:AlternateContent>
-        <mc:AlternateContent xmlns:mc="http://schemas.openxmlformats.org/markup-compatibility/2006">
-          <mc:Choice xmlns:a14="http://schemas.microsoft.com/office/drawing/2010/main" Requires="a14">
+        <mc:AlternateContent xmlns:mc="http://schemas.openxmlformats.org/markup-compatibility/2006" xmlns:a14="http://schemas.microsoft.com/office/drawing/2010/main">
+          <mc:Choice Requires="a14">
             <p:sp>
               <p:nvSpPr>
                 <p:cNvPr id="362" name="TextBox 361">
@@ -18433,8 +18593,8 @@
               </p:nvSpPr>
               <p:spPr>
                 <a:xfrm>
-                  <a:off x="9408335" y="682545"/>
-                  <a:ext cx="102849" cy="153888"/>
+                  <a:off x="9407475" y="704744"/>
+                  <a:ext cx="159210" cy="153888"/>
                 </a:xfrm>
                 <a:prstGeom prst="rect">
                   <a:avLst/>
@@ -18447,18 +18607,38 @@
                 </a:bodyPr>
                 <a:lstStyle/>
                 <a:p>
+                  <a:pPr/>
                   <a14:m>
                     <m:oMathPara xmlns:m="http://schemas.openxmlformats.org/officeDocument/2006/math">
                       <m:oMathParaPr>
                         <m:jc m:val="centerGroup"/>
                       </m:oMathParaPr>
                       <m:oMath xmlns:m="http://schemas.openxmlformats.org/officeDocument/2006/math">
-                        <m:r>
-                          <a:rPr lang="en-US" sz="1000" b="0" i="1" smtClean="0">
-                            <a:latin typeface="Cambria Math" panose="02040503050406030204" pitchFamily="18" charset="0"/>
-                          </a:rPr>
-                          <m:t>𝜇</m:t>
-                        </m:r>
+                        <m:sSub>
+                          <m:sSubPr>
+                            <m:ctrlPr>
+                              <a:rPr lang="en-US" sz="1000" b="0" i="1" smtClean="0">
+                                <a:latin typeface="Cambria Math" panose="02040503050406030204" pitchFamily="18" charset="0"/>
+                              </a:rPr>
+                            </m:ctrlPr>
+                          </m:sSubPr>
+                          <m:e>
+                            <m:r>
+                              <a:rPr lang="en-US" sz="1000" b="0" i="1" smtClean="0">
+                                <a:latin typeface="Cambria Math" panose="02040503050406030204" pitchFamily="18" charset="0"/>
+                              </a:rPr>
+                              <m:t>𝜇</m:t>
+                            </m:r>
+                          </m:e>
+                          <m:sub>
+                            <m:r>
+                              <a:rPr lang="en-US" sz="1000" b="0" i="1" smtClean="0">
+                                <a:latin typeface="Cambria Math" panose="02040503050406030204" pitchFamily="18" charset="0"/>
+                              </a:rPr>
+                              <m:t>8</m:t>
+                            </m:r>
+                          </m:sub>
+                        </m:sSub>
                       </m:oMath>
                     </m:oMathPara>
                   </a14:m>
@@ -18467,7 +18647,7 @@
               </p:txBody>
             </p:sp>
           </mc:Choice>
-          <mc:Fallback>
+          <mc:Fallback xmlns="">
             <p:sp>
               <p:nvSpPr>
                 <p:cNvPr id="362" name="TextBox 361">
@@ -18484,16 +18664,16 @@
               </p:nvSpPr>
               <p:spPr>
                 <a:xfrm>
-                  <a:off x="9408335" y="682545"/>
-                  <a:ext cx="102849" cy="153888"/>
+                  <a:off x="9407475" y="704744"/>
+                  <a:ext cx="159210" cy="153888"/>
                 </a:xfrm>
                 <a:prstGeom prst="rect">
                   <a:avLst/>
                 </a:prstGeom>
                 <a:blipFill>
-                  <a:blip r:embed="rId19"/>
+                  <a:blip r:embed="rId20"/>
                   <a:stretch>
-                    <a:fillRect l="-22222" r="-22222" b="-15385"/>
+                    <a:fillRect l="-14286" b="-16667"/>
                   </a:stretch>
                 </a:blipFill>
               </p:spPr>
@@ -18512,8 +18692,8 @@
             </p:sp>
           </mc:Fallback>
         </mc:AlternateContent>
-        <mc:AlternateContent xmlns:mc="http://schemas.openxmlformats.org/markup-compatibility/2006">
-          <mc:Choice xmlns:a14="http://schemas.microsoft.com/office/drawing/2010/main" Requires="a14">
+        <mc:AlternateContent xmlns:mc="http://schemas.openxmlformats.org/markup-compatibility/2006" xmlns:a14="http://schemas.microsoft.com/office/drawing/2010/main">
+          <mc:Choice Requires="a14">
             <p:sp>
               <p:nvSpPr>
                 <p:cNvPr id="363" name="TextBox 362">
@@ -18529,7 +18709,7 @@
               <p:spPr>
                 <a:xfrm>
                   <a:off x="9073073" y="264147"/>
-                  <a:ext cx="102849" cy="153888"/>
+                  <a:ext cx="156261" cy="153888"/>
                 </a:xfrm>
                 <a:prstGeom prst="rect">
                   <a:avLst/>
@@ -18542,18 +18722,38 @@
                 </a:bodyPr>
                 <a:lstStyle/>
                 <a:p>
+                  <a:pPr/>
                   <a14:m>
                     <m:oMathPara xmlns:m="http://schemas.openxmlformats.org/officeDocument/2006/math">
                       <m:oMathParaPr>
                         <m:jc m:val="centerGroup"/>
                       </m:oMathParaPr>
                       <m:oMath xmlns:m="http://schemas.openxmlformats.org/officeDocument/2006/math">
-                        <m:r>
-                          <a:rPr lang="en-US" sz="1000" b="0" i="1" smtClean="0">
-                            <a:latin typeface="Cambria Math" panose="02040503050406030204" pitchFamily="18" charset="0"/>
-                          </a:rPr>
-                          <m:t>𝜇</m:t>
-                        </m:r>
+                        <m:sSub>
+                          <m:sSubPr>
+                            <m:ctrlPr>
+                              <a:rPr lang="en-US" sz="1000" b="0" i="1" smtClean="0">
+                                <a:latin typeface="Cambria Math" panose="02040503050406030204" pitchFamily="18" charset="0"/>
+                              </a:rPr>
+                            </m:ctrlPr>
+                          </m:sSubPr>
+                          <m:e>
+                            <m:r>
+                              <a:rPr lang="en-US" sz="1000" b="0" i="1" smtClean="0">
+                                <a:latin typeface="Cambria Math" panose="02040503050406030204" pitchFamily="18" charset="0"/>
+                              </a:rPr>
+                              <m:t>𝜇</m:t>
+                            </m:r>
+                          </m:e>
+                          <m:sub>
+                            <m:r>
+                              <a:rPr lang="en-US" sz="1000" b="0" i="1" smtClean="0">
+                                <a:latin typeface="Cambria Math" panose="02040503050406030204" pitchFamily="18" charset="0"/>
+                              </a:rPr>
+                              <m:t>1</m:t>
+                            </m:r>
+                          </m:sub>
+                        </m:sSub>
                       </m:oMath>
                     </m:oMathPara>
                   </a14:m>
@@ -18562,7 +18762,7 @@
               </p:txBody>
             </p:sp>
           </mc:Choice>
-          <mc:Fallback>
+          <mc:Fallback xmlns="">
             <p:sp>
               <p:nvSpPr>
                 <p:cNvPr id="363" name="TextBox 362">
@@ -18580,15 +18780,15 @@
               <p:spPr>
                 <a:xfrm>
                   <a:off x="9073073" y="264147"/>
-                  <a:ext cx="102849" cy="153888"/>
+                  <a:ext cx="156261" cy="153888"/>
                 </a:xfrm>
                 <a:prstGeom prst="rect">
                   <a:avLst/>
                 </a:prstGeom>
                 <a:blipFill>
-                  <a:blip r:embed="rId20"/>
+                  <a:blip r:embed="rId21"/>
                   <a:stretch>
-                    <a:fillRect l="-37500" r="-25000" b="-15385"/>
+                    <a:fillRect l="-25000" r="-8333" b="-15385"/>
                   </a:stretch>
                 </a:blipFill>
               </p:spPr>
@@ -18921,8 +19121,8 @@
             </p:nvCxnSpPr>
             <p:spPr>
               <a:xfrm flipH="1">
-                <a:off x="6061589" y="554120"/>
-                <a:ext cx="277736" cy="625893"/>
+                <a:off x="5948294" y="554120"/>
+                <a:ext cx="391031" cy="881209"/>
               </a:xfrm>
               <a:prstGeom prst="line">
                 <a:avLst/>
@@ -18930,49 +19130,6 @@
               <a:ln w="19050">
                 <a:solidFill>
                   <a:srgbClr val="FF0000"/>
-                </a:solidFill>
-              </a:ln>
-            </p:spPr>
-            <p:style>
-              <a:lnRef idx="1">
-                <a:schemeClr val="accent1"/>
-              </a:lnRef>
-              <a:fillRef idx="0">
-                <a:schemeClr val="accent1"/>
-              </a:fillRef>
-              <a:effectRef idx="0">
-                <a:schemeClr val="accent1"/>
-              </a:effectRef>
-              <a:fontRef idx="minor">
-                <a:schemeClr val="tx1"/>
-              </a:fontRef>
-            </p:style>
-          </p:cxnSp>
-          <p:cxnSp>
-            <p:nvCxnSpPr>
-              <p:cNvPr id="383" name="Straight Connector 382">
-                <a:extLst>
-                  <a:ext uri="{FF2B5EF4-FFF2-40B4-BE49-F238E27FC236}">
-                    <a16:creationId xmlns:a16="http://schemas.microsoft.com/office/drawing/2014/main" id="{1DF9F589-03C8-6F46-8B1A-E34DB1172BF4}"/>
-                  </a:ext>
-                </a:extLst>
-              </p:cNvPr>
-              <p:cNvCxnSpPr>
-                <a:cxnSpLocks/>
-              </p:cNvCxnSpPr>
-              <p:nvPr/>
-            </p:nvCxnSpPr>
-            <p:spPr>
-              <a:xfrm flipH="1">
-                <a:off x="6178914" y="784537"/>
-                <a:ext cx="63549" cy="686675"/>
-              </a:xfrm>
-              <a:prstGeom prst="line">
-                <a:avLst/>
-              </a:prstGeom>
-              <a:ln w="19050">
-                <a:solidFill>
-                  <a:srgbClr val="7030A0"/>
                 </a:solidFill>
               </a:ln>
             </p:spPr>
@@ -20388,6 +20545,49 @@
           </p:txBody>
         </p:sp>
       </p:grpSp>
+      <p:cxnSp>
+        <p:nvCxnSpPr>
+          <p:cNvPr id="209" name="Straight Connector 208">
+            <a:extLst>
+              <a:ext uri="{FF2B5EF4-FFF2-40B4-BE49-F238E27FC236}">
+                <a16:creationId xmlns:a16="http://schemas.microsoft.com/office/drawing/2014/main" id="{C2DE8B78-6E19-2446-B0C0-E0E182325706}"/>
+              </a:ext>
+            </a:extLst>
+          </p:cNvPr>
+          <p:cNvCxnSpPr>
+            <a:cxnSpLocks/>
+          </p:cNvCxnSpPr>
+          <p:nvPr/>
+        </p:nvCxnSpPr>
+        <p:spPr>
+          <a:xfrm flipH="1">
+            <a:off x="5080399" y="3602612"/>
+            <a:ext cx="37765" cy="408052"/>
+          </a:xfrm>
+          <a:prstGeom prst="line">
+            <a:avLst/>
+          </a:prstGeom>
+          <a:ln w="19050">
+            <a:solidFill>
+              <a:srgbClr val="7030A0"/>
+            </a:solidFill>
+          </a:ln>
+        </p:spPr>
+        <p:style>
+          <a:lnRef idx="1">
+            <a:schemeClr val="accent1"/>
+          </a:lnRef>
+          <a:fillRef idx="0">
+            <a:schemeClr val="accent1"/>
+          </a:fillRef>
+          <a:effectRef idx="0">
+            <a:schemeClr val="accent1"/>
+          </a:effectRef>
+          <a:fontRef idx="minor">
+            <a:schemeClr val="tx1"/>
+          </a:fontRef>
+        </p:style>
+      </p:cxnSp>
     </p:spTree>
     <p:extLst>
       <p:ext uri="{BB962C8B-B14F-4D97-AF65-F5344CB8AC3E}">
@@ -24257,8 +24457,8 @@
             </a:fontRef>
           </p:style>
         </p:cxnSp>
-        <mc:AlternateContent xmlns:mc="http://schemas.openxmlformats.org/markup-compatibility/2006">
-          <mc:Choice xmlns:a14="http://schemas.microsoft.com/office/drawing/2010/main" Requires="a14">
+        <mc:AlternateContent xmlns:mc="http://schemas.openxmlformats.org/markup-compatibility/2006" xmlns:a14="http://schemas.microsoft.com/office/drawing/2010/main">
+          <mc:Choice Requires="a14">
             <p:sp>
               <p:nvSpPr>
                 <p:cNvPr id="81" name="TextBox 80">
@@ -24287,6 +24487,7 @@
                 </a:bodyPr>
                 <a:lstStyle/>
                 <a:p>
+                  <a:pPr/>
                   <a14:m>
                     <m:oMathPara xmlns:m="http://schemas.openxmlformats.org/officeDocument/2006/math">
                       <m:oMathParaPr>
@@ -24326,7 +24527,7 @@
               </p:txBody>
             </p:sp>
           </mc:Choice>
-          <mc:Fallback>
+          <mc:Fallback xmlns="">
             <p:sp>
               <p:nvSpPr>
                 <p:cNvPr id="81" name="TextBox 80">
@@ -24386,10 +24587,10 @@
         </p:nvGrpSpPr>
         <p:grpSpPr>
           <a:xfrm>
-            <a:off x="3404765" y="700576"/>
-            <a:ext cx="1199207" cy="2060420"/>
-            <a:chOff x="3485380" y="189184"/>
-            <a:chExt cx="1199207" cy="2060420"/>
+            <a:off x="3404765" y="700577"/>
+            <a:ext cx="1199207" cy="2060419"/>
+            <a:chOff x="3485380" y="189185"/>
+            <a:chExt cx="1199207" cy="2060419"/>
           </a:xfrm>
         </p:grpSpPr>
         <p:grpSp>
@@ -25082,84 +25283,6 @@
             </a:fontRef>
           </p:style>
         </p:cxnSp>
-        <p:sp>
-          <p:nvSpPr>
-            <p:cNvPr id="92" name="TextBox 91">
-              <a:extLst>
-                <a:ext uri="{FF2B5EF4-FFF2-40B4-BE49-F238E27FC236}">
-                  <a16:creationId xmlns:a16="http://schemas.microsoft.com/office/drawing/2014/main" id="{64932856-7F53-EC49-BD83-54EE2724989A}"/>
-                </a:ext>
-              </a:extLst>
-            </p:cNvPr>
-            <p:cNvSpPr txBox="1"/>
-            <p:nvPr/>
-          </p:nvSpPr>
-          <p:spPr>
-            <a:xfrm>
-              <a:off x="3506349" y="189184"/>
-              <a:ext cx="431118" cy="338554"/>
-            </a:xfrm>
-            <a:prstGeom prst="rect">
-              <a:avLst/>
-            </a:prstGeom>
-            <a:noFill/>
-          </p:spPr>
-          <p:txBody>
-            <a:bodyPr wrap="square" rtlCol="0">
-              <a:spAutoFit/>
-            </a:bodyPr>
-            <a:lstStyle/>
-            <a:p>
-              <a:r>
-                <a:rPr lang="en-US" sz="1600" dirty="0">
-                  <a:latin typeface="CMU Serif Roman" panose="02000603000000000000" pitchFamily="2" charset="0"/>
-                  <a:ea typeface="CMU Serif Roman" panose="02000603000000000000" pitchFamily="2" charset="0"/>
-                  <a:cs typeface="CMU Serif Roman" panose="02000603000000000000" pitchFamily="2" charset="0"/>
-                </a:rPr>
-                <a:t>3ii</a:t>
-              </a:r>
-            </a:p>
-          </p:txBody>
-        </p:sp>
-        <p:sp>
-          <p:nvSpPr>
-            <p:cNvPr id="96" name="TextBox 95">
-              <a:extLst>
-                <a:ext uri="{FF2B5EF4-FFF2-40B4-BE49-F238E27FC236}">
-                  <a16:creationId xmlns:a16="http://schemas.microsoft.com/office/drawing/2014/main" id="{7B01B1DF-B9B3-6648-B95F-AB810BBD4178}"/>
-                </a:ext>
-              </a:extLst>
-            </p:cNvPr>
-            <p:cNvSpPr txBox="1"/>
-            <p:nvPr/>
-          </p:nvSpPr>
-          <p:spPr>
-            <a:xfrm>
-              <a:off x="3501806" y="1413636"/>
-              <a:ext cx="431118" cy="338554"/>
-            </a:xfrm>
-            <a:prstGeom prst="rect">
-              <a:avLst/>
-            </a:prstGeom>
-            <a:noFill/>
-          </p:spPr>
-          <p:txBody>
-            <a:bodyPr wrap="square" rtlCol="0">
-              <a:spAutoFit/>
-            </a:bodyPr>
-            <a:lstStyle/>
-            <a:p>
-              <a:r>
-                <a:rPr lang="en-US" sz="1600" dirty="0">
-                  <a:latin typeface="CMU Serif Roman" panose="02000603000000000000" pitchFamily="2" charset="0"/>
-                  <a:ea typeface="CMU Serif Roman" panose="02000603000000000000" pitchFamily="2" charset="0"/>
-                  <a:cs typeface="CMU Serif Roman" panose="02000603000000000000" pitchFamily="2" charset="0"/>
-                </a:rPr>
-                <a:t>3</a:t>
-              </a:r>
-            </a:p>
-          </p:txBody>
-        </p:sp>
         <p:cxnSp>
           <p:nvCxnSpPr>
             <p:cNvPr id="97" name="Straight Connector 96">
@@ -25246,8 +25369,8 @@
             </a:fontRef>
           </p:style>
         </p:cxnSp>
-        <mc:AlternateContent xmlns:mc="http://schemas.openxmlformats.org/markup-compatibility/2006">
-          <mc:Choice xmlns:a14="http://schemas.microsoft.com/office/drawing/2010/main" Requires="a14">
+        <mc:AlternateContent xmlns:mc="http://schemas.openxmlformats.org/markup-compatibility/2006" xmlns:a14="http://schemas.microsoft.com/office/drawing/2010/main">
+          <mc:Choice Requires="a14">
             <p:sp>
               <p:nvSpPr>
                 <p:cNvPr id="86" name="TextBox 85">
@@ -25276,6 +25399,7 @@
                 </a:bodyPr>
                 <a:lstStyle/>
                 <a:p>
+                  <a:pPr/>
                   <a14:m>
                     <m:oMathPara xmlns:m="http://schemas.openxmlformats.org/officeDocument/2006/math">
                       <m:oMathParaPr>
@@ -25315,7 +25439,7 @@
               </p:txBody>
             </p:sp>
           </mc:Choice>
-          <mc:Fallback>
+          <mc:Fallback xmlns="">
             <p:sp>
               <p:nvSpPr>
                 <p:cNvPr id="86" name="TextBox 85">
@@ -25492,8 +25616,8 @@
             </a:fontRef>
           </p:style>
         </p:cxnSp>
-        <mc:AlternateContent xmlns:mc="http://schemas.openxmlformats.org/markup-compatibility/2006">
-          <mc:Choice xmlns:a14="http://schemas.microsoft.com/office/drawing/2010/main" Requires="a14">
+        <mc:AlternateContent xmlns:mc="http://schemas.openxmlformats.org/markup-compatibility/2006" xmlns:a14="http://schemas.microsoft.com/office/drawing/2010/main">
+          <mc:Choice Requires="a14">
             <p:sp>
               <p:nvSpPr>
                 <p:cNvPr id="115" name="TextBox 114">
@@ -25522,6 +25646,7 @@
                 </a:bodyPr>
                 <a:lstStyle/>
                 <a:p>
+                  <a:pPr/>
                   <a14:m>
                     <m:oMathPara xmlns:m="http://schemas.openxmlformats.org/officeDocument/2006/math">
                       <m:oMathParaPr>
@@ -25561,7 +25686,7 @@
               </p:txBody>
             </p:sp>
           </mc:Choice>
-          <mc:Fallback>
+          <mc:Fallback xmlns="">
             <p:sp>
               <p:nvSpPr>
                 <p:cNvPr id="115" name="TextBox 114">
@@ -26291,8 +26416,8 @@
           </a:fontRef>
         </p:style>
       </p:cxnSp>
-      <mc:AlternateContent xmlns:mc="http://schemas.openxmlformats.org/markup-compatibility/2006">
-        <mc:Choice xmlns:a14="http://schemas.microsoft.com/office/drawing/2010/main" Requires="a14">
+      <mc:AlternateContent xmlns:mc="http://schemas.openxmlformats.org/markup-compatibility/2006" xmlns:a14="http://schemas.microsoft.com/office/drawing/2010/main">
+        <mc:Choice Requires="a14">
           <p:sp>
             <p:nvSpPr>
               <p:cNvPr id="169" name="TextBox 168">
@@ -26321,6 +26446,7 @@
               </a:bodyPr>
               <a:lstStyle/>
               <a:p>
+                <a:pPr/>
                 <a14:m>
                   <m:oMathPara xmlns:m="http://schemas.openxmlformats.org/officeDocument/2006/math">
                     <m:oMathParaPr>
@@ -26360,7 +26486,7 @@
             </p:txBody>
           </p:sp>
         </mc:Choice>
-        <mc:Fallback>
+        <mc:Fallback xmlns="">
           <p:sp>
             <p:nvSpPr>
               <p:cNvPr id="169" name="TextBox 168">
@@ -26405,8 +26531,8 @@
           </p:sp>
         </mc:Fallback>
       </mc:AlternateContent>
-      <mc:AlternateContent xmlns:mc="http://schemas.openxmlformats.org/markup-compatibility/2006">
-        <mc:Choice xmlns:a14="http://schemas.microsoft.com/office/drawing/2010/main" Requires="a14">
+      <mc:AlternateContent xmlns:mc="http://schemas.openxmlformats.org/markup-compatibility/2006" xmlns:a14="http://schemas.microsoft.com/office/drawing/2010/main">
+        <mc:Choice Requires="a14">
           <p:sp>
             <p:nvSpPr>
               <p:cNvPr id="170" name="TextBox 169">
@@ -26435,6 +26561,7 @@
               </a:bodyPr>
               <a:lstStyle/>
               <a:p>
+                <a:pPr/>
                 <a14:m>
                   <m:oMathPara xmlns:m="http://schemas.openxmlformats.org/officeDocument/2006/math">
                     <m:oMathParaPr>
@@ -26474,7 +26601,7 @@
             </p:txBody>
           </p:sp>
         </mc:Choice>
-        <mc:Fallback>
+        <mc:Fallback xmlns="">
           <p:sp>
             <p:nvSpPr>
               <p:cNvPr id="170" name="TextBox 169">
@@ -26967,8 +27094,8 @@
           </a:p>
         </p:txBody>
       </p:sp>
-      <mc:AlternateContent xmlns:mc="http://schemas.openxmlformats.org/markup-compatibility/2006">
-        <mc:Choice xmlns:a14="http://schemas.microsoft.com/office/drawing/2010/main" Requires="a14">
+      <mc:AlternateContent xmlns:mc="http://schemas.openxmlformats.org/markup-compatibility/2006" xmlns:a14="http://schemas.microsoft.com/office/drawing/2010/main">
+        <mc:Choice Requires="a14">
           <p:sp>
             <p:nvSpPr>
               <p:cNvPr id="184" name="TextBox 183">
@@ -26997,6 +27124,7 @@
               </a:bodyPr>
               <a:lstStyle/>
               <a:p>
+                <a:pPr/>
                 <a14:m>
                   <m:oMathPara xmlns:m="http://schemas.openxmlformats.org/officeDocument/2006/math">
                     <m:oMathParaPr>
@@ -27036,7 +27164,7 @@
             </p:txBody>
           </p:sp>
         </mc:Choice>
-        <mc:Fallback>
+        <mc:Fallback xmlns="">
           <p:sp>
             <p:nvSpPr>
               <p:cNvPr id="184" name="TextBox 183">
@@ -27270,8 +27398,8 @@
             </a:fontRef>
           </p:style>
         </p:cxnSp>
-        <mc:AlternateContent xmlns:mc="http://schemas.openxmlformats.org/markup-compatibility/2006">
-          <mc:Choice xmlns:a14="http://schemas.microsoft.com/office/drawing/2010/main" Requires="a14">
+        <mc:AlternateContent xmlns:mc="http://schemas.openxmlformats.org/markup-compatibility/2006" xmlns:a14="http://schemas.microsoft.com/office/drawing/2010/main">
+          <mc:Choice Requires="a14">
             <p:sp>
               <p:nvSpPr>
                 <p:cNvPr id="234" name="TextBox 233">
@@ -27300,6 +27428,7 @@
                 </a:bodyPr>
                 <a:lstStyle/>
                 <a:p>
+                  <a:pPr/>
                   <a14:m>
                     <m:oMathPara xmlns:m="http://schemas.openxmlformats.org/officeDocument/2006/math">
                       <m:oMathParaPr>
@@ -27339,7 +27468,7 @@
               </p:txBody>
             </p:sp>
           </mc:Choice>
-          <mc:Fallback>
+          <mc:Fallback xmlns="">
             <p:sp>
               <p:nvSpPr>
                 <p:cNvPr id="234" name="TextBox 233">
@@ -27472,8 +27601,8 @@
             </a:fontRef>
           </p:style>
         </p:cxnSp>
-        <mc:AlternateContent xmlns:mc="http://schemas.openxmlformats.org/markup-compatibility/2006">
-          <mc:Choice xmlns:a14="http://schemas.microsoft.com/office/drawing/2010/main" Requires="a14">
+        <mc:AlternateContent xmlns:mc="http://schemas.openxmlformats.org/markup-compatibility/2006" xmlns:a14="http://schemas.microsoft.com/office/drawing/2010/main">
+          <mc:Choice Requires="a14">
             <p:sp>
               <p:nvSpPr>
                 <p:cNvPr id="237" name="TextBox 236">
@@ -27502,6 +27631,7 @@
                 </a:bodyPr>
                 <a:lstStyle/>
                 <a:p>
+                  <a:pPr/>
                   <a14:m>
                     <m:oMathPara xmlns:m="http://schemas.openxmlformats.org/officeDocument/2006/math">
                       <m:oMathParaPr>
@@ -27541,7 +27671,7 @@
               </p:txBody>
             </p:sp>
           </mc:Choice>
-          <mc:Fallback>
+          <mc:Fallback xmlns="">
             <p:sp>
               <p:nvSpPr>
                 <p:cNvPr id="237" name="TextBox 236">
@@ -27847,8 +27977,8 @@
             </a:fontRef>
           </p:style>
         </p:cxnSp>
-        <mc:AlternateContent xmlns:mc="http://schemas.openxmlformats.org/markup-compatibility/2006">
-          <mc:Choice xmlns:a14="http://schemas.microsoft.com/office/drawing/2010/main" Requires="a14">
+        <mc:AlternateContent xmlns:mc="http://schemas.openxmlformats.org/markup-compatibility/2006" xmlns:a14="http://schemas.microsoft.com/office/drawing/2010/main">
+          <mc:Choice Requires="a14">
             <p:sp>
               <p:nvSpPr>
                 <p:cNvPr id="248" name="TextBox 247">
@@ -27877,6 +28007,7 @@
                 </a:bodyPr>
                 <a:lstStyle/>
                 <a:p>
+                  <a:pPr/>
                   <a14:m>
                     <m:oMathPara xmlns:m="http://schemas.openxmlformats.org/officeDocument/2006/math">
                       <m:oMathParaPr>
@@ -27916,7 +28047,7 @@
               </p:txBody>
             </p:sp>
           </mc:Choice>
-          <mc:Fallback>
+          <mc:Fallback xmlns="">
             <p:sp>
               <p:nvSpPr>
                 <p:cNvPr id="248" name="TextBox 247">
@@ -28489,8 +28620,8 @@
             </a:fontRef>
           </p:style>
         </p:cxnSp>
-        <mc:AlternateContent xmlns:mc="http://schemas.openxmlformats.org/markup-compatibility/2006">
-          <mc:Choice xmlns:a14="http://schemas.microsoft.com/office/drawing/2010/main" Requires="a14">
+        <mc:AlternateContent xmlns:mc="http://schemas.openxmlformats.org/markup-compatibility/2006" xmlns:a14="http://schemas.microsoft.com/office/drawing/2010/main">
+          <mc:Choice Requires="a14">
             <p:sp>
               <p:nvSpPr>
                 <p:cNvPr id="305" name="TextBox 304">
@@ -28519,6 +28650,7 @@
                 </a:bodyPr>
                 <a:lstStyle/>
                 <a:p>
+                  <a:pPr/>
                   <a14:m>
                     <m:oMathPara xmlns:m="http://schemas.openxmlformats.org/officeDocument/2006/math">
                       <m:oMathParaPr>
@@ -28558,7 +28690,7 @@
               </p:txBody>
             </p:sp>
           </mc:Choice>
-          <mc:Fallback>
+          <mc:Fallback xmlns="">
             <p:sp>
               <p:nvSpPr>
                 <p:cNvPr id="305" name="TextBox 304">
@@ -28691,8 +28823,8 @@
             </a:fontRef>
           </p:style>
         </p:cxnSp>
-        <mc:AlternateContent xmlns:mc="http://schemas.openxmlformats.org/markup-compatibility/2006">
-          <mc:Choice xmlns:a14="http://schemas.microsoft.com/office/drawing/2010/main" Requires="a14">
+        <mc:AlternateContent xmlns:mc="http://schemas.openxmlformats.org/markup-compatibility/2006" xmlns:a14="http://schemas.microsoft.com/office/drawing/2010/main">
+          <mc:Choice Requires="a14">
             <p:sp>
               <p:nvSpPr>
                 <p:cNvPr id="308" name="TextBox 307">
@@ -28721,6 +28853,7 @@
                 </a:bodyPr>
                 <a:lstStyle/>
                 <a:p>
+                  <a:pPr/>
                   <a14:m>
                     <m:oMathPara xmlns:m="http://schemas.openxmlformats.org/officeDocument/2006/math">
                       <m:oMathParaPr>
@@ -28760,7 +28893,7 @@
               </p:txBody>
             </p:sp>
           </mc:Choice>
-          <mc:Fallback>
+          <mc:Fallback xmlns="">
             <p:sp>
               <p:nvSpPr>
                 <p:cNvPr id="308" name="TextBox 307">
@@ -29025,8 +29158,8 @@
             </a:fontRef>
           </p:style>
         </p:cxnSp>
-        <mc:AlternateContent xmlns:mc="http://schemas.openxmlformats.org/markup-compatibility/2006">
-          <mc:Choice xmlns:a14="http://schemas.microsoft.com/office/drawing/2010/main" Requires="a14">
+        <mc:AlternateContent xmlns:mc="http://schemas.openxmlformats.org/markup-compatibility/2006" xmlns:a14="http://schemas.microsoft.com/office/drawing/2010/main">
+          <mc:Choice Requires="a14">
             <p:sp>
               <p:nvSpPr>
                 <p:cNvPr id="315" name="TextBox 314">
@@ -29055,6 +29188,7 @@
                 </a:bodyPr>
                 <a:lstStyle/>
                 <a:p>
+                  <a:pPr/>
                   <a14:m>
                     <m:oMathPara xmlns:m="http://schemas.openxmlformats.org/officeDocument/2006/math">
                       <m:oMathParaPr>
@@ -29094,7 +29228,7 @@
               </p:txBody>
             </p:sp>
           </mc:Choice>
-          <mc:Fallback>
+          <mc:Fallback xmlns="">
             <p:sp>
               <p:nvSpPr>
                 <p:cNvPr id="315" name="TextBox 314">
@@ -29316,10 +29450,10 @@
       </p:grpSp>
       <p:grpSp>
         <p:nvGrpSpPr>
-          <p:cNvPr id="365" name="Group 364">
+          <p:cNvPr id="329" name="Group 328">
             <a:extLst>
               <a:ext uri="{FF2B5EF4-FFF2-40B4-BE49-F238E27FC236}">
-                <a16:creationId xmlns:a16="http://schemas.microsoft.com/office/drawing/2014/main" id="{2B2F0416-809D-884C-A1B8-2CC3B4DB2D1D}"/>
+                <a16:creationId xmlns:a16="http://schemas.microsoft.com/office/drawing/2014/main" id="{B63FA3A9-75B2-F442-A473-A6C38AEC085E}"/>
               </a:ext>
             </a:extLst>
           </p:cNvPr>
@@ -29330,1307 +29464,526 @@
           <a:xfrm>
             <a:off x="5729496" y="694545"/>
             <a:ext cx="1177158" cy="1328136"/>
-            <a:chOff x="8609448" y="190607"/>
+            <a:chOff x="5885521" y="174752"/>
             <a:chExt cx="1177158" cy="1328136"/>
           </a:xfrm>
         </p:grpSpPr>
-        <p:grpSp>
-          <p:nvGrpSpPr>
-            <p:cNvPr id="329" name="Group 328">
+        <p:cxnSp>
+          <p:nvCxnSpPr>
+            <p:cNvPr id="330" name="Straight Connector 329">
               <a:extLst>
                 <a:ext uri="{FF2B5EF4-FFF2-40B4-BE49-F238E27FC236}">
-                  <a16:creationId xmlns:a16="http://schemas.microsoft.com/office/drawing/2014/main" id="{B63FA3A9-75B2-F442-A473-A6C38AEC085E}"/>
+                  <a16:creationId xmlns:a16="http://schemas.microsoft.com/office/drawing/2014/main" id="{D1321AA3-DB6C-5443-A5ED-64A424C73F67}"/>
                 </a:ext>
               </a:extLst>
             </p:cNvPr>
-            <p:cNvGrpSpPr/>
+            <p:cNvCxnSpPr>
+              <a:cxnSpLocks/>
+            </p:cNvCxnSpPr>
             <p:nvPr/>
-          </p:nvGrpSpPr>
-          <p:grpSpPr>
+          </p:nvCxnSpPr>
+          <p:spPr>
             <a:xfrm>
-              <a:off x="8609448" y="190607"/>
-              <a:ext cx="1177158" cy="1328136"/>
-              <a:chOff x="5885521" y="174752"/>
-              <a:chExt cx="1177158" cy="1328136"/>
+              <a:off x="5885521" y="181047"/>
+              <a:ext cx="1177158" cy="0"/>
             </a:xfrm>
-          </p:grpSpPr>
-          <p:cxnSp>
-            <p:nvCxnSpPr>
-              <p:cNvPr id="330" name="Straight Connector 329">
-                <a:extLst>
-                  <a:ext uri="{FF2B5EF4-FFF2-40B4-BE49-F238E27FC236}">
-                    <a16:creationId xmlns:a16="http://schemas.microsoft.com/office/drawing/2014/main" id="{D1321AA3-DB6C-5443-A5ED-64A424C73F67}"/>
-                  </a:ext>
-                </a:extLst>
-              </p:cNvPr>
-              <p:cNvCxnSpPr>
-                <a:cxnSpLocks/>
-              </p:cNvCxnSpPr>
-              <p:nvPr/>
-            </p:nvCxnSpPr>
-            <p:spPr>
-              <a:xfrm>
-                <a:off x="5885521" y="181047"/>
-                <a:ext cx="1177158" cy="0"/>
-              </a:xfrm>
-              <a:prstGeom prst="line">
-                <a:avLst/>
-              </a:prstGeom>
-              <a:ln w="28575">
-                <a:solidFill>
-                  <a:schemeClr val="tx1"/>
-                </a:solidFill>
-                <a:prstDash val="dash"/>
-              </a:ln>
-            </p:spPr>
-            <p:style>
-              <a:lnRef idx="1">
-                <a:schemeClr val="accent1"/>
-              </a:lnRef>
-              <a:fillRef idx="0">
-                <a:schemeClr val="accent1"/>
-              </a:fillRef>
-              <a:effectRef idx="0">
-                <a:schemeClr val="accent1"/>
-              </a:effectRef>
-              <a:fontRef idx="minor">
+            <a:prstGeom prst="line">
+              <a:avLst/>
+            </a:prstGeom>
+            <a:ln w="28575">
+              <a:solidFill>
                 <a:schemeClr val="tx1"/>
-              </a:fontRef>
-            </p:style>
-          </p:cxnSp>
-          <p:sp>
-            <p:nvSpPr>
-              <p:cNvPr id="331" name="TextBox 330">
-                <a:extLst>
-                  <a:ext uri="{FF2B5EF4-FFF2-40B4-BE49-F238E27FC236}">
-                    <a16:creationId xmlns:a16="http://schemas.microsoft.com/office/drawing/2014/main" id="{0A4A1570-DB66-0F41-8304-137AD9D2D3C5}"/>
-                  </a:ext>
-                </a:extLst>
-              </p:cNvPr>
-              <p:cNvSpPr txBox="1"/>
-              <p:nvPr/>
-            </p:nvSpPr>
-            <p:spPr>
-              <a:xfrm>
-                <a:off x="5895049" y="186376"/>
-                <a:ext cx="431118" cy="338554"/>
-              </a:xfrm>
-              <a:prstGeom prst="rect">
-                <a:avLst/>
-              </a:prstGeom>
-              <a:noFill/>
-            </p:spPr>
-            <p:txBody>
-              <a:bodyPr wrap="square" rtlCol="0">
-                <a:spAutoFit/>
-              </a:bodyPr>
-              <a:lstStyle/>
-              <a:p>
-                <a:r>
-                  <a:rPr lang="en-US" sz="1600" dirty="0">
-                    <a:latin typeface="CMU Serif Roman" panose="02000603000000000000" pitchFamily="2" charset="0"/>
-                    <a:ea typeface="CMU Serif Roman" panose="02000603000000000000" pitchFamily="2" charset="0"/>
-                    <a:cs typeface="CMU Serif Roman" panose="02000603000000000000" pitchFamily="2" charset="0"/>
-                  </a:rPr>
-                  <a:t>7</a:t>
-                </a:r>
-              </a:p>
-            </p:txBody>
-          </p:sp>
-          <p:cxnSp>
-            <p:nvCxnSpPr>
-              <p:cNvPr id="332" name="Straight Connector 331">
-                <a:extLst>
-                  <a:ext uri="{FF2B5EF4-FFF2-40B4-BE49-F238E27FC236}">
-                    <a16:creationId xmlns:a16="http://schemas.microsoft.com/office/drawing/2014/main" id="{41FCA1E3-18DA-6D4F-AD1B-AD4C1F299D28}"/>
-                  </a:ext>
-                </a:extLst>
-              </p:cNvPr>
-              <p:cNvCxnSpPr>
-                <a:cxnSpLocks/>
-              </p:cNvCxnSpPr>
-              <p:nvPr/>
-            </p:nvCxnSpPr>
-            <p:spPr>
-              <a:xfrm>
-                <a:off x="6340439" y="265207"/>
-                <a:ext cx="0" cy="178678"/>
-              </a:xfrm>
-              <a:prstGeom prst="line">
-                <a:avLst/>
-              </a:prstGeom>
-              <a:ln w="19050">
-                <a:solidFill>
-                  <a:srgbClr val="FF0000"/>
-                </a:solidFill>
-              </a:ln>
-            </p:spPr>
-            <p:style>
-              <a:lnRef idx="1">
-                <a:schemeClr val="accent1"/>
-              </a:lnRef>
-              <a:fillRef idx="0">
-                <a:schemeClr val="accent1"/>
-              </a:fillRef>
-              <a:effectRef idx="0">
-                <a:schemeClr val="accent1"/>
-              </a:effectRef>
-              <a:fontRef idx="minor">
+              </a:solidFill>
+              <a:prstDash val="dash"/>
+            </a:ln>
+          </p:spPr>
+          <p:style>
+            <a:lnRef idx="1">
+              <a:schemeClr val="accent1"/>
+            </a:lnRef>
+            <a:fillRef idx="0">
+              <a:schemeClr val="accent1"/>
+            </a:fillRef>
+            <a:effectRef idx="0">
+              <a:schemeClr val="accent1"/>
+            </a:effectRef>
+            <a:fontRef idx="minor">
+              <a:schemeClr val="tx1"/>
+            </a:fontRef>
+          </p:style>
+        </p:cxnSp>
+        <p:sp>
+          <p:nvSpPr>
+            <p:cNvPr id="331" name="TextBox 330">
+              <a:extLst>
+                <a:ext uri="{FF2B5EF4-FFF2-40B4-BE49-F238E27FC236}">
+                  <a16:creationId xmlns:a16="http://schemas.microsoft.com/office/drawing/2014/main" id="{0A4A1570-DB66-0F41-8304-137AD9D2D3C5}"/>
+                </a:ext>
+              </a:extLst>
+            </p:cNvPr>
+            <p:cNvSpPr txBox="1"/>
+            <p:nvPr/>
+          </p:nvSpPr>
+          <p:spPr>
+            <a:xfrm>
+              <a:off x="5895049" y="186376"/>
+              <a:ext cx="431118" cy="338554"/>
+            </a:xfrm>
+            <a:prstGeom prst="rect">
+              <a:avLst/>
+            </a:prstGeom>
+            <a:noFill/>
+          </p:spPr>
+          <p:txBody>
+            <a:bodyPr wrap="square" rtlCol="0">
+              <a:spAutoFit/>
+            </a:bodyPr>
+            <a:lstStyle/>
+            <a:p>
+              <a:r>
+                <a:rPr lang="en-US" sz="1600" dirty="0">
+                  <a:latin typeface="CMU Serif Roman" panose="02000603000000000000" pitchFamily="2" charset="0"/>
+                  <a:ea typeface="CMU Serif Roman" panose="02000603000000000000" pitchFamily="2" charset="0"/>
+                  <a:cs typeface="CMU Serif Roman" panose="02000603000000000000" pitchFamily="2" charset="0"/>
+                </a:rPr>
+                <a:t>7</a:t>
+              </a:r>
+            </a:p>
+          </p:txBody>
+        </p:sp>
+        <p:cxnSp>
+          <p:nvCxnSpPr>
+            <p:cNvPr id="332" name="Straight Connector 331">
+              <a:extLst>
+                <a:ext uri="{FF2B5EF4-FFF2-40B4-BE49-F238E27FC236}">
+                  <a16:creationId xmlns:a16="http://schemas.microsoft.com/office/drawing/2014/main" id="{41FCA1E3-18DA-6D4F-AD1B-AD4C1F299D28}"/>
+                </a:ext>
+              </a:extLst>
+            </p:cNvPr>
+            <p:cNvCxnSpPr>
+              <a:cxnSpLocks/>
+            </p:cNvCxnSpPr>
+            <p:nvPr/>
+          </p:nvCxnSpPr>
+          <p:spPr>
+            <a:xfrm>
+              <a:off x="6337264" y="268382"/>
+              <a:ext cx="0" cy="178678"/>
+            </a:xfrm>
+            <a:prstGeom prst="line">
+              <a:avLst/>
+            </a:prstGeom>
+            <a:ln w="19050">
+              <a:solidFill>
+                <a:srgbClr val="FF0000"/>
+              </a:solidFill>
+            </a:ln>
+          </p:spPr>
+          <p:style>
+            <a:lnRef idx="1">
+              <a:schemeClr val="accent1"/>
+            </a:lnRef>
+            <a:fillRef idx="0">
+              <a:schemeClr val="accent1"/>
+            </a:fillRef>
+            <a:effectRef idx="0">
+              <a:schemeClr val="accent1"/>
+            </a:effectRef>
+            <a:fontRef idx="minor">
+              <a:schemeClr val="tx1"/>
+            </a:fontRef>
+          </p:style>
+        </p:cxnSp>
+        <p:cxnSp>
+          <p:nvCxnSpPr>
+            <p:cNvPr id="333" name="Straight Connector 332">
+              <a:extLst>
+                <a:ext uri="{FF2B5EF4-FFF2-40B4-BE49-F238E27FC236}">
+                  <a16:creationId xmlns:a16="http://schemas.microsoft.com/office/drawing/2014/main" id="{E39DD689-D73D-1B4B-9DE5-1B3FF412C00E}"/>
+                </a:ext>
+              </a:extLst>
+            </p:cNvPr>
+            <p:cNvCxnSpPr>
+              <a:cxnSpLocks/>
+            </p:cNvCxnSpPr>
+            <p:nvPr/>
+          </p:nvCxnSpPr>
+          <p:spPr>
+            <a:xfrm>
+              <a:off x="6666872" y="268382"/>
+              <a:ext cx="0" cy="178678"/>
+            </a:xfrm>
+            <a:prstGeom prst="line">
+              <a:avLst/>
+            </a:prstGeom>
+            <a:ln w="19050">
+              <a:solidFill>
+                <a:srgbClr val="FFC000"/>
+              </a:solidFill>
+            </a:ln>
+          </p:spPr>
+          <p:style>
+            <a:lnRef idx="1">
+              <a:schemeClr val="accent1"/>
+            </a:lnRef>
+            <a:fillRef idx="0">
+              <a:schemeClr val="accent1"/>
+            </a:fillRef>
+            <a:effectRef idx="0">
+              <a:schemeClr val="accent1"/>
+            </a:effectRef>
+            <a:fontRef idx="minor">
+              <a:schemeClr val="tx1"/>
+            </a:fontRef>
+          </p:style>
+        </p:cxnSp>
+        <p:cxnSp>
+          <p:nvCxnSpPr>
+            <p:cNvPr id="335" name="Straight Connector 334">
+              <a:extLst>
+                <a:ext uri="{FF2B5EF4-FFF2-40B4-BE49-F238E27FC236}">
+                  <a16:creationId xmlns:a16="http://schemas.microsoft.com/office/drawing/2014/main" id="{AEEF3BA0-A99E-DA47-B583-2891A6CA2198}"/>
+                </a:ext>
+              </a:extLst>
+            </p:cNvPr>
+            <p:cNvCxnSpPr>
+              <a:cxnSpLocks/>
+            </p:cNvCxnSpPr>
+            <p:nvPr/>
+          </p:nvCxnSpPr>
+          <p:spPr>
+            <a:xfrm>
+              <a:off x="7055781" y="181047"/>
+              <a:ext cx="0" cy="1321841"/>
+            </a:xfrm>
+            <a:prstGeom prst="line">
+              <a:avLst/>
+            </a:prstGeom>
+            <a:ln w="28575">
+              <a:solidFill>
                 <a:schemeClr val="tx1"/>
-              </a:fontRef>
-            </p:style>
-          </p:cxnSp>
-          <p:cxnSp>
-            <p:nvCxnSpPr>
-              <p:cNvPr id="333" name="Straight Connector 332">
-                <a:extLst>
-                  <a:ext uri="{FF2B5EF4-FFF2-40B4-BE49-F238E27FC236}">
-                    <a16:creationId xmlns:a16="http://schemas.microsoft.com/office/drawing/2014/main" id="{E39DD689-D73D-1B4B-9DE5-1B3FF412C00E}"/>
-                  </a:ext>
-                </a:extLst>
-              </p:cNvPr>
-              <p:cNvCxnSpPr>
-                <a:cxnSpLocks/>
-              </p:cNvCxnSpPr>
-              <p:nvPr/>
-            </p:nvCxnSpPr>
-            <p:spPr>
-              <a:xfrm>
-                <a:off x="6666872" y="265207"/>
-                <a:ext cx="0" cy="178678"/>
-              </a:xfrm>
-              <a:prstGeom prst="line">
-                <a:avLst/>
-              </a:prstGeom>
-              <a:ln w="19050">
-                <a:solidFill>
-                  <a:srgbClr val="FFC000"/>
-                </a:solidFill>
-              </a:ln>
-            </p:spPr>
-            <p:style>
-              <a:lnRef idx="1">
-                <a:schemeClr val="accent1"/>
-              </a:lnRef>
-              <a:fillRef idx="0">
-                <a:schemeClr val="accent1"/>
-              </a:fillRef>
-              <a:effectRef idx="0">
-                <a:schemeClr val="accent1"/>
-              </a:effectRef>
-              <a:fontRef idx="minor">
+              </a:solidFill>
+              <a:prstDash val="dash"/>
+            </a:ln>
+          </p:spPr>
+          <p:style>
+            <a:lnRef idx="1">
+              <a:schemeClr val="accent1"/>
+            </a:lnRef>
+            <a:fillRef idx="0">
+              <a:schemeClr val="accent1"/>
+            </a:fillRef>
+            <a:effectRef idx="0">
+              <a:schemeClr val="accent1"/>
+            </a:effectRef>
+            <a:fontRef idx="minor">
+              <a:schemeClr val="tx1"/>
+            </a:fontRef>
+          </p:style>
+        </p:cxnSp>
+        <p:cxnSp>
+          <p:nvCxnSpPr>
+            <p:cNvPr id="336" name="Straight Connector 335">
+              <a:extLst>
+                <a:ext uri="{FF2B5EF4-FFF2-40B4-BE49-F238E27FC236}">
+                  <a16:creationId xmlns:a16="http://schemas.microsoft.com/office/drawing/2014/main" id="{3B469C1A-8824-3747-ADF5-A76BA1AB1B34}"/>
+                </a:ext>
+              </a:extLst>
+            </p:cNvPr>
+            <p:cNvCxnSpPr>
+              <a:cxnSpLocks/>
+            </p:cNvCxnSpPr>
+            <p:nvPr/>
+          </p:nvCxnSpPr>
+          <p:spPr>
+            <a:xfrm>
+              <a:off x="5885521" y="1502888"/>
+              <a:ext cx="1177158" cy="0"/>
+            </a:xfrm>
+            <a:prstGeom prst="line">
+              <a:avLst/>
+            </a:prstGeom>
+            <a:ln w="28575">
+              <a:solidFill>
                 <a:schemeClr val="tx1"/>
-              </a:fontRef>
-            </p:style>
-          </p:cxnSp>
-          <p:cxnSp>
-            <p:nvCxnSpPr>
-              <p:cNvPr id="335" name="Straight Connector 334">
-                <a:extLst>
-                  <a:ext uri="{FF2B5EF4-FFF2-40B4-BE49-F238E27FC236}">
-                    <a16:creationId xmlns:a16="http://schemas.microsoft.com/office/drawing/2014/main" id="{AEEF3BA0-A99E-DA47-B583-2891A6CA2198}"/>
-                  </a:ext>
-                </a:extLst>
-              </p:cNvPr>
-              <p:cNvCxnSpPr>
-                <a:cxnSpLocks/>
-              </p:cNvCxnSpPr>
-              <p:nvPr/>
-            </p:nvCxnSpPr>
-            <p:spPr>
-              <a:xfrm>
-                <a:off x="7055781" y="181047"/>
-                <a:ext cx="0" cy="1321841"/>
-              </a:xfrm>
-              <a:prstGeom prst="line">
-                <a:avLst/>
-              </a:prstGeom>
-              <a:ln w="28575">
-                <a:solidFill>
-                  <a:schemeClr val="tx1"/>
-                </a:solidFill>
-                <a:prstDash val="dash"/>
-              </a:ln>
-            </p:spPr>
-            <p:style>
-              <a:lnRef idx="1">
-                <a:schemeClr val="accent1"/>
-              </a:lnRef>
-              <a:fillRef idx="0">
-                <a:schemeClr val="accent1"/>
-              </a:fillRef>
-              <a:effectRef idx="0">
-                <a:schemeClr val="accent1"/>
-              </a:effectRef>
-              <a:fontRef idx="minor">
+              </a:solidFill>
+              <a:prstDash val="dash"/>
+            </a:ln>
+          </p:spPr>
+          <p:style>
+            <a:lnRef idx="1">
+              <a:schemeClr val="accent1"/>
+            </a:lnRef>
+            <a:fillRef idx="0">
+              <a:schemeClr val="accent1"/>
+            </a:fillRef>
+            <a:effectRef idx="0">
+              <a:schemeClr val="accent1"/>
+            </a:effectRef>
+            <a:fontRef idx="minor">
+              <a:schemeClr val="tx1"/>
+            </a:fontRef>
+          </p:style>
+        </p:cxnSp>
+        <p:cxnSp>
+          <p:nvCxnSpPr>
+            <p:cNvPr id="338" name="Straight Connector 337">
+              <a:extLst>
+                <a:ext uri="{FF2B5EF4-FFF2-40B4-BE49-F238E27FC236}">
+                  <a16:creationId xmlns:a16="http://schemas.microsoft.com/office/drawing/2014/main" id="{F7F06BC8-6DAD-5E48-A773-FBFCEB7A1FBC}"/>
+                </a:ext>
+              </a:extLst>
+            </p:cNvPr>
+            <p:cNvCxnSpPr>
+              <a:cxnSpLocks/>
+            </p:cNvCxnSpPr>
+            <p:nvPr/>
+          </p:nvCxnSpPr>
+          <p:spPr>
+            <a:xfrm flipH="1">
+              <a:off x="5936339" y="448045"/>
+              <a:ext cx="402986" cy="908151"/>
+            </a:xfrm>
+            <a:prstGeom prst="line">
+              <a:avLst/>
+            </a:prstGeom>
+            <a:ln w="19050">
+              <a:solidFill>
+                <a:srgbClr val="FF0000"/>
+              </a:solidFill>
+            </a:ln>
+          </p:spPr>
+          <p:style>
+            <a:lnRef idx="1">
+              <a:schemeClr val="accent1"/>
+            </a:lnRef>
+            <a:fillRef idx="0">
+              <a:schemeClr val="accent1"/>
+            </a:fillRef>
+            <a:effectRef idx="0">
+              <a:schemeClr val="accent1"/>
+            </a:effectRef>
+            <a:fontRef idx="minor">
+              <a:schemeClr val="tx1"/>
+            </a:fontRef>
+          </p:style>
+        </p:cxnSp>
+        <p:cxnSp>
+          <p:nvCxnSpPr>
+            <p:cNvPr id="339" name="Straight Connector 338">
+              <a:extLst>
+                <a:ext uri="{FF2B5EF4-FFF2-40B4-BE49-F238E27FC236}">
+                  <a16:creationId xmlns:a16="http://schemas.microsoft.com/office/drawing/2014/main" id="{7C74C40B-D179-8D42-A4E4-0A615DC62C7E}"/>
+                </a:ext>
+              </a:extLst>
+            </p:cNvPr>
+            <p:cNvCxnSpPr>
+              <a:cxnSpLocks/>
+            </p:cNvCxnSpPr>
+            <p:nvPr/>
+          </p:nvCxnSpPr>
+          <p:spPr>
+            <a:xfrm flipH="1">
+              <a:off x="6207068" y="678462"/>
+              <a:ext cx="35396" cy="382456"/>
+            </a:xfrm>
+            <a:prstGeom prst="line">
+              <a:avLst/>
+            </a:prstGeom>
+            <a:ln w="19050">
+              <a:solidFill>
+                <a:srgbClr val="7030A0"/>
+              </a:solidFill>
+            </a:ln>
+          </p:spPr>
+          <p:style>
+            <a:lnRef idx="1">
+              <a:schemeClr val="accent1"/>
+            </a:lnRef>
+            <a:fillRef idx="0">
+              <a:schemeClr val="accent1"/>
+            </a:fillRef>
+            <a:effectRef idx="0">
+              <a:schemeClr val="accent1"/>
+            </a:effectRef>
+            <a:fontRef idx="minor">
+              <a:schemeClr val="tx1"/>
+            </a:fontRef>
+          </p:style>
+        </p:cxnSp>
+        <p:cxnSp>
+          <p:nvCxnSpPr>
+            <p:cNvPr id="342" name="Straight Connector 341">
+              <a:extLst>
+                <a:ext uri="{FF2B5EF4-FFF2-40B4-BE49-F238E27FC236}">
+                  <a16:creationId xmlns:a16="http://schemas.microsoft.com/office/drawing/2014/main" id="{58B75C1D-7661-884F-A5A2-DA592E58FAF5}"/>
+                </a:ext>
+              </a:extLst>
+            </p:cNvPr>
+            <p:cNvCxnSpPr>
+              <a:cxnSpLocks/>
+            </p:cNvCxnSpPr>
+            <p:nvPr/>
+          </p:nvCxnSpPr>
+          <p:spPr>
+            <a:xfrm>
+              <a:off x="5895049" y="174752"/>
+              <a:ext cx="0" cy="1328136"/>
+            </a:xfrm>
+            <a:prstGeom prst="line">
+              <a:avLst/>
+            </a:prstGeom>
+            <a:ln w="28575">
+              <a:solidFill>
                 <a:schemeClr val="tx1"/>
-              </a:fontRef>
-            </p:style>
-          </p:cxnSp>
-          <p:cxnSp>
-            <p:nvCxnSpPr>
-              <p:cNvPr id="336" name="Straight Connector 335">
-                <a:extLst>
-                  <a:ext uri="{FF2B5EF4-FFF2-40B4-BE49-F238E27FC236}">
-                    <a16:creationId xmlns:a16="http://schemas.microsoft.com/office/drawing/2014/main" id="{3B469C1A-8824-3747-ADF5-A76BA1AB1B34}"/>
-                  </a:ext>
-                </a:extLst>
-              </p:cNvPr>
-              <p:cNvCxnSpPr>
-                <a:cxnSpLocks/>
-              </p:cNvCxnSpPr>
-              <p:nvPr/>
-            </p:nvCxnSpPr>
-            <p:spPr>
-              <a:xfrm>
-                <a:off x="5885521" y="1502888"/>
-                <a:ext cx="1177158" cy="0"/>
-              </a:xfrm>
-              <a:prstGeom prst="line">
-                <a:avLst/>
-              </a:prstGeom>
-              <a:ln w="28575">
-                <a:solidFill>
-                  <a:schemeClr val="tx1"/>
-                </a:solidFill>
-                <a:prstDash val="dash"/>
-              </a:ln>
-            </p:spPr>
-            <p:style>
-              <a:lnRef idx="1">
-                <a:schemeClr val="accent1"/>
-              </a:lnRef>
-              <a:fillRef idx="0">
-                <a:schemeClr val="accent1"/>
-              </a:fillRef>
-              <a:effectRef idx="0">
-                <a:schemeClr val="accent1"/>
-              </a:effectRef>
-              <a:fontRef idx="minor">
-                <a:schemeClr val="tx1"/>
-              </a:fontRef>
-            </p:style>
-          </p:cxnSp>
-          <p:cxnSp>
-            <p:nvCxnSpPr>
-              <p:cNvPr id="338" name="Straight Connector 337">
-                <a:extLst>
-                  <a:ext uri="{FF2B5EF4-FFF2-40B4-BE49-F238E27FC236}">
-                    <a16:creationId xmlns:a16="http://schemas.microsoft.com/office/drawing/2014/main" id="{F7F06BC8-6DAD-5E48-A773-FBFCEB7A1FBC}"/>
-                  </a:ext>
-                </a:extLst>
-              </p:cNvPr>
-              <p:cNvCxnSpPr>
-                <a:cxnSpLocks/>
-              </p:cNvCxnSpPr>
-              <p:nvPr/>
-            </p:nvCxnSpPr>
-            <p:spPr>
-              <a:xfrm flipH="1">
-                <a:off x="6061589" y="448045"/>
-                <a:ext cx="277736" cy="625893"/>
-              </a:xfrm>
-              <a:prstGeom prst="line">
-                <a:avLst/>
-              </a:prstGeom>
-              <a:ln w="19050">
-                <a:solidFill>
-                  <a:srgbClr val="FF0000"/>
-                </a:solidFill>
-              </a:ln>
-            </p:spPr>
-            <p:style>
-              <a:lnRef idx="1">
-                <a:schemeClr val="accent1"/>
-              </a:lnRef>
-              <a:fillRef idx="0">
-                <a:schemeClr val="accent1"/>
-              </a:fillRef>
-              <a:effectRef idx="0">
-                <a:schemeClr val="accent1"/>
-              </a:effectRef>
-              <a:fontRef idx="minor">
-                <a:schemeClr val="tx1"/>
-              </a:fontRef>
-            </p:style>
-          </p:cxnSp>
-          <p:cxnSp>
-            <p:nvCxnSpPr>
-              <p:cNvPr id="339" name="Straight Connector 338">
-                <a:extLst>
-                  <a:ext uri="{FF2B5EF4-FFF2-40B4-BE49-F238E27FC236}">
-                    <a16:creationId xmlns:a16="http://schemas.microsoft.com/office/drawing/2014/main" id="{7C74C40B-D179-8D42-A4E4-0A615DC62C7E}"/>
-                  </a:ext>
-                </a:extLst>
-              </p:cNvPr>
-              <p:cNvCxnSpPr>
-                <a:cxnSpLocks/>
-              </p:cNvCxnSpPr>
-              <p:nvPr/>
-            </p:nvCxnSpPr>
-            <p:spPr>
-              <a:xfrm flipH="1">
-                <a:off x="6178914" y="678462"/>
-                <a:ext cx="63549" cy="686675"/>
-              </a:xfrm>
-              <a:prstGeom prst="line">
-                <a:avLst/>
-              </a:prstGeom>
-              <a:ln w="19050">
-                <a:solidFill>
-                  <a:srgbClr val="7030A0"/>
-                </a:solidFill>
-              </a:ln>
-            </p:spPr>
-            <p:style>
-              <a:lnRef idx="1">
-                <a:schemeClr val="accent1"/>
-              </a:lnRef>
-              <a:fillRef idx="0">
-                <a:schemeClr val="accent1"/>
-              </a:fillRef>
-              <a:effectRef idx="0">
-                <a:schemeClr val="accent1"/>
-              </a:effectRef>
-              <a:fontRef idx="minor">
-                <a:schemeClr val="tx1"/>
-              </a:fontRef>
-            </p:style>
-          </p:cxnSp>
-          <p:cxnSp>
-            <p:nvCxnSpPr>
-              <p:cNvPr id="342" name="Straight Connector 341">
-                <a:extLst>
-                  <a:ext uri="{FF2B5EF4-FFF2-40B4-BE49-F238E27FC236}">
-                    <a16:creationId xmlns:a16="http://schemas.microsoft.com/office/drawing/2014/main" id="{58B75C1D-7661-884F-A5A2-DA592E58FAF5}"/>
-                  </a:ext>
-                </a:extLst>
-              </p:cNvPr>
-              <p:cNvCxnSpPr>
-                <a:cxnSpLocks/>
-              </p:cNvCxnSpPr>
-              <p:nvPr/>
-            </p:nvCxnSpPr>
-            <p:spPr>
-              <a:xfrm>
-                <a:off x="5895049" y="174752"/>
-                <a:ext cx="0" cy="1328136"/>
-              </a:xfrm>
-              <a:prstGeom prst="line">
-                <a:avLst/>
-              </a:prstGeom>
-              <a:ln w="28575">
-                <a:solidFill>
-                  <a:schemeClr val="tx1"/>
-                </a:solidFill>
-                <a:prstDash val="dash"/>
-              </a:ln>
-            </p:spPr>
-            <p:style>
-              <a:lnRef idx="1">
-                <a:schemeClr val="accent1"/>
-              </a:lnRef>
-              <a:fillRef idx="0">
-                <a:schemeClr val="accent1"/>
-              </a:fillRef>
-              <a:effectRef idx="0">
-                <a:schemeClr val="accent1"/>
-              </a:effectRef>
-              <a:fontRef idx="minor">
-                <a:schemeClr val="tx1"/>
-              </a:fontRef>
-            </p:style>
-          </p:cxnSp>
-          <p:cxnSp>
-            <p:nvCxnSpPr>
-              <p:cNvPr id="345" name="Straight Connector 344">
-                <a:extLst>
-                  <a:ext uri="{FF2B5EF4-FFF2-40B4-BE49-F238E27FC236}">
-                    <a16:creationId xmlns:a16="http://schemas.microsoft.com/office/drawing/2014/main" id="{822572B0-B04F-3449-B130-A939FCE803E8}"/>
-                  </a:ext>
-                </a:extLst>
-              </p:cNvPr>
-              <p:cNvCxnSpPr>
-                <a:cxnSpLocks/>
-              </p:cNvCxnSpPr>
-              <p:nvPr/>
-            </p:nvCxnSpPr>
-            <p:spPr>
-              <a:xfrm>
-                <a:off x="6338850" y="446423"/>
-                <a:ext cx="29179" cy="443320"/>
-              </a:xfrm>
-              <a:prstGeom prst="line">
-                <a:avLst/>
-              </a:prstGeom>
-              <a:ln w="19050">
-                <a:solidFill>
-                  <a:srgbClr val="FF0000"/>
-                </a:solidFill>
-              </a:ln>
-            </p:spPr>
-            <p:style>
-              <a:lnRef idx="1">
-                <a:schemeClr val="accent1"/>
-              </a:lnRef>
-              <a:fillRef idx="0">
-                <a:schemeClr val="accent1"/>
-              </a:fillRef>
-              <a:effectRef idx="0">
-                <a:schemeClr val="accent1"/>
-              </a:effectRef>
-              <a:fontRef idx="minor">
-                <a:schemeClr val="tx1"/>
-              </a:fontRef>
-            </p:style>
-          </p:cxnSp>
-          <p:cxnSp>
-            <p:nvCxnSpPr>
-              <p:cNvPr id="346" name="Straight Connector 345">
-                <a:extLst>
-                  <a:ext uri="{FF2B5EF4-FFF2-40B4-BE49-F238E27FC236}">
-                    <a16:creationId xmlns:a16="http://schemas.microsoft.com/office/drawing/2014/main" id="{0C9D343A-DB82-494A-AAC4-D162E3661E50}"/>
-                  </a:ext>
-                </a:extLst>
-              </p:cNvPr>
-              <p:cNvCxnSpPr>
-                <a:cxnSpLocks/>
-              </p:cNvCxnSpPr>
-              <p:nvPr/>
-            </p:nvCxnSpPr>
-            <p:spPr>
-              <a:xfrm flipH="1">
-                <a:off x="6610031" y="419625"/>
-                <a:ext cx="56842" cy="393488"/>
-              </a:xfrm>
-              <a:prstGeom prst="line">
-                <a:avLst/>
-              </a:prstGeom>
-              <a:ln w="19050">
-                <a:solidFill>
-                  <a:srgbClr val="FFC000"/>
-                </a:solidFill>
-              </a:ln>
-            </p:spPr>
-            <p:style>
-              <a:lnRef idx="1">
-                <a:schemeClr val="accent1"/>
-              </a:lnRef>
-              <a:fillRef idx="0">
-                <a:schemeClr val="accent1"/>
-              </a:fillRef>
-              <a:effectRef idx="0">
-                <a:schemeClr val="accent1"/>
-              </a:effectRef>
-              <a:fontRef idx="minor">
-                <a:schemeClr val="tx1"/>
-              </a:fontRef>
-            </p:style>
-          </p:cxnSp>
-          <p:cxnSp>
-            <p:nvCxnSpPr>
-              <p:cNvPr id="347" name="Straight Connector 346">
-                <a:extLst>
-                  <a:ext uri="{FF2B5EF4-FFF2-40B4-BE49-F238E27FC236}">
-                    <a16:creationId xmlns:a16="http://schemas.microsoft.com/office/drawing/2014/main" id="{464396DB-E3F6-534E-9B3E-E78F743312E4}"/>
-                  </a:ext>
-                </a:extLst>
-              </p:cNvPr>
-              <p:cNvCxnSpPr>
-                <a:cxnSpLocks/>
-              </p:cNvCxnSpPr>
-              <p:nvPr/>
-            </p:nvCxnSpPr>
-            <p:spPr>
-              <a:xfrm>
-                <a:off x="6639446" y="613831"/>
-                <a:ext cx="55461" cy="337033"/>
-              </a:xfrm>
-              <a:prstGeom prst="line">
-                <a:avLst/>
-              </a:prstGeom>
-              <a:ln w="19050">
-                <a:solidFill>
-                  <a:srgbClr val="FFC000"/>
-                </a:solidFill>
-              </a:ln>
-            </p:spPr>
-            <p:style>
-              <a:lnRef idx="1">
-                <a:schemeClr val="accent1"/>
-              </a:lnRef>
-              <a:fillRef idx="0">
-                <a:schemeClr val="accent1"/>
-              </a:fillRef>
-              <a:effectRef idx="0">
-                <a:schemeClr val="accent1"/>
-              </a:effectRef>
-              <a:fontRef idx="minor">
-                <a:schemeClr val="tx1"/>
-              </a:fontRef>
-            </p:style>
-          </p:cxnSp>
-        </p:grpSp>
-        <mc:AlternateContent xmlns:mc="http://schemas.openxmlformats.org/markup-compatibility/2006">
-          <mc:Choice xmlns:a14="http://schemas.microsoft.com/office/drawing/2010/main" Requires="a14">
-            <p:sp>
-              <p:nvSpPr>
-                <p:cNvPr id="356" name="TextBox 355">
-                  <a:extLst>
-                    <a:ext uri="{FF2B5EF4-FFF2-40B4-BE49-F238E27FC236}">
-                      <a16:creationId xmlns:a16="http://schemas.microsoft.com/office/drawing/2014/main" id="{9EC80AE9-B1DB-2345-803E-A4FD53FA03F0}"/>
-                    </a:ext>
-                  </a:extLst>
-                </p:cNvPr>
-                <p:cNvSpPr txBox="1"/>
-                <p:nvPr/>
-              </p:nvSpPr>
-              <p:spPr>
-                <a:xfrm>
-                  <a:off x="8915558" y="447807"/>
-                  <a:ext cx="102849" cy="153888"/>
-                </a:xfrm>
-                <a:prstGeom prst="rect">
-                  <a:avLst/>
-                </a:prstGeom>
-                <a:noFill/>
-              </p:spPr>
-              <p:txBody>
-                <a:bodyPr wrap="none" lIns="0" tIns="0" rIns="0" bIns="0" rtlCol="0">
-                  <a:spAutoFit/>
-                </a:bodyPr>
-                <a:lstStyle/>
-                <a:p>
-                  <a14:m>
-                    <m:oMathPara xmlns:m="http://schemas.openxmlformats.org/officeDocument/2006/math">
-                      <m:oMathParaPr>
-                        <m:jc m:val="centerGroup"/>
-                      </m:oMathParaPr>
-                      <m:oMath xmlns:m="http://schemas.openxmlformats.org/officeDocument/2006/math">
-                        <m:r>
-                          <a:rPr lang="en-US" sz="1000" b="0" i="1" smtClean="0">
-                            <a:latin typeface="Cambria Math" panose="02040503050406030204" pitchFamily="18" charset="0"/>
-                          </a:rPr>
-                          <m:t>𝜇</m:t>
-                        </m:r>
-                      </m:oMath>
-                    </m:oMathPara>
-                  </a14:m>
-                  <a:endParaRPr lang="en-US" sz="1000" b="0" dirty="0"/>
-                </a:p>
-              </p:txBody>
-            </p:sp>
-          </mc:Choice>
-          <mc:Fallback>
-            <p:sp>
-              <p:nvSpPr>
-                <p:cNvPr id="356" name="TextBox 355">
-                  <a:extLst>
-                    <a:ext uri="{FF2B5EF4-FFF2-40B4-BE49-F238E27FC236}">
-                      <a16:creationId xmlns:a16="http://schemas.microsoft.com/office/drawing/2014/main" id="{9EC80AE9-B1DB-2345-803E-A4FD53FA03F0}"/>
-                    </a:ext>
-                  </a:extLst>
-                </p:cNvPr>
-                <p:cNvSpPr txBox="1">
-                  <a:spLocks noRot="1" noChangeAspect="1" noMove="1" noResize="1" noEditPoints="1" noAdjustHandles="1" noChangeArrowheads="1" noChangeShapeType="1" noTextEdit="1"/>
-                </p:cNvSpPr>
-                <p:nvPr/>
-              </p:nvSpPr>
-              <p:spPr>
-                <a:xfrm>
-                  <a:off x="8915558" y="447807"/>
-                  <a:ext cx="102849" cy="153888"/>
-                </a:xfrm>
-                <a:prstGeom prst="rect">
-                  <a:avLst/>
-                </a:prstGeom>
-                <a:blipFill>
-                  <a:blip r:embed="rId14"/>
-                  <a:stretch>
-                    <a:fillRect l="-22222" r="-22222" b="-15385"/>
-                  </a:stretch>
-                </a:blipFill>
-              </p:spPr>
-              <p:txBody>
-                <a:bodyPr/>
-                <a:lstStyle/>
-                <a:p>
-                  <a:r>
-                    <a:rPr lang="en-US">
-                      <a:noFill/>
-                    </a:rPr>
-                    <a:t> </a:t>
-                  </a:r>
-                </a:p>
-              </p:txBody>
-            </p:sp>
-          </mc:Fallback>
-        </mc:AlternateContent>
-        <mc:AlternateContent xmlns:mc="http://schemas.openxmlformats.org/markup-compatibility/2006">
-          <mc:Choice xmlns:a14="http://schemas.microsoft.com/office/drawing/2010/main" Requires="a14">
-            <p:sp>
-              <p:nvSpPr>
-                <p:cNvPr id="357" name="TextBox 356">
-                  <a:extLst>
-                    <a:ext uri="{FF2B5EF4-FFF2-40B4-BE49-F238E27FC236}">
-                      <a16:creationId xmlns:a16="http://schemas.microsoft.com/office/drawing/2014/main" id="{B6B3C1B8-2624-ED40-AB20-18AB5153D4ED}"/>
-                    </a:ext>
-                  </a:extLst>
-                </p:cNvPr>
-                <p:cNvSpPr txBox="1"/>
-                <p:nvPr/>
-              </p:nvSpPr>
-              <p:spPr>
-                <a:xfrm>
-                  <a:off x="9085494" y="555280"/>
-                  <a:ext cx="102849" cy="153888"/>
-                </a:xfrm>
-                <a:prstGeom prst="rect">
-                  <a:avLst/>
-                </a:prstGeom>
-                <a:noFill/>
-              </p:spPr>
-              <p:txBody>
-                <a:bodyPr wrap="none" lIns="0" tIns="0" rIns="0" bIns="0" rtlCol="0">
-                  <a:spAutoFit/>
-                </a:bodyPr>
-                <a:lstStyle/>
-                <a:p>
-                  <a14:m>
-                    <m:oMathPara xmlns:m="http://schemas.openxmlformats.org/officeDocument/2006/math">
-                      <m:oMathParaPr>
-                        <m:jc m:val="centerGroup"/>
-                      </m:oMathParaPr>
-                      <m:oMath xmlns:m="http://schemas.openxmlformats.org/officeDocument/2006/math">
-                        <m:r>
-                          <a:rPr lang="en-US" sz="1000" b="0" i="1" smtClean="0">
-                            <a:latin typeface="Cambria Math" panose="02040503050406030204" pitchFamily="18" charset="0"/>
-                          </a:rPr>
-                          <m:t>𝜇</m:t>
-                        </m:r>
-                      </m:oMath>
-                    </m:oMathPara>
-                  </a14:m>
-                  <a:endParaRPr lang="en-US" sz="1000" b="0" dirty="0"/>
-                </a:p>
-              </p:txBody>
-            </p:sp>
-          </mc:Choice>
-          <mc:Fallback>
-            <p:sp>
-              <p:nvSpPr>
-                <p:cNvPr id="357" name="TextBox 356">
-                  <a:extLst>
-                    <a:ext uri="{FF2B5EF4-FFF2-40B4-BE49-F238E27FC236}">
-                      <a16:creationId xmlns:a16="http://schemas.microsoft.com/office/drawing/2014/main" id="{B6B3C1B8-2624-ED40-AB20-18AB5153D4ED}"/>
-                    </a:ext>
-                  </a:extLst>
-                </p:cNvPr>
-                <p:cNvSpPr txBox="1">
-                  <a:spLocks noRot="1" noChangeAspect="1" noMove="1" noResize="1" noEditPoints="1" noAdjustHandles="1" noChangeArrowheads="1" noChangeShapeType="1" noTextEdit="1"/>
-                </p:cNvSpPr>
-                <p:nvPr/>
-              </p:nvSpPr>
-              <p:spPr>
-                <a:xfrm>
-                  <a:off x="9085494" y="555280"/>
-                  <a:ext cx="102849" cy="153888"/>
-                </a:xfrm>
-                <a:prstGeom prst="rect">
-                  <a:avLst/>
-                </a:prstGeom>
-                <a:blipFill>
-                  <a:blip r:embed="rId15"/>
-                  <a:stretch>
-                    <a:fillRect l="-22222" r="-22222" b="-7143"/>
-                  </a:stretch>
-                </a:blipFill>
-              </p:spPr>
-              <p:txBody>
-                <a:bodyPr/>
-                <a:lstStyle/>
-                <a:p>
-                  <a:r>
-                    <a:rPr lang="en-US">
-                      <a:noFill/>
-                    </a:rPr>
-                    <a:t> </a:t>
-                  </a:r>
-                </a:p>
-              </p:txBody>
-            </p:sp>
-          </mc:Fallback>
-        </mc:AlternateContent>
-        <mc:AlternateContent xmlns:mc="http://schemas.openxmlformats.org/markup-compatibility/2006">
-          <mc:Choice xmlns:a14="http://schemas.microsoft.com/office/drawing/2010/main" Requires="a14">
-            <p:sp>
-              <p:nvSpPr>
-                <p:cNvPr id="358" name="TextBox 357">
-                  <a:extLst>
-                    <a:ext uri="{FF2B5EF4-FFF2-40B4-BE49-F238E27FC236}">
-                      <a16:creationId xmlns:a16="http://schemas.microsoft.com/office/drawing/2014/main" id="{A6327946-A196-1D43-B58E-48C9AD7944E6}"/>
-                    </a:ext>
-                  </a:extLst>
-                </p:cNvPr>
-                <p:cNvSpPr txBox="1"/>
-                <p:nvPr/>
-              </p:nvSpPr>
-              <p:spPr>
-                <a:xfrm>
-                  <a:off x="8767987" y="776846"/>
-                  <a:ext cx="102849" cy="153888"/>
-                </a:xfrm>
-                <a:prstGeom prst="rect">
-                  <a:avLst/>
-                </a:prstGeom>
-                <a:noFill/>
-              </p:spPr>
-              <p:txBody>
-                <a:bodyPr wrap="none" lIns="0" tIns="0" rIns="0" bIns="0" rtlCol="0">
-                  <a:spAutoFit/>
-                </a:bodyPr>
-                <a:lstStyle/>
-                <a:p>
-                  <a14:m>
-                    <m:oMathPara xmlns:m="http://schemas.openxmlformats.org/officeDocument/2006/math">
-                      <m:oMathParaPr>
-                        <m:jc m:val="centerGroup"/>
-                      </m:oMathParaPr>
-                      <m:oMath xmlns:m="http://schemas.openxmlformats.org/officeDocument/2006/math">
-                        <m:r>
-                          <a:rPr lang="en-US" sz="1000" b="0" i="1" smtClean="0">
-                            <a:latin typeface="Cambria Math" panose="02040503050406030204" pitchFamily="18" charset="0"/>
-                          </a:rPr>
-                          <m:t>𝜇</m:t>
-                        </m:r>
-                      </m:oMath>
-                    </m:oMathPara>
-                  </a14:m>
-                  <a:endParaRPr lang="en-US" sz="1000" b="0" dirty="0"/>
-                </a:p>
-              </p:txBody>
-            </p:sp>
-          </mc:Choice>
-          <mc:Fallback>
-            <p:sp>
-              <p:nvSpPr>
-                <p:cNvPr id="358" name="TextBox 357">
-                  <a:extLst>
-                    <a:ext uri="{FF2B5EF4-FFF2-40B4-BE49-F238E27FC236}">
-                      <a16:creationId xmlns:a16="http://schemas.microsoft.com/office/drawing/2014/main" id="{A6327946-A196-1D43-B58E-48C9AD7944E6}"/>
-                    </a:ext>
-                  </a:extLst>
-                </p:cNvPr>
-                <p:cNvSpPr txBox="1">
-                  <a:spLocks noRot="1" noChangeAspect="1" noMove="1" noResize="1" noEditPoints="1" noAdjustHandles="1" noChangeArrowheads="1" noChangeShapeType="1" noTextEdit="1"/>
-                </p:cNvSpPr>
-                <p:nvPr/>
-              </p:nvSpPr>
-              <p:spPr>
-                <a:xfrm>
-                  <a:off x="8767987" y="776846"/>
-                  <a:ext cx="102849" cy="153888"/>
-                </a:xfrm>
-                <a:prstGeom prst="rect">
-                  <a:avLst/>
-                </a:prstGeom>
-                <a:blipFill>
-                  <a:blip r:embed="rId16"/>
-                  <a:stretch>
-                    <a:fillRect l="-33333" r="-11111" b="-15385"/>
-                  </a:stretch>
-                </a:blipFill>
-              </p:spPr>
-              <p:txBody>
-                <a:bodyPr/>
-                <a:lstStyle/>
-                <a:p>
-                  <a:r>
-                    <a:rPr lang="en-US">
-                      <a:noFill/>
-                    </a:rPr>
-                    <a:t> </a:t>
-                  </a:r>
-                </a:p>
-              </p:txBody>
-            </p:sp>
-          </mc:Fallback>
-        </mc:AlternateContent>
-        <mc:AlternateContent xmlns:mc="http://schemas.openxmlformats.org/markup-compatibility/2006">
-          <mc:Choice xmlns:a14="http://schemas.microsoft.com/office/drawing/2010/main" Requires="a14">
-            <p:sp>
-              <p:nvSpPr>
-                <p:cNvPr id="359" name="TextBox 358">
-                  <a:extLst>
-                    <a:ext uri="{FF2B5EF4-FFF2-40B4-BE49-F238E27FC236}">
-                      <a16:creationId xmlns:a16="http://schemas.microsoft.com/office/drawing/2014/main" id="{4FAC95E0-6795-2B4E-A841-03DDD4E68B54}"/>
-                    </a:ext>
-                  </a:extLst>
-                </p:cNvPr>
-                <p:cNvSpPr txBox="1"/>
-                <p:nvPr/>
-              </p:nvSpPr>
-              <p:spPr>
-                <a:xfrm>
-                  <a:off x="8934615" y="1010712"/>
-                  <a:ext cx="102849" cy="153888"/>
-                </a:xfrm>
-                <a:prstGeom prst="rect">
-                  <a:avLst/>
-                </a:prstGeom>
-                <a:noFill/>
-              </p:spPr>
-              <p:txBody>
-                <a:bodyPr wrap="none" lIns="0" tIns="0" rIns="0" bIns="0" rtlCol="0">
-                  <a:spAutoFit/>
-                </a:bodyPr>
-                <a:lstStyle/>
-                <a:p>
-                  <a14:m>
-                    <m:oMathPara xmlns:m="http://schemas.openxmlformats.org/officeDocument/2006/math">
-                      <m:oMathParaPr>
-                        <m:jc m:val="centerGroup"/>
-                      </m:oMathParaPr>
-                      <m:oMath xmlns:m="http://schemas.openxmlformats.org/officeDocument/2006/math">
-                        <m:r>
-                          <a:rPr lang="en-US" sz="1000" b="0" i="1" smtClean="0">
-                            <a:latin typeface="Cambria Math" panose="02040503050406030204" pitchFamily="18" charset="0"/>
-                          </a:rPr>
-                          <m:t>𝜇</m:t>
-                        </m:r>
-                      </m:oMath>
-                    </m:oMathPara>
-                  </a14:m>
-                  <a:endParaRPr lang="en-US" sz="1000" b="0" dirty="0"/>
-                </a:p>
-              </p:txBody>
-            </p:sp>
-          </mc:Choice>
-          <mc:Fallback>
-            <p:sp>
-              <p:nvSpPr>
-                <p:cNvPr id="359" name="TextBox 358">
-                  <a:extLst>
-                    <a:ext uri="{FF2B5EF4-FFF2-40B4-BE49-F238E27FC236}">
-                      <a16:creationId xmlns:a16="http://schemas.microsoft.com/office/drawing/2014/main" id="{4FAC95E0-6795-2B4E-A841-03DDD4E68B54}"/>
-                    </a:ext>
-                  </a:extLst>
-                </p:cNvPr>
-                <p:cNvSpPr txBox="1">
-                  <a:spLocks noRot="1" noChangeAspect="1" noMove="1" noResize="1" noEditPoints="1" noAdjustHandles="1" noChangeArrowheads="1" noChangeShapeType="1" noTextEdit="1"/>
-                </p:cNvSpPr>
-                <p:nvPr/>
-              </p:nvSpPr>
-              <p:spPr>
-                <a:xfrm>
-                  <a:off x="8934615" y="1010712"/>
-                  <a:ext cx="102849" cy="153888"/>
-                </a:xfrm>
-                <a:prstGeom prst="rect">
-                  <a:avLst/>
-                </a:prstGeom>
-                <a:blipFill>
-                  <a:blip r:embed="rId17"/>
-                  <a:stretch>
-                    <a:fillRect l="-22222" r="-22222" b="-15385"/>
-                  </a:stretch>
-                </a:blipFill>
-              </p:spPr>
-              <p:txBody>
-                <a:bodyPr/>
-                <a:lstStyle/>
-                <a:p>
-                  <a:r>
-                    <a:rPr lang="en-US">
-                      <a:noFill/>
-                    </a:rPr>
-                    <a:t> </a:t>
-                  </a:r>
-                </a:p>
-              </p:txBody>
-            </p:sp>
-          </mc:Fallback>
-        </mc:AlternateContent>
-        <mc:AlternateContent xmlns:mc="http://schemas.openxmlformats.org/markup-compatibility/2006">
-          <mc:Choice xmlns:a14="http://schemas.microsoft.com/office/drawing/2010/main" Requires="a14">
-            <p:sp>
-              <p:nvSpPr>
-                <p:cNvPr id="360" name="TextBox 359">
-                  <a:extLst>
-                    <a:ext uri="{FF2B5EF4-FFF2-40B4-BE49-F238E27FC236}">
-                      <a16:creationId xmlns:a16="http://schemas.microsoft.com/office/drawing/2014/main" id="{847B2338-C5EA-504B-AC0F-2C3273A41553}"/>
-                    </a:ext>
-                  </a:extLst>
-                </p:cNvPr>
-                <p:cNvSpPr txBox="1"/>
-                <p:nvPr/>
-              </p:nvSpPr>
-              <p:spPr>
-                <a:xfrm>
-                  <a:off x="9276338" y="390825"/>
-                  <a:ext cx="102849" cy="153888"/>
-                </a:xfrm>
-                <a:prstGeom prst="rect">
-                  <a:avLst/>
-                </a:prstGeom>
-                <a:noFill/>
-              </p:spPr>
-              <p:txBody>
-                <a:bodyPr wrap="none" lIns="0" tIns="0" rIns="0" bIns="0" rtlCol="0">
-                  <a:spAutoFit/>
-                </a:bodyPr>
-                <a:lstStyle/>
-                <a:p>
-                  <a14:m>
-                    <m:oMathPara xmlns:m="http://schemas.openxmlformats.org/officeDocument/2006/math">
-                      <m:oMathParaPr>
-                        <m:jc m:val="centerGroup"/>
-                      </m:oMathParaPr>
-                      <m:oMath xmlns:m="http://schemas.openxmlformats.org/officeDocument/2006/math">
-                        <m:r>
-                          <a:rPr lang="en-US" sz="1000" b="0" i="1" smtClean="0">
-                            <a:latin typeface="Cambria Math" panose="02040503050406030204" pitchFamily="18" charset="0"/>
-                          </a:rPr>
-                          <m:t>𝜇</m:t>
-                        </m:r>
-                      </m:oMath>
-                    </m:oMathPara>
-                  </a14:m>
-                  <a:endParaRPr lang="en-US" sz="1000" b="0" dirty="0"/>
-                </a:p>
-              </p:txBody>
-            </p:sp>
-          </mc:Choice>
-          <mc:Fallback>
-            <p:sp>
-              <p:nvSpPr>
-                <p:cNvPr id="360" name="TextBox 359">
-                  <a:extLst>
-                    <a:ext uri="{FF2B5EF4-FFF2-40B4-BE49-F238E27FC236}">
-                      <a16:creationId xmlns:a16="http://schemas.microsoft.com/office/drawing/2014/main" id="{847B2338-C5EA-504B-AC0F-2C3273A41553}"/>
-                    </a:ext>
-                  </a:extLst>
-                </p:cNvPr>
-                <p:cNvSpPr txBox="1">
-                  <a:spLocks noRot="1" noChangeAspect="1" noMove="1" noResize="1" noEditPoints="1" noAdjustHandles="1" noChangeArrowheads="1" noChangeShapeType="1" noTextEdit="1"/>
-                </p:cNvSpPr>
-                <p:nvPr/>
-              </p:nvSpPr>
-              <p:spPr>
-                <a:xfrm>
-                  <a:off x="9276338" y="390825"/>
-                  <a:ext cx="102849" cy="153888"/>
-                </a:xfrm>
-                <a:prstGeom prst="rect">
-                  <a:avLst/>
-                </a:prstGeom>
-                <a:blipFill>
-                  <a:blip r:embed="rId15"/>
-                  <a:stretch>
-                    <a:fillRect l="-37500" r="-25000" b="-7143"/>
-                  </a:stretch>
-                </a:blipFill>
-              </p:spPr>
-              <p:txBody>
-                <a:bodyPr/>
-                <a:lstStyle/>
-                <a:p>
-                  <a:r>
-                    <a:rPr lang="en-US">
-                      <a:noFill/>
-                    </a:rPr>
-                    <a:t> </a:t>
-                  </a:r>
-                </a:p>
-              </p:txBody>
-            </p:sp>
-          </mc:Fallback>
-        </mc:AlternateContent>
-        <mc:AlternateContent xmlns:mc="http://schemas.openxmlformats.org/markup-compatibility/2006">
-          <mc:Choice xmlns:a14="http://schemas.microsoft.com/office/drawing/2010/main" Requires="a14">
-            <p:sp>
-              <p:nvSpPr>
-                <p:cNvPr id="361" name="TextBox 360">
-                  <a:extLst>
-                    <a:ext uri="{FF2B5EF4-FFF2-40B4-BE49-F238E27FC236}">
-                      <a16:creationId xmlns:a16="http://schemas.microsoft.com/office/drawing/2014/main" id="{C3782DC0-9A85-A546-8071-9B3A32127C54}"/>
-                    </a:ext>
-                  </a:extLst>
-                </p:cNvPr>
-                <p:cNvSpPr txBox="1"/>
-                <p:nvPr/>
-              </p:nvSpPr>
-              <p:spPr>
-                <a:xfrm>
-                  <a:off x="9244267" y="639168"/>
-                  <a:ext cx="102849" cy="153888"/>
-                </a:xfrm>
-                <a:prstGeom prst="rect">
-                  <a:avLst/>
-                </a:prstGeom>
-                <a:noFill/>
-              </p:spPr>
-              <p:txBody>
-                <a:bodyPr wrap="none" lIns="0" tIns="0" rIns="0" bIns="0" rtlCol="0">
-                  <a:spAutoFit/>
-                </a:bodyPr>
-                <a:lstStyle/>
-                <a:p>
-                  <a14:m>
-                    <m:oMathPara xmlns:m="http://schemas.openxmlformats.org/officeDocument/2006/math">
-                      <m:oMathParaPr>
-                        <m:jc m:val="centerGroup"/>
-                      </m:oMathParaPr>
-                      <m:oMath xmlns:m="http://schemas.openxmlformats.org/officeDocument/2006/math">
-                        <m:r>
-                          <a:rPr lang="en-US" sz="1000" b="0" i="1" smtClean="0">
-                            <a:latin typeface="Cambria Math" panose="02040503050406030204" pitchFamily="18" charset="0"/>
-                          </a:rPr>
-                          <m:t>𝜇</m:t>
-                        </m:r>
-                      </m:oMath>
-                    </m:oMathPara>
-                  </a14:m>
-                  <a:endParaRPr lang="en-US" sz="1000" b="0" dirty="0"/>
-                </a:p>
-              </p:txBody>
-            </p:sp>
-          </mc:Choice>
-          <mc:Fallback>
-            <p:sp>
-              <p:nvSpPr>
-                <p:cNvPr id="361" name="TextBox 360">
-                  <a:extLst>
-                    <a:ext uri="{FF2B5EF4-FFF2-40B4-BE49-F238E27FC236}">
-                      <a16:creationId xmlns:a16="http://schemas.microsoft.com/office/drawing/2014/main" id="{C3782DC0-9A85-A546-8071-9B3A32127C54}"/>
-                    </a:ext>
-                  </a:extLst>
-                </p:cNvPr>
-                <p:cNvSpPr txBox="1">
-                  <a:spLocks noRot="1" noChangeAspect="1" noMove="1" noResize="1" noEditPoints="1" noAdjustHandles="1" noChangeArrowheads="1" noChangeShapeType="1" noTextEdit="1"/>
-                </p:cNvSpPr>
-                <p:nvPr/>
-              </p:nvSpPr>
-              <p:spPr>
-                <a:xfrm>
-                  <a:off x="9244267" y="639168"/>
-                  <a:ext cx="102849" cy="153888"/>
-                </a:xfrm>
-                <a:prstGeom prst="rect">
-                  <a:avLst/>
-                </a:prstGeom>
-                <a:blipFill>
-                  <a:blip r:embed="rId18"/>
-                  <a:stretch>
-                    <a:fillRect l="-22222" r="-22222" b="-15385"/>
-                  </a:stretch>
-                </a:blipFill>
-              </p:spPr>
-              <p:txBody>
-                <a:bodyPr/>
-                <a:lstStyle/>
-                <a:p>
-                  <a:r>
-                    <a:rPr lang="en-US">
-                      <a:noFill/>
-                    </a:rPr>
-                    <a:t> </a:t>
-                  </a:r>
-                </a:p>
-              </p:txBody>
-            </p:sp>
-          </mc:Fallback>
-        </mc:AlternateContent>
-        <mc:AlternateContent xmlns:mc="http://schemas.openxmlformats.org/markup-compatibility/2006">
-          <mc:Choice xmlns:a14="http://schemas.microsoft.com/office/drawing/2010/main" Requires="a14">
-            <p:sp>
-              <p:nvSpPr>
-                <p:cNvPr id="362" name="TextBox 361">
-                  <a:extLst>
-                    <a:ext uri="{FF2B5EF4-FFF2-40B4-BE49-F238E27FC236}">
-                      <a16:creationId xmlns:a16="http://schemas.microsoft.com/office/drawing/2014/main" id="{B5707ED4-5EA2-B045-8E3A-B1A6148E9930}"/>
-                    </a:ext>
-                  </a:extLst>
-                </p:cNvPr>
-                <p:cNvSpPr txBox="1"/>
-                <p:nvPr/>
-              </p:nvSpPr>
-              <p:spPr>
-                <a:xfrm>
-                  <a:off x="9408335" y="682545"/>
-                  <a:ext cx="102849" cy="153888"/>
-                </a:xfrm>
-                <a:prstGeom prst="rect">
-                  <a:avLst/>
-                </a:prstGeom>
-                <a:noFill/>
-              </p:spPr>
-              <p:txBody>
-                <a:bodyPr wrap="none" lIns="0" tIns="0" rIns="0" bIns="0" rtlCol="0">
-                  <a:spAutoFit/>
-                </a:bodyPr>
-                <a:lstStyle/>
-                <a:p>
-                  <a14:m>
-                    <m:oMathPara xmlns:m="http://schemas.openxmlformats.org/officeDocument/2006/math">
-                      <m:oMathParaPr>
-                        <m:jc m:val="centerGroup"/>
-                      </m:oMathParaPr>
-                      <m:oMath xmlns:m="http://schemas.openxmlformats.org/officeDocument/2006/math">
-                        <m:r>
-                          <a:rPr lang="en-US" sz="1000" b="0" i="1" smtClean="0">
-                            <a:latin typeface="Cambria Math" panose="02040503050406030204" pitchFamily="18" charset="0"/>
-                          </a:rPr>
-                          <m:t>𝜇</m:t>
-                        </m:r>
-                      </m:oMath>
-                    </m:oMathPara>
-                  </a14:m>
-                  <a:endParaRPr lang="en-US" sz="1000" b="0" dirty="0"/>
-                </a:p>
-              </p:txBody>
-            </p:sp>
-          </mc:Choice>
-          <mc:Fallback>
-            <p:sp>
-              <p:nvSpPr>
-                <p:cNvPr id="362" name="TextBox 361">
-                  <a:extLst>
-                    <a:ext uri="{FF2B5EF4-FFF2-40B4-BE49-F238E27FC236}">
-                      <a16:creationId xmlns:a16="http://schemas.microsoft.com/office/drawing/2014/main" id="{B5707ED4-5EA2-B045-8E3A-B1A6148E9930}"/>
-                    </a:ext>
-                  </a:extLst>
-                </p:cNvPr>
-                <p:cNvSpPr txBox="1">
-                  <a:spLocks noRot="1" noChangeAspect="1" noMove="1" noResize="1" noEditPoints="1" noAdjustHandles="1" noChangeArrowheads="1" noChangeShapeType="1" noTextEdit="1"/>
-                </p:cNvSpPr>
-                <p:nvPr/>
-              </p:nvSpPr>
-              <p:spPr>
-                <a:xfrm>
-                  <a:off x="9408335" y="682545"/>
-                  <a:ext cx="102849" cy="153888"/>
-                </a:xfrm>
-                <a:prstGeom prst="rect">
-                  <a:avLst/>
-                </a:prstGeom>
-                <a:blipFill>
-                  <a:blip r:embed="rId19"/>
-                  <a:stretch>
-                    <a:fillRect l="-22222" r="-22222" b="-14286"/>
-                  </a:stretch>
-                </a:blipFill>
-              </p:spPr>
-              <p:txBody>
-                <a:bodyPr/>
-                <a:lstStyle/>
-                <a:p>
-                  <a:r>
-                    <a:rPr lang="en-US">
-                      <a:noFill/>
-                    </a:rPr>
-                    <a:t> </a:t>
-                  </a:r>
-                </a:p>
-              </p:txBody>
-            </p:sp>
-          </mc:Fallback>
-        </mc:AlternateContent>
-        <mc:AlternateContent xmlns:mc="http://schemas.openxmlformats.org/markup-compatibility/2006">
-          <mc:Choice xmlns:a14="http://schemas.microsoft.com/office/drawing/2010/main" Requires="a14">
-            <p:sp>
-              <p:nvSpPr>
-                <p:cNvPr id="363" name="TextBox 362">
-                  <a:extLst>
-                    <a:ext uri="{FF2B5EF4-FFF2-40B4-BE49-F238E27FC236}">
-                      <a16:creationId xmlns:a16="http://schemas.microsoft.com/office/drawing/2014/main" id="{1F6D11CB-F990-9B4F-BDBB-6125B4DC2625}"/>
-                    </a:ext>
-                  </a:extLst>
-                </p:cNvPr>
-                <p:cNvSpPr txBox="1"/>
-                <p:nvPr/>
-              </p:nvSpPr>
-              <p:spPr>
-                <a:xfrm>
-                  <a:off x="9073073" y="264147"/>
-                  <a:ext cx="102849" cy="153888"/>
-                </a:xfrm>
-                <a:prstGeom prst="rect">
-                  <a:avLst/>
-                </a:prstGeom>
-                <a:noFill/>
-              </p:spPr>
-              <p:txBody>
-                <a:bodyPr wrap="none" lIns="0" tIns="0" rIns="0" bIns="0" rtlCol="0">
-                  <a:spAutoFit/>
-                </a:bodyPr>
-                <a:lstStyle/>
-                <a:p>
-                  <a14:m>
-                    <m:oMathPara xmlns:m="http://schemas.openxmlformats.org/officeDocument/2006/math">
-                      <m:oMathParaPr>
-                        <m:jc m:val="centerGroup"/>
-                      </m:oMathParaPr>
-                      <m:oMath xmlns:m="http://schemas.openxmlformats.org/officeDocument/2006/math">
-                        <m:r>
-                          <a:rPr lang="en-US" sz="1000" b="0" i="1" smtClean="0">
-                            <a:latin typeface="Cambria Math" panose="02040503050406030204" pitchFamily="18" charset="0"/>
-                          </a:rPr>
-                          <m:t>𝜇</m:t>
-                        </m:r>
-                      </m:oMath>
-                    </m:oMathPara>
-                  </a14:m>
-                  <a:endParaRPr lang="en-US" sz="1000" b="0" dirty="0"/>
-                </a:p>
-              </p:txBody>
-            </p:sp>
-          </mc:Choice>
-          <mc:Fallback>
-            <p:sp>
-              <p:nvSpPr>
-                <p:cNvPr id="363" name="TextBox 362">
-                  <a:extLst>
-                    <a:ext uri="{FF2B5EF4-FFF2-40B4-BE49-F238E27FC236}">
-                      <a16:creationId xmlns:a16="http://schemas.microsoft.com/office/drawing/2014/main" id="{1F6D11CB-F990-9B4F-BDBB-6125B4DC2625}"/>
-                    </a:ext>
-                  </a:extLst>
-                </p:cNvPr>
-                <p:cNvSpPr txBox="1">
-                  <a:spLocks noRot="1" noChangeAspect="1" noMove="1" noResize="1" noEditPoints="1" noAdjustHandles="1" noChangeArrowheads="1" noChangeShapeType="1" noTextEdit="1"/>
-                </p:cNvSpPr>
-                <p:nvPr/>
-              </p:nvSpPr>
-              <p:spPr>
-                <a:xfrm>
-                  <a:off x="9073073" y="264147"/>
-                  <a:ext cx="102849" cy="153888"/>
-                </a:xfrm>
-                <a:prstGeom prst="rect">
-                  <a:avLst/>
-                </a:prstGeom>
-                <a:blipFill>
-                  <a:blip r:embed="rId20"/>
-                  <a:stretch>
-                    <a:fillRect l="-33333" r="-22222" b="-15385"/>
-                  </a:stretch>
-                </a:blipFill>
-              </p:spPr>
-              <p:txBody>
-                <a:bodyPr/>
-                <a:lstStyle/>
-                <a:p>
-                  <a:r>
-                    <a:rPr lang="en-US">
-                      <a:noFill/>
-                    </a:rPr>
-                    <a:t> </a:t>
-                  </a:r>
-                </a:p>
-              </p:txBody>
-            </p:sp>
-          </mc:Fallback>
-        </mc:AlternateContent>
+              </a:solidFill>
+              <a:prstDash val="dash"/>
+            </a:ln>
+          </p:spPr>
+          <p:style>
+            <a:lnRef idx="1">
+              <a:schemeClr val="accent1"/>
+            </a:lnRef>
+            <a:fillRef idx="0">
+              <a:schemeClr val="accent1"/>
+            </a:fillRef>
+            <a:effectRef idx="0">
+              <a:schemeClr val="accent1"/>
+            </a:effectRef>
+            <a:fontRef idx="minor">
+              <a:schemeClr val="tx1"/>
+            </a:fontRef>
+          </p:style>
+        </p:cxnSp>
+        <p:cxnSp>
+          <p:nvCxnSpPr>
+            <p:cNvPr id="345" name="Straight Connector 344">
+              <a:extLst>
+                <a:ext uri="{FF2B5EF4-FFF2-40B4-BE49-F238E27FC236}">
+                  <a16:creationId xmlns:a16="http://schemas.microsoft.com/office/drawing/2014/main" id="{822572B0-B04F-3449-B130-A939FCE803E8}"/>
+                </a:ext>
+              </a:extLst>
+            </p:cNvPr>
+            <p:cNvCxnSpPr>
+              <a:cxnSpLocks/>
+            </p:cNvCxnSpPr>
+            <p:nvPr/>
+          </p:nvCxnSpPr>
+          <p:spPr>
+            <a:xfrm>
+              <a:off x="6338850" y="446423"/>
+              <a:ext cx="29179" cy="443320"/>
+            </a:xfrm>
+            <a:prstGeom prst="line">
+              <a:avLst/>
+            </a:prstGeom>
+            <a:ln w="19050">
+              <a:solidFill>
+                <a:srgbClr val="FF0000"/>
+              </a:solidFill>
+            </a:ln>
+          </p:spPr>
+          <p:style>
+            <a:lnRef idx="1">
+              <a:schemeClr val="accent1"/>
+            </a:lnRef>
+            <a:fillRef idx="0">
+              <a:schemeClr val="accent1"/>
+            </a:fillRef>
+            <a:effectRef idx="0">
+              <a:schemeClr val="accent1"/>
+            </a:effectRef>
+            <a:fontRef idx="minor">
+              <a:schemeClr val="tx1"/>
+            </a:fontRef>
+          </p:style>
+        </p:cxnSp>
+        <p:cxnSp>
+          <p:nvCxnSpPr>
+            <p:cNvPr id="346" name="Straight Connector 345">
+              <a:extLst>
+                <a:ext uri="{FF2B5EF4-FFF2-40B4-BE49-F238E27FC236}">
+                  <a16:creationId xmlns:a16="http://schemas.microsoft.com/office/drawing/2014/main" id="{0C9D343A-DB82-494A-AAC4-D162E3661E50}"/>
+                </a:ext>
+              </a:extLst>
+            </p:cNvPr>
+            <p:cNvCxnSpPr>
+              <a:cxnSpLocks/>
+            </p:cNvCxnSpPr>
+            <p:nvPr/>
+          </p:nvCxnSpPr>
+          <p:spPr>
+            <a:xfrm flipH="1">
+              <a:off x="6610031" y="419625"/>
+              <a:ext cx="56842" cy="393488"/>
+            </a:xfrm>
+            <a:prstGeom prst="line">
+              <a:avLst/>
+            </a:prstGeom>
+            <a:ln w="19050">
+              <a:solidFill>
+                <a:srgbClr val="FFC000"/>
+              </a:solidFill>
+            </a:ln>
+          </p:spPr>
+          <p:style>
+            <a:lnRef idx="1">
+              <a:schemeClr val="accent1"/>
+            </a:lnRef>
+            <a:fillRef idx="0">
+              <a:schemeClr val="accent1"/>
+            </a:fillRef>
+            <a:effectRef idx="0">
+              <a:schemeClr val="accent1"/>
+            </a:effectRef>
+            <a:fontRef idx="minor">
+              <a:schemeClr val="tx1"/>
+            </a:fontRef>
+          </p:style>
+        </p:cxnSp>
+        <p:cxnSp>
+          <p:nvCxnSpPr>
+            <p:cNvPr id="347" name="Straight Connector 346">
+              <a:extLst>
+                <a:ext uri="{FF2B5EF4-FFF2-40B4-BE49-F238E27FC236}">
+                  <a16:creationId xmlns:a16="http://schemas.microsoft.com/office/drawing/2014/main" id="{464396DB-E3F6-534E-9B3E-E78F743312E4}"/>
+                </a:ext>
+              </a:extLst>
+            </p:cNvPr>
+            <p:cNvCxnSpPr>
+              <a:cxnSpLocks/>
+            </p:cNvCxnSpPr>
+            <p:nvPr/>
+          </p:nvCxnSpPr>
+          <p:spPr>
+            <a:xfrm>
+              <a:off x="6639446" y="613831"/>
+              <a:ext cx="55461" cy="337033"/>
+            </a:xfrm>
+            <a:prstGeom prst="line">
+              <a:avLst/>
+            </a:prstGeom>
+            <a:ln w="19050">
+              <a:solidFill>
+                <a:srgbClr val="FFC000"/>
+              </a:solidFill>
+            </a:ln>
+          </p:spPr>
+          <p:style>
+            <a:lnRef idx="1">
+              <a:schemeClr val="accent1"/>
+            </a:lnRef>
+            <a:fillRef idx="0">
+              <a:schemeClr val="accent1"/>
+            </a:fillRef>
+            <a:effectRef idx="0">
+              <a:schemeClr val="accent1"/>
+            </a:effectRef>
+            <a:fontRef idx="minor">
+              <a:schemeClr val="tx1"/>
+            </a:fontRef>
+          </p:style>
+        </p:cxnSp>
       </p:grpSp>
       <p:grpSp>
         <p:nvGrpSpPr>
@@ -30945,8 +30298,8 @@
             </p:nvCxnSpPr>
             <p:spPr>
               <a:xfrm flipH="1">
-                <a:off x="6116063" y="674741"/>
-                <a:ext cx="277736" cy="625893"/>
+                <a:off x="5996665" y="674741"/>
+                <a:ext cx="397134" cy="894963"/>
               </a:xfrm>
               <a:prstGeom prst="line">
                 <a:avLst/>
@@ -30988,8 +30341,8 @@
             </p:nvCxnSpPr>
             <p:spPr>
               <a:xfrm flipH="1">
-                <a:off x="6233388" y="905158"/>
-                <a:ext cx="63549" cy="686675"/>
+                <a:off x="6263969" y="905158"/>
+                <a:ext cx="32969" cy="356229"/>
               </a:xfrm>
               <a:prstGeom prst="line">
                 <a:avLst/>
@@ -32680,6 +32033,1032 @@
                 <a:cs typeface="CMU Serif Roman" panose="02000603000000000000" pitchFamily="2" charset="0"/>
               </a:rPr>
               <a:t>9</a:t>
+            </a:r>
+          </a:p>
+        </p:txBody>
+      </p:sp>
+      <mc:AlternateContent xmlns:mc="http://schemas.openxmlformats.org/markup-compatibility/2006" xmlns:a14="http://schemas.microsoft.com/office/drawing/2010/main">
+        <mc:Choice Requires="a14">
+          <p:sp>
+            <p:nvSpPr>
+              <p:cNvPr id="207" name="TextBox 206">
+                <a:extLst>
+                  <a:ext uri="{FF2B5EF4-FFF2-40B4-BE49-F238E27FC236}">
+                    <a16:creationId xmlns:a16="http://schemas.microsoft.com/office/drawing/2014/main" id="{B8DD2DB9-9F24-B14E-A690-C043C2965809}"/>
+                  </a:ext>
+                </a:extLst>
+              </p:cNvPr>
+              <p:cNvSpPr txBox="1"/>
+              <p:nvPr/>
+            </p:nvSpPr>
+            <p:spPr>
+              <a:xfrm>
+                <a:off x="5991571" y="940862"/>
+                <a:ext cx="159210" cy="153888"/>
+              </a:xfrm>
+              <a:prstGeom prst="rect">
+                <a:avLst/>
+              </a:prstGeom>
+              <a:noFill/>
+            </p:spPr>
+            <p:txBody>
+              <a:bodyPr wrap="none" lIns="0" tIns="0" rIns="0" bIns="0" rtlCol="0">
+                <a:spAutoFit/>
+              </a:bodyPr>
+              <a:lstStyle/>
+              <a:p>
+                <a:pPr/>
+                <a14:m>
+                  <m:oMathPara xmlns:m="http://schemas.openxmlformats.org/officeDocument/2006/math">
+                    <m:oMathParaPr>
+                      <m:jc m:val="centerGroup"/>
+                    </m:oMathParaPr>
+                    <m:oMath xmlns:m="http://schemas.openxmlformats.org/officeDocument/2006/math">
+                      <m:sSub>
+                        <m:sSubPr>
+                          <m:ctrlPr>
+                            <a:rPr lang="en-US" sz="1000" b="0" i="1" smtClean="0">
+                              <a:latin typeface="Cambria Math" panose="02040503050406030204" pitchFamily="18" charset="0"/>
+                            </a:rPr>
+                          </m:ctrlPr>
+                        </m:sSubPr>
+                        <m:e>
+                          <m:r>
+                            <a:rPr lang="en-US" sz="1000" b="0" i="1" smtClean="0">
+                              <a:latin typeface="Cambria Math" panose="02040503050406030204" pitchFamily="18" charset="0"/>
+                            </a:rPr>
+                            <m:t>𝜇</m:t>
+                          </m:r>
+                        </m:e>
+                        <m:sub>
+                          <m:r>
+                            <a:rPr lang="en-US" sz="1000" b="0" i="1" smtClean="0">
+                              <a:latin typeface="Cambria Math" panose="02040503050406030204" pitchFamily="18" charset="0"/>
+                            </a:rPr>
+                            <m:t>2</m:t>
+                          </m:r>
+                        </m:sub>
+                      </m:sSub>
+                    </m:oMath>
+                  </m:oMathPara>
+                </a14:m>
+                <a:endParaRPr lang="en-US" sz="1000" b="0" dirty="0"/>
+              </a:p>
+            </p:txBody>
+          </p:sp>
+        </mc:Choice>
+        <mc:Fallback xmlns="">
+          <p:sp>
+            <p:nvSpPr>
+              <p:cNvPr id="207" name="TextBox 206">
+                <a:extLst>
+                  <a:ext uri="{FF2B5EF4-FFF2-40B4-BE49-F238E27FC236}">
+                    <a16:creationId xmlns:a16="http://schemas.microsoft.com/office/drawing/2014/main" id="{B8DD2DB9-9F24-B14E-A690-C043C2965809}"/>
+                  </a:ext>
+                </a:extLst>
+              </p:cNvPr>
+              <p:cNvSpPr txBox="1">
+                <a:spLocks noRot="1" noChangeAspect="1" noMove="1" noResize="1" noEditPoints="1" noAdjustHandles="1" noChangeArrowheads="1" noChangeShapeType="1" noTextEdit="1"/>
+              </p:cNvSpPr>
+              <p:nvPr/>
+            </p:nvSpPr>
+            <p:spPr>
+              <a:xfrm>
+                <a:off x="5991571" y="940862"/>
+                <a:ext cx="159210" cy="153888"/>
+              </a:xfrm>
+              <a:prstGeom prst="rect">
+                <a:avLst/>
+              </a:prstGeom>
+              <a:blipFill>
+                <a:blip r:embed="rId14"/>
+                <a:stretch>
+                  <a:fillRect l="-15385" r="-7692" b="-15385"/>
+                </a:stretch>
+              </a:blipFill>
+            </p:spPr>
+            <p:txBody>
+              <a:bodyPr/>
+              <a:lstStyle/>
+              <a:p>
+                <a:r>
+                  <a:rPr lang="en-US">
+                    <a:noFill/>
+                  </a:rPr>
+                  <a:t> </a:t>
+                </a:r>
+              </a:p>
+            </p:txBody>
+          </p:sp>
+        </mc:Fallback>
+      </mc:AlternateContent>
+      <mc:AlternateContent xmlns:mc="http://schemas.openxmlformats.org/markup-compatibility/2006" xmlns:a14="http://schemas.microsoft.com/office/drawing/2010/main">
+        <mc:Choice Requires="a14">
+          <p:sp>
+            <p:nvSpPr>
+              <p:cNvPr id="208" name="TextBox 207">
+                <a:extLst>
+                  <a:ext uri="{FF2B5EF4-FFF2-40B4-BE49-F238E27FC236}">
+                    <a16:creationId xmlns:a16="http://schemas.microsoft.com/office/drawing/2014/main" id="{FE3565CA-DE88-2C42-B53A-101ACC3A583B}"/>
+                  </a:ext>
+                </a:extLst>
+              </p:cNvPr>
+              <p:cNvSpPr txBox="1"/>
+              <p:nvPr/>
+            </p:nvSpPr>
+            <p:spPr>
+              <a:xfrm>
+                <a:off x="6208107" y="995964"/>
+                <a:ext cx="159210" cy="153888"/>
+              </a:xfrm>
+              <a:prstGeom prst="rect">
+                <a:avLst/>
+              </a:prstGeom>
+              <a:noFill/>
+            </p:spPr>
+            <p:txBody>
+              <a:bodyPr wrap="none" lIns="0" tIns="0" rIns="0" bIns="0" rtlCol="0">
+                <a:spAutoFit/>
+              </a:bodyPr>
+              <a:lstStyle/>
+              <a:p>
+                <a:pPr/>
+                <a14:m>
+                  <m:oMathPara xmlns:m="http://schemas.openxmlformats.org/officeDocument/2006/math">
+                    <m:oMathParaPr>
+                      <m:jc m:val="centerGroup"/>
+                    </m:oMathParaPr>
+                    <m:oMath xmlns:m="http://schemas.openxmlformats.org/officeDocument/2006/math">
+                      <m:sSub>
+                        <m:sSubPr>
+                          <m:ctrlPr>
+                            <a:rPr lang="en-US" sz="1000" b="0" i="1" smtClean="0">
+                              <a:latin typeface="Cambria Math" panose="02040503050406030204" pitchFamily="18" charset="0"/>
+                            </a:rPr>
+                          </m:ctrlPr>
+                        </m:sSubPr>
+                        <m:e>
+                          <m:r>
+                            <a:rPr lang="en-US" sz="1000" b="0" i="1" smtClean="0">
+                              <a:latin typeface="Cambria Math" panose="02040503050406030204" pitchFamily="18" charset="0"/>
+                            </a:rPr>
+                            <m:t>𝜇</m:t>
+                          </m:r>
+                        </m:e>
+                        <m:sub>
+                          <m:r>
+                            <a:rPr lang="en-US" sz="1000" b="0" i="1" smtClean="0">
+                              <a:latin typeface="Cambria Math" panose="02040503050406030204" pitchFamily="18" charset="0"/>
+                            </a:rPr>
+                            <m:t>3</m:t>
+                          </m:r>
+                        </m:sub>
+                      </m:sSub>
+                    </m:oMath>
+                  </m:oMathPara>
+                </a14:m>
+                <a:endParaRPr lang="en-US" sz="1000" b="0" dirty="0"/>
+              </a:p>
+            </p:txBody>
+          </p:sp>
+        </mc:Choice>
+        <mc:Fallback xmlns="">
+          <p:sp>
+            <p:nvSpPr>
+              <p:cNvPr id="208" name="TextBox 207">
+                <a:extLst>
+                  <a:ext uri="{FF2B5EF4-FFF2-40B4-BE49-F238E27FC236}">
+                    <a16:creationId xmlns:a16="http://schemas.microsoft.com/office/drawing/2014/main" id="{FE3565CA-DE88-2C42-B53A-101ACC3A583B}"/>
+                  </a:ext>
+                </a:extLst>
+              </p:cNvPr>
+              <p:cNvSpPr txBox="1">
+                <a:spLocks noRot="1" noChangeAspect="1" noMove="1" noResize="1" noEditPoints="1" noAdjustHandles="1" noChangeArrowheads="1" noChangeShapeType="1" noTextEdit="1"/>
+              </p:cNvSpPr>
+              <p:nvPr/>
+            </p:nvSpPr>
+            <p:spPr>
+              <a:xfrm>
+                <a:off x="6208107" y="995964"/>
+                <a:ext cx="159210" cy="153888"/>
+              </a:xfrm>
+              <a:prstGeom prst="rect">
+                <a:avLst/>
+              </a:prstGeom>
+              <a:blipFill>
+                <a:blip r:embed="rId15"/>
+                <a:stretch>
+                  <a:fillRect l="-15385" r="-7692" b="-14286"/>
+                </a:stretch>
+              </a:blipFill>
+            </p:spPr>
+            <p:txBody>
+              <a:bodyPr/>
+              <a:lstStyle/>
+              <a:p>
+                <a:r>
+                  <a:rPr lang="en-US">
+                    <a:noFill/>
+                  </a:rPr>
+                  <a:t> </a:t>
+                </a:r>
+              </a:p>
+            </p:txBody>
+          </p:sp>
+        </mc:Fallback>
+      </mc:AlternateContent>
+      <mc:AlternateContent xmlns:mc="http://schemas.openxmlformats.org/markup-compatibility/2006" xmlns:a14="http://schemas.microsoft.com/office/drawing/2010/main">
+        <mc:Choice Requires="a14">
+          <p:sp>
+            <p:nvSpPr>
+              <p:cNvPr id="209" name="TextBox 208">
+                <a:extLst>
+                  <a:ext uri="{FF2B5EF4-FFF2-40B4-BE49-F238E27FC236}">
+                    <a16:creationId xmlns:a16="http://schemas.microsoft.com/office/drawing/2014/main" id="{5245BF6B-877E-5D41-96B0-412683E747B8}"/>
+                  </a:ext>
+                </a:extLst>
+              </p:cNvPr>
+              <p:cNvSpPr txBox="1"/>
+              <p:nvPr/>
+            </p:nvSpPr>
+            <p:spPr>
+              <a:xfrm>
+                <a:off x="5844350" y="1269901"/>
+                <a:ext cx="159210" cy="153888"/>
+              </a:xfrm>
+              <a:prstGeom prst="rect">
+                <a:avLst/>
+              </a:prstGeom>
+              <a:noFill/>
+            </p:spPr>
+            <p:txBody>
+              <a:bodyPr wrap="none" lIns="0" tIns="0" rIns="0" bIns="0" rtlCol="0">
+                <a:spAutoFit/>
+              </a:bodyPr>
+              <a:lstStyle/>
+              <a:p>
+                <a:pPr/>
+                <a14:m>
+                  <m:oMathPara xmlns:m="http://schemas.openxmlformats.org/officeDocument/2006/math">
+                    <m:oMathParaPr>
+                      <m:jc m:val="centerGroup"/>
+                    </m:oMathParaPr>
+                    <m:oMath xmlns:m="http://schemas.openxmlformats.org/officeDocument/2006/math">
+                      <m:sSub>
+                        <m:sSubPr>
+                          <m:ctrlPr>
+                            <a:rPr lang="en-US" sz="1000" b="0" i="1" smtClean="0">
+                              <a:latin typeface="Cambria Math" panose="02040503050406030204" pitchFamily="18" charset="0"/>
+                            </a:rPr>
+                          </m:ctrlPr>
+                        </m:sSubPr>
+                        <m:e>
+                          <m:r>
+                            <a:rPr lang="en-US" sz="1000" b="0" i="1" smtClean="0">
+                              <a:latin typeface="Cambria Math" panose="02040503050406030204" pitchFamily="18" charset="0"/>
+                            </a:rPr>
+                            <m:t>𝜇</m:t>
+                          </m:r>
+                        </m:e>
+                        <m:sub>
+                          <m:r>
+                            <a:rPr lang="en-US" sz="1000" b="0" i="1" smtClean="0">
+                              <a:latin typeface="Cambria Math" panose="02040503050406030204" pitchFamily="18" charset="0"/>
+                            </a:rPr>
+                            <m:t>4</m:t>
+                          </m:r>
+                        </m:sub>
+                      </m:sSub>
+                    </m:oMath>
+                  </m:oMathPara>
+                </a14:m>
+                <a:endParaRPr lang="en-US" sz="1000" b="0" dirty="0"/>
+              </a:p>
+            </p:txBody>
+          </p:sp>
+        </mc:Choice>
+        <mc:Fallback xmlns="">
+          <p:sp>
+            <p:nvSpPr>
+              <p:cNvPr id="209" name="TextBox 208">
+                <a:extLst>
+                  <a:ext uri="{FF2B5EF4-FFF2-40B4-BE49-F238E27FC236}">
+                    <a16:creationId xmlns:a16="http://schemas.microsoft.com/office/drawing/2014/main" id="{5245BF6B-877E-5D41-96B0-412683E747B8}"/>
+                  </a:ext>
+                </a:extLst>
+              </p:cNvPr>
+              <p:cNvSpPr txBox="1">
+                <a:spLocks noRot="1" noChangeAspect="1" noMove="1" noResize="1" noEditPoints="1" noAdjustHandles="1" noChangeArrowheads="1" noChangeShapeType="1" noTextEdit="1"/>
+              </p:cNvSpPr>
+              <p:nvPr/>
+            </p:nvSpPr>
+            <p:spPr>
+              <a:xfrm>
+                <a:off x="5844350" y="1269901"/>
+                <a:ext cx="159210" cy="153888"/>
+              </a:xfrm>
+              <a:prstGeom prst="rect">
+                <a:avLst/>
+              </a:prstGeom>
+              <a:blipFill>
+                <a:blip r:embed="rId16"/>
+                <a:stretch>
+                  <a:fillRect l="-14286" b="-15385"/>
+                </a:stretch>
+              </a:blipFill>
+            </p:spPr>
+            <p:txBody>
+              <a:bodyPr/>
+              <a:lstStyle/>
+              <a:p>
+                <a:r>
+                  <a:rPr lang="en-US">
+                    <a:noFill/>
+                  </a:rPr>
+                  <a:t> </a:t>
+                </a:r>
+              </a:p>
+            </p:txBody>
+          </p:sp>
+        </mc:Fallback>
+      </mc:AlternateContent>
+      <mc:AlternateContent xmlns:mc="http://schemas.openxmlformats.org/markup-compatibility/2006">
+        <mc:Choice xmlns:a14="http://schemas.microsoft.com/office/drawing/2010/main" Requires="a14">
+          <p:sp>
+            <p:nvSpPr>
+              <p:cNvPr id="210" name="TextBox 209">
+                <a:extLst>
+                  <a:ext uri="{FF2B5EF4-FFF2-40B4-BE49-F238E27FC236}">
+                    <a16:creationId xmlns:a16="http://schemas.microsoft.com/office/drawing/2014/main" id="{85FB0DEF-0A31-A84D-9C78-F4B41D7BA905}"/>
+                  </a:ext>
+                </a:extLst>
+              </p:cNvPr>
+              <p:cNvSpPr txBox="1"/>
+              <p:nvPr/>
+            </p:nvSpPr>
+            <p:spPr>
+              <a:xfrm>
+                <a:off x="6083364" y="1423789"/>
+                <a:ext cx="159211" cy="153888"/>
+              </a:xfrm>
+              <a:prstGeom prst="rect">
+                <a:avLst/>
+              </a:prstGeom>
+              <a:noFill/>
+            </p:spPr>
+            <p:txBody>
+              <a:bodyPr wrap="none" lIns="0" tIns="0" rIns="0" bIns="0" rtlCol="0">
+                <a:spAutoFit/>
+              </a:bodyPr>
+              <a:lstStyle/>
+              <a:p>
+                <a14:m>
+                  <m:oMath xmlns:m="http://schemas.openxmlformats.org/officeDocument/2006/math">
+                    <m:sSub>
+                      <m:sSubPr>
+                        <m:ctrlPr>
+                          <a:rPr lang="en-US" sz="1000" b="0" i="1" smtClean="0">
+                            <a:latin typeface="Cambria Math" panose="02040503050406030204" pitchFamily="18" charset="0"/>
+                          </a:rPr>
+                        </m:ctrlPr>
+                      </m:sSubPr>
+                      <m:e>
+                        <m:r>
+                          <a:rPr lang="en-US" sz="1000" b="0" i="1" smtClean="0">
+                            <a:latin typeface="Cambria Math" panose="02040503050406030204" pitchFamily="18" charset="0"/>
+                          </a:rPr>
+                          <m:t>𝜇</m:t>
+                        </m:r>
+                      </m:e>
+                      <m:sub>
+                        <m:r>
+                          <a:rPr lang="en-US" sz="1000" b="0" i="0" smtClean="0">
+                            <a:latin typeface="Cambria Math" panose="02040503050406030204" pitchFamily="18" charset="0"/>
+                          </a:rPr>
+                          <m:t>5</m:t>
+                        </m:r>
+                      </m:sub>
+                    </m:sSub>
+                  </m:oMath>
+                </a14:m>
+                <a:r>
+                  <a:rPr lang="en-US" sz="1000" b="0" dirty="0"/>
+                  <a:t> </a:t>
+                </a:r>
+              </a:p>
+            </p:txBody>
+          </p:sp>
+        </mc:Choice>
+        <mc:Fallback>
+          <p:sp>
+            <p:nvSpPr>
+              <p:cNvPr id="210" name="TextBox 209">
+                <a:extLst>
+                  <a:ext uri="{FF2B5EF4-FFF2-40B4-BE49-F238E27FC236}">
+                    <a16:creationId xmlns:a16="http://schemas.microsoft.com/office/drawing/2014/main" id="{85FB0DEF-0A31-A84D-9C78-F4B41D7BA905}"/>
+                  </a:ext>
+                </a:extLst>
+              </p:cNvPr>
+              <p:cNvSpPr txBox="1">
+                <a:spLocks noRot="1" noChangeAspect="1" noMove="1" noResize="1" noEditPoints="1" noAdjustHandles="1" noChangeArrowheads="1" noChangeShapeType="1" noTextEdit="1"/>
+              </p:cNvSpPr>
+              <p:nvPr/>
+            </p:nvSpPr>
+            <p:spPr>
+              <a:xfrm>
+                <a:off x="6083364" y="1423789"/>
+                <a:ext cx="159211" cy="153888"/>
+              </a:xfrm>
+              <a:prstGeom prst="rect">
+                <a:avLst/>
+              </a:prstGeom>
+              <a:blipFill>
+                <a:blip r:embed="rId17"/>
+                <a:stretch>
+                  <a:fillRect l="-21429" b="-15385"/>
+                </a:stretch>
+              </a:blipFill>
+            </p:spPr>
+            <p:txBody>
+              <a:bodyPr/>
+              <a:lstStyle/>
+              <a:p>
+                <a:r>
+                  <a:rPr lang="en-US">
+                    <a:noFill/>
+                  </a:rPr>
+                  <a:t> </a:t>
+                </a:r>
+              </a:p>
+            </p:txBody>
+          </p:sp>
+        </mc:Fallback>
+      </mc:AlternateContent>
+      <mc:AlternateContent xmlns:mc="http://schemas.openxmlformats.org/markup-compatibility/2006" xmlns:a14="http://schemas.microsoft.com/office/drawing/2010/main">
+        <mc:Choice Requires="a14">
+          <p:sp>
+            <p:nvSpPr>
+              <p:cNvPr id="211" name="TextBox 210">
+                <a:extLst>
+                  <a:ext uri="{FF2B5EF4-FFF2-40B4-BE49-F238E27FC236}">
+                    <a16:creationId xmlns:a16="http://schemas.microsoft.com/office/drawing/2014/main" id="{B4FA5B23-E495-2141-B26A-F4CAB943FC4D}"/>
+                  </a:ext>
+                </a:extLst>
+              </p:cNvPr>
+              <p:cNvSpPr txBox="1"/>
+              <p:nvPr/>
+            </p:nvSpPr>
+            <p:spPr>
+              <a:xfrm>
+                <a:off x="6538831" y="883880"/>
+                <a:ext cx="159210" cy="153888"/>
+              </a:xfrm>
+              <a:prstGeom prst="rect">
+                <a:avLst/>
+              </a:prstGeom>
+              <a:noFill/>
+            </p:spPr>
+            <p:txBody>
+              <a:bodyPr wrap="none" lIns="0" tIns="0" rIns="0" bIns="0" rtlCol="0">
+                <a:spAutoFit/>
+              </a:bodyPr>
+              <a:lstStyle/>
+              <a:p>
+                <a:pPr/>
+                <a14:m>
+                  <m:oMathPara xmlns:m="http://schemas.openxmlformats.org/officeDocument/2006/math">
+                    <m:oMathParaPr>
+                      <m:jc m:val="centerGroup"/>
+                    </m:oMathParaPr>
+                    <m:oMath xmlns:m="http://schemas.openxmlformats.org/officeDocument/2006/math">
+                      <m:sSub>
+                        <m:sSubPr>
+                          <m:ctrlPr>
+                            <a:rPr lang="en-US" sz="1000" b="0" i="1" smtClean="0">
+                              <a:latin typeface="Cambria Math" panose="02040503050406030204" pitchFamily="18" charset="0"/>
+                            </a:rPr>
+                          </m:ctrlPr>
+                        </m:sSubPr>
+                        <m:e>
+                          <m:r>
+                            <a:rPr lang="en-US" sz="1000" b="0" i="1" smtClean="0">
+                              <a:latin typeface="Cambria Math" panose="02040503050406030204" pitchFamily="18" charset="0"/>
+                            </a:rPr>
+                            <m:t>𝜇</m:t>
+                          </m:r>
+                        </m:e>
+                        <m:sub>
+                          <m:r>
+                            <a:rPr lang="en-US" sz="1000" b="0" i="1" smtClean="0">
+                              <a:latin typeface="Cambria Math" panose="02040503050406030204" pitchFamily="18" charset="0"/>
+                            </a:rPr>
+                            <m:t>6</m:t>
+                          </m:r>
+                        </m:sub>
+                      </m:sSub>
+                    </m:oMath>
+                  </m:oMathPara>
+                </a14:m>
+                <a:endParaRPr lang="en-US" sz="1000" b="0" dirty="0"/>
+              </a:p>
+            </p:txBody>
+          </p:sp>
+        </mc:Choice>
+        <mc:Fallback xmlns="">
+          <p:sp>
+            <p:nvSpPr>
+              <p:cNvPr id="211" name="TextBox 210">
+                <a:extLst>
+                  <a:ext uri="{FF2B5EF4-FFF2-40B4-BE49-F238E27FC236}">
+                    <a16:creationId xmlns:a16="http://schemas.microsoft.com/office/drawing/2014/main" id="{B4FA5B23-E495-2141-B26A-F4CAB943FC4D}"/>
+                  </a:ext>
+                </a:extLst>
+              </p:cNvPr>
+              <p:cNvSpPr txBox="1">
+                <a:spLocks noRot="1" noChangeAspect="1" noMove="1" noResize="1" noEditPoints="1" noAdjustHandles="1" noChangeArrowheads="1" noChangeShapeType="1" noTextEdit="1"/>
+              </p:cNvSpPr>
+              <p:nvPr/>
+            </p:nvSpPr>
+            <p:spPr>
+              <a:xfrm>
+                <a:off x="6538831" y="883880"/>
+                <a:ext cx="159210" cy="153888"/>
+              </a:xfrm>
+              <a:prstGeom prst="rect">
+                <a:avLst/>
+              </a:prstGeom>
+              <a:blipFill>
+                <a:blip r:embed="rId18"/>
+                <a:stretch>
+                  <a:fillRect l="-15385" r="-7692" b="-15385"/>
+                </a:stretch>
+              </a:blipFill>
+            </p:spPr>
+            <p:txBody>
+              <a:bodyPr/>
+              <a:lstStyle/>
+              <a:p>
+                <a:r>
+                  <a:rPr lang="en-US">
+                    <a:noFill/>
+                  </a:rPr>
+                  <a:t> </a:t>
+                </a:r>
+              </a:p>
+            </p:txBody>
+          </p:sp>
+        </mc:Fallback>
+      </mc:AlternateContent>
+      <mc:AlternateContent xmlns:mc="http://schemas.openxmlformats.org/markup-compatibility/2006" xmlns:a14="http://schemas.microsoft.com/office/drawing/2010/main">
+        <mc:Choice Requires="a14">
+          <p:sp>
+            <p:nvSpPr>
+              <p:cNvPr id="212" name="TextBox 211">
+                <a:extLst>
+                  <a:ext uri="{FF2B5EF4-FFF2-40B4-BE49-F238E27FC236}">
+                    <a16:creationId xmlns:a16="http://schemas.microsoft.com/office/drawing/2014/main" id="{7F8CB92E-401F-444A-BC07-1EF08E967DAA}"/>
+                  </a:ext>
+                </a:extLst>
+              </p:cNvPr>
+              <p:cNvSpPr txBox="1"/>
+              <p:nvPr/>
+            </p:nvSpPr>
+            <p:spPr>
+              <a:xfrm>
+                <a:off x="6324033" y="1149852"/>
+                <a:ext cx="159210" cy="153888"/>
+              </a:xfrm>
+              <a:prstGeom prst="rect">
+                <a:avLst/>
+              </a:prstGeom>
+              <a:noFill/>
+            </p:spPr>
+            <p:txBody>
+              <a:bodyPr wrap="none" lIns="0" tIns="0" rIns="0" bIns="0" rtlCol="0">
+                <a:spAutoFit/>
+              </a:bodyPr>
+              <a:lstStyle/>
+              <a:p>
+                <a:pPr/>
+                <a14:m>
+                  <m:oMathPara xmlns:m="http://schemas.openxmlformats.org/officeDocument/2006/math">
+                    <m:oMathParaPr>
+                      <m:jc m:val="centerGroup"/>
+                    </m:oMathParaPr>
+                    <m:oMath xmlns:m="http://schemas.openxmlformats.org/officeDocument/2006/math">
+                      <m:sSub>
+                        <m:sSubPr>
+                          <m:ctrlPr>
+                            <a:rPr lang="en-US" sz="1000" b="0" i="1" smtClean="0">
+                              <a:latin typeface="Cambria Math" panose="02040503050406030204" pitchFamily="18" charset="0"/>
+                            </a:rPr>
+                          </m:ctrlPr>
+                        </m:sSubPr>
+                        <m:e>
+                          <m:r>
+                            <a:rPr lang="en-US" sz="1000" b="0" i="1" smtClean="0">
+                              <a:latin typeface="Cambria Math" panose="02040503050406030204" pitchFamily="18" charset="0"/>
+                            </a:rPr>
+                            <m:t>𝜇</m:t>
+                          </m:r>
+                        </m:e>
+                        <m:sub>
+                          <m:r>
+                            <a:rPr lang="en-US" sz="1000" b="0" i="1" smtClean="0">
+                              <a:latin typeface="Cambria Math" panose="02040503050406030204" pitchFamily="18" charset="0"/>
+                            </a:rPr>
+                            <m:t>7</m:t>
+                          </m:r>
+                        </m:sub>
+                      </m:sSub>
+                    </m:oMath>
+                  </m:oMathPara>
+                </a14:m>
+                <a:endParaRPr lang="en-US" sz="1000" b="0" dirty="0"/>
+              </a:p>
+            </p:txBody>
+          </p:sp>
+        </mc:Choice>
+        <mc:Fallback xmlns="">
+          <p:sp>
+            <p:nvSpPr>
+              <p:cNvPr id="212" name="TextBox 211">
+                <a:extLst>
+                  <a:ext uri="{FF2B5EF4-FFF2-40B4-BE49-F238E27FC236}">
+                    <a16:creationId xmlns:a16="http://schemas.microsoft.com/office/drawing/2014/main" id="{7F8CB92E-401F-444A-BC07-1EF08E967DAA}"/>
+                  </a:ext>
+                </a:extLst>
+              </p:cNvPr>
+              <p:cNvSpPr txBox="1">
+                <a:spLocks noRot="1" noChangeAspect="1" noMove="1" noResize="1" noEditPoints="1" noAdjustHandles="1" noChangeArrowheads="1" noChangeShapeType="1" noTextEdit="1"/>
+              </p:cNvSpPr>
+              <p:nvPr/>
+            </p:nvSpPr>
+            <p:spPr>
+              <a:xfrm>
+                <a:off x="6324033" y="1149852"/>
+                <a:ext cx="159210" cy="153888"/>
+              </a:xfrm>
+              <a:prstGeom prst="rect">
+                <a:avLst/>
+              </a:prstGeom>
+              <a:blipFill>
+                <a:blip r:embed="rId19"/>
+                <a:stretch>
+                  <a:fillRect l="-15385" r="-7692" b="-15385"/>
+                </a:stretch>
+              </a:blipFill>
+            </p:spPr>
+            <p:txBody>
+              <a:bodyPr/>
+              <a:lstStyle/>
+              <a:p>
+                <a:r>
+                  <a:rPr lang="en-US">
+                    <a:noFill/>
+                  </a:rPr>
+                  <a:t> </a:t>
+                </a:r>
+              </a:p>
+            </p:txBody>
+          </p:sp>
+        </mc:Fallback>
+      </mc:AlternateContent>
+      <mc:AlternateContent xmlns:mc="http://schemas.openxmlformats.org/markup-compatibility/2006" xmlns:a14="http://schemas.microsoft.com/office/drawing/2010/main">
+        <mc:Choice Requires="a14">
+          <p:sp>
+            <p:nvSpPr>
+              <p:cNvPr id="213" name="TextBox 212">
+                <a:extLst>
+                  <a:ext uri="{FF2B5EF4-FFF2-40B4-BE49-F238E27FC236}">
+                    <a16:creationId xmlns:a16="http://schemas.microsoft.com/office/drawing/2014/main" id="{DADB9B76-7412-874C-AD41-6D1B68080D9D}"/>
+                  </a:ext>
+                </a:extLst>
+              </p:cNvPr>
+              <p:cNvSpPr txBox="1"/>
+              <p:nvPr/>
+            </p:nvSpPr>
+            <p:spPr>
+              <a:xfrm>
+                <a:off x="6538831" y="1197799"/>
+                <a:ext cx="159210" cy="153888"/>
+              </a:xfrm>
+              <a:prstGeom prst="rect">
+                <a:avLst/>
+              </a:prstGeom>
+              <a:noFill/>
+            </p:spPr>
+            <p:txBody>
+              <a:bodyPr wrap="none" lIns="0" tIns="0" rIns="0" bIns="0" rtlCol="0">
+                <a:spAutoFit/>
+              </a:bodyPr>
+              <a:lstStyle/>
+              <a:p>
+                <a:pPr/>
+                <a14:m>
+                  <m:oMathPara xmlns:m="http://schemas.openxmlformats.org/officeDocument/2006/math">
+                    <m:oMathParaPr>
+                      <m:jc m:val="centerGroup"/>
+                    </m:oMathParaPr>
+                    <m:oMath xmlns:m="http://schemas.openxmlformats.org/officeDocument/2006/math">
+                      <m:sSub>
+                        <m:sSubPr>
+                          <m:ctrlPr>
+                            <a:rPr lang="en-US" sz="1000" b="0" i="1" smtClean="0">
+                              <a:latin typeface="Cambria Math" panose="02040503050406030204" pitchFamily="18" charset="0"/>
+                            </a:rPr>
+                          </m:ctrlPr>
+                        </m:sSubPr>
+                        <m:e>
+                          <m:r>
+                            <a:rPr lang="en-US" sz="1000" b="0" i="1" smtClean="0">
+                              <a:latin typeface="Cambria Math" panose="02040503050406030204" pitchFamily="18" charset="0"/>
+                            </a:rPr>
+                            <m:t>𝜇</m:t>
+                          </m:r>
+                        </m:e>
+                        <m:sub>
+                          <m:r>
+                            <a:rPr lang="en-US" sz="1000" b="0" i="1" smtClean="0">
+                              <a:latin typeface="Cambria Math" panose="02040503050406030204" pitchFamily="18" charset="0"/>
+                            </a:rPr>
+                            <m:t>8</m:t>
+                          </m:r>
+                        </m:sub>
+                      </m:sSub>
+                    </m:oMath>
+                  </m:oMathPara>
+                </a14:m>
+                <a:endParaRPr lang="en-US" sz="1000" b="0" dirty="0"/>
+              </a:p>
+            </p:txBody>
+          </p:sp>
+        </mc:Choice>
+        <mc:Fallback xmlns="">
+          <p:sp>
+            <p:nvSpPr>
+              <p:cNvPr id="213" name="TextBox 212">
+                <a:extLst>
+                  <a:ext uri="{FF2B5EF4-FFF2-40B4-BE49-F238E27FC236}">
+                    <a16:creationId xmlns:a16="http://schemas.microsoft.com/office/drawing/2014/main" id="{DADB9B76-7412-874C-AD41-6D1B68080D9D}"/>
+                  </a:ext>
+                </a:extLst>
+              </p:cNvPr>
+              <p:cNvSpPr txBox="1">
+                <a:spLocks noRot="1" noChangeAspect="1" noMove="1" noResize="1" noEditPoints="1" noAdjustHandles="1" noChangeArrowheads="1" noChangeShapeType="1" noTextEdit="1"/>
+              </p:cNvSpPr>
+              <p:nvPr/>
+            </p:nvSpPr>
+            <p:spPr>
+              <a:xfrm>
+                <a:off x="6538831" y="1197799"/>
+                <a:ext cx="159210" cy="153888"/>
+              </a:xfrm>
+              <a:prstGeom prst="rect">
+                <a:avLst/>
+              </a:prstGeom>
+              <a:blipFill>
+                <a:blip r:embed="rId20"/>
+                <a:stretch>
+                  <a:fillRect l="-15385" r="-7692" b="-15385"/>
+                </a:stretch>
+              </a:blipFill>
+            </p:spPr>
+            <p:txBody>
+              <a:bodyPr/>
+              <a:lstStyle/>
+              <a:p>
+                <a:r>
+                  <a:rPr lang="en-US">
+                    <a:noFill/>
+                  </a:rPr>
+                  <a:t> </a:t>
+                </a:r>
+              </a:p>
+            </p:txBody>
+          </p:sp>
+        </mc:Fallback>
+      </mc:AlternateContent>
+      <mc:AlternateContent xmlns:mc="http://schemas.openxmlformats.org/markup-compatibility/2006" xmlns:a14="http://schemas.microsoft.com/office/drawing/2010/main">
+        <mc:Choice Requires="a14">
+          <p:sp>
+            <p:nvSpPr>
+              <p:cNvPr id="214" name="TextBox 213">
+                <a:extLst>
+                  <a:ext uri="{FF2B5EF4-FFF2-40B4-BE49-F238E27FC236}">
+                    <a16:creationId xmlns:a16="http://schemas.microsoft.com/office/drawing/2014/main" id="{026DBE66-A438-B24D-9A58-17E09EC3CA82}"/>
+                  </a:ext>
+                </a:extLst>
+              </p:cNvPr>
+              <p:cNvSpPr txBox="1"/>
+              <p:nvPr/>
+            </p:nvSpPr>
+            <p:spPr>
+              <a:xfrm>
+                <a:off x="6204429" y="757202"/>
+                <a:ext cx="156261" cy="153888"/>
+              </a:xfrm>
+              <a:prstGeom prst="rect">
+                <a:avLst/>
+              </a:prstGeom>
+              <a:noFill/>
+            </p:spPr>
+            <p:txBody>
+              <a:bodyPr wrap="none" lIns="0" tIns="0" rIns="0" bIns="0" rtlCol="0">
+                <a:spAutoFit/>
+              </a:bodyPr>
+              <a:lstStyle/>
+              <a:p>
+                <a:pPr/>
+                <a14:m>
+                  <m:oMathPara xmlns:m="http://schemas.openxmlformats.org/officeDocument/2006/math">
+                    <m:oMathParaPr>
+                      <m:jc m:val="centerGroup"/>
+                    </m:oMathParaPr>
+                    <m:oMath xmlns:m="http://schemas.openxmlformats.org/officeDocument/2006/math">
+                      <m:sSub>
+                        <m:sSubPr>
+                          <m:ctrlPr>
+                            <a:rPr lang="en-US" sz="1000" b="0" i="1" smtClean="0">
+                              <a:latin typeface="Cambria Math" panose="02040503050406030204" pitchFamily="18" charset="0"/>
+                            </a:rPr>
+                          </m:ctrlPr>
+                        </m:sSubPr>
+                        <m:e>
+                          <m:r>
+                            <a:rPr lang="en-US" sz="1000" b="0" i="1" smtClean="0">
+                              <a:latin typeface="Cambria Math" panose="02040503050406030204" pitchFamily="18" charset="0"/>
+                            </a:rPr>
+                            <m:t>𝜇</m:t>
+                          </m:r>
+                        </m:e>
+                        <m:sub>
+                          <m:r>
+                            <a:rPr lang="en-US" sz="1000" b="0" i="1" smtClean="0">
+                              <a:latin typeface="Cambria Math" panose="02040503050406030204" pitchFamily="18" charset="0"/>
+                            </a:rPr>
+                            <m:t>1</m:t>
+                          </m:r>
+                        </m:sub>
+                      </m:sSub>
+                    </m:oMath>
+                  </m:oMathPara>
+                </a14:m>
+                <a:endParaRPr lang="en-US" sz="1000" b="0" dirty="0"/>
+              </a:p>
+            </p:txBody>
+          </p:sp>
+        </mc:Choice>
+        <mc:Fallback xmlns="">
+          <p:sp>
+            <p:nvSpPr>
+              <p:cNvPr id="214" name="TextBox 213">
+                <a:extLst>
+                  <a:ext uri="{FF2B5EF4-FFF2-40B4-BE49-F238E27FC236}">
+                    <a16:creationId xmlns:a16="http://schemas.microsoft.com/office/drawing/2014/main" id="{026DBE66-A438-B24D-9A58-17E09EC3CA82}"/>
+                  </a:ext>
+                </a:extLst>
+              </p:cNvPr>
+              <p:cNvSpPr txBox="1">
+                <a:spLocks noRot="1" noChangeAspect="1" noMove="1" noResize="1" noEditPoints="1" noAdjustHandles="1" noChangeArrowheads="1" noChangeShapeType="1" noTextEdit="1"/>
+              </p:cNvSpPr>
+              <p:nvPr/>
+            </p:nvSpPr>
+            <p:spPr>
+              <a:xfrm>
+                <a:off x="6204429" y="757202"/>
+                <a:ext cx="156261" cy="153888"/>
+              </a:xfrm>
+              <a:prstGeom prst="rect">
+                <a:avLst/>
+              </a:prstGeom>
+              <a:blipFill>
+                <a:blip r:embed="rId21"/>
+                <a:stretch>
+                  <a:fillRect l="-23077" r="-7692" b="-16667"/>
+                </a:stretch>
+              </a:blipFill>
+            </p:spPr>
+            <p:txBody>
+              <a:bodyPr/>
+              <a:lstStyle/>
+              <a:p>
+                <a:r>
+                  <a:rPr lang="en-US">
+                    <a:noFill/>
+                  </a:rPr>
+                  <a:t> </a:t>
+                </a:r>
+              </a:p>
+            </p:txBody>
+          </p:sp>
+        </mc:Fallback>
+      </mc:AlternateContent>
+      <p:sp>
+        <p:nvSpPr>
+          <p:cNvPr id="206" name="TextBox 205">
+            <a:extLst>
+              <a:ext uri="{FF2B5EF4-FFF2-40B4-BE49-F238E27FC236}">
+                <a16:creationId xmlns:a16="http://schemas.microsoft.com/office/drawing/2014/main" id="{52D3B71D-E825-6845-A658-85F6831C94D2}"/>
+              </a:ext>
+            </a:extLst>
+          </p:cNvPr>
+          <p:cNvSpPr txBox="1"/>
+          <p:nvPr/>
+        </p:nvSpPr>
+        <p:spPr>
+          <a:xfrm>
+            <a:off x="3344441" y="1853507"/>
+            <a:ext cx="527825" cy="584775"/>
+          </a:xfrm>
+          <a:prstGeom prst="rect">
+            <a:avLst/>
+          </a:prstGeom>
+          <a:noFill/>
+        </p:spPr>
+        <p:txBody>
+          <a:bodyPr wrap="square" rtlCol="0">
+            <a:spAutoFit/>
+          </a:bodyPr>
+          <a:lstStyle/>
+          <a:p>
+            <a:pPr algn="ctr"/>
+            <a:r>
+              <a:rPr lang="en-US" sz="1600" dirty="0">
+                <a:latin typeface="CMU Serif Roman" panose="02000603000000000000" pitchFamily="2" charset="0"/>
+                <a:ea typeface="CMU Serif Roman" panose="02000603000000000000" pitchFamily="2" charset="0"/>
+                <a:cs typeface="CMU Serif Roman" panose="02000603000000000000" pitchFamily="2" charset="0"/>
+              </a:rPr>
+              <a:t>3</a:t>
+            </a:r>
+          </a:p>
+          <a:p>
+            <a:pPr algn="ctr"/>
+            <a:r>
+              <a:rPr lang="en-US" sz="1600" dirty="0">
+                <a:latin typeface="CMU Serif Roman" panose="02000603000000000000" pitchFamily="2" charset="0"/>
+                <a:ea typeface="CMU Serif Roman" panose="02000603000000000000" pitchFamily="2" charset="0"/>
+                <a:cs typeface="CMU Serif Roman" panose="02000603000000000000" pitchFamily="2" charset="0"/>
+              </a:rPr>
+              <a:t>iii-v</a:t>
+            </a:r>
+          </a:p>
+        </p:txBody>
+      </p:sp>
+      <p:sp>
+        <p:nvSpPr>
+          <p:cNvPr id="215" name="TextBox 214">
+            <a:extLst>
+              <a:ext uri="{FF2B5EF4-FFF2-40B4-BE49-F238E27FC236}">
+                <a16:creationId xmlns:a16="http://schemas.microsoft.com/office/drawing/2014/main" id="{8A0E084D-D1C5-924B-AB46-05BA26DD2894}"/>
+              </a:ext>
+            </a:extLst>
+          </p:cNvPr>
+          <p:cNvSpPr txBox="1"/>
+          <p:nvPr/>
+        </p:nvSpPr>
+        <p:spPr>
+          <a:xfrm>
+            <a:off x="3392795" y="648474"/>
+            <a:ext cx="431118" cy="584775"/>
+          </a:xfrm>
+          <a:prstGeom prst="rect">
+            <a:avLst/>
+          </a:prstGeom>
+          <a:noFill/>
+        </p:spPr>
+        <p:txBody>
+          <a:bodyPr wrap="square" rtlCol="0">
+            <a:spAutoFit/>
+          </a:bodyPr>
+          <a:lstStyle/>
+          <a:p>
+            <a:pPr algn="ctr"/>
+            <a:r>
+              <a:rPr lang="en-US" sz="1600" dirty="0">
+                <a:latin typeface="CMU Serif Roman" panose="02000603000000000000" pitchFamily="2" charset="0"/>
+                <a:ea typeface="CMU Serif Roman" panose="02000603000000000000" pitchFamily="2" charset="0"/>
+                <a:cs typeface="CMU Serif Roman" panose="02000603000000000000" pitchFamily="2" charset="0"/>
+              </a:rPr>
+              <a:t>3</a:t>
+            </a:r>
+          </a:p>
+          <a:p>
+            <a:r>
+              <a:rPr lang="en-US" sz="1600" dirty="0" err="1">
+                <a:latin typeface="CMU Serif Roman" panose="02000603000000000000" pitchFamily="2" charset="0"/>
+                <a:ea typeface="CMU Serif Roman" panose="02000603000000000000" pitchFamily="2" charset="0"/>
+                <a:cs typeface="CMU Serif Roman" panose="02000603000000000000" pitchFamily="2" charset="0"/>
+              </a:rPr>
+              <a:t>i</a:t>
+            </a:r>
+            <a:r>
+              <a:rPr lang="en-US" sz="1600" dirty="0">
+                <a:latin typeface="CMU Serif Roman" panose="02000603000000000000" pitchFamily="2" charset="0"/>
+                <a:ea typeface="CMU Serif Roman" panose="02000603000000000000" pitchFamily="2" charset="0"/>
+                <a:cs typeface="CMU Serif Roman" panose="02000603000000000000" pitchFamily="2" charset="0"/>
+              </a:rPr>
+              <a:t>-ii</a:t>
             </a:r>
           </a:p>
         </p:txBody>

--- a/figures/figures.pptx
+++ b/figures/figures.pptx
@@ -7123,7 +7123,7 @@
           <a:p>
             <a:fld id="{435F5122-36F6-8A43-9FB8-2C7E079D8491}" type="datetimeFigureOut">
               <a:rPr lang="en-US" smtClean="0"/>
-              <a:t>3/20/18</a:t>
+              <a:t>3/27/18</a:t>
             </a:fld>
             <a:endParaRPr lang="en-US"/>
           </a:p>
@@ -7603,7 +7603,7 @@
           <a:p>
             <a:fld id="{0B81B261-3E97-594D-92FE-9F195E76D39F}" type="datetimeFigureOut">
               <a:rPr lang="en-US" smtClean="0"/>
-              <a:t>3/20/18</a:t>
+              <a:t>3/27/18</a:t>
             </a:fld>
             <a:endParaRPr lang="en-US"/>
           </a:p>
@@ -7771,7 +7771,7 @@
           <a:p>
             <a:fld id="{0B81B261-3E97-594D-92FE-9F195E76D39F}" type="datetimeFigureOut">
               <a:rPr lang="en-US" smtClean="0"/>
-              <a:t>3/20/18</a:t>
+              <a:t>3/27/18</a:t>
             </a:fld>
             <a:endParaRPr lang="en-US"/>
           </a:p>
@@ -7949,7 +7949,7 @@
           <a:p>
             <a:fld id="{0B81B261-3E97-594D-92FE-9F195E76D39F}" type="datetimeFigureOut">
               <a:rPr lang="en-US" smtClean="0"/>
-              <a:t>3/20/18</a:t>
+              <a:t>3/27/18</a:t>
             </a:fld>
             <a:endParaRPr lang="en-US"/>
           </a:p>
@@ -8117,7 +8117,7 @@
           <a:p>
             <a:fld id="{0B81B261-3E97-594D-92FE-9F195E76D39F}" type="datetimeFigureOut">
               <a:rPr lang="en-US" smtClean="0"/>
-              <a:t>3/20/18</a:t>
+              <a:t>3/27/18</a:t>
             </a:fld>
             <a:endParaRPr lang="en-US"/>
           </a:p>
@@ -8362,7 +8362,7 @@
           <a:p>
             <a:fld id="{0B81B261-3E97-594D-92FE-9F195E76D39F}" type="datetimeFigureOut">
               <a:rPr lang="en-US" smtClean="0"/>
-              <a:t>3/20/18</a:t>
+              <a:t>3/27/18</a:t>
             </a:fld>
             <a:endParaRPr lang="en-US"/>
           </a:p>
@@ -8591,7 +8591,7 @@
           <a:p>
             <a:fld id="{0B81B261-3E97-594D-92FE-9F195E76D39F}" type="datetimeFigureOut">
               <a:rPr lang="en-US" smtClean="0"/>
-              <a:t>3/20/18</a:t>
+              <a:t>3/27/18</a:t>
             </a:fld>
             <a:endParaRPr lang="en-US"/>
           </a:p>
@@ -8955,7 +8955,7 @@
           <a:p>
             <a:fld id="{0B81B261-3E97-594D-92FE-9F195E76D39F}" type="datetimeFigureOut">
               <a:rPr lang="en-US" smtClean="0"/>
-              <a:t>3/20/18</a:t>
+              <a:t>3/27/18</a:t>
             </a:fld>
             <a:endParaRPr lang="en-US"/>
           </a:p>
@@ -9072,7 +9072,7 @@
           <a:p>
             <a:fld id="{0B81B261-3E97-594D-92FE-9F195E76D39F}" type="datetimeFigureOut">
               <a:rPr lang="en-US" smtClean="0"/>
-              <a:t>3/20/18</a:t>
+              <a:t>3/27/18</a:t>
             </a:fld>
             <a:endParaRPr lang="en-US"/>
           </a:p>
@@ -9167,7 +9167,7 @@
           <a:p>
             <a:fld id="{0B81B261-3E97-594D-92FE-9F195E76D39F}" type="datetimeFigureOut">
               <a:rPr lang="en-US" smtClean="0"/>
-              <a:t>3/20/18</a:t>
+              <a:t>3/27/18</a:t>
             </a:fld>
             <a:endParaRPr lang="en-US"/>
           </a:p>
@@ -9442,7 +9442,7 @@
           <a:p>
             <a:fld id="{0B81B261-3E97-594D-92FE-9F195E76D39F}" type="datetimeFigureOut">
               <a:rPr lang="en-US" smtClean="0"/>
-              <a:t>3/20/18</a:t>
+              <a:t>3/27/18</a:t>
             </a:fld>
             <a:endParaRPr lang="en-US"/>
           </a:p>
@@ -9694,7 +9694,7 @@
           <a:p>
             <a:fld id="{0B81B261-3E97-594D-92FE-9F195E76D39F}" type="datetimeFigureOut">
               <a:rPr lang="en-US" smtClean="0"/>
-              <a:t>3/20/18</a:t>
+              <a:t>3/27/18</a:t>
             </a:fld>
             <a:endParaRPr lang="en-US"/>
           </a:p>
@@ -9905,7 +9905,7 @@
           <a:p>
             <a:fld id="{0B81B261-3E97-594D-92FE-9F195E76D39F}" type="datetimeFigureOut">
               <a:rPr lang="en-US" smtClean="0"/>
-              <a:t>3/20/18</a:t>
+              <a:t>3/27/18</a:t>
             </a:fld>
             <a:endParaRPr lang="en-US"/>
           </a:p>
@@ -11822,7 +11822,7 @@
                     <a:ea typeface="CMU Serif Roman" panose="02000603000000000000" pitchFamily="2" charset="0"/>
                     <a:cs typeface="CMU Serif Roman" panose="02000603000000000000" pitchFamily="2" charset="0"/>
                   </a:rPr>
-                  <a:t>2i</a:t>
+                  <a:t>2a</a:t>
                 </a:r>
               </a:p>
             </p:txBody>
@@ -11993,7 +11993,7 @@
                     <a:ea typeface="CMU Serif Roman" panose="02000603000000000000" pitchFamily="2" charset="0"/>
                     <a:cs typeface="CMU Serif Roman" panose="02000603000000000000" pitchFamily="2" charset="0"/>
                   </a:rPr>
-                  <a:t>2ii</a:t>
+                  <a:t>2b</a:t>
                 </a:r>
               </a:p>
             </p:txBody>
@@ -13052,8 +13052,8 @@
           </p:nvSpPr>
           <p:spPr>
             <a:xfrm>
-              <a:off x="3456263" y="154462"/>
-              <a:ext cx="431118" cy="584775"/>
+              <a:off x="3456262" y="154462"/>
+              <a:ext cx="487935" cy="584775"/>
             </a:xfrm>
             <a:prstGeom prst="rect">
               <a:avLst/>
@@ -13077,21 +13077,14 @@
               </a:r>
             </a:p>
             <a:p>
-              <a:r>
-                <a:rPr lang="en-US" sz="1600" dirty="0" err="1">
-                  <a:latin typeface="CMU Serif Roman" panose="02000603000000000000" pitchFamily="2" charset="0"/>
-                  <a:ea typeface="CMU Serif Roman" panose="02000603000000000000" pitchFamily="2" charset="0"/>
-                  <a:cs typeface="CMU Serif Roman" panose="02000603000000000000" pitchFamily="2" charset="0"/>
-                </a:rPr>
-                <a:t>i</a:t>
-              </a:r>
+              <a:pPr algn="ctr"/>
               <a:r>
                 <a:rPr lang="en-US" sz="1600" dirty="0">
                   <a:latin typeface="CMU Serif Roman" panose="02000603000000000000" pitchFamily="2" charset="0"/>
                   <a:ea typeface="CMU Serif Roman" panose="02000603000000000000" pitchFamily="2" charset="0"/>
                   <a:cs typeface="CMU Serif Roman" panose="02000603000000000000" pitchFamily="2" charset="0"/>
                 </a:rPr>
-                <a:t>-ii</a:t>
+                <a:t>a-b</a:t>
               </a:r>
             </a:p>
           </p:txBody>
@@ -13142,7 +13135,7 @@
                   <a:ea typeface="CMU Serif Roman" panose="02000603000000000000" pitchFamily="2" charset="0"/>
                   <a:cs typeface="CMU Serif Roman" panose="02000603000000000000" pitchFamily="2" charset="0"/>
                 </a:rPr>
-                <a:t>iii-v</a:t>
+                <a:t>c-e</a:t>
               </a:r>
             </a:p>
           </p:txBody>
@@ -16600,10 +16593,10 @@
         </p:nvGrpSpPr>
         <p:grpSpPr>
           <a:xfrm>
-            <a:off x="7298382" y="3004337"/>
-            <a:ext cx="1199718" cy="2706685"/>
-            <a:chOff x="2568000" y="2711742"/>
-            <a:chExt cx="1199718" cy="2706685"/>
+            <a:off x="7263260" y="3004337"/>
+            <a:ext cx="1234840" cy="2706685"/>
+            <a:chOff x="2532878" y="2711742"/>
+            <a:chExt cx="1234840" cy="2706685"/>
           </a:xfrm>
         </p:grpSpPr>
         <p:grpSp>
@@ -17266,8 +17259,8 @@
           </p:nvSpPr>
           <p:spPr>
             <a:xfrm>
-              <a:off x="2588968" y="2711742"/>
-              <a:ext cx="453841" cy="338554"/>
+              <a:off x="2532878" y="2711742"/>
+              <a:ext cx="509932" cy="338554"/>
             </a:xfrm>
             <a:prstGeom prst="rect">
               <a:avLst/>
@@ -17286,7 +17279,7 @@
                   <a:ea typeface="CMU Serif Roman" panose="02000603000000000000" pitchFamily="2" charset="0"/>
                   <a:cs typeface="CMU Serif Roman" panose="02000603000000000000" pitchFamily="2" charset="0"/>
                 </a:rPr>
-                <a:t>10i</a:t>
+                <a:t>10a</a:t>
               </a:r>
             </a:p>
           </p:txBody>
@@ -17326,7 +17319,7 @@
                   <a:ea typeface="CMU Serif Roman" panose="02000603000000000000" pitchFamily="2" charset="0"/>
                   <a:cs typeface="CMU Serif Roman" panose="02000603000000000000" pitchFamily="2" charset="0"/>
                 </a:rPr>
-                <a:t>10ii</a:t>
+                <a:t>10b</a:t>
               </a:r>
             </a:p>
           </p:txBody>
@@ -17346,7 +17339,7 @@
           <p:spPr>
             <a:xfrm>
               <a:off x="2574899" y="3848767"/>
-              <a:ext cx="1156426" cy="1569660"/>
+              <a:ext cx="1156425" cy="1569660"/>
             </a:xfrm>
             <a:prstGeom prst="rect">
               <a:avLst/>
@@ -24323,7 +24316,7 @@
                     <a:ea typeface="CMU Serif Roman" panose="02000603000000000000" pitchFamily="2" charset="0"/>
                     <a:cs typeface="CMU Serif Roman" panose="02000603000000000000" pitchFamily="2" charset="0"/>
                   </a:rPr>
-                  <a:t>2i</a:t>
+                  <a:t>2a</a:t>
                 </a:r>
               </a:p>
             </p:txBody>
@@ -24494,7 +24487,7 @@
                     <a:ea typeface="CMU Serif Roman" panose="02000603000000000000" pitchFamily="2" charset="0"/>
                     <a:cs typeface="CMU Serif Roman" panose="02000603000000000000" pitchFamily="2" charset="0"/>
                   </a:rPr>
-                  <a:t>2ii</a:t>
+                  <a:t>2b</a:t>
                 </a:r>
               </a:p>
             </p:txBody>
@@ -28323,8 +28316,8 @@
         </p:nvSpPr>
         <p:spPr>
           <a:xfrm>
-            <a:off x="8017868" y="694531"/>
-            <a:ext cx="453841" cy="338554"/>
+            <a:off x="7975742" y="694531"/>
+            <a:ext cx="495968" cy="338554"/>
           </a:xfrm>
           <a:prstGeom prst="rect">
             <a:avLst/>
@@ -28343,7 +28336,7 @@
                 <a:ea typeface="CMU Serif Roman" panose="02000603000000000000" pitchFamily="2" charset="0"/>
                 <a:cs typeface="CMU Serif Roman" panose="02000603000000000000" pitchFamily="2" charset="0"/>
               </a:rPr>
-              <a:t>10i</a:t>
+              <a:t>10a</a:t>
             </a:r>
           </a:p>
         </p:txBody>
@@ -28383,7 +28376,7 @@
                 <a:ea typeface="CMU Serif Roman" panose="02000603000000000000" pitchFamily="2" charset="0"/>
                 <a:cs typeface="CMU Serif Roman" panose="02000603000000000000" pitchFamily="2" charset="0"/>
               </a:rPr>
-              <a:t>10ii</a:t>
+              <a:t>10b</a:t>
             </a:r>
           </a:p>
         </p:txBody>
@@ -28403,7 +28396,7 @@
         <p:spPr>
           <a:xfrm>
             <a:off x="8000624" y="1810296"/>
-            <a:ext cx="1156426" cy="1569660"/>
+            <a:ext cx="1162776" cy="1569660"/>
           </a:xfrm>
           <a:prstGeom prst="rect">
             <a:avLst/>
@@ -29793,7 +29786,7 @@
                 <a:ea typeface="CMU Serif Roman" panose="02000603000000000000" pitchFamily="2" charset="0"/>
                 <a:cs typeface="CMU Serif Roman" panose="02000603000000000000" pitchFamily="2" charset="0"/>
               </a:rPr>
-              <a:t>iii-v</a:t>
+              <a:t>c-e</a:t>
             </a:r>
           </a:p>
         </p:txBody>
@@ -29812,8 +29805,8 @@
         </p:nvSpPr>
         <p:spPr>
           <a:xfrm>
-            <a:off x="3392795" y="648474"/>
-            <a:ext cx="431118" cy="584775"/>
+            <a:off x="3364195" y="648474"/>
+            <a:ext cx="506094" cy="584775"/>
           </a:xfrm>
           <a:prstGeom prst="rect">
             <a:avLst/>
@@ -29837,21 +29830,14 @@
             </a:r>
           </a:p>
           <a:p>
-            <a:r>
-              <a:rPr lang="en-US" sz="1600" dirty="0" err="1">
-                <a:latin typeface="CMU Serif Roman" panose="02000603000000000000" pitchFamily="2" charset="0"/>
-                <a:ea typeface="CMU Serif Roman" panose="02000603000000000000" pitchFamily="2" charset="0"/>
-                <a:cs typeface="CMU Serif Roman" panose="02000603000000000000" pitchFamily="2" charset="0"/>
-              </a:rPr>
-              <a:t>i</a:t>
-            </a:r>
+            <a:pPr algn="ctr"/>
             <a:r>
               <a:rPr lang="en-US" sz="1600" dirty="0">
                 <a:latin typeface="CMU Serif Roman" panose="02000603000000000000" pitchFamily="2" charset="0"/>
                 <a:ea typeface="CMU Serif Roman" panose="02000603000000000000" pitchFamily="2" charset="0"/>
                 <a:cs typeface="CMU Serif Roman" panose="02000603000000000000" pitchFamily="2" charset="0"/>
               </a:rPr>
-              <a:t>-ii</a:t>
+              <a:t>a-b</a:t>
             </a:r>
           </a:p>
         </p:txBody>

--- a/figures/figures.pptx
+++ b/figures/figures.pptx
@@ -7123,7 +7123,7 @@
           <a:p>
             <a:fld id="{435F5122-36F6-8A43-9FB8-2C7E079D8491}" type="datetimeFigureOut">
               <a:rPr lang="en-US" smtClean="0"/>
-              <a:t>3/27/18</a:t>
+              <a:t>3/28/18</a:t>
             </a:fld>
             <a:endParaRPr lang="en-US"/>
           </a:p>
@@ -7603,7 +7603,7 @@
           <a:p>
             <a:fld id="{0B81B261-3E97-594D-92FE-9F195E76D39F}" type="datetimeFigureOut">
               <a:rPr lang="en-US" smtClean="0"/>
-              <a:t>3/27/18</a:t>
+              <a:t>3/28/18</a:t>
             </a:fld>
             <a:endParaRPr lang="en-US"/>
           </a:p>
@@ -7771,7 +7771,7 @@
           <a:p>
             <a:fld id="{0B81B261-3E97-594D-92FE-9F195E76D39F}" type="datetimeFigureOut">
               <a:rPr lang="en-US" smtClean="0"/>
-              <a:t>3/27/18</a:t>
+              <a:t>3/28/18</a:t>
             </a:fld>
             <a:endParaRPr lang="en-US"/>
           </a:p>
@@ -7949,7 +7949,7 @@
           <a:p>
             <a:fld id="{0B81B261-3E97-594D-92FE-9F195E76D39F}" type="datetimeFigureOut">
               <a:rPr lang="en-US" smtClean="0"/>
-              <a:t>3/27/18</a:t>
+              <a:t>3/28/18</a:t>
             </a:fld>
             <a:endParaRPr lang="en-US"/>
           </a:p>
@@ -8117,7 +8117,7 @@
           <a:p>
             <a:fld id="{0B81B261-3E97-594D-92FE-9F195E76D39F}" type="datetimeFigureOut">
               <a:rPr lang="en-US" smtClean="0"/>
-              <a:t>3/27/18</a:t>
+              <a:t>3/28/18</a:t>
             </a:fld>
             <a:endParaRPr lang="en-US"/>
           </a:p>
@@ -8362,7 +8362,7 @@
           <a:p>
             <a:fld id="{0B81B261-3E97-594D-92FE-9F195E76D39F}" type="datetimeFigureOut">
               <a:rPr lang="en-US" smtClean="0"/>
-              <a:t>3/27/18</a:t>
+              <a:t>3/28/18</a:t>
             </a:fld>
             <a:endParaRPr lang="en-US"/>
           </a:p>
@@ -8591,7 +8591,7 @@
           <a:p>
             <a:fld id="{0B81B261-3E97-594D-92FE-9F195E76D39F}" type="datetimeFigureOut">
               <a:rPr lang="en-US" smtClean="0"/>
-              <a:t>3/27/18</a:t>
+              <a:t>3/28/18</a:t>
             </a:fld>
             <a:endParaRPr lang="en-US"/>
           </a:p>
@@ -8955,7 +8955,7 @@
           <a:p>
             <a:fld id="{0B81B261-3E97-594D-92FE-9F195E76D39F}" type="datetimeFigureOut">
               <a:rPr lang="en-US" smtClean="0"/>
-              <a:t>3/27/18</a:t>
+              <a:t>3/28/18</a:t>
             </a:fld>
             <a:endParaRPr lang="en-US"/>
           </a:p>
@@ -9072,7 +9072,7 @@
           <a:p>
             <a:fld id="{0B81B261-3E97-594D-92FE-9F195E76D39F}" type="datetimeFigureOut">
               <a:rPr lang="en-US" smtClean="0"/>
-              <a:t>3/27/18</a:t>
+              <a:t>3/28/18</a:t>
             </a:fld>
             <a:endParaRPr lang="en-US"/>
           </a:p>
@@ -9167,7 +9167,7 @@
           <a:p>
             <a:fld id="{0B81B261-3E97-594D-92FE-9F195E76D39F}" type="datetimeFigureOut">
               <a:rPr lang="en-US" smtClean="0"/>
-              <a:t>3/27/18</a:t>
+              <a:t>3/28/18</a:t>
             </a:fld>
             <a:endParaRPr lang="en-US"/>
           </a:p>
@@ -9442,7 +9442,7 @@
           <a:p>
             <a:fld id="{0B81B261-3E97-594D-92FE-9F195E76D39F}" type="datetimeFigureOut">
               <a:rPr lang="en-US" smtClean="0"/>
-              <a:t>3/27/18</a:t>
+              <a:t>3/28/18</a:t>
             </a:fld>
             <a:endParaRPr lang="en-US"/>
           </a:p>
@@ -9694,7 +9694,7 @@
           <a:p>
             <a:fld id="{0B81B261-3E97-594D-92FE-9F195E76D39F}" type="datetimeFigureOut">
               <a:rPr lang="en-US" smtClean="0"/>
-              <a:t>3/27/18</a:t>
+              <a:t>3/28/18</a:t>
             </a:fld>
             <a:endParaRPr lang="en-US"/>
           </a:p>
@@ -9905,7 +9905,7 @@
           <a:p>
             <a:fld id="{0B81B261-3E97-594D-92FE-9F195E76D39F}" type="datetimeFigureOut">
               <a:rPr lang="en-US" smtClean="0"/>
-              <a:t>3/27/18</a:t>
+              <a:t>3/28/18</a:t>
             </a:fld>
             <a:endParaRPr lang="en-US"/>
           </a:p>
@@ -11822,7 +11822,15 @@
                     <a:ea typeface="CMU Serif Roman" panose="02000603000000000000" pitchFamily="2" charset="0"/>
                     <a:cs typeface="CMU Serif Roman" panose="02000603000000000000" pitchFamily="2" charset="0"/>
                   </a:rPr>
-                  <a:t>2a</a:t>
+                  <a:t>2</a:t>
+                </a:r>
+                <a:r>
+                  <a:rPr lang="en-US" sz="1600" i="1" dirty="0">
+                    <a:latin typeface="CMU Serif Roman" panose="02000603000000000000" pitchFamily="2" charset="0"/>
+                    <a:ea typeface="CMU Serif Roman" panose="02000603000000000000" pitchFamily="2" charset="0"/>
+                    <a:cs typeface="CMU Serif Roman" panose="02000603000000000000" pitchFamily="2" charset="0"/>
+                  </a:rPr>
+                  <a:t>a</a:t>
                 </a:r>
               </a:p>
             </p:txBody>
@@ -11993,7 +12001,15 @@
                     <a:ea typeface="CMU Serif Roman" panose="02000603000000000000" pitchFamily="2" charset="0"/>
                     <a:cs typeface="CMU Serif Roman" panose="02000603000000000000" pitchFamily="2" charset="0"/>
                   </a:rPr>
-                  <a:t>2b</a:t>
+                  <a:t>2</a:t>
+                </a:r>
+                <a:r>
+                  <a:rPr lang="en-US" sz="1600" i="1" dirty="0">
+                    <a:latin typeface="CMU Serif Roman" panose="02000603000000000000" pitchFamily="2" charset="0"/>
+                    <a:ea typeface="CMU Serif Roman" panose="02000603000000000000" pitchFamily="2" charset="0"/>
+                    <a:cs typeface="CMU Serif Roman" panose="02000603000000000000" pitchFamily="2" charset="0"/>
+                  </a:rPr>
+                  <a:t>b</a:t>
                 </a:r>
               </a:p>
             </p:txBody>
@@ -13079,12 +13095,28 @@
             <a:p>
               <a:pPr algn="ctr"/>
               <a:r>
+                <a:rPr lang="en-US" sz="1600" i="1" dirty="0">
+                  <a:latin typeface="CMU Serif Roman" panose="02000603000000000000" pitchFamily="2" charset="0"/>
+                  <a:ea typeface="CMU Serif Roman" panose="02000603000000000000" pitchFamily="2" charset="0"/>
+                  <a:cs typeface="CMU Serif Roman" panose="02000603000000000000" pitchFamily="2" charset="0"/>
+                </a:rPr>
+                <a:t>a</a:t>
+              </a:r>
+              <a:r>
                 <a:rPr lang="en-US" sz="1600" dirty="0">
                   <a:latin typeface="CMU Serif Roman" panose="02000603000000000000" pitchFamily="2" charset="0"/>
                   <a:ea typeface="CMU Serif Roman" panose="02000603000000000000" pitchFamily="2" charset="0"/>
                   <a:cs typeface="CMU Serif Roman" panose="02000603000000000000" pitchFamily="2" charset="0"/>
                 </a:rPr>
-                <a:t>a-b</a:t>
+                <a:t>-</a:t>
+              </a:r>
+              <a:r>
+                <a:rPr lang="en-US" sz="1600" i="1" dirty="0">
+                  <a:latin typeface="CMU Serif Roman" panose="02000603000000000000" pitchFamily="2" charset="0"/>
+                  <a:ea typeface="CMU Serif Roman" panose="02000603000000000000" pitchFamily="2" charset="0"/>
+                  <a:cs typeface="CMU Serif Roman" panose="02000603000000000000" pitchFamily="2" charset="0"/>
+                </a:rPr>
+                <a:t>b</a:t>
               </a:r>
             </a:p>
           </p:txBody>
@@ -13130,12 +13162,28 @@
             <a:p>
               <a:pPr algn="ctr"/>
               <a:r>
+                <a:rPr lang="en-US" sz="1600" i="1" dirty="0">
+                  <a:latin typeface="CMU Serif Roman" panose="02000603000000000000" pitchFamily="2" charset="0"/>
+                  <a:ea typeface="CMU Serif Roman" panose="02000603000000000000" pitchFamily="2" charset="0"/>
+                  <a:cs typeface="CMU Serif Roman" panose="02000603000000000000" pitchFamily="2" charset="0"/>
+                </a:rPr>
+                <a:t>c</a:t>
+              </a:r>
+              <a:r>
                 <a:rPr lang="en-US" sz="1600" dirty="0">
                   <a:latin typeface="CMU Serif Roman" panose="02000603000000000000" pitchFamily="2" charset="0"/>
                   <a:ea typeface="CMU Serif Roman" panose="02000603000000000000" pitchFamily="2" charset="0"/>
                   <a:cs typeface="CMU Serif Roman" panose="02000603000000000000" pitchFamily="2" charset="0"/>
                 </a:rPr>
-                <a:t>c-e</a:t>
+                <a:t>-</a:t>
+              </a:r>
+              <a:r>
+                <a:rPr lang="en-US" sz="1600" i="1" dirty="0">
+                  <a:latin typeface="CMU Serif Roman" panose="02000603000000000000" pitchFamily="2" charset="0"/>
+                  <a:ea typeface="CMU Serif Roman" panose="02000603000000000000" pitchFamily="2" charset="0"/>
+                  <a:cs typeface="CMU Serif Roman" panose="02000603000000000000" pitchFamily="2" charset="0"/>
+                </a:rPr>
+                <a:t>e</a:t>
               </a:r>
             </a:p>
           </p:txBody>
@@ -13986,10 +14034,10 @@
         </p:nvGrpSpPr>
         <p:grpSpPr>
           <a:xfrm>
-            <a:off x="6034124" y="661776"/>
-            <a:ext cx="1198911" cy="905086"/>
-            <a:chOff x="4529654" y="141949"/>
-            <a:chExt cx="1198911" cy="905086"/>
+            <a:off x="5991101" y="661776"/>
+            <a:ext cx="1241934" cy="905086"/>
+            <a:chOff x="4486631" y="141949"/>
+            <a:chExt cx="1241934" cy="905086"/>
           </a:xfrm>
         </p:grpSpPr>
         <p:cxnSp>
@@ -14093,7 +14141,7 @@
           </p:nvSpPr>
           <p:spPr>
             <a:xfrm>
-              <a:off x="4539182" y="189313"/>
+              <a:off x="4486631" y="189313"/>
               <a:ext cx="431118" cy="338554"/>
             </a:xfrm>
             <a:prstGeom prst="rect">
@@ -14113,7 +14161,7 @@
                   <a:ea typeface="CMU Serif Roman" panose="02000603000000000000" pitchFamily="2" charset="0"/>
                   <a:cs typeface="CMU Serif Roman" panose="02000603000000000000" pitchFamily="2" charset="0"/>
                 </a:rPr>
-                <a:t>4</a:t>
+                <a:t>4a</a:t>
               </a:r>
             </a:p>
           </p:txBody>
@@ -15248,7 +15296,7 @@
                     <a:ea typeface="CMU Serif Roman" panose="02000603000000000000" pitchFamily="2" charset="0"/>
                     <a:cs typeface="CMU Serif Roman" panose="02000603000000000000" pitchFamily="2" charset="0"/>
                   </a:rPr>
-                  <a:t>5</a:t>
+                  <a:t>4b</a:t>
                 </a:r>
               </a:p>
             </p:txBody>
@@ -16428,7 +16476,7 @@
                   <a:ea typeface="CMU Serif Roman" panose="02000603000000000000" pitchFamily="2" charset="0"/>
                   <a:cs typeface="CMU Serif Roman" panose="02000603000000000000" pitchFamily="2" charset="0"/>
                 </a:rPr>
-                <a:t>9</a:t>
+                <a:t>7</a:t>
               </a:r>
             </a:p>
           </p:txBody>
@@ -16485,7 +16533,7 @@
                   </a:solidFill>
                   <a:latin typeface="Courier" pitchFamily="2" charset="0"/>
                 </a:rPr>
-                <a:t>CCCCCCCCCC</a:t>
+                <a:t>ACGTACGTCC</a:t>
               </a:r>
             </a:p>
             <a:p>
@@ -16507,7 +16555,7 @@
                   </a:solidFill>
                   <a:latin typeface="Courier" pitchFamily="2" charset="0"/>
                 </a:rPr>
-                <a:t>TTTTTTTTTT</a:t>
+                <a:t>ACGTACGTTT</a:t>
               </a:r>
             </a:p>
             <a:p>
@@ -16529,7 +16577,7 @@
                   </a:solidFill>
                   <a:latin typeface="Courier" pitchFamily="2" charset="0"/>
                 </a:rPr>
-                <a:t>GCGCGCGCGC</a:t>
+                <a:t>ACGTACGTGC</a:t>
               </a:r>
             </a:p>
             <a:p>
@@ -16551,7 +16599,7 @@
                   </a:solidFill>
                   <a:latin typeface="Courier" pitchFamily="2" charset="0"/>
                 </a:rPr>
-                <a:t>ACACACACAC</a:t>
+                <a:t>ACGTACGTAC</a:t>
               </a:r>
             </a:p>
             <a:p>
@@ -16573,7 +16621,7 @@
                   </a:solidFill>
                   <a:latin typeface="Courier" pitchFamily="2" charset="0"/>
                 </a:rPr>
-                <a:t>CGCGCGCGCG</a:t>
+                <a:t>ACGTACGTCG</a:t>
               </a:r>
             </a:p>
           </p:txBody>
@@ -17279,7 +17327,15 @@
                   <a:ea typeface="CMU Serif Roman" panose="02000603000000000000" pitchFamily="2" charset="0"/>
                   <a:cs typeface="CMU Serif Roman" panose="02000603000000000000" pitchFamily="2" charset="0"/>
                 </a:rPr>
-                <a:t>10a</a:t>
+                <a:t>8</a:t>
+              </a:r>
+              <a:r>
+                <a:rPr lang="en-US" sz="1600" i="1" dirty="0">
+                  <a:latin typeface="CMU Serif Roman" panose="02000603000000000000" pitchFamily="2" charset="0"/>
+                  <a:ea typeface="CMU Serif Roman" panose="02000603000000000000" pitchFamily="2" charset="0"/>
+                  <a:cs typeface="CMU Serif Roman" panose="02000603000000000000" pitchFamily="2" charset="0"/>
+                </a:rPr>
+                <a:t>a</a:t>
               </a:r>
             </a:p>
           </p:txBody>
@@ -17319,7 +17375,15 @@
                   <a:ea typeface="CMU Serif Roman" panose="02000603000000000000" pitchFamily="2" charset="0"/>
                   <a:cs typeface="CMU Serif Roman" panose="02000603000000000000" pitchFamily="2" charset="0"/>
                 </a:rPr>
-                <a:t>10b</a:t>
+                <a:t>8</a:t>
+              </a:r>
+              <a:r>
+                <a:rPr lang="en-US" sz="1600" i="1" dirty="0">
+                  <a:latin typeface="CMU Serif Roman" panose="02000603000000000000" pitchFamily="2" charset="0"/>
+                  <a:ea typeface="CMU Serif Roman" panose="02000603000000000000" pitchFamily="2" charset="0"/>
+                  <a:cs typeface="CMU Serif Roman" panose="02000603000000000000" pitchFamily="2" charset="0"/>
+                </a:rPr>
+                <a:t>b</a:t>
               </a:r>
             </a:p>
           </p:txBody>
@@ -17338,8 +17402,8 @@
           </p:nvSpPr>
           <p:spPr>
             <a:xfrm>
-              <a:off x="2574899" y="3848767"/>
-              <a:ext cx="1156425" cy="1569660"/>
+              <a:off x="2574900" y="3848767"/>
+              <a:ext cx="1156424" cy="1569660"/>
             </a:xfrm>
             <a:prstGeom prst="rect">
               <a:avLst/>
@@ -17376,7 +17440,7 @@
                   </a:solidFill>
                   <a:latin typeface="Courier" pitchFamily="2" charset="0"/>
                 </a:rPr>
-                <a:t>GCGCGCGCGC</a:t>
+                <a:t>ACATACGTGC</a:t>
               </a:r>
             </a:p>
             <a:p>
@@ -17430,7 +17494,7 @@
                   </a:solidFill>
                   <a:latin typeface="Courier" pitchFamily="2" charset="0"/>
                 </a:rPr>
-                <a:t>CGCGCGCGCG</a:t>
+                <a:t>ACGTGCGTCG</a:t>
               </a:r>
             </a:p>
             <a:p>
@@ -17584,7 +17648,7 @@
                     <a:ea typeface="CMU Serif Roman" panose="02000603000000000000" pitchFamily="2" charset="0"/>
                     <a:cs typeface="CMU Serif Roman" panose="02000603000000000000" pitchFamily="2" charset="0"/>
                   </a:rPr>
-                  <a:t>6</a:t>
+                  <a:t>4c</a:t>
                 </a:r>
               </a:p>
             </p:txBody>
@@ -18685,7 +18749,7 @@
                       <a:ea typeface="CMU Serif Roman" panose="02000603000000000000" pitchFamily="2" charset="0"/>
                       <a:cs typeface="CMU Serif Roman" panose="02000603000000000000" pitchFamily="2" charset="0"/>
                     </a:rPr>
-                    <a:t>7</a:t>
+                    <a:t>5</a:t>
                   </a:r>
                 </a:p>
               </p:txBody>
@@ -20224,7 +20288,7 @@
                       <a:ea typeface="CMU Serif Roman" panose="02000603000000000000" pitchFamily="2" charset="0"/>
                       <a:cs typeface="CMU Serif Roman" panose="02000603000000000000" pitchFamily="2" charset="0"/>
                     </a:rPr>
-                    <a:t>8</a:t>
+                    <a:t>6</a:t>
                   </a:r>
                 </a:p>
               </p:txBody>
@@ -24316,7 +24380,15 @@
                     <a:ea typeface="CMU Serif Roman" panose="02000603000000000000" pitchFamily="2" charset="0"/>
                     <a:cs typeface="CMU Serif Roman" panose="02000603000000000000" pitchFamily="2" charset="0"/>
                   </a:rPr>
-                  <a:t>2a</a:t>
+                  <a:t>2</a:t>
+                </a:r>
+                <a:r>
+                  <a:rPr lang="en-US" sz="1600" i="1" dirty="0">
+                    <a:latin typeface="CMU Serif Roman" panose="02000603000000000000" pitchFamily="2" charset="0"/>
+                    <a:ea typeface="CMU Serif Roman" panose="02000603000000000000" pitchFamily="2" charset="0"/>
+                    <a:cs typeface="CMU Serif Roman" panose="02000603000000000000" pitchFamily="2" charset="0"/>
+                  </a:rPr>
+                  <a:t>a</a:t>
                 </a:r>
               </a:p>
             </p:txBody>
@@ -24487,7 +24559,15 @@
                     <a:ea typeface="CMU Serif Roman" panose="02000603000000000000" pitchFamily="2" charset="0"/>
                     <a:cs typeface="CMU Serif Roman" panose="02000603000000000000" pitchFamily="2" charset="0"/>
                   </a:rPr>
-                  <a:t>2b</a:t>
+                  <a:t>2</a:t>
+                </a:r>
+                <a:r>
+                  <a:rPr lang="en-US" sz="1600" i="1" dirty="0">
+                    <a:latin typeface="CMU Serif Roman" panose="02000603000000000000" pitchFamily="2" charset="0"/>
+                    <a:ea typeface="CMU Serif Roman" panose="02000603000000000000" pitchFamily="2" charset="0"/>
+                    <a:cs typeface="CMU Serif Roman" panose="02000603000000000000" pitchFamily="2" charset="0"/>
+                  </a:rPr>
+                  <a:t>b</a:t>
                 </a:r>
               </a:p>
             </p:txBody>
@@ -26465,7 +26545,7 @@
         </p:nvSpPr>
         <p:spPr>
           <a:xfrm>
-            <a:off x="3422263" y="2770090"/>
+            <a:off x="3380223" y="2770090"/>
             <a:ext cx="431118" cy="338554"/>
           </a:xfrm>
           <a:prstGeom prst="rect">
@@ -26485,7 +26565,7 @@
                 <a:ea typeface="CMU Serif Roman" panose="02000603000000000000" pitchFamily="2" charset="0"/>
                 <a:cs typeface="CMU Serif Roman" panose="02000603000000000000" pitchFamily="2" charset="0"/>
               </a:rPr>
-              <a:t>4</a:t>
+              <a:t>4a</a:t>
             </a:r>
           </a:p>
         </p:txBody>
@@ -27508,7 +27588,7 @@
                 </a:solidFill>
                 <a:latin typeface="Courier" pitchFamily="2" charset="0"/>
               </a:rPr>
-              <a:t>CCCCCCCCCC</a:t>
+              <a:t>ACGTACGTAC</a:t>
             </a:r>
           </a:p>
           <a:p>
@@ -27519,7 +27599,7 @@
                 </a:solidFill>
                 <a:latin typeface="Courier" pitchFamily="2" charset="0"/>
               </a:rPr>
-              <a:t>CCCCCCCCCC</a:t>
+              <a:t>GTACGTACCC</a:t>
             </a:r>
           </a:p>
           <a:p>
@@ -27541,7 +27621,7 @@
                 </a:solidFill>
                 <a:latin typeface="Courier" pitchFamily="2" charset="0"/>
               </a:rPr>
-              <a:t>TTTTTTTTTT</a:t>
+              <a:t>ACGTACGTAC</a:t>
             </a:r>
           </a:p>
           <a:p>
@@ -27552,7 +27632,7 @@
                 </a:solidFill>
                 <a:latin typeface="Courier" pitchFamily="2" charset="0"/>
               </a:rPr>
-              <a:t>TTTTTTTTTT</a:t>
+              <a:t>GTACGTACTT</a:t>
             </a:r>
           </a:p>
           <a:p>
@@ -27574,7 +27654,7 @@
                 </a:solidFill>
                 <a:latin typeface="Courier" pitchFamily="2" charset="0"/>
               </a:rPr>
-              <a:t>GCGCGCGCGC</a:t>
+              <a:t>ACGTACGTAC</a:t>
             </a:r>
           </a:p>
           <a:p>
@@ -27585,7 +27665,7 @@
                 </a:solidFill>
                 <a:latin typeface="Courier" pitchFamily="2" charset="0"/>
               </a:rPr>
-              <a:t>GCGCGCGCGC</a:t>
+              <a:t>GTACGTACGC</a:t>
             </a:r>
           </a:p>
           <a:p>
@@ -27607,7 +27687,7 @@
                 </a:solidFill>
                 <a:latin typeface="Courier" pitchFamily="2" charset="0"/>
               </a:rPr>
-              <a:t>ACACACACAC</a:t>
+              <a:t>ACGTACGTAC</a:t>
             </a:r>
           </a:p>
           <a:p>
@@ -27618,7 +27698,7 @@
                 </a:solidFill>
                 <a:latin typeface="Courier" pitchFamily="2" charset="0"/>
               </a:rPr>
-              <a:t>ACACACACAC</a:t>
+              <a:t>GTACGTACAC</a:t>
             </a:r>
           </a:p>
           <a:p>
@@ -27640,7 +27720,7 @@
                 </a:solidFill>
                 <a:latin typeface="Courier" pitchFamily="2" charset="0"/>
               </a:rPr>
-              <a:t>CGCGCGCGCG</a:t>
+              <a:t>ACGTACGTAC</a:t>
             </a:r>
           </a:p>
           <a:p>
@@ -27651,7 +27731,7 @@
                 </a:solidFill>
                 <a:latin typeface="Courier" pitchFamily="2" charset="0"/>
               </a:rPr>
-              <a:t>CGCGCGCGCG</a:t>
+              <a:t>GTACGTACCG</a:t>
             </a:r>
           </a:p>
         </p:txBody>
@@ -28336,7 +28416,15 @@
                 <a:ea typeface="CMU Serif Roman" panose="02000603000000000000" pitchFamily="2" charset="0"/>
                 <a:cs typeface="CMU Serif Roman" panose="02000603000000000000" pitchFamily="2" charset="0"/>
               </a:rPr>
-              <a:t>10a</a:t>
+              <a:t>8</a:t>
+            </a:r>
+            <a:r>
+              <a:rPr lang="en-US" sz="1600" i="1" dirty="0">
+                <a:latin typeface="CMU Serif Roman" panose="02000603000000000000" pitchFamily="2" charset="0"/>
+                <a:ea typeface="CMU Serif Roman" panose="02000603000000000000" pitchFamily="2" charset="0"/>
+                <a:cs typeface="CMU Serif Roman" panose="02000603000000000000" pitchFamily="2" charset="0"/>
+              </a:rPr>
+              <a:t>a</a:t>
             </a:r>
           </a:p>
         </p:txBody>
@@ -28376,7 +28464,15 @@
                 <a:ea typeface="CMU Serif Roman" panose="02000603000000000000" pitchFamily="2" charset="0"/>
                 <a:cs typeface="CMU Serif Roman" panose="02000603000000000000" pitchFamily="2" charset="0"/>
               </a:rPr>
-              <a:t>10b</a:t>
+              <a:t>8</a:t>
+            </a:r>
+            <a:r>
+              <a:rPr lang="en-US" sz="1600" i="1" dirty="0">
+                <a:latin typeface="CMU Serif Roman" panose="02000603000000000000" pitchFamily="2" charset="0"/>
+                <a:ea typeface="CMU Serif Roman" panose="02000603000000000000" pitchFamily="2" charset="0"/>
+                <a:cs typeface="CMU Serif Roman" panose="02000603000000000000" pitchFamily="2" charset="0"/>
+              </a:rPr>
+              <a:t>b</a:t>
             </a:r>
           </a:p>
         </p:txBody>
@@ -28396,7 +28492,7 @@
         <p:spPr>
           <a:xfrm>
             <a:off x="8000624" y="1810296"/>
-            <a:ext cx="1162776" cy="1569660"/>
+            <a:ext cx="1156426" cy="1569660"/>
           </a:xfrm>
           <a:prstGeom prst="rect">
             <a:avLst/>
@@ -28431,7 +28527,7 @@
                 </a:solidFill>
                 <a:latin typeface="Courier" pitchFamily="2" charset="0"/>
               </a:rPr>
-              <a:t>GCGCGCGCGC</a:t>
+              <a:t>ACATACGTGC</a:t>
             </a:r>
           </a:p>
           <a:p>
@@ -28485,7 +28581,7 @@
                 </a:solidFill>
                 <a:latin typeface="Courier" pitchFamily="2" charset="0"/>
               </a:rPr>
-              <a:t>CGCGCGCGCG</a:t>
+              <a:t>ACGTGCGTCG</a:t>
             </a:r>
           </a:p>
           <a:p>
@@ -28818,7 +28914,7 @@
                 <a:ea typeface="CMU Serif Roman" panose="02000603000000000000" pitchFamily="2" charset="0"/>
                 <a:cs typeface="CMU Serif Roman" panose="02000603000000000000" pitchFamily="2" charset="0"/>
               </a:rPr>
-              <a:t>9</a:t>
+              <a:t>7</a:t>
             </a:r>
           </a:p>
         </p:txBody>
@@ -29781,12 +29877,28 @@
           <a:p>
             <a:pPr algn="ctr"/>
             <a:r>
+              <a:rPr lang="en-US" sz="1600" i="1" dirty="0">
+                <a:latin typeface="CMU Serif Roman" panose="02000603000000000000" pitchFamily="2" charset="0"/>
+                <a:ea typeface="CMU Serif Roman" panose="02000603000000000000" pitchFamily="2" charset="0"/>
+                <a:cs typeface="CMU Serif Roman" panose="02000603000000000000" pitchFamily="2" charset="0"/>
+              </a:rPr>
+              <a:t>c</a:t>
+            </a:r>
+            <a:r>
               <a:rPr lang="en-US" sz="1600" dirty="0">
                 <a:latin typeface="CMU Serif Roman" panose="02000603000000000000" pitchFamily="2" charset="0"/>
                 <a:ea typeface="CMU Serif Roman" panose="02000603000000000000" pitchFamily="2" charset="0"/>
                 <a:cs typeface="CMU Serif Roman" panose="02000603000000000000" pitchFamily="2" charset="0"/>
               </a:rPr>
-              <a:t>c-e</a:t>
+              <a:t>-</a:t>
+            </a:r>
+            <a:r>
+              <a:rPr lang="en-US" sz="1600" i="1" dirty="0">
+                <a:latin typeface="CMU Serif Roman" panose="02000603000000000000" pitchFamily="2" charset="0"/>
+                <a:ea typeface="CMU Serif Roman" panose="02000603000000000000" pitchFamily="2" charset="0"/>
+                <a:cs typeface="CMU Serif Roman" panose="02000603000000000000" pitchFamily="2" charset="0"/>
+              </a:rPr>
+              <a:t>e</a:t>
             </a:r>
           </a:p>
         </p:txBody>
@@ -29832,12 +29944,28 @@
           <a:p>
             <a:pPr algn="ctr"/>
             <a:r>
+              <a:rPr lang="en-US" sz="1600" i="1" dirty="0">
+                <a:latin typeface="CMU Serif Roman" panose="02000603000000000000" pitchFamily="2" charset="0"/>
+                <a:ea typeface="CMU Serif Roman" panose="02000603000000000000" pitchFamily="2" charset="0"/>
+                <a:cs typeface="CMU Serif Roman" panose="02000603000000000000" pitchFamily="2" charset="0"/>
+              </a:rPr>
+              <a:t>a</a:t>
+            </a:r>
+            <a:r>
               <a:rPr lang="en-US" sz="1600" dirty="0">
                 <a:latin typeface="CMU Serif Roman" panose="02000603000000000000" pitchFamily="2" charset="0"/>
                 <a:ea typeface="CMU Serif Roman" panose="02000603000000000000" pitchFamily="2" charset="0"/>
                 <a:cs typeface="CMU Serif Roman" panose="02000603000000000000" pitchFamily="2" charset="0"/>
               </a:rPr>
-              <a:t>a-b</a:t>
+              <a:t>-</a:t>
+            </a:r>
+            <a:r>
+              <a:rPr lang="en-US" sz="1600" i="1" dirty="0">
+                <a:latin typeface="CMU Serif Roman" panose="02000603000000000000" pitchFamily="2" charset="0"/>
+                <a:ea typeface="CMU Serif Roman" panose="02000603000000000000" pitchFamily="2" charset="0"/>
+                <a:cs typeface="CMU Serif Roman" panose="02000603000000000000" pitchFamily="2" charset="0"/>
+              </a:rPr>
+              <a:t>b</a:t>
             </a:r>
           </a:p>
         </p:txBody>
@@ -29960,7 +30088,7 @@
                     <a:ea typeface="CMU Serif Roman" panose="02000603000000000000" pitchFamily="2" charset="0"/>
                     <a:cs typeface="CMU Serif Roman" panose="02000603000000000000" pitchFamily="2" charset="0"/>
                   </a:rPr>
-                  <a:t>5</a:t>
+                  <a:t>4b</a:t>
                 </a:r>
               </a:p>
             </p:txBody>
@@ -31246,7 +31374,7 @@
                     <a:ea typeface="CMU Serif Roman" panose="02000603000000000000" pitchFamily="2" charset="0"/>
                     <a:cs typeface="CMU Serif Roman" panose="02000603000000000000" pitchFamily="2" charset="0"/>
                   </a:rPr>
-                  <a:t>6</a:t>
+                  <a:t>4c</a:t>
                 </a:r>
               </a:p>
             </p:txBody>
@@ -32327,7 +32455,7 @@
                     <a:ea typeface="CMU Serif Roman" panose="02000603000000000000" pitchFamily="2" charset="0"/>
                     <a:cs typeface="CMU Serif Roman" panose="02000603000000000000" pitchFamily="2" charset="0"/>
                   </a:rPr>
-                  <a:t>7</a:t>
+                  <a:t>5</a:t>
                 </a:r>
               </a:p>
             </p:txBody>
@@ -32948,7 +33076,7 @@
                       <a:ea typeface="CMU Serif Roman" panose="02000603000000000000" pitchFamily="2" charset="0"/>
                       <a:cs typeface="CMU Serif Roman" panose="02000603000000000000" pitchFamily="2" charset="0"/>
                     </a:rPr>
-                    <a:t>8</a:t>
+                    <a:t>6</a:t>
                   </a:r>
                 </a:p>
               </p:txBody>

--- a/figures/figures.pptx
+++ b/figures/figures.pptx
@@ -10324,7 +10324,7 @@
         </p:nvGrpSpPr>
         <p:grpSpPr>
           <a:xfrm>
-            <a:off x="2237207" y="700576"/>
+            <a:off x="264282" y="2651386"/>
             <a:ext cx="1184056" cy="1234999"/>
             <a:chOff x="630621" y="599087"/>
             <a:chExt cx="1184056" cy="1234999"/>
@@ -11073,7 +11073,7 @@
         </p:nvGrpSpPr>
         <p:grpSpPr>
           <a:xfrm>
-            <a:off x="3498718" y="699495"/>
+            <a:off x="1824591" y="2429042"/>
             <a:ext cx="1198381" cy="1679686"/>
             <a:chOff x="1571710" y="189184"/>
             <a:chExt cx="1198381" cy="1679686"/>
@@ -12358,7 +12358,7 @@
         </p:nvGrpSpPr>
         <p:grpSpPr>
           <a:xfrm>
-            <a:off x="4701977" y="666675"/>
+            <a:off x="3324556" y="2213377"/>
             <a:ext cx="1258723" cy="2095142"/>
             <a:chOff x="3425864" y="154462"/>
             <a:chExt cx="1258723" cy="2095142"/>
@@ -14022,2407 +14022,6 @@
       </p:grpSp>
       <p:grpSp>
         <p:nvGrpSpPr>
-          <p:cNvPr id="197" name="Group 196">
-            <a:extLst>
-              <a:ext uri="{FF2B5EF4-FFF2-40B4-BE49-F238E27FC236}">
-                <a16:creationId xmlns:a16="http://schemas.microsoft.com/office/drawing/2014/main" id="{C9B64519-B4B9-7545-A06E-72F0B99C8C55}"/>
-              </a:ext>
-            </a:extLst>
-          </p:cNvPr>
-          <p:cNvGrpSpPr/>
-          <p:nvPr/>
-        </p:nvGrpSpPr>
-        <p:grpSpPr>
-          <a:xfrm>
-            <a:off x="5991101" y="661776"/>
-            <a:ext cx="1241934" cy="905086"/>
-            <a:chOff x="4486631" y="141949"/>
-            <a:chExt cx="1241934" cy="905086"/>
-          </a:xfrm>
-        </p:grpSpPr>
-        <p:cxnSp>
-          <p:nvCxnSpPr>
-            <p:cNvPr id="192" name="Straight Connector 191">
-              <a:extLst>
-                <a:ext uri="{FF2B5EF4-FFF2-40B4-BE49-F238E27FC236}">
-                  <a16:creationId xmlns:a16="http://schemas.microsoft.com/office/drawing/2014/main" id="{EA5C5DC2-38F5-0D49-B76A-7E4D1B4F999B}"/>
-                </a:ext>
-              </a:extLst>
-            </p:cNvPr>
-            <p:cNvCxnSpPr>
-              <a:cxnSpLocks/>
-            </p:cNvCxnSpPr>
-            <p:nvPr/>
-          </p:nvCxnSpPr>
-          <p:spPr>
-            <a:xfrm>
-              <a:off x="5459573" y="523426"/>
-              <a:ext cx="0" cy="422358"/>
-            </a:xfrm>
-            <a:prstGeom prst="line">
-              <a:avLst/>
-            </a:prstGeom>
-            <a:ln w="38100">
-              <a:solidFill>
-                <a:srgbClr val="7030A0"/>
-              </a:solidFill>
-            </a:ln>
-          </p:spPr>
-          <p:style>
-            <a:lnRef idx="1">
-              <a:schemeClr val="accent1"/>
-            </a:lnRef>
-            <a:fillRef idx="0">
-              <a:schemeClr val="accent1"/>
-            </a:fillRef>
-            <a:effectRef idx="0">
-              <a:schemeClr val="accent1"/>
-            </a:effectRef>
-            <a:fontRef idx="minor">
-              <a:schemeClr val="tx1"/>
-            </a:fontRef>
-          </p:style>
-        </p:cxnSp>
-        <p:cxnSp>
-          <p:nvCxnSpPr>
-            <p:cNvPr id="158" name="Straight Connector 157">
-              <a:extLst>
-                <a:ext uri="{FF2B5EF4-FFF2-40B4-BE49-F238E27FC236}">
-                  <a16:creationId xmlns:a16="http://schemas.microsoft.com/office/drawing/2014/main" id="{75EEA0E2-E2CF-5048-88EB-B478E2939EF2}"/>
-                </a:ext>
-              </a:extLst>
-            </p:cNvPr>
-            <p:cNvCxnSpPr>
-              <a:cxnSpLocks/>
-            </p:cNvCxnSpPr>
-            <p:nvPr/>
-          </p:nvCxnSpPr>
-          <p:spPr>
-            <a:xfrm>
-              <a:off x="4529654" y="183984"/>
-              <a:ext cx="1177158" cy="0"/>
-            </a:xfrm>
-            <a:prstGeom prst="line">
-              <a:avLst/>
-            </a:prstGeom>
-            <a:ln w="28575">
-              <a:solidFill>
-                <a:schemeClr val="tx1"/>
-              </a:solidFill>
-              <a:prstDash val="dash"/>
-            </a:ln>
-          </p:spPr>
-          <p:style>
-            <a:lnRef idx="1">
-              <a:schemeClr val="accent1"/>
-            </a:lnRef>
-            <a:fillRef idx="0">
-              <a:schemeClr val="accent1"/>
-            </a:fillRef>
-            <a:effectRef idx="0">
-              <a:schemeClr val="accent1"/>
-            </a:effectRef>
-            <a:fontRef idx="minor">
-              <a:schemeClr val="tx1"/>
-            </a:fontRef>
-          </p:style>
-        </p:cxnSp>
-        <p:sp>
-          <p:nvSpPr>
-            <p:cNvPr id="159" name="TextBox 158">
-              <a:extLst>
-                <a:ext uri="{FF2B5EF4-FFF2-40B4-BE49-F238E27FC236}">
-                  <a16:creationId xmlns:a16="http://schemas.microsoft.com/office/drawing/2014/main" id="{A13B8EB6-9C55-9A46-8827-9F4FF04ACA15}"/>
-                </a:ext>
-              </a:extLst>
-            </p:cNvPr>
-            <p:cNvSpPr txBox="1"/>
-            <p:nvPr/>
-          </p:nvSpPr>
-          <p:spPr>
-            <a:xfrm>
-              <a:off x="4486631" y="189313"/>
-              <a:ext cx="431118" cy="338554"/>
-            </a:xfrm>
-            <a:prstGeom prst="rect">
-              <a:avLst/>
-            </a:prstGeom>
-            <a:noFill/>
-          </p:spPr>
-          <p:txBody>
-            <a:bodyPr wrap="square" rtlCol="0">
-              <a:spAutoFit/>
-            </a:bodyPr>
-            <a:lstStyle/>
-            <a:p>
-              <a:r>
-                <a:rPr lang="en-US" sz="1600" dirty="0">
-                  <a:latin typeface="CMU Serif Roman" panose="02000603000000000000" pitchFamily="2" charset="0"/>
-                  <a:ea typeface="CMU Serif Roman" panose="02000603000000000000" pitchFamily="2" charset="0"/>
-                  <a:cs typeface="CMU Serif Roman" panose="02000603000000000000" pitchFamily="2" charset="0"/>
-                </a:rPr>
-                <a:t>4a</a:t>
-              </a:r>
-            </a:p>
-          </p:txBody>
-        </p:sp>
-        <p:cxnSp>
-          <p:nvCxnSpPr>
-            <p:cNvPr id="160" name="Straight Connector 159">
-              <a:extLst>
-                <a:ext uri="{FF2B5EF4-FFF2-40B4-BE49-F238E27FC236}">
-                  <a16:creationId xmlns:a16="http://schemas.microsoft.com/office/drawing/2014/main" id="{70AE3E39-3343-9A45-8FC4-38032EC13327}"/>
-                </a:ext>
-              </a:extLst>
-            </p:cNvPr>
-            <p:cNvCxnSpPr>
-              <a:cxnSpLocks/>
-            </p:cNvCxnSpPr>
-            <p:nvPr/>
-          </p:nvCxnSpPr>
-          <p:spPr>
-            <a:xfrm>
-              <a:off x="5699914" y="183984"/>
-              <a:ext cx="0" cy="841297"/>
-            </a:xfrm>
-            <a:prstGeom prst="line">
-              <a:avLst/>
-            </a:prstGeom>
-            <a:ln w="28575">
-              <a:solidFill>
-                <a:schemeClr val="tx1"/>
-              </a:solidFill>
-              <a:prstDash val="dash"/>
-            </a:ln>
-          </p:spPr>
-          <p:style>
-            <a:lnRef idx="1">
-              <a:schemeClr val="accent1"/>
-            </a:lnRef>
-            <a:fillRef idx="0">
-              <a:schemeClr val="accent1"/>
-            </a:fillRef>
-            <a:effectRef idx="0">
-              <a:schemeClr val="accent1"/>
-            </a:effectRef>
-            <a:fontRef idx="minor">
-              <a:schemeClr val="tx1"/>
-            </a:fontRef>
-          </p:style>
-        </p:cxnSp>
-        <p:cxnSp>
-          <p:nvCxnSpPr>
-            <p:cNvPr id="161" name="Straight Connector 160">
-              <a:extLst>
-                <a:ext uri="{FF2B5EF4-FFF2-40B4-BE49-F238E27FC236}">
-                  <a16:creationId xmlns:a16="http://schemas.microsoft.com/office/drawing/2014/main" id="{17674450-BF5A-3243-B865-167C914EE87F}"/>
-                </a:ext>
-              </a:extLst>
-            </p:cNvPr>
-            <p:cNvCxnSpPr>
-              <a:cxnSpLocks/>
-            </p:cNvCxnSpPr>
-            <p:nvPr/>
-          </p:nvCxnSpPr>
-          <p:spPr>
-            <a:xfrm>
-              <a:off x="4529654" y="1025281"/>
-              <a:ext cx="1177158" cy="0"/>
-            </a:xfrm>
-            <a:prstGeom prst="line">
-              <a:avLst/>
-            </a:prstGeom>
-            <a:ln w="28575">
-              <a:solidFill>
-                <a:schemeClr val="tx1"/>
-              </a:solidFill>
-              <a:prstDash val="dash"/>
-            </a:ln>
-          </p:spPr>
-          <p:style>
-            <a:lnRef idx="1">
-              <a:schemeClr val="accent1"/>
-            </a:lnRef>
-            <a:fillRef idx="0">
-              <a:schemeClr val="accent1"/>
-            </a:fillRef>
-            <a:effectRef idx="0">
-              <a:schemeClr val="accent1"/>
-            </a:effectRef>
-            <a:fontRef idx="minor">
-              <a:schemeClr val="tx1"/>
-            </a:fontRef>
-          </p:style>
-        </p:cxnSp>
-        <p:cxnSp>
-          <p:nvCxnSpPr>
-            <p:cNvPr id="162" name="Straight Connector 161">
-              <a:extLst>
-                <a:ext uri="{FF2B5EF4-FFF2-40B4-BE49-F238E27FC236}">
-                  <a16:creationId xmlns:a16="http://schemas.microsoft.com/office/drawing/2014/main" id="{512C8E42-0D08-4349-8A97-BCAAADB99586}"/>
-                </a:ext>
-              </a:extLst>
-            </p:cNvPr>
-            <p:cNvCxnSpPr>
-              <a:cxnSpLocks/>
-            </p:cNvCxnSpPr>
-            <p:nvPr/>
-          </p:nvCxnSpPr>
-          <p:spPr>
-            <a:xfrm>
-              <a:off x="4529654" y="183984"/>
-              <a:ext cx="0" cy="841297"/>
-            </a:xfrm>
-            <a:prstGeom prst="line">
-              <a:avLst/>
-            </a:prstGeom>
-            <a:ln w="28575">
-              <a:solidFill>
-                <a:schemeClr val="tx1"/>
-              </a:solidFill>
-              <a:prstDash val="dash"/>
-            </a:ln>
-          </p:spPr>
-          <p:style>
-            <a:lnRef idx="1">
-              <a:schemeClr val="accent1"/>
-            </a:lnRef>
-            <a:fillRef idx="0">
-              <a:schemeClr val="accent1"/>
-            </a:fillRef>
-            <a:effectRef idx="0">
-              <a:schemeClr val="accent1"/>
-            </a:effectRef>
-            <a:fontRef idx="minor">
-              <a:schemeClr val="tx1"/>
-            </a:fontRef>
-          </p:style>
-        </p:cxnSp>
-        <p:cxnSp>
-          <p:nvCxnSpPr>
-            <p:cNvPr id="167" name="Straight Connector 166">
-              <a:extLst>
-                <a:ext uri="{FF2B5EF4-FFF2-40B4-BE49-F238E27FC236}">
-                  <a16:creationId xmlns:a16="http://schemas.microsoft.com/office/drawing/2014/main" id="{95354587-8E5B-8B4F-93B4-BE956DEBF0C0}"/>
-                </a:ext>
-              </a:extLst>
-            </p:cNvPr>
-            <p:cNvCxnSpPr>
-              <a:cxnSpLocks/>
-            </p:cNvCxnSpPr>
-            <p:nvPr/>
-          </p:nvCxnSpPr>
-          <p:spPr>
-            <a:xfrm>
-              <a:off x="5183348" y="313982"/>
-              <a:ext cx="0" cy="631802"/>
-            </a:xfrm>
-            <a:prstGeom prst="line">
-              <a:avLst/>
-            </a:prstGeom>
-            <a:ln w="38100">
-              <a:solidFill>
-                <a:srgbClr val="FFC000"/>
-              </a:solidFill>
-            </a:ln>
-          </p:spPr>
-          <p:style>
-            <a:lnRef idx="1">
-              <a:schemeClr val="accent1"/>
-            </a:lnRef>
-            <a:fillRef idx="0">
-              <a:schemeClr val="accent1"/>
-            </a:fillRef>
-            <a:effectRef idx="0">
-              <a:schemeClr val="accent1"/>
-            </a:effectRef>
-            <a:fontRef idx="minor">
-              <a:schemeClr val="tx1"/>
-            </a:fontRef>
-          </p:style>
-        </p:cxnSp>
-        <mc:AlternateContent xmlns:mc="http://schemas.openxmlformats.org/markup-compatibility/2006" xmlns:a14="http://schemas.microsoft.com/office/drawing/2010/main">
-          <mc:Choice Requires="a14">
-            <p:sp>
-              <p:nvSpPr>
-                <p:cNvPr id="169" name="TextBox 168">
-                  <a:extLst>
-                    <a:ext uri="{FF2B5EF4-FFF2-40B4-BE49-F238E27FC236}">
-                      <a16:creationId xmlns:a16="http://schemas.microsoft.com/office/drawing/2014/main" id="{7308A451-35CA-BA48-A848-686945020304}"/>
-                    </a:ext>
-                  </a:extLst>
-                </p:cNvPr>
-                <p:cNvSpPr txBox="1"/>
-                <p:nvPr/>
-              </p:nvSpPr>
-              <p:spPr>
-                <a:xfrm>
-                  <a:off x="5411886" y="141949"/>
-                  <a:ext cx="315853" cy="276999"/>
-                </a:xfrm>
-                <a:prstGeom prst="rect">
-                  <a:avLst/>
-                </a:prstGeom>
-                <a:noFill/>
-              </p:spPr>
-              <p:txBody>
-                <a:bodyPr wrap="square" rtlCol="0">
-                  <a:spAutoFit/>
-                </a:bodyPr>
-                <a:lstStyle/>
-                <a:p>
-                  <a:pPr/>
-                  <a14:m>
-                    <m:oMathPara xmlns:m="http://schemas.openxmlformats.org/officeDocument/2006/math">
-                      <m:oMathParaPr>
-                        <m:jc m:val="centerGroup"/>
-                      </m:oMathParaPr>
-                      <m:oMath xmlns:m="http://schemas.openxmlformats.org/officeDocument/2006/math">
-                        <m:sSub>
-                          <m:sSubPr>
-                            <m:ctrlPr>
-                              <a:rPr lang="en-US" sz="1200" b="0" i="1" smtClean="0">
-                                <a:latin typeface="Cambria Math" panose="02040503050406030204" pitchFamily="18" charset="0"/>
-                              </a:rPr>
-                            </m:ctrlPr>
-                          </m:sSubPr>
-                          <m:e>
-                            <m:r>
-                              <a:rPr lang="en-US" sz="1200" b="0" i="1" smtClean="0">
-                                <a:latin typeface="Cambria Math" panose="02040503050406030204" pitchFamily="18" charset="0"/>
-                              </a:rPr>
-                              <m:t>𝑡</m:t>
-                            </m:r>
-                          </m:e>
-                          <m:sub>
-                            <m:r>
-                              <a:rPr lang="en-US" sz="1200" b="0" i="1" smtClean="0">
-                                <a:latin typeface="Cambria Math" panose="02040503050406030204" pitchFamily="18" charset="0"/>
-                              </a:rPr>
-                              <m:t>0</m:t>
-                            </m:r>
-                          </m:sub>
-                        </m:sSub>
-                      </m:oMath>
-                    </m:oMathPara>
-                  </a14:m>
-                  <a:endParaRPr lang="en-US" sz="1200" dirty="0"/>
-                </a:p>
-              </p:txBody>
-            </p:sp>
-          </mc:Choice>
-          <mc:Fallback xmlns="">
-            <p:sp>
-              <p:nvSpPr>
-                <p:cNvPr id="169" name="TextBox 168">
-                  <a:extLst>
-                    <a:ext uri="{FF2B5EF4-FFF2-40B4-BE49-F238E27FC236}">
-                      <a16:creationId xmlns:a16="http://schemas.microsoft.com/office/drawing/2014/main" id="{7308A451-35CA-BA48-A848-686945020304}"/>
-                    </a:ext>
-                  </a:extLst>
-                </p:cNvPr>
-                <p:cNvSpPr txBox="1">
-                  <a:spLocks noRot="1" noChangeAspect="1" noMove="1" noResize="1" noEditPoints="1" noAdjustHandles="1" noChangeArrowheads="1" noChangeShapeType="1" noTextEdit="1"/>
-                </p:cNvSpPr>
-                <p:nvPr/>
-              </p:nvSpPr>
-              <p:spPr>
-                <a:xfrm>
-                  <a:off x="5411886" y="141949"/>
-                  <a:ext cx="315853" cy="276999"/>
-                </a:xfrm>
-                <a:prstGeom prst="rect">
-                  <a:avLst/>
-                </a:prstGeom>
-                <a:blipFill>
-                  <a:blip r:embed="rId5"/>
-                  <a:stretch>
-                    <a:fillRect/>
-                  </a:stretch>
-                </a:blipFill>
-              </p:spPr>
-              <p:txBody>
-                <a:bodyPr/>
-                <a:lstStyle/>
-                <a:p>
-                  <a:r>
-                    <a:rPr lang="en-US">
-                      <a:noFill/>
-                    </a:rPr>
-                    <a:t> </a:t>
-                  </a:r>
-                </a:p>
-              </p:txBody>
-            </p:sp>
-          </mc:Fallback>
-        </mc:AlternateContent>
-        <mc:AlternateContent xmlns:mc="http://schemas.openxmlformats.org/markup-compatibility/2006" xmlns:a14="http://schemas.microsoft.com/office/drawing/2010/main">
-          <mc:Choice Requires="a14">
-            <p:sp>
-              <p:nvSpPr>
-                <p:cNvPr id="170" name="TextBox 169">
-                  <a:extLst>
-                    <a:ext uri="{FF2B5EF4-FFF2-40B4-BE49-F238E27FC236}">
-                      <a16:creationId xmlns:a16="http://schemas.microsoft.com/office/drawing/2014/main" id="{60C96423-C397-B140-87A1-A056968BBBF3}"/>
-                    </a:ext>
-                  </a:extLst>
-                </p:cNvPr>
-                <p:cNvSpPr txBox="1"/>
-                <p:nvPr/>
-              </p:nvSpPr>
-              <p:spPr>
-                <a:xfrm>
-                  <a:off x="5412712" y="351393"/>
-                  <a:ext cx="315853" cy="276999"/>
-                </a:xfrm>
-                <a:prstGeom prst="rect">
-                  <a:avLst/>
-                </a:prstGeom>
-                <a:noFill/>
-              </p:spPr>
-              <p:txBody>
-                <a:bodyPr wrap="square" rtlCol="0">
-                  <a:spAutoFit/>
-                </a:bodyPr>
-                <a:lstStyle/>
-                <a:p>
-                  <a:pPr/>
-                  <a14:m>
-                    <m:oMathPara xmlns:m="http://schemas.openxmlformats.org/officeDocument/2006/math">
-                      <m:oMathParaPr>
-                        <m:jc m:val="centerGroup"/>
-                      </m:oMathParaPr>
-                      <m:oMath xmlns:m="http://schemas.openxmlformats.org/officeDocument/2006/math">
-                        <m:sSup>
-                          <m:sSupPr>
-                            <m:ctrlPr>
-                              <a:rPr lang="en-US" sz="1200" b="0" i="1" smtClean="0">
-                                <a:latin typeface="Cambria Math" panose="02040503050406030204" pitchFamily="18" charset="0"/>
-                              </a:rPr>
-                            </m:ctrlPr>
-                          </m:sSupPr>
-                          <m:e>
-                            <m:r>
-                              <a:rPr lang="en-US" sz="1200" b="0" i="1" smtClean="0">
-                                <a:latin typeface="Cambria Math" panose="02040503050406030204" pitchFamily="18" charset="0"/>
-                              </a:rPr>
-                              <m:t>𝑡</m:t>
-                            </m:r>
-                          </m:e>
-                          <m:sup>
-                            <m:r>
-                              <a:rPr lang="en-US" sz="1200" b="0" i="1" smtClean="0">
-                                <a:latin typeface="Cambria Math" panose="02040503050406030204" pitchFamily="18" charset="0"/>
-                              </a:rPr>
-                              <m:t>′</m:t>
-                            </m:r>
-                          </m:sup>
-                        </m:sSup>
-                      </m:oMath>
-                    </m:oMathPara>
-                  </a14:m>
-                  <a:endParaRPr lang="en-US" sz="1200" dirty="0"/>
-                </a:p>
-              </p:txBody>
-            </p:sp>
-          </mc:Choice>
-          <mc:Fallback xmlns="">
-            <p:sp>
-              <p:nvSpPr>
-                <p:cNvPr id="170" name="TextBox 169">
-                  <a:extLst>
-                    <a:ext uri="{FF2B5EF4-FFF2-40B4-BE49-F238E27FC236}">
-                      <a16:creationId xmlns:a16="http://schemas.microsoft.com/office/drawing/2014/main" id="{60C96423-C397-B140-87A1-A056968BBBF3}"/>
-                    </a:ext>
-                  </a:extLst>
-                </p:cNvPr>
-                <p:cNvSpPr txBox="1">
-                  <a:spLocks noRot="1" noChangeAspect="1" noMove="1" noResize="1" noEditPoints="1" noAdjustHandles="1" noChangeArrowheads="1" noChangeShapeType="1" noTextEdit="1"/>
-                </p:cNvSpPr>
-                <p:nvPr/>
-              </p:nvSpPr>
-              <p:spPr>
-                <a:xfrm>
-                  <a:off x="5412712" y="351393"/>
-                  <a:ext cx="315853" cy="276999"/>
-                </a:xfrm>
-                <a:prstGeom prst="rect">
-                  <a:avLst/>
-                </a:prstGeom>
-                <a:blipFill>
-                  <a:blip r:embed="rId6"/>
-                  <a:stretch>
-                    <a:fillRect/>
-                  </a:stretch>
-                </a:blipFill>
-              </p:spPr>
-              <p:txBody>
-                <a:bodyPr/>
-                <a:lstStyle/>
-                <a:p>
-                  <a:r>
-                    <a:rPr lang="en-US">
-                      <a:noFill/>
-                    </a:rPr>
-                    <a:t> </a:t>
-                  </a:r>
-                </a:p>
-              </p:txBody>
-            </p:sp>
-          </mc:Fallback>
-        </mc:AlternateContent>
-        <p:cxnSp>
-          <p:nvCxnSpPr>
-            <p:cNvPr id="180" name="Straight Connector 179">
-              <a:extLst>
-                <a:ext uri="{FF2B5EF4-FFF2-40B4-BE49-F238E27FC236}">
-                  <a16:creationId xmlns:a16="http://schemas.microsoft.com/office/drawing/2014/main" id="{E6BACFB7-252D-3243-AA5E-FED1D624181D}"/>
-                </a:ext>
-              </a:extLst>
-            </p:cNvPr>
-            <p:cNvCxnSpPr>
-              <a:cxnSpLocks/>
-            </p:cNvCxnSpPr>
-            <p:nvPr/>
-          </p:nvCxnSpPr>
-          <p:spPr>
-            <a:xfrm>
-              <a:off x="4898868" y="313982"/>
-              <a:ext cx="0" cy="631802"/>
-            </a:xfrm>
-            <a:prstGeom prst="line">
-              <a:avLst/>
-            </a:prstGeom>
-            <a:ln w="38100">
-              <a:solidFill>
-                <a:srgbClr val="FF0000"/>
-              </a:solidFill>
-            </a:ln>
-          </p:spPr>
-          <p:style>
-            <a:lnRef idx="1">
-              <a:schemeClr val="accent1"/>
-            </a:lnRef>
-            <a:fillRef idx="0">
-              <a:schemeClr val="accent1"/>
-            </a:fillRef>
-            <a:effectRef idx="0">
-              <a:schemeClr val="accent1"/>
-            </a:effectRef>
-            <a:fontRef idx="minor">
-              <a:schemeClr val="tx1"/>
-            </a:fontRef>
-          </p:style>
-        </p:cxnSp>
-        <p:cxnSp>
-          <p:nvCxnSpPr>
-            <p:cNvPr id="171" name="Straight Arrow Connector 170">
-              <a:extLst>
-                <a:ext uri="{FF2B5EF4-FFF2-40B4-BE49-F238E27FC236}">
-                  <a16:creationId xmlns:a16="http://schemas.microsoft.com/office/drawing/2014/main" id="{85D48526-A2C7-E749-B3CD-61B5637C1B11}"/>
-                </a:ext>
-              </a:extLst>
-            </p:cNvPr>
-            <p:cNvCxnSpPr>
-              <a:cxnSpLocks/>
-            </p:cNvCxnSpPr>
-            <p:nvPr/>
-          </p:nvCxnSpPr>
-          <p:spPr>
-            <a:xfrm>
-              <a:off x="4851400" y="523426"/>
-              <a:ext cx="627854" cy="0"/>
-            </a:xfrm>
-            <a:prstGeom prst="straightConnector1">
-              <a:avLst/>
-            </a:prstGeom>
-            <a:ln w="19050">
-              <a:solidFill>
-                <a:schemeClr val="tx1"/>
-              </a:solidFill>
-              <a:prstDash val="sysDot"/>
-              <a:tailEnd type="none"/>
-            </a:ln>
-          </p:spPr>
-          <p:style>
-            <a:lnRef idx="1">
-              <a:schemeClr val="accent1"/>
-            </a:lnRef>
-            <a:fillRef idx="0">
-              <a:schemeClr val="accent1"/>
-            </a:fillRef>
-            <a:effectRef idx="0">
-              <a:schemeClr val="accent1"/>
-            </a:effectRef>
-            <a:fontRef idx="minor">
-              <a:schemeClr val="tx1"/>
-            </a:fontRef>
-          </p:style>
-        </p:cxnSp>
-        <p:cxnSp>
-          <p:nvCxnSpPr>
-            <p:cNvPr id="172" name="Straight Arrow Connector 171">
-              <a:extLst>
-                <a:ext uri="{FF2B5EF4-FFF2-40B4-BE49-F238E27FC236}">
-                  <a16:creationId xmlns:a16="http://schemas.microsoft.com/office/drawing/2014/main" id="{E1BCD69D-EA9C-E94E-9A54-838FF8A3C233}"/>
-                </a:ext>
-              </a:extLst>
-            </p:cNvPr>
-            <p:cNvCxnSpPr>
-              <a:cxnSpLocks/>
-            </p:cNvCxnSpPr>
-            <p:nvPr/>
-          </p:nvCxnSpPr>
-          <p:spPr>
-            <a:xfrm>
-              <a:off x="4851400" y="313982"/>
-              <a:ext cx="627028" cy="0"/>
-            </a:xfrm>
-            <a:prstGeom prst="straightConnector1">
-              <a:avLst/>
-            </a:prstGeom>
-            <a:ln w="19050">
-              <a:solidFill>
-                <a:schemeClr val="tx1"/>
-              </a:solidFill>
-              <a:prstDash val="sysDot"/>
-              <a:tailEnd type="none"/>
-            </a:ln>
-          </p:spPr>
-          <p:style>
-            <a:lnRef idx="1">
-              <a:schemeClr val="accent1"/>
-            </a:lnRef>
-            <a:fillRef idx="0">
-              <a:schemeClr val="accent1"/>
-            </a:fillRef>
-            <a:effectRef idx="0">
-              <a:schemeClr val="accent1"/>
-            </a:effectRef>
-            <a:fontRef idx="minor">
-              <a:schemeClr val="tx1"/>
-            </a:fontRef>
-          </p:style>
-        </p:cxnSp>
-        <p:cxnSp>
-          <p:nvCxnSpPr>
-            <p:cNvPr id="185" name="Straight Arrow Connector 184">
-              <a:extLst>
-                <a:ext uri="{FF2B5EF4-FFF2-40B4-BE49-F238E27FC236}">
-                  <a16:creationId xmlns:a16="http://schemas.microsoft.com/office/drawing/2014/main" id="{4F91368B-0E03-8847-B35C-6453F78F9C7E}"/>
-                </a:ext>
-              </a:extLst>
-            </p:cNvPr>
-            <p:cNvCxnSpPr>
-              <a:cxnSpLocks/>
-            </p:cNvCxnSpPr>
-            <p:nvPr/>
-          </p:nvCxnSpPr>
-          <p:spPr>
-            <a:xfrm>
-              <a:off x="4851400" y="942069"/>
-              <a:ext cx="627028" cy="0"/>
-            </a:xfrm>
-            <a:prstGeom prst="straightConnector1">
-              <a:avLst/>
-            </a:prstGeom>
-            <a:ln w="19050">
-              <a:solidFill>
-                <a:schemeClr val="tx1"/>
-              </a:solidFill>
-              <a:prstDash val="sysDot"/>
-              <a:tailEnd type="none"/>
-            </a:ln>
-          </p:spPr>
-          <p:style>
-            <a:lnRef idx="1">
-              <a:schemeClr val="accent1"/>
-            </a:lnRef>
-            <a:fillRef idx="0">
-              <a:schemeClr val="accent1"/>
-            </a:fillRef>
-            <a:effectRef idx="0">
-              <a:schemeClr val="accent1"/>
-            </a:effectRef>
-            <a:fontRef idx="minor">
-              <a:schemeClr val="tx1"/>
-            </a:fontRef>
-          </p:style>
-        </p:cxnSp>
-        <p:sp>
-          <p:nvSpPr>
-            <p:cNvPr id="186" name="Oval 185">
-              <a:extLst>
-                <a:ext uri="{FF2B5EF4-FFF2-40B4-BE49-F238E27FC236}">
-                  <a16:creationId xmlns:a16="http://schemas.microsoft.com/office/drawing/2014/main" id="{266A0D62-B236-B54C-BBEE-288360CF81F0}"/>
-                </a:ext>
-              </a:extLst>
-            </p:cNvPr>
-            <p:cNvSpPr/>
-            <p:nvPr/>
-          </p:nvSpPr>
-          <p:spPr>
-            <a:xfrm>
-              <a:off x="4846000" y="360223"/>
-              <a:ext cx="104992" cy="104992"/>
-            </a:xfrm>
-            <a:prstGeom prst="ellipse">
-              <a:avLst/>
-            </a:prstGeom>
-            <a:solidFill>
-              <a:srgbClr val="FF0000"/>
-            </a:solidFill>
-            <a:ln>
-              <a:solidFill>
-                <a:srgbClr val="FF0000"/>
-              </a:solidFill>
-            </a:ln>
-          </p:spPr>
-          <p:style>
-            <a:lnRef idx="2">
-              <a:schemeClr val="accent1">
-                <a:shade val="50000"/>
-              </a:schemeClr>
-            </a:lnRef>
-            <a:fillRef idx="1">
-              <a:schemeClr val="accent1"/>
-            </a:fillRef>
-            <a:effectRef idx="0">
-              <a:schemeClr val="accent1"/>
-            </a:effectRef>
-            <a:fontRef idx="minor">
-              <a:schemeClr val="lt1"/>
-            </a:fontRef>
-          </p:style>
-          <p:txBody>
-            <a:bodyPr rtlCol="0" anchor="ctr"/>
-            <a:lstStyle/>
-            <a:p>
-              <a:pPr algn="ctr"/>
-              <a:endParaRPr lang="en-US"/>
-            </a:p>
-          </p:txBody>
-        </p:sp>
-        <p:sp>
-          <p:nvSpPr>
-            <p:cNvPr id="190" name="Oval 189">
-              <a:extLst>
-                <a:ext uri="{FF2B5EF4-FFF2-40B4-BE49-F238E27FC236}">
-                  <a16:creationId xmlns:a16="http://schemas.microsoft.com/office/drawing/2014/main" id="{B2C68D81-C09A-8042-8EE8-DD98D88C6A79}"/>
-                </a:ext>
-              </a:extLst>
-            </p:cNvPr>
-            <p:cNvSpPr/>
-            <p:nvPr/>
-          </p:nvSpPr>
-          <p:spPr>
-            <a:xfrm>
-              <a:off x="4846000" y="652536"/>
-              <a:ext cx="104992" cy="104992"/>
-            </a:xfrm>
-            <a:prstGeom prst="ellipse">
-              <a:avLst/>
-            </a:prstGeom>
-            <a:solidFill>
-              <a:srgbClr val="FF0000"/>
-            </a:solidFill>
-            <a:ln>
-              <a:solidFill>
-                <a:srgbClr val="FF0000"/>
-              </a:solidFill>
-            </a:ln>
-          </p:spPr>
-          <p:style>
-            <a:lnRef idx="2">
-              <a:schemeClr val="accent1">
-                <a:shade val="50000"/>
-              </a:schemeClr>
-            </a:lnRef>
-            <a:fillRef idx="1">
-              <a:schemeClr val="accent1"/>
-            </a:fillRef>
-            <a:effectRef idx="0">
-              <a:schemeClr val="accent1"/>
-            </a:effectRef>
-            <a:fontRef idx="minor">
-              <a:schemeClr val="lt1"/>
-            </a:fontRef>
-          </p:style>
-          <p:txBody>
-            <a:bodyPr rtlCol="0" anchor="ctr"/>
-            <a:lstStyle/>
-            <a:p>
-              <a:pPr algn="ctr"/>
-              <a:endParaRPr lang="en-US"/>
-            </a:p>
-          </p:txBody>
-        </p:sp>
-        <p:sp>
-          <p:nvSpPr>
-            <p:cNvPr id="194" name="Oval 193">
-              <a:extLst>
-                <a:ext uri="{FF2B5EF4-FFF2-40B4-BE49-F238E27FC236}">
-                  <a16:creationId xmlns:a16="http://schemas.microsoft.com/office/drawing/2014/main" id="{4AEB9F7C-A912-634D-B4A1-E1EF4E90512F}"/>
-                </a:ext>
-              </a:extLst>
-            </p:cNvPr>
-            <p:cNvSpPr/>
-            <p:nvPr/>
-          </p:nvSpPr>
-          <p:spPr>
-            <a:xfrm>
-              <a:off x="5131000" y="561349"/>
-              <a:ext cx="104992" cy="104992"/>
-            </a:xfrm>
-            <a:prstGeom prst="ellipse">
-              <a:avLst/>
-            </a:prstGeom>
-            <a:solidFill>
-              <a:srgbClr val="FFC000"/>
-            </a:solidFill>
-            <a:ln>
-              <a:solidFill>
-                <a:srgbClr val="FFC000"/>
-              </a:solidFill>
-            </a:ln>
-          </p:spPr>
-          <p:style>
-            <a:lnRef idx="2">
-              <a:schemeClr val="accent1">
-                <a:shade val="50000"/>
-              </a:schemeClr>
-            </a:lnRef>
-            <a:fillRef idx="1">
-              <a:schemeClr val="accent1"/>
-            </a:fillRef>
-            <a:effectRef idx="0">
-              <a:schemeClr val="accent1"/>
-            </a:effectRef>
-            <a:fontRef idx="minor">
-              <a:schemeClr val="lt1"/>
-            </a:fontRef>
-          </p:style>
-          <p:txBody>
-            <a:bodyPr rtlCol="0" anchor="ctr"/>
-            <a:lstStyle/>
-            <a:p>
-              <a:pPr algn="ctr"/>
-              <a:endParaRPr lang="en-US"/>
-            </a:p>
-          </p:txBody>
-        </p:sp>
-        <p:sp>
-          <p:nvSpPr>
-            <p:cNvPr id="195" name="Oval 194">
-              <a:extLst>
-                <a:ext uri="{FF2B5EF4-FFF2-40B4-BE49-F238E27FC236}">
-                  <a16:creationId xmlns:a16="http://schemas.microsoft.com/office/drawing/2014/main" id="{729CAF3E-0628-B749-8F12-2233C4CC343D}"/>
-                </a:ext>
-              </a:extLst>
-            </p:cNvPr>
-            <p:cNvSpPr/>
-            <p:nvPr/>
-          </p:nvSpPr>
-          <p:spPr>
-            <a:xfrm>
-              <a:off x="5131000" y="786874"/>
-              <a:ext cx="104992" cy="104992"/>
-            </a:xfrm>
-            <a:prstGeom prst="ellipse">
-              <a:avLst/>
-            </a:prstGeom>
-            <a:solidFill>
-              <a:srgbClr val="FFC000"/>
-            </a:solidFill>
-            <a:ln>
-              <a:solidFill>
-                <a:srgbClr val="FFC000"/>
-              </a:solidFill>
-            </a:ln>
-          </p:spPr>
-          <p:style>
-            <a:lnRef idx="2">
-              <a:schemeClr val="accent1">
-                <a:shade val="50000"/>
-              </a:schemeClr>
-            </a:lnRef>
-            <a:fillRef idx="1">
-              <a:schemeClr val="accent1"/>
-            </a:fillRef>
-            <a:effectRef idx="0">
-              <a:schemeClr val="accent1"/>
-            </a:effectRef>
-            <a:fontRef idx="minor">
-              <a:schemeClr val="lt1"/>
-            </a:fontRef>
-          </p:style>
-          <p:txBody>
-            <a:bodyPr rtlCol="0" anchor="ctr"/>
-            <a:lstStyle/>
-            <a:p>
-              <a:pPr algn="ctr"/>
-              <a:endParaRPr lang="en-US"/>
-            </a:p>
-          </p:txBody>
-        </p:sp>
-        <p:sp>
-          <p:nvSpPr>
-            <p:cNvPr id="196" name="Oval 195">
-              <a:extLst>
-                <a:ext uri="{FF2B5EF4-FFF2-40B4-BE49-F238E27FC236}">
-                  <a16:creationId xmlns:a16="http://schemas.microsoft.com/office/drawing/2014/main" id="{A85A5F95-8EB0-A343-8152-817A906DC2E5}"/>
-                </a:ext>
-              </a:extLst>
-            </p:cNvPr>
-            <p:cNvSpPr/>
-            <p:nvPr/>
-          </p:nvSpPr>
-          <p:spPr>
-            <a:xfrm>
-              <a:off x="5408338" y="886049"/>
-              <a:ext cx="104992" cy="104992"/>
-            </a:xfrm>
-            <a:prstGeom prst="ellipse">
-              <a:avLst/>
-            </a:prstGeom>
-            <a:solidFill>
-              <a:srgbClr val="7030A0"/>
-            </a:solidFill>
-            <a:ln>
-              <a:solidFill>
-                <a:srgbClr val="7030A0"/>
-              </a:solidFill>
-            </a:ln>
-          </p:spPr>
-          <p:style>
-            <a:lnRef idx="2">
-              <a:schemeClr val="accent1">
-                <a:shade val="50000"/>
-              </a:schemeClr>
-            </a:lnRef>
-            <a:fillRef idx="1">
-              <a:schemeClr val="accent1"/>
-            </a:fillRef>
-            <a:effectRef idx="0">
-              <a:schemeClr val="accent1"/>
-            </a:effectRef>
-            <a:fontRef idx="minor">
-              <a:schemeClr val="lt1"/>
-            </a:fontRef>
-          </p:style>
-          <p:txBody>
-            <a:bodyPr rtlCol="0" anchor="ctr"/>
-            <a:lstStyle/>
-            <a:p>
-              <a:pPr algn="ctr"/>
-              <a:endParaRPr lang="en-US"/>
-            </a:p>
-          </p:txBody>
-        </p:sp>
-        <mc:AlternateContent xmlns:mc="http://schemas.openxmlformats.org/markup-compatibility/2006" xmlns:a14="http://schemas.microsoft.com/office/drawing/2010/main">
-          <mc:Choice Requires="a14">
-            <p:sp>
-              <p:nvSpPr>
-                <p:cNvPr id="184" name="TextBox 183">
-                  <a:extLst>
-                    <a:ext uri="{FF2B5EF4-FFF2-40B4-BE49-F238E27FC236}">
-                      <a16:creationId xmlns:a16="http://schemas.microsoft.com/office/drawing/2014/main" id="{3533241A-4B1B-E747-B425-14B64BDCAF19}"/>
-                    </a:ext>
-                  </a:extLst>
-                </p:cNvPr>
-                <p:cNvSpPr txBox="1"/>
-                <p:nvPr/>
-              </p:nvSpPr>
-              <p:spPr>
-                <a:xfrm>
-                  <a:off x="5411886" y="770036"/>
-                  <a:ext cx="315853" cy="276999"/>
-                </a:xfrm>
-                <a:prstGeom prst="rect">
-                  <a:avLst/>
-                </a:prstGeom>
-                <a:noFill/>
-              </p:spPr>
-              <p:txBody>
-                <a:bodyPr wrap="square" rtlCol="0">
-                  <a:spAutoFit/>
-                </a:bodyPr>
-                <a:lstStyle/>
-                <a:p>
-                  <a:pPr/>
-                  <a14:m>
-                    <m:oMathPara xmlns:m="http://schemas.openxmlformats.org/officeDocument/2006/math">
-                      <m:oMathParaPr>
-                        <m:jc m:val="centerGroup"/>
-                      </m:oMathParaPr>
-                      <m:oMath xmlns:m="http://schemas.openxmlformats.org/officeDocument/2006/math">
-                        <m:sSub>
-                          <m:sSubPr>
-                            <m:ctrlPr>
-                              <a:rPr lang="en-US" sz="1200" b="0" i="1" smtClean="0">
-                                <a:latin typeface="Cambria Math" panose="02040503050406030204" pitchFamily="18" charset="0"/>
-                              </a:rPr>
-                            </m:ctrlPr>
-                          </m:sSubPr>
-                          <m:e>
-                            <m:r>
-                              <a:rPr lang="en-US" sz="1200" b="0" i="1" smtClean="0">
-                                <a:latin typeface="Cambria Math" panose="02040503050406030204" pitchFamily="18" charset="0"/>
-                              </a:rPr>
-                              <m:t>𝑡</m:t>
-                            </m:r>
-                          </m:e>
-                          <m:sub>
-                            <m:r>
-                              <a:rPr lang="en-US" sz="1200" b="0" i="1" smtClean="0">
-                                <a:latin typeface="Cambria Math" panose="02040503050406030204" pitchFamily="18" charset="0"/>
-                              </a:rPr>
-                              <m:t>𝑒</m:t>
-                            </m:r>
-                          </m:sub>
-                        </m:sSub>
-                      </m:oMath>
-                    </m:oMathPara>
-                  </a14:m>
-                  <a:endParaRPr lang="en-US" sz="1200" dirty="0"/>
-                </a:p>
-              </p:txBody>
-            </p:sp>
-          </mc:Choice>
-          <mc:Fallback xmlns="">
-            <p:sp>
-              <p:nvSpPr>
-                <p:cNvPr id="184" name="TextBox 183">
-                  <a:extLst>
-                    <a:ext uri="{FF2B5EF4-FFF2-40B4-BE49-F238E27FC236}">
-                      <a16:creationId xmlns:a16="http://schemas.microsoft.com/office/drawing/2014/main" id="{3533241A-4B1B-E747-B425-14B64BDCAF19}"/>
-                    </a:ext>
-                  </a:extLst>
-                </p:cNvPr>
-                <p:cNvSpPr txBox="1">
-                  <a:spLocks noRot="1" noChangeAspect="1" noMove="1" noResize="1" noEditPoints="1" noAdjustHandles="1" noChangeArrowheads="1" noChangeShapeType="1" noTextEdit="1"/>
-                </p:cNvSpPr>
-                <p:nvPr/>
-              </p:nvSpPr>
-              <p:spPr>
-                <a:xfrm>
-                  <a:off x="5411886" y="770036"/>
-                  <a:ext cx="315853" cy="276999"/>
-                </a:xfrm>
-                <a:prstGeom prst="rect">
-                  <a:avLst/>
-                </a:prstGeom>
-                <a:blipFill>
-                  <a:blip r:embed="rId7"/>
-                  <a:stretch>
-                    <a:fillRect/>
-                  </a:stretch>
-                </a:blipFill>
-              </p:spPr>
-              <p:txBody>
-                <a:bodyPr/>
-                <a:lstStyle/>
-                <a:p>
-                  <a:r>
-                    <a:rPr lang="en-US">
-                      <a:noFill/>
-                    </a:rPr>
-                    <a:t> </a:t>
-                  </a:r>
-                </a:p>
-              </p:txBody>
-            </p:sp>
-          </mc:Fallback>
-        </mc:AlternateContent>
-      </p:grpSp>
-      <p:grpSp>
-        <p:nvGrpSpPr>
-          <p:cNvPr id="15" name="Group 14">
-            <a:extLst>
-              <a:ext uri="{FF2B5EF4-FFF2-40B4-BE49-F238E27FC236}">
-                <a16:creationId xmlns:a16="http://schemas.microsoft.com/office/drawing/2014/main" id="{E9737ECD-A2CE-5640-9F05-2F7F3821285A}"/>
-              </a:ext>
-            </a:extLst>
-          </p:cNvPr>
-          <p:cNvGrpSpPr/>
-          <p:nvPr/>
-        </p:nvGrpSpPr>
-        <p:grpSpPr>
-          <a:xfrm>
-            <a:off x="7238432" y="701643"/>
-            <a:ext cx="1245323" cy="1328136"/>
-            <a:chOff x="7238432" y="701643"/>
-            <a:chExt cx="1245323" cy="1328136"/>
-          </a:xfrm>
-        </p:grpSpPr>
-        <p:cxnSp>
-          <p:nvCxnSpPr>
-            <p:cNvPr id="205" name="Straight Connector 204">
-              <a:extLst>
-                <a:ext uri="{FF2B5EF4-FFF2-40B4-BE49-F238E27FC236}">
-                  <a16:creationId xmlns:a16="http://schemas.microsoft.com/office/drawing/2014/main" id="{68E02CE1-117B-C34F-B680-59D6B869FF4A}"/>
-                </a:ext>
-              </a:extLst>
-            </p:cNvPr>
-            <p:cNvCxnSpPr>
-              <a:cxnSpLocks/>
-            </p:cNvCxnSpPr>
-            <p:nvPr/>
-          </p:nvCxnSpPr>
-          <p:spPr>
-            <a:xfrm flipH="1">
-              <a:off x="7634235" y="1198738"/>
-              <a:ext cx="17648" cy="190693"/>
-            </a:xfrm>
-            <a:prstGeom prst="line">
-              <a:avLst/>
-            </a:prstGeom>
-            <a:ln w="19050">
-              <a:solidFill>
-                <a:srgbClr val="FF0000"/>
-              </a:solidFill>
-            </a:ln>
-          </p:spPr>
-          <p:style>
-            <a:lnRef idx="1">
-              <a:schemeClr val="accent1"/>
-            </a:lnRef>
-            <a:fillRef idx="0">
-              <a:schemeClr val="accent1"/>
-            </a:fillRef>
-            <a:effectRef idx="0">
-              <a:schemeClr val="accent1"/>
-            </a:effectRef>
-            <a:fontRef idx="minor">
-              <a:schemeClr val="tx1"/>
-            </a:fontRef>
-          </p:style>
-        </p:cxnSp>
-        <p:grpSp>
-          <p:nvGrpSpPr>
-            <p:cNvPr id="299" name="Group 298">
-              <a:extLst>
-                <a:ext uri="{FF2B5EF4-FFF2-40B4-BE49-F238E27FC236}">
-                  <a16:creationId xmlns:a16="http://schemas.microsoft.com/office/drawing/2014/main" id="{8C860E28-47D8-7D49-A31E-B32988B1B66F}"/>
-                </a:ext>
-              </a:extLst>
-            </p:cNvPr>
-            <p:cNvGrpSpPr/>
-            <p:nvPr/>
-          </p:nvGrpSpPr>
-          <p:grpSpPr>
-            <a:xfrm>
-              <a:off x="7238432" y="701643"/>
-              <a:ext cx="1245323" cy="1328136"/>
-              <a:chOff x="5832507" y="174752"/>
-              <a:chExt cx="1245323" cy="1328136"/>
-            </a:xfrm>
-          </p:grpSpPr>
-          <p:cxnSp>
-            <p:nvCxnSpPr>
-              <p:cNvPr id="230" name="Straight Connector 229">
-                <a:extLst>
-                  <a:ext uri="{FF2B5EF4-FFF2-40B4-BE49-F238E27FC236}">
-                    <a16:creationId xmlns:a16="http://schemas.microsoft.com/office/drawing/2014/main" id="{92BF9A36-3D4B-C847-ADD0-E9E33DFC82EE}"/>
-                  </a:ext>
-                </a:extLst>
-              </p:cNvPr>
-              <p:cNvCxnSpPr>
-                <a:cxnSpLocks/>
-              </p:cNvCxnSpPr>
-              <p:nvPr/>
-            </p:nvCxnSpPr>
-            <p:spPr>
-              <a:xfrm>
-                <a:off x="5885521" y="181047"/>
-                <a:ext cx="1177158" cy="0"/>
-              </a:xfrm>
-              <a:prstGeom prst="line">
-                <a:avLst/>
-              </a:prstGeom>
-              <a:ln w="28575">
-                <a:solidFill>
-                  <a:schemeClr val="tx1"/>
-                </a:solidFill>
-                <a:prstDash val="dash"/>
-              </a:ln>
-            </p:spPr>
-            <p:style>
-              <a:lnRef idx="1">
-                <a:schemeClr val="accent1"/>
-              </a:lnRef>
-              <a:fillRef idx="0">
-                <a:schemeClr val="accent1"/>
-              </a:fillRef>
-              <a:effectRef idx="0">
-                <a:schemeClr val="accent1"/>
-              </a:effectRef>
-              <a:fontRef idx="minor">
-                <a:schemeClr val="tx1"/>
-              </a:fontRef>
-            </p:style>
-          </p:cxnSp>
-          <p:sp>
-            <p:nvSpPr>
-              <p:cNvPr id="231" name="TextBox 230">
-                <a:extLst>
-                  <a:ext uri="{FF2B5EF4-FFF2-40B4-BE49-F238E27FC236}">
-                    <a16:creationId xmlns:a16="http://schemas.microsoft.com/office/drawing/2014/main" id="{ED4E2CF5-EC95-824F-92E9-15716CABE526}"/>
-                  </a:ext>
-                </a:extLst>
-              </p:cNvPr>
-              <p:cNvSpPr txBox="1"/>
-              <p:nvPr/>
-            </p:nvSpPr>
-            <p:spPr>
-              <a:xfrm>
-                <a:off x="5895049" y="186376"/>
-                <a:ext cx="431118" cy="338554"/>
-              </a:xfrm>
-              <a:prstGeom prst="rect">
-                <a:avLst/>
-              </a:prstGeom>
-              <a:noFill/>
-            </p:spPr>
-            <p:txBody>
-              <a:bodyPr wrap="square" rtlCol="0">
-                <a:spAutoFit/>
-              </a:bodyPr>
-              <a:lstStyle/>
-              <a:p>
-                <a:r>
-                  <a:rPr lang="en-US" sz="1600" dirty="0">
-                    <a:latin typeface="CMU Serif Roman" panose="02000603000000000000" pitchFamily="2" charset="0"/>
-                    <a:ea typeface="CMU Serif Roman" panose="02000603000000000000" pitchFamily="2" charset="0"/>
-                    <a:cs typeface="CMU Serif Roman" panose="02000603000000000000" pitchFamily="2" charset="0"/>
-                  </a:rPr>
-                  <a:t>4b</a:t>
-                </a:r>
-              </a:p>
-            </p:txBody>
-          </p:sp>
-          <p:cxnSp>
-            <p:nvCxnSpPr>
-              <p:cNvPr id="232" name="Straight Connector 231">
-                <a:extLst>
-                  <a:ext uri="{FF2B5EF4-FFF2-40B4-BE49-F238E27FC236}">
-                    <a16:creationId xmlns:a16="http://schemas.microsoft.com/office/drawing/2014/main" id="{EDEEA642-D6FA-D841-A729-4F7E4CE06FD4}"/>
-                  </a:ext>
-                </a:extLst>
-              </p:cNvPr>
-              <p:cNvCxnSpPr>
-                <a:cxnSpLocks/>
-              </p:cNvCxnSpPr>
-              <p:nvPr/>
-            </p:nvCxnSpPr>
-            <p:spPr>
-              <a:xfrm>
-                <a:off x="6340439" y="265207"/>
-                <a:ext cx="0" cy="178678"/>
-              </a:xfrm>
-              <a:prstGeom prst="line">
-                <a:avLst/>
-              </a:prstGeom>
-              <a:ln w="19050">
-                <a:solidFill>
-                  <a:srgbClr val="FF0000"/>
-                </a:solidFill>
-              </a:ln>
-            </p:spPr>
-            <p:style>
-              <a:lnRef idx="1">
-                <a:schemeClr val="accent1"/>
-              </a:lnRef>
-              <a:fillRef idx="0">
-                <a:schemeClr val="accent1"/>
-              </a:fillRef>
-              <a:effectRef idx="0">
-                <a:schemeClr val="accent1"/>
-              </a:effectRef>
-              <a:fontRef idx="minor">
-                <a:schemeClr val="tx1"/>
-              </a:fontRef>
-            </p:style>
-          </p:cxnSp>
-          <p:cxnSp>
-            <p:nvCxnSpPr>
-              <p:cNvPr id="233" name="Straight Connector 232">
-                <a:extLst>
-                  <a:ext uri="{FF2B5EF4-FFF2-40B4-BE49-F238E27FC236}">
-                    <a16:creationId xmlns:a16="http://schemas.microsoft.com/office/drawing/2014/main" id="{9D12A4A6-4CCA-4444-A761-66C6EBC247E4}"/>
-                  </a:ext>
-                </a:extLst>
-              </p:cNvPr>
-              <p:cNvCxnSpPr>
-                <a:cxnSpLocks/>
-              </p:cNvCxnSpPr>
-              <p:nvPr/>
-            </p:nvCxnSpPr>
-            <p:spPr>
-              <a:xfrm>
-                <a:off x="6666872" y="265207"/>
-                <a:ext cx="0" cy="178678"/>
-              </a:xfrm>
-              <a:prstGeom prst="line">
-                <a:avLst/>
-              </a:prstGeom>
-              <a:ln w="19050">
-                <a:solidFill>
-                  <a:srgbClr val="FFC000"/>
-                </a:solidFill>
-              </a:ln>
-            </p:spPr>
-            <p:style>
-              <a:lnRef idx="1">
-                <a:schemeClr val="accent1"/>
-              </a:lnRef>
-              <a:fillRef idx="0">
-                <a:schemeClr val="accent1"/>
-              </a:fillRef>
-              <a:effectRef idx="0">
-                <a:schemeClr val="accent1"/>
-              </a:effectRef>
-              <a:fontRef idx="minor">
-                <a:schemeClr val="tx1"/>
-              </a:fontRef>
-            </p:style>
-          </p:cxnSp>
-          <mc:AlternateContent xmlns:mc="http://schemas.openxmlformats.org/markup-compatibility/2006" xmlns:a14="http://schemas.microsoft.com/office/drawing/2010/main">
-            <mc:Choice Requires="a14">
-              <p:sp>
-                <p:nvSpPr>
-                  <p:cNvPr id="234" name="TextBox 233">
-                    <a:extLst>
-                      <a:ext uri="{FF2B5EF4-FFF2-40B4-BE49-F238E27FC236}">
-                        <a16:creationId xmlns:a16="http://schemas.microsoft.com/office/drawing/2014/main" id="{1E90F30A-7A3A-8240-B43E-EBD05FFFB8FC}"/>
-                      </a:ext>
-                    </a:extLst>
-                  </p:cNvPr>
-                  <p:cNvSpPr txBox="1"/>
-                  <p:nvPr/>
-                </p:nvSpPr>
-                <p:spPr>
-                  <a:xfrm>
-                    <a:off x="6761151" y="275628"/>
-                    <a:ext cx="315853" cy="276999"/>
-                  </a:xfrm>
-                  <a:prstGeom prst="rect">
-                    <a:avLst/>
-                  </a:prstGeom>
-                  <a:noFill/>
-                </p:spPr>
-                <p:txBody>
-                  <a:bodyPr wrap="square" rtlCol="0">
-                    <a:spAutoFit/>
-                  </a:bodyPr>
-                  <a:lstStyle/>
-                  <a:p>
-                    <a:pPr/>
-                    <a14:m>
-                      <m:oMathPara xmlns:m="http://schemas.openxmlformats.org/officeDocument/2006/math">
-                        <m:oMathParaPr>
-                          <m:jc m:val="centerGroup"/>
-                        </m:oMathParaPr>
-                        <m:oMath xmlns:m="http://schemas.openxmlformats.org/officeDocument/2006/math">
-                          <m:sSub>
-                            <m:sSubPr>
-                              <m:ctrlPr>
-                                <a:rPr lang="en-US" sz="1200" b="0" i="1" smtClean="0">
-                                  <a:latin typeface="Cambria Math" panose="02040503050406030204" pitchFamily="18" charset="0"/>
-                                </a:rPr>
-                              </m:ctrlPr>
-                            </m:sSubPr>
-                            <m:e>
-                              <m:r>
-                                <a:rPr lang="en-US" sz="1200" b="0" i="1" smtClean="0">
-                                  <a:latin typeface="Cambria Math" panose="02040503050406030204" pitchFamily="18" charset="0"/>
-                                </a:rPr>
-                                <m:t>𝑡</m:t>
-                              </m:r>
-                            </m:e>
-                            <m:sub>
-                              <m:r>
-                                <a:rPr lang="en-US" sz="1200" b="0" i="1" smtClean="0">
-                                  <a:latin typeface="Cambria Math" panose="02040503050406030204" pitchFamily="18" charset="0"/>
-                                </a:rPr>
-                                <m:t>0</m:t>
-                              </m:r>
-                            </m:sub>
-                          </m:sSub>
-                        </m:oMath>
-                      </m:oMathPara>
-                    </a14:m>
-                    <a:endParaRPr lang="en-US" sz="1200" dirty="0"/>
-                  </a:p>
-                </p:txBody>
-              </p:sp>
-            </mc:Choice>
-            <mc:Fallback xmlns="">
-              <p:sp>
-                <p:nvSpPr>
-                  <p:cNvPr id="234" name="TextBox 233">
-                    <a:extLst>
-                      <a:ext uri="{FF2B5EF4-FFF2-40B4-BE49-F238E27FC236}">
-                        <a16:creationId xmlns:a16="http://schemas.microsoft.com/office/drawing/2014/main" id="{1E90F30A-7A3A-8240-B43E-EBD05FFFB8FC}"/>
-                      </a:ext>
-                    </a:extLst>
-                  </p:cNvPr>
-                  <p:cNvSpPr txBox="1">
-                    <a:spLocks noRot="1" noChangeAspect="1" noMove="1" noResize="1" noEditPoints="1" noAdjustHandles="1" noChangeArrowheads="1" noChangeShapeType="1" noTextEdit="1"/>
-                  </p:cNvSpPr>
-                  <p:nvPr/>
-                </p:nvSpPr>
-                <p:spPr>
-                  <a:xfrm>
-                    <a:off x="6761151" y="275628"/>
-                    <a:ext cx="315853" cy="276999"/>
-                  </a:xfrm>
-                  <a:prstGeom prst="rect">
-                    <a:avLst/>
-                  </a:prstGeom>
-                  <a:blipFill>
-                    <a:blip r:embed="rId8"/>
-                    <a:stretch>
-                      <a:fillRect/>
-                    </a:stretch>
-                  </a:blipFill>
-                </p:spPr>
-                <p:txBody>
-                  <a:bodyPr/>
-                  <a:lstStyle/>
-                  <a:p>
-                    <a:r>
-                      <a:rPr lang="en-US">
-                        <a:noFill/>
-                      </a:rPr>
-                      <a:t> </a:t>
-                    </a:r>
-                  </a:p>
-                </p:txBody>
-              </p:sp>
-            </mc:Fallback>
-          </mc:AlternateContent>
-          <p:cxnSp>
-            <p:nvCxnSpPr>
-              <p:cNvPr id="235" name="Straight Connector 234">
-                <a:extLst>
-                  <a:ext uri="{FF2B5EF4-FFF2-40B4-BE49-F238E27FC236}">
-                    <a16:creationId xmlns:a16="http://schemas.microsoft.com/office/drawing/2014/main" id="{0B42AF99-374F-9D41-B5D3-11181BC4D058}"/>
-                  </a:ext>
-                </a:extLst>
-              </p:cNvPr>
-              <p:cNvCxnSpPr>
-                <a:cxnSpLocks/>
-              </p:cNvCxnSpPr>
-              <p:nvPr/>
-            </p:nvCxnSpPr>
-            <p:spPr>
-              <a:xfrm>
-                <a:off x="7055781" y="181047"/>
-                <a:ext cx="0" cy="1321841"/>
-              </a:xfrm>
-              <a:prstGeom prst="line">
-                <a:avLst/>
-              </a:prstGeom>
-              <a:ln w="28575">
-                <a:solidFill>
-                  <a:schemeClr val="tx1"/>
-                </a:solidFill>
-                <a:prstDash val="dash"/>
-              </a:ln>
-            </p:spPr>
-            <p:style>
-              <a:lnRef idx="1">
-                <a:schemeClr val="accent1"/>
-              </a:lnRef>
-              <a:fillRef idx="0">
-                <a:schemeClr val="accent1"/>
-              </a:fillRef>
-              <a:effectRef idx="0">
-                <a:schemeClr val="accent1"/>
-              </a:effectRef>
-              <a:fontRef idx="minor">
-                <a:schemeClr val="tx1"/>
-              </a:fontRef>
-            </p:style>
-          </p:cxnSp>
-          <p:cxnSp>
-            <p:nvCxnSpPr>
-              <p:cNvPr id="236" name="Straight Connector 235">
-                <a:extLst>
-                  <a:ext uri="{FF2B5EF4-FFF2-40B4-BE49-F238E27FC236}">
-                    <a16:creationId xmlns:a16="http://schemas.microsoft.com/office/drawing/2014/main" id="{A330E36B-05F1-8E43-AA08-E397AF855233}"/>
-                  </a:ext>
-                </a:extLst>
-              </p:cNvPr>
-              <p:cNvCxnSpPr>
-                <a:cxnSpLocks/>
-              </p:cNvCxnSpPr>
-              <p:nvPr/>
-            </p:nvCxnSpPr>
-            <p:spPr>
-              <a:xfrm>
-                <a:off x="5885521" y="1502888"/>
-                <a:ext cx="1177158" cy="0"/>
-              </a:xfrm>
-              <a:prstGeom prst="line">
-                <a:avLst/>
-              </a:prstGeom>
-              <a:ln w="28575">
-                <a:solidFill>
-                  <a:schemeClr val="tx1"/>
-                </a:solidFill>
-                <a:prstDash val="dash"/>
-              </a:ln>
-            </p:spPr>
-            <p:style>
-              <a:lnRef idx="1">
-                <a:schemeClr val="accent1"/>
-              </a:lnRef>
-              <a:fillRef idx="0">
-                <a:schemeClr val="accent1"/>
-              </a:fillRef>
-              <a:effectRef idx="0">
-                <a:schemeClr val="accent1"/>
-              </a:effectRef>
-              <a:fontRef idx="minor">
-                <a:schemeClr val="tx1"/>
-              </a:fontRef>
-            </p:style>
-          </p:cxnSp>
-          <mc:AlternateContent xmlns:mc="http://schemas.openxmlformats.org/markup-compatibility/2006" xmlns:a14="http://schemas.microsoft.com/office/drawing/2010/main">
-            <mc:Choice Requires="a14">
-              <p:sp>
-                <p:nvSpPr>
-                  <p:cNvPr id="237" name="TextBox 236">
-                    <a:extLst>
-                      <a:ext uri="{FF2B5EF4-FFF2-40B4-BE49-F238E27FC236}">
-                        <a16:creationId xmlns:a16="http://schemas.microsoft.com/office/drawing/2014/main" id="{B6B2A788-74ED-0C49-8E7C-A6FB616515DB}"/>
-                      </a:ext>
-                    </a:extLst>
-                  </p:cNvPr>
-                  <p:cNvSpPr txBox="1"/>
-                  <p:nvPr/>
-                </p:nvSpPr>
-                <p:spPr>
-                  <a:xfrm>
-                    <a:off x="6761977" y="646997"/>
-                    <a:ext cx="315853" cy="276999"/>
-                  </a:xfrm>
-                  <a:prstGeom prst="rect">
-                    <a:avLst/>
-                  </a:prstGeom>
-                  <a:noFill/>
-                </p:spPr>
-                <p:txBody>
-                  <a:bodyPr wrap="square" rtlCol="0">
-                    <a:spAutoFit/>
-                  </a:bodyPr>
-                  <a:lstStyle/>
-                  <a:p>
-                    <a:pPr/>
-                    <a14:m>
-                      <m:oMathPara xmlns:m="http://schemas.openxmlformats.org/officeDocument/2006/math">
-                        <m:oMathParaPr>
-                          <m:jc m:val="centerGroup"/>
-                        </m:oMathParaPr>
-                        <m:oMath xmlns:m="http://schemas.openxmlformats.org/officeDocument/2006/math">
-                          <m:sSup>
-                            <m:sSupPr>
-                              <m:ctrlPr>
-                                <a:rPr lang="en-US" sz="1200" b="0" i="1" smtClean="0">
-                                  <a:latin typeface="Cambria Math" panose="02040503050406030204" pitchFamily="18" charset="0"/>
-                                </a:rPr>
-                              </m:ctrlPr>
-                            </m:sSupPr>
-                            <m:e>
-                              <m:r>
-                                <a:rPr lang="en-US" sz="1200" b="0" i="1" smtClean="0">
-                                  <a:latin typeface="Cambria Math" panose="02040503050406030204" pitchFamily="18" charset="0"/>
-                                </a:rPr>
-                                <m:t>𝑡</m:t>
-                              </m:r>
-                            </m:e>
-                            <m:sup>
-                              <m:r>
-                                <a:rPr lang="en-US" sz="1200" b="0" i="1" smtClean="0">
-                                  <a:latin typeface="Cambria Math" panose="02040503050406030204" pitchFamily="18" charset="0"/>
-                                </a:rPr>
-                                <m:t>′</m:t>
-                              </m:r>
-                            </m:sup>
-                          </m:sSup>
-                        </m:oMath>
-                      </m:oMathPara>
-                    </a14:m>
-                    <a:endParaRPr lang="en-US" sz="1200" dirty="0"/>
-                  </a:p>
-                </p:txBody>
-              </p:sp>
-            </mc:Choice>
-            <mc:Fallback xmlns="">
-              <p:sp>
-                <p:nvSpPr>
-                  <p:cNvPr id="237" name="TextBox 236">
-                    <a:extLst>
-                      <a:ext uri="{FF2B5EF4-FFF2-40B4-BE49-F238E27FC236}">
-                        <a16:creationId xmlns:a16="http://schemas.microsoft.com/office/drawing/2014/main" id="{B6B2A788-74ED-0C49-8E7C-A6FB616515DB}"/>
-                      </a:ext>
-                    </a:extLst>
-                  </p:cNvPr>
-                  <p:cNvSpPr txBox="1">
-                    <a:spLocks noRot="1" noChangeAspect="1" noMove="1" noResize="1" noEditPoints="1" noAdjustHandles="1" noChangeArrowheads="1" noChangeShapeType="1" noTextEdit="1"/>
-                  </p:cNvSpPr>
-                  <p:nvPr/>
-                </p:nvSpPr>
-                <p:spPr>
-                  <a:xfrm>
-                    <a:off x="6761977" y="646997"/>
-                    <a:ext cx="315853" cy="276999"/>
-                  </a:xfrm>
-                  <a:prstGeom prst="rect">
-                    <a:avLst/>
-                  </a:prstGeom>
-                  <a:blipFill>
-                    <a:blip r:embed="rId9"/>
-                    <a:stretch>
-                      <a:fillRect/>
-                    </a:stretch>
-                  </a:blipFill>
-                </p:spPr>
-                <p:txBody>
-                  <a:bodyPr/>
-                  <a:lstStyle/>
-                  <a:p>
-                    <a:r>
-                      <a:rPr lang="en-US">
-                        <a:noFill/>
-                      </a:rPr>
-                      <a:t> </a:t>
-                    </a:r>
-                  </a:p>
-                </p:txBody>
-              </p:sp>
-            </mc:Fallback>
-          </mc:AlternateContent>
-          <p:cxnSp>
-            <p:nvCxnSpPr>
-              <p:cNvPr id="238" name="Straight Connector 237">
-                <a:extLst>
-                  <a:ext uri="{FF2B5EF4-FFF2-40B4-BE49-F238E27FC236}">
-                    <a16:creationId xmlns:a16="http://schemas.microsoft.com/office/drawing/2014/main" id="{D727AB89-DB30-5F48-84E1-93528D949CA8}"/>
-                  </a:ext>
-                </a:extLst>
-              </p:cNvPr>
-              <p:cNvCxnSpPr>
-                <a:cxnSpLocks/>
-              </p:cNvCxnSpPr>
-              <p:nvPr/>
-            </p:nvCxnSpPr>
-            <p:spPr>
-              <a:xfrm flipH="1">
-                <a:off x="6004426" y="448045"/>
-                <a:ext cx="334897" cy="784659"/>
-              </a:xfrm>
-              <a:prstGeom prst="line">
-                <a:avLst/>
-              </a:prstGeom>
-              <a:ln w="19050">
-                <a:solidFill>
-                  <a:srgbClr val="FF0000"/>
-                </a:solidFill>
-              </a:ln>
-            </p:spPr>
-            <p:style>
-              <a:lnRef idx="1">
-                <a:schemeClr val="accent1"/>
-              </a:lnRef>
-              <a:fillRef idx="0">
-                <a:schemeClr val="accent1"/>
-              </a:fillRef>
-              <a:effectRef idx="0">
-                <a:schemeClr val="accent1"/>
-              </a:effectRef>
-              <a:fontRef idx="minor">
-                <a:schemeClr val="tx1"/>
-              </a:fontRef>
-            </p:style>
-          </p:cxnSp>
-          <p:cxnSp>
-            <p:nvCxnSpPr>
-              <p:cNvPr id="240" name="Straight Arrow Connector 239">
-                <a:extLst>
-                  <a:ext uri="{FF2B5EF4-FFF2-40B4-BE49-F238E27FC236}">
-                    <a16:creationId xmlns:a16="http://schemas.microsoft.com/office/drawing/2014/main" id="{AAC7151D-7C79-E843-B5AD-1BF9F9E7225B}"/>
-                  </a:ext>
-                </a:extLst>
-              </p:cNvPr>
-              <p:cNvCxnSpPr>
-                <a:cxnSpLocks/>
-              </p:cNvCxnSpPr>
-              <p:nvPr/>
-            </p:nvCxnSpPr>
-            <p:spPr>
-              <a:xfrm>
-                <a:off x="6085567" y="819030"/>
-                <a:ext cx="742952" cy="0"/>
-              </a:xfrm>
-              <a:prstGeom prst="straightConnector1">
-                <a:avLst/>
-              </a:prstGeom>
-              <a:ln w="19050">
-                <a:solidFill>
-                  <a:schemeClr val="tx1"/>
-                </a:solidFill>
-                <a:prstDash val="sysDot"/>
-                <a:tailEnd type="none"/>
-              </a:ln>
-            </p:spPr>
-            <p:style>
-              <a:lnRef idx="1">
-                <a:schemeClr val="accent1"/>
-              </a:lnRef>
-              <a:fillRef idx="0">
-                <a:schemeClr val="accent1"/>
-              </a:fillRef>
-              <a:effectRef idx="0">
-                <a:schemeClr val="accent1"/>
-              </a:effectRef>
-              <a:fontRef idx="minor">
-                <a:schemeClr val="tx1"/>
-              </a:fontRef>
-            </p:style>
-          </p:cxnSp>
-          <p:cxnSp>
-            <p:nvCxnSpPr>
-              <p:cNvPr id="241" name="Straight Arrow Connector 240">
-                <a:extLst>
-                  <a:ext uri="{FF2B5EF4-FFF2-40B4-BE49-F238E27FC236}">
-                    <a16:creationId xmlns:a16="http://schemas.microsoft.com/office/drawing/2014/main" id="{36C9CA22-AA51-6749-8753-7DC8F94F0A68}"/>
-                  </a:ext>
-                </a:extLst>
-              </p:cNvPr>
-              <p:cNvCxnSpPr>
-                <a:cxnSpLocks/>
-              </p:cNvCxnSpPr>
-              <p:nvPr/>
-            </p:nvCxnSpPr>
-            <p:spPr>
-              <a:xfrm>
-                <a:off x="6326167" y="447661"/>
-                <a:ext cx="501526" cy="0"/>
-              </a:xfrm>
-              <a:prstGeom prst="straightConnector1">
-                <a:avLst/>
-              </a:prstGeom>
-              <a:ln w="19050">
-                <a:solidFill>
-                  <a:schemeClr val="tx1"/>
-                </a:solidFill>
-                <a:prstDash val="sysDot"/>
-                <a:tailEnd type="none"/>
-              </a:ln>
-            </p:spPr>
-            <p:style>
-              <a:lnRef idx="1">
-                <a:schemeClr val="accent1"/>
-              </a:lnRef>
-              <a:fillRef idx="0">
-                <a:schemeClr val="accent1"/>
-              </a:fillRef>
-              <a:effectRef idx="0">
-                <a:schemeClr val="accent1"/>
-              </a:effectRef>
-              <a:fontRef idx="minor">
-                <a:schemeClr val="tx1"/>
-              </a:fontRef>
-            </p:style>
-          </p:cxnSp>
-          <p:sp>
-            <p:nvSpPr>
-              <p:cNvPr id="245" name="TextBox 244">
-                <a:extLst>
-                  <a:ext uri="{FF2B5EF4-FFF2-40B4-BE49-F238E27FC236}">
-                    <a16:creationId xmlns:a16="http://schemas.microsoft.com/office/drawing/2014/main" id="{343C6EE3-9A4E-254F-A001-A0FD1350ED24}"/>
-                  </a:ext>
-                </a:extLst>
-              </p:cNvPr>
-              <p:cNvSpPr txBox="1"/>
-              <p:nvPr/>
-            </p:nvSpPr>
-            <p:spPr>
-              <a:xfrm>
-                <a:off x="6397815" y="1162573"/>
-                <a:ext cx="357352" cy="261610"/>
-              </a:xfrm>
-              <a:prstGeom prst="rect">
-                <a:avLst/>
-              </a:prstGeom>
-              <a:noFill/>
-            </p:spPr>
-            <p:txBody>
-              <a:bodyPr wrap="square" rtlCol="0">
-                <a:spAutoFit/>
-              </a:bodyPr>
-              <a:lstStyle/>
-              <a:p>
-                <a:pPr algn="ctr"/>
-                <a:r>
-                  <a:rPr lang="en-US" sz="1100" dirty="0">
-                    <a:solidFill>
-                      <a:srgbClr val="FFC000"/>
-                    </a:solidFill>
-                    <a:latin typeface="Courier" pitchFamily="2" charset="0"/>
-                  </a:rPr>
-                  <a:t>AC</a:t>
-                </a:r>
-              </a:p>
-            </p:txBody>
-          </p:sp>
-          <p:cxnSp>
-            <p:nvCxnSpPr>
-              <p:cNvPr id="247" name="Straight Connector 246">
-                <a:extLst>
-                  <a:ext uri="{FF2B5EF4-FFF2-40B4-BE49-F238E27FC236}">
-                    <a16:creationId xmlns:a16="http://schemas.microsoft.com/office/drawing/2014/main" id="{6C19057C-2B10-E043-8DC3-806A83262ADC}"/>
-                  </a:ext>
-                </a:extLst>
-              </p:cNvPr>
-              <p:cNvCxnSpPr>
-                <a:cxnSpLocks/>
-              </p:cNvCxnSpPr>
-              <p:nvPr/>
-            </p:nvCxnSpPr>
-            <p:spPr>
-              <a:xfrm>
-                <a:off x="5895049" y="174752"/>
-                <a:ext cx="0" cy="1328136"/>
-              </a:xfrm>
-              <a:prstGeom prst="line">
-                <a:avLst/>
-              </a:prstGeom>
-              <a:ln w="28575">
-                <a:solidFill>
-                  <a:schemeClr val="tx1"/>
-                </a:solidFill>
-                <a:prstDash val="dash"/>
-              </a:ln>
-            </p:spPr>
-            <p:style>
-              <a:lnRef idx="1">
-                <a:schemeClr val="accent1"/>
-              </a:lnRef>
-              <a:fillRef idx="0">
-                <a:schemeClr val="accent1"/>
-              </a:fillRef>
-              <a:effectRef idx="0">
-                <a:schemeClr val="accent1"/>
-              </a:effectRef>
-              <a:fontRef idx="minor">
-                <a:schemeClr val="tx1"/>
-              </a:fontRef>
-            </p:style>
-          </p:cxnSp>
-          <mc:AlternateContent xmlns:mc="http://schemas.openxmlformats.org/markup-compatibility/2006" xmlns:a14="http://schemas.microsoft.com/office/drawing/2010/main">
-            <mc:Choice Requires="a14">
-              <p:sp>
-                <p:nvSpPr>
-                  <p:cNvPr id="248" name="TextBox 247">
-                    <a:extLst>
-                      <a:ext uri="{FF2B5EF4-FFF2-40B4-BE49-F238E27FC236}">
-                        <a16:creationId xmlns:a16="http://schemas.microsoft.com/office/drawing/2014/main" id="{21512B7A-F9D0-444D-87BF-D9C3178A77FF}"/>
-                      </a:ext>
-                    </a:extLst>
-                  </p:cNvPr>
-                  <p:cNvSpPr txBox="1"/>
-                  <p:nvPr/>
-                </p:nvSpPr>
-                <p:spPr>
-                  <a:xfrm>
-                    <a:off x="6755659" y="1055764"/>
-                    <a:ext cx="315853" cy="276999"/>
-                  </a:xfrm>
-                  <a:prstGeom prst="rect">
-                    <a:avLst/>
-                  </a:prstGeom>
-                  <a:noFill/>
-                </p:spPr>
-                <p:txBody>
-                  <a:bodyPr wrap="square" rtlCol="0">
-                    <a:spAutoFit/>
-                  </a:bodyPr>
-                  <a:lstStyle/>
-                  <a:p>
-                    <a:pPr/>
-                    <a14:m>
-                      <m:oMathPara xmlns:m="http://schemas.openxmlformats.org/officeDocument/2006/math">
-                        <m:oMathParaPr>
-                          <m:jc m:val="centerGroup"/>
-                        </m:oMathParaPr>
-                        <m:oMath xmlns:m="http://schemas.openxmlformats.org/officeDocument/2006/math">
-                          <m:sSub>
-                            <m:sSubPr>
-                              <m:ctrlPr>
-                                <a:rPr lang="en-US" sz="1200" b="0" i="1" smtClean="0">
-                                  <a:latin typeface="Cambria Math" panose="02040503050406030204" pitchFamily="18" charset="0"/>
-                                </a:rPr>
-                              </m:ctrlPr>
-                            </m:sSubPr>
-                            <m:e>
-                              <m:r>
-                                <a:rPr lang="en-US" sz="1200" b="0" i="1" smtClean="0">
-                                  <a:latin typeface="Cambria Math" panose="02040503050406030204" pitchFamily="18" charset="0"/>
-                                </a:rPr>
-                                <m:t>𝑡</m:t>
-                              </m:r>
-                            </m:e>
-                            <m:sub>
-                              <m:r>
-                                <a:rPr lang="en-US" sz="1200" b="0" i="1" smtClean="0">
-                                  <a:latin typeface="Cambria Math" panose="02040503050406030204" pitchFamily="18" charset="0"/>
-                                </a:rPr>
-                                <m:t>𝑒</m:t>
-                              </m:r>
-                            </m:sub>
-                          </m:sSub>
-                        </m:oMath>
-                      </m:oMathPara>
-                    </a14:m>
-                    <a:endParaRPr lang="en-US" sz="1200" dirty="0"/>
-                  </a:p>
-                </p:txBody>
-              </p:sp>
-            </mc:Choice>
-            <mc:Fallback xmlns="">
-              <p:sp>
-                <p:nvSpPr>
-                  <p:cNvPr id="248" name="TextBox 247">
-                    <a:extLst>
-                      <a:ext uri="{FF2B5EF4-FFF2-40B4-BE49-F238E27FC236}">
-                        <a16:creationId xmlns:a16="http://schemas.microsoft.com/office/drawing/2014/main" id="{21512B7A-F9D0-444D-87BF-D9C3178A77FF}"/>
-                      </a:ext>
-                    </a:extLst>
-                  </p:cNvPr>
-                  <p:cNvSpPr txBox="1">
-                    <a:spLocks noRot="1" noChangeAspect="1" noMove="1" noResize="1" noEditPoints="1" noAdjustHandles="1" noChangeArrowheads="1" noChangeShapeType="1" noTextEdit="1"/>
-                  </p:cNvSpPr>
-                  <p:nvPr/>
-                </p:nvSpPr>
-                <p:spPr>
-                  <a:xfrm>
-                    <a:off x="6755659" y="1055764"/>
-                    <a:ext cx="315853" cy="276999"/>
-                  </a:xfrm>
-                  <a:prstGeom prst="rect">
-                    <a:avLst/>
-                  </a:prstGeom>
-                  <a:blipFill>
-                    <a:blip r:embed="rId10"/>
-                    <a:stretch>
-                      <a:fillRect/>
-                    </a:stretch>
-                  </a:blipFill>
-                </p:spPr>
-                <p:txBody>
-                  <a:bodyPr/>
-                  <a:lstStyle/>
-                  <a:p>
-                    <a:r>
-                      <a:rPr lang="en-US">
-                        <a:noFill/>
-                      </a:rPr>
-                      <a:t> </a:t>
-                    </a:r>
-                  </a:p>
-                </p:txBody>
-              </p:sp>
-            </mc:Fallback>
-          </mc:AlternateContent>
-          <p:cxnSp>
-            <p:nvCxnSpPr>
-              <p:cNvPr id="249" name="Straight Arrow Connector 248">
-                <a:extLst>
-                  <a:ext uri="{FF2B5EF4-FFF2-40B4-BE49-F238E27FC236}">
-                    <a16:creationId xmlns:a16="http://schemas.microsoft.com/office/drawing/2014/main" id="{5CBB0D98-15E9-5C41-B967-D8172014B6DD}"/>
-                  </a:ext>
-                </a:extLst>
-              </p:cNvPr>
-              <p:cNvCxnSpPr>
-                <a:cxnSpLocks/>
-              </p:cNvCxnSpPr>
-              <p:nvPr/>
-            </p:nvCxnSpPr>
-            <p:spPr>
-              <a:xfrm>
-                <a:off x="5941396" y="1227797"/>
-                <a:ext cx="880805" cy="0"/>
-              </a:xfrm>
-              <a:prstGeom prst="straightConnector1">
-                <a:avLst/>
-              </a:prstGeom>
-              <a:ln w="19050">
-                <a:solidFill>
-                  <a:schemeClr val="tx1"/>
-                </a:solidFill>
-                <a:prstDash val="sysDot"/>
-                <a:tailEnd type="none"/>
-              </a:ln>
-            </p:spPr>
-            <p:style>
-              <a:lnRef idx="1">
-                <a:schemeClr val="accent1"/>
-              </a:lnRef>
-              <a:fillRef idx="0">
-                <a:schemeClr val="accent1"/>
-              </a:fillRef>
-              <a:effectRef idx="0">
-                <a:schemeClr val="accent1"/>
-              </a:effectRef>
-              <a:fontRef idx="minor">
-                <a:schemeClr val="tx1"/>
-              </a:fontRef>
-            </p:style>
-          </p:cxnSp>
-          <p:cxnSp>
-            <p:nvCxnSpPr>
-              <p:cNvPr id="253" name="Straight Connector 252">
-                <a:extLst>
-                  <a:ext uri="{FF2B5EF4-FFF2-40B4-BE49-F238E27FC236}">
-                    <a16:creationId xmlns:a16="http://schemas.microsoft.com/office/drawing/2014/main" id="{788B0F35-A273-2342-B475-D79022D8DA11}"/>
-                  </a:ext>
-                </a:extLst>
-              </p:cNvPr>
-              <p:cNvCxnSpPr>
-                <a:cxnSpLocks/>
-              </p:cNvCxnSpPr>
-              <p:nvPr/>
-            </p:nvCxnSpPr>
-            <p:spPr>
-              <a:xfrm>
-                <a:off x="6341958" y="458648"/>
-                <a:ext cx="33146" cy="764092"/>
-              </a:xfrm>
-              <a:prstGeom prst="line">
-                <a:avLst/>
-              </a:prstGeom>
-              <a:ln w="19050">
-                <a:solidFill>
-                  <a:srgbClr val="FF0000"/>
-                </a:solidFill>
-              </a:ln>
-            </p:spPr>
-            <p:style>
-              <a:lnRef idx="1">
-                <a:schemeClr val="accent1"/>
-              </a:lnRef>
-              <a:fillRef idx="0">
-                <a:schemeClr val="accent1"/>
-              </a:fillRef>
-              <a:effectRef idx="0">
-                <a:schemeClr val="accent1"/>
-              </a:effectRef>
-              <a:fontRef idx="minor">
-                <a:schemeClr val="tx1"/>
-              </a:fontRef>
-            </p:style>
-          </p:cxnSp>
-          <p:sp>
-            <p:nvSpPr>
-              <p:cNvPr id="265" name="TextBox 264">
-                <a:extLst>
-                  <a:ext uri="{FF2B5EF4-FFF2-40B4-BE49-F238E27FC236}">
-                    <a16:creationId xmlns:a16="http://schemas.microsoft.com/office/drawing/2014/main" id="{6AA1EF04-71AF-254D-B587-6C46ADB70104}"/>
-                  </a:ext>
-                </a:extLst>
-              </p:cNvPr>
-              <p:cNvSpPr txBox="1"/>
-              <p:nvPr/>
-            </p:nvSpPr>
-            <p:spPr>
-              <a:xfrm>
-                <a:off x="5832507" y="1162573"/>
-                <a:ext cx="357352" cy="261610"/>
-              </a:xfrm>
-              <a:prstGeom prst="rect">
-                <a:avLst/>
-              </a:prstGeom>
-              <a:noFill/>
-            </p:spPr>
-            <p:txBody>
-              <a:bodyPr wrap="square" rtlCol="0">
-                <a:spAutoFit/>
-              </a:bodyPr>
-              <a:lstStyle/>
-              <a:p>
-                <a:pPr algn="ctr"/>
-                <a:r>
-                  <a:rPr lang="en-US" sz="1100" dirty="0">
-                    <a:solidFill>
-                      <a:srgbClr val="FF0000"/>
-                    </a:solidFill>
-                    <a:latin typeface="Courier" pitchFamily="2" charset="0"/>
-                  </a:rPr>
-                  <a:t>CC</a:t>
-                </a:r>
-              </a:p>
-            </p:txBody>
-          </p:sp>
-          <p:sp>
-            <p:nvSpPr>
-              <p:cNvPr id="277" name="TextBox 276">
-                <a:extLst>
-                  <a:ext uri="{FF2B5EF4-FFF2-40B4-BE49-F238E27FC236}">
-                    <a16:creationId xmlns:a16="http://schemas.microsoft.com/office/drawing/2014/main" id="{61402315-7CB1-1A4F-8A00-FA47BFCB9693}"/>
-                  </a:ext>
-                </a:extLst>
-              </p:cNvPr>
-              <p:cNvSpPr txBox="1"/>
-              <p:nvPr/>
-            </p:nvSpPr>
-            <p:spPr>
-              <a:xfrm>
-                <a:off x="6014964" y="1162573"/>
-                <a:ext cx="357352" cy="261610"/>
-              </a:xfrm>
-              <a:prstGeom prst="rect">
-                <a:avLst/>
-              </a:prstGeom>
-              <a:noFill/>
-            </p:spPr>
-            <p:txBody>
-              <a:bodyPr wrap="square" rtlCol="0">
-                <a:spAutoFit/>
-              </a:bodyPr>
-              <a:lstStyle/>
-              <a:p>
-                <a:pPr algn="ctr"/>
-                <a:r>
-                  <a:rPr lang="en-US" sz="1100" dirty="0">
-                    <a:solidFill>
-                      <a:srgbClr val="7030A0"/>
-                    </a:solidFill>
-                    <a:latin typeface="Courier" pitchFamily="2" charset="0"/>
-                  </a:rPr>
-                  <a:t>GC</a:t>
-                </a:r>
-              </a:p>
-            </p:txBody>
-          </p:sp>
-          <p:sp>
-            <p:nvSpPr>
-              <p:cNvPr id="279" name="TextBox 278">
-                <a:extLst>
-                  <a:ext uri="{FF2B5EF4-FFF2-40B4-BE49-F238E27FC236}">
-                    <a16:creationId xmlns:a16="http://schemas.microsoft.com/office/drawing/2014/main" id="{987F6DB8-2617-124E-925C-BB4F7176B267}"/>
-                  </a:ext>
-                </a:extLst>
-              </p:cNvPr>
-              <p:cNvSpPr txBox="1"/>
-              <p:nvPr/>
-            </p:nvSpPr>
-            <p:spPr>
-              <a:xfrm>
-                <a:off x="6201793" y="1162573"/>
-                <a:ext cx="357352" cy="261610"/>
-              </a:xfrm>
-              <a:prstGeom prst="rect">
-                <a:avLst/>
-              </a:prstGeom>
-              <a:noFill/>
-            </p:spPr>
-            <p:txBody>
-              <a:bodyPr wrap="square" rtlCol="0">
-                <a:spAutoFit/>
-              </a:bodyPr>
-              <a:lstStyle/>
-              <a:p>
-                <a:pPr algn="ctr"/>
-                <a:r>
-                  <a:rPr lang="en-US" sz="1100" dirty="0">
-                    <a:solidFill>
-                      <a:srgbClr val="FF0000"/>
-                    </a:solidFill>
-                    <a:latin typeface="Courier" pitchFamily="2" charset="0"/>
-                  </a:rPr>
-                  <a:t>TT</a:t>
-                </a:r>
-              </a:p>
-            </p:txBody>
-          </p:sp>
-          <p:cxnSp>
-            <p:nvCxnSpPr>
-              <p:cNvPr id="280" name="Straight Connector 279">
-                <a:extLst>
-                  <a:ext uri="{FF2B5EF4-FFF2-40B4-BE49-F238E27FC236}">
-                    <a16:creationId xmlns:a16="http://schemas.microsoft.com/office/drawing/2014/main" id="{706F1C7B-9432-FE44-B94D-D7EE482DC67C}"/>
-                  </a:ext>
-                </a:extLst>
-              </p:cNvPr>
-              <p:cNvCxnSpPr>
-                <a:cxnSpLocks/>
-              </p:cNvCxnSpPr>
-              <p:nvPr/>
-            </p:nvCxnSpPr>
-            <p:spPr>
-              <a:xfrm flipH="1">
-                <a:off x="6558209" y="419625"/>
-                <a:ext cx="108663" cy="815954"/>
-              </a:xfrm>
-              <a:prstGeom prst="line">
-                <a:avLst/>
-              </a:prstGeom>
-              <a:ln w="19050">
-                <a:solidFill>
-                  <a:srgbClr val="FFC000"/>
-                </a:solidFill>
-              </a:ln>
-            </p:spPr>
-            <p:style>
-              <a:lnRef idx="1">
-                <a:schemeClr val="accent1"/>
-              </a:lnRef>
-              <a:fillRef idx="0">
-                <a:schemeClr val="accent1"/>
-              </a:fillRef>
-              <a:effectRef idx="0">
-                <a:schemeClr val="accent1"/>
-              </a:effectRef>
-              <a:fontRef idx="minor">
-                <a:schemeClr val="tx1"/>
-              </a:fontRef>
-            </p:style>
-          </p:cxnSp>
-          <p:cxnSp>
-            <p:nvCxnSpPr>
-              <p:cNvPr id="284" name="Straight Connector 283">
-                <a:extLst>
-                  <a:ext uri="{FF2B5EF4-FFF2-40B4-BE49-F238E27FC236}">
-                    <a16:creationId xmlns:a16="http://schemas.microsoft.com/office/drawing/2014/main" id="{526A1E31-B92E-994A-85CE-EEC469D438FA}"/>
-                  </a:ext>
-                </a:extLst>
-              </p:cNvPr>
-              <p:cNvCxnSpPr>
-                <a:cxnSpLocks/>
-              </p:cNvCxnSpPr>
-              <p:nvPr/>
-            </p:nvCxnSpPr>
-            <p:spPr>
-              <a:xfrm>
-                <a:off x="6637883" y="617787"/>
-                <a:ext cx="130307" cy="615336"/>
-              </a:xfrm>
-              <a:prstGeom prst="line">
-                <a:avLst/>
-              </a:prstGeom>
-              <a:ln w="19050">
-                <a:solidFill>
-                  <a:srgbClr val="FFC000"/>
-                </a:solidFill>
-              </a:ln>
-            </p:spPr>
-            <p:style>
-              <a:lnRef idx="1">
-                <a:schemeClr val="accent1"/>
-              </a:lnRef>
-              <a:fillRef idx="0">
-                <a:schemeClr val="accent1"/>
-              </a:fillRef>
-              <a:effectRef idx="0">
-                <a:schemeClr val="accent1"/>
-              </a:effectRef>
-              <a:fontRef idx="minor">
-                <a:schemeClr val="tx1"/>
-              </a:fontRef>
-            </p:style>
-          </p:cxnSp>
-          <p:sp>
-            <p:nvSpPr>
-              <p:cNvPr id="288" name="TextBox 287">
-                <a:extLst>
-                  <a:ext uri="{FF2B5EF4-FFF2-40B4-BE49-F238E27FC236}">
-                    <a16:creationId xmlns:a16="http://schemas.microsoft.com/office/drawing/2014/main" id="{E9A3584B-AD8A-A94A-9A88-B370CAB46DF6}"/>
-                  </a:ext>
-                </a:extLst>
-              </p:cNvPr>
-              <p:cNvSpPr txBox="1"/>
-              <p:nvPr/>
-            </p:nvSpPr>
-            <p:spPr>
-              <a:xfrm>
-                <a:off x="6594235" y="1162573"/>
-                <a:ext cx="357352" cy="261610"/>
-              </a:xfrm>
-              <a:prstGeom prst="rect">
-                <a:avLst/>
-              </a:prstGeom>
-              <a:noFill/>
-            </p:spPr>
-            <p:txBody>
-              <a:bodyPr wrap="square" rtlCol="0">
-                <a:spAutoFit/>
-              </a:bodyPr>
-              <a:lstStyle/>
-              <a:p>
-                <a:pPr algn="ctr"/>
-                <a:r>
-                  <a:rPr lang="en-US" sz="1100" dirty="0">
-                    <a:solidFill>
-                      <a:srgbClr val="FFC000"/>
-                    </a:solidFill>
-                    <a:latin typeface="Courier" pitchFamily="2" charset="0"/>
-                  </a:rPr>
-                  <a:t>CG</a:t>
-                </a:r>
-              </a:p>
-            </p:txBody>
-          </p:sp>
-          <p:cxnSp>
-            <p:nvCxnSpPr>
-              <p:cNvPr id="239" name="Straight Connector 238">
-                <a:extLst>
-                  <a:ext uri="{FF2B5EF4-FFF2-40B4-BE49-F238E27FC236}">
-                    <a16:creationId xmlns:a16="http://schemas.microsoft.com/office/drawing/2014/main" id="{B4765817-3AA0-1D49-8380-42045A23AA74}"/>
-                  </a:ext>
-                </a:extLst>
-              </p:cNvPr>
-              <p:cNvCxnSpPr>
-                <a:cxnSpLocks/>
-              </p:cNvCxnSpPr>
-              <p:nvPr/>
-            </p:nvCxnSpPr>
-            <p:spPr>
-              <a:xfrm flipH="1">
-                <a:off x="6190438" y="819030"/>
-                <a:ext cx="39015" cy="421594"/>
-              </a:xfrm>
-              <a:prstGeom prst="line">
-                <a:avLst/>
-              </a:prstGeom>
-              <a:ln w="19050">
-                <a:solidFill>
-                  <a:srgbClr val="7030A0"/>
-                </a:solidFill>
-              </a:ln>
-            </p:spPr>
-            <p:style>
-              <a:lnRef idx="1">
-                <a:schemeClr val="accent1"/>
-              </a:lnRef>
-              <a:fillRef idx="0">
-                <a:schemeClr val="accent1"/>
-              </a:fillRef>
-              <a:effectRef idx="0">
-                <a:schemeClr val="accent1"/>
-              </a:effectRef>
-              <a:fontRef idx="minor">
-                <a:schemeClr val="tx1"/>
-              </a:fontRef>
-            </p:style>
-          </p:cxnSp>
-        </p:grpSp>
-      </p:grpSp>
-      <p:grpSp>
-        <p:nvGrpSpPr>
           <p:cNvPr id="416" name="Group 415">
             <a:extLst>
               <a:ext uri="{FF2B5EF4-FFF2-40B4-BE49-F238E27FC236}">
@@ -16435,7 +14034,7 @@
         </p:nvGrpSpPr>
         <p:grpSpPr>
           <a:xfrm>
-            <a:off x="6035359" y="2990696"/>
+            <a:off x="9169926" y="2284026"/>
             <a:ext cx="1167103" cy="1952633"/>
             <a:chOff x="607156" y="2698101"/>
             <a:chExt cx="1401579" cy="1952633"/>
@@ -16641,7 +14240,7 @@
         </p:nvGrpSpPr>
         <p:grpSpPr>
           <a:xfrm>
-            <a:off x="7263260" y="3004337"/>
+            <a:off x="10697657" y="1924219"/>
             <a:ext cx="1234840" cy="2706685"/>
             <a:chOff x="2532878" y="2711742"/>
             <a:chExt cx="1234840" cy="2706685"/>
@@ -17532,10 +15131,10 @@
       </p:grpSp>
       <p:grpSp>
         <p:nvGrpSpPr>
-          <p:cNvPr id="17" name="Group 16">
+          <p:cNvPr id="460" name="Group 459">
             <a:extLst>
               <a:ext uri="{FF2B5EF4-FFF2-40B4-BE49-F238E27FC236}">
-                <a16:creationId xmlns:a16="http://schemas.microsoft.com/office/drawing/2014/main" id="{4521C1D1-A310-4B4B-915F-BB305FA380EA}"/>
+                <a16:creationId xmlns:a16="http://schemas.microsoft.com/office/drawing/2014/main" id="{0307CAF1-C4EC-CC41-915C-B6134562F631}"/>
               </a:ext>
             </a:extLst>
           </p:cNvPr>
@@ -17544,18 +15143,18 @@
         </p:nvGrpSpPr>
         <p:grpSpPr>
           <a:xfrm>
-            <a:off x="2237207" y="2979072"/>
-            <a:ext cx="1192309" cy="1328136"/>
-            <a:chOff x="2237207" y="2979072"/>
-            <a:chExt cx="1192309" cy="1328136"/>
+            <a:off x="4879949" y="1493918"/>
+            <a:ext cx="1252915" cy="3528616"/>
+            <a:chOff x="3434064" y="3082219"/>
+            <a:chExt cx="1252915" cy="3528616"/>
           </a:xfrm>
         </p:grpSpPr>
         <p:grpSp>
           <p:nvGrpSpPr>
-            <p:cNvPr id="300" name="Group 299">
+            <p:cNvPr id="197" name="Group 196">
               <a:extLst>
                 <a:ext uri="{FF2B5EF4-FFF2-40B4-BE49-F238E27FC236}">
-                  <a16:creationId xmlns:a16="http://schemas.microsoft.com/office/drawing/2014/main" id="{965E3CE1-9C01-EE47-B2E6-B1B3370EE174}"/>
+                  <a16:creationId xmlns:a16="http://schemas.microsoft.com/office/drawing/2014/main" id="{C9B64519-B4B9-7545-A06E-72F0B99C8C55}"/>
                 </a:ext>
               </a:extLst>
             </p:cNvPr>
@@ -17564,18 +15163,18 @@
           </p:nvGrpSpPr>
           <p:grpSpPr>
             <a:xfrm>
-              <a:off x="2237207" y="2979072"/>
-              <a:ext cx="1192309" cy="1328136"/>
-              <a:chOff x="5885521" y="174752"/>
-              <a:chExt cx="1192309" cy="1328136"/>
+              <a:off x="3445045" y="3082219"/>
+              <a:ext cx="1241934" cy="905086"/>
+              <a:chOff x="4486631" y="141949"/>
+              <a:chExt cx="1241934" cy="905086"/>
             </a:xfrm>
           </p:grpSpPr>
           <p:cxnSp>
             <p:nvCxnSpPr>
-              <p:cNvPr id="301" name="Straight Connector 300">
+              <p:cNvPr id="192" name="Straight Connector 191">
                 <a:extLst>
                   <a:ext uri="{FF2B5EF4-FFF2-40B4-BE49-F238E27FC236}">
-                    <a16:creationId xmlns:a16="http://schemas.microsoft.com/office/drawing/2014/main" id="{EE6EDBEC-F3DF-B74C-B553-53544AEDC288}"/>
+                    <a16:creationId xmlns:a16="http://schemas.microsoft.com/office/drawing/2014/main" id="{EA5C5DC2-38F5-0D49-B76A-7E4D1B4F999B}"/>
                   </a:ext>
                 </a:extLst>
               </p:cNvPr>
@@ -17586,7 +15185,50 @@
             </p:nvCxnSpPr>
             <p:spPr>
               <a:xfrm>
-                <a:off x="5885521" y="181047"/>
+                <a:off x="5459573" y="523426"/>
+                <a:ext cx="0" cy="422358"/>
+              </a:xfrm>
+              <a:prstGeom prst="line">
+                <a:avLst/>
+              </a:prstGeom>
+              <a:ln w="38100">
+                <a:solidFill>
+                  <a:srgbClr val="7030A0"/>
+                </a:solidFill>
+              </a:ln>
+            </p:spPr>
+            <p:style>
+              <a:lnRef idx="1">
+                <a:schemeClr val="accent1"/>
+              </a:lnRef>
+              <a:fillRef idx="0">
+                <a:schemeClr val="accent1"/>
+              </a:fillRef>
+              <a:effectRef idx="0">
+                <a:schemeClr val="accent1"/>
+              </a:effectRef>
+              <a:fontRef idx="minor">
+                <a:schemeClr val="tx1"/>
+              </a:fontRef>
+            </p:style>
+          </p:cxnSp>
+          <p:cxnSp>
+            <p:nvCxnSpPr>
+              <p:cNvPr id="158" name="Straight Connector 157">
+                <a:extLst>
+                  <a:ext uri="{FF2B5EF4-FFF2-40B4-BE49-F238E27FC236}">
+                    <a16:creationId xmlns:a16="http://schemas.microsoft.com/office/drawing/2014/main" id="{75EEA0E2-E2CF-5048-88EB-B478E2939EF2}"/>
+                  </a:ext>
+                </a:extLst>
+              </p:cNvPr>
+              <p:cNvCxnSpPr>
+                <a:cxnSpLocks/>
+              </p:cNvCxnSpPr>
+              <p:nvPr/>
+            </p:nvCxnSpPr>
+            <p:spPr>
+              <a:xfrm>
+                <a:off x="4529654" y="183984"/>
                 <a:ext cx="1177158" cy="0"/>
               </a:xfrm>
               <a:prstGeom prst="line">
@@ -17616,10 +15258,10 @@
           </p:cxnSp>
           <p:sp>
             <p:nvSpPr>
-              <p:cNvPr id="302" name="TextBox 301">
+              <p:cNvPr id="159" name="TextBox 158">
                 <a:extLst>
                   <a:ext uri="{FF2B5EF4-FFF2-40B4-BE49-F238E27FC236}">
-                    <a16:creationId xmlns:a16="http://schemas.microsoft.com/office/drawing/2014/main" id="{73F12E4F-52C1-554F-A0B6-AAA461CA242C}"/>
+                    <a16:creationId xmlns:a16="http://schemas.microsoft.com/office/drawing/2014/main" id="{A13B8EB6-9C55-9A46-8827-9F4FF04ACA15}"/>
                   </a:ext>
                 </a:extLst>
               </p:cNvPr>
@@ -17628,7 +15270,7 @@
             </p:nvSpPr>
             <p:spPr>
               <a:xfrm>
-                <a:off x="5895049" y="186376"/>
+                <a:off x="4486631" y="189313"/>
                 <a:ext cx="431118" cy="338554"/>
               </a:xfrm>
               <a:prstGeom prst="rect">
@@ -17648,17 +15290,17 @@
                     <a:ea typeface="CMU Serif Roman" panose="02000603000000000000" pitchFamily="2" charset="0"/>
                     <a:cs typeface="CMU Serif Roman" panose="02000603000000000000" pitchFamily="2" charset="0"/>
                   </a:rPr>
-                  <a:t>4c</a:t>
+                  <a:t>4a</a:t>
                 </a:r>
               </a:p>
             </p:txBody>
           </p:sp>
           <p:cxnSp>
             <p:nvCxnSpPr>
-              <p:cNvPr id="303" name="Straight Connector 302">
+              <p:cNvPr id="160" name="Straight Connector 159">
                 <a:extLst>
                   <a:ext uri="{FF2B5EF4-FFF2-40B4-BE49-F238E27FC236}">
-                    <a16:creationId xmlns:a16="http://schemas.microsoft.com/office/drawing/2014/main" id="{FEC5E116-E885-624B-B8A9-44A39B1E98CB}"/>
+                    <a16:creationId xmlns:a16="http://schemas.microsoft.com/office/drawing/2014/main" id="{70AE3E39-3343-9A45-8FC4-38032EC13327}"/>
                   </a:ext>
                 </a:extLst>
               </p:cNvPr>
@@ -17669,16 +15311,17 @@
             </p:nvCxnSpPr>
             <p:spPr>
               <a:xfrm>
-                <a:off x="6340439" y="265207"/>
-                <a:ext cx="0" cy="178678"/>
+                <a:off x="5699914" y="183984"/>
+                <a:ext cx="0" cy="841297"/>
               </a:xfrm>
               <a:prstGeom prst="line">
                 <a:avLst/>
               </a:prstGeom>
-              <a:ln w="19050">
+              <a:ln w="28575">
                 <a:solidFill>
-                  <a:srgbClr val="FF0000"/>
+                  <a:schemeClr val="tx1"/>
                 </a:solidFill>
+                <a:prstDash val="dash"/>
               </a:ln>
             </p:spPr>
             <p:style>
@@ -17698,10 +15341,10 @@
           </p:cxnSp>
           <p:cxnSp>
             <p:nvCxnSpPr>
-              <p:cNvPr id="304" name="Straight Connector 303">
+              <p:cNvPr id="161" name="Straight Connector 160">
                 <a:extLst>
                   <a:ext uri="{FF2B5EF4-FFF2-40B4-BE49-F238E27FC236}">
-                    <a16:creationId xmlns:a16="http://schemas.microsoft.com/office/drawing/2014/main" id="{377EB638-4455-FD4D-A172-320935E222D2}"/>
+                    <a16:creationId xmlns:a16="http://schemas.microsoft.com/office/drawing/2014/main" id="{17674450-BF5A-3243-B865-167C914EE87F}"/>
                   </a:ext>
                 </a:extLst>
               </p:cNvPr>
@@ -17712,13 +15355,101 @@
             </p:nvCxnSpPr>
             <p:spPr>
               <a:xfrm>
-                <a:off x="6666872" y="265207"/>
-                <a:ext cx="0" cy="178678"/>
+                <a:off x="4529654" y="1025281"/>
+                <a:ext cx="1177158" cy="0"/>
               </a:xfrm>
               <a:prstGeom prst="line">
                 <a:avLst/>
               </a:prstGeom>
-              <a:ln w="19050">
+              <a:ln w="28575">
+                <a:solidFill>
+                  <a:schemeClr val="tx1"/>
+                </a:solidFill>
+                <a:prstDash val="dash"/>
+              </a:ln>
+            </p:spPr>
+            <p:style>
+              <a:lnRef idx="1">
+                <a:schemeClr val="accent1"/>
+              </a:lnRef>
+              <a:fillRef idx="0">
+                <a:schemeClr val="accent1"/>
+              </a:fillRef>
+              <a:effectRef idx="0">
+                <a:schemeClr val="accent1"/>
+              </a:effectRef>
+              <a:fontRef idx="minor">
+                <a:schemeClr val="tx1"/>
+              </a:fontRef>
+            </p:style>
+          </p:cxnSp>
+          <p:cxnSp>
+            <p:nvCxnSpPr>
+              <p:cNvPr id="162" name="Straight Connector 161">
+                <a:extLst>
+                  <a:ext uri="{FF2B5EF4-FFF2-40B4-BE49-F238E27FC236}">
+                    <a16:creationId xmlns:a16="http://schemas.microsoft.com/office/drawing/2014/main" id="{512C8E42-0D08-4349-8A97-BCAAADB99586}"/>
+                  </a:ext>
+                </a:extLst>
+              </p:cNvPr>
+              <p:cNvCxnSpPr>
+                <a:cxnSpLocks/>
+              </p:cNvCxnSpPr>
+              <p:nvPr/>
+            </p:nvCxnSpPr>
+            <p:spPr>
+              <a:xfrm>
+                <a:off x="4537922" y="187121"/>
+                <a:ext cx="0" cy="841297"/>
+              </a:xfrm>
+              <a:prstGeom prst="line">
+                <a:avLst/>
+              </a:prstGeom>
+              <a:ln w="28575">
+                <a:solidFill>
+                  <a:schemeClr val="tx1"/>
+                </a:solidFill>
+                <a:prstDash val="dash"/>
+              </a:ln>
+            </p:spPr>
+            <p:style>
+              <a:lnRef idx="1">
+                <a:schemeClr val="accent1"/>
+              </a:lnRef>
+              <a:fillRef idx="0">
+                <a:schemeClr val="accent1"/>
+              </a:fillRef>
+              <a:effectRef idx="0">
+                <a:schemeClr val="accent1"/>
+              </a:effectRef>
+              <a:fontRef idx="minor">
+                <a:schemeClr val="tx1"/>
+              </a:fontRef>
+            </p:style>
+          </p:cxnSp>
+          <p:cxnSp>
+            <p:nvCxnSpPr>
+              <p:cNvPr id="167" name="Straight Connector 166">
+                <a:extLst>
+                  <a:ext uri="{FF2B5EF4-FFF2-40B4-BE49-F238E27FC236}">
+                    <a16:creationId xmlns:a16="http://schemas.microsoft.com/office/drawing/2014/main" id="{95354587-8E5B-8B4F-93B4-BE956DEBF0C0}"/>
+                  </a:ext>
+                </a:extLst>
+              </p:cNvPr>
+              <p:cNvCxnSpPr>
+                <a:cxnSpLocks/>
+              </p:cNvCxnSpPr>
+              <p:nvPr/>
+            </p:nvCxnSpPr>
+            <p:spPr>
+              <a:xfrm>
+                <a:off x="5183348" y="313982"/>
+                <a:ext cx="0" cy="631802"/>
+              </a:xfrm>
+              <a:prstGeom prst="line">
+                <a:avLst/>
+              </a:prstGeom>
+              <a:ln w="38100">
                 <a:solidFill>
                   <a:srgbClr val="FFC000"/>
                 </a:solidFill>
@@ -17743,10 +15474,10 @@
             <mc:Choice Requires="a14">
               <p:sp>
                 <p:nvSpPr>
-                  <p:cNvPr id="305" name="TextBox 304">
+                  <p:cNvPr id="169" name="TextBox 168">
                     <a:extLst>
                       <a:ext uri="{FF2B5EF4-FFF2-40B4-BE49-F238E27FC236}">
-                        <a16:creationId xmlns:a16="http://schemas.microsoft.com/office/drawing/2014/main" id="{56D5625A-1A53-2D4A-B865-7DE3B1941B11}"/>
+                        <a16:creationId xmlns:a16="http://schemas.microsoft.com/office/drawing/2014/main" id="{7308A451-35CA-BA48-A848-686945020304}"/>
                       </a:ext>
                     </a:extLst>
                   </p:cNvPr>
@@ -17755,7 +15486,7 @@
                 </p:nvSpPr>
                 <p:spPr>
                   <a:xfrm>
-                    <a:off x="6761151" y="275628"/>
+                    <a:off x="5411886" y="141949"/>
                     <a:ext cx="315853" cy="276999"/>
                   </a:xfrm>
                   <a:prstGeom prst="rect">
@@ -17812,10 +15543,10 @@
             <mc:Fallback xmlns="">
               <p:sp>
                 <p:nvSpPr>
-                  <p:cNvPr id="305" name="TextBox 304">
+                  <p:cNvPr id="169" name="TextBox 168">
                     <a:extLst>
                       <a:ext uri="{FF2B5EF4-FFF2-40B4-BE49-F238E27FC236}">
-                        <a16:creationId xmlns:a16="http://schemas.microsoft.com/office/drawing/2014/main" id="{56D5625A-1A53-2D4A-B865-7DE3B1941B11}"/>
+                        <a16:creationId xmlns:a16="http://schemas.microsoft.com/office/drawing/2014/main" id="{7308A451-35CA-BA48-A848-686945020304}"/>
                       </a:ext>
                     </a:extLst>
                   </p:cNvPr>
@@ -17826,14 +15557,14 @@
                 </p:nvSpPr>
                 <p:spPr>
                   <a:xfrm>
-                    <a:off x="6761151" y="275628"/>
+                    <a:off x="5411886" y="141949"/>
                     <a:ext cx="315853" cy="276999"/>
                   </a:xfrm>
                   <a:prstGeom prst="rect">
                     <a:avLst/>
                   </a:prstGeom>
                   <a:blipFill>
-                    <a:blip r:embed="rId11"/>
+                    <a:blip r:embed="rId5"/>
                     <a:stretch>
                       <a:fillRect/>
                     </a:stretch>
@@ -17854,102 +15585,14 @@
               </p:sp>
             </mc:Fallback>
           </mc:AlternateContent>
-          <p:cxnSp>
-            <p:nvCxnSpPr>
-              <p:cNvPr id="306" name="Straight Connector 305">
-                <a:extLst>
-                  <a:ext uri="{FF2B5EF4-FFF2-40B4-BE49-F238E27FC236}">
-                    <a16:creationId xmlns:a16="http://schemas.microsoft.com/office/drawing/2014/main" id="{4FF84423-7E3D-354C-9B50-F2618E05DE2B}"/>
-                  </a:ext>
-                </a:extLst>
-              </p:cNvPr>
-              <p:cNvCxnSpPr>
-                <a:cxnSpLocks/>
-              </p:cNvCxnSpPr>
-              <p:nvPr/>
-            </p:nvCxnSpPr>
-            <p:spPr>
-              <a:xfrm>
-                <a:off x="7055781" y="181047"/>
-                <a:ext cx="0" cy="1321841"/>
-              </a:xfrm>
-              <a:prstGeom prst="line">
-                <a:avLst/>
-              </a:prstGeom>
-              <a:ln w="28575">
-                <a:solidFill>
-                  <a:schemeClr val="tx1"/>
-                </a:solidFill>
-                <a:prstDash val="dash"/>
-              </a:ln>
-            </p:spPr>
-            <p:style>
-              <a:lnRef idx="1">
-                <a:schemeClr val="accent1"/>
-              </a:lnRef>
-              <a:fillRef idx="0">
-                <a:schemeClr val="accent1"/>
-              </a:fillRef>
-              <a:effectRef idx="0">
-                <a:schemeClr val="accent1"/>
-              </a:effectRef>
-              <a:fontRef idx="minor">
-                <a:schemeClr val="tx1"/>
-              </a:fontRef>
-            </p:style>
-          </p:cxnSp>
-          <p:cxnSp>
-            <p:nvCxnSpPr>
-              <p:cNvPr id="307" name="Straight Connector 306">
-                <a:extLst>
-                  <a:ext uri="{FF2B5EF4-FFF2-40B4-BE49-F238E27FC236}">
-                    <a16:creationId xmlns:a16="http://schemas.microsoft.com/office/drawing/2014/main" id="{3582A879-DDF2-F844-B9B2-9D877844ECA2}"/>
-                  </a:ext>
-                </a:extLst>
-              </p:cNvPr>
-              <p:cNvCxnSpPr>
-                <a:cxnSpLocks/>
-              </p:cNvCxnSpPr>
-              <p:nvPr/>
-            </p:nvCxnSpPr>
-            <p:spPr>
-              <a:xfrm>
-                <a:off x="5885521" y="1502888"/>
-                <a:ext cx="1177158" cy="0"/>
-              </a:xfrm>
-              <a:prstGeom prst="line">
-                <a:avLst/>
-              </a:prstGeom>
-              <a:ln w="28575">
-                <a:solidFill>
-                  <a:schemeClr val="tx1"/>
-                </a:solidFill>
-                <a:prstDash val="dash"/>
-              </a:ln>
-            </p:spPr>
-            <p:style>
-              <a:lnRef idx="1">
-                <a:schemeClr val="accent1"/>
-              </a:lnRef>
-              <a:fillRef idx="0">
-                <a:schemeClr val="accent1"/>
-              </a:fillRef>
-              <a:effectRef idx="0">
-                <a:schemeClr val="accent1"/>
-              </a:effectRef>
-              <a:fontRef idx="minor">
-                <a:schemeClr val="tx1"/>
-              </a:fontRef>
-            </p:style>
-          </p:cxnSp>
           <mc:AlternateContent xmlns:mc="http://schemas.openxmlformats.org/markup-compatibility/2006" xmlns:a14="http://schemas.microsoft.com/office/drawing/2010/main">
             <mc:Choice Requires="a14">
               <p:sp>
                 <p:nvSpPr>
-                  <p:cNvPr id="308" name="TextBox 307">
+                  <p:cNvPr id="170" name="TextBox 169">
                     <a:extLst>
                       <a:ext uri="{FF2B5EF4-FFF2-40B4-BE49-F238E27FC236}">
-                        <a16:creationId xmlns:a16="http://schemas.microsoft.com/office/drawing/2014/main" id="{104CA41D-7E81-4D4E-A65E-FA7CD1CF7C85}"/>
+                        <a16:creationId xmlns:a16="http://schemas.microsoft.com/office/drawing/2014/main" id="{60C96423-C397-B140-87A1-A056968BBBF3}"/>
                       </a:ext>
                     </a:extLst>
                   </p:cNvPr>
@@ -17958,7 +15601,7 @@
                 </p:nvSpPr>
                 <p:spPr>
                   <a:xfrm>
-                    <a:off x="6761977" y="646997"/>
+                    <a:off x="5412712" y="351393"/>
                     <a:ext cx="315853" cy="276999"/>
                   </a:xfrm>
                   <a:prstGeom prst="rect">
@@ -18015,10 +15658,10 @@
             <mc:Fallback xmlns="">
               <p:sp>
                 <p:nvSpPr>
-                  <p:cNvPr id="308" name="TextBox 307">
+                  <p:cNvPr id="170" name="TextBox 169">
                     <a:extLst>
                       <a:ext uri="{FF2B5EF4-FFF2-40B4-BE49-F238E27FC236}">
-                        <a16:creationId xmlns:a16="http://schemas.microsoft.com/office/drawing/2014/main" id="{104CA41D-7E81-4D4E-A65E-FA7CD1CF7C85}"/>
+                        <a16:creationId xmlns:a16="http://schemas.microsoft.com/office/drawing/2014/main" id="{60C96423-C397-B140-87A1-A056968BBBF3}"/>
                       </a:ext>
                     </a:extLst>
                   </p:cNvPr>
@@ -18029,14 +15672,14 @@
                 </p:nvSpPr>
                 <p:spPr>
                   <a:xfrm>
-                    <a:off x="6761977" y="646997"/>
+                    <a:off x="5412712" y="351393"/>
                     <a:ext cx="315853" cy="276999"/>
                   </a:xfrm>
                   <a:prstGeom prst="rect">
                     <a:avLst/>
                   </a:prstGeom>
                   <a:blipFill>
-                    <a:blip r:embed="rId12"/>
+                    <a:blip r:embed="rId6"/>
                     <a:stretch>
                       <a:fillRect/>
                     </a:stretch>
@@ -18059,10 +15702,10 @@
           </mc:AlternateContent>
           <p:cxnSp>
             <p:nvCxnSpPr>
-              <p:cNvPr id="309" name="Straight Connector 308">
+              <p:cNvPr id="180" name="Straight Connector 179">
                 <a:extLst>
                   <a:ext uri="{FF2B5EF4-FFF2-40B4-BE49-F238E27FC236}">
-                    <a16:creationId xmlns:a16="http://schemas.microsoft.com/office/drawing/2014/main" id="{EF0C7989-142C-F146-A84B-296C7455C69B}"/>
+                    <a16:creationId xmlns:a16="http://schemas.microsoft.com/office/drawing/2014/main" id="{E6BACFB7-252D-3243-AA5E-FED1D624181D}"/>
                   </a:ext>
                 </a:extLst>
               </p:cNvPr>
@@ -18072,14 +15715,14 @@
               <p:nvPr/>
             </p:nvCxnSpPr>
             <p:spPr>
-              <a:xfrm flipH="1">
-                <a:off x="6112351" y="448045"/>
-                <a:ext cx="226973" cy="511498"/>
+              <a:xfrm>
+                <a:off x="4898868" y="313982"/>
+                <a:ext cx="0" cy="631802"/>
               </a:xfrm>
               <a:prstGeom prst="line">
                 <a:avLst/>
               </a:prstGeom>
-              <a:ln w="19050">
+              <a:ln w="38100">
                 <a:solidFill>
                   <a:srgbClr val="FF0000"/>
                 </a:solidFill>
@@ -18102,10 +15745,10 @@
           </p:cxnSp>
           <p:cxnSp>
             <p:nvCxnSpPr>
-              <p:cNvPr id="311" name="Straight Arrow Connector 310">
+              <p:cNvPr id="171" name="Straight Arrow Connector 170">
                 <a:extLst>
                   <a:ext uri="{FF2B5EF4-FFF2-40B4-BE49-F238E27FC236}">
-                    <a16:creationId xmlns:a16="http://schemas.microsoft.com/office/drawing/2014/main" id="{D9F2337A-6826-0845-9CD5-BF7FDFC6CECC}"/>
+                    <a16:creationId xmlns:a16="http://schemas.microsoft.com/office/drawing/2014/main" id="{85D48526-A2C7-E749-B3CD-61B5637C1B11}"/>
                   </a:ext>
                 </a:extLst>
               </p:cNvPr>
@@ -18116,8 +15759,8 @@
             </p:nvCxnSpPr>
             <p:spPr>
               <a:xfrm>
-                <a:off x="6085567" y="819030"/>
-                <a:ext cx="742952" cy="0"/>
+                <a:off x="4851400" y="523426"/>
+                <a:ext cx="627854" cy="0"/>
               </a:xfrm>
               <a:prstGeom prst="straightConnector1">
                 <a:avLst/>
@@ -18147,10 +15790,10 @@
           </p:cxnSp>
           <p:cxnSp>
             <p:nvCxnSpPr>
-              <p:cNvPr id="312" name="Straight Arrow Connector 311">
+              <p:cNvPr id="172" name="Straight Arrow Connector 171">
                 <a:extLst>
                   <a:ext uri="{FF2B5EF4-FFF2-40B4-BE49-F238E27FC236}">
-                    <a16:creationId xmlns:a16="http://schemas.microsoft.com/office/drawing/2014/main" id="{3C7307BD-A8B2-8646-BD34-FB2A6AD182A7}"/>
+                    <a16:creationId xmlns:a16="http://schemas.microsoft.com/office/drawing/2014/main" id="{E1BCD69D-EA9C-E94E-9A54-838FF8A3C233}"/>
                   </a:ext>
                 </a:extLst>
               </p:cNvPr>
@@ -18161,8 +15804,8 @@
             </p:nvCxnSpPr>
             <p:spPr>
               <a:xfrm>
-                <a:off x="6326167" y="447661"/>
-                <a:ext cx="501526" cy="0"/>
+                <a:off x="4851400" y="313982"/>
+                <a:ext cx="627028" cy="0"/>
               </a:xfrm>
               <a:prstGeom prst="straightConnector1">
                 <a:avLst/>
@@ -18192,10 +15835,10 @@
           </p:cxnSp>
           <p:cxnSp>
             <p:nvCxnSpPr>
-              <p:cNvPr id="314" name="Straight Connector 313">
+              <p:cNvPr id="185" name="Straight Arrow Connector 184">
                 <a:extLst>
                   <a:ext uri="{FF2B5EF4-FFF2-40B4-BE49-F238E27FC236}">
-                    <a16:creationId xmlns:a16="http://schemas.microsoft.com/office/drawing/2014/main" id="{493540F2-E026-1E4C-BCF8-ACD3DF905D61}"/>
+                    <a16:creationId xmlns:a16="http://schemas.microsoft.com/office/drawing/2014/main" id="{4F91368B-0E03-8847-B35C-6453F78F9C7E}"/>
                   </a:ext>
                 </a:extLst>
               </p:cNvPr>
@@ -18206,17 +15849,18 @@
             </p:nvCxnSpPr>
             <p:spPr>
               <a:xfrm>
-                <a:off x="5895049" y="174752"/>
-                <a:ext cx="0" cy="1328136"/>
+                <a:off x="4851400" y="942069"/>
+                <a:ext cx="627028" cy="0"/>
               </a:xfrm>
-              <a:prstGeom prst="line">
+              <a:prstGeom prst="straightConnector1">
                 <a:avLst/>
               </a:prstGeom>
-              <a:ln w="28575">
+              <a:ln w="19050">
                 <a:solidFill>
                   <a:schemeClr val="tx1"/>
                 </a:solidFill>
-                <a:prstDash val="dash"/>
+                <a:prstDash val="sysDot"/>
+                <a:tailEnd type="none"/>
               </a:ln>
             </p:spPr>
             <p:style>
@@ -18234,14 +15878,284 @@
               </a:fontRef>
             </p:style>
           </p:cxnSp>
+          <p:sp>
+            <p:nvSpPr>
+              <p:cNvPr id="186" name="Oval 185">
+                <a:extLst>
+                  <a:ext uri="{FF2B5EF4-FFF2-40B4-BE49-F238E27FC236}">
+                    <a16:creationId xmlns:a16="http://schemas.microsoft.com/office/drawing/2014/main" id="{266A0D62-B236-B54C-BBEE-288360CF81F0}"/>
+                  </a:ext>
+                </a:extLst>
+              </p:cNvPr>
+              <p:cNvSpPr/>
+              <p:nvPr/>
+            </p:nvSpPr>
+            <p:spPr>
+              <a:xfrm>
+                <a:off x="4846000" y="360223"/>
+                <a:ext cx="104992" cy="104992"/>
+              </a:xfrm>
+              <a:prstGeom prst="ellipse">
+                <a:avLst/>
+              </a:prstGeom>
+              <a:solidFill>
+                <a:srgbClr val="FF0000"/>
+              </a:solidFill>
+              <a:ln>
+                <a:solidFill>
+                  <a:srgbClr val="FF0000"/>
+                </a:solidFill>
+              </a:ln>
+            </p:spPr>
+            <p:style>
+              <a:lnRef idx="2">
+                <a:schemeClr val="accent1">
+                  <a:shade val="50000"/>
+                </a:schemeClr>
+              </a:lnRef>
+              <a:fillRef idx="1">
+                <a:schemeClr val="accent1"/>
+              </a:fillRef>
+              <a:effectRef idx="0">
+                <a:schemeClr val="accent1"/>
+              </a:effectRef>
+              <a:fontRef idx="minor">
+                <a:schemeClr val="lt1"/>
+              </a:fontRef>
+            </p:style>
+            <p:txBody>
+              <a:bodyPr rtlCol="0" anchor="ctr"/>
+              <a:lstStyle/>
+              <a:p>
+                <a:pPr algn="ctr"/>
+                <a:endParaRPr lang="en-US"/>
+              </a:p>
+            </p:txBody>
+          </p:sp>
+          <p:sp>
+            <p:nvSpPr>
+              <p:cNvPr id="190" name="Oval 189">
+                <a:extLst>
+                  <a:ext uri="{FF2B5EF4-FFF2-40B4-BE49-F238E27FC236}">
+                    <a16:creationId xmlns:a16="http://schemas.microsoft.com/office/drawing/2014/main" id="{B2C68D81-C09A-8042-8EE8-DD98D88C6A79}"/>
+                  </a:ext>
+                </a:extLst>
+              </p:cNvPr>
+              <p:cNvSpPr/>
+              <p:nvPr/>
+            </p:nvSpPr>
+            <p:spPr>
+              <a:xfrm>
+                <a:off x="4846000" y="652536"/>
+                <a:ext cx="104992" cy="104992"/>
+              </a:xfrm>
+              <a:prstGeom prst="ellipse">
+                <a:avLst/>
+              </a:prstGeom>
+              <a:solidFill>
+                <a:srgbClr val="FF0000"/>
+              </a:solidFill>
+              <a:ln>
+                <a:solidFill>
+                  <a:srgbClr val="FF0000"/>
+                </a:solidFill>
+              </a:ln>
+            </p:spPr>
+            <p:style>
+              <a:lnRef idx="2">
+                <a:schemeClr val="accent1">
+                  <a:shade val="50000"/>
+                </a:schemeClr>
+              </a:lnRef>
+              <a:fillRef idx="1">
+                <a:schemeClr val="accent1"/>
+              </a:fillRef>
+              <a:effectRef idx="0">
+                <a:schemeClr val="accent1"/>
+              </a:effectRef>
+              <a:fontRef idx="minor">
+                <a:schemeClr val="lt1"/>
+              </a:fontRef>
+            </p:style>
+            <p:txBody>
+              <a:bodyPr rtlCol="0" anchor="ctr"/>
+              <a:lstStyle/>
+              <a:p>
+                <a:pPr algn="ctr"/>
+                <a:endParaRPr lang="en-US"/>
+              </a:p>
+            </p:txBody>
+          </p:sp>
+          <p:sp>
+            <p:nvSpPr>
+              <p:cNvPr id="194" name="Oval 193">
+                <a:extLst>
+                  <a:ext uri="{FF2B5EF4-FFF2-40B4-BE49-F238E27FC236}">
+                    <a16:creationId xmlns:a16="http://schemas.microsoft.com/office/drawing/2014/main" id="{4AEB9F7C-A912-634D-B4A1-E1EF4E90512F}"/>
+                  </a:ext>
+                </a:extLst>
+              </p:cNvPr>
+              <p:cNvSpPr/>
+              <p:nvPr/>
+            </p:nvSpPr>
+            <p:spPr>
+              <a:xfrm>
+                <a:off x="5131000" y="561349"/>
+                <a:ext cx="104992" cy="104992"/>
+              </a:xfrm>
+              <a:prstGeom prst="ellipse">
+                <a:avLst/>
+              </a:prstGeom>
+              <a:solidFill>
+                <a:srgbClr val="FFC000"/>
+              </a:solidFill>
+              <a:ln>
+                <a:solidFill>
+                  <a:srgbClr val="FFC000"/>
+                </a:solidFill>
+              </a:ln>
+            </p:spPr>
+            <p:style>
+              <a:lnRef idx="2">
+                <a:schemeClr val="accent1">
+                  <a:shade val="50000"/>
+                </a:schemeClr>
+              </a:lnRef>
+              <a:fillRef idx="1">
+                <a:schemeClr val="accent1"/>
+              </a:fillRef>
+              <a:effectRef idx="0">
+                <a:schemeClr val="accent1"/>
+              </a:effectRef>
+              <a:fontRef idx="minor">
+                <a:schemeClr val="lt1"/>
+              </a:fontRef>
+            </p:style>
+            <p:txBody>
+              <a:bodyPr rtlCol="0" anchor="ctr"/>
+              <a:lstStyle/>
+              <a:p>
+                <a:pPr algn="ctr"/>
+                <a:endParaRPr lang="en-US"/>
+              </a:p>
+            </p:txBody>
+          </p:sp>
+          <p:sp>
+            <p:nvSpPr>
+              <p:cNvPr id="195" name="Oval 194">
+                <a:extLst>
+                  <a:ext uri="{FF2B5EF4-FFF2-40B4-BE49-F238E27FC236}">
+                    <a16:creationId xmlns:a16="http://schemas.microsoft.com/office/drawing/2014/main" id="{729CAF3E-0628-B749-8F12-2233C4CC343D}"/>
+                  </a:ext>
+                </a:extLst>
+              </p:cNvPr>
+              <p:cNvSpPr/>
+              <p:nvPr/>
+            </p:nvSpPr>
+            <p:spPr>
+              <a:xfrm>
+                <a:off x="5131000" y="786874"/>
+                <a:ext cx="104992" cy="104992"/>
+              </a:xfrm>
+              <a:prstGeom prst="ellipse">
+                <a:avLst/>
+              </a:prstGeom>
+              <a:solidFill>
+                <a:srgbClr val="FFC000"/>
+              </a:solidFill>
+              <a:ln>
+                <a:solidFill>
+                  <a:srgbClr val="FFC000"/>
+                </a:solidFill>
+              </a:ln>
+            </p:spPr>
+            <p:style>
+              <a:lnRef idx="2">
+                <a:schemeClr val="accent1">
+                  <a:shade val="50000"/>
+                </a:schemeClr>
+              </a:lnRef>
+              <a:fillRef idx="1">
+                <a:schemeClr val="accent1"/>
+              </a:fillRef>
+              <a:effectRef idx="0">
+                <a:schemeClr val="accent1"/>
+              </a:effectRef>
+              <a:fontRef idx="minor">
+                <a:schemeClr val="lt1"/>
+              </a:fontRef>
+            </p:style>
+            <p:txBody>
+              <a:bodyPr rtlCol="0" anchor="ctr"/>
+              <a:lstStyle/>
+              <a:p>
+                <a:pPr algn="ctr"/>
+                <a:endParaRPr lang="en-US"/>
+              </a:p>
+            </p:txBody>
+          </p:sp>
+          <p:sp>
+            <p:nvSpPr>
+              <p:cNvPr id="196" name="Oval 195">
+                <a:extLst>
+                  <a:ext uri="{FF2B5EF4-FFF2-40B4-BE49-F238E27FC236}">
+                    <a16:creationId xmlns:a16="http://schemas.microsoft.com/office/drawing/2014/main" id="{A85A5F95-8EB0-A343-8152-817A906DC2E5}"/>
+                  </a:ext>
+                </a:extLst>
+              </p:cNvPr>
+              <p:cNvSpPr/>
+              <p:nvPr/>
+            </p:nvSpPr>
+            <p:spPr>
+              <a:xfrm>
+                <a:off x="5408338" y="886049"/>
+                <a:ext cx="104992" cy="104992"/>
+              </a:xfrm>
+              <a:prstGeom prst="ellipse">
+                <a:avLst/>
+              </a:prstGeom>
+              <a:solidFill>
+                <a:srgbClr val="7030A0"/>
+              </a:solidFill>
+              <a:ln>
+                <a:solidFill>
+                  <a:srgbClr val="7030A0"/>
+                </a:solidFill>
+              </a:ln>
+            </p:spPr>
+            <p:style>
+              <a:lnRef idx="2">
+                <a:schemeClr val="accent1">
+                  <a:shade val="50000"/>
+                </a:schemeClr>
+              </a:lnRef>
+              <a:fillRef idx="1">
+                <a:schemeClr val="accent1"/>
+              </a:fillRef>
+              <a:effectRef idx="0">
+                <a:schemeClr val="accent1"/>
+              </a:effectRef>
+              <a:fontRef idx="minor">
+                <a:schemeClr val="lt1"/>
+              </a:fontRef>
+            </p:style>
+            <p:txBody>
+              <a:bodyPr rtlCol="0" anchor="ctr"/>
+              <a:lstStyle/>
+              <a:p>
+                <a:pPr algn="ctr"/>
+                <a:endParaRPr lang="en-US"/>
+              </a:p>
+            </p:txBody>
+          </p:sp>
           <mc:AlternateContent xmlns:mc="http://schemas.openxmlformats.org/markup-compatibility/2006" xmlns:a14="http://schemas.microsoft.com/office/drawing/2010/main">
             <mc:Choice Requires="a14">
               <p:sp>
                 <p:nvSpPr>
-                  <p:cNvPr id="315" name="TextBox 314">
+                  <p:cNvPr id="184" name="TextBox 183">
                     <a:extLst>
                       <a:ext uri="{FF2B5EF4-FFF2-40B4-BE49-F238E27FC236}">
-                        <a16:creationId xmlns:a16="http://schemas.microsoft.com/office/drawing/2014/main" id="{1BD168D5-ABD7-0C42-8C6C-C993B09D4CAE}"/>
+                        <a16:creationId xmlns:a16="http://schemas.microsoft.com/office/drawing/2014/main" id="{3533241A-4B1B-E747-B425-14B64BDCAF19}"/>
                       </a:ext>
                     </a:extLst>
                   </p:cNvPr>
@@ -18250,7 +16164,7 @@
                 </p:nvSpPr>
                 <p:spPr>
                   <a:xfrm>
-                    <a:off x="6755659" y="1055764"/>
+                    <a:off x="5411886" y="770036"/>
                     <a:ext cx="315853" cy="276999"/>
                   </a:xfrm>
                   <a:prstGeom prst="rect">
@@ -18307,10 +16221,10 @@
             <mc:Fallback xmlns="">
               <p:sp>
                 <p:nvSpPr>
-                  <p:cNvPr id="315" name="TextBox 314">
+                  <p:cNvPr id="184" name="TextBox 183">
                     <a:extLst>
                       <a:ext uri="{FF2B5EF4-FFF2-40B4-BE49-F238E27FC236}">
-                        <a16:creationId xmlns:a16="http://schemas.microsoft.com/office/drawing/2014/main" id="{1BD168D5-ABD7-0C42-8C6C-C993B09D4CAE}"/>
+                        <a16:creationId xmlns:a16="http://schemas.microsoft.com/office/drawing/2014/main" id="{3533241A-4B1B-E747-B425-14B64BDCAF19}"/>
                       </a:ext>
                     </a:extLst>
                   </p:cNvPr>
@@ -18321,14 +16235,14 @@
                 </p:nvSpPr>
                 <p:spPr>
                   <a:xfrm>
-                    <a:off x="6755659" y="1055764"/>
+                    <a:off x="5411886" y="770036"/>
                     <a:ext cx="315853" cy="276999"/>
                   </a:xfrm>
                   <a:prstGeom prst="rect">
                     <a:avLst/>
                   </a:prstGeom>
                   <a:blipFill>
-                    <a:blip r:embed="rId13"/>
+                    <a:blip r:embed="rId7"/>
                     <a:stretch>
                       <a:fillRect/>
                     </a:stretch>
@@ -18349,12 +16263,33 @@
               </p:sp>
             </mc:Fallback>
           </mc:AlternateContent>
+        </p:grpSp>
+        <p:grpSp>
+          <p:nvGrpSpPr>
+            <p:cNvPr id="15" name="Group 14">
+              <a:extLst>
+                <a:ext uri="{FF2B5EF4-FFF2-40B4-BE49-F238E27FC236}">
+                  <a16:creationId xmlns:a16="http://schemas.microsoft.com/office/drawing/2014/main" id="{E9737ECD-A2CE-5640-9F05-2F7F3821285A}"/>
+                </a:ext>
+              </a:extLst>
+            </p:cNvPr>
+            <p:cNvGrpSpPr/>
+            <p:nvPr/>
+          </p:nvGrpSpPr>
+          <p:grpSpPr>
+            <a:xfrm>
+              <a:off x="3434064" y="3960499"/>
+              <a:ext cx="1245323" cy="1328136"/>
+              <a:chOff x="7238432" y="701643"/>
+              <a:chExt cx="1245323" cy="1328136"/>
+            </a:xfrm>
+          </p:grpSpPr>
           <p:cxnSp>
             <p:nvCxnSpPr>
-              <p:cNvPr id="316" name="Straight Arrow Connector 315">
+              <p:cNvPr id="205" name="Straight Connector 204">
                 <a:extLst>
                   <a:ext uri="{FF2B5EF4-FFF2-40B4-BE49-F238E27FC236}">
-                    <a16:creationId xmlns:a16="http://schemas.microsoft.com/office/drawing/2014/main" id="{4839E76F-CD62-0A4F-9F1D-519C2BBFEABD}"/>
+                    <a16:creationId xmlns:a16="http://schemas.microsoft.com/office/drawing/2014/main" id="{68E02CE1-117B-C34F-B680-59D6B869FF4A}"/>
                   </a:ext>
                 </a:extLst>
               </p:cNvPr>
@@ -18364,19 +16299,17 @@
               <p:nvPr/>
             </p:nvCxnSpPr>
             <p:spPr>
-              <a:xfrm>
-                <a:off x="5941396" y="1227797"/>
-                <a:ext cx="880805" cy="0"/>
+              <a:xfrm flipH="1">
+                <a:off x="7634235" y="1198738"/>
+                <a:ext cx="17648" cy="190693"/>
               </a:xfrm>
-              <a:prstGeom prst="straightConnector1">
+              <a:prstGeom prst="line">
                 <a:avLst/>
               </a:prstGeom>
               <a:ln w="19050">
                 <a:solidFill>
-                  <a:schemeClr val="tx1"/>
+                  <a:srgbClr val="FF0000"/>
                 </a:solidFill>
-                <a:prstDash val="sysDot"/>
-                <a:tailEnd type="none"/>
               </a:ln>
             </p:spPr>
             <p:style>
@@ -18394,12 +16327,2229 @@
               </a:fontRef>
             </p:style>
           </p:cxnSp>
+          <p:grpSp>
+            <p:nvGrpSpPr>
+              <p:cNvPr id="299" name="Group 298">
+                <a:extLst>
+                  <a:ext uri="{FF2B5EF4-FFF2-40B4-BE49-F238E27FC236}">
+                    <a16:creationId xmlns:a16="http://schemas.microsoft.com/office/drawing/2014/main" id="{8C860E28-47D8-7D49-A31E-B32988B1B66F}"/>
+                  </a:ext>
+                </a:extLst>
+              </p:cNvPr>
+              <p:cNvGrpSpPr/>
+              <p:nvPr/>
+            </p:nvGrpSpPr>
+            <p:grpSpPr>
+              <a:xfrm>
+                <a:off x="7238432" y="701643"/>
+                <a:ext cx="1245323" cy="1328136"/>
+                <a:chOff x="5832507" y="174752"/>
+                <a:chExt cx="1245323" cy="1328136"/>
+              </a:xfrm>
+            </p:grpSpPr>
+            <p:cxnSp>
+              <p:nvCxnSpPr>
+                <p:cNvPr id="230" name="Straight Connector 229">
+                  <a:extLst>
+                    <a:ext uri="{FF2B5EF4-FFF2-40B4-BE49-F238E27FC236}">
+                      <a16:creationId xmlns:a16="http://schemas.microsoft.com/office/drawing/2014/main" id="{92BF9A36-3D4B-C847-ADD0-E9E33DFC82EE}"/>
+                    </a:ext>
+                  </a:extLst>
+                </p:cNvPr>
+                <p:cNvCxnSpPr>
+                  <a:cxnSpLocks/>
+                </p:cNvCxnSpPr>
+                <p:nvPr/>
+              </p:nvCxnSpPr>
+              <p:spPr>
+                <a:xfrm>
+                  <a:off x="5885521" y="181047"/>
+                  <a:ext cx="1177158" cy="0"/>
+                </a:xfrm>
+                <a:prstGeom prst="line">
+                  <a:avLst/>
+                </a:prstGeom>
+                <a:ln w="28575">
+                  <a:solidFill>
+                    <a:schemeClr val="tx1"/>
+                  </a:solidFill>
+                  <a:prstDash val="dash"/>
+                </a:ln>
+              </p:spPr>
+              <p:style>
+                <a:lnRef idx="1">
+                  <a:schemeClr val="accent1"/>
+                </a:lnRef>
+                <a:fillRef idx="0">
+                  <a:schemeClr val="accent1"/>
+                </a:fillRef>
+                <a:effectRef idx="0">
+                  <a:schemeClr val="accent1"/>
+                </a:effectRef>
+                <a:fontRef idx="minor">
+                  <a:schemeClr val="tx1"/>
+                </a:fontRef>
+              </p:style>
+            </p:cxnSp>
+            <p:sp>
+              <p:nvSpPr>
+                <p:cNvPr id="231" name="TextBox 230">
+                  <a:extLst>
+                    <a:ext uri="{FF2B5EF4-FFF2-40B4-BE49-F238E27FC236}">
+                      <a16:creationId xmlns:a16="http://schemas.microsoft.com/office/drawing/2014/main" id="{ED4E2CF5-EC95-824F-92E9-15716CABE526}"/>
+                    </a:ext>
+                  </a:extLst>
+                </p:cNvPr>
+                <p:cNvSpPr txBox="1"/>
+                <p:nvPr/>
+              </p:nvSpPr>
+              <p:spPr>
+                <a:xfrm>
+                  <a:off x="5895049" y="186376"/>
+                  <a:ext cx="431118" cy="338554"/>
+                </a:xfrm>
+                <a:prstGeom prst="rect">
+                  <a:avLst/>
+                </a:prstGeom>
+                <a:noFill/>
+              </p:spPr>
+              <p:txBody>
+                <a:bodyPr wrap="square" rtlCol="0">
+                  <a:spAutoFit/>
+                </a:bodyPr>
+                <a:lstStyle/>
+                <a:p>
+                  <a:r>
+                    <a:rPr lang="en-US" sz="1600" dirty="0">
+                      <a:latin typeface="CMU Serif Roman" panose="02000603000000000000" pitchFamily="2" charset="0"/>
+                      <a:ea typeface="CMU Serif Roman" panose="02000603000000000000" pitchFamily="2" charset="0"/>
+                      <a:cs typeface="CMU Serif Roman" panose="02000603000000000000" pitchFamily="2" charset="0"/>
+                    </a:rPr>
+                    <a:t>4b</a:t>
+                  </a:r>
+                </a:p>
+              </p:txBody>
+            </p:sp>
+            <p:cxnSp>
+              <p:nvCxnSpPr>
+                <p:cNvPr id="232" name="Straight Connector 231">
+                  <a:extLst>
+                    <a:ext uri="{FF2B5EF4-FFF2-40B4-BE49-F238E27FC236}">
+                      <a16:creationId xmlns:a16="http://schemas.microsoft.com/office/drawing/2014/main" id="{EDEEA642-D6FA-D841-A729-4F7E4CE06FD4}"/>
+                    </a:ext>
+                  </a:extLst>
+                </p:cNvPr>
+                <p:cNvCxnSpPr>
+                  <a:cxnSpLocks/>
+                </p:cNvCxnSpPr>
+                <p:nvPr/>
+              </p:nvCxnSpPr>
+              <p:spPr>
+                <a:xfrm>
+                  <a:off x="6340439" y="265207"/>
+                  <a:ext cx="0" cy="178678"/>
+                </a:xfrm>
+                <a:prstGeom prst="line">
+                  <a:avLst/>
+                </a:prstGeom>
+                <a:ln w="19050">
+                  <a:solidFill>
+                    <a:srgbClr val="FF0000"/>
+                  </a:solidFill>
+                </a:ln>
+              </p:spPr>
+              <p:style>
+                <a:lnRef idx="1">
+                  <a:schemeClr val="accent1"/>
+                </a:lnRef>
+                <a:fillRef idx="0">
+                  <a:schemeClr val="accent1"/>
+                </a:fillRef>
+                <a:effectRef idx="0">
+                  <a:schemeClr val="accent1"/>
+                </a:effectRef>
+                <a:fontRef idx="minor">
+                  <a:schemeClr val="tx1"/>
+                </a:fontRef>
+              </p:style>
+            </p:cxnSp>
+            <p:cxnSp>
+              <p:nvCxnSpPr>
+                <p:cNvPr id="233" name="Straight Connector 232">
+                  <a:extLst>
+                    <a:ext uri="{FF2B5EF4-FFF2-40B4-BE49-F238E27FC236}">
+                      <a16:creationId xmlns:a16="http://schemas.microsoft.com/office/drawing/2014/main" id="{9D12A4A6-4CCA-4444-A761-66C6EBC247E4}"/>
+                    </a:ext>
+                  </a:extLst>
+                </p:cNvPr>
+                <p:cNvCxnSpPr>
+                  <a:cxnSpLocks/>
+                </p:cNvCxnSpPr>
+                <p:nvPr/>
+              </p:nvCxnSpPr>
+              <p:spPr>
+                <a:xfrm>
+                  <a:off x="6666872" y="265207"/>
+                  <a:ext cx="0" cy="178678"/>
+                </a:xfrm>
+                <a:prstGeom prst="line">
+                  <a:avLst/>
+                </a:prstGeom>
+                <a:ln w="19050">
+                  <a:solidFill>
+                    <a:srgbClr val="FFC000"/>
+                  </a:solidFill>
+                </a:ln>
+              </p:spPr>
+              <p:style>
+                <a:lnRef idx="1">
+                  <a:schemeClr val="accent1"/>
+                </a:lnRef>
+                <a:fillRef idx="0">
+                  <a:schemeClr val="accent1"/>
+                </a:fillRef>
+                <a:effectRef idx="0">
+                  <a:schemeClr val="accent1"/>
+                </a:effectRef>
+                <a:fontRef idx="minor">
+                  <a:schemeClr val="tx1"/>
+                </a:fontRef>
+              </p:style>
+            </p:cxnSp>
+            <mc:AlternateContent xmlns:mc="http://schemas.openxmlformats.org/markup-compatibility/2006" xmlns:a14="http://schemas.microsoft.com/office/drawing/2010/main">
+              <mc:Choice Requires="a14">
+                <p:sp>
+                  <p:nvSpPr>
+                    <p:cNvPr id="234" name="TextBox 233">
+                      <a:extLst>
+                        <a:ext uri="{FF2B5EF4-FFF2-40B4-BE49-F238E27FC236}">
+                          <a16:creationId xmlns:a16="http://schemas.microsoft.com/office/drawing/2014/main" id="{1E90F30A-7A3A-8240-B43E-EBD05FFFB8FC}"/>
+                        </a:ext>
+                      </a:extLst>
+                    </p:cNvPr>
+                    <p:cNvSpPr txBox="1"/>
+                    <p:nvPr/>
+                  </p:nvSpPr>
+                  <p:spPr>
+                    <a:xfrm>
+                      <a:off x="6761151" y="275628"/>
+                      <a:ext cx="315853" cy="276999"/>
+                    </a:xfrm>
+                    <a:prstGeom prst="rect">
+                      <a:avLst/>
+                    </a:prstGeom>
+                    <a:noFill/>
+                  </p:spPr>
+                  <p:txBody>
+                    <a:bodyPr wrap="square" rtlCol="0">
+                      <a:spAutoFit/>
+                    </a:bodyPr>
+                    <a:lstStyle/>
+                    <a:p>
+                      <a:pPr/>
+                      <a14:m>
+                        <m:oMathPara xmlns:m="http://schemas.openxmlformats.org/officeDocument/2006/math">
+                          <m:oMathParaPr>
+                            <m:jc m:val="centerGroup"/>
+                          </m:oMathParaPr>
+                          <m:oMath xmlns:m="http://schemas.openxmlformats.org/officeDocument/2006/math">
+                            <m:sSub>
+                              <m:sSubPr>
+                                <m:ctrlPr>
+                                  <a:rPr lang="en-US" sz="1200" b="0" i="1" smtClean="0">
+                                    <a:latin typeface="Cambria Math" panose="02040503050406030204" pitchFamily="18" charset="0"/>
+                                  </a:rPr>
+                                </m:ctrlPr>
+                              </m:sSubPr>
+                              <m:e>
+                                <m:r>
+                                  <a:rPr lang="en-US" sz="1200" b="0" i="1" smtClean="0">
+                                    <a:latin typeface="Cambria Math" panose="02040503050406030204" pitchFamily="18" charset="0"/>
+                                  </a:rPr>
+                                  <m:t>𝑡</m:t>
+                                </m:r>
+                              </m:e>
+                              <m:sub>
+                                <m:r>
+                                  <a:rPr lang="en-US" sz="1200" b="0" i="1" smtClean="0">
+                                    <a:latin typeface="Cambria Math" panose="02040503050406030204" pitchFamily="18" charset="0"/>
+                                  </a:rPr>
+                                  <m:t>0</m:t>
+                                </m:r>
+                              </m:sub>
+                            </m:sSub>
+                          </m:oMath>
+                        </m:oMathPara>
+                      </a14:m>
+                      <a:endParaRPr lang="en-US" sz="1200" dirty="0"/>
+                    </a:p>
+                  </p:txBody>
+                </p:sp>
+              </mc:Choice>
+              <mc:Fallback xmlns="">
+                <p:sp>
+                  <p:nvSpPr>
+                    <p:cNvPr id="234" name="TextBox 233">
+                      <a:extLst>
+                        <a:ext uri="{FF2B5EF4-FFF2-40B4-BE49-F238E27FC236}">
+                          <a16:creationId xmlns:a16="http://schemas.microsoft.com/office/drawing/2014/main" id="{1E90F30A-7A3A-8240-B43E-EBD05FFFB8FC}"/>
+                        </a:ext>
+                      </a:extLst>
+                    </p:cNvPr>
+                    <p:cNvSpPr txBox="1">
+                      <a:spLocks noRot="1" noChangeAspect="1" noMove="1" noResize="1" noEditPoints="1" noAdjustHandles="1" noChangeArrowheads="1" noChangeShapeType="1" noTextEdit="1"/>
+                    </p:cNvSpPr>
+                    <p:nvPr/>
+                  </p:nvSpPr>
+                  <p:spPr>
+                    <a:xfrm>
+                      <a:off x="6761151" y="275628"/>
+                      <a:ext cx="315853" cy="276999"/>
+                    </a:xfrm>
+                    <a:prstGeom prst="rect">
+                      <a:avLst/>
+                    </a:prstGeom>
+                    <a:blipFill>
+                      <a:blip r:embed="rId8"/>
+                      <a:stretch>
+                        <a:fillRect/>
+                      </a:stretch>
+                    </a:blipFill>
+                  </p:spPr>
+                  <p:txBody>
+                    <a:bodyPr/>
+                    <a:lstStyle/>
+                    <a:p>
+                      <a:r>
+                        <a:rPr lang="en-US">
+                          <a:noFill/>
+                        </a:rPr>
+                        <a:t> </a:t>
+                      </a:r>
+                    </a:p>
+                  </p:txBody>
+                </p:sp>
+              </mc:Fallback>
+            </mc:AlternateContent>
+            <p:cxnSp>
+              <p:nvCxnSpPr>
+                <p:cNvPr id="235" name="Straight Connector 234">
+                  <a:extLst>
+                    <a:ext uri="{FF2B5EF4-FFF2-40B4-BE49-F238E27FC236}">
+                      <a16:creationId xmlns:a16="http://schemas.microsoft.com/office/drawing/2014/main" id="{0B42AF99-374F-9D41-B5D3-11181BC4D058}"/>
+                    </a:ext>
+                  </a:extLst>
+                </p:cNvPr>
+                <p:cNvCxnSpPr>
+                  <a:cxnSpLocks/>
+                </p:cNvCxnSpPr>
+                <p:nvPr/>
+              </p:nvCxnSpPr>
+              <p:spPr>
+                <a:xfrm>
+                  <a:off x="7055781" y="181047"/>
+                  <a:ext cx="0" cy="1321841"/>
+                </a:xfrm>
+                <a:prstGeom prst="line">
+                  <a:avLst/>
+                </a:prstGeom>
+                <a:ln w="28575">
+                  <a:solidFill>
+                    <a:schemeClr val="tx1"/>
+                  </a:solidFill>
+                  <a:prstDash val="dash"/>
+                </a:ln>
+              </p:spPr>
+              <p:style>
+                <a:lnRef idx="1">
+                  <a:schemeClr val="accent1"/>
+                </a:lnRef>
+                <a:fillRef idx="0">
+                  <a:schemeClr val="accent1"/>
+                </a:fillRef>
+                <a:effectRef idx="0">
+                  <a:schemeClr val="accent1"/>
+                </a:effectRef>
+                <a:fontRef idx="minor">
+                  <a:schemeClr val="tx1"/>
+                </a:fontRef>
+              </p:style>
+            </p:cxnSp>
+            <p:cxnSp>
+              <p:nvCxnSpPr>
+                <p:cNvPr id="236" name="Straight Connector 235">
+                  <a:extLst>
+                    <a:ext uri="{FF2B5EF4-FFF2-40B4-BE49-F238E27FC236}">
+                      <a16:creationId xmlns:a16="http://schemas.microsoft.com/office/drawing/2014/main" id="{A330E36B-05F1-8E43-AA08-E397AF855233}"/>
+                    </a:ext>
+                  </a:extLst>
+                </p:cNvPr>
+                <p:cNvCxnSpPr>
+                  <a:cxnSpLocks/>
+                </p:cNvCxnSpPr>
+                <p:nvPr/>
+              </p:nvCxnSpPr>
+              <p:spPr>
+                <a:xfrm>
+                  <a:off x="5885521" y="1502888"/>
+                  <a:ext cx="1177158" cy="0"/>
+                </a:xfrm>
+                <a:prstGeom prst="line">
+                  <a:avLst/>
+                </a:prstGeom>
+                <a:ln w="28575">
+                  <a:solidFill>
+                    <a:schemeClr val="tx1"/>
+                  </a:solidFill>
+                  <a:prstDash val="dash"/>
+                </a:ln>
+              </p:spPr>
+              <p:style>
+                <a:lnRef idx="1">
+                  <a:schemeClr val="accent1"/>
+                </a:lnRef>
+                <a:fillRef idx="0">
+                  <a:schemeClr val="accent1"/>
+                </a:fillRef>
+                <a:effectRef idx="0">
+                  <a:schemeClr val="accent1"/>
+                </a:effectRef>
+                <a:fontRef idx="minor">
+                  <a:schemeClr val="tx1"/>
+                </a:fontRef>
+              </p:style>
+            </p:cxnSp>
+            <mc:AlternateContent xmlns:mc="http://schemas.openxmlformats.org/markup-compatibility/2006" xmlns:a14="http://schemas.microsoft.com/office/drawing/2010/main">
+              <mc:Choice Requires="a14">
+                <p:sp>
+                  <p:nvSpPr>
+                    <p:cNvPr id="237" name="TextBox 236">
+                      <a:extLst>
+                        <a:ext uri="{FF2B5EF4-FFF2-40B4-BE49-F238E27FC236}">
+                          <a16:creationId xmlns:a16="http://schemas.microsoft.com/office/drawing/2014/main" id="{B6B2A788-74ED-0C49-8E7C-A6FB616515DB}"/>
+                        </a:ext>
+                      </a:extLst>
+                    </p:cNvPr>
+                    <p:cNvSpPr txBox="1"/>
+                    <p:nvPr/>
+                  </p:nvSpPr>
+                  <p:spPr>
+                    <a:xfrm>
+                      <a:off x="6761977" y="646997"/>
+                      <a:ext cx="315853" cy="276999"/>
+                    </a:xfrm>
+                    <a:prstGeom prst="rect">
+                      <a:avLst/>
+                    </a:prstGeom>
+                    <a:noFill/>
+                  </p:spPr>
+                  <p:txBody>
+                    <a:bodyPr wrap="square" rtlCol="0">
+                      <a:spAutoFit/>
+                    </a:bodyPr>
+                    <a:lstStyle/>
+                    <a:p>
+                      <a:pPr/>
+                      <a14:m>
+                        <m:oMathPara xmlns:m="http://schemas.openxmlformats.org/officeDocument/2006/math">
+                          <m:oMathParaPr>
+                            <m:jc m:val="centerGroup"/>
+                          </m:oMathParaPr>
+                          <m:oMath xmlns:m="http://schemas.openxmlformats.org/officeDocument/2006/math">
+                            <m:sSup>
+                              <m:sSupPr>
+                                <m:ctrlPr>
+                                  <a:rPr lang="en-US" sz="1200" b="0" i="1" smtClean="0">
+                                    <a:latin typeface="Cambria Math" panose="02040503050406030204" pitchFamily="18" charset="0"/>
+                                  </a:rPr>
+                                </m:ctrlPr>
+                              </m:sSupPr>
+                              <m:e>
+                                <m:r>
+                                  <a:rPr lang="en-US" sz="1200" b="0" i="1" smtClean="0">
+                                    <a:latin typeface="Cambria Math" panose="02040503050406030204" pitchFamily="18" charset="0"/>
+                                  </a:rPr>
+                                  <m:t>𝑡</m:t>
+                                </m:r>
+                              </m:e>
+                              <m:sup>
+                                <m:r>
+                                  <a:rPr lang="en-US" sz="1200" b="0" i="1" smtClean="0">
+                                    <a:latin typeface="Cambria Math" panose="02040503050406030204" pitchFamily="18" charset="0"/>
+                                  </a:rPr>
+                                  <m:t>′</m:t>
+                                </m:r>
+                              </m:sup>
+                            </m:sSup>
+                          </m:oMath>
+                        </m:oMathPara>
+                      </a14:m>
+                      <a:endParaRPr lang="en-US" sz="1200" dirty="0"/>
+                    </a:p>
+                  </p:txBody>
+                </p:sp>
+              </mc:Choice>
+              <mc:Fallback xmlns="">
+                <p:sp>
+                  <p:nvSpPr>
+                    <p:cNvPr id="237" name="TextBox 236">
+                      <a:extLst>
+                        <a:ext uri="{FF2B5EF4-FFF2-40B4-BE49-F238E27FC236}">
+                          <a16:creationId xmlns:a16="http://schemas.microsoft.com/office/drawing/2014/main" id="{B6B2A788-74ED-0C49-8E7C-A6FB616515DB}"/>
+                        </a:ext>
+                      </a:extLst>
+                    </p:cNvPr>
+                    <p:cNvSpPr txBox="1">
+                      <a:spLocks noRot="1" noChangeAspect="1" noMove="1" noResize="1" noEditPoints="1" noAdjustHandles="1" noChangeArrowheads="1" noChangeShapeType="1" noTextEdit="1"/>
+                    </p:cNvSpPr>
+                    <p:nvPr/>
+                  </p:nvSpPr>
+                  <p:spPr>
+                    <a:xfrm>
+                      <a:off x="6761977" y="646997"/>
+                      <a:ext cx="315853" cy="276999"/>
+                    </a:xfrm>
+                    <a:prstGeom prst="rect">
+                      <a:avLst/>
+                    </a:prstGeom>
+                    <a:blipFill>
+                      <a:blip r:embed="rId9"/>
+                      <a:stretch>
+                        <a:fillRect/>
+                      </a:stretch>
+                    </a:blipFill>
+                  </p:spPr>
+                  <p:txBody>
+                    <a:bodyPr/>
+                    <a:lstStyle/>
+                    <a:p>
+                      <a:r>
+                        <a:rPr lang="en-US">
+                          <a:noFill/>
+                        </a:rPr>
+                        <a:t> </a:t>
+                      </a:r>
+                    </a:p>
+                  </p:txBody>
+                </p:sp>
+              </mc:Fallback>
+            </mc:AlternateContent>
+            <p:cxnSp>
+              <p:nvCxnSpPr>
+                <p:cNvPr id="238" name="Straight Connector 237">
+                  <a:extLst>
+                    <a:ext uri="{FF2B5EF4-FFF2-40B4-BE49-F238E27FC236}">
+                      <a16:creationId xmlns:a16="http://schemas.microsoft.com/office/drawing/2014/main" id="{D727AB89-DB30-5F48-84E1-93528D949CA8}"/>
+                    </a:ext>
+                  </a:extLst>
+                </p:cNvPr>
+                <p:cNvCxnSpPr>
+                  <a:cxnSpLocks/>
+                </p:cNvCxnSpPr>
+                <p:nvPr/>
+              </p:nvCxnSpPr>
+              <p:spPr>
+                <a:xfrm flipH="1">
+                  <a:off x="6004426" y="448045"/>
+                  <a:ext cx="334897" cy="784659"/>
+                </a:xfrm>
+                <a:prstGeom prst="line">
+                  <a:avLst/>
+                </a:prstGeom>
+                <a:ln w="19050">
+                  <a:solidFill>
+                    <a:srgbClr val="FF0000"/>
+                  </a:solidFill>
+                </a:ln>
+              </p:spPr>
+              <p:style>
+                <a:lnRef idx="1">
+                  <a:schemeClr val="accent1"/>
+                </a:lnRef>
+                <a:fillRef idx="0">
+                  <a:schemeClr val="accent1"/>
+                </a:fillRef>
+                <a:effectRef idx="0">
+                  <a:schemeClr val="accent1"/>
+                </a:effectRef>
+                <a:fontRef idx="minor">
+                  <a:schemeClr val="tx1"/>
+                </a:fontRef>
+              </p:style>
+            </p:cxnSp>
+            <p:cxnSp>
+              <p:nvCxnSpPr>
+                <p:cNvPr id="240" name="Straight Arrow Connector 239">
+                  <a:extLst>
+                    <a:ext uri="{FF2B5EF4-FFF2-40B4-BE49-F238E27FC236}">
+                      <a16:creationId xmlns:a16="http://schemas.microsoft.com/office/drawing/2014/main" id="{AAC7151D-7C79-E843-B5AD-1BF9F9E7225B}"/>
+                    </a:ext>
+                  </a:extLst>
+                </p:cNvPr>
+                <p:cNvCxnSpPr>
+                  <a:cxnSpLocks/>
+                </p:cNvCxnSpPr>
+                <p:nvPr/>
+              </p:nvCxnSpPr>
+              <p:spPr>
+                <a:xfrm>
+                  <a:off x="6085567" y="819030"/>
+                  <a:ext cx="742952" cy="0"/>
+                </a:xfrm>
+                <a:prstGeom prst="straightConnector1">
+                  <a:avLst/>
+                </a:prstGeom>
+                <a:ln w="19050">
+                  <a:solidFill>
+                    <a:schemeClr val="tx1"/>
+                  </a:solidFill>
+                  <a:prstDash val="sysDot"/>
+                  <a:tailEnd type="none"/>
+                </a:ln>
+              </p:spPr>
+              <p:style>
+                <a:lnRef idx="1">
+                  <a:schemeClr val="accent1"/>
+                </a:lnRef>
+                <a:fillRef idx="0">
+                  <a:schemeClr val="accent1"/>
+                </a:fillRef>
+                <a:effectRef idx="0">
+                  <a:schemeClr val="accent1"/>
+                </a:effectRef>
+                <a:fontRef idx="minor">
+                  <a:schemeClr val="tx1"/>
+                </a:fontRef>
+              </p:style>
+            </p:cxnSp>
+            <p:cxnSp>
+              <p:nvCxnSpPr>
+                <p:cNvPr id="241" name="Straight Arrow Connector 240">
+                  <a:extLst>
+                    <a:ext uri="{FF2B5EF4-FFF2-40B4-BE49-F238E27FC236}">
+                      <a16:creationId xmlns:a16="http://schemas.microsoft.com/office/drawing/2014/main" id="{36C9CA22-AA51-6749-8753-7DC8F94F0A68}"/>
+                    </a:ext>
+                  </a:extLst>
+                </p:cNvPr>
+                <p:cNvCxnSpPr>
+                  <a:cxnSpLocks/>
+                </p:cNvCxnSpPr>
+                <p:nvPr/>
+              </p:nvCxnSpPr>
+              <p:spPr>
+                <a:xfrm>
+                  <a:off x="6326167" y="447661"/>
+                  <a:ext cx="501526" cy="0"/>
+                </a:xfrm>
+                <a:prstGeom prst="straightConnector1">
+                  <a:avLst/>
+                </a:prstGeom>
+                <a:ln w="19050">
+                  <a:solidFill>
+                    <a:schemeClr val="tx1"/>
+                  </a:solidFill>
+                  <a:prstDash val="sysDot"/>
+                  <a:tailEnd type="none"/>
+                </a:ln>
+              </p:spPr>
+              <p:style>
+                <a:lnRef idx="1">
+                  <a:schemeClr val="accent1"/>
+                </a:lnRef>
+                <a:fillRef idx="0">
+                  <a:schemeClr val="accent1"/>
+                </a:fillRef>
+                <a:effectRef idx="0">
+                  <a:schemeClr val="accent1"/>
+                </a:effectRef>
+                <a:fontRef idx="minor">
+                  <a:schemeClr val="tx1"/>
+                </a:fontRef>
+              </p:style>
+            </p:cxnSp>
+            <p:sp>
+              <p:nvSpPr>
+                <p:cNvPr id="245" name="TextBox 244">
+                  <a:extLst>
+                    <a:ext uri="{FF2B5EF4-FFF2-40B4-BE49-F238E27FC236}">
+                      <a16:creationId xmlns:a16="http://schemas.microsoft.com/office/drawing/2014/main" id="{343C6EE3-9A4E-254F-A001-A0FD1350ED24}"/>
+                    </a:ext>
+                  </a:extLst>
+                </p:cNvPr>
+                <p:cNvSpPr txBox="1"/>
+                <p:nvPr/>
+              </p:nvSpPr>
+              <p:spPr>
+                <a:xfrm>
+                  <a:off x="6397815" y="1162573"/>
+                  <a:ext cx="357352" cy="261610"/>
+                </a:xfrm>
+                <a:prstGeom prst="rect">
+                  <a:avLst/>
+                </a:prstGeom>
+                <a:noFill/>
+              </p:spPr>
+              <p:txBody>
+                <a:bodyPr wrap="square" rtlCol="0">
+                  <a:spAutoFit/>
+                </a:bodyPr>
+                <a:lstStyle/>
+                <a:p>
+                  <a:pPr algn="ctr"/>
+                  <a:r>
+                    <a:rPr lang="en-US" sz="1100" dirty="0">
+                      <a:solidFill>
+                        <a:srgbClr val="FFC000"/>
+                      </a:solidFill>
+                      <a:latin typeface="Courier" pitchFamily="2" charset="0"/>
+                    </a:rPr>
+                    <a:t>AC</a:t>
+                  </a:r>
+                </a:p>
+              </p:txBody>
+            </p:sp>
+            <p:cxnSp>
+              <p:nvCxnSpPr>
+                <p:cNvPr id="247" name="Straight Connector 246">
+                  <a:extLst>
+                    <a:ext uri="{FF2B5EF4-FFF2-40B4-BE49-F238E27FC236}">
+                      <a16:creationId xmlns:a16="http://schemas.microsoft.com/office/drawing/2014/main" id="{6C19057C-2B10-E043-8DC3-806A83262ADC}"/>
+                    </a:ext>
+                  </a:extLst>
+                </p:cNvPr>
+                <p:cNvCxnSpPr>
+                  <a:cxnSpLocks/>
+                </p:cNvCxnSpPr>
+                <p:nvPr/>
+              </p:nvCxnSpPr>
+              <p:spPr>
+                <a:xfrm>
+                  <a:off x="5895049" y="174752"/>
+                  <a:ext cx="0" cy="1328136"/>
+                </a:xfrm>
+                <a:prstGeom prst="line">
+                  <a:avLst/>
+                </a:prstGeom>
+                <a:ln w="28575">
+                  <a:solidFill>
+                    <a:schemeClr val="tx1"/>
+                  </a:solidFill>
+                  <a:prstDash val="dash"/>
+                </a:ln>
+              </p:spPr>
+              <p:style>
+                <a:lnRef idx="1">
+                  <a:schemeClr val="accent1"/>
+                </a:lnRef>
+                <a:fillRef idx="0">
+                  <a:schemeClr val="accent1"/>
+                </a:fillRef>
+                <a:effectRef idx="0">
+                  <a:schemeClr val="accent1"/>
+                </a:effectRef>
+                <a:fontRef idx="minor">
+                  <a:schemeClr val="tx1"/>
+                </a:fontRef>
+              </p:style>
+            </p:cxnSp>
+            <mc:AlternateContent xmlns:mc="http://schemas.openxmlformats.org/markup-compatibility/2006" xmlns:a14="http://schemas.microsoft.com/office/drawing/2010/main">
+              <mc:Choice Requires="a14">
+                <p:sp>
+                  <p:nvSpPr>
+                    <p:cNvPr id="248" name="TextBox 247">
+                      <a:extLst>
+                        <a:ext uri="{FF2B5EF4-FFF2-40B4-BE49-F238E27FC236}">
+                          <a16:creationId xmlns:a16="http://schemas.microsoft.com/office/drawing/2014/main" id="{21512B7A-F9D0-444D-87BF-D9C3178A77FF}"/>
+                        </a:ext>
+                      </a:extLst>
+                    </p:cNvPr>
+                    <p:cNvSpPr txBox="1"/>
+                    <p:nvPr/>
+                  </p:nvSpPr>
+                  <p:spPr>
+                    <a:xfrm>
+                      <a:off x="6755659" y="1055764"/>
+                      <a:ext cx="315853" cy="276999"/>
+                    </a:xfrm>
+                    <a:prstGeom prst="rect">
+                      <a:avLst/>
+                    </a:prstGeom>
+                    <a:noFill/>
+                  </p:spPr>
+                  <p:txBody>
+                    <a:bodyPr wrap="square" rtlCol="0">
+                      <a:spAutoFit/>
+                    </a:bodyPr>
+                    <a:lstStyle/>
+                    <a:p>
+                      <a:pPr/>
+                      <a14:m>
+                        <m:oMathPara xmlns:m="http://schemas.openxmlformats.org/officeDocument/2006/math">
+                          <m:oMathParaPr>
+                            <m:jc m:val="centerGroup"/>
+                          </m:oMathParaPr>
+                          <m:oMath xmlns:m="http://schemas.openxmlformats.org/officeDocument/2006/math">
+                            <m:sSub>
+                              <m:sSubPr>
+                                <m:ctrlPr>
+                                  <a:rPr lang="en-US" sz="1200" b="0" i="1" smtClean="0">
+                                    <a:latin typeface="Cambria Math" panose="02040503050406030204" pitchFamily="18" charset="0"/>
+                                  </a:rPr>
+                                </m:ctrlPr>
+                              </m:sSubPr>
+                              <m:e>
+                                <m:r>
+                                  <a:rPr lang="en-US" sz="1200" b="0" i="1" smtClean="0">
+                                    <a:latin typeface="Cambria Math" panose="02040503050406030204" pitchFamily="18" charset="0"/>
+                                  </a:rPr>
+                                  <m:t>𝑡</m:t>
+                                </m:r>
+                              </m:e>
+                              <m:sub>
+                                <m:r>
+                                  <a:rPr lang="en-US" sz="1200" b="0" i="1" smtClean="0">
+                                    <a:latin typeface="Cambria Math" panose="02040503050406030204" pitchFamily="18" charset="0"/>
+                                  </a:rPr>
+                                  <m:t>𝑒</m:t>
+                                </m:r>
+                              </m:sub>
+                            </m:sSub>
+                          </m:oMath>
+                        </m:oMathPara>
+                      </a14:m>
+                      <a:endParaRPr lang="en-US" sz="1200" dirty="0"/>
+                    </a:p>
+                  </p:txBody>
+                </p:sp>
+              </mc:Choice>
+              <mc:Fallback xmlns="">
+                <p:sp>
+                  <p:nvSpPr>
+                    <p:cNvPr id="248" name="TextBox 247">
+                      <a:extLst>
+                        <a:ext uri="{FF2B5EF4-FFF2-40B4-BE49-F238E27FC236}">
+                          <a16:creationId xmlns:a16="http://schemas.microsoft.com/office/drawing/2014/main" id="{21512B7A-F9D0-444D-87BF-D9C3178A77FF}"/>
+                        </a:ext>
+                      </a:extLst>
+                    </p:cNvPr>
+                    <p:cNvSpPr txBox="1">
+                      <a:spLocks noRot="1" noChangeAspect="1" noMove="1" noResize="1" noEditPoints="1" noAdjustHandles="1" noChangeArrowheads="1" noChangeShapeType="1" noTextEdit="1"/>
+                    </p:cNvSpPr>
+                    <p:nvPr/>
+                  </p:nvSpPr>
+                  <p:spPr>
+                    <a:xfrm>
+                      <a:off x="6755659" y="1055764"/>
+                      <a:ext cx="315853" cy="276999"/>
+                    </a:xfrm>
+                    <a:prstGeom prst="rect">
+                      <a:avLst/>
+                    </a:prstGeom>
+                    <a:blipFill>
+                      <a:blip r:embed="rId10"/>
+                      <a:stretch>
+                        <a:fillRect/>
+                      </a:stretch>
+                    </a:blipFill>
+                  </p:spPr>
+                  <p:txBody>
+                    <a:bodyPr/>
+                    <a:lstStyle/>
+                    <a:p>
+                      <a:r>
+                        <a:rPr lang="en-US">
+                          <a:noFill/>
+                        </a:rPr>
+                        <a:t> </a:t>
+                      </a:r>
+                    </a:p>
+                  </p:txBody>
+                </p:sp>
+              </mc:Fallback>
+            </mc:AlternateContent>
+            <p:cxnSp>
+              <p:nvCxnSpPr>
+                <p:cNvPr id="249" name="Straight Arrow Connector 248">
+                  <a:extLst>
+                    <a:ext uri="{FF2B5EF4-FFF2-40B4-BE49-F238E27FC236}">
+                      <a16:creationId xmlns:a16="http://schemas.microsoft.com/office/drawing/2014/main" id="{5CBB0D98-15E9-5C41-B967-D8172014B6DD}"/>
+                    </a:ext>
+                  </a:extLst>
+                </p:cNvPr>
+                <p:cNvCxnSpPr>
+                  <a:cxnSpLocks/>
+                </p:cNvCxnSpPr>
+                <p:nvPr/>
+              </p:nvCxnSpPr>
+              <p:spPr>
+                <a:xfrm>
+                  <a:off x="5941396" y="1227797"/>
+                  <a:ext cx="880805" cy="0"/>
+                </a:xfrm>
+                <a:prstGeom prst="straightConnector1">
+                  <a:avLst/>
+                </a:prstGeom>
+                <a:ln w="19050">
+                  <a:solidFill>
+                    <a:schemeClr val="tx1"/>
+                  </a:solidFill>
+                  <a:prstDash val="sysDot"/>
+                  <a:tailEnd type="none"/>
+                </a:ln>
+              </p:spPr>
+              <p:style>
+                <a:lnRef idx="1">
+                  <a:schemeClr val="accent1"/>
+                </a:lnRef>
+                <a:fillRef idx="0">
+                  <a:schemeClr val="accent1"/>
+                </a:fillRef>
+                <a:effectRef idx="0">
+                  <a:schemeClr val="accent1"/>
+                </a:effectRef>
+                <a:fontRef idx="minor">
+                  <a:schemeClr val="tx1"/>
+                </a:fontRef>
+              </p:style>
+            </p:cxnSp>
+            <p:cxnSp>
+              <p:nvCxnSpPr>
+                <p:cNvPr id="253" name="Straight Connector 252">
+                  <a:extLst>
+                    <a:ext uri="{FF2B5EF4-FFF2-40B4-BE49-F238E27FC236}">
+                      <a16:creationId xmlns:a16="http://schemas.microsoft.com/office/drawing/2014/main" id="{788B0F35-A273-2342-B475-D79022D8DA11}"/>
+                    </a:ext>
+                  </a:extLst>
+                </p:cNvPr>
+                <p:cNvCxnSpPr>
+                  <a:cxnSpLocks/>
+                </p:cNvCxnSpPr>
+                <p:nvPr/>
+              </p:nvCxnSpPr>
+              <p:spPr>
+                <a:xfrm>
+                  <a:off x="6341958" y="458648"/>
+                  <a:ext cx="33146" cy="764092"/>
+                </a:xfrm>
+                <a:prstGeom prst="line">
+                  <a:avLst/>
+                </a:prstGeom>
+                <a:ln w="19050">
+                  <a:solidFill>
+                    <a:srgbClr val="FF0000"/>
+                  </a:solidFill>
+                </a:ln>
+              </p:spPr>
+              <p:style>
+                <a:lnRef idx="1">
+                  <a:schemeClr val="accent1"/>
+                </a:lnRef>
+                <a:fillRef idx="0">
+                  <a:schemeClr val="accent1"/>
+                </a:fillRef>
+                <a:effectRef idx="0">
+                  <a:schemeClr val="accent1"/>
+                </a:effectRef>
+                <a:fontRef idx="minor">
+                  <a:schemeClr val="tx1"/>
+                </a:fontRef>
+              </p:style>
+            </p:cxnSp>
+            <p:sp>
+              <p:nvSpPr>
+                <p:cNvPr id="265" name="TextBox 264">
+                  <a:extLst>
+                    <a:ext uri="{FF2B5EF4-FFF2-40B4-BE49-F238E27FC236}">
+                      <a16:creationId xmlns:a16="http://schemas.microsoft.com/office/drawing/2014/main" id="{6AA1EF04-71AF-254D-B587-6C46ADB70104}"/>
+                    </a:ext>
+                  </a:extLst>
+                </p:cNvPr>
+                <p:cNvSpPr txBox="1"/>
+                <p:nvPr/>
+              </p:nvSpPr>
+              <p:spPr>
+                <a:xfrm>
+                  <a:off x="5832507" y="1162573"/>
+                  <a:ext cx="357352" cy="261610"/>
+                </a:xfrm>
+                <a:prstGeom prst="rect">
+                  <a:avLst/>
+                </a:prstGeom>
+                <a:noFill/>
+              </p:spPr>
+              <p:txBody>
+                <a:bodyPr wrap="square" rtlCol="0">
+                  <a:spAutoFit/>
+                </a:bodyPr>
+                <a:lstStyle/>
+                <a:p>
+                  <a:pPr algn="ctr"/>
+                  <a:r>
+                    <a:rPr lang="en-US" sz="1100" dirty="0">
+                      <a:solidFill>
+                        <a:srgbClr val="FF0000"/>
+                      </a:solidFill>
+                      <a:latin typeface="Courier" pitchFamily="2" charset="0"/>
+                    </a:rPr>
+                    <a:t>CC</a:t>
+                  </a:r>
+                </a:p>
+              </p:txBody>
+            </p:sp>
+            <p:sp>
+              <p:nvSpPr>
+                <p:cNvPr id="277" name="TextBox 276">
+                  <a:extLst>
+                    <a:ext uri="{FF2B5EF4-FFF2-40B4-BE49-F238E27FC236}">
+                      <a16:creationId xmlns:a16="http://schemas.microsoft.com/office/drawing/2014/main" id="{61402315-7CB1-1A4F-8A00-FA47BFCB9693}"/>
+                    </a:ext>
+                  </a:extLst>
+                </p:cNvPr>
+                <p:cNvSpPr txBox="1"/>
+                <p:nvPr/>
+              </p:nvSpPr>
+              <p:spPr>
+                <a:xfrm>
+                  <a:off x="6014964" y="1162573"/>
+                  <a:ext cx="357352" cy="261610"/>
+                </a:xfrm>
+                <a:prstGeom prst="rect">
+                  <a:avLst/>
+                </a:prstGeom>
+                <a:noFill/>
+              </p:spPr>
+              <p:txBody>
+                <a:bodyPr wrap="square" rtlCol="0">
+                  <a:spAutoFit/>
+                </a:bodyPr>
+                <a:lstStyle/>
+                <a:p>
+                  <a:pPr algn="ctr"/>
+                  <a:r>
+                    <a:rPr lang="en-US" sz="1100" dirty="0">
+                      <a:solidFill>
+                        <a:srgbClr val="7030A0"/>
+                      </a:solidFill>
+                      <a:latin typeface="Courier" pitchFamily="2" charset="0"/>
+                    </a:rPr>
+                    <a:t>GC</a:t>
+                  </a:r>
+                </a:p>
+              </p:txBody>
+            </p:sp>
+            <p:sp>
+              <p:nvSpPr>
+                <p:cNvPr id="279" name="TextBox 278">
+                  <a:extLst>
+                    <a:ext uri="{FF2B5EF4-FFF2-40B4-BE49-F238E27FC236}">
+                      <a16:creationId xmlns:a16="http://schemas.microsoft.com/office/drawing/2014/main" id="{987F6DB8-2617-124E-925C-BB4F7176B267}"/>
+                    </a:ext>
+                  </a:extLst>
+                </p:cNvPr>
+                <p:cNvSpPr txBox="1"/>
+                <p:nvPr/>
+              </p:nvSpPr>
+              <p:spPr>
+                <a:xfrm>
+                  <a:off x="6201793" y="1162573"/>
+                  <a:ext cx="357352" cy="261610"/>
+                </a:xfrm>
+                <a:prstGeom prst="rect">
+                  <a:avLst/>
+                </a:prstGeom>
+                <a:noFill/>
+              </p:spPr>
+              <p:txBody>
+                <a:bodyPr wrap="square" rtlCol="0">
+                  <a:spAutoFit/>
+                </a:bodyPr>
+                <a:lstStyle/>
+                <a:p>
+                  <a:pPr algn="ctr"/>
+                  <a:r>
+                    <a:rPr lang="en-US" sz="1100" dirty="0">
+                      <a:solidFill>
+                        <a:srgbClr val="FF0000"/>
+                      </a:solidFill>
+                      <a:latin typeface="Courier" pitchFamily="2" charset="0"/>
+                    </a:rPr>
+                    <a:t>TT</a:t>
+                  </a:r>
+                </a:p>
+              </p:txBody>
+            </p:sp>
+            <p:cxnSp>
+              <p:nvCxnSpPr>
+                <p:cNvPr id="280" name="Straight Connector 279">
+                  <a:extLst>
+                    <a:ext uri="{FF2B5EF4-FFF2-40B4-BE49-F238E27FC236}">
+                      <a16:creationId xmlns:a16="http://schemas.microsoft.com/office/drawing/2014/main" id="{706F1C7B-9432-FE44-B94D-D7EE482DC67C}"/>
+                    </a:ext>
+                  </a:extLst>
+                </p:cNvPr>
+                <p:cNvCxnSpPr>
+                  <a:cxnSpLocks/>
+                </p:cNvCxnSpPr>
+                <p:nvPr/>
+              </p:nvCxnSpPr>
+              <p:spPr>
+                <a:xfrm flipH="1">
+                  <a:off x="6558209" y="419625"/>
+                  <a:ext cx="108663" cy="815954"/>
+                </a:xfrm>
+                <a:prstGeom prst="line">
+                  <a:avLst/>
+                </a:prstGeom>
+                <a:ln w="19050">
+                  <a:solidFill>
+                    <a:srgbClr val="FFC000"/>
+                  </a:solidFill>
+                </a:ln>
+              </p:spPr>
+              <p:style>
+                <a:lnRef idx="1">
+                  <a:schemeClr val="accent1"/>
+                </a:lnRef>
+                <a:fillRef idx="0">
+                  <a:schemeClr val="accent1"/>
+                </a:fillRef>
+                <a:effectRef idx="0">
+                  <a:schemeClr val="accent1"/>
+                </a:effectRef>
+                <a:fontRef idx="minor">
+                  <a:schemeClr val="tx1"/>
+                </a:fontRef>
+              </p:style>
+            </p:cxnSp>
+            <p:cxnSp>
+              <p:nvCxnSpPr>
+                <p:cNvPr id="284" name="Straight Connector 283">
+                  <a:extLst>
+                    <a:ext uri="{FF2B5EF4-FFF2-40B4-BE49-F238E27FC236}">
+                      <a16:creationId xmlns:a16="http://schemas.microsoft.com/office/drawing/2014/main" id="{526A1E31-B92E-994A-85CE-EEC469D438FA}"/>
+                    </a:ext>
+                  </a:extLst>
+                </p:cNvPr>
+                <p:cNvCxnSpPr>
+                  <a:cxnSpLocks/>
+                </p:cNvCxnSpPr>
+                <p:nvPr/>
+              </p:nvCxnSpPr>
+              <p:spPr>
+                <a:xfrm>
+                  <a:off x="6637883" y="617787"/>
+                  <a:ext cx="130307" cy="615336"/>
+                </a:xfrm>
+                <a:prstGeom prst="line">
+                  <a:avLst/>
+                </a:prstGeom>
+                <a:ln w="19050">
+                  <a:solidFill>
+                    <a:srgbClr val="FFC000"/>
+                  </a:solidFill>
+                </a:ln>
+              </p:spPr>
+              <p:style>
+                <a:lnRef idx="1">
+                  <a:schemeClr val="accent1"/>
+                </a:lnRef>
+                <a:fillRef idx="0">
+                  <a:schemeClr val="accent1"/>
+                </a:fillRef>
+                <a:effectRef idx="0">
+                  <a:schemeClr val="accent1"/>
+                </a:effectRef>
+                <a:fontRef idx="minor">
+                  <a:schemeClr val="tx1"/>
+                </a:fontRef>
+              </p:style>
+            </p:cxnSp>
+            <p:sp>
+              <p:nvSpPr>
+                <p:cNvPr id="288" name="TextBox 287">
+                  <a:extLst>
+                    <a:ext uri="{FF2B5EF4-FFF2-40B4-BE49-F238E27FC236}">
+                      <a16:creationId xmlns:a16="http://schemas.microsoft.com/office/drawing/2014/main" id="{E9A3584B-AD8A-A94A-9A88-B370CAB46DF6}"/>
+                    </a:ext>
+                  </a:extLst>
+                </p:cNvPr>
+                <p:cNvSpPr txBox="1"/>
+                <p:nvPr/>
+              </p:nvSpPr>
+              <p:spPr>
+                <a:xfrm>
+                  <a:off x="6594235" y="1162573"/>
+                  <a:ext cx="357352" cy="261610"/>
+                </a:xfrm>
+                <a:prstGeom prst="rect">
+                  <a:avLst/>
+                </a:prstGeom>
+                <a:noFill/>
+              </p:spPr>
+              <p:txBody>
+                <a:bodyPr wrap="square" rtlCol="0">
+                  <a:spAutoFit/>
+                </a:bodyPr>
+                <a:lstStyle/>
+                <a:p>
+                  <a:pPr algn="ctr"/>
+                  <a:r>
+                    <a:rPr lang="en-US" sz="1100" dirty="0">
+                      <a:solidFill>
+                        <a:srgbClr val="FFC000"/>
+                      </a:solidFill>
+                      <a:latin typeface="Courier" pitchFamily="2" charset="0"/>
+                    </a:rPr>
+                    <a:t>CG</a:t>
+                  </a:r>
+                </a:p>
+              </p:txBody>
+            </p:sp>
+            <p:cxnSp>
+              <p:nvCxnSpPr>
+                <p:cNvPr id="239" name="Straight Connector 238">
+                  <a:extLst>
+                    <a:ext uri="{FF2B5EF4-FFF2-40B4-BE49-F238E27FC236}">
+                      <a16:creationId xmlns:a16="http://schemas.microsoft.com/office/drawing/2014/main" id="{B4765817-3AA0-1D49-8380-42045A23AA74}"/>
+                    </a:ext>
+                  </a:extLst>
+                </p:cNvPr>
+                <p:cNvCxnSpPr>
+                  <a:cxnSpLocks/>
+                </p:cNvCxnSpPr>
+                <p:nvPr/>
+              </p:nvCxnSpPr>
+              <p:spPr>
+                <a:xfrm flipH="1">
+                  <a:off x="6190438" y="819030"/>
+                  <a:ext cx="39015" cy="421594"/>
+                </a:xfrm>
+                <a:prstGeom prst="line">
+                  <a:avLst/>
+                </a:prstGeom>
+                <a:ln w="19050">
+                  <a:solidFill>
+                    <a:srgbClr val="7030A0"/>
+                  </a:solidFill>
+                </a:ln>
+              </p:spPr>
+              <p:style>
+                <a:lnRef idx="1">
+                  <a:schemeClr val="accent1"/>
+                </a:lnRef>
+                <a:fillRef idx="0">
+                  <a:schemeClr val="accent1"/>
+                </a:fillRef>
+                <a:effectRef idx="0">
+                  <a:schemeClr val="accent1"/>
+                </a:effectRef>
+                <a:fontRef idx="minor">
+                  <a:schemeClr val="tx1"/>
+                </a:fontRef>
+              </p:style>
+            </p:cxnSp>
+          </p:grpSp>
+        </p:grpSp>
+        <p:grpSp>
+          <p:nvGrpSpPr>
+            <p:cNvPr id="17" name="Group 16">
+              <a:extLst>
+                <a:ext uri="{FF2B5EF4-FFF2-40B4-BE49-F238E27FC236}">
+                  <a16:creationId xmlns:a16="http://schemas.microsoft.com/office/drawing/2014/main" id="{4521C1D1-A310-4B4B-915F-BB305FA380EA}"/>
+                </a:ext>
+              </a:extLst>
+            </p:cNvPr>
+            <p:cNvGrpSpPr/>
+            <p:nvPr/>
+          </p:nvGrpSpPr>
+          <p:grpSpPr>
+            <a:xfrm>
+              <a:off x="3485224" y="5282699"/>
+              <a:ext cx="1192309" cy="1328136"/>
+              <a:chOff x="2237207" y="2979072"/>
+              <a:chExt cx="1192309" cy="1328136"/>
+            </a:xfrm>
+          </p:grpSpPr>
+          <p:grpSp>
+            <p:nvGrpSpPr>
+              <p:cNvPr id="300" name="Group 299">
+                <a:extLst>
+                  <a:ext uri="{FF2B5EF4-FFF2-40B4-BE49-F238E27FC236}">
+                    <a16:creationId xmlns:a16="http://schemas.microsoft.com/office/drawing/2014/main" id="{965E3CE1-9C01-EE47-B2E6-B1B3370EE174}"/>
+                  </a:ext>
+                </a:extLst>
+              </p:cNvPr>
+              <p:cNvGrpSpPr/>
+              <p:nvPr/>
+            </p:nvGrpSpPr>
+            <p:grpSpPr>
+              <a:xfrm>
+                <a:off x="2237207" y="2979072"/>
+                <a:ext cx="1192309" cy="1328136"/>
+                <a:chOff x="5885521" y="174752"/>
+                <a:chExt cx="1192309" cy="1328136"/>
+              </a:xfrm>
+            </p:grpSpPr>
+            <p:cxnSp>
+              <p:nvCxnSpPr>
+                <p:cNvPr id="301" name="Straight Connector 300">
+                  <a:extLst>
+                    <a:ext uri="{FF2B5EF4-FFF2-40B4-BE49-F238E27FC236}">
+                      <a16:creationId xmlns:a16="http://schemas.microsoft.com/office/drawing/2014/main" id="{EE6EDBEC-F3DF-B74C-B553-53544AEDC288}"/>
+                    </a:ext>
+                  </a:extLst>
+                </p:cNvPr>
+                <p:cNvCxnSpPr>
+                  <a:cxnSpLocks/>
+                </p:cNvCxnSpPr>
+                <p:nvPr/>
+              </p:nvCxnSpPr>
+              <p:spPr>
+                <a:xfrm>
+                  <a:off x="5885521" y="181047"/>
+                  <a:ext cx="1177158" cy="0"/>
+                </a:xfrm>
+                <a:prstGeom prst="line">
+                  <a:avLst/>
+                </a:prstGeom>
+                <a:ln w="28575">
+                  <a:solidFill>
+                    <a:schemeClr val="tx1"/>
+                  </a:solidFill>
+                  <a:prstDash val="dash"/>
+                </a:ln>
+              </p:spPr>
+              <p:style>
+                <a:lnRef idx="1">
+                  <a:schemeClr val="accent1"/>
+                </a:lnRef>
+                <a:fillRef idx="0">
+                  <a:schemeClr val="accent1"/>
+                </a:fillRef>
+                <a:effectRef idx="0">
+                  <a:schemeClr val="accent1"/>
+                </a:effectRef>
+                <a:fontRef idx="minor">
+                  <a:schemeClr val="tx1"/>
+                </a:fontRef>
+              </p:style>
+            </p:cxnSp>
+            <p:sp>
+              <p:nvSpPr>
+                <p:cNvPr id="302" name="TextBox 301">
+                  <a:extLst>
+                    <a:ext uri="{FF2B5EF4-FFF2-40B4-BE49-F238E27FC236}">
+                      <a16:creationId xmlns:a16="http://schemas.microsoft.com/office/drawing/2014/main" id="{73F12E4F-52C1-554F-A0B6-AAA461CA242C}"/>
+                    </a:ext>
+                  </a:extLst>
+                </p:cNvPr>
+                <p:cNvSpPr txBox="1"/>
+                <p:nvPr/>
+              </p:nvSpPr>
+              <p:spPr>
+                <a:xfrm>
+                  <a:off x="5895049" y="186376"/>
+                  <a:ext cx="431118" cy="338554"/>
+                </a:xfrm>
+                <a:prstGeom prst="rect">
+                  <a:avLst/>
+                </a:prstGeom>
+                <a:noFill/>
+              </p:spPr>
+              <p:txBody>
+                <a:bodyPr wrap="square" rtlCol="0">
+                  <a:spAutoFit/>
+                </a:bodyPr>
+                <a:lstStyle/>
+                <a:p>
+                  <a:r>
+                    <a:rPr lang="en-US" sz="1600" dirty="0">
+                      <a:latin typeface="CMU Serif Roman" panose="02000603000000000000" pitchFamily="2" charset="0"/>
+                      <a:ea typeface="CMU Serif Roman" panose="02000603000000000000" pitchFamily="2" charset="0"/>
+                      <a:cs typeface="CMU Serif Roman" panose="02000603000000000000" pitchFamily="2" charset="0"/>
+                    </a:rPr>
+                    <a:t>4c</a:t>
+                  </a:r>
+                </a:p>
+              </p:txBody>
+            </p:sp>
+            <p:cxnSp>
+              <p:nvCxnSpPr>
+                <p:cNvPr id="303" name="Straight Connector 302">
+                  <a:extLst>
+                    <a:ext uri="{FF2B5EF4-FFF2-40B4-BE49-F238E27FC236}">
+                      <a16:creationId xmlns:a16="http://schemas.microsoft.com/office/drawing/2014/main" id="{FEC5E116-E885-624B-B8A9-44A39B1E98CB}"/>
+                    </a:ext>
+                  </a:extLst>
+                </p:cNvPr>
+                <p:cNvCxnSpPr>
+                  <a:cxnSpLocks/>
+                </p:cNvCxnSpPr>
+                <p:nvPr/>
+              </p:nvCxnSpPr>
+              <p:spPr>
+                <a:xfrm>
+                  <a:off x="6340439" y="265207"/>
+                  <a:ext cx="0" cy="178678"/>
+                </a:xfrm>
+                <a:prstGeom prst="line">
+                  <a:avLst/>
+                </a:prstGeom>
+                <a:ln w="19050">
+                  <a:solidFill>
+                    <a:srgbClr val="FF0000"/>
+                  </a:solidFill>
+                </a:ln>
+              </p:spPr>
+              <p:style>
+                <a:lnRef idx="1">
+                  <a:schemeClr val="accent1"/>
+                </a:lnRef>
+                <a:fillRef idx="0">
+                  <a:schemeClr val="accent1"/>
+                </a:fillRef>
+                <a:effectRef idx="0">
+                  <a:schemeClr val="accent1"/>
+                </a:effectRef>
+                <a:fontRef idx="minor">
+                  <a:schemeClr val="tx1"/>
+                </a:fontRef>
+              </p:style>
+            </p:cxnSp>
+            <p:cxnSp>
+              <p:nvCxnSpPr>
+                <p:cNvPr id="304" name="Straight Connector 303">
+                  <a:extLst>
+                    <a:ext uri="{FF2B5EF4-FFF2-40B4-BE49-F238E27FC236}">
+                      <a16:creationId xmlns:a16="http://schemas.microsoft.com/office/drawing/2014/main" id="{377EB638-4455-FD4D-A172-320935E222D2}"/>
+                    </a:ext>
+                  </a:extLst>
+                </p:cNvPr>
+                <p:cNvCxnSpPr>
+                  <a:cxnSpLocks/>
+                </p:cNvCxnSpPr>
+                <p:nvPr/>
+              </p:nvCxnSpPr>
+              <p:spPr>
+                <a:xfrm>
+                  <a:off x="6666872" y="265207"/>
+                  <a:ext cx="0" cy="178678"/>
+                </a:xfrm>
+                <a:prstGeom prst="line">
+                  <a:avLst/>
+                </a:prstGeom>
+                <a:ln w="19050">
+                  <a:solidFill>
+                    <a:srgbClr val="FFC000"/>
+                  </a:solidFill>
+                </a:ln>
+              </p:spPr>
+              <p:style>
+                <a:lnRef idx="1">
+                  <a:schemeClr val="accent1"/>
+                </a:lnRef>
+                <a:fillRef idx="0">
+                  <a:schemeClr val="accent1"/>
+                </a:fillRef>
+                <a:effectRef idx="0">
+                  <a:schemeClr val="accent1"/>
+                </a:effectRef>
+                <a:fontRef idx="minor">
+                  <a:schemeClr val="tx1"/>
+                </a:fontRef>
+              </p:style>
+            </p:cxnSp>
+            <mc:AlternateContent xmlns:mc="http://schemas.openxmlformats.org/markup-compatibility/2006" xmlns:a14="http://schemas.microsoft.com/office/drawing/2010/main">
+              <mc:Choice Requires="a14">
+                <p:sp>
+                  <p:nvSpPr>
+                    <p:cNvPr id="305" name="TextBox 304">
+                      <a:extLst>
+                        <a:ext uri="{FF2B5EF4-FFF2-40B4-BE49-F238E27FC236}">
+                          <a16:creationId xmlns:a16="http://schemas.microsoft.com/office/drawing/2014/main" id="{56D5625A-1A53-2D4A-B865-7DE3B1941B11}"/>
+                        </a:ext>
+                      </a:extLst>
+                    </p:cNvPr>
+                    <p:cNvSpPr txBox="1"/>
+                    <p:nvPr/>
+                  </p:nvSpPr>
+                  <p:spPr>
+                    <a:xfrm>
+                      <a:off x="6761151" y="275628"/>
+                      <a:ext cx="315853" cy="276999"/>
+                    </a:xfrm>
+                    <a:prstGeom prst="rect">
+                      <a:avLst/>
+                    </a:prstGeom>
+                    <a:noFill/>
+                  </p:spPr>
+                  <p:txBody>
+                    <a:bodyPr wrap="square" rtlCol="0">
+                      <a:spAutoFit/>
+                    </a:bodyPr>
+                    <a:lstStyle/>
+                    <a:p>
+                      <a:pPr/>
+                      <a14:m>
+                        <m:oMathPara xmlns:m="http://schemas.openxmlformats.org/officeDocument/2006/math">
+                          <m:oMathParaPr>
+                            <m:jc m:val="centerGroup"/>
+                          </m:oMathParaPr>
+                          <m:oMath xmlns:m="http://schemas.openxmlformats.org/officeDocument/2006/math">
+                            <m:sSub>
+                              <m:sSubPr>
+                                <m:ctrlPr>
+                                  <a:rPr lang="en-US" sz="1200" b="0" i="1" smtClean="0">
+                                    <a:latin typeface="Cambria Math" panose="02040503050406030204" pitchFamily="18" charset="0"/>
+                                  </a:rPr>
+                                </m:ctrlPr>
+                              </m:sSubPr>
+                              <m:e>
+                                <m:r>
+                                  <a:rPr lang="en-US" sz="1200" b="0" i="1" smtClean="0">
+                                    <a:latin typeface="Cambria Math" panose="02040503050406030204" pitchFamily="18" charset="0"/>
+                                  </a:rPr>
+                                  <m:t>𝑡</m:t>
+                                </m:r>
+                              </m:e>
+                              <m:sub>
+                                <m:r>
+                                  <a:rPr lang="en-US" sz="1200" b="0" i="1" smtClean="0">
+                                    <a:latin typeface="Cambria Math" panose="02040503050406030204" pitchFamily="18" charset="0"/>
+                                  </a:rPr>
+                                  <m:t>0</m:t>
+                                </m:r>
+                              </m:sub>
+                            </m:sSub>
+                          </m:oMath>
+                        </m:oMathPara>
+                      </a14:m>
+                      <a:endParaRPr lang="en-US" sz="1200" dirty="0"/>
+                    </a:p>
+                  </p:txBody>
+                </p:sp>
+              </mc:Choice>
+              <mc:Fallback xmlns="">
+                <p:sp>
+                  <p:nvSpPr>
+                    <p:cNvPr id="305" name="TextBox 304">
+                      <a:extLst>
+                        <a:ext uri="{FF2B5EF4-FFF2-40B4-BE49-F238E27FC236}">
+                          <a16:creationId xmlns:a16="http://schemas.microsoft.com/office/drawing/2014/main" id="{56D5625A-1A53-2D4A-B865-7DE3B1941B11}"/>
+                        </a:ext>
+                      </a:extLst>
+                    </p:cNvPr>
+                    <p:cNvSpPr txBox="1">
+                      <a:spLocks noRot="1" noChangeAspect="1" noMove="1" noResize="1" noEditPoints="1" noAdjustHandles="1" noChangeArrowheads="1" noChangeShapeType="1" noTextEdit="1"/>
+                    </p:cNvSpPr>
+                    <p:nvPr/>
+                  </p:nvSpPr>
+                  <p:spPr>
+                    <a:xfrm>
+                      <a:off x="6761151" y="275628"/>
+                      <a:ext cx="315853" cy="276999"/>
+                    </a:xfrm>
+                    <a:prstGeom prst="rect">
+                      <a:avLst/>
+                    </a:prstGeom>
+                    <a:blipFill>
+                      <a:blip r:embed="rId11"/>
+                      <a:stretch>
+                        <a:fillRect/>
+                      </a:stretch>
+                    </a:blipFill>
+                  </p:spPr>
+                  <p:txBody>
+                    <a:bodyPr/>
+                    <a:lstStyle/>
+                    <a:p>
+                      <a:r>
+                        <a:rPr lang="en-US">
+                          <a:noFill/>
+                        </a:rPr>
+                        <a:t> </a:t>
+                      </a:r>
+                    </a:p>
+                  </p:txBody>
+                </p:sp>
+              </mc:Fallback>
+            </mc:AlternateContent>
+            <p:cxnSp>
+              <p:nvCxnSpPr>
+                <p:cNvPr id="306" name="Straight Connector 305">
+                  <a:extLst>
+                    <a:ext uri="{FF2B5EF4-FFF2-40B4-BE49-F238E27FC236}">
+                      <a16:creationId xmlns:a16="http://schemas.microsoft.com/office/drawing/2014/main" id="{4FF84423-7E3D-354C-9B50-F2618E05DE2B}"/>
+                    </a:ext>
+                  </a:extLst>
+                </p:cNvPr>
+                <p:cNvCxnSpPr>
+                  <a:cxnSpLocks/>
+                </p:cNvCxnSpPr>
+                <p:nvPr/>
+              </p:nvCxnSpPr>
+              <p:spPr>
+                <a:xfrm>
+                  <a:off x="7058956" y="181047"/>
+                  <a:ext cx="0" cy="1321841"/>
+                </a:xfrm>
+                <a:prstGeom prst="line">
+                  <a:avLst/>
+                </a:prstGeom>
+                <a:ln w="28575">
+                  <a:solidFill>
+                    <a:schemeClr val="tx1"/>
+                  </a:solidFill>
+                  <a:prstDash val="dash"/>
+                </a:ln>
+              </p:spPr>
+              <p:style>
+                <a:lnRef idx="1">
+                  <a:schemeClr val="accent1"/>
+                </a:lnRef>
+                <a:fillRef idx="0">
+                  <a:schemeClr val="accent1"/>
+                </a:fillRef>
+                <a:effectRef idx="0">
+                  <a:schemeClr val="accent1"/>
+                </a:effectRef>
+                <a:fontRef idx="minor">
+                  <a:schemeClr val="tx1"/>
+                </a:fontRef>
+              </p:style>
+            </p:cxnSp>
+            <p:cxnSp>
+              <p:nvCxnSpPr>
+                <p:cNvPr id="307" name="Straight Connector 306">
+                  <a:extLst>
+                    <a:ext uri="{FF2B5EF4-FFF2-40B4-BE49-F238E27FC236}">
+                      <a16:creationId xmlns:a16="http://schemas.microsoft.com/office/drawing/2014/main" id="{3582A879-DDF2-F844-B9B2-9D877844ECA2}"/>
+                    </a:ext>
+                  </a:extLst>
+                </p:cNvPr>
+                <p:cNvCxnSpPr>
+                  <a:cxnSpLocks/>
+                </p:cNvCxnSpPr>
+                <p:nvPr/>
+              </p:nvCxnSpPr>
+              <p:spPr>
+                <a:xfrm>
+                  <a:off x="5885521" y="1502888"/>
+                  <a:ext cx="1177158" cy="0"/>
+                </a:xfrm>
+                <a:prstGeom prst="line">
+                  <a:avLst/>
+                </a:prstGeom>
+                <a:ln w="28575">
+                  <a:solidFill>
+                    <a:schemeClr val="tx1"/>
+                  </a:solidFill>
+                  <a:prstDash val="dash"/>
+                </a:ln>
+              </p:spPr>
+              <p:style>
+                <a:lnRef idx="1">
+                  <a:schemeClr val="accent1"/>
+                </a:lnRef>
+                <a:fillRef idx="0">
+                  <a:schemeClr val="accent1"/>
+                </a:fillRef>
+                <a:effectRef idx="0">
+                  <a:schemeClr val="accent1"/>
+                </a:effectRef>
+                <a:fontRef idx="minor">
+                  <a:schemeClr val="tx1"/>
+                </a:fontRef>
+              </p:style>
+            </p:cxnSp>
+            <mc:AlternateContent xmlns:mc="http://schemas.openxmlformats.org/markup-compatibility/2006" xmlns:a14="http://schemas.microsoft.com/office/drawing/2010/main">
+              <mc:Choice Requires="a14">
+                <p:sp>
+                  <p:nvSpPr>
+                    <p:cNvPr id="308" name="TextBox 307">
+                      <a:extLst>
+                        <a:ext uri="{FF2B5EF4-FFF2-40B4-BE49-F238E27FC236}">
+                          <a16:creationId xmlns:a16="http://schemas.microsoft.com/office/drawing/2014/main" id="{104CA41D-7E81-4D4E-A65E-FA7CD1CF7C85}"/>
+                        </a:ext>
+                      </a:extLst>
+                    </p:cNvPr>
+                    <p:cNvSpPr txBox="1"/>
+                    <p:nvPr/>
+                  </p:nvSpPr>
+                  <p:spPr>
+                    <a:xfrm>
+                      <a:off x="6761977" y="646997"/>
+                      <a:ext cx="315853" cy="276999"/>
+                    </a:xfrm>
+                    <a:prstGeom prst="rect">
+                      <a:avLst/>
+                    </a:prstGeom>
+                    <a:noFill/>
+                  </p:spPr>
+                  <p:txBody>
+                    <a:bodyPr wrap="square" rtlCol="0">
+                      <a:spAutoFit/>
+                    </a:bodyPr>
+                    <a:lstStyle/>
+                    <a:p>
+                      <a:pPr/>
+                      <a14:m>
+                        <m:oMathPara xmlns:m="http://schemas.openxmlformats.org/officeDocument/2006/math">
+                          <m:oMathParaPr>
+                            <m:jc m:val="centerGroup"/>
+                          </m:oMathParaPr>
+                          <m:oMath xmlns:m="http://schemas.openxmlformats.org/officeDocument/2006/math">
+                            <m:sSup>
+                              <m:sSupPr>
+                                <m:ctrlPr>
+                                  <a:rPr lang="en-US" sz="1200" b="0" i="1" smtClean="0">
+                                    <a:latin typeface="Cambria Math" panose="02040503050406030204" pitchFamily="18" charset="0"/>
+                                  </a:rPr>
+                                </m:ctrlPr>
+                              </m:sSupPr>
+                              <m:e>
+                                <m:r>
+                                  <a:rPr lang="en-US" sz="1200" b="0" i="1" smtClean="0">
+                                    <a:latin typeface="Cambria Math" panose="02040503050406030204" pitchFamily="18" charset="0"/>
+                                  </a:rPr>
+                                  <m:t>𝑡</m:t>
+                                </m:r>
+                              </m:e>
+                              <m:sup>
+                                <m:r>
+                                  <a:rPr lang="en-US" sz="1200" b="0" i="1" smtClean="0">
+                                    <a:latin typeface="Cambria Math" panose="02040503050406030204" pitchFamily="18" charset="0"/>
+                                  </a:rPr>
+                                  <m:t>′</m:t>
+                                </m:r>
+                              </m:sup>
+                            </m:sSup>
+                          </m:oMath>
+                        </m:oMathPara>
+                      </a14:m>
+                      <a:endParaRPr lang="en-US" sz="1200" dirty="0"/>
+                    </a:p>
+                  </p:txBody>
+                </p:sp>
+              </mc:Choice>
+              <mc:Fallback xmlns="">
+                <p:sp>
+                  <p:nvSpPr>
+                    <p:cNvPr id="308" name="TextBox 307">
+                      <a:extLst>
+                        <a:ext uri="{FF2B5EF4-FFF2-40B4-BE49-F238E27FC236}">
+                          <a16:creationId xmlns:a16="http://schemas.microsoft.com/office/drawing/2014/main" id="{104CA41D-7E81-4D4E-A65E-FA7CD1CF7C85}"/>
+                        </a:ext>
+                      </a:extLst>
+                    </p:cNvPr>
+                    <p:cNvSpPr txBox="1">
+                      <a:spLocks noRot="1" noChangeAspect="1" noMove="1" noResize="1" noEditPoints="1" noAdjustHandles="1" noChangeArrowheads="1" noChangeShapeType="1" noTextEdit="1"/>
+                    </p:cNvSpPr>
+                    <p:nvPr/>
+                  </p:nvSpPr>
+                  <p:spPr>
+                    <a:xfrm>
+                      <a:off x="6761977" y="646997"/>
+                      <a:ext cx="315853" cy="276999"/>
+                    </a:xfrm>
+                    <a:prstGeom prst="rect">
+                      <a:avLst/>
+                    </a:prstGeom>
+                    <a:blipFill>
+                      <a:blip r:embed="rId12"/>
+                      <a:stretch>
+                        <a:fillRect/>
+                      </a:stretch>
+                    </a:blipFill>
+                  </p:spPr>
+                  <p:txBody>
+                    <a:bodyPr/>
+                    <a:lstStyle/>
+                    <a:p>
+                      <a:r>
+                        <a:rPr lang="en-US">
+                          <a:noFill/>
+                        </a:rPr>
+                        <a:t> </a:t>
+                      </a:r>
+                    </a:p>
+                  </p:txBody>
+                </p:sp>
+              </mc:Fallback>
+            </mc:AlternateContent>
+            <p:cxnSp>
+              <p:nvCxnSpPr>
+                <p:cNvPr id="309" name="Straight Connector 308">
+                  <a:extLst>
+                    <a:ext uri="{FF2B5EF4-FFF2-40B4-BE49-F238E27FC236}">
+                      <a16:creationId xmlns:a16="http://schemas.microsoft.com/office/drawing/2014/main" id="{EF0C7989-142C-F146-A84B-296C7455C69B}"/>
+                    </a:ext>
+                  </a:extLst>
+                </p:cNvPr>
+                <p:cNvCxnSpPr>
+                  <a:cxnSpLocks/>
+                </p:cNvCxnSpPr>
+                <p:nvPr/>
+              </p:nvCxnSpPr>
+              <p:spPr>
+                <a:xfrm flipH="1">
+                  <a:off x="6112351" y="448045"/>
+                  <a:ext cx="226973" cy="511498"/>
+                </a:xfrm>
+                <a:prstGeom prst="line">
+                  <a:avLst/>
+                </a:prstGeom>
+                <a:ln w="19050">
+                  <a:solidFill>
+                    <a:srgbClr val="FF0000"/>
+                  </a:solidFill>
+                </a:ln>
+              </p:spPr>
+              <p:style>
+                <a:lnRef idx="1">
+                  <a:schemeClr val="accent1"/>
+                </a:lnRef>
+                <a:fillRef idx="0">
+                  <a:schemeClr val="accent1"/>
+                </a:fillRef>
+                <a:effectRef idx="0">
+                  <a:schemeClr val="accent1"/>
+                </a:effectRef>
+                <a:fontRef idx="minor">
+                  <a:schemeClr val="tx1"/>
+                </a:fontRef>
+              </p:style>
+            </p:cxnSp>
+            <p:cxnSp>
+              <p:nvCxnSpPr>
+                <p:cNvPr id="311" name="Straight Arrow Connector 310">
+                  <a:extLst>
+                    <a:ext uri="{FF2B5EF4-FFF2-40B4-BE49-F238E27FC236}">
+                      <a16:creationId xmlns:a16="http://schemas.microsoft.com/office/drawing/2014/main" id="{D9F2337A-6826-0845-9CD5-BF7FDFC6CECC}"/>
+                    </a:ext>
+                  </a:extLst>
+                </p:cNvPr>
+                <p:cNvCxnSpPr>
+                  <a:cxnSpLocks/>
+                </p:cNvCxnSpPr>
+                <p:nvPr/>
+              </p:nvCxnSpPr>
+              <p:spPr>
+                <a:xfrm>
+                  <a:off x="6085567" y="819030"/>
+                  <a:ext cx="742952" cy="0"/>
+                </a:xfrm>
+                <a:prstGeom prst="straightConnector1">
+                  <a:avLst/>
+                </a:prstGeom>
+                <a:ln w="19050">
+                  <a:solidFill>
+                    <a:schemeClr val="tx1"/>
+                  </a:solidFill>
+                  <a:prstDash val="sysDot"/>
+                  <a:tailEnd type="none"/>
+                </a:ln>
+              </p:spPr>
+              <p:style>
+                <a:lnRef idx="1">
+                  <a:schemeClr val="accent1"/>
+                </a:lnRef>
+                <a:fillRef idx="0">
+                  <a:schemeClr val="accent1"/>
+                </a:fillRef>
+                <a:effectRef idx="0">
+                  <a:schemeClr val="accent1"/>
+                </a:effectRef>
+                <a:fontRef idx="minor">
+                  <a:schemeClr val="tx1"/>
+                </a:fontRef>
+              </p:style>
+            </p:cxnSp>
+            <p:cxnSp>
+              <p:nvCxnSpPr>
+                <p:cNvPr id="312" name="Straight Arrow Connector 311">
+                  <a:extLst>
+                    <a:ext uri="{FF2B5EF4-FFF2-40B4-BE49-F238E27FC236}">
+                      <a16:creationId xmlns:a16="http://schemas.microsoft.com/office/drawing/2014/main" id="{3C7307BD-A8B2-8646-BD34-FB2A6AD182A7}"/>
+                    </a:ext>
+                  </a:extLst>
+                </p:cNvPr>
+                <p:cNvCxnSpPr>
+                  <a:cxnSpLocks/>
+                </p:cNvCxnSpPr>
+                <p:nvPr/>
+              </p:nvCxnSpPr>
+              <p:spPr>
+                <a:xfrm>
+                  <a:off x="6326167" y="447661"/>
+                  <a:ext cx="501526" cy="0"/>
+                </a:xfrm>
+                <a:prstGeom prst="straightConnector1">
+                  <a:avLst/>
+                </a:prstGeom>
+                <a:ln w="19050">
+                  <a:solidFill>
+                    <a:schemeClr val="tx1"/>
+                  </a:solidFill>
+                  <a:prstDash val="sysDot"/>
+                  <a:tailEnd type="none"/>
+                </a:ln>
+              </p:spPr>
+              <p:style>
+                <a:lnRef idx="1">
+                  <a:schemeClr val="accent1"/>
+                </a:lnRef>
+                <a:fillRef idx="0">
+                  <a:schemeClr val="accent1"/>
+                </a:fillRef>
+                <a:effectRef idx="0">
+                  <a:schemeClr val="accent1"/>
+                </a:effectRef>
+                <a:fontRef idx="minor">
+                  <a:schemeClr val="tx1"/>
+                </a:fontRef>
+              </p:style>
+            </p:cxnSp>
+            <p:cxnSp>
+              <p:nvCxnSpPr>
+                <p:cNvPr id="314" name="Straight Connector 313">
+                  <a:extLst>
+                    <a:ext uri="{FF2B5EF4-FFF2-40B4-BE49-F238E27FC236}">
+                      <a16:creationId xmlns:a16="http://schemas.microsoft.com/office/drawing/2014/main" id="{493540F2-E026-1E4C-BCF8-ACD3DF905D61}"/>
+                    </a:ext>
+                  </a:extLst>
+                </p:cNvPr>
+                <p:cNvCxnSpPr>
+                  <a:cxnSpLocks/>
+                </p:cNvCxnSpPr>
+                <p:nvPr/>
+              </p:nvCxnSpPr>
+              <p:spPr>
+                <a:xfrm>
+                  <a:off x="5895049" y="174752"/>
+                  <a:ext cx="0" cy="1328136"/>
+                </a:xfrm>
+                <a:prstGeom prst="line">
+                  <a:avLst/>
+                </a:prstGeom>
+                <a:ln w="28575">
+                  <a:solidFill>
+                    <a:schemeClr val="tx1"/>
+                  </a:solidFill>
+                  <a:prstDash val="dash"/>
+                </a:ln>
+              </p:spPr>
+              <p:style>
+                <a:lnRef idx="1">
+                  <a:schemeClr val="accent1"/>
+                </a:lnRef>
+                <a:fillRef idx="0">
+                  <a:schemeClr val="accent1"/>
+                </a:fillRef>
+                <a:effectRef idx="0">
+                  <a:schemeClr val="accent1"/>
+                </a:effectRef>
+                <a:fontRef idx="minor">
+                  <a:schemeClr val="tx1"/>
+                </a:fontRef>
+              </p:style>
+            </p:cxnSp>
+            <mc:AlternateContent xmlns:mc="http://schemas.openxmlformats.org/markup-compatibility/2006" xmlns:a14="http://schemas.microsoft.com/office/drawing/2010/main">
+              <mc:Choice Requires="a14">
+                <p:sp>
+                  <p:nvSpPr>
+                    <p:cNvPr id="315" name="TextBox 314">
+                      <a:extLst>
+                        <a:ext uri="{FF2B5EF4-FFF2-40B4-BE49-F238E27FC236}">
+                          <a16:creationId xmlns:a16="http://schemas.microsoft.com/office/drawing/2014/main" id="{1BD168D5-ABD7-0C42-8C6C-C993B09D4CAE}"/>
+                        </a:ext>
+                      </a:extLst>
+                    </p:cNvPr>
+                    <p:cNvSpPr txBox="1"/>
+                    <p:nvPr/>
+                  </p:nvSpPr>
+                  <p:spPr>
+                    <a:xfrm>
+                      <a:off x="6755659" y="1055764"/>
+                      <a:ext cx="315853" cy="276999"/>
+                    </a:xfrm>
+                    <a:prstGeom prst="rect">
+                      <a:avLst/>
+                    </a:prstGeom>
+                    <a:noFill/>
+                  </p:spPr>
+                  <p:txBody>
+                    <a:bodyPr wrap="square" rtlCol="0">
+                      <a:spAutoFit/>
+                    </a:bodyPr>
+                    <a:lstStyle/>
+                    <a:p>
+                      <a:pPr/>
+                      <a14:m>
+                        <m:oMathPara xmlns:m="http://schemas.openxmlformats.org/officeDocument/2006/math">
+                          <m:oMathParaPr>
+                            <m:jc m:val="centerGroup"/>
+                          </m:oMathParaPr>
+                          <m:oMath xmlns:m="http://schemas.openxmlformats.org/officeDocument/2006/math">
+                            <m:sSub>
+                              <m:sSubPr>
+                                <m:ctrlPr>
+                                  <a:rPr lang="en-US" sz="1200" b="0" i="1" smtClean="0">
+                                    <a:latin typeface="Cambria Math" panose="02040503050406030204" pitchFamily="18" charset="0"/>
+                                  </a:rPr>
+                                </m:ctrlPr>
+                              </m:sSubPr>
+                              <m:e>
+                                <m:r>
+                                  <a:rPr lang="en-US" sz="1200" b="0" i="1" smtClean="0">
+                                    <a:latin typeface="Cambria Math" panose="02040503050406030204" pitchFamily="18" charset="0"/>
+                                  </a:rPr>
+                                  <m:t>𝑡</m:t>
+                                </m:r>
+                              </m:e>
+                              <m:sub>
+                                <m:r>
+                                  <a:rPr lang="en-US" sz="1200" b="0" i="1" smtClean="0">
+                                    <a:latin typeface="Cambria Math" panose="02040503050406030204" pitchFamily="18" charset="0"/>
+                                  </a:rPr>
+                                  <m:t>𝑒</m:t>
+                                </m:r>
+                              </m:sub>
+                            </m:sSub>
+                          </m:oMath>
+                        </m:oMathPara>
+                      </a14:m>
+                      <a:endParaRPr lang="en-US" sz="1200" dirty="0"/>
+                    </a:p>
+                  </p:txBody>
+                </p:sp>
+              </mc:Choice>
+              <mc:Fallback xmlns="">
+                <p:sp>
+                  <p:nvSpPr>
+                    <p:cNvPr id="315" name="TextBox 314">
+                      <a:extLst>
+                        <a:ext uri="{FF2B5EF4-FFF2-40B4-BE49-F238E27FC236}">
+                          <a16:creationId xmlns:a16="http://schemas.microsoft.com/office/drawing/2014/main" id="{1BD168D5-ABD7-0C42-8C6C-C993B09D4CAE}"/>
+                        </a:ext>
+                      </a:extLst>
+                    </p:cNvPr>
+                    <p:cNvSpPr txBox="1">
+                      <a:spLocks noRot="1" noChangeAspect="1" noMove="1" noResize="1" noEditPoints="1" noAdjustHandles="1" noChangeArrowheads="1" noChangeShapeType="1" noTextEdit="1"/>
+                    </p:cNvSpPr>
+                    <p:nvPr/>
+                  </p:nvSpPr>
+                  <p:spPr>
+                    <a:xfrm>
+                      <a:off x="6755659" y="1055764"/>
+                      <a:ext cx="315853" cy="276999"/>
+                    </a:xfrm>
+                    <a:prstGeom prst="rect">
+                      <a:avLst/>
+                    </a:prstGeom>
+                    <a:blipFill>
+                      <a:blip r:embed="rId13"/>
+                      <a:stretch>
+                        <a:fillRect/>
+                      </a:stretch>
+                    </a:blipFill>
+                  </p:spPr>
+                  <p:txBody>
+                    <a:bodyPr/>
+                    <a:lstStyle/>
+                    <a:p>
+                      <a:r>
+                        <a:rPr lang="en-US">
+                          <a:noFill/>
+                        </a:rPr>
+                        <a:t> </a:t>
+                      </a:r>
+                    </a:p>
+                  </p:txBody>
+                </p:sp>
+              </mc:Fallback>
+            </mc:AlternateContent>
+            <p:cxnSp>
+              <p:nvCxnSpPr>
+                <p:cNvPr id="316" name="Straight Arrow Connector 315">
+                  <a:extLst>
+                    <a:ext uri="{FF2B5EF4-FFF2-40B4-BE49-F238E27FC236}">
+                      <a16:creationId xmlns:a16="http://schemas.microsoft.com/office/drawing/2014/main" id="{4839E76F-CD62-0A4F-9F1D-519C2BBFEABD}"/>
+                    </a:ext>
+                  </a:extLst>
+                </p:cNvPr>
+                <p:cNvCxnSpPr>
+                  <a:cxnSpLocks/>
+                </p:cNvCxnSpPr>
+                <p:nvPr/>
+              </p:nvCxnSpPr>
+              <p:spPr>
+                <a:xfrm>
+                  <a:off x="5941396" y="1227797"/>
+                  <a:ext cx="880805" cy="0"/>
+                </a:xfrm>
+                <a:prstGeom prst="straightConnector1">
+                  <a:avLst/>
+                </a:prstGeom>
+                <a:ln w="19050">
+                  <a:solidFill>
+                    <a:schemeClr val="tx1"/>
+                  </a:solidFill>
+                  <a:prstDash val="sysDot"/>
+                  <a:tailEnd type="none"/>
+                </a:ln>
+              </p:spPr>
+              <p:style>
+                <a:lnRef idx="1">
+                  <a:schemeClr val="accent1"/>
+                </a:lnRef>
+                <a:fillRef idx="0">
+                  <a:schemeClr val="accent1"/>
+                </a:fillRef>
+                <a:effectRef idx="0">
+                  <a:schemeClr val="accent1"/>
+                </a:effectRef>
+                <a:fontRef idx="minor">
+                  <a:schemeClr val="tx1"/>
+                </a:fontRef>
+              </p:style>
+            </p:cxnSp>
+            <p:cxnSp>
+              <p:nvCxnSpPr>
+                <p:cNvPr id="317" name="Straight Connector 316">
+                  <a:extLst>
+                    <a:ext uri="{FF2B5EF4-FFF2-40B4-BE49-F238E27FC236}">
+                      <a16:creationId xmlns:a16="http://schemas.microsoft.com/office/drawing/2014/main" id="{2B8650D6-CBEF-374F-9CA9-58F88AA8550E}"/>
+                    </a:ext>
+                  </a:extLst>
+                </p:cNvPr>
+                <p:cNvCxnSpPr>
+                  <a:cxnSpLocks/>
+                </p:cNvCxnSpPr>
+                <p:nvPr/>
+              </p:nvCxnSpPr>
+              <p:spPr>
+                <a:xfrm>
+                  <a:off x="6341958" y="458648"/>
+                  <a:ext cx="10957" cy="166471"/>
+                </a:xfrm>
+                <a:prstGeom prst="line">
+                  <a:avLst/>
+                </a:prstGeom>
+                <a:ln w="19050">
+                  <a:solidFill>
+                    <a:srgbClr val="FF0000"/>
+                  </a:solidFill>
+                </a:ln>
+              </p:spPr>
+              <p:style>
+                <a:lnRef idx="1">
+                  <a:schemeClr val="accent1"/>
+                </a:lnRef>
+                <a:fillRef idx="0">
+                  <a:schemeClr val="accent1"/>
+                </a:fillRef>
+                <a:effectRef idx="0">
+                  <a:schemeClr val="accent1"/>
+                </a:effectRef>
+                <a:fontRef idx="minor">
+                  <a:schemeClr val="tx1"/>
+                </a:fontRef>
+              </p:style>
+            </p:cxnSp>
+            <p:cxnSp>
+              <p:nvCxnSpPr>
+                <p:cNvPr id="321" name="Straight Connector 320">
+                  <a:extLst>
+                    <a:ext uri="{FF2B5EF4-FFF2-40B4-BE49-F238E27FC236}">
+                      <a16:creationId xmlns:a16="http://schemas.microsoft.com/office/drawing/2014/main" id="{E293E729-457C-3C4B-A205-EA30FAE826D0}"/>
+                    </a:ext>
+                  </a:extLst>
+                </p:cNvPr>
+                <p:cNvCxnSpPr>
+                  <a:cxnSpLocks/>
+                </p:cNvCxnSpPr>
+                <p:nvPr/>
+              </p:nvCxnSpPr>
+              <p:spPr>
+                <a:xfrm flipH="1">
+                  <a:off x="6594015" y="419625"/>
+                  <a:ext cx="72858" cy="504359"/>
+                </a:xfrm>
+                <a:prstGeom prst="line">
+                  <a:avLst/>
+                </a:prstGeom>
+                <a:ln w="19050">
+                  <a:solidFill>
+                    <a:srgbClr val="FFC000"/>
+                  </a:solidFill>
+                </a:ln>
+              </p:spPr>
+              <p:style>
+                <a:lnRef idx="1">
+                  <a:schemeClr val="accent1"/>
+                </a:lnRef>
+                <a:fillRef idx="0">
+                  <a:schemeClr val="accent1"/>
+                </a:fillRef>
+                <a:effectRef idx="0">
+                  <a:schemeClr val="accent1"/>
+                </a:effectRef>
+                <a:fontRef idx="minor">
+                  <a:schemeClr val="tx1"/>
+                </a:fontRef>
+              </p:style>
+            </p:cxnSp>
+            <p:cxnSp>
+              <p:nvCxnSpPr>
+                <p:cNvPr id="322" name="Straight Connector 321">
+                  <a:extLst>
+                    <a:ext uri="{FF2B5EF4-FFF2-40B4-BE49-F238E27FC236}">
+                      <a16:creationId xmlns:a16="http://schemas.microsoft.com/office/drawing/2014/main" id="{EC1BB1E0-2351-B74A-92F1-5F1784D9D670}"/>
+                    </a:ext>
+                  </a:extLst>
+                </p:cNvPr>
+                <p:cNvCxnSpPr>
+                  <a:cxnSpLocks/>
+                </p:cNvCxnSpPr>
+                <p:nvPr/>
+              </p:nvCxnSpPr>
+              <p:spPr>
+                <a:xfrm>
+                  <a:off x="6639446" y="613831"/>
+                  <a:ext cx="88786" cy="539551"/>
+                </a:xfrm>
+                <a:prstGeom prst="line">
+                  <a:avLst/>
+                </a:prstGeom>
+                <a:ln w="19050">
+                  <a:solidFill>
+                    <a:srgbClr val="FFC000"/>
+                  </a:solidFill>
+                </a:ln>
+              </p:spPr>
+              <p:style>
+                <a:lnRef idx="1">
+                  <a:schemeClr val="accent1"/>
+                </a:lnRef>
+                <a:fillRef idx="0">
+                  <a:schemeClr val="accent1"/>
+                </a:fillRef>
+                <a:effectRef idx="0">
+                  <a:schemeClr val="accent1"/>
+                </a:effectRef>
+                <a:fontRef idx="minor">
+                  <a:schemeClr val="tx1"/>
+                </a:fontRef>
+              </p:style>
+            </p:cxnSp>
+          </p:grpSp>
           <p:cxnSp>
             <p:nvCxnSpPr>
-              <p:cNvPr id="317" name="Straight Connector 316">
+              <p:cNvPr id="208" name="Straight Connector 207">
                 <a:extLst>
                   <a:ext uri="{FF2B5EF4-FFF2-40B4-BE49-F238E27FC236}">
-                    <a16:creationId xmlns:a16="http://schemas.microsoft.com/office/drawing/2014/main" id="{2B8650D6-CBEF-374F-9CA9-58F88AA8550E}"/>
+                    <a16:creationId xmlns:a16="http://schemas.microsoft.com/office/drawing/2014/main" id="{6ED7F091-1868-EC4A-9670-E02037C5F1FC}"/>
                   </a:ext>
                 </a:extLst>
               </p:cNvPr>
@@ -18409,9 +18559,9 @@
               <p:nvPr/>
             </p:nvCxnSpPr>
             <p:spPr>
-              <a:xfrm>
-                <a:off x="6341958" y="458648"/>
-                <a:ext cx="10957" cy="166471"/>
+              <a:xfrm flipH="1">
+                <a:off x="2580917" y="3462459"/>
+                <a:ext cx="17648" cy="190693"/>
               </a:xfrm>
               <a:prstGeom prst="line">
                 <a:avLst/>
@@ -18439,10 +18589,10 @@
           </p:cxnSp>
           <p:cxnSp>
             <p:nvCxnSpPr>
-              <p:cNvPr id="321" name="Straight Connector 320">
+              <p:cNvPr id="210" name="Straight Connector 209">
                 <a:extLst>
                   <a:ext uri="{FF2B5EF4-FFF2-40B4-BE49-F238E27FC236}">
-                    <a16:creationId xmlns:a16="http://schemas.microsoft.com/office/drawing/2014/main" id="{E293E729-457C-3C4B-A205-EA30FAE826D0}"/>
+                    <a16:creationId xmlns:a16="http://schemas.microsoft.com/office/drawing/2014/main" id="{FD3F16C3-69D3-894F-A466-D46946B56779}"/>
                   </a:ext>
                 </a:extLst>
               </p:cNvPr>
@@ -18453,58 +18603,15 @@
             </p:nvCxnSpPr>
             <p:spPr>
               <a:xfrm flipH="1">
-                <a:off x="6594015" y="419625"/>
-                <a:ext cx="72858" cy="504359"/>
+                <a:off x="2546220" y="3609642"/>
+                <a:ext cx="39015" cy="421594"/>
               </a:xfrm>
               <a:prstGeom prst="line">
                 <a:avLst/>
               </a:prstGeom>
               <a:ln w="19050">
                 <a:solidFill>
-                  <a:srgbClr val="FFC000"/>
-                </a:solidFill>
-              </a:ln>
-            </p:spPr>
-            <p:style>
-              <a:lnRef idx="1">
-                <a:schemeClr val="accent1"/>
-              </a:lnRef>
-              <a:fillRef idx="0">
-                <a:schemeClr val="accent1"/>
-              </a:fillRef>
-              <a:effectRef idx="0">
-                <a:schemeClr val="accent1"/>
-              </a:effectRef>
-              <a:fontRef idx="minor">
-                <a:schemeClr val="tx1"/>
-              </a:fontRef>
-            </p:style>
-          </p:cxnSp>
-          <p:cxnSp>
-            <p:nvCxnSpPr>
-              <p:cNvPr id="322" name="Straight Connector 321">
-                <a:extLst>
-                  <a:ext uri="{FF2B5EF4-FFF2-40B4-BE49-F238E27FC236}">
-                    <a16:creationId xmlns:a16="http://schemas.microsoft.com/office/drawing/2014/main" id="{EC1BB1E0-2351-B74A-92F1-5F1784D9D670}"/>
-                  </a:ext>
-                </a:extLst>
-              </p:cNvPr>
-              <p:cNvCxnSpPr>
-                <a:cxnSpLocks/>
-              </p:cNvCxnSpPr>
-              <p:nvPr/>
-            </p:nvCxnSpPr>
-            <p:spPr>
-              <a:xfrm>
-                <a:off x="6639446" y="613831"/>
-                <a:ext cx="88786" cy="539551"/>
-              </a:xfrm>
-              <a:prstGeom prst="line">
-                <a:avLst/>
-              </a:prstGeom>
-              <a:ln w="19050">
-                <a:solidFill>
-                  <a:srgbClr val="FFC000"/>
+                  <a:srgbClr val="7030A0"/>
                 </a:solidFill>
               </a:ln>
             </p:spPr>
@@ -18524,92 +18631,6 @@
             </p:style>
           </p:cxnSp>
         </p:grpSp>
-        <p:cxnSp>
-          <p:nvCxnSpPr>
-            <p:cNvPr id="208" name="Straight Connector 207">
-              <a:extLst>
-                <a:ext uri="{FF2B5EF4-FFF2-40B4-BE49-F238E27FC236}">
-                  <a16:creationId xmlns:a16="http://schemas.microsoft.com/office/drawing/2014/main" id="{6ED7F091-1868-EC4A-9670-E02037C5F1FC}"/>
-                </a:ext>
-              </a:extLst>
-            </p:cNvPr>
-            <p:cNvCxnSpPr>
-              <a:cxnSpLocks/>
-            </p:cNvCxnSpPr>
-            <p:nvPr/>
-          </p:nvCxnSpPr>
-          <p:spPr>
-            <a:xfrm flipH="1">
-              <a:off x="2580917" y="3462459"/>
-              <a:ext cx="17648" cy="190693"/>
-            </a:xfrm>
-            <a:prstGeom prst="line">
-              <a:avLst/>
-            </a:prstGeom>
-            <a:ln w="19050">
-              <a:solidFill>
-                <a:srgbClr val="FF0000"/>
-              </a:solidFill>
-            </a:ln>
-          </p:spPr>
-          <p:style>
-            <a:lnRef idx="1">
-              <a:schemeClr val="accent1"/>
-            </a:lnRef>
-            <a:fillRef idx="0">
-              <a:schemeClr val="accent1"/>
-            </a:fillRef>
-            <a:effectRef idx="0">
-              <a:schemeClr val="accent1"/>
-            </a:effectRef>
-            <a:fontRef idx="minor">
-              <a:schemeClr val="tx1"/>
-            </a:fontRef>
-          </p:style>
-        </p:cxnSp>
-        <p:cxnSp>
-          <p:nvCxnSpPr>
-            <p:cNvPr id="210" name="Straight Connector 209">
-              <a:extLst>
-                <a:ext uri="{FF2B5EF4-FFF2-40B4-BE49-F238E27FC236}">
-                  <a16:creationId xmlns:a16="http://schemas.microsoft.com/office/drawing/2014/main" id="{FD3F16C3-69D3-894F-A466-D46946B56779}"/>
-                </a:ext>
-              </a:extLst>
-            </p:cNvPr>
-            <p:cNvCxnSpPr>
-              <a:cxnSpLocks/>
-            </p:cNvCxnSpPr>
-            <p:nvPr/>
-          </p:nvCxnSpPr>
-          <p:spPr>
-            <a:xfrm flipH="1">
-              <a:off x="2546220" y="3609642"/>
-              <a:ext cx="39015" cy="421594"/>
-            </a:xfrm>
-            <a:prstGeom prst="line">
-              <a:avLst/>
-            </a:prstGeom>
-            <a:ln w="19050">
-              <a:solidFill>
-                <a:srgbClr val="7030A0"/>
-              </a:solidFill>
-            </a:ln>
-          </p:spPr>
-          <p:style>
-            <a:lnRef idx="1">
-              <a:schemeClr val="accent1"/>
-            </a:lnRef>
-            <a:fillRef idx="0">
-              <a:schemeClr val="accent1"/>
-            </a:fillRef>
-            <a:effectRef idx="0">
-              <a:schemeClr val="accent1"/>
-            </a:effectRef>
-            <a:fontRef idx="minor">
-              <a:schemeClr val="tx1"/>
-            </a:fontRef>
-          </p:style>
-        </p:cxnSp>
       </p:grpSp>
       <p:grpSp>
         <p:nvGrpSpPr>
@@ -18625,10 +18646,10 @@
         </p:nvGrpSpPr>
         <p:grpSpPr>
           <a:xfrm>
-            <a:off x="3496296" y="2985127"/>
-            <a:ext cx="1177158" cy="1328136"/>
+            <a:off x="6473582" y="2629674"/>
+            <a:ext cx="1043606" cy="1328136"/>
             <a:chOff x="3496296" y="2985127"/>
-            <a:chExt cx="1177158" cy="1328136"/>
+            <a:chExt cx="1043606" cy="1328136"/>
           </a:xfrm>
         </p:grpSpPr>
         <p:grpSp>
@@ -18646,9 +18667,9 @@
           <p:grpSpPr>
             <a:xfrm>
               <a:off x="3496296" y="2985127"/>
-              <a:ext cx="1177158" cy="1328136"/>
+              <a:ext cx="1043606" cy="1328136"/>
               <a:chOff x="8609448" y="190607"/>
-              <a:chExt cx="1177158" cy="1328136"/>
+              <a:chExt cx="1043606" cy="1328136"/>
             </a:xfrm>
           </p:grpSpPr>
           <p:grpSp>
@@ -18666,9 +18687,9 @@
             <p:grpSpPr>
               <a:xfrm>
                 <a:off x="8609448" y="190607"/>
-                <a:ext cx="1177158" cy="1328136"/>
+                <a:ext cx="1043606" cy="1328136"/>
                 <a:chOff x="5885521" y="174752"/>
-                <a:chExt cx="1177158" cy="1328136"/>
+                <a:chExt cx="1043606" cy="1328136"/>
               </a:xfrm>
             </p:grpSpPr>
             <p:cxnSp>
@@ -18688,7 +18709,7 @@
               <p:spPr>
                 <a:xfrm>
                   <a:off x="5885521" y="181047"/>
-                  <a:ext cx="1177158" cy="0"/>
+                  <a:ext cx="1032974" cy="0"/>
                 </a:xfrm>
                 <a:prstGeom prst="line">
                   <a:avLst/>
@@ -18856,7 +18877,7 @@
               </p:nvCxnSpPr>
               <p:spPr>
                 <a:xfrm>
-                  <a:off x="7055781" y="181047"/>
+                  <a:off x="6896287" y="181047"/>
                   <a:ext cx="0" cy="1321841"/>
                 </a:xfrm>
                 <a:prstGeom prst="line">
@@ -18901,7 +18922,7 @@
               <p:spPr>
                 <a:xfrm>
                   <a:off x="5885521" y="1502888"/>
-                  <a:ext cx="1177158" cy="0"/>
+                  <a:ext cx="1043606" cy="0"/>
                 </a:xfrm>
                 <a:prstGeom prst="line">
                   <a:avLst/>
@@ -20164,10 +20185,10 @@
         </p:nvGrpSpPr>
         <p:grpSpPr>
           <a:xfrm>
-            <a:off x="4761493" y="2990065"/>
-            <a:ext cx="1177158" cy="1328136"/>
+            <a:off x="7844964" y="2623483"/>
+            <a:ext cx="946135" cy="1328136"/>
             <a:chOff x="4761493" y="2990065"/>
-            <a:chExt cx="1177158" cy="1328136"/>
+            <a:chExt cx="946135" cy="1328136"/>
           </a:xfrm>
         </p:grpSpPr>
         <p:grpSp>
@@ -20185,9 +20206,9 @@
           <p:grpSpPr>
             <a:xfrm>
               <a:off x="4761493" y="2990065"/>
-              <a:ext cx="1177158" cy="1328136"/>
+              <a:ext cx="946135" cy="1328136"/>
               <a:chOff x="9959332" y="198000"/>
-              <a:chExt cx="1177158" cy="1328136"/>
+              <a:chExt cx="946135" cy="1328136"/>
             </a:xfrm>
           </p:grpSpPr>
           <p:grpSp>
@@ -20205,9 +20226,9 @@
             <p:grpSpPr>
               <a:xfrm>
                 <a:off x="9959332" y="198000"/>
-                <a:ext cx="1177158" cy="1328136"/>
+                <a:ext cx="946135" cy="1328136"/>
                 <a:chOff x="5885521" y="174752"/>
-                <a:chExt cx="1177158" cy="1328136"/>
+                <a:chExt cx="946135" cy="1328136"/>
               </a:xfrm>
             </p:grpSpPr>
             <p:cxnSp>
@@ -20227,7 +20248,7 @@
               <p:spPr>
                 <a:xfrm>
                   <a:off x="5885521" y="181047"/>
-                  <a:ext cx="1177158" cy="0"/>
+                  <a:ext cx="946135" cy="0"/>
                 </a:xfrm>
                 <a:prstGeom prst="line">
                   <a:avLst/>
@@ -20395,7 +20416,7 @@
               </p:nvCxnSpPr>
               <p:spPr>
                 <a:xfrm>
-                  <a:off x="7055781" y="181047"/>
+                  <a:off x="6821859" y="181047"/>
                   <a:ext cx="0" cy="1321841"/>
                 </a:xfrm>
                 <a:prstGeom prst="line">
@@ -20440,7 +20461,7 @@
               <p:spPr>
                 <a:xfrm>
                   <a:off x="5885521" y="1502888"/>
-                  <a:ext cx="1177158" cy="0"/>
+                  <a:ext cx="935502" cy="0"/>
                 </a:xfrm>
                 <a:prstGeom prst="line">
                   <a:avLst/>
@@ -20901,6 +20922,422 @@
           </p:style>
         </p:cxnSp>
       </p:grpSp>
+      <p:sp>
+        <p:nvSpPr>
+          <p:cNvPr id="2" name="Right Arrow 1">
+            <a:extLst>
+              <a:ext uri="{FF2B5EF4-FFF2-40B4-BE49-F238E27FC236}">
+                <a16:creationId xmlns:a16="http://schemas.microsoft.com/office/drawing/2014/main" id="{474DF746-4D38-8543-8443-83A0A78F76D6}"/>
+              </a:ext>
+            </a:extLst>
+          </p:cNvPr>
+          <p:cNvSpPr/>
+          <p:nvPr/>
+        </p:nvSpPr>
+        <p:spPr>
+          <a:xfrm>
+            <a:off x="1438590" y="3119840"/>
+            <a:ext cx="401586" cy="298091"/>
+          </a:xfrm>
+          <a:prstGeom prst="rightArrow">
+            <a:avLst/>
+          </a:prstGeom>
+        </p:spPr>
+        <p:style>
+          <a:lnRef idx="2">
+            <a:schemeClr val="dk1">
+              <a:shade val="50000"/>
+            </a:schemeClr>
+          </a:lnRef>
+          <a:fillRef idx="1">
+            <a:schemeClr val="dk1"/>
+          </a:fillRef>
+          <a:effectRef idx="0">
+            <a:schemeClr val="dk1"/>
+          </a:effectRef>
+          <a:fontRef idx="minor">
+            <a:schemeClr val="lt1"/>
+          </a:fontRef>
+        </p:style>
+        <p:txBody>
+          <a:bodyPr rtlCol="0" anchor="ctr"/>
+          <a:lstStyle/>
+          <a:p>
+            <a:pPr algn="ctr"/>
+            <a:endParaRPr lang="en-US"/>
+          </a:p>
+        </p:txBody>
+      </p:sp>
+      <p:cxnSp>
+        <p:nvCxnSpPr>
+          <p:cNvPr id="52" name="Curved Connector 51">
+            <a:extLst>
+              <a:ext uri="{FF2B5EF4-FFF2-40B4-BE49-F238E27FC236}">
+                <a16:creationId xmlns:a16="http://schemas.microsoft.com/office/drawing/2014/main" id="{22A551CB-101C-754A-A796-84D45B856541}"/>
+              </a:ext>
+            </a:extLst>
+          </p:cNvPr>
+          <p:cNvCxnSpPr>
+            <a:cxnSpLocks/>
+          </p:cNvCxnSpPr>
+          <p:nvPr/>
+        </p:nvCxnSpPr>
+        <p:spPr>
+          <a:xfrm rot="5400000" flipH="1" flipV="1">
+            <a:off x="3057985" y="2333880"/>
+            <a:ext cx="1051290" cy="867431"/>
+          </a:xfrm>
+          <a:prstGeom prst="curvedConnector3">
+            <a:avLst>
+              <a:gd name="adj1" fmla="val 129981"/>
+            </a:avLst>
+          </a:prstGeom>
+          <a:ln w="19050">
+            <a:solidFill>
+              <a:schemeClr val="tx1"/>
+            </a:solidFill>
+            <a:prstDash val="sysDash"/>
+            <a:tailEnd type="triangle"/>
+          </a:ln>
+        </p:spPr>
+        <p:style>
+          <a:lnRef idx="1">
+            <a:schemeClr val="accent1"/>
+          </a:lnRef>
+          <a:fillRef idx="0">
+            <a:schemeClr val="accent1"/>
+          </a:fillRef>
+          <a:effectRef idx="0">
+            <a:schemeClr val="accent1"/>
+          </a:effectRef>
+          <a:fontRef idx="minor">
+            <a:schemeClr val="tx1"/>
+          </a:fontRef>
+        </p:style>
+      </p:cxnSp>
+      <p:cxnSp>
+        <p:nvCxnSpPr>
+          <p:cNvPr id="242" name="Curved Connector 241">
+            <a:extLst>
+              <a:ext uri="{FF2B5EF4-FFF2-40B4-BE49-F238E27FC236}">
+                <a16:creationId xmlns:a16="http://schemas.microsoft.com/office/drawing/2014/main" id="{92CC94CB-C9BE-E546-9A8D-F1158BB9E339}"/>
+              </a:ext>
+            </a:extLst>
+          </p:cNvPr>
+          <p:cNvCxnSpPr>
+            <a:cxnSpLocks/>
+          </p:cNvCxnSpPr>
+          <p:nvPr/>
+        </p:nvCxnSpPr>
+        <p:spPr>
+          <a:xfrm rot="5400000" flipH="1">
+            <a:off x="3075160" y="3359948"/>
+            <a:ext cx="1035856" cy="891062"/>
+          </a:xfrm>
+          <a:prstGeom prst="curvedConnector3">
+            <a:avLst>
+              <a:gd name="adj1" fmla="val -22069"/>
+            </a:avLst>
+          </a:prstGeom>
+          <a:ln w="19050">
+            <a:solidFill>
+              <a:schemeClr val="tx1"/>
+            </a:solidFill>
+            <a:prstDash val="sysDash"/>
+            <a:tailEnd type="none"/>
+          </a:ln>
+        </p:spPr>
+        <p:style>
+          <a:lnRef idx="1">
+            <a:schemeClr val="accent1"/>
+          </a:lnRef>
+          <a:fillRef idx="0">
+            <a:schemeClr val="accent1"/>
+          </a:fillRef>
+          <a:effectRef idx="0">
+            <a:schemeClr val="accent1"/>
+          </a:effectRef>
+          <a:fontRef idx="minor">
+            <a:schemeClr val="tx1"/>
+          </a:fontRef>
+        </p:style>
+      </p:cxnSp>
+      <p:sp>
+        <p:nvSpPr>
+          <p:cNvPr id="255" name="Right Arrow 254">
+            <a:extLst>
+              <a:ext uri="{FF2B5EF4-FFF2-40B4-BE49-F238E27FC236}">
+                <a16:creationId xmlns:a16="http://schemas.microsoft.com/office/drawing/2014/main" id="{FD407ED5-439F-9E47-B4E8-555D13CF58C4}"/>
+              </a:ext>
+            </a:extLst>
+          </p:cNvPr>
+          <p:cNvSpPr/>
+          <p:nvPr/>
+        </p:nvSpPr>
+        <p:spPr>
+          <a:xfrm>
+            <a:off x="2992892" y="3111901"/>
+            <a:ext cx="401586" cy="298091"/>
+          </a:xfrm>
+          <a:prstGeom prst="rightArrow">
+            <a:avLst/>
+          </a:prstGeom>
+        </p:spPr>
+        <p:style>
+          <a:lnRef idx="2">
+            <a:schemeClr val="dk1">
+              <a:shade val="50000"/>
+            </a:schemeClr>
+          </a:lnRef>
+          <a:fillRef idx="1">
+            <a:schemeClr val="dk1"/>
+          </a:fillRef>
+          <a:effectRef idx="0">
+            <a:schemeClr val="dk1"/>
+          </a:effectRef>
+          <a:fontRef idx="minor">
+            <a:schemeClr val="lt1"/>
+          </a:fontRef>
+        </p:style>
+        <p:txBody>
+          <a:bodyPr rtlCol="0" anchor="ctr"/>
+          <a:lstStyle/>
+          <a:p>
+            <a:pPr algn="ctr"/>
+            <a:endParaRPr lang="en-US"/>
+          </a:p>
+        </p:txBody>
+      </p:sp>
+      <p:sp>
+        <p:nvSpPr>
+          <p:cNvPr id="256" name="Right Arrow 255">
+            <a:extLst>
+              <a:ext uri="{FF2B5EF4-FFF2-40B4-BE49-F238E27FC236}">
+                <a16:creationId xmlns:a16="http://schemas.microsoft.com/office/drawing/2014/main" id="{5F7CCA3F-743E-1349-9145-A874AFDE5C2B}"/>
+              </a:ext>
+            </a:extLst>
+          </p:cNvPr>
+          <p:cNvSpPr/>
+          <p:nvPr/>
+        </p:nvSpPr>
+        <p:spPr>
+          <a:xfrm>
+            <a:off x="4549122" y="3116219"/>
+            <a:ext cx="401586" cy="298091"/>
+          </a:xfrm>
+          <a:prstGeom prst="rightArrow">
+            <a:avLst/>
+          </a:prstGeom>
+        </p:spPr>
+        <p:style>
+          <a:lnRef idx="2">
+            <a:schemeClr val="dk1">
+              <a:shade val="50000"/>
+            </a:schemeClr>
+          </a:lnRef>
+          <a:fillRef idx="1">
+            <a:schemeClr val="dk1"/>
+          </a:fillRef>
+          <a:effectRef idx="0">
+            <a:schemeClr val="dk1"/>
+          </a:effectRef>
+          <a:fontRef idx="minor">
+            <a:schemeClr val="lt1"/>
+          </a:fontRef>
+        </p:style>
+        <p:txBody>
+          <a:bodyPr rtlCol="0" anchor="ctr"/>
+          <a:lstStyle/>
+          <a:p>
+            <a:pPr algn="ctr"/>
+            <a:endParaRPr lang="en-US"/>
+          </a:p>
+        </p:txBody>
+      </p:sp>
+      <p:sp>
+        <p:nvSpPr>
+          <p:cNvPr id="257" name="Right Arrow 256">
+            <a:extLst>
+              <a:ext uri="{FF2B5EF4-FFF2-40B4-BE49-F238E27FC236}">
+                <a16:creationId xmlns:a16="http://schemas.microsoft.com/office/drawing/2014/main" id="{4EE70D32-7F92-E14B-BA21-FD3F6EF5AF07}"/>
+              </a:ext>
+            </a:extLst>
+          </p:cNvPr>
+          <p:cNvSpPr/>
+          <p:nvPr/>
+        </p:nvSpPr>
+        <p:spPr>
+          <a:xfrm>
+            <a:off x="6094873" y="3119839"/>
+            <a:ext cx="401586" cy="298091"/>
+          </a:xfrm>
+          <a:prstGeom prst="rightArrow">
+            <a:avLst/>
+          </a:prstGeom>
+        </p:spPr>
+        <p:style>
+          <a:lnRef idx="2">
+            <a:schemeClr val="dk1">
+              <a:shade val="50000"/>
+            </a:schemeClr>
+          </a:lnRef>
+          <a:fillRef idx="1">
+            <a:schemeClr val="dk1"/>
+          </a:fillRef>
+          <a:effectRef idx="0">
+            <a:schemeClr val="dk1"/>
+          </a:effectRef>
+          <a:fontRef idx="minor">
+            <a:schemeClr val="lt1"/>
+          </a:fontRef>
+        </p:style>
+        <p:txBody>
+          <a:bodyPr rtlCol="0" anchor="ctr"/>
+          <a:lstStyle/>
+          <a:p>
+            <a:pPr algn="ctr"/>
+            <a:endParaRPr lang="en-US"/>
+          </a:p>
+        </p:txBody>
+      </p:sp>
+      <p:sp>
+        <p:nvSpPr>
+          <p:cNvPr id="258" name="Right Arrow 257">
+            <a:extLst>
+              <a:ext uri="{FF2B5EF4-FFF2-40B4-BE49-F238E27FC236}">
+                <a16:creationId xmlns:a16="http://schemas.microsoft.com/office/drawing/2014/main" id="{F88C2189-A889-DF4A-85C8-EBA768A6263A}"/>
+              </a:ext>
+            </a:extLst>
+          </p:cNvPr>
+          <p:cNvSpPr/>
+          <p:nvPr/>
+        </p:nvSpPr>
+        <p:spPr>
+          <a:xfrm>
+            <a:off x="7469913" y="3111900"/>
+            <a:ext cx="401586" cy="298091"/>
+          </a:xfrm>
+          <a:prstGeom prst="rightArrow">
+            <a:avLst/>
+          </a:prstGeom>
+        </p:spPr>
+        <p:style>
+          <a:lnRef idx="2">
+            <a:schemeClr val="dk1">
+              <a:shade val="50000"/>
+            </a:schemeClr>
+          </a:lnRef>
+          <a:fillRef idx="1">
+            <a:schemeClr val="dk1"/>
+          </a:fillRef>
+          <a:effectRef idx="0">
+            <a:schemeClr val="dk1"/>
+          </a:effectRef>
+          <a:fontRef idx="minor">
+            <a:schemeClr val="lt1"/>
+          </a:fontRef>
+        </p:style>
+        <p:txBody>
+          <a:bodyPr rtlCol="0" anchor="ctr"/>
+          <a:lstStyle/>
+          <a:p>
+            <a:pPr algn="ctr"/>
+            <a:endParaRPr lang="en-US"/>
+          </a:p>
+        </p:txBody>
+      </p:sp>
+      <p:sp>
+        <p:nvSpPr>
+          <p:cNvPr id="259" name="Right Arrow 258">
+            <a:extLst>
+              <a:ext uri="{FF2B5EF4-FFF2-40B4-BE49-F238E27FC236}">
+                <a16:creationId xmlns:a16="http://schemas.microsoft.com/office/drawing/2014/main" id="{603BCCAB-33C1-DE43-AE93-F571DB76D354}"/>
+              </a:ext>
+            </a:extLst>
+          </p:cNvPr>
+          <p:cNvSpPr/>
+          <p:nvPr/>
+        </p:nvSpPr>
+        <p:spPr>
+          <a:xfrm>
+            <a:off x="8774585" y="3116219"/>
+            <a:ext cx="401586" cy="298091"/>
+          </a:xfrm>
+          <a:prstGeom prst="rightArrow">
+            <a:avLst/>
+          </a:prstGeom>
+        </p:spPr>
+        <p:style>
+          <a:lnRef idx="2">
+            <a:schemeClr val="dk1">
+              <a:shade val="50000"/>
+            </a:schemeClr>
+          </a:lnRef>
+          <a:fillRef idx="1">
+            <a:schemeClr val="dk1"/>
+          </a:fillRef>
+          <a:effectRef idx="0">
+            <a:schemeClr val="dk1"/>
+          </a:effectRef>
+          <a:fontRef idx="minor">
+            <a:schemeClr val="lt1"/>
+          </a:fontRef>
+        </p:style>
+        <p:txBody>
+          <a:bodyPr rtlCol="0" anchor="ctr"/>
+          <a:lstStyle/>
+          <a:p>
+            <a:pPr algn="ctr"/>
+            <a:endParaRPr lang="en-US"/>
+          </a:p>
+        </p:txBody>
+      </p:sp>
+      <p:sp>
+        <p:nvSpPr>
+          <p:cNvPr id="260" name="Right Arrow 259">
+            <a:extLst>
+              <a:ext uri="{FF2B5EF4-FFF2-40B4-BE49-F238E27FC236}">
+                <a16:creationId xmlns:a16="http://schemas.microsoft.com/office/drawing/2014/main" id="{E0FCA2DE-BDEF-8540-9F17-1D69CABD687F}"/>
+              </a:ext>
+            </a:extLst>
+          </p:cNvPr>
+          <p:cNvSpPr/>
+          <p:nvPr/>
+        </p:nvSpPr>
+        <p:spPr>
+          <a:xfrm>
+            <a:off x="10329186" y="3119838"/>
+            <a:ext cx="401586" cy="298091"/>
+          </a:xfrm>
+          <a:prstGeom prst="rightArrow">
+            <a:avLst/>
+          </a:prstGeom>
+        </p:spPr>
+        <p:style>
+          <a:lnRef idx="2">
+            <a:schemeClr val="dk1">
+              <a:shade val="50000"/>
+            </a:schemeClr>
+          </a:lnRef>
+          <a:fillRef idx="1">
+            <a:schemeClr val="dk1"/>
+          </a:fillRef>
+          <a:effectRef idx="0">
+            <a:schemeClr val="dk1"/>
+          </a:effectRef>
+          <a:fontRef idx="minor">
+            <a:schemeClr val="lt1"/>
+          </a:fontRef>
+        </p:style>
+        <p:txBody>
+          <a:bodyPr rtlCol="0" anchor="ctr"/>
+          <a:lstStyle/>
+          <a:p>
+            <a:pPr algn="ctr"/>
+            <a:endParaRPr lang="en-US"/>
+          </a:p>
+        </p:txBody>
+      </p:sp>
     </p:spTree>
     <p:extLst>
       <p:ext uri="{BB962C8B-B14F-4D97-AF65-F5344CB8AC3E}">

--- a/figures/figures.pptx
+++ b/figures/figures.pptx
@@ -7123,7 +7123,7 @@
           <a:p>
             <a:fld id="{435F5122-36F6-8A43-9FB8-2C7E079D8491}" type="datetimeFigureOut">
               <a:rPr lang="en-US" smtClean="0"/>
-              <a:t>3/28/18</a:t>
+              <a:t>4/8/18</a:t>
             </a:fld>
             <a:endParaRPr lang="en-US"/>
           </a:p>
@@ -7603,7 +7603,7 @@
           <a:p>
             <a:fld id="{0B81B261-3E97-594D-92FE-9F195E76D39F}" type="datetimeFigureOut">
               <a:rPr lang="en-US" smtClean="0"/>
-              <a:t>3/28/18</a:t>
+              <a:t>4/8/18</a:t>
             </a:fld>
             <a:endParaRPr lang="en-US"/>
           </a:p>
@@ -7771,7 +7771,7 @@
           <a:p>
             <a:fld id="{0B81B261-3E97-594D-92FE-9F195E76D39F}" type="datetimeFigureOut">
               <a:rPr lang="en-US" smtClean="0"/>
-              <a:t>3/28/18</a:t>
+              <a:t>4/8/18</a:t>
             </a:fld>
             <a:endParaRPr lang="en-US"/>
           </a:p>
@@ -7949,7 +7949,7 @@
           <a:p>
             <a:fld id="{0B81B261-3E97-594D-92FE-9F195E76D39F}" type="datetimeFigureOut">
               <a:rPr lang="en-US" smtClean="0"/>
-              <a:t>3/28/18</a:t>
+              <a:t>4/8/18</a:t>
             </a:fld>
             <a:endParaRPr lang="en-US"/>
           </a:p>
@@ -8117,7 +8117,7 @@
           <a:p>
             <a:fld id="{0B81B261-3E97-594D-92FE-9F195E76D39F}" type="datetimeFigureOut">
               <a:rPr lang="en-US" smtClean="0"/>
-              <a:t>3/28/18</a:t>
+              <a:t>4/8/18</a:t>
             </a:fld>
             <a:endParaRPr lang="en-US"/>
           </a:p>
@@ -8362,7 +8362,7 @@
           <a:p>
             <a:fld id="{0B81B261-3E97-594D-92FE-9F195E76D39F}" type="datetimeFigureOut">
               <a:rPr lang="en-US" smtClean="0"/>
-              <a:t>3/28/18</a:t>
+              <a:t>4/8/18</a:t>
             </a:fld>
             <a:endParaRPr lang="en-US"/>
           </a:p>
@@ -8591,7 +8591,7 @@
           <a:p>
             <a:fld id="{0B81B261-3E97-594D-92FE-9F195E76D39F}" type="datetimeFigureOut">
               <a:rPr lang="en-US" smtClean="0"/>
-              <a:t>3/28/18</a:t>
+              <a:t>4/8/18</a:t>
             </a:fld>
             <a:endParaRPr lang="en-US"/>
           </a:p>
@@ -8955,7 +8955,7 @@
           <a:p>
             <a:fld id="{0B81B261-3E97-594D-92FE-9F195E76D39F}" type="datetimeFigureOut">
               <a:rPr lang="en-US" smtClean="0"/>
-              <a:t>3/28/18</a:t>
+              <a:t>4/8/18</a:t>
             </a:fld>
             <a:endParaRPr lang="en-US"/>
           </a:p>
@@ -9072,7 +9072,7 @@
           <a:p>
             <a:fld id="{0B81B261-3E97-594D-92FE-9F195E76D39F}" type="datetimeFigureOut">
               <a:rPr lang="en-US" smtClean="0"/>
-              <a:t>3/28/18</a:t>
+              <a:t>4/8/18</a:t>
             </a:fld>
             <a:endParaRPr lang="en-US"/>
           </a:p>
@@ -9167,7 +9167,7 @@
           <a:p>
             <a:fld id="{0B81B261-3E97-594D-92FE-9F195E76D39F}" type="datetimeFigureOut">
               <a:rPr lang="en-US" smtClean="0"/>
-              <a:t>3/28/18</a:t>
+              <a:t>4/8/18</a:t>
             </a:fld>
             <a:endParaRPr lang="en-US"/>
           </a:p>
@@ -9442,7 +9442,7 @@
           <a:p>
             <a:fld id="{0B81B261-3E97-594D-92FE-9F195E76D39F}" type="datetimeFigureOut">
               <a:rPr lang="en-US" smtClean="0"/>
-              <a:t>3/28/18</a:t>
+              <a:t>4/8/18</a:t>
             </a:fld>
             <a:endParaRPr lang="en-US"/>
           </a:p>
@@ -9694,7 +9694,7 @@
           <a:p>
             <a:fld id="{0B81B261-3E97-594D-92FE-9F195E76D39F}" type="datetimeFigureOut">
               <a:rPr lang="en-US" smtClean="0"/>
-              <a:t>3/28/18</a:t>
+              <a:t>4/8/18</a:t>
             </a:fld>
             <a:endParaRPr lang="en-US"/>
           </a:p>
@@ -9905,7 +9905,7 @@
           <a:p>
             <a:fld id="{0B81B261-3E97-594D-92FE-9F195E76D39F}" type="datetimeFigureOut">
               <a:rPr lang="en-US" smtClean="0"/>
-              <a:t>3/28/18</a:t>
+              <a:t>4/8/18</a:t>
             </a:fld>
             <a:endParaRPr lang="en-US"/>
           </a:p>
@@ -39553,7 +39553,7 @@
         </p:nvSpPr>
         <p:spPr>
           <a:xfrm>
-            <a:off x="3175025" y="2564401"/>
+            <a:off x="2838705" y="2564401"/>
             <a:ext cx="1408386" cy="924559"/>
           </a:xfrm>
           <a:prstGeom prst="rightArrow">
@@ -39593,7 +39593,7 @@
         </p:nvCxnSpPr>
         <p:spPr>
           <a:xfrm flipH="1">
-            <a:off x="4624949" y="1518621"/>
+            <a:off x="3868220" y="1518621"/>
             <a:ext cx="1681840" cy="3583147"/>
           </a:xfrm>
           <a:prstGeom prst="line">
@@ -39624,7 +39624,7 @@
         </p:nvCxnSpPr>
         <p:spPr>
           <a:xfrm>
-            <a:off x="5996232" y="2196169"/>
+            <a:off x="5239503" y="2196169"/>
             <a:ext cx="5065" cy="1004107"/>
           </a:xfrm>
           <a:prstGeom prst="line">
@@ -39655,7 +39655,7 @@
         </p:nvCxnSpPr>
         <p:spPr>
           <a:xfrm flipH="1">
-            <a:off x="5582829" y="3200277"/>
+            <a:off x="4826100" y="3200277"/>
             <a:ext cx="418467" cy="1901492"/>
           </a:xfrm>
           <a:prstGeom prst="line">
@@ -39690,7 +39690,7 @@
         </p:nvCxnSpPr>
         <p:spPr>
           <a:xfrm>
-            <a:off x="5814689" y="4058969"/>
+            <a:off x="5057960" y="4058969"/>
             <a:ext cx="48981" cy="1042800"/>
           </a:xfrm>
           <a:prstGeom prst="line">
@@ -39725,7 +39725,7 @@
         </p:nvCxnSpPr>
         <p:spPr>
           <a:xfrm flipH="1">
-            <a:off x="4970949" y="3488960"/>
+            <a:off x="4214220" y="3488960"/>
             <a:ext cx="416881" cy="1612809"/>
           </a:xfrm>
           <a:prstGeom prst="line">
@@ -39756,7 +39756,7 @@
         </p:nvCxnSpPr>
         <p:spPr>
           <a:xfrm>
-            <a:off x="6306790" y="1492346"/>
+            <a:off x="5550061" y="1492346"/>
             <a:ext cx="227012" cy="415160"/>
           </a:xfrm>
           <a:prstGeom prst="line">
@@ -39787,7 +39787,7 @@
         </p:nvCxnSpPr>
         <p:spPr>
           <a:xfrm flipH="1">
-            <a:off x="6130751" y="1907506"/>
+            <a:off x="5374022" y="1907506"/>
             <a:ext cx="403052" cy="3194263"/>
           </a:xfrm>
           <a:prstGeom prst="line">
@@ -39822,7 +39822,7 @@
         </p:nvCxnSpPr>
         <p:spPr>
           <a:xfrm>
-            <a:off x="6433105" y="2711020"/>
+            <a:off x="5676376" y="2711020"/>
             <a:ext cx="25982" cy="2380238"/>
           </a:xfrm>
           <a:prstGeom prst="line">
@@ -39857,7 +39857,7 @@
         </p:nvCxnSpPr>
         <p:spPr>
           <a:xfrm flipH="1">
-            <a:off x="6261420" y="3741032"/>
+            <a:off x="5504691" y="3741032"/>
             <a:ext cx="179888" cy="1350226"/>
           </a:xfrm>
           <a:prstGeom prst="line">
@@ -39892,7 +39892,7 @@
         </p:nvCxnSpPr>
         <p:spPr>
           <a:xfrm>
-            <a:off x="6533802" y="1933781"/>
+            <a:off x="5777073" y="1933781"/>
             <a:ext cx="280981" cy="630620"/>
           </a:xfrm>
           <a:prstGeom prst="line">
@@ -39927,7 +39927,7 @@
         </p:nvCxnSpPr>
         <p:spPr>
           <a:xfrm flipH="1">
-            <a:off x="5417870" y="2884967"/>
+            <a:off x="4661141" y="2884967"/>
             <a:ext cx="250939" cy="2216802"/>
           </a:xfrm>
           <a:prstGeom prst="line">
@@ -39958,7 +39958,7 @@
         </p:nvCxnSpPr>
         <p:spPr>
           <a:xfrm>
-            <a:off x="5244167" y="4058969"/>
+            <a:off x="4487438" y="4058969"/>
             <a:ext cx="36077" cy="1032288"/>
           </a:xfrm>
           <a:prstGeom prst="line">
@@ -39993,7 +39993,7 @@
         </p:nvCxnSpPr>
         <p:spPr>
           <a:xfrm flipH="1">
-            <a:off x="6010407" y="3200277"/>
+            <a:off x="5253678" y="3200277"/>
             <a:ext cx="2440" cy="1890981"/>
           </a:xfrm>
           <a:prstGeom prst="line">
@@ -40028,7 +40028,7 @@
         </p:nvCxnSpPr>
         <p:spPr>
           <a:xfrm flipH="1">
-            <a:off x="6575341" y="2564401"/>
+            <a:off x="5818612" y="2564401"/>
             <a:ext cx="239442" cy="2537368"/>
           </a:xfrm>
           <a:prstGeom prst="line">
@@ -40063,7 +40063,7 @@
         </p:nvCxnSpPr>
         <p:spPr>
           <a:xfrm>
-            <a:off x="6740238" y="3342158"/>
+            <a:off x="5983509" y="3342158"/>
             <a:ext cx="160577" cy="1759611"/>
           </a:xfrm>
           <a:prstGeom prst="line">
@@ -40098,7 +40098,7 @@
         </p:nvCxnSpPr>
         <p:spPr>
           <a:xfrm>
-            <a:off x="6660119" y="4221963"/>
+            <a:off x="5903390" y="4221963"/>
             <a:ext cx="120140" cy="879806"/>
           </a:xfrm>
           <a:prstGeom prst="line">
@@ -40133,7 +40133,7 @@
         </p:nvCxnSpPr>
         <p:spPr>
           <a:xfrm>
-            <a:off x="6814783" y="2564401"/>
+            <a:off x="6058054" y="2564401"/>
             <a:ext cx="344040" cy="1024056"/>
           </a:xfrm>
           <a:prstGeom prst="line">
@@ -40168,7 +40168,7 @@
         </p:nvCxnSpPr>
         <p:spPr>
           <a:xfrm flipH="1">
-            <a:off x="6997415" y="3580749"/>
+            <a:off x="6240686" y="3580749"/>
             <a:ext cx="149857" cy="1521020"/>
           </a:xfrm>
           <a:prstGeom prst="line">
@@ -40203,7 +40203,7 @@
         </p:nvCxnSpPr>
         <p:spPr>
           <a:xfrm>
-            <a:off x="7147271" y="3520842"/>
+            <a:off x="6390542" y="3520842"/>
             <a:ext cx="316062" cy="1580927"/>
           </a:xfrm>
           <a:prstGeom prst="line">
@@ -40238,7 +40238,7 @@
         </p:nvCxnSpPr>
         <p:spPr>
           <a:xfrm>
-            <a:off x="7072343" y="4284854"/>
+            <a:off x="6315614" y="4284854"/>
             <a:ext cx="195272" cy="816915"/>
           </a:xfrm>
           <a:prstGeom prst="line">
@@ -40273,7 +40273,7 @@
         </p:nvCxnSpPr>
         <p:spPr>
           <a:xfrm flipH="1">
-            <a:off x="5097430" y="4514065"/>
+            <a:off x="4340701" y="4514065"/>
             <a:ext cx="158396" cy="577192"/>
           </a:xfrm>
           <a:prstGeom prst="line">
@@ -40308,7 +40308,7 @@
         </p:nvSpPr>
         <p:spPr>
           <a:xfrm>
-            <a:off x="7630104" y="2564401"/>
+            <a:off x="6652659" y="2564401"/>
             <a:ext cx="1408386" cy="924559"/>
           </a:xfrm>
           <a:prstGeom prst="rightArrow">
@@ -40348,7 +40348,7 @@
         </p:nvSpPr>
         <p:spPr>
           <a:xfrm>
-            <a:off x="9473608" y="1492346"/>
+            <a:off x="8285961" y="1492346"/>
             <a:ext cx="2030819" cy="3609422"/>
           </a:xfrm>
           <a:prstGeom prst="rect">
@@ -40396,7 +40396,7 @@
         </p:nvCxnSpPr>
         <p:spPr>
           <a:xfrm>
-            <a:off x="9724508" y="1719021"/>
+            <a:off x="8536861" y="1719021"/>
             <a:ext cx="1509824" cy="0"/>
           </a:xfrm>
           <a:prstGeom prst="line">
@@ -40427,7 +40427,7 @@
         </p:nvCxnSpPr>
         <p:spPr>
           <a:xfrm>
-            <a:off x="9724508" y="1859332"/>
+            <a:off x="8536861" y="1859332"/>
             <a:ext cx="1509824" cy="0"/>
           </a:xfrm>
           <a:prstGeom prst="line">
@@ -40458,7 +40458,7 @@
         </p:nvCxnSpPr>
         <p:spPr>
           <a:xfrm>
-            <a:off x="9724508" y="1992969"/>
+            <a:off x="8536861" y="1992969"/>
             <a:ext cx="1509824" cy="0"/>
           </a:xfrm>
           <a:prstGeom prst="line">
@@ -40489,7 +40489,7 @@
         </p:nvCxnSpPr>
         <p:spPr>
           <a:xfrm>
-            <a:off x="9724508" y="2139019"/>
+            <a:off x="8536861" y="2139019"/>
             <a:ext cx="1509824" cy="0"/>
           </a:xfrm>
           <a:prstGeom prst="line">
@@ -40520,7 +40520,7 @@
         </p:nvCxnSpPr>
         <p:spPr>
           <a:xfrm>
-            <a:off x="9724508" y="2291022"/>
+            <a:off x="8536861" y="2291022"/>
             <a:ext cx="1509824" cy="0"/>
           </a:xfrm>
           <a:prstGeom prst="line">
@@ -40555,7 +40555,7 @@
         </p:nvCxnSpPr>
         <p:spPr>
           <a:xfrm>
-            <a:off x="9724508" y="2431333"/>
+            <a:off x="8536861" y="2431333"/>
             <a:ext cx="1509824" cy="0"/>
           </a:xfrm>
           <a:prstGeom prst="line">
@@ -40590,7 +40590,7 @@
         </p:nvCxnSpPr>
         <p:spPr>
           <a:xfrm>
-            <a:off x="9724508" y="2564970"/>
+            <a:off x="8536861" y="2564970"/>
             <a:ext cx="1509824" cy="0"/>
           </a:xfrm>
           <a:prstGeom prst="line">
@@ -40625,7 +40625,7 @@
         </p:nvCxnSpPr>
         <p:spPr>
           <a:xfrm>
-            <a:off x="9724508" y="2711020"/>
+            <a:off x="8536861" y="2711020"/>
             <a:ext cx="1509824" cy="0"/>
           </a:xfrm>
           <a:prstGeom prst="line">
@@ -40660,7 +40660,7 @@
         </p:nvCxnSpPr>
         <p:spPr>
           <a:xfrm>
-            <a:off x="9724508" y="2842971"/>
+            <a:off x="8536861" y="2842971"/>
             <a:ext cx="1509824" cy="0"/>
           </a:xfrm>
           <a:prstGeom prst="line">
@@ -40695,7 +40695,7 @@
         </p:nvCxnSpPr>
         <p:spPr>
           <a:xfrm>
-            <a:off x="9724508" y="2983282"/>
+            <a:off x="8536861" y="2983282"/>
             <a:ext cx="1509824" cy="0"/>
           </a:xfrm>
           <a:prstGeom prst="line">
@@ -40730,7 +40730,7 @@
         </p:nvCxnSpPr>
         <p:spPr>
           <a:xfrm>
-            <a:off x="9724508" y="3116919"/>
+            <a:off x="8536861" y="3116919"/>
             <a:ext cx="1509824" cy="0"/>
           </a:xfrm>
           <a:prstGeom prst="line">
@@ -40765,7 +40765,7 @@
         </p:nvCxnSpPr>
         <p:spPr>
           <a:xfrm>
-            <a:off x="9724508" y="3262969"/>
+            <a:off x="8536861" y="3262969"/>
             <a:ext cx="1509824" cy="0"/>
           </a:xfrm>
           <a:prstGeom prst="line">
@@ -40800,7 +40800,7 @@
         </p:nvCxnSpPr>
         <p:spPr>
           <a:xfrm>
-            <a:off x="9724508" y="3376371"/>
+            <a:off x="8536861" y="3376371"/>
             <a:ext cx="1509824" cy="0"/>
           </a:xfrm>
           <a:prstGeom prst="line">
@@ -40835,7 +40835,7 @@
         </p:nvCxnSpPr>
         <p:spPr>
           <a:xfrm>
-            <a:off x="9724508" y="3516682"/>
+            <a:off x="8536861" y="3516682"/>
             <a:ext cx="1509824" cy="0"/>
           </a:xfrm>
           <a:prstGeom prst="line">
@@ -40870,7 +40870,7 @@
         </p:nvCxnSpPr>
         <p:spPr>
           <a:xfrm>
-            <a:off x="9724508" y="3650319"/>
+            <a:off x="8536861" y="3650319"/>
             <a:ext cx="1509824" cy="0"/>
           </a:xfrm>
           <a:prstGeom prst="line">
@@ -40905,7 +40905,7 @@
         </p:nvCxnSpPr>
         <p:spPr>
           <a:xfrm>
-            <a:off x="9724508" y="3796369"/>
+            <a:off x="8536861" y="3796369"/>
             <a:ext cx="1509824" cy="0"/>
           </a:xfrm>
           <a:prstGeom prst="line">
@@ -40940,7 +40940,7 @@
         </p:nvCxnSpPr>
         <p:spPr>
           <a:xfrm>
-            <a:off x="9724508" y="3941521"/>
+            <a:off x="8536861" y="3941521"/>
             <a:ext cx="1509824" cy="0"/>
           </a:xfrm>
           <a:prstGeom prst="line">
@@ -40975,7 +40975,7 @@
         </p:nvCxnSpPr>
         <p:spPr>
           <a:xfrm>
-            <a:off x="9724508" y="4081832"/>
+            <a:off x="8536861" y="4081832"/>
             <a:ext cx="1509824" cy="0"/>
           </a:xfrm>
           <a:prstGeom prst="line">
@@ -41010,7 +41010,7 @@
         </p:nvCxnSpPr>
         <p:spPr>
           <a:xfrm>
-            <a:off x="9724508" y="4215469"/>
+            <a:off x="8536861" y="4215469"/>
             <a:ext cx="1509824" cy="0"/>
           </a:xfrm>
           <a:prstGeom prst="line">
@@ -41045,7 +41045,7 @@
         </p:nvCxnSpPr>
         <p:spPr>
           <a:xfrm>
-            <a:off x="9724508" y="4361519"/>
+            <a:off x="8536861" y="4361519"/>
             <a:ext cx="1509824" cy="0"/>
           </a:xfrm>
           <a:prstGeom prst="line">
@@ -41080,7 +41080,7 @@
         </p:nvCxnSpPr>
         <p:spPr>
           <a:xfrm>
-            <a:off x="9724508" y="4493971"/>
+            <a:off x="8536861" y="4493971"/>
             <a:ext cx="1509824" cy="0"/>
           </a:xfrm>
           <a:prstGeom prst="line">
@@ -41115,7 +41115,7 @@
         </p:nvCxnSpPr>
         <p:spPr>
           <a:xfrm>
-            <a:off x="9724508" y="4634282"/>
+            <a:off x="8536861" y="4634282"/>
             <a:ext cx="1509824" cy="0"/>
           </a:xfrm>
           <a:prstGeom prst="line">
@@ -41150,7 +41150,7 @@
         </p:nvCxnSpPr>
         <p:spPr>
           <a:xfrm>
-            <a:off x="9724508" y="4767919"/>
+            <a:off x="8536861" y="4767919"/>
             <a:ext cx="1509824" cy="0"/>
           </a:xfrm>
           <a:prstGeom prst="line">
@@ -41185,7 +41185,7 @@
         </p:nvCxnSpPr>
         <p:spPr>
           <a:xfrm>
-            <a:off x="9724508" y="4913969"/>
+            <a:off x="8536861" y="4913969"/>
             <a:ext cx="1509824" cy="0"/>
           </a:xfrm>
           <a:prstGeom prst="line">
